--- a/Intelligence Artificielle et Analyse de donnees.pptx
+++ b/Intelligence Artificielle et Analyse de donnees.pptx
@@ -122,6 +122,22 @@
       </a:defRPr>
     </a:lvl9pPr>
   </p:defaultTextStyle>
+  <p:extLst>
+    <p:ext uri="{EFAFB233-063F-42B5-8137-9DF3F51BA10A}">
+      <p15:sldGuideLst xmlns:p15="http://schemas.microsoft.com/office/powerpoint/2012/main">
+        <p15:guide id="1" orient="horz" pos="2160" userDrawn="1">
+          <p15:clr>
+            <a:srgbClr val="A4A3A4"/>
+          </p15:clr>
+        </p15:guide>
+        <p15:guide id="2" pos="3840" userDrawn="1">
+          <p15:clr>
+            <a:srgbClr val="A4A3A4"/>
+          </p15:clr>
+        </p15:guide>
+      </p15:sldGuideLst>
+    </p:ext>
+  </p:extLst>
 </p:presentation>
 </file>
 
@@ -272,7 +288,7 @@
           <a:p>
             <a:fld id="{6744C8BF-8EDA-4728-ABB9-9DEA91F7FC64}" type="datetimeFigureOut">
               <a:rPr lang="fr-FR" smtClean="0"/>
-              <a:t>15/01/2025</a:t>
+              <a:t>16/01/2025</a:t>
             </a:fld>
             <a:endParaRPr lang="fr-FR"/>
           </a:p>
@@ -470,7 +486,7 @@
           <a:p>
             <a:fld id="{6744C8BF-8EDA-4728-ABB9-9DEA91F7FC64}" type="datetimeFigureOut">
               <a:rPr lang="fr-FR" smtClean="0"/>
-              <a:t>15/01/2025</a:t>
+              <a:t>16/01/2025</a:t>
             </a:fld>
             <a:endParaRPr lang="fr-FR"/>
           </a:p>
@@ -678,7 +694,7 @@
           <a:p>
             <a:fld id="{6744C8BF-8EDA-4728-ABB9-9DEA91F7FC64}" type="datetimeFigureOut">
               <a:rPr lang="fr-FR" smtClean="0"/>
-              <a:t>15/01/2025</a:t>
+              <a:t>16/01/2025</a:t>
             </a:fld>
             <a:endParaRPr lang="fr-FR"/>
           </a:p>
@@ -876,7 +892,7 @@
           <a:p>
             <a:fld id="{6744C8BF-8EDA-4728-ABB9-9DEA91F7FC64}" type="datetimeFigureOut">
               <a:rPr lang="fr-FR" smtClean="0"/>
-              <a:t>15/01/2025</a:t>
+              <a:t>16/01/2025</a:t>
             </a:fld>
             <a:endParaRPr lang="fr-FR"/>
           </a:p>
@@ -1151,7 +1167,7 @@
           <a:p>
             <a:fld id="{6744C8BF-8EDA-4728-ABB9-9DEA91F7FC64}" type="datetimeFigureOut">
               <a:rPr lang="fr-FR" smtClean="0"/>
-              <a:t>15/01/2025</a:t>
+              <a:t>16/01/2025</a:t>
             </a:fld>
             <a:endParaRPr lang="fr-FR"/>
           </a:p>
@@ -1416,7 +1432,7 @@
           <a:p>
             <a:fld id="{6744C8BF-8EDA-4728-ABB9-9DEA91F7FC64}" type="datetimeFigureOut">
               <a:rPr lang="fr-FR" smtClean="0"/>
-              <a:t>15/01/2025</a:t>
+              <a:t>16/01/2025</a:t>
             </a:fld>
             <a:endParaRPr lang="fr-FR"/>
           </a:p>
@@ -1828,7 +1844,7 @@
           <a:p>
             <a:fld id="{6744C8BF-8EDA-4728-ABB9-9DEA91F7FC64}" type="datetimeFigureOut">
               <a:rPr lang="fr-FR" smtClean="0"/>
-              <a:t>15/01/2025</a:t>
+              <a:t>16/01/2025</a:t>
             </a:fld>
             <a:endParaRPr lang="fr-FR"/>
           </a:p>
@@ -1969,7 +1985,7 @@
           <a:p>
             <a:fld id="{6744C8BF-8EDA-4728-ABB9-9DEA91F7FC64}" type="datetimeFigureOut">
               <a:rPr lang="fr-FR" smtClean="0"/>
-              <a:t>15/01/2025</a:t>
+              <a:t>16/01/2025</a:t>
             </a:fld>
             <a:endParaRPr lang="fr-FR"/>
           </a:p>
@@ -2082,7 +2098,7 @@
           <a:p>
             <a:fld id="{6744C8BF-8EDA-4728-ABB9-9DEA91F7FC64}" type="datetimeFigureOut">
               <a:rPr lang="fr-FR" smtClean="0"/>
-              <a:t>15/01/2025</a:t>
+              <a:t>16/01/2025</a:t>
             </a:fld>
             <a:endParaRPr lang="fr-FR"/>
           </a:p>
@@ -2393,7 +2409,7 @@
           <a:p>
             <a:fld id="{6744C8BF-8EDA-4728-ABB9-9DEA91F7FC64}" type="datetimeFigureOut">
               <a:rPr lang="fr-FR" smtClean="0"/>
-              <a:t>15/01/2025</a:t>
+              <a:t>16/01/2025</a:t>
             </a:fld>
             <a:endParaRPr lang="fr-FR"/>
           </a:p>
@@ -2681,7 +2697,7 @@
           <a:p>
             <a:fld id="{6744C8BF-8EDA-4728-ABB9-9DEA91F7FC64}" type="datetimeFigureOut">
               <a:rPr lang="fr-FR" smtClean="0"/>
-              <a:t>15/01/2025</a:t>
+              <a:t>16/01/2025</a:t>
             </a:fld>
             <a:endParaRPr lang="fr-FR"/>
           </a:p>
@@ -2922,7 +2938,7 @@
           <a:p>
             <a:fld id="{6744C8BF-8EDA-4728-ABB9-9DEA91F7FC64}" type="datetimeFigureOut">
               <a:rPr lang="fr-FR" smtClean="0"/>
-              <a:t>15/01/2025</a:t>
+              <a:t>16/01/2025</a:t>
             </a:fld>
             <a:endParaRPr lang="fr-FR"/>
           </a:p>
@@ -3531,7 +3547,7 @@
                   </a:schemeClr>
                 </a:solidFill>
               </a:rPr>
-              <a:t>Quel ordre M choisir pour le polynôme ?</a:t>
+              <a:t>Quel ordre M choisir pour notre polynôme ?</a:t>
             </a:r>
           </a:p>
         </p:txBody>
@@ -3864,42 +3880,18 @@
               <a:buNone/>
             </a:pPr>
             <a:r>
-              <a:rPr lang="fr-FR" dirty="0">
-                <a:solidFill>
-                  <a:schemeClr val="bg2">
-                    <a:lumMod val="50000"/>
-                  </a:schemeClr>
-                </a:solidFill>
-              </a:rPr>
+              <a:rPr lang="fr-FR" dirty="0"/>
               <a:t>Remarque (</a:t>
             </a:r>
             <a:r>
-              <a:rPr lang="fr-FR" b="1" dirty="0">
-                <a:solidFill>
-                  <a:schemeClr val="bg2">
-                    <a:lumMod val="50000"/>
-                  </a:schemeClr>
-                </a:solidFill>
-              </a:rPr>
+              <a:rPr lang="fr-FR" b="1" dirty="0"/>
               <a:t>polynômes de Lagrange</a:t>
             </a:r>
             <a:r>
-              <a:rPr lang="fr-FR" dirty="0">
-                <a:solidFill>
-                  <a:schemeClr val="bg2">
-                    <a:lumMod val="50000"/>
-                  </a:schemeClr>
-                </a:solidFill>
-              </a:rPr>
+              <a:rPr lang="fr-FR" dirty="0"/>
               <a:t>) : pour n données distinctes il existe un (unique) polynôme d’ordre n-1 qui passe exactement par chaque donnée.</a:t>
             </a:r>
-            <a:endParaRPr lang="fr-FR" sz="2000" dirty="0">
-              <a:solidFill>
-                <a:schemeClr val="bg2">
-                  <a:lumMod val="50000"/>
-                </a:schemeClr>
-              </a:solidFill>
-            </a:endParaRPr>
+            <a:endParaRPr lang="fr-FR" sz="2000" dirty="0"/>
           </a:p>
         </p:txBody>
       </p:sp>
@@ -3933,8 +3925,8 @@
           <a:chExt cx="0" cy="0"/>
         </a:xfrm>
       </p:grpSpPr>
-      <mc:AlternateContent xmlns:mc="http://schemas.openxmlformats.org/markup-compatibility/2006">
-        <mc:Choice xmlns:a14="http://schemas.microsoft.com/office/drawing/2010/main" Requires="a14">
+      <mc:AlternateContent xmlns:mc="http://schemas.openxmlformats.org/markup-compatibility/2006" xmlns:a14="http://schemas.microsoft.com/office/drawing/2010/main">
+        <mc:Choice Requires="a14">
           <p:sp>
             <p:nvSpPr>
               <p:cNvPr id="3" name="Espace réservé du contenu 2">
@@ -4113,7 +4105,7 @@
             </p:txBody>
           </p:sp>
         </mc:Choice>
-        <mc:Fallback>
+        <mc:Fallback xmlns="">
           <p:sp>
             <p:nvSpPr>
               <p:cNvPr id="3" name="Espace réservé du contenu 2">
@@ -4615,8 +4607,8 @@
           <a:chExt cx="0" cy="0"/>
         </a:xfrm>
       </p:grpSpPr>
-      <mc:AlternateContent xmlns:mc="http://schemas.openxmlformats.org/markup-compatibility/2006">
-        <mc:Choice xmlns:a14="http://schemas.microsoft.com/office/drawing/2010/main" Requires="a14">
+      <mc:AlternateContent xmlns:mc="http://schemas.openxmlformats.org/markup-compatibility/2006" xmlns:a14="http://schemas.microsoft.com/office/drawing/2010/main">
+        <mc:Choice Requires="a14">
           <p:sp>
             <p:nvSpPr>
               <p:cNvPr id="3" name="Espace réservé du contenu 2">
@@ -4775,7 +4767,7 @@
             </p:txBody>
           </p:sp>
         </mc:Choice>
-        <mc:Fallback>
+        <mc:Fallback xmlns="">
           <p:sp>
             <p:nvSpPr>
               <p:cNvPr id="3" name="Espace réservé du contenu 2">
@@ -4908,13 +4900,7 @@
                   <a:buNone/>
                 </a:pPr>
                 <a:r>
-                  <a:rPr lang="fr-FR" sz="1800" dirty="0">
-                    <a:solidFill>
-                      <a:schemeClr val="bg2">
-                        <a:lumMod val="50000"/>
-                      </a:schemeClr>
-                    </a:solidFill>
-                  </a:rPr>
+                  <a:rPr lang="fr-FR" sz="2000" dirty="0"/>
                   <a:t>Générer et visualiser un jeu de données similaire à l’exemple ci-dessus.</a:t>
                 </a:r>
               </a:p>
@@ -5395,21 +5381,6 @@
                     </a:solidFill>
                   </a:rPr>
                   <a:t> pour utiliser une distribution uniforme.</a:t>
-                </a:r>
-              </a:p>
-              <a:p>
-                <a:pPr marL="457200" lvl="1" indent="0">
-                  <a:buNone/>
-                </a:pPr>
-                <a:r>
-                  <a:rPr lang="fr-FR" sz="1400" dirty="0">
-                    <a:solidFill>
-                      <a:schemeClr val="bg2">
-                        <a:lumMod val="50000"/>
-                      </a:schemeClr>
-                    </a:solidFill>
-                  </a:rPr>
-                  <a:t>Ordonner les données par ordre croissant.</a:t>
                 </a:r>
               </a:p>
               <a:p>
@@ -5973,7 +5944,7 @@
         </p:blipFill>
         <p:spPr>
           <a:xfrm>
-            <a:off x="4713668" y="4389948"/>
+            <a:off x="4819415" y="4271760"/>
             <a:ext cx="3006492" cy="2340104"/>
           </a:xfrm>
           <a:prstGeom prst="rect">
@@ -6011,83 +5982,1246 @@
           <a:chExt cx="0" cy="0"/>
         </a:xfrm>
       </p:grpSpPr>
-      <p:sp>
-        <p:nvSpPr>
-          <p:cNvPr id="3" name="Espace réservé du contenu 2">
+      <mc:AlternateContent xmlns:mc="http://schemas.openxmlformats.org/markup-compatibility/2006">
+        <mc:Choice xmlns:a14="http://schemas.microsoft.com/office/drawing/2010/main" Requires="a14">
+          <p:sp>
+            <p:nvSpPr>
+              <p:cNvPr id="3" name="Espace réservé du contenu 2">
+                <a:extLst>
+                  <a:ext uri="{FF2B5EF4-FFF2-40B4-BE49-F238E27FC236}">
+                    <a16:creationId xmlns:a16="http://schemas.microsoft.com/office/drawing/2014/main" id="{B59E77B8-2D75-472C-B76C-ABDDE0CAFCD5}"/>
+                  </a:ext>
+                </a:extLst>
+              </p:cNvPr>
+              <p:cNvSpPr>
+                <a:spLocks noGrp="1"/>
+              </p:cNvSpPr>
+              <p:nvPr>
+                <p:ph idx="1"/>
+              </p:nvPr>
+            </p:nvSpPr>
+            <p:spPr>
+              <a:xfrm>
+                <a:off x="537750" y="431073"/>
+                <a:ext cx="10839994" cy="6021978"/>
+              </a:xfrm>
+            </p:spPr>
+            <p:txBody>
+              <a:bodyPr>
+                <a:normAutofit/>
+              </a:bodyPr>
+              <a:lstStyle/>
+              <a:p>
+                <a:pPr marL="0" indent="0">
+                  <a:buNone/>
+                </a:pPr>
+                <a:r>
+                  <a:rPr lang="fr-FR" sz="2400" dirty="0"/>
+                  <a:t>3.3 Descente de gradient, dérivation automatique</a:t>
+                </a:r>
+              </a:p>
+              <a:p>
+                <a:pPr marL="0" indent="0">
+                  <a:buNone/>
+                </a:pPr>
+                <a:r>
+                  <a:rPr lang="fr-FR" sz="2000" u="sng" dirty="0"/>
+                  <a:t>Objectif</a:t>
+                </a:r>
+                <a:r>
+                  <a:rPr lang="fr-FR" sz="2000" dirty="0"/>
+                  <a:t> : minimiser la fonction coût </a:t>
+                </a:r>
+                <a14:m>
+                  <m:oMath xmlns:m="http://schemas.openxmlformats.org/officeDocument/2006/math">
+                    <m:r>
+                      <a:rPr lang="fr-FR" sz="2000" b="0" i="1" smtClean="0">
+                        <a:latin typeface="Cambria Math" panose="02040503050406030204" pitchFamily="18" charset="0"/>
+                      </a:rPr>
+                      <m:t>𝐿</m:t>
+                    </m:r>
+                  </m:oMath>
+                </a14:m>
+                <a:r>
+                  <a:rPr lang="fr-FR" sz="2000" dirty="0"/>
+                  <a:t>.</a:t>
+                </a:r>
+              </a:p>
+              <a:p>
+                <a:pPr marL="0" indent="0">
+                  <a:buNone/>
+                </a:pPr>
+                <a:r>
+                  <a:rPr lang="fr-FR" sz="2000" u="sng" dirty="0"/>
+                  <a:t>Idée</a:t>
+                </a:r>
+                <a:r>
+                  <a:rPr lang="fr-FR" sz="2000" dirty="0"/>
+                  <a:t> : mise à jour des paramètres, dans la direction qui fait diminuer </a:t>
+                </a:r>
+                <a14:m>
+                  <m:oMath xmlns:m="http://schemas.openxmlformats.org/officeDocument/2006/math">
+                    <m:r>
+                      <a:rPr lang="fr-FR" sz="2000" b="0" i="1" smtClean="0">
+                        <a:latin typeface="Cambria Math" panose="02040503050406030204" pitchFamily="18" charset="0"/>
+                      </a:rPr>
+                      <m:t>𝐿</m:t>
+                    </m:r>
+                  </m:oMath>
+                </a14:m>
+                <a:r>
+                  <a:rPr lang="fr-FR" sz="2000" dirty="0"/>
+                  <a:t> le plus fortement.</a:t>
+                </a:r>
+              </a:p>
+              <a:p>
+                <a:pPr marL="0" indent="0">
+                  <a:buNone/>
+                </a:pPr>
+                <a:r>
+                  <a:rPr lang="fr-FR" sz="2000" b="0" u="sng" dirty="0"/>
+                  <a:t>Mises à jour</a:t>
+                </a:r>
+                <a:r>
+                  <a:rPr lang="fr-FR" sz="2000" b="0" dirty="0"/>
+                  <a:t> :</a:t>
+                </a:r>
+                <a:endParaRPr lang="fr-FR" sz="2000" dirty="0"/>
+              </a:p>
+              <a:p>
+                <a:pPr marL="0" indent="0">
+                  <a:buNone/>
+                </a:pPr>
+                <a:endParaRPr lang="fr-FR" sz="2000" dirty="0"/>
+              </a:p>
+              <a:p>
+                <a:pPr marL="0" indent="0">
+                  <a:buNone/>
+                </a:pPr>
+                <a:endParaRPr lang="fr-FR" sz="2000" dirty="0"/>
+              </a:p>
+              <a:p>
+                <a:pPr marL="0" indent="0">
+                  <a:buNone/>
+                </a:pPr>
+                <a:endParaRPr lang="fr-FR" sz="2000" dirty="0"/>
+              </a:p>
+              <a:p>
+                <a:pPr marL="0" indent="0">
+                  <a:buNone/>
+                </a:pPr>
+                <a:r>
+                  <a:rPr lang="fr-FR" sz="2000" u="sng" dirty="0"/>
+                  <a:t>Convergence</a:t>
+                </a:r>
+                <a:r>
+                  <a:rPr lang="fr-FR" sz="2000" dirty="0"/>
+                  <a:t> : garantie pour un problème convexe, et </a:t>
+                </a:r>
+              </a:p>
+              <a:p>
+                <a:pPr marL="0" indent="0">
+                  <a:buNone/>
+                </a:pPr>
+                <a:r>
+                  <a:rPr lang="fr-FR" sz="2000" b="0" dirty="0"/>
+                  <a:t>pour </a:t>
+                </a:r>
+                <a14:m>
+                  <m:oMath xmlns:m="http://schemas.openxmlformats.org/officeDocument/2006/math">
+                    <m:r>
+                      <a:rPr lang="fr-FR" sz="2000" b="0" i="1" smtClean="0">
+                        <a:latin typeface="Cambria Math" panose="02040503050406030204" pitchFamily="18" charset="0"/>
+                      </a:rPr>
+                      <m:t>0&lt;</m:t>
+                    </m:r>
+                    <m:r>
+                      <a:rPr lang="fr-FR" sz="2000" b="0" i="1" smtClean="0">
+                        <a:latin typeface="Cambria Math" panose="02040503050406030204" pitchFamily="18" charset="0"/>
+                      </a:rPr>
+                      <m:t>𝜂</m:t>
+                    </m:r>
+                    <m:r>
+                      <a:rPr lang="fr-FR" sz="2000" b="0" i="1" smtClean="0">
+                        <a:latin typeface="Cambria Math" panose="02040503050406030204" pitchFamily="18" charset="0"/>
+                      </a:rPr>
+                      <m:t>&lt;</m:t>
+                    </m:r>
+                    <m:f>
+                      <m:fPr>
+                        <m:ctrlPr>
+                          <a:rPr lang="fr-FR" sz="2000" b="0" i="1" smtClean="0">
+                            <a:latin typeface="Cambria Math" panose="02040503050406030204" pitchFamily="18" charset="0"/>
+                          </a:rPr>
+                        </m:ctrlPr>
+                      </m:fPr>
+                      <m:num>
+                        <m:r>
+                          <a:rPr lang="fr-FR" sz="2000" b="0" i="1" smtClean="0">
+                            <a:latin typeface="Cambria Math" panose="02040503050406030204" pitchFamily="18" charset="0"/>
+                          </a:rPr>
+                          <m:t>2</m:t>
+                        </m:r>
+                      </m:num>
+                      <m:den>
+                        <m:r>
+                          <a:rPr lang="fr-FR" sz="2000" b="0" i="1" smtClean="0">
+                            <a:latin typeface="Cambria Math" panose="02040503050406030204" pitchFamily="18" charset="0"/>
+                          </a:rPr>
+                          <m:t>𝑘</m:t>
+                        </m:r>
+                      </m:den>
+                    </m:f>
+                  </m:oMath>
+                </a14:m>
+                <a:r>
+                  <a:rPr lang="fr-FR" sz="2000" dirty="0"/>
+                  <a:t> .</a:t>
+                </a:r>
+              </a:p>
+              <a:p>
+                <a:pPr marL="0" indent="0">
+                  <a:buNone/>
+                </a:pPr>
+                <a:r>
+                  <a:rPr lang="fr-FR" sz="2000" u="sng" dirty="0"/>
+                  <a:t>Illustration</a:t>
+                </a:r>
+                <a:r>
+                  <a:rPr lang="fr-FR" sz="2000" dirty="0"/>
+                  <a:t> (non convexe): </a:t>
+                </a:r>
+                <a14:m>
+                  <m:oMath xmlns:m="http://schemas.openxmlformats.org/officeDocument/2006/math">
+                    <m:sSub>
+                      <m:sSubPr>
+                        <m:ctrlPr>
+                          <a:rPr lang="fr-FR" sz="2000" b="0" i="1" smtClean="0">
+                            <a:latin typeface="Cambria Math" panose="02040503050406030204" pitchFamily="18" charset="0"/>
+                          </a:rPr>
+                        </m:ctrlPr>
+                      </m:sSubPr>
+                      <m:e>
+                        <m:r>
+                          <a:rPr lang="fr-FR" sz="2000" b="0" i="1" smtClean="0">
+                            <a:latin typeface="Cambria Math" panose="02040503050406030204" pitchFamily="18" charset="0"/>
+                          </a:rPr>
+                          <m:t>𝑊</m:t>
+                        </m:r>
+                      </m:e>
+                      <m:sub>
+                        <m:r>
+                          <a:rPr lang="fr-FR" sz="2000" b="0" i="1" smtClean="0">
+                            <a:latin typeface="Cambria Math" panose="02040503050406030204" pitchFamily="18" charset="0"/>
+                          </a:rPr>
+                          <m:t>𝑎</m:t>
+                        </m:r>
+                      </m:sub>
+                    </m:sSub>
+                  </m:oMath>
+                </a14:m>
+                <a:r>
+                  <a:rPr lang="fr-FR" sz="2000" dirty="0"/>
+                  <a:t> est un minimum local. </a:t>
+                </a:r>
+              </a:p>
+            </p:txBody>
+          </p:sp>
+        </mc:Choice>
+        <mc:Fallback>
+          <p:sp>
+            <p:nvSpPr>
+              <p:cNvPr id="3" name="Espace réservé du contenu 2">
+                <a:extLst>
+                  <a:ext uri="{FF2B5EF4-FFF2-40B4-BE49-F238E27FC236}">
+                    <a16:creationId xmlns:a16="http://schemas.microsoft.com/office/drawing/2014/main" id="{B59E77B8-2D75-472C-B76C-ABDDE0CAFCD5}"/>
+                  </a:ext>
+                </a:extLst>
+              </p:cNvPr>
+              <p:cNvSpPr>
+                <a:spLocks noGrp="1" noRot="1" noChangeAspect="1" noMove="1" noResize="1" noEditPoints="1" noAdjustHandles="1" noChangeArrowheads="1" noChangeShapeType="1" noTextEdit="1"/>
+              </p:cNvSpPr>
+              <p:nvPr>
+                <p:ph idx="1"/>
+              </p:nvPr>
+            </p:nvSpPr>
+            <p:spPr>
+              <a:xfrm>
+                <a:off x="537750" y="431073"/>
+                <a:ext cx="10839994" cy="6021978"/>
+              </a:xfrm>
+              <a:blipFill>
+                <a:blip r:embed="rId2"/>
+                <a:stretch>
+                  <a:fillRect l="-844" t="-1417"/>
+                </a:stretch>
+              </a:blipFill>
+            </p:spPr>
+            <p:txBody>
+              <a:bodyPr/>
+              <a:lstStyle/>
+              <a:p>
+                <a:r>
+                  <a:rPr lang="fr-FR">
+                    <a:noFill/>
+                  </a:rPr>
+                  <a:t> </a:t>
+                </a:r>
+              </a:p>
+            </p:txBody>
+          </p:sp>
+        </mc:Fallback>
+      </mc:AlternateContent>
+      <p:grpSp>
+        <p:nvGrpSpPr>
+          <p:cNvPr id="8" name="Groupe 7">
             <a:extLst>
               <a:ext uri="{FF2B5EF4-FFF2-40B4-BE49-F238E27FC236}">
-                <a16:creationId xmlns:a16="http://schemas.microsoft.com/office/drawing/2014/main" id="{B59E77B8-2D75-472C-B76C-ABDDE0CAFCD5}"/>
+                <a16:creationId xmlns:a16="http://schemas.microsoft.com/office/drawing/2014/main" id="{3FD39170-8A7C-4319-B068-253794F8930C}"/>
               </a:ext>
             </a:extLst>
           </p:cNvPr>
-          <p:cNvSpPr>
-            <a:spLocks noGrp="1"/>
-          </p:cNvSpPr>
-          <p:nvPr>
-            <p:ph idx="1"/>
-          </p:nvPr>
-        </p:nvSpPr>
-        <p:spPr>
+          <p:cNvGrpSpPr/>
+          <p:nvPr/>
+        </p:nvGrpSpPr>
+        <p:grpSpPr>
           <a:xfrm>
-            <a:off x="537750" y="431073"/>
-            <a:ext cx="10839994" cy="6021978"/>
+            <a:off x="7750623" y="3290721"/>
+            <a:ext cx="3529907" cy="3440969"/>
+            <a:chOff x="4021202" y="1156995"/>
+            <a:chExt cx="3529907" cy="3440969"/>
           </a:xfrm>
-        </p:spPr>
-        <p:txBody>
-          <a:bodyPr>
-            <a:normAutofit/>
-          </a:bodyPr>
-          <a:lstStyle/>
-          <a:p>
-            <a:pPr marL="0" indent="0">
-              <a:buNone/>
-            </a:pPr>
-            <a:r>
-              <a:rPr lang="fr-FR" sz="2200" dirty="0"/>
-              <a:t>Algorithme de descente de gradient</a:t>
-            </a:r>
-          </a:p>
-          <a:p>
-            <a:pPr marL="0" indent="0">
-              <a:buNone/>
-            </a:pPr>
-            <a:endParaRPr lang="fr-FR" sz="2200" dirty="0"/>
-          </a:p>
-          <a:p>
-            <a:pPr marL="0" indent="0">
-              <a:buNone/>
-            </a:pPr>
-            <a:endParaRPr lang="fr-FR" sz="2200" dirty="0"/>
-          </a:p>
-          <a:p>
-            <a:pPr marL="0" indent="0">
-              <a:buNone/>
-            </a:pPr>
-            <a:r>
-              <a:rPr lang="fr-FR" sz="2200" dirty="0"/>
-              <a:t>Calcul du gradient</a:t>
-            </a:r>
-          </a:p>
-          <a:p>
-            <a:pPr marL="0" indent="0">
-              <a:buNone/>
-            </a:pPr>
-            <a:r>
-              <a:rPr lang="fr-FR" sz="2200" dirty="0"/>
-              <a:t>	Approx (différence finie)</a:t>
-            </a:r>
-          </a:p>
-          <a:p>
-            <a:pPr marL="0" indent="0">
-              <a:buNone/>
-            </a:pPr>
-            <a:r>
-              <a:rPr lang="fr-FR" sz="2200" dirty="0"/>
-              <a:t>	Exacte (auto-différentiation)</a:t>
-            </a:r>
-          </a:p>
-        </p:txBody>
-      </p:sp>
+        </p:grpSpPr>
+        <p:pic>
+          <p:nvPicPr>
+            <p:cNvPr id="9" name="Image 8">
+              <a:extLst>
+                <a:ext uri="{FF2B5EF4-FFF2-40B4-BE49-F238E27FC236}">
+                  <a16:creationId xmlns:a16="http://schemas.microsoft.com/office/drawing/2014/main" id="{E839BE67-BFFF-4D6C-B978-D2747C170C0E}"/>
+                </a:ext>
+              </a:extLst>
+            </p:cNvPr>
+            <p:cNvPicPr>
+              <a:picLocks noChangeAspect="1"/>
+            </p:cNvPicPr>
+            <p:nvPr/>
+          </p:nvPicPr>
+          <p:blipFill>
+            <a:blip r:embed="rId3"/>
+            <a:stretch>
+              <a:fillRect/>
+            </a:stretch>
+          </p:blipFill>
+          <p:spPr>
+            <a:xfrm>
+              <a:off x="4021202" y="1156995"/>
+              <a:ext cx="3529907" cy="3409373"/>
+            </a:xfrm>
+            <a:prstGeom prst="rect">
+              <a:avLst/>
+            </a:prstGeom>
+          </p:spPr>
+        </p:pic>
+        <mc:AlternateContent xmlns:mc="http://schemas.openxmlformats.org/markup-compatibility/2006">
+          <mc:Choice xmlns:a14="http://schemas.microsoft.com/office/drawing/2010/main" Requires="a14">
+            <p:sp>
+              <p:nvSpPr>
+                <p:cNvPr id="10" name="ZoneTexte 9">
+                  <a:extLst>
+                    <a:ext uri="{FF2B5EF4-FFF2-40B4-BE49-F238E27FC236}">
+                      <a16:creationId xmlns:a16="http://schemas.microsoft.com/office/drawing/2014/main" id="{28FB2AF9-852C-4719-AF95-FC3E87F08062}"/>
+                    </a:ext>
+                  </a:extLst>
+                </p:cNvPr>
+                <p:cNvSpPr txBox="1"/>
+                <p:nvPr/>
+              </p:nvSpPr>
+              <p:spPr>
+                <a:xfrm>
+                  <a:off x="4603104" y="1175662"/>
+                  <a:ext cx="365741" cy="369332"/>
+                </a:xfrm>
+                <a:prstGeom prst="rect">
+                  <a:avLst/>
+                </a:prstGeom>
+                <a:noFill/>
+              </p:spPr>
+              <p:txBody>
+                <a:bodyPr wrap="none" rtlCol="0">
+                  <a:spAutoFit/>
+                </a:bodyPr>
+                <a:lstStyle/>
+                <a:p>
+                  <a14:m>
+                    <m:oMathPara xmlns:m="http://schemas.openxmlformats.org/officeDocument/2006/math">
+                      <m:oMathParaPr>
+                        <m:jc m:val="centerGroup"/>
+                      </m:oMathParaPr>
+                      <m:oMath xmlns:m="http://schemas.openxmlformats.org/officeDocument/2006/math">
+                        <m:r>
+                          <a:rPr lang="fr-FR" b="0" i="1" smtClean="0">
+                            <a:latin typeface="Cambria Math" panose="02040503050406030204" pitchFamily="18" charset="0"/>
+                          </a:rPr>
+                          <m:t>𝐿</m:t>
+                        </m:r>
+                      </m:oMath>
+                    </m:oMathPara>
+                  </a14:m>
+                  <a:endParaRPr lang="fr-FR" dirty="0"/>
+                </a:p>
+              </p:txBody>
+            </p:sp>
+          </mc:Choice>
+          <mc:Fallback>
+            <p:sp>
+              <p:nvSpPr>
+                <p:cNvPr id="10" name="ZoneTexte 9">
+                  <a:extLst>
+                    <a:ext uri="{FF2B5EF4-FFF2-40B4-BE49-F238E27FC236}">
+                      <a16:creationId xmlns:a16="http://schemas.microsoft.com/office/drawing/2014/main" id="{28FB2AF9-852C-4719-AF95-FC3E87F08062}"/>
+                    </a:ext>
+                  </a:extLst>
+                </p:cNvPr>
+                <p:cNvSpPr txBox="1">
+                  <a:spLocks noRot="1" noChangeAspect="1" noMove="1" noResize="1" noEditPoints="1" noAdjustHandles="1" noChangeArrowheads="1" noChangeShapeType="1" noTextEdit="1"/>
+                </p:cNvSpPr>
+                <p:nvPr/>
+              </p:nvSpPr>
+              <p:spPr>
+                <a:xfrm>
+                  <a:off x="4603104" y="1175662"/>
+                  <a:ext cx="365741" cy="369332"/>
+                </a:xfrm>
+                <a:prstGeom prst="rect">
+                  <a:avLst/>
+                </a:prstGeom>
+                <a:blipFill>
+                  <a:blip r:embed="rId4"/>
+                  <a:stretch>
+                    <a:fillRect/>
+                  </a:stretch>
+                </a:blipFill>
+              </p:spPr>
+              <p:txBody>
+                <a:bodyPr/>
+                <a:lstStyle/>
+                <a:p>
+                  <a:r>
+                    <a:rPr lang="fr-FR">
+                      <a:noFill/>
+                    </a:rPr>
+                    <a:t> </a:t>
+                  </a:r>
+                </a:p>
+              </p:txBody>
+            </p:sp>
+          </mc:Fallback>
+        </mc:AlternateContent>
+        <mc:AlternateContent xmlns:mc="http://schemas.openxmlformats.org/markup-compatibility/2006">
+          <mc:Choice xmlns:a14="http://schemas.microsoft.com/office/drawing/2010/main" Requires="a14">
+            <p:sp>
+              <p:nvSpPr>
+                <p:cNvPr id="11" name="ZoneTexte 10">
+                  <a:extLst>
+                    <a:ext uri="{FF2B5EF4-FFF2-40B4-BE49-F238E27FC236}">
+                      <a16:creationId xmlns:a16="http://schemas.microsoft.com/office/drawing/2014/main" id="{D7172D10-0D50-45ED-8A4B-651A6DF69064}"/>
+                    </a:ext>
+                  </a:extLst>
+                </p:cNvPr>
+                <p:cNvSpPr txBox="1"/>
+                <p:nvPr/>
+              </p:nvSpPr>
+              <p:spPr>
+                <a:xfrm>
+                  <a:off x="6733594" y="4262208"/>
+                  <a:ext cx="365741" cy="335756"/>
+                </a:xfrm>
+                <a:prstGeom prst="rect">
+                  <a:avLst/>
+                </a:prstGeom>
+                <a:noFill/>
+              </p:spPr>
+              <p:txBody>
+                <a:bodyPr wrap="none" rtlCol="0">
+                  <a:spAutoFit/>
+                </a:bodyPr>
+                <a:lstStyle/>
+                <a:p>
+                  <a14:m>
+                    <m:oMathPara xmlns:m="http://schemas.openxmlformats.org/officeDocument/2006/math">
+                      <m:oMathParaPr>
+                        <m:jc m:val="centerGroup"/>
+                      </m:oMathParaPr>
+                      <m:oMath xmlns:m="http://schemas.openxmlformats.org/officeDocument/2006/math">
+                        <m:r>
+                          <a:rPr lang="fr-FR" b="0" i="1" smtClean="0">
+                            <a:latin typeface="Cambria Math" panose="02040503050406030204" pitchFamily="18" charset="0"/>
+                          </a:rPr>
+                          <m:t>𝐿</m:t>
+                        </m:r>
+                      </m:oMath>
+                    </m:oMathPara>
+                  </a14:m>
+                  <a:endParaRPr lang="fr-FR" dirty="0"/>
+                </a:p>
+              </p:txBody>
+            </p:sp>
+          </mc:Choice>
+          <mc:Fallback>
+            <p:sp>
+              <p:nvSpPr>
+                <p:cNvPr id="11" name="ZoneTexte 10">
+                  <a:extLst>
+                    <a:ext uri="{FF2B5EF4-FFF2-40B4-BE49-F238E27FC236}">
+                      <a16:creationId xmlns:a16="http://schemas.microsoft.com/office/drawing/2014/main" id="{D7172D10-0D50-45ED-8A4B-651A6DF69064}"/>
+                    </a:ext>
+                  </a:extLst>
+                </p:cNvPr>
+                <p:cNvSpPr txBox="1">
+                  <a:spLocks noRot="1" noChangeAspect="1" noMove="1" noResize="1" noEditPoints="1" noAdjustHandles="1" noChangeArrowheads="1" noChangeShapeType="1" noTextEdit="1"/>
+                </p:cNvSpPr>
+                <p:nvPr/>
+              </p:nvSpPr>
+              <p:spPr>
+                <a:xfrm>
+                  <a:off x="6733594" y="4262208"/>
+                  <a:ext cx="365741" cy="335756"/>
+                </a:xfrm>
+                <a:prstGeom prst="rect">
+                  <a:avLst/>
+                </a:prstGeom>
+                <a:blipFill>
+                  <a:blip r:embed="rId5"/>
+                  <a:stretch>
+                    <a:fillRect b="-1818"/>
+                  </a:stretch>
+                </a:blipFill>
+              </p:spPr>
+              <p:txBody>
+                <a:bodyPr/>
+                <a:lstStyle/>
+                <a:p>
+                  <a:r>
+                    <a:rPr lang="fr-FR">
+                      <a:noFill/>
+                    </a:rPr>
+                    <a:t> </a:t>
+                  </a:r>
+                </a:p>
+              </p:txBody>
+            </p:sp>
+          </mc:Fallback>
+        </mc:AlternateContent>
+      </p:grpSp>
+      <p:grpSp>
+        <p:nvGrpSpPr>
+          <p:cNvPr id="12" name="Groupe 11">
+            <a:extLst>
+              <a:ext uri="{FF2B5EF4-FFF2-40B4-BE49-F238E27FC236}">
+                <a16:creationId xmlns:a16="http://schemas.microsoft.com/office/drawing/2014/main" id="{050A0599-BD1C-4124-A6AE-02D7653E9A43}"/>
+              </a:ext>
+            </a:extLst>
+          </p:cNvPr>
+          <p:cNvGrpSpPr/>
+          <p:nvPr/>
+        </p:nvGrpSpPr>
+        <p:grpSpPr>
+          <a:xfrm>
+            <a:off x="1915883" y="1831396"/>
+            <a:ext cx="6562525" cy="1284447"/>
+            <a:chOff x="3048000" y="3243420"/>
+            <a:chExt cx="6562525" cy="1284447"/>
+          </a:xfrm>
+        </p:grpSpPr>
+        <mc:AlternateContent xmlns:mc="http://schemas.openxmlformats.org/markup-compatibility/2006">
+          <mc:Choice xmlns:a14="http://schemas.microsoft.com/office/drawing/2010/main" Requires="a14">
+            <p:sp>
+              <p:nvSpPr>
+                <p:cNvPr id="13" name="ZoneTexte 12">
+                  <a:extLst>
+                    <a:ext uri="{FF2B5EF4-FFF2-40B4-BE49-F238E27FC236}">
+                      <a16:creationId xmlns:a16="http://schemas.microsoft.com/office/drawing/2014/main" id="{AFA4E859-17C2-44D1-B7C1-7A87D1CB6962}"/>
+                    </a:ext>
+                  </a:extLst>
+                </p:cNvPr>
+                <p:cNvSpPr txBox="1"/>
+                <p:nvPr/>
+              </p:nvSpPr>
+              <p:spPr>
+                <a:xfrm>
+                  <a:off x="3048000" y="3243420"/>
+                  <a:ext cx="6096000" cy="439736"/>
+                </a:xfrm>
+                <a:prstGeom prst="rect">
+                  <a:avLst/>
+                </a:prstGeom>
+                <a:noFill/>
+              </p:spPr>
+              <p:txBody>
+                <a:bodyPr wrap="square">
+                  <a:spAutoFit/>
+                </a:bodyPr>
+                <a:lstStyle/>
+                <a:p>
+                  <a:pPr marL="0" indent="0">
+                    <a:buNone/>
+                  </a:pPr>
+                  <a14:m>
+                    <m:oMathPara xmlns:m="http://schemas.openxmlformats.org/officeDocument/2006/math">
+                      <m:oMathParaPr>
+                        <m:jc m:val="centerGroup"/>
+                      </m:oMathParaPr>
+                      <m:oMath xmlns:m="http://schemas.openxmlformats.org/officeDocument/2006/math">
+                        <m:sSup>
+                          <m:sSupPr>
+                            <m:ctrlPr>
+                              <a:rPr lang="fr-FR" sz="2000" b="0" i="1" smtClean="0">
+                                <a:latin typeface="Cambria Math" panose="02040503050406030204" pitchFamily="18" charset="0"/>
+                              </a:rPr>
+                            </m:ctrlPr>
+                          </m:sSupPr>
+                          <m:e>
+                            <m:r>
+                              <a:rPr lang="fr-FR" sz="2000" b="0" i="1" smtClean="0">
+                                <a:latin typeface="Cambria Math" panose="02040503050406030204" pitchFamily="18" charset="0"/>
+                              </a:rPr>
+                              <m:t>𝜃</m:t>
+                            </m:r>
+                          </m:e>
+                          <m:sup>
+                            <m:r>
+                              <a:rPr lang="fr-FR" sz="2000" b="0" i="1" smtClean="0">
+                                <a:latin typeface="Cambria Math" panose="02040503050406030204" pitchFamily="18" charset="0"/>
+                              </a:rPr>
+                              <m:t>𝑘</m:t>
+                            </m:r>
+                            <m:r>
+                              <a:rPr lang="fr-FR" sz="2000" b="0" i="1" smtClean="0">
+                                <a:latin typeface="Cambria Math" panose="02040503050406030204" pitchFamily="18" charset="0"/>
+                              </a:rPr>
+                              <m:t>+1</m:t>
+                            </m:r>
+                          </m:sup>
+                        </m:sSup>
+                        <m:r>
+                          <a:rPr lang="fr-FR" sz="2000" b="0" i="1" smtClean="0">
+                            <a:latin typeface="Cambria Math" panose="02040503050406030204" pitchFamily="18" charset="0"/>
+                          </a:rPr>
+                          <m:t>=</m:t>
+                        </m:r>
+                        <m:sSup>
+                          <m:sSupPr>
+                            <m:ctrlPr>
+                              <a:rPr lang="fr-FR" sz="2000" b="0" i="1" smtClean="0">
+                                <a:latin typeface="Cambria Math" panose="02040503050406030204" pitchFamily="18" charset="0"/>
+                              </a:rPr>
+                            </m:ctrlPr>
+                          </m:sSupPr>
+                          <m:e>
+                            <m:r>
+                              <a:rPr lang="fr-FR" sz="2000" b="0" i="1" smtClean="0">
+                                <a:latin typeface="Cambria Math" panose="02040503050406030204" pitchFamily="18" charset="0"/>
+                              </a:rPr>
+                              <m:t>𝜃</m:t>
+                            </m:r>
+                          </m:e>
+                          <m:sup>
+                            <m:r>
+                              <a:rPr lang="fr-FR" sz="2000" b="0" i="1" smtClean="0">
+                                <a:latin typeface="Cambria Math" panose="02040503050406030204" pitchFamily="18" charset="0"/>
+                              </a:rPr>
+                              <m:t>𝑘</m:t>
+                            </m:r>
+                          </m:sup>
+                        </m:sSup>
+                        <m:r>
+                          <a:rPr lang="fr-FR" sz="2000" b="0" i="1" smtClean="0">
+                            <a:latin typeface="Cambria Math" panose="02040503050406030204" pitchFamily="18" charset="0"/>
+                          </a:rPr>
+                          <m:t>−</m:t>
+                        </m:r>
+                        <m:r>
+                          <a:rPr lang="fr-FR" sz="2000" b="0" i="1" smtClean="0">
+                            <a:latin typeface="Cambria Math" panose="02040503050406030204" pitchFamily="18" charset="0"/>
+                          </a:rPr>
+                          <m:t>𝜂</m:t>
+                        </m:r>
+                        <m:r>
+                          <a:rPr lang="fr-FR" sz="2000" b="0" i="1" smtClean="0">
+                            <a:latin typeface="Cambria Math" panose="02040503050406030204" pitchFamily="18" charset="0"/>
+                          </a:rPr>
+                          <m:t>.</m:t>
+                        </m:r>
+                        <m:sSub>
+                          <m:sSubPr>
+                            <m:ctrlPr>
+                              <a:rPr lang="fr-FR" sz="2000" b="0" i="1" smtClean="0">
+                                <a:latin typeface="Cambria Math" panose="02040503050406030204" pitchFamily="18" charset="0"/>
+                                <a:ea typeface="Cambria Math" panose="02040503050406030204" pitchFamily="18" charset="0"/>
+                              </a:rPr>
+                            </m:ctrlPr>
+                          </m:sSubPr>
+                          <m:e>
+                            <m:r>
+                              <m:rPr>
+                                <m:sty m:val="p"/>
+                              </m:rPr>
+                              <a:rPr lang="fr-FR" sz="2000" b="0" i="1" smtClean="0">
+                                <a:latin typeface="Cambria Math" panose="02040503050406030204" pitchFamily="18" charset="0"/>
+                                <a:ea typeface="Cambria Math" panose="02040503050406030204" pitchFamily="18" charset="0"/>
+                              </a:rPr>
+                              <m:t>∇</m:t>
+                            </m:r>
+                          </m:e>
+                          <m:sub>
+                            <m:r>
+                              <a:rPr lang="fr-FR" sz="2000" b="0" i="1" smtClean="0">
+                                <a:latin typeface="Cambria Math" panose="02040503050406030204" pitchFamily="18" charset="0"/>
+                                <a:ea typeface="Cambria Math" panose="02040503050406030204" pitchFamily="18" charset="0"/>
+                              </a:rPr>
+                              <m:t>𝜃</m:t>
+                            </m:r>
+                          </m:sub>
+                        </m:sSub>
+                        <m:r>
+                          <a:rPr lang="fr-FR" sz="2000" b="0" i="1" smtClean="0">
+                            <a:latin typeface="Cambria Math" panose="02040503050406030204" pitchFamily="18" charset="0"/>
+                            <a:ea typeface="Cambria Math" panose="02040503050406030204" pitchFamily="18" charset="0"/>
+                          </a:rPr>
+                          <m:t>𝐿</m:t>
+                        </m:r>
+                        <m:r>
+                          <a:rPr lang="fr-FR" sz="2000" b="0" i="1" smtClean="0">
+                            <a:latin typeface="Cambria Math" panose="02040503050406030204" pitchFamily="18" charset="0"/>
+                            <a:ea typeface="Cambria Math" panose="02040503050406030204" pitchFamily="18" charset="0"/>
+                          </a:rPr>
+                          <m:t>(</m:t>
+                        </m:r>
+                        <m:r>
+                          <a:rPr lang="fr-FR" sz="2000" b="0" i="1" smtClean="0">
+                            <a:latin typeface="Cambria Math" panose="02040503050406030204" pitchFamily="18" charset="0"/>
+                            <a:ea typeface="Cambria Math" panose="02040503050406030204" pitchFamily="18" charset="0"/>
+                          </a:rPr>
+                          <m:t>h</m:t>
+                        </m:r>
+                        <m:d>
+                          <m:dPr>
+                            <m:ctrlPr>
+                              <a:rPr lang="fr-FR" sz="2000" b="0" i="1" smtClean="0">
+                                <a:latin typeface="Cambria Math" panose="02040503050406030204" pitchFamily="18" charset="0"/>
+                                <a:ea typeface="Cambria Math" panose="02040503050406030204" pitchFamily="18" charset="0"/>
+                              </a:rPr>
+                            </m:ctrlPr>
+                          </m:dPr>
+                          <m:e>
+                            <m:r>
+                              <a:rPr lang="fr-FR" sz="2000" b="0" i="1" smtClean="0">
+                                <a:latin typeface="Cambria Math" panose="02040503050406030204" pitchFamily="18" charset="0"/>
+                                <a:ea typeface="Cambria Math" panose="02040503050406030204" pitchFamily="18" charset="0"/>
+                              </a:rPr>
+                              <m:t>𝑥</m:t>
+                            </m:r>
+                            <m:r>
+                              <a:rPr lang="fr-FR" sz="2000" b="0" i="1" smtClean="0">
+                                <a:latin typeface="Cambria Math" panose="02040503050406030204" pitchFamily="18" charset="0"/>
+                                <a:ea typeface="Cambria Math" panose="02040503050406030204" pitchFamily="18" charset="0"/>
+                              </a:rPr>
+                              <m:t>,</m:t>
+                            </m:r>
+                            <m:sSup>
+                              <m:sSupPr>
+                                <m:ctrlPr>
+                                  <a:rPr lang="fr-FR" sz="2000" b="0" i="1" smtClean="0">
+                                    <a:latin typeface="Cambria Math" panose="02040503050406030204" pitchFamily="18" charset="0"/>
+                                    <a:ea typeface="Cambria Math" panose="02040503050406030204" pitchFamily="18" charset="0"/>
+                                  </a:rPr>
+                                </m:ctrlPr>
+                              </m:sSupPr>
+                              <m:e>
+                                <m:r>
+                                  <a:rPr lang="fr-FR" sz="2000" b="0" i="1" smtClean="0">
+                                    <a:latin typeface="Cambria Math" panose="02040503050406030204" pitchFamily="18" charset="0"/>
+                                    <a:ea typeface="Cambria Math" panose="02040503050406030204" pitchFamily="18" charset="0"/>
+                                  </a:rPr>
+                                  <m:t>𝜃</m:t>
+                                </m:r>
+                              </m:e>
+                              <m:sup>
+                                <m:r>
+                                  <a:rPr lang="fr-FR" sz="2000" b="0" i="1" smtClean="0">
+                                    <a:latin typeface="Cambria Math" panose="02040503050406030204" pitchFamily="18" charset="0"/>
+                                    <a:ea typeface="Cambria Math" panose="02040503050406030204" pitchFamily="18" charset="0"/>
+                                  </a:rPr>
+                                  <m:t>𝑘</m:t>
+                                </m:r>
+                              </m:sup>
+                            </m:sSup>
+                          </m:e>
+                        </m:d>
+                        <m:r>
+                          <a:rPr lang="fr-FR" sz="2000" b="0" i="1" smtClean="0">
+                            <a:latin typeface="Cambria Math" panose="02040503050406030204" pitchFamily="18" charset="0"/>
+                            <a:ea typeface="Cambria Math" panose="02040503050406030204" pitchFamily="18" charset="0"/>
+                          </a:rPr>
+                          <m:t>, </m:t>
+                        </m:r>
+                        <m:r>
+                          <a:rPr lang="fr-FR" sz="2000" b="0" i="1" smtClean="0">
+                            <a:latin typeface="Cambria Math" panose="02040503050406030204" pitchFamily="18" charset="0"/>
+                            <a:ea typeface="Cambria Math" panose="02040503050406030204" pitchFamily="18" charset="0"/>
+                          </a:rPr>
+                          <m:t>𝑦</m:t>
+                        </m:r>
+                        <m:r>
+                          <a:rPr lang="fr-FR" sz="2000" b="0" i="1" smtClean="0">
+                            <a:latin typeface="Cambria Math" panose="02040503050406030204" pitchFamily="18" charset="0"/>
+                            <a:ea typeface="Cambria Math" panose="02040503050406030204" pitchFamily="18" charset="0"/>
+                          </a:rPr>
+                          <m:t>)</m:t>
+                        </m:r>
+                      </m:oMath>
+                    </m:oMathPara>
+                  </a14:m>
+                  <a:endParaRPr lang="fr-FR" sz="2000" dirty="0"/>
+                </a:p>
+              </p:txBody>
+            </p:sp>
+          </mc:Choice>
+          <mc:Fallback>
+            <p:sp>
+              <p:nvSpPr>
+                <p:cNvPr id="13" name="ZoneTexte 12">
+                  <a:extLst>
+                    <a:ext uri="{FF2B5EF4-FFF2-40B4-BE49-F238E27FC236}">
+                      <a16:creationId xmlns:a16="http://schemas.microsoft.com/office/drawing/2014/main" id="{AFA4E859-17C2-44D1-B7C1-7A87D1CB6962}"/>
+                    </a:ext>
+                  </a:extLst>
+                </p:cNvPr>
+                <p:cNvSpPr txBox="1">
+                  <a:spLocks noRot="1" noChangeAspect="1" noMove="1" noResize="1" noEditPoints="1" noAdjustHandles="1" noChangeArrowheads="1" noChangeShapeType="1" noTextEdit="1"/>
+                </p:cNvSpPr>
+                <p:nvPr/>
+              </p:nvSpPr>
+              <p:spPr>
+                <a:xfrm>
+                  <a:off x="3048000" y="3243420"/>
+                  <a:ext cx="6096000" cy="439736"/>
+                </a:xfrm>
+                <a:prstGeom prst="rect">
+                  <a:avLst/>
+                </a:prstGeom>
+                <a:blipFill>
+                  <a:blip r:embed="rId6"/>
+                  <a:stretch>
+                    <a:fillRect b="-9589"/>
+                  </a:stretch>
+                </a:blipFill>
+              </p:spPr>
+              <p:txBody>
+                <a:bodyPr/>
+                <a:lstStyle/>
+                <a:p>
+                  <a:r>
+                    <a:rPr lang="fr-FR">
+                      <a:noFill/>
+                    </a:rPr>
+                    <a:t> </a:t>
+                  </a:r>
+                </a:p>
+              </p:txBody>
+            </p:sp>
+          </mc:Fallback>
+        </mc:AlternateContent>
+        <p:cxnSp>
+          <p:nvCxnSpPr>
+            <p:cNvPr id="14" name="Connecteur droit avec flèche 13">
+              <a:extLst>
+                <a:ext uri="{FF2B5EF4-FFF2-40B4-BE49-F238E27FC236}">
+                  <a16:creationId xmlns:a16="http://schemas.microsoft.com/office/drawing/2014/main" id="{E0993E3E-1134-4CE5-99EC-10EAB14287ED}"/>
+                </a:ext>
+              </a:extLst>
+            </p:cNvPr>
+            <p:cNvCxnSpPr>
+              <a:cxnSpLocks/>
+            </p:cNvCxnSpPr>
+            <p:nvPr/>
+          </p:nvCxnSpPr>
+          <p:spPr>
+            <a:xfrm flipV="1">
+              <a:off x="4926563" y="3649045"/>
+              <a:ext cx="422988" cy="232490"/>
+            </a:xfrm>
+            <a:prstGeom prst="straightConnector1">
+              <a:avLst/>
+            </a:prstGeom>
+            <a:ln>
+              <a:tailEnd type="triangle"/>
+            </a:ln>
+          </p:spPr>
+          <p:style>
+            <a:lnRef idx="1">
+              <a:schemeClr val="accent1"/>
+            </a:lnRef>
+            <a:fillRef idx="0">
+              <a:schemeClr val="accent1"/>
+            </a:fillRef>
+            <a:effectRef idx="0">
+              <a:schemeClr val="accent1"/>
+            </a:effectRef>
+            <a:fontRef idx="minor">
+              <a:schemeClr val="tx1"/>
+            </a:fontRef>
+          </p:style>
+        </p:cxnSp>
+        <p:cxnSp>
+          <p:nvCxnSpPr>
+            <p:cNvPr id="15" name="Connecteur droit avec flèche 14">
+              <a:extLst>
+                <a:ext uri="{FF2B5EF4-FFF2-40B4-BE49-F238E27FC236}">
+                  <a16:creationId xmlns:a16="http://schemas.microsoft.com/office/drawing/2014/main" id="{D8C6B288-F6E2-4315-A676-3F24775C8B2F}"/>
+                </a:ext>
+              </a:extLst>
+            </p:cNvPr>
+            <p:cNvCxnSpPr>
+              <a:cxnSpLocks/>
+            </p:cNvCxnSpPr>
+            <p:nvPr/>
+          </p:nvCxnSpPr>
+          <p:spPr>
+            <a:xfrm flipV="1">
+              <a:off x="5896947" y="3649045"/>
+              <a:ext cx="0" cy="232490"/>
+            </a:xfrm>
+            <a:prstGeom prst="straightConnector1">
+              <a:avLst/>
+            </a:prstGeom>
+            <a:ln>
+              <a:tailEnd type="triangle"/>
+            </a:ln>
+          </p:spPr>
+          <p:style>
+            <a:lnRef idx="1">
+              <a:schemeClr val="accent1"/>
+            </a:lnRef>
+            <a:fillRef idx="0">
+              <a:schemeClr val="accent1"/>
+            </a:fillRef>
+            <a:effectRef idx="0">
+              <a:schemeClr val="accent1"/>
+            </a:effectRef>
+            <a:fontRef idx="minor">
+              <a:schemeClr val="tx1"/>
+            </a:fontRef>
+          </p:style>
+        </p:cxnSp>
+        <p:cxnSp>
+          <p:nvCxnSpPr>
+            <p:cNvPr id="16" name="Connecteur droit avec flèche 15">
+              <a:extLst>
+                <a:ext uri="{FF2B5EF4-FFF2-40B4-BE49-F238E27FC236}">
+                  <a16:creationId xmlns:a16="http://schemas.microsoft.com/office/drawing/2014/main" id="{60234177-53F7-49B9-B999-EE7F7FD47C39}"/>
+                </a:ext>
+              </a:extLst>
+            </p:cNvPr>
+            <p:cNvCxnSpPr>
+              <a:cxnSpLocks/>
+            </p:cNvCxnSpPr>
+            <p:nvPr/>
+          </p:nvCxnSpPr>
+          <p:spPr>
+            <a:xfrm flipH="1" flipV="1">
+              <a:off x="6394580" y="3649044"/>
+              <a:ext cx="503853" cy="232491"/>
+            </a:xfrm>
+            <a:prstGeom prst="straightConnector1">
+              <a:avLst/>
+            </a:prstGeom>
+            <a:ln>
+              <a:tailEnd type="triangle"/>
+            </a:ln>
+          </p:spPr>
+          <p:style>
+            <a:lnRef idx="1">
+              <a:schemeClr val="accent1"/>
+            </a:lnRef>
+            <a:fillRef idx="0">
+              <a:schemeClr val="accent1"/>
+            </a:fillRef>
+            <a:effectRef idx="0">
+              <a:schemeClr val="accent1"/>
+            </a:effectRef>
+            <a:fontRef idx="minor">
+              <a:schemeClr val="tx1"/>
+            </a:fontRef>
+          </p:style>
+        </p:cxnSp>
+        <p:sp>
+          <p:nvSpPr>
+            <p:cNvPr id="17" name="ZoneTexte 16">
+              <a:extLst>
+                <a:ext uri="{FF2B5EF4-FFF2-40B4-BE49-F238E27FC236}">
+                  <a16:creationId xmlns:a16="http://schemas.microsoft.com/office/drawing/2014/main" id="{455B07CC-F92E-45BD-A76C-5FA0D950B874}"/>
+                </a:ext>
+              </a:extLst>
+            </p:cNvPr>
+            <p:cNvSpPr txBox="1"/>
+            <p:nvPr/>
+          </p:nvSpPr>
+          <p:spPr>
+            <a:xfrm>
+              <a:off x="5461514" y="3881536"/>
+              <a:ext cx="1430694" cy="646331"/>
+            </a:xfrm>
+            <a:prstGeom prst="rect">
+              <a:avLst/>
+            </a:prstGeom>
+            <a:noFill/>
+          </p:spPr>
+          <p:txBody>
+            <a:bodyPr wrap="square" rtlCol="0">
+              <a:spAutoFit/>
+            </a:bodyPr>
+            <a:lstStyle/>
+            <a:p>
+              <a:r>
+                <a:rPr lang="fr-FR" dirty="0"/>
+                <a:t>Pas</a:t>
+              </a:r>
+              <a:r>
+                <a:rPr lang="fr-FR" i="1" dirty="0"/>
+                <a:t> (</a:t>
+              </a:r>
+              <a:r>
+                <a:rPr lang="fr-FR" i="1" dirty="0" err="1"/>
+                <a:t>learning</a:t>
+              </a:r>
+              <a:endParaRPr lang="fr-FR" i="1" dirty="0"/>
+            </a:p>
+            <a:p>
+              <a:r>
+                <a:rPr lang="fr-FR" i="1" dirty="0"/>
+                <a:t>rate)</a:t>
+              </a:r>
+            </a:p>
+          </p:txBody>
+        </p:sp>
+        <mc:AlternateContent xmlns:mc="http://schemas.openxmlformats.org/markup-compatibility/2006">
+          <mc:Choice xmlns:a14="http://schemas.microsoft.com/office/drawing/2010/main" Requires="a14">
+            <p:sp>
+              <p:nvSpPr>
+                <p:cNvPr id="18" name="ZoneTexte 17">
+                  <a:extLst>
+                    <a:ext uri="{FF2B5EF4-FFF2-40B4-BE49-F238E27FC236}">
+                      <a16:creationId xmlns:a16="http://schemas.microsoft.com/office/drawing/2014/main" id="{6AFB82AC-D276-416E-A622-24258514BEF0}"/>
+                    </a:ext>
+                  </a:extLst>
+                </p:cNvPr>
+                <p:cNvSpPr txBox="1"/>
+                <p:nvPr/>
+              </p:nvSpPr>
+              <p:spPr>
+                <a:xfrm>
+                  <a:off x="3903310" y="3881536"/>
+                  <a:ext cx="1430694" cy="646331"/>
+                </a:xfrm>
+                <a:prstGeom prst="rect">
+                  <a:avLst/>
+                </a:prstGeom>
+                <a:noFill/>
+              </p:spPr>
+              <p:txBody>
+                <a:bodyPr wrap="square" rtlCol="0">
+                  <a:spAutoFit/>
+                </a:bodyPr>
+                <a:lstStyle/>
+                <a:p>
+                  <a:r>
+                    <a:rPr lang="fr-FR" dirty="0"/>
+                    <a:t>Paramètre à l’itération </a:t>
+                  </a:r>
+                  <a14:m>
+                    <m:oMath xmlns:m="http://schemas.openxmlformats.org/officeDocument/2006/math">
+                      <m:r>
+                        <a:rPr lang="fr-FR" b="0" i="1" smtClean="0">
+                          <a:latin typeface="Cambria Math" panose="02040503050406030204" pitchFamily="18" charset="0"/>
+                        </a:rPr>
+                        <m:t>𝑘</m:t>
+                      </m:r>
+                    </m:oMath>
+                  </a14:m>
+                  <a:endParaRPr lang="fr-FR" dirty="0"/>
+                </a:p>
+              </p:txBody>
+            </p:sp>
+          </mc:Choice>
+          <mc:Fallback>
+            <p:sp>
+              <p:nvSpPr>
+                <p:cNvPr id="18" name="ZoneTexte 17">
+                  <a:extLst>
+                    <a:ext uri="{FF2B5EF4-FFF2-40B4-BE49-F238E27FC236}">
+                      <a16:creationId xmlns:a16="http://schemas.microsoft.com/office/drawing/2014/main" id="{6AFB82AC-D276-416E-A622-24258514BEF0}"/>
+                    </a:ext>
+                  </a:extLst>
+                </p:cNvPr>
+                <p:cNvSpPr txBox="1">
+                  <a:spLocks noRot="1" noChangeAspect="1" noMove="1" noResize="1" noEditPoints="1" noAdjustHandles="1" noChangeArrowheads="1" noChangeShapeType="1" noTextEdit="1"/>
+                </p:cNvSpPr>
+                <p:nvPr/>
+              </p:nvSpPr>
+              <p:spPr>
+                <a:xfrm>
+                  <a:off x="3903310" y="3881536"/>
+                  <a:ext cx="1430694" cy="646331"/>
+                </a:xfrm>
+                <a:prstGeom prst="rect">
+                  <a:avLst/>
+                </a:prstGeom>
+                <a:blipFill>
+                  <a:blip r:embed="rId7"/>
+                  <a:stretch>
+                    <a:fillRect l="-3846" t="-4717" b="-14151"/>
+                  </a:stretch>
+                </a:blipFill>
+              </p:spPr>
+              <p:txBody>
+                <a:bodyPr/>
+                <a:lstStyle/>
+                <a:p>
+                  <a:r>
+                    <a:rPr lang="fr-FR">
+                      <a:noFill/>
+                    </a:rPr>
+                    <a:t> </a:t>
+                  </a:r>
+                </a:p>
+              </p:txBody>
+            </p:sp>
+          </mc:Fallback>
+        </mc:AlternateContent>
+        <mc:AlternateContent xmlns:mc="http://schemas.openxmlformats.org/markup-compatibility/2006">
+          <mc:Choice xmlns:a14="http://schemas.microsoft.com/office/drawing/2010/main" Requires="a14">
+            <p:sp>
+              <p:nvSpPr>
+                <p:cNvPr id="19" name="ZoneTexte 18">
+                  <a:extLst>
+                    <a:ext uri="{FF2B5EF4-FFF2-40B4-BE49-F238E27FC236}">
+                      <a16:creationId xmlns:a16="http://schemas.microsoft.com/office/drawing/2014/main" id="{981348A6-A5D6-4363-8981-6C05180F79F6}"/>
+                    </a:ext>
+                  </a:extLst>
+                </p:cNvPr>
+                <p:cNvSpPr txBox="1"/>
+                <p:nvPr/>
+              </p:nvSpPr>
+              <p:spPr>
+                <a:xfrm>
+                  <a:off x="6885984" y="3825551"/>
+                  <a:ext cx="2724541" cy="499624"/>
+                </a:xfrm>
+                <a:prstGeom prst="rect">
+                  <a:avLst/>
+                </a:prstGeom>
+                <a:noFill/>
+              </p:spPr>
+              <p:txBody>
+                <a:bodyPr wrap="square" rtlCol="0">
+                  <a:spAutoFit/>
+                </a:bodyPr>
+                <a:lstStyle/>
+                <a:p>
+                  <a:r>
+                    <a:rPr lang="fr-FR" dirty="0"/>
+                    <a:t>Gradient (se note aussi </a:t>
+                  </a:r>
+                  <a14:m>
+                    <m:oMath xmlns:m="http://schemas.openxmlformats.org/officeDocument/2006/math">
+                      <m:f>
+                        <m:fPr>
+                          <m:ctrlPr>
+                            <a:rPr lang="fr-FR" b="0" i="1" smtClean="0">
+                              <a:latin typeface="Cambria Math" panose="02040503050406030204" pitchFamily="18" charset="0"/>
+                            </a:rPr>
+                          </m:ctrlPr>
+                        </m:fPr>
+                        <m:num>
+                          <m:r>
+                            <a:rPr lang="fr-FR" b="0" i="1" smtClean="0">
+                              <a:latin typeface="Cambria Math" panose="02040503050406030204" pitchFamily="18" charset="0"/>
+                            </a:rPr>
+                            <m:t>𝛿</m:t>
+                          </m:r>
+                          <m:r>
+                            <a:rPr lang="fr-FR" b="0" i="1" smtClean="0">
+                              <a:latin typeface="Cambria Math" panose="02040503050406030204" pitchFamily="18" charset="0"/>
+                            </a:rPr>
+                            <m:t>𝐿</m:t>
+                          </m:r>
+                        </m:num>
+                        <m:den>
+                          <m:r>
+                            <a:rPr lang="fr-FR" b="0" i="1" smtClean="0">
+                              <a:latin typeface="Cambria Math" panose="02040503050406030204" pitchFamily="18" charset="0"/>
+                            </a:rPr>
+                            <m:t>𝛿𝜃</m:t>
+                          </m:r>
+                        </m:den>
+                      </m:f>
+                    </m:oMath>
+                  </a14:m>
+                  <a:r>
+                    <a:rPr lang="fr-FR" dirty="0"/>
+                    <a:t>)</a:t>
+                  </a:r>
+                </a:p>
+              </p:txBody>
+            </p:sp>
+          </mc:Choice>
+          <mc:Fallback>
+            <p:sp>
+              <p:nvSpPr>
+                <p:cNvPr id="19" name="ZoneTexte 18">
+                  <a:extLst>
+                    <a:ext uri="{FF2B5EF4-FFF2-40B4-BE49-F238E27FC236}">
+                      <a16:creationId xmlns:a16="http://schemas.microsoft.com/office/drawing/2014/main" id="{981348A6-A5D6-4363-8981-6C05180F79F6}"/>
+                    </a:ext>
+                  </a:extLst>
+                </p:cNvPr>
+                <p:cNvSpPr txBox="1">
+                  <a:spLocks noRot="1" noChangeAspect="1" noMove="1" noResize="1" noEditPoints="1" noAdjustHandles="1" noChangeArrowheads="1" noChangeShapeType="1" noTextEdit="1"/>
+                </p:cNvSpPr>
+                <p:nvPr/>
+              </p:nvSpPr>
+              <p:spPr>
+                <a:xfrm>
+                  <a:off x="6885984" y="3825551"/>
+                  <a:ext cx="2724541" cy="499624"/>
+                </a:xfrm>
+                <a:prstGeom prst="rect">
+                  <a:avLst/>
+                </a:prstGeom>
+                <a:blipFill>
+                  <a:blip r:embed="rId8"/>
+                  <a:stretch>
+                    <a:fillRect l="-2013" b="-7317"/>
+                  </a:stretch>
+                </a:blipFill>
+              </p:spPr>
+              <p:txBody>
+                <a:bodyPr/>
+                <a:lstStyle/>
+                <a:p>
+                  <a:r>
+                    <a:rPr lang="fr-FR">
+                      <a:noFill/>
+                    </a:rPr>
+                    <a:t> </a:t>
+                  </a:r>
+                </a:p>
+              </p:txBody>
+            </p:sp>
+          </mc:Fallback>
+        </mc:AlternateContent>
+      </p:grpSp>
     </p:spTree>
     <p:extLst>
       <p:ext uri="{BB962C8B-B14F-4D97-AF65-F5344CB8AC3E}">
@@ -8359,7 +9493,12 @@
             <p:ph type="title"/>
           </p:nvPr>
         </p:nvSpPr>
-        <p:spPr/>
+        <p:spPr>
+          <a:xfrm>
+            <a:off x="838200" y="365125"/>
+            <a:ext cx="10515600" cy="2639332"/>
+          </a:xfrm>
+        </p:spPr>
         <p:txBody>
           <a:bodyPr/>
           <a:lstStyle/>
@@ -8368,6 +9507,28 @@
               <a:rPr lang="fr-FR" dirty="0"/>
               <a:t>3. Introduction aux réseaux de neurones</a:t>
             </a:r>
+            <a:br>
+              <a:rPr lang="fr-FR" dirty="0"/>
+            </a:br>
+            <a:r>
+              <a:rPr lang="fr-FR" sz="3200" dirty="0"/>
+              <a:t>	3.1. Problèmes de régression</a:t>
+            </a:r>
+            <a:br>
+              <a:rPr lang="fr-FR" sz="3200" dirty="0"/>
+            </a:br>
+            <a:r>
+              <a:rPr lang="fr-FR" sz="3200" dirty="0"/>
+              <a:t>	3.2. Descente de gradient, dérivation automatique</a:t>
+            </a:r>
+            <a:br>
+              <a:rPr lang="fr-FR" sz="3200" dirty="0"/>
+            </a:br>
+            <a:r>
+              <a:rPr lang="fr-FR" sz="3200" dirty="0"/>
+              <a:t>	3.3. Un réseau de neurones simple (MLP)</a:t>
+            </a:r>
+            <a:endParaRPr lang="fr-FR" dirty="0"/>
           </a:p>
         </p:txBody>
       </p:sp>
@@ -8399,7 +9560,7 @@
         </p:blipFill>
         <p:spPr>
           <a:xfrm>
-            <a:off x="4679888" y="2318100"/>
+            <a:off x="4723431" y="3375570"/>
             <a:ext cx="1904762" cy="2692063"/>
           </a:xfrm>
           <a:prstGeom prst="rect">
@@ -8471,8 +9632,8 @@
                   <a:buNone/>
                 </a:pPr>
                 <a:r>
-                  <a:rPr lang="fr-FR" sz="2200" dirty="0"/>
-                  <a:t>3.1 Problème de régression</a:t>
+                  <a:rPr lang="fr-FR" sz="2400" dirty="0"/>
+                  <a:t>3.1 Problèmes de régression</a:t>
                 </a:r>
               </a:p>
               <a:p>
@@ -8582,7 +9743,15 @@
                 </a14:m>
                 <a:r>
                   <a:rPr lang="fr-FR" sz="2200" dirty="0"/>
-                  <a:t> :</a:t>
+                  <a:t> (</a:t>
+                </a:r>
+                <a:r>
+                  <a:rPr lang="fr-FR" sz="2200" i="1" dirty="0" err="1"/>
+                  <a:t>loss</a:t>
+                </a:r>
+                <a:r>
+                  <a:rPr lang="fr-FR" sz="2200" dirty="0"/>
+                  <a:t>) :</a:t>
                 </a:r>
               </a:p>
               <a:p>
@@ -8647,7 +9816,7 @@
               <a:blipFill>
                 <a:blip r:embed="rId2"/>
                 <a:stretch>
-                  <a:fillRect l="-731" t="-1316"/>
+                  <a:fillRect l="-844" t="-1417"/>
                 </a:stretch>
               </a:blipFill>
             </p:spPr>
@@ -8686,8 +9855,8 @@
             <a:chExt cx="6097088" cy="1140288"/>
           </a:xfrm>
         </p:grpSpPr>
-        <mc:AlternateContent xmlns:mc="http://schemas.openxmlformats.org/markup-compatibility/2006">
-          <mc:Choice xmlns:a14="http://schemas.microsoft.com/office/drawing/2010/main" Requires="a14">
+        <mc:AlternateContent xmlns:mc="http://schemas.openxmlformats.org/markup-compatibility/2006" xmlns:a14="http://schemas.microsoft.com/office/drawing/2010/main">
+          <mc:Choice Requires="a14">
             <p:sp>
               <p:nvSpPr>
                 <p:cNvPr id="47" name="ZoneTexte 46">
@@ -8793,7 +9962,7 @@
               </p:txBody>
             </p:sp>
           </mc:Choice>
-          <mc:Fallback>
+          <mc:Fallback xmlns="">
             <p:sp>
               <p:nvSpPr>
                 <p:cNvPr id="47" name="ZoneTexte 46">
@@ -8838,8 +10007,8 @@
             </p:sp>
           </mc:Fallback>
         </mc:AlternateContent>
-        <mc:AlternateContent xmlns:mc="http://schemas.openxmlformats.org/markup-compatibility/2006">
-          <mc:Choice xmlns:a14="http://schemas.microsoft.com/office/drawing/2010/main" Requires="a14">
+        <mc:AlternateContent xmlns:mc="http://schemas.openxmlformats.org/markup-compatibility/2006" xmlns:a14="http://schemas.microsoft.com/office/drawing/2010/main">
+          <mc:Choice Requires="a14">
             <p:sp>
               <p:nvSpPr>
                 <p:cNvPr id="48" name="ZoneTexte 47">
@@ -8888,6 +10057,7 @@
                               <a:lumMod val="50000"/>
                             </a:schemeClr>
                           </a:solidFill>
+                          <a:latin typeface="Cambria Math" panose="02040503050406030204" pitchFamily="18" charset="0"/>
                         </a:rPr>
                         <m:t>h</m:t>
                       </m:r>
@@ -8921,7 +10091,7 @@
               </p:txBody>
             </p:sp>
           </mc:Choice>
-          <mc:Fallback>
+          <mc:Fallback xmlns="">
             <p:sp>
               <p:nvSpPr>
                 <p:cNvPr id="48" name="ZoneTexte 47">
@@ -8966,8 +10136,8 @@
             </p:sp>
           </mc:Fallback>
         </mc:AlternateContent>
-        <mc:AlternateContent xmlns:mc="http://schemas.openxmlformats.org/markup-compatibility/2006">
-          <mc:Choice xmlns:a14="http://schemas.microsoft.com/office/drawing/2010/main" Requires="a14">
+        <mc:AlternateContent xmlns:mc="http://schemas.openxmlformats.org/markup-compatibility/2006" xmlns:a14="http://schemas.microsoft.com/office/drawing/2010/main">
+          <mc:Choice Requires="a14">
             <p:sp>
               <p:nvSpPr>
                 <p:cNvPr id="49" name="ZoneTexte 48">
@@ -9016,6 +10186,7 @@
                               <a:lumMod val="50000"/>
                             </a:schemeClr>
                           </a:solidFill>
+                          <a:latin typeface="Cambria Math" panose="02040503050406030204" pitchFamily="18" charset="0"/>
                         </a:rPr>
                         <m:t>𝜃</m:t>
                       </m:r>
@@ -9048,7 +10219,7 @@
               </p:txBody>
             </p:sp>
           </mc:Choice>
-          <mc:Fallback>
+          <mc:Fallback xmlns="">
             <p:sp>
               <p:nvSpPr>
                 <p:cNvPr id="49" name="ZoneTexte 48">
@@ -9175,8 +10346,8 @@
             </a:fontRef>
           </p:style>
         </p:cxnSp>
-        <mc:AlternateContent xmlns:mc="http://schemas.openxmlformats.org/markup-compatibility/2006">
-          <mc:Choice xmlns:a14="http://schemas.microsoft.com/office/drawing/2010/main" Requires="a14">
+        <mc:AlternateContent xmlns:mc="http://schemas.openxmlformats.org/markup-compatibility/2006" xmlns:a14="http://schemas.microsoft.com/office/drawing/2010/main">
+          <mc:Choice Requires="a14">
             <p:sp>
               <p:nvSpPr>
                 <p:cNvPr id="52" name="ZoneTexte 51">
@@ -9224,12 +10395,13 @@
                         <m:accPr>
                           <m:chr m:val="̂"/>
                           <m:ctrlPr>
-                            <a:rPr lang="fr-FR" sz="1900" dirty="0">
+                            <a:rPr lang="fr-FR" sz="1900" i="1" dirty="0">
                               <a:solidFill>
                                 <a:schemeClr val="bg2">
                                   <a:lumMod val="50000"/>
                                 </a:schemeClr>
                               </a:solidFill>
+                              <a:latin typeface="Cambria Math" panose="02040503050406030204" pitchFamily="18" charset="0"/>
                             </a:rPr>
                           </m:ctrlPr>
                         </m:accPr>
@@ -9241,6 +10413,7 @@
                                   <a:lumMod val="50000"/>
                                 </a:schemeClr>
                               </a:solidFill>
+                              <a:latin typeface="Cambria Math" panose="02040503050406030204" pitchFamily="18" charset="0"/>
                             </a:rPr>
                             <m:t>𝑦</m:t>
                           </m:r>
@@ -9277,7 +10450,7 @@
               </p:txBody>
             </p:sp>
           </mc:Choice>
-          <mc:Fallback>
+          <mc:Fallback xmlns="">
             <p:sp>
               <p:nvSpPr>
                 <p:cNvPr id="52" name="ZoneTexte 51">
@@ -9384,8 +10557,8 @@
             <a:chExt cx="6408957" cy="932538"/>
           </a:xfrm>
         </p:grpSpPr>
-        <mc:AlternateContent xmlns:mc="http://schemas.openxmlformats.org/markup-compatibility/2006">
-          <mc:Choice xmlns:a14="http://schemas.microsoft.com/office/drawing/2010/main" Requires="a14">
+        <mc:AlternateContent xmlns:mc="http://schemas.openxmlformats.org/markup-compatibility/2006" xmlns:a14="http://schemas.microsoft.com/office/drawing/2010/main">
+          <mc:Choice Requires="a14">
             <p:sp>
               <p:nvSpPr>
                 <p:cNvPr id="55" name="ZoneTexte 54">
@@ -9509,7 +10682,7 @@
               </p:txBody>
             </p:sp>
           </mc:Choice>
-          <mc:Fallback>
+          <mc:Fallback xmlns="">
             <p:sp>
               <p:nvSpPr>
                 <p:cNvPr id="55" name="ZoneTexte 54">
@@ -9755,8 +10928,8 @@
           <a:chExt cx="0" cy="0"/>
         </a:xfrm>
       </p:grpSpPr>
-      <mc:AlternateContent xmlns:mc="http://schemas.openxmlformats.org/markup-compatibility/2006">
-        <mc:Choice xmlns:a14="http://schemas.microsoft.com/office/drawing/2010/main" Requires="a14">
+      <mc:AlternateContent xmlns:mc="http://schemas.openxmlformats.org/markup-compatibility/2006" xmlns:a14="http://schemas.microsoft.com/office/drawing/2010/main">
+        <mc:Choice Requires="a14">
           <p:sp>
             <p:nvSpPr>
               <p:cNvPr id="3" name="Espace réservé du contenu 2">
@@ -10553,7 +11726,7 @@
             </p:txBody>
           </p:sp>
         </mc:Choice>
-        <mc:Fallback>
+        <mc:Fallback xmlns="">
           <p:sp>
             <p:nvSpPr>
               <p:cNvPr id="3" name="Espace réservé du contenu 2">
@@ -10848,8 +12021,8 @@
               </a:fontRef>
             </p:style>
           </p:cxnSp>
-          <mc:AlternateContent xmlns:mc="http://schemas.openxmlformats.org/markup-compatibility/2006">
-            <mc:Choice xmlns:a14="http://schemas.microsoft.com/office/drawing/2010/main" Requires="a14">
+          <mc:AlternateContent xmlns:mc="http://schemas.openxmlformats.org/markup-compatibility/2006" xmlns:a14="http://schemas.microsoft.com/office/drawing/2010/main">
+            <mc:Choice Requires="a14">
               <p:sp>
                 <p:nvSpPr>
                   <p:cNvPr id="38" name="ZoneTexte 37">
@@ -10997,7 +12170,7 @@
                 </p:txBody>
               </p:sp>
             </mc:Choice>
-            <mc:Fallback>
+            <mc:Fallback xmlns="">
               <p:sp>
                 <p:nvSpPr>
                   <p:cNvPr id="38" name="ZoneTexte 37">

--- a/Intelligence Artificielle et Analyse de donnees.pptx
+++ b/Intelligence Artificielle et Analyse de donnees.pptx
@@ -20,10 +20,11 @@
     <p:sldId id="271" r:id="rId14"/>
     <p:sldId id="274" r:id="rId15"/>
     <p:sldId id="275" r:id="rId16"/>
-    <p:sldId id="272" r:id="rId17"/>
-    <p:sldId id="273" r:id="rId18"/>
-    <p:sldId id="261" r:id="rId19"/>
+    <p:sldId id="276" r:id="rId17"/>
+    <p:sldId id="277" r:id="rId18"/>
+    <p:sldId id="272" r:id="rId19"/>
     <p:sldId id="262" r:id="rId20"/>
+    <p:sldId id="261" r:id="rId21"/>
   </p:sldIdLst>
   <p:sldSz cx="12192000" cy="6858000"/>
   <p:notesSz cx="6858000" cy="9144000"/>
@@ -288,7 +289,7 @@
           <a:p>
             <a:fld id="{6744C8BF-8EDA-4728-ABB9-9DEA91F7FC64}" type="datetimeFigureOut">
               <a:rPr lang="fr-FR" smtClean="0"/>
-              <a:t>16/01/2025</a:t>
+              <a:t>18/01/2025</a:t>
             </a:fld>
             <a:endParaRPr lang="fr-FR"/>
           </a:p>
@@ -486,7 +487,7 @@
           <a:p>
             <a:fld id="{6744C8BF-8EDA-4728-ABB9-9DEA91F7FC64}" type="datetimeFigureOut">
               <a:rPr lang="fr-FR" smtClean="0"/>
-              <a:t>16/01/2025</a:t>
+              <a:t>18/01/2025</a:t>
             </a:fld>
             <a:endParaRPr lang="fr-FR"/>
           </a:p>
@@ -694,7 +695,7 @@
           <a:p>
             <a:fld id="{6744C8BF-8EDA-4728-ABB9-9DEA91F7FC64}" type="datetimeFigureOut">
               <a:rPr lang="fr-FR" smtClean="0"/>
-              <a:t>16/01/2025</a:t>
+              <a:t>18/01/2025</a:t>
             </a:fld>
             <a:endParaRPr lang="fr-FR"/>
           </a:p>
@@ -892,7 +893,7 @@
           <a:p>
             <a:fld id="{6744C8BF-8EDA-4728-ABB9-9DEA91F7FC64}" type="datetimeFigureOut">
               <a:rPr lang="fr-FR" smtClean="0"/>
-              <a:t>16/01/2025</a:t>
+              <a:t>18/01/2025</a:t>
             </a:fld>
             <a:endParaRPr lang="fr-FR"/>
           </a:p>
@@ -1167,7 +1168,7 @@
           <a:p>
             <a:fld id="{6744C8BF-8EDA-4728-ABB9-9DEA91F7FC64}" type="datetimeFigureOut">
               <a:rPr lang="fr-FR" smtClean="0"/>
-              <a:t>16/01/2025</a:t>
+              <a:t>18/01/2025</a:t>
             </a:fld>
             <a:endParaRPr lang="fr-FR"/>
           </a:p>
@@ -1432,7 +1433,7 @@
           <a:p>
             <a:fld id="{6744C8BF-8EDA-4728-ABB9-9DEA91F7FC64}" type="datetimeFigureOut">
               <a:rPr lang="fr-FR" smtClean="0"/>
-              <a:t>16/01/2025</a:t>
+              <a:t>18/01/2025</a:t>
             </a:fld>
             <a:endParaRPr lang="fr-FR"/>
           </a:p>
@@ -1844,7 +1845,7 @@
           <a:p>
             <a:fld id="{6744C8BF-8EDA-4728-ABB9-9DEA91F7FC64}" type="datetimeFigureOut">
               <a:rPr lang="fr-FR" smtClean="0"/>
-              <a:t>16/01/2025</a:t>
+              <a:t>18/01/2025</a:t>
             </a:fld>
             <a:endParaRPr lang="fr-FR"/>
           </a:p>
@@ -1985,7 +1986,7 @@
           <a:p>
             <a:fld id="{6744C8BF-8EDA-4728-ABB9-9DEA91F7FC64}" type="datetimeFigureOut">
               <a:rPr lang="fr-FR" smtClean="0"/>
-              <a:t>16/01/2025</a:t>
+              <a:t>18/01/2025</a:t>
             </a:fld>
             <a:endParaRPr lang="fr-FR"/>
           </a:p>
@@ -2098,7 +2099,7 @@
           <a:p>
             <a:fld id="{6744C8BF-8EDA-4728-ABB9-9DEA91F7FC64}" type="datetimeFigureOut">
               <a:rPr lang="fr-FR" smtClean="0"/>
-              <a:t>16/01/2025</a:t>
+              <a:t>18/01/2025</a:t>
             </a:fld>
             <a:endParaRPr lang="fr-FR"/>
           </a:p>
@@ -2409,7 +2410,7 @@
           <a:p>
             <a:fld id="{6744C8BF-8EDA-4728-ABB9-9DEA91F7FC64}" type="datetimeFigureOut">
               <a:rPr lang="fr-FR" smtClean="0"/>
-              <a:t>16/01/2025</a:t>
+              <a:t>18/01/2025</a:t>
             </a:fld>
             <a:endParaRPr lang="fr-FR"/>
           </a:p>
@@ -2697,7 +2698,7 @@
           <a:p>
             <a:fld id="{6744C8BF-8EDA-4728-ABB9-9DEA91F7FC64}" type="datetimeFigureOut">
               <a:rPr lang="fr-FR" smtClean="0"/>
-              <a:t>16/01/2025</a:t>
+              <a:t>18/01/2025</a:t>
             </a:fld>
             <a:endParaRPr lang="fr-FR"/>
           </a:p>
@@ -2938,7 +2939,7 @@
           <a:p>
             <a:fld id="{6744C8BF-8EDA-4728-ABB9-9DEA91F7FC64}" type="datetimeFigureOut">
               <a:rPr lang="fr-FR" smtClean="0"/>
-              <a:t>16/01/2025</a:t>
+              <a:t>18/01/2025</a:t>
             </a:fld>
             <a:endParaRPr lang="fr-FR"/>
           </a:p>
@@ -3635,7 +3636,7 @@
         <p:spPr>
           <a:xfrm>
             <a:off x="457015" y="5040022"/>
-            <a:ext cx="10839994" cy="633452"/>
+            <a:ext cx="10839994" cy="1510068"/>
           </a:xfrm>
           <a:prstGeom prst="rect">
             <a:avLst/>
@@ -4841,8 +4842,8 @@
           <a:chExt cx="0" cy="0"/>
         </a:xfrm>
       </p:grpSpPr>
-      <mc:AlternateContent xmlns:mc="http://schemas.openxmlformats.org/markup-compatibility/2006">
-        <mc:Choice xmlns:a14="http://schemas.microsoft.com/office/drawing/2010/main" Requires="a14">
+      <mc:AlternateContent xmlns:mc="http://schemas.openxmlformats.org/markup-compatibility/2006" xmlns:a14="http://schemas.microsoft.com/office/drawing/2010/main">
+        <mc:Choice Requires="a14">
           <p:sp>
             <p:nvSpPr>
               <p:cNvPr id="3" name="Espace réservé du contenu 2">
@@ -4876,7 +4877,7 @@
                 </a:pPr>
                 <a:r>
                   <a:rPr lang="fr-FR" sz="2200" u="sng" dirty="0"/>
-                  <a:t>Exercice</a:t>
+                  <a:t>Exercice 1</a:t>
                 </a:r>
                 <a:r>
                   <a:rPr lang="fr-FR" sz="2200" dirty="0"/>
@@ -5878,7 +5879,7 @@
             </p:txBody>
           </p:sp>
         </mc:Choice>
-        <mc:Fallback>
+        <mc:Fallback xmlns="">
           <p:sp>
             <p:nvSpPr>
               <p:cNvPr id="3" name="Espace réservé du contenu 2">
@@ -5982,8 +5983,8 @@
           <a:chExt cx="0" cy="0"/>
         </a:xfrm>
       </p:grpSpPr>
-      <mc:AlternateContent xmlns:mc="http://schemas.openxmlformats.org/markup-compatibility/2006">
-        <mc:Choice xmlns:a14="http://schemas.microsoft.com/office/drawing/2010/main" Requires="a14">
+      <mc:AlternateContent xmlns:mc="http://schemas.openxmlformats.org/markup-compatibility/2006" xmlns:a14="http://schemas.microsoft.com/office/drawing/2010/main">
+        <mc:Choice Requires="a14">
           <p:sp>
             <p:nvSpPr>
               <p:cNvPr id="3" name="Espace réservé du contenu 2">
@@ -6228,7 +6229,7 @@
             </p:txBody>
           </p:sp>
         </mc:Choice>
-        <mc:Fallback>
+        <mc:Fallback xmlns="">
           <p:sp>
             <p:nvSpPr>
               <p:cNvPr id="3" name="Espace réservé du contenu 2">
@@ -6322,8 +6323,8 @@
             </a:prstGeom>
           </p:spPr>
         </p:pic>
-        <mc:AlternateContent xmlns:mc="http://schemas.openxmlformats.org/markup-compatibility/2006">
-          <mc:Choice xmlns:a14="http://schemas.microsoft.com/office/drawing/2010/main" Requires="a14">
+        <mc:AlternateContent xmlns:mc="http://schemas.openxmlformats.org/markup-compatibility/2006" xmlns:a14="http://schemas.microsoft.com/office/drawing/2010/main">
+          <mc:Choice Requires="a14">
             <p:sp>
               <p:nvSpPr>
                 <p:cNvPr id="10" name="ZoneTexte 9">
@@ -6352,6 +6353,7 @@
                 </a:bodyPr>
                 <a:lstStyle/>
                 <a:p>
+                  <a:pPr/>
                   <a14:m>
                     <m:oMathPara xmlns:m="http://schemas.openxmlformats.org/officeDocument/2006/math">
                       <m:oMathParaPr>
@@ -6372,7 +6374,7 @@
               </p:txBody>
             </p:sp>
           </mc:Choice>
-          <mc:Fallback>
+          <mc:Fallback xmlns="">
             <p:sp>
               <p:nvSpPr>
                 <p:cNvPr id="10" name="ZoneTexte 9">
@@ -6417,8 +6419,8 @@
             </p:sp>
           </mc:Fallback>
         </mc:AlternateContent>
-        <mc:AlternateContent xmlns:mc="http://schemas.openxmlformats.org/markup-compatibility/2006">
-          <mc:Choice xmlns:a14="http://schemas.microsoft.com/office/drawing/2010/main" Requires="a14">
+        <mc:AlternateContent xmlns:mc="http://schemas.openxmlformats.org/markup-compatibility/2006" xmlns:a14="http://schemas.microsoft.com/office/drawing/2010/main">
+          <mc:Choice Requires="a14">
             <p:sp>
               <p:nvSpPr>
                 <p:cNvPr id="11" name="ZoneTexte 10">
@@ -6447,6 +6449,7 @@
                 </a:bodyPr>
                 <a:lstStyle/>
                 <a:p>
+                  <a:pPr/>
                   <a14:m>
                     <m:oMathPara xmlns:m="http://schemas.openxmlformats.org/officeDocument/2006/math">
                       <m:oMathParaPr>
@@ -6467,7 +6470,7 @@
               </p:txBody>
             </p:sp>
           </mc:Choice>
-          <mc:Fallback>
+          <mc:Fallback xmlns="">
             <p:sp>
               <p:nvSpPr>
                 <p:cNvPr id="11" name="ZoneTexte 10">
@@ -6533,8 +6536,8 @@
             <a:chExt cx="6562525" cy="1284447"/>
           </a:xfrm>
         </p:grpSpPr>
-        <mc:AlternateContent xmlns:mc="http://schemas.openxmlformats.org/markup-compatibility/2006">
-          <mc:Choice xmlns:a14="http://schemas.microsoft.com/office/drawing/2010/main" Requires="a14">
+        <mc:AlternateContent xmlns:mc="http://schemas.openxmlformats.org/markup-compatibility/2006" xmlns:a14="http://schemas.microsoft.com/office/drawing/2010/main">
+          <mc:Choice Requires="a14">
             <p:sp>
               <p:nvSpPr>
                 <p:cNvPr id="13" name="ZoneTexte 12">
@@ -6787,7 +6790,7 @@
               </p:txBody>
             </p:sp>
           </mc:Choice>
-          <mc:Fallback>
+          <mc:Fallback xmlns="">
             <p:sp>
               <p:nvSpPr>
                 <p:cNvPr id="13" name="ZoneTexte 12">
@@ -7005,8 +7008,8 @@
             </a:p>
           </p:txBody>
         </p:sp>
-        <mc:AlternateContent xmlns:mc="http://schemas.openxmlformats.org/markup-compatibility/2006">
-          <mc:Choice xmlns:a14="http://schemas.microsoft.com/office/drawing/2010/main" Requires="a14">
+        <mc:AlternateContent xmlns:mc="http://schemas.openxmlformats.org/markup-compatibility/2006" xmlns:a14="http://schemas.microsoft.com/office/drawing/2010/main">
+          <mc:Choice Requires="a14">
             <p:sp>
               <p:nvSpPr>
                 <p:cNvPr id="18" name="ZoneTexte 17">
@@ -7054,7 +7057,7 @@
               </p:txBody>
             </p:sp>
           </mc:Choice>
-          <mc:Fallback>
+          <mc:Fallback xmlns="">
             <p:sp>
               <p:nvSpPr>
                 <p:cNvPr id="18" name="ZoneTexte 17">
@@ -7099,8 +7102,8 @@
             </p:sp>
           </mc:Fallback>
         </mc:AlternateContent>
-        <mc:AlternateContent xmlns:mc="http://schemas.openxmlformats.org/markup-compatibility/2006">
-          <mc:Choice xmlns:a14="http://schemas.microsoft.com/office/drawing/2010/main" Requires="a14">
+        <mc:AlternateContent xmlns:mc="http://schemas.openxmlformats.org/markup-compatibility/2006" xmlns:a14="http://schemas.microsoft.com/office/drawing/2010/main">
+          <mc:Choice Requires="a14">
             <p:sp>
               <p:nvSpPr>
                 <p:cNvPr id="19" name="ZoneTexte 18">
@@ -7116,7 +7119,7 @@
               <p:spPr>
                 <a:xfrm>
                   <a:off x="6885984" y="3825551"/>
-                  <a:ext cx="2724541" cy="499624"/>
+                  <a:ext cx="2724541" cy="513026"/>
                 </a:xfrm>
                 <a:prstGeom prst="rect">
                   <a:avLst/>
@@ -7145,10 +7148,11 @@
                         </m:fPr>
                         <m:num>
                           <m:r>
-                            <a:rPr lang="fr-FR" b="0" i="1" smtClean="0">
+                            <a:rPr lang="fr-FR" i="1">
                               <a:latin typeface="Cambria Math" panose="02040503050406030204" pitchFamily="18" charset="0"/>
+                              <a:ea typeface="Cambria Math" panose="02040503050406030204" pitchFamily="18" charset="0"/>
                             </a:rPr>
-                            <m:t>𝛿</m:t>
+                            <m:t>𝜕</m:t>
                           </m:r>
                           <m:r>
                             <a:rPr lang="fr-FR" b="0" i="1" smtClean="0">
@@ -7159,10 +7163,17 @@
                         </m:num>
                         <m:den>
                           <m:r>
+                            <a:rPr lang="fr-FR" i="1">
+                              <a:latin typeface="Cambria Math" panose="02040503050406030204" pitchFamily="18" charset="0"/>
+                              <a:ea typeface="Cambria Math" panose="02040503050406030204" pitchFamily="18" charset="0"/>
+                            </a:rPr>
+                            <m:t>𝜕</m:t>
+                          </m:r>
+                          <m:r>
                             <a:rPr lang="fr-FR" b="0" i="1" smtClean="0">
                               <a:latin typeface="Cambria Math" panose="02040503050406030204" pitchFamily="18" charset="0"/>
                             </a:rPr>
-                            <m:t>𝛿𝜃</m:t>
+                            <m:t>𝜃</m:t>
                           </m:r>
                         </m:den>
                       </m:f>
@@ -7176,7 +7187,7 @@
               </p:txBody>
             </p:sp>
           </mc:Choice>
-          <mc:Fallback>
+          <mc:Fallback xmlns="">
             <p:sp>
               <p:nvSpPr>
                 <p:cNvPr id="19" name="ZoneTexte 18">
@@ -7194,7 +7205,7 @@
               <p:spPr>
                 <a:xfrm>
                   <a:off x="6885984" y="3825551"/>
-                  <a:ext cx="2724541" cy="499624"/>
+                  <a:ext cx="2724541" cy="513026"/>
                 </a:xfrm>
                 <a:prstGeom prst="rect">
                   <a:avLst/>
@@ -7202,7 +7213,7 @@
                 <a:blipFill>
                   <a:blip r:embed="rId8"/>
                   <a:stretch>
-                    <a:fillRect l="-2013" b="-7317"/>
+                    <a:fillRect l="-2013" b="-4762"/>
                   </a:stretch>
                 </a:blipFill>
               </p:spPr>
@@ -7252,76 +7263,1790 @@
           <a:chExt cx="0" cy="0"/>
         </a:xfrm>
       </p:grpSpPr>
-      <p:sp>
-        <p:nvSpPr>
-          <p:cNvPr id="3" name="Espace réservé du contenu 2">
-            <a:extLst>
-              <a:ext uri="{FF2B5EF4-FFF2-40B4-BE49-F238E27FC236}">
-                <a16:creationId xmlns:a16="http://schemas.microsoft.com/office/drawing/2014/main" id="{B59E77B8-2D75-472C-B76C-ABDDE0CAFCD5}"/>
-              </a:ext>
-            </a:extLst>
-          </p:cNvPr>
-          <p:cNvSpPr>
-            <a:spLocks noGrp="1"/>
-          </p:cNvSpPr>
-          <p:nvPr>
-            <p:ph idx="1"/>
-          </p:nvPr>
-        </p:nvSpPr>
-        <p:spPr>
-          <a:xfrm>
-            <a:off x="537750" y="431073"/>
-            <a:ext cx="10839994" cy="6021978"/>
-          </a:xfrm>
-        </p:spPr>
-        <p:txBody>
-          <a:bodyPr>
-            <a:normAutofit/>
-          </a:bodyPr>
-          <a:lstStyle/>
-          <a:p>
-            <a:pPr marL="0" indent="0">
-              <a:buNone/>
-            </a:pPr>
-            <a:r>
-              <a:rPr lang="fr-FR" sz="2200" dirty="0"/>
-              <a:t>3.2 Un réseau de neurones simple : le </a:t>
-            </a:r>
-            <a:r>
-              <a:rPr lang="fr-FR" sz="2200" b="1" dirty="0"/>
-              <a:t>MLP</a:t>
-            </a:r>
-            <a:r>
-              <a:rPr lang="fr-FR" sz="2200" dirty="0"/>
-              <a:t> (multi-</a:t>
-            </a:r>
-            <a:r>
-              <a:rPr lang="fr-FR" sz="2200" dirty="0" err="1"/>
-              <a:t>layers</a:t>
-            </a:r>
-            <a:r>
-              <a:rPr lang="fr-FR" sz="2200" dirty="0"/>
-              <a:t> perceptron)</a:t>
-            </a:r>
-          </a:p>
-          <a:p>
-            <a:pPr marL="0" indent="0">
-              <a:buNone/>
-            </a:pPr>
-            <a:endParaRPr lang="fr-FR" sz="2200" u="sng" dirty="0"/>
-          </a:p>
-          <a:p>
-            <a:pPr marL="0" indent="0">
-              <a:buNone/>
-            </a:pPr>
-            <a:endParaRPr lang="fr-FR" sz="2200" b="1" dirty="0"/>
-          </a:p>
-        </p:txBody>
-      </p:sp>
+      <mc:AlternateContent xmlns:mc="http://schemas.openxmlformats.org/markup-compatibility/2006" xmlns:a14="http://schemas.microsoft.com/office/drawing/2010/main">
+        <mc:Choice Requires="a14">
+          <p:sp>
+            <p:nvSpPr>
+              <p:cNvPr id="3" name="Espace réservé du contenu 2">
+                <a:extLst>
+                  <a:ext uri="{FF2B5EF4-FFF2-40B4-BE49-F238E27FC236}">
+                    <a16:creationId xmlns:a16="http://schemas.microsoft.com/office/drawing/2014/main" id="{B59E77B8-2D75-472C-B76C-ABDDE0CAFCD5}"/>
+                  </a:ext>
+                </a:extLst>
+              </p:cNvPr>
+              <p:cNvSpPr>
+                <a:spLocks noGrp="1"/>
+              </p:cNvSpPr>
+              <p:nvPr>
+                <p:ph idx="1"/>
+              </p:nvPr>
+            </p:nvSpPr>
+            <p:spPr>
+              <a:xfrm>
+                <a:off x="537750" y="431073"/>
+                <a:ext cx="10839994" cy="6286968"/>
+              </a:xfrm>
+            </p:spPr>
+            <p:txBody>
+              <a:bodyPr>
+                <a:normAutofit fontScale="92500" lnSpcReduction="20000"/>
+              </a:bodyPr>
+              <a:lstStyle/>
+              <a:p>
+                <a:pPr marL="0" indent="0">
+                  <a:buNone/>
+                </a:pPr>
+                <a:r>
+                  <a:rPr lang="fr-FR" sz="2000" dirty="0"/>
+                  <a:t>Calculer le gradient </a:t>
+                </a:r>
+                <a14:m>
+                  <m:oMath xmlns:m="http://schemas.openxmlformats.org/officeDocument/2006/math">
+                    <m:sSub>
+                      <m:sSubPr>
+                        <m:ctrlPr>
+                          <a:rPr lang="fr-FR" sz="2000" b="0" i="1" smtClean="0">
+                            <a:latin typeface="Cambria Math" panose="02040503050406030204" pitchFamily="18" charset="0"/>
+                            <a:ea typeface="Cambria Math" panose="02040503050406030204" pitchFamily="18" charset="0"/>
+                          </a:rPr>
+                        </m:ctrlPr>
+                      </m:sSubPr>
+                      <m:e>
+                        <m:r>
+                          <m:rPr>
+                            <m:sty m:val="p"/>
+                          </m:rPr>
+                          <a:rPr lang="fr-FR" sz="2000" i="1" smtClean="0">
+                            <a:latin typeface="Cambria Math" panose="02040503050406030204" pitchFamily="18" charset="0"/>
+                            <a:ea typeface="Cambria Math" panose="02040503050406030204" pitchFamily="18" charset="0"/>
+                          </a:rPr>
+                          <m:t>∇</m:t>
+                        </m:r>
+                      </m:e>
+                      <m:sub>
+                        <m:r>
+                          <a:rPr lang="fr-FR" sz="2000" b="0" i="1" smtClean="0">
+                            <a:latin typeface="Cambria Math" panose="02040503050406030204" pitchFamily="18" charset="0"/>
+                            <a:ea typeface="Cambria Math" panose="02040503050406030204" pitchFamily="18" charset="0"/>
+                          </a:rPr>
+                          <m:t>𝜃</m:t>
+                        </m:r>
+                      </m:sub>
+                    </m:sSub>
+                    <m:r>
+                      <a:rPr lang="fr-FR" sz="2000" b="0" i="1" smtClean="0">
+                        <a:latin typeface="Cambria Math" panose="02040503050406030204" pitchFamily="18" charset="0"/>
+                        <a:ea typeface="Cambria Math" panose="02040503050406030204" pitchFamily="18" charset="0"/>
+                      </a:rPr>
+                      <m:t>𝐿</m:t>
+                    </m:r>
+                    <m:r>
+                      <a:rPr lang="fr-FR" sz="2000" b="0" i="1" smtClean="0">
+                        <a:latin typeface="Cambria Math" panose="02040503050406030204" pitchFamily="18" charset="0"/>
+                        <a:ea typeface="Cambria Math" panose="02040503050406030204" pitchFamily="18" charset="0"/>
+                      </a:rPr>
+                      <m:t>=</m:t>
+                    </m:r>
+                    <m:sSup>
+                      <m:sSupPr>
+                        <m:ctrlPr>
+                          <a:rPr lang="fr-FR" sz="2000" b="0" i="1" smtClean="0">
+                            <a:latin typeface="Cambria Math" panose="02040503050406030204" pitchFamily="18" charset="0"/>
+                            <a:ea typeface="Cambria Math" panose="02040503050406030204" pitchFamily="18" charset="0"/>
+                          </a:rPr>
+                        </m:ctrlPr>
+                      </m:sSupPr>
+                      <m:e>
+                        <m:d>
+                          <m:dPr>
+                            <m:begChr m:val="["/>
+                            <m:endChr m:val="]"/>
+                            <m:ctrlPr>
+                              <a:rPr lang="fr-FR" sz="2000" b="0" i="1" smtClean="0">
+                                <a:latin typeface="Cambria Math" panose="02040503050406030204" pitchFamily="18" charset="0"/>
+                                <a:ea typeface="Cambria Math" panose="02040503050406030204" pitchFamily="18" charset="0"/>
+                              </a:rPr>
+                            </m:ctrlPr>
+                          </m:dPr>
+                          <m:e>
+                            <m:f>
+                              <m:fPr>
+                                <m:ctrlPr>
+                                  <a:rPr lang="fr-FR" sz="2000" b="0" i="1" smtClean="0">
+                                    <a:latin typeface="Cambria Math" panose="02040503050406030204" pitchFamily="18" charset="0"/>
+                                    <a:ea typeface="Cambria Math" panose="02040503050406030204" pitchFamily="18" charset="0"/>
+                                  </a:rPr>
+                                </m:ctrlPr>
+                              </m:fPr>
+                              <m:num>
+                                <m:r>
+                                  <a:rPr lang="fr-FR" sz="2000" b="0" i="1" smtClean="0">
+                                    <a:latin typeface="Cambria Math" panose="02040503050406030204" pitchFamily="18" charset="0"/>
+                                    <a:ea typeface="Cambria Math" panose="02040503050406030204" pitchFamily="18" charset="0"/>
+                                  </a:rPr>
+                                  <m:t>𝜕</m:t>
+                                </m:r>
+                                <m:r>
+                                  <a:rPr lang="fr-FR" sz="2000" b="0" i="1" smtClean="0">
+                                    <a:latin typeface="Cambria Math" panose="02040503050406030204" pitchFamily="18" charset="0"/>
+                                    <a:ea typeface="Cambria Math" panose="02040503050406030204" pitchFamily="18" charset="0"/>
+                                  </a:rPr>
+                                  <m:t>𝐿</m:t>
+                                </m:r>
+                              </m:num>
+                              <m:den>
+                                <m:r>
+                                  <a:rPr lang="fr-FR" sz="2000" i="1">
+                                    <a:latin typeface="Cambria Math" panose="02040503050406030204" pitchFamily="18" charset="0"/>
+                                    <a:ea typeface="Cambria Math" panose="02040503050406030204" pitchFamily="18" charset="0"/>
+                                  </a:rPr>
+                                  <m:t>𝜕</m:t>
+                                </m:r>
+                                <m:sSub>
+                                  <m:sSubPr>
+                                    <m:ctrlPr>
+                                      <a:rPr lang="fr-FR" sz="2000" b="0" i="1" smtClean="0">
+                                        <a:latin typeface="Cambria Math" panose="02040503050406030204" pitchFamily="18" charset="0"/>
+                                        <a:ea typeface="Cambria Math" panose="02040503050406030204" pitchFamily="18" charset="0"/>
+                                      </a:rPr>
+                                    </m:ctrlPr>
+                                  </m:sSubPr>
+                                  <m:e>
+                                    <m:r>
+                                      <a:rPr lang="fr-FR" sz="2000" b="0" i="1" smtClean="0">
+                                        <a:latin typeface="Cambria Math" panose="02040503050406030204" pitchFamily="18" charset="0"/>
+                                        <a:ea typeface="Cambria Math" panose="02040503050406030204" pitchFamily="18" charset="0"/>
+                                      </a:rPr>
+                                      <m:t>𝜃</m:t>
+                                    </m:r>
+                                  </m:e>
+                                  <m:sub>
+                                    <m:r>
+                                      <a:rPr lang="fr-FR" sz="2000" b="0" i="1" smtClean="0">
+                                        <a:latin typeface="Cambria Math" panose="02040503050406030204" pitchFamily="18" charset="0"/>
+                                        <a:ea typeface="Cambria Math" panose="02040503050406030204" pitchFamily="18" charset="0"/>
+                                      </a:rPr>
+                                      <m:t>0</m:t>
+                                    </m:r>
+                                  </m:sub>
+                                </m:sSub>
+                              </m:den>
+                            </m:f>
+                            <m:r>
+                              <a:rPr lang="fr-FR" sz="2000" b="0" i="1" smtClean="0">
+                                <a:latin typeface="Cambria Math" panose="02040503050406030204" pitchFamily="18" charset="0"/>
+                                <a:ea typeface="Cambria Math" panose="02040503050406030204" pitchFamily="18" charset="0"/>
+                              </a:rPr>
+                              <m:t>,</m:t>
+                            </m:r>
+                            <m:f>
+                              <m:fPr>
+                                <m:ctrlPr>
+                                  <a:rPr lang="fr-FR" sz="2000" i="1">
+                                    <a:latin typeface="Cambria Math" panose="02040503050406030204" pitchFamily="18" charset="0"/>
+                                    <a:ea typeface="Cambria Math" panose="02040503050406030204" pitchFamily="18" charset="0"/>
+                                  </a:rPr>
+                                </m:ctrlPr>
+                              </m:fPr>
+                              <m:num>
+                                <m:r>
+                                  <a:rPr lang="fr-FR" sz="2000" i="1">
+                                    <a:latin typeface="Cambria Math" panose="02040503050406030204" pitchFamily="18" charset="0"/>
+                                    <a:ea typeface="Cambria Math" panose="02040503050406030204" pitchFamily="18" charset="0"/>
+                                  </a:rPr>
+                                  <m:t>𝜕</m:t>
+                                </m:r>
+                                <m:r>
+                                  <a:rPr lang="fr-FR" sz="2000" i="1">
+                                    <a:latin typeface="Cambria Math" panose="02040503050406030204" pitchFamily="18" charset="0"/>
+                                    <a:ea typeface="Cambria Math" panose="02040503050406030204" pitchFamily="18" charset="0"/>
+                                  </a:rPr>
+                                  <m:t>𝐿</m:t>
+                                </m:r>
+                              </m:num>
+                              <m:den>
+                                <m:r>
+                                  <a:rPr lang="fr-FR" sz="2000" i="1">
+                                    <a:latin typeface="Cambria Math" panose="02040503050406030204" pitchFamily="18" charset="0"/>
+                                    <a:ea typeface="Cambria Math" panose="02040503050406030204" pitchFamily="18" charset="0"/>
+                                  </a:rPr>
+                                  <m:t>𝜕</m:t>
+                                </m:r>
+                                <m:sSub>
+                                  <m:sSubPr>
+                                    <m:ctrlPr>
+                                      <a:rPr lang="fr-FR" sz="2000" i="1">
+                                        <a:latin typeface="Cambria Math" panose="02040503050406030204" pitchFamily="18" charset="0"/>
+                                        <a:ea typeface="Cambria Math" panose="02040503050406030204" pitchFamily="18" charset="0"/>
+                                      </a:rPr>
+                                    </m:ctrlPr>
+                                  </m:sSubPr>
+                                  <m:e>
+                                    <m:r>
+                                      <a:rPr lang="fr-FR" sz="2000" i="1">
+                                        <a:latin typeface="Cambria Math" panose="02040503050406030204" pitchFamily="18" charset="0"/>
+                                        <a:ea typeface="Cambria Math" panose="02040503050406030204" pitchFamily="18" charset="0"/>
+                                      </a:rPr>
+                                      <m:t>𝜃</m:t>
+                                    </m:r>
+                                  </m:e>
+                                  <m:sub>
+                                    <m:r>
+                                      <a:rPr lang="fr-FR" sz="2000" b="0" i="1" smtClean="0">
+                                        <a:latin typeface="Cambria Math" panose="02040503050406030204" pitchFamily="18" charset="0"/>
+                                        <a:ea typeface="Cambria Math" panose="02040503050406030204" pitchFamily="18" charset="0"/>
+                                      </a:rPr>
+                                      <m:t>1</m:t>
+                                    </m:r>
+                                  </m:sub>
+                                </m:sSub>
+                              </m:den>
+                            </m:f>
+                            <m:r>
+                              <a:rPr lang="fr-FR" sz="2000" b="0" i="1" smtClean="0">
+                                <a:latin typeface="Cambria Math" panose="02040503050406030204" pitchFamily="18" charset="0"/>
+                                <a:ea typeface="Cambria Math" panose="02040503050406030204" pitchFamily="18" charset="0"/>
+                              </a:rPr>
+                              <m:t>, …</m:t>
+                            </m:r>
+                          </m:e>
+                        </m:d>
+                      </m:e>
+                      <m:sup>
+                        <m:r>
+                          <a:rPr lang="fr-FR" sz="2000" b="0" i="1" smtClean="0">
+                            <a:latin typeface="Cambria Math" panose="02040503050406030204" pitchFamily="18" charset="0"/>
+                            <a:ea typeface="Cambria Math" panose="02040503050406030204" pitchFamily="18" charset="0"/>
+                          </a:rPr>
+                          <m:t>𝑇</m:t>
+                        </m:r>
+                      </m:sup>
+                    </m:sSup>
+                  </m:oMath>
+                </a14:m>
+                <a:r>
+                  <a:rPr lang="fr-FR" sz="2000" dirty="0"/>
+                  <a:t>revient à calculer les dérivées partielles </a:t>
+                </a:r>
+                <a14:m>
+                  <m:oMath xmlns:m="http://schemas.openxmlformats.org/officeDocument/2006/math">
+                    <m:f>
+                      <m:fPr>
+                        <m:ctrlPr>
+                          <a:rPr lang="fr-FR" sz="2000" i="1">
+                            <a:latin typeface="Cambria Math" panose="02040503050406030204" pitchFamily="18" charset="0"/>
+                            <a:ea typeface="Cambria Math" panose="02040503050406030204" pitchFamily="18" charset="0"/>
+                          </a:rPr>
+                        </m:ctrlPr>
+                      </m:fPr>
+                      <m:num>
+                        <m:r>
+                          <a:rPr lang="fr-FR" sz="2000" i="1">
+                            <a:latin typeface="Cambria Math" panose="02040503050406030204" pitchFamily="18" charset="0"/>
+                            <a:ea typeface="Cambria Math" panose="02040503050406030204" pitchFamily="18" charset="0"/>
+                          </a:rPr>
+                          <m:t>𝜕</m:t>
+                        </m:r>
+                        <m:r>
+                          <a:rPr lang="fr-FR" sz="2000" i="1">
+                            <a:latin typeface="Cambria Math" panose="02040503050406030204" pitchFamily="18" charset="0"/>
+                            <a:ea typeface="Cambria Math" panose="02040503050406030204" pitchFamily="18" charset="0"/>
+                          </a:rPr>
+                          <m:t>𝐿</m:t>
+                        </m:r>
+                      </m:num>
+                      <m:den>
+                        <m:r>
+                          <a:rPr lang="fr-FR" sz="2000" i="1">
+                            <a:latin typeface="Cambria Math" panose="02040503050406030204" pitchFamily="18" charset="0"/>
+                            <a:ea typeface="Cambria Math" panose="02040503050406030204" pitchFamily="18" charset="0"/>
+                          </a:rPr>
+                          <m:t>𝜕</m:t>
+                        </m:r>
+                        <m:sSub>
+                          <m:sSubPr>
+                            <m:ctrlPr>
+                              <a:rPr lang="fr-FR" sz="2000" i="1">
+                                <a:latin typeface="Cambria Math" panose="02040503050406030204" pitchFamily="18" charset="0"/>
+                                <a:ea typeface="Cambria Math" panose="02040503050406030204" pitchFamily="18" charset="0"/>
+                              </a:rPr>
+                            </m:ctrlPr>
+                          </m:sSubPr>
+                          <m:e>
+                            <m:r>
+                              <a:rPr lang="fr-FR" sz="2000" i="1">
+                                <a:latin typeface="Cambria Math" panose="02040503050406030204" pitchFamily="18" charset="0"/>
+                                <a:ea typeface="Cambria Math" panose="02040503050406030204" pitchFamily="18" charset="0"/>
+                              </a:rPr>
+                              <m:t>𝜃</m:t>
+                            </m:r>
+                          </m:e>
+                          <m:sub>
+                            <m:r>
+                              <a:rPr lang="fr-FR" sz="2000" b="0" i="1" smtClean="0">
+                                <a:latin typeface="Cambria Math" panose="02040503050406030204" pitchFamily="18" charset="0"/>
+                                <a:ea typeface="Cambria Math" panose="02040503050406030204" pitchFamily="18" charset="0"/>
+                              </a:rPr>
+                              <m:t>𝑖</m:t>
+                            </m:r>
+                          </m:sub>
+                        </m:sSub>
+                      </m:den>
+                    </m:f>
+                  </m:oMath>
+                </a14:m>
+                <a:r>
+                  <a:rPr lang="fr-FR" sz="2000" dirty="0"/>
+                  <a:t>.</a:t>
+                </a:r>
+              </a:p>
+              <a:p>
+                <a:pPr marL="0" indent="0">
+                  <a:buNone/>
+                </a:pPr>
+                <a:r>
+                  <a:rPr lang="fr-FR" sz="2000" dirty="0"/>
+                  <a:t>Ce calcul est à faire à chaque itération </a:t>
+                </a:r>
+                <a14:m>
+                  <m:oMath xmlns:m="http://schemas.openxmlformats.org/officeDocument/2006/math">
+                    <m:r>
+                      <a:rPr lang="fr-FR" sz="2000" b="0" i="1" smtClean="0">
+                        <a:latin typeface="Cambria Math" panose="02040503050406030204" pitchFamily="18" charset="0"/>
+                      </a:rPr>
+                      <m:t>𝑘</m:t>
+                    </m:r>
+                  </m:oMath>
+                </a14:m>
+                <a:r>
+                  <a:rPr lang="fr-FR" sz="2000" dirty="0"/>
+                  <a:t> (dépend de la valeur de </a:t>
+                </a:r>
+                <a14:m>
+                  <m:oMath xmlns:m="http://schemas.openxmlformats.org/officeDocument/2006/math">
+                    <m:r>
+                      <a:rPr lang="fr-FR" sz="2000" b="0" i="1" smtClean="0">
+                        <a:latin typeface="Cambria Math" panose="02040503050406030204" pitchFamily="18" charset="0"/>
+                      </a:rPr>
+                      <m:t>𝜃</m:t>
+                    </m:r>
+                  </m:oMath>
+                </a14:m>
+                <a:r>
+                  <a:rPr lang="fr-FR" sz="2000" dirty="0"/>
+                  <a:t>) </a:t>
+                </a:r>
+                <a14:m>
+                  <m:oMath xmlns:m="http://schemas.openxmlformats.org/officeDocument/2006/math">
+                    <m:r>
+                      <a:rPr lang="fr-FR" sz="2000" b="0" i="1" smtClean="0">
+                        <a:latin typeface="Cambria Math" panose="02040503050406030204" pitchFamily="18" charset="0"/>
+                      </a:rPr>
+                      <m:t>⇒</m:t>
+                    </m:r>
+                  </m:oMath>
+                </a14:m>
+                <a:r>
+                  <a:rPr lang="fr-FR" sz="2000" dirty="0"/>
+                  <a:t> calcul « à la main » prohibitif.</a:t>
+                </a:r>
+              </a:p>
+              <a:p>
+                <a:pPr marL="0" indent="0">
+                  <a:buNone/>
+                </a:pPr>
+                <a:r>
+                  <a:rPr lang="fr-FR" sz="2000" u="sng" dirty="0"/>
+                  <a:t>Calcul par différences finies</a:t>
+                </a:r>
+                <a:r>
+                  <a:rPr lang="fr-FR" sz="2000" dirty="0"/>
+                  <a:t> :</a:t>
+                </a:r>
+              </a:p>
+              <a:p>
+                <a:pPr marL="0" indent="0" algn="ctr">
+                  <a:buNone/>
+                </a:pPr>
+                <a:r>
+                  <a:rPr lang="fr-FR" sz="2000" dirty="0"/>
+                  <a:t> </a:t>
+                </a:r>
+                <a14:m>
+                  <m:oMath xmlns:m="http://schemas.openxmlformats.org/officeDocument/2006/math">
+                    <m:f>
+                      <m:fPr>
+                        <m:ctrlPr>
+                          <a:rPr lang="fr-FR" sz="2000" i="1" smtClean="0">
+                            <a:latin typeface="Cambria Math" panose="02040503050406030204" pitchFamily="18" charset="0"/>
+                            <a:ea typeface="Cambria Math" panose="02040503050406030204" pitchFamily="18" charset="0"/>
+                          </a:rPr>
+                        </m:ctrlPr>
+                      </m:fPr>
+                      <m:num>
+                        <m:r>
+                          <a:rPr lang="fr-FR" sz="2000" i="1">
+                            <a:latin typeface="Cambria Math" panose="02040503050406030204" pitchFamily="18" charset="0"/>
+                            <a:ea typeface="Cambria Math" panose="02040503050406030204" pitchFamily="18" charset="0"/>
+                          </a:rPr>
+                          <m:t>𝜕</m:t>
+                        </m:r>
+                        <m:r>
+                          <a:rPr lang="fr-FR" sz="2000" i="1">
+                            <a:latin typeface="Cambria Math" panose="02040503050406030204" pitchFamily="18" charset="0"/>
+                            <a:ea typeface="Cambria Math" panose="02040503050406030204" pitchFamily="18" charset="0"/>
+                          </a:rPr>
+                          <m:t>𝐿</m:t>
+                        </m:r>
+                      </m:num>
+                      <m:den>
+                        <m:r>
+                          <a:rPr lang="fr-FR" sz="2000" i="1">
+                            <a:latin typeface="Cambria Math" panose="02040503050406030204" pitchFamily="18" charset="0"/>
+                            <a:ea typeface="Cambria Math" panose="02040503050406030204" pitchFamily="18" charset="0"/>
+                          </a:rPr>
+                          <m:t>𝜕</m:t>
+                        </m:r>
+                        <m:sSub>
+                          <m:sSubPr>
+                            <m:ctrlPr>
+                              <a:rPr lang="fr-FR" sz="2000" i="1">
+                                <a:latin typeface="Cambria Math" panose="02040503050406030204" pitchFamily="18" charset="0"/>
+                                <a:ea typeface="Cambria Math" panose="02040503050406030204" pitchFamily="18" charset="0"/>
+                              </a:rPr>
+                            </m:ctrlPr>
+                          </m:sSubPr>
+                          <m:e>
+                            <m:r>
+                              <a:rPr lang="fr-FR" sz="2000" i="1">
+                                <a:latin typeface="Cambria Math" panose="02040503050406030204" pitchFamily="18" charset="0"/>
+                                <a:ea typeface="Cambria Math" panose="02040503050406030204" pitchFamily="18" charset="0"/>
+                              </a:rPr>
+                              <m:t>𝜃</m:t>
+                            </m:r>
+                          </m:e>
+                          <m:sub>
+                            <m:r>
+                              <a:rPr lang="fr-FR" sz="2000" b="0" i="1" smtClean="0">
+                                <a:latin typeface="Cambria Math" panose="02040503050406030204" pitchFamily="18" charset="0"/>
+                                <a:ea typeface="Cambria Math" panose="02040503050406030204" pitchFamily="18" charset="0"/>
+                              </a:rPr>
+                              <m:t>𝑖</m:t>
+                            </m:r>
+                          </m:sub>
+                        </m:sSub>
+                      </m:den>
+                    </m:f>
+                    <m:r>
+                      <a:rPr lang="fr-FR" sz="2000" b="0" i="1" smtClean="0">
+                        <a:latin typeface="Cambria Math" panose="02040503050406030204" pitchFamily="18" charset="0"/>
+                        <a:ea typeface="Cambria Math" panose="02040503050406030204" pitchFamily="18" charset="0"/>
+                      </a:rPr>
+                      <m:t>≈</m:t>
+                    </m:r>
+                    <m:f>
+                      <m:fPr>
+                        <m:ctrlPr>
+                          <a:rPr lang="fr-FR" sz="2000" b="0" i="1" smtClean="0">
+                            <a:latin typeface="Cambria Math" panose="02040503050406030204" pitchFamily="18" charset="0"/>
+                            <a:ea typeface="Cambria Math" panose="02040503050406030204" pitchFamily="18" charset="0"/>
+                          </a:rPr>
+                        </m:ctrlPr>
+                      </m:fPr>
+                      <m:num>
+                        <m:r>
+                          <a:rPr lang="fr-FR" sz="2000" i="1">
+                            <a:latin typeface="Cambria Math" panose="02040503050406030204" pitchFamily="18" charset="0"/>
+                            <a:ea typeface="Cambria Math" panose="02040503050406030204" pitchFamily="18" charset="0"/>
+                          </a:rPr>
+                          <m:t>𝐿</m:t>
+                        </m:r>
+                        <m:d>
+                          <m:dPr>
+                            <m:ctrlPr>
+                              <a:rPr lang="fr-FR" sz="2000" i="1">
+                                <a:latin typeface="Cambria Math" panose="02040503050406030204" pitchFamily="18" charset="0"/>
+                                <a:ea typeface="Cambria Math" panose="02040503050406030204" pitchFamily="18" charset="0"/>
+                              </a:rPr>
+                            </m:ctrlPr>
+                          </m:dPr>
+                          <m:e>
+                            <m:r>
+                              <a:rPr lang="fr-FR" sz="2000" i="1">
+                                <a:latin typeface="Cambria Math" panose="02040503050406030204" pitchFamily="18" charset="0"/>
+                                <a:ea typeface="Cambria Math" panose="02040503050406030204" pitchFamily="18" charset="0"/>
+                              </a:rPr>
+                              <m:t>h</m:t>
+                            </m:r>
+                            <m:d>
+                              <m:dPr>
+                                <m:ctrlPr>
+                                  <a:rPr lang="fr-FR" sz="2000" i="1">
+                                    <a:latin typeface="Cambria Math" panose="02040503050406030204" pitchFamily="18" charset="0"/>
+                                    <a:ea typeface="Cambria Math" panose="02040503050406030204" pitchFamily="18" charset="0"/>
+                                  </a:rPr>
+                                </m:ctrlPr>
+                              </m:dPr>
+                              <m:e>
+                                <m:r>
+                                  <a:rPr lang="fr-FR" sz="2000" i="1">
+                                    <a:latin typeface="Cambria Math" panose="02040503050406030204" pitchFamily="18" charset="0"/>
+                                    <a:ea typeface="Cambria Math" panose="02040503050406030204" pitchFamily="18" charset="0"/>
+                                  </a:rPr>
+                                  <m:t>𝑥</m:t>
+                                </m:r>
+                                <m:r>
+                                  <a:rPr lang="fr-FR" sz="2000" i="1">
+                                    <a:latin typeface="Cambria Math" panose="02040503050406030204" pitchFamily="18" charset="0"/>
+                                    <a:ea typeface="Cambria Math" panose="02040503050406030204" pitchFamily="18" charset="0"/>
+                                  </a:rPr>
+                                  <m:t>,</m:t>
+                                </m:r>
+                                <m:acc>
+                                  <m:accPr>
+                                    <m:chr m:val="̃"/>
+                                    <m:ctrlPr>
+                                      <a:rPr lang="fr-FR" sz="2000" i="1">
+                                        <a:latin typeface="Cambria Math" panose="02040503050406030204" pitchFamily="18" charset="0"/>
+                                        <a:ea typeface="Cambria Math" panose="02040503050406030204" pitchFamily="18" charset="0"/>
+                                      </a:rPr>
+                                    </m:ctrlPr>
+                                  </m:accPr>
+                                  <m:e>
+                                    <m:r>
+                                      <a:rPr lang="fr-FR" sz="2000" i="1">
+                                        <a:latin typeface="Cambria Math" panose="02040503050406030204" pitchFamily="18" charset="0"/>
+                                        <a:ea typeface="Cambria Math" panose="02040503050406030204" pitchFamily="18" charset="0"/>
+                                      </a:rPr>
+                                      <m:t>𝜃</m:t>
+                                    </m:r>
+                                  </m:e>
+                                </m:acc>
+                              </m:e>
+                            </m:d>
+                            <m:r>
+                              <a:rPr lang="fr-FR" sz="2000" i="1">
+                                <a:latin typeface="Cambria Math" panose="02040503050406030204" pitchFamily="18" charset="0"/>
+                                <a:ea typeface="Cambria Math" panose="02040503050406030204" pitchFamily="18" charset="0"/>
+                              </a:rPr>
+                              <m:t>, </m:t>
+                            </m:r>
+                            <m:r>
+                              <a:rPr lang="fr-FR" sz="2000" i="1">
+                                <a:latin typeface="Cambria Math" panose="02040503050406030204" pitchFamily="18" charset="0"/>
+                                <a:ea typeface="Cambria Math" panose="02040503050406030204" pitchFamily="18" charset="0"/>
+                              </a:rPr>
+                              <m:t>𝑦</m:t>
+                            </m:r>
+                          </m:e>
+                        </m:d>
+                        <m:r>
+                          <a:rPr lang="fr-FR" sz="2000" i="1">
+                            <a:latin typeface="Cambria Math" panose="02040503050406030204" pitchFamily="18" charset="0"/>
+                            <a:ea typeface="Cambria Math" panose="02040503050406030204" pitchFamily="18" charset="0"/>
+                          </a:rPr>
+                          <m:t>−</m:t>
+                        </m:r>
+                        <m:r>
+                          <a:rPr lang="fr-FR" sz="2000" i="1">
+                            <a:latin typeface="Cambria Math" panose="02040503050406030204" pitchFamily="18" charset="0"/>
+                            <a:ea typeface="Cambria Math" panose="02040503050406030204" pitchFamily="18" charset="0"/>
+                          </a:rPr>
+                          <m:t>𝐿</m:t>
+                        </m:r>
+                        <m:r>
+                          <a:rPr lang="fr-FR" sz="2000" i="1">
+                            <a:latin typeface="Cambria Math" panose="02040503050406030204" pitchFamily="18" charset="0"/>
+                            <a:ea typeface="Cambria Math" panose="02040503050406030204" pitchFamily="18" charset="0"/>
+                          </a:rPr>
+                          <m:t>(</m:t>
+                        </m:r>
+                        <m:r>
+                          <a:rPr lang="fr-FR" sz="2000" i="1">
+                            <a:latin typeface="Cambria Math" panose="02040503050406030204" pitchFamily="18" charset="0"/>
+                            <a:ea typeface="Cambria Math" panose="02040503050406030204" pitchFamily="18" charset="0"/>
+                          </a:rPr>
+                          <m:t>h</m:t>
+                        </m:r>
+                        <m:d>
+                          <m:dPr>
+                            <m:ctrlPr>
+                              <a:rPr lang="fr-FR" sz="2000" i="1">
+                                <a:latin typeface="Cambria Math" panose="02040503050406030204" pitchFamily="18" charset="0"/>
+                                <a:ea typeface="Cambria Math" panose="02040503050406030204" pitchFamily="18" charset="0"/>
+                              </a:rPr>
+                            </m:ctrlPr>
+                          </m:dPr>
+                          <m:e>
+                            <m:r>
+                              <a:rPr lang="fr-FR" sz="2000" i="1">
+                                <a:latin typeface="Cambria Math" panose="02040503050406030204" pitchFamily="18" charset="0"/>
+                                <a:ea typeface="Cambria Math" panose="02040503050406030204" pitchFamily="18" charset="0"/>
+                              </a:rPr>
+                              <m:t>𝑥</m:t>
+                            </m:r>
+                            <m:r>
+                              <a:rPr lang="fr-FR" sz="2000" i="1">
+                                <a:latin typeface="Cambria Math" panose="02040503050406030204" pitchFamily="18" charset="0"/>
+                                <a:ea typeface="Cambria Math" panose="02040503050406030204" pitchFamily="18" charset="0"/>
+                              </a:rPr>
+                              <m:t>,</m:t>
+                            </m:r>
+                            <m:r>
+                              <a:rPr lang="fr-FR" sz="2000" i="1">
+                                <a:latin typeface="Cambria Math" panose="02040503050406030204" pitchFamily="18" charset="0"/>
+                                <a:ea typeface="Cambria Math" panose="02040503050406030204" pitchFamily="18" charset="0"/>
+                              </a:rPr>
+                              <m:t>𝜃</m:t>
+                            </m:r>
+                          </m:e>
+                        </m:d>
+                        <m:r>
+                          <a:rPr lang="fr-FR" sz="2000" i="1">
+                            <a:latin typeface="Cambria Math" panose="02040503050406030204" pitchFamily="18" charset="0"/>
+                            <a:ea typeface="Cambria Math" panose="02040503050406030204" pitchFamily="18" charset="0"/>
+                          </a:rPr>
+                          <m:t>, </m:t>
+                        </m:r>
+                        <m:r>
+                          <a:rPr lang="fr-FR" sz="2000" i="1">
+                            <a:latin typeface="Cambria Math" panose="02040503050406030204" pitchFamily="18" charset="0"/>
+                            <a:ea typeface="Cambria Math" panose="02040503050406030204" pitchFamily="18" charset="0"/>
+                          </a:rPr>
+                          <m:t>𝑦</m:t>
+                        </m:r>
+                        <m:r>
+                          <a:rPr lang="fr-FR" sz="2000" i="1">
+                            <a:latin typeface="Cambria Math" panose="02040503050406030204" pitchFamily="18" charset="0"/>
+                            <a:ea typeface="Cambria Math" panose="02040503050406030204" pitchFamily="18" charset="0"/>
+                          </a:rPr>
+                          <m:t>)</m:t>
+                        </m:r>
+                      </m:num>
+                      <m:den>
+                        <m:r>
+                          <a:rPr lang="fr-FR" sz="2000" b="0" i="1" smtClean="0">
+                            <a:latin typeface="Cambria Math" panose="02040503050406030204" pitchFamily="18" charset="0"/>
+                            <a:ea typeface="Cambria Math" panose="02040503050406030204" pitchFamily="18" charset="0"/>
+                          </a:rPr>
+                          <m:t>𝜖</m:t>
+                        </m:r>
+                      </m:den>
+                    </m:f>
+                  </m:oMath>
+                </a14:m>
+                <a:r>
+                  <a:rPr lang="fr-FR" sz="2000" dirty="0"/>
+                  <a:t> , avec </a:t>
+                </a:r>
+                <a14:m>
+                  <m:oMath xmlns:m="http://schemas.openxmlformats.org/officeDocument/2006/math">
+                    <m:acc>
+                      <m:accPr>
+                        <m:chr m:val="̃"/>
+                        <m:ctrlPr>
+                          <a:rPr lang="fr-FR" sz="2000" b="0" i="1" smtClean="0">
+                            <a:latin typeface="Cambria Math" panose="02040503050406030204" pitchFamily="18" charset="0"/>
+                          </a:rPr>
+                        </m:ctrlPr>
+                      </m:accPr>
+                      <m:e>
+                        <m:r>
+                          <a:rPr lang="fr-FR" sz="2000" i="1" smtClean="0">
+                            <a:latin typeface="Cambria Math" panose="02040503050406030204" pitchFamily="18" charset="0"/>
+                          </a:rPr>
+                          <m:t>𝜃</m:t>
+                        </m:r>
+                      </m:e>
+                    </m:acc>
+                    <m:r>
+                      <a:rPr lang="fr-FR" sz="2000" b="0" i="1" dirty="0" smtClean="0">
+                        <a:latin typeface="Cambria Math" panose="02040503050406030204" pitchFamily="18" charset="0"/>
+                      </a:rPr>
+                      <m:t>=</m:t>
+                    </m:r>
+                    <m:d>
+                      <m:dPr>
+                        <m:begChr m:val="["/>
+                        <m:endChr m:val="]"/>
+                        <m:ctrlPr>
+                          <a:rPr lang="fr-FR" sz="2000" b="0" i="1" dirty="0" smtClean="0">
+                            <a:latin typeface="Cambria Math" panose="02040503050406030204" pitchFamily="18" charset="0"/>
+                          </a:rPr>
+                        </m:ctrlPr>
+                      </m:dPr>
+                      <m:e>
+                        <m:sSub>
+                          <m:sSubPr>
+                            <m:ctrlPr>
+                              <a:rPr lang="fr-FR" sz="2000" b="0" i="1" dirty="0" smtClean="0">
+                                <a:latin typeface="Cambria Math" panose="02040503050406030204" pitchFamily="18" charset="0"/>
+                              </a:rPr>
+                            </m:ctrlPr>
+                          </m:sSubPr>
+                          <m:e>
+                            <m:r>
+                              <a:rPr lang="fr-FR" sz="2000" b="0" i="1" dirty="0" smtClean="0">
+                                <a:latin typeface="Cambria Math" panose="02040503050406030204" pitchFamily="18" charset="0"/>
+                              </a:rPr>
+                              <m:t>𝜃</m:t>
+                            </m:r>
+                          </m:e>
+                          <m:sub>
+                            <m:r>
+                              <a:rPr lang="fr-FR" sz="2000" b="0" i="1" dirty="0" smtClean="0">
+                                <a:latin typeface="Cambria Math" panose="02040503050406030204" pitchFamily="18" charset="0"/>
+                              </a:rPr>
+                              <m:t>0</m:t>
+                            </m:r>
+                          </m:sub>
+                        </m:sSub>
+                        <m:r>
+                          <a:rPr lang="fr-FR" sz="2000" b="0" i="1" dirty="0" smtClean="0">
+                            <a:latin typeface="Cambria Math" panose="02040503050406030204" pitchFamily="18" charset="0"/>
+                          </a:rPr>
+                          <m:t>, …, </m:t>
+                        </m:r>
+                        <m:sSub>
+                          <m:sSubPr>
+                            <m:ctrlPr>
+                              <a:rPr lang="fr-FR" sz="2000" b="0" i="1" dirty="0" smtClean="0">
+                                <a:latin typeface="Cambria Math" panose="02040503050406030204" pitchFamily="18" charset="0"/>
+                              </a:rPr>
+                            </m:ctrlPr>
+                          </m:sSubPr>
+                          <m:e>
+                            <m:r>
+                              <a:rPr lang="fr-FR" sz="2000" b="0" i="1" dirty="0" smtClean="0">
+                                <a:latin typeface="Cambria Math" panose="02040503050406030204" pitchFamily="18" charset="0"/>
+                              </a:rPr>
+                              <m:t>𝜃</m:t>
+                            </m:r>
+                          </m:e>
+                          <m:sub>
+                            <m:r>
+                              <a:rPr lang="fr-FR" sz="2000" b="0" i="1" dirty="0" smtClean="0">
+                                <a:latin typeface="Cambria Math" panose="02040503050406030204" pitchFamily="18" charset="0"/>
+                              </a:rPr>
+                              <m:t>𝑖</m:t>
+                            </m:r>
+                            <m:r>
+                              <a:rPr lang="fr-FR" sz="2000" b="0" i="1" dirty="0" smtClean="0">
+                                <a:latin typeface="Cambria Math" panose="02040503050406030204" pitchFamily="18" charset="0"/>
+                              </a:rPr>
+                              <m:t>−1</m:t>
+                            </m:r>
+                          </m:sub>
+                        </m:sSub>
+                        <m:r>
+                          <a:rPr lang="fr-FR" sz="2000" b="0" i="1" dirty="0" smtClean="0">
+                            <a:latin typeface="Cambria Math" panose="02040503050406030204" pitchFamily="18" charset="0"/>
+                          </a:rPr>
+                          <m:t>, </m:t>
+                        </m:r>
+                        <m:sSub>
+                          <m:sSubPr>
+                            <m:ctrlPr>
+                              <a:rPr lang="fr-FR" sz="2000" b="0" i="1" dirty="0" smtClean="0">
+                                <a:latin typeface="Cambria Math" panose="02040503050406030204" pitchFamily="18" charset="0"/>
+                              </a:rPr>
+                            </m:ctrlPr>
+                          </m:sSubPr>
+                          <m:e>
+                            <m:r>
+                              <a:rPr lang="fr-FR" sz="2000" b="0" i="1" dirty="0" smtClean="0">
+                                <a:latin typeface="Cambria Math" panose="02040503050406030204" pitchFamily="18" charset="0"/>
+                              </a:rPr>
+                              <m:t>𝜃</m:t>
+                            </m:r>
+                          </m:e>
+                          <m:sub>
+                            <m:r>
+                              <a:rPr lang="fr-FR" sz="2000" b="0" i="1" dirty="0" smtClean="0">
+                                <a:latin typeface="Cambria Math" panose="02040503050406030204" pitchFamily="18" charset="0"/>
+                              </a:rPr>
+                              <m:t>𝑖</m:t>
+                            </m:r>
+                          </m:sub>
+                        </m:sSub>
+                        <m:r>
+                          <a:rPr lang="fr-FR" sz="2000" b="0" i="1" dirty="0" smtClean="0">
+                            <a:latin typeface="Cambria Math" panose="02040503050406030204" pitchFamily="18" charset="0"/>
+                          </a:rPr>
+                          <m:t>+</m:t>
+                        </m:r>
+                        <m:r>
+                          <a:rPr lang="fr-FR" sz="2000" b="0" i="1" dirty="0" smtClean="0">
+                            <a:latin typeface="Cambria Math" panose="02040503050406030204" pitchFamily="18" charset="0"/>
+                          </a:rPr>
+                          <m:t>𝜖</m:t>
+                        </m:r>
+                        <m:r>
+                          <a:rPr lang="fr-FR" sz="2000" b="0" i="1" dirty="0" smtClean="0">
+                            <a:latin typeface="Cambria Math" panose="02040503050406030204" pitchFamily="18" charset="0"/>
+                          </a:rPr>
+                          <m:t>, </m:t>
+                        </m:r>
+                        <m:sSub>
+                          <m:sSubPr>
+                            <m:ctrlPr>
+                              <a:rPr lang="fr-FR" sz="2000" b="0" i="1" dirty="0" smtClean="0">
+                                <a:latin typeface="Cambria Math" panose="02040503050406030204" pitchFamily="18" charset="0"/>
+                              </a:rPr>
+                            </m:ctrlPr>
+                          </m:sSubPr>
+                          <m:e>
+                            <m:r>
+                              <a:rPr lang="fr-FR" sz="2000" b="0" i="1" dirty="0" smtClean="0">
+                                <a:latin typeface="Cambria Math" panose="02040503050406030204" pitchFamily="18" charset="0"/>
+                              </a:rPr>
+                              <m:t>𝜃</m:t>
+                            </m:r>
+                          </m:e>
+                          <m:sub>
+                            <m:r>
+                              <a:rPr lang="fr-FR" sz="2000" b="0" i="1" dirty="0" smtClean="0">
+                                <a:latin typeface="Cambria Math" panose="02040503050406030204" pitchFamily="18" charset="0"/>
+                              </a:rPr>
+                              <m:t>𝑖</m:t>
+                            </m:r>
+                            <m:r>
+                              <a:rPr lang="fr-FR" sz="2000" b="0" i="1" dirty="0" smtClean="0">
+                                <a:latin typeface="Cambria Math" panose="02040503050406030204" pitchFamily="18" charset="0"/>
+                              </a:rPr>
+                              <m:t>+1</m:t>
+                            </m:r>
+                          </m:sub>
+                        </m:sSub>
+                      </m:e>
+                    </m:d>
+                  </m:oMath>
+                </a14:m>
+                <a:r>
+                  <a:rPr lang="fr-FR" sz="2000" dirty="0"/>
+                  <a:t> et </a:t>
+                </a:r>
+                <a14:m>
+                  <m:oMath xmlns:m="http://schemas.openxmlformats.org/officeDocument/2006/math">
+                    <m:r>
+                      <a:rPr lang="fr-FR" sz="2000" i="1" dirty="0">
+                        <a:latin typeface="Cambria Math" panose="02040503050406030204" pitchFamily="18" charset="0"/>
+                      </a:rPr>
+                      <m:t>𝜖</m:t>
+                    </m:r>
+                    <m:r>
+                      <a:rPr lang="fr-FR" sz="2000" i="1" dirty="0">
+                        <a:latin typeface="Cambria Math" panose="02040503050406030204" pitchFamily="18" charset="0"/>
+                      </a:rPr>
+                      <m:t> </m:t>
+                    </m:r>
+                  </m:oMath>
+                </a14:m>
+                <a:r>
+                  <a:rPr lang="fr-FR" sz="2000" dirty="0"/>
+                  <a:t>petit</a:t>
+                </a:r>
+              </a:p>
+              <a:p>
+                <a:pPr marL="0" indent="0" algn="ctr">
+                  <a:buNone/>
+                </a:pPr>
+                <a14:m>
+                  <m:oMath xmlns:m="http://schemas.openxmlformats.org/officeDocument/2006/math">
+                    <m:r>
+                      <a:rPr lang="fr-FR" sz="2000" b="0" i="1" smtClean="0">
+                        <a:latin typeface="Cambria Math" panose="02040503050406030204" pitchFamily="18" charset="0"/>
+                      </a:rPr>
+                      <m:t>⇒</m:t>
+                    </m:r>
+                  </m:oMath>
+                </a14:m>
+                <a:r>
+                  <a:rPr lang="fr-FR" sz="2000" dirty="0"/>
+                  <a:t> </a:t>
+                </a:r>
+                <a:r>
+                  <a:rPr lang="fr-FR" sz="2000" b="1" dirty="0"/>
+                  <a:t>approximatif</a:t>
+                </a:r>
+                <a:r>
+                  <a:rPr lang="fr-FR" sz="2000" dirty="0"/>
+                  <a:t> et </a:t>
+                </a:r>
+                <a:r>
+                  <a:rPr lang="fr-FR" sz="2000" b="1" dirty="0"/>
+                  <a:t>coûteux </a:t>
+                </a:r>
+                <a:r>
+                  <a:rPr lang="fr-FR" sz="2000" dirty="0"/>
+                  <a:t>(nombreuses évaluations de </a:t>
+                </a:r>
+                <a14:m>
+                  <m:oMath xmlns:m="http://schemas.openxmlformats.org/officeDocument/2006/math">
+                    <m:r>
+                      <a:rPr lang="fr-FR" sz="2000" b="0" i="1" smtClean="0">
+                        <a:latin typeface="Cambria Math" panose="02040503050406030204" pitchFamily="18" charset="0"/>
+                      </a:rPr>
+                      <m:t>𝐿</m:t>
+                    </m:r>
+                  </m:oMath>
+                </a14:m>
+                <a:r>
+                  <a:rPr lang="fr-FR" sz="2000" dirty="0"/>
+                  <a:t>).</a:t>
+                </a:r>
+              </a:p>
+              <a:p>
+                <a:pPr marL="0" indent="0">
+                  <a:buNone/>
+                </a:pPr>
+                <a:r>
+                  <a:rPr lang="fr-FR" sz="2000" u="sng" dirty="0"/>
+                  <a:t>Calcul par dérivation automatique</a:t>
+                </a:r>
+                <a:r>
+                  <a:rPr lang="fr-FR" sz="2000" dirty="0"/>
+                  <a:t> :</a:t>
+                </a:r>
+              </a:p>
+              <a:p>
+                <a:pPr marL="0" indent="0" algn="ctr">
+                  <a:buNone/>
+                </a:pPr>
+                <a:r>
+                  <a:rPr lang="fr-FR" sz="2000" dirty="0"/>
+                  <a:t>dérivation</a:t>
+                </a:r>
+                <a:r>
+                  <a:rPr lang="fr-FR" sz="2000" b="1" dirty="0"/>
+                  <a:t> exacte </a:t>
+                </a:r>
+                <a:r>
+                  <a:rPr lang="fr-FR" sz="2000" dirty="0"/>
+                  <a:t>(formelle) à l’aide d’un </a:t>
+                </a:r>
+                <a:r>
+                  <a:rPr lang="fr-FR" sz="2000" b="1" dirty="0"/>
+                  <a:t>logiciel</a:t>
+                </a:r>
+              </a:p>
+              <a:p>
+                <a:pPr marL="0" indent="0" algn="ctr">
+                  <a:buNone/>
+                </a:pPr>
+                <a14:m>
+                  <m:oMath xmlns:m="http://schemas.openxmlformats.org/officeDocument/2006/math">
+                    <m:r>
+                      <a:rPr lang="fr-FR" sz="2000" b="0" i="1" smtClean="0">
+                        <a:latin typeface="Cambria Math" panose="02040503050406030204" pitchFamily="18" charset="0"/>
+                      </a:rPr>
+                      <m:t>⇒</m:t>
+                    </m:r>
+                  </m:oMath>
+                </a14:m>
+                <a:r>
+                  <a:rPr lang="fr-FR" sz="2000" dirty="0"/>
+                  <a:t> plus précis et plus rapide.</a:t>
+                </a:r>
+              </a:p>
+              <a:p>
+                <a:pPr marL="0" indent="0">
+                  <a:buNone/>
+                </a:pPr>
+                <a:r>
+                  <a:rPr lang="fr-FR" sz="2000" u="sng" dirty="0"/>
+                  <a:t>Exemple</a:t>
+                </a:r>
+                <a:r>
+                  <a:rPr lang="fr-FR" sz="2000" dirty="0"/>
+                  <a:t> (librairie </a:t>
+                </a:r>
+                <a:r>
+                  <a:rPr lang="fr-FR" sz="2000" dirty="0" err="1"/>
+                  <a:t>Pytorch</a:t>
+                </a:r>
+                <a:r>
+                  <a:rPr lang="fr-FR" sz="2000" dirty="0"/>
+                  <a:t>) :</a:t>
+                </a:r>
+              </a:p>
+              <a:p>
+                <a:pPr marL="0" indent="0">
+                  <a:spcBef>
+                    <a:spcPts val="500"/>
+                  </a:spcBef>
+                  <a:buNone/>
+                </a:pPr>
+                <a:r>
+                  <a:rPr lang="fr-FR" sz="1400" b="0" dirty="0">
+                    <a:solidFill>
+                      <a:srgbClr val="AF00DB"/>
+                    </a:solidFill>
+                    <a:effectLst/>
+                    <a:latin typeface="Courier New" panose="02070309020205020404" pitchFamily="49" charset="0"/>
+                  </a:rPr>
+                  <a:t>import</a:t>
+                </a:r>
+                <a:r>
+                  <a:rPr lang="fr-FR" sz="1400" b="0" dirty="0">
+                    <a:solidFill>
+                      <a:srgbClr val="000000"/>
+                    </a:solidFill>
+                    <a:effectLst/>
+                    <a:latin typeface="Courier New" panose="02070309020205020404" pitchFamily="49" charset="0"/>
+                  </a:rPr>
+                  <a:t> </a:t>
+                </a:r>
+                <a:r>
+                  <a:rPr lang="fr-FR" sz="1400" b="0" dirty="0" err="1">
+                    <a:solidFill>
+                      <a:srgbClr val="000000"/>
+                    </a:solidFill>
+                    <a:effectLst/>
+                    <a:latin typeface="Courier New" panose="02070309020205020404" pitchFamily="49" charset="0"/>
+                  </a:rPr>
+                  <a:t>torch</a:t>
+                </a:r>
+                <a:endParaRPr lang="fr-FR" sz="1400" b="0" dirty="0">
+                  <a:solidFill>
+                    <a:srgbClr val="000000"/>
+                  </a:solidFill>
+                  <a:effectLst/>
+                  <a:latin typeface="Courier New" panose="02070309020205020404" pitchFamily="49" charset="0"/>
+                </a:endParaRPr>
+              </a:p>
+              <a:p>
+                <a:pPr marL="0" indent="0">
+                  <a:spcBef>
+                    <a:spcPts val="500"/>
+                  </a:spcBef>
+                  <a:buNone/>
+                </a:pPr>
+                <a:r>
+                  <a:rPr lang="fr-FR" sz="1400" b="0" dirty="0">
+                    <a:solidFill>
+                      <a:srgbClr val="000000"/>
+                    </a:solidFill>
+                    <a:effectLst/>
+                    <a:latin typeface="Courier New" panose="02070309020205020404" pitchFamily="49" charset="0"/>
+                  </a:rPr>
+                  <a:t>x = </a:t>
+                </a:r>
+                <a:r>
+                  <a:rPr lang="fr-FR" sz="1400" b="0" dirty="0" err="1">
+                    <a:solidFill>
+                      <a:srgbClr val="000000"/>
+                    </a:solidFill>
+                    <a:effectLst/>
+                    <a:latin typeface="Courier New" panose="02070309020205020404" pitchFamily="49" charset="0"/>
+                  </a:rPr>
+                  <a:t>torch.tensor</a:t>
+                </a:r>
+                <a:r>
+                  <a:rPr lang="fr-FR" sz="1400" b="0" dirty="0">
+                    <a:solidFill>
+                      <a:srgbClr val="000000"/>
+                    </a:solidFill>
+                    <a:effectLst/>
+                    <a:latin typeface="Courier New" panose="02070309020205020404" pitchFamily="49" charset="0"/>
+                  </a:rPr>
+                  <a:t>([</a:t>
+                </a:r>
+                <a:r>
+                  <a:rPr lang="fr-FR" sz="1400" b="0" dirty="0">
+                    <a:solidFill>
+                      <a:srgbClr val="116644"/>
+                    </a:solidFill>
+                    <a:effectLst/>
+                    <a:latin typeface="Courier New" panose="02070309020205020404" pitchFamily="49" charset="0"/>
+                  </a:rPr>
+                  <a:t>3.1</a:t>
+                </a:r>
+                <a:r>
+                  <a:rPr lang="fr-FR" sz="1400" b="0" dirty="0">
+                    <a:solidFill>
+                      <a:srgbClr val="000000"/>
+                    </a:solidFill>
+                    <a:effectLst/>
+                    <a:latin typeface="Courier New" panose="02070309020205020404" pitchFamily="49" charset="0"/>
+                  </a:rPr>
+                  <a:t>], </a:t>
+                </a:r>
+                <a:r>
+                  <a:rPr lang="fr-FR" sz="1400" b="0" dirty="0" err="1">
+                    <a:solidFill>
+                      <a:srgbClr val="000000"/>
+                    </a:solidFill>
+                    <a:effectLst/>
+                    <a:latin typeface="Courier New" panose="02070309020205020404" pitchFamily="49" charset="0"/>
+                  </a:rPr>
+                  <a:t>requires_grad</a:t>
+                </a:r>
+                <a:r>
+                  <a:rPr lang="fr-FR" sz="1400" b="0" dirty="0">
+                    <a:solidFill>
+                      <a:srgbClr val="000000"/>
+                    </a:solidFill>
+                    <a:effectLst/>
+                    <a:latin typeface="Courier New" panose="02070309020205020404" pitchFamily="49" charset="0"/>
+                  </a:rPr>
+                  <a:t> = </a:t>
+                </a:r>
+                <a:r>
+                  <a:rPr lang="fr-FR" sz="1400" b="0" dirty="0" err="1">
+                    <a:solidFill>
+                      <a:srgbClr val="0000FF"/>
+                    </a:solidFill>
+                    <a:effectLst/>
+                    <a:latin typeface="Courier New" panose="02070309020205020404" pitchFamily="49" charset="0"/>
+                  </a:rPr>
+                  <a:t>True</a:t>
+                </a:r>
+                <a:r>
+                  <a:rPr lang="fr-FR" sz="1400" b="0" dirty="0">
+                    <a:solidFill>
+                      <a:srgbClr val="000000"/>
+                    </a:solidFill>
+                    <a:effectLst/>
+                    <a:latin typeface="Courier New" panose="02070309020205020404" pitchFamily="49" charset="0"/>
+                  </a:rPr>
+                  <a:t>) </a:t>
+                </a:r>
+                <a:r>
+                  <a:rPr lang="fr-FR" sz="1400" b="0" dirty="0">
+                    <a:solidFill>
+                      <a:srgbClr val="008000"/>
+                    </a:solidFill>
+                    <a:effectLst/>
+                    <a:latin typeface="Courier New" panose="02070309020205020404" pitchFamily="49" charset="0"/>
+                  </a:rPr>
+                  <a:t># initialise un scalaire (vecteur de taille 1)</a:t>
+                </a:r>
+                <a:endParaRPr lang="fr-FR" sz="1400" b="0" dirty="0">
+                  <a:solidFill>
+                    <a:srgbClr val="000000"/>
+                  </a:solidFill>
+                  <a:effectLst/>
+                  <a:latin typeface="Courier New" panose="02070309020205020404" pitchFamily="49" charset="0"/>
+                </a:endParaRPr>
+              </a:p>
+              <a:p>
+                <a:pPr marL="0" indent="0">
+                  <a:spcBef>
+                    <a:spcPts val="500"/>
+                  </a:spcBef>
+                  <a:buNone/>
+                </a:pPr>
+                <a:r>
+                  <a:rPr lang="fr-FR" sz="1400" b="0" dirty="0">
+                    <a:solidFill>
+                      <a:srgbClr val="000000"/>
+                    </a:solidFill>
+                    <a:effectLst/>
+                    <a:latin typeface="Courier New" panose="02070309020205020404" pitchFamily="49" charset="0"/>
+                  </a:rPr>
+                  <a:t>y = x ** </a:t>
+                </a:r>
+                <a:r>
+                  <a:rPr lang="fr-FR" sz="1400" b="0" dirty="0">
+                    <a:solidFill>
+                      <a:srgbClr val="116644"/>
+                    </a:solidFill>
+                    <a:effectLst/>
+                    <a:latin typeface="Courier New" panose="02070309020205020404" pitchFamily="49" charset="0"/>
+                  </a:rPr>
+                  <a:t>2</a:t>
+                </a:r>
+                <a:endParaRPr lang="fr-FR" sz="1400" b="0" dirty="0">
+                  <a:solidFill>
+                    <a:srgbClr val="000000"/>
+                  </a:solidFill>
+                  <a:effectLst/>
+                  <a:latin typeface="Courier New" panose="02070309020205020404" pitchFamily="49" charset="0"/>
+                </a:endParaRPr>
+              </a:p>
+              <a:p>
+                <a:pPr marL="0" indent="0">
+                  <a:spcBef>
+                    <a:spcPts val="500"/>
+                  </a:spcBef>
+                  <a:buNone/>
+                </a:pPr>
+                <a:r>
+                  <a:rPr lang="fr-FR" sz="1400" b="0" dirty="0" err="1">
+                    <a:solidFill>
+                      <a:srgbClr val="000000"/>
+                    </a:solidFill>
+                    <a:effectLst/>
+                    <a:latin typeface="Courier New" panose="02070309020205020404" pitchFamily="49" charset="0"/>
+                  </a:rPr>
+                  <a:t>grad</a:t>
+                </a:r>
+                <a:r>
+                  <a:rPr lang="fr-FR" sz="1400" b="0" dirty="0">
+                    <a:solidFill>
+                      <a:srgbClr val="000000"/>
+                    </a:solidFill>
+                    <a:effectLst/>
+                    <a:latin typeface="Courier New" panose="02070309020205020404" pitchFamily="49" charset="0"/>
+                  </a:rPr>
+                  <a:t> = </a:t>
+                </a:r>
+                <a:r>
+                  <a:rPr lang="fr-FR" sz="1400" b="0" dirty="0" err="1">
+                    <a:solidFill>
+                      <a:srgbClr val="000000"/>
+                    </a:solidFill>
+                    <a:effectLst/>
+                    <a:latin typeface="Courier New" panose="02070309020205020404" pitchFamily="49" charset="0"/>
+                  </a:rPr>
+                  <a:t>torch.autograd.grad</a:t>
+                </a:r>
+                <a:r>
+                  <a:rPr lang="fr-FR" sz="1400" b="0" dirty="0">
+                    <a:solidFill>
+                      <a:srgbClr val="000000"/>
+                    </a:solidFill>
+                    <a:effectLst/>
+                    <a:latin typeface="Courier New" panose="02070309020205020404" pitchFamily="49" charset="0"/>
+                  </a:rPr>
+                  <a:t>(y, x) </a:t>
+                </a:r>
+                <a:r>
+                  <a:rPr lang="fr-FR" sz="1400" b="0" dirty="0">
+                    <a:solidFill>
+                      <a:srgbClr val="008000"/>
+                    </a:solidFill>
+                    <a:effectLst/>
+                    <a:latin typeface="Courier New" panose="02070309020205020404" pitchFamily="49" charset="0"/>
+                  </a:rPr>
+                  <a:t># calcule </a:t>
+                </a:r>
+                <a:r>
+                  <a:rPr lang="fr-FR" sz="1400" b="0" dirty="0" err="1">
+                    <a:solidFill>
+                      <a:srgbClr val="008000"/>
+                    </a:solidFill>
+                    <a:effectLst/>
+                    <a:latin typeface="Courier New" panose="02070309020205020404" pitchFamily="49" charset="0"/>
+                  </a:rPr>
+                  <a:t>dy</a:t>
+                </a:r>
+                <a:r>
+                  <a:rPr lang="fr-FR" sz="1400" b="0" dirty="0">
+                    <a:solidFill>
+                      <a:srgbClr val="008000"/>
+                    </a:solidFill>
+                    <a:effectLst/>
+                    <a:latin typeface="Courier New" panose="02070309020205020404" pitchFamily="49" charset="0"/>
+                  </a:rPr>
+                  <a:t>/dx = 2x</a:t>
+                </a:r>
+                <a:endParaRPr lang="fr-FR" sz="1400" b="0" dirty="0">
+                  <a:solidFill>
+                    <a:srgbClr val="000000"/>
+                  </a:solidFill>
+                  <a:effectLst/>
+                  <a:latin typeface="Courier New" panose="02070309020205020404" pitchFamily="49" charset="0"/>
+                </a:endParaRPr>
+              </a:p>
+              <a:p>
+                <a:pPr marL="0" indent="0">
+                  <a:spcBef>
+                    <a:spcPts val="500"/>
+                  </a:spcBef>
+                  <a:buNone/>
+                </a:pPr>
+                <a:r>
+                  <a:rPr lang="fr-FR" sz="1400" b="0" dirty="0" err="1">
+                    <a:solidFill>
+                      <a:srgbClr val="795E26"/>
+                    </a:solidFill>
+                    <a:effectLst/>
+                    <a:latin typeface="Courier New" panose="02070309020205020404" pitchFamily="49" charset="0"/>
+                  </a:rPr>
+                  <a:t>print</a:t>
+                </a:r>
+                <a:r>
+                  <a:rPr lang="fr-FR" sz="1400" b="0" dirty="0">
+                    <a:solidFill>
+                      <a:srgbClr val="000000"/>
+                    </a:solidFill>
+                    <a:effectLst/>
+                    <a:latin typeface="Courier New" panose="02070309020205020404" pitchFamily="49" charset="0"/>
+                  </a:rPr>
+                  <a:t>(</a:t>
+                </a:r>
+                <a:r>
+                  <a:rPr lang="fr-FR" sz="1400" b="0" dirty="0" err="1">
+                    <a:solidFill>
+                      <a:srgbClr val="000000"/>
+                    </a:solidFill>
+                    <a:effectLst/>
+                    <a:latin typeface="Courier New" panose="02070309020205020404" pitchFamily="49" charset="0"/>
+                  </a:rPr>
+                  <a:t>grad</a:t>
+                </a:r>
+                <a:r>
+                  <a:rPr lang="fr-FR" sz="1400" b="0" dirty="0">
+                    <a:solidFill>
+                      <a:srgbClr val="000000"/>
+                    </a:solidFill>
+                    <a:effectLst/>
+                    <a:latin typeface="Courier New" panose="02070309020205020404" pitchFamily="49" charset="0"/>
+                  </a:rPr>
+                  <a:t>) </a:t>
+                </a:r>
+                <a:r>
+                  <a:rPr lang="fr-FR" sz="1400" b="0" dirty="0">
+                    <a:solidFill>
+                      <a:srgbClr val="008000"/>
+                    </a:solidFill>
+                    <a:effectLst/>
+                    <a:latin typeface="Courier New" panose="02070309020205020404" pitchFamily="49" charset="0"/>
+                  </a:rPr>
+                  <a:t># 6.2</a:t>
+                </a:r>
+                <a:endParaRPr lang="fr-FR" sz="1400" b="0" dirty="0">
+                  <a:solidFill>
+                    <a:srgbClr val="000000"/>
+                  </a:solidFill>
+                  <a:effectLst/>
+                  <a:latin typeface="Courier New" panose="02070309020205020404" pitchFamily="49" charset="0"/>
+                </a:endParaRPr>
+              </a:p>
+              <a:p>
+                <a:pPr marL="0" indent="0">
+                  <a:spcBef>
+                    <a:spcPts val="500"/>
+                  </a:spcBef>
+                  <a:buNone/>
+                </a:pPr>
+                <a:endParaRPr lang="fr-FR" sz="1400" b="0" dirty="0">
+                  <a:solidFill>
+                    <a:srgbClr val="000000"/>
+                  </a:solidFill>
+                  <a:effectLst/>
+                  <a:latin typeface="Courier New" panose="02070309020205020404" pitchFamily="49" charset="0"/>
+                </a:endParaRPr>
+              </a:p>
+              <a:p>
+                <a:pPr marL="0" indent="0">
+                  <a:buNone/>
+                </a:pPr>
+                <a:r>
+                  <a:rPr lang="fr-FR" sz="1400" b="0" dirty="0">
+                    <a:solidFill>
+                      <a:srgbClr val="000000"/>
+                    </a:solidFill>
+                    <a:effectLst/>
+                    <a:latin typeface="Courier New" panose="02070309020205020404" pitchFamily="49" charset="0"/>
+                  </a:rPr>
+                  <a:t>x = </a:t>
+                </a:r>
+                <a:r>
+                  <a:rPr lang="fr-FR" sz="1400" b="0" dirty="0" err="1">
+                    <a:solidFill>
+                      <a:srgbClr val="000000"/>
+                    </a:solidFill>
+                    <a:effectLst/>
+                    <a:latin typeface="Courier New" panose="02070309020205020404" pitchFamily="49" charset="0"/>
+                  </a:rPr>
+                  <a:t>torch.tensor</a:t>
+                </a:r>
+                <a:r>
+                  <a:rPr lang="fr-FR" sz="1400" b="0" dirty="0">
+                    <a:solidFill>
+                      <a:srgbClr val="000000"/>
+                    </a:solidFill>
+                    <a:effectLst/>
+                    <a:latin typeface="Courier New" panose="02070309020205020404" pitchFamily="49" charset="0"/>
+                  </a:rPr>
+                  <a:t>([</a:t>
+                </a:r>
+                <a:r>
+                  <a:rPr lang="fr-FR" sz="1400" b="0" dirty="0">
+                    <a:solidFill>
+                      <a:srgbClr val="116644"/>
+                    </a:solidFill>
+                    <a:effectLst/>
+                    <a:latin typeface="Courier New" panose="02070309020205020404" pitchFamily="49" charset="0"/>
+                  </a:rPr>
+                  <a:t>3.1</a:t>
+                </a:r>
+                <a:r>
+                  <a:rPr lang="fr-FR" sz="1400" b="0" dirty="0">
+                    <a:solidFill>
+                      <a:srgbClr val="000000"/>
+                    </a:solidFill>
+                    <a:effectLst/>
+                    <a:latin typeface="Courier New" panose="02070309020205020404" pitchFamily="49" charset="0"/>
+                  </a:rPr>
+                  <a:t>, </a:t>
+                </a:r>
+                <a:r>
+                  <a:rPr lang="fr-FR" sz="1400" b="0" dirty="0">
+                    <a:solidFill>
+                      <a:srgbClr val="116644"/>
+                    </a:solidFill>
+                    <a:effectLst/>
+                    <a:latin typeface="Courier New" panose="02070309020205020404" pitchFamily="49" charset="0"/>
+                  </a:rPr>
+                  <a:t>2.0</a:t>
+                </a:r>
+                <a:r>
+                  <a:rPr lang="fr-FR" sz="1400" b="0" dirty="0">
+                    <a:solidFill>
+                      <a:srgbClr val="000000"/>
+                    </a:solidFill>
+                    <a:effectLst/>
+                    <a:latin typeface="Courier New" panose="02070309020205020404" pitchFamily="49" charset="0"/>
+                  </a:rPr>
+                  <a:t>], </a:t>
+                </a:r>
+                <a:r>
+                  <a:rPr lang="fr-FR" sz="1400" b="0" dirty="0" err="1">
+                    <a:solidFill>
+                      <a:srgbClr val="000000"/>
+                    </a:solidFill>
+                    <a:effectLst/>
+                    <a:latin typeface="Courier New" panose="02070309020205020404" pitchFamily="49" charset="0"/>
+                  </a:rPr>
+                  <a:t>requires_grad</a:t>
+                </a:r>
+                <a:r>
+                  <a:rPr lang="fr-FR" sz="1400" b="0" dirty="0">
+                    <a:solidFill>
+                      <a:srgbClr val="000000"/>
+                    </a:solidFill>
+                    <a:effectLst/>
+                    <a:latin typeface="Courier New" panose="02070309020205020404" pitchFamily="49" charset="0"/>
+                  </a:rPr>
+                  <a:t> = </a:t>
+                </a:r>
+                <a:r>
+                  <a:rPr lang="fr-FR" sz="1400" b="0" dirty="0" err="1">
+                    <a:solidFill>
+                      <a:srgbClr val="0000FF"/>
+                    </a:solidFill>
+                    <a:effectLst/>
+                    <a:latin typeface="Courier New" panose="02070309020205020404" pitchFamily="49" charset="0"/>
+                  </a:rPr>
+                  <a:t>True</a:t>
+                </a:r>
+                <a:r>
+                  <a:rPr lang="fr-FR" sz="1400" b="0" dirty="0">
+                    <a:solidFill>
+                      <a:srgbClr val="000000"/>
+                    </a:solidFill>
+                    <a:effectLst/>
+                    <a:latin typeface="Courier New" panose="02070309020205020404" pitchFamily="49" charset="0"/>
+                  </a:rPr>
+                  <a:t>)</a:t>
+                </a:r>
+              </a:p>
+              <a:p>
+                <a:pPr marL="0" indent="0">
+                  <a:buNone/>
+                </a:pPr>
+                <a:r>
+                  <a:rPr lang="fr-FR" sz="1400" b="0" dirty="0">
+                    <a:solidFill>
+                      <a:srgbClr val="000000"/>
+                    </a:solidFill>
+                    <a:effectLst/>
+                    <a:latin typeface="Courier New" panose="02070309020205020404" pitchFamily="49" charset="0"/>
+                  </a:rPr>
+                  <a:t>b = </a:t>
+                </a:r>
+                <a:r>
+                  <a:rPr lang="fr-FR" sz="1400" b="0" dirty="0" err="1">
+                    <a:solidFill>
+                      <a:srgbClr val="000000"/>
+                    </a:solidFill>
+                    <a:effectLst/>
+                    <a:latin typeface="Courier New" panose="02070309020205020404" pitchFamily="49" charset="0"/>
+                  </a:rPr>
+                  <a:t>torch.tensor</a:t>
+                </a:r>
+                <a:r>
+                  <a:rPr lang="fr-FR" sz="1400" b="0" dirty="0">
+                    <a:solidFill>
+                      <a:srgbClr val="000000"/>
+                    </a:solidFill>
+                    <a:effectLst/>
+                    <a:latin typeface="Courier New" panose="02070309020205020404" pitchFamily="49" charset="0"/>
+                  </a:rPr>
+                  <a:t>([</a:t>
+                </a:r>
+                <a:r>
+                  <a:rPr lang="fr-FR" sz="1400" b="0" dirty="0">
+                    <a:solidFill>
+                      <a:srgbClr val="116644"/>
+                    </a:solidFill>
+                    <a:effectLst/>
+                    <a:latin typeface="Courier New" panose="02070309020205020404" pitchFamily="49" charset="0"/>
+                  </a:rPr>
+                  <a:t>5.5</a:t>
+                </a:r>
+                <a:r>
+                  <a:rPr lang="fr-FR" sz="1400" b="0" dirty="0">
+                    <a:solidFill>
+                      <a:srgbClr val="000000"/>
+                    </a:solidFill>
+                    <a:effectLst/>
+                    <a:latin typeface="Courier New" panose="02070309020205020404" pitchFamily="49" charset="0"/>
+                  </a:rPr>
+                  <a:t>, </a:t>
+                </a:r>
+                <a:r>
+                  <a:rPr lang="fr-FR" sz="1400" b="0" dirty="0">
+                    <a:solidFill>
+                      <a:srgbClr val="116644"/>
+                    </a:solidFill>
+                    <a:effectLst/>
+                    <a:latin typeface="Courier New" panose="02070309020205020404" pitchFamily="49" charset="0"/>
+                  </a:rPr>
+                  <a:t>7.7</a:t>
+                </a:r>
+                <a:r>
+                  <a:rPr lang="fr-FR" sz="1400" b="0" dirty="0">
+                    <a:solidFill>
+                      <a:srgbClr val="000000"/>
+                    </a:solidFill>
+                    <a:effectLst/>
+                    <a:latin typeface="Courier New" panose="02070309020205020404" pitchFamily="49" charset="0"/>
+                  </a:rPr>
+                  <a:t>])</a:t>
+                </a:r>
+              </a:p>
+              <a:p>
+                <a:pPr marL="0" indent="0">
+                  <a:buNone/>
+                </a:pPr>
+                <a:r>
+                  <a:rPr lang="fr-FR" sz="1400" b="0" dirty="0">
+                    <a:solidFill>
+                      <a:srgbClr val="000000"/>
+                    </a:solidFill>
+                    <a:effectLst/>
+                    <a:latin typeface="Courier New" panose="02070309020205020404" pitchFamily="49" charset="0"/>
+                  </a:rPr>
+                  <a:t>y = b @ x </a:t>
+                </a:r>
+                <a:r>
+                  <a:rPr lang="fr-FR" sz="1400" b="0" dirty="0">
+                    <a:solidFill>
+                      <a:srgbClr val="008000"/>
+                    </a:solidFill>
+                    <a:effectLst/>
+                    <a:latin typeface="Courier New" panose="02070309020205020404" pitchFamily="49" charset="0"/>
+                  </a:rPr>
+                  <a:t># produit scalaire : y = b_1 * x_1 + b_2 * x_2</a:t>
+                </a:r>
+                <a:endParaRPr lang="fr-FR" sz="1400" b="0" dirty="0">
+                  <a:solidFill>
+                    <a:srgbClr val="000000"/>
+                  </a:solidFill>
+                  <a:effectLst/>
+                  <a:latin typeface="Courier New" panose="02070309020205020404" pitchFamily="49" charset="0"/>
+                </a:endParaRPr>
+              </a:p>
+              <a:p>
+                <a:pPr marL="0" indent="0">
+                  <a:buNone/>
+                </a:pPr>
+                <a:r>
+                  <a:rPr lang="fr-FR" sz="1400" b="0" dirty="0" err="1">
+                    <a:solidFill>
+                      <a:srgbClr val="000000"/>
+                    </a:solidFill>
+                    <a:effectLst/>
+                    <a:latin typeface="Courier New" panose="02070309020205020404" pitchFamily="49" charset="0"/>
+                  </a:rPr>
+                  <a:t>grad</a:t>
+                </a:r>
+                <a:r>
+                  <a:rPr lang="fr-FR" sz="1400" b="0" dirty="0">
+                    <a:solidFill>
+                      <a:srgbClr val="000000"/>
+                    </a:solidFill>
+                    <a:effectLst/>
+                    <a:latin typeface="Courier New" panose="02070309020205020404" pitchFamily="49" charset="0"/>
+                  </a:rPr>
+                  <a:t> = </a:t>
+                </a:r>
+                <a:r>
+                  <a:rPr lang="fr-FR" sz="1400" b="0" dirty="0" err="1">
+                    <a:solidFill>
+                      <a:srgbClr val="000000"/>
+                    </a:solidFill>
+                    <a:effectLst/>
+                    <a:latin typeface="Courier New" panose="02070309020205020404" pitchFamily="49" charset="0"/>
+                  </a:rPr>
+                  <a:t>torch.autograd.grad</a:t>
+                </a:r>
+                <a:r>
+                  <a:rPr lang="fr-FR" sz="1400" b="0" dirty="0">
+                    <a:solidFill>
+                      <a:srgbClr val="000000"/>
+                    </a:solidFill>
+                    <a:effectLst/>
+                    <a:latin typeface="Courier New" panose="02070309020205020404" pitchFamily="49" charset="0"/>
+                  </a:rPr>
+                  <a:t>(y, x) </a:t>
+                </a:r>
+                <a:r>
+                  <a:rPr lang="fr-FR" sz="1400" b="0" dirty="0">
+                    <a:solidFill>
+                      <a:srgbClr val="008000"/>
+                    </a:solidFill>
+                    <a:effectLst/>
+                    <a:latin typeface="Courier New" panose="02070309020205020404" pitchFamily="49" charset="0"/>
+                  </a:rPr>
+                  <a:t># calcule </a:t>
+                </a:r>
+                <a:r>
+                  <a:rPr lang="fr-FR" sz="1400" b="0" dirty="0" err="1">
+                    <a:solidFill>
+                      <a:srgbClr val="008000"/>
+                    </a:solidFill>
+                    <a:effectLst/>
+                    <a:latin typeface="Courier New" panose="02070309020205020404" pitchFamily="49" charset="0"/>
+                  </a:rPr>
+                  <a:t>dy</a:t>
+                </a:r>
+                <a:r>
+                  <a:rPr lang="fr-FR" sz="1400" b="0" dirty="0">
+                    <a:solidFill>
+                      <a:srgbClr val="008000"/>
+                    </a:solidFill>
+                    <a:effectLst/>
+                    <a:latin typeface="Courier New" panose="02070309020205020404" pitchFamily="49" charset="0"/>
+                  </a:rPr>
+                  <a:t>/dx = [b_1, b_2]</a:t>
+                </a:r>
+                <a:endParaRPr lang="fr-FR" sz="1400" b="0" dirty="0">
+                  <a:solidFill>
+                    <a:srgbClr val="000000"/>
+                  </a:solidFill>
+                  <a:effectLst/>
+                  <a:latin typeface="Courier New" panose="02070309020205020404" pitchFamily="49" charset="0"/>
+                </a:endParaRPr>
+              </a:p>
+              <a:p>
+                <a:pPr marL="0" indent="0">
+                  <a:buNone/>
+                </a:pPr>
+                <a:r>
+                  <a:rPr lang="fr-FR" sz="1400" b="0" dirty="0" err="1">
+                    <a:solidFill>
+                      <a:srgbClr val="795E26"/>
+                    </a:solidFill>
+                    <a:effectLst/>
+                    <a:latin typeface="Courier New" panose="02070309020205020404" pitchFamily="49" charset="0"/>
+                  </a:rPr>
+                  <a:t>print</a:t>
+                </a:r>
+                <a:r>
+                  <a:rPr lang="fr-FR" sz="1400" b="0" dirty="0">
+                    <a:solidFill>
+                      <a:srgbClr val="000000"/>
+                    </a:solidFill>
+                    <a:effectLst/>
+                    <a:latin typeface="Courier New" panose="02070309020205020404" pitchFamily="49" charset="0"/>
+                  </a:rPr>
+                  <a:t>(</a:t>
+                </a:r>
+                <a:r>
+                  <a:rPr lang="fr-FR" sz="1400" b="0" dirty="0" err="1">
+                    <a:solidFill>
+                      <a:srgbClr val="000000"/>
+                    </a:solidFill>
+                    <a:effectLst/>
+                    <a:latin typeface="Courier New" panose="02070309020205020404" pitchFamily="49" charset="0"/>
+                  </a:rPr>
+                  <a:t>grad</a:t>
+                </a:r>
+                <a:r>
+                  <a:rPr lang="fr-FR" sz="1400" b="0" dirty="0">
+                    <a:solidFill>
+                      <a:srgbClr val="000000"/>
+                    </a:solidFill>
+                    <a:effectLst/>
+                    <a:latin typeface="Courier New" panose="02070309020205020404" pitchFamily="49" charset="0"/>
+                  </a:rPr>
+                  <a:t>) </a:t>
+                </a:r>
+                <a:r>
+                  <a:rPr lang="fr-FR" sz="1400" b="0" dirty="0">
+                    <a:solidFill>
+                      <a:srgbClr val="008000"/>
+                    </a:solidFill>
+                    <a:effectLst/>
+                    <a:latin typeface="Courier New" panose="02070309020205020404" pitchFamily="49" charset="0"/>
+                  </a:rPr>
+                  <a:t># [5.5, 7.7]</a:t>
+                </a:r>
+                <a:endParaRPr lang="fr-FR" sz="1400" b="0" dirty="0">
+                  <a:solidFill>
+                    <a:srgbClr val="000000"/>
+                  </a:solidFill>
+                  <a:effectLst/>
+                  <a:latin typeface="Courier New" panose="02070309020205020404" pitchFamily="49" charset="0"/>
+                </a:endParaRPr>
+              </a:p>
+            </p:txBody>
+          </p:sp>
+        </mc:Choice>
+        <mc:Fallback xmlns="">
+          <p:sp>
+            <p:nvSpPr>
+              <p:cNvPr id="3" name="Espace réservé du contenu 2">
+                <a:extLst>
+                  <a:ext uri="{FF2B5EF4-FFF2-40B4-BE49-F238E27FC236}">
+                    <a16:creationId xmlns:a16="http://schemas.microsoft.com/office/drawing/2014/main" id="{B59E77B8-2D75-472C-B76C-ABDDE0CAFCD5}"/>
+                  </a:ext>
+                </a:extLst>
+              </p:cNvPr>
+              <p:cNvSpPr>
+                <a:spLocks noGrp="1" noRot="1" noChangeAspect="1" noMove="1" noResize="1" noEditPoints="1" noAdjustHandles="1" noChangeArrowheads="1" noChangeShapeType="1" noTextEdit="1"/>
+              </p:cNvSpPr>
+              <p:nvPr>
+                <p:ph idx="1"/>
+              </p:nvPr>
+            </p:nvSpPr>
+            <p:spPr>
+              <a:xfrm>
+                <a:off x="537750" y="431073"/>
+                <a:ext cx="10839994" cy="6286968"/>
+              </a:xfrm>
+              <a:blipFill>
+                <a:blip r:embed="rId2"/>
+                <a:stretch>
+                  <a:fillRect l="-506" t="-776"/>
+                </a:stretch>
+              </a:blipFill>
+            </p:spPr>
+            <p:txBody>
+              <a:bodyPr/>
+              <a:lstStyle/>
+              <a:p>
+                <a:r>
+                  <a:rPr lang="fr-FR">
+                    <a:noFill/>
+                  </a:rPr>
+                  <a:t> </a:t>
+                </a:r>
+              </a:p>
+            </p:txBody>
+          </p:sp>
+        </mc:Fallback>
+      </mc:AlternateContent>
     </p:spTree>
     <p:extLst>
       <p:ext uri="{BB962C8B-B14F-4D97-AF65-F5344CB8AC3E}">
-        <p14:creationId xmlns:p14="http://schemas.microsoft.com/office/powerpoint/2010/main" val="2412111169"/>
+        <p14:creationId xmlns:p14="http://schemas.microsoft.com/office/powerpoint/2010/main" val="1507470963"/>
       </p:ext>
     </p:extLst>
   </p:cSld>
@@ -7348,1013 +9073,1630 @@
           <a:chExt cx="0" cy="0"/>
         </a:xfrm>
       </p:grpSpPr>
-      <p:sp>
-        <p:nvSpPr>
-          <p:cNvPr id="2" name="Titre 1">
+      <mc:AlternateContent xmlns:mc="http://schemas.openxmlformats.org/markup-compatibility/2006">
+        <mc:Choice xmlns:a14="http://schemas.microsoft.com/office/drawing/2010/main" Requires="a14">
+          <p:sp>
+            <p:nvSpPr>
+              <p:cNvPr id="6" name="Espace réservé du contenu 2">
+                <a:extLst>
+                  <a:ext uri="{FF2B5EF4-FFF2-40B4-BE49-F238E27FC236}">
+                    <a16:creationId xmlns:a16="http://schemas.microsoft.com/office/drawing/2014/main" id="{57B1E3F3-07A2-40F1-A5D1-5DE051127376}"/>
+                  </a:ext>
+                </a:extLst>
+              </p:cNvPr>
+              <p:cNvSpPr txBox="1">
+                <a:spLocks/>
+              </p:cNvSpPr>
+              <p:nvPr/>
+            </p:nvSpPr>
+            <p:spPr>
+              <a:xfrm>
+                <a:off x="838200" y="1825625"/>
+                <a:ext cx="10515600" cy="4805330"/>
+              </a:xfrm>
+              <a:prstGeom prst="rect">
+                <a:avLst/>
+              </a:prstGeom>
+            </p:spPr>
+            <p:txBody>
+              <a:bodyPr vert="horz" lIns="91440" tIns="45720" rIns="91440" bIns="45720" numCol="2" rtlCol="0">
+                <a:normAutofit/>
+              </a:bodyPr>
+              <a:lstStyle>
+                <a:lvl1pPr marL="228600" indent="-228600" algn="l" defTabSz="914400" rtl="0" eaLnBrk="1" latinLnBrk="0" hangingPunct="1">
+                  <a:lnSpc>
+                    <a:spcPct val="90000"/>
+                  </a:lnSpc>
+                  <a:spcBef>
+                    <a:spcPts val="1000"/>
+                  </a:spcBef>
+                  <a:buFont typeface="Arial" panose="020B0604020202020204" pitchFamily="34" charset="0"/>
+                  <a:buChar char="•"/>
+                  <a:defRPr sz="2800" kern="1200">
+                    <a:solidFill>
+                      <a:schemeClr val="tx1"/>
+                    </a:solidFill>
+                    <a:latin typeface="+mn-lt"/>
+                    <a:ea typeface="+mn-ea"/>
+                    <a:cs typeface="+mn-cs"/>
+                  </a:defRPr>
+                </a:lvl1pPr>
+                <a:lvl2pPr marL="685800" indent="-228600" algn="l" defTabSz="914400" rtl="0" eaLnBrk="1" latinLnBrk="0" hangingPunct="1">
+                  <a:lnSpc>
+                    <a:spcPct val="90000"/>
+                  </a:lnSpc>
+                  <a:spcBef>
+                    <a:spcPts val="500"/>
+                  </a:spcBef>
+                  <a:buFont typeface="Arial" panose="020B0604020202020204" pitchFamily="34" charset="0"/>
+                  <a:buChar char="•"/>
+                  <a:defRPr sz="2400" kern="1200">
+                    <a:solidFill>
+                      <a:schemeClr val="tx1"/>
+                    </a:solidFill>
+                    <a:latin typeface="+mn-lt"/>
+                    <a:ea typeface="+mn-ea"/>
+                    <a:cs typeface="+mn-cs"/>
+                  </a:defRPr>
+                </a:lvl2pPr>
+                <a:lvl3pPr marL="1143000" indent="-228600" algn="l" defTabSz="914400" rtl="0" eaLnBrk="1" latinLnBrk="0" hangingPunct="1">
+                  <a:lnSpc>
+                    <a:spcPct val="90000"/>
+                  </a:lnSpc>
+                  <a:spcBef>
+                    <a:spcPts val="500"/>
+                  </a:spcBef>
+                  <a:buFont typeface="Arial" panose="020B0604020202020204" pitchFamily="34" charset="0"/>
+                  <a:buChar char="•"/>
+                  <a:defRPr sz="2000" kern="1200">
+                    <a:solidFill>
+                      <a:schemeClr val="tx1"/>
+                    </a:solidFill>
+                    <a:latin typeface="+mn-lt"/>
+                    <a:ea typeface="+mn-ea"/>
+                    <a:cs typeface="+mn-cs"/>
+                  </a:defRPr>
+                </a:lvl3pPr>
+                <a:lvl4pPr marL="1600200" indent="-228600" algn="l" defTabSz="914400" rtl="0" eaLnBrk="1" latinLnBrk="0" hangingPunct="1">
+                  <a:lnSpc>
+                    <a:spcPct val="90000"/>
+                  </a:lnSpc>
+                  <a:spcBef>
+                    <a:spcPts val="500"/>
+                  </a:spcBef>
+                  <a:buFont typeface="Arial" panose="020B0604020202020204" pitchFamily="34" charset="0"/>
+                  <a:buChar char="•"/>
+                  <a:defRPr sz="1800" kern="1200">
+                    <a:solidFill>
+                      <a:schemeClr val="tx1"/>
+                    </a:solidFill>
+                    <a:latin typeface="+mn-lt"/>
+                    <a:ea typeface="+mn-ea"/>
+                    <a:cs typeface="+mn-cs"/>
+                  </a:defRPr>
+                </a:lvl4pPr>
+                <a:lvl5pPr marL="2057400" indent="-228600" algn="l" defTabSz="914400" rtl="0" eaLnBrk="1" latinLnBrk="0" hangingPunct="1">
+                  <a:lnSpc>
+                    <a:spcPct val="90000"/>
+                  </a:lnSpc>
+                  <a:spcBef>
+                    <a:spcPts val="500"/>
+                  </a:spcBef>
+                  <a:buFont typeface="Arial" panose="020B0604020202020204" pitchFamily="34" charset="0"/>
+                  <a:buChar char="•"/>
+                  <a:defRPr sz="1800" kern="1200">
+                    <a:solidFill>
+                      <a:schemeClr val="tx1"/>
+                    </a:solidFill>
+                    <a:latin typeface="+mn-lt"/>
+                    <a:ea typeface="+mn-ea"/>
+                    <a:cs typeface="+mn-cs"/>
+                  </a:defRPr>
+                </a:lvl5pPr>
+                <a:lvl6pPr marL="2514600" indent="-228600" algn="l" defTabSz="914400" rtl="0" eaLnBrk="1" latinLnBrk="0" hangingPunct="1">
+                  <a:lnSpc>
+                    <a:spcPct val="90000"/>
+                  </a:lnSpc>
+                  <a:spcBef>
+                    <a:spcPts val="500"/>
+                  </a:spcBef>
+                  <a:buFont typeface="Arial" panose="020B0604020202020204" pitchFamily="34" charset="0"/>
+                  <a:buChar char="•"/>
+                  <a:defRPr sz="1800" kern="1200">
+                    <a:solidFill>
+                      <a:schemeClr val="tx1"/>
+                    </a:solidFill>
+                    <a:latin typeface="+mn-lt"/>
+                    <a:ea typeface="+mn-ea"/>
+                    <a:cs typeface="+mn-cs"/>
+                  </a:defRPr>
+                </a:lvl6pPr>
+                <a:lvl7pPr marL="2971800" indent="-228600" algn="l" defTabSz="914400" rtl="0" eaLnBrk="1" latinLnBrk="0" hangingPunct="1">
+                  <a:lnSpc>
+                    <a:spcPct val="90000"/>
+                  </a:lnSpc>
+                  <a:spcBef>
+                    <a:spcPts val="500"/>
+                  </a:spcBef>
+                  <a:buFont typeface="Arial" panose="020B0604020202020204" pitchFamily="34" charset="0"/>
+                  <a:buChar char="•"/>
+                  <a:defRPr sz="1800" kern="1200">
+                    <a:solidFill>
+                      <a:schemeClr val="tx1"/>
+                    </a:solidFill>
+                    <a:latin typeface="+mn-lt"/>
+                    <a:ea typeface="+mn-ea"/>
+                    <a:cs typeface="+mn-cs"/>
+                  </a:defRPr>
+                </a:lvl7pPr>
+                <a:lvl8pPr marL="3429000" indent="-228600" algn="l" defTabSz="914400" rtl="0" eaLnBrk="1" latinLnBrk="0" hangingPunct="1">
+                  <a:lnSpc>
+                    <a:spcPct val="90000"/>
+                  </a:lnSpc>
+                  <a:spcBef>
+                    <a:spcPts val="500"/>
+                  </a:spcBef>
+                  <a:buFont typeface="Arial" panose="020B0604020202020204" pitchFamily="34" charset="0"/>
+                  <a:buChar char="•"/>
+                  <a:defRPr sz="1800" kern="1200">
+                    <a:solidFill>
+                      <a:schemeClr val="tx1"/>
+                    </a:solidFill>
+                    <a:latin typeface="+mn-lt"/>
+                    <a:ea typeface="+mn-ea"/>
+                    <a:cs typeface="+mn-cs"/>
+                  </a:defRPr>
+                </a:lvl8pPr>
+                <a:lvl9pPr marL="3886200" indent="-228600" algn="l" defTabSz="914400" rtl="0" eaLnBrk="1" latinLnBrk="0" hangingPunct="1">
+                  <a:lnSpc>
+                    <a:spcPct val="90000"/>
+                  </a:lnSpc>
+                  <a:spcBef>
+                    <a:spcPts val="500"/>
+                  </a:spcBef>
+                  <a:buFont typeface="Arial" panose="020B0604020202020204" pitchFamily="34" charset="0"/>
+                  <a:buChar char="•"/>
+                  <a:defRPr sz="1800" kern="1200">
+                    <a:solidFill>
+                      <a:schemeClr val="tx1"/>
+                    </a:solidFill>
+                    <a:latin typeface="+mn-lt"/>
+                    <a:ea typeface="+mn-ea"/>
+                    <a:cs typeface="+mn-cs"/>
+                  </a:defRPr>
+                </a:lvl9pPr>
+              </a:lstStyle>
+              <a:p>
+                <a:pPr marL="0" indent="0">
+                  <a:spcBef>
+                    <a:spcPts val="500"/>
+                  </a:spcBef>
+                  <a:buFont typeface="Arial" panose="020B0604020202020204" pitchFamily="34" charset="0"/>
+                  <a:buNone/>
+                </a:pPr>
+                <a:r>
+                  <a:rPr lang="fr-FR" sz="1300" dirty="0">
+                    <a:solidFill>
+                      <a:srgbClr val="008000"/>
+                    </a:solidFill>
+                    <a:latin typeface="Courier New" panose="02070309020205020404" pitchFamily="49" charset="0"/>
+                  </a:rPr>
+                  <a:t># convertir données (</a:t>
+                </a:r>
+                <a:r>
+                  <a:rPr lang="fr-FR" sz="1300" dirty="0" err="1">
+                    <a:solidFill>
+                      <a:srgbClr val="008000"/>
+                    </a:solidFill>
+                    <a:latin typeface="Courier New" panose="02070309020205020404" pitchFamily="49" charset="0"/>
+                  </a:rPr>
+                  <a:t>numpy</a:t>
+                </a:r>
+                <a:r>
+                  <a:rPr lang="fr-FR" sz="1300" dirty="0">
+                    <a:solidFill>
+                      <a:srgbClr val="008000"/>
+                    </a:solidFill>
+                    <a:latin typeface="Courier New" panose="02070309020205020404" pitchFamily="49" charset="0"/>
+                  </a:rPr>
+                  <a:t> -&gt; </a:t>
+                </a:r>
+                <a:r>
+                  <a:rPr lang="fr-FR" sz="1300" dirty="0" err="1">
+                    <a:solidFill>
+                      <a:srgbClr val="008000"/>
+                    </a:solidFill>
+                    <a:latin typeface="Courier New" panose="02070309020205020404" pitchFamily="49" charset="0"/>
+                  </a:rPr>
+                  <a:t>pytorch</a:t>
+                </a:r>
+                <a:r>
+                  <a:rPr lang="fr-FR" sz="1300" dirty="0">
+                    <a:solidFill>
+                      <a:srgbClr val="008000"/>
+                    </a:solidFill>
+                    <a:latin typeface="Courier New" panose="02070309020205020404" pitchFamily="49" charset="0"/>
+                  </a:rPr>
+                  <a:t>)</a:t>
+                </a:r>
+                <a:endParaRPr lang="fr-FR" sz="1300" dirty="0">
+                  <a:solidFill>
+                    <a:srgbClr val="000000"/>
+                  </a:solidFill>
+                  <a:latin typeface="Courier New" panose="02070309020205020404" pitchFamily="49" charset="0"/>
+                </a:endParaRPr>
+              </a:p>
+              <a:p>
+                <a:pPr marL="0" indent="0">
+                  <a:spcBef>
+                    <a:spcPts val="500"/>
+                  </a:spcBef>
+                  <a:buFont typeface="Arial" panose="020B0604020202020204" pitchFamily="34" charset="0"/>
+                  <a:buNone/>
+                </a:pPr>
+                <a:r>
+                  <a:rPr lang="fr-FR" sz="1300" dirty="0">
+                    <a:solidFill>
+                      <a:srgbClr val="AF00DB"/>
+                    </a:solidFill>
+                    <a:latin typeface="Courier New" panose="02070309020205020404" pitchFamily="49" charset="0"/>
+                  </a:rPr>
+                  <a:t>import</a:t>
+                </a:r>
+                <a:r>
+                  <a:rPr lang="fr-FR" sz="1300" dirty="0">
+                    <a:solidFill>
+                      <a:srgbClr val="000000"/>
+                    </a:solidFill>
+                    <a:latin typeface="Courier New" panose="02070309020205020404" pitchFamily="49" charset="0"/>
+                  </a:rPr>
+                  <a:t> </a:t>
+                </a:r>
+                <a:r>
+                  <a:rPr lang="fr-FR" sz="1300" dirty="0" err="1">
+                    <a:solidFill>
+                      <a:srgbClr val="000000"/>
+                    </a:solidFill>
+                    <a:latin typeface="Courier New" panose="02070309020205020404" pitchFamily="49" charset="0"/>
+                  </a:rPr>
+                  <a:t>torch</a:t>
+                </a:r>
+                <a:endParaRPr lang="fr-FR" sz="1300" dirty="0">
+                  <a:solidFill>
+                    <a:srgbClr val="000000"/>
+                  </a:solidFill>
+                  <a:latin typeface="Courier New" panose="02070309020205020404" pitchFamily="49" charset="0"/>
+                </a:endParaRPr>
+              </a:p>
+              <a:p>
+                <a:pPr marL="0" indent="0">
+                  <a:spcBef>
+                    <a:spcPts val="500"/>
+                  </a:spcBef>
+                  <a:buFont typeface="Arial" panose="020B0604020202020204" pitchFamily="34" charset="0"/>
+                  <a:buNone/>
+                </a:pPr>
+                <a:r>
+                  <a:rPr lang="fr-FR" sz="1300" dirty="0">
+                    <a:solidFill>
+                      <a:srgbClr val="000000"/>
+                    </a:solidFill>
+                    <a:latin typeface="Courier New" panose="02070309020205020404" pitchFamily="49" charset="0"/>
+                  </a:rPr>
+                  <a:t>x, y = </a:t>
+                </a:r>
+                <a:r>
+                  <a:rPr lang="fr-FR" sz="1300" dirty="0" err="1">
+                    <a:solidFill>
+                      <a:srgbClr val="000000"/>
+                    </a:solidFill>
+                    <a:latin typeface="Courier New" panose="02070309020205020404" pitchFamily="49" charset="0"/>
+                  </a:rPr>
+                  <a:t>torch.tensor</a:t>
+                </a:r>
+                <a:r>
+                  <a:rPr lang="fr-FR" sz="1300" dirty="0">
+                    <a:solidFill>
+                      <a:srgbClr val="000000"/>
+                    </a:solidFill>
+                    <a:latin typeface="Courier New" panose="02070309020205020404" pitchFamily="49" charset="0"/>
+                  </a:rPr>
+                  <a:t>(x), </a:t>
+                </a:r>
+                <a:r>
+                  <a:rPr lang="fr-FR" sz="1300" dirty="0" err="1">
+                    <a:solidFill>
+                      <a:srgbClr val="000000"/>
+                    </a:solidFill>
+                    <a:latin typeface="Courier New" panose="02070309020205020404" pitchFamily="49" charset="0"/>
+                  </a:rPr>
+                  <a:t>torch.tensor</a:t>
+                </a:r>
+                <a:r>
+                  <a:rPr lang="fr-FR" sz="1300" dirty="0">
+                    <a:solidFill>
+                      <a:srgbClr val="000000"/>
+                    </a:solidFill>
+                    <a:latin typeface="Courier New" panose="02070309020205020404" pitchFamily="49" charset="0"/>
+                  </a:rPr>
+                  <a:t>(y)</a:t>
+                </a:r>
+              </a:p>
+              <a:p>
+                <a:pPr marL="0" indent="0">
+                  <a:spcBef>
+                    <a:spcPts val="500"/>
+                  </a:spcBef>
+                  <a:buFont typeface="Arial" panose="020B0604020202020204" pitchFamily="34" charset="0"/>
+                  <a:buNone/>
+                </a:pPr>
+                <a:br>
+                  <a:rPr lang="fr-FR" sz="1300" dirty="0">
+                    <a:solidFill>
+                      <a:srgbClr val="000000"/>
+                    </a:solidFill>
+                    <a:latin typeface="Courier New" panose="02070309020205020404" pitchFamily="49" charset="0"/>
+                  </a:rPr>
+                </a:br>
+                <a:r>
+                  <a:rPr lang="fr-FR" sz="1300" dirty="0">
+                    <a:solidFill>
+                      <a:srgbClr val="008000"/>
+                    </a:solidFill>
+                    <a:latin typeface="Courier New" panose="02070309020205020404" pitchFamily="49" charset="0"/>
+                  </a:rPr>
+                  <a:t># initialise </a:t>
+                </a:r>
+                <a:r>
+                  <a:rPr lang="fr-FR" sz="1300" dirty="0" err="1">
+                    <a:solidFill>
+                      <a:srgbClr val="008000"/>
+                    </a:solidFill>
+                    <a:latin typeface="Courier New" panose="02070309020205020404" pitchFamily="49" charset="0"/>
+                  </a:rPr>
+                  <a:t>theta</a:t>
+                </a:r>
+                <a:endParaRPr lang="fr-FR" sz="1300" dirty="0">
+                  <a:solidFill>
+                    <a:srgbClr val="000000"/>
+                  </a:solidFill>
+                  <a:latin typeface="Courier New" panose="02070309020205020404" pitchFamily="49" charset="0"/>
+                </a:endParaRPr>
+              </a:p>
+              <a:p>
+                <a:pPr marL="0" indent="0">
+                  <a:spcBef>
+                    <a:spcPts val="500"/>
+                  </a:spcBef>
+                  <a:buFont typeface="Arial" panose="020B0604020202020204" pitchFamily="34" charset="0"/>
+                  <a:buNone/>
+                </a:pPr>
+                <a:r>
+                  <a:rPr lang="fr-FR" sz="1300" dirty="0">
+                    <a:solidFill>
+                      <a:srgbClr val="000000"/>
+                    </a:solidFill>
+                    <a:latin typeface="Courier New" panose="02070309020205020404" pitchFamily="49" charset="0"/>
+                  </a:rPr>
+                  <a:t>M = </a:t>
+                </a:r>
+                <a:r>
+                  <a:rPr lang="fr-FR" sz="1300" dirty="0">
+                    <a:solidFill>
+                      <a:srgbClr val="116644"/>
+                    </a:solidFill>
+                    <a:latin typeface="Courier New" panose="02070309020205020404" pitchFamily="49" charset="0"/>
+                  </a:rPr>
+                  <a:t>3</a:t>
+                </a:r>
+                <a:endParaRPr lang="fr-FR" sz="1300" dirty="0">
+                  <a:solidFill>
+                    <a:srgbClr val="000000"/>
+                  </a:solidFill>
+                  <a:latin typeface="Courier New" panose="02070309020205020404" pitchFamily="49" charset="0"/>
+                </a:endParaRPr>
+              </a:p>
+              <a:p>
+                <a:pPr marL="0" indent="0">
+                  <a:spcBef>
+                    <a:spcPts val="500"/>
+                  </a:spcBef>
+                  <a:buFont typeface="Arial" panose="020B0604020202020204" pitchFamily="34" charset="0"/>
+                  <a:buNone/>
+                </a:pPr>
+                <a:r>
+                  <a:rPr lang="fr-FR" sz="1300" dirty="0" err="1">
+                    <a:solidFill>
+                      <a:srgbClr val="000000"/>
+                    </a:solidFill>
+                    <a:latin typeface="Courier New" panose="02070309020205020404" pitchFamily="49" charset="0"/>
+                  </a:rPr>
+                  <a:t>theta</a:t>
+                </a:r>
+                <a:r>
+                  <a:rPr lang="fr-FR" sz="1300" dirty="0">
+                    <a:solidFill>
+                      <a:srgbClr val="000000"/>
+                    </a:solidFill>
+                    <a:latin typeface="Courier New" panose="02070309020205020404" pitchFamily="49" charset="0"/>
+                  </a:rPr>
+                  <a:t> = </a:t>
+                </a:r>
+                <a:r>
+                  <a:rPr lang="fr-FR" sz="1300" dirty="0" err="1">
+                    <a:solidFill>
+                      <a:srgbClr val="000000"/>
+                    </a:solidFill>
+                    <a:latin typeface="Courier New" panose="02070309020205020404" pitchFamily="49" charset="0"/>
+                  </a:rPr>
+                  <a:t>torch.zeros</a:t>
+                </a:r>
+                <a:r>
+                  <a:rPr lang="fr-FR" sz="1300" dirty="0">
+                    <a:solidFill>
+                      <a:srgbClr val="000000"/>
+                    </a:solidFill>
+                    <a:latin typeface="Courier New" panose="02070309020205020404" pitchFamily="49" charset="0"/>
+                  </a:rPr>
+                  <a:t>(M + </a:t>
+                </a:r>
+                <a:r>
+                  <a:rPr lang="fr-FR" sz="1300" dirty="0">
+                    <a:solidFill>
+                      <a:srgbClr val="116644"/>
+                    </a:solidFill>
+                    <a:latin typeface="Courier New" panose="02070309020205020404" pitchFamily="49" charset="0"/>
+                  </a:rPr>
+                  <a:t>1</a:t>
+                </a:r>
+                <a:r>
+                  <a:rPr lang="fr-FR" sz="1300" dirty="0">
+                    <a:solidFill>
+                      <a:srgbClr val="000000"/>
+                    </a:solidFill>
+                    <a:latin typeface="Courier New" panose="02070309020205020404" pitchFamily="49" charset="0"/>
+                  </a:rPr>
+                  <a:t>, </a:t>
+                </a:r>
+                <a:r>
+                  <a:rPr lang="fr-FR" sz="1300" dirty="0" err="1">
+                    <a:solidFill>
+                      <a:srgbClr val="000000"/>
+                    </a:solidFill>
+                    <a:latin typeface="Courier New" panose="02070309020205020404" pitchFamily="49" charset="0"/>
+                  </a:rPr>
+                  <a:t>requires_grad</a:t>
+                </a:r>
+                <a:r>
+                  <a:rPr lang="fr-FR" sz="1300" dirty="0">
+                    <a:solidFill>
+                      <a:srgbClr val="000000"/>
+                    </a:solidFill>
+                    <a:latin typeface="Courier New" panose="02070309020205020404" pitchFamily="49" charset="0"/>
+                  </a:rPr>
+                  <a:t> = </a:t>
+                </a:r>
+                <a:r>
+                  <a:rPr lang="fr-FR" sz="1300" dirty="0" err="1">
+                    <a:solidFill>
+                      <a:srgbClr val="0000FF"/>
+                    </a:solidFill>
+                    <a:latin typeface="Courier New" panose="02070309020205020404" pitchFamily="49" charset="0"/>
+                  </a:rPr>
+                  <a:t>True</a:t>
+                </a:r>
+                <a:r>
+                  <a:rPr lang="fr-FR" sz="1300" dirty="0">
+                    <a:solidFill>
+                      <a:srgbClr val="000000"/>
+                    </a:solidFill>
+                    <a:latin typeface="Courier New" panose="02070309020205020404" pitchFamily="49" charset="0"/>
+                  </a:rPr>
+                  <a:t>)</a:t>
+                </a:r>
+              </a:p>
+              <a:p>
+                <a:pPr marL="0" indent="0">
+                  <a:spcBef>
+                    <a:spcPts val="500"/>
+                  </a:spcBef>
+                  <a:buFont typeface="Arial" panose="020B0604020202020204" pitchFamily="34" charset="0"/>
+                  <a:buNone/>
+                </a:pPr>
+                <a:br>
+                  <a:rPr lang="fr-FR" sz="1300" dirty="0">
+                    <a:solidFill>
+                      <a:srgbClr val="000000"/>
+                    </a:solidFill>
+                    <a:latin typeface="Courier New" panose="02070309020205020404" pitchFamily="49" charset="0"/>
+                  </a:rPr>
+                </a:br>
+                <a:r>
+                  <a:rPr lang="fr-FR" sz="1300" dirty="0">
+                    <a:solidFill>
+                      <a:srgbClr val="008000"/>
+                    </a:solidFill>
+                    <a:latin typeface="Courier New" panose="02070309020205020404" pitchFamily="49" charset="0"/>
+                  </a:rPr>
+                  <a:t># fonction </a:t>
+                </a:r>
+                <a:r>
+                  <a:rPr lang="fr-FR" sz="1300" dirty="0" err="1">
+                    <a:solidFill>
+                      <a:srgbClr val="008000"/>
+                    </a:solidFill>
+                    <a:latin typeface="Courier New" panose="02070309020205020404" pitchFamily="49" charset="0"/>
+                  </a:rPr>
+                  <a:t>polynome</a:t>
+                </a:r>
+                <a:endParaRPr lang="fr-FR" sz="1300" dirty="0">
+                  <a:solidFill>
+                    <a:srgbClr val="000000"/>
+                  </a:solidFill>
+                  <a:latin typeface="Courier New" panose="02070309020205020404" pitchFamily="49" charset="0"/>
+                </a:endParaRPr>
+              </a:p>
+              <a:p>
+                <a:pPr marL="0" indent="0">
+                  <a:spcBef>
+                    <a:spcPts val="500"/>
+                  </a:spcBef>
+                  <a:buFont typeface="Arial" panose="020B0604020202020204" pitchFamily="34" charset="0"/>
+                  <a:buNone/>
+                </a:pPr>
+                <a:r>
+                  <a:rPr lang="fr-FR" sz="1300" dirty="0" err="1">
+                    <a:solidFill>
+                      <a:srgbClr val="0000FF"/>
+                    </a:solidFill>
+                    <a:latin typeface="Courier New" panose="02070309020205020404" pitchFamily="49" charset="0"/>
+                  </a:rPr>
+                  <a:t>def</a:t>
+                </a:r>
+                <a:r>
+                  <a:rPr lang="fr-FR" sz="1300" dirty="0">
+                    <a:solidFill>
+                      <a:srgbClr val="000000"/>
+                    </a:solidFill>
+                    <a:latin typeface="Courier New" panose="02070309020205020404" pitchFamily="49" charset="0"/>
+                  </a:rPr>
+                  <a:t> </a:t>
+                </a:r>
+                <a:r>
+                  <a:rPr lang="fr-FR" sz="1300" dirty="0" err="1">
+                    <a:solidFill>
+                      <a:srgbClr val="795E26"/>
+                    </a:solidFill>
+                    <a:latin typeface="Courier New" panose="02070309020205020404" pitchFamily="49" charset="0"/>
+                  </a:rPr>
+                  <a:t>get_predict</a:t>
+                </a:r>
+                <a:r>
+                  <a:rPr lang="fr-FR" sz="1300" dirty="0">
+                    <a:solidFill>
+                      <a:srgbClr val="000000"/>
+                    </a:solidFill>
+                    <a:latin typeface="Courier New" panose="02070309020205020404" pitchFamily="49" charset="0"/>
+                  </a:rPr>
+                  <a:t>(</a:t>
+                </a:r>
+                <a:r>
+                  <a:rPr lang="fr-FR" sz="1300" dirty="0">
+                    <a:solidFill>
+                      <a:srgbClr val="001080"/>
+                    </a:solidFill>
+                    <a:latin typeface="Courier New" panose="02070309020205020404" pitchFamily="49" charset="0"/>
+                  </a:rPr>
+                  <a:t>x</a:t>
+                </a:r>
+                <a:r>
+                  <a:rPr lang="fr-FR" sz="1300" dirty="0">
+                    <a:solidFill>
+                      <a:srgbClr val="000000"/>
+                    </a:solidFill>
+                    <a:latin typeface="Courier New" panose="02070309020205020404" pitchFamily="49" charset="0"/>
+                  </a:rPr>
+                  <a:t>, </a:t>
+                </a:r>
+                <a:r>
+                  <a:rPr lang="fr-FR" sz="1300" dirty="0">
+                    <a:solidFill>
+                      <a:srgbClr val="001080"/>
+                    </a:solidFill>
+                    <a:latin typeface="Courier New" panose="02070309020205020404" pitchFamily="49" charset="0"/>
+                  </a:rPr>
+                  <a:t>coefs</a:t>
+                </a:r>
+                <a:r>
+                  <a:rPr lang="fr-FR" sz="1300" dirty="0">
+                    <a:solidFill>
+                      <a:srgbClr val="000000"/>
+                    </a:solidFill>
+                    <a:latin typeface="Courier New" panose="02070309020205020404" pitchFamily="49" charset="0"/>
+                  </a:rPr>
+                  <a:t>):</a:t>
+                </a:r>
+              </a:p>
+              <a:p>
+                <a:pPr marL="0" indent="0">
+                  <a:spcBef>
+                    <a:spcPts val="500"/>
+                  </a:spcBef>
+                  <a:buFont typeface="Arial" panose="020B0604020202020204" pitchFamily="34" charset="0"/>
+                  <a:buNone/>
+                </a:pPr>
+                <a:r>
+                  <a:rPr lang="fr-FR" sz="1300" dirty="0">
+                    <a:solidFill>
+                      <a:srgbClr val="000000"/>
+                    </a:solidFill>
+                    <a:latin typeface="Courier New" panose="02070309020205020404" pitchFamily="49" charset="0"/>
+                  </a:rPr>
+                  <a:t>  </a:t>
+                </a:r>
+                <a:r>
+                  <a:rPr lang="fr-FR" sz="1300" dirty="0" err="1">
+                    <a:solidFill>
+                      <a:srgbClr val="000000"/>
+                    </a:solidFill>
+                    <a:latin typeface="Courier New" panose="02070309020205020404" pitchFamily="49" charset="0"/>
+                  </a:rPr>
+                  <a:t>y_predict</a:t>
+                </a:r>
+                <a:r>
+                  <a:rPr lang="fr-FR" sz="1300" dirty="0">
+                    <a:solidFill>
+                      <a:srgbClr val="000000"/>
+                    </a:solidFill>
+                    <a:latin typeface="Courier New" panose="02070309020205020404" pitchFamily="49" charset="0"/>
+                  </a:rPr>
+                  <a:t> = </a:t>
+                </a:r>
+                <a:r>
+                  <a:rPr lang="fr-FR" sz="1300" dirty="0" err="1">
+                    <a:solidFill>
+                      <a:srgbClr val="000000"/>
+                    </a:solidFill>
+                    <a:latin typeface="Courier New" panose="02070309020205020404" pitchFamily="49" charset="0"/>
+                  </a:rPr>
+                  <a:t>torch.zeros_like</a:t>
+                </a:r>
+                <a:r>
+                  <a:rPr lang="fr-FR" sz="1300" dirty="0">
+                    <a:solidFill>
+                      <a:srgbClr val="000000"/>
+                    </a:solidFill>
+                    <a:latin typeface="Courier New" panose="02070309020205020404" pitchFamily="49" charset="0"/>
+                  </a:rPr>
+                  <a:t>(x)</a:t>
+                </a:r>
+              </a:p>
+              <a:p>
+                <a:pPr marL="0" indent="0">
+                  <a:spcBef>
+                    <a:spcPts val="500"/>
+                  </a:spcBef>
+                  <a:buFont typeface="Arial" panose="020B0604020202020204" pitchFamily="34" charset="0"/>
+                  <a:buNone/>
+                </a:pPr>
+                <a:r>
+                  <a:rPr lang="fr-FR" sz="1300" dirty="0">
+                    <a:solidFill>
+                      <a:srgbClr val="000000"/>
+                    </a:solidFill>
+                    <a:latin typeface="Courier New" panose="02070309020205020404" pitchFamily="49" charset="0"/>
+                  </a:rPr>
+                  <a:t>  </a:t>
+                </a:r>
+                <a:r>
+                  <a:rPr lang="fr-FR" sz="1300" dirty="0">
+                    <a:solidFill>
+                      <a:srgbClr val="AF00DB"/>
+                    </a:solidFill>
+                    <a:latin typeface="Courier New" panose="02070309020205020404" pitchFamily="49" charset="0"/>
+                  </a:rPr>
+                  <a:t>for</a:t>
+                </a:r>
+                <a:r>
+                  <a:rPr lang="fr-FR" sz="1300" dirty="0">
+                    <a:solidFill>
+                      <a:srgbClr val="000000"/>
+                    </a:solidFill>
+                    <a:latin typeface="Courier New" panose="02070309020205020404" pitchFamily="49" charset="0"/>
+                  </a:rPr>
+                  <a:t> i </a:t>
+                </a:r>
+                <a:r>
+                  <a:rPr lang="fr-FR" sz="1300" dirty="0">
+                    <a:solidFill>
+                      <a:srgbClr val="0000FF"/>
+                    </a:solidFill>
+                    <a:latin typeface="Courier New" panose="02070309020205020404" pitchFamily="49" charset="0"/>
+                  </a:rPr>
+                  <a:t>in</a:t>
+                </a:r>
+                <a:r>
+                  <a:rPr lang="fr-FR" sz="1300" dirty="0">
+                    <a:solidFill>
+                      <a:srgbClr val="000000"/>
+                    </a:solidFill>
+                    <a:latin typeface="Courier New" panose="02070309020205020404" pitchFamily="49" charset="0"/>
+                  </a:rPr>
+                  <a:t> </a:t>
+                </a:r>
+                <a:r>
+                  <a:rPr lang="fr-FR" sz="1300" dirty="0">
+                    <a:solidFill>
+                      <a:srgbClr val="795E26"/>
+                    </a:solidFill>
+                    <a:latin typeface="Courier New" panose="02070309020205020404" pitchFamily="49" charset="0"/>
+                  </a:rPr>
+                  <a:t>range</a:t>
+                </a:r>
+                <a:r>
+                  <a:rPr lang="fr-FR" sz="1300" dirty="0">
+                    <a:solidFill>
+                      <a:srgbClr val="000000"/>
+                    </a:solidFill>
+                    <a:latin typeface="Courier New" panose="02070309020205020404" pitchFamily="49" charset="0"/>
+                  </a:rPr>
+                  <a:t>(</a:t>
+                </a:r>
+                <a:r>
+                  <a:rPr lang="fr-FR" sz="1300" dirty="0" err="1">
+                    <a:solidFill>
+                      <a:srgbClr val="795E26"/>
+                    </a:solidFill>
+                    <a:latin typeface="Courier New" panose="02070309020205020404" pitchFamily="49" charset="0"/>
+                  </a:rPr>
+                  <a:t>len</a:t>
+                </a:r>
+                <a:r>
+                  <a:rPr lang="fr-FR" sz="1300" dirty="0">
+                    <a:solidFill>
+                      <a:srgbClr val="000000"/>
+                    </a:solidFill>
+                    <a:latin typeface="Courier New" panose="02070309020205020404" pitchFamily="49" charset="0"/>
+                  </a:rPr>
+                  <a:t>(</a:t>
+                </a:r>
+                <a:r>
+                  <a:rPr lang="fr-FR" sz="1300" dirty="0" err="1">
+                    <a:solidFill>
+                      <a:srgbClr val="000000"/>
+                    </a:solidFill>
+                    <a:latin typeface="Courier New" panose="02070309020205020404" pitchFamily="49" charset="0"/>
+                  </a:rPr>
+                  <a:t>theta</a:t>
+                </a:r>
+                <a:r>
+                  <a:rPr lang="fr-FR" sz="1300" dirty="0">
+                    <a:solidFill>
+                      <a:srgbClr val="000000"/>
+                    </a:solidFill>
+                    <a:latin typeface="Courier New" panose="02070309020205020404" pitchFamily="49" charset="0"/>
+                  </a:rPr>
+                  <a:t>)):</a:t>
+                </a:r>
+              </a:p>
+              <a:p>
+                <a:pPr marL="0" indent="0">
+                  <a:spcBef>
+                    <a:spcPts val="500"/>
+                  </a:spcBef>
+                  <a:buFont typeface="Arial" panose="020B0604020202020204" pitchFamily="34" charset="0"/>
+                  <a:buNone/>
+                </a:pPr>
+                <a:r>
+                  <a:rPr lang="fr-FR" sz="1300" dirty="0">
+                    <a:solidFill>
+                      <a:srgbClr val="000000"/>
+                    </a:solidFill>
+                    <a:latin typeface="Courier New" panose="02070309020205020404" pitchFamily="49" charset="0"/>
+                  </a:rPr>
+                  <a:t>    </a:t>
+                </a:r>
+                <a:r>
+                  <a:rPr lang="fr-FR" sz="1300" dirty="0" err="1">
+                    <a:solidFill>
+                      <a:srgbClr val="000000"/>
+                    </a:solidFill>
+                    <a:latin typeface="Courier New" panose="02070309020205020404" pitchFamily="49" charset="0"/>
+                  </a:rPr>
+                  <a:t>y_predict</a:t>
+                </a:r>
+                <a:r>
+                  <a:rPr lang="fr-FR" sz="1300" dirty="0">
+                    <a:solidFill>
+                      <a:srgbClr val="000000"/>
+                    </a:solidFill>
+                    <a:latin typeface="Courier New" panose="02070309020205020404" pitchFamily="49" charset="0"/>
+                  </a:rPr>
+                  <a:t> = </a:t>
+                </a:r>
+                <a:r>
+                  <a:rPr lang="fr-FR" sz="1300" dirty="0" err="1">
+                    <a:solidFill>
+                      <a:srgbClr val="000000"/>
+                    </a:solidFill>
+                    <a:latin typeface="Courier New" panose="02070309020205020404" pitchFamily="49" charset="0"/>
+                  </a:rPr>
+                  <a:t>y_predict</a:t>
+                </a:r>
+                <a:r>
+                  <a:rPr lang="fr-FR" sz="1300" dirty="0">
+                    <a:solidFill>
+                      <a:srgbClr val="000000"/>
+                    </a:solidFill>
+                    <a:latin typeface="Courier New" panose="02070309020205020404" pitchFamily="49" charset="0"/>
+                  </a:rPr>
+                  <a:t> + coefs[i] * x**i</a:t>
+                </a:r>
+              </a:p>
+              <a:p>
+                <a:pPr marL="0" indent="0">
+                  <a:spcBef>
+                    <a:spcPts val="500"/>
+                  </a:spcBef>
+                  <a:buFont typeface="Arial" panose="020B0604020202020204" pitchFamily="34" charset="0"/>
+                  <a:buNone/>
+                </a:pPr>
+                <a:r>
+                  <a:rPr lang="fr-FR" sz="1300" dirty="0">
+                    <a:solidFill>
+                      <a:srgbClr val="000000"/>
+                    </a:solidFill>
+                    <a:latin typeface="Courier New" panose="02070309020205020404" pitchFamily="49" charset="0"/>
+                  </a:rPr>
+                  <a:t>  </a:t>
+                </a:r>
+                <a:r>
+                  <a:rPr lang="fr-FR" sz="1300" dirty="0">
+                    <a:solidFill>
+                      <a:srgbClr val="AF00DB"/>
+                    </a:solidFill>
+                    <a:latin typeface="Courier New" panose="02070309020205020404" pitchFamily="49" charset="0"/>
+                  </a:rPr>
+                  <a:t>return</a:t>
+                </a:r>
+                <a:r>
+                  <a:rPr lang="fr-FR" sz="1300" dirty="0">
+                    <a:solidFill>
+                      <a:srgbClr val="000000"/>
+                    </a:solidFill>
+                    <a:latin typeface="Courier New" panose="02070309020205020404" pitchFamily="49" charset="0"/>
+                  </a:rPr>
+                  <a:t> </a:t>
+                </a:r>
+                <a:r>
+                  <a:rPr lang="fr-FR" sz="1300" dirty="0" err="1">
+                    <a:solidFill>
+                      <a:srgbClr val="000000"/>
+                    </a:solidFill>
+                    <a:latin typeface="Courier New" panose="02070309020205020404" pitchFamily="49" charset="0"/>
+                  </a:rPr>
+                  <a:t>y_predict</a:t>
+                </a:r>
+                <a:endParaRPr lang="fr-FR" sz="1300" dirty="0">
+                  <a:solidFill>
+                    <a:srgbClr val="000000"/>
+                  </a:solidFill>
+                  <a:latin typeface="Courier New" panose="02070309020205020404" pitchFamily="49" charset="0"/>
+                </a:endParaRPr>
+              </a:p>
+              <a:p>
+                <a:pPr marL="0" indent="0">
+                  <a:spcBef>
+                    <a:spcPts val="500"/>
+                  </a:spcBef>
+                  <a:buFont typeface="Arial" panose="020B0604020202020204" pitchFamily="34" charset="0"/>
+                  <a:buNone/>
+                </a:pPr>
+                <a:br>
+                  <a:rPr lang="fr-FR" sz="1300" dirty="0">
+                    <a:solidFill>
+                      <a:srgbClr val="000000"/>
+                    </a:solidFill>
+                    <a:latin typeface="Courier New" panose="02070309020205020404" pitchFamily="49" charset="0"/>
+                  </a:rPr>
+                </a:br>
+                <a:r>
+                  <a:rPr lang="fr-FR" sz="1300" dirty="0">
+                    <a:solidFill>
+                      <a:srgbClr val="008000"/>
+                    </a:solidFill>
+                    <a:latin typeface="Courier New" panose="02070309020205020404" pitchFamily="49" charset="0"/>
+                  </a:rPr>
+                  <a:t># fonction coût</a:t>
+                </a:r>
+                <a:endParaRPr lang="fr-FR" sz="1300" dirty="0">
+                  <a:solidFill>
+                    <a:srgbClr val="000000"/>
+                  </a:solidFill>
+                  <a:latin typeface="Courier New" panose="02070309020205020404" pitchFamily="49" charset="0"/>
+                </a:endParaRPr>
+              </a:p>
+              <a:p>
+                <a:pPr marL="0" indent="0">
+                  <a:spcBef>
+                    <a:spcPts val="500"/>
+                  </a:spcBef>
+                  <a:buFont typeface="Arial" panose="020B0604020202020204" pitchFamily="34" charset="0"/>
+                  <a:buNone/>
+                </a:pPr>
+                <a:r>
+                  <a:rPr lang="fr-FR" sz="1300" dirty="0" err="1">
+                    <a:solidFill>
+                      <a:srgbClr val="0000FF"/>
+                    </a:solidFill>
+                    <a:latin typeface="Courier New" panose="02070309020205020404" pitchFamily="49" charset="0"/>
+                  </a:rPr>
+                  <a:t>def</a:t>
+                </a:r>
+                <a:r>
+                  <a:rPr lang="fr-FR" sz="1300" dirty="0">
+                    <a:solidFill>
+                      <a:srgbClr val="000000"/>
+                    </a:solidFill>
+                    <a:latin typeface="Courier New" panose="02070309020205020404" pitchFamily="49" charset="0"/>
+                  </a:rPr>
+                  <a:t> </a:t>
+                </a:r>
+                <a:r>
+                  <a:rPr lang="fr-FR" sz="1300" dirty="0" err="1">
+                    <a:solidFill>
+                      <a:srgbClr val="795E26"/>
+                    </a:solidFill>
+                    <a:latin typeface="Courier New" panose="02070309020205020404" pitchFamily="49" charset="0"/>
+                  </a:rPr>
+                  <a:t>get_loss</a:t>
+                </a:r>
+                <a:r>
+                  <a:rPr lang="fr-FR" sz="1300" dirty="0">
+                    <a:solidFill>
+                      <a:srgbClr val="000000"/>
+                    </a:solidFill>
+                    <a:latin typeface="Courier New" panose="02070309020205020404" pitchFamily="49" charset="0"/>
+                  </a:rPr>
+                  <a:t>(</a:t>
+                </a:r>
+                <a:r>
+                  <a:rPr lang="fr-FR" sz="1300" dirty="0" err="1">
+                    <a:solidFill>
+                      <a:srgbClr val="001080"/>
+                    </a:solidFill>
+                    <a:latin typeface="Courier New" panose="02070309020205020404" pitchFamily="49" charset="0"/>
+                  </a:rPr>
+                  <a:t>y_predict</a:t>
+                </a:r>
+                <a:r>
+                  <a:rPr lang="fr-FR" sz="1300" dirty="0">
+                    <a:solidFill>
+                      <a:srgbClr val="000000"/>
+                    </a:solidFill>
+                    <a:latin typeface="Courier New" panose="02070309020205020404" pitchFamily="49" charset="0"/>
+                  </a:rPr>
+                  <a:t>):</a:t>
+                </a:r>
+              </a:p>
+              <a:p>
+                <a:pPr marL="0" indent="0">
+                  <a:spcBef>
+                    <a:spcPts val="500"/>
+                  </a:spcBef>
+                  <a:buFont typeface="Arial" panose="020B0604020202020204" pitchFamily="34" charset="0"/>
+                  <a:buNone/>
+                </a:pPr>
+                <a:r>
+                  <a:rPr lang="fr-FR" sz="1300" dirty="0">
+                    <a:solidFill>
+                      <a:srgbClr val="000000"/>
+                    </a:solidFill>
+                    <a:latin typeface="Courier New" panose="02070309020205020404" pitchFamily="49" charset="0"/>
+                  </a:rPr>
+                  <a:t>  </a:t>
+                </a:r>
+                <a:r>
+                  <a:rPr lang="fr-FR" sz="1300" dirty="0">
+                    <a:solidFill>
+                      <a:srgbClr val="AF00DB"/>
+                    </a:solidFill>
+                    <a:latin typeface="Courier New" panose="02070309020205020404" pitchFamily="49" charset="0"/>
+                  </a:rPr>
+                  <a:t>return</a:t>
+                </a:r>
+                <a:r>
+                  <a:rPr lang="fr-FR" sz="1300" dirty="0">
+                    <a:solidFill>
+                      <a:srgbClr val="000000"/>
+                    </a:solidFill>
+                    <a:latin typeface="Courier New" panose="02070309020205020404" pitchFamily="49" charset="0"/>
+                  </a:rPr>
+                  <a:t> ((</a:t>
+                </a:r>
+                <a:r>
+                  <a:rPr lang="fr-FR" sz="1300" dirty="0" err="1">
+                    <a:solidFill>
+                      <a:srgbClr val="000000"/>
+                    </a:solidFill>
+                    <a:latin typeface="Courier New" panose="02070309020205020404" pitchFamily="49" charset="0"/>
+                  </a:rPr>
+                  <a:t>y_predict</a:t>
+                </a:r>
+                <a:r>
+                  <a:rPr lang="fr-FR" sz="1300" dirty="0">
+                    <a:solidFill>
+                      <a:srgbClr val="000000"/>
+                    </a:solidFill>
+                    <a:latin typeface="Courier New" panose="02070309020205020404" pitchFamily="49" charset="0"/>
+                  </a:rPr>
+                  <a:t> - y)**</a:t>
+                </a:r>
+                <a:r>
+                  <a:rPr lang="fr-FR" sz="1300" dirty="0">
+                    <a:solidFill>
+                      <a:srgbClr val="116644"/>
+                    </a:solidFill>
+                    <a:latin typeface="Courier New" panose="02070309020205020404" pitchFamily="49" charset="0"/>
+                  </a:rPr>
+                  <a:t>2</a:t>
+                </a:r>
+                <a:r>
+                  <a:rPr lang="fr-FR" sz="1300" dirty="0">
+                    <a:solidFill>
+                      <a:srgbClr val="000000"/>
+                    </a:solidFill>
+                    <a:latin typeface="Courier New" panose="02070309020205020404" pitchFamily="49" charset="0"/>
+                  </a:rPr>
+                  <a:t>).</a:t>
+                </a:r>
+                <a:r>
+                  <a:rPr lang="fr-FR" sz="1300" dirty="0" err="1">
+                    <a:solidFill>
+                      <a:srgbClr val="000000"/>
+                    </a:solidFill>
+                    <a:latin typeface="Courier New" panose="02070309020205020404" pitchFamily="49" charset="0"/>
+                  </a:rPr>
+                  <a:t>mean</a:t>
+                </a:r>
+                <a:r>
+                  <a:rPr lang="fr-FR" sz="1300" dirty="0">
+                    <a:solidFill>
+                      <a:srgbClr val="000000"/>
+                    </a:solidFill>
+                    <a:latin typeface="Courier New" panose="02070309020205020404" pitchFamily="49" charset="0"/>
+                  </a:rPr>
+                  <a:t>()</a:t>
+                </a:r>
+                <a:endParaRPr lang="fr-FR" sz="1800" dirty="0">
+                  <a:solidFill>
+                    <a:schemeClr val="bg2">
+                      <a:lumMod val="50000"/>
+                    </a:schemeClr>
+                  </a:solidFill>
+                </a:endParaRPr>
+              </a:p>
+              <a:p>
+                <a:pPr marL="0" indent="0">
+                  <a:buFont typeface="Arial" panose="020B0604020202020204" pitchFamily="34" charset="0"/>
+                  <a:buNone/>
+                </a:pPr>
+                <a:endParaRPr lang="fr-FR" sz="1800" dirty="0">
+                  <a:solidFill>
+                    <a:schemeClr val="bg2">
+                      <a:lumMod val="50000"/>
+                    </a:schemeClr>
+                  </a:solidFill>
+                </a:endParaRPr>
+              </a:p>
+              <a:p>
+                <a:pPr marL="0" indent="0">
+                  <a:buFont typeface="Arial" panose="020B0604020202020204" pitchFamily="34" charset="0"/>
+                  <a:buNone/>
+                </a:pPr>
+                <a:r>
+                  <a:rPr lang="fr-FR" sz="1800" dirty="0">
+                    <a:solidFill>
+                      <a:schemeClr val="bg2">
+                        <a:lumMod val="50000"/>
+                      </a:schemeClr>
+                    </a:solidFill>
+                  </a:rPr>
+                  <a:t>Tester pour:</a:t>
+                </a:r>
+              </a:p>
+              <a:p>
+                <a:r>
+                  <a:rPr lang="fr-FR" sz="1800" dirty="0">
+                    <a:solidFill>
+                      <a:schemeClr val="bg2">
+                        <a:lumMod val="50000"/>
+                      </a:schemeClr>
+                    </a:solidFill>
+                  </a:rPr>
+                  <a:t> </a:t>
+                </a:r>
+                <a14:m>
+                  <m:oMath xmlns:m="http://schemas.openxmlformats.org/officeDocument/2006/math">
+                    <m:r>
+                      <a:rPr lang="fr-FR" sz="1800">
+                        <a:solidFill>
+                          <a:schemeClr val="bg2">
+                            <a:lumMod val="50000"/>
+                          </a:schemeClr>
+                        </a:solidFill>
+                        <a:latin typeface="Cambria Math" panose="02040503050406030204" pitchFamily="18" charset="0"/>
+                      </a:rPr>
+                      <m:t>𝑀</m:t>
+                    </m:r>
+                    <m:r>
+                      <a:rPr lang="fr-FR" sz="1800">
+                        <a:solidFill>
+                          <a:schemeClr val="bg2">
+                            <a:lumMod val="50000"/>
+                          </a:schemeClr>
+                        </a:solidFill>
+                        <a:latin typeface="Cambria Math" panose="02040503050406030204" pitchFamily="18" charset="0"/>
+                      </a:rPr>
+                      <m:t>=1, 2, 3, 8.</m:t>
+                    </m:r>
+                  </m:oMath>
+                </a14:m>
+                <a:endParaRPr lang="fr-FR" sz="1800" dirty="0">
+                  <a:solidFill>
+                    <a:schemeClr val="bg2">
+                      <a:lumMod val="50000"/>
+                    </a:schemeClr>
+                  </a:solidFill>
+                </a:endParaRPr>
+              </a:p>
+              <a:p>
+                <a:r>
+                  <a:rPr lang="fr-FR" sz="1800" dirty="0">
+                    <a:solidFill>
+                      <a:schemeClr val="bg2">
+                        <a:lumMod val="50000"/>
+                      </a:schemeClr>
+                    </a:solidFill>
+                  </a:rPr>
+                  <a:t>Différents </a:t>
+                </a:r>
+                <a:r>
+                  <a:rPr lang="fr-FR" sz="1800" i="1" dirty="0" err="1">
+                    <a:solidFill>
+                      <a:schemeClr val="bg2">
+                        <a:lumMod val="50000"/>
+                      </a:schemeClr>
+                    </a:solidFill>
+                  </a:rPr>
+                  <a:t>learning</a:t>
+                </a:r>
+                <a:r>
+                  <a:rPr lang="fr-FR" sz="1800" i="1" dirty="0">
+                    <a:solidFill>
+                      <a:schemeClr val="bg2">
+                        <a:lumMod val="50000"/>
+                      </a:schemeClr>
+                    </a:solidFill>
+                  </a:rPr>
+                  <a:t> rate </a:t>
+                </a:r>
+                <a:r>
+                  <a:rPr lang="fr-FR" sz="1800" dirty="0">
+                    <a:solidFill>
+                      <a:schemeClr val="bg2">
+                        <a:lumMod val="50000"/>
+                      </a:schemeClr>
+                    </a:solidFill>
+                  </a:rPr>
+                  <a:t>(=0.01, 0.5, 2)</a:t>
+                </a:r>
+              </a:p>
+              <a:p>
+                <a:endParaRPr lang="fr-FR" sz="1800" dirty="0">
+                  <a:solidFill>
+                    <a:schemeClr val="bg2">
+                      <a:lumMod val="50000"/>
+                    </a:schemeClr>
+                  </a:solidFill>
+                </a:endParaRPr>
+              </a:p>
+              <a:p>
+                <a:endParaRPr lang="fr-FR" sz="1800" dirty="0">
+                  <a:solidFill>
+                    <a:schemeClr val="bg2">
+                      <a:lumMod val="50000"/>
+                    </a:schemeClr>
+                  </a:solidFill>
+                </a:endParaRPr>
+              </a:p>
+              <a:p>
+                <a:endParaRPr lang="fr-FR" sz="1800" dirty="0">
+                  <a:solidFill>
+                    <a:schemeClr val="bg2">
+                      <a:lumMod val="50000"/>
+                    </a:schemeClr>
+                  </a:solidFill>
+                </a:endParaRPr>
+              </a:p>
+              <a:p>
+                <a:endParaRPr lang="fr-FR" sz="1800" dirty="0">
+                  <a:solidFill>
+                    <a:schemeClr val="bg2">
+                      <a:lumMod val="50000"/>
+                    </a:schemeClr>
+                  </a:solidFill>
+                </a:endParaRPr>
+              </a:p>
+              <a:p>
+                <a:endParaRPr lang="fr-FR" sz="1800" dirty="0">
+                  <a:solidFill>
+                    <a:schemeClr val="bg2">
+                      <a:lumMod val="50000"/>
+                    </a:schemeClr>
+                  </a:solidFill>
+                </a:endParaRPr>
+              </a:p>
+              <a:p>
+                <a:endParaRPr lang="fr-FR" sz="1800" dirty="0">
+                  <a:solidFill>
+                    <a:schemeClr val="bg2">
+                      <a:lumMod val="50000"/>
+                    </a:schemeClr>
+                  </a:solidFill>
+                </a:endParaRPr>
+              </a:p>
+              <a:p>
+                <a:endParaRPr lang="fr-FR" sz="1800" dirty="0">
+                  <a:solidFill>
+                    <a:schemeClr val="bg2">
+                      <a:lumMod val="50000"/>
+                    </a:schemeClr>
+                  </a:solidFill>
+                </a:endParaRPr>
+              </a:p>
+              <a:p>
+                <a:pPr marL="0" indent="0">
+                  <a:buNone/>
+                </a:pPr>
+                <a:r>
+                  <a:rPr lang="fr-FR" sz="1800" dirty="0">
+                    <a:solidFill>
+                      <a:schemeClr val="bg2">
+                        <a:lumMod val="50000"/>
+                      </a:schemeClr>
+                    </a:solidFill>
+                  </a:rPr>
+                  <a:t>Pour aller plus loin : générer un 2</a:t>
+                </a:r>
+                <a:r>
+                  <a:rPr lang="fr-FR" sz="1800" baseline="30000" dirty="0">
+                    <a:solidFill>
+                      <a:schemeClr val="bg2">
+                        <a:lumMod val="50000"/>
+                      </a:schemeClr>
+                    </a:solidFill>
+                  </a:rPr>
+                  <a:t>ème</a:t>
+                </a:r>
+                <a:r>
+                  <a:rPr lang="fr-FR" sz="1800" dirty="0">
+                    <a:solidFill>
+                      <a:schemeClr val="bg2">
+                        <a:lumMod val="50000"/>
+                      </a:schemeClr>
+                    </a:solidFill>
+                  </a:rPr>
+                  <a:t> ensemble de données (</a:t>
+                </a:r>
+                <a:r>
+                  <a:rPr lang="fr-FR" sz="1800" i="1" dirty="0">
+                    <a:solidFill>
+                      <a:schemeClr val="bg2">
+                        <a:lumMod val="50000"/>
+                      </a:schemeClr>
+                    </a:solidFill>
+                  </a:rPr>
+                  <a:t>test set</a:t>
+                </a:r>
+                <a:r>
+                  <a:rPr lang="fr-FR" sz="1800" dirty="0">
+                    <a:solidFill>
+                      <a:schemeClr val="bg2">
+                        <a:lumMod val="50000"/>
+                      </a:schemeClr>
+                    </a:solidFill>
+                  </a:rPr>
+                  <a:t>) et tracer le coût en fonction de M.</a:t>
+                </a:r>
+              </a:p>
+              <a:p>
+                <a:pPr marL="0" indent="0">
+                  <a:buNone/>
+                </a:pPr>
+                <a:endParaRPr lang="fr-FR" dirty="0"/>
+              </a:p>
+            </p:txBody>
+          </p:sp>
+        </mc:Choice>
+        <mc:Fallback>
+          <p:sp>
+            <p:nvSpPr>
+              <p:cNvPr id="6" name="Espace réservé du contenu 2">
+                <a:extLst>
+                  <a:ext uri="{FF2B5EF4-FFF2-40B4-BE49-F238E27FC236}">
+                    <a16:creationId xmlns:a16="http://schemas.microsoft.com/office/drawing/2014/main" id="{57B1E3F3-07A2-40F1-A5D1-5DE051127376}"/>
+                  </a:ext>
+                </a:extLst>
+              </p:cNvPr>
+              <p:cNvSpPr txBox="1">
+                <a:spLocks noRot="1" noChangeAspect="1" noMove="1" noResize="1" noEditPoints="1" noAdjustHandles="1" noChangeArrowheads="1" noChangeShapeType="1" noTextEdit="1"/>
+              </p:cNvSpPr>
+              <p:nvPr/>
+            </p:nvSpPr>
+            <p:spPr>
+              <a:xfrm>
+                <a:off x="838200" y="1825625"/>
+                <a:ext cx="10515600" cy="4805330"/>
+              </a:xfrm>
+              <a:prstGeom prst="rect">
+                <a:avLst/>
+              </a:prstGeom>
+              <a:blipFill>
+                <a:blip r:embed="rId2"/>
+                <a:stretch>
+                  <a:fillRect l="-116" t="-1141"/>
+                </a:stretch>
+              </a:blipFill>
+            </p:spPr>
+            <p:txBody>
+              <a:bodyPr/>
+              <a:lstStyle/>
+              <a:p>
+                <a:r>
+                  <a:rPr lang="fr-FR">
+                    <a:noFill/>
+                  </a:rPr>
+                  <a:t> </a:t>
+                </a:r>
+              </a:p>
+            </p:txBody>
+          </p:sp>
+        </mc:Fallback>
+      </mc:AlternateContent>
+      <mc:AlternateContent xmlns:mc="http://schemas.openxmlformats.org/markup-compatibility/2006">
+        <mc:Choice xmlns:a14="http://schemas.microsoft.com/office/drawing/2010/main" Requires="a14">
+          <p:sp>
+            <p:nvSpPr>
+              <p:cNvPr id="3" name="Espace réservé du contenu 2">
+                <a:extLst>
+                  <a:ext uri="{FF2B5EF4-FFF2-40B4-BE49-F238E27FC236}">
+                    <a16:creationId xmlns:a16="http://schemas.microsoft.com/office/drawing/2014/main" id="{B59E77B8-2D75-472C-B76C-ABDDE0CAFCD5}"/>
+                  </a:ext>
+                </a:extLst>
+              </p:cNvPr>
+              <p:cNvSpPr>
+                <a:spLocks noGrp="1"/>
+              </p:cNvSpPr>
+              <p:nvPr>
+                <p:ph idx="1"/>
+              </p:nvPr>
+            </p:nvSpPr>
+            <p:spPr>
+              <a:xfrm>
+                <a:off x="537750" y="431073"/>
+                <a:ext cx="10839994" cy="1229776"/>
+              </a:xfrm>
+            </p:spPr>
+            <p:txBody>
+              <a:bodyPr numCol="1">
+                <a:normAutofit/>
+              </a:bodyPr>
+              <a:lstStyle/>
+              <a:p>
+                <a:pPr marL="0" indent="0">
+                  <a:buNone/>
+                </a:pPr>
+                <a:r>
+                  <a:rPr lang="fr-FR" sz="2200" u="sng" dirty="0"/>
+                  <a:t>Exercice 1.suite</a:t>
+                </a:r>
+                <a:r>
+                  <a:rPr lang="fr-FR" sz="2200" dirty="0"/>
+                  <a:t> (</a:t>
+                </a:r>
+                <a:r>
+                  <a:rPr lang="fr-FR" sz="2200" dirty="0" err="1"/>
+                  <a:t>PyTorch</a:t>
+                </a:r>
+                <a:r>
+                  <a:rPr lang="fr-FR" sz="2200" dirty="0"/>
+                  <a:t>):</a:t>
+                </a:r>
+                <a:r>
+                  <a:rPr lang="fr-FR" sz="1800" dirty="0"/>
+                  <a:t>	</a:t>
+                </a:r>
+              </a:p>
+              <a:p>
+                <a:pPr marL="0" indent="0">
+                  <a:buNone/>
+                </a:pPr>
+                <a:r>
+                  <a:rPr lang="fr-FR" sz="2000" dirty="0"/>
+                  <a:t>Par descente de gradient, chercher le polynôme d’ordre 9 qui minimise la fonction coût </a:t>
+                </a:r>
+                <a14:m>
+                  <m:oMath xmlns:m="http://schemas.openxmlformats.org/officeDocument/2006/math">
+                    <m:r>
+                      <a:rPr lang="fr-FR" sz="2000" b="0" i="1" smtClean="0">
+                        <a:latin typeface="Cambria Math" panose="02040503050406030204" pitchFamily="18" charset="0"/>
+                      </a:rPr>
+                      <m:t>𝐿</m:t>
+                    </m:r>
+                  </m:oMath>
+                </a14:m>
+                <a:r>
+                  <a:rPr lang="fr-FR" sz="2000" dirty="0"/>
+                  <a:t> (moindres carrés). Compléter le programme:</a:t>
+                </a:r>
+              </a:p>
+              <a:p>
+                <a:pPr marL="0" indent="0">
+                  <a:buNone/>
+                </a:pPr>
+                <a:endParaRPr lang="fr-FR" sz="1800" i="1" dirty="0">
+                  <a:solidFill>
+                    <a:schemeClr val="bg2">
+                      <a:lumMod val="50000"/>
+                    </a:schemeClr>
+                  </a:solidFill>
+                </a:endParaRPr>
+              </a:p>
+              <a:p>
+                <a:endParaRPr lang="fr-FR" sz="1800" dirty="0">
+                  <a:solidFill>
+                    <a:schemeClr val="bg2">
+                      <a:lumMod val="50000"/>
+                    </a:schemeClr>
+                  </a:solidFill>
+                </a:endParaRPr>
+              </a:p>
+              <a:p>
+                <a:pPr marL="0" indent="0">
+                  <a:buNone/>
+                </a:pPr>
+                <a:endParaRPr lang="fr-FR" sz="2000" dirty="0">
+                  <a:solidFill>
+                    <a:schemeClr val="bg2">
+                      <a:lumMod val="50000"/>
+                    </a:schemeClr>
+                  </a:solidFill>
+                </a:endParaRPr>
+              </a:p>
+              <a:p>
+                <a:pPr marL="0" indent="0">
+                  <a:buNone/>
+                </a:pPr>
+                <a:endParaRPr lang="fr-FR" sz="2000" dirty="0">
+                  <a:solidFill>
+                    <a:schemeClr val="bg2">
+                      <a:lumMod val="50000"/>
+                    </a:schemeClr>
+                  </a:solidFill>
+                </a:endParaRPr>
+              </a:p>
+              <a:p>
+                <a:pPr marL="0" indent="0">
+                  <a:buNone/>
+                </a:pPr>
+                <a:endParaRPr lang="fr-FR" sz="2000" dirty="0">
+                  <a:solidFill>
+                    <a:schemeClr val="bg2">
+                      <a:lumMod val="50000"/>
+                    </a:schemeClr>
+                  </a:solidFill>
+                </a:endParaRPr>
+              </a:p>
+              <a:p>
+                <a:pPr marL="0" indent="0">
+                  <a:buNone/>
+                </a:pPr>
+                <a:endParaRPr lang="fr-FR" sz="2000" dirty="0">
+                  <a:solidFill>
+                    <a:schemeClr val="bg2">
+                      <a:lumMod val="50000"/>
+                    </a:schemeClr>
+                  </a:solidFill>
+                </a:endParaRPr>
+              </a:p>
+            </p:txBody>
+          </p:sp>
+        </mc:Choice>
+        <mc:Fallback>
+          <p:sp>
+            <p:nvSpPr>
+              <p:cNvPr id="3" name="Espace réservé du contenu 2">
+                <a:extLst>
+                  <a:ext uri="{FF2B5EF4-FFF2-40B4-BE49-F238E27FC236}">
+                    <a16:creationId xmlns:a16="http://schemas.microsoft.com/office/drawing/2014/main" id="{B59E77B8-2D75-472C-B76C-ABDDE0CAFCD5}"/>
+                  </a:ext>
+                </a:extLst>
+              </p:cNvPr>
+              <p:cNvSpPr>
+                <a:spLocks noGrp="1" noRot="1" noChangeAspect="1" noMove="1" noResize="1" noEditPoints="1" noAdjustHandles="1" noChangeArrowheads="1" noChangeShapeType="1" noTextEdit="1"/>
+              </p:cNvSpPr>
+              <p:nvPr>
+                <p:ph idx="1"/>
+              </p:nvPr>
+            </p:nvSpPr>
+            <p:spPr>
+              <a:xfrm>
+                <a:off x="537750" y="431073"/>
+                <a:ext cx="10839994" cy="1229776"/>
+              </a:xfrm>
+              <a:blipFill>
+                <a:blip r:embed="rId3"/>
+                <a:stretch>
+                  <a:fillRect l="-731" t="-6468"/>
+                </a:stretch>
+              </a:blipFill>
+            </p:spPr>
+            <p:txBody>
+              <a:bodyPr/>
+              <a:lstStyle/>
+              <a:p>
+                <a:r>
+                  <a:rPr lang="fr-FR">
+                    <a:noFill/>
+                  </a:rPr>
+                  <a:t> </a:t>
+                </a:r>
+              </a:p>
+            </p:txBody>
+          </p:sp>
+        </mc:Fallback>
+      </mc:AlternateContent>
+      <p:pic>
+        <p:nvPicPr>
+          <p:cNvPr id="5" name="Image 4">
             <a:extLst>
               <a:ext uri="{FF2B5EF4-FFF2-40B4-BE49-F238E27FC236}">
-                <a16:creationId xmlns:a16="http://schemas.microsoft.com/office/drawing/2014/main" id="{3B4B723F-DB2C-4C81-97B7-0A9D66F17A4B}"/>
+                <a16:creationId xmlns:a16="http://schemas.microsoft.com/office/drawing/2014/main" id="{7B5592C1-CF8B-4A1D-9731-C44CA3112A17}"/>
               </a:ext>
             </a:extLst>
           </p:cNvPr>
-          <p:cNvSpPr>
-            <a:spLocks noGrp="1"/>
-          </p:cNvSpPr>
-          <p:nvPr>
-            <p:ph type="title"/>
-          </p:nvPr>
-        </p:nvSpPr>
-        <p:spPr/>
-        <p:txBody>
-          <a:bodyPr/>
-          <a:lstStyle/>
-          <a:p>
-            <a:endParaRPr lang="fr-FR"/>
-          </a:p>
-        </p:txBody>
-      </p:sp>
-      <p:sp>
-        <p:nvSpPr>
-          <p:cNvPr id="3" name="Espace réservé du contenu 2">
+          <p:cNvPicPr>
+            <a:picLocks noChangeAspect="1"/>
+          </p:cNvPicPr>
+          <p:nvPr/>
+        </p:nvPicPr>
+        <p:blipFill>
+          <a:blip r:embed="rId4">
             <a:extLst>
-              <a:ext uri="{FF2B5EF4-FFF2-40B4-BE49-F238E27FC236}">
-                <a16:creationId xmlns:a16="http://schemas.microsoft.com/office/drawing/2014/main" id="{84FF3296-49E6-4992-B2D7-1C4F8F761A40}"/>
+              <a:ext uri="{28A0092B-C50C-407E-A947-70E740481C1C}">
+                <a14:useLocalDpi xmlns:a14="http://schemas.microsoft.com/office/drawing/2010/main" val="0"/>
               </a:ext>
             </a:extLst>
-          </p:cNvPr>
-          <p:cNvSpPr>
-            <a:spLocks noGrp="1"/>
-          </p:cNvSpPr>
-          <p:nvPr>
-            <p:ph idx="1"/>
-          </p:nvPr>
-        </p:nvSpPr>
+          </a:blip>
+          <a:stretch>
+            <a:fillRect/>
+          </a:stretch>
+        </p:blipFill>
         <p:spPr>
           <a:xfrm>
-            <a:off x="838200" y="1825625"/>
-            <a:ext cx="4359442" cy="4351338"/>
+            <a:off x="6302109" y="2869015"/>
+            <a:ext cx="3437043" cy="2674622"/>
           </a:xfrm>
+          <a:prstGeom prst="rect">
+            <a:avLst/>
+          </a:prstGeom>
         </p:spPr>
-        <p:txBody>
-          <a:bodyPr>
-            <a:normAutofit/>
-          </a:bodyPr>
-          <a:lstStyle/>
-          <a:p>
-            <a:pPr marL="0" indent="0">
-              <a:spcBef>
-                <a:spcPts val="500"/>
-              </a:spcBef>
-              <a:buNone/>
-            </a:pPr>
-            <a:r>
-              <a:rPr lang="fr-FR" sz="1200" b="1" dirty="0">
-                <a:solidFill>
-                  <a:srgbClr val="0000FF"/>
-                </a:solidFill>
-                <a:highlight>
-                  <a:srgbClr val="FFFFFF"/>
-                </a:highlight>
-              </a:rPr>
-              <a:t>import</a:t>
-            </a:r>
-            <a:r>
-              <a:rPr lang="fr-FR" sz="1200" b="0" dirty="0">
-                <a:solidFill>
-                  <a:srgbClr val="000000"/>
-                </a:solidFill>
-                <a:highlight>
-                  <a:srgbClr val="FFFFFF"/>
-                </a:highlight>
-              </a:rPr>
-              <a:t> </a:t>
-            </a:r>
-            <a:r>
-              <a:rPr lang="fr-FR" sz="1200" b="0" dirty="0" err="1">
-                <a:solidFill>
-                  <a:srgbClr val="000000"/>
-                </a:solidFill>
-                <a:highlight>
-                  <a:srgbClr val="FFFFFF"/>
-                </a:highlight>
-              </a:rPr>
-              <a:t>numpy</a:t>
-            </a:r>
-            <a:r>
-              <a:rPr lang="fr-FR" sz="1200" b="0" dirty="0">
-                <a:solidFill>
-                  <a:srgbClr val="000000"/>
-                </a:solidFill>
-                <a:highlight>
-                  <a:srgbClr val="FFFFFF"/>
-                </a:highlight>
-              </a:rPr>
-              <a:t> </a:t>
-            </a:r>
-            <a:r>
-              <a:rPr lang="fr-FR" sz="1200" b="1" dirty="0">
-                <a:solidFill>
-                  <a:srgbClr val="0000FF"/>
-                </a:solidFill>
-                <a:highlight>
-                  <a:srgbClr val="FFFFFF"/>
-                </a:highlight>
-              </a:rPr>
-              <a:t>as</a:t>
-            </a:r>
-            <a:r>
-              <a:rPr lang="fr-FR" sz="1200" b="0" dirty="0">
-                <a:solidFill>
-                  <a:srgbClr val="000000"/>
-                </a:solidFill>
-                <a:highlight>
-                  <a:srgbClr val="FFFFFF"/>
-                </a:highlight>
-              </a:rPr>
-              <a:t> </a:t>
-            </a:r>
-            <a:r>
-              <a:rPr lang="fr-FR" sz="1200" b="0" dirty="0" err="1">
-                <a:solidFill>
-                  <a:srgbClr val="000000"/>
-                </a:solidFill>
-                <a:highlight>
-                  <a:srgbClr val="FFFFFF"/>
-                </a:highlight>
-              </a:rPr>
-              <a:t>np</a:t>
-            </a:r>
-            <a:endParaRPr lang="fr-FR" sz="1200" b="0" dirty="0">
-              <a:solidFill>
-                <a:srgbClr val="000000"/>
-              </a:solidFill>
-              <a:highlight>
-                <a:srgbClr val="FFFFFF"/>
-              </a:highlight>
-            </a:endParaRPr>
-          </a:p>
-          <a:p>
-            <a:pPr marL="0" indent="0">
-              <a:spcBef>
-                <a:spcPts val="500"/>
-              </a:spcBef>
-              <a:buNone/>
-            </a:pPr>
-            <a:r>
-              <a:rPr lang="en-US" sz="1200" b="1" dirty="0">
-                <a:solidFill>
-                  <a:srgbClr val="0000FF"/>
-                </a:solidFill>
-                <a:highlight>
-                  <a:srgbClr val="FFFFFF"/>
-                </a:highlight>
-              </a:rPr>
-              <a:t>from</a:t>
-            </a:r>
-            <a:r>
-              <a:rPr lang="en-US" sz="1200" b="0" dirty="0">
-                <a:solidFill>
-                  <a:srgbClr val="000000"/>
-                </a:solidFill>
-                <a:highlight>
-                  <a:srgbClr val="FFFFFF"/>
-                </a:highlight>
-              </a:rPr>
-              <a:t> matplotlib </a:t>
-            </a:r>
-            <a:r>
-              <a:rPr lang="en-US" sz="1200" b="1" dirty="0">
-                <a:solidFill>
-                  <a:srgbClr val="0000FF"/>
-                </a:solidFill>
-                <a:highlight>
-                  <a:srgbClr val="FFFFFF"/>
-                </a:highlight>
-              </a:rPr>
-              <a:t>import</a:t>
-            </a:r>
-            <a:r>
-              <a:rPr lang="en-US" sz="1200" b="0" dirty="0">
-                <a:solidFill>
-                  <a:srgbClr val="000000"/>
-                </a:solidFill>
-                <a:highlight>
-                  <a:srgbClr val="FFFFFF"/>
-                </a:highlight>
-              </a:rPr>
-              <a:t> </a:t>
-            </a:r>
-            <a:r>
-              <a:rPr lang="en-US" sz="1200" b="0" dirty="0" err="1">
-                <a:solidFill>
-                  <a:srgbClr val="000000"/>
-                </a:solidFill>
-                <a:highlight>
-                  <a:srgbClr val="FFFFFF"/>
-                </a:highlight>
-              </a:rPr>
-              <a:t>pyplot</a:t>
-            </a:r>
-            <a:r>
-              <a:rPr lang="en-US" sz="1200" b="0" dirty="0">
-                <a:solidFill>
-                  <a:srgbClr val="000000"/>
-                </a:solidFill>
-                <a:highlight>
-                  <a:srgbClr val="FFFFFF"/>
-                </a:highlight>
-              </a:rPr>
-              <a:t> </a:t>
-            </a:r>
-            <a:r>
-              <a:rPr lang="en-US" sz="1200" b="1" dirty="0">
-                <a:solidFill>
-                  <a:srgbClr val="0000FF"/>
-                </a:solidFill>
-                <a:highlight>
-                  <a:srgbClr val="FFFFFF"/>
-                </a:highlight>
-              </a:rPr>
-              <a:t>as</a:t>
-            </a:r>
-            <a:r>
-              <a:rPr lang="en-US" sz="1200" b="0" dirty="0">
-                <a:solidFill>
-                  <a:srgbClr val="000000"/>
-                </a:solidFill>
-                <a:highlight>
-                  <a:srgbClr val="FFFFFF"/>
-                </a:highlight>
-              </a:rPr>
-              <a:t> </a:t>
-            </a:r>
-            <a:r>
-              <a:rPr lang="en-US" sz="1200" b="0" dirty="0" err="1">
-                <a:solidFill>
-                  <a:srgbClr val="000000"/>
-                </a:solidFill>
-                <a:highlight>
-                  <a:srgbClr val="FFFFFF"/>
-                </a:highlight>
-              </a:rPr>
-              <a:t>plt</a:t>
-            </a:r>
-            <a:endParaRPr lang="en-US" sz="1200" b="0" dirty="0">
-              <a:solidFill>
-                <a:srgbClr val="000000"/>
-              </a:solidFill>
-              <a:highlight>
-                <a:srgbClr val="FFFFFF"/>
-              </a:highlight>
-            </a:endParaRPr>
-          </a:p>
-          <a:p>
-            <a:pPr marL="0" indent="0">
-              <a:spcBef>
-                <a:spcPts val="500"/>
-              </a:spcBef>
-              <a:buNone/>
-            </a:pPr>
-            <a:r>
-              <a:rPr lang="fr-FR" sz="1200" b="1" dirty="0">
-                <a:solidFill>
-                  <a:srgbClr val="0000FF"/>
-                </a:solidFill>
-                <a:highlight>
-                  <a:srgbClr val="FFFFFF"/>
-                </a:highlight>
-              </a:rPr>
-              <a:t>import</a:t>
-            </a:r>
-            <a:r>
-              <a:rPr lang="fr-FR" sz="1200" b="0" dirty="0">
-                <a:solidFill>
-                  <a:srgbClr val="000000"/>
-                </a:solidFill>
-                <a:highlight>
-                  <a:srgbClr val="FFFFFF"/>
-                </a:highlight>
-              </a:rPr>
-              <a:t> </a:t>
-            </a:r>
-            <a:r>
-              <a:rPr lang="fr-FR" sz="1200" b="0" dirty="0" err="1">
-                <a:solidFill>
-                  <a:srgbClr val="000000"/>
-                </a:solidFill>
-                <a:highlight>
-                  <a:srgbClr val="FFFFFF"/>
-                </a:highlight>
-              </a:rPr>
-              <a:t>paraview</a:t>
-            </a:r>
-            <a:r>
-              <a:rPr lang="fr-FR" sz="1200" b="1" dirty="0" err="1">
-                <a:solidFill>
-                  <a:srgbClr val="000080"/>
-                </a:solidFill>
-                <a:highlight>
-                  <a:srgbClr val="FFFFFF"/>
-                </a:highlight>
-              </a:rPr>
-              <a:t>.</a:t>
-            </a:r>
-            <a:r>
-              <a:rPr lang="fr-FR" sz="1200" b="0" i="0" dirty="0" err="1">
-                <a:solidFill>
-                  <a:srgbClr val="FF8000"/>
-                </a:solidFill>
-                <a:highlight>
-                  <a:srgbClr val="FFFFFF"/>
-                </a:highlight>
-              </a:rPr>
-              <a:t>simple</a:t>
-            </a:r>
-            <a:r>
-              <a:rPr lang="fr-FR" sz="1200" b="0" i="0" dirty="0">
-                <a:solidFill>
-                  <a:srgbClr val="000000"/>
-                </a:solidFill>
-                <a:highlight>
-                  <a:srgbClr val="FFFFFF"/>
-                </a:highlight>
-              </a:rPr>
-              <a:t> </a:t>
-            </a:r>
-            <a:r>
-              <a:rPr lang="fr-FR" sz="1200" b="1" i="0" dirty="0">
-                <a:solidFill>
-                  <a:srgbClr val="0000FF"/>
-                </a:solidFill>
-                <a:highlight>
-                  <a:srgbClr val="FFFFFF"/>
-                </a:highlight>
-              </a:rPr>
-              <a:t>as</a:t>
-            </a:r>
-            <a:r>
-              <a:rPr lang="fr-FR" sz="1200" b="0" i="0" dirty="0">
-                <a:solidFill>
-                  <a:srgbClr val="000000"/>
-                </a:solidFill>
-                <a:highlight>
-                  <a:srgbClr val="FFFFFF"/>
-                </a:highlight>
-              </a:rPr>
-              <a:t> simple</a:t>
-            </a:r>
-          </a:p>
-          <a:p>
-            <a:pPr marL="0" indent="0">
-              <a:spcBef>
-                <a:spcPts val="500"/>
-              </a:spcBef>
-              <a:buNone/>
-            </a:pPr>
-            <a:r>
-              <a:rPr lang="fr-FR" sz="1200" b="1" i="0" dirty="0">
-                <a:solidFill>
-                  <a:srgbClr val="0000FF"/>
-                </a:solidFill>
-                <a:highlight>
-                  <a:srgbClr val="FFFFFF"/>
-                </a:highlight>
-              </a:rPr>
-              <a:t>import</a:t>
-            </a:r>
-            <a:r>
-              <a:rPr lang="fr-FR" sz="1200" b="0" i="0" dirty="0">
-                <a:solidFill>
-                  <a:srgbClr val="000000"/>
-                </a:solidFill>
-                <a:highlight>
-                  <a:srgbClr val="FFFFFF"/>
-                </a:highlight>
-              </a:rPr>
-              <a:t> </a:t>
-            </a:r>
-            <a:r>
-              <a:rPr lang="fr-FR" sz="1200" b="0" i="0" dirty="0" err="1">
-                <a:solidFill>
-                  <a:srgbClr val="000000"/>
-                </a:solidFill>
-                <a:highlight>
-                  <a:srgbClr val="FFFFFF"/>
-                </a:highlight>
-              </a:rPr>
-              <a:t>vtk</a:t>
-            </a:r>
-            <a:endParaRPr lang="fr-FR" sz="1200" b="0" i="0" dirty="0">
-              <a:solidFill>
-                <a:srgbClr val="000000"/>
-              </a:solidFill>
-              <a:highlight>
-                <a:srgbClr val="FFFFFF"/>
-              </a:highlight>
-            </a:endParaRPr>
-          </a:p>
-          <a:p>
-            <a:pPr marL="0" indent="0">
-              <a:spcBef>
-                <a:spcPts val="500"/>
-              </a:spcBef>
-              <a:buNone/>
-            </a:pPr>
-            <a:r>
-              <a:rPr lang="en-US" sz="1200" b="1" i="0" dirty="0">
-                <a:solidFill>
-                  <a:srgbClr val="0000FF"/>
-                </a:solidFill>
-                <a:highlight>
-                  <a:srgbClr val="FFFFFF"/>
-                </a:highlight>
-              </a:rPr>
-              <a:t>from</a:t>
-            </a:r>
-            <a:r>
-              <a:rPr lang="en-US" sz="1200" b="0" i="0" dirty="0">
-                <a:solidFill>
-                  <a:srgbClr val="000000"/>
-                </a:solidFill>
-                <a:highlight>
-                  <a:srgbClr val="FFFFFF"/>
-                </a:highlight>
-              </a:rPr>
-              <a:t> </a:t>
-            </a:r>
-            <a:r>
-              <a:rPr lang="en-US" sz="1200" b="0" i="0" dirty="0" err="1">
-                <a:solidFill>
-                  <a:srgbClr val="000000"/>
-                </a:solidFill>
-                <a:highlight>
-                  <a:srgbClr val="FFFFFF"/>
-                </a:highlight>
-              </a:rPr>
-              <a:t>vtk</a:t>
-            </a:r>
-            <a:r>
-              <a:rPr lang="en-US" sz="1200" b="1" i="0" dirty="0" err="1">
-                <a:solidFill>
-                  <a:srgbClr val="000080"/>
-                </a:solidFill>
-                <a:highlight>
-                  <a:srgbClr val="FFFFFF"/>
-                </a:highlight>
-              </a:rPr>
-              <a:t>.</a:t>
-            </a:r>
-            <a:r>
-              <a:rPr lang="en-US" sz="1200" b="0" i="0" dirty="0" err="1">
-                <a:solidFill>
-                  <a:srgbClr val="FF8000"/>
-                </a:solidFill>
-                <a:highlight>
-                  <a:srgbClr val="FFFFFF"/>
-                </a:highlight>
-              </a:rPr>
-              <a:t>util</a:t>
-            </a:r>
-            <a:r>
-              <a:rPr lang="en-US" sz="1200" b="1" i="0" dirty="0" err="1">
-                <a:solidFill>
-                  <a:srgbClr val="000080"/>
-                </a:solidFill>
-                <a:highlight>
-                  <a:srgbClr val="FFFFFF"/>
-                </a:highlight>
-              </a:rPr>
-              <a:t>.</a:t>
-            </a:r>
-            <a:r>
-              <a:rPr lang="en-US" sz="1200" b="0" i="0" dirty="0" err="1">
-                <a:solidFill>
-                  <a:srgbClr val="FF8000"/>
-                </a:solidFill>
-                <a:highlight>
-                  <a:srgbClr val="FFFFFF"/>
-                </a:highlight>
-              </a:rPr>
-              <a:t>numpy_support</a:t>
-            </a:r>
-            <a:r>
-              <a:rPr lang="en-US" sz="1200" b="0" i="0" dirty="0">
-                <a:solidFill>
-                  <a:srgbClr val="000000"/>
-                </a:solidFill>
-                <a:highlight>
-                  <a:srgbClr val="FFFFFF"/>
-                </a:highlight>
-              </a:rPr>
-              <a:t> </a:t>
-            </a:r>
-            <a:r>
-              <a:rPr lang="en-US" sz="1200" b="1" i="0" dirty="0">
-                <a:solidFill>
-                  <a:srgbClr val="0000FF"/>
-                </a:solidFill>
-                <a:highlight>
-                  <a:srgbClr val="FFFFFF"/>
-                </a:highlight>
-              </a:rPr>
-              <a:t>import</a:t>
-            </a:r>
-            <a:r>
-              <a:rPr lang="en-US" sz="1200" b="0" i="0" dirty="0">
-                <a:solidFill>
-                  <a:srgbClr val="000000"/>
-                </a:solidFill>
-                <a:highlight>
-                  <a:srgbClr val="FFFFFF"/>
-                </a:highlight>
-              </a:rPr>
-              <a:t> </a:t>
-            </a:r>
-            <a:r>
-              <a:rPr lang="en-US" sz="1200" b="0" i="0" dirty="0" err="1">
-                <a:solidFill>
-                  <a:srgbClr val="000000"/>
-                </a:solidFill>
-                <a:highlight>
-                  <a:srgbClr val="FFFFFF"/>
-                </a:highlight>
-              </a:rPr>
-              <a:t>vtk_to_numpy</a:t>
-            </a:r>
-            <a:endParaRPr lang="en-US" sz="1200" b="0" i="0" dirty="0">
-              <a:solidFill>
-                <a:srgbClr val="000000"/>
-              </a:solidFill>
-              <a:highlight>
-                <a:srgbClr val="FFFFFF"/>
-              </a:highlight>
-            </a:endParaRPr>
-          </a:p>
-          <a:p>
-            <a:pPr marL="0" indent="0">
-              <a:spcBef>
-                <a:spcPts val="500"/>
-              </a:spcBef>
-              <a:buNone/>
-            </a:pPr>
-            <a:r>
-              <a:rPr lang="fr-FR" sz="1200" b="1" i="0" dirty="0">
-                <a:solidFill>
-                  <a:srgbClr val="0000FF"/>
-                </a:solidFill>
-                <a:highlight>
-                  <a:srgbClr val="FFFFFF"/>
-                </a:highlight>
-              </a:rPr>
-              <a:t>import</a:t>
-            </a:r>
-            <a:r>
-              <a:rPr lang="fr-FR" sz="1200" b="0" i="0" dirty="0">
-                <a:solidFill>
-                  <a:srgbClr val="000000"/>
-                </a:solidFill>
-                <a:highlight>
-                  <a:srgbClr val="FFFFFF"/>
-                </a:highlight>
-              </a:rPr>
-              <a:t> os</a:t>
-            </a:r>
-          </a:p>
-          <a:p>
-            <a:pPr marL="0" indent="0">
-              <a:spcBef>
-                <a:spcPts val="500"/>
-              </a:spcBef>
-              <a:buNone/>
-            </a:pPr>
-            <a:endParaRPr lang="fr-FR" sz="1200" b="0" i="0" dirty="0">
-              <a:solidFill>
-                <a:srgbClr val="000000"/>
-              </a:solidFill>
-              <a:highlight>
-                <a:srgbClr val="FFFFFF"/>
-              </a:highlight>
-            </a:endParaRPr>
-          </a:p>
-          <a:p>
-            <a:pPr marL="0" indent="0">
-              <a:spcBef>
-                <a:spcPts val="500"/>
-              </a:spcBef>
-              <a:buNone/>
-            </a:pPr>
-            <a:r>
-              <a:rPr lang="en-US" sz="1200" b="0" i="0" dirty="0">
-                <a:solidFill>
-                  <a:srgbClr val="000000"/>
-                </a:solidFill>
-                <a:highlight>
-                  <a:srgbClr val="FFFFFF"/>
-                </a:highlight>
-              </a:rPr>
-              <a:t>PATH_READ </a:t>
-            </a:r>
-            <a:r>
-              <a:rPr lang="en-US" sz="1200" b="1" i="0" dirty="0">
-                <a:solidFill>
-                  <a:srgbClr val="000080"/>
-                </a:solidFill>
-                <a:highlight>
-                  <a:srgbClr val="FFFFFF"/>
-                </a:highlight>
-              </a:rPr>
-              <a:t>=</a:t>
-            </a:r>
-            <a:r>
-              <a:rPr lang="en-US" sz="1200" b="0" i="0" dirty="0">
-                <a:solidFill>
-                  <a:srgbClr val="000000"/>
-                </a:solidFill>
-                <a:highlight>
-                  <a:srgbClr val="FFFFFF"/>
-                </a:highlight>
-              </a:rPr>
-              <a:t> </a:t>
-            </a:r>
-            <a:r>
-              <a:rPr lang="en-US" sz="1200" b="0" i="0" dirty="0">
-                <a:solidFill>
-                  <a:srgbClr val="808080"/>
-                </a:solidFill>
-                <a:highlight>
-                  <a:srgbClr val="FFFFFF"/>
-                </a:highlight>
-              </a:rPr>
-              <a:t>"C:/Users/peralezADM/Documents/temp"</a:t>
-            </a:r>
-            <a:endParaRPr lang="en-US" sz="1200" b="0" i="0" dirty="0">
-              <a:solidFill>
-                <a:srgbClr val="000000"/>
-              </a:solidFill>
-              <a:highlight>
-                <a:srgbClr val="FFFFFF"/>
-              </a:highlight>
-            </a:endParaRPr>
-          </a:p>
-          <a:p>
-            <a:pPr marL="0" indent="0">
-              <a:spcBef>
-                <a:spcPts val="500"/>
-              </a:spcBef>
-              <a:buNone/>
-            </a:pPr>
-            <a:r>
-              <a:rPr lang="fr-FR" sz="1200" b="0" i="0" dirty="0">
-                <a:solidFill>
-                  <a:srgbClr val="000000"/>
-                </a:solidFill>
-                <a:highlight>
-                  <a:srgbClr val="FFFFFF"/>
-                </a:highlight>
-              </a:rPr>
-              <a:t>FILE_READ </a:t>
-            </a:r>
-            <a:r>
-              <a:rPr lang="fr-FR" sz="1200" b="1" i="0" dirty="0">
-                <a:solidFill>
-                  <a:srgbClr val="000080"/>
-                </a:solidFill>
-                <a:highlight>
-                  <a:srgbClr val="FFFFFF"/>
-                </a:highlight>
-              </a:rPr>
-              <a:t>=</a:t>
-            </a:r>
-            <a:r>
-              <a:rPr lang="fr-FR" sz="1200" b="0" i="0" dirty="0">
-                <a:solidFill>
-                  <a:srgbClr val="000000"/>
-                </a:solidFill>
-                <a:highlight>
-                  <a:srgbClr val="FFFFFF"/>
-                </a:highlight>
-              </a:rPr>
-              <a:t> </a:t>
-            </a:r>
-            <a:r>
-              <a:rPr lang="fr-FR" sz="1200" b="0" i="0" dirty="0">
-                <a:solidFill>
-                  <a:srgbClr val="808080"/>
-                </a:solidFill>
-                <a:highlight>
-                  <a:srgbClr val="FFFFFF"/>
-                </a:highlight>
-              </a:rPr>
-              <a:t>"Volume.1.20001e+01.vti"</a:t>
-            </a:r>
-            <a:r>
-              <a:rPr lang="fr-FR" sz="1200" b="0" i="0" dirty="0">
-                <a:solidFill>
-                  <a:srgbClr val="000000"/>
-                </a:solidFill>
-                <a:highlight>
-                  <a:srgbClr val="FFFFFF"/>
-                </a:highlight>
-              </a:rPr>
-              <a:t> </a:t>
-            </a:r>
-            <a:r>
-              <a:rPr lang="fr-FR" sz="1200" b="0" i="0" dirty="0">
-                <a:solidFill>
-                  <a:srgbClr val="008000"/>
-                </a:solidFill>
-                <a:highlight>
-                  <a:srgbClr val="FFFFFF"/>
-                </a:highlight>
-              </a:rPr>
-              <a:t># format="</a:t>
-            </a:r>
-            <a:r>
-              <a:rPr lang="fr-FR" sz="1200" b="0" i="0" dirty="0" err="1">
-                <a:solidFill>
-                  <a:srgbClr val="008000"/>
-                </a:solidFill>
-                <a:highlight>
-                  <a:srgbClr val="FFFFFF"/>
-                </a:highlight>
-              </a:rPr>
-              <a:t>appended</a:t>
-            </a:r>
-            <a:r>
-              <a:rPr lang="fr-FR" sz="1200" b="0" i="0" dirty="0">
-                <a:solidFill>
-                  <a:srgbClr val="008000"/>
-                </a:solidFill>
-                <a:highlight>
-                  <a:srgbClr val="FFFFFF"/>
-                </a:highlight>
-              </a:rPr>
-              <a:t>"</a:t>
-            </a:r>
-            <a:endParaRPr lang="fr-FR" sz="1200" b="0" i="0" dirty="0">
-              <a:solidFill>
-                <a:srgbClr val="000000"/>
-              </a:solidFill>
-              <a:highlight>
-                <a:srgbClr val="FFFFFF"/>
-              </a:highlight>
-            </a:endParaRPr>
-          </a:p>
-          <a:p>
-            <a:pPr marL="0" indent="0">
-              <a:spcBef>
-                <a:spcPts val="500"/>
-              </a:spcBef>
-              <a:buNone/>
-            </a:pPr>
-            <a:r>
-              <a:rPr lang="en-US" sz="1200" b="0" i="0" dirty="0">
-                <a:solidFill>
-                  <a:srgbClr val="000000"/>
-                </a:solidFill>
-                <a:highlight>
-                  <a:srgbClr val="FFFFFF"/>
-                </a:highlight>
-              </a:rPr>
-              <a:t>PATH_WRITE </a:t>
-            </a:r>
-            <a:r>
-              <a:rPr lang="en-US" sz="1200" b="1" i="0" dirty="0">
-                <a:solidFill>
-                  <a:srgbClr val="000080"/>
-                </a:solidFill>
-                <a:highlight>
-                  <a:srgbClr val="FFFFFF"/>
-                </a:highlight>
-              </a:rPr>
-              <a:t>=</a:t>
-            </a:r>
-            <a:r>
-              <a:rPr lang="en-US" sz="1200" b="0" i="0" dirty="0">
-                <a:solidFill>
-                  <a:srgbClr val="000000"/>
-                </a:solidFill>
-                <a:highlight>
-                  <a:srgbClr val="FFFFFF"/>
-                </a:highlight>
-              </a:rPr>
-              <a:t> </a:t>
-            </a:r>
-            <a:r>
-              <a:rPr lang="en-US" sz="1200" b="0" i="0" dirty="0">
-                <a:solidFill>
-                  <a:srgbClr val="808080"/>
-                </a:solidFill>
-                <a:highlight>
-                  <a:srgbClr val="FFFFFF"/>
-                </a:highlight>
-              </a:rPr>
-              <a:t>"C:/Users/peralezADM/Documents/temp"</a:t>
-            </a:r>
-            <a:endParaRPr lang="en-US" sz="1200" b="0" i="0" dirty="0">
-              <a:solidFill>
-                <a:srgbClr val="000000"/>
-              </a:solidFill>
-              <a:highlight>
-                <a:srgbClr val="FFFFFF"/>
-              </a:highlight>
-            </a:endParaRPr>
-          </a:p>
-          <a:p>
-            <a:pPr marL="0" indent="0">
-              <a:spcBef>
-                <a:spcPts val="500"/>
-              </a:spcBef>
-              <a:buNone/>
-            </a:pPr>
-            <a:r>
-              <a:rPr lang="en-US" sz="1200" b="0" i="0" dirty="0">
-                <a:solidFill>
-                  <a:srgbClr val="000000"/>
-                </a:solidFill>
-                <a:highlight>
-                  <a:srgbClr val="FFFFFF"/>
-                </a:highlight>
-              </a:rPr>
-              <a:t>FILE_WRITE </a:t>
-            </a:r>
-            <a:r>
-              <a:rPr lang="en-US" sz="1200" b="1" i="0" dirty="0">
-                <a:solidFill>
-                  <a:srgbClr val="000080"/>
-                </a:solidFill>
-                <a:highlight>
-                  <a:srgbClr val="FFFFFF"/>
-                </a:highlight>
-              </a:rPr>
-              <a:t>=</a:t>
-            </a:r>
-            <a:r>
-              <a:rPr lang="en-US" sz="1200" b="0" i="0" dirty="0">
-                <a:solidFill>
-                  <a:srgbClr val="000000"/>
-                </a:solidFill>
-                <a:highlight>
-                  <a:srgbClr val="FFFFFF"/>
-                </a:highlight>
-              </a:rPr>
-              <a:t> </a:t>
-            </a:r>
-            <a:r>
-              <a:rPr lang="en-US" sz="1200" b="0" i="0" dirty="0">
-                <a:solidFill>
-                  <a:srgbClr val="808080"/>
-                </a:solidFill>
-                <a:highlight>
-                  <a:srgbClr val="FFFFFF"/>
-                </a:highlight>
-              </a:rPr>
-              <a:t>'</a:t>
-            </a:r>
-            <a:r>
-              <a:rPr lang="en-US" sz="1200" b="0" i="0" dirty="0" err="1">
-                <a:solidFill>
-                  <a:srgbClr val="808080"/>
-                </a:solidFill>
-                <a:highlight>
-                  <a:srgbClr val="FFFFFF"/>
-                </a:highlight>
-              </a:rPr>
-              <a:t>test_binary.vti</a:t>
-            </a:r>
-            <a:r>
-              <a:rPr lang="en-US" sz="1200" b="0" i="0" dirty="0">
-                <a:solidFill>
-                  <a:srgbClr val="808080"/>
-                </a:solidFill>
-                <a:highlight>
-                  <a:srgbClr val="FFFFFF"/>
-                </a:highlight>
-              </a:rPr>
-              <a:t>'</a:t>
-            </a:r>
-            <a:r>
-              <a:rPr lang="en-US" sz="1200" b="0" i="0" dirty="0">
-                <a:solidFill>
-                  <a:srgbClr val="000000"/>
-                </a:solidFill>
-                <a:highlight>
-                  <a:srgbClr val="FFFFFF"/>
-                </a:highlight>
-              </a:rPr>
-              <a:t> </a:t>
-            </a:r>
-            <a:r>
-              <a:rPr lang="en-US" sz="1200" b="0" i="0" dirty="0">
-                <a:solidFill>
-                  <a:srgbClr val="008000"/>
-                </a:solidFill>
-                <a:highlight>
-                  <a:srgbClr val="FFFFFF"/>
-                </a:highlight>
-              </a:rPr>
-              <a:t># format="binary"</a:t>
-            </a:r>
-            <a:endParaRPr lang="en-US" sz="1200" b="0" i="0" dirty="0">
-              <a:solidFill>
-                <a:srgbClr val="000000"/>
-              </a:solidFill>
-              <a:highlight>
-                <a:srgbClr val="FFFFFF"/>
-              </a:highlight>
-            </a:endParaRPr>
-          </a:p>
-          <a:p>
-            <a:pPr marL="0" indent="0">
-              <a:spcBef>
-                <a:spcPts val="500"/>
-              </a:spcBef>
-              <a:buNone/>
-            </a:pPr>
-            <a:endParaRPr lang="fr-FR" sz="1200" b="0" i="0" dirty="0">
-              <a:solidFill>
-                <a:srgbClr val="000000"/>
-              </a:solidFill>
-              <a:highlight>
-                <a:srgbClr val="FFFFFF"/>
-              </a:highlight>
-            </a:endParaRPr>
-          </a:p>
-          <a:p>
-            <a:pPr marL="0" indent="0">
-              <a:spcBef>
-                <a:spcPts val="500"/>
-              </a:spcBef>
-              <a:buNone/>
-            </a:pPr>
-            <a:endParaRPr lang="fr-FR" sz="1200" b="0" i="0" dirty="0">
-              <a:solidFill>
-                <a:srgbClr val="000000"/>
-              </a:solidFill>
-              <a:highlight>
-                <a:srgbClr val="FFFFFF"/>
-              </a:highlight>
-            </a:endParaRPr>
-          </a:p>
-          <a:p>
-            <a:pPr marL="0" indent="0">
-              <a:spcBef>
-                <a:spcPts val="500"/>
-              </a:spcBef>
-              <a:buNone/>
-            </a:pPr>
-            <a:r>
-              <a:rPr lang="en-US" sz="1200" b="0" i="0" dirty="0">
-                <a:solidFill>
-                  <a:srgbClr val="008000"/>
-                </a:solidFill>
-                <a:highlight>
-                  <a:srgbClr val="FFFFFF"/>
-                </a:highlight>
-              </a:rPr>
-              <a:t>#%% read .</a:t>
-            </a:r>
-            <a:r>
-              <a:rPr lang="en-US" sz="1200" b="0" i="0" dirty="0" err="1">
-                <a:solidFill>
-                  <a:srgbClr val="008000"/>
-                </a:solidFill>
-                <a:highlight>
-                  <a:srgbClr val="FFFFFF"/>
-                </a:highlight>
-              </a:rPr>
-              <a:t>vti</a:t>
-            </a:r>
-            <a:r>
-              <a:rPr lang="en-US" sz="1200" b="0" i="0" dirty="0">
-                <a:solidFill>
-                  <a:srgbClr val="008000"/>
-                </a:solidFill>
-                <a:highlight>
-                  <a:srgbClr val="FFFFFF"/>
-                </a:highlight>
-              </a:rPr>
-              <a:t> file (format appended) with </a:t>
-            </a:r>
-            <a:r>
-              <a:rPr lang="en-US" sz="1200" b="0" i="0" dirty="0" err="1">
-                <a:solidFill>
-                  <a:srgbClr val="008000"/>
-                </a:solidFill>
-                <a:highlight>
-                  <a:srgbClr val="FFFFFF"/>
-                </a:highlight>
-              </a:rPr>
-              <a:t>paraview</a:t>
-            </a:r>
-            <a:endParaRPr lang="fr-FR" sz="1800" dirty="0"/>
-          </a:p>
-        </p:txBody>
-      </p:sp>
+      </p:pic>
     </p:spTree>
     <p:extLst>
       <p:ext uri="{BB962C8B-B14F-4D97-AF65-F5344CB8AC3E}">
-        <p14:creationId xmlns:p14="http://schemas.microsoft.com/office/powerpoint/2010/main" val="887661957"/>
+        <p14:creationId xmlns:p14="http://schemas.microsoft.com/office/powerpoint/2010/main" val="837370389"/>
       </p:ext>
     </p:extLst>
   </p:cSld>
@@ -8383,10 +10725,10 @@
       </p:grpSpPr>
       <p:sp>
         <p:nvSpPr>
-          <p:cNvPr id="7" name="Titre 6">
+          <p:cNvPr id="3" name="Espace réservé du contenu 2">
             <a:extLst>
               <a:ext uri="{FF2B5EF4-FFF2-40B4-BE49-F238E27FC236}">
-                <a16:creationId xmlns:a16="http://schemas.microsoft.com/office/drawing/2014/main" id="{74661C02-29AB-46A2-A889-BEEEBBF4BB83}"/>
+                <a16:creationId xmlns:a16="http://schemas.microsoft.com/office/drawing/2014/main" id="{B59E77B8-2D75-472C-B76C-ABDDE0CAFCD5}"/>
               </a:ext>
             </a:extLst>
           </p:cNvPr>
@@ -8394,25 +10736,63 @@
             <a:spLocks noGrp="1"/>
           </p:cNvSpPr>
           <p:nvPr>
-            <p:ph type="title"/>
+            <p:ph idx="1"/>
           </p:nvPr>
         </p:nvSpPr>
-        <p:spPr/>
+        <p:spPr>
+          <a:xfrm>
+            <a:off x="537750" y="431073"/>
+            <a:ext cx="10839994" cy="6021978"/>
+          </a:xfrm>
+        </p:spPr>
         <p:txBody>
-          <a:bodyPr/>
+          <a:bodyPr>
+            <a:normAutofit/>
+          </a:bodyPr>
           <a:lstStyle/>
           <a:p>
-            <a:r>
-              <a:rPr lang="fr-FR" dirty="0"/>
-              <a:t>4. Les réseaux de neurones convolutifs</a:t>
-            </a:r>
+            <a:pPr marL="0" indent="0">
+              <a:buNone/>
+            </a:pPr>
+            <a:r>
+              <a:rPr lang="fr-FR" sz="2200" dirty="0"/>
+              <a:t>3.2 Un réseau de neurones simple : le </a:t>
+            </a:r>
+            <a:r>
+              <a:rPr lang="fr-FR" sz="2200" b="1" dirty="0"/>
+              <a:t>MLP</a:t>
+            </a:r>
+            <a:r>
+              <a:rPr lang="fr-FR" sz="2200" dirty="0"/>
+              <a:t> (multi-</a:t>
+            </a:r>
+            <a:r>
+              <a:rPr lang="fr-FR" sz="2200" dirty="0" err="1"/>
+              <a:t>layers</a:t>
+            </a:r>
+            <a:r>
+              <a:rPr lang="fr-FR" sz="2200" dirty="0"/>
+              <a:t> perceptron)</a:t>
+            </a:r>
+          </a:p>
+          <a:p>
+            <a:pPr marL="0" indent="0">
+              <a:buNone/>
+            </a:pPr>
+            <a:endParaRPr lang="fr-FR" sz="2200" u="sng" dirty="0"/>
+          </a:p>
+          <a:p>
+            <a:pPr marL="0" indent="0">
+              <a:buNone/>
+            </a:pPr>
+            <a:endParaRPr lang="fr-FR" sz="2200" b="1" dirty="0"/>
           </a:p>
         </p:txBody>
       </p:sp>
     </p:spTree>
     <p:extLst>
       <p:ext uri="{BB962C8B-B14F-4D97-AF65-F5344CB8AC3E}">
-        <p14:creationId xmlns:p14="http://schemas.microsoft.com/office/powerpoint/2010/main" val="3197496267"/>
+        <p14:creationId xmlns:p14="http://schemas.microsoft.com/office/powerpoint/2010/main" val="2412111169"/>
       </p:ext>
     </p:extLst>
   </p:cSld>
@@ -8462,7 +10842,7 @@
           <a:p>
             <a:r>
               <a:rPr lang="fr-FR" dirty="0"/>
-              <a:t>5. Les réseaux de neurones récurrents</a:t>
+              <a:t>4. Les réseaux de neurones récurrents</a:t>
             </a:r>
           </a:p>
         </p:txBody>
@@ -8565,6 +10945,64 @@
     <p:extLst>
       <p:ext uri="{BB962C8B-B14F-4D97-AF65-F5344CB8AC3E}">
         <p14:creationId xmlns:p14="http://schemas.microsoft.com/office/powerpoint/2010/main" val="1318835050"/>
+      </p:ext>
+    </p:extLst>
+  </p:cSld>
+  <p:clrMapOvr>
+    <a:masterClrMapping/>
+  </p:clrMapOvr>
+</p:sld>
+</file>
+
+<file path=ppt/slides/slide20.xml><?xml version="1.0" encoding="utf-8"?>
+<p:sld xmlns:a="http://schemas.openxmlformats.org/drawingml/2006/main" xmlns:r="http://schemas.openxmlformats.org/officeDocument/2006/relationships" xmlns:p="http://schemas.openxmlformats.org/presentationml/2006/main">
+  <p:cSld>
+    <p:spTree>
+      <p:nvGrpSpPr>
+        <p:cNvPr id="1" name=""/>
+        <p:cNvGrpSpPr/>
+        <p:nvPr/>
+      </p:nvGrpSpPr>
+      <p:grpSpPr>
+        <a:xfrm>
+          <a:off x="0" y="0"/>
+          <a:ext cx="0" cy="0"/>
+          <a:chOff x="0" y="0"/>
+          <a:chExt cx="0" cy="0"/>
+        </a:xfrm>
+      </p:grpSpPr>
+      <p:sp>
+        <p:nvSpPr>
+          <p:cNvPr id="7" name="Titre 6">
+            <a:extLst>
+              <a:ext uri="{FF2B5EF4-FFF2-40B4-BE49-F238E27FC236}">
+                <a16:creationId xmlns:a16="http://schemas.microsoft.com/office/drawing/2014/main" id="{74661C02-29AB-46A2-A889-BEEEBBF4BB83}"/>
+              </a:ext>
+            </a:extLst>
+          </p:cNvPr>
+          <p:cNvSpPr>
+            <a:spLocks noGrp="1"/>
+          </p:cNvSpPr>
+          <p:nvPr>
+            <p:ph type="title"/>
+          </p:nvPr>
+        </p:nvSpPr>
+        <p:spPr/>
+        <p:txBody>
+          <a:bodyPr/>
+          <a:lstStyle/>
+          <a:p>
+            <a:r>
+              <a:rPr lang="fr-FR" dirty="0"/>
+              <a:t>5. Les réseaux de neurones convolutifs</a:t>
+            </a:r>
+          </a:p>
+        </p:txBody>
+      </p:sp>
+    </p:spTree>
+    <p:extLst>
+      <p:ext uri="{BB962C8B-B14F-4D97-AF65-F5344CB8AC3E}">
+        <p14:creationId xmlns:p14="http://schemas.microsoft.com/office/powerpoint/2010/main" val="3197496267"/>
       </p:ext>
     </p:extLst>
   </p:cSld>
@@ -8621,7 +11059,7 @@
           <a:p>
             <a:r>
               <a:rPr lang="fr-FR" sz="2200" dirty="0"/>
-              <a:t>L’IA est une notion floue et qui évolue rapidement =&gt; sa définition dépend:</a:t>
+              <a:t>L’IA est une notion floue et qui évolue rapidement ⇒ sa définition dépend:</a:t>
             </a:r>
           </a:p>
           <a:p>
@@ -9249,80 +11687,29 @@
             </a:r>
           </a:p>
           <a:p>
-            <a:pPr marL="914400" lvl="1" indent="-457200">
-              <a:buFont typeface="+mj-lt"/>
-              <a:buAutoNum type="arabicPeriod"/>
-            </a:pPr>
-            <a:r>
-              <a:rPr lang="fr-FR" sz="2000" dirty="0">
+            <a:pPr lvl="1"/>
+            <a:r>
+              <a:rPr lang="fr-FR" sz="1800" dirty="0"/>
+              <a:t>Cours et exos de base :</a:t>
+            </a:r>
+          </a:p>
+          <a:p>
+            <a:pPr lvl="2"/>
+            <a:r>
+              <a:rPr lang="fr-FR" sz="1600" dirty="0">
                 <a:hlinkClick r:id="rId2"/>
               </a:rPr>
               <a:t>https://www.learnpython.org/</a:t>
             </a:r>
             <a:r>
-              <a:rPr lang="fr-FR" sz="2000" dirty="0"/>
-              <a:t>  (exos interactifs)</a:t>
-            </a:r>
-          </a:p>
-          <a:p>
-            <a:pPr marL="914400" lvl="2" indent="0">
-              <a:buNone/>
-            </a:pPr>
-            <a:r>
-              <a:rPr lang="fr-FR" sz="1600" i="1" dirty="0">
-                <a:solidFill>
-                  <a:schemeClr val="bg2">
-                    <a:lumMod val="50000"/>
-                  </a:schemeClr>
-                </a:solidFill>
-              </a:rPr>
-              <a:t>i) </a:t>
-            </a:r>
-            <a:r>
-              <a:rPr lang="fr-FR" sz="1600" i="1" dirty="0" err="1">
-                <a:solidFill>
-                  <a:schemeClr val="bg2">
-                    <a:lumMod val="50000"/>
-                  </a:schemeClr>
-                </a:solidFill>
-              </a:rPr>
-              <a:t>Learn</a:t>
-            </a:r>
-            <a:r>
-              <a:rPr lang="fr-FR" sz="1600" i="1" dirty="0">
-                <a:solidFill>
-                  <a:schemeClr val="bg2">
-                    <a:lumMod val="50000"/>
-                  </a:schemeClr>
-                </a:solidFill>
-              </a:rPr>
-              <a:t> the Basics, ii) Advanced </a:t>
-            </a:r>
-            <a:r>
-              <a:rPr lang="fr-FR" sz="1600" i="1" dirty="0" err="1">
-                <a:solidFill>
-                  <a:schemeClr val="bg2">
-                    <a:lumMod val="50000"/>
-                  </a:schemeClr>
-                </a:solidFill>
-              </a:rPr>
-              <a:t>Tutorials</a:t>
-            </a:r>
-            <a:endParaRPr lang="fr-FR" sz="1600" i="1" dirty="0">
-              <a:solidFill>
-                <a:schemeClr val="bg2">
-                  <a:lumMod val="50000"/>
-                </a:schemeClr>
-              </a:solidFill>
-            </a:endParaRPr>
-          </a:p>
-          <a:p>
-            <a:pPr marL="914400" lvl="1" indent="-457200">
-              <a:buFont typeface="+mj-lt"/>
-              <a:buAutoNum type="arabicPeriod"/>
-            </a:pPr>
-            <a:r>
-              <a:rPr lang="fr-FR" sz="2000" i="1" dirty="0">
+              <a:rPr lang="fr-FR" sz="1600" dirty="0"/>
+              <a:t> </a:t>
+            </a:r>
+          </a:p>
+          <a:p>
+            <a:pPr lvl="2"/>
+            <a:r>
+              <a:rPr lang="fr-FR" sz="1600" dirty="0">
                 <a:solidFill>
                   <a:schemeClr val="bg2">
                     <a:lumMod val="50000"/>
@@ -9333,7 +11720,7 @@
               <a:t>https://www.france-ioi.org/algo/chapters.php</a:t>
             </a:r>
             <a:r>
-              <a:rPr lang="fr-FR" sz="2000" i="1" dirty="0">
+              <a:rPr lang="fr-FR" sz="1600" dirty="0">
                 <a:solidFill>
                   <a:schemeClr val="bg2">
                     <a:lumMod val="50000"/>
@@ -9342,34 +11729,12 @@
               </a:rPr>
               <a:t> </a:t>
             </a:r>
+          </a:p>
+          <a:p>
+            <a:pPr lvl="1"/>
             <a:r>
               <a:rPr lang="fr-FR" sz="2000" dirty="0"/>
-              <a:t>(exos interactifs)</a:t>
-            </a:r>
-          </a:p>
-          <a:p>
-            <a:pPr marL="914400" lvl="2" indent="0">
-              <a:buNone/>
-            </a:pPr>
-            <a:r>
-              <a:rPr lang="fr-FR" sz="1600" i="1" dirty="0">
-                <a:solidFill>
-                  <a:schemeClr val="bg2">
-                    <a:lumMod val="50000"/>
-                  </a:schemeClr>
-                </a:solidFill>
-              </a:rPr>
-              <a:t>Niveau 1 à 6</a:t>
-            </a:r>
-          </a:p>
-          <a:p>
-            <a:pPr marL="800100" lvl="1" indent="-342900">
-              <a:buFont typeface="+mj-lt"/>
-              <a:buAutoNum type="arabicPeriod"/>
-            </a:pPr>
-            <a:r>
-              <a:rPr lang="fr-FR" sz="2000" dirty="0"/>
-              <a:t>Librairie </a:t>
+              <a:t>Cours sur la Librairie </a:t>
             </a:r>
             <a:r>
               <a:rPr lang="fr-FR" sz="2000" dirty="0" err="1"/>
@@ -9377,17 +11742,53 @@
             </a:r>
             <a:r>
               <a:rPr lang="fr-FR" sz="2000" dirty="0"/>
-              <a:t> : </a:t>
-            </a:r>
-            <a:r>
-              <a:rPr lang="fr-FR" sz="2000" dirty="0">
+              <a:t> :</a:t>
+            </a:r>
+          </a:p>
+          <a:p>
+            <a:pPr lvl="2"/>
+            <a:r>
+              <a:rPr lang="fr-FR" sz="1600" dirty="0">
                 <a:hlinkClick r:id="rId4"/>
               </a:rPr>
               <a:t>https://courspython.com/apprendre-numpy.html</a:t>
             </a:r>
             <a:r>
+              <a:rPr lang="fr-FR" sz="1600" dirty="0"/>
+              <a:t> </a:t>
+            </a:r>
+          </a:p>
+          <a:p>
+            <a:pPr lvl="1"/>
+            <a:r>
               <a:rPr lang="fr-FR" sz="2000" dirty="0"/>
-              <a:t> (cours)</a:t>
+              <a:t>Programmer en ligne :</a:t>
+            </a:r>
+          </a:p>
+          <a:p>
+            <a:pPr lvl="2"/>
+            <a:r>
+              <a:rPr lang="fr-FR" sz="1600" dirty="0">
+                <a:hlinkClick r:id="rId5"/>
+              </a:rPr>
+              <a:t>https://www.programiz.com/python-programming/online-compiler/</a:t>
+            </a:r>
+            <a:r>
+              <a:rPr lang="fr-FR" sz="1600" dirty="0"/>
+              <a:t> </a:t>
+            </a:r>
+          </a:p>
+          <a:p>
+            <a:pPr lvl="2"/>
+            <a:r>
+              <a:rPr lang="fr-FR" sz="1600" dirty="0">
+                <a:hlinkClick r:id="rId6"/>
+              </a:rPr>
+              <a:t>https://colab.research.google.com/</a:t>
+            </a:r>
+            <a:r>
+              <a:rPr lang="fr-FR" sz="1600" dirty="0"/>
+              <a:t> </a:t>
             </a:r>
           </a:p>
           <a:p>
@@ -9598,8 +11999,8 @@
           <a:chExt cx="0" cy="0"/>
         </a:xfrm>
       </p:grpSpPr>
-      <mc:AlternateContent xmlns:mc="http://schemas.openxmlformats.org/markup-compatibility/2006">
-        <mc:Choice xmlns:a14="http://schemas.microsoft.com/office/drawing/2010/main" Requires="a14">
+      <mc:AlternateContent xmlns:mc="http://schemas.openxmlformats.org/markup-compatibility/2006" xmlns:a14="http://schemas.microsoft.com/office/drawing/2010/main">
+        <mc:Choice Requires="a14">
           <p:sp>
             <p:nvSpPr>
               <p:cNvPr id="3" name="Espace réservé du contenu 2">
@@ -9776,22 +12177,46 @@
                 <a:endParaRPr lang="fr-FR" sz="2200" dirty="0"/>
               </a:p>
               <a:p>
+                <a:pPr lvl="1">
+                  <a:buFont typeface="Symbol" panose="05050102010706020507" pitchFamily="18" charset="2"/>
+                  <a:buChar char="Þ"/>
+                </a:pPr>
+                <a:r>
+                  <a:rPr lang="fr-FR" sz="2200" b="1" dirty="0"/>
+                  <a:t> problème d’optimisation</a:t>
+                </a:r>
+                <a:r>
+                  <a:rPr lang="fr-FR" sz="2200" dirty="0"/>
+                  <a:t> </a:t>
+                </a:r>
+              </a:p>
+              <a:p>
                 <a:pPr marL="457200" lvl="1" indent="0">
                   <a:buNone/>
                 </a:pPr>
                 <a:r>
                   <a:rPr lang="fr-FR" sz="2200" dirty="0"/>
-                  <a:t>=&gt; </a:t>
-                </a:r>
-                <a:r>
-                  <a:rPr lang="fr-FR" sz="2200" b="1" dirty="0"/>
-                  <a:t>problème d’optimisation</a:t>
+                  <a:t>Remarque : nous verrons plus tard que </a:t>
+                </a:r>
+                <a14:m>
+                  <m:oMath xmlns:m="http://schemas.openxmlformats.org/officeDocument/2006/math">
+                    <m:r>
+                      <a:rPr lang="fr-FR" sz="2200" b="0" i="1" smtClean="0">
+                        <a:latin typeface="Cambria Math" panose="02040503050406030204" pitchFamily="18" charset="0"/>
+                      </a:rPr>
+                      <m:t>h</m:t>
+                    </m:r>
+                  </m:oMath>
+                </a14:m>
+                <a:r>
+                  <a:rPr lang="fr-FR" sz="2200" dirty="0"/>
+                  <a:t> peut-être un réseau de neurones …</a:t>
                 </a:r>
               </a:p>
             </p:txBody>
           </p:sp>
         </mc:Choice>
-        <mc:Fallback>
+        <mc:Fallback xmlns="">
           <p:sp>
             <p:nvSpPr>
               <p:cNvPr id="3" name="Espace réservé du contenu 2">

--- a/Intelligence Artificielle et Analyse de donnees.pptx
+++ b/Intelligence Artificielle et Analyse de donnees.pptx
@@ -6,25 +6,26 @@
   </p:sldMasterIdLst>
   <p:sldIdLst>
     <p:sldId id="256" r:id="rId2"/>
-    <p:sldId id="257" r:id="rId3"/>
-    <p:sldId id="258" r:id="rId4"/>
-    <p:sldId id="259" r:id="rId5"/>
-    <p:sldId id="260" r:id="rId6"/>
-    <p:sldId id="264" r:id="rId7"/>
-    <p:sldId id="263" r:id="rId8"/>
-    <p:sldId id="265" r:id="rId9"/>
-    <p:sldId id="267" r:id="rId10"/>
-    <p:sldId id="268" r:id="rId11"/>
-    <p:sldId id="269" r:id="rId12"/>
-    <p:sldId id="270" r:id="rId13"/>
-    <p:sldId id="271" r:id="rId14"/>
-    <p:sldId id="274" r:id="rId15"/>
-    <p:sldId id="275" r:id="rId16"/>
-    <p:sldId id="276" r:id="rId17"/>
-    <p:sldId id="277" r:id="rId18"/>
-    <p:sldId id="272" r:id="rId19"/>
-    <p:sldId id="262" r:id="rId20"/>
-    <p:sldId id="261" r:id="rId21"/>
+    <p:sldId id="278" r:id="rId3"/>
+    <p:sldId id="257" r:id="rId4"/>
+    <p:sldId id="258" r:id="rId5"/>
+    <p:sldId id="259" r:id="rId6"/>
+    <p:sldId id="260" r:id="rId7"/>
+    <p:sldId id="264" r:id="rId8"/>
+    <p:sldId id="263" r:id="rId9"/>
+    <p:sldId id="265" r:id="rId10"/>
+    <p:sldId id="267" r:id="rId11"/>
+    <p:sldId id="268" r:id="rId12"/>
+    <p:sldId id="269" r:id="rId13"/>
+    <p:sldId id="270" r:id="rId14"/>
+    <p:sldId id="271" r:id="rId15"/>
+    <p:sldId id="274" r:id="rId16"/>
+    <p:sldId id="275" r:id="rId17"/>
+    <p:sldId id="276" r:id="rId18"/>
+    <p:sldId id="277" r:id="rId19"/>
+    <p:sldId id="272" r:id="rId20"/>
+    <p:sldId id="262" r:id="rId21"/>
+    <p:sldId id="261" r:id="rId22"/>
   </p:sldIdLst>
   <p:sldSz cx="12192000" cy="6858000"/>
   <p:notesSz cx="6858000" cy="9144000"/>
@@ -3509,6 +3510,1366 @@
           <a:chExt cx="0" cy="0"/>
         </a:xfrm>
       </p:grpSpPr>
+      <mc:AlternateContent xmlns:mc="http://schemas.openxmlformats.org/markup-compatibility/2006" xmlns:a14="http://schemas.microsoft.com/office/drawing/2010/main">
+        <mc:Choice Requires="a14">
+          <p:sp>
+            <p:nvSpPr>
+              <p:cNvPr id="3" name="Espace réservé du contenu 2">
+                <a:extLst>
+                  <a:ext uri="{FF2B5EF4-FFF2-40B4-BE49-F238E27FC236}">
+                    <a16:creationId xmlns:a16="http://schemas.microsoft.com/office/drawing/2014/main" id="{B59E77B8-2D75-472C-B76C-ABDDE0CAFCD5}"/>
+                  </a:ext>
+                </a:extLst>
+              </p:cNvPr>
+              <p:cNvSpPr>
+                <a:spLocks noGrp="1"/>
+              </p:cNvSpPr>
+              <p:nvPr>
+                <p:ph idx="1"/>
+              </p:nvPr>
+            </p:nvSpPr>
+            <p:spPr>
+              <a:xfrm>
+                <a:off x="537750" y="431073"/>
+                <a:ext cx="10839994" cy="6021978"/>
+              </a:xfrm>
+            </p:spPr>
+            <p:txBody>
+              <a:bodyPr>
+                <a:normAutofit/>
+              </a:bodyPr>
+              <a:lstStyle/>
+              <a:p>
+                <a:pPr marL="0" indent="0">
+                  <a:buNone/>
+                </a:pPr>
+                <a:r>
+                  <a:rPr lang="fr-FR" sz="2200" u="sng" dirty="0"/>
+                  <a:t>Exemple</a:t>
+                </a:r>
+                <a:r>
+                  <a:rPr lang="fr-FR" sz="2200" dirty="0"/>
+                  <a:t> :</a:t>
+                </a:r>
+              </a:p>
+              <a:p>
+                <a:pPr marL="457200" lvl="1" indent="0">
+                  <a:buNone/>
+                </a:pPr>
+                <a:r>
+                  <a:rPr lang="fr-FR" sz="1800" dirty="0"/>
+                  <a:t>					</a:t>
+                </a:r>
+                <a:endParaRPr lang="fr-FR" sz="2200" dirty="0"/>
+              </a:p>
+              <a:p>
+                <a:pPr marL="0" indent="0">
+                  <a:buNone/>
+                </a:pPr>
+                <a:endParaRPr lang="fr-FR" sz="2000" dirty="0">
+                  <a:solidFill>
+                    <a:schemeClr val="bg2">
+                      <a:lumMod val="50000"/>
+                    </a:schemeClr>
+                  </a:solidFill>
+                </a:endParaRPr>
+              </a:p>
+              <a:p>
+                <a:pPr marL="0" indent="0">
+                  <a:buNone/>
+                </a:pPr>
+                <a:endParaRPr lang="fr-FR" sz="2000" dirty="0">
+                  <a:solidFill>
+                    <a:schemeClr val="bg2">
+                      <a:lumMod val="50000"/>
+                    </a:schemeClr>
+                  </a:solidFill>
+                </a:endParaRPr>
+              </a:p>
+              <a:p>
+                <a:pPr marL="0" indent="0">
+                  <a:buNone/>
+                </a:pPr>
+                <a:endParaRPr lang="fr-FR" sz="2000" dirty="0">
+                  <a:solidFill>
+                    <a:schemeClr val="bg2">
+                      <a:lumMod val="50000"/>
+                    </a:schemeClr>
+                  </a:solidFill>
+                </a:endParaRPr>
+              </a:p>
+              <a:p>
+                <a:pPr marL="0" indent="0">
+                  <a:buNone/>
+                </a:pPr>
+                <a:endParaRPr lang="fr-FR" sz="2000" dirty="0">
+                  <a:solidFill>
+                    <a:schemeClr val="bg2">
+                      <a:lumMod val="50000"/>
+                    </a:schemeClr>
+                  </a:solidFill>
+                </a:endParaRPr>
+              </a:p>
+              <a:p>
+                <a:pPr marL="0" indent="0">
+                  <a:buNone/>
+                </a:pPr>
+                <a:endParaRPr lang="fr-FR" sz="2000" dirty="0">
+                  <a:solidFill>
+                    <a:schemeClr val="bg2">
+                      <a:lumMod val="50000"/>
+                    </a:schemeClr>
+                  </a:solidFill>
+                </a:endParaRPr>
+              </a:p>
+              <a:p>
+                <a:pPr marL="0" indent="0">
+                  <a:buNone/>
+                </a:pPr>
+                <a:endParaRPr lang="fr-FR" sz="2000" dirty="0">
+                  <a:solidFill>
+                    <a:schemeClr val="bg2">
+                      <a:lumMod val="50000"/>
+                    </a:schemeClr>
+                  </a:solidFill>
+                </a:endParaRPr>
+              </a:p>
+              <a:p>
+                <a:pPr marL="0" indent="0">
+                  <a:buNone/>
+                </a:pPr>
+                <a:endParaRPr lang="fr-FR" sz="2000" dirty="0">
+                  <a:solidFill>
+                    <a:schemeClr val="bg2">
+                      <a:lumMod val="50000"/>
+                    </a:schemeClr>
+                  </a:solidFill>
+                </a:endParaRPr>
+              </a:p>
+              <a:p>
+                <a:pPr marL="0" indent="0">
+                  <a:buNone/>
+                </a:pPr>
+                <a:r>
+                  <a:rPr lang="fr-FR" sz="2000" dirty="0">
+                    <a:solidFill>
+                      <a:schemeClr val="bg2">
+                        <a:lumMod val="50000"/>
+                      </a:schemeClr>
+                    </a:solidFill>
+                  </a:rPr>
+                  <a:t>On choisit de prédire avec un polynôme d’ordre M : </a:t>
+                </a:r>
+              </a:p>
+              <a:p>
+                <a:pPr marL="0" indent="0">
+                  <a:lnSpc>
+                    <a:spcPct val="150000"/>
+                  </a:lnSpc>
+                  <a:buNone/>
+                </a:pPr>
+                <a14:m>
+                  <m:oMathPara xmlns:m="http://schemas.openxmlformats.org/officeDocument/2006/math">
+                    <m:oMathParaPr>
+                      <m:jc m:val="centerGroup"/>
+                    </m:oMathParaPr>
+                    <m:oMath xmlns:m="http://schemas.openxmlformats.org/officeDocument/2006/math">
+                      <m:r>
+                        <a:rPr lang="fr-FR" sz="2000" b="0" i="0" smtClean="0">
+                          <a:solidFill>
+                            <a:schemeClr val="bg2">
+                              <a:lumMod val="50000"/>
+                            </a:schemeClr>
+                          </a:solidFill>
+                          <a:latin typeface="Cambria Math" panose="02040503050406030204" pitchFamily="18" charset="0"/>
+                        </a:rPr>
+                        <m:t> </m:t>
+                      </m:r>
+                      <m:acc>
+                        <m:accPr>
+                          <m:chr m:val="̂"/>
+                          <m:ctrlPr>
+                            <a:rPr lang="fr-FR" sz="2000" b="0" i="1" smtClean="0">
+                              <a:solidFill>
+                                <a:schemeClr val="bg2">
+                                  <a:lumMod val="50000"/>
+                                </a:schemeClr>
+                              </a:solidFill>
+                              <a:latin typeface="Cambria Math" panose="02040503050406030204" pitchFamily="18" charset="0"/>
+                            </a:rPr>
+                          </m:ctrlPr>
+                        </m:accPr>
+                        <m:e>
+                          <m:r>
+                            <a:rPr lang="fr-FR" sz="2000" b="0" i="1" smtClean="0">
+                              <a:solidFill>
+                                <a:schemeClr val="bg2">
+                                  <a:lumMod val="50000"/>
+                                </a:schemeClr>
+                              </a:solidFill>
+                              <a:latin typeface="Cambria Math" panose="02040503050406030204" pitchFamily="18" charset="0"/>
+                            </a:rPr>
+                            <m:t>𝑡</m:t>
+                          </m:r>
+                        </m:e>
+                      </m:acc>
+                      <m:r>
+                        <a:rPr lang="fr-FR" sz="2000" b="0" i="1" smtClean="0">
+                          <a:solidFill>
+                            <a:schemeClr val="bg2">
+                              <a:lumMod val="50000"/>
+                            </a:schemeClr>
+                          </a:solidFill>
+                          <a:latin typeface="Cambria Math" panose="02040503050406030204" pitchFamily="18" charset="0"/>
+                        </a:rPr>
+                        <m:t>=</m:t>
+                      </m:r>
+                      <m:r>
+                        <a:rPr lang="fr-FR" sz="2000" b="0" i="0" smtClean="0">
+                          <a:solidFill>
+                            <a:schemeClr val="bg2">
+                              <a:lumMod val="50000"/>
+                            </a:schemeClr>
+                          </a:solidFill>
+                          <a:latin typeface="Cambria Math" panose="02040503050406030204" pitchFamily="18" charset="0"/>
+                        </a:rPr>
+                        <m:t> </m:t>
+                      </m:r>
+                      <m:r>
+                        <a:rPr lang="fr-FR" sz="2000">
+                          <a:solidFill>
+                            <a:schemeClr val="bg2">
+                              <a:lumMod val="50000"/>
+                            </a:schemeClr>
+                          </a:solidFill>
+                          <a:latin typeface="Cambria Math" panose="02040503050406030204" pitchFamily="18" charset="0"/>
+                        </a:rPr>
+                        <m:t>h</m:t>
+                      </m:r>
+                      <m:d>
+                        <m:dPr>
+                          <m:ctrlPr>
+                            <a:rPr lang="fr-FR" sz="2000" i="1">
+                              <a:solidFill>
+                                <a:schemeClr val="bg2">
+                                  <a:lumMod val="50000"/>
+                                </a:schemeClr>
+                              </a:solidFill>
+                              <a:latin typeface="Cambria Math" panose="02040503050406030204" pitchFamily="18" charset="0"/>
+                            </a:rPr>
+                          </m:ctrlPr>
+                        </m:dPr>
+                        <m:e>
+                          <m:r>
+                            <a:rPr lang="fr-FR" sz="2000">
+                              <a:solidFill>
+                                <a:schemeClr val="bg2">
+                                  <a:lumMod val="50000"/>
+                                </a:schemeClr>
+                              </a:solidFill>
+                              <a:latin typeface="Cambria Math" panose="02040503050406030204" pitchFamily="18" charset="0"/>
+                            </a:rPr>
+                            <m:t>𝑥</m:t>
+                          </m:r>
+                          <m:r>
+                            <a:rPr lang="fr-FR" sz="2000">
+                              <a:solidFill>
+                                <a:schemeClr val="bg2">
+                                  <a:lumMod val="50000"/>
+                                </a:schemeClr>
+                              </a:solidFill>
+                              <a:latin typeface="Cambria Math" panose="02040503050406030204" pitchFamily="18" charset="0"/>
+                            </a:rPr>
+                            <m:t>,</m:t>
+                          </m:r>
+                          <m:r>
+                            <a:rPr lang="fr-FR" sz="2000">
+                              <a:solidFill>
+                                <a:schemeClr val="bg2">
+                                  <a:lumMod val="50000"/>
+                                </a:schemeClr>
+                              </a:solidFill>
+                              <a:latin typeface="Cambria Math" panose="02040503050406030204" pitchFamily="18" charset="0"/>
+                            </a:rPr>
+                            <m:t>𝜃</m:t>
+                          </m:r>
+                        </m:e>
+                      </m:d>
+                      <m:r>
+                        <a:rPr lang="fr-FR" sz="2000">
+                          <a:solidFill>
+                            <a:schemeClr val="bg2">
+                              <a:lumMod val="50000"/>
+                            </a:schemeClr>
+                          </a:solidFill>
+                          <a:latin typeface="Cambria Math" panose="02040503050406030204" pitchFamily="18" charset="0"/>
+                        </a:rPr>
+                        <m:t>=</m:t>
+                      </m:r>
+                      <m:sSub>
+                        <m:sSubPr>
+                          <m:ctrlPr>
+                            <a:rPr lang="fr-FR" sz="2000" i="1">
+                              <a:solidFill>
+                                <a:schemeClr val="bg2">
+                                  <a:lumMod val="50000"/>
+                                </a:schemeClr>
+                              </a:solidFill>
+                              <a:latin typeface="Cambria Math" panose="02040503050406030204" pitchFamily="18" charset="0"/>
+                            </a:rPr>
+                          </m:ctrlPr>
+                        </m:sSubPr>
+                        <m:e>
+                          <m:r>
+                            <a:rPr lang="fr-FR" sz="2000">
+                              <a:solidFill>
+                                <a:schemeClr val="bg2">
+                                  <a:lumMod val="50000"/>
+                                </a:schemeClr>
+                              </a:solidFill>
+                              <a:latin typeface="Cambria Math" panose="02040503050406030204" pitchFamily="18" charset="0"/>
+                            </a:rPr>
+                            <m:t>𝜃</m:t>
+                          </m:r>
+                        </m:e>
+                        <m:sub>
+                          <m:r>
+                            <a:rPr lang="fr-FR" sz="2000">
+                              <a:solidFill>
+                                <a:schemeClr val="bg2">
+                                  <a:lumMod val="50000"/>
+                                </a:schemeClr>
+                              </a:solidFill>
+                              <a:latin typeface="Cambria Math" panose="02040503050406030204" pitchFamily="18" charset="0"/>
+                            </a:rPr>
+                            <m:t>0</m:t>
+                          </m:r>
+                        </m:sub>
+                      </m:sSub>
+                      <m:r>
+                        <a:rPr lang="fr-FR" sz="2000">
+                          <a:solidFill>
+                            <a:schemeClr val="bg2">
+                              <a:lumMod val="50000"/>
+                            </a:schemeClr>
+                          </a:solidFill>
+                          <a:latin typeface="Cambria Math" panose="02040503050406030204" pitchFamily="18" charset="0"/>
+                        </a:rPr>
+                        <m:t>+</m:t>
+                      </m:r>
+                      <m:sSub>
+                        <m:sSubPr>
+                          <m:ctrlPr>
+                            <a:rPr lang="fr-FR" sz="2000" i="1">
+                              <a:solidFill>
+                                <a:schemeClr val="bg2">
+                                  <a:lumMod val="50000"/>
+                                </a:schemeClr>
+                              </a:solidFill>
+                              <a:latin typeface="Cambria Math" panose="02040503050406030204" pitchFamily="18" charset="0"/>
+                            </a:rPr>
+                          </m:ctrlPr>
+                        </m:sSubPr>
+                        <m:e>
+                          <m:r>
+                            <a:rPr lang="fr-FR" sz="2000">
+                              <a:solidFill>
+                                <a:schemeClr val="bg2">
+                                  <a:lumMod val="50000"/>
+                                </a:schemeClr>
+                              </a:solidFill>
+                              <a:latin typeface="Cambria Math" panose="02040503050406030204" pitchFamily="18" charset="0"/>
+                            </a:rPr>
+                            <m:t>𝜃</m:t>
+                          </m:r>
+                        </m:e>
+                        <m:sub>
+                          <m:r>
+                            <a:rPr lang="fr-FR" sz="2000">
+                              <a:solidFill>
+                                <a:schemeClr val="bg2">
+                                  <a:lumMod val="50000"/>
+                                </a:schemeClr>
+                              </a:solidFill>
+                              <a:latin typeface="Cambria Math" panose="02040503050406030204" pitchFamily="18" charset="0"/>
+                            </a:rPr>
+                            <m:t>1</m:t>
+                          </m:r>
+                        </m:sub>
+                      </m:sSub>
+                      <m:r>
+                        <a:rPr lang="fr-FR" sz="2000">
+                          <a:solidFill>
+                            <a:schemeClr val="bg2">
+                              <a:lumMod val="50000"/>
+                            </a:schemeClr>
+                          </a:solidFill>
+                          <a:latin typeface="Cambria Math" panose="02040503050406030204" pitchFamily="18" charset="0"/>
+                        </a:rPr>
+                        <m:t>𝑥</m:t>
+                      </m:r>
+                      <m:r>
+                        <a:rPr lang="fr-FR" sz="2000">
+                          <a:solidFill>
+                            <a:schemeClr val="bg2">
+                              <a:lumMod val="50000"/>
+                            </a:schemeClr>
+                          </a:solidFill>
+                          <a:latin typeface="Cambria Math" panose="02040503050406030204" pitchFamily="18" charset="0"/>
+                        </a:rPr>
+                        <m:t>+</m:t>
+                      </m:r>
+                      <m:sSub>
+                        <m:sSubPr>
+                          <m:ctrlPr>
+                            <a:rPr lang="fr-FR" sz="2000" i="1">
+                              <a:solidFill>
+                                <a:schemeClr val="bg2">
+                                  <a:lumMod val="50000"/>
+                                </a:schemeClr>
+                              </a:solidFill>
+                              <a:latin typeface="Cambria Math" panose="02040503050406030204" pitchFamily="18" charset="0"/>
+                            </a:rPr>
+                          </m:ctrlPr>
+                        </m:sSubPr>
+                        <m:e>
+                          <m:r>
+                            <a:rPr lang="fr-FR" sz="2000">
+                              <a:solidFill>
+                                <a:schemeClr val="bg2">
+                                  <a:lumMod val="50000"/>
+                                </a:schemeClr>
+                              </a:solidFill>
+                              <a:latin typeface="Cambria Math" panose="02040503050406030204" pitchFamily="18" charset="0"/>
+                            </a:rPr>
+                            <m:t>𝜃</m:t>
+                          </m:r>
+                        </m:e>
+                        <m:sub>
+                          <m:r>
+                            <a:rPr lang="fr-FR" sz="2000">
+                              <a:solidFill>
+                                <a:schemeClr val="bg2">
+                                  <a:lumMod val="50000"/>
+                                </a:schemeClr>
+                              </a:solidFill>
+                              <a:latin typeface="Cambria Math" panose="02040503050406030204" pitchFamily="18" charset="0"/>
+                            </a:rPr>
+                            <m:t>2</m:t>
+                          </m:r>
+                        </m:sub>
+                      </m:sSub>
+                      <m:sSup>
+                        <m:sSupPr>
+                          <m:ctrlPr>
+                            <a:rPr lang="fr-FR" sz="2000" i="1">
+                              <a:solidFill>
+                                <a:schemeClr val="bg2">
+                                  <a:lumMod val="50000"/>
+                                </a:schemeClr>
+                              </a:solidFill>
+                              <a:latin typeface="Cambria Math" panose="02040503050406030204" pitchFamily="18" charset="0"/>
+                            </a:rPr>
+                          </m:ctrlPr>
+                        </m:sSupPr>
+                        <m:e>
+                          <m:r>
+                            <a:rPr lang="fr-FR" sz="2000">
+                              <a:solidFill>
+                                <a:schemeClr val="bg2">
+                                  <a:lumMod val="50000"/>
+                                </a:schemeClr>
+                              </a:solidFill>
+                              <a:latin typeface="Cambria Math" panose="02040503050406030204" pitchFamily="18" charset="0"/>
+                            </a:rPr>
+                            <m:t>𝑥</m:t>
+                          </m:r>
+                        </m:e>
+                        <m:sup>
+                          <m:r>
+                            <a:rPr lang="fr-FR" sz="2000">
+                              <a:solidFill>
+                                <a:schemeClr val="bg2">
+                                  <a:lumMod val="50000"/>
+                                </a:schemeClr>
+                              </a:solidFill>
+                              <a:latin typeface="Cambria Math" panose="02040503050406030204" pitchFamily="18" charset="0"/>
+                            </a:rPr>
+                            <m:t>2</m:t>
+                          </m:r>
+                        </m:sup>
+                      </m:sSup>
+                      <m:r>
+                        <a:rPr lang="fr-FR" sz="2000">
+                          <a:solidFill>
+                            <a:schemeClr val="bg2">
+                              <a:lumMod val="50000"/>
+                            </a:schemeClr>
+                          </a:solidFill>
+                          <a:latin typeface="Cambria Math" panose="02040503050406030204" pitchFamily="18" charset="0"/>
+                        </a:rPr>
+                        <m:t>+ …+</m:t>
+                      </m:r>
+                      <m:sSub>
+                        <m:sSubPr>
+                          <m:ctrlPr>
+                            <a:rPr lang="fr-FR" sz="2000" i="1">
+                              <a:solidFill>
+                                <a:schemeClr val="bg2">
+                                  <a:lumMod val="50000"/>
+                                </a:schemeClr>
+                              </a:solidFill>
+                              <a:latin typeface="Cambria Math" panose="02040503050406030204" pitchFamily="18" charset="0"/>
+                            </a:rPr>
+                          </m:ctrlPr>
+                        </m:sSubPr>
+                        <m:e>
+                          <m:r>
+                            <a:rPr lang="fr-FR" sz="2000">
+                              <a:solidFill>
+                                <a:schemeClr val="bg2">
+                                  <a:lumMod val="50000"/>
+                                </a:schemeClr>
+                              </a:solidFill>
+                              <a:latin typeface="Cambria Math" panose="02040503050406030204" pitchFamily="18" charset="0"/>
+                            </a:rPr>
+                            <m:t>𝜃</m:t>
+                          </m:r>
+                        </m:e>
+                        <m:sub>
+                          <m:r>
+                            <a:rPr lang="fr-FR" sz="2000">
+                              <a:solidFill>
+                                <a:schemeClr val="bg2">
+                                  <a:lumMod val="50000"/>
+                                </a:schemeClr>
+                              </a:solidFill>
+                              <a:latin typeface="Cambria Math" panose="02040503050406030204" pitchFamily="18" charset="0"/>
+                            </a:rPr>
+                            <m:t>𝑀</m:t>
+                          </m:r>
+                        </m:sub>
+                      </m:sSub>
+                      <m:sSup>
+                        <m:sSupPr>
+                          <m:ctrlPr>
+                            <a:rPr lang="fr-FR" sz="2000" i="1">
+                              <a:solidFill>
+                                <a:schemeClr val="bg2">
+                                  <a:lumMod val="50000"/>
+                                </a:schemeClr>
+                              </a:solidFill>
+                              <a:latin typeface="Cambria Math" panose="02040503050406030204" pitchFamily="18" charset="0"/>
+                            </a:rPr>
+                          </m:ctrlPr>
+                        </m:sSupPr>
+                        <m:e>
+                          <m:r>
+                            <a:rPr lang="fr-FR" sz="2000">
+                              <a:solidFill>
+                                <a:schemeClr val="bg2">
+                                  <a:lumMod val="50000"/>
+                                </a:schemeClr>
+                              </a:solidFill>
+                              <a:latin typeface="Cambria Math" panose="02040503050406030204" pitchFamily="18" charset="0"/>
+                            </a:rPr>
+                            <m:t>𝑥</m:t>
+                          </m:r>
+                        </m:e>
+                        <m:sup>
+                          <m:r>
+                            <a:rPr lang="fr-FR" sz="2000">
+                              <a:solidFill>
+                                <a:schemeClr val="bg2">
+                                  <a:lumMod val="50000"/>
+                                </a:schemeClr>
+                              </a:solidFill>
+                              <a:latin typeface="Cambria Math" panose="02040503050406030204" pitchFamily="18" charset="0"/>
+                            </a:rPr>
+                            <m:t>𝑀</m:t>
+                          </m:r>
+                        </m:sup>
+                      </m:sSup>
+                    </m:oMath>
+                  </m:oMathPara>
+                </a14:m>
+                <a:endParaRPr lang="fr-FR" sz="2000" dirty="0">
+                  <a:solidFill>
+                    <a:schemeClr val="bg2">
+                      <a:lumMod val="50000"/>
+                    </a:schemeClr>
+                  </a:solidFill>
+                </a:endParaRPr>
+              </a:p>
+              <a:p>
+                <a:pPr marL="0" indent="0">
+                  <a:buNone/>
+                </a:pPr>
+                <a:r>
+                  <a:rPr lang="fr-FR" sz="2000" dirty="0">
+                    <a:solidFill>
+                      <a:schemeClr val="bg2">
+                        <a:lumMod val="50000"/>
+                      </a:schemeClr>
+                    </a:solidFill>
+                  </a:rPr>
+                  <a:t>Et une fonction de coût « moindre carrés »:</a:t>
+                </a:r>
+              </a:p>
+              <a:p>
+                <a:pPr marL="0" indent="0">
+                  <a:buNone/>
+                </a:pPr>
+                <a14:m>
+                  <m:oMathPara xmlns:m="http://schemas.openxmlformats.org/officeDocument/2006/math">
+                    <m:oMathParaPr>
+                      <m:jc m:val="centerGroup"/>
+                    </m:oMathParaPr>
+                    <m:oMath xmlns:m="http://schemas.openxmlformats.org/officeDocument/2006/math">
+                      <m:r>
+                        <a:rPr lang="fr-FR" sz="2000" b="0" i="1" smtClean="0">
+                          <a:solidFill>
+                            <a:schemeClr val="bg2">
+                              <a:lumMod val="50000"/>
+                            </a:schemeClr>
+                          </a:solidFill>
+                          <a:latin typeface="Cambria Math" panose="02040503050406030204" pitchFamily="18" charset="0"/>
+                        </a:rPr>
+                        <m:t>𝐿</m:t>
+                      </m:r>
+                      <m:r>
+                        <a:rPr lang="fr-FR" sz="2000" b="0" i="1" smtClean="0">
+                          <a:solidFill>
+                            <a:schemeClr val="bg2">
+                              <a:lumMod val="50000"/>
+                            </a:schemeClr>
+                          </a:solidFill>
+                          <a:latin typeface="Cambria Math" panose="02040503050406030204" pitchFamily="18" charset="0"/>
+                        </a:rPr>
+                        <m:t>=</m:t>
+                      </m:r>
+                      <m:f>
+                        <m:fPr>
+                          <m:ctrlPr>
+                            <a:rPr lang="fr-FR" sz="2000" b="0" i="1" smtClean="0">
+                              <a:solidFill>
+                                <a:schemeClr val="bg2">
+                                  <a:lumMod val="50000"/>
+                                </a:schemeClr>
+                              </a:solidFill>
+                              <a:latin typeface="Cambria Math" panose="02040503050406030204" pitchFamily="18" charset="0"/>
+                            </a:rPr>
+                          </m:ctrlPr>
+                        </m:fPr>
+                        <m:num>
+                          <m:r>
+                            <a:rPr lang="fr-FR" sz="2000" b="0" i="1" smtClean="0">
+                              <a:solidFill>
+                                <a:schemeClr val="bg2">
+                                  <a:lumMod val="50000"/>
+                                </a:schemeClr>
+                              </a:solidFill>
+                              <a:latin typeface="Cambria Math" panose="02040503050406030204" pitchFamily="18" charset="0"/>
+                            </a:rPr>
+                            <m:t>1</m:t>
+                          </m:r>
+                        </m:num>
+                        <m:den>
+                          <m:r>
+                            <a:rPr lang="fr-FR" sz="2000" b="0" i="1" smtClean="0">
+                              <a:solidFill>
+                                <a:schemeClr val="bg2">
+                                  <a:lumMod val="50000"/>
+                                </a:schemeClr>
+                              </a:solidFill>
+                              <a:latin typeface="Cambria Math" panose="02040503050406030204" pitchFamily="18" charset="0"/>
+                            </a:rPr>
+                            <m:t>2</m:t>
+                          </m:r>
+                        </m:den>
+                      </m:f>
+                      <m:r>
+                        <a:rPr lang="fr-FR" sz="2000" b="0" i="1" smtClean="0">
+                          <a:solidFill>
+                            <a:schemeClr val="bg2">
+                              <a:lumMod val="50000"/>
+                            </a:schemeClr>
+                          </a:solidFill>
+                          <a:latin typeface="Cambria Math" panose="02040503050406030204" pitchFamily="18" charset="0"/>
+                        </a:rPr>
+                        <m:t>∑</m:t>
+                      </m:r>
+                      <m:sSup>
+                        <m:sSupPr>
+                          <m:ctrlPr>
+                            <a:rPr lang="fr-FR" sz="2000" b="0" i="1" smtClean="0">
+                              <a:solidFill>
+                                <a:schemeClr val="bg2">
+                                  <a:lumMod val="50000"/>
+                                </a:schemeClr>
+                              </a:solidFill>
+                              <a:latin typeface="Cambria Math" panose="02040503050406030204" pitchFamily="18" charset="0"/>
+                            </a:rPr>
+                          </m:ctrlPr>
+                        </m:sSupPr>
+                        <m:e>
+                          <m:d>
+                            <m:dPr>
+                              <m:ctrlPr>
+                                <a:rPr lang="fr-FR" sz="2000" b="0" i="1" smtClean="0">
+                                  <a:solidFill>
+                                    <a:schemeClr val="bg2">
+                                      <a:lumMod val="50000"/>
+                                    </a:schemeClr>
+                                  </a:solidFill>
+                                  <a:latin typeface="Cambria Math" panose="02040503050406030204" pitchFamily="18" charset="0"/>
+                                </a:rPr>
+                              </m:ctrlPr>
+                            </m:dPr>
+                            <m:e>
+                              <m:r>
+                                <a:rPr lang="fr-FR" sz="2000" b="0" i="1" smtClean="0">
+                                  <a:solidFill>
+                                    <a:schemeClr val="bg2">
+                                      <a:lumMod val="50000"/>
+                                    </a:schemeClr>
+                                  </a:solidFill>
+                                  <a:latin typeface="Cambria Math" panose="02040503050406030204" pitchFamily="18" charset="0"/>
+                                </a:rPr>
+                                <m:t>𝑡</m:t>
+                              </m:r>
+                              <m:r>
+                                <a:rPr lang="fr-FR" sz="2000" b="0" i="1" smtClean="0">
+                                  <a:solidFill>
+                                    <a:schemeClr val="bg2">
+                                      <a:lumMod val="50000"/>
+                                    </a:schemeClr>
+                                  </a:solidFill>
+                                  <a:latin typeface="Cambria Math" panose="02040503050406030204" pitchFamily="18" charset="0"/>
+                                </a:rPr>
+                                <m:t> −</m:t>
+                              </m:r>
+                              <m:acc>
+                                <m:accPr>
+                                  <m:chr m:val="̂"/>
+                                  <m:ctrlPr>
+                                    <a:rPr lang="fr-FR" sz="2000" b="0" i="1" smtClean="0">
+                                      <a:solidFill>
+                                        <a:schemeClr val="bg2">
+                                          <a:lumMod val="50000"/>
+                                        </a:schemeClr>
+                                      </a:solidFill>
+                                      <a:latin typeface="Cambria Math" panose="02040503050406030204" pitchFamily="18" charset="0"/>
+                                    </a:rPr>
+                                  </m:ctrlPr>
+                                </m:accPr>
+                                <m:e>
+                                  <m:r>
+                                    <a:rPr lang="fr-FR" sz="2000" b="0" i="1" smtClean="0">
+                                      <a:solidFill>
+                                        <a:schemeClr val="bg2">
+                                          <a:lumMod val="50000"/>
+                                        </a:schemeClr>
+                                      </a:solidFill>
+                                      <a:latin typeface="Cambria Math" panose="02040503050406030204" pitchFamily="18" charset="0"/>
+                                    </a:rPr>
+                                    <m:t>𝑡</m:t>
+                                  </m:r>
+                                </m:e>
+                              </m:acc>
+                            </m:e>
+                          </m:d>
+                        </m:e>
+                        <m:sup>
+                          <m:r>
+                            <a:rPr lang="fr-FR" sz="2000" b="0" i="1" smtClean="0">
+                              <a:solidFill>
+                                <a:schemeClr val="bg2">
+                                  <a:lumMod val="50000"/>
+                                </a:schemeClr>
+                              </a:solidFill>
+                              <a:latin typeface="Cambria Math" panose="02040503050406030204" pitchFamily="18" charset="0"/>
+                            </a:rPr>
+                            <m:t>2</m:t>
+                          </m:r>
+                        </m:sup>
+                      </m:sSup>
+                    </m:oMath>
+                  </m:oMathPara>
+                </a14:m>
+                <a:endParaRPr lang="fr-FR" sz="2000" dirty="0">
+                  <a:solidFill>
+                    <a:schemeClr val="bg2">
+                      <a:lumMod val="50000"/>
+                    </a:schemeClr>
+                  </a:solidFill>
+                </a:endParaRPr>
+              </a:p>
+            </p:txBody>
+          </p:sp>
+        </mc:Choice>
+        <mc:Fallback xmlns="">
+          <p:sp>
+            <p:nvSpPr>
+              <p:cNvPr id="3" name="Espace réservé du contenu 2">
+                <a:extLst>
+                  <a:ext uri="{FF2B5EF4-FFF2-40B4-BE49-F238E27FC236}">
+                    <a16:creationId xmlns:a16="http://schemas.microsoft.com/office/drawing/2014/main" id="{B59E77B8-2D75-472C-B76C-ABDDE0CAFCD5}"/>
+                  </a:ext>
+                </a:extLst>
+              </p:cNvPr>
+              <p:cNvSpPr>
+                <a:spLocks noGrp="1" noRot="1" noChangeAspect="1" noMove="1" noResize="1" noEditPoints="1" noAdjustHandles="1" noChangeArrowheads="1" noChangeShapeType="1" noTextEdit="1"/>
+              </p:cNvSpPr>
+              <p:nvPr>
+                <p:ph idx="1"/>
+              </p:nvPr>
+            </p:nvSpPr>
+            <p:spPr>
+              <a:xfrm>
+                <a:off x="537750" y="431073"/>
+                <a:ext cx="10839994" cy="6021978"/>
+              </a:xfrm>
+              <a:blipFill>
+                <a:blip r:embed="rId2"/>
+                <a:stretch>
+                  <a:fillRect l="-731" t="-1316"/>
+                </a:stretch>
+              </a:blipFill>
+            </p:spPr>
+            <p:txBody>
+              <a:bodyPr/>
+              <a:lstStyle/>
+              <a:p>
+                <a:r>
+                  <a:rPr lang="fr-FR">
+                    <a:noFill/>
+                  </a:rPr>
+                  <a:t> </a:t>
+                </a:r>
+              </a:p>
+            </p:txBody>
+          </p:sp>
+        </mc:Fallback>
+      </mc:AlternateContent>
+      <p:grpSp>
+        <p:nvGrpSpPr>
+          <p:cNvPr id="32" name="Groupe 31">
+            <a:extLst>
+              <a:ext uri="{FF2B5EF4-FFF2-40B4-BE49-F238E27FC236}">
+                <a16:creationId xmlns:a16="http://schemas.microsoft.com/office/drawing/2014/main" id="{7A7762E3-27CE-4461-BBEE-AA51674729F3}"/>
+              </a:ext>
+            </a:extLst>
+          </p:cNvPr>
+          <p:cNvGrpSpPr/>
+          <p:nvPr/>
+        </p:nvGrpSpPr>
+        <p:grpSpPr>
+          <a:xfrm>
+            <a:off x="609328" y="1043977"/>
+            <a:ext cx="10928054" cy="2212580"/>
+            <a:chOff x="1469139" y="477585"/>
+            <a:chExt cx="10928054" cy="2212580"/>
+          </a:xfrm>
+        </p:grpSpPr>
+        <p:sp>
+          <p:nvSpPr>
+            <p:cNvPr id="33" name="ZoneTexte 32">
+              <a:extLst>
+                <a:ext uri="{FF2B5EF4-FFF2-40B4-BE49-F238E27FC236}">
+                  <a16:creationId xmlns:a16="http://schemas.microsoft.com/office/drawing/2014/main" id="{009BECDB-6184-4A2B-9021-A87BC14E2982}"/>
+                </a:ext>
+              </a:extLst>
+            </p:cNvPr>
+            <p:cNvSpPr txBox="1"/>
+            <p:nvPr/>
+          </p:nvSpPr>
+          <p:spPr>
+            <a:xfrm>
+              <a:off x="1469139" y="515950"/>
+              <a:ext cx="1291444" cy="369332"/>
+            </a:xfrm>
+            <a:prstGeom prst="rect">
+              <a:avLst/>
+            </a:prstGeom>
+            <a:noFill/>
+          </p:spPr>
+          <p:txBody>
+            <a:bodyPr wrap="square">
+              <a:spAutoFit/>
+            </a:bodyPr>
+            <a:lstStyle/>
+            <a:p>
+              <a:r>
+                <a:rPr lang="fr-FR" sz="1800" u="sng" dirty="0">
+                  <a:solidFill>
+                    <a:schemeClr val="bg2">
+                      <a:lumMod val="50000"/>
+                    </a:schemeClr>
+                  </a:solidFill>
+                </a:rPr>
+                <a:t>Données :</a:t>
+              </a:r>
+              <a:endParaRPr lang="fr-FR" dirty="0"/>
+            </a:p>
+          </p:txBody>
+        </p:sp>
+        <p:grpSp>
+          <p:nvGrpSpPr>
+            <p:cNvPr id="34" name="Groupe 33">
+              <a:extLst>
+                <a:ext uri="{FF2B5EF4-FFF2-40B4-BE49-F238E27FC236}">
+                  <a16:creationId xmlns:a16="http://schemas.microsoft.com/office/drawing/2014/main" id="{2EBC9D52-3795-4C47-8A4B-A749ED7E70F4}"/>
+                </a:ext>
+              </a:extLst>
+            </p:cNvPr>
+            <p:cNvGrpSpPr/>
+            <p:nvPr/>
+          </p:nvGrpSpPr>
+          <p:grpSpPr>
+            <a:xfrm>
+              <a:off x="2703461" y="477585"/>
+              <a:ext cx="9693732" cy="2212580"/>
+              <a:chOff x="1821179" y="2925667"/>
+              <a:chExt cx="9693732" cy="2212580"/>
+            </a:xfrm>
+          </p:grpSpPr>
+          <p:grpSp>
+            <p:nvGrpSpPr>
+              <p:cNvPr id="35" name="Groupe 34">
+                <a:extLst>
+                  <a:ext uri="{FF2B5EF4-FFF2-40B4-BE49-F238E27FC236}">
+                    <a16:creationId xmlns:a16="http://schemas.microsoft.com/office/drawing/2014/main" id="{21A7D8CF-E14F-47D2-AF07-B6A85B62FEC7}"/>
+                  </a:ext>
+                </a:extLst>
+              </p:cNvPr>
+              <p:cNvGrpSpPr/>
+              <p:nvPr/>
+            </p:nvGrpSpPr>
+            <p:grpSpPr>
+              <a:xfrm>
+                <a:off x="1821179" y="2925667"/>
+                <a:ext cx="3278778" cy="2212580"/>
+                <a:chOff x="2586449" y="2285594"/>
+                <a:chExt cx="3278778" cy="2212580"/>
+              </a:xfrm>
+            </p:grpSpPr>
+            <p:pic>
+              <p:nvPicPr>
+                <p:cNvPr id="40" name="Image 39">
+                  <a:extLst>
+                    <a:ext uri="{FF2B5EF4-FFF2-40B4-BE49-F238E27FC236}">
+                      <a16:creationId xmlns:a16="http://schemas.microsoft.com/office/drawing/2014/main" id="{4328359B-0D75-499F-BEA9-3FB19942B14E}"/>
+                    </a:ext>
+                  </a:extLst>
+                </p:cNvPr>
+                <p:cNvPicPr>
+                  <a:picLocks noChangeAspect="1"/>
+                </p:cNvPicPr>
+                <p:nvPr/>
+              </p:nvPicPr>
+              <p:blipFill>
+                <a:blip r:embed="rId3"/>
+                <a:stretch>
+                  <a:fillRect/>
+                </a:stretch>
+              </p:blipFill>
+              <p:spPr>
+                <a:xfrm>
+                  <a:off x="2749731" y="2285594"/>
+                  <a:ext cx="2743200" cy="1977899"/>
+                </a:xfrm>
+                <a:prstGeom prst="rect">
+                  <a:avLst/>
+                </a:prstGeom>
+              </p:spPr>
+            </p:pic>
+            <p:sp>
+              <p:nvSpPr>
+                <p:cNvPr id="41" name="ZoneTexte 40">
+                  <a:extLst>
+                    <a:ext uri="{FF2B5EF4-FFF2-40B4-BE49-F238E27FC236}">
+                      <a16:creationId xmlns:a16="http://schemas.microsoft.com/office/drawing/2014/main" id="{76D3B745-03C9-4705-98E2-769BD0BBED7A}"/>
+                    </a:ext>
+                  </a:extLst>
+                </p:cNvPr>
+                <p:cNvSpPr txBox="1"/>
+                <p:nvPr/>
+              </p:nvSpPr>
+              <p:spPr>
+                <a:xfrm flipH="1">
+                  <a:off x="2586449" y="4251953"/>
+                  <a:ext cx="3278778" cy="246221"/>
+                </a:xfrm>
+                <a:prstGeom prst="rect">
+                  <a:avLst/>
+                </a:prstGeom>
+                <a:noFill/>
+              </p:spPr>
+              <p:txBody>
+                <a:bodyPr wrap="square" rtlCol="0">
+                  <a:spAutoFit/>
+                </a:bodyPr>
+                <a:lstStyle/>
+                <a:p>
+                  <a:r>
+                    <a:rPr lang="en-US" sz="1000" dirty="0"/>
+                    <a:t>[C. Bishop, Pattern recognition and Machine learning, 2006]</a:t>
+                  </a:r>
+                  <a:endParaRPr lang="fr-FR" sz="1000" dirty="0"/>
+                </a:p>
+              </p:txBody>
+            </p:sp>
+          </p:grpSp>
+          <p:cxnSp>
+            <p:nvCxnSpPr>
+              <p:cNvPr id="36" name="Connecteur droit avec flèche 35">
+                <a:extLst>
+                  <a:ext uri="{FF2B5EF4-FFF2-40B4-BE49-F238E27FC236}">
+                    <a16:creationId xmlns:a16="http://schemas.microsoft.com/office/drawing/2014/main" id="{133735D5-60DB-45DE-A472-7C8CC13A4E01}"/>
+                  </a:ext>
+                </a:extLst>
+              </p:cNvPr>
+              <p:cNvCxnSpPr>
+                <a:cxnSpLocks/>
+              </p:cNvCxnSpPr>
+              <p:nvPr/>
+            </p:nvCxnSpPr>
+            <p:spPr>
+              <a:xfrm flipH="1">
+                <a:off x="4095206" y="3938452"/>
+                <a:ext cx="1208314" cy="111034"/>
+              </a:xfrm>
+              <a:prstGeom prst="straightConnector1">
+                <a:avLst/>
+              </a:prstGeom>
+              <a:ln>
+                <a:tailEnd type="triangle"/>
+              </a:ln>
+            </p:spPr>
+            <p:style>
+              <a:lnRef idx="1">
+                <a:schemeClr val="accent1"/>
+              </a:lnRef>
+              <a:fillRef idx="0">
+                <a:schemeClr val="accent1"/>
+              </a:fillRef>
+              <a:effectRef idx="0">
+                <a:schemeClr val="accent1"/>
+              </a:effectRef>
+              <a:fontRef idx="minor">
+                <a:schemeClr val="tx1"/>
+              </a:fontRef>
+            </p:style>
+          </p:cxnSp>
+          <p:cxnSp>
+            <p:nvCxnSpPr>
+              <p:cNvPr id="37" name="Connecteur droit avec flèche 36">
+                <a:extLst>
+                  <a:ext uri="{FF2B5EF4-FFF2-40B4-BE49-F238E27FC236}">
+                    <a16:creationId xmlns:a16="http://schemas.microsoft.com/office/drawing/2014/main" id="{46F9CA1E-1276-49D5-A5DE-B7AB22186716}"/>
+                  </a:ext>
+                </a:extLst>
+              </p:cNvPr>
+              <p:cNvCxnSpPr>
+                <a:cxnSpLocks/>
+              </p:cNvCxnSpPr>
+              <p:nvPr/>
+            </p:nvCxnSpPr>
+            <p:spPr>
+              <a:xfrm flipH="1">
+                <a:off x="3272247" y="3429000"/>
+                <a:ext cx="1985553" cy="137153"/>
+              </a:xfrm>
+              <a:prstGeom prst="straightConnector1">
+                <a:avLst/>
+              </a:prstGeom>
+              <a:ln>
+                <a:tailEnd type="triangle"/>
+              </a:ln>
+            </p:spPr>
+            <p:style>
+              <a:lnRef idx="1">
+                <a:schemeClr val="accent1"/>
+              </a:lnRef>
+              <a:fillRef idx="0">
+                <a:schemeClr val="accent1"/>
+              </a:fillRef>
+              <a:effectRef idx="0">
+                <a:schemeClr val="accent1"/>
+              </a:effectRef>
+              <a:fontRef idx="minor">
+                <a:schemeClr val="tx1"/>
+              </a:fontRef>
+            </p:style>
+          </p:cxnSp>
+          <mc:AlternateContent xmlns:mc="http://schemas.openxmlformats.org/markup-compatibility/2006" xmlns:a14="http://schemas.microsoft.com/office/drawing/2010/main">
+            <mc:Choice Requires="a14">
+              <p:sp>
+                <p:nvSpPr>
+                  <p:cNvPr id="38" name="ZoneTexte 37">
+                    <a:extLst>
+                      <a:ext uri="{FF2B5EF4-FFF2-40B4-BE49-F238E27FC236}">
+                        <a16:creationId xmlns:a16="http://schemas.microsoft.com/office/drawing/2014/main" id="{514A9030-1B02-44BB-9CDC-C99162E94717}"/>
+                      </a:ext>
+                    </a:extLst>
+                  </p:cNvPr>
+                  <p:cNvSpPr txBox="1"/>
+                  <p:nvPr/>
+                </p:nvSpPr>
+                <p:spPr>
+                  <a:xfrm>
+                    <a:off x="4794071" y="3196048"/>
+                    <a:ext cx="6720840" cy="923330"/>
+                  </a:xfrm>
+                  <a:prstGeom prst="rect">
+                    <a:avLst/>
+                  </a:prstGeom>
+                  <a:noFill/>
+                </p:spPr>
+                <p:txBody>
+                  <a:bodyPr wrap="square" rtlCol="0">
+                    <a:spAutoFit/>
+                  </a:bodyPr>
+                  <a:lstStyle/>
+                  <a:p>
+                    <a:pPr marL="457200" lvl="1" indent="0">
+                      <a:buNone/>
+                    </a:pPr>
+                    <a14:m>
+                      <m:oMathPara xmlns:m="http://schemas.openxmlformats.org/officeDocument/2006/math">
+                        <m:oMathParaPr>
+                          <m:jc m:val="left"/>
+                        </m:oMathParaPr>
+                        <m:oMath xmlns:m="http://schemas.openxmlformats.org/officeDocument/2006/math">
+                          <m:r>
+                            <m:rPr>
+                              <m:sty m:val="p"/>
+                            </m:rPr>
+                            <a:rPr lang="fr-FR" sz="1800" smtClean="0">
+                              <a:solidFill>
+                                <a:schemeClr val="bg2">
+                                  <a:lumMod val="50000"/>
+                                </a:schemeClr>
+                              </a:solidFill>
+                              <a:latin typeface="Cambria Math" panose="02040503050406030204" pitchFamily="18" charset="0"/>
+                            </a:rPr>
+                            <m:t>sin</m:t>
+                          </m:r>
+                          <m:r>
+                            <a:rPr lang="fr-FR" sz="1800" smtClean="0">
+                              <a:solidFill>
+                                <a:schemeClr val="bg2">
+                                  <a:lumMod val="50000"/>
+                                </a:schemeClr>
+                              </a:solidFill>
+                              <a:latin typeface="Cambria Math" panose="02040503050406030204" pitchFamily="18" charset="0"/>
+                            </a:rPr>
+                            <m:t>(2</m:t>
+                          </m:r>
+                          <m:r>
+                            <a:rPr lang="fr-FR" sz="1800" smtClean="0">
+                              <a:solidFill>
+                                <a:schemeClr val="bg2">
+                                  <a:lumMod val="50000"/>
+                                </a:schemeClr>
+                              </a:solidFill>
+                              <a:latin typeface="Cambria Math" panose="02040503050406030204" pitchFamily="18" charset="0"/>
+                            </a:rPr>
+                            <m:t>𝜋</m:t>
+                          </m:r>
+                          <m:r>
+                            <a:rPr lang="fr-FR" sz="1800" smtClean="0">
+                              <a:solidFill>
+                                <a:schemeClr val="bg2">
+                                  <a:lumMod val="50000"/>
+                                </a:schemeClr>
+                              </a:solidFill>
+                              <a:latin typeface="Cambria Math" panose="02040503050406030204" pitchFamily="18" charset="0"/>
+                            </a:rPr>
+                            <m:t>𝑥</m:t>
+                          </m:r>
+                          <m:r>
+                            <a:rPr lang="fr-FR" sz="1800" smtClean="0">
+                              <a:solidFill>
+                                <a:schemeClr val="bg2">
+                                  <a:lumMod val="50000"/>
+                                </a:schemeClr>
+                              </a:solidFill>
+                              <a:latin typeface="Cambria Math" panose="02040503050406030204" pitchFamily="18" charset="0"/>
+                            </a:rPr>
+                            <m:t>)</m:t>
+                          </m:r>
+                        </m:oMath>
+                      </m:oMathPara>
+                    </a14:m>
+                    <a:endParaRPr lang="fr-FR" dirty="0">
+                      <a:solidFill>
+                        <a:schemeClr val="bg2">
+                          <a:lumMod val="50000"/>
+                        </a:schemeClr>
+                      </a:solidFill>
+                    </a:endParaRPr>
+                  </a:p>
+                  <a:p>
+                    <a:pPr marL="457200" lvl="1" indent="0">
+                      <a:buNone/>
+                    </a:pPr>
+                    <a:endParaRPr lang="fr-FR" sz="1800" u="sng" dirty="0">
+                      <a:solidFill>
+                        <a:schemeClr val="bg2">
+                          <a:lumMod val="50000"/>
+                        </a:schemeClr>
+                      </a:solidFill>
+                    </a:endParaRPr>
+                  </a:p>
+                  <a:p>
+                    <a:pPr marL="457200" lvl="1" indent="0">
+                      <a:buNone/>
+                    </a:pPr>
+                    <a:r>
+                      <a:rPr lang="fr-FR" dirty="0">
+                        <a:solidFill>
+                          <a:schemeClr val="bg2">
+                            <a:lumMod val="50000"/>
+                          </a:schemeClr>
+                        </a:solidFill>
+                      </a:rPr>
+                      <a:t>S</a:t>
+                    </a:r>
+                    <a:r>
+                      <a:rPr lang="fr-FR" sz="1800" dirty="0">
+                        <a:solidFill>
+                          <a:schemeClr val="bg2">
+                            <a:lumMod val="50000"/>
+                          </a:schemeClr>
+                        </a:solidFill>
+                      </a:rPr>
+                      <a:t>orties t générées avec cette fonction + du « bruit »</a:t>
+                    </a:r>
+                    <a:endParaRPr lang="fr-FR" dirty="0"/>
+                  </a:p>
+                </p:txBody>
+              </p:sp>
+            </mc:Choice>
+            <mc:Fallback xmlns="">
+              <p:sp>
+                <p:nvSpPr>
+                  <p:cNvPr id="38" name="ZoneTexte 37">
+                    <a:extLst>
+                      <a:ext uri="{FF2B5EF4-FFF2-40B4-BE49-F238E27FC236}">
+                        <a16:creationId xmlns:a16="http://schemas.microsoft.com/office/drawing/2014/main" id="{514A9030-1B02-44BB-9CDC-C99162E94717}"/>
+                      </a:ext>
+                    </a:extLst>
+                  </p:cNvPr>
+                  <p:cNvSpPr txBox="1">
+                    <a:spLocks noRot="1" noChangeAspect="1" noMove="1" noResize="1" noEditPoints="1" noAdjustHandles="1" noChangeArrowheads="1" noChangeShapeType="1" noTextEdit="1"/>
+                  </p:cNvSpPr>
+                  <p:nvPr/>
+                </p:nvSpPr>
+                <p:spPr>
+                  <a:xfrm>
+                    <a:off x="4794071" y="3196048"/>
+                    <a:ext cx="6720840" cy="923330"/>
+                  </a:xfrm>
+                  <a:prstGeom prst="rect">
+                    <a:avLst/>
+                  </a:prstGeom>
+                  <a:blipFill>
+                    <a:blip r:embed="rId4"/>
+                    <a:stretch>
+                      <a:fillRect b="-9934"/>
+                    </a:stretch>
+                  </a:blipFill>
+                </p:spPr>
+                <p:txBody>
+                  <a:bodyPr/>
+                  <a:lstStyle/>
+                  <a:p>
+                    <a:r>
+                      <a:rPr lang="fr-FR">
+                        <a:noFill/>
+                      </a:rPr>
+                      <a:t> </a:t>
+                    </a:r>
+                  </a:p>
+                </p:txBody>
+              </p:sp>
+            </mc:Fallback>
+          </mc:AlternateContent>
+          <p:cxnSp>
+            <p:nvCxnSpPr>
+              <p:cNvPr id="39" name="Connecteur droit avec flèche 38">
+                <a:extLst>
+                  <a:ext uri="{FF2B5EF4-FFF2-40B4-BE49-F238E27FC236}">
+                    <a16:creationId xmlns:a16="http://schemas.microsoft.com/office/drawing/2014/main" id="{6AE5AD4B-BBCC-4059-ADA2-C0A75F414CF6}"/>
+                  </a:ext>
+                </a:extLst>
+              </p:cNvPr>
+              <p:cNvCxnSpPr>
+                <a:cxnSpLocks/>
+              </p:cNvCxnSpPr>
+              <p:nvPr/>
+            </p:nvCxnSpPr>
+            <p:spPr>
+              <a:xfrm flipH="1" flipV="1">
+                <a:off x="3655406" y="3790620"/>
+                <a:ext cx="1648114" cy="141286"/>
+              </a:xfrm>
+              <a:prstGeom prst="straightConnector1">
+                <a:avLst/>
+              </a:prstGeom>
+              <a:ln>
+                <a:tailEnd type="triangle"/>
+              </a:ln>
+            </p:spPr>
+            <p:style>
+              <a:lnRef idx="1">
+                <a:schemeClr val="accent1"/>
+              </a:lnRef>
+              <a:fillRef idx="0">
+                <a:schemeClr val="accent1"/>
+              </a:fillRef>
+              <a:effectRef idx="0">
+                <a:schemeClr val="accent1"/>
+              </a:effectRef>
+              <a:fontRef idx="minor">
+                <a:schemeClr val="tx1"/>
+              </a:fontRef>
+            </p:style>
+          </p:cxnSp>
+        </p:grpSp>
+      </p:grpSp>
+    </p:spTree>
+    <p:extLst>
+      <p:ext uri="{BB962C8B-B14F-4D97-AF65-F5344CB8AC3E}">
+        <p14:creationId xmlns:p14="http://schemas.microsoft.com/office/powerpoint/2010/main" val="3177630845"/>
+      </p:ext>
+    </p:extLst>
+  </p:cSld>
+  <p:clrMapOvr>
+    <a:masterClrMapping/>
+  </p:clrMapOvr>
+</p:sld>
+</file>
+
+<file path=ppt/slides/slide11.xml><?xml version="1.0" encoding="utf-8"?>
+<p:sld xmlns:a="http://schemas.openxmlformats.org/drawingml/2006/main" xmlns:r="http://schemas.openxmlformats.org/officeDocument/2006/relationships" xmlns:p="http://schemas.openxmlformats.org/presentationml/2006/main">
+  <p:cSld>
+    <p:spTree>
+      <p:nvGrpSpPr>
+        <p:cNvPr id="1" name=""/>
+        <p:cNvGrpSpPr/>
+        <p:nvPr/>
+      </p:nvGrpSpPr>
+      <p:grpSpPr>
+        <a:xfrm>
+          <a:off x="0" y="0"/>
+          <a:ext cx="0" cy="0"/>
+          <a:chOff x="0" y="0"/>
+          <a:chExt cx="0" cy="0"/>
+        </a:xfrm>
+      </p:grpSpPr>
       <p:sp>
         <p:nvSpPr>
           <p:cNvPr id="3" name="Espace réservé du contenu 2">
@@ -3909,7 +5270,7 @@
 </p:sld>
 </file>
 
-<file path=ppt/slides/slide11.xml><?xml version="1.0" encoding="utf-8"?>
+<file path=ppt/slides/slide12.xml><?xml version="1.0" encoding="utf-8"?>
 <p:sld xmlns:a="http://schemas.openxmlformats.org/drawingml/2006/main" xmlns:r="http://schemas.openxmlformats.org/officeDocument/2006/relationships" xmlns:p="http://schemas.openxmlformats.org/presentationml/2006/main">
   <p:cSld>
     <p:spTree>
@@ -4426,7 +5787,7 @@
 </p:sld>
 </file>
 
-<file path=ppt/slides/slide12.xml><?xml version="1.0" encoding="utf-8"?>
+<file path=ppt/slides/slide13.xml><?xml version="1.0" encoding="utf-8"?>
 <p:sld xmlns:a="http://schemas.openxmlformats.org/drawingml/2006/main" xmlns:r="http://schemas.openxmlformats.org/officeDocument/2006/relationships" xmlns:p="http://schemas.openxmlformats.org/presentationml/2006/main">
   <p:cSld>
     <p:spTree>
@@ -4591,7 +5952,7 @@
 </p:sld>
 </file>
 
-<file path=ppt/slides/slide13.xml><?xml version="1.0" encoding="utf-8"?>
+<file path=ppt/slides/slide14.xml><?xml version="1.0" encoding="utf-8"?>
 <p:sld xmlns:a="http://schemas.openxmlformats.org/drawingml/2006/main" xmlns:r="http://schemas.openxmlformats.org/officeDocument/2006/relationships" xmlns:p="http://schemas.openxmlformats.org/presentationml/2006/main">
   <p:cSld>
     <p:spTree>
@@ -4825,7 +6186,7 @@
 </p:sld>
 </file>
 
-<file path=ppt/slides/slide14.xml><?xml version="1.0" encoding="utf-8"?>
+<file path=ppt/slides/slide15.xml><?xml version="1.0" encoding="utf-8"?>
 <p:sld xmlns:a="http://schemas.openxmlformats.org/drawingml/2006/main" xmlns:r="http://schemas.openxmlformats.org/officeDocument/2006/relationships" xmlns:p="http://schemas.openxmlformats.org/presentationml/2006/main">
   <p:cSld>
     <p:spTree>
@@ -5966,7 +7327,7 @@
 </p:sld>
 </file>
 
-<file path=ppt/slides/slide15.xml><?xml version="1.0" encoding="utf-8"?>
+<file path=ppt/slides/slide16.xml><?xml version="1.0" encoding="utf-8"?>
 <p:sld xmlns:a="http://schemas.openxmlformats.org/drawingml/2006/main" xmlns:r="http://schemas.openxmlformats.org/officeDocument/2006/relationships" xmlns:p="http://schemas.openxmlformats.org/presentationml/2006/main">
   <p:cSld>
     <p:spTree>
@@ -7246,7 +8607,7 @@
 </p:sld>
 </file>
 
-<file path=ppt/slides/slide16.xml><?xml version="1.0" encoding="utf-8"?>
+<file path=ppt/slides/slide17.xml><?xml version="1.0" encoding="utf-8"?>
 <p:sld xmlns:a="http://schemas.openxmlformats.org/drawingml/2006/main" xmlns:r="http://schemas.openxmlformats.org/officeDocument/2006/relationships" xmlns:p="http://schemas.openxmlformats.org/presentationml/2006/main">
   <p:cSld>
     <p:spTree>
@@ -9056,7 +10417,7 @@
 </p:sld>
 </file>
 
-<file path=ppt/slides/slide17.xml><?xml version="1.0" encoding="utf-8"?>
+<file path=ppt/slides/slide18.xml><?xml version="1.0" encoding="utf-8"?>
 <p:sld xmlns:a="http://schemas.openxmlformats.org/drawingml/2006/main" xmlns:r="http://schemas.openxmlformats.org/officeDocument/2006/relationships" xmlns:p="http://schemas.openxmlformats.org/presentationml/2006/main">
   <p:cSld>
     <p:spTree>
@@ -9091,8 +10452,8 @@
             </p:nvSpPr>
             <p:spPr>
               <a:xfrm>
-                <a:off x="838200" y="1825625"/>
-                <a:ext cx="10515600" cy="4805330"/>
+                <a:off x="838200" y="1573763"/>
+                <a:ext cx="10515600" cy="5057192"/>
               </a:xfrm>
               <a:prstGeom prst="rect">
                 <a:avLst/>
@@ -10181,6 +11542,46 @@
                   <a:buFont typeface="Arial" panose="020B0604020202020204" pitchFamily="34" charset="0"/>
                   <a:buNone/>
                 </a:pPr>
+                <a:r>
+                  <a:rPr kumimoji="0" lang="fr-FR" sz="1300" b="0" i="0" u="none" strike="noStrike" kern="1200" cap="none" spc="0" normalizeH="0" baseline="0" noProof="0" dirty="0">
+                    <a:ln>
+                      <a:noFill/>
+                    </a:ln>
+                    <a:solidFill>
+                      <a:srgbClr val="008000"/>
+                    </a:solidFill>
+                    <a:effectLst/>
+                    <a:uLnTx/>
+                    <a:uFillTx/>
+                    <a:latin typeface="Courier New" panose="02070309020205020404" pitchFamily="49" charset="0"/>
+                    <a:ea typeface="+mn-ea"/>
+                    <a:cs typeface="+mn-cs"/>
+                  </a:rPr>
+                  <a:t># descente de gradient</a:t>
+                </a:r>
+              </a:p>
+              <a:p>
+                <a:pPr marL="0" indent="0">
+                  <a:buFont typeface="Arial" panose="020B0604020202020204" pitchFamily="34" charset="0"/>
+                  <a:buNone/>
+                </a:pPr>
+                <a:r>
+                  <a:rPr kumimoji="0" lang="fr-FR" sz="1300" b="0" i="0" u="none" strike="noStrike" kern="1200" cap="none" spc="0" normalizeH="0" baseline="0" noProof="0" dirty="0">
+                    <a:ln>
+                      <a:noFill/>
+                    </a:ln>
+                    <a:solidFill>
+                      <a:srgbClr val="000000"/>
+                    </a:solidFill>
+                    <a:effectLst/>
+                    <a:uLnTx/>
+                    <a:uFillTx/>
+                    <a:latin typeface="Courier New" panose="02070309020205020404" pitchFamily="49" charset="0"/>
+                    <a:ea typeface="+mn-ea"/>
+                    <a:cs typeface="+mn-cs"/>
+                  </a:rPr>
+                  <a:t> . . .</a:t>
+                </a:r>
                 <a:endParaRPr lang="fr-FR" sz="1800" dirty="0">
                   <a:solidFill>
                     <a:schemeClr val="bg2">
@@ -10436,8 +11837,8 @@
             </p:nvSpPr>
             <p:spPr>
               <a:xfrm>
-                <a:off x="838200" y="1825625"/>
-                <a:ext cx="10515600" cy="4805330"/>
+                <a:off x="838200" y="1573763"/>
+                <a:ext cx="10515600" cy="5057192"/>
               </a:xfrm>
               <a:prstGeom prst="rect">
                 <a:avLst/>
@@ -10445,7 +11846,7 @@
               <a:blipFill>
                 <a:blip r:embed="rId2"/>
                 <a:stretch>
-                  <a:fillRect l="-116" t="-1141"/>
+                  <a:fillRect l="-116" t="-1084"/>
                 </a:stretch>
               </a:blipFill>
             </p:spPr>
@@ -10464,8 +11865,8 @@
           </p:sp>
         </mc:Fallback>
       </mc:AlternateContent>
-      <mc:AlternateContent xmlns:mc="http://schemas.openxmlformats.org/markup-compatibility/2006">
-        <mc:Choice xmlns:a14="http://schemas.microsoft.com/office/drawing/2010/main" Requires="a14">
+      <mc:AlternateContent xmlns:mc="http://schemas.openxmlformats.org/markup-compatibility/2006" xmlns:a14="http://schemas.microsoft.com/office/drawing/2010/main">
+        <mc:Choice Requires="a14">
           <p:sp>
             <p:nvSpPr>
               <p:cNvPr id="3" name="Espace réservé du contenu 2">
@@ -10613,7 +12014,7 @@
             </p:txBody>
           </p:sp>
         </mc:Choice>
-        <mc:Fallback>
+        <mc:Fallback xmlns="">
           <p:sp>
             <p:nvSpPr>
               <p:cNvPr id="3" name="Espace réservé du contenu 2">
@@ -10706,7 +12107,7 @@
 </p:sld>
 </file>
 
-<file path=ppt/slides/slide18.xml><?xml version="1.0" encoding="utf-8"?>
+<file path=ppt/slides/slide19.xml><?xml version="1.0" encoding="utf-8"?>
 <p:sld xmlns:a="http://schemas.openxmlformats.org/drawingml/2006/main" xmlns:r="http://schemas.openxmlformats.org/officeDocument/2006/relationships" xmlns:p="http://schemas.openxmlformats.org/presentationml/2006/main">
   <p:cSld>
     <p:spTree>
@@ -10802,7 +12203,170 @@
 </p:sld>
 </file>
 
-<file path=ppt/slides/slide19.xml><?xml version="1.0" encoding="utf-8"?>
+<file path=ppt/slides/slide2.xml><?xml version="1.0" encoding="utf-8"?>
+<p:sld xmlns:a="http://schemas.openxmlformats.org/drawingml/2006/main" xmlns:r="http://schemas.openxmlformats.org/officeDocument/2006/relationships" xmlns:p="http://schemas.openxmlformats.org/presentationml/2006/main">
+  <p:cSld>
+    <p:spTree>
+      <p:nvGrpSpPr>
+        <p:cNvPr id="1" name=""/>
+        <p:cNvGrpSpPr/>
+        <p:nvPr/>
+      </p:nvGrpSpPr>
+      <p:grpSpPr>
+        <a:xfrm>
+          <a:off x="0" y="0"/>
+          <a:ext cx="0" cy="0"/>
+          <a:chOff x="0" y="0"/>
+          <a:chExt cx="0" cy="0"/>
+        </a:xfrm>
+      </p:grpSpPr>
+      <p:sp>
+        <p:nvSpPr>
+          <p:cNvPr id="2" name="Titre 1">
+            <a:extLst>
+              <a:ext uri="{FF2B5EF4-FFF2-40B4-BE49-F238E27FC236}">
+                <a16:creationId xmlns:a16="http://schemas.microsoft.com/office/drawing/2014/main" id="{D9F9562B-2AF3-44DA-B722-412A0F9E5D27}"/>
+              </a:ext>
+            </a:extLst>
+          </p:cNvPr>
+          <p:cNvSpPr>
+            <a:spLocks noGrp="1"/>
+          </p:cNvSpPr>
+          <p:nvPr>
+            <p:ph type="title"/>
+          </p:nvPr>
+        </p:nvSpPr>
+        <p:spPr/>
+        <p:txBody>
+          <a:bodyPr>
+            <a:normAutofit/>
+          </a:bodyPr>
+          <a:lstStyle/>
+          <a:p>
+            <a:r>
+              <a:rPr lang="fr-FR" sz="3600" dirty="0"/>
+              <a:t>Plan du cours</a:t>
+            </a:r>
+          </a:p>
+        </p:txBody>
+      </p:sp>
+      <p:sp>
+        <p:nvSpPr>
+          <p:cNvPr id="4" name="Titre 6">
+            <a:extLst>
+              <a:ext uri="{FF2B5EF4-FFF2-40B4-BE49-F238E27FC236}">
+                <a16:creationId xmlns:a16="http://schemas.microsoft.com/office/drawing/2014/main" id="{995BDD2F-5F20-424E-8F5E-1ADCB1790DDC}"/>
+              </a:ext>
+            </a:extLst>
+          </p:cNvPr>
+          <p:cNvSpPr>
+            <a:spLocks noGrp="1"/>
+          </p:cNvSpPr>
+          <p:nvPr>
+            <p:ph idx="1"/>
+          </p:nvPr>
+        </p:nvSpPr>
+        <p:spPr>
+          <a:xfrm>
+            <a:off x="838200" y="1825625"/>
+            <a:ext cx="10515600" cy="4351338"/>
+          </a:xfrm>
+        </p:spPr>
+        <p:txBody>
+          <a:bodyPr>
+            <a:normAutofit/>
+          </a:bodyPr>
+          <a:lstStyle/>
+          <a:p>
+            <a:pPr marL="514350" indent="-514350">
+              <a:buFont typeface="+mj-lt"/>
+              <a:buAutoNum type="arabicPeriod"/>
+            </a:pPr>
+            <a:r>
+              <a:rPr lang="fr-FR" sz="2000" dirty="0"/>
+              <a:t>Définir l’Intelligence Artificielle (IA)</a:t>
+            </a:r>
+          </a:p>
+          <a:p>
+            <a:pPr marL="514350" indent="-514350">
+              <a:buFont typeface="+mj-lt"/>
+              <a:buAutoNum type="arabicPeriod"/>
+            </a:pPr>
+            <a:r>
+              <a:rPr lang="fr-FR" sz="2000" dirty="0"/>
+              <a:t>Prérequis (programmation-mathématiques)</a:t>
+            </a:r>
+          </a:p>
+          <a:p>
+            <a:pPr marL="514350" indent="-514350">
+              <a:buFont typeface="+mj-lt"/>
+              <a:buAutoNum type="arabicPeriod"/>
+            </a:pPr>
+            <a:r>
+              <a:rPr lang="fr-FR" sz="2000" dirty="0"/>
+              <a:t>Introduction aux réseaux de neurones</a:t>
+            </a:r>
+            <a:br>
+              <a:rPr lang="fr-FR" sz="2000" dirty="0"/>
+            </a:br>
+            <a:r>
+              <a:rPr lang="fr-FR" sz="2000" dirty="0"/>
+              <a:t>	3.1. Problèmes de régression</a:t>
+            </a:r>
+            <a:br>
+              <a:rPr lang="fr-FR" sz="2000" dirty="0"/>
+            </a:br>
+            <a:r>
+              <a:rPr lang="fr-FR" sz="2000" dirty="0"/>
+              <a:t>	3.2. Descente de gradient, dérivation automatique</a:t>
+            </a:r>
+            <a:br>
+              <a:rPr lang="fr-FR" sz="2000" dirty="0"/>
+            </a:br>
+            <a:r>
+              <a:rPr lang="fr-FR" sz="2000" dirty="0"/>
+              <a:t>	3.3. Un réseau de neurones simple (MLP)</a:t>
+            </a:r>
+          </a:p>
+          <a:p>
+            <a:pPr marL="514350" indent="-514350">
+              <a:buFont typeface="+mj-lt"/>
+              <a:buAutoNum type="arabicPeriod"/>
+            </a:pPr>
+            <a:r>
+              <a:rPr lang="fr-FR" sz="2000" dirty="0"/>
+              <a:t>Les réseaux de neurones récurrents</a:t>
+            </a:r>
+          </a:p>
+          <a:p>
+            <a:pPr marL="514350" indent="-514350">
+              <a:buFont typeface="+mj-lt"/>
+              <a:buAutoNum type="arabicPeriod"/>
+            </a:pPr>
+            <a:r>
+              <a:rPr lang="fr-FR" sz="2000" dirty="0"/>
+              <a:t>Les réseaux de neurones convolutifs</a:t>
+            </a:r>
+          </a:p>
+          <a:p>
+            <a:endParaRPr lang="fr-FR" sz="2000" dirty="0"/>
+          </a:p>
+        </p:txBody>
+      </p:sp>
+    </p:spTree>
+    <p:extLst>
+      <p:ext uri="{BB962C8B-B14F-4D97-AF65-F5344CB8AC3E}">
+        <p14:creationId xmlns:p14="http://schemas.microsoft.com/office/powerpoint/2010/main" val="2172977760"/>
+      </p:ext>
+    </p:extLst>
+  </p:cSld>
+  <p:clrMapOvr>
+    <a:masterClrMapping/>
+  </p:clrMapOvr>
+</p:sld>
+</file>
+
+<file path=ppt/slides/slide20.xml><?xml version="1.0" encoding="utf-8"?>
 <p:sld xmlns:a="http://schemas.openxmlformats.org/drawingml/2006/main" xmlns:r="http://schemas.openxmlformats.org/officeDocument/2006/relationships" xmlns:p="http://schemas.openxmlformats.org/presentationml/2006/main">
   <p:cSld>
     <p:spTree>
@@ -10860,7 +12424,65 @@
 </p:sld>
 </file>
 
-<file path=ppt/slides/slide2.xml><?xml version="1.0" encoding="utf-8"?>
+<file path=ppt/slides/slide21.xml><?xml version="1.0" encoding="utf-8"?>
+<p:sld xmlns:a="http://schemas.openxmlformats.org/drawingml/2006/main" xmlns:r="http://schemas.openxmlformats.org/officeDocument/2006/relationships" xmlns:p="http://schemas.openxmlformats.org/presentationml/2006/main">
+  <p:cSld>
+    <p:spTree>
+      <p:nvGrpSpPr>
+        <p:cNvPr id="1" name=""/>
+        <p:cNvGrpSpPr/>
+        <p:nvPr/>
+      </p:nvGrpSpPr>
+      <p:grpSpPr>
+        <a:xfrm>
+          <a:off x="0" y="0"/>
+          <a:ext cx="0" cy="0"/>
+          <a:chOff x="0" y="0"/>
+          <a:chExt cx="0" cy="0"/>
+        </a:xfrm>
+      </p:grpSpPr>
+      <p:sp>
+        <p:nvSpPr>
+          <p:cNvPr id="7" name="Titre 6">
+            <a:extLst>
+              <a:ext uri="{FF2B5EF4-FFF2-40B4-BE49-F238E27FC236}">
+                <a16:creationId xmlns:a16="http://schemas.microsoft.com/office/drawing/2014/main" id="{74661C02-29AB-46A2-A889-BEEEBBF4BB83}"/>
+              </a:ext>
+            </a:extLst>
+          </p:cNvPr>
+          <p:cNvSpPr>
+            <a:spLocks noGrp="1"/>
+          </p:cNvSpPr>
+          <p:nvPr>
+            <p:ph type="title"/>
+          </p:nvPr>
+        </p:nvSpPr>
+        <p:spPr/>
+        <p:txBody>
+          <a:bodyPr/>
+          <a:lstStyle/>
+          <a:p>
+            <a:r>
+              <a:rPr lang="fr-FR" dirty="0"/>
+              <a:t>5. Les réseaux de neurones convolutifs</a:t>
+            </a:r>
+          </a:p>
+        </p:txBody>
+      </p:sp>
+    </p:spTree>
+    <p:extLst>
+      <p:ext uri="{BB962C8B-B14F-4D97-AF65-F5344CB8AC3E}">
+        <p14:creationId xmlns:p14="http://schemas.microsoft.com/office/powerpoint/2010/main" val="3197496267"/>
+      </p:ext>
+    </p:extLst>
+  </p:cSld>
+  <p:clrMapOvr>
+    <a:masterClrMapping/>
+  </p:clrMapOvr>
+</p:sld>
+</file>
+
+<file path=ppt/slides/slide3.xml><?xml version="1.0" encoding="utf-8"?>
 <p:sld xmlns:a="http://schemas.openxmlformats.org/drawingml/2006/main" xmlns:r="http://schemas.openxmlformats.org/officeDocument/2006/relationships" xmlns:p="http://schemas.openxmlformats.org/presentationml/2006/main">
   <p:cSld>
     <p:spTree>
@@ -10954,65 +12576,7 @@
 </p:sld>
 </file>
 
-<file path=ppt/slides/slide20.xml><?xml version="1.0" encoding="utf-8"?>
-<p:sld xmlns:a="http://schemas.openxmlformats.org/drawingml/2006/main" xmlns:r="http://schemas.openxmlformats.org/officeDocument/2006/relationships" xmlns:p="http://schemas.openxmlformats.org/presentationml/2006/main">
-  <p:cSld>
-    <p:spTree>
-      <p:nvGrpSpPr>
-        <p:cNvPr id="1" name=""/>
-        <p:cNvGrpSpPr/>
-        <p:nvPr/>
-      </p:nvGrpSpPr>
-      <p:grpSpPr>
-        <a:xfrm>
-          <a:off x="0" y="0"/>
-          <a:ext cx="0" cy="0"/>
-          <a:chOff x="0" y="0"/>
-          <a:chExt cx="0" cy="0"/>
-        </a:xfrm>
-      </p:grpSpPr>
-      <p:sp>
-        <p:nvSpPr>
-          <p:cNvPr id="7" name="Titre 6">
-            <a:extLst>
-              <a:ext uri="{FF2B5EF4-FFF2-40B4-BE49-F238E27FC236}">
-                <a16:creationId xmlns:a16="http://schemas.microsoft.com/office/drawing/2014/main" id="{74661C02-29AB-46A2-A889-BEEEBBF4BB83}"/>
-              </a:ext>
-            </a:extLst>
-          </p:cNvPr>
-          <p:cNvSpPr>
-            <a:spLocks noGrp="1"/>
-          </p:cNvSpPr>
-          <p:nvPr>
-            <p:ph type="title"/>
-          </p:nvPr>
-        </p:nvSpPr>
-        <p:spPr/>
-        <p:txBody>
-          <a:bodyPr/>
-          <a:lstStyle/>
-          <a:p>
-            <a:r>
-              <a:rPr lang="fr-FR" dirty="0"/>
-              <a:t>5. Les réseaux de neurones convolutifs</a:t>
-            </a:r>
-          </a:p>
-        </p:txBody>
-      </p:sp>
-    </p:spTree>
-    <p:extLst>
-      <p:ext uri="{BB962C8B-B14F-4D97-AF65-F5344CB8AC3E}">
-        <p14:creationId xmlns:p14="http://schemas.microsoft.com/office/powerpoint/2010/main" val="3197496267"/>
-      </p:ext>
-    </p:extLst>
-  </p:cSld>
-  <p:clrMapOvr>
-    <a:masterClrMapping/>
-  </p:clrMapOvr>
-</p:sld>
-</file>
-
-<file path=ppt/slides/slide3.xml><?xml version="1.0" encoding="utf-8"?>
+<file path=ppt/slides/slide4.xml><?xml version="1.0" encoding="utf-8"?>
 <p:sld xmlns:a="http://schemas.openxmlformats.org/drawingml/2006/main" xmlns:r="http://schemas.openxmlformats.org/officeDocument/2006/relationships" xmlns:p="http://schemas.openxmlformats.org/presentationml/2006/main">
   <p:cSld>
     <p:spTree>
@@ -11307,7 +12871,7 @@
 </p:sld>
 </file>
 
-<file path=ppt/slides/slide4.xml><?xml version="1.0" encoding="utf-8"?>
+<file path=ppt/slides/slide5.xml><?xml version="1.0" encoding="utf-8"?>
 <p:sld xmlns:a="http://schemas.openxmlformats.org/drawingml/2006/main" xmlns:r="http://schemas.openxmlformats.org/officeDocument/2006/relationships" xmlns:p="http://schemas.openxmlformats.org/presentationml/2006/main">
   <p:cSld>
     <p:spTree>
@@ -11454,7 +13018,7 @@
 </p:sld>
 </file>
 
-<file path=ppt/slides/slide5.xml><?xml version="1.0" encoding="utf-8"?>
+<file path=ppt/slides/slide6.xml><?xml version="1.0" encoding="utf-8"?>
 <p:sld xmlns:a="http://schemas.openxmlformats.org/drawingml/2006/main" xmlns:r="http://schemas.openxmlformats.org/officeDocument/2006/relationships" xmlns:p="http://schemas.openxmlformats.org/presentationml/2006/main">
   <p:cSld>
     <p:spTree>
@@ -11553,7 +13117,7 @@
 </p:sld>
 </file>
 
-<file path=ppt/slides/slide6.xml><?xml version="1.0" encoding="utf-8"?>
+<file path=ppt/slides/slide7.xml><?xml version="1.0" encoding="utf-8"?>
 <p:sld xmlns:a="http://schemas.openxmlformats.org/drawingml/2006/main" xmlns:r="http://schemas.openxmlformats.org/officeDocument/2006/relationships" xmlns:p="http://schemas.openxmlformats.org/presentationml/2006/main">
   <p:cSld>
     <p:spTree>
@@ -11861,7 +13425,7 @@
 </p:sld>
 </file>
 
-<file path=ppt/slides/slide7.xml><?xml version="1.0" encoding="utf-8"?>
+<file path=ppt/slides/slide8.xml><?xml version="1.0" encoding="utf-8"?>
 <p:sld xmlns:a="http://schemas.openxmlformats.org/drawingml/2006/main" xmlns:r="http://schemas.openxmlformats.org/officeDocument/2006/relationships" xmlns:p="http://schemas.openxmlformats.org/presentationml/2006/main">
   <p:cSld>
     <p:spTree>
@@ -11982,7 +13546,7 @@
 </p:sld>
 </file>
 
-<file path=ppt/slides/slide8.xml><?xml version="1.0" encoding="utf-8"?>
+<file path=ppt/slides/slide9.xml><?xml version="1.0" encoding="utf-8"?>
 <p:sld xmlns:a="http://schemas.openxmlformats.org/drawingml/2006/main" xmlns:r="http://schemas.openxmlformats.org/officeDocument/2006/relationships" xmlns:p="http://schemas.openxmlformats.org/presentationml/2006/main">
   <p:cSld>
     <p:spTree>
@@ -13336,1366 +14900,6 @@
 </p:sld>
 </file>
 
-<file path=ppt/slides/slide9.xml><?xml version="1.0" encoding="utf-8"?>
-<p:sld xmlns:a="http://schemas.openxmlformats.org/drawingml/2006/main" xmlns:r="http://schemas.openxmlformats.org/officeDocument/2006/relationships" xmlns:p="http://schemas.openxmlformats.org/presentationml/2006/main">
-  <p:cSld>
-    <p:spTree>
-      <p:nvGrpSpPr>
-        <p:cNvPr id="1" name=""/>
-        <p:cNvGrpSpPr/>
-        <p:nvPr/>
-      </p:nvGrpSpPr>
-      <p:grpSpPr>
-        <a:xfrm>
-          <a:off x="0" y="0"/>
-          <a:ext cx="0" cy="0"/>
-          <a:chOff x="0" y="0"/>
-          <a:chExt cx="0" cy="0"/>
-        </a:xfrm>
-      </p:grpSpPr>
-      <mc:AlternateContent xmlns:mc="http://schemas.openxmlformats.org/markup-compatibility/2006" xmlns:a14="http://schemas.microsoft.com/office/drawing/2010/main">
-        <mc:Choice Requires="a14">
-          <p:sp>
-            <p:nvSpPr>
-              <p:cNvPr id="3" name="Espace réservé du contenu 2">
-                <a:extLst>
-                  <a:ext uri="{FF2B5EF4-FFF2-40B4-BE49-F238E27FC236}">
-                    <a16:creationId xmlns:a16="http://schemas.microsoft.com/office/drawing/2014/main" id="{B59E77B8-2D75-472C-B76C-ABDDE0CAFCD5}"/>
-                  </a:ext>
-                </a:extLst>
-              </p:cNvPr>
-              <p:cNvSpPr>
-                <a:spLocks noGrp="1"/>
-              </p:cNvSpPr>
-              <p:nvPr>
-                <p:ph idx="1"/>
-              </p:nvPr>
-            </p:nvSpPr>
-            <p:spPr>
-              <a:xfrm>
-                <a:off x="537750" y="431073"/>
-                <a:ext cx="10839994" cy="6021978"/>
-              </a:xfrm>
-            </p:spPr>
-            <p:txBody>
-              <a:bodyPr>
-                <a:normAutofit/>
-              </a:bodyPr>
-              <a:lstStyle/>
-              <a:p>
-                <a:pPr marL="0" indent="0">
-                  <a:buNone/>
-                </a:pPr>
-                <a:r>
-                  <a:rPr lang="fr-FR" sz="2200" u="sng" dirty="0"/>
-                  <a:t>Exemple</a:t>
-                </a:r>
-                <a:r>
-                  <a:rPr lang="fr-FR" sz="2200" dirty="0"/>
-                  <a:t> :</a:t>
-                </a:r>
-              </a:p>
-              <a:p>
-                <a:pPr marL="457200" lvl="1" indent="0">
-                  <a:buNone/>
-                </a:pPr>
-                <a:r>
-                  <a:rPr lang="fr-FR" sz="1800" dirty="0"/>
-                  <a:t>					</a:t>
-                </a:r>
-                <a:endParaRPr lang="fr-FR" sz="2200" dirty="0"/>
-              </a:p>
-              <a:p>
-                <a:pPr marL="0" indent="0">
-                  <a:buNone/>
-                </a:pPr>
-                <a:endParaRPr lang="fr-FR" sz="2000" dirty="0">
-                  <a:solidFill>
-                    <a:schemeClr val="bg2">
-                      <a:lumMod val="50000"/>
-                    </a:schemeClr>
-                  </a:solidFill>
-                </a:endParaRPr>
-              </a:p>
-              <a:p>
-                <a:pPr marL="0" indent="0">
-                  <a:buNone/>
-                </a:pPr>
-                <a:endParaRPr lang="fr-FR" sz="2000" dirty="0">
-                  <a:solidFill>
-                    <a:schemeClr val="bg2">
-                      <a:lumMod val="50000"/>
-                    </a:schemeClr>
-                  </a:solidFill>
-                </a:endParaRPr>
-              </a:p>
-              <a:p>
-                <a:pPr marL="0" indent="0">
-                  <a:buNone/>
-                </a:pPr>
-                <a:endParaRPr lang="fr-FR" sz="2000" dirty="0">
-                  <a:solidFill>
-                    <a:schemeClr val="bg2">
-                      <a:lumMod val="50000"/>
-                    </a:schemeClr>
-                  </a:solidFill>
-                </a:endParaRPr>
-              </a:p>
-              <a:p>
-                <a:pPr marL="0" indent="0">
-                  <a:buNone/>
-                </a:pPr>
-                <a:endParaRPr lang="fr-FR" sz="2000" dirty="0">
-                  <a:solidFill>
-                    <a:schemeClr val="bg2">
-                      <a:lumMod val="50000"/>
-                    </a:schemeClr>
-                  </a:solidFill>
-                </a:endParaRPr>
-              </a:p>
-              <a:p>
-                <a:pPr marL="0" indent="0">
-                  <a:buNone/>
-                </a:pPr>
-                <a:endParaRPr lang="fr-FR" sz="2000" dirty="0">
-                  <a:solidFill>
-                    <a:schemeClr val="bg2">
-                      <a:lumMod val="50000"/>
-                    </a:schemeClr>
-                  </a:solidFill>
-                </a:endParaRPr>
-              </a:p>
-              <a:p>
-                <a:pPr marL="0" indent="0">
-                  <a:buNone/>
-                </a:pPr>
-                <a:endParaRPr lang="fr-FR" sz="2000" dirty="0">
-                  <a:solidFill>
-                    <a:schemeClr val="bg2">
-                      <a:lumMod val="50000"/>
-                    </a:schemeClr>
-                  </a:solidFill>
-                </a:endParaRPr>
-              </a:p>
-              <a:p>
-                <a:pPr marL="0" indent="0">
-                  <a:buNone/>
-                </a:pPr>
-                <a:endParaRPr lang="fr-FR" sz="2000" dirty="0">
-                  <a:solidFill>
-                    <a:schemeClr val="bg2">
-                      <a:lumMod val="50000"/>
-                    </a:schemeClr>
-                  </a:solidFill>
-                </a:endParaRPr>
-              </a:p>
-              <a:p>
-                <a:pPr marL="0" indent="0">
-                  <a:buNone/>
-                </a:pPr>
-                <a:r>
-                  <a:rPr lang="fr-FR" sz="2000" dirty="0">
-                    <a:solidFill>
-                      <a:schemeClr val="bg2">
-                        <a:lumMod val="50000"/>
-                      </a:schemeClr>
-                    </a:solidFill>
-                  </a:rPr>
-                  <a:t>On choisit de prédire avec un polynôme d’ordre M : </a:t>
-                </a:r>
-              </a:p>
-              <a:p>
-                <a:pPr marL="0" indent="0">
-                  <a:lnSpc>
-                    <a:spcPct val="150000"/>
-                  </a:lnSpc>
-                  <a:buNone/>
-                </a:pPr>
-                <a14:m>
-                  <m:oMathPara xmlns:m="http://schemas.openxmlformats.org/officeDocument/2006/math">
-                    <m:oMathParaPr>
-                      <m:jc m:val="centerGroup"/>
-                    </m:oMathParaPr>
-                    <m:oMath xmlns:m="http://schemas.openxmlformats.org/officeDocument/2006/math">
-                      <m:r>
-                        <a:rPr lang="fr-FR" sz="2000" b="0" i="0" smtClean="0">
-                          <a:solidFill>
-                            <a:schemeClr val="bg2">
-                              <a:lumMod val="50000"/>
-                            </a:schemeClr>
-                          </a:solidFill>
-                          <a:latin typeface="Cambria Math" panose="02040503050406030204" pitchFamily="18" charset="0"/>
-                        </a:rPr>
-                        <m:t> </m:t>
-                      </m:r>
-                      <m:acc>
-                        <m:accPr>
-                          <m:chr m:val="̂"/>
-                          <m:ctrlPr>
-                            <a:rPr lang="fr-FR" sz="2000" b="0" i="1" smtClean="0">
-                              <a:solidFill>
-                                <a:schemeClr val="bg2">
-                                  <a:lumMod val="50000"/>
-                                </a:schemeClr>
-                              </a:solidFill>
-                              <a:latin typeface="Cambria Math" panose="02040503050406030204" pitchFamily="18" charset="0"/>
-                            </a:rPr>
-                          </m:ctrlPr>
-                        </m:accPr>
-                        <m:e>
-                          <m:r>
-                            <a:rPr lang="fr-FR" sz="2000" b="0" i="1" smtClean="0">
-                              <a:solidFill>
-                                <a:schemeClr val="bg2">
-                                  <a:lumMod val="50000"/>
-                                </a:schemeClr>
-                              </a:solidFill>
-                              <a:latin typeface="Cambria Math" panose="02040503050406030204" pitchFamily="18" charset="0"/>
-                            </a:rPr>
-                            <m:t>𝑡</m:t>
-                          </m:r>
-                        </m:e>
-                      </m:acc>
-                      <m:r>
-                        <a:rPr lang="fr-FR" sz="2000" b="0" i="1" smtClean="0">
-                          <a:solidFill>
-                            <a:schemeClr val="bg2">
-                              <a:lumMod val="50000"/>
-                            </a:schemeClr>
-                          </a:solidFill>
-                          <a:latin typeface="Cambria Math" panose="02040503050406030204" pitchFamily="18" charset="0"/>
-                        </a:rPr>
-                        <m:t>=</m:t>
-                      </m:r>
-                      <m:r>
-                        <a:rPr lang="fr-FR" sz="2000" b="0" i="0" smtClean="0">
-                          <a:solidFill>
-                            <a:schemeClr val="bg2">
-                              <a:lumMod val="50000"/>
-                            </a:schemeClr>
-                          </a:solidFill>
-                          <a:latin typeface="Cambria Math" panose="02040503050406030204" pitchFamily="18" charset="0"/>
-                        </a:rPr>
-                        <m:t> </m:t>
-                      </m:r>
-                      <m:r>
-                        <a:rPr lang="fr-FR" sz="2000">
-                          <a:solidFill>
-                            <a:schemeClr val="bg2">
-                              <a:lumMod val="50000"/>
-                            </a:schemeClr>
-                          </a:solidFill>
-                          <a:latin typeface="Cambria Math" panose="02040503050406030204" pitchFamily="18" charset="0"/>
-                        </a:rPr>
-                        <m:t>h</m:t>
-                      </m:r>
-                      <m:d>
-                        <m:dPr>
-                          <m:ctrlPr>
-                            <a:rPr lang="fr-FR" sz="2000" i="1">
-                              <a:solidFill>
-                                <a:schemeClr val="bg2">
-                                  <a:lumMod val="50000"/>
-                                </a:schemeClr>
-                              </a:solidFill>
-                              <a:latin typeface="Cambria Math" panose="02040503050406030204" pitchFamily="18" charset="0"/>
-                            </a:rPr>
-                          </m:ctrlPr>
-                        </m:dPr>
-                        <m:e>
-                          <m:r>
-                            <a:rPr lang="fr-FR" sz="2000">
-                              <a:solidFill>
-                                <a:schemeClr val="bg2">
-                                  <a:lumMod val="50000"/>
-                                </a:schemeClr>
-                              </a:solidFill>
-                              <a:latin typeface="Cambria Math" panose="02040503050406030204" pitchFamily="18" charset="0"/>
-                            </a:rPr>
-                            <m:t>𝑥</m:t>
-                          </m:r>
-                          <m:r>
-                            <a:rPr lang="fr-FR" sz="2000">
-                              <a:solidFill>
-                                <a:schemeClr val="bg2">
-                                  <a:lumMod val="50000"/>
-                                </a:schemeClr>
-                              </a:solidFill>
-                              <a:latin typeface="Cambria Math" panose="02040503050406030204" pitchFamily="18" charset="0"/>
-                            </a:rPr>
-                            <m:t>,</m:t>
-                          </m:r>
-                          <m:r>
-                            <a:rPr lang="fr-FR" sz="2000">
-                              <a:solidFill>
-                                <a:schemeClr val="bg2">
-                                  <a:lumMod val="50000"/>
-                                </a:schemeClr>
-                              </a:solidFill>
-                              <a:latin typeface="Cambria Math" panose="02040503050406030204" pitchFamily="18" charset="0"/>
-                            </a:rPr>
-                            <m:t>𝜃</m:t>
-                          </m:r>
-                        </m:e>
-                      </m:d>
-                      <m:r>
-                        <a:rPr lang="fr-FR" sz="2000">
-                          <a:solidFill>
-                            <a:schemeClr val="bg2">
-                              <a:lumMod val="50000"/>
-                            </a:schemeClr>
-                          </a:solidFill>
-                          <a:latin typeface="Cambria Math" panose="02040503050406030204" pitchFamily="18" charset="0"/>
-                        </a:rPr>
-                        <m:t>=</m:t>
-                      </m:r>
-                      <m:sSub>
-                        <m:sSubPr>
-                          <m:ctrlPr>
-                            <a:rPr lang="fr-FR" sz="2000" i="1">
-                              <a:solidFill>
-                                <a:schemeClr val="bg2">
-                                  <a:lumMod val="50000"/>
-                                </a:schemeClr>
-                              </a:solidFill>
-                              <a:latin typeface="Cambria Math" panose="02040503050406030204" pitchFamily="18" charset="0"/>
-                            </a:rPr>
-                          </m:ctrlPr>
-                        </m:sSubPr>
-                        <m:e>
-                          <m:r>
-                            <a:rPr lang="fr-FR" sz="2000">
-                              <a:solidFill>
-                                <a:schemeClr val="bg2">
-                                  <a:lumMod val="50000"/>
-                                </a:schemeClr>
-                              </a:solidFill>
-                              <a:latin typeface="Cambria Math" panose="02040503050406030204" pitchFamily="18" charset="0"/>
-                            </a:rPr>
-                            <m:t>𝜃</m:t>
-                          </m:r>
-                        </m:e>
-                        <m:sub>
-                          <m:r>
-                            <a:rPr lang="fr-FR" sz="2000">
-                              <a:solidFill>
-                                <a:schemeClr val="bg2">
-                                  <a:lumMod val="50000"/>
-                                </a:schemeClr>
-                              </a:solidFill>
-                              <a:latin typeface="Cambria Math" panose="02040503050406030204" pitchFamily="18" charset="0"/>
-                            </a:rPr>
-                            <m:t>0</m:t>
-                          </m:r>
-                        </m:sub>
-                      </m:sSub>
-                      <m:r>
-                        <a:rPr lang="fr-FR" sz="2000">
-                          <a:solidFill>
-                            <a:schemeClr val="bg2">
-                              <a:lumMod val="50000"/>
-                            </a:schemeClr>
-                          </a:solidFill>
-                          <a:latin typeface="Cambria Math" panose="02040503050406030204" pitchFamily="18" charset="0"/>
-                        </a:rPr>
-                        <m:t>+</m:t>
-                      </m:r>
-                      <m:sSub>
-                        <m:sSubPr>
-                          <m:ctrlPr>
-                            <a:rPr lang="fr-FR" sz="2000" i="1">
-                              <a:solidFill>
-                                <a:schemeClr val="bg2">
-                                  <a:lumMod val="50000"/>
-                                </a:schemeClr>
-                              </a:solidFill>
-                              <a:latin typeface="Cambria Math" panose="02040503050406030204" pitchFamily="18" charset="0"/>
-                            </a:rPr>
-                          </m:ctrlPr>
-                        </m:sSubPr>
-                        <m:e>
-                          <m:r>
-                            <a:rPr lang="fr-FR" sz="2000">
-                              <a:solidFill>
-                                <a:schemeClr val="bg2">
-                                  <a:lumMod val="50000"/>
-                                </a:schemeClr>
-                              </a:solidFill>
-                              <a:latin typeface="Cambria Math" panose="02040503050406030204" pitchFamily="18" charset="0"/>
-                            </a:rPr>
-                            <m:t>𝜃</m:t>
-                          </m:r>
-                        </m:e>
-                        <m:sub>
-                          <m:r>
-                            <a:rPr lang="fr-FR" sz="2000">
-                              <a:solidFill>
-                                <a:schemeClr val="bg2">
-                                  <a:lumMod val="50000"/>
-                                </a:schemeClr>
-                              </a:solidFill>
-                              <a:latin typeface="Cambria Math" panose="02040503050406030204" pitchFamily="18" charset="0"/>
-                            </a:rPr>
-                            <m:t>1</m:t>
-                          </m:r>
-                        </m:sub>
-                      </m:sSub>
-                      <m:r>
-                        <a:rPr lang="fr-FR" sz="2000">
-                          <a:solidFill>
-                            <a:schemeClr val="bg2">
-                              <a:lumMod val="50000"/>
-                            </a:schemeClr>
-                          </a:solidFill>
-                          <a:latin typeface="Cambria Math" panose="02040503050406030204" pitchFamily="18" charset="0"/>
-                        </a:rPr>
-                        <m:t>𝑥</m:t>
-                      </m:r>
-                      <m:r>
-                        <a:rPr lang="fr-FR" sz="2000">
-                          <a:solidFill>
-                            <a:schemeClr val="bg2">
-                              <a:lumMod val="50000"/>
-                            </a:schemeClr>
-                          </a:solidFill>
-                          <a:latin typeface="Cambria Math" panose="02040503050406030204" pitchFamily="18" charset="0"/>
-                        </a:rPr>
-                        <m:t>+</m:t>
-                      </m:r>
-                      <m:sSub>
-                        <m:sSubPr>
-                          <m:ctrlPr>
-                            <a:rPr lang="fr-FR" sz="2000" i="1">
-                              <a:solidFill>
-                                <a:schemeClr val="bg2">
-                                  <a:lumMod val="50000"/>
-                                </a:schemeClr>
-                              </a:solidFill>
-                              <a:latin typeface="Cambria Math" panose="02040503050406030204" pitchFamily="18" charset="0"/>
-                            </a:rPr>
-                          </m:ctrlPr>
-                        </m:sSubPr>
-                        <m:e>
-                          <m:r>
-                            <a:rPr lang="fr-FR" sz="2000">
-                              <a:solidFill>
-                                <a:schemeClr val="bg2">
-                                  <a:lumMod val="50000"/>
-                                </a:schemeClr>
-                              </a:solidFill>
-                              <a:latin typeface="Cambria Math" panose="02040503050406030204" pitchFamily="18" charset="0"/>
-                            </a:rPr>
-                            <m:t>𝜃</m:t>
-                          </m:r>
-                        </m:e>
-                        <m:sub>
-                          <m:r>
-                            <a:rPr lang="fr-FR" sz="2000">
-                              <a:solidFill>
-                                <a:schemeClr val="bg2">
-                                  <a:lumMod val="50000"/>
-                                </a:schemeClr>
-                              </a:solidFill>
-                              <a:latin typeface="Cambria Math" panose="02040503050406030204" pitchFamily="18" charset="0"/>
-                            </a:rPr>
-                            <m:t>2</m:t>
-                          </m:r>
-                        </m:sub>
-                      </m:sSub>
-                      <m:sSup>
-                        <m:sSupPr>
-                          <m:ctrlPr>
-                            <a:rPr lang="fr-FR" sz="2000" i="1">
-                              <a:solidFill>
-                                <a:schemeClr val="bg2">
-                                  <a:lumMod val="50000"/>
-                                </a:schemeClr>
-                              </a:solidFill>
-                              <a:latin typeface="Cambria Math" panose="02040503050406030204" pitchFamily="18" charset="0"/>
-                            </a:rPr>
-                          </m:ctrlPr>
-                        </m:sSupPr>
-                        <m:e>
-                          <m:r>
-                            <a:rPr lang="fr-FR" sz="2000">
-                              <a:solidFill>
-                                <a:schemeClr val="bg2">
-                                  <a:lumMod val="50000"/>
-                                </a:schemeClr>
-                              </a:solidFill>
-                              <a:latin typeface="Cambria Math" panose="02040503050406030204" pitchFamily="18" charset="0"/>
-                            </a:rPr>
-                            <m:t>𝑥</m:t>
-                          </m:r>
-                        </m:e>
-                        <m:sup>
-                          <m:r>
-                            <a:rPr lang="fr-FR" sz="2000">
-                              <a:solidFill>
-                                <a:schemeClr val="bg2">
-                                  <a:lumMod val="50000"/>
-                                </a:schemeClr>
-                              </a:solidFill>
-                              <a:latin typeface="Cambria Math" panose="02040503050406030204" pitchFamily="18" charset="0"/>
-                            </a:rPr>
-                            <m:t>2</m:t>
-                          </m:r>
-                        </m:sup>
-                      </m:sSup>
-                      <m:r>
-                        <a:rPr lang="fr-FR" sz="2000">
-                          <a:solidFill>
-                            <a:schemeClr val="bg2">
-                              <a:lumMod val="50000"/>
-                            </a:schemeClr>
-                          </a:solidFill>
-                          <a:latin typeface="Cambria Math" panose="02040503050406030204" pitchFamily="18" charset="0"/>
-                        </a:rPr>
-                        <m:t>+ …+</m:t>
-                      </m:r>
-                      <m:sSub>
-                        <m:sSubPr>
-                          <m:ctrlPr>
-                            <a:rPr lang="fr-FR" sz="2000" i="1">
-                              <a:solidFill>
-                                <a:schemeClr val="bg2">
-                                  <a:lumMod val="50000"/>
-                                </a:schemeClr>
-                              </a:solidFill>
-                              <a:latin typeface="Cambria Math" panose="02040503050406030204" pitchFamily="18" charset="0"/>
-                            </a:rPr>
-                          </m:ctrlPr>
-                        </m:sSubPr>
-                        <m:e>
-                          <m:r>
-                            <a:rPr lang="fr-FR" sz="2000">
-                              <a:solidFill>
-                                <a:schemeClr val="bg2">
-                                  <a:lumMod val="50000"/>
-                                </a:schemeClr>
-                              </a:solidFill>
-                              <a:latin typeface="Cambria Math" panose="02040503050406030204" pitchFamily="18" charset="0"/>
-                            </a:rPr>
-                            <m:t>𝜃</m:t>
-                          </m:r>
-                        </m:e>
-                        <m:sub>
-                          <m:r>
-                            <a:rPr lang="fr-FR" sz="2000">
-                              <a:solidFill>
-                                <a:schemeClr val="bg2">
-                                  <a:lumMod val="50000"/>
-                                </a:schemeClr>
-                              </a:solidFill>
-                              <a:latin typeface="Cambria Math" panose="02040503050406030204" pitchFamily="18" charset="0"/>
-                            </a:rPr>
-                            <m:t>𝑀</m:t>
-                          </m:r>
-                        </m:sub>
-                      </m:sSub>
-                      <m:sSup>
-                        <m:sSupPr>
-                          <m:ctrlPr>
-                            <a:rPr lang="fr-FR" sz="2000" i="1">
-                              <a:solidFill>
-                                <a:schemeClr val="bg2">
-                                  <a:lumMod val="50000"/>
-                                </a:schemeClr>
-                              </a:solidFill>
-                              <a:latin typeface="Cambria Math" panose="02040503050406030204" pitchFamily="18" charset="0"/>
-                            </a:rPr>
-                          </m:ctrlPr>
-                        </m:sSupPr>
-                        <m:e>
-                          <m:r>
-                            <a:rPr lang="fr-FR" sz="2000">
-                              <a:solidFill>
-                                <a:schemeClr val="bg2">
-                                  <a:lumMod val="50000"/>
-                                </a:schemeClr>
-                              </a:solidFill>
-                              <a:latin typeface="Cambria Math" panose="02040503050406030204" pitchFamily="18" charset="0"/>
-                            </a:rPr>
-                            <m:t>𝑥</m:t>
-                          </m:r>
-                        </m:e>
-                        <m:sup>
-                          <m:r>
-                            <a:rPr lang="fr-FR" sz="2000">
-                              <a:solidFill>
-                                <a:schemeClr val="bg2">
-                                  <a:lumMod val="50000"/>
-                                </a:schemeClr>
-                              </a:solidFill>
-                              <a:latin typeface="Cambria Math" panose="02040503050406030204" pitchFamily="18" charset="0"/>
-                            </a:rPr>
-                            <m:t>𝑀</m:t>
-                          </m:r>
-                        </m:sup>
-                      </m:sSup>
-                    </m:oMath>
-                  </m:oMathPara>
-                </a14:m>
-                <a:endParaRPr lang="fr-FR" sz="2000" dirty="0">
-                  <a:solidFill>
-                    <a:schemeClr val="bg2">
-                      <a:lumMod val="50000"/>
-                    </a:schemeClr>
-                  </a:solidFill>
-                </a:endParaRPr>
-              </a:p>
-              <a:p>
-                <a:pPr marL="0" indent="0">
-                  <a:buNone/>
-                </a:pPr>
-                <a:r>
-                  <a:rPr lang="fr-FR" sz="2000" dirty="0">
-                    <a:solidFill>
-                      <a:schemeClr val="bg2">
-                        <a:lumMod val="50000"/>
-                      </a:schemeClr>
-                    </a:solidFill>
-                  </a:rPr>
-                  <a:t>Et une fonction de coût « moindre carrés »:</a:t>
-                </a:r>
-              </a:p>
-              <a:p>
-                <a:pPr marL="0" indent="0">
-                  <a:buNone/>
-                </a:pPr>
-                <a14:m>
-                  <m:oMathPara xmlns:m="http://schemas.openxmlformats.org/officeDocument/2006/math">
-                    <m:oMathParaPr>
-                      <m:jc m:val="centerGroup"/>
-                    </m:oMathParaPr>
-                    <m:oMath xmlns:m="http://schemas.openxmlformats.org/officeDocument/2006/math">
-                      <m:r>
-                        <a:rPr lang="fr-FR" sz="2000" b="0" i="1" smtClean="0">
-                          <a:solidFill>
-                            <a:schemeClr val="bg2">
-                              <a:lumMod val="50000"/>
-                            </a:schemeClr>
-                          </a:solidFill>
-                          <a:latin typeface="Cambria Math" panose="02040503050406030204" pitchFamily="18" charset="0"/>
-                        </a:rPr>
-                        <m:t>𝐿</m:t>
-                      </m:r>
-                      <m:r>
-                        <a:rPr lang="fr-FR" sz="2000" b="0" i="1" smtClean="0">
-                          <a:solidFill>
-                            <a:schemeClr val="bg2">
-                              <a:lumMod val="50000"/>
-                            </a:schemeClr>
-                          </a:solidFill>
-                          <a:latin typeface="Cambria Math" panose="02040503050406030204" pitchFamily="18" charset="0"/>
-                        </a:rPr>
-                        <m:t>=</m:t>
-                      </m:r>
-                      <m:f>
-                        <m:fPr>
-                          <m:ctrlPr>
-                            <a:rPr lang="fr-FR" sz="2000" b="0" i="1" smtClean="0">
-                              <a:solidFill>
-                                <a:schemeClr val="bg2">
-                                  <a:lumMod val="50000"/>
-                                </a:schemeClr>
-                              </a:solidFill>
-                              <a:latin typeface="Cambria Math" panose="02040503050406030204" pitchFamily="18" charset="0"/>
-                            </a:rPr>
-                          </m:ctrlPr>
-                        </m:fPr>
-                        <m:num>
-                          <m:r>
-                            <a:rPr lang="fr-FR" sz="2000" b="0" i="1" smtClean="0">
-                              <a:solidFill>
-                                <a:schemeClr val="bg2">
-                                  <a:lumMod val="50000"/>
-                                </a:schemeClr>
-                              </a:solidFill>
-                              <a:latin typeface="Cambria Math" panose="02040503050406030204" pitchFamily="18" charset="0"/>
-                            </a:rPr>
-                            <m:t>1</m:t>
-                          </m:r>
-                        </m:num>
-                        <m:den>
-                          <m:r>
-                            <a:rPr lang="fr-FR" sz="2000" b="0" i="1" smtClean="0">
-                              <a:solidFill>
-                                <a:schemeClr val="bg2">
-                                  <a:lumMod val="50000"/>
-                                </a:schemeClr>
-                              </a:solidFill>
-                              <a:latin typeface="Cambria Math" panose="02040503050406030204" pitchFamily="18" charset="0"/>
-                            </a:rPr>
-                            <m:t>2</m:t>
-                          </m:r>
-                        </m:den>
-                      </m:f>
-                      <m:r>
-                        <a:rPr lang="fr-FR" sz="2000" b="0" i="1" smtClean="0">
-                          <a:solidFill>
-                            <a:schemeClr val="bg2">
-                              <a:lumMod val="50000"/>
-                            </a:schemeClr>
-                          </a:solidFill>
-                          <a:latin typeface="Cambria Math" panose="02040503050406030204" pitchFamily="18" charset="0"/>
-                        </a:rPr>
-                        <m:t>∑</m:t>
-                      </m:r>
-                      <m:sSup>
-                        <m:sSupPr>
-                          <m:ctrlPr>
-                            <a:rPr lang="fr-FR" sz="2000" b="0" i="1" smtClean="0">
-                              <a:solidFill>
-                                <a:schemeClr val="bg2">
-                                  <a:lumMod val="50000"/>
-                                </a:schemeClr>
-                              </a:solidFill>
-                              <a:latin typeface="Cambria Math" panose="02040503050406030204" pitchFamily="18" charset="0"/>
-                            </a:rPr>
-                          </m:ctrlPr>
-                        </m:sSupPr>
-                        <m:e>
-                          <m:d>
-                            <m:dPr>
-                              <m:ctrlPr>
-                                <a:rPr lang="fr-FR" sz="2000" b="0" i="1" smtClean="0">
-                                  <a:solidFill>
-                                    <a:schemeClr val="bg2">
-                                      <a:lumMod val="50000"/>
-                                    </a:schemeClr>
-                                  </a:solidFill>
-                                  <a:latin typeface="Cambria Math" panose="02040503050406030204" pitchFamily="18" charset="0"/>
-                                </a:rPr>
-                              </m:ctrlPr>
-                            </m:dPr>
-                            <m:e>
-                              <m:r>
-                                <a:rPr lang="fr-FR" sz="2000" b="0" i="1" smtClean="0">
-                                  <a:solidFill>
-                                    <a:schemeClr val="bg2">
-                                      <a:lumMod val="50000"/>
-                                    </a:schemeClr>
-                                  </a:solidFill>
-                                  <a:latin typeface="Cambria Math" panose="02040503050406030204" pitchFamily="18" charset="0"/>
-                                </a:rPr>
-                                <m:t>𝑡</m:t>
-                              </m:r>
-                              <m:r>
-                                <a:rPr lang="fr-FR" sz="2000" b="0" i="1" smtClean="0">
-                                  <a:solidFill>
-                                    <a:schemeClr val="bg2">
-                                      <a:lumMod val="50000"/>
-                                    </a:schemeClr>
-                                  </a:solidFill>
-                                  <a:latin typeface="Cambria Math" panose="02040503050406030204" pitchFamily="18" charset="0"/>
-                                </a:rPr>
-                                <m:t> −</m:t>
-                              </m:r>
-                              <m:acc>
-                                <m:accPr>
-                                  <m:chr m:val="̂"/>
-                                  <m:ctrlPr>
-                                    <a:rPr lang="fr-FR" sz="2000" b="0" i="1" smtClean="0">
-                                      <a:solidFill>
-                                        <a:schemeClr val="bg2">
-                                          <a:lumMod val="50000"/>
-                                        </a:schemeClr>
-                                      </a:solidFill>
-                                      <a:latin typeface="Cambria Math" panose="02040503050406030204" pitchFamily="18" charset="0"/>
-                                    </a:rPr>
-                                  </m:ctrlPr>
-                                </m:accPr>
-                                <m:e>
-                                  <m:r>
-                                    <a:rPr lang="fr-FR" sz="2000" b="0" i="1" smtClean="0">
-                                      <a:solidFill>
-                                        <a:schemeClr val="bg2">
-                                          <a:lumMod val="50000"/>
-                                        </a:schemeClr>
-                                      </a:solidFill>
-                                      <a:latin typeface="Cambria Math" panose="02040503050406030204" pitchFamily="18" charset="0"/>
-                                    </a:rPr>
-                                    <m:t>𝑡</m:t>
-                                  </m:r>
-                                </m:e>
-                              </m:acc>
-                            </m:e>
-                          </m:d>
-                        </m:e>
-                        <m:sup>
-                          <m:r>
-                            <a:rPr lang="fr-FR" sz="2000" b="0" i="1" smtClean="0">
-                              <a:solidFill>
-                                <a:schemeClr val="bg2">
-                                  <a:lumMod val="50000"/>
-                                </a:schemeClr>
-                              </a:solidFill>
-                              <a:latin typeface="Cambria Math" panose="02040503050406030204" pitchFamily="18" charset="0"/>
-                            </a:rPr>
-                            <m:t>2</m:t>
-                          </m:r>
-                        </m:sup>
-                      </m:sSup>
-                    </m:oMath>
-                  </m:oMathPara>
-                </a14:m>
-                <a:endParaRPr lang="fr-FR" sz="2000" dirty="0">
-                  <a:solidFill>
-                    <a:schemeClr val="bg2">
-                      <a:lumMod val="50000"/>
-                    </a:schemeClr>
-                  </a:solidFill>
-                </a:endParaRPr>
-              </a:p>
-            </p:txBody>
-          </p:sp>
-        </mc:Choice>
-        <mc:Fallback xmlns="">
-          <p:sp>
-            <p:nvSpPr>
-              <p:cNvPr id="3" name="Espace réservé du contenu 2">
-                <a:extLst>
-                  <a:ext uri="{FF2B5EF4-FFF2-40B4-BE49-F238E27FC236}">
-                    <a16:creationId xmlns:a16="http://schemas.microsoft.com/office/drawing/2014/main" id="{B59E77B8-2D75-472C-B76C-ABDDE0CAFCD5}"/>
-                  </a:ext>
-                </a:extLst>
-              </p:cNvPr>
-              <p:cNvSpPr>
-                <a:spLocks noGrp="1" noRot="1" noChangeAspect="1" noMove="1" noResize="1" noEditPoints="1" noAdjustHandles="1" noChangeArrowheads="1" noChangeShapeType="1" noTextEdit="1"/>
-              </p:cNvSpPr>
-              <p:nvPr>
-                <p:ph idx="1"/>
-              </p:nvPr>
-            </p:nvSpPr>
-            <p:spPr>
-              <a:xfrm>
-                <a:off x="537750" y="431073"/>
-                <a:ext cx="10839994" cy="6021978"/>
-              </a:xfrm>
-              <a:blipFill>
-                <a:blip r:embed="rId2"/>
-                <a:stretch>
-                  <a:fillRect l="-731" t="-1316"/>
-                </a:stretch>
-              </a:blipFill>
-            </p:spPr>
-            <p:txBody>
-              <a:bodyPr/>
-              <a:lstStyle/>
-              <a:p>
-                <a:r>
-                  <a:rPr lang="fr-FR">
-                    <a:noFill/>
-                  </a:rPr>
-                  <a:t> </a:t>
-                </a:r>
-              </a:p>
-            </p:txBody>
-          </p:sp>
-        </mc:Fallback>
-      </mc:AlternateContent>
-      <p:grpSp>
-        <p:nvGrpSpPr>
-          <p:cNvPr id="32" name="Groupe 31">
-            <a:extLst>
-              <a:ext uri="{FF2B5EF4-FFF2-40B4-BE49-F238E27FC236}">
-                <a16:creationId xmlns:a16="http://schemas.microsoft.com/office/drawing/2014/main" id="{7A7762E3-27CE-4461-BBEE-AA51674729F3}"/>
-              </a:ext>
-            </a:extLst>
-          </p:cNvPr>
-          <p:cNvGrpSpPr/>
-          <p:nvPr/>
-        </p:nvGrpSpPr>
-        <p:grpSpPr>
-          <a:xfrm>
-            <a:off x="609328" y="1043977"/>
-            <a:ext cx="10928054" cy="2212580"/>
-            <a:chOff x="1469139" y="477585"/>
-            <a:chExt cx="10928054" cy="2212580"/>
-          </a:xfrm>
-        </p:grpSpPr>
-        <p:sp>
-          <p:nvSpPr>
-            <p:cNvPr id="33" name="ZoneTexte 32">
-              <a:extLst>
-                <a:ext uri="{FF2B5EF4-FFF2-40B4-BE49-F238E27FC236}">
-                  <a16:creationId xmlns:a16="http://schemas.microsoft.com/office/drawing/2014/main" id="{009BECDB-6184-4A2B-9021-A87BC14E2982}"/>
-                </a:ext>
-              </a:extLst>
-            </p:cNvPr>
-            <p:cNvSpPr txBox="1"/>
-            <p:nvPr/>
-          </p:nvSpPr>
-          <p:spPr>
-            <a:xfrm>
-              <a:off x="1469139" y="515950"/>
-              <a:ext cx="1291444" cy="369332"/>
-            </a:xfrm>
-            <a:prstGeom prst="rect">
-              <a:avLst/>
-            </a:prstGeom>
-            <a:noFill/>
-          </p:spPr>
-          <p:txBody>
-            <a:bodyPr wrap="square">
-              <a:spAutoFit/>
-            </a:bodyPr>
-            <a:lstStyle/>
-            <a:p>
-              <a:r>
-                <a:rPr lang="fr-FR" sz="1800" u="sng" dirty="0">
-                  <a:solidFill>
-                    <a:schemeClr val="bg2">
-                      <a:lumMod val="50000"/>
-                    </a:schemeClr>
-                  </a:solidFill>
-                </a:rPr>
-                <a:t>Données :</a:t>
-              </a:r>
-              <a:endParaRPr lang="fr-FR" dirty="0"/>
-            </a:p>
-          </p:txBody>
-        </p:sp>
-        <p:grpSp>
-          <p:nvGrpSpPr>
-            <p:cNvPr id="34" name="Groupe 33">
-              <a:extLst>
-                <a:ext uri="{FF2B5EF4-FFF2-40B4-BE49-F238E27FC236}">
-                  <a16:creationId xmlns:a16="http://schemas.microsoft.com/office/drawing/2014/main" id="{2EBC9D52-3795-4C47-8A4B-A749ED7E70F4}"/>
-                </a:ext>
-              </a:extLst>
-            </p:cNvPr>
-            <p:cNvGrpSpPr/>
-            <p:nvPr/>
-          </p:nvGrpSpPr>
-          <p:grpSpPr>
-            <a:xfrm>
-              <a:off x="2703461" y="477585"/>
-              <a:ext cx="9693732" cy="2212580"/>
-              <a:chOff x="1821179" y="2925667"/>
-              <a:chExt cx="9693732" cy="2212580"/>
-            </a:xfrm>
-          </p:grpSpPr>
-          <p:grpSp>
-            <p:nvGrpSpPr>
-              <p:cNvPr id="35" name="Groupe 34">
-                <a:extLst>
-                  <a:ext uri="{FF2B5EF4-FFF2-40B4-BE49-F238E27FC236}">
-                    <a16:creationId xmlns:a16="http://schemas.microsoft.com/office/drawing/2014/main" id="{21A7D8CF-E14F-47D2-AF07-B6A85B62FEC7}"/>
-                  </a:ext>
-                </a:extLst>
-              </p:cNvPr>
-              <p:cNvGrpSpPr/>
-              <p:nvPr/>
-            </p:nvGrpSpPr>
-            <p:grpSpPr>
-              <a:xfrm>
-                <a:off x="1821179" y="2925667"/>
-                <a:ext cx="3278778" cy="2212580"/>
-                <a:chOff x="2586449" y="2285594"/>
-                <a:chExt cx="3278778" cy="2212580"/>
-              </a:xfrm>
-            </p:grpSpPr>
-            <p:pic>
-              <p:nvPicPr>
-                <p:cNvPr id="40" name="Image 39">
-                  <a:extLst>
-                    <a:ext uri="{FF2B5EF4-FFF2-40B4-BE49-F238E27FC236}">
-                      <a16:creationId xmlns:a16="http://schemas.microsoft.com/office/drawing/2014/main" id="{4328359B-0D75-499F-BEA9-3FB19942B14E}"/>
-                    </a:ext>
-                  </a:extLst>
-                </p:cNvPr>
-                <p:cNvPicPr>
-                  <a:picLocks noChangeAspect="1"/>
-                </p:cNvPicPr>
-                <p:nvPr/>
-              </p:nvPicPr>
-              <p:blipFill>
-                <a:blip r:embed="rId3"/>
-                <a:stretch>
-                  <a:fillRect/>
-                </a:stretch>
-              </p:blipFill>
-              <p:spPr>
-                <a:xfrm>
-                  <a:off x="2749731" y="2285594"/>
-                  <a:ext cx="2743200" cy="1977899"/>
-                </a:xfrm>
-                <a:prstGeom prst="rect">
-                  <a:avLst/>
-                </a:prstGeom>
-              </p:spPr>
-            </p:pic>
-            <p:sp>
-              <p:nvSpPr>
-                <p:cNvPr id="41" name="ZoneTexte 40">
-                  <a:extLst>
-                    <a:ext uri="{FF2B5EF4-FFF2-40B4-BE49-F238E27FC236}">
-                      <a16:creationId xmlns:a16="http://schemas.microsoft.com/office/drawing/2014/main" id="{76D3B745-03C9-4705-98E2-769BD0BBED7A}"/>
-                    </a:ext>
-                  </a:extLst>
-                </p:cNvPr>
-                <p:cNvSpPr txBox="1"/>
-                <p:nvPr/>
-              </p:nvSpPr>
-              <p:spPr>
-                <a:xfrm flipH="1">
-                  <a:off x="2586449" y="4251953"/>
-                  <a:ext cx="3278778" cy="246221"/>
-                </a:xfrm>
-                <a:prstGeom prst="rect">
-                  <a:avLst/>
-                </a:prstGeom>
-                <a:noFill/>
-              </p:spPr>
-              <p:txBody>
-                <a:bodyPr wrap="square" rtlCol="0">
-                  <a:spAutoFit/>
-                </a:bodyPr>
-                <a:lstStyle/>
-                <a:p>
-                  <a:r>
-                    <a:rPr lang="en-US" sz="1000" dirty="0"/>
-                    <a:t>[C. Bishop, Pattern recognition and Machine learning, 2006]</a:t>
-                  </a:r>
-                  <a:endParaRPr lang="fr-FR" sz="1000" dirty="0"/>
-                </a:p>
-              </p:txBody>
-            </p:sp>
-          </p:grpSp>
-          <p:cxnSp>
-            <p:nvCxnSpPr>
-              <p:cNvPr id="36" name="Connecteur droit avec flèche 35">
-                <a:extLst>
-                  <a:ext uri="{FF2B5EF4-FFF2-40B4-BE49-F238E27FC236}">
-                    <a16:creationId xmlns:a16="http://schemas.microsoft.com/office/drawing/2014/main" id="{133735D5-60DB-45DE-A472-7C8CC13A4E01}"/>
-                  </a:ext>
-                </a:extLst>
-              </p:cNvPr>
-              <p:cNvCxnSpPr>
-                <a:cxnSpLocks/>
-              </p:cNvCxnSpPr>
-              <p:nvPr/>
-            </p:nvCxnSpPr>
-            <p:spPr>
-              <a:xfrm flipH="1">
-                <a:off x="4095206" y="3938452"/>
-                <a:ext cx="1208314" cy="111034"/>
-              </a:xfrm>
-              <a:prstGeom prst="straightConnector1">
-                <a:avLst/>
-              </a:prstGeom>
-              <a:ln>
-                <a:tailEnd type="triangle"/>
-              </a:ln>
-            </p:spPr>
-            <p:style>
-              <a:lnRef idx="1">
-                <a:schemeClr val="accent1"/>
-              </a:lnRef>
-              <a:fillRef idx="0">
-                <a:schemeClr val="accent1"/>
-              </a:fillRef>
-              <a:effectRef idx="0">
-                <a:schemeClr val="accent1"/>
-              </a:effectRef>
-              <a:fontRef idx="minor">
-                <a:schemeClr val="tx1"/>
-              </a:fontRef>
-            </p:style>
-          </p:cxnSp>
-          <p:cxnSp>
-            <p:nvCxnSpPr>
-              <p:cNvPr id="37" name="Connecteur droit avec flèche 36">
-                <a:extLst>
-                  <a:ext uri="{FF2B5EF4-FFF2-40B4-BE49-F238E27FC236}">
-                    <a16:creationId xmlns:a16="http://schemas.microsoft.com/office/drawing/2014/main" id="{46F9CA1E-1276-49D5-A5DE-B7AB22186716}"/>
-                  </a:ext>
-                </a:extLst>
-              </p:cNvPr>
-              <p:cNvCxnSpPr>
-                <a:cxnSpLocks/>
-              </p:cNvCxnSpPr>
-              <p:nvPr/>
-            </p:nvCxnSpPr>
-            <p:spPr>
-              <a:xfrm flipH="1">
-                <a:off x="3272247" y="3429000"/>
-                <a:ext cx="1985553" cy="137153"/>
-              </a:xfrm>
-              <a:prstGeom prst="straightConnector1">
-                <a:avLst/>
-              </a:prstGeom>
-              <a:ln>
-                <a:tailEnd type="triangle"/>
-              </a:ln>
-            </p:spPr>
-            <p:style>
-              <a:lnRef idx="1">
-                <a:schemeClr val="accent1"/>
-              </a:lnRef>
-              <a:fillRef idx="0">
-                <a:schemeClr val="accent1"/>
-              </a:fillRef>
-              <a:effectRef idx="0">
-                <a:schemeClr val="accent1"/>
-              </a:effectRef>
-              <a:fontRef idx="minor">
-                <a:schemeClr val="tx1"/>
-              </a:fontRef>
-            </p:style>
-          </p:cxnSp>
-          <mc:AlternateContent xmlns:mc="http://schemas.openxmlformats.org/markup-compatibility/2006" xmlns:a14="http://schemas.microsoft.com/office/drawing/2010/main">
-            <mc:Choice Requires="a14">
-              <p:sp>
-                <p:nvSpPr>
-                  <p:cNvPr id="38" name="ZoneTexte 37">
-                    <a:extLst>
-                      <a:ext uri="{FF2B5EF4-FFF2-40B4-BE49-F238E27FC236}">
-                        <a16:creationId xmlns:a16="http://schemas.microsoft.com/office/drawing/2014/main" id="{514A9030-1B02-44BB-9CDC-C99162E94717}"/>
-                      </a:ext>
-                    </a:extLst>
-                  </p:cNvPr>
-                  <p:cNvSpPr txBox="1"/>
-                  <p:nvPr/>
-                </p:nvSpPr>
-                <p:spPr>
-                  <a:xfrm>
-                    <a:off x="4794071" y="3196048"/>
-                    <a:ext cx="6720840" cy="923330"/>
-                  </a:xfrm>
-                  <a:prstGeom prst="rect">
-                    <a:avLst/>
-                  </a:prstGeom>
-                  <a:noFill/>
-                </p:spPr>
-                <p:txBody>
-                  <a:bodyPr wrap="square" rtlCol="0">
-                    <a:spAutoFit/>
-                  </a:bodyPr>
-                  <a:lstStyle/>
-                  <a:p>
-                    <a:pPr marL="457200" lvl="1" indent="0">
-                      <a:buNone/>
-                    </a:pPr>
-                    <a14:m>
-                      <m:oMathPara xmlns:m="http://schemas.openxmlformats.org/officeDocument/2006/math">
-                        <m:oMathParaPr>
-                          <m:jc m:val="left"/>
-                        </m:oMathParaPr>
-                        <m:oMath xmlns:m="http://schemas.openxmlformats.org/officeDocument/2006/math">
-                          <m:r>
-                            <m:rPr>
-                              <m:sty m:val="p"/>
-                            </m:rPr>
-                            <a:rPr lang="fr-FR" sz="1800" smtClean="0">
-                              <a:solidFill>
-                                <a:schemeClr val="bg2">
-                                  <a:lumMod val="50000"/>
-                                </a:schemeClr>
-                              </a:solidFill>
-                              <a:latin typeface="Cambria Math" panose="02040503050406030204" pitchFamily="18" charset="0"/>
-                            </a:rPr>
-                            <m:t>sin</m:t>
-                          </m:r>
-                          <m:r>
-                            <a:rPr lang="fr-FR" sz="1800" smtClean="0">
-                              <a:solidFill>
-                                <a:schemeClr val="bg2">
-                                  <a:lumMod val="50000"/>
-                                </a:schemeClr>
-                              </a:solidFill>
-                              <a:latin typeface="Cambria Math" panose="02040503050406030204" pitchFamily="18" charset="0"/>
-                            </a:rPr>
-                            <m:t>(2</m:t>
-                          </m:r>
-                          <m:r>
-                            <a:rPr lang="fr-FR" sz="1800" smtClean="0">
-                              <a:solidFill>
-                                <a:schemeClr val="bg2">
-                                  <a:lumMod val="50000"/>
-                                </a:schemeClr>
-                              </a:solidFill>
-                              <a:latin typeface="Cambria Math" panose="02040503050406030204" pitchFamily="18" charset="0"/>
-                            </a:rPr>
-                            <m:t>𝜋</m:t>
-                          </m:r>
-                          <m:r>
-                            <a:rPr lang="fr-FR" sz="1800" smtClean="0">
-                              <a:solidFill>
-                                <a:schemeClr val="bg2">
-                                  <a:lumMod val="50000"/>
-                                </a:schemeClr>
-                              </a:solidFill>
-                              <a:latin typeface="Cambria Math" panose="02040503050406030204" pitchFamily="18" charset="0"/>
-                            </a:rPr>
-                            <m:t>𝑥</m:t>
-                          </m:r>
-                          <m:r>
-                            <a:rPr lang="fr-FR" sz="1800" smtClean="0">
-                              <a:solidFill>
-                                <a:schemeClr val="bg2">
-                                  <a:lumMod val="50000"/>
-                                </a:schemeClr>
-                              </a:solidFill>
-                              <a:latin typeface="Cambria Math" panose="02040503050406030204" pitchFamily="18" charset="0"/>
-                            </a:rPr>
-                            <m:t>)</m:t>
-                          </m:r>
-                        </m:oMath>
-                      </m:oMathPara>
-                    </a14:m>
-                    <a:endParaRPr lang="fr-FR" dirty="0">
-                      <a:solidFill>
-                        <a:schemeClr val="bg2">
-                          <a:lumMod val="50000"/>
-                        </a:schemeClr>
-                      </a:solidFill>
-                    </a:endParaRPr>
-                  </a:p>
-                  <a:p>
-                    <a:pPr marL="457200" lvl="1" indent="0">
-                      <a:buNone/>
-                    </a:pPr>
-                    <a:endParaRPr lang="fr-FR" sz="1800" u="sng" dirty="0">
-                      <a:solidFill>
-                        <a:schemeClr val="bg2">
-                          <a:lumMod val="50000"/>
-                        </a:schemeClr>
-                      </a:solidFill>
-                    </a:endParaRPr>
-                  </a:p>
-                  <a:p>
-                    <a:pPr marL="457200" lvl="1" indent="0">
-                      <a:buNone/>
-                    </a:pPr>
-                    <a:r>
-                      <a:rPr lang="fr-FR" dirty="0">
-                        <a:solidFill>
-                          <a:schemeClr val="bg2">
-                            <a:lumMod val="50000"/>
-                          </a:schemeClr>
-                        </a:solidFill>
-                      </a:rPr>
-                      <a:t>S</a:t>
-                    </a:r>
-                    <a:r>
-                      <a:rPr lang="fr-FR" sz="1800" dirty="0">
-                        <a:solidFill>
-                          <a:schemeClr val="bg2">
-                            <a:lumMod val="50000"/>
-                          </a:schemeClr>
-                        </a:solidFill>
-                      </a:rPr>
-                      <a:t>orties t générées avec cette fonction + du « bruit »</a:t>
-                    </a:r>
-                    <a:endParaRPr lang="fr-FR" dirty="0"/>
-                  </a:p>
-                </p:txBody>
-              </p:sp>
-            </mc:Choice>
-            <mc:Fallback xmlns="">
-              <p:sp>
-                <p:nvSpPr>
-                  <p:cNvPr id="38" name="ZoneTexte 37">
-                    <a:extLst>
-                      <a:ext uri="{FF2B5EF4-FFF2-40B4-BE49-F238E27FC236}">
-                        <a16:creationId xmlns:a16="http://schemas.microsoft.com/office/drawing/2014/main" id="{514A9030-1B02-44BB-9CDC-C99162E94717}"/>
-                      </a:ext>
-                    </a:extLst>
-                  </p:cNvPr>
-                  <p:cNvSpPr txBox="1">
-                    <a:spLocks noRot="1" noChangeAspect="1" noMove="1" noResize="1" noEditPoints="1" noAdjustHandles="1" noChangeArrowheads="1" noChangeShapeType="1" noTextEdit="1"/>
-                  </p:cNvSpPr>
-                  <p:nvPr/>
-                </p:nvSpPr>
-                <p:spPr>
-                  <a:xfrm>
-                    <a:off x="4794071" y="3196048"/>
-                    <a:ext cx="6720840" cy="923330"/>
-                  </a:xfrm>
-                  <a:prstGeom prst="rect">
-                    <a:avLst/>
-                  </a:prstGeom>
-                  <a:blipFill>
-                    <a:blip r:embed="rId4"/>
-                    <a:stretch>
-                      <a:fillRect b="-9934"/>
-                    </a:stretch>
-                  </a:blipFill>
-                </p:spPr>
-                <p:txBody>
-                  <a:bodyPr/>
-                  <a:lstStyle/>
-                  <a:p>
-                    <a:r>
-                      <a:rPr lang="fr-FR">
-                        <a:noFill/>
-                      </a:rPr>
-                      <a:t> </a:t>
-                    </a:r>
-                  </a:p>
-                </p:txBody>
-              </p:sp>
-            </mc:Fallback>
-          </mc:AlternateContent>
-          <p:cxnSp>
-            <p:nvCxnSpPr>
-              <p:cNvPr id="39" name="Connecteur droit avec flèche 38">
-                <a:extLst>
-                  <a:ext uri="{FF2B5EF4-FFF2-40B4-BE49-F238E27FC236}">
-                    <a16:creationId xmlns:a16="http://schemas.microsoft.com/office/drawing/2014/main" id="{6AE5AD4B-BBCC-4059-ADA2-C0A75F414CF6}"/>
-                  </a:ext>
-                </a:extLst>
-              </p:cNvPr>
-              <p:cNvCxnSpPr>
-                <a:cxnSpLocks/>
-              </p:cNvCxnSpPr>
-              <p:nvPr/>
-            </p:nvCxnSpPr>
-            <p:spPr>
-              <a:xfrm flipH="1" flipV="1">
-                <a:off x="3655406" y="3790620"/>
-                <a:ext cx="1648114" cy="141286"/>
-              </a:xfrm>
-              <a:prstGeom prst="straightConnector1">
-                <a:avLst/>
-              </a:prstGeom>
-              <a:ln>
-                <a:tailEnd type="triangle"/>
-              </a:ln>
-            </p:spPr>
-            <p:style>
-              <a:lnRef idx="1">
-                <a:schemeClr val="accent1"/>
-              </a:lnRef>
-              <a:fillRef idx="0">
-                <a:schemeClr val="accent1"/>
-              </a:fillRef>
-              <a:effectRef idx="0">
-                <a:schemeClr val="accent1"/>
-              </a:effectRef>
-              <a:fontRef idx="minor">
-                <a:schemeClr val="tx1"/>
-              </a:fontRef>
-            </p:style>
-          </p:cxnSp>
-        </p:grpSp>
-      </p:grpSp>
-    </p:spTree>
-    <p:extLst>
-      <p:ext uri="{BB962C8B-B14F-4D97-AF65-F5344CB8AC3E}">
-        <p14:creationId xmlns:p14="http://schemas.microsoft.com/office/powerpoint/2010/main" val="3177630845"/>
-      </p:ext>
-    </p:extLst>
-  </p:cSld>
-  <p:clrMapOvr>
-    <a:masterClrMapping/>
-  </p:clrMapOvr>
-</p:sld>
-</file>
-
 <file path=ppt/theme/theme1.xml><?xml version="1.0" encoding="utf-8"?>
 <a:theme xmlns:a="http://schemas.openxmlformats.org/drawingml/2006/main" name="Thème Office">
   <a:themeElements>

--- a/Intelligence Artificielle et Analyse de donnees.pptx
+++ b/Intelligence Artificielle et Analyse de donnees.pptx
@@ -24,8 +24,11 @@
     <p:sldId id="276" r:id="rId18"/>
     <p:sldId id="277" r:id="rId19"/>
     <p:sldId id="272" r:id="rId20"/>
-    <p:sldId id="262" r:id="rId21"/>
-    <p:sldId id="261" r:id="rId22"/>
+    <p:sldId id="280" r:id="rId21"/>
+    <p:sldId id="281" r:id="rId22"/>
+    <p:sldId id="279" r:id="rId23"/>
+    <p:sldId id="262" r:id="rId24"/>
+    <p:sldId id="261" r:id="rId25"/>
   </p:sldIdLst>
   <p:sldSz cx="12192000" cy="6858000"/>
   <p:notesSz cx="6858000" cy="9144000"/>
@@ -11760,62 +11763,78 @@
                 <a:pPr marL="0" indent="0">
                   <a:buNone/>
                 </a:pPr>
-                <a:r>
-                  <a:rPr lang="fr-FR" sz="1800" dirty="0">
-                    <a:solidFill>
-                      <a:schemeClr val="bg2">
-                        <a:lumMod val="50000"/>
-                      </a:schemeClr>
-                    </a:solidFill>
-                  </a:rPr>
-                  <a:t>Pour aller plus loin : générer un 2</a:t>
-                </a:r>
-                <a:r>
-                  <a:rPr lang="fr-FR" sz="1800" baseline="30000" dirty="0">
-                    <a:solidFill>
-                      <a:schemeClr val="bg2">
-                        <a:lumMod val="50000"/>
-                      </a:schemeClr>
-                    </a:solidFill>
-                  </a:rPr>
-                  <a:t>ème</a:t>
-                </a:r>
-                <a:r>
-                  <a:rPr lang="fr-FR" sz="1800" dirty="0">
-                    <a:solidFill>
-                      <a:schemeClr val="bg2">
-                        <a:lumMod val="50000"/>
-                      </a:schemeClr>
-                    </a:solidFill>
-                  </a:rPr>
-                  <a:t> ensemble de données (</a:t>
-                </a:r>
-                <a:r>
-                  <a:rPr lang="fr-FR" sz="1800" i="1" dirty="0">
-                    <a:solidFill>
-                      <a:schemeClr val="bg2">
-                        <a:lumMod val="50000"/>
-                      </a:schemeClr>
-                    </a:solidFill>
-                  </a:rPr>
-                  <a:t>test set</a:t>
-                </a:r>
-                <a:r>
-                  <a:rPr lang="fr-FR" sz="1800" dirty="0">
-                    <a:solidFill>
-                      <a:schemeClr val="bg2">
-                        <a:lumMod val="50000"/>
-                      </a:schemeClr>
-                    </a:solidFill>
-                  </a:rPr>
-                  <a:t>) et tracer le coût en fonction de M.</a:t>
-                </a:r>
+                <a:endParaRPr lang="fr-FR" sz="1800" dirty="0">
+                  <a:solidFill>
+                    <a:schemeClr val="bg2">
+                      <a:lumMod val="50000"/>
+                    </a:schemeClr>
+                  </a:solidFill>
+                </a:endParaRPr>
               </a:p>
               <a:p>
                 <a:pPr marL="0" indent="0">
                   <a:buNone/>
                 </a:pPr>
-                <a:endParaRPr lang="fr-FR" dirty="0"/>
+                <a:r>
+                  <a:rPr lang="fr-FR" sz="1800" u="sng" dirty="0">
+                    <a:solidFill>
+                      <a:schemeClr val="bg2">
+                        <a:lumMod val="50000"/>
+                      </a:schemeClr>
+                    </a:solidFill>
+                  </a:rPr>
+                  <a:t>Pour aller plus loin</a:t>
+                </a:r>
+                <a:r>
+                  <a:rPr lang="fr-FR" sz="1800" dirty="0">
+                    <a:solidFill>
+                      <a:schemeClr val="bg2">
+                        <a:lumMod val="50000"/>
+                      </a:schemeClr>
+                    </a:solidFill>
+                  </a:rPr>
+                  <a:t> : générer un 2</a:t>
+                </a:r>
+                <a:r>
+                  <a:rPr lang="fr-FR" sz="1800" baseline="30000" dirty="0">
+                    <a:solidFill>
+                      <a:schemeClr val="bg2">
+                        <a:lumMod val="50000"/>
+                      </a:schemeClr>
+                    </a:solidFill>
+                  </a:rPr>
+                  <a:t>ème</a:t>
+                </a:r>
+                <a:r>
+                  <a:rPr lang="fr-FR" sz="1800" dirty="0">
+                    <a:solidFill>
+                      <a:schemeClr val="bg2">
+                        <a:lumMod val="50000"/>
+                      </a:schemeClr>
+                    </a:solidFill>
+                  </a:rPr>
+                  <a:t> ensemble de données (</a:t>
+                </a:r>
+                <a:r>
+                  <a:rPr lang="fr-FR" sz="1800" i="1" dirty="0">
+                    <a:solidFill>
+                      <a:schemeClr val="bg2">
+                        <a:lumMod val="50000"/>
+                      </a:schemeClr>
+                    </a:solidFill>
+                  </a:rPr>
+                  <a:t>test set</a:t>
+                </a:r>
+                <a:r>
+                  <a:rPr lang="fr-FR" sz="1800" dirty="0">
+                    <a:solidFill>
+                      <a:schemeClr val="bg2">
+                        <a:lumMod val="50000"/>
+                      </a:schemeClr>
+                    </a:solidFill>
+                  </a:rPr>
+                  <a:t>) et tracer le coût en fonction de M.</a:t>
+                </a:r>
               </a:p>
             </p:txBody>
           </p:sp>
@@ -12124,72 +12143,1901 @@
           <a:chExt cx="0" cy="0"/>
         </a:xfrm>
       </p:grpSpPr>
-      <p:sp>
-        <p:nvSpPr>
-          <p:cNvPr id="3" name="Espace réservé du contenu 2">
+      <mc:AlternateContent xmlns:mc="http://schemas.openxmlformats.org/markup-compatibility/2006">
+        <mc:Choice xmlns:a14="http://schemas.microsoft.com/office/drawing/2010/main" Requires="a14">
+          <p:sp>
+            <p:nvSpPr>
+              <p:cNvPr id="3" name="Espace réservé du contenu 2">
+                <a:extLst>
+                  <a:ext uri="{FF2B5EF4-FFF2-40B4-BE49-F238E27FC236}">
+                    <a16:creationId xmlns:a16="http://schemas.microsoft.com/office/drawing/2014/main" id="{B59E77B8-2D75-472C-B76C-ABDDE0CAFCD5}"/>
+                  </a:ext>
+                </a:extLst>
+              </p:cNvPr>
+              <p:cNvSpPr>
+                <a:spLocks noGrp="1"/>
+              </p:cNvSpPr>
+              <p:nvPr>
+                <p:ph idx="1"/>
+              </p:nvPr>
+            </p:nvSpPr>
+            <p:spPr>
+              <a:xfrm>
+                <a:off x="537750" y="424853"/>
+                <a:ext cx="10839994" cy="6021978"/>
+              </a:xfrm>
+            </p:spPr>
+            <p:txBody>
+              <a:bodyPr>
+                <a:normAutofit fontScale="92500" lnSpcReduction="10000"/>
+              </a:bodyPr>
+              <a:lstStyle/>
+              <a:p>
+                <a:pPr marL="0" indent="0">
+                  <a:buNone/>
+                </a:pPr>
+                <a:r>
+                  <a:rPr lang="fr-FR" sz="2200" dirty="0"/>
+                  <a:t>3.2 Un réseau de neurones simple : le </a:t>
+                </a:r>
+                <a:r>
+                  <a:rPr lang="fr-FR" sz="2200" b="1" dirty="0"/>
+                  <a:t>MLP</a:t>
+                </a:r>
+                <a:r>
+                  <a:rPr lang="fr-FR" sz="2200" dirty="0"/>
+                  <a:t> (multi-</a:t>
+                </a:r>
+                <a:r>
+                  <a:rPr lang="fr-FR" sz="2200" dirty="0" err="1"/>
+                  <a:t>layers</a:t>
+                </a:r>
+                <a:r>
+                  <a:rPr lang="fr-FR" sz="2200" dirty="0"/>
+                  <a:t> perceptron)</a:t>
+                </a:r>
+                <a:endParaRPr lang="fr-FR" sz="2000" u="sng" dirty="0"/>
+              </a:p>
+              <a:p>
+                <a:pPr marL="0" indent="0">
+                  <a:buNone/>
+                </a:pPr>
+                <a:endParaRPr lang="fr-FR" sz="2000" u="sng" dirty="0"/>
+              </a:p>
+              <a:p>
+                <a:pPr marL="0" indent="0">
+                  <a:buNone/>
+                </a:pPr>
+                <a:r>
+                  <a:rPr lang="fr-FR" sz="2000" u="sng" dirty="0"/>
+                  <a:t>Principe du MLP</a:t>
+                </a:r>
+                <a:r>
+                  <a:rPr lang="fr-FR" sz="2000" dirty="0"/>
+                  <a:t> (réseau dense) :</a:t>
+                </a:r>
+              </a:p>
+              <a:p>
+                <a:r>
+                  <a:rPr lang="fr-FR" sz="2000" dirty="0"/>
+                  <a:t>Plusieurs couches (</a:t>
+                </a:r>
+                <a:r>
+                  <a:rPr lang="fr-FR" sz="2000" i="1" dirty="0" err="1"/>
+                  <a:t>layers</a:t>
+                </a:r>
+                <a:r>
+                  <a:rPr lang="fr-FR" sz="2000" dirty="0"/>
+                  <a:t>) </a:t>
+                </a:r>
+              </a:p>
+              <a:p>
+                <a:r>
+                  <a:rPr lang="fr-FR" sz="2000" dirty="0"/>
+                  <a:t>Une couche transforme un </a:t>
+                </a:r>
+              </a:p>
+              <a:p>
+                <a:pPr marL="0" indent="0">
+                  <a:buNone/>
+                </a:pPr>
+                <a:r>
+                  <a:rPr lang="fr-FR" sz="2000" dirty="0"/>
+                  <a:t>    vecteur d’entrée </a:t>
+                </a:r>
+                <a14:m>
+                  <m:oMath xmlns:m="http://schemas.openxmlformats.org/officeDocument/2006/math">
+                    <m:r>
+                      <a:rPr lang="fr-FR" sz="2000" b="0" i="1" smtClean="0">
+                        <a:latin typeface="Cambria Math" panose="02040503050406030204" pitchFamily="18" charset="0"/>
+                      </a:rPr>
+                      <m:t>𝑒</m:t>
+                    </m:r>
+                  </m:oMath>
+                </a14:m>
+                <a:r>
+                  <a:rPr lang="fr-FR" sz="2000" dirty="0"/>
+                  <a:t> en vecteur de sortie </a:t>
+                </a:r>
+                <a14:m>
+                  <m:oMath xmlns:m="http://schemas.openxmlformats.org/officeDocument/2006/math">
+                    <m:r>
+                      <a:rPr lang="fr-FR" sz="2000" b="0" i="1" smtClean="0">
+                        <a:latin typeface="Cambria Math" panose="02040503050406030204" pitchFamily="18" charset="0"/>
+                      </a:rPr>
+                      <m:t>𝑠</m:t>
+                    </m:r>
+                  </m:oMath>
+                </a14:m>
+                <a:r>
+                  <a:rPr lang="fr-FR" sz="2000" dirty="0"/>
+                  <a:t>.</a:t>
+                </a:r>
+              </a:p>
+              <a:p>
+                <a14:m>
+                  <m:oMath xmlns:m="http://schemas.openxmlformats.org/officeDocument/2006/math">
+                    <m:r>
+                      <a:rPr lang="fr-FR" sz="2000" b="0" i="1" smtClean="0">
+                        <a:latin typeface="Cambria Math" panose="02040503050406030204" pitchFamily="18" charset="0"/>
+                      </a:rPr>
+                      <m:t>𝑠</m:t>
+                    </m:r>
+                  </m:oMath>
+                </a14:m>
+                <a:r>
+                  <a:rPr lang="fr-FR" sz="2000" dirty="0"/>
+                  <a:t> est une combinaison linéaire de </a:t>
+                </a:r>
+                <a14:m>
+                  <m:oMath xmlns:m="http://schemas.openxmlformats.org/officeDocument/2006/math">
+                    <m:r>
+                      <a:rPr lang="fr-FR" sz="2000" b="0" i="1" smtClean="0">
+                        <a:latin typeface="Cambria Math" panose="02040503050406030204" pitchFamily="18" charset="0"/>
+                      </a:rPr>
+                      <m:t>𝑒</m:t>
+                    </m:r>
+                  </m:oMath>
+                </a14:m>
+                <a:r>
+                  <a:rPr lang="fr-FR" sz="2000" dirty="0"/>
+                  <a:t>, suivie </a:t>
+                </a:r>
+              </a:p>
+              <a:p>
+                <a:pPr marL="0" indent="0">
+                  <a:buNone/>
+                </a:pPr>
+                <a:r>
+                  <a:rPr lang="fr-FR" sz="2000" dirty="0"/>
+                  <a:t>    (pour les couche cachées) par une non-linéarité </a:t>
+                </a:r>
+                <a14:m>
+                  <m:oMath xmlns:m="http://schemas.openxmlformats.org/officeDocument/2006/math">
+                    <m:r>
+                      <a:rPr lang="fr-FR" sz="2000" b="0" i="1" smtClean="0">
+                        <a:latin typeface="Cambria Math" panose="02040503050406030204" pitchFamily="18" charset="0"/>
+                      </a:rPr>
+                      <m:t>𝜎</m:t>
+                    </m:r>
+                  </m:oMath>
+                </a14:m>
+                <a:r>
+                  <a:rPr lang="fr-FR" sz="2000" dirty="0"/>
+                  <a:t>.</a:t>
+                </a:r>
+                <a:endParaRPr lang="fr-FR" sz="2000" b="0" i="1" dirty="0">
+                  <a:latin typeface="Cambria Math" panose="02040503050406030204" pitchFamily="18" charset="0"/>
+                </a:endParaRPr>
+              </a:p>
+              <a:p>
+                <a:pPr marL="0" indent="0">
+                  <a:buNone/>
+                </a:pPr>
+                <a:endParaRPr lang="fr-FR" sz="2000" b="0" i="1" dirty="0">
+                  <a:latin typeface="Cambria Math" panose="02040503050406030204" pitchFamily="18" charset="0"/>
+                </a:endParaRPr>
+              </a:p>
+              <a:p>
+                <a:pPr marL="0" indent="0">
+                  <a:buNone/>
+                </a:pPr>
+                <a14:m>
+                  <m:oMath xmlns:m="http://schemas.openxmlformats.org/officeDocument/2006/math">
+                    <m:r>
+                      <a:rPr lang="fr-FR" sz="2000" b="0" i="1" smtClean="0">
+                        <a:latin typeface="Cambria Math" panose="02040503050406030204" pitchFamily="18" charset="0"/>
+                      </a:rPr>
+                      <m:t>⇒</m:t>
+                    </m:r>
+                  </m:oMath>
+                </a14:m>
+                <a:r>
+                  <a:rPr lang="fr-FR" sz="2000" dirty="0">
+                    <a:latin typeface="Cambria Math" panose="02040503050406030204" pitchFamily="18" charset="0"/>
+                  </a:rPr>
+                  <a:t> </a:t>
+                </a:r>
+                <a:r>
+                  <a:rPr lang="fr-FR" sz="2000" u="sng" dirty="0"/>
+                  <a:t>le MLP est une fonction</a:t>
+                </a:r>
+                <a:r>
+                  <a:rPr lang="fr-FR" sz="2000" dirty="0"/>
+                  <a:t> :</a:t>
+                </a:r>
+              </a:p>
+              <a:p>
+                <a:r>
+                  <a:rPr lang="fr-FR" sz="2000" dirty="0"/>
+                  <a:t>Sortie d’une couche :</a:t>
+                </a:r>
+                <a14:m>
+                  <m:oMath xmlns:m="http://schemas.openxmlformats.org/officeDocument/2006/math">
+                    <m:sSup>
+                      <m:sSupPr>
+                        <m:ctrlPr>
+                          <a:rPr lang="fr-FR" sz="2000" b="0" i="1" smtClean="0">
+                            <a:latin typeface="Cambria Math" panose="02040503050406030204" pitchFamily="18" charset="0"/>
+                          </a:rPr>
+                        </m:ctrlPr>
+                      </m:sSupPr>
+                      <m:e>
+                        <m:r>
+                          <a:rPr lang="fr-FR" sz="2000" b="0" i="1" smtClean="0">
+                            <a:latin typeface="Cambria Math" panose="02040503050406030204" pitchFamily="18" charset="0"/>
+                          </a:rPr>
+                          <m:t>𝑠</m:t>
+                        </m:r>
+                      </m:e>
+                      <m:sup>
+                        <m:r>
+                          <a:rPr lang="fr-FR" sz="2000" b="0" i="1" smtClean="0">
+                            <a:latin typeface="Cambria Math" panose="02040503050406030204" pitchFamily="18" charset="0"/>
+                          </a:rPr>
+                          <m:t>(</m:t>
+                        </m:r>
+                        <m:r>
+                          <a:rPr lang="fr-FR" sz="2000" b="0" i="1" smtClean="0">
+                            <a:latin typeface="Cambria Math" panose="02040503050406030204" pitchFamily="18" charset="0"/>
+                          </a:rPr>
+                          <m:t>𝑖</m:t>
+                        </m:r>
+                        <m:r>
+                          <a:rPr lang="fr-FR" sz="2000" b="0" i="1" smtClean="0">
+                            <a:latin typeface="Cambria Math" panose="02040503050406030204" pitchFamily="18" charset="0"/>
+                          </a:rPr>
+                          <m:t>)</m:t>
+                        </m:r>
+                      </m:sup>
+                    </m:sSup>
+                    <m:r>
+                      <a:rPr lang="fr-FR" sz="2000" b="0" i="1" smtClean="0">
+                        <a:latin typeface="Cambria Math" panose="02040503050406030204" pitchFamily="18" charset="0"/>
+                      </a:rPr>
+                      <m:t>=</m:t>
+                    </m:r>
+                    <m:r>
+                      <a:rPr lang="fr-FR" sz="2000" b="0" i="1" smtClean="0">
+                        <a:latin typeface="Cambria Math" panose="02040503050406030204" pitchFamily="18" charset="0"/>
+                      </a:rPr>
+                      <m:t>𝜎</m:t>
+                    </m:r>
+                    <m:r>
+                      <a:rPr lang="fr-FR" sz="2000" b="0" i="1" smtClean="0">
+                        <a:latin typeface="Cambria Math" panose="02040503050406030204" pitchFamily="18" charset="0"/>
+                      </a:rPr>
+                      <m:t>(</m:t>
+                    </m:r>
+                    <m:sSup>
+                      <m:sSupPr>
+                        <m:ctrlPr>
+                          <a:rPr lang="fr-FR" sz="2000" b="0" i="1" smtClean="0">
+                            <a:latin typeface="Cambria Math" panose="02040503050406030204" pitchFamily="18" charset="0"/>
+                          </a:rPr>
+                        </m:ctrlPr>
+                      </m:sSupPr>
+                      <m:e>
+                        <m:r>
+                          <a:rPr lang="fr-FR" sz="2000" b="0" i="1" smtClean="0">
+                            <a:latin typeface="Cambria Math" panose="02040503050406030204" pitchFamily="18" charset="0"/>
+                          </a:rPr>
+                          <m:t>𝑊</m:t>
+                        </m:r>
+                      </m:e>
+                      <m:sup>
+                        <m:d>
+                          <m:dPr>
+                            <m:ctrlPr>
+                              <a:rPr lang="fr-FR" sz="2000" b="0" i="1" smtClean="0">
+                                <a:latin typeface="Cambria Math" panose="02040503050406030204" pitchFamily="18" charset="0"/>
+                              </a:rPr>
+                            </m:ctrlPr>
+                          </m:dPr>
+                          <m:e>
+                            <m:r>
+                              <a:rPr lang="fr-FR" sz="2000" b="0" i="1" smtClean="0">
+                                <a:latin typeface="Cambria Math" panose="02040503050406030204" pitchFamily="18" charset="0"/>
+                              </a:rPr>
+                              <m:t>𝑖</m:t>
+                            </m:r>
+                          </m:e>
+                        </m:d>
+                      </m:sup>
+                    </m:sSup>
+                    <m:r>
+                      <a:rPr lang="fr-FR" sz="2000" b="0" i="1" smtClean="0">
+                        <a:latin typeface="Cambria Math" panose="02040503050406030204" pitchFamily="18" charset="0"/>
+                      </a:rPr>
+                      <m:t>×</m:t>
+                    </m:r>
+                    <m:sSup>
+                      <m:sSupPr>
+                        <m:ctrlPr>
+                          <a:rPr lang="fr-FR" sz="2000" b="0" i="1" smtClean="0">
+                            <a:latin typeface="Cambria Math" panose="02040503050406030204" pitchFamily="18" charset="0"/>
+                          </a:rPr>
+                        </m:ctrlPr>
+                      </m:sSupPr>
+                      <m:e>
+                        <m:r>
+                          <a:rPr lang="fr-FR" sz="2000" b="0" i="1" smtClean="0">
+                            <a:latin typeface="Cambria Math" panose="02040503050406030204" pitchFamily="18" charset="0"/>
+                          </a:rPr>
+                          <m:t>𝑒</m:t>
+                        </m:r>
+                      </m:e>
+                      <m:sup>
+                        <m:r>
+                          <a:rPr lang="fr-FR" sz="2000" b="0" i="1" smtClean="0">
+                            <a:latin typeface="Cambria Math" panose="02040503050406030204" pitchFamily="18" charset="0"/>
+                          </a:rPr>
+                          <m:t>(</m:t>
+                        </m:r>
+                        <m:r>
+                          <a:rPr lang="fr-FR" sz="2000" b="0" i="1" smtClean="0">
+                            <a:latin typeface="Cambria Math" panose="02040503050406030204" pitchFamily="18" charset="0"/>
+                          </a:rPr>
+                          <m:t>𝑖</m:t>
+                        </m:r>
+                        <m:r>
+                          <a:rPr lang="fr-FR" sz="2000" b="0" i="1" smtClean="0">
+                            <a:latin typeface="Cambria Math" panose="02040503050406030204" pitchFamily="18" charset="0"/>
+                          </a:rPr>
+                          <m:t>)</m:t>
+                        </m:r>
+                      </m:sup>
+                    </m:sSup>
+                    <m:r>
+                      <a:rPr lang="fr-FR" sz="2000" b="0" i="1" smtClean="0">
+                        <a:latin typeface="Cambria Math" panose="02040503050406030204" pitchFamily="18" charset="0"/>
+                      </a:rPr>
+                      <m:t>+</m:t>
+                    </m:r>
+                    <m:sSup>
+                      <m:sSupPr>
+                        <m:ctrlPr>
+                          <a:rPr lang="fr-FR" sz="2000" b="0" i="1" smtClean="0">
+                            <a:latin typeface="Cambria Math" panose="02040503050406030204" pitchFamily="18" charset="0"/>
+                          </a:rPr>
+                        </m:ctrlPr>
+                      </m:sSupPr>
+                      <m:e>
+                        <m:r>
+                          <a:rPr lang="fr-FR" sz="2000" b="0" i="1" smtClean="0">
+                            <a:latin typeface="Cambria Math" panose="02040503050406030204" pitchFamily="18" charset="0"/>
+                          </a:rPr>
+                          <m:t>𝑏</m:t>
+                        </m:r>
+                      </m:e>
+                      <m:sup>
+                        <m:r>
+                          <a:rPr lang="fr-FR" sz="2000" b="0" i="1" smtClean="0">
+                            <a:latin typeface="Cambria Math" panose="02040503050406030204" pitchFamily="18" charset="0"/>
+                          </a:rPr>
+                          <m:t>(</m:t>
+                        </m:r>
+                        <m:r>
+                          <a:rPr lang="fr-FR" sz="2000" b="0" i="1" smtClean="0">
+                            <a:latin typeface="Cambria Math" panose="02040503050406030204" pitchFamily="18" charset="0"/>
+                          </a:rPr>
+                          <m:t>𝑖</m:t>
+                        </m:r>
+                        <m:r>
+                          <a:rPr lang="fr-FR" sz="2000" b="0" i="1" smtClean="0">
+                            <a:latin typeface="Cambria Math" panose="02040503050406030204" pitchFamily="18" charset="0"/>
+                          </a:rPr>
+                          <m:t>)</m:t>
+                        </m:r>
+                      </m:sup>
+                    </m:sSup>
+                    <m:r>
+                      <a:rPr lang="fr-FR" sz="2000" b="0" i="1" smtClean="0">
+                        <a:latin typeface="Cambria Math" panose="02040503050406030204" pitchFamily="18" charset="0"/>
+                      </a:rPr>
+                      <m:t>)</m:t>
+                    </m:r>
+                  </m:oMath>
+                </a14:m>
+                <a:endParaRPr lang="fr-FR" sz="2000" dirty="0"/>
+              </a:p>
+              <a:p>
+                <a:r>
+                  <a:rPr lang="fr-FR" sz="2000" dirty="0"/>
+                  <a:t>Sortie du réseau : </a:t>
+                </a:r>
+                <a14:m>
+                  <m:oMath xmlns:m="http://schemas.openxmlformats.org/officeDocument/2006/math">
+                    <m:r>
+                      <a:rPr lang="fr-FR" sz="2000" b="0" i="1" smtClean="0">
+                        <a:latin typeface="Cambria Math" panose="02040503050406030204" pitchFamily="18" charset="0"/>
+                      </a:rPr>
+                      <m:t>𝑦</m:t>
+                    </m:r>
+                    <m:r>
+                      <a:rPr lang="fr-FR" sz="2000" b="0" i="1" smtClean="0">
+                        <a:latin typeface="Cambria Math" panose="02040503050406030204" pitchFamily="18" charset="0"/>
+                      </a:rPr>
+                      <m:t>=</m:t>
+                    </m:r>
+                    <m:sSup>
+                      <m:sSupPr>
+                        <m:ctrlPr>
+                          <a:rPr lang="fr-FR" sz="2000" b="0" i="1" smtClean="0">
+                            <a:latin typeface="Cambria Math" panose="02040503050406030204" pitchFamily="18" charset="0"/>
+                          </a:rPr>
+                        </m:ctrlPr>
+                      </m:sSupPr>
+                      <m:e>
+                        <m:r>
+                          <a:rPr lang="fr-FR" sz="2000" b="0" i="1" smtClean="0">
+                            <a:latin typeface="Cambria Math" panose="02040503050406030204" pitchFamily="18" charset="0"/>
+                          </a:rPr>
+                          <m:t>𝑊</m:t>
+                        </m:r>
+                      </m:e>
+                      <m:sup>
+                        <m:r>
+                          <a:rPr lang="fr-FR" sz="2000" b="0" i="1" smtClean="0">
+                            <a:latin typeface="Cambria Math" panose="02040503050406030204" pitchFamily="18" charset="0"/>
+                          </a:rPr>
+                          <m:t>(2)</m:t>
+                        </m:r>
+                      </m:sup>
+                    </m:sSup>
+                    <m:r>
+                      <a:rPr lang="fr-FR" sz="2000" i="1">
+                        <a:latin typeface="Cambria Math" panose="02040503050406030204" pitchFamily="18" charset="0"/>
+                      </a:rPr>
+                      <m:t>×</m:t>
+                    </m:r>
+                    <m:r>
+                      <a:rPr lang="fr-FR" sz="2000" i="1">
+                        <a:latin typeface="Cambria Math" panose="02040503050406030204" pitchFamily="18" charset="0"/>
+                      </a:rPr>
+                      <m:t>𝜎</m:t>
+                    </m:r>
+                    <m:d>
+                      <m:dPr>
+                        <m:ctrlPr>
+                          <a:rPr lang="fr-FR" sz="2000" i="1">
+                            <a:latin typeface="Cambria Math" panose="02040503050406030204" pitchFamily="18" charset="0"/>
+                          </a:rPr>
+                        </m:ctrlPr>
+                      </m:dPr>
+                      <m:e>
+                        <m:sSup>
+                          <m:sSupPr>
+                            <m:ctrlPr>
+                              <a:rPr lang="fr-FR" sz="2000" i="1">
+                                <a:latin typeface="Cambria Math" panose="02040503050406030204" pitchFamily="18" charset="0"/>
+                              </a:rPr>
+                            </m:ctrlPr>
+                          </m:sSupPr>
+                          <m:e>
+                            <m:r>
+                              <a:rPr lang="fr-FR" sz="2000" i="1">
+                                <a:latin typeface="Cambria Math" panose="02040503050406030204" pitchFamily="18" charset="0"/>
+                              </a:rPr>
+                              <m:t>𝑊</m:t>
+                            </m:r>
+                          </m:e>
+                          <m:sup>
+                            <m:d>
+                              <m:dPr>
+                                <m:ctrlPr>
+                                  <a:rPr lang="fr-FR" sz="2000" i="1">
+                                    <a:latin typeface="Cambria Math" panose="02040503050406030204" pitchFamily="18" charset="0"/>
+                                  </a:rPr>
+                                </m:ctrlPr>
+                              </m:dPr>
+                              <m:e>
+                                <m:r>
+                                  <a:rPr lang="fr-FR" sz="2000" b="0" i="1" smtClean="0">
+                                    <a:latin typeface="Cambria Math" panose="02040503050406030204" pitchFamily="18" charset="0"/>
+                                  </a:rPr>
+                                  <m:t>1</m:t>
+                                </m:r>
+                              </m:e>
+                            </m:d>
+                          </m:sup>
+                        </m:sSup>
+                        <m:r>
+                          <a:rPr lang="fr-FR" sz="2000" i="1">
+                            <a:latin typeface="Cambria Math" panose="02040503050406030204" pitchFamily="18" charset="0"/>
+                          </a:rPr>
+                          <m:t>×</m:t>
+                        </m:r>
+                        <m:r>
+                          <a:rPr lang="fr-FR" sz="2000" b="0" i="1" smtClean="0">
+                            <a:latin typeface="Cambria Math" panose="02040503050406030204" pitchFamily="18" charset="0"/>
+                          </a:rPr>
+                          <m:t>𝑥</m:t>
+                        </m:r>
+                        <m:r>
+                          <a:rPr lang="fr-FR" sz="2000" b="0" i="1" smtClean="0">
+                            <a:latin typeface="Cambria Math" panose="02040503050406030204" pitchFamily="18" charset="0"/>
+                          </a:rPr>
+                          <m:t>+</m:t>
+                        </m:r>
+                        <m:sSup>
+                          <m:sSupPr>
+                            <m:ctrlPr>
+                              <a:rPr lang="fr-FR" sz="2000" b="0" i="1" smtClean="0">
+                                <a:latin typeface="Cambria Math" panose="02040503050406030204" pitchFamily="18" charset="0"/>
+                              </a:rPr>
+                            </m:ctrlPr>
+                          </m:sSupPr>
+                          <m:e>
+                            <m:r>
+                              <a:rPr lang="fr-FR" sz="2000" b="0" i="1" smtClean="0">
+                                <a:latin typeface="Cambria Math" panose="02040503050406030204" pitchFamily="18" charset="0"/>
+                              </a:rPr>
+                              <m:t>𝑏</m:t>
+                            </m:r>
+                          </m:e>
+                          <m:sup>
+                            <m:d>
+                              <m:dPr>
+                                <m:ctrlPr>
+                                  <a:rPr lang="fr-FR" sz="2000" b="0" i="1" smtClean="0">
+                                    <a:latin typeface="Cambria Math" panose="02040503050406030204" pitchFamily="18" charset="0"/>
+                                  </a:rPr>
+                                </m:ctrlPr>
+                              </m:dPr>
+                              <m:e>
+                                <m:r>
+                                  <a:rPr lang="fr-FR" sz="2000" b="0" i="1" smtClean="0">
+                                    <a:latin typeface="Cambria Math" panose="02040503050406030204" pitchFamily="18" charset="0"/>
+                                  </a:rPr>
+                                  <m:t>1</m:t>
+                                </m:r>
+                              </m:e>
+                            </m:d>
+                          </m:sup>
+                        </m:sSup>
+                      </m:e>
+                    </m:d>
+                    <m:r>
+                      <a:rPr lang="fr-FR" sz="2000" b="0" i="1" smtClean="0">
+                        <a:latin typeface="Cambria Math" panose="02040503050406030204" pitchFamily="18" charset="0"/>
+                      </a:rPr>
+                      <m:t>+</m:t>
+                    </m:r>
+                    <m:sSup>
+                      <m:sSupPr>
+                        <m:ctrlPr>
+                          <a:rPr lang="fr-FR" sz="2000" b="0" i="1" smtClean="0">
+                            <a:latin typeface="Cambria Math" panose="02040503050406030204" pitchFamily="18" charset="0"/>
+                          </a:rPr>
+                        </m:ctrlPr>
+                      </m:sSupPr>
+                      <m:e>
+                        <m:r>
+                          <a:rPr lang="fr-FR" sz="2000" b="0" i="1" smtClean="0">
+                            <a:latin typeface="Cambria Math" panose="02040503050406030204" pitchFamily="18" charset="0"/>
+                          </a:rPr>
+                          <m:t>𝑏</m:t>
+                        </m:r>
+                      </m:e>
+                      <m:sup>
+                        <m:r>
+                          <a:rPr lang="fr-FR" sz="2000" b="0" i="1" smtClean="0">
+                            <a:latin typeface="Cambria Math" panose="02040503050406030204" pitchFamily="18" charset="0"/>
+                          </a:rPr>
+                          <m:t>(2)</m:t>
+                        </m:r>
+                      </m:sup>
+                    </m:sSup>
+                  </m:oMath>
+                </a14:m>
+                <a:endParaRPr lang="fr-FR" sz="2000" dirty="0"/>
+              </a:p>
+              <a:p>
+                <a:r>
+                  <a:rPr lang="fr-FR" sz="2000" dirty="0"/>
+                  <a:t>Sortie d’un neurone : </a:t>
+                </a:r>
+                <a14:m>
+                  <m:oMath xmlns:m="http://schemas.openxmlformats.org/officeDocument/2006/math">
+                    <m:sSubSup>
+                      <m:sSubSupPr>
+                        <m:ctrlPr>
+                          <a:rPr lang="fr-FR" sz="2000" b="0" i="1" smtClean="0">
+                            <a:latin typeface="Cambria Math" panose="02040503050406030204" pitchFamily="18" charset="0"/>
+                          </a:rPr>
+                        </m:ctrlPr>
+                      </m:sSubSupPr>
+                      <m:e>
+                        <m:r>
+                          <a:rPr lang="fr-FR" sz="2000" b="0" i="1" smtClean="0">
+                            <a:latin typeface="Cambria Math" panose="02040503050406030204" pitchFamily="18" charset="0"/>
+                          </a:rPr>
+                          <m:t>𝑠</m:t>
+                        </m:r>
+                      </m:e>
+                      <m:sub>
+                        <m:r>
+                          <a:rPr lang="fr-FR" sz="2000" b="0" i="1" smtClean="0">
+                            <a:latin typeface="Cambria Math" panose="02040503050406030204" pitchFamily="18" charset="0"/>
+                          </a:rPr>
+                          <m:t>𝑗</m:t>
+                        </m:r>
+                      </m:sub>
+                      <m:sup>
+                        <m:r>
+                          <a:rPr lang="fr-FR" sz="2000" b="0" i="1" smtClean="0">
+                            <a:latin typeface="Cambria Math" panose="02040503050406030204" pitchFamily="18" charset="0"/>
+                          </a:rPr>
+                          <m:t>(</m:t>
+                        </m:r>
+                        <m:r>
+                          <a:rPr lang="fr-FR" sz="2000" b="0" i="1" smtClean="0">
+                            <a:latin typeface="Cambria Math" panose="02040503050406030204" pitchFamily="18" charset="0"/>
+                          </a:rPr>
+                          <m:t>𝑖</m:t>
+                        </m:r>
+                        <m:r>
+                          <a:rPr lang="fr-FR" sz="2000" b="0" i="1" smtClean="0">
+                            <a:latin typeface="Cambria Math" panose="02040503050406030204" pitchFamily="18" charset="0"/>
+                          </a:rPr>
+                          <m:t>)</m:t>
+                        </m:r>
+                      </m:sup>
+                    </m:sSubSup>
+                    <m:r>
+                      <a:rPr lang="fr-FR" sz="2000" b="0" i="1" smtClean="0">
+                        <a:latin typeface="Cambria Math" panose="02040503050406030204" pitchFamily="18" charset="0"/>
+                      </a:rPr>
+                      <m:t>=</m:t>
+                    </m:r>
+                    <m:sSubSup>
+                      <m:sSubSupPr>
+                        <m:ctrlPr>
+                          <a:rPr lang="fr-FR" sz="2000" b="0" i="1" smtClean="0">
+                            <a:latin typeface="Cambria Math" panose="02040503050406030204" pitchFamily="18" charset="0"/>
+                          </a:rPr>
+                        </m:ctrlPr>
+                      </m:sSubSupPr>
+                      <m:e>
+                        <m:r>
+                          <a:rPr lang="fr-FR" sz="2000" b="0" i="1" smtClean="0">
+                            <a:latin typeface="Cambria Math" panose="02040503050406030204" pitchFamily="18" charset="0"/>
+                          </a:rPr>
+                          <m:t>𝑤</m:t>
+                        </m:r>
+                      </m:e>
+                      <m:sub>
+                        <m:r>
+                          <a:rPr lang="fr-FR" sz="2000" b="0" i="1" smtClean="0">
+                            <a:latin typeface="Cambria Math" panose="02040503050406030204" pitchFamily="18" charset="0"/>
+                          </a:rPr>
+                          <m:t>𝑗</m:t>
+                        </m:r>
+                      </m:sub>
+                      <m:sup>
+                        <m:r>
+                          <a:rPr lang="fr-FR" sz="2000" b="0" i="1" smtClean="0">
+                            <a:latin typeface="Cambria Math" panose="02040503050406030204" pitchFamily="18" charset="0"/>
+                          </a:rPr>
+                          <m:t>(</m:t>
+                        </m:r>
+                        <m:r>
+                          <a:rPr lang="fr-FR" sz="2000" b="0" i="1" smtClean="0">
+                            <a:latin typeface="Cambria Math" panose="02040503050406030204" pitchFamily="18" charset="0"/>
+                          </a:rPr>
+                          <m:t>𝑖</m:t>
+                        </m:r>
+                        <m:r>
+                          <a:rPr lang="fr-FR" sz="2000" b="0" i="1" smtClean="0">
+                            <a:latin typeface="Cambria Math" panose="02040503050406030204" pitchFamily="18" charset="0"/>
+                          </a:rPr>
+                          <m:t>)</m:t>
+                        </m:r>
+                      </m:sup>
+                    </m:sSubSup>
+                    <m:r>
+                      <a:rPr lang="fr-FR" sz="2000" b="0" i="1" smtClean="0">
+                        <a:latin typeface="Cambria Math" panose="02040503050406030204" pitchFamily="18" charset="0"/>
+                      </a:rPr>
+                      <m:t>∗</m:t>
+                    </m:r>
+                    <m:sSubSup>
+                      <m:sSubSupPr>
+                        <m:ctrlPr>
+                          <a:rPr lang="fr-FR" sz="2000" b="0" i="1" smtClean="0">
+                            <a:latin typeface="Cambria Math" panose="02040503050406030204" pitchFamily="18" charset="0"/>
+                          </a:rPr>
+                        </m:ctrlPr>
+                      </m:sSubSupPr>
+                      <m:e>
+                        <m:r>
+                          <a:rPr lang="fr-FR" sz="2000" b="0" i="1" smtClean="0">
+                            <a:latin typeface="Cambria Math" panose="02040503050406030204" pitchFamily="18" charset="0"/>
+                          </a:rPr>
+                          <m:t>𝑒</m:t>
+                        </m:r>
+                      </m:e>
+                      <m:sub/>
+                      <m:sup>
+                        <m:d>
+                          <m:dPr>
+                            <m:ctrlPr>
+                              <a:rPr lang="fr-FR" sz="2000" b="0" i="1" smtClean="0">
+                                <a:latin typeface="Cambria Math" panose="02040503050406030204" pitchFamily="18" charset="0"/>
+                              </a:rPr>
+                            </m:ctrlPr>
+                          </m:dPr>
+                          <m:e>
+                            <m:r>
+                              <a:rPr lang="fr-FR" sz="2000" b="0" i="1" smtClean="0">
+                                <a:latin typeface="Cambria Math" panose="02040503050406030204" pitchFamily="18" charset="0"/>
+                              </a:rPr>
+                              <m:t>𝑖</m:t>
+                            </m:r>
+                          </m:e>
+                        </m:d>
+                      </m:sup>
+                    </m:sSubSup>
+                    <m:r>
+                      <a:rPr lang="fr-FR" sz="2000" b="0" i="1" smtClean="0">
+                        <a:latin typeface="Cambria Math" panose="02040503050406030204" pitchFamily="18" charset="0"/>
+                      </a:rPr>
+                      <m:t>+</m:t>
+                    </m:r>
+                    <m:sSubSup>
+                      <m:sSubSupPr>
+                        <m:ctrlPr>
+                          <a:rPr lang="fr-FR" sz="2000" b="0" i="1" smtClean="0">
+                            <a:latin typeface="Cambria Math" panose="02040503050406030204" pitchFamily="18" charset="0"/>
+                          </a:rPr>
+                        </m:ctrlPr>
+                      </m:sSubSupPr>
+                      <m:e>
+                        <m:r>
+                          <a:rPr lang="fr-FR" sz="2000" b="0" i="1" smtClean="0">
+                            <a:latin typeface="Cambria Math" panose="02040503050406030204" pitchFamily="18" charset="0"/>
+                          </a:rPr>
+                          <m:t>𝑏</m:t>
+                        </m:r>
+                      </m:e>
+                      <m:sub>
+                        <m:r>
+                          <a:rPr lang="fr-FR" sz="2000" b="0" i="1" smtClean="0">
+                            <a:latin typeface="Cambria Math" panose="02040503050406030204" pitchFamily="18" charset="0"/>
+                          </a:rPr>
+                          <m:t>𝑗</m:t>
+                        </m:r>
+                      </m:sub>
+                      <m:sup>
+                        <m:r>
+                          <a:rPr lang="fr-FR" sz="2000" b="0" i="1" smtClean="0">
+                            <a:latin typeface="Cambria Math" panose="02040503050406030204" pitchFamily="18" charset="0"/>
+                          </a:rPr>
+                          <m:t>(</m:t>
+                        </m:r>
+                        <m:r>
+                          <a:rPr lang="fr-FR" sz="2000" b="0" i="1" smtClean="0">
+                            <a:latin typeface="Cambria Math" panose="02040503050406030204" pitchFamily="18" charset="0"/>
+                          </a:rPr>
+                          <m:t>𝑖</m:t>
+                        </m:r>
+                        <m:r>
+                          <a:rPr lang="fr-FR" sz="2000" b="0" i="1" smtClean="0">
+                            <a:latin typeface="Cambria Math" panose="02040503050406030204" pitchFamily="18" charset="0"/>
+                          </a:rPr>
+                          <m:t>)</m:t>
+                        </m:r>
+                      </m:sup>
+                    </m:sSubSup>
+                  </m:oMath>
+                </a14:m>
+                <a:endParaRPr lang="fr-FR" sz="2000" dirty="0"/>
+              </a:p>
+              <a:p>
+                <a:pPr marL="0" indent="0">
+                  <a:buNone/>
+                </a:pPr>
+                <a:endParaRPr lang="fr-FR" sz="2000" dirty="0"/>
+              </a:p>
+              <a:p>
+                <a:pPr marL="0" indent="0">
+                  <a:buNone/>
+                </a:pPr>
+                <a:r>
+                  <a:rPr lang="fr-FR" sz="2000" u="sng" dirty="0"/>
+                  <a:t>Entraîner un MLP</a:t>
+                </a:r>
+                <a:r>
+                  <a:rPr lang="fr-FR" sz="2000" dirty="0"/>
+                  <a:t> = apprendre (identifier) ses paramètres, </a:t>
+                </a:r>
+              </a:p>
+              <a:p>
+                <a:pPr marL="0" indent="0">
+                  <a:buNone/>
+                </a:pPr>
+                <a:r>
+                  <a:rPr lang="fr-FR" sz="2000" dirty="0"/>
+                  <a:t>		  i.e. les matrices </a:t>
+                </a:r>
+                <a14:m>
+                  <m:oMath xmlns:m="http://schemas.openxmlformats.org/officeDocument/2006/math">
+                    <m:sSup>
+                      <m:sSupPr>
+                        <m:ctrlPr>
+                          <a:rPr lang="fr-FR" sz="2000" b="0" i="1" smtClean="0">
+                            <a:latin typeface="Cambria Math" panose="02040503050406030204" pitchFamily="18" charset="0"/>
+                          </a:rPr>
+                        </m:ctrlPr>
+                      </m:sSupPr>
+                      <m:e>
+                        <m:r>
+                          <a:rPr lang="fr-FR" sz="2000" b="0" i="1" smtClean="0">
+                            <a:latin typeface="Cambria Math" panose="02040503050406030204" pitchFamily="18" charset="0"/>
+                          </a:rPr>
+                          <m:t>𝑊</m:t>
+                        </m:r>
+                      </m:e>
+                      <m:sup>
+                        <m:r>
+                          <a:rPr lang="fr-FR" sz="2000" b="0" i="1" smtClean="0">
+                            <a:latin typeface="Cambria Math" panose="02040503050406030204" pitchFamily="18" charset="0"/>
+                          </a:rPr>
+                          <m:t>(</m:t>
+                        </m:r>
+                        <m:r>
+                          <a:rPr lang="fr-FR" sz="2000" b="0" i="1" smtClean="0">
+                            <a:latin typeface="Cambria Math" panose="02040503050406030204" pitchFamily="18" charset="0"/>
+                          </a:rPr>
+                          <m:t>𝑖</m:t>
+                        </m:r>
+                        <m:r>
+                          <a:rPr lang="fr-FR" sz="2000" b="0" i="1" smtClean="0">
+                            <a:latin typeface="Cambria Math" panose="02040503050406030204" pitchFamily="18" charset="0"/>
+                          </a:rPr>
+                          <m:t>)</m:t>
+                        </m:r>
+                      </m:sup>
+                    </m:sSup>
+                  </m:oMath>
+                </a14:m>
+                <a:r>
+                  <a:rPr lang="fr-FR" sz="2000" dirty="0"/>
+                  <a:t>(les poids) et les vecteurs </a:t>
+                </a:r>
+                <a14:m>
+                  <m:oMath xmlns:m="http://schemas.openxmlformats.org/officeDocument/2006/math">
+                    <m:sSup>
+                      <m:sSupPr>
+                        <m:ctrlPr>
+                          <a:rPr lang="fr-FR" sz="2000" b="0" i="1" smtClean="0">
+                            <a:latin typeface="Cambria Math" panose="02040503050406030204" pitchFamily="18" charset="0"/>
+                          </a:rPr>
+                        </m:ctrlPr>
+                      </m:sSupPr>
+                      <m:e>
+                        <m:r>
+                          <a:rPr lang="fr-FR" sz="2000" b="0" i="1" smtClean="0">
+                            <a:latin typeface="Cambria Math" panose="02040503050406030204" pitchFamily="18" charset="0"/>
+                          </a:rPr>
+                          <m:t>𝑏</m:t>
+                        </m:r>
+                      </m:e>
+                      <m:sup>
+                        <m:r>
+                          <a:rPr lang="fr-FR" sz="2000" b="0" i="1" smtClean="0">
+                            <a:latin typeface="Cambria Math" panose="02040503050406030204" pitchFamily="18" charset="0"/>
+                          </a:rPr>
+                          <m:t>(</m:t>
+                        </m:r>
+                        <m:r>
+                          <a:rPr lang="fr-FR" sz="2000" b="0" i="1" smtClean="0">
+                            <a:latin typeface="Cambria Math" panose="02040503050406030204" pitchFamily="18" charset="0"/>
+                          </a:rPr>
+                          <m:t>𝑖</m:t>
+                        </m:r>
+                        <m:r>
+                          <a:rPr lang="fr-FR" sz="2000" b="0" i="1" smtClean="0">
+                            <a:latin typeface="Cambria Math" panose="02040503050406030204" pitchFamily="18" charset="0"/>
+                          </a:rPr>
+                          <m:t>)</m:t>
+                        </m:r>
+                      </m:sup>
+                    </m:sSup>
+                  </m:oMath>
+                </a14:m>
+                <a:r>
+                  <a:rPr lang="fr-FR" sz="2000" dirty="0"/>
+                  <a:t>(les biais).</a:t>
+                </a:r>
+              </a:p>
+            </p:txBody>
+          </p:sp>
+        </mc:Choice>
+        <mc:Fallback>
+          <p:sp>
+            <p:nvSpPr>
+              <p:cNvPr id="3" name="Espace réservé du contenu 2">
+                <a:extLst>
+                  <a:ext uri="{FF2B5EF4-FFF2-40B4-BE49-F238E27FC236}">
+                    <a16:creationId xmlns:a16="http://schemas.microsoft.com/office/drawing/2014/main" id="{B59E77B8-2D75-472C-B76C-ABDDE0CAFCD5}"/>
+                  </a:ext>
+                </a:extLst>
+              </p:cNvPr>
+              <p:cNvSpPr>
+                <a:spLocks noGrp="1" noRot="1" noChangeAspect="1" noMove="1" noResize="1" noEditPoints="1" noAdjustHandles="1" noChangeArrowheads="1" noChangeShapeType="1" noTextEdit="1"/>
+              </p:cNvSpPr>
+              <p:nvPr>
+                <p:ph idx="1"/>
+              </p:nvPr>
+            </p:nvSpPr>
+            <p:spPr>
+              <a:xfrm>
+                <a:off x="537750" y="424853"/>
+                <a:ext cx="10839994" cy="6021978"/>
+              </a:xfrm>
+              <a:blipFill>
+                <a:blip r:embed="rId2"/>
+                <a:stretch>
+                  <a:fillRect l="-562" t="-1518"/>
+                </a:stretch>
+              </a:blipFill>
+            </p:spPr>
+            <p:txBody>
+              <a:bodyPr/>
+              <a:lstStyle/>
+              <a:p>
+                <a:r>
+                  <a:rPr lang="fr-FR">
+                    <a:noFill/>
+                  </a:rPr>
+                  <a:t> </a:t>
+                </a:r>
+              </a:p>
+            </p:txBody>
+          </p:sp>
+        </mc:Fallback>
+      </mc:AlternateContent>
+      <p:grpSp>
+        <p:nvGrpSpPr>
+          <p:cNvPr id="21" name="Groupe 20">
             <a:extLst>
               <a:ext uri="{FF2B5EF4-FFF2-40B4-BE49-F238E27FC236}">
-                <a16:creationId xmlns:a16="http://schemas.microsoft.com/office/drawing/2014/main" id="{B59E77B8-2D75-472C-B76C-ABDDE0CAFCD5}"/>
+                <a16:creationId xmlns:a16="http://schemas.microsoft.com/office/drawing/2014/main" id="{39A62D2F-60BB-4731-946D-649B867AA6D1}"/>
               </a:ext>
             </a:extLst>
           </p:cNvPr>
-          <p:cNvSpPr>
-            <a:spLocks noGrp="1"/>
-          </p:cNvSpPr>
-          <p:nvPr>
-            <p:ph idx="1"/>
-          </p:nvPr>
-        </p:nvSpPr>
-        <p:spPr>
+          <p:cNvGrpSpPr/>
+          <p:nvPr/>
+        </p:nvGrpSpPr>
+        <p:grpSpPr>
           <a:xfrm>
-            <a:off x="537750" y="431073"/>
-            <a:ext cx="10839994" cy="6021978"/>
+            <a:off x="6718222" y="1256140"/>
+            <a:ext cx="5250310" cy="3920072"/>
+            <a:chOff x="2108911" y="1256140"/>
+            <a:chExt cx="5250310" cy="3920072"/>
           </a:xfrm>
-        </p:spPr>
-        <p:txBody>
-          <a:bodyPr>
-            <a:normAutofit/>
-          </a:bodyPr>
-          <a:lstStyle/>
-          <a:p>
-            <a:pPr marL="0" indent="0">
-              <a:buNone/>
-            </a:pPr>
-            <a:r>
-              <a:rPr lang="fr-FR" sz="2200" dirty="0"/>
-              <a:t>3.2 Un réseau de neurones simple : le </a:t>
-            </a:r>
-            <a:r>
-              <a:rPr lang="fr-FR" sz="2200" b="1" dirty="0"/>
-              <a:t>MLP</a:t>
-            </a:r>
-            <a:r>
-              <a:rPr lang="fr-FR" sz="2200" dirty="0"/>
-              <a:t> (multi-</a:t>
-            </a:r>
-            <a:r>
-              <a:rPr lang="fr-FR" sz="2200" dirty="0" err="1"/>
-              <a:t>layers</a:t>
-            </a:r>
-            <a:r>
-              <a:rPr lang="fr-FR" sz="2200" dirty="0"/>
-              <a:t> perceptron)</a:t>
-            </a:r>
-          </a:p>
-          <a:p>
-            <a:pPr marL="0" indent="0">
-              <a:buNone/>
-            </a:pPr>
-            <a:endParaRPr lang="fr-FR" sz="2200" u="sng" dirty="0"/>
-          </a:p>
-          <a:p>
-            <a:pPr marL="0" indent="0">
-              <a:buNone/>
-            </a:pPr>
-            <a:endParaRPr lang="fr-FR" sz="2200" b="1" dirty="0"/>
-          </a:p>
-        </p:txBody>
-      </p:sp>
+        </p:grpSpPr>
+        <p:grpSp>
+          <p:nvGrpSpPr>
+            <p:cNvPr id="22" name="Groupe 21">
+              <a:extLst>
+                <a:ext uri="{FF2B5EF4-FFF2-40B4-BE49-F238E27FC236}">
+                  <a16:creationId xmlns:a16="http://schemas.microsoft.com/office/drawing/2014/main" id="{8794D65E-4C37-451A-8493-41E745E2A012}"/>
+                </a:ext>
+              </a:extLst>
+            </p:cNvPr>
+            <p:cNvGrpSpPr/>
+            <p:nvPr/>
+          </p:nvGrpSpPr>
+          <p:grpSpPr>
+            <a:xfrm>
+              <a:off x="2108911" y="1256140"/>
+              <a:ext cx="5250310" cy="3920072"/>
+              <a:chOff x="3427635" y="615440"/>
+              <a:chExt cx="5250310" cy="3920072"/>
+            </a:xfrm>
+          </p:grpSpPr>
+          <p:pic>
+            <p:nvPicPr>
+              <p:cNvPr id="25" name="Image 24">
+                <a:extLst>
+                  <a:ext uri="{FF2B5EF4-FFF2-40B4-BE49-F238E27FC236}">
+                    <a16:creationId xmlns:a16="http://schemas.microsoft.com/office/drawing/2014/main" id="{BDCEEF9B-B4F5-4292-BFE5-B00A9A21DE51}"/>
+                  </a:ext>
+                </a:extLst>
+              </p:cNvPr>
+              <p:cNvPicPr>
+                <a:picLocks noChangeAspect="1"/>
+              </p:cNvPicPr>
+              <p:nvPr/>
+            </p:nvPicPr>
+            <p:blipFill>
+              <a:blip r:embed="rId3"/>
+              <a:stretch>
+                <a:fillRect/>
+              </a:stretch>
+            </p:blipFill>
+            <p:spPr>
+              <a:xfrm>
+                <a:off x="4112078" y="895739"/>
+                <a:ext cx="3394248" cy="3133152"/>
+              </a:xfrm>
+              <a:prstGeom prst="rect">
+                <a:avLst/>
+              </a:prstGeom>
+            </p:spPr>
+          </p:pic>
+          <p:cxnSp>
+            <p:nvCxnSpPr>
+              <p:cNvPr id="26" name="Connecteur droit avec flèche 25">
+                <a:extLst>
+                  <a:ext uri="{FF2B5EF4-FFF2-40B4-BE49-F238E27FC236}">
+                    <a16:creationId xmlns:a16="http://schemas.microsoft.com/office/drawing/2014/main" id="{1E0001DA-46F6-40C7-8486-06BEEE6629E9}"/>
+                  </a:ext>
+                </a:extLst>
+              </p:cNvPr>
+              <p:cNvCxnSpPr>
+                <a:cxnSpLocks/>
+              </p:cNvCxnSpPr>
+              <p:nvPr/>
+            </p:nvCxnSpPr>
+            <p:spPr>
+              <a:xfrm>
+                <a:off x="3837992" y="1053195"/>
+                <a:ext cx="274086" cy="0"/>
+              </a:xfrm>
+              <a:prstGeom prst="straightConnector1">
+                <a:avLst/>
+              </a:prstGeom>
+              <a:ln>
+                <a:tailEnd type="triangle"/>
+              </a:ln>
+            </p:spPr>
+            <p:style>
+              <a:lnRef idx="1">
+                <a:schemeClr val="accent1"/>
+              </a:lnRef>
+              <a:fillRef idx="0">
+                <a:schemeClr val="accent1"/>
+              </a:fillRef>
+              <a:effectRef idx="0">
+                <a:schemeClr val="accent1"/>
+              </a:effectRef>
+              <a:fontRef idx="minor">
+                <a:schemeClr val="tx1"/>
+              </a:fontRef>
+            </p:style>
+          </p:cxnSp>
+          <mc:AlternateContent xmlns:mc="http://schemas.openxmlformats.org/markup-compatibility/2006">
+            <mc:Choice xmlns:a14="http://schemas.microsoft.com/office/drawing/2010/main" Requires="a14">
+              <p:sp>
+                <p:nvSpPr>
+                  <p:cNvPr id="27" name="ZoneTexte 26">
+                    <a:extLst>
+                      <a:ext uri="{FF2B5EF4-FFF2-40B4-BE49-F238E27FC236}">
+                        <a16:creationId xmlns:a16="http://schemas.microsoft.com/office/drawing/2014/main" id="{D7BEB01C-3945-4774-8981-D9504C184550}"/>
+                      </a:ext>
+                    </a:extLst>
+                  </p:cNvPr>
+                  <p:cNvSpPr txBox="1"/>
+                  <p:nvPr/>
+                </p:nvSpPr>
+                <p:spPr>
+                  <a:xfrm>
+                    <a:off x="4111879" y="615440"/>
+                    <a:ext cx="367985" cy="369332"/>
+                  </a:xfrm>
+                  <a:prstGeom prst="rect">
+                    <a:avLst/>
+                  </a:prstGeom>
+                  <a:noFill/>
+                </p:spPr>
+                <p:txBody>
+                  <a:bodyPr wrap="none" rtlCol="0">
+                    <a:spAutoFit/>
+                  </a:bodyPr>
+                  <a:lstStyle/>
+                  <a:p>
+                    <a14:m>
+                      <m:oMathPara xmlns:m="http://schemas.openxmlformats.org/officeDocument/2006/math">
+                        <m:oMathParaPr>
+                          <m:jc m:val="centerGroup"/>
+                        </m:oMathParaPr>
+                        <m:oMath xmlns:m="http://schemas.openxmlformats.org/officeDocument/2006/math">
+                          <m:r>
+                            <a:rPr lang="fr-FR" b="0" i="1" smtClean="0">
+                              <a:latin typeface="Cambria Math" panose="02040503050406030204" pitchFamily="18" charset="0"/>
+                            </a:rPr>
+                            <m:t>𝑥</m:t>
+                          </m:r>
+                        </m:oMath>
+                      </m:oMathPara>
+                    </a14:m>
+                    <a:endParaRPr lang="fr-FR" dirty="0"/>
+                  </a:p>
+                </p:txBody>
+              </p:sp>
+            </mc:Choice>
+            <mc:Fallback>
+              <p:sp>
+                <p:nvSpPr>
+                  <p:cNvPr id="27" name="ZoneTexte 26">
+                    <a:extLst>
+                      <a:ext uri="{FF2B5EF4-FFF2-40B4-BE49-F238E27FC236}">
+                        <a16:creationId xmlns:a16="http://schemas.microsoft.com/office/drawing/2014/main" id="{D7BEB01C-3945-4774-8981-D9504C184550}"/>
+                      </a:ext>
+                    </a:extLst>
+                  </p:cNvPr>
+                  <p:cNvSpPr txBox="1">
+                    <a:spLocks noRot="1" noChangeAspect="1" noMove="1" noResize="1" noEditPoints="1" noAdjustHandles="1" noChangeArrowheads="1" noChangeShapeType="1" noTextEdit="1"/>
+                  </p:cNvSpPr>
+                  <p:nvPr/>
+                </p:nvSpPr>
+                <p:spPr>
+                  <a:xfrm>
+                    <a:off x="4111879" y="615440"/>
+                    <a:ext cx="367985" cy="369332"/>
+                  </a:xfrm>
+                  <a:prstGeom prst="rect">
+                    <a:avLst/>
+                  </a:prstGeom>
+                  <a:blipFill>
+                    <a:blip r:embed="rId4"/>
+                    <a:stretch>
+                      <a:fillRect/>
+                    </a:stretch>
+                  </a:blipFill>
+                </p:spPr>
+                <p:txBody>
+                  <a:bodyPr/>
+                  <a:lstStyle/>
+                  <a:p>
+                    <a:r>
+                      <a:rPr lang="fr-FR">
+                        <a:noFill/>
+                      </a:rPr>
+                      <a:t> </a:t>
+                    </a:r>
+                  </a:p>
+                </p:txBody>
+              </p:sp>
+            </mc:Fallback>
+          </mc:AlternateContent>
+          <mc:AlternateContent xmlns:mc="http://schemas.openxmlformats.org/markup-compatibility/2006">
+            <mc:Choice xmlns:a14="http://schemas.microsoft.com/office/drawing/2010/main" Requires="a14">
+              <p:sp>
+                <p:nvSpPr>
+                  <p:cNvPr id="28" name="ZoneTexte 27">
+                    <a:extLst>
+                      <a:ext uri="{FF2B5EF4-FFF2-40B4-BE49-F238E27FC236}">
+                        <a16:creationId xmlns:a16="http://schemas.microsoft.com/office/drawing/2014/main" id="{2A2E5463-4925-44D7-BBC2-6163E59270E3}"/>
+                      </a:ext>
+                    </a:extLst>
+                  </p:cNvPr>
+                  <p:cNvSpPr txBox="1"/>
+                  <p:nvPr/>
+                </p:nvSpPr>
+                <p:spPr>
+                  <a:xfrm>
+                    <a:off x="7066218" y="1663573"/>
+                    <a:ext cx="371384" cy="369332"/>
+                  </a:xfrm>
+                  <a:prstGeom prst="rect">
+                    <a:avLst/>
+                  </a:prstGeom>
+                  <a:noFill/>
+                </p:spPr>
+                <p:txBody>
+                  <a:bodyPr wrap="none" rtlCol="0">
+                    <a:spAutoFit/>
+                  </a:bodyPr>
+                  <a:lstStyle/>
+                  <a:p>
+                    <a14:m>
+                      <m:oMathPara xmlns:m="http://schemas.openxmlformats.org/officeDocument/2006/math">
+                        <m:oMathParaPr>
+                          <m:jc m:val="centerGroup"/>
+                        </m:oMathParaPr>
+                        <m:oMath xmlns:m="http://schemas.openxmlformats.org/officeDocument/2006/math">
+                          <m:r>
+                            <a:rPr lang="fr-FR" b="0" i="1" smtClean="0">
+                              <a:latin typeface="Cambria Math" panose="02040503050406030204" pitchFamily="18" charset="0"/>
+                            </a:rPr>
+                            <m:t>𝑦</m:t>
+                          </m:r>
+                        </m:oMath>
+                      </m:oMathPara>
+                    </a14:m>
+                    <a:endParaRPr lang="fr-FR" dirty="0"/>
+                  </a:p>
+                </p:txBody>
+              </p:sp>
+            </mc:Choice>
+            <mc:Fallback>
+              <p:sp>
+                <p:nvSpPr>
+                  <p:cNvPr id="28" name="ZoneTexte 27">
+                    <a:extLst>
+                      <a:ext uri="{FF2B5EF4-FFF2-40B4-BE49-F238E27FC236}">
+                        <a16:creationId xmlns:a16="http://schemas.microsoft.com/office/drawing/2014/main" id="{2A2E5463-4925-44D7-BBC2-6163E59270E3}"/>
+                      </a:ext>
+                    </a:extLst>
+                  </p:cNvPr>
+                  <p:cNvSpPr txBox="1">
+                    <a:spLocks noRot="1" noChangeAspect="1" noMove="1" noResize="1" noEditPoints="1" noAdjustHandles="1" noChangeArrowheads="1" noChangeShapeType="1" noTextEdit="1"/>
+                  </p:cNvSpPr>
+                  <p:nvPr/>
+                </p:nvSpPr>
+                <p:spPr>
+                  <a:xfrm>
+                    <a:off x="7066218" y="1663573"/>
+                    <a:ext cx="371384" cy="369332"/>
+                  </a:xfrm>
+                  <a:prstGeom prst="rect">
+                    <a:avLst/>
+                  </a:prstGeom>
+                  <a:blipFill>
+                    <a:blip r:embed="rId5"/>
+                    <a:stretch>
+                      <a:fillRect b="-4918"/>
+                    </a:stretch>
+                  </a:blipFill>
+                </p:spPr>
+                <p:txBody>
+                  <a:bodyPr/>
+                  <a:lstStyle/>
+                  <a:p>
+                    <a:r>
+                      <a:rPr lang="fr-FR">
+                        <a:noFill/>
+                      </a:rPr>
+                      <a:t> </a:t>
+                    </a:r>
+                  </a:p>
+                </p:txBody>
+              </p:sp>
+            </mc:Fallback>
+          </mc:AlternateContent>
+          <mc:AlternateContent xmlns:mc="http://schemas.openxmlformats.org/markup-compatibility/2006">
+            <mc:Choice xmlns:a14="http://schemas.microsoft.com/office/drawing/2010/main" Requires="a14">
+              <p:sp>
+                <p:nvSpPr>
+                  <p:cNvPr id="29" name="ZoneTexte 28">
+                    <a:extLst>
+                      <a:ext uri="{FF2B5EF4-FFF2-40B4-BE49-F238E27FC236}">
+                        <a16:creationId xmlns:a16="http://schemas.microsoft.com/office/drawing/2014/main" id="{F5406D64-AAA1-449B-B708-95A6592D9889}"/>
+                      </a:ext>
+                    </a:extLst>
+                  </p:cNvPr>
+                  <p:cNvSpPr txBox="1"/>
+                  <p:nvPr/>
+                </p:nvSpPr>
+                <p:spPr>
+                  <a:xfrm>
+                    <a:off x="3458734" y="824992"/>
+                    <a:ext cx="460767" cy="369332"/>
+                  </a:xfrm>
+                  <a:prstGeom prst="rect">
+                    <a:avLst/>
+                  </a:prstGeom>
+                  <a:noFill/>
+                </p:spPr>
+                <p:txBody>
+                  <a:bodyPr wrap="none" rtlCol="0">
+                    <a:spAutoFit/>
+                  </a:bodyPr>
+                  <a:lstStyle/>
+                  <a:p>
+                    <a14:m>
+                      <m:oMathPara xmlns:m="http://schemas.openxmlformats.org/officeDocument/2006/math">
+                        <m:oMathParaPr>
+                          <m:jc m:val="centerGroup"/>
+                        </m:oMathParaPr>
+                        <m:oMath xmlns:m="http://schemas.openxmlformats.org/officeDocument/2006/math">
+                          <m:sSub>
+                            <m:sSubPr>
+                              <m:ctrlPr>
+                                <a:rPr lang="fr-FR" b="0" i="1" smtClean="0">
+                                  <a:latin typeface="Cambria Math" panose="02040503050406030204" pitchFamily="18" charset="0"/>
+                                </a:rPr>
+                              </m:ctrlPr>
+                            </m:sSubPr>
+                            <m:e>
+                              <m:r>
+                                <a:rPr lang="fr-FR" b="0" i="1" smtClean="0">
+                                  <a:latin typeface="Cambria Math" panose="02040503050406030204" pitchFamily="18" charset="0"/>
+                                </a:rPr>
+                                <m:t>𝑥</m:t>
+                              </m:r>
+                            </m:e>
+                            <m:sub>
+                              <m:r>
+                                <a:rPr lang="fr-FR" b="0" i="1" smtClean="0">
+                                  <a:latin typeface="Cambria Math" panose="02040503050406030204" pitchFamily="18" charset="0"/>
+                                </a:rPr>
+                                <m:t>1</m:t>
+                              </m:r>
+                            </m:sub>
+                          </m:sSub>
+                        </m:oMath>
+                      </m:oMathPara>
+                    </a14:m>
+                    <a:endParaRPr lang="fr-FR" dirty="0"/>
+                  </a:p>
+                </p:txBody>
+              </p:sp>
+            </mc:Choice>
+            <mc:Fallback>
+              <p:sp>
+                <p:nvSpPr>
+                  <p:cNvPr id="29" name="ZoneTexte 28">
+                    <a:extLst>
+                      <a:ext uri="{FF2B5EF4-FFF2-40B4-BE49-F238E27FC236}">
+                        <a16:creationId xmlns:a16="http://schemas.microsoft.com/office/drawing/2014/main" id="{F5406D64-AAA1-449B-B708-95A6592D9889}"/>
+                      </a:ext>
+                    </a:extLst>
+                  </p:cNvPr>
+                  <p:cNvSpPr txBox="1">
+                    <a:spLocks noRot="1" noChangeAspect="1" noMove="1" noResize="1" noEditPoints="1" noAdjustHandles="1" noChangeArrowheads="1" noChangeShapeType="1" noTextEdit="1"/>
+                  </p:cNvSpPr>
+                  <p:nvPr/>
+                </p:nvSpPr>
+                <p:spPr>
+                  <a:xfrm>
+                    <a:off x="3458734" y="824992"/>
+                    <a:ext cx="460767" cy="369332"/>
+                  </a:xfrm>
+                  <a:prstGeom prst="rect">
+                    <a:avLst/>
+                  </a:prstGeom>
+                  <a:blipFill>
+                    <a:blip r:embed="rId6"/>
+                    <a:stretch>
+                      <a:fillRect/>
+                    </a:stretch>
+                  </a:blipFill>
+                </p:spPr>
+                <p:txBody>
+                  <a:bodyPr/>
+                  <a:lstStyle/>
+                  <a:p>
+                    <a:r>
+                      <a:rPr lang="fr-FR">
+                        <a:noFill/>
+                      </a:rPr>
+                      <a:t> </a:t>
+                    </a:r>
+                  </a:p>
+                </p:txBody>
+              </p:sp>
+            </mc:Fallback>
+          </mc:AlternateContent>
+          <p:cxnSp>
+            <p:nvCxnSpPr>
+              <p:cNvPr id="30" name="Connecteur droit avec flèche 29">
+                <a:extLst>
+                  <a:ext uri="{FF2B5EF4-FFF2-40B4-BE49-F238E27FC236}">
+                    <a16:creationId xmlns:a16="http://schemas.microsoft.com/office/drawing/2014/main" id="{8896BE72-11D8-436B-8178-74A60B2C4C80}"/>
+                  </a:ext>
+                </a:extLst>
+              </p:cNvPr>
+              <p:cNvCxnSpPr>
+                <a:cxnSpLocks/>
+              </p:cNvCxnSpPr>
+              <p:nvPr/>
+            </p:nvCxnSpPr>
+            <p:spPr>
+              <a:xfrm>
+                <a:off x="3834880" y="1267795"/>
+                <a:ext cx="274086" cy="0"/>
+              </a:xfrm>
+              <a:prstGeom prst="straightConnector1">
+                <a:avLst/>
+              </a:prstGeom>
+              <a:ln>
+                <a:tailEnd type="triangle"/>
+              </a:ln>
+            </p:spPr>
+            <p:style>
+              <a:lnRef idx="1">
+                <a:schemeClr val="accent1"/>
+              </a:lnRef>
+              <a:fillRef idx="0">
+                <a:schemeClr val="accent1"/>
+              </a:fillRef>
+              <a:effectRef idx="0">
+                <a:schemeClr val="accent1"/>
+              </a:effectRef>
+              <a:fontRef idx="minor">
+                <a:schemeClr val="tx1"/>
+              </a:fontRef>
+            </p:style>
+          </p:cxnSp>
+          <mc:AlternateContent xmlns:mc="http://schemas.openxmlformats.org/markup-compatibility/2006">
+            <mc:Choice xmlns:a14="http://schemas.microsoft.com/office/drawing/2010/main" Requires="a14">
+              <p:sp>
+                <p:nvSpPr>
+                  <p:cNvPr id="31" name="ZoneTexte 30">
+                    <a:extLst>
+                      <a:ext uri="{FF2B5EF4-FFF2-40B4-BE49-F238E27FC236}">
+                        <a16:creationId xmlns:a16="http://schemas.microsoft.com/office/drawing/2014/main" id="{56C4ADF2-4396-4B01-9345-4B2A33313369}"/>
+                      </a:ext>
+                    </a:extLst>
+                  </p:cNvPr>
+                  <p:cNvSpPr txBox="1"/>
+                  <p:nvPr/>
+                </p:nvSpPr>
+                <p:spPr>
+                  <a:xfrm>
+                    <a:off x="3455622" y="1045812"/>
+                    <a:ext cx="466090" cy="369332"/>
+                  </a:xfrm>
+                  <a:prstGeom prst="rect">
+                    <a:avLst/>
+                  </a:prstGeom>
+                  <a:noFill/>
+                </p:spPr>
+                <p:txBody>
+                  <a:bodyPr wrap="none" rtlCol="0">
+                    <a:spAutoFit/>
+                  </a:bodyPr>
+                  <a:lstStyle/>
+                  <a:p>
+                    <a14:m>
+                      <m:oMathPara xmlns:m="http://schemas.openxmlformats.org/officeDocument/2006/math">
+                        <m:oMathParaPr>
+                          <m:jc m:val="centerGroup"/>
+                        </m:oMathParaPr>
+                        <m:oMath xmlns:m="http://schemas.openxmlformats.org/officeDocument/2006/math">
+                          <m:sSub>
+                            <m:sSubPr>
+                              <m:ctrlPr>
+                                <a:rPr lang="fr-FR" b="0" i="1" smtClean="0">
+                                  <a:latin typeface="Cambria Math" panose="02040503050406030204" pitchFamily="18" charset="0"/>
+                                </a:rPr>
+                              </m:ctrlPr>
+                            </m:sSubPr>
+                            <m:e>
+                              <m:r>
+                                <a:rPr lang="fr-FR" b="0" i="1" smtClean="0">
+                                  <a:latin typeface="Cambria Math" panose="02040503050406030204" pitchFamily="18" charset="0"/>
+                                </a:rPr>
+                                <m:t>𝑥</m:t>
+                              </m:r>
+                            </m:e>
+                            <m:sub>
+                              <m:r>
+                                <a:rPr lang="fr-FR" b="0" i="1" smtClean="0">
+                                  <a:latin typeface="Cambria Math" panose="02040503050406030204" pitchFamily="18" charset="0"/>
+                                </a:rPr>
+                                <m:t>2</m:t>
+                              </m:r>
+                            </m:sub>
+                          </m:sSub>
+                        </m:oMath>
+                      </m:oMathPara>
+                    </a14:m>
+                    <a:endParaRPr lang="fr-FR" dirty="0"/>
+                  </a:p>
+                </p:txBody>
+              </p:sp>
+            </mc:Choice>
+            <mc:Fallback>
+              <p:sp>
+                <p:nvSpPr>
+                  <p:cNvPr id="31" name="ZoneTexte 30">
+                    <a:extLst>
+                      <a:ext uri="{FF2B5EF4-FFF2-40B4-BE49-F238E27FC236}">
+                        <a16:creationId xmlns:a16="http://schemas.microsoft.com/office/drawing/2014/main" id="{56C4ADF2-4396-4B01-9345-4B2A33313369}"/>
+                      </a:ext>
+                    </a:extLst>
+                  </p:cNvPr>
+                  <p:cNvSpPr txBox="1">
+                    <a:spLocks noRot="1" noChangeAspect="1" noMove="1" noResize="1" noEditPoints="1" noAdjustHandles="1" noChangeArrowheads="1" noChangeShapeType="1" noTextEdit="1"/>
+                  </p:cNvSpPr>
+                  <p:nvPr/>
+                </p:nvSpPr>
+                <p:spPr>
+                  <a:xfrm>
+                    <a:off x="3455622" y="1045812"/>
+                    <a:ext cx="466090" cy="369332"/>
+                  </a:xfrm>
+                  <a:prstGeom prst="rect">
+                    <a:avLst/>
+                  </a:prstGeom>
+                  <a:blipFill>
+                    <a:blip r:embed="rId7"/>
+                    <a:stretch>
+                      <a:fillRect/>
+                    </a:stretch>
+                  </a:blipFill>
+                </p:spPr>
+                <p:txBody>
+                  <a:bodyPr/>
+                  <a:lstStyle/>
+                  <a:p>
+                    <a:r>
+                      <a:rPr lang="fr-FR">
+                        <a:noFill/>
+                      </a:rPr>
+                      <a:t> </a:t>
+                    </a:r>
+                  </a:p>
+                </p:txBody>
+              </p:sp>
+            </mc:Fallback>
+          </mc:AlternateContent>
+          <p:sp>
+            <p:nvSpPr>
+              <p:cNvPr id="32" name="ZoneTexte 31">
+                <a:extLst>
+                  <a:ext uri="{FF2B5EF4-FFF2-40B4-BE49-F238E27FC236}">
+                    <a16:creationId xmlns:a16="http://schemas.microsoft.com/office/drawing/2014/main" id="{17157A8A-1F30-46F8-B6D4-94FAA8B220C1}"/>
+                  </a:ext>
+                </a:extLst>
+              </p:cNvPr>
+              <p:cNvSpPr txBox="1"/>
+              <p:nvPr/>
+            </p:nvSpPr>
+            <p:spPr>
+              <a:xfrm>
+                <a:off x="3632908" y="1366170"/>
+                <a:ext cx="242374" cy="923330"/>
+              </a:xfrm>
+              <a:prstGeom prst="rect">
+                <a:avLst/>
+              </a:prstGeom>
+              <a:noFill/>
+            </p:spPr>
+            <p:txBody>
+              <a:bodyPr wrap="none" rtlCol="0">
+                <a:spAutoFit/>
+              </a:bodyPr>
+              <a:lstStyle/>
+              <a:p>
+                <a:r>
+                  <a:rPr lang="fr-FR" b="0" dirty="0"/>
+                  <a:t>.</a:t>
+                </a:r>
+              </a:p>
+              <a:p>
+                <a:r>
+                  <a:rPr lang="fr-FR" dirty="0"/>
+                  <a:t>.</a:t>
+                </a:r>
+              </a:p>
+              <a:p>
+                <a:r>
+                  <a:rPr lang="fr-FR" dirty="0"/>
+                  <a:t>.</a:t>
+                </a:r>
+              </a:p>
+            </p:txBody>
+          </p:sp>
+          <p:sp>
+            <p:nvSpPr>
+              <p:cNvPr id="33" name="ZoneTexte 32">
+                <a:extLst>
+                  <a:ext uri="{FF2B5EF4-FFF2-40B4-BE49-F238E27FC236}">
+                    <a16:creationId xmlns:a16="http://schemas.microsoft.com/office/drawing/2014/main" id="{B8774244-241D-4053-B7B6-439F97B45B1C}"/>
+                  </a:ext>
+                </a:extLst>
+              </p:cNvPr>
+              <p:cNvSpPr txBox="1"/>
+              <p:nvPr/>
+            </p:nvSpPr>
+            <p:spPr>
+              <a:xfrm>
+                <a:off x="3427635" y="3950737"/>
+                <a:ext cx="1524713" cy="584775"/>
+              </a:xfrm>
+              <a:prstGeom prst="rect">
+                <a:avLst/>
+              </a:prstGeom>
+              <a:noFill/>
+            </p:spPr>
+            <p:txBody>
+              <a:bodyPr wrap="none" rtlCol="0">
+                <a:spAutoFit/>
+              </a:bodyPr>
+              <a:lstStyle/>
+              <a:p>
+                <a:r>
+                  <a:rPr lang="fr-FR" sz="1600" dirty="0"/>
+                  <a:t>couche d’entrée</a:t>
+                </a:r>
+              </a:p>
+              <a:p>
+                <a:r>
+                  <a:rPr lang="fr-FR" sz="1600" dirty="0"/>
+                  <a:t>(</a:t>
+                </a:r>
+                <a:r>
+                  <a:rPr lang="fr-FR" sz="1600" i="1" dirty="0"/>
+                  <a:t>input layer)</a:t>
+                </a:r>
+                <a:endParaRPr lang="fr-FR" sz="1600" dirty="0"/>
+              </a:p>
+            </p:txBody>
+          </p:sp>
+          <p:sp>
+            <p:nvSpPr>
+              <p:cNvPr id="34" name="ZoneTexte 33">
+                <a:extLst>
+                  <a:ext uri="{FF2B5EF4-FFF2-40B4-BE49-F238E27FC236}">
+                    <a16:creationId xmlns:a16="http://schemas.microsoft.com/office/drawing/2014/main" id="{2F27AD4A-8544-4273-AAA4-5D6755F19AD2}"/>
+                  </a:ext>
+                </a:extLst>
+              </p:cNvPr>
+              <p:cNvSpPr txBox="1"/>
+              <p:nvPr/>
+            </p:nvSpPr>
+            <p:spPr>
+              <a:xfrm>
+                <a:off x="5433713" y="3950737"/>
+                <a:ext cx="1410707" cy="584775"/>
+              </a:xfrm>
+              <a:prstGeom prst="rect">
+                <a:avLst/>
+              </a:prstGeom>
+              <a:noFill/>
+            </p:spPr>
+            <p:txBody>
+              <a:bodyPr wrap="none" rtlCol="0">
+                <a:spAutoFit/>
+              </a:bodyPr>
+              <a:lstStyle/>
+              <a:p>
+                <a:r>
+                  <a:rPr lang="fr-FR" sz="1600" dirty="0"/>
+                  <a:t>couche cachée</a:t>
+                </a:r>
+              </a:p>
+              <a:p>
+                <a:r>
+                  <a:rPr lang="fr-FR" sz="1600" dirty="0"/>
+                  <a:t>(</a:t>
+                </a:r>
+                <a:r>
+                  <a:rPr lang="fr-FR" sz="1600" i="1" dirty="0" err="1"/>
+                  <a:t>hidden</a:t>
+                </a:r>
+                <a:r>
+                  <a:rPr lang="fr-FR" sz="1600" i="1" dirty="0"/>
+                  <a:t> layer)</a:t>
+                </a:r>
+                <a:endParaRPr lang="fr-FR" sz="1600" dirty="0"/>
+              </a:p>
+            </p:txBody>
+          </p:sp>
+          <p:sp>
+            <p:nvSpPr>
+              <p:cNvPr id="35" name="ZoneTexte 34">
+                <a:extLst>
+                  <a:ext uri="{FF2B5EF4-FFF2-40B4-BE49-F238E27FC236}">
+                    <a16:creationId xmlns:a16="http://schemas.microsoft.com/office/drawing/2014/main" id="{BED3E83D-BD26-44E9-8B1E-3D9A2A7DBF82}"/>
+                  </a:ext>
+                </a:extLst>
+              </p:cNvPr>
+              <p:cNvSpPr txBox="1"/>
+              <p:nvPr/>
+            </p:nvSpPr>
+            <p:spPr>
+              <a:xfrm>
+                <a:off x="7113221" y="3950737"/>
+                <a:ext cx="1564724" cy="584775"/>
+              </a:xfrm>
+              <a:prstGeom prst="rect">
+                <a:avLst/>
+              </a:prstGeom>
+              <a:noFill/>
+            </p:spPr>
+            <p:txBody>
+              <a:bodyPr wrap="none" rtlCol="0">
+                <a:spAutoFit/>
+              </a:bodyPr>
+              <a:lstStyle/>
+              <a:p>
+                <a:r>
+                  <a:rPr lang="fr-FR" sz="1600" dirty="0"/>
+                  <a:t>couche de sortie</a:t>
+                </a:r>
+              </a:p>
+              <a:p>
+                <a:r>
+                  <a:rPr lang="fr-FR" sz="1600" dirty="0"/>
+                  <a:t>(</a:t>
+                </a:r>
+                <a:r>
+                  <a:rPr lang="fr-FR" sz="1600" i="1" dirty="0"/>
+                  <a:t>output layer)</a:t>
+                </a:r>
+                <a:endParaRPr lang="fr-FR" sz="1600" dirty="0"/>
+              </a:p>
+            </p:txBody>
+          </p:sp>
+          <p:cxnSp>
+            <p:nvCxnSpPr>
+              <p:cNvPr id="36" name="Connecteur droit avec flèche 35">
+                <a:extLst>
+                  <a:ext uri="{FF2B5EF4-FFF2-40B4-BE49-F238E27FC236}">
+                    <a16:creationId xmlns:a16="http://schemas.microsoft.com/office/drawing/2014/main" id="{5BAA081E-B847-4A88-973F-6080BF487798}"/>
+                  </a:ext>
+                </a:extLst>
+              </p:cNvPr>
+              <p:cNvCxnSpPr>
+                <a:cxnSpLocks/>
+              </p:cNvCxnSpPr>
+              <p:nvPr/>
+            </p:nvCxnSpPr>
+            <p:spPr>
+              <a:xfrm flipH="1">
+                <a:off x="6096001" y="1542139"/>
+                <a:ext cx="43065" cy="283542"/>
+              </a:xfrm>
+              <a:prstGeom prst="straightConnector1">
+                <a:avLst/>
+              </a:prstGeom>
+              <a:ln>
+                <a:tailEnd type="triangle"/>
+              </a:ln>
+            </p:spPr>
+            <p:style>
+              <a:lnRef idx="1">
+                <a:schemeClr val="accent1"/>
+              </a:lnRef>
+              <a:fillRef idx="0">
+                <a:schemeClr val="accent1"/>
+              </a:fillRef>
+              <a:effectRef idx="0">
+                <a:schemeClr val="accent1"/>
+              </a:effectRef>
+              <a:fontRef idx="minor">
+                <a:schemeClr val="tx1"/>
+              </a:fontRef>
+            </p:style>
+          </p:cxnSp>
+          <p:sp>
+            <p:nvSpPr>
+              <p:cNvPr id="37" name="ZoneTexte 36">
+                <a:extLst>
+                  <a:ext uri="{FF2B5EF4-FFF2-40B4-BE49-F238E27FC236}">
+                    <a16:creationId xmlns:a16="http://schemas.microsoft.com/office/drawing/2014/main" id="{4A6B07DC-9D8A-4CB3-8674-C86954C0EA08}"/>
+                  </a:ext>
+                </a:extLst>
+              </p:cNvPr>
+              <p:cNvSpPr txBox="1"/>
+              <p:nvPr/>
+            </p:nvSpPr>
+            <p:spPr>
+              <a:xfrm>
+                <a:off x="5754063" y="1186505"/>
+                <a:ext cx="889859" cy="338554"/>
+              </a:xfrm>
+              <a:prstGeom prst="rect">
+                <a:avLst/>
+              </a:prstGeom>
+              <a:noFill/>
+            </p:spPr>
+            <p:txBody>
+              <a:bodyPr wrap="none" rtlCol="0">
+                <a:spAutoFit/>
+              </a:bodyPr>
+              <a:lstStyle/>
+              <a:p>
+                <a:r>
+                  <a:rPr lang="fr-FR" sz="1600" dirty="0"/>
+                  <a:t>neurone</a:t>
+                </a:r>
+              </a:p>
+            </p:txBody>
+          </p:sp>
+        </p:grpSp>
+        <p:cxnSp>
+          <p:nvCxnSpPr>
+            <p:cNvPr id="23" name="Connecteur droit avec flèche 22">
+              <a:extLst>
+                <a:ext uri="{FF2B5EF4-FFF2-40B4-BE49-F238E27FC236}">
+                  <a16:creationId xmlns:a16="http://schemas.microsoft.com/office/drawing/2014/main" id="{6859621E-69C9-42CC-9AEC-AD3873EAF571}"/>
+                </a:ext>
+              </a:extLst>
+            </p:cNvPr>
+            <p:cNvCxnSpPr>
+              <a:cxnSpLocks/>
+            </p:cNvCxnSpPr>
+            <p:nvPr/>
+          </p:nvCxnSpPr>
+          <p:spPr>
+            <a:xfrm flipH="1" flipV="1">
+              <a:off x="5411756" y="3927314"/>
+              <a:ext cx="382741" cy="157502"/>
+            </a:xfrm>
+            <a:prstGeom prst="straightConnector1">
+              <a:avLst/>
+            </a:prstGeom>
+            <a:ln>
+              <a:tailEnd type="triangle"/>
+            </a:ln>
+          </p:spPr>
+          <p:style>
+            <a:lnRef idx="1">
+              <a:schemeClr val="accent1"/>
+            </a:lnRef>
+            <a:fillRef idx="0">
+              <a:schemeClr val="accent1"/>
+            </a:fillRef>
+            <a:effectRef idx="0">
+              <a:schemeClr val="accent1"/>
+            </a:effectRef>
+            <a:fontRef idx="minor">
+              <a:schemeClr val="tx1"/>
+            </a:fontRef>
+          </p:style>
+        </p:cxnSp>
+        <p:sp>
+          <p:nvSpPr>
+            <p:cNvPr id="24" name="ZoneTexte 23">
+              <a:extLst>
+                <a:ext uri="{FF2B5EF4-FFF2-40B4-BE49-F238E27FC236}">
+                  <a16:creationId xmlns:a16="http://schemas.microsoft.com/office/drawing/2014/main" id="{A3FB2316-0A02-49A3-952F-2E218EF6D82C}"/>
+                </a:ext>
+              </a:extLst>
+            </p:cNvPr>
+            <p:cNvSpPr txBox="1"/>
+            <p:nvPr/>
+          </p:nvSpPr>
+          <p:spPr>
+            <a:xfrm>
+              <a:off x="5816272" y="3810783"/>
+              <a:ext cx="1134926" cy="584775"/>
+            </a:xfrm>
+            <a:prstGeom prst="rect">
+              <a:avLst/>
+            </a:prstGeom>
+            <a:noFill/>
+          </p:spPr>
+          <p:txBody>
+            <a:bodyPr wrap="none" rtlCol="0">
+              <a:spAutoFit/>
+            </a:bodyPr>
+            <a:lstStyle/>
+            <a:p>
+              <a:r>
+                <a:rPr lang="fr-FR" sz="1600" dirty="0"/>
+                <a:t>Matrice de </a:t>
+              </a:r>
+            </a:p>
+            <a:p>
+              <a:r>
+                <a:rPr lang="fr-FR" sz="1600" dirty="0"/>
+                <a:t>la couche 2</a:t>
+              </a:r>
+            </a:p>
+          </p:txBody>
+        </p:sp>
+      </p:grpSp>
     </p:spTree>
     <p:extLst>
       <p:ext uri="{BB962C8B-B14F-4D97-AF65-F5344CB8AC3E}">
@@ -12236,7 +14084,12 @@
             <p:ph type="title"/>
           </p:nvPr>
         </p:nvSpPr>
-        <p:spPr/>
+        <p:spPr>
+          <a:xfrm>
+            <a:off x="838200" y="365126"/>
+            <a:ext cx="10515600" cy="586596"/>
+          </a:xfrm>
+        </p:spPr>
         <p:txBody>
           <a:bodyPr>
             <a:normAutofit/>
@@ -12245,7 +14098,7 @@
           <a:p>
             <a:r>
               <a:rPr lang="fr-FR" sz="3600" dirty="0"/>
-              <a:t>Plan du cours</a:t>
+              <a:t>Plan du cours :</a:t>
             </a:r>
           </a:p>
         </p:txBody>
@@ -12268,13 +14121,13 @@
         </p:nvSpPr>
         <p:spPr>
           <a:xfrm>
-            <a:off x="838200" y="1825625"/>
-            <a:ext cx="10515600" cy="4351338"/>
+            <a:off x="838200" y="951722"/>
+            <a:ext cx="10515600" cy="5592147"/>
           </a:xfrm>
         </p:spPr>
         <p:txBody>
           <a:bodyPr>
-            <a:normAutofit/>
+            <a:normAutofit fontScale="92500" lnSpcReduction="10000"/>
           </a:bodyPr>
           <a:lstStyle/>
           <a:p>
@@ -12306,26 +14159,32 @@
               <a:rPr lang="fr-FR" sz="2000" dirty="0"/>
               <a:t>Introduction aux réseaux de neurones</a:t>
             </a:r>
-            <a:br>
-              <a:rPr lang="fr-FR" sz="2000" dirty="0"/>
-            </a:br>
+          </a:p>
+          <a:p>
+            <a:pPr marL="457200" lvl="1" indent="0">
+              <a:buNone/>
+            </a:pPr>
             <a:r>
               <a:rPr lang="fr-FR" sz="2000" dirty="0"/>
-              <a:t>	3.1. Problèmes de régression</a:t>
+              <a:t>	4.1. Problèmes de régression</a:t>
             </a:r>
-            <a:br>
-              <a:rPr lang="fr-FR" sz="2000" dirty="0"/>
-            </a:br>
+          </a:p>
+          <a:p>
+            <a:pPr marL="457200" lvl="1" indent="0">
+              <a:buNone/>
+            </a:pPr>
             <a:r>
               <a:rPr lang="fr-FR" sz="2000" dirty="0"/>
-              <a:t>	3.2. Descente de gradient, dérivation automatique</a:t>
+              <a:t>	4.2. Descente de gradient, dérivation automatique</a:t>
             </a:r>
-            <a:br>
-              <a:rPr lang="fr-FR" sz="2000" dirty="0"/>
-            </a:br>
+          </a:p>
+          <a:p>
+            <a:pPr marL="457200" lvl="1" indent="0">
+              <a:buNone/>
+            </a:pPr>
             <a:r>
               <a:rPr lang="fr-FR" sz="2000" dirty="0"/>
-              <a:t>	3.3. Un réseau de neurones simple (MLP)</a:t>
+              <a:t>	4.3. Un réseau de neurones simple (MLP)</a:t>
             </a:r>
           </a:p>
           <a:p>
@@ -12335,8 +14194,40 @@
             </a:pPr>
             <a:r>
               <a:rPr lang="fr-FR" sz="2000" dirty="0"/>
-              <a:t>Les réseaux de neurones récurrents</a:t>
+              <a:t>Les réseaux de neurones récurrents (RNN)</a:t>
             </a:r>
+          </a:p>
+          <a:p>
+            <a:pPr marL="457200" lvl="1" indent="0">
+              <a:buNone/>
+            </a:pPr>
+            <a:r>
+              <a:rPr lang="fr-FR" sz="2000" dirty="0"/>
+              <a:t>	</a:t>
+            </a:r>
+            <a:r>
+              <a:rPr lang="fr-FR" sz="1800" dirty="0"/>
+              <a:t>4.1. </a:t>
+            </a:r>
+          </a:p>
+          <a:p>
+            <a:pPr marL="457200" lvl="1" indent="0">
+              <a:buNone/>
+            </a:pPr>
+            <a:r>
+              <a:rPr lang="fr-FR" sz="1800" dirty="0"/>
+              <a:t>	4.2. Principe des RNN</a:t>
+            </a:r>
+          </a:p>
+          <a:p>
+            <a:pPr marL="457200" lvl="1" indent="0">
+              <a:buNone/>
+            </a:pPr>
+            <a:r>
+              <a:rPr lang="fr-FR" sz="1800" dirty="0"/>
+              <a:t>	4.3. Implémentation des RNN</a:t>
+            </a:r>
+            <a:endParaRPr lang="fr-FR" sz="2000" dirty="0"/>
           </a:p>
           <a:p>
             <a:pPr marL="514350" indent="-514350">
@@ -12345,8 +14236,73 @@
             </a:pPr>
             <a:r>
               <a:rPr lang="fr-FR" sz="2000" dirty="0"/>
-              <a:t>Les réseaux de neurones convolutifs</a:t>
+              <a:t>Les réseaux de neurones convolutifs (CNN)</a:t>
             </a:r>
+          </a:p>
+          <a:p>
+            <a:pPr marL="457200" lvl="1" indent="0">
+              <a:buNone/>
+            </a:pPr>
+            <a:r>
+              <a:rPr lang="fr-FR" sz="2000" dirty="0"/>
+              <a:t>	</a:t>
+            </a:r>
+            <a:r>
+              <a:rPr lang="fr-FR" sz="1800" dirty="0"/>
+              <a:t>5.1. Problèmes de classification</a:t>
+            </a:r>
+          </a:p>
+          <a:p>
+            <a:pPr marL="457200" lvl="1" indent="0">
+              <a:buNone/>
+            </a:pPr>
+            <a:r>
+              <a:rPr lang="fr-FR" sz="1800" dirty="0"/>
+              <a:t>	5.2. Principe des CNN</a:t>
+            </a:r>
+          </a:p>
+          <a:p>
+            <a:pPr marL="457200" lvl="1" indent="0">
+              <a:buNone/>
+            </a:pPr>
+            <a:r>
+              <a:rPr lang="fr-FR" sz="1800" dirty="0"/>
+              <a:t>	5.3. Implémentation des CNN</a:t>
+            </a:r>
+            <a:endParaRPr lang="fr-FR" sz="2000" dirty="0"/>
+          </a:p>
+          <a:p>
+            <a:pPr marL="514350" indent="-514350">
+              <a:buFont typeface="+mj-lt"/>
+              <a:buAutoNum type="arabicPeriod"/>
+            </a:pPr>
+            <a:r>
+              <a:rPr lang="fr-FR" sz="2000" dirty="0"/>
+              <a:t>Applications</a:t>
+            </a:r>
+          </a:p>
+          <a:p>
+            <a:pPr marL="457200" lvl="1" indent="0">
+              <a:buNone/>
+            </a:pPr>
+            <a:r>
+              <a:rPr lang="fr-FR" sz="2000" dirty="0"/>
+              <a:t>	</a:t>
+            </a:r>
+            <a:r>
+              <a:rPr lang="fr-FR" sz="1800" dirty="0"/>
+              <a:t>6.1. Apprentissage par renforcement</a:t>
+            </a:r>
+          </a:p>
+          <a:p>
+            <a:pPr marL="457200" lvl="1" indent="0">
+              <a:buNone/>
+            </a:pPr>
+            <a:r>
+              <a:rPr lang="fr-FR" sz="1800" dirty="0"/>
+              <a:t>	6.2. Classifications d’images</a:t>
+            </a:r>
+            <a:endParaRPr lang="fr-FR" sz="2000" dirty="0"/>
           </a:p>
           <a:p>
             <a:endParaRPr lang="fr-FR" sz="2000" dirty="0"/>
@@ -12367,6 +14323,1216 @@
 </file>
 
 <file path=ppt/slides/slide20.xml><?xml version="1.0" encoding="utf-8"?>
+<p:sld xmlns:a="http://schemas.openxmlformats.org/drawingml/2006/main" xmlns:r="http://schemas.openxmlformats.org/officeDocument/2006/relationships" xmlns:p="http://schemas.openxmlformats.org/presentationml/2006/main">
+  <p:cSld>
+    <p:spTree>
+      <p:nvGrpSpPr>
+        <p:cNvPr id="1" name=""/>
+        <p:cNvGrpSpPr/>
+        <p:nvPr/>
+      </p:nvGrpSpPr>
+      <p:grpSpPr>
+        <a:xfrm>
+          <a:off x="0" y="0"/>
+          <a:ext cx="0" cy="0"/>
+          <a:chOff x="0" y="0"/>
+          <a:chExt cx="0" cy="0"/>
+        </a:xfrm>
+      </p:grpSpPr>
+      <mc:AlternateContent xmlns:mc="http://schemas.openxmlformats.org/markup-compatibility/2006">
+        <mc:Choice xmlns:a14="http://schemas.microsoft.com/office/drawing/2010/main" Requires="a14">
+          <p:sp>
+            <p:nvSpPr>
+              <p:cNvPr id="3" name="Espace réservé du contenu 2">
+                <a:extLst>
+                  <a:ext uri="{FF2B5EF4-FFF2-40B4-BE49-F238E27FC236}">
+                    <a16:creationId xmlns:a16="http://schemas.microsoft.com/office/drawing/2014/main" id="{B59E77B8-2D75-472C-B76C-ABDDE0CAFCD5}"/>
+                  </a:ext>
+                </a:extLst>
+              </p:cNvPr>
+              <p:cNvSpPr>
+                <a:spLocks noGrp="1"/>
+              </p:cNvSpPr>
+              <p:nvPr>
+                <p:ph idx="1"/>
+              </p:nvPr>
+            </p:nvSpPr>
+            <p:spPr>
+              <a:xfrm>
+                <a:off x="531530" y="418633"/>
+                <a:ext cx="10839994" cy="6021978"/>
+              </a:xfrm>
+            </p:spPr>
+            <p:txBody>
+              <a:bodyPr>
+                <a:normAutofit/>
+              </a:bodyPr>
+              <a:lstStyle/>
+              <a:p>
+                <a:pPr marL="0" indent="0">
+                  <a:buNone/>
+                </a:pPr>
+                <a:r>
+                  <a:rPr lang="fr-FR" sz="2000" u="sng" dirty="0"/>
+                  <a:t>Non-linéarités </a:t>
+                </a:r>
+                <a14:m>
+                  <m:oMath xmlns:m="http://schemas.openxmlformats.org/officeDocument/2006/math">
+                    <m:r>
+                      <a:rPr lang="fr-FR" sz="2000" b="0" i="1" u="sng" smtClean="0">
+                        <a:latin typeface="Cambria Math" panose="02040503050406030204" pitchFamily="18" charset="0"/>
+                      </a:rPr>
+                      <m:t>𝜎</m:t>
+                    </m:r>
+                  </m:oMath>
+                </a14:m>
+                <a:r>
+                  <a:rPr lang="fr-FR" sz="2000" dirty="0"/>
+                  <a:t> (fonction d’activation):</a:t>
+                </a:r>
+              </a:p>
+              <a:p>
+                <a:r>
+                  <a:rPr lang="fr-FR" sz="2000" dirty="0"/>
+                  <a:t>Fonction scalaire, i.e. </a:t>
+                </a:r>
+                <a14:m>
+                  <m:oMath xmlns:m="http://schemas.openxmlformats.org/officeDocument/2006/math">
+                    <m:r>
+                      <a:rPr lang="fr-FR" sz="2000" b="0" i="1" smtClean="0">
+                        <a:latin typeface="Cambria Math" panose="02040503050406030204" pitchFamily="18" charset="0"/>
+                      </a:rPr>
+                      <m:t>𝜎</m:t>
+                    </m:r>
+                    <m:r>
+                      <a:rPr lang="fr-FR" sz="2000" b="0" i="1" smtClean="0">
+                        <a:latin typeface="Cambria Math" panose="02040503050406030204" pitchFamily="18" charset="0"/>
+                      </a:rPr>
+                      <m:t>:</m:t>
+                    </m:r>
+                    <m:r>
+                      <a:rPr lang="fr-FR" sz="2000" b="0" i="1" smtClean="0">
+                        <a:latin typeface="Cambria Math" panose="02040503050406030204" pitchFamily="18" charset="0"/>
+                      </a:rPr>
+                      <m:t>ℝ</m:t>
+                    </m:r>
+                    <m:r>
+                      <a:rPr lang="fr-FR" sz="2000" b="0" i="1" smtClean="0">
+                        <a:latin typeface="Cambria Math" panose="02040503050406030204" pitchFamily="18" charset="0"/>
+                      </a:rPr>
+                      <m:t>→</m:t>
+                    </m:r>
+                    <m:r>
+                      <a:rPr lang="fr-FR" sz="2000" b="0" i="1" smtClean="0">
+                        <a:latin typeface="Cambria Math" panose="02040503050406030204" pitchFamily="18" charset="0"/>
+                      </a:rPr>
+                      <m:t>ℝ</m:t>
+                    </m:r>
+                  </m:oMath>
+                </a14:m>
+                <a:endParaRPr lang="fr-FR" sz="2000" dirty="0"/>
+              </a:p>
+              <a:p>
+                <a:r>
+                  <a:rPr lang="fr-FR" sz="2000" dirty="0"/>
+                  <a:t>Sur un vecteur, s’applique élément par élément, i.e. </a:t>
+                </a:r>
+                <a14:m>
+                  <m:oMath xmlns:m="http://schemas.openxmlformats.org/officeDocument/2006/math">
+                    <m:r>
+                      <a:rPr lang="fr-FR" sz="2000" i="1">
+                        <a:latin typeface="Cambria Math" panose="02040503050406030204" pitchFamily="18" charset="0"/>
+                      </a:rPr>
+                      <m:t>𝜎</m:t>
+                    </m:r>
+                    <m:d>
+                      <m:dPr>
+                        <m:ctrlPr>
+                          <a:rPr lang="fr-FR" sz="2000" b="0" i="1" smtClean="0">
+                            <a:latin typeface="Cambria Math" panose="02040503050406030204" pitchFamily="18" charset="0"/>
+                          </a:rPr>
+                        </m:ctrlPr>
+                      </m:dPr>
+                      <m:e>
+                        <m:d>
+                          <m:dPr>
+                            <m:begChr m:val="["/>
+                            <m:endChr m:val="]"/>
+                            <m:ctrlPr>
+                              <a:rPr lang="fr-FR" sz="2000" b="0" i="1" smtClean="0">
+                                <a:latin typeface="Cambria Math" panose="02040503050406030204" pitchFamily="18" charset="0"/>
+                              </a:rPr>
+                            </m:ctrlPr>
+                          </m:dPr>
+                          <m:e>
+                            <m:sSub>
+                              <m:sSubPr>
+                                <m:ctrlPr>
+                                  <a:rPr lang="fr-FR" sz="2000" b="0" i="1" smtClean="0">
+                                    <a:latin typeface="Cambria Math" panose="02040503050406030204" pitchFamily="18" charset="0"/>
+                                  </a:rPr>
+                                </m:ctrlPr>
+                              </m:sSubPr>
+                              <m:e>
+                                <m:r>
+                                  <a:rPr lang="fr-FR" sz="2000" b="0" i="1" smtClean="0">
+                                    <a:latin typeface="Cambria Math" panose="02040503050406030204" pitchFamily="18" charset="0"/>
+                                  </a:rPr>
+                                  <m:t>𝑥</m:t>
+                                </m:r>
+                              </m:e>
+                              <m:sub>
+                                <m:r>
+                                  <a:rPr lang="fr-FR" sz="2000" b="0" i="1" smtClean="0">
+                                    <a:latin typeface="Cambria Math" panose="02040503050406030204" pitchFamily="18" charset="0"/>
+                                  </a:rPr>
+                                  <m:t>1</m:t>
+                                </m:r>
+                              </m:sub>
+                            </m:sSub>
+                            <m:r>
+                              <a:rPr lang="fr-FR" sz="2000" b="0" i="1" smtClean="0">
+                                <a:latin typeface="Cambria Math" panose="02040503050406030204" pitchFamily="18" charset="0"/>
+                              </a:rPr>
+                              <m:t>, </m:t>
+                            </m:r>
+                            <m:sSub>
+                              <m:sSubPr>
+                                <m:ctrlPr>
+                                  <a:rPr lang="fr-FR" sz="2000" b="0" i="1" smtClean="0">
+                                    <a:latin typeface="Cambria Math" panose="02040503050406030204" pitchFamily="18" charset="0"/>
+                                  </a:rPr>
+                                </m:ctrlPr>
+                              </m:sSubPr>
+                              <m:e>
+                                <m:r>
+                                  <a:rPr lang="fr-FR" sz="2000" b="0" i="1" smtClean="0">
+                                    <a:latin typeface="Cambria Math" panose="02040503050406030204" pitchFamily="18" charset="0"/>
+                                  </a:rPr>
+                                  <m:t>𝑥</m:t>
+                                </m:r>
+                              </m:e>
+                              <m:sub>
+                                <m:r>
+                                  <a:rPr lang="fr-FR" sz="2000" b="0" i="1" smtClean="0">
+                                    <a:latin typeface="Cambria Math" panose="02040503050406030204" pitchFamily="18" charset="0"/>
+                                  </a:rPr>
+                                  <m:t>2</m:t>
+                                </m:r>
+                              </m:sub>
+                            </m:sSub>
+                            <m:r>
+                              <a:rPr lang="fr-FR" sz="2000" b="0" i="1" smtClean="0">
+                                <a:latin typeface="Cambria Math" panose="02040503050406030204" pitchFamily="18" charset="0"/>
+                              </a:rPr>
+                              <m:t>, …</m:t>
+                            </m:r>
+                          </m:e>
+                        </m:d>
+                      </m:e>
+                    </m:d>
+                    <m:r>
+                      <a:rPr lang="fr-FR" sz="2000" b="0" i="1" smtClean="0">
+                        <a:latin typeface="Cambria Math" panose="02040503050406030204" pitchFamily="18" charset="0"/>
+                      </a:rPr>
+                      <m:t>=[</m:t>
+                    </m:r>
+                    <m:r>
+                      <a:rPr lang="fr-FR" sz="2000" b="0" i="1" smtClean="0">
+                        <a:latin typeface="Cambria Math" panose="02040503050406030204" pitchFamily="18" charset="0"/>
+                      </a:rPr>
+                      <m:t>𝜎</m:t>
+                    </m:r>
+                    <m:d>
+                      <m:dPr>
+                        <m:ctrlPr>
+                          <a:rPr lang="fr-FR" sz="2000" b="0" i="1" smtClean="0">
+                            <a:latin typeface="Cambria Math" panose="02040503050406030204" pitchFamily="18" charset="0"/>
+                          </a:rPr>
+                        </m:ctrlPr>
+                      </m:dPr>
+                      <m:e>
+                        <m:sSub>
+                          <m:sSubPr>
+                            <m:ctrlPr>
+                              <a:rPr lang="fr-FR" sz="2000" b="0" i="1" smtClean="0">
+                                <a:latin typeface="Cambria Math" panose="02040503050406030204" pitchFamily="18" charset="0"/>
+                              </a:rPr>
+                            </m:ctrlPr>
+                          </m:sSubPr>
+                          <m:e>
+                            <m:r>
+                              <a:rPr lang="fr-FR" sz="2000" b="0" i="1" smtClean="0">
+                                <a:latin typeface="Cambria Math" panose="02040503050406030204" pitchFamily="18" charset="0"/>
+                              </a:rPr>
+                              <m:t>𝑥</m:t>
+                            </m:r>
+                          </m:e>
+                          <m:sub>
+                            <m:r>
+                              <a:rPr lang="fr-FR" sz="2000" b="0" i="1" smtClean="0">
+                                <a:latin typeface="Cambria Math" panose="02040503050406030204" pitchFamily="18" charset="0"/>
+                              </a:rPr>
+                              <m:t>1</m:t>
+                            </m:r>
+                          </m:sub>
+                        </m:sSub>
+                        <m:r>
+                          <a:rPr lang="fr-FR" sz="2000" b="0" i="1" smtClean="0">
+                            <a:latin typeface="Cambria Math" panose="02040503050406030204" pitchFamily="18" charset="0"/>
+                          </a:rPr>
+                          <m:t>), </m:t>
+                        </m:r>
+                        <m:r>
+                          <a:rPr lang="fr-FR" sz="2000" b="0" i="1" smtClean="0">
+                            <a:latin typeface="Cambria Math" panose="02040503050406030204" pitchFamily="18" charset="0"/>
+                          </a:rPr>
+                          <m:t>𝜎</m:t>
+                        </m:r>
+                        <m:d>
+                          <m:dPr>
+                            <m:ctrlPr>
+                              <a:rPr lang="fr-FR" sz="2000" b="0" i="1" smtClean="0">
+                                <a:latin typeface="Cambria Math" panose="02040503050406030204" pitchFamily="18" charset="0"/>
+                              </a:rPr>
+                            </m:ctrlPr>
+                          </m:dPr>
+                          <m:e>
+                            <m:sSub>
+                              <m:sSubPr>
+                                <m:ctrlPr>
+                                  <a:rPr lang="fr-FR" sz="2000" b="0" i="1" smtClean="0">
+                                    <a:latin typeface="Cambria Math" panose="02040503050406030204" pitchFamily="18" charset="0"/>
+                                  </a:rPr>
+                                </m:ctrlPr>
+                              </m:sSubPr>
+                              <m:e>
+                                <m:r>
+                                  <a:rPr lang="fr-FR" sz="2000" b="0" i="1" smtClean="0">
+                                    <a:latin typeface="Cambria Math" panose="02040503050406030204" pitchFamily="18" charset="0"/>
+                                  </a:rPr>
+                                  <m:t>𝑥</m:t>
+                                </m:r>
+                              </m:e>
+                              <m:sub>
+                                <m:r>
+                                  <a:rPr lang="fr-FR" sz="2000" b="0" i="1" smtClean="0">
+                                    <a:latin typeface="Cambria Math" panose="02040503050406030204" pitchFamily="18" charset="0"/>
+                                  </a:rPr>
+                                  <m:t>2</m:t>
+                                </m:r>
+                              </m:sub>
+                            </m:sSub>
+                          </m:e>
+                        </m:d>
+                        <m:r>
+                          <a:rPr lang="fr-FR" sz="2000" b="0" i="1" smtClean="0">
+                            <a:latin typeface="Cambria Math" panose="02040503050406030204" pitchFamily="18" charset="0"/>
+                          </a:rPr>
+                          <m:t>, …</m:t>
+                        </m:r>
+                      </m:e>
+                    </m:d>
+                    <m:r>
+                      <a:rPr lang="fr-FR" sz="2000" b="0" i="1" smtClean="0">
+                        <a:latin typeface="Cambria Math" panose="02040503050406030204" pitchFamily="18" charset="0"/>
+                      </a:rPr>
+                      <m:t>]</m:t>
+                    </m:r>
+                    <m:r>
+                      <a:rPr lang="fr-FR" sz="2000" b="0" i="1" smtClean="0">
+                        <a:latin typeface="Cambria Math" panose="02040503050406030204" pitchFamily="18" charset="0"/>
+                      </a:rPr>
+                      <m:t>  </m:t>
+                    </m:r>
+                  </m:oMath>
+                </a14:m>
+                <a:endParaRPr lang="fr-FR" sz="2000" dirty="0"/>
+              </a:p>
+              <a:p>
+                <a:r>
+                  <a:rPr lang="fr-FR" sz="2000" dirty="0"/>
+                  <a:t>Les activations les + courantes :</a:t>
+                </a:r>
+              </a:p>
+              <a:p>
+                <a:pPr marL="0" indent="0">
+                  <a:buNone/>
+                </a:pPr>
+                <a:endParaRPr lang="fr-FR" sz="2000" dirty="0"/>
+              </a:p>
+              <a:p>
+                <a:pPr marL="0" indent="0">
+                  <a:buNone/>
+                </a:pPr>
+                <a:endParaRPr lang="fr-FR" sz="2000" dirty="0"/>
+              </a:p>
+              <a:p>
+                <a:pPr marL="0" indent="0">
+                  <a:buNone/>
+                </a:pPr>
+                <a:endParaRPr lang="fr-FR" sz="2000" dirty="0"/>
+              </a:p>
+              <a:p>
+                <a:pPr marL="0" indent="0">
+                  <a:buNone/>
+                </a:pPr>
+                <a:endParaRPr lang="fr-FR" sz="2000" dirty="0"/>
+              </a:p>
+              <a:p>
+                <a:pPr marL="0" indent="0">
+                  <a:buNone/>
+                </a:pPr>
+                <a:endParaRPr lang="fr-FR" sz="2000" dirty="0"/>
+              </a:p>
+              <a:p>
+                <a:pPr marL="0" indent="0">
+                  <a:buNone/>
+                </a:pPr>
+                <a:endParaRPr lang="fr-FR" sz="2000" dirty="0"/>
+              </a:p>
+              <a:p>
+                <a:pPr marL="0" indent="0">
+                  <a:buNone/>
+                </a:pPr>
+                <a:endParaRPr lang="fr-FR" sz="2000" dirty="0"/>
+              </a:p>
+              <a:p>
+                <a:pPr marL="0" indent="0">
+                  <a:buNone/>
+                </a:pPr>
+                <a:r>
+                  <a:rPr lang="fr-FR" sz="2000" u="sng" dirty="0"/>
+                  <a:t>Théorème d’approximation universelle</a:t>
+                </a:r>
+                <a:r>
+                  <a:rPr lang="fr-FR" sz="2000" dirty="0"/>
+                  <a:t> :</a:t>
+                </a:r>
+              </a:p>
+              <a:p>
+                <a:endParaRPr lang="fr-FR" sz="2000" dirty="0"/>
+              </a:p>
+            </p:txBody>
+          </p:sp>
+        </mc:Choice>
+        <mc:Fallback>
+          <p:sp>
+            <p:nvSpPr>
+              <p:cNvPr id="3" name="Espace réservé du contenu 2">
+                <a:extLst>
+                  <a:ext uri="{FF2B5EF4-FFF2-40B4-BE49-F238E27FC236}">
+                    <a16:creationId xmlns:a16="http://schemas.microsoft.com/office/drawing/2014/main" id="{B59E77B8-2D75-472C-B76C-ABDDE0CAFCD5}"/>
+                  </a:ext>
+                </a:extLst>
+              </p:cNvPr>
+              <p:cNvSpPr>
+                <a:spLocks noGrp="1" noRot="1" noChangeAspect="1" noMove="1" noResize="1" noEditPoints="1" noAdjustHandles="1" noChangeArrowheads="1" noChangeShapeType="1" noTextEdit="1"/>
+              </p:cNvSpPr>
+              <p:nvPr>
+                <p:ph idx="1"/>
+              </p:nvPr>
+            </p:nvSpPr>
+            <p:spPr>
+              <a:xfrm>
+                <a:off x="531530" y="418633"/>
+                <a:ext cx="10839994" cy="6021978"/>
+              </a:xfrm>
+              <a:blipFill>
+                <a:blip r:embed="rId2"/>
+                <a:stretch>
+                  <a:fillRect l="-562" t="-1113"/>
+                </a:stretch>
+              </a:blipFill>
+            </p:spPr>
+            <p:txBody>
+              <a:bodyPr/>
+              <a:lstStyle/>
+              <a:p>
+                <a:r>
+                  <a:rPr lang="fr-FR">
+                    <a:noFill/>
+                  </a:rPr>
+                  <a:t> </a:t>
+                </a:r>
+              </a:p>
+            </p:txBody>
+          </p:sp>
+        </mc:Fallback>
+      </mc:AlternateContent>
+      <p:grpSp>
+        <p:nvGrpSpPr>
+          <p:cNvPr id="41" name="Groupe 40">
+            <a:extLst>
+              <a:ext uri="{FF2B5EF4-FFF2-40B4-BE49-F238E27FC236}">
+                <a16:creationId xmlns:a16="http://schemas.microsoft.com/office/drawing/2014/main" id="{8238073C-4072-4252-B0CA-FBF29450FCB0}"/>
+              </a:ext>
+            </a:extLst>
+          </p:cNvPr>
+          <p:cNvGrpSpPr/>
+          <p:nvPr/>
+        </p:nvGrpSpPr>
+        <p:grpSpPr>
+          <a:xfrm>
+            <a:off x="1083906" y="2210582"/>
+            <a:ext cx="9420808" cy="2065878"/>
+            <a:chOff x="1083906" y="2695770"/>
+            <a:chExt cx="9420808" cy="2065878"/>
+          </a:xfrm>
+        </p:grpSpPr>
+        <p:pic>
+          <p:nvPicPr>
+            <p:cNvPr id="42" name="Image 41">
+              <a:extLst>
+                <a:ext uri="{FF2B5EF4-FFF2-40B4-BE49-F238E27FC236}">
+                  <a16:creationId xmlns:a16="http://schemas.microsoft.com/office/drawing/2014/main" id="{AF0E9383-721A-4ACB-B0E2-DACA4C0B7819}"/>
+                </a:ext>
+              </a:extLst>
+            </p:cNvPr>
+            <p:cNvPicPr>
+              <a:picLocks noChangeAspect="1"/>
+            </p:cNvPicPr>
+            <p:nvPr/>
+          </p:nvPicPr>
+          <p:blipFill>
+            <a:blip r:embed="rId3">
+              <a:extLst>
+                <a:ext uri="{28A0092B-C50C-407E-A947-70E740481C1C}">
+                  <a14:useLocalDpi xmlns:a14="http://schemas.microsoft.com/office/drawing/2010/main" val="0"/>
+                </a:ext>
+              </a:extLst>
+            </a:blip>
+            <a:stretch>
+              <a:fillRect/>
+            </a:stretch>
+          </p:blipFill>
+          <p:spPr>
+            <a:xfrm>
+              <a:off x="1083906" y="2695770"/>
+              <a:ext cx="2286000" cy="1143000"/>
+            </a:xfrm>
+            <a:prstGeom prst="rect">
+              <a:avLst/>
+            </a:prstGeom>
+          </p:spPr>
+        </p:pic>
+        <p:pic>
+          <p:nvPicPr>
+            <p:cNvPr id="43" name="Image 42">
+              <a:extLst>
+                <a:ext uri="{FF2B5EF4-FFF2-40B4-BE49-F238E27FC236}">
+                  <a16:creationId xmlns:a16="http://schemas.microsoft.com/office/drawing/2014/main" id="{F6D03D64-2EDC-4156-AF7C-BD16C11E3772}"/>
+                </a:ext>
+              </a:extLst>
+            </p:cNvPr>
+            <p:cNvPicPr>
+              <a:picLocks noChangeAspect="1"/>
+            </p:cNvPicPr>
+            <p:nvPr/>
+          </p:nvPicPr>
+          <p:blipFill>
+            <a:blip r:embed="rId4">
+              <a:extLst>
+                <a:ext uri="{28A0092B-C50C-407E-A947-70E740481C1C}">
+                  <a14:useLocalDpi xmlns:a14="http://schemas.microsoft.com/office/drawing/2010/main" val="0"/>
+                </a:ext>
+              </a:extLst>
+            </a:blip>
+            <a:stretch>
+              <a:fillRect/>
+            </a:stretch>
+          </p:blipFill>
+          <p:spPr>
+            <a:xfrm>
+              <a:off x="4651310" y="2695770"/>
+              <a:ext cx="2286000" cy="1143000"/>
+            </a:xfrm>
+            <a:prstGeom prst="rect">
+              <a:avLst/>
+            </a:prstGeom>
+          </p:spPr>
+        </p:pic>
+        <p:pic>
+          <p:nvPicPr>
+            <p:cNvPr id="44" name="Image 43">
+              <a:extLst>
+                <a:ext uri="{FF2B5EF4-FFF2-40B4-BE49-F238E27FC236}">
+                  <a16:creationId xmlns:a16="http://schemas.microsoft.com/office/drawing/2014/main" id="{16D3402A-CF14-4FF9-82B4-DBC2A11DFE83}"/>
+                </a:ext>
+              </a:extLst>
+            </p:cNvPr>
+            <p:cNvPicPr>
+              <a:picLocks noChangeAspect="1"/>
+            </p:cNvPicPr>
+            <p:nvPr/>
+          </p:nvPicPr>
+          <p:blipFill>
+            <a:blip r:embed="rId5">
+              <a:extLst>
+                <a:ext uri="{28A0092B-C50C-407E-A947-70E740481C1C}">
+                  <a14:useLocalDpi xmlns:a14="http://schemas.microsoft.com/office/drawing/2010/main" val="0"/>
+                </a:ext>
+              </a:extLst>
+            </a:blip>
+            <a:stretch>
+              <a:fillRect/>
+            </a:stretch>
+          </p:blipFill>
+          <p:spPr>
+            <a:xfrm>
+              <a:off x="8218714" y="2695770"/>
+              <a:ext cx="2286000" cy="1143000"/>
+            </a:xfrm>
+            <a:prstGeom prst="rect">
+              <a:avLst/>
+            </a:prstGeom>
+          </p:spPr>
+        </p:pic>
+        <mc:AlternateContent xmlns:mc="http://schemas.openxmlformats.org/markup-compatibility/2006">
+          <mc:Choice xmlns:a14="http://schemas.microsoft.com/office/drawing/2010/main" Requires="a14">
+            <p:sp>
+              <p:nvSpPr>
+                <p:cNvPr id="45" name="ZoneTexte 44">
+                  <a:extLst>
+                    <a:ext uri="{FF2B5EF4-FFF2-40B4-BE49-F238E27FC236}">
+                      <a16:creationId xmlns:a16="http://schemas.microsoft.com/office/drawing/2014/main" id="{04771085-1227-427E-A02D-5F7F5C7DBB51}"/>
+                    </a:ext>
+                  </a:extLst>
+                </p:cNvPr>
+                <p:cNvSpPr txBox="1"/>
+                <p:nvPr/>
+              </p:nvSpPr>
+              <p:spPr>
+                <a:xfrm flipH="1">
+                  <a:off x="1395548" y="3850437"/>
+                  <a:ext cx="1714656" cy="911211"/>
+                </a:xfrm>
+                <a:prstGeom prst="rect">
+                  <a:avLst/>
+                </a:prstGeom>
+                <a:noFill/>
+              </p:spPr>
+              <p:txBody>
+                <a:bodyPr wrap="square" rtlCol="0">
+                  <a:spAutoFit/>
+                </a:bodyPr>
+                <a:lstStyle/>
+                <a:p>
+                  <a:pPr algn="ctr"/>
+                  <a:r>
+                    <a:rPr lang="fr-FR" dirty="0"/>
+                    <a:t>Sigmoïde</a:t>
+                  </a:r>
+                </a:p>
+                <a:p>
+                  <a:pPr algn="ctr"/>
+                  <a14:m>
+                    <m:oMathPara xmlns:m="http://schemas.openxmlformats.org/officeDocument/2006/math">
+                      <m:oMathParaPr>
+                        <m:jc m:val="centerGroup"/>
+                      </m:oMathParaPr>
+                      <m:oMath xmlns:m="http://schemas.openxmlformats.org/officeDocument/2006/math">
+                        <m:r>
+                          <a:rPr lang="fr-FR" b="0" i="1" smtClean="0">
+                            <a:latin typeface="Cambria Math" panose="02040503050406030204" pitchFamily="18" charset="0"/>
+                          </a:rPr>
+                          <m:t>𝜎</m:t>
+                        </m:r>
+                        <m:d>
+                          <m:dPr>
+                            <m:ctrlPr>
+                              <a:rPr lang="fr-FR" b="0" i="1" smtClean="0">
+                                <a:latin typeface="Cambria Math" panose="02040503050406030204" pitchFamily="18" charset="0"/>
+                              </a:rPr>
+                            </m:ctrlPr>
+                          </m:dPr>
+                          <m:e>
+                            <m:r>
+                              <a:rPr lang="fr-FR" b="0" i="1" smtClean="0">
+                                <a:latin typeface="Cambria Math" panose="02040503050406030204" pitchFamily="18" charset="0"/>
+                              </a:rPr>
+                              <m:t>𝑥</m:t>
+                            </m:r>
+                          </m:e>
+                        </m:d>
+                        <m:r>
+                          <a:rPr lang="fr-FR" b="0" i="1" smtClean="0">
+                            <a:latin typeface="Cambria Math" panose="02040503050406030204" pitchFamily="18" charset="0"/>
+                          </a:rPr>
+                          <m:t>=</m:t>
+                        </m:r>
+                        <m:f>
+                          <m:fPr>
+                            <m:ctrlPr>
+                              <a:rPr lang="fr-FR" b="0" i="1" smtClean="0">
+                                <a:latin typeface="Cambria Math" panose="02040503050406030204" pitchFamily="18" charset="0"/>
+                              </a:rPr>
+                            </m:ctrlPr>
+                          </m:fPr>
+                          <m:num>
+                            <m:r>
+                              <a:rPr lang="fr-FR" b="0" i="1" smtClean="0">
+                                <a:latin typeface="Cambria Math" panose="02040503050406030204" pitchFamily="18" charset="0"/>
+                              </a:rPr>
+                              <m:t>1</m:t>
+                            </m:r>
+                          </m:num>
+                          <m:den>
+                            <m:r>
+                              <a:rPr lang="fr-FR" b="0" i="1" smtClean="0">
+                                <a:latin typeface="Cambria Math" panose="02040503050406030204" pitchFamily="18" charset="0"/>
+                              </a:rPr>
+                              <m:t>1+</m:t>
+                            </m:r>
+                            <m:sSup>
+                              <m:sSupPr>
+                                <m:ctrlPr>
+                                  <a:rPr lang="fr-FR" b="0" i="1" smtClean="0">
+                                    <a:latin typeface="Cambria Math" panose="02040503050406030204" pitchFamily="18" charset="0"/>
+                                  </a:rPr>
+                                </m:ctrlPr>
+                              </m:sSupPr>
+                              <m:e>
+                                <m:r>
+                                  <a:rPr lang="fr-FR" b="0" i="1" smtClean="0">
+                                    <a:latin typeface="Cambria Math" panose="02040503050406030204" pitchFamily="18" charset="0"/>
+                                  </a:rPr>
+                                  <m:t>𝑒</m:t>
+                                </m:r>
+                              </m:e>
+                              <m:sup>
+                                <m:r>
+                                  <a:rPr lang="fr-FR" b="0" i="1" smtClean="0">
+                                    <a:latin typeface="Cambria Math" panose="02040503050406030204" pitchFamily="18" charset="0"/>
+                                  </a:rPr>
+                                  <m:t>−</m:t>
+                                </m:r>
+                                <m:r>
+                                  <a:rPr lang="fr-FR" b="0" i="1" smtClean="0">
+                                    <a:latin typeface="Cambria Math" panose="02040503050406030204" pitchFamily="18" charset="0"/>
+                                  </a:rPr>
+                                  <m:t>𝑥</m:t>
+                                </m:r>
+                              </m:sup>
+                            </m:sSup>
+                          </m:den>
+                        </m:f>
+                      </m:oMath>
+                    </m:oMathPara>
+                  </a14:m>
+                  <a:endParaRPr lang="fr-FR" dirty="0"/>
+                </a:p>
+              </p:txBody>
+            </p:sp>
+          </mc:Choice>
+          <mc:Fallback>
+            <p:sp>
+              <p:nvSpPr>
+                <p:cNvPr id="45" name="ZoneTexte 44">
+                  <a:extLst>
+                    <a:ext uri="{FF2B5EF4-FFF2-40B4-BE49-F238E27FC236}">
+                      <a16:creationId xmlns:a16="http://schemas.microsoft.com/office/drawing/2014/main" id="{04771085-1227-427E-A02D-5F7F5C7DBB51}"/>
+                    </a:ext>
+                  </a:extLst>
+                </p:cNvPr>
+                <p:cNvSpPr txBox="1">
+                  <a:spLocks noRot="1" noChangeAspect="1" noMove="1" noResize="1" noEditPoints="1" noAdjustHandles="1" noChangeArrowheads="1" noChangeShapeType="1" noTextEdit="1"/>
+                </p:cNvSpPr>
+                <p:nvPr/>
+              </p:nvSpPr>
+              <p:spPr>
+                <a:xfrm flipH="1">
+                  <a:off x="1395548" y="3850437"/>
+                  <a:ext cx="1714656" cy="911211"/>
+                </a:xfrm>
+                <a:prstGeom prst="rect">
+                  <a:avLst/>
+                </a:prstGeom>
+                <a:blipFill>
+                  <a:blip r:embed="rId6"/>
+                  <a:stretch>
+                    <a:fillRect t="-3333"/>
+                  </a:stretch>
+                </a:blipFill>
+              </p:spPr>
+              <p:txBody>
+                <a:bodyPr/>
+                <a:lstStyle/>
+                <a:p>
+                  <a:r>
+                    <a:rPr lang="fr-FR">
+                      <a:noFill/>
+                    </a:rPr>
+                    <a:t> </a:t>
+                  </a:r>
+                </a:p>
+              </p:txBody>
+            </p:sp>
+          </mc:Fallback>
+        </mc:AlternateContent>
+        <mc:AlternateContent xmlns:mc="http://schemas.openxmlformats.org/markup-compatibility/2006">
+          <mc:Choice xmlns:a14="http://schemas.microsoft.com/office/drawing/2010/main" Requires="a14">
+            <p:sp>
+              <p:nvSpPr>
+                <p:cNvPr id="46" name="ZoneTexte 45">
+                  <a:extLst>
+                    <a:ext uri="{FF2B5EF4-FFF2-40B4-BE49-F238E27FC236}">
+                      <a16:creationId xmlns:a16="http://schemas.microsoft.com/office/drawing/2014/main" id="{BADE203B-2485-443E-91EF-931353A4E5C6}"/>
+                    </a:ext>
+                  </a:extLst>
+                </p:cNvPr>
+                <p:cNvSpPr txBox="1"/>
+                <p:nvPr/>
+              </p:nvSpPr>
+              <p:spPr>
+                <a:xfrm flipH="1">
+                  <a:off x="4509798" y="3850437"/>
+                  <a:ext cx="2603236" cy="894347"/>
+                </a:xfrm>
+                <a:prstGeom prst="rect">
+                  <a:avLst/>
+                </a:prstGeom>
+                <a:noFill/>
+              </p:spPr>
+              <p:txBody>
+                <a:bodyPr wrap="square" rtlCol="0">
+                  <a:spAutoFit/>
+                </a:bodyPr>
+                <a:lstStyle/>
+                <a:p>
+                  <a:pPr algn="ctr"/>
+                  <a:r>
+                    <a:rPr lang="fr-FR" dirty="0"/>
+                    <a:t>Tangente hyperbolique</a:t>
+                  </a:r>
+                </a:p>
+                <a:p>
+                  <a:pPr algn="ctr"/>
+                  <a14:m>
+                    <m:oMathPara xmlns:m="http://schemas.openxmlformats.org/officeDocument/2006/math">
+                      <m:oMathParaPr>
+                        <m:jc m:val="centerGroup"/>
+                      </m:oMathParaPr>
+                      <m:oMath xmlns:m="http://schemas.openxmlformats.org/officeDocument/2006/math">
+                        <m:r>
+                          <a:rPr lang="fr-FR" b="0" i="1" smtClean="0">
+                            <a:latin typeface="Cambria Math" panose="02040503050406030204" pitchFamily="18" charset="0"/>
+                          </a:rPr>
+                          <m:t>𝜎</m:t>
+                        </m:r>
+                        <m:d>
+                          <m:dPr>
+                            <m:ctrlPr>
+                              <a:rPr lang="fr-FR" b="0" i="1" smtClean="0">
+                                <a:latin typeface="Cambria Math" panose="02040503050406030204" pitchFamily="18" charset="0"/>
+                              </a:rPr>
+                            </m:ctrlPr>
+                          </m:dPr>
+                          <m:e>
+                            <m:r>
+                              <a:rPr lang="fr-FR" b="0" i="1" smtClean="0">
+                                <a:latin typeface="Cambria Math" panose="02040503050406030204" pitchFamily="18" charset="0"/>
+                              </a:rPr>
+                              <m:t>𝑥</m:t>
+                            </m:r>
+                          </m:e>
+                        </m:d>
+                        <m:r>
+                          <a:rPr lang="fr-FR" b="0" i="1" smtClean="0">
+                            <a:latin typeface="Cambria Math" panose="02040503050406030204" pitchFamily="18" charset="0"/>
+                          </a:rPr>
+                          <m:t>=</m:t>
+                        </m:r>
+                        <m:f>
+                          <m:fPr>
+                            <m:ctrlPr>
+                              <a:rPr lang="fr-FR" b="0" i="1" smtClean="0">
+                                <a:latin typeface="Cambria Math" panose="02040503050406030204" pitchFamily="18" charset="0"/>
+                              </a:rPr>
+                            </m:ctrlPr>
+                          </m:fPr>
+                          <m:num>
+                            <m:r>
+                              <a:rPr lang="fr-FR" b="0" i="1" smtClean="0">
+                                <a:latin typeface="Cambria Math" panose="02040503050406030204" pitchFamily="18" charset="0"/>
+                              </a:rPr>
+                              <m:t>1</m:t>
+                            </m:r>
+                          </m:num>
+                          <m:den>
+                            <m:r>
+                              <a:rPr lang="fr-FR" b="0" i="1" smtClean="0">
+                                <a:latin typeface="Cambria Math" panose="02040503050406030204" pitchFamily="18" charset="0"/>
+                              </a:rPr>
+                              <m:t>1+</m:t>
+                            </m:r>
+                            <m:sSup>
+                              <m:sSupPr>
+                                <m:ctrlPr>
+                                  <a:rPr lang="fr-FR" b="0" i="1" smtClean="0">
+                                    <a:latin typeface="Cambria Math" panose="02040503050406030204" pitchFamily="18" charset="0"/>
+                                  </a:rPr>
+                                </m:ctrlPr>
+                              </m:sSupPr>
+                              <m:e>
+                                <m:r>
+                                  <a:rPr lang="fr-FR" b="0" i="1" smtClean="0">
+                                    <a:latin typeface="Cambria Math" panose="02040503050406030204" pitchFamily="18" charset="0"/>
+                                  </a:rPr>
+                                  <m:t>𝑒</m:t>
+                                </m:r>
+                              </m:e>
+                              <m:sup>
+                                <m:r>
+                                  <a:rPr lang="fr-FR" b="0" i="1" smtClean="0">
+                                    <a:latin typeface="Cambria Math" panose="02040503050406030204" pitchFamily="18" charset="0"/>
+                                  </a:rPr>
+                                  <m:t>−</m:t>
+                                </m:r>
+                                <m:r>
+                                  <a:rPr lang="fr-FR" b="0" i="1" smtClean="0">
+                                    <a:latin typeface="Cambria Math" panose="02040503050406030204" pitchFamily="18" charset="0"/>
+                                  </a:rPr>
+                                  <m:t>𝑥</m:t>
+                                </m:r>
+                              </m:sup>
+                            </m:sSup>
+                          </m:den>
+                        </m:f>
+                      </m:oMath>
+                    </m:oMathPara>
+                  </a14:m>
+                  <a:endParaRPr lang="fr-FR" dirty="0"/>
+                </a:p>
+              </p:txBody>
+            </p:sp>
+          </mc:Choice>
+          <mc:Fallback>
+            <p:sp>
+              <p:nvSpPr>
+                <p:cNvPr id="46" name="ZoneTexte 45">
+                  <a:extLst>
+                    <a:ext uri="{FF2B5EF4-FFF2-40B4-BE49-F238E27FC236}">
+                      <a16:creationId xmlns:a16="http://schemas.microsoft.com/office/drawing/2014/main" id="{BADE203B-2485-443E-91EF-931353A4E5C6}"/>
+                    </a:ext>
+                  </a:extLst>
+                </p:cNvPr>
+                <p:cNvSpPr txBox="1">
+                  <a:spLocks noRot="1" noChangeAspect="1" noMove="1" noResize="1" noEditPoints="1" noAdjustHandles="1" noChangeArrowheads="1" noChangeShapeType="1" noTextEdit="1"/>
+                </p:cNvSpPr>
+                <p:nvPr/>
+              </p:nvSpPr>
+              <p:spPr>
+                <a:xfrm flipH="1">
+                  <a:off x="4509798" y="3850437"/>
+                  <a:ext cx="2603236" cy="894347"/>
+                </a:xfrm>
+                <a:prstGeom prst="rect">
+                  <a:avLst/>
+                </a:prstGeom>
+                <a:blipFill>
+                  <a:blip r:embed="rId7"/>
+                  <a:stretch>
+                    <a:fillRect t="-3401"/>
+                  </a:stretch>
+                </a:blipFill>
+              </p:spPr>
+              <p:txBody>
+                <a:bodyPr/>
+                <a:lstStyle/>
+                <a:p>
+                  <a:r>
+                    <a:rPr lang="fr-FR">
+                      <a:noFill/>
+                    </a:rPr>
+                    <a:t> </a:t>
+                  </a:r>
+                </a:p>
+              </p:txBody>
+            </p:sp>
+          </mc:Fallback>
+        </mc:AlternateContent>
+        <mc:AlternateContent xmlns:mc="http://schemas.openxmlformats.org/markup-compatibility/2006">
+          <mc:Choice xmlns:a14="http://schemas.microsoft.com/office/drawing/2010/main" Requires="a14">
+            <p:sp>
+              <p:nvSpPr>
+                <p:cNvPr id="47" name="ZoneTexte 46">
+                  <a:extLst>
+                    <a:ext uri="{FF2B5EF4-FFF2-40B4-BE49-F238E27FC236}">
+                      <a16:creationId xmlns:a16="http://schemas.microsoft.com/office/drawing/2014/main" id="{44899A15-5775-4302-913E-21473EABBF4C}"/>
+                    </a:ext>
+                  </a:extLst>
+                </p:cNvPr>
+                <p:cNvSpPr txBox="1"/>
+                <p:nvPr/>
+              </p:nvSpPr>
+              <p:spPr>
+                <a:xfrm flipH="1">
+                  <a:off x="8309524" y="3850437"/>
+                  <a:ext cx="2090997" cy="646331"/>
+                </a:xfrm>
+                <a:prstGeom prst="rect">
+                  <a:avLst/>
+                </a:prstGeom>
+                <a:noFill/>
+              </p:spPr>
+              <p:txBody>
+                <a:bodyPr wrap="square" rtlCol="0">
+                  <a:spAutoFit/>
+                </a:bodyPr>
+                <a:lstStyle/>
+                <a:p>
+                  <a:pPr algn="ctr"/>
+                  <a:r>
+                    <a:rPr lang="fr-FR" dirty="0"/>
+                    <a:t>ReLU</a:t>
+                  </a:r>
+                </a:p>
+                <a:p>
+                  <a:pPr algn="ctr"/>
+                  <a14:m>
+                    <m:oMathPara xmlns:m="http://schemas.openxmlformats.org/officeDocument/2006/math">
+                      <m:oMathParaPr>
+                        <m:jc m:val="centerGroup"/>
+                      </m:oMathParaPr>
+                      <m:oMath xmlns:m="http://schemas.openxmlformats.org/officeDocument/2006/math">
+                        <m:r>
+                          <a:rPr lang="fr-FR" b="0" i="1" smtClean="0">
+                            <a:latin typeface="Cambria Math" panose="02040503050406030204" pitchFamily="18" charset="0"/>
+                          </a:rPr>
+                          <m:t>𝜎</m:t>
+                        </m:r>
+                        <m:d>
+                          <m:dPr>
+                            <m:ctrlPr>
+                              <a:rPr lang="fr-FR" b="0" i="1" smtClean="0">
+                                <a:latin typeface="Cambria Math" panose="02040503050406030204" pitchFamily="18" charset="0"/>
+                              </a:rPr>
+                            </m:ctrlPr>
+                          </m:dPr>
+                          <m:e>
+                            <m:r>
+                              <a:rPr lang="fr-FR" b="0" i="1" smtClean="0">
+                                <a:latin typeface="Cambria Math" panose="02040503050406030204" pitchFamily="18" charset="0"/>
+                              </a:rPr>
+                              <m:t>𝑥</m:t>
+                            </m:r>
+                          </m:e>
+                        </m:d>
+                        <m:r>
+                          <a:rPr lang="fr-FR" b="0" i="1" smtClean="0">
+                            <a:latin typeface="Cambria Math" panose="02040503050406030204" pitchFamily="18" charset="0"/>
+                          </a:rPr>
+                          <m:t>=</m:t>
+                        </m:r>
+                        <m:r>
+                          <m:rPr>
+                            <m:sty m:val="p"/>
+                          </m:rPr>
+                          <a:rPr lang="fr-FR" b="0" i="0" smtClean="0">
+                            <a:latin typeface="Cambria Math" panose="02040503050406030204" pitchFamily="18" charset="0"/>
+                          </a:rPr>
+                          <m:t>max</m:t>
+                        </m:r>
+                        <m:r>
+                          <a:rPr lang="fr-FR" b="0" i="1" smtClean="0">
+                            <a:latin typeface="Cambria Math" panose="02040503050406030204" pitchFamily="18" charset="0"/>
+                          </a:rPr>
+                          <m:t>⁡(0, </m:t>
+                        </m:r>
+                        <m:r>
+                          <a:rPr lang="fr-FR" b="0" i="1" smtClean="0">
+                            <a:latin typeface="Cambria Math" panose="02040503050406030204" pitchFamily="18" charset="0"/>
+                          </a:rPr>
+                          <m:t>𝑥</m:t>
+                        </m:r>
+                        <m:r>
+                          <a:rPr lang="fr-FR" b="0" i="1" smtClean="0">
+                            <a:latin typeface="Cambria Math" panose="02040503050406030204" pitchFamily="18" charset="0"/>
+                          </a:rPr>
+                          <m:t>)</m:t>
+                        </m:r>
+                      </m:oMath>
+                    </m:oMathPara>
+                  </a14:m>
+                  <a:endParaRPr lang="fr-FR" dirty="0"/>
+                </a:p>
+              </p:txBody>
+            </p:sp>
+          </mc:Choice>
+          <mc:Fallback>
+            <p:sp>
+              <p:nvSpPr>
+                <p:cNvPr id="47" name="ZoneTexte 46">
+                  <a:extLst>
+                    <a:ext uri="{FF2B5EF4-FFF2-40B4-BE49-F238E27FC236}">
+                      <a16:creationId xmlns:a16="http://schemas.microsoft.com/office/drawing/2014/main" id="{44899A15-5775-4302-913E-21473EABBF4C}"/>
+                    </a:ext>
+                  </a:extLst>
+                </p:cNvPr>
+                <p:cNvSpPr txBox="1">
+                  <a:spLocks noRot="1" noChangeAspect="1" noMove="1" noResize="1" noEditPoints="1" noAdjustHandles="1" noChangeArrowheads="1" noChangeShapeType="1" noTextEdit="1"/>
+                </p:cNvSpPr>
+                <p:nvPr/>
+              </p:nvSpPr>
+              <p:spPr>
+                <a:xfrm flipH="1">
+                  <a:off x="8309524" y="3850437"/>
+                  <a:ext cx="2090997" cy="646331"/>
+                </a:xfrm>
+                <a:prstGeom prst="rect">
+                  <a:avLst/>
+                </a:prstGeom>
+                <a:blipFill>
+                  <a:blip r:embed="rId8"/>
+                  <a:stretch>
+                    <a:fillRect t="-4717" b="-7547"/>
+                  </a:stretch>
+                </a:blipFill>
+              </p:spPr>
+              <p:txBody>
+                <a:bodyPr/>
+                <a:lstStyle/>
+                <a:p>
+                  <a:r>
+                    <a:rPr lang="fr-FR">
+                      <a:noFill/>
+                    </a:rPr>
+                    <a:t> </a:t>
+                  </a:r>
+                </a:p>
+              </p:txBody>
+            </p:sp>
+          </mc:Fallback>
+        </mc:AlternateContent>
+      </p:grpSp>
+    </p:spTree>
+    <p:extLst>
+      <p:ext uri="{BB962C8B-B14F-4D97-AF65-F5344CB8AC3E}">
+        <p14:creationId xmlns:p14="http://schemas.microsoft.com/office/powerpoint/2010/main" val="2071760912"/>
+      </p:ext>
+    </p:extLst>
+  </p:cSld>
+  <p:clrMapOvr>
+    <a:masterClrMapping/>
+  </p:clrMapOvr>
+</p:sld>
+</file>
+
+<file path=ppt/slides/slide21.xml><?xml version="1.0" encoding="utf-8"?>
+<p:sld xmlns:a="http://schemas.openxmlformats.org/drawingml/2006/main" xmlns:r="http://schemas.openxmlformats.org/officeDocument/2006/relationships" xmlns:p="http://schemas.openxmlformats.org/presentationml/2006/main">
+  <p:cSld>
+    <p:spTree>
+      <p:nvGrpSpPr>
+        <p:cNvPr id="1" name=""/>
+        <p:cNvGrpSpPr/>
+        <p:nvPr/>
+      </p:nvGrpSpPr>
+      <p:grpSpPr>
+        <a:xfrm>
+          <a:off x="0" y="0"/>
+          <a:ext cx="0" cy="0"/>
+          <a:chOff x="0" y="0"/>
+          <a:chExt cx="0" cy="0"/>
+        </a:xfrm>
+      </p:grpSpPr>
+      <p:sp>
+        <p:nvSpPr>
+          <p:cNvPr id="3" name="Espace réservé du contenu 2">
+            <a:extLst>
+              <a:ext uri="{FF2B5EF4-FFF2-40B4-BE49-F238E27FC236}">
+                <a16:creationId xmlns:a16="http://schemas.microsoft.com/office/drawing/2014/main" id="{B59E77B8-2D75-472C-B76C-ABDDE0CAFCD5}"/>
+              </a:ext>
+            </a:extLst>
+          </p:cNvPr>
+          <p:cNvSpPr>
+            <a:spLocks noGrp="1"/>
+          </p:cNvSpPr>
+          <p:nvPr>
+            <p:ph idx="1"/>
+          </p:nvPr>
+        </p:nvSpPr>
+        <p:spPr>
+          <a:xfrm>
+            <a:off x="531530" y="418633"/>
+            <a:ext cx="10839994" cy="6021978"/>
+          </a:xfrm>
+        </p:spPr>
+        <p:txBody>
+          <a:bodyPr>
+            <a:normAutofit/>
+          </a:bodyPr>
+          <a:lstStyle/>
+          <a:p>
+            <a:pPr marL="0" indent="0">
+              <a:buNone/>
+            </a:pPr>
+            <a:r>
+              <a:rPr lang="fr-FR" sz="2000" u="sng" dirty="0"/>
+              <a:t>Implémentation d’un MLP</a:t>
+            </a:r>
+            <a:r>
+              <a:rPr lang="fr-FR" sz="2000" dirty="0"/>
+              <a:t> (</a:t>
+            </a:r>
+            <a:r>
+              <a:rPr lang="fr-FR" sz="2000" dirty="0" err="1"/>
+              <a:t>PyTorch</a:t>
+            </a:r>
+            <a:r>
+              <a:rPr lang="fr-FR" sz="2000" dirty="0"/>
+              <a:t>):</a:t>
+            </a:r>
+          </a:p>
+          <a:p>
+            <a:endParaRPr lang="fr-FR" sz="2000" dirty="0"/>
+          </a:p>
+        </p:txBody>
+      </p:sp>
+    </p:spTree>
+    <p:extLst>
+      <p:ext uri="{BB962C8B-B14F-4D97-AF65-F5344CB8AC3E}">
+        <p14:creationId xmlns:p14="http://schemas.microsoft.com/office/powerpoint/2010/main" val="3740764185"/>
+      </p:ext>
+    </p:extLst>
+  </p:cSld>
+  <p:clrMapOvr>
+    <a:masterClrMapping/>
+  </p:clrMapOvr>
+</p:sld>
+</file>
+
+<file path=ppt/slides/slide22.xml><?xml version="1.0" encoding="utf-8"?>
+<p:sld xmlns:a="http://schemas.openxmlformats.org/drawingml/2006/main" xmlns:r="http://schemas.openxmlformats.org/officeDocument/2006/relationships" xmlns:p="http://schemas.openxmlformats.org/presentationml/2006/main">
+  <p:cSld>
+    <p:spTree>
+      <p:nvGrpSpPr>
+        <p:cNvPr id="1" name=""/>
+        <p:cNvGrpSpPr/>
+        <p:nvPr/>
+      </p:nvGrpSpPr>
+      <p:grpSpPr>
+        <a:xfrm>
+          <a:off x="0" y="0"/>
+          <a:ext cx="0" cy="0"/>
+          <a:chOff x="0" y="0"/>
+          <a:chExt cx="0" cy="0"/>
+        </a:xfrm>
+      </p:grpSpPr>
+    </p:spTree>
+    <p:extLst>
+      <p:ext uri="{BB962C8B-B14F-4D97-AF65-F5344CB8AC3E}">
+        <p14:creationId xmlns:p14="http://schemas.microsoft.com/office/powerpoint/2010/main" val="2487428684"/>
+      </p:ext>
+    </p:extLst>
+  </p:cSld>
+  <p:clrMapOvr>
+    <a:masterClrMapping/>
+  </p:clrMapOvr>
+</p:sld>
+</file>
+
+<file path=ppt/slides/slide23.xml><?xml version="1.0" encoding="utf-8"?>
 <p:sld xmlns:a="http://schemas.openxmlformats.org/drawingml/2006/main" xmlns:r="http://schemas.openxmlformats.org/officeDocument/2006/relationships" xmlns:p="http://schemas.openxmlformats.org/presentationml/2006/main">
   <p:cSld>
     <p:spTree>
@@ -12424,7 +15590,7 @@
 </p:sld>
 </file>
 
-<file path=ppt/slides/slide21.xml><?xml version="1.0" encoding="utf-8"?>
+<file path=ppt/slides/slide24.xml><?xml version="1.0" encoding="utf-8"?>
 <p:sld xmlns:a="http://schemas.openxmlformats.org/drawingml/2006/main" xmlns:r="http://schemas.openxmlformats.org/officeDocument/2006/relationships" xmlns:p="http://schemas.openxmlformats.org/presentationml/2006/main">
   <p:cSld>
     <p:spTree>
@@ -13499,10 +16665,10 @@
       </p:sp>
       <p:pic>
         <p:nvPicPr>
-          <p:cNvPr id="3" name="Image 2">
+          <p:cNvPr id="6" name="Image 5">
             <a:extLst>
               <a:ext uri="{FF2B5EF4-FFF2-40B4-BE49-F238E27FC236}">
-                <a16:creationId xmlns:a16="http://schemas.microsoft.com/office/drawing/2014/main" id="{1C8137CA-9D8B-43AB-A21F-1D7636F65256}"/>
+                <a16:creationId xmlns:a16="http://schemas.microsoft.com/office/drawing/2014/main" id="{86E1B748-E601-4C09-AAE4-F938A493FE97}"/>
               </a:ext>
             </a:extLst>
           </p:cNvPr>
@@ -13512,21 +16678,15 @@
           <p:nvPr/>
         </p:nvPicPr>
         <p:blipFill>
-          <a:blip r:embed="rId2">
-            <a:extLst>
-              <a:ext uri="{28A0092B-C50C-407E-A947-70E740481C1C}">
-                <a14:useLocalDpi xmlns:a14="http://schemas.microsoft.com/office/drawing/2010/main" val="0"/>
-              </a:ext>
-            </a:extLst>
-          </a:blip>
+          <a:blip r:embed="rId2"/>
           <a:stretch>
             <a:fillRect/>
           </a:stretch>
         </p:blipFill>
         <p:spPr>
           <a:xfrm>
-            <a:off x="4723431" y="3375570"/>
-            <a:ext cx="1904762" cy="2692063"/>
+            <a:off x="3126269" y="3078320"/>
+            <a:ext cx="6048833" cy="2925660"/>
           </a:xfrm>
           <a:prstGeom prst="rect">
             <a:avLst/>

--- a/Intelligence Artificielle et Analyse de donnees.pptx
+++ b/Intelligence Artificielle et Analyse de donnees.pptx
@@ -26,9 +26,6 @@
     <p:sldId id="272" r:id="rId20"/>
     <p:sldId id="280" r:id="rId21"/>
     <p:sldId id="281" r:id="rId22"/>
-    <p:sldId id="279" r:id="rId23"/>
-    <p:sldId id="262" r:id="rId24"/>
-    <p:sldId id="261" r:id="rId25"/>
   </p:sldIdLst>
   <p:sldSz cx="12192000" cy="6858000"/>
   <p:notesSz cx="6858000" cy="9144000"/>
@@ -3378,34 +3375,49 @@
         </p:nvSpPr>
         <p:spPr>
           <a:xfrm>
-            <a:off x="1524000" y="1122363"/>
-            <a:ext cx="9144000" cy="2387600"/>
+            <a:off x="1524000" y="1122362"/>
+            <a:ext cx="9144000" cy="3144837"/>
           </a:xfrm>
         </p:spPr>
         <p:txBody>
           <a:bodyPr>
-            <a:normAutofit fontScale="90000"/>
+            <a:normAutofit/>
           </a:bodyPr>
           <a:lstStyle/>
           <a:p>
             <a:r>
-              <a:rPr lang="fr-FR" dirty="0"/>
+              <a:rPr lang="fr-FR" sz="4800" dirty="0"/>
               <a:t>Intelligence Artificielle </a:t>
             </a:r>
             <a:br>
-              <a:rPr lang="fr-FR" dirty="0"/>
+              <a:rPr lang="fr-FR" sz="4800" dirty="0"/>
             </a:br>
             <a:r>
-              <a:rPr lang="fr-FR" dirty="0"/>
+              <a:rPr lang="fr-FR" sz="4800" dirty="0"/>
               <a:t>et </a:t>
             </a:r>
             <a:br>
-              <a:rPr lang="fr-FR" dirty="0"/>
+              <a:rPr lang="fr-FR" sz="4800" dirty="0"/>
             </a:br>
             <a:r>
-              <a:rPr lang="fr-FR" dirty="0"/>
+              <a:rPr lang="fr-FR" sz="4800" dirty="0"/>
               <a:t>Analyse de données</a:t>
             </a:r>
+            <a:br>
+              <a:rPr lang="fr-FR" sz="4800" dirty="0"/>
+            </a:br>
+            <a:br>
+              <a:rPr lang="fr-FR" sz="4800" dirty="0"/>
+            </a:br>
+            <a:r>
+              <a:rPr lang="fr-FR" sz="2800" dirty="0"/>
+              <a:t>Applications Python-</a:t>
+            </a:r>
+            <a:r>
+              <a:rPr lang="fr-FR" sz="2800" dirty="0" err="1"/>
+              <a:t>PyTorch</a:t>
+            </a:r>
+            <a:endParaRPr lang="fr-FR" sz="4800" dirty="0"/>
           </a:p>
         </p:txBody>
       </p:sp>
@@ -3477,6 +3489,72 @@
           <a:xfrm>
             <a:off x="4527550" y="4493585"/>
             <a:ext cx="3136900" cy="1638300"/>
+          </a:xfrm>
+          <a:prstGeom prst="rect">
+            <a:avLst/>
+          </a:prstGeom>
+        </p:spPr>
+      </p:pic>
+      <p:pic>
+        <p:nvPicPr>
+          <p:cNvPr id="5" name="Image 4">
+            <a:extLst>
+              <a:ext uri="{FF2B5EF4-FFF2-40B4-BE49-F238E27FC236}">
+                <a16:creationId xmlns:a16="http://schemas.microsoft.com/office/drawing/2014/main" id="{5E81C831-E8AE-4D8C-B8EA-2F7E2B645891}"/>
+              </a:ext>
+            </a:extLst>
+          </p:cNvPr>
+          <p:cNvPicPr>
+            <a:picLocks noChangeAspect="1"/>
+          </p:cNvPicPr>
+          <p:nvPr/>
+        </p:nvPicPr>
+        <p:blipFill>
+          <a:blip r:embed="rId3">
+            <a:extLst>
+              <a:ext uri="{28A0092B-C50C-407E-A947-70E740481C1C}">
+                <a14:useLocalDpi xmlns:a14="http://schemas.microsoft.com/office/drawing/2010/main" val="0"/>
+              </a:ext>
+            </a:extLst>
+          </a:blip>
+          <a:stretch>
+            <a:fillRect/>
+          </a:stretch>
+        </p:blipFill>
+        <p:spPr>
+          <a:xfrm>
+            <a:off x="2661946" y="3378696"/>
+            <a:ext cx="1058245" cy="1282483"/>
+          </a:xfrm>
+          <a:prstGeom prst="rect">
+            <a:avLst/>
+          </a:prstGeom>
+        </p:spPr>
+      </p:pic>
+      <p:pic>
+        <p:nvPicPr>
+          <p:cNvPr id="14" name="Image 13">
+            <a:extLst>
+              <a:ext uri="{FF2B5EF4-FFF2-40B4-BE49-F238E27FC236}">
+                <a16:creationId xmlns:a16="http://schemas.microsoft.com/office/drawing/2014/main" id="{FAD2A916-73FD-4889-A208-767D1A68940A}"/>
+              </a:ext>
+            </a:extLst>
+          </p:cNvPr>
+          <p:cNvPicPr>
+            <a:picLocks noChangeAspect="1"/>
+          </p:cNvPicPr>
+          <p:nvPr/>
+        </p:nvPicPr>
+        <p:blipFill>
+          <a:blip r:embed="rId4"/>
+          <a:stretch>
+            <a:fillRect/>
+          </a:stretch>
+        </p:blipFill>
+        <p:spPr>
+          <a:xfrm>
+            <a:off x="8653031" y="3254405"/>
+            <a:ext cx="1103545" cy="1331704"/>
           </a:xfrm>
           <a:prstGeom prst="rect">
             <a:avLst/>
@@ -10437,8 +10515,8 @@
           <a:chExt cx="0" cy="0"/>
         </a:xfrm>
       </p:grpSpPr>
-      <mc:AlternateContent xmlns:mc="http://schemas.openxmlformats.org/markup-compatibility/2006">
-        <mc:Choice xmlns:a14="http://schemas.microsoft.com/office/drawing/2010/main" Requires="a14">
+      <mc:AlternateContent xmlns:mc="http://schemas.openxmlformats.org/markup-compatibility/2006" xmlns:a14="http://schemas.microsoft.com/office/drawing/2010/main">
+        <mc:Choice Requires="a14">
           <p:sp>
             <p:nvSpPr>
               <p:cNvPr id="6" name="Espace réservé du contenu 2">
@@ -11839,7 +11917,7 @@
             </p:txBody>
           </p:sp>
         </mc:Choice>
-        <mc:Fallback>
+        <mc:Fallback xmlns="">
           <p:sp>
             <p:nvSpPr>
               <p:cNvPr id="6" name="Espace réservé du contenu 2">
@@ -12177,26 +12255,26 @@
                   <a:buNone/>
                 </a:pPr>
                 <a:r>
-                  <a:rPr lang="fr-FR" sz="2200" dirty="0"/>
+                  <a:rPr lang="fr-FR" sz="2400" dirty="0"/>
                   <a:t>3.2 Un réseau de neurones simple : le </a:t>
                 </a:r>
                 <a:r>
-                  <a:rPr lang="fr-FR" sz="2200" b="1" dirty="0"/>
+                  <a:rPr lang="fr-FR" sz="2400" b="1" dirty="0"/>
                   <a:t>MLP</a:t>
                 </a:r>
                 <a:r>
-                  <a:rPr lang="fr-FR" sz="2200" dirty="0"/>
+                  <a:rPr lang="fr-FR" sz="2400" dirty="0"/>
                   <a:t> (multi-</a:t>
                 </a:r>
                 <a:r>
-                  <a:rPr lang="fr-FR" sz="2200" dirty="0" err="1"/>
+                  <a:rPr lang="fr-FR" sz="2400" dirty="0" err="1"/>
                   <a:t>layers</a:t>
                 </a:r>
                 <a:r>
-                  <a:rPr lang="fr-FR" sz="2200" dirty="0"/>
+                  <a:rPr lang="fr-FR" sz="2400" dirty="0"/>
                   <a:t> perceptron)</a:t>
                 </a:r>
-                <a:endParaRPr lang="fr-FR" sz="2000" u="sng" dirty="0"/>
+                <a:endParaRPr lang="fr-FR" sz="2400" u="sng" dirty="0"/>
               </a:p>
               <a:p>
                 <a:pPr marL="0" indent="0">
@@ -12370,7 +12448,21 @@
               <a:p>
                 <a:r>
                   <a:rPr lang="fr-FR" sz="2000" dirty="0"/>
-                  <a:t>Sortie d’une couche :</a:t>
+                  <a:t>Sortie d’une couche </a:t>
+                </a:r>
+                <a14:m>
+                  <m:oMath xmlns:m="http://schemas.openxmlformats.org/officeDocument/2006/math">
+                    <m:r>
+                      <a:rPr lang="fr-FR" sz="2000" b="0" i="1" smtClean="0">
+                        <a:latin typeface="Cambria Math" panose="02040503050406030204" pitchFamily="18" charset="0"/>
+                      </a:rPr>
+                      <m:t>𝑖</m:t>
+                    </m:r>
+                  </m:oMath>
+                </a14:m>
+                <a:r>
+                  <a:rPr lang="fr-FR" sz="2000" dirty="0"/>
+                  <a:t>: </a:t>
                 </a:r>
                 <a14:m>
                   <m:oMath xmlns:m="http://schemas.openxmlformats.org/officeDocument/2006/math">
@@ -13100,7 +13192,7 @@
               <a:blipFill>
                 <a:blip r:embed="rId2"/>
                 <a:stretch>
-                  <a:fillRect l="-562" t="-1518"/>
+                  <a:fillRect l="-731" t="-1721"/>
                 </a:stretch>
               </a:blipFill>
             </p:spPr>
@@ -13230,8 +13322,8 @@
               </a:fontRef>
             </p:style>
           </p:cxnSp>
-          <mc:AlternateContent xmlns:mc="http://schemas.openxmlformats.org/markup-compatibility/2006">
-            <mc:Choice xmlns:a14="http://schemas.microsoft.com/office/drawing/2010/main" Requires="a14">
+          <mc:AlternateContent xmlns:mc="http://schemas.openxmlformats.org/markup-compatibility/2006" xmlns:a14="http://schemas.microsoft.com/office/drawing/2010/main">
+            <mc:Choice Requires="a14">
               <p:sp>
                 <p:nvSpPr>
                   <p:cNvPr id="27" name="ZoneTexte 26">
@@ -13260,6 +13352,7 @@
                   </a:bodyPr>
                   <a:lstStyle/>
                   <a:p>
+                    <a:pPr/>
                     <a14:m>
                       <m:oMathPara xmlns:m="http://schemas.openxmlformats.org/officeDocument/2006/math">
                         <m:oMathParaPr>
@@ -13280,7 +13373,7 @@
                 </p:txBody>
               </p:sp>
             </mc:Choice>
-            <mc:Fallback>
+            <mc:Fallback xmlns="">
               <p:sp>
                 <p:nvSpPr>
                   <p:cNvPr id="27" name="ZoneTexte 26">
@@ -13325,8 +13418,8 @@
               </p:sp>
             </mc:Fallback>
           </mc:AlternateContent>
-          <mc:AlternateContent xmlns:mc="http://schemas.openxmlformats.org/markup-compatibility/2006">
-            <mc:Choice xmlns:a14="http://schemas.microsoft.com/office/drawing/2010/main" Requires="a14">
+          <mc:AlternateContent xmlns:mc="http://schemas.openxmlformats.org/markup-compatibility/2006" xmlns:a14="http://schemas.microsoft.com/office/drawing/2010/main">
+            <mc:Choice Requires="a14">
               <p:sp>
                 <p:nvSpPr>
                   <p:cNvPr id="28" name="ZoneTexte 27">
@@ -13355,6 +13448,7 @@
                   </a:bodyPr>
                   <a:lstStyle/>
                   <a:p>
+                    <a:pPr/>
                     <a14:m>
                       <m:oMathPara xmlns:m="http://schemas.openxmlformats.org/officeDocument/2006/math">
                         <m:oMathParaPr>
@@ -13375,7 +13469,7 @@
                 </p:txBody>
               </p:sp>
             </mc:Choice>
-            <mc:Fallback>
+            <mc:Fallback xmlns="">
               <p:sp>
                 <p:nvSpPr>
                   <p:cNvPr id="28" name="ZoneTexte 27">
@@ -13420,8 +13514,8 @@
               </p:sp>
             </mc:Fallback>
           </mc:AlternateContent>
-          <mc:AlternateContent xmlns:mc="http://schemas.openxmlformats.org/markup-compatibility/2006">
-            <mc:Choice xmlns:a14="http://schemas.microsoft.com/office/drawing/2010/main" Requires="a14">
+          <mc:AlternateContent xmlns:mc="http://schemas.openxmlformats.org/markup-compatibility/2006" xmlns:a14="http://schemas.microsoft.com/office/drawing/2010/main">
+            <mc:Choice Requires="a14">
               <p:sp>
                 <p:nvSpPr>
                   <p:cNvPr id="29" name="ZoneTexte 28">
@@ -13450,6 +13544,7 @@
                   </a:bodyPr>
                   <a:lstStyle/>
                   <a:p>
+                    <a:pPr/>
                     <a14:m>
                       <m:oMathPara xmlns:m="http://schemas.openxmlformats.org/officeDocument/2006/math">
                         <m:oMathParaPr>
@@ -13489,7 +13584,7 @@
                 </p:txBody>
               </p:sp>
             </mc:Choice>
-            <mc:Fallback>
+            <mc:Fallback xmlns="">
               <p:sp>
                 <p:nvSpPr>
                   <p:cNvPr id="29" name="ZoneTexte 28">
@@ -13575,8 +13670,8 @@
               </a:fontRef>
             </p:style>
           </p:cxnSp>
-          <mc:AlternateContent xmlns:mc="http://schemas.openxmlformats.org/markup-compatibility/2006">
-            <mc:Choice xmlns:a14="http://schemas.microsoft.com/office/drawing/2010/main" Requires="a14">
+          <mc:AlternateContent xmlns:mc="http://schemas.openxmlformats.org/markup-compatibility/2006" xmlns:a14="http://schemas.microsoft.com/office/drawing/2010/main">
+            <mc:Choice Requires="a14">
               <p:sp>
                 <p:nvSpPr>
                   <p:cNvPr id="31" name="ZoneTexte 30">
@@ -13605,6 +13700,7 @@
                   </a:bodyPr>
                   <a:lstStyle/>
                   <a:p>
+                    <a:pPr/>
                     <a14:m>
                       <m:oMathPara xmlns:m="http://schemas.openxmlformats.org/officeDocument/2006/math">
                         <m:oMathParaPr>
@@ -13644,7 +13740,7 @@
                 </p:txBody>
               </p:sp>
             </mc:Choice>
-            <mc:Fallback>
+            <mc:Fallback xmlns="">
               <p:sp>
                 <p:nvSpPr>
                   <p:cNvPr id="31" name="ZoneTexte 30">
@@ -14157,7 +14253,23 @@
             </a:pPr>
             <a:r>
               <a:rPr lang="fr-FR" sz="2000" dirty="0"/>
-              <a:t>Introduction aux réseaux de neurones</a:t>
+              <a:t>Introduction aux réseaux de neurones (</a:t>
+            </a:r>
+            <a:r>
+              <a:rPr lang="fr-FR" sz="2000" dirty="0" err="1"/>
+              <a:t>NNs</a:t>
+            </a:r>
+            <a:r>
+              <a:rPr lang="fr-FR" sz="2000" dirty="0"/>
+              <a:t>, </a:t>
+            </a:r>
+            <a:r>
+              <a:rPr lang="fr-FR" sz="2000" i="1" dirty="0"/>
+              <a:t>Neural Networks</a:t>
+            </a:r>
+            <a:r>
+              <a:rPr lang="fr-FR" sz="2000" dirty="0"/>
+              <a:t>)</a:t>
             </a:r>
           </a:p>
           <a:p>
@@ -14166,7 +14278,11 @@
             </a:pPr>
             <a:r>
               <a:rPr lang="fr-FR" sz="2000" dirty="0"/>
-              <a:t>	4.1. Problèmes de régression</a:t>
+              <a:t>	</a:t>
+            </a:r>
+            <a:r>
+              <a:rPr lang="fr-FR" sz="1800" dirty="0"/>
+              <a:t>4.1. Problèmes de régression</a:t>
             </a:r>
           </a:p>
           <a:p>
@@ -14174,7 +14290,7 @@
               <a:buNone/>
             </a:pPr>
             <a:r>
-              <a:rPr lang="fr-FR" sz="2000" dirty="0"/>
+              <a:rPr lang="fr-FR" sz="1800" dirty="0"/>
               <a:t>	4.2. Descente de gradient, dérivation automatique</a:t>
             </a:r>
           </a:p>
@@ -14183,8 +14299,8 @@
               <a:buNone/>
             </a:pPr>
             <a:r>
-              <a:rPr lang="fr-FR" sz="2000" dirty="0"/>
-              <a:t>	4.3. Un réseau de neurones simple (MLP)</a:t>
+              <a:rPr lang="fr-FR" sz="1800" dirty="0"/>
+              <a:t>	4.3. Un NN simple (MLP)</a:t>
             </a:r>
           </a:p>
           <a:p>
@@ -14194,7 +14310,15 @@
             </a:pPr>
             <a:r>
               <a:rPr lang="fr-FR" sz="2000" dirty="0"/>
-              <a:t>Les réseaux de neurones récurrents (RNN)</a:t>
+              <a:t>Les réseaux de neurones récurrents (</a:t>
+            </a:r>
+            <a:r>
+              <a:rPr lang="fr-FR" sz="2000" dirty="0" err="1"/>
+              <a:t>RNNs</a:t>
+            </a:r>
+            <a:r>
+              <a:rPr lang="fr-FR" sz="2000" dirty="0"/>
+              <a:t>)</a:t>
             </a:r>
           </a:p>
           <a:p>
@@ -14207,7 +14331,7 @@
             </a:r>
             <a:r>
               <a:rPr lang="fr-FR" sz="1800" dirty="0"/>
-              <a:t>4.1. </a:t>
+              <a:t>4.1. Prédiction de trajectoire</a:t>
             </a:r>
           </a:p>
           <a:p>
@@ -14216,8 +14340,13 @@
             </a:pPr>
             <a:r>
               <a:rPr lang="fr-FR" sz="1800" dirty="0"/>
-              <a:t>	4.2. Principe des RNN</a:t>
-            </a:r>
+              <a:t>	4.2. Principe des </a:t>
+            </a:r>
+            <a:r>
+              <a:rPr lang="fr-FR" sz="1800" dirty="0" err="1"/>
+              <a:t>RNNs</a:t>
+            </a:r>
+            <a:endParaRPr lang="fr-FR" sz="1800" dirty="0"/>
           </a:p>
           <a:p>
             <a:pPr marL="457200" lvl="1" indent="0">
@@ -14225,7 +14354,11 @@
             </a:pPr>
             <a:r>
               <a:rPr lang="fr-FR" sz="1800" dirty="0"/>
-              <a:t>	4.3. Implémentation des RNN</a:t>
+              <a:t>	4.3. Implémentation des </a:t>
+            </a:r>
+            <a:r>
+              <a:rPr lang="fr-FR" sz="1800" dirty="0" err="1"/>
+              <a:t>RNNs</a:t>
             </a:r>
             <a:endParaRPr lang="fr-FR" sz="2000" dirty="0"/>
           </a:p>
@@ -14236,7 +14369,15 @@
             </a:pPr>
             <a:r>
               <a:rPr lang="fr-FR" sz="2000" dirty="0"/>
-              <a:t>Les réseaux de neurones convolutifs (CNN)</a:t>
+              <a:t>Les réseaux de neurones convolutifs (</a:t>
+            </a:r>
+            <a:r>
+              <a:rPr lang="fr-FR" sz="2000" dirty="0" err="1"/>
+              <a:t>CNNs</a:t>
+            </a:r>
+            <a:r>
+              <a:rPr lang="fr-FR" sz="2000" dirty="0"/>
+              <a:t>)</a:t>
             </a:r>
           </a:p>
           <a:p>
@@ -14258,8 +14399,13 @@
             </a:pPr>
             <a:r>
               <a:rPr lang="fr-FR" sz="1800" dirty="0"/>
-              <a:t>	5.2. Principe des CNN</a:t>
-            </a:r>
+              <a:t>	5.2. Principe des </a:t>
+            </a:r>
+            <a:r>
+              <a:rPr lang="fr-FR" sz="1800" dirty="0" err="1"/>
+              <a:t>CNNs</a:t>
+            </a:r>
+            <a:endParaRPr lang="fr-FR" sz="1800" dirty="0"/>
           </a:p>
           <a:p>
             <a:pPr marL="457200" lvl="1" indent="0">
@@ -14267,7 +14413,11 @@
             </a:pPr>
             <a:r>
               <a:rPr lang="fr-FR" sz="1800" dirty="0"/>
-              <a:t>	5.3. Implémentation des CNN</a:t>
+              <a:t>	5.3. Implémentation des </a:t>
+            </a:r>
+            <a:r>
+              <a:rPr lang="fr-FR" sz="1800" dirty="0" err="1"/>
+              <a:t>CNNs</a:t>
             </a:r>
             <a:endParaRPr lang="fr-FR" sz="2000" dirty="0"/>
           </a:p>
@@ -14300,7 +14450,7 @@
             </a:pPr>
             <a:r>
               <a:rPr lang="fr-FR" sz="1800" dirty="0"/>
-              <a:t>	6.2. Classifications d’images</a:t>
+              <a:t>	6.2. Classification d’images (données CIFAR)</a:t>
             </a:r>
             <a:endParaRPr lang="fr-FR" sz="2000" dirty="0"/>
           </a:p>
@@ -14365,7 +14515,7 @@
             </p:spPr>
             <p:txBody>
               <a:bodyPr>
-                <a:normAutofit/>
+                <a:normAutofit lnSpcReduction="10000"/>
               </a:bodyPr>
               <a:lstStyle/>
               <a:p>
@@ -14577,73 +14727,67 @@
                             </m:r>
                           </m:sub>
                         </m:sSub>
-                        <m:r>
-                          <a:rPr lang="fr-FR" sz="2000" b="0" i="1" smtClean="0">
-                            <a:latin typeface="Cambria Math" panose="02040503050406030204" pitchFamily="18" charset="0"/>
-                          </a:rPr>
-                          <m:t>), </m:t>
-                        </m:r>
-                        <m:r>
-                          <a:rPr lang="fr-FR" sz="2000" b="0" i="1" smtClean="0">
-                            <a:latin typeface="Cambria Math" panose="02040503050406030204" pitchFamily="18" charset="0"/>
-                          </a:rPr>
-                          <m:t>𝜎</m:t>
-                        </m:r>
-                        <m:d>
-                          <m:dPr>
-                            <m:ctrlPr>
-                              <a:rPr lang="fr-FR" sz="2000" b="0" i="1" smtClean="0">
-                                <a:latin typeface="Cambria Math" panose="02040503050406030204" pitchFamily="18" charset="0"/>
-                              </a:rPr>
-                            </m:ctrlPr>
-                          </m:dPr>
-                          <m:e>
-                            <m:sSub>
-                              <m:sSubPr>
-                                <m:ctrlPr>
-                                  <a:rPr lang="fr-FR" sz="2000" b="0" i="1" smtClean="0">
-                                    <a:latin typeface="Cambria Math" panose="02040503050406030204" pitchFamily="18" charset="0"/>
-                                  </a:rPr>
-                                </m:ctrlPr>
-                              </m:sSubPr>
-                              <m:e>
-                                <m:r>
-                                  <a:rPr lang="fr-FR" sz="2000" b="0" i="1" smtClean="0">
-                                    <a:latin typeface="Cambria Math" panose="02040503050406030204" pitchFamily="18" charset="0"/>
-                                  </a:rPr>
-                                  <m:t>𝑥</m:t>
-                                </m:r>
-                              </m:e>
-                              <m:sub>
-                                <m:r>
-                                  <a:rPr lang="fr-FR" sz="2000" b="0" i="1" smtClean="0">
-                                    <a:latin typeface="Cambria Math" panose="02040503050406030204" pitchFamily="18" charset="0"/>
-                                  </a:rPr>
-                                  <m:t>2</m:t>
-                                </m:r>
-                              </m:sub>
-                            </m:sSub>
-                          </m:e>
-                        </m:d>
-                        <m:r>
-                          <a:rPr lang="fr-FR" sz="2000" b="0" i="1" smtClean="0">
-                            <a:latin typeface="Cambria Math" panose="02040503050406030204" pitchFamily="18" charset="0"/>
-                          </a:rPr>
-                          <m:t>, …</m:t>
-                        </m:r>
                       </m:e>
                     </m:d>
                     <m:r>
                       <a:rPr lang="fr-FR" sz="2000" b="0" i="1" smtClean="0">
                         <a:latin typeface="Cambria Math" panose="02040503050406030204" pitchFamily="18" charset="0"/>
                       </a:rPr>
-                      <m:t>]</m:t>
+                      <m:t>, </m:t>
                     </m:r>
                     <m:r>
                       <a:rPr lang="fr-FR" sz="2000" b="0" i="1" smtClean="0">
                         <a:latin typeface="Cambria Math" panose="02040503050406030204" pitchFamily="18" charset="0"/>
                       </a:rPr>
-                      <m:t>  </m:t>
+                      <m:t>𝜎</m:t>
+                    </m:r>
+                    <m:d>
+                      <m:dPr>
+                        <m:ctrlPr>
+                          <a:rPr lang="fr-FR" sz="2000" b="0" i="1" smtClean="0">
+                            <a:latin typeface="Cambria Math" panose="02040503050406030204" pitchFamily="18" charset="0"/>
+                          </a:rPr>
+                        </m:ctrlPr>
+                      </m:dPr>
+                      <m:e>
+                        <m:sSub>
+                          <m:sSubPr>
+                            <m:ctrlPr>
+                              <a:rPr lang="fr-FR" sz="2000" b="0" i="1" smtClean="0">
+                                <a:latin typeface="Cambria Math" panose="02040503050406030204" pitchFamily="18" charset="0"/>
+                              </a:rPr>
+                            </m:ctrlPr>
+                          </m:sSubPr>
+                          <m:e>
+                            <m:r>
+                              <a:rPr lang="fr-FR" sz="2000" b="0" i="1" smtClean="0">
+                                <a:latin typeface="Cambria Math" panose="02040503050406030204" pitchFamily="18" charset="0"/>
+                              </a:rPr>
+                              <m:t>𝑥</m:t>
+                            </m:r>
+                          </m:e>
+                          <m:sub>
+                            <m:r>
+                              <a:rPr lang="fr-FR" sz="2000" b="0" i="1" smtClean="0">
+                                <a:latin typeface="Cambria Math" panose="02040503050406030204" pitchFamily="18" charset="0"/>
+                              </a:rPr>
+                              <m:t>2</m:t>
+                            </m:r>
+                          </m:sub>
+                        </m:sSub>
+                      </m:e>
+                    </m:d>
+                    <m:r>
+                      <a:rPr lang="fr-FR" sz="2000" b="0" i="1" smtClean="0">
+                        <a:latin typeface="Cambria Math" panose="02040503050406030204" pitchFamily="18" charset="0"/>
+                      </a:rPr>
+                      <m:t>, …</m:t>
+                    </m:r>
+                    <m:r>
+                      <a:rPr lang="fr-FR" sz="2000" b="0" i="1" smtClean="0">
+                        <a:latin typeface="Cambria Math" panose="02040503050406030204" pitchFamily="18" charset="0"/>
+                      </a:rPr>
+                      <m:t>]  </m:t>
                     </m:r>
                   </m:oMath>
                 </a14:m>
@@ -14711,7 +14855,55 @@
                 </a:r>
               </a:p>
               <a:p>
-                <a:endParaRPr lang="fr-FR" sz="2000" dirty="0"/>
+                <a:pPr marL="0" indent="0">
+                  <a:buNone/>
+                </a:pPr>
+                <a:r>
+                  <a:rPr lang="fr-FR" sz="2000" dirty="0"/>
+                  <a:t>Un MLP peut approcher d’aussi près que l’on veut n’importe quelle fonction continue.</a:t>
+                </a:r>
+              </a:p>
+              <a:p>
+                <a:pPr marL="0" indent="0">
+                  <a:buNone/>
+                </a:pPr>
+                <a:r>
+                  <a:rPr lang="fr-FR" sz="2000" dirty="0"/>
+                  <a:t>Pour cela une seule couche cachée suffit (à condition de prendre une taille suffisante, i.e. une matrice </a:t>
+                </a:r>
+                <a14:m>
+                  <m:oMath xmlns:m="http://schemas.openxmlformats.org/officeDocument/2006/math">
+                    <m:sSup>
+                      <m:sSupPr>
+                        <m:ctrlPr>
+                          <a:rPr lang="fr-FR" sz="2000" b="0" i="1" smtClean="0">
+                            <a:latin typeface="Cambria Math" panose="02040503050406030204" pitchFamily="18" charset="0"/>
+                          </a:rPr>
+                        </m:ctrlPr>
+                      </m:sSupPr>
+                      <m:e>
+                        <m:r>
+                          <a:rPr lang="fr-FR" sz="2000" b="0" i="1" smtClean="0">
+                            <a:latin typeface="Cambria Math" panose="02040503050406030204" pitchFamily="18" charset="0"/>
+                          </a:rPr>
+                          <m:t>𝑊</m:t>
+                        </m:r>
+                      </m:e>
+                      <m:sup>
+                        <m:r>
+                          <a:rPr lang="fr-FR" sz="2000" b="0" i="1" smtClean="0">
+                            <a:latin typeface="Cambria Math" panose="02040503050406030204" pitchFamily="18" charset="0"/>
+                          </a:rPr>
+                          <m:t>(1)</m:t>
+                        </m:r>
+                      </m:sup>
+                    </m:sSup>
+                  </m:oMath>
+                </a14:m>
+                <a:r>
+                  <a:rPr lang="fr-FR" sz="2000" dirty="0"/>
+                  <a:t>suffisamment grande) et une fonction d’activation non polynomiale (les fonctions ci-dessus respectent cette condition). Et … il faut trouver les bons paramètres !</a:t>
+                </a:r>
               </a:p>
             </p:txBody>
           </p:sp>
@@ -14741,7 +14933,7 @@
               <a:blipFill>
                 <a:blip r:embed="rId2"/>
                 <a:stretch>
-                  <a:fillRect l="-562" t="-1113"/>
+                  <a:fillRect l="-562" t="-1518"/>
                 </a:stretch>
               </a:blipFill>
             </p:spPr>
@@ -14774,10 +14966,10 @@
         </p:nvGrpSpPr>
         <p:grpSpPr>
           <a:xfrm>
-            <a:off x="1083906" y="2210582"/>
-            <a:ext cx="9420808" cy="2065878"/>
+            <a:off x="1083906" y="2079962"/>
+            <a:ext cx="9420808" cy="2072867"/>
             <a:chOff x="1083906" y="2695770"/>
-            <a:chExt cx="9420808" cy="2065878"/>
+            <a:chExt cx="9420808" cy="2072867"/>
           </a:xfrm>
         </p:grpSpPr>
         <p:pic>
@@ -14888,8 +15080,8 @@
             </a:prstGeom>
           </p:spPr>
         </p:pic>
-        <mc:AlternateContent xmlns:mc="http://schemas.openxmlformats.org/markup-compatibility/2006">
-          <mc:Choice xmlns:a14="http://schemas.microsoft.com/office/drawing/2010/main" Requires="a14">
+        <mc:AlternateContent xmlns:mc="http://schemas.openxmlformats.org/markup-compatibility/2006" xmlns:a14="http://schemas.microsoft.com/office/drawing/2010/main">
+          <mc:Choice Requires="a14">
             <p:sp>
               <p:nvSpPr>
                 <p:cNvPr id="45" name="ZoneTexte 44">
@@ -15025,7 +15217,7 @@
               </p:txBody>
             </p:sp>
           </mc:Choice>
-          <mc:Fallback>
+          <mc:Fallback xmlns="">
             <p:sp>
               <p:nvSpPr>
                 <p:cNvPr id="45" name="ZoneTexte 44">
@@ -15070,8 +15262,8 @@
             </p:sp>
           </mc:Fallback>
         </mc:AlternateContent>
-        <mc:AlternateContent xmlns:mc="http://schemas.openxmlformats.org/markup-compatibility/2006">
-          <mc:Choice xmlns:a14="http://schemas.microsoft.com/office/drawing/2010/main" Requires="a14">
+        <mc:AlternateContent xmlns:mc="http://schemas.openxmlformats.org/markup-compatibility/2006" xmlns:a14="http://schemas.microsoft.com/office/drawing/2010/main">
+          <mc:Choice Requires="a14">
             <p:sp>
               <p:nvSpPr>
                 <p:cNvPr id="46" name="ZoneTexte 45">
@@ -15087,7 +15279,7 @@
               <p:spPr>
                 <a:xfrm flipH="1">
                   <a:off x="4509798" y="3850437"/>
-                  <a:ext cx="2603236" cy="894347"/>
+                  <a:ext cx="2603236" cy="918200"/>
                 </a:xfrm>
                 <a:prstGeom prst="rect">
                   <a:avLst/>
@@ -15156,7 +15348,7 @@
                               <a:rPr lang="fr-FR" b="0" i="1" smtClean="0">
                                 <a:latin typeface="Cambria Math" panose="02040503050406030204" pitchFamily="18" charset="0"/>
                               </a:rPr>
-                              <m:t>1</m:t>
+                              <m:t>2</m:t>
                             </m:r>
                           </m:num>
                           <m:den>
@@ -15187,7 +15379,7 @@
                                   <a:rPr lang="fr-FR" b="0" i="1" smtClean="0">
                                     <a:latin typeface="Cambria Math" panose="02040503050406030204" pitchFamily="18" charset="0"/>
                                   </a:rPr>
-                                  <m:t>−</m:t>
+                                  <m:t>−2</m:t>
                                 </m:r>
                                 <m:r>
                                   <a:rPr lang="fr-FR" b="0" i="1" smtClean="0">
@@ -15199,6 +15391,12 @@
                             </m:sSup>
                           </m:den>
                         </m:f>
+                        <m:r>
+                          <a:rPr lang="fr-FR" b="0" i="1" smtClean="0">
+                            <a:latin typeface="Cambria Math" panose="02040503050406030204" pitchFamily="18" charset="0"/>
+                          </a:rPr>
+                          <m:t> −1</m:t>
+                        </m:r>
                       </m:oMath>
                     </m:oMathPara>
                   </a14:m>
@@ -15207,7 +15405,7 @@
               </p:txBody>
             </p:sp>
           </mc:Choice>
-          <mc:Fallback>
+          <mc:Fallback xmlns="">
             <p:sp>
               <p:nvSpPr>
                 <p:cNvPr id="46" name="ZoneTexte 45">
@@ -15225,7 +15423,7 @@
               <p:spPr>
                 <a:xfrm flipH="1">
                   <a:off x="4509798" y="3850437"/>
-                  <a:ext cx="2603236" cy="894347"/>
+                  <a:ext cx="2603236" cy="918200"/>
                 </a:xfrm>
                 <a:prstGeom prst="rect">
                   <a:avLst/>
@@ -15233,7 +15431,7 @@
                 <a:blipFill>
                   <a:blip r:embed="rId7"/>
                   <a:stretch>
-                    <a:fillRect t="-3401"/>
+                    <a:fillRect t="-4000"/>
                   </a:stretch>
                 </a:blipFill>
               </p:spPr>
@@ -15252,8 +15450,8 @@
             </p:sp>
           </mc:Fallback>
         </mc:AlternateContent>
-        <mc:AlternateContent xmlns:mc="http://schemas.openxmlformats.org/markup-compatibility/2006">
-          <mc:Choice xmlns:a14="http://schemas.microsoft.com/office/drawing/2010/main" Requires="a14">
+        <mc:AlternateContent xmlns:mc="http://schemas.openxmlformats.org/markup-compatibility/2006" xmlns:a14="http://schemas.microsoft.com/office/drawing/2010/main">
+          <mc:Choice Requires="a14">
             <p:sp>
               <p:nvSpPr>
                 <p:cNvPr id="47" name="ZoneTexte 46">
@@ -15360,7 +15558,7 @@
               </p:txBody>
             </p:sp>
           </mc:Choice>
-          <mc:Fallback>
+          <mc:Fallback xmlns="">
             <p:sp>
               <p:nvSpPr>
                 <p:cNvPr id="47" name="ZoneTexte 46">
@@ -15469,19 +15667,121 @@
             </a:pPr>
             <a:r>
               <a:rPr lang="fr-FR" sz="2000" u="sng" dirty="0"/>
-              <a:t>Implémentation d’un MLP</a:t>
+              <a:t>Résultats</a:t>
             </a:r>
             <a:r>
               <a:rPr lang="fr-FR" sz="2000" dirty="0"/>
-              <a:t> (</a:t>
+              <a:t> (problème de régression simple):</a:t>
+            </a:r>
+          </a:p>
+          <a:p>
+            <a:pPr marL="0" indent="0">
+              <a:spcBef>
+                <a:spcPts val="500"/>
+              </a:spcBef>
+              <a:buNone/>
+            </a:pPr>
+            <a:endParaRPr lang="fr-FR" sz="2000" dirty="0"/>
+          </a:p>
+          <a:p>
+            <a:pPr marL="0" indent="0">
+              <a:spcBef>
+                <a:spcPts val="500"/>
+              </a:spcBef>
+              <a:buNone/>
+            </a:pPr>
+            <a:r>
+              <a:rPr lang="fr-FR" sz="2000" dirty="0"/>
+              <a:t>Pour N=200, M=100 (M=taille couche cachée)</a:t>
+            </a:r>
+          </a:p>
+          <a:p>
+            <a:pPr marL="0" indent="0">
+              <a:spcBef>
+                <a:spcPts val="500"/>
+              </a:spcBef>
+              <a:buNone/>
+            </a:pPr>
+            <a:r>
+              <a:rPr lang="fr-FR" sz="2000" dirty="0"/>
+              <a:t>	i) courbe données + sortie MLP 	ii) training / data </a:t>
             </a:r>
             <a:r>
               <a:rPr lang="fr-FR" sz="2000" dirty="0" err="1"/>
-              <a:t>PyTorch</a:t>
+              <a:t>loss</a:t>
             </a:r>
             <a:r>
               <a:rPr lang="fr-FR" sz="2000" dirty="0"/>
-              <a:t>):</a:t>
+              <a:t>, fonction de N (</a:t>
+            </a:r>
+            <a:r>
+              <a:rPr lang="fr-FR" sz="2000" dirty="0" err="1"/>
+              <a:t>overfit</a:t>
+            </a:r>
+            <a:r>
+              <a:rPr lang="fr-FR" sz="2000" dirty="0"/>
+              <a:t> pour petit N)</a:t>
+            </a:r>
+          </a:p>
+          <a:p>
+            <a:pPr marL="0" indent="0">
+              <a:spcBef>
+                <a:spcPts val="500"/>
+              </a:spcBef>
+              <a:buNone/>
+            </a:pPr>
+            <a:r>
+              <a:rPr lang="fr-FR" sz="2000" dirty="0"/>
+              <a:t>Pour N=10, M=100 (</a:t>
+            </a:r>
+            <a:r>
+              <a:rPr lang="fr-FR" sz="2000" dirty="0" err="1"/>
+              <a:t>overfit</a:t>
+            </a:r>
+            <a:r>
+              <a:rPr lang="fr-FR" sz="2000" dirty="0"/>
+              <a:t>)</a:t>
+            </a:r>
+          </a:p>
+          <a:p>
+            <a:pPr marL="0" indent="0">
+              <a:spcBef>
+                <a:spcPts val="500"/>
+              </a:spcBef>
+              <a:buNone/>
+            </a:pPr>
+            <a:r>
+              <a:rPr lang="fr-FR" sz="2000" dirty="0"/>
+              <a:t>Pour N=10, M=? </a:t>
+            </a:r>
+          </a:p>
+          <a:p>
+            <a:pPr marL="0" indent="0">
+              <a:spcBef>
+                <a:spcPts val="500"/>
+              </a:spcBef>
+              <a:buNone/>
+            </a:pPr>
+            <a:endParaRPr lang="fr-FR" sz="2000" dirty="0"/>
+          </a:p>
+          <a:p>
+            <a:pPr marL="0" indent="0">
+              <a:spcBef>
+                <a:spcPts val="500"/>
+              </a:spcBef>
+              <a:buNone/>
+            </a:pPr>
+            <a:r>
+              <a:rPr lang="fr-FR" sz="2000" dirty="0"/>
+              <a:t>=&gt; Montrer aussi </a:t>
+            </a:r>
+            <a:r>
+              <a:rPr lang="fr-FR" sz="2000" dirty="0" err="1"/>
+              <a:t>q’on</a:t>
+            </a:r>
+            <a:r>
+              <a:rPr lang="fr-FR" sz="2000" dirty="0"/>
+              <a:t> peut réduire en réduisant le NN</a:t>
             </a:r>
           </a:p>
           <a:p>
@@ -15493,152 +15793,6 @@
     <p:extLst>
       <p:ext uri="{BB962C8B-B14F-4D97-AF65-F5344CB8AC3E}">
         <p14:creationId xmlns:p14="http://schemas.microsoft.com/office/powerpoint/2010/main" val="3740764185"/>
-      </p:ext>
-    </p:extLst>
-  </p:cSld>
-  <p:clrMapOvr>
-    <a:masterClrMapping/>
-  </p:clrMapOvr>
-</p:sld>
-</file>
-
-<file path=ppt/slides/slide22.xml><?xml version="1.0" encoding="utf-8"?>
-<p:sld xmlns:a="http://schemas.openxmlformats.org/drawingml/2006/main" xmlns:r="http://schemas.openxmlformats.org/officeDocument/2006/relationships" xmlns:p="http://schemas.openxmlformats.org/presentationml/2006/main">
-  <p:cSld>
-    <p:spTree>
-      <p:nvGrpSpPr>
-        <p:cNvPr id="1" name=""/>
-        <p:cNvGrpSpPr/>
-        <p:nvPr/>
-      </p:nvGrpSpPr>
-      <p:grpSpPr>
-        <a:xfrm>
-          <a:off x="0" y="0"/>
-          <a:ext cx="0" cy="0"/>
-          <a:chOff x="0" y="0"/>
-          <a:chExt cx="0" cy="0"/>
-        </a:xfrm>
-      </p:grpSpPr>
-    </p:spTree>
-    <p:extLst>
-      <p:ext uri="{BB962C8B-B14F-4D97-AF65-F5344CB8AC3E}">
-        <p14:creationId xmlns:p14="http://schemas.microsoft.com/office/powerpoint/2010/main" val="2487428684"/>
-      </p:ext>
-    </p:extLst>
-  </p:cSld>
-  <p:clrMapOvr>
-    <a:masterClrMapping/>
-  </p:clrMapOvr>
-</p:sld>
-</file>
-
-<file path=ppt/slides/slide23.xml><?xml version="1.0" encoding="utf-8"?>
-<p:sld xmlns:a="http://schemas.openxmlformats.org/drawingml/2006/main" xmlns:r="http://schemas.openxmlformats.org/officeDocument/2006/relationships" xmlns:p="http://schemas.openxmlformats.org/presentationml/2006/main">
-  <p:cSld>
-    <p:spTree>
-      <p:nvGrpSpPr>
-        <p:cNvPr id="1" name=""/>
-        <p:cNvGrpSpPr/>
-        <p:nvPr/>
-      </p:nvGrpSpPr>
-      <p:grpSpPr>
-        <a:xfrm>
-          <a:off x="0" y="0"/>
-          <a:ext cx="0" cy="0"/>
-          <a:chOff x="0" y="0"/>
-          <a:chExt cx="0" cy="0"/>
-        </a:xfrm>
-      </p:grpSpPr>
-      <p:sp>
-        <p:nvSpPr>
-          <p:cNvPr id="7" name="Titre 6">
-            <a:extLst>
-              <a:ext uri="{FF2B5EF4-FFF2-40B4-BE49-F238E27FC236}">
-                <a16:creationId xmlns:a16="http://schemas.microsoft.com/office/drawing/2014/main" id="{74661C02-29AB-46A2-A889-BEEEBBF4BB83}"/>
-              </a:ext>
-            </a:extLst>
-          </p:cNvPr>
-          <p:cNvSpPr>
-            <a:spLocks noGrp="1"/>
-          </p:cNvSpPr>
-          <p:nvPr>
-            <p:ph type="title"/>
-          </p:nvPr>
-        </p:nvSpPr>
-        <p:spPr/>
-        <p:txBody>
-          <a:bodyPr/>
-          <a:lstStyle/>
-          <a:p>
-            <a:r>
-              <a:rPr lang="fr-FR" dirty="0"/>
-              <a:t>4. Les réseaux de neurones récurrents</a:t>
-            </a:r>
-          </a:p>
-        </p:txBody>
-      </p:sp>
-    </p:spTree>
-    <p:extLst>
-      <p:ext uri="{BB962C8B-B14F-4D97-AF65-F5344CB8AC3E}">
-        <p14:creationId xmlns:p14="http://schemas.microsoft.com/office/powerpoint/2010/main" val="355561837"/>
-      </p:ext>
-    </p:extLst>
-  </p:cSld>
-  <p:clrMapOvr>
-    <a:masterClrMapping/>
-  </p:clrMapOvr>
-</p:sld>
-</file>
-
-<file path=ppt/slides/slide24.xml><?xml version="1.0" encoding="utf-8"?>
-<p:sld xmlns:a="http://schemas.openxmlformats.org/drawingml/2006/main" xmlns:r="http://schemas.openxmlformats.org/officeDocument/2006/relationships" xmlns:p="http://schemas.openxmlformats.org/presentationml/2006/main">
-  <p:cSld>
-    <p:spTree>
-      <p:nvGrpSpPr>
-        <p:cNvPr id="1" name=""/>
-        <p:cNvGrpSpPr/>
-        <p:nvPr/>
-      </p:nvGrpSpPr>
-      <p:grpSpPr>
-        <a:xfrm>
-          <a:off x="0" y="0"/>
-          <a:ext cx="0" cy="0"/>
-          <a:chOff x="0" y="0"/>
-          <a:chExt cx="0" cy="0"/>
-        </a:xfrm>
-      </p:grpSpPr>
-      <p:sp>
-        <p:nvSpPr>
-          <p:cNvPr id="7" name="Titre 6">
-            <a:extLst>
-              <a:ext uri="{FF2B5EF4-FFF2-40B4-BE49-F238E27FC236}">
-                <a16:creationId xmlns:a16="http://schemas.microsoft.com/office/drawing/2014/main" id="{74661C02-29AB-46A2-A889-BEEEBBF4BB83}"/>
-              </a:ext>
-            </a:extLst>
-          </p:cNvPr>
-          <p:cNvSpPr>
-            <a:spLocks noGrp="1"/>
-          </p:cNvSpPr>
-          <p:nvPr>
-            <p:ph type="title"/>
-          </p:nvPr>
-        </p:nvSpPr>
-        <p:spPr/>
-        <p:txBody>
-          <a:bodyPr/>
-          <a:lstStyle/>
-          <a:p>
-            <a:r>
-              <a:rPr lang="fr-FR" dirty="0"/>
-              <a:t>5. Les réseaux de neurones convolutifs</a:t>
-            </a:r>
-          </a:p>
-        </p:txBody>
-      </p:sp>
-    </p:spTree>
-    <p:extLst>
-      <p:ext uri="{BB962C8B-B14F-4D97-AF65-F5344CB8AC3E}">
-        <p14:creationId xmlns:p14="http://schemas.microsoft.com/office/powerpoint/2010/main" val="3197496267"/>
       </p:ext>
     </p:extLst>
   </p:cSld>
@@ -16137,14 +16291,46 @@
             <a:pPr lvl="1"/>
             <a:r>
               <a:rPr lang="fr-FR" sz="2000" dirty="0"/>
-              <a:t>Traitement de l’image : réseaux de neurones convolutifs (CNN), algorithmes de segmentation, etc.</a:t>
+              <a:t>En traitement de l’image : réseaux de neurones (</a:t>
+            </a:r>
+            <a:r>
+              <a:rPr lang="fr-FR" sz="2000" dirty="0" err="1"/>
+              <a:t>NNs</a:t>
+            </a:r>
+            <a:r>
+              <a:rPr lang="fr-FR" sz="2000" dirty="0"/>
+              <a:t>) convolutifs (</a:t>
+            </a:r>
+            <a:r>
+              <a:rPr lang="fr-FR" sz="2000" dirty="0" err="1"/>
+              <a:t>CNNs</a:t>
+            </a:r>
+            <a:r>
+              <a:rPr lang="fr-FR" sz="2000" dirty="0"/>
+              <a:t>), algorithmes de segmentation, etc.</a:t>
             </a:r>
           </a:p>
           <a:p>
             <a:pPr lvl="1"/>
             <a:r>
               <a:rPr lang="fr-FR" sz="2000" dirty="0"/>
-              <a:t>En contrôle : réseaux de neurones récurrents (RNN), algorithmes d’apprentissage par renforcement (RL), etc. </a:t>
+              <a:t>En contrôle : </a:t>
+            </a:r>
+            <a:r>
+              <a:rPr lang="fr-FR" sz="2000" dirty="0" err="1"/>
+              <a:t>NNs</a:t>
+            </a:r>
+            <a:r>
+              <a:rPr lang="fr-FR" sz="2000" dirty="0"/>
+              <a:t> récurrents (</a:t>
+            </a:r>
+            <a:r>
+              <a:rPr lang="fr-FR" sz="2000" dirty="0" err="1"/>
+              <a:t>RNNs</a:t>
+            </a:r>
+            <a:r>
+              <a:rPr lang="fr-FR" sz="2000" dirty="0"/>
+              <a:t>), algorithmes d’apprentissage par renforcement (RL), etc. </a:t>
             </a:r>
           </a:p>
           <a:p>
@@ -16257,7 +16443,7 @@
         </p:blipFill>
         <p:spPr>
           <a:xfrm>
-            <a:off x="4480074" y="2148841"/>
+            <a:off x="2439780" y="2111518"/>
             <a:ext cx="2783282" cy="3368856"/>
           </a:xfrm>
           <a:prstGeom prst="rect">
@@ -16268,6 +16454,42 @@
               <a:schemeClr val="tx1"/>
             </a:solidFill>
           </a:ln>
+        </p:spPr>
+      </p:pic>
+      <p:pic>
+        <p:nvPicPr>
+          <p:cNvPr id="4" name="Image 3">
+            <a:extLst>
+              <a:ext uri="{FF2B5EF4-FFF2-40B4-BE49-F238E27FC236}">
+                <a16:creationId xmlns:a16="http://schemas.microsoft.com/office/drawing/2014/main" id="{AECDA0F8-9A95-4D0E-AC19-8194925B50B6}"/>
+              </a:ext>
+            </a:extLst>
+          </p:cNvPr>
+          <p:cNvPicPr>
+            <a:picLocks noChangeAspect="1"/>
+          </p:cNvPicPr>
+          <p:nvPr/>
+        </p:nvPicPr>
+        <p:blipFill>
+          <a:blip r:embed="rId3">
+            <a:extLst>
+              <a:ext uri="{28A0092B-C50C-407E-A947-70E740481C1C}">
+                <a14:useLocalDpi xmlns:a14="http://schemas.microsoft.com/office/drawing/2010/main" val="0"/>
+              </a:ext>
+            </a:extLst>
+          </a:blip>
+          <a:stretch>
+            <a:fillRect/>
+          </a:stretch>
+        </p:blipFill>
+        <p:spPr>
+          <a:xfrm>
+            <a:off x="6628118" y="2111518"/>
+            <a:ext cx="2354220" cy="3368856"/>
+          </a:xfrm>
+          <a:prstGeom prst="rect">
+            <a:avLst/>
+          </a:prstGeom>
         </p:spPr>
       </p:pic>
     </p:spTree>
@@ -16413,7 +16635,15 @@
           <a:p>
             <a:r>
               <a:rPr lang="fr-FR" sz="2200" dirty="0"/>
-              <a:t>Ressources Python en ligne:</a:t>
+              <a:t>Ressources </a:t>
+            </a:r>
+            <a:r>
+              <a:rPr lang="fr-FR" sz="2200" b="1" dirty="0"/>
+              <a:t>Python</a:t>
+            </a:r>
+            <a:r>
+              <a:rPr lang="fr-FR" sz="2200" dirty="0"/>
+              <a:t> en ligne:</a:t>
             </a:r>
           </a:p>
           <a:p>
@@ -16578,6 +16808,42 @@
           </a:p>
         </p:txBody>
       </p:sp>
+      <p:pic>
+        <p:nvPicPr>
+          <p:cNvPr id="4" name="Image 3">
+            <a:extLst>
+              <a:ext uri="{FF2B5EF4-FFF2-40B4-BE49-F238E27FC236}">
+                <a16:creationId xmlns:a16="http://schemas.microsoft.com/office/drawing/2014/main" id="{6A05936C-6A4E-4A82-96C3-48E44217B829}"/>
+              </a:ext>
+            </a:extLst>
+          </p:cNvPr>
+          <p:cNvPicPr>
+            <a:picLocks noChangeAspect="1"/>
+          </p:cNvPicPr>
+          <p:nvPr/>
+        </p:nvPicPr>
+        <p:blipFill>
+          <a:blip r:embed="rId7">
+            <a:extLst>
+              <a:ext uri="{28A0092B-C50C-407E-A947-70E740481C1C}">
+                <a14:useLocalDpi xmlns:a14="http://schemas.microsoft.com/office/drawing/2010/main" val="0"/>
+              </a:ext>
+            </a:extLst>
+          </a:blip>
+          <a:stretch>
+            <a:fillRect/>
+          </a:stretch>
+        </p:blipFill>
+        <p:spPr>
+          <a:xfrm>
+            <a:off x="8316297" y="2993031"/>
+            <a:ext cx="1058245" cy="1282483"/>
+          </a:xfrm>
+          <a:prstGeom prst="rect">
+            <a:avLst/>
+          </a:prstGeom>
+        </p:spPr>
+      </p:pic>
     </p:spTree>
     <p:extLst>
       <p:ext uri="{BB962C8B-B14F-4D97-AF65-F5344CB8AC3E}">
@@ -16665,10 +16931,10 @@
       </p:sp>
       <p:pic>
         <p:nvPicPr>
-          <p:cNvPr id="6" name="Image 5">
+          <p:cNvPr id="3" name="Image 2">
             <a:extLst>
               <a:ext uri="{FF2B5EF4-FFF2-40B4-BE49-F238E27FC236}">
-                <a16:creationId xmlns:a16="http://schemas.microsoft.com/office/drawing/2014/main" id="{86E1B748-E601-4C09-AAE4-F938A493FE97}"/>
+                <a16:creationId xmlns:a16="http://schemas.microsoft.com/office/drawing/2014/main" id="{67094A5B-856D-4416-AF92-D9310C3A8E4F}"/>
               </a:ext>
             </a:extLst>
           </p:cNvPr>
@@ -16678,15 +16944,21 @@
           <p:nvPr/>
         </p:nvPicPr>
         <p:blipFill>
-          <a:blip r:embed="rId2"/>
+          <a:blip r:embed="rId2">
+            <a:extLst>
+              <a:ext uri="{28A0092B-C50C-407E-A947-70E740481C1C}">
+                <a14:useLocalDpi xmlns:a14="http://schemas.microsoft.com/office/drawing/2010/main" val="0"/>
+              </a:ext>
+            </a:extLst>
+          </a:blip>
           <a:stretch>
             <a:fillRect/>
           </a:stretch>
         </p:blipFill>
         <p:spPr>
           <a:xfrm>
-            <a:off x="3126269" y="3078320"/>
-            <a:ext cx="6048833" cy="2925660"/>
+            <a:off x="3076575" y="3122500"/>
+            <a:ext cx="5576013" cy="2700058"/>
           </a:xfrm>
           <a:prstGeom prst="rect">
             <a:avLst/>

--- a/Intelligence Artificielle et Analyse de donnees.pptx
+++ b/Intelligence Artificielle et Analyse de donnees.pptx
@@ -25,7 +25,9 @@
     <p:sldId id="277" r:id="rId19"/>
     <p:sldId id="272" r:id="rId20"/>
     <p:sldId id="280" r:id="rId21"/>
-    <p:sldId id="281" r:id="rId22"/>
+    <p:sldId id="282" r:id="rId22"/>
+    <p:sldId id="283" r:id="rId23"/>
+    <p:sldId id="281" r:id="rId24"/>
   </p:sldIdLst>
   <p:sldSz cx="12192000" cy="6858000"/>
   <p:notesSz cx="6858000" cy="9144000"/>
@@ -290,7 +292,7 @@
           <a:p>
             <a:fld id="{6744C8BF-8EDA-4728-ABB9-9DEA91F7FC64}" type="datetimeFigureOut">
               <a:rPr lang="fr-FR" smtClean="0"/>
-              <a:t>18/01/2025</a:t>
+              <a:t>19/01/2025</a:t>
             </a:fld>
             <a:endParaRPr lang="fr-FR"/>
           </a:p>
@@ -488,7 +490,7 @@
           <a:p>
             <a:fld id="{6744C8BF-8EDA-4728-ABB9-9DEA91F7FC64}" type="datetimeFigureOut">
               <a:rPr lang="fr-FR" smtClean="0"/>
-              <a:t>18/01/2025</a:t>
+              <a:t>19/01/2025</a:t>
             </a:fld>
             <a:endParaRPr lang="fr-FR"/>
           </a:p>
@@ -696,7 +698,7 @@
           <a:p>
             <a:fld id="{6744C8BF-8EDA-4728-ABB9-9DEA91F7FC64}" type="datetimeFigureOut">
               <a:rPr lang="fr-FR" smtClean="0"/>
-              <a:t>18/01/2025</a:t>
+              <a:t>19/01/2025</a:t>
             </a:fld>
             <a:endParaRPr lang="fr-FR"/>
           </a:p>
@@ -894,7 +896,7 @@
           <a:p>
             <a:fld id="{6744C8BF-8EDA-4728-ABB9-9DEA91F7FC64}" type="datetimeFigureOut">
               <a:rPr lang="fr-FR" smtClean="0"/>
-              <a:t>18/01/2025</a:t>
+              <a:t>19/01/2025</a:t>
             </a:fld>
             <a:endParaRPr lang="fr-FR"/>
           </a:p>
@@ -1169,7 +1171,7 @@
           <a:p>
             <a:fld id="{6744C8BF-8EDA-4728-ABB9-9DEA91F7FC64}" type="datetimeFigureOut">
               <a:rPr lang="fr-FR" smtClean="0"/>
-              <a:t>18/01/2025</a:t>
+              <a:t>19/01/2025</a:t>
             </a:fld>
             <a:endParaRPr lang="fr-FR"/>
           </a:p>
@@ -1434,7 +1436,7 @@
           <a:p>
             <a:fld id="{6744C8BF-8EDA-4728-ABB9-9DEA91F7FC64}" type="datetimeFigureOut">
               <a:rPr lang="fr-FR" smtClean="0"/>
-              <a:t>18/01/2025</a:t>
+              <a:t>19/01/2025</a:t>
             </a:fld>
             <a:endParaRPr lang="fr-FR"/>
           </a:p>
@@ -1846,7 +1848,7 @@
           <a:p>
             <a:fld id="{6744C8BF-8EDA-4728-ABB9-9DEA91F7FC64}" type="datetimeFigureOut">
               <a:rPr lang="fr-FR" smtClean="0"/>
-              <a:t>18/01/2025</a:t>
+              <a:t>19/01/2025</a:t>
             </a:fld>
             <a:endParaRPr lang="fr-FR"/>
           </a:p>
@@ -1987,7 +1989,7 @@
           <a:p>
             <a:fld id="{6744C8BF-8EDA-4728-ABB9-9DEA91F7FC64}" type="datetimeFigureOut">
               <a:rPr lang="fr-FR" smtClean="0"/>
-              <a:t>18/01/2025</a:t>
+              <a:t>19/01/2025</a:t>
             </a:fld>
             <a:endParaRPr lang="fr-FR"/>
           </a:p>
@@ -2100,7 +2102,7 @@
           <a:p>
             <a:fld id="{6744C8BF-8EDA-4728-ABB9-9DEA91F7FC64}" type="datetimeFigureOut">
               <a:rPr lang="fr-FR" smtClean="0"/>
-              <a:t>18/01/2025</a:t>
+              <a:t>19/01/2025</a:t>
             </a:fld>
             <a:endParaRPr lang="fr-FR"/>
           </a:p>
@@ -2411,7 +2413,7 @@
           <a:p>
             <a:fld id="{6744C8BF-8EDA-4728-ABB9-9DEA91F7FC64}" type="datetimeFigureOut">
               <a:rPr lang="fr-FR" smtClean="0"/>
-              <a:t>18/01/2025</a:t>
+              <a:t>19/01/2025</a:t>
             </a:fld>
             <a:endParaRPr lang="fr-FR"/>
           </a:p>
@@ -2699,7 +2701,7 @@
           <a:p>
             <a:fld id="{6744C8BF-8EDA-4728-ABB9-9DEA91F7FC64}" type="datetimeFigureOut">
               <a:rPr lang="fr-FR" smtClean="0"/>
-              <a:t>18/01/2025</a:t>
+              <a:t>19/01/2025</a:t>
             </a:fld>
             <a:endParaRPr lang="fr-FR"/>
           </a:p>
@@ -2940,7 +2942,7 @@
           <a:p>
             <a:fld id="{6744C8BF-8EDA-4728-ABB9-9DEA91F7FC64}" type="datetimeFigureOut">
               <a:rPr lang="fr-FR" smtClean="0"/>
-              <a:t>18/01/2025</a:t>
+              <a:t>19/01/2025</a:t>
             </a:fld>
             <a:endParaRPr lang="fr-FR"/>
           </a:p>
@@ -12221,8 +12223,8 @@
           <a:chExt cx="0" cy="0"/>
         </a:xfrm>
       </p:grpSpPr>
-      <mc:AlternateContent xmlns:mc="http://schemas.openxmlformats.org/markup-compatibility/2006">
-        <mc:Choice xmlns:a14="http://schemas.microsoft.com/office/drawing/2010/main" Requires="a14">
+      <mc:AlternateContent xmlns:mc="http://schemas.openxmlformats.org/markup-compatibility/2006" xmlns:a14="http://schemas.microsoft.com/office/drawing/2010/main">
+        <mc:Choice Requires="a14">
           <p:sp>
             <p:nvSpPr>
               <p:cNvPr id="3" name="Espace réservé du contenu 2">
@@ -13167,7 +13169,7 @@
             </p:txBody>
           </p:sp>
         </mc:Choice>
-        <mc:Fallback>
+        <mc:Fallback xmlns="">
           <p:sp>
             <p:nvSpPr>
               <p:cNvPr id="3" name="Espace réservé du contenu 2">
@@ -14489,8 +14491,8 @@
           <a:chExt cx="0" cy="0"/>
         </a:xfrm>
       </p:grpSpPr>
-      <mc:AlternateContent xmlns:mc="http://schemas.openxmlformats.org/markup-compatibility/2006">
-        <mc:Choice xmlns:a14="http://schemas.microsoft.com/office/drawing/2010/main" Requires="a14">
+      <mc:AlternateContent xmlns:mc="http://schemas.openxmlformats.org/markup-compatibility/2006" xmlns:a14="http://schemas.microsoft.com/office/drawing/2010/main">
+        <mc:Choice Requires="a14">
           <p:sp>
             <p:nvSpPr>
               <p:cNvPr id="3" name="Espace réservé du contenu 2">
@@ -14781,13 +14783,7 @@
                       <a:rPr lang="fr-FR" sz="2000" b="0" i="1" smtClean="0">
                         <a:latin typeface="Cambria Math" panose="02040503050406030204" pitchFamily="18" charset="0"/>
                       </a:rPr>
-                      <m:t>, …</m:t>
-                    </m:r>
-                    <m:r>
-                      <a:rPr lang="fr-FR" sz="2000" b="0" i="1" smtClean="0">
-                        <a:latin typeface="Cambria Math" panose="02040503050406030204" pitchFamily="18" charset="0"/>
-                      </a:rPr>
-                      <m:t>]  </m:t>
+                      <m:t>, …]  </m:t>
                     </m:r>
                   </m:oMath>
                 </a14:m>
@@ -14908,7 +14904,7 @@
             </p:txBody>
           </p:sp>
         </mc:Choice>
-        <mc:Fallback>
+        <mc:Fallback xmlns="">
           <p:sp>
             <p:nvSpPr>
               <p:cNvPr id="3" name="Espace réservé du contenu 2">
@@ -15634,6 +15630,1098 @@
           <a:chExt cx="0" cy="0"/>
         </a:xfrm>
       </p:grpSpPr>
+      <mc:AlternateContent xmlns:mc="http://schemas.openxmlformats.org/markup-compatibility/2006">
+        <mc:Choice xmlns:a14="http://schemas.microsoft.com/office/drawing/2010/main" Requires="a14">
+          <p:sp>
+            <p:nvSpPr>
+              <p:cNvPr id="3" name="Espace réservé du contenu 2">
+                <a:extLst>
+                  <a:ext uri="{FF2B5EF4-FFF2-40B4-BE49-F238E27FC236}">
+                    <a16:creationId xmlns:a16="http://schemas.microsoft.com/office/drawing/2014/main" id="{B59E77B8-2D75-472C-B76C-ABDDE0CAFCD5}"/>
+                  </a:ext>
+                </a:extLst>
+              </p:cNvPr>
+              <p:cNvSpPr>
+                <a:spLocks noGrp="1"/>
+              </p:cNvSpPr>
+              <p:nvPr>
+                <p:ph idx="1"/>
+              </p:nvPr>
+            </p:nvSpPr>
+            <p:spPr>
+              <a:xfrm>
+                <a:off x="531530" y="418632"/>
+                <a:ext cx="10839994" cy="6199881"/>
+              </a:xfrm>
+            </p:spPr>
+            <p:txBody>
+              <a:bodyPr>
+                <a:normAutofit fontScale="92500" lnSpcReduction="20000"/>
+              </a:bodyPr>
+              <a:lstStyle/>
+              <a:p>
+                <a:pPr marL="0" indent="0">
+                  <a:buNone/>
+                </a:pPr>
+                <a:r>
+                  <a:rPr lang="fr-FR" sz="2200" u="sng" dirty="0"/>
+                  <a:t>Implémentation du MLP</a:t>
+                </a:r>
+                <a:r>
+                  <a:rPr lang="fr-FR" sz="2200" dirty="0"/>
+                  <a:t> (</a:t>
+                </a:r>
+                <a:r>
+                  <a:rPr lang="fr-FR" sz="2200" dirty="0" err="1"/>
+                  <a:t>PyTorch</a:t>
+                </a:r>
+                <a:r>
+                  <a:rPr lang="fr-FR" sz="2200" dirty="0"/>
+                  <a:t>):</a:t>
+                </a:r>
+              </a:p>
+              <a:p>
+                <a:pPr marL="0" indent="0">
+                  <a:buNone/>
+                </a:pPr>
+                <a:endParaRPr lang="fr-FR" sz="2200" dirty="0"/>
+              </a:p>
+              <a:p>
+                <a:pPr marL="0" indent="0">
+                  <a:buNone/>
+                </a:pPr>
+                <a:r>
+                  <a:rPr lang="fr-FR" sz="2200" dirty="0"/>
+                  <a:t>Hérite de la classe </a:t>
+                </a:r>
+                <a:r>
+                  <a:rPr lang="fr-FR" sz="2200" i="1" dirty="0" err="1"/>
+                  <a:t>torch.nn.Module</a:t>
+                </a:r>
+                <a:r>
+                  <a:rPr lang="fr-FR" sz="2200" i="1" dirty="0"/>
+                  <a:t>. </a:t>
+                </a:r>
+              </a:p>
+              <a:p>
+                <a:pPr marL="0" indent="0">
+                  <a:buNone/>
+                </a:pPr>
+                <a:r>
+                  <a:rPr lang="fr-FR" sz="2200" dirty="0"/>
+                  <a:t>Exemple pour une entrée de taille </a:t>
+                </a:r>
+                <a14:m>
+                  <m:oMath xmlns:m="http://schemas.openxmlformats.org/officeDocument/2006/math">
+                    <m:r>
+                      <a:rPr lang="fr-FR" sz="2200" i="1" dirty="0" smtClean="0">
+                        <a:latin typeface="Cambria Math" panose="02040503050406030204" pitchFamily="18" charset="0"/>
+                      </a:rPr>
+                      <m:t>3</m:t>
+                    </m:r>
+                  </m:oMath>
+                </a14:m>
+                <a:r>
+                  <a:rPr lang="fr-FR" sz="2200" dirty="0"/>
+                  <a:t>, une matrice </a:t>
+                </a:r>
+                <a14:m>
+                  <m:oMath xmlns:m="http://schemas.openxmlformats.org/officeDocument/2006/math">
+                    <m:sSup>
+                      <m:sSupPr>
+                        <m:ctrlPr>
+                          <a:rPr lang="fr-FR" sz="2200" b="0" i="1" smtClean="0">
+                            <a:latin typeface="Cambria Math" panose="02040503050406030204" pitchFamily="18" charset="0"/>
+                          </a:rPr>
+                        </m:ctrlPr>
+                      </m:sSupPr>
+                      <m:e>
+                        <m:r>
+                          <a:rPr lang="fr-FR" sz="2200" b="0" i="1" smtClean="0">
+                            <a:latin typeface="Cambria Math" panose="02040503050406030204" pitchFamily="18" charset="0"/>
+                          </a:rPr>
+                          <m:t>𝑊</m:t>
+                        </m:r>
+                      </m:e>
+                      <m:sup>
+                        <m:r>
+                          <a:rPr lang="fr-FR" sz="2200" b="0" i="1" smtClean="0">
+                            <a:latin typeface="Cambria Math" panose="02040503050406030204" pitchFamily="18" charset="0"/>
+                          </a:rPr>
+                          <m:t>(1)</m:t>
+                        </m:r>
+                      </m:sup>
+                    </m:sSup>
+                  </m:oMath>
+                </a14:m>
+                <a:r>
+                  <a:rPr lang="fr-FR" sz="2200" dirty="0"/>
+                  <a:t> (couche cachée) de taille </a:t>
+                </a:r>
+                <a14:m>
+                  <m:oMath xmlns:m="http://schemas.openxmlformats.org/officeDocument/2006/math">
+                    <m:r>
+                      <a:rPr lang="fr-FR" sz="2200" b="0" i="1" smtClean="0">
+                        <a:latin typeface="Cambria Math" panose="02040503050406030204" pitchFamily="18" charset="0"/>
+                      </a:rPr>
+                      <m:t>3×32</m:t>
+                    </m:r>
+                  </m:oMath>
+                </a14:m>
+                <a:r>
+                  <a:rPr lang="fr-FR" sz="2200" dirty="0"/>
+                  <a:t>, et une sortie de taille </a:t>
+                </a:r>
+                <a14:m>
+                  <m:oMath xmlns:m="http://schemas.openxmlformats.org/officeDocument/2006/math">
+                    <m:r>
+                      <a:rPr lang="fr-FR" sz="2200" i="1" dirty="0" smtClean="0">
+                        <a:latin typeface="Cambria Math" panose="02040503050406030204" pitchFamily="18" charset="0"/>
+                      </a:rPr>
+                      <m:t>2</m:t>
+                    </m:r>
+                  </m:oMath>
+                </a14:m>
+                <a:r>
+                  <a:rPr lang="fr-FR" sz="2200" dirty="0"/>
+                  <a:t>.</a:t>
+                </a:r>
+              </a:p>
+              <a:p>
+                <a:pPr marL="0" indent="0">
+                  <a:buNone/>
+                </a:pPr>
+                <a:endParaRPr lang="fr-FR" sz="1400" b="0" dirty="0">
+                  <a:solidFill>
+                    <a:srgbClr val="0000FF"/>
+                  </a:solidFill>
+                  <a:effectLst/>
+                  <a:latin typeface="Courier New" panose="02070309020205020404" pitchFamily="49" charset="0"/>
+                </a:endParaRPr>
+              </a:p>
+              <a:p>
+                <a:pPr marL="0" indent="0">
+                  <a:buNone/>
+                </a:pPr>
+                <a:r>
+                  <a:rPr lang="fr-FR" sz="1400" b="0" dirty="0">
+                    <a:solidFill>
+                      <a:srgbClr val="0000FF"/>
+                    </a:solidFill>
+                    <a:effectLst/>
+                    <a:latin typeface="Courier New" panose="02070309020205020404" pitchFamily="49" charset="0"/>
+                  </a:rPr>
+                  <a:t>class</a:t>
+                </a:r>
+                <a:r>
+                  <a:rPr lang="fr-FR" sz="1400" b="0" dirty="0">
+                    <a:solidFill>
+                      <a:srgbClr val="000000"/>
+                    </a:solidFill>
+                    <a:effectLst/>
+                    <a:latin typeface="Courier New" panose="02070309020205020404" pitchFamily="49" charset="0"/>
+                  </a:rPr>
+                  <a:t> </a:t>
+                </a:r>
+                <a:r>
+                  <a:rPr lang="fr-FR" sz="1400" b="0" dirty="0">
+                    <a:solidFill>
+                      <a:srgbClr val="257693"/>
+                    </a:solidFill>
+                    <a:effectLst/>
+                    <a:latin typeface="Courier New" panose="02070309020205020404" pitchFamily="49" charset="0"/>
+                  </a:rPr>
+                  <a:t>MLP</a:t>
+                </a:r>
+                <a:r>
+                  <a:rPr lang="fr-FR" sz="1400" b="0" dirty="0">
+                    <a:solidFill>
+                      <a:srgbClr val="000000"/>
+                    </a:solidFill>
+                    <a:effectLst/>
+                    <a:latin typeface="Courier New" panose="02070309020205020404" pitchFamily="49" charset="0"/>
+                  </a:rPr>
+                  <a:t>(</a:t>
+                </a:r>
+                <a:r>
+                  <a:rPr lang="fr-FR" sz="1400" b="0" dirty="0" err="1">
+                    <a:solidFill>
+                      <a:srgbClr val="257693"/>
+                    </a:solidFill>
+                    <a:effectLst/>
+                    <a:latin typeface="Courier New" panose="02070309020205020404" pitchFamily="49" charset="0"/>
+                  </a:rPr>
+                  <a:t>torch</a:t>
+                </a:r>
+                <a:r>
+                  <a:rPr lang="fr-FR" sz="1400" b="0" dirty="0" err="1">
+                    <a:solidFill>
+                      <a:srgbClr val="000000"/>
+                    </a:solidFill>
+                    <a:effectLst/>
+                    <a:latin typeface="Courier New" panose="02070309020205020404" pitchFamily="49" charset="0"/>
+                  </a:rPr>
+                  <a:t>.</a:t>
+                </a:r>
+                <a:r>
+                  <a:rPr lang="fr-FR" sz="1400" b="0" dirty="0" err="1">
+                    <a:solidFill>
+                      <a:srgbClr val="257693"/>
+                    </a:solidFill>
+                    <a:effectLst/>
+                    <a:latin typeface="Courier New" panose="02070309020205020404" pitchFamily="49" charset="0"/>
+                  </a:rPr>
+                  <a:t>nn</a:t>
+                </a:r>
+                <a:r>
+                  <a:rPr lang="fr-FR" sz="1400" b="0" dirty="0" err="1">
+                    <a:solidFill>
+                      <a:srgbClr val="000000"/>
+                    </a:solidFill>
+                    <a:effectLst/>
+                    <a:latin typeface="Courier New" panose="02070309020205020404" pitchFamily="49" charset="0"/>
+                  </a:rPr>
+                  <a:t>.</a:t>
+                </a:r>
+                <a:r>
+                  <a:rPr lang="fr-FR" sz="1400" b="0" dirty="0" err="1">
+                    <a:solidFill>
+                      <a:srgbClr val="257693"/>
+                    </a:solidFill>
+                    <a:effectLst/>
+                    <a:latin typeface="Courier New" panose="02070309020205020404" pitchFamily="49" charset="0"/>
+                  </a:rPr>
+                  <a:t>Module</a:t>
+                </a:r>
+                <a:r>
+                  <a:rPr lang="fr-FR" sz="1400" b="0" dirty="0">
+                    <a:solidFill>
+                      <a:srgbClr val="000000"/>
+                    </a:solidFill>
+                    <a:effectLst/>
+                    <a:latin typeface="Courier New" panose="02070309020205020404" pitchFamily="49" charset="0"/>
+                  </a:rPr>
+                  <a:t>):</a:t>
+                </a:r>
+              </a:p>
+              <a:p>
+                <a:pPr marL="0" indent="0">
+                  <a:buNone/>
+                </a:pPr>
+                <a:r>
+                  <a:rPr lang="fr-FR" sz="1400" b="0" dirty="0">
+                    <a:solidFill>
+                      <a:srgbClr val="000000"/>
+                    </a:solidFill>
+                    <a:effectLst/>
+                    <a:latin typeface="Courier New" panose="02070309020205020404" pitchFamily="49" charset="0"/>
+                  </a:rPr>
+                  <a:t>    </a:t>
+                </a:r>
+                <a:r>
+                  <a:rPr lang="fr-FR" sz="1400" b="0" dirty="0" err="1">
+                    <a:solidFill>
+                      <a:srgbClr val="0000FF"/>
+                    </a:solidFill>
+                    <a:effectLst/>
+                    <a:latin typeface="Courier New" panose="02070309020205020404" pitchFamily="49" charset="0"/>
+                  </a:rPr>
+                  <a:t>def</a:t>
+                </a:r>
+                <a:r>
+                  <a:rPr lang="fr-FR" sz="1400" b="0" dirty="0">
+                    <a:solidFill>
+                      <a:srgbClr val="000000"/>
+                    </a:solidFill>
+                    <a:effectLst/>
+                    <a:latin typeface="Courier New" panose="02070309020205020404" pitchFamily="49" charset="0"/>
+                  </a:rPr>
+                  <a:t> </a:t>
+                </a:r>
+                <a:r>
+                  <a:rPr lang="fr-FR" sz="1400" b="0" dirty="0">
+                    <a:solidFill>
+                      <a:srgbClr val="795E26"/>
+                    </a:solidFill>
+                    <a:effectLst/>
+                    <a:latin typeface="Courier New" panose="02070309020205020404" pitchFamily="49" charset="0"/>
+                  </a:rPr>
+                  <a:t>__init__</a:t>
+                </a:r>
+                <a:r>
+                  <a:rPr lang="fr-FR" sz="1400" b="0" dirty="0">
+                    <a:solidFill>
+                      <a:srgbClr val="000000"/>
+                    </a:solidFill>
+                    <a:effectLst/>
+                    <a:latin typeface="Courier New" panose="02070309020205020404" pitchFamily="49" charset="0"/>
+                  </a:rPr>
+                  <a:t>(</a:t>
+                </a:r>
+                <a:r>
+                  <a:rPr lang="fr-FR" sz="1400" b="0" dirty="0">
+                    <a:solidFill>
+                      <a:srgbClr val="001080"/>
+                    </a:solidFill>
+                    <a:effectLst/>
+                    <a:latin typeface="Courier New" panose="02070309020205020404" pitchFamily="49" charset="0"/>
+                  </a:rPr>
+                  <a:t>self</a:t>
+                </a:r>
+                <a:r>
+                  <a:rPr lang="fr-FR" sz="1400" b="0" dirty="0">
+                    <a:solidFill>
+                      <a:srgbClr val="000000"/>
+                    </a:solidFill>
+                    <a:effectLst/>
+                    <a:latin typeface="Courier New" panose="02070309020205020404" pitchFamily="49" charset="0"/>
+                  </a:rPr>
+                  <a:t>):</a:t>
+                </a:r>
+              </a:p>
+              <a:p>
+                <a:pPr marL="0" indent="0">
+                  <a:buNone/>
+                </a:pPr>
+                <a:r>
+                  <a:rPr lang="fr-FR" sz="1400" b="0" dirty="0">
+                    <a:solidFill>
+                      <a:srgbClr val="000000"/>
+                    </a:solidFill>
+                    <a:effectLst/>
+                    <a:latin typeface="Courier New" panose="02070309020205020404" pitchFamily="49" charset="0"/>
+                  </a:rPr>
+                  <a:t>        super().</a:t>
+                </a:r>
+                <a:r>
+                  <a:rPr lang="fr-FR" sz="1400" b="0" dirty="0">
+                    <a:solidFill>
+                      <a:srgbClr val="795E26"/>
+                    </a:solidFill>
+                    <a:effectLst/>
+                    <a:latin typeface="Courier New" panose="02070309020205020404" pitchFamily="49" charset="0"/>
+                  </a:rPr>
+                  <a:t>__init__</a:t>
+                </a:r>
+                <a:r>
+                  <a:rPr lang="fr-FR" sz="1400" b="0" dirty="0">
+                    <a:solidFill>
+                      <a:srgbClr val="000000"/>
+                    </a:solidFill>
+                    <a:effectLst/>
+                    <a:latin typeface="Courier New" panose="02070309020205020404" pitchFamily="49" charset="0"/>
+                  </a:rPr>
+                  <a:t>()</a:t>
+                </a:r>
+              </a:p>
+              <a:p>
+                <a:pPr marL="0" indent="0">
+                  <a:buNone/>
+                </a:pPr>
+                <a:r>
+                  <a:rPr lang="fr-FR" sz="1400" b="0" dirty="0">
+                    <a:solidFill>
+                      <a:srgbClr val="000000"/>
+                    </a:solidFill>
+                    <a:effectLst/>
+                    <a:latin typeface="Courier New" panose="02070309020205020404" pitchFamily="49" charset="0"/>
+                  </a:rPr>
+                  <a:t>        </a:t>
+                </a:r>
+                <a:r>
+                  <a:rPr lang="fr-FR" sz="1400" b="0" dirty="0">
+                    <a:solidFill>
+                      <a:srgbClr val="001080"/>
+                    </a:solidFill>
+                    <a:effectLst/>
+                    <a:latin typeface="Courier New" panose="02070309020205020404" pitchFamily="49" charset="0"/>
+                  </a:rPr>
+                  <a:t>self</a:t>
+                </a:r>
+                <a:r>
+                  <a:rPr lang="fr-FR" sz="1400" b="0" dirty="0">
+                    <a:solidFill>
+                      <a:srgbClr val="000000"/>
+                    </a:solidFill>
+                    <a:effectLst/>
+                    <a:latin typeface="Courier New" panose="02070309020205020404" pitchFamily="49" charset="0"/>
+                  </a:rPr>
+                  <a:t>.fc1=</a:t>
+                </a:r>
+                <a:r>
+                  <a:rPr lang="fr-FR" sz="1400" b="0" dirty="0" err="1">
+                    <a:solidFill>
+                      <a:srgbClr val="000000"/>
+                    </a:solidFill>
+                    <a:effectLst/>
+                    <a:latin typeface="Courier New" panose="02070309020205020404" pitchFamily="49" charset="0"/>
+                  </a:rPr>
+                  <a:t>torch.nn.Linear</a:t>
+                </a:r>
+                <a:r>
+                  <a:rPr lang="fr-FR" sz="1400" b="0" dirty="0">
+                    <a:solidFill>
+                      <a:srgbClr val="000000"/>
+                    </a:solidFill>
+                    <a:effectLst/>
+                    <a:latin typeface="Courier New" panose="02070309020205020404" pitchFamily="49" charset="0"/>
+                  </a:rPr>
+                  <a:t>(</a:t>
+                </a:r>
+                <a:r>
+                  <a:rPr lang="fr-FR" sz="1400" dirty="0">
+                    <a:solidFill>
+                      <a:srgbClr val="116644"/>
+                    </a:solidFill>
+                    <a:latin typeface="Courier New" panose="02070309020205020404" pitchFamily="49" charset="0"/>
+                  </a:rPr>
+                  <a:t>3</a:t>
+                </a:r>
+                <a:r>
+                  <a:rPr lang="fr-FR" sz="1400" b="0" dirty="0">
+                    <a:solidFill>
+                      <a:srgbClr val="000000"/>
+                    </a:solidFill>
+                    <a:effectLst/>
+                    <a:latin typeface="Courier New" panose="02070309020205020404" pitchFamily="49" charset="0"/>
+                  </a:rPr>
+                  <a:t>, </a:t>
+                </a:r>
+                <a:r>
+                  <a:rPr lang="fr-FR" sz="1400" b="0" dirty="0">
+                    <a:solidFill>
+                      <a:srgbClr val="116644"/>
+                    </a:solidFill>
+                    <a:effectLst/>
+                    <a:latin typeface="Courier New" panose="02070309020205020404" pitchFamily="49" charset="0"/>
+                  </a:rPr>
+                  <a:t>32</a:t>
+                </a:r>
+                <a:r>
+                  <a:rPr lang="fr-FR" sz="1400" b="0" dirty="0">
+                    <a:solidFill>
+                      <a:srgbClr val="000000"/>
+                    </a:solidFill>
+                    <a:effectLst/>
+                    <a:latin typeface="Courier New" panose="02070309020205020404" pitchFamily="49" charset="0"/>
+                  </a:rPr>
+                  <a:t>) </a:t>
+                </a:r>
+                <a:r>
+                  <a:rPr lang="fr-FR" sz="1500" b="0" dirty="0">
+                    <a:solidFill>
+                      <a:srgbClr val="008000"/>
+                    </a:solidFill>
+                    <a:effectLst/>
+                    <a:latin typeface="Courier New" panose="02070309020205020404" pitchFamily="49" charset="0"/>
+                  </a:rPr>
+                  <a:t># W^1, b^1</a:t>
+                </a:r>
+                <a:endParaRPr lang="fr-FR" sz="1500" b="0" dirty="0">
+                  <a:solidFill>
+                    <a:srgbClr val="000000"/>
+                  </a:solidFill>
+                  <a:effectLst/>
+                  <a:latin typeface="Courier New" panose="02070309020205020404" pitchFamily="49" charset="0"/>
+                </a:endParaRPr>
+              </a:p>
+              <a:p>
+                <a:pPr marL="0" indent="0">
+                  <a:buNone/>
+                </a:pPr>
+                <a:r>
+                  <a:rPr lang="fr-FR" sz="1400" b="0" dirty="0">
+                    <a:solidFill>
+                      <a:srgbClr val="000000"/>
+                    </a:solidFill>
+                    <a:effectLst/>
+                    <a:latin typeface="Courier New" panose="02070309020205020404" pitchFamily="49" charset="0"/>
+                  </a:rPr>
+                  <a:t>        </a:t>
+                </a:r>
+                <a:r>
+                  <a:rPr lang="fr-FR" sz="1400" b="0" dirty="0">
+                    <a:solidFill>
+                      <a:srgbClr val="001080"/>
+                    </a:solidFill>
+                    <a:effectLst/>
+                    <a:latin typeface="Courier New" panose="02070309020205020404" pitchFamily="49" charset="0"/>
+                  </a:rPr>
+                  <a:t>self</a:t>
+                </a:r>
+                <a:r>
+                  <a:rPr lang="fr-FR" sz="1400" b="0" dirty="0">
+                    <a:solidFill>
+                      <a:srgbClr val="000000"/>
+                    </a:solidFill>
+                    <a:effectLst/>
+                    <a:latin typeface="Courier New" panose="02070309020205020404" pitchFamily="49" charset="0"/>
+                  </a:rPr>
+                  <a:t>.fc2=</a:t>
+                </a:r>
+                <a:r>
+                  <a:rPr lang="fr-FR" sz="1400" b="0" dirty="0" err="1">
+                    <a:solidFill>
+                      <a:srgbClr val="000000"/>
+                    </a:solidFill>
+                    <a:effectLst/>
+                    <a:latin typeface="Courier New" panose="02070309020205020404" pitchFamily="49" charset="0"/>
+                  </a:rPr>
+                  <a:t>torch.nn.Linear</a:t>
+                </a:r>
+                <a:r>
+                  <a:rPr lang="fr-FR" sz="1400" b="0" dirty="0">
+                    <a:solidFill>
+                      <a:srgbClr val="000000"/>
+                    </a:solidFill>
+                    <a:effectLst/>
+                    <a:latin typeface="Courier New" panose="02070309020205020404" pitchFamily="49" charset="0"/>
+                  </a:rPr>
+                  <a:t>(</a:t>
+                </a:r>
+                <a:r>
+                  <a:rPr lang="fr-FR" sz="1400" b="0" dirty="0">
+                    <a:solidFill>
+                      <a:srgbClr val="116644"/>
+                    </a:solidFill>
+                    <a:effectLst/>
+                    <a:latin typeface="Courier New" panose="02070309020205020404" pitchFamily="49" charset="0"/>
+                  </a:rPr>
+                  <a:t>32</a:t>
+                </a:r>
+                <a:r>
+                  <a:rPr lang="fr-FR" sz="1400" b="0" dirty="0">
+                    <a:solidFill>
+                      <a:srgbClr val="000000"/>
+                    </a:solidFill>
+                    <a:effectLst/>
+                    <a:latin typeface="Courier New" panose="02070309020205020404" pitchFamily="49" charset="0"/>
+                  </a:rPr>
+                  <a:t>, </a:t>
+                </a:r>
+                <a:r>
+                  <a:rPr lang="fr-FR" sz="1400" dirty="0">
+                    <a:solidFill>
+                      <a:srgbClr val="116644"/>
+                    </a:solidFill>
+                    <a:latin typeface="Courier New" panose="02070309020205020404" pitchFamily="49" charset="0"/>
+                  </a:rPr>
+                  <a:t>2</a:t>
+                </a:r>
+                <a:r>
+                  <a:rPr lang="fr-FR" sz="1400" b="0" dirty="0">
+                    <a:solidFill>
+                      <a:srgbClr val="000000"/>
+                    </a:solidFill>
+                    <a:effectLst/>
+                    <a:latin typeface="Courier New" panose="02070309020205020404" pitchFamily="49" charset="0"/>
+                  </a:rPr>
+                  <a:t>) </a:t>
+                </a:r>
+                <a:r>
+                  <a:rPr lang="fr-FR" sz="1400" b="0" dirty="0">
+                    <a:solidFill>
+                      <a:srgbClr val="008000"/>
+                    </a:solidFill>
+                    <a:effectLst/>
+                    <a:latin typeface="Courier New" panose="02070309020205020404" pitchFamily="49" charset="0"/>
+                  </a:rPr>
+                  <a:t># W^2, b^2</a:t>
+                </a:r>
+                <a:endParaRPr lang="fr-FR" sz="1400" b="0" dirty="0">
+                  <a:solidFill>
+                    <a:srgbClr val="000000"/>
+                  </a:solidFill>
+                  <a:effectLst/>
+                  <a:latin typeface="Courier New" panose="02070309020205020404" pitchFamily="49" charset="0"/>
+                </a:endParaRPr>
+              </a:p>
+              <a:p>
+                <a:pPr marL="0" indent="0">
+                  <a:buNone/>
+                </a:pPr>
+                <a:br>
+                  <a:rPr lang="fr-FR" sz="1400" b="0" dirty="0">
+                    <a:solidFill>
+                      <a:srgbClr val="000000"/>
+                    </a:solidFill>
+                    <a:effectLst/>
+                    <a:latin typeface="Courier New" panose="02070309020205020404" pitchFamily="49" charset="0"/>
+                  </a:rPr>
+                </a:br>
+                <a:r>
+                  <a:rPr lang="fr-FR" sz="1400" b="0" dirty="0">
+                    <a:solidFill>
+                      <a:srgbClr val="000000"/>
+                    </a:solidFill>
+                    <a:effectLst/>
+                    <a:latin typeface="Courier New" panose="02070309020205020404" pitchFamily="49" charset="0"/>
+                  </a:rPr>
+                  <a:t>    </a:t>
+                </a:r>
+                <a:r>
+                  <a:rPr lang="fr-FR" sz="1400" b="0" dirty="0" err="1">
+                    <a:solidFill>
+                      <a:srgbClr val="0000FF"/>
+                    </a:solidFill>
+                    <a:effectLst/>
+                    <a:latin typeface="Courier New" panose="02070309020205020404" pitchFamily="49" charset="0"/>
+                  </a:rPr>
+                  <a:t>def</a:t>
+                </a:r>
+                <a:r>
+                  <a:rPr lang="fr-FR" sz="1400" b="0" dirty="0">
+                    <a:solidFill>
+                      <a:srgbClr val="000000"/>
+                    </a:solidFill>
+                    <a:effectLst/>
+                    <a:latin typeface="Courier New" panose="02070309020205020404" pitchFamily="49" charset="0"/>
+                  </a:rPr>
+                  <a:t> </a:t>
+                </a:r>
+                <a:r>
+                  <a:rPr lang="fr-FR" sz="1400" b="0" dirty="0" err="1">
+                    <a:solidFill>
+                      <a:srgbClr val="795E26"/>
+                    </a:solidFill>
+                    <a:effectLst/>
+                    <a:latin typeface="Courier New" panose="02070309020205020404" pitchFamily="49" charset="0"/>
+                  </a:rPr>
+                  <a:t>forward</a:t>
+                </a:r>
+                <a:r>
+                  <a:rPr lang="fr-FR" sz="1400" b="0" dirty="0">
+                    <a:solidFill>
+                      <a:srgbClr val="000000"/>
+                    </a:solidFill>
+                    <a:effectLst/>
+                    <a:latin typeface="Courier New" panose="02070309020205020404" pitchFamily="49" charset="0"/>
+                  </a:rPr>
+                  <a:t>(</a:t>
+                </a:r>
+                <a:r>
+                  <a:rPr lang="fr-FR" sz="1400" b="0" dirty="0">
+                    <a:solidFill>
+                      <a:srgbClr val="001080"/>
+                    </a:solidFill>
+                    <a:effectLst/>
+                    <a:latin typeface="Courier New" panose="02070309020205020404" pitchFamily="49" charset="0"/>
+                  </a:rPr>
+                  <a:t>self</a:t>
+                </a:r>
+                <a:r>
+                  <a:rPr lang="fr-FR" sz="1400" b="0" dirty="0">
+                    <a:solidFill>
+                      <a:srgbClr val="000000"/>
+                    </a:solidFill>
+                    <a:effectLst/>
+                    <a:latin typeface="Courier New" panose="02070309020205020404" pitchFamily="49" charset="0"/>
+                  </a:rPr>
+                  <a:t>, </a:t>
+                </a:r>
+                <a:r>
+                  <a:rPr lang="fr-FR" sz="1400" b="0" dirty="0">
+                    <a:solidFill>
+                      <a:srgbClr val="001080"/>
+                    </a:solidFill>
+                    <a:effectLst/>
+                    <a:latin typeface="Courier New" panose="02070309020205020404" pitchFamily="49" charset="0"/>
+                  </a:rPr>
+                  <a:t>x</a:t>
+                </a:r>
+                <a:r>
+                  <a:rPr lang="fr-FR" sz="1400" b="0" dirty="0">
+                    <a:solidFill>
+                      <a:srgbClr val="000000"/>
+                    </a:solidFill>
+                    <a:effectLst/>
+                    <a:latin typeface="Courier New" panose="02070309020205020404" pitchFamily="49" charset="0"/>
+                  </a:rPr>
+                  <a:t>): </a:t>
+                </a:r>
+                <a:r>
+                  <a:rPr lang="fr-FR" sz="1400" b="0" dirty="0">
+                    <a:solidFill>
+                      <a:srgbClr val="008000"/>
+                    </a:solidFill>
+                    <a:effectLst/>
+                    <a:latin typeface="Courier New" panose="02070309020205020404" pitchFamily="49" charset="0"/>
+                  </a:rPr>
+                  <a:t># méthode appelée par </a:t>
+                </a:r>
+                <a:r>
+                  <a:rPr lang="fr-FR" sz="1400" b="0" dirty="0" err="1">
+                    <a:solidFill>
+                      <a:srgbClr val="008000"/>
+                    </a:solidFill>
+                    <a:effectLst/>
+                    <a:latin typeface="Courier New" panose="02070309020205020404" pitchFamily="49" charset="0"/>
+                  </a:rPr>
+                  <a:t>MLP.forward</a:t>
+                </a:r>
+                <a:r>
+                  <a:rPr lang="fr-FR" sz="1400" b="0" dirty="0">
+                    <a:solidFill>
+                      <a:srgbClr val="008000"/>
+                    </a:solidFill>
+                    <a:effectLst/>
+                    <a:latin typeface="Courier New" panose="02070309020205020404" pitchFamily="49" charset="0"/>
+                  </a:rPr>
+                  <a:t>(x) ou MLP(x) </a:t>
+                </a:r>
+                <a:endParaRPr lang="fr-FR" sz="1400" b="0" dirty="0">
+                  <a:solidFill>
+                    <a:srgbClr val="000000"/>
+                  </a:solidFill>
+                  <a:effectLst/>
+                  <a:latin typeface="Courier New" panose="02070309020205020404" pitchFamily="49" charset="0"/>
+                </a:endParaRPr>
+              </a:p>
+              <a:p>
+                <a:pPr marL="0" indent="0">
+                  <a:buNone/>
+                </a:pPr>
+                <a:r>
+                  <a:rPr lang="fr-FR" sz="1400" b="0" dirty="0">
+                    <a:solidFill>
+                      <a:srgbClr val="000000"/>
+                    </a:solidFill>
+                    <a:effectLst/>
+                    <a:latin typeface="Courier New" panose="02070309020205020404" pitchFamily="49" charset="0"/>
+                  </a:rPr>
+                  <a:t>        y = </a:t>
+                </a:r>
+                <a:r>
+                  <a:rPr lang="fr-FR" sz="1400" b="0" dirty="0">
+                    <a:solidFill>
+                      <a:srgbClr val="001080"/>
+                    </a:solidFill>
+                    <a:effectLst/>
+                    <a:latin typeface="Courier New" panose="02070309020205020404" pitchFamily="49" charset="0"/>
+                  </a:rPr>
+                  <a:t>self</a:t>
+                </a:r>
+                <a:r>
+                  <a:rPr lang="fr-FR" sz="1400" b="0" dirty="0">
+                    <a:solidFill>
+                      <a:srgbClr val="000000"/>
+                    </a:solidFill>
+                    <a:effectLst/>
+                    <a:latin typeface="Courier New" panose="02070309020205020404" pitchFamily="49" charset="0"/>
+                  </a:rPr>
+                  <a:t>.fc2(</a:t>
+                </a:r>
+                <a:r>
+                  <a:rPr lang="fr-FR" sz="1400" b="0" dirty="0" err="1">
+                    <a:solidFill>
+                      <a:srgbClr val="000000"/>
+                    </a:solidFill>
+                    <a:effectLst/>
+                    <a:latin typeface="Courier New" panose="02070309020205020404" pitchFamily="49" charset="0"/>
+                  </a:rPr>
+                  <a:t>torch.functional.F.relu</a:t>
+                </a:r>
+                <a:r>
+                  <a:rPr lang="fr-FR" sz="1400" b="0" dirty="0">
+                    <a:solidFill>
+                      <a:srgbClr val="000000"/>
+                    </a:solidFill>
+                    <a:effectLst/>
+                    <a:latin typeface="Courier New" panose="02070309020205020404" pitchFamily="49" charset="0"/>
+                  </a:rPr>
+                  <a:t>(</a:t>
+                </a:r>
+                <a:r>
+                  <a:rPr lang="fr-FR" sz="1400" b="0" dirty="0">
+                    <a:solidFill>
+                      <a:srgbClr val="001080"/>
+                    </a:solidFill>
+                    <a:effectLst/>
+                    <a:latin typeface="Courier New" panose="02070309020205020404" pitchFamily="49" charset="0"/>
+                  </a:rPr>
+                  <a:t>self</a:t>
+                </a:r>
+                <a:r>
+                  <a:rPr lang="fr-FR" sz="1400" b="0" dirty="0">
+                    <a:solidFill>
+                      <a:srgbClr val="000000"/>
+                    </a:solidFill>
+                    <a:effectLst/>
+                    <a:latin typeface="Courier New" panose="02070309020205020404" pitchFamily="49" charset="0"/>
+                  </a:rPr>
+                  <a:t>.fc1(x)))</a:t>
+                </a:r>
+              </a:p>
+              <a:p>
+                <a:pPr marL="0" indent="0">
+                  <a:buNone/>
+                </a:pPr>
+                <a:r>
+                  <a:rPr lang="fr-FR" sz="1400" b="0" dirty="0">
+                    <a:solidFill>
+                      <a:srgbClr val="000000"/>
+                    </a:solidFill>
+                    <a:effectLst/>
+                    <a:latin typeface="Courier New" panose="02070309020205020404" pitchFamily="49" charset="0"/>
+                  </a:rPr>
+                  <a:t>        </a:t>
+                </a:r>
+                <a:r>
+                  <a:rPr lang="fr-FR" sz="1400" b="0" dirty="0">
+                    <a:solidFill>
+                      <a:srgbClr val="AF00DB"/>
+                    </a:solidFill>
+                    <a:effectLst/>
+                    <a:latin typeface="Courier New" panose="02070309020205020404" pitchFamily="49" charset="0"/>
+                  </a:rPr>
+                  <a:t>return</a:t>
+                </a:r>
+                <a:r>
+                  <a:rPr lang="fr-FR" sz="1400" b="0" dirty="0">
+                    <a:solidFill>
+                      <a:srgbClr val="000000"/>
+                    </a:solidFill>
+                    <a:effectLst/>
+                    <a:latin typeface="Courier New" panose="02070309020205020404" pitchFamily="49" charset="0"/>
+                  </a:rPr>
+                  <a:t> y</a:t>
+                </a:r>
+              </a:p>
+              <a:p>
+                <a:pPr marL="0" indent="0">
+                  <a:buNone/>
+                </a:pPr>
+                <a:br>
+                  <a:rPr lang="fr-FR" sz="1400" b="0" dirty="0">
+                    <a:solidFill>
+                      <a:srgbClr val="000000"/>
+                    </a:solidFill>
+                    <a:effectLst/>
+                    <a:latin typeface="Courier New" panose="02070309020205020404" pitchFamily="49" charset="0"/>
+                  </a:rPr>
+                </a:br>
+                <a:r>
+                  <a:rPr lang="fr-FR" sz="1400" b="0" dirty="0">
+                    <a:solidFill>
+                      <a:srgbClr val="000000"/>
+                    </a:solidFill>
+                    <a:effectLst/>
+                    <a:latin typeface="Courier New" panose="02070309020205020404" pitchFamily="49" charset="0"/>
+                  </a:rPr>
+                  <a:t>model = MLP()</a:t>
+                </a:r>
+              </a:p>
+              <a:p>
+                <a:pPr marL="0" indent="0">
+                  <a:buNone/>
+                </a:pPr>
+                <a:r>
+                  <a:rPr lang="fr-FR" sz="1400" b="0" dirty="0" err="1">
+                    <a:solidFill>
+                      <a:srgbClr val="795E26"/>
+                    </a:solidFill>
+                    <a:effectLst/>
+                    <a:latin typeface="Courier New" panose="02070309020205020404" pitchFamily="49" charset="0"/>
+                  </a:rPr>
+                  <a:t>print</a:t>
+                </a:r>
+                <a:r>
+                  <a:rPr lang="fr-FR" sz="1400" b="0" dirty="0">
+                    <a:solidFill>
+                      <a:srgbClr val="000000"/>
+                    </a:solidFill>
+                    <a:effectLst/>
+                    <a:latin typeface="Courier New" panose="02070309020205020404" pitchFamily="49" charset="0"/>
+                  </a:rPr>
+                  <a:t>(model)</a:t>
+                </a:r>
+              </a:p>
+              <a:p>
+                <a:pPr marL="0" indent="0">
+                  <a:buNone/>
+                </a:pPr>
+                <a:r>
+                  <a:rPr lang="fr-FR" sz="1400" b="0" dirty="0" err="1">
+                    <a:solidFill>
+                      <a:srgbClr val="795E26"/>
+                    </a:solidFill>
+                    <a:effectLst/>
+                    <a:latin typeface="Courier New" panose="02070309020205020404" pitchFamily="49" charset="0"/>
+                  </a:rPr>
+                  <a:t>print</a:t>
+                </a:r>
+                <a:r>
+                  <a:rPr lang="fr-FR" sz="1400" b="0" dirty="0">
+                    <a:solidFill>
+                      <a:srgbClr val="000000"/>
+                    </a:solidFill>
+                    <a:effectLst/>
+                    <a:latin typeface="Courier New" panose="02070309020205020404" pitchFamily="49" charset="0"/>
+                  </a:rPr>
+                  <a:t>(</a:t>
+                </a:r>
+                <a:r>
+                  <a:rPr lang="fr-FR" sz="1400" b="0" dirty="0" err="1">
+                    <a:solidFill>
+                      <a:srgbClr val="257693"/>
+                    </a:solidFill>
+                    <a:effectLst/>
+                    <a:latin typeface="Courier New" panose="02070309020205020404" pitchFamily="49" charset="0"/>
+                  </a:rPr>
+                  <a:t>list</a:t>
+                </a:r>
+                <a:r>
+                  <a:rPr lang="fr-FR" sz="1400" b="0" dirty="0">
+                    <a:solidFill>
+                      <a:srgbClr val="000000"/>
+                    </a:solidFill>
+                    <a:effectLst/>
+                    <a:latin typeface="Courier New" panose="02070309020205020404" pitchFamily="49" charset="0"/>
+                  </a:rPr>
+                  <a:t>(</a:t>
+                </a:r>
+                <a:r>
+                  <a:rPr lang="fr-FR" sz="1400" b="0" dirty="0" err="1">
+                    <a:solidFill>
+                      <a:srgbClr val="000000"/>
+                    </a:solidFill>
+                    <a:effectLst/>
+                    <a:latin typeface="Courier New" panose="02070309020205020404" pitchFamily="49" charset="0"/>
+                  </a:rPr>
+                  <a:t>model.parameters</a:t>
+                </a:r>
+                <a:r>
+                  <a:rPr lang="fr-FR" sz="1400" b="0" dirty="0">
+                    <a:solidFill>
+                      <a:srgbClr val="000000"/>
+                    </a:solidFill>
+                    <a:effectLst/>
+                    <a:latin typeface="Courier New" panose="02070309020205020404" pitchFamily="49" charset="0"/>
+                  </a:rPr>
+                  <a:t>()))</a:t>
+                </a:r>
+              </a:p>
+              <a:p>
+                <a:pPr marL="0" indent="0">
+                  <a:buNone/>
+                </a:pPr>
+                <a:endParaRPr lang="fr-FR" sz="1400" b="0" dirty="0">
+                  <a:solidFill>
+                    <a:srgbClr val="000000"/>
+                  </a:solidFill>
+                  <a:effectLst/>
+                  <a:latin typeface="Courier New" panose="02070309020205020404" pitchFamily="49" charset="0"/>
+                </a:endParaRPr>
+              </a:p>
+              <a:p>
+                <a:pPr marL="0" indent="0">
+                  <a:buNone/>
+                </a:pPr>
+                <a:r>
+                  <a:rPr lang="fr-FR" sz="2200" b="1" dirty="0"/>
+                  <a:t>Question</a:t>
+                </a:r>
+                <a:r>
+                  <a:rPr lang="fr-FR" sz="2200" dirty="0"/>
+                  <a:t>: de quelle taille sont les vecteurs de biais ?</a:t>
+                </a:r>
+                <a:br>
+                  <a:rPr lang="fr-FR" sz="1400" b="0" dirty="0">
+                    <a:solidFill>
+                      <a:srgbClr val="000000"/>
+                    </a:solidFill>
+                    <a:effectLst/>
+                    <a:latin typeface="Courier New" panose="02070309020205020404" pitchFamily="49" charset="0"/>
+                  </a:rPr>
+                </a:br>
+                <a:endParaRPr lang="fr-FR" sz="1400" b="0" dirty="0">
+                  <a:solidFill>
+                    <a:srgbClr val="000000"/>
+                  </a:solidFill>
+                  <a:effectLst/>
+                  <a:latin typeface="Courier New" panose="02070309020205020404" pitchFamily="49" charset="0"/>
+                </a:endParaRPr>
+              </a:p>
+              <a:p>
+                <a:endParaRPr lang="fr-FR" sz="2000" dirty="0"/>
+              </a:p>
+            </p:txBody>
+          </p:sp>
+        </mc:Choice>
+        <mc:Fallback>
+          <p:sp>
+            <p:nvSpPr>
+              <p:cNvPr id="3" name="Espace réservé du contenu 2">
+                <a:extLst>
+                  <a:ext uri="{FF2B5EF4-FFF2-40B4-BE49-F238E27FC236}">
+                    <a16:creationId xmlns:a16="http://schemas.microsoft.com/office/drawing/2014/main" id="{B59E77B8-2D75-472C-B76C-ABDDE0CAFCD5}"/>
+                  </a:ext>
+                </a:extLst>
+              </p:cNvPr>
+              <p:cNvSpPr>
+                <a:spLocks noGrp="1" noRot="1" noChangeAspect="1" noMove="1" noResize="1" noEditPoints="1" noAdjustHandles="1" noChangeArrowheads="1" noChangeShapeType="1" noTextEdit="1"/>
+              </p:cNvSpPr>
+              <p:nvPr>
+                <p:ph idx="1"/>
+              </p:nvPr>
+            </p:nvSpPr>
+            <p:spPr>
+              <a:xfrm>
+                <a:off x="531530" y="418632"/>
+                <a:ext cx="10839994" cy="6199881"/>
+              </a:xfrm>
+              <a:blipFill>
+                <a:blip r:embed="rId2"/>
+                <a:stretch>
+                  <a:fillRect l="-562" t="-1868"/>
+                </a:stretch>
+              </a:blipFill>
+            </p:spPr>
+            <p:txBody>
+              <a:bodyPr/>
+              <a:lstStyle/>
+              <a:p>
+                <a:r>
+                  <a:rPr lang="fr-FR">
+                    <a:noFill/>
+                  </a:rPr>
+                  <a:t> </a:t>
+                </a:r>
+              </a:p>
+            </p:txBody>
+          </p:sp>
+        </mc:Fallback>
+      </mc:AlternateContent>
+    </p:spTree>
+    <p:extLst>
+      <p:ext uri="{BB962C8B-B14F-4D97-AF65-F5344CB8AC3E}">
+        <p14:creationId xmlns:p14="http://schemas.microsoft.com/office/powerpoint/2010/main" val="3636877294"/>
+      </p:ext>
+    </p:extLst>
+  </p:cSld>
+  <p:clrMapOvr>
+    <a:masterClrMapping/>
+  </p:clrMapOvr>
+</p:sld>
+</file>
+
+<file path=ppt/slides/slide22.xml><?xml version="1.0" encoding="utf-8"?>
+<p:sld xmlns:a="http://schemas.openxmlformats.org/drawingml/2006/main" xmlns:r="http://schemas.openxmlformats.org/officeDocument/2006/relationships" xmlns:p="http://schemas.openxmlformats.org/presentationml/2006/main">
+  <p:cSld>
+    <p:spTree>
+      <p:nvGrpSpPr>
+        <p:cNvPr id="1" name=""/>
+        <p:cNvGrpSpPr/>
+        <p:nvPr/>
+      </p:nvGrpSpPr>
+      <p:grpSpPr>
+        <a:xfrm>
+          <a:off x="0" y="0"/>
+          <a:ext cx="0" cy="0"/>
+          <a:chOff x="0" y="0"/>
+          <a:chExt cx="0" cy="0"/>
+        </a:xfrm>
+      </p:grpSpPr>
       <p:sp>
         <p:nvSpPr>
           <p:cNvPr id="3" name="Espace réservé du contenu 2">
@@ -15652,8 +16740,8 @@
         </p:nvSpPr>
         <p:spPr>
           <a:xfrm>
-            <a:off x="531530" y="418633"/>
-            <a:ext cx="10839994" cy="6021978"/>
+            <a:off x="531530" y="418632"/>
+            <a:ext cx="10839994" cy="6199881"/>
           </a:xfrm>
         </p:spPr>
         <p:txBody>
@@ -15666,129 +16754,533 @@
               <a:buNone/>
             </a:pPr>
             <a:r>
-              <a:rPr lang="fr-FR" sz="2000" u="sng" dirty="0"/>
-              <a:t>Résultats</a:t>
-            </a:r>
-            <a:r>
-              <a:rPr lang="fr-FR" sz="2000" dirty="0"/>
-              <a:t> (problème de régression simple):</a:t>
+              <a:rPr lang="fr-FR" sz="2200" u="sng" dirty="0"/>
+              <a:t>Entraînement du MLP</a:t>
+            </a:r>
+            <a:r>
+              <a:rPr lang="fr-FR" sz="2200" dirty="0"/>
+              <a:t> :</a:t>
             </a:r>
           </a:p>
           <a:p>
             <a:pPr marL="0" indent="0">
-              <a:spcBef>
-                <a:spcPts val="500"/>
-              </a:spcBef>
+              <a:buNone/>
+            </a:pPr>
+            <a:endParaRPr lang="fr-FR" sz="2200" dirty="0"/>
+          </a:p>
+          <a:p>
+            <a:pPr marL="0" indent="0">
+              <a:buNone/>
+            </a:pPr>
+            <a:r>
+              <a:rPr lang="fr-FR" sz="2000" dirty="0" err="1"/>
+              <a:t>PyTorch</a:t>
+            </a:r>
+            <a:r>
+              <a:rPr lang="fr-FR" sz="2000" dirty="0"/>
+              <a:t> propose des outils pour faciliter la chaîne d’actions (</a:t>
+            </a:r>
+            <a:r>
+              <a:rPr lang="fr-FR" sz="2000" i="1" dirty="0"/>
+              <a:t>pipeline</a:t>
+            </a:r>
+            <a:r>
+              <a:rPr lang="fr-FR" sz="2000" dirty="0"/>
+              <a:t>) de l’entraînement :</a:t>
+            </a:r>
+          </a:p>
+          <a:p>
+            <a:r>
+              <a:rPr lang="fr-FR" sz="2000" dirty="0"/>
+              <a:t>Classe </a:t>
+            </a:r>
+            <a:r>
+              <a:rPr lang="fr-FR" sz="2000" dirty="0" err="1"/>
+              <a:t>DataSet</a:t>
+            </a:r>
+            <a:r>
+              <a:rPr lang="fr-FR" sz="2000" dirty="0"/>
+              <a:t> pour la génération des données (</a:t>
+            </a:r>
+            <a:r>
+              <a:rPr lang="fr-FR" sz="2000" i="1" dirty="0"/>
+              <a:t>train set, </a:t>
+            </a:r>
+            <a:r>
+              <a:rPr lang="fr-FR" sz="2000" dirty="0"/>
+              <a:t>et </a:t>
+            </a:r>
+            <a:r>
+              <a:rPr lang="fr-FR" sz="2000" i="1" dirty="0" err="1"/>
+              <a:t>valid</a:t>
+            </a:r>
+            <a:r>
+              <a:rPr lang="fr-FR" sz="2000" i="1" dirty="0"/>
+              <a:t> set</a:t>
+            </a:r>
+            <a:r>
+              <a:rPr lang="fr-FR" sz="2000" dirty="0"/>
+              <a:t>).</a:t>
+            </a:r>
+          </a:p>
+          <a:p>
+            <a:r>
+              <a:rPr lang="fr-FR" sz="2000" dirty="0"/>
+              <a:t>L’implémentation de </a:t>
+            </a:r>
+            <a:r>
+              <a:rPr lang="fr-FR" sz="2000" dirty="0" err="1"/>
+              <a:t>NNs</a:t>
+            </a:r>
+            <a:r>
+              <a:rPr lang="fr-FR" sz="2000" dirty="0"/>
+              <a:t>.</a:t>
+            </a:r>
+          </a:p>
+          <a:p>
+            <a:r>
+              <a:rPr lang="fr-FR" sz="2000" dirty="0"/>
+              <a:t>Des </a:t>
+            </a:r>
+            <a:r>
+              <a:rPr lang="fr-FR" sz="2000" i="1" dirty="0" err="1"/>
+              <a:t>optimizer</a:t>
+            </a:r>
+            <a:r>
+              <a:rPr lang="fr-FR" sz="2000" dirty="0"/>
+              <a:t> pour gérer la descente de gradient et la mise du </a:t>
+            </a:r>
+            <a:r>
+              <a:rPr lang="fr-FR" sz="2000" i="1" dirty="0" err="1"/>
+              <a:t>learning</a:t>
+            </a:r>
+            <a:r>
+              <a:rPr lang="fr-FR" sz="2000" i="1" dirty="0"/>
+              <a:t> rate</a:t>
+            </a:r>
+            <a:r>
+              <a:rPr lang="fr-FR" sz="2000" dirty="0"/>
+              <a:t>.</a:t>
+            </a:r>
+          </a:p>
+          <a:p>
+            <a:pPr marL="0" indent="0">
               <a:buNone/>
             </a:pPr>
             <a:endParaRPr lang="fr-FR" sz="2000" dirty="0"/>
           </a:p>
           <a:p>
             <a:pPr marL="0" indent="0">
-              <a:spcBef>
-                <a:spcPts val="500"/>
-              </a:spcBef>
               <a:buNone/>
             </a:pPr>
             <a:r>
               <a:rPr lang="fr-FR" sz="2000" dirty="0"/>
-              <a:t>Pour N=200, M=100 (M=taille couche cachée)</a:t>
+              <a:t>Dans le code liés à ce cours, vous trouverez un exemple de pipeline. La descente de gradient utilisée est stochastique (</a:t>
+            </a:r>
+            <a:r>
+              <a:rPr lang="fr-FR" sz="2000" i="1" dirty="0" err="1"/>
+              <a:t>stochastic</a:t>
+            </a:r>
+            <a:r>
+              <a:rPr lang="fr-FR" sz="2000" i="1" dirty="0"/>
+              <a:t> gradient </a:t>
+            </a:r>
+            <a:r>
+              <a:rPr lang="fr-FR" sz="2000" i="1" dirty="0" err="1"/>
+              <a:t>descent</a:t>
+            </a:r>
+            <a:r>
+              <a:rPr lang="fr-FR" sz="2000" i="1" dirty="0"/>
+              <a:t>, </a:t>
+            </a:r>
+            <a:r>
+              <a:rPr lang="fr-FR" sz="2000" b="1" dirty="0"/>
+              <a:t>SGD</a:t>
+            </a:r>
+            <a:r>
+              <a:rPr lang="fr-FR" sz="2000" dirty="0"/>
+              <a:t>).</a:t>
             </a:r>
           </a:p>
           <a:p>
             <a:pPr marL="0" indent="0">
-              <a:spcBef>
-                <a:spcPts val="500"/>
-              </a:spcBef>
-              <a:buNone/>
-            </a:pPr>
-            <a:r>
-              <a:rPr lang="fr-FR" sz="2000" dirty="0"/>
-              <a:t>	i) courbe données + sortie MLP 	ii) training / data </a:t>
-            </a:r>
-            <a:r>
-              <a:rPr lang="fr-FR" sz="2000" dirty="0" err="1"/>
-              <a:t>loss</a:t>
-            </a:r>
-            <a:r>
-              <a:rPr lang="fr-FR" sz="2000" dirty="0"/>
-              <a:t>, fonction de N (</a:t>
-            </a:r>
-            <a:r>
-              <a:rPr lang="fr-FR" sz="2000" dirty="0" err="1"/>
-              <a:t>overfit</a:t>
-            </a:r>
-            <a:r>
-              <a:rPr lang="fr-FR" sz="2000" dirty="0"/>
-              <a:t> pour petit N)</a:t>
-            </a:r>
-          </a:p>
-          <a:p>
-            <a:pPr marL="0" indent="0">
-              <a:spcBef>
-                <a:spcPts val="500"/>
-              </a:spcBef>
-              <a:buNone/>
-            </a:pPr>
-            <a:r>
-              <a:rPr lang="fr-FR" sz="2000" dirty="0"/>
-              <a:t>Pour N=10, M=100 (</a:t>
-            </a:r>
-            <a:r>
-              <a:rPr lang="fr-FR" sz="2000" dirty="0" err="1"/>
-              <a:t>overfit</a:t>
-            </a:r>
-            <a:r>
-              <a:rPr lang="fr-FR" sz="2000" dirty="0"/>
-              <a:t>)</a:t>
-            </a:r>
-          </a:p>
-          <a:p>
-            <a:pPr marL="0" indent="0">
-              <a:spcBef>
-                <a:spcPts val="500"/>
-              </a:spcBef>
-              <a:buNone/>
-            </a:pPr>
-            <a:r>
-              <a:rPr lang="fr-FR" sz="2000" dirty="0"/>
-              <a:t>Pour N=10, M=? </a:t>
-            </a:r>
-          </a:p>
-          <a:p>
-            <a:pPr marL="0" indent="0">
-              <a:spcBef>
-                <a:spcPts val="500"/>
-              </a:spcBef>
               <a:buNone/>
             </a:pPr>
             <a:endParaRPr lang="fr-FR" sz="2000" dirty="0"/>
           </a:p>
           <a:p>
             <a:pPr marL="0" indent="0">
-              <a:spcBef>
-                <a:spcPts val="500"/>
-              </a:spcBef>
               <a:buNone/>
             </a:pPr>
             <a:r>
+              <a:rPr lang="fr-FR" sz="2000" u="sng" dirty="0"/>
+              <a:t>Avec SGD</a:t>
+            </a:r>
+            <a:r>
               <a:rPr lang="fr-FR" sz="2000" dirty="0"/>
-              <a:t>=&gt; Montrer aussi </a:t>
-            </a:r>
-            <a:r>
-              <a:rPr lang="fr-FR" sz="2000" dirty="0" err="1"/>
-              <a:t>q’on</a:t>
+              <a:t>, à chaque itération, les données </a:t>
+            </a:r>
+            <a:r>
+              <a:rPr lang="fr-FR" sz="2000" i="1" dirty="0"/>
+              <a:t>train</a:t>
             </a:r>
             <a:r>
               <a:rPr lang="fr-FR" sz="2000" dirty="0"/>
-              <a:t> peut réduire en réduisant le NN</a:t>
+              <a:t> sont découpées en sous-ensemble (</a:t>
+            </a:r>
+            <a:r>
+              <a:rPr lang="fr-FR" sz="2000" b="1" i="1" dirty="0"/>
+              <a:t>mini-batch</a:t>
+            </a:r>
+            <a:r>
+              <a:rPr lang="fr-FR" sz="2000" dirty="0"/>
+              <a:t>) et un calcul de gradient et une mise à jour des paramètres sont faits sur chaque </a:t>
+            </a:r>
+            <a:r>
+              <a:rPr lang="fr-FR" sz="2000" i="1" dirty="0"/>
+              <a:t>mini-batch</a:t>
+            </a:r>
+            <a:r>
+              <a:rPr lang="fr-FR" sz="2000" dirty="0"/>
+              <a:t>. Le découpage est fait aléatoirement à chaque itération (i.e. stochastique). Les avantages sont:</a:t>
             </a:r>
           </a:p>
           <a:p>
-            <a:endParaRPr lang="fr-FR" sz="2000" dirty="0"/>
+            <a:r>
+              <a:rPr lang="fr-FR" sz="2000" dirty="0"/>
+              <a:t>Apprendre plus vite sur les grandes quantités de données (mises à jour plus fréquentes).</a:t>
+            </a:r>
+          </a:p>
+          <a:p>
+            <a:r>
+              <a:rPr lang="fr-FR" sz="2000" dirty="0"/>
+              <a:t>Moins de risque d’être bloqué dans un minimum local.</a:t>
+            </a:r>
           </a:p>
         </p:txBody>
       </p:sp>
+    </p:spTree>
+    <p:extLst>
+      <p:ext uri="{BB962C8B-B14F-4D97-AF65-F5344CB8AC3E}">
+        <p14:creationId xmlns:p14="http://schemas.microsoft.com/office/powerpoint/2010/main" val="2825446870"/>
+      </p:ext>
+    </p:extLst>
+  </p:cSld>
+  <p:clrMapOvr>
+    <a:masterClrMapping/>
+  </p:clrMapOvr>
+</p:sld>
+</file>
+
+<file path=ppt/slides/slide23.xml><?xml version="1.0" encoding="utf-8"?>
+<p:sld xmlns:a="http://schemas.openxmlformats.org/drawingml/2006/main" xmlns:r="http://schemas.openxmlformats.org/officeDocument/2006/relationships" xmlns:p="http://schemas.openxmlformats.org/presentationml/2006/main">
+  <p:cSld>
+    <p:spTree>
+      <p:nvGrpSpPr>
+        <p:cNvPr id="1" name=""/>
+        <p:cNvGrpSpPr/>
+        <p:nvPr/>
+      </p:nvGrpSpPr>
+      <p:grpSpPr>
+        <a:xfrm>
+          <a:off x="0" y="0"/>
+          <a:ext cx="0" cy="0"/>
+          <a:chOff x="0" y="0"/>
+          <a:chExt cx="0" cy="0"/>
+        </a:xfrm>
+      </p:grpSpPr>
+      <mc:AlternateContent xmlns:mc="http://schemas.openxmlformats.org/markup-compatibility/2006">
+        <mc:Choice xmlns:a14="http://schemas.microsoft.com/office/drawing/2010/main" Requires="a14">
+          <p:sp>
+            <p:nvSpPr>
+              <p:cNvPr id="3" name="Espace réservé du contenu 2">
+                <a:extLst>
+                  <a:ext uri="{FF2B5EF4-FFF2-40B4-BE49-F238E27FC236}">
+                    <a16:creationId xmlns:a16="http://schemas.microsoft.com/office/drawing/2014/main" id="{B59E77B8-2D75-472C-B76C-ABDDE0CAFCD5}"/>
+                  </a:ext>
+                </a:extLst>
+              </p:cNvPr>
+              <p:cNvSpPr>
+                <a:spLocks noGrp="1"/>
+              </p:cNvSpPr>
+              <p:nvPr>
+                <p:ph idx="1"/>
+              </p:nvPr>
+            </p:nvSpPr>
+            <p:spPr>
+              <a:xfrm>
+                <a:off x="531530" y="418633"/>
+                <a:ext cx="10839994" cy="6021978"/>
+              </a:xfrm>
+            </p:spPr>
+            <p:txBody>
+              <a:bodyPr>
+                <a:normAutofit/>
+              </a:bodyPr>
+              <a:lstStyle/>
+              <a:p>
+                <a:pPr marL="0" indent="0">
+                  <a:buNone/>
+                </a:pPr>
+                <a:r>
+                  <a:rPr lang="fr-FR" sz="2400" u="sng" dirty="0"/>
+                  <a:t>Résultats</a:t>
+                </a:r>
+                <a:r>
+                  <a:rPr lang="fr-FR" sz="2400" dirty="0"/>
+                  <a:t> (problème de régression simple):</a:t>
+                </a:r>
+                <a:endParaRPr lang="fr-FR" sz="2000" dirty="0"/>
+              </a:p>
+              <a:p>
+                <a:pPr marL="0" indent="0">
+                  <a:spcBef>
+                    <a:spcPts val="500"/>
+                  </a:spcBef>
+                  <a:buNone/>
+                </a:pPr>
+                <a:r>
+                  <a:rPr lang="fr-FR" sz="2000" dirty="0"/>
+                  <a:t>Soit </a:t>
+                </a:r>
+                <a14:m>
+                  <m:oMath xmlns:m="http://schemas.openxmlformats.org/officeDocument/2006/math">
+                    <m:r>
+                      <a:rPr lang="fr-FR" sz="2000" i="1" dirty="0" smtClean="0">
+                        <a:latin typeface="Cambria Math" panose="02040503050406030204" pitchFamily="18" charset="0"/>
+                      </a:rPr>
+                      <m:t>𝑁</m:t>
+                    </m:r>
+                  </m:oMath>
+                </a14:m>
+                <a:r>
+                  <a:rPr lang="fr-FR" sz="2000" dirty="0"/>
+                  <a:t> le nombre de données d’entraînement, et </a:t>
+                </a:r>
+                <a14:m>
+                  <m:oMath xmlns:m="http://schemas.openxmlformats.org/officeDocument/2006/math">
+                    <m:r>
+                      <a:rPr lang="fr-FR" sz="2000" i="1" dirty="0" smtClean="0">
+                        <a:latin typeface="Cambria Math" panose="02040503050406030204" pitchFamily="18" charset="0"/>
+                      </a:rPr>
+                      <m:t>𝑀</m:t>
+                    </m:r>
+                  </m:oMath>
+                </a14:m>
+                <a:r>
+                  <a:rPr lang="fr-FR" sz="2000" dirty="0"/>
+                  <a:t> le nombre de colonnes de </a:t>
+                </a:r>
+                <a14:m>
+                  <m:oMath xmlns:m="http://schemas.openxmlformats.org/officeDocument/2006/math">
+                    <m:sSup>
+                      <m:sSupPr>
+                        <m:ctrlPr>
+                          <a:rPr lang="fr-FR" sz="2000" b="0" i="1" smtClean="0">
+                            <a:latin typeface="Cambria Math" panose="02040503050406030204" pitchFamily="18" charset="0"/>
+                          </a:rPr>
+                        </m:ctrlPr>
+                      </m:sSupPr>
+                      <m:e>
+                        <m:r>
+                          <a:rPr lang="fr-FR" sz="2000" b="0" i="1" smtClean="0">
+                            <a:latin typeface="Cambria Math" panose="02040503050406030204" pitchFamily="18" charset="0"/>
+                          </a:rPr>
+                          <m:t>𝑊</m:t>
+                        </m:r>
+                      </m:e>
+                      <m:sup>
+                        <m:r>
+                          <a:rPr lang="fr-FR" sz="2000" b="0" i="1" smtClean="0">
+                            <a:latin typeface="Cambria Math" panose="02040503050406030204" pitchFamily="18" charset="0"/>
+                          </a:rPr>
+                          <m:t>(1)</m:t>
+                        </m:r>
+                      </m:sup>
+                    </m:sSup>
+                  </m:oMath>
+                </a14:m>
+                <a:r>
+                  <a:rPr lang="fr-FR" sz="2000" dirty="0"/>
+                  <a:t>.</a:t>
+                </a:r>
+              </a:p>
+              <a:p>
+                <a:pPr marL="0" indent="0">
+                  <a:spcBef>
+                    <a:spcPts val="500"/>
+                  </a:spcBef>
+                  <a:buNone/>
+                </a:pPr>
+                <a:r>
+                  <a:rPr lang="fr-FR" sz="2000" dirty="0"/>
+                  <a:t>On se propose d’étudier leur effet sur le sur-apprentissage (</a:t>
+                </a:r>
+                <a:r>
+                  <a:rPr lang="fr-FR" sz="2000" i="1" dirty="0" err="1"/>
+                  <a:t>overfitting</a:t>
+                </a:r>
+                <a:r>
+                  <a:rPr lang="fr-FR" sz="2000" i="1" dirty="0"/>
+                  <a:t>).</a:t>
+                </a:r>
+              </a:p>
+              <a:p>
+                <a:pPr marL="0" indent="0">
+                  <a:spcBef>
+                    <a:spcPts val="500"/>
+                  </a:spcBef>
+                  <a:buNone/>
+                </a:pPr>
+                <a:endParaRPr lang="fr-FR" sz="2000" dirty="0"/>
+              </a:p>
+              <a:p>
+                <a:pPr marL="0" indent="0">
+                  <a:spcBef>
+                    <a:spcPts val="500"/>
+                  </a:spcBef>
+                  <a:buNone/>
+                </a:pPr>
+                <a:r>
+                  <a:rPr lang="fr-FR" sz="2000" dirty="0"/>
+                  <a:t>Pour N=200, M=100 (M=taille couche cachée)</a:t>
+                </a:r>
+              </a:p>
+              <a:p>
+                <a:pPr marL="0" indent="0">
+                  <a:spcBef>
+                    <a:spcPts val="500"/>
+                  </a:spcBef>
+                  <a:buNone/>
+                </a:pPr>
+                <a:r>
+                  <a:rPr lang="fr-FR" sz="2000" dirty="0"/>
+                  <a:t>	i) courbe données + sortie MLP 	ii) training / data </a:t>
+                </a:r>
+                <a:r>
+                  <a:rPr lang="fr-FR" sz="2000" dirty="0" err="1"/>
+                  <a:t>loss</a:t>
+                </a:r>
+                <a:r>
+                  <a:rPr lang="fr-FR" sz="2000" dirty="0"/>
+                  <a:t>, fonction de N (</a:t>
+                </a:r>
+                <a:r>
+                  <a:rPr lang="fr-FR" sz="2000" dirty="0" err="1"/>
+                  <a:t>overfit</a:t>
+                </a:r>
+                <a:r>
+                  <a:rPr lang="fr-FR" sz="2000" dirty="0"/>
+                  <a:t> pour petit N)</a:t>
+                </a:r>
+              </a:p>
+              <a:p>
+                <a:pPr marL="0" indent="0">
+                  <a:spcBef>
+                    <a:spcPts val="500"/>
+                  </a:spcBef>
+                  <a:buNone/>
+                </a:pPr>
+                <a:r>
+                  <a:rPr lang="fr-FR" sz="2000" dirty="0"/>
+                  <a:t>Pour N=10, M=100 (</a:t>
+                </a:r>
+                <a:r>
+                  <a:rPr lang="fr-FR" sz="2000" dirty="0" err="1"/>
+                  <a:t>overfit</a:t>
+                </a:r>
+                <a:r>
+                  <a:rPr lang="fr-FR" sz="2000" dirty="0"/>
+                  <a:t>)</a:t>
+                </a:r>
+              </a:p>
+              <a:p>
+                <a:pPr marL="0" indent="0">
+                  <a:spcBef>
+                    <a:spcPts val="500"/>
+                  </a:spcBef>
+                  <a:buNone/>
+                </a:pPr>
+                <a:r>
+                  <a:rPr lang="fr-FR" sz="2000" dirty="0"/>
+                  <a:t>Pour N=10, M</a:t>
+                </a:r>
+                <a:r>
+                  <a:rPr lang="fr-FR" sz="2000"/>
+                  <a:t>=? </a:t>
+                </a:r>
+                <a:endParaRPr lang="fr-FR" sz="2000" dirty="0"/>
+              </a:p>
+              <a:p>
+                <a:pPr marL="0" indent="0">
+                  <a:spcBef>
+                    <a:spcPts val="500"/>
+                  </a:spcBef>
+                  <a:buNone/>
+                </a:pPr>
+                <a:r>
+                  <a:rPr lang="fr-FR" sz="2000" dirty="0"/>
+                  <a:t>=&gt; Montrer aussi </a:t>
+                </a:r>
+                <a:r>
+                  <a:rPr lang="fr-FR" sz="2000" dirty="0" err="1"/>
+                  <a:t>q’on</a:t>
+                </a:r>
+                <a:r>
+                  <a:rPr lang="fr-FR" sz="2000" dirty="0"/>
+                  <a:t> peut réduire en réduisant le NN</a:t>
+                </a:r>
+              </a:p>
+              <a:p>
+                <a:endParaRPr lang="fr-FR" sz="2000" dirty="0"/>
+              </a:p>
+            </p:txBody>
+          </p:sp>
+        </mc:Choice>
+        <mc:Fallback>
+          <p:sp>
+            <p:nvSpPr>
+              <p:cNvPr id="3" name="Espace réservé du contenu 2">
+                <a:extLst>
+                  <a:ext uri="{FF2B5EF4-FFF2-40B4-BE49-F238E27FC236}">
+                    <a16:creationId xmlns:a16="http://schemas.microsoft.com/office/drawing/2014/main" id="{B59E77B8-2D75-472C-B76C-ABDDE0CAFCD5}"/>
+                  </a:ext>
+                </a:extLst>
+              </p:cNvPr>
+              <p:cNvSpPr>
+                <a:spLocks noGrp="1" noRot="1" noChangeAspect="1" noMove="1" noResize="1" noEditPoints="1" noAdjustHandles="1" noChangeArrowheads="1" noChangeShapeType="1" noTextEdit="1"/>
+              </p:cNvSpPr>
+              <p:nvPr>
+                <p:ph idx="1"/>
+              </p:nvPr>
+            </p:nvSpPr>
+            <p:spPr>
+              <a:xfrm>
+                <a:off x="531530" y="418633"/>
+                <a:ext cx="10839994" cy="6021978"/>
+              </a:xfrm>
+              <a:blipFill>
+                <a:blip r:embed="rId2"/>
+                <a:stretch>
+                  <a:fillRect l="-844" t="-1417"/>
+                </a:stretch>
+              </a:blipFill>
+            </p:spPr>
+            <p:txBody>
+              <a:bodyPr/>
+              <a:lstStyle/>
+              <a:p>
+                <a:r>
+                  <a:rPr lang="fr-FR">
+                    <a:noFill/>
+                  </a:rPr>
+                  <a:t> </a:t>
+                </a:r>
+              </a:p>
+            </p:txBody>
+          </p:sp>
+        </mc:Fallback>
+      </mc:AlternateContent>
     </p:spTree>
     <p:extLst>
       <p:ext uri="{BB962C8B-B14F-4D97-AF65-F5344CB8AC3E}">

--- a/Intelligence Artificielle et Analyse de donnees.pptx
+++ b/Intelligence Artificielle et Analyse de donnees.pptx
@@ -15630,8 +15630,8 @@
           <a:chExt cx="0" cy="0"/>
         </a:xfrm>
       </p:grpSpPr>
-      <mc:AlternateContent xmlns:mc="http://schemas.openxmlformats.org/markup-compatibility/2006">
-        <mc:Choice xmlns:a14="http://schemas.microsoft.com/office/drawing/2010/main" Requires="a14">
+      <mc:AlternateContent xmlns:mc="http://schemas.openxmlformats.org/markup-compatibility/2006" xmlns:a14="http://schemas.microsoft.com/office/drawing/2010/main">
+        <mc:Choice Requires="a14">
           <p:sp>
             <p:nvSpPr>
               <p:cNvPr id="3" name="Espace réservé du contenu 2">
@@ -16648,7 +16648,7 @@
             </p:txBody>
           </p:sp>
         </mc:Choice>
-        <mc:Fallback>
+        <mc:Fallback xmlns="">
           <p:sp>
             <p:nvSpPr>
               <p:cNvPr id="3" name="Espace réservé du contenu 2">
@@ -17055,7 +17055,39 @@
                 </a14:m>
                 <a:r>
                   <a:rPr lang="fr-FR" sz="2000" dirty="0"/>
-                  <a:t> le nombre de données d’entraînement, et </a:t>
+                  <a:t> le nombre de données d’entraînement. Nous fixerons </a:t>
+                </a:r>
+                <a14:m>
+                  <m:oMath xmlns:m="http://schemas.openxmlformats.org/officeDocument/2006/math">
+                    <m:r>
+                      <a:rPr lang="fr-FR" sz="2000" b="0" i="1" smtClean="0">
+                        <a:latin typeface="Cambria Math" panose="02040503050406030204" pitchFamily="18" charset="0"/>
+                      </a:rPr>
+                      <m:t>𝑁</m:t>
+                    </m:r>
+                    <m:r>
+                      <a:rPr lang="fr-FR" sz="2000" b="0" i="1" smtClean="0">
+                        <a:latin typeface="Cambria Math" panose="02040503050406030204" pitchFamily="18" charset="0"/>
+                      </a:rPr>
+                      <m:t>=200</m:t>
+                    </m:r>
+                  </m:oMath>
+                </a14:m>
+                <a:r>
+                  <a:rPr lang="fr-FR" sz="2000" dirty="0"/>
+                  <a:t> (ce sont des données du problème).</a:t>
+                </a:r>
+              </a:p>
+              <a:p>
+                <a:pPr marL="0" indent="0">
+                  <a:spcBef>
+                    <a:spcPts val="500"/>
+                  </a:spcBef>
+                  <a:buNone/>
+                </a:pPr>
+                <a:r>
+                  <a:rPr lang="fr-FR" sz="2000" dirty="0"/>
+                  <a:t>Soit </a:t>
                 </a:r>
                 <a14:m>
                   <m:oMath xmlns:m="http://schemas.openxmlformats.org/officeDocument/2006/math">
@@ -17102,133 +17134,91 @@
                 </a14:m>
                 <a:r>
                   <a:rPr lang="fr-FR" sz="2000" dirty="0"/>
-                  <a:t>.</a:t>
-                </a:r>
-              </a:p>
-              <a:p>
-                <a:pPr marL="0" indent="0">
-                  <a:spcBef>
-                    <a:spcPts val="500"/>
-                  </a:spcBef>
-                  <a:buNone/>
-                </a:pPr>
+                  <a:t>, </a:t>
+                </a:r>
+                <a:r>
+                  <a:rPr lang="fr-FR" sz="2000" i="1" dirty="0" err="1"/>
+                  <a:t>epochs</a:t>
+                </a:r>
+                <a:r>
+                  <a:rPr lang="fr-FR" sz="2000" i="1" dirty="0"/>
+                  <a:t> </a:t>
+                </a:r>
                 <a:r>
                   <a:rPr lang="fr-FR" sz="2000" dirty="0"/>
-                  <a:t>On se propose d’étudier leur effet sur le sur-apprentissage (</a:t>
+                  <a:t>le nombre d’itérations, </a:t>
+                </a:r>
+                <a14:m>
+                  <m:oMath xmlns:m="http://schemas.openxmlformats.org/officeDocument/2006/math">
+                    <m:r>
+                      <a:rPr lang="fr-FR" sz="2000" b="0" i="1" smtClean="0">
+                        <a:latin typeface="Cambria Math" panose="02040503050406030204" pitchFamily="18" charset="0"/>
+                      </a:rPr>
+                      <m:t>𝐿𝑅</m:t>
+                    </m:r>
+                  </m:oMath>
+                </a14:m>
+                <a:r>
+                  <a:rPr lang="fr-FR" sz="2000" dirty="0"/>
+                  <a:t> le </a:t>
                 </a:r>
                 <a:r>
                   <a:rPr lang="fr-FR" sz="2000" i="1" dirty="0" err="1"/>
-                  <a:t>overfitting</a:t>
+                  <a:t>learning</a:t>
                 </a:r>
                 <a:r>
                   <a:rPr lang="fr-FR" sz="2000" i="1" dirty="0"/>
-                  <a:t>).</a:t>
-                </a:r>
-              </a:p>
-              <a:p>
-                <a:pPr marL="0" indent="0">
-                  <a:spcBef>
-                    <a:spcPts val="500"/>
-                  </a:spcBef>
-                  <a:buNone/>
-                </a:pPr>
-                <a:endParaRPr lang="fr-FR" sz="2000" dirty="0"/>
-              </a:p>
-              <a:p>
-                <a:pPr marL="0" indent="0">
-                  <a:spcBef>
-                    <a:spcPts val="500"/>
-                  </a:spcBef>
-                  <a:buNone/>
-                </a:pPr>
+                  <a:t> rate</a:t>
+                </a:r>
                 <a:r>
                   <a:rPr lang="fr-FR" sz="2000" dirty="0"/>
-                  <a:t>Pour N=200, M=100 (M=taille couche cachée)</a:t>
-                </a:r>
-              </a:p>
-              <a:p>
-                <a:pPr marL="0" indent="0">
-                  <a:spcBef>
-                    <a:spcPts val="500"/>
-                  </a:spcBef>
-                  <a:buNone/>
-                </a:pPr>
+                  <a:t>. </a:t>
+                </a:r>
+                <a14:m>
+                  <m:oMath xmlns:m="http://schemas.openxmlformats.org/officeDocument/2006/math">
+                    <m:r>
+                      <a:rPr lang="fr-FR" sz="2000" b="0" i="1" smtClean="0">
+                        <a:latin typeface="Cambria Math" panose="02040503050406030204" pitchFamily="18" charset="0"/>
+                      </a:rPr>
+                      <m:t>𝑀</m:t>
+                    </m:r>
+                    <m:r>
+                      <a:rPr lang="fr-FR" sz="2000" b="0" i="1" smtClean="0">
+                        <a:latin typeface="Cambria Math" panose="02040503050406030204" pitchFamily="18" charset="0"/>
+                      </a:rPr>
+                      <m:t>, </m:t>
+                    </m:r>
+                    <m:r>
+                      <a:rPr lang="fr-FR" sz="2000" b="0" i="1" smtClean="0">
+                        <a:latin typeface="Cambria Math" panose="02040503050406030204" pitchFamily="18" charset="0"/>
+                      </a:rPr>
+                      <m:t>𝑒𝑝𝑜𝑐h𝑠</m:t>
+                    </m:r>
+                    <m:r>
+                      <a:rPr lang="fr-FR" sz="2000" b="0" i="1" smtClean="0">
+                        <a:latin typeface="Cambria Math" panose="02040503050406030204" pitchFamily="18" charset="0"/>
+                      </a:rPr>
+                      <m:t>, </m:t>
+                    </m:r>
+                    <m:r>
+                      <a:rPr lang="fr-FR" sz="2000" b="0" i="1" smtClean="0">
+                        <a:latin typeface="Cambria Math" panose="02040503050406030204" pitchFamily="18" charset="0"/>
+                      </a:rPr>
+                      <m:t>𝐿𝑅</m:t>
+                    </m:r>
+                  </m:oMath>
+                </a14:m>
                 <a:r>
                   <a:rPr lang="fr-FR" sz="2000" dirty="0"/>
-                  <a:t>	i) courbe données + sortie MLP 	ii) training / data </a:t>
-                </a:r>
-                <a:r>
-                  <a:rPr lang="fr-FR" sz="2000" dirty="0" err="1"/>
-                  <a:t>loss</a:t>
+                  <a:t> sont des réglages (</a:t>
+                </a:r>
+                <a:r>
+                  <a:rPr lang="fr-FR" sz="2000" b="1" dirty="0"/>
+                  <a:t>hyperparamètres</a:t>
                 </a:r>
                 <a:r>
                   <a:rPr lang="fr-FR" sz="2000" dirty="0"/>
-                  <a:t>, fonction de N (</a:t>
-                </a:r>
-                <a:r>
-                  <a:rPr lang="fr-FR" sz="2000" dirty="0" err="1"/>
-                  <a:t>overfit</a:t>
-                </a:r>
-                <a:r>
-                  <a:rPr lang="fr-FR" sz="2000" dirty="0"/>
-                  <a:t> pour petit N)</a:t>
-                </a:r>
-              </a:p>
-              <a:p>
-                <a:pPr marL="0" indent="0">
-                  <a:spcBef>
-                    <a:spcPts val="500"/>
-                  </a:spcBef>
-                  <a:buNone/>
-                </a:pPr>
-                <a:r>
-                  <a:rPr lang="fr-FR" sz="2000" dirty="0"/>
-                  <a:t>Pour N=10, M=100 (</a:t>
-                </a:r>
-                <a:r>
-                  <a:rPr lang="fr-FR" sz="2000" dirty="0" err="1"/>
-                  <a:t>overfit</a:t>
-                </a:r>
-                <a:r>
-                  <a:rPr lang="fr-FR" sz="2000" dirty="0"/>
-                  <a:t>)</a:t>
-                </a:r>
-              </a:p>
-              <a:p>
-                <a:pPr marL="0" indent="0">
-                  <a:spcBef>
-                    <a:spcPts val="500"/>
-                  </a:spcBef>
-                  <a:buNone/>
-                </a:pPr>
-                <a:r>
-                  <a:rPr lang="fr-FR" sz="2000" dirty="0"/>
-                  <a:t>Pour N=10, M</a:t>
-                </a:r>
-                <a:r>
-                  <a:rPr lang="fr-FR" sz="2000"/>
-                  <a:t>=? </a:t>
-                </a:r>
-                <a:endParaRPr lang="fr-FR" sz="2000" dirty="0"/>
-              </a:p>
-              <a:p>
-                <a:pPr marL="0" indent="0">
-                  <a:spcBef>
-                    <a:spcPts val="500"/>
-                  </a:spcBef>
-                  <a:buNone/>
-                </a:pPr>
-                <a:r>
-                  <a:rPr lang="fr-FR" sz="2000" dirty="0"/>
-                  <a:t>=&gt; Montrer aussi </a:t>
-                </a:r>
-                <a:r>
-                  <a:rPr lang="fr-FR" sz="2000" dirty="0" err="1"/>
-                  <a:t>q’on</a:t>
-                </a:r>
-                <a:r>
-                  <a:rPr lang="fr-FR" sz="2000" dirty="0"/>
-                  <a:t> peut réduire en réduisant le NN</a:t>
+                  <a:t>) de l’entraînement.</a:t>
                 </a:r>
               </a:p>
               <a:p>
@@ -17281,6 +17271,96 @@
           </p:sp>
         </mc:Fallback>
       </mc:AlternateContent>
+      <p:pic>
+        <p:nvPicPr>
+          <p:cNvPr id="6" name="Image 5">
+            <a:extLst>
+              <a:ext uri="{FF2B5EF4-FFF2-40B4-BE49-F238E27FC236}">
+                <a16:creationId xmlns:a16="http://schemas.microsoft.com/office/drawing/2014/main" id="{2990199D-F656-4C5B-82A7-601DD27C0135}"/>
+              </a:ext>
+            </a:extLst>
+          </p:cNvPr>
+          <p:cNvPicPr>
+            <a:picLocks noChangeAspect="1"/>
+          </p:cNvPicPr>
+          <p:nvPr/>
+        </p:nvPicPr>
+        <p:blipFill>
+          <a:blip r:embed="rId3"/>
+          <a:stretch>
+            <a:fillRect/>
+          </a:stretch>
+        </p:blipFill>
+        <p:spPr>
+          <a:xfrm>
+            <a:off x="584767" y="2545647"/>
+            <a:ext cx="3153699" cy="2156934"/>
+          </a:xfrm>
+          <a:prstGeom prst="rect">
+            <a:avLst/>
+          </a:prstGeom>
+        </p:spPr>
+      </p:pic>
+      <p:pic>
+        <p:nvPicPr>
+          <p:cNvPr id="8" name="Image 7">
+            <a:extLst>
+              <a:ext uri="{FF2B5EF4-FFF2-40B4-BE49-F238E27FC236}">
+                <a16:creationId xmlns:a16="http://schemas.microsoft.com/office/drawing/2014/main" id="{B8211090-DAAC-4290-AEC9-19DE86F91877}"/>
+              </a:ext>
+            </a:extLst>
+          </p:cNvPr>
+          <p:cNvPicPr>
+            <a:picLocks noChangeAspect="1"/>
+          </p:cNvPicPr>
+          <p:nvPr/>
+        </p:nvPicPr>
+        <p:blipFill>
+          <a:blip r:embed="rId4"/>
+          <a:stretch>
+            <a:fillRect/>
+          </a:stretch>
+        </p:blipFill>
+        <p:spPr>
+          <a:xfrm>
+            <a:off x="8014077" y="2545647"/>
+            <a:ext cx="3104677" cy="2156934"/>
+          </a:xfrm>
+          <a:prstGeom prst="rect">
+            <a:avLst/>
+          </a:prstGeom>
+        </p:spPr>
+      </p:pic>
+      <p:pic>
+        <p:nvPicPr>
+          <p:cNvPr id="10" name="Image 9">
+            <a:extLst>
+              <a:ext uri="{FF2B5EF4-FFF2-40B4-BE49-F238E27FC236}">
+                <a16:creationId xmlns:a16="http://schemas.microsoft.com/office/drawing/2014/main" id="{9C2C3BC3-D72D-4365-97ED-911CACCB1D18}"/>
+              </a:ext>
+            </a:extLst>
+          </p:cNvPr>
+          <p:cNvPicPr>
+            <a:picLocks noChangeAspect="1"/>
+          </p:cNvPicPr>
+          <p:nvPr/>
+        </p:nvPicPr>
+        <p:blipFill>
+          <a:blip r:embed="rId5"/>
+          <a:stretch>
+            <a:fillRect/>
+          </a:stretch>
+        </p:blipFill>
+        <p:spPr>
+          <a:xfrm>
+            <a:off x="4323932" y="2545647"/>
+            <a:ext cx="3104678" cy="2156934"/>
+          </a:xfrm>
+          <a:prstGeom prst="rect">
+            <a:avLst/>
+          </a:prstGeom>
+        </p:spPr>
+      </p:pic>
     </p:spTree>
     <p:extLst>
       <p:ext uri="{BB962C8B-B14F-4D97-AF65-F5344CB8AC3E}">

--- a/Intelligence Artificielle et Analyse de donnees.pptx
+++ b/Intelligence Artificielle et Analyse de donnees.pptx
@@ -14245,7 +14245,7 @@
             </a:pPr>
             <a:r>
               <a:rPr lang="fr-FR" sz="2000" dirty="0"/>
-              <a:t>Prérequis (programmation-mathématiques)</a:t>
+              <a:t>Prérequis -ressources (programmation-mathématiques)</a:t>
             </a:r>
           </a:p>
           <a:p>
@@ -16989,8 +16989,8 @@
           <a:chExt cx="0" cy="0"/>
         </a:xfrm>
       </p:grpSpPr>
-      <mc:AlternateContent xmlns:mc="http://schemas.openxmlformats.org/markup-compatibility/2006">
-        <mc:Choice xmlns:a14="http://schemas.microsoft.com/office/drawing/2010/main" Requires="a14">
+      <mc:AlternateContent xmlns:mc="http://schemas.openxmlformats.org/markup-compatibility/2006" xmlns:a14="http://schemas.microsoft.com/office/drawing/2010/main">
+        <mc:Choice Requires="a14">
           <p:sp>
             <p:nvSpPr>
               <p:cNvPr id="3" name="Espace réservé du contenu 2">
@@ -17227,7 +17227,7 @@
             </p:txBody>
           </p:sp>
         </mc:Choice>
-        <mc:Fallback>
+        <mc:Fallback xmlns="">
           <p:sp>
             <p:nvSpPr>
               <p:cNvPr id="3" name="Espace réservé du contenu 2">
@@ -17982,7 +17982,7 @@
           <a:p>
             <a:r>
               <a:rPr lang="fr-FR" dirty="0"/>
-              <a:t>2. Prérequis (programmation-mathématiques)</a:t>
+              <a:t>2. Prérequis -ressources (programmation-mathématiques)</a:t>
             </a:r>
           </a:p>
         </p:txBody>
@@ -18113,7 +18113,7 @@
         <p:spPr>
           <a:xfrm>
             <a:off x="537750" y="450389"/>
-            <a:ext cx="10839994" cy="5785077"/>
+            <a:ext cx="10839994" cy="6093480"/>
           </a:xfrm>
         </p:spPr>
         <p:txBody>
@@ -18263,21 +18263,6 @@
             </a:r>
           </a:p>
           <a:p>
-            <a:pPr lvl="1"/>
-            <a:r>
-              <a:rPr lang="fr-FR" sz="2000" dirty="0"/>
-              <a:t>Cours sur la Librairie </a:t>
-            </a:r>
-            <a:r>
-              <a:rPr lang="fr-FR" sz="2000" dirty="0" err="1"/>
-              <a:t>NumPy</a:t>
-            </a:r>
-            <a:r>
-              <a:rPr lang="fr-FR" sz="2000" dirty="0"/>
-              <a:t> :</a:t>
-            </a:r>
-          </a:p>
-          <a:p>
             <a:pPr lvl="2"/>
             <a:r>
               <a:rPr lang="fr-FR" sz="1600" dirty="0">
@@ -18294,7 +18279,7 @@
             <a:pPr lvl="1"/>
             <a:r>
               <a:rPr lang="fr-FR" sz="2000" dirty="0"/>
-              <a:t>Programmer en ligne :</a:t>
+              <a:t>Installation (programmer en local)</a:t>
             </a:r>
           </a:p>
           <a:p>
@@ -18303,7 +18288,7 @@
               <a:rPr lang="fr-FR" sz="1600" dirty="0">
                 <a:hlinkClick r:id="rId5"/>
               </a:rPr>
-              <a:t>https://www.programiz.com/python-programming/online-compiler/</a:t>
+              <a:t>https://anaconda.org</a:t>
             </a:r>
             <a:r>
               <a:rPr lang="fr-FR" sz="1600" dirty="0"/>
@@ -18316,12 +18301,49 @@
               <a:rPr lang="fr-FR" sz="1600" dirty="0">
                 <a:hlinkClick r:id="rId6"/>
               </a:rPr>
-              <a:t>https://colab.research.google.com/</a:t>
+              <a:t>https://pytorch.org/get-started/locally/</a:t>
             </a:r>
             <a:r>
               <a:rPr lang="fr-FR" sz="1600" dirty="0"/>
               <a:t> </a:t>
             </a:r>
+          </a:p>
+          <a:p>
+            <a:pPr lvl="1"/>
+            <a:r>
+              <a:rPr lang="fr-FR" sz="2000" dirty="0"/>
+              <a:t>Programmer en ligne :</a:t>
+            </a:r>
+          </a:p>
+          <a:p>
+            <a:pPr lvl="2"/>
+            <a:r>
+              <a:rPr lang="fr-FR" sz="1600" dirty="0">
+                <a:hlinkClick r:id="rId7"/>
+              </a:rPr>
+              <a:t>https://www.programiz.com/python-programming/online-compiler/</a:t>
+            </a:r>
+            <a:r>
+              <a:rPr lang="fr-FR" sz="1600" dirty="0"/>
+              <a:t> </a:t>
+            </a:r>
+          </a:p>
+          <a:p>
+            <a:pPr lvl="2"/>
+            <a:r>
+              <a:rPr lang="fr-FR" sz="1600" dirty="0">
+                <a:hlinkClick r:id="rId8"/>
+              </a:rPr>
+              <a:t>https://colab.research.google.com/</a:t>
+            </a:r>
+            <a:r>
+              <a:rPr lang="fr-FR" sz="1600" dirty="0"/>
+              <a:t> </a:t>
+            </a:r>
+          </a:p>
+          <a:p>
+            <a:pPr lvl="1"/>
+            <a:endParaRPr lang="fr-FR" sz="2000" dirty="0"/>
           </a:p>
           <a:p>
             <a:pPr marL="914400" lvl="1" indent="-457200">
@@ -18395,7 +18417,7 @@
           <p:nvPr/>
         </p:nvPicPr>
         <p:blipFill>
-          <a:blip r:embed="rId7">
+          <a:blip r:embed="rId9">
             <a:extLst>
               <a:ext uri="{28A0092B-C50C-407E-A947-70E740481C1C}">
                 <a14:useLocalDpi xmlns:a14="http://schemas.microsoft.com/office/drawing/2010/main" val="0"/>

--- a/Intelligence Artificielle et Analyse de donnees.pptx
+++ b/Intelligence Artificielle et Analyse de donnees.pptx
@@ -292,7 +292,7 @@
           <a:p>
             <a:fld id="{6744C8BF-8EDA-4728-ABB9-9DEA91F7FC64}" type="datetimeFigureOut">
               <a:rPr lang="fr-FR" smtClean="0"/>
-              <a:t>19/01/2025</a:t>
+              <a:t>22/01/2025</a:t>
             </a:fld>
             <a:endParaRPr lang="fr-FR"/>
           </a:p>
@@ -490,7 +490,7 @@
           <a:p>
             <a:fld id="{6744C8BF-8EDA-4728-ABB9-9DEA91F7FC64}" type="datetimeFigureOut">
               <a:rPr lang="fr-FR" smtClean="0"/>
-              <a:t>19/01/2025</a:t>
+              <a:t>22/01/2025</a:t>
             </a:fld>
             <a:endParaRPr lang="fr-FR"/>
           </a:p>
@@ -698,7 +698,7 @@
           <a:p>
             <a:fld id="{6744C8BF-8EDA-4728-ABB9-9DEA91F7FC64}" type="datetimeFigureOut">
               <a:rPr lang="fr-FR" smtClean="0"/>
-              <a:t>19/01/2025</a:t>
+              <a:t>22/01/2025</a:t>
             </a:fld>
             <a:endParaRPr lang="fr-FR"/>
           </a:p>
@@ -896,7 +896,7 @@
           <a:p>
             <a:fld id="{6744C8BF-8EDA-4728-ABB9-9DEA91F7FC64}" type="datetimeFigureOut">
               <a:rPr lang="fr-FR" smtClean="0"/>
-              <a:t>19/01/2025</a:t>
+              <a:t>22/01/2025</a:t>
             </a:fld>
             <a:endParaRPr lang="fr-FR"/>
           </a:p>
@@ -1171,7 +1171,7 @@
           <a:p>
             <a:fld id="{6744C8BF-8EDA-4728-ABB9-9DEA91F7FC64}" type="datetimeFigureOut">
               <a:rPr lang="fr-FR" smtClean="0"/>
-              <a:t>19/01/2025</a:t>
+              <a:t>22/01/2025</a:t>
             </a:fld>
             <a:endParaRPr lang="fr-FR"/>
           </a:p>
@@ -1436,7 +1436,7 @@
           <a:p>
             <a:fld id="{6744C8BF-8EDA-4728-ABB9-9DEA91F7FC64}" type="datetimeFigureOut">
               <a:rPr lang="fr-FR" smtClean="0"/>
-              <a:t>19/01/2025</a:t>
+              <a:t>22/01/2025</a:t>
             </a:fld>
             <a:endParaRPr lang="fr-FR"/>
           </a:p>
@@ -1848,7 +1848,7 @@
           <a:p>
             <a:fld id="{6744C8BF-8EDA-4728-ABB9-9DEA91F7FC64}" type="datetimeFigureOut">
               <a:rPr lang="fr-FR" smtClean="0"/>
-              <a:t>19/01/2025</a:t>
+              <a:t>22/01/2025</a:t>
             </a:fld>
             <a:endParaRPr lang="fr-FR"/>
           </a:p>
@@ -1989,7 +1989,7 @@
           <a:p>
             <a:fld id="{6744C8BF-8EDA-4728-ABB9-9DEA91F7FC64}" type="datetimeFigureOut">
               <a:rPr lang="fr-FR" smtClean="0"/>
-              <a:t>19/01/2025</a:t>
+              <a:t>22/01/2025</a:t>
             </a:fld>
             <a:endParaRPr lang="fr-FR"/>
           </a:p>
@@ -2102,7 +2102,7 @@
           <a:p>
             <a:fld id="{6744C8BF-8EDA-4728-ABB9-9DEA91F7FC64}" type="datetimeFigureOut">
               <a:rPr lang="fr-FR" smtClean="0"/>
-              <a:t>19/01/2025</a:t>
+              <a:t>22/01/2025</a:t>
             </a:fld>
             <a:endParaRPr lang="fr-FR"/>
           </a:p>
@@ -2413,7 +2413,7 @@
           <a:p>
             <a:fld id="{6744C8BF-8EDA-4728-ABB9-9DEA91F7FC64}" type="datetimeFigureOut">
               <a:rPr lang="fr-FR" smtClean="0"/>
-              <a:t>19/01/2025</a:t>
+              <a:t>22/01/2025</a:t>
             </a:fld>
             <a:endParaRPr lang="fr-FR"/>
           </a:p>
@@ -2701,7 +2701,7 @@
           <a:p>
             <a:fld id="{6744C8BF-8EDA-4728-ABB9-9DEA91F7FC64}" type="datetimeFigureOut">
               <a:rPr lang="fr-FR" smtClean="0"/>
-              <a:t>19/01/2025</a:t>
+              <a:t>22/01/2025</a:t>
             </a:fld>
             <a:endParaRPr lang="fr-FR"/>
           </a:p>
@@ -2942,7 +2942,7 @@
           <a:p>
             <a:fld id="{6744C8BF-8EDA-4728-ABB9-9DEA91F7FC64}" type="datetimeFigureOut">
               <a:rPr lang="fr-FR" smtClean="0"/>
-              <a:t>19/01/2025</a:t>
+              <a:t>22/01/2025</a:t>
             </a:fld>
             <a:endParaRPr lang="fr-FR"/>
           </a:p>
@@ -3593,8 +3593,8 @@
           <a:chExt cx="0" cy="0"/>
         </a:xfrm>
       </p:grpSpPr>
-      <mc:AlternateContent xmlns:mc="http://schemas.openxmlformats.org/markup-compatibility/2006" xmlns:a14="http://schemas.microsoft.com/office/drawing/2010/main">
-        <mc:Choice Requires="a14">
+      <mc:AlternateContent xmlns:mc="http://schemas.openxmlformats.org/markup-compatibility/2006">
+        <mc:Choice xmlns:a14="http://schemas.microsoft.com/office/drawing/2010/main" Requires="a14">
           <p:sp>
             <p:nvSpPr>
               <p:cNvPr id="3" name="Espace réservé du contenu 2">
@@ -4196,202 +4196,329 @@
                       </a:schemeClr>
                     </a:solidFill>
                   </a:rPr>
-                  <a:t>Et une fonction de coût « moindre carrés »:</a:t>
-                </a:r>
-              </a:p>
-              <a:p>
-                <a:pPr marL="0" indent="0">
+                  <a:t>Et une fonction de coût « moindre carrés » (moyenné):</a:t>
+                </a:r>
+              </a:p>
+              <a:p>
+                <a:pPr marL="0" indent="0" algn="ctr">
                   <a:buNone/>
                 </a:pPr>
                 <a14:m>
-                  <m:oMathPara xmlns:m="http://schemas.openxmlformats.org/officeDocument/2006/math">
-                    <m:oMathParaPr>
-                      <m:jc m:val="centerGroup"/>
-                    </m:oMathParaPr>
-                    <m:oMath xmlns:m="http://schemas.openxmlformats.org/officeDocument/2006/math">
-                      <m:r>
-                        <a:rPr lang="fr-FR" sz="2000" b="0" i="1" smtClean="0">
-                          <a:solidFill>
-                            <a:schemeClr val="bg2">
-                              <a:lumMod val="50000"/>
-                            </a:schemeClr>
-                          </a:solidFill>
-                          <a:latin typeface="Cambria Math" panose="02040503050406030204" pitchFamily="18" charset="0"/>
-                        </a:rPr>
-                        <m:t>𝐿</m:t>
-                      </m:r>
-                      <m:r>
-                        <a:rPr lang="fr-FR" sz="2000" b="0" i="1" smtClean="0">
-                          <a:solidFill>
-                            <a:schemeClr val="bg2">
-                              <a:lumMod val="50000"/>
-                            </a:schemeClr>
-                          </a:solidFill>
-                          <a:latin typeface="Cambria Math" panose="02040503050406030204" pitchFamily="18" charset="0"/>
-                        </a:rPr>
-                        <m:t>=</m:t>
-                      </m:r>
-                      <m:f>
-                        <m:fPr>
-                          <m:ctrlPr>
-                            <a:rPr lang="fr-FR" sz="2000" b="0" i="1" smtClean="0">
-                              <a:solidFill>
-                                <a:schemeClr val="bg2">
-                                  <a:lumMod val="50000"/>
-                                </a:schemeClr>
-                              </a:solidFill>
-                              <a:latin typeface="Cambria Math" panose="02040503050406030204" pitchFamily="18" charset="0"/>
-                            </a:rPr>
-                          </m:ctrlPr>
-                        </m:fPr>
-                        <m:num>
-                          <m:r>
-                            <a:rPr lang="fr-FR" sz="2000" b="0" i="1" smtClean="0">
-                              <a:solidFill>
-                                <a:schemeClr val="bg2">
-                                  <a:lumMod val="50000"/>
-                                </a:schemeClr>
-                              </a:solidFill>
-                              <a:latin typeface="Cambria Math" panose="02040503050406030204" pitchFamily="18" charset="0"/>
-                            </a:rPr>
-                            <m:t>1</m:t>
-                          </m:r>
-                        </m:num>
-                        <m:den>
-                          <m:r>
-                            <a:rPr lang="fr-FR" sz="2000" b="0" i="1" smtClean="0">
-                              <a:solidFill>
-                                <a:schemeClr val="bg2">
-                                  <a:lumMod val="50000"/>
-                                </a:schemeClr>
-                              </a:solidFill>
-                              <a:latin typeface="Cambria Math" panose="02040503050406030204" pitchFamily="18" charset="0"/>
-                            </a:rPr>
-                            <m:t>2</m:t>
-                          </m:r>
-                        </m:den>
-                      </m:f>
-                      <m:r>
-                        <a:rPr lang="fr-FR" sz="2000" b="0" i="1" smtClean="0">
-                          <a:solidFill>
-                            <a:schemeClr val="bg2">
-                              <a:lumMod val="50000"/>
-                            </a:schemeClr>
-                          </a:solidFill>
-                          <a:latin typeface="Cambria Math" panose="02040503050406030204" pitchFamily="18" charset="0"/>
-                        </a:rPr>
-                        <m:t>∑</m:t>
-                      </m:r>
-                      <m:sSup>
-                        <m:sSupPr>
-                          <m:ctrlPr>
-                            <a:rPr lang="fr-FR" sz="2000" b="0" i="1" smtClean="0">
-                              <a:solidFill>
-                                <a:schemeClr val="bg2">
-                                  <a:lumMod val="50000"/>
-                                </a:schemeClr>
-                              </a:solidFill>
-                              <a:latin typeface="Cambria Math" panose="02040503050406030204" pitchFamily="18" charset="0"/>
-                            </a:rPr>
-                          </m:ctrlPr>
-                        </m:sSupPr>
-                        <m:e>
-                          <m:d>
-                            <m:dPr>
-                              <m:ctrlPr>
-                                <a:rPr lang="fr-FR" sz="2000" b="0" i="1" smtClean="0">
-                                  <a:solidFill>
-                                    <a:schemeClr val="bg2">
-                                      <a:lumMod val="50000"/>
-                                    </a:schemeClr>
-                                  </a:solidFill>
-                                  <a:latin typeface="Cambria Math" panose="02040503050406030204" pitchFamily="18" charset="0"/>
-                                </a:rPr>
-                              </m:ctrlPr>
-                            </m:dPr>
-                            <m:e>
-                              <m:r>
-                                <a:rPr lang="fr-FR" sz="2000" b="0" i="1" smtClean="0">
-                                  <a:solidFill>
-                                    <a:schemeClr val="bg2">
-                                      <a:lumMod val="50000"/>
-                                    </a:schemeClr>
-                                  </a:solidFill>
-                                  <a:latin typeface="Cambria Math" panose="02040503050406030204" pitchFamily="18" charset="0"/>
-                                </a:rPr>
-                                <m:t>𝑡</m:t>
-                              </m:r>
-                              <m:r>
-                                <a:rPr lang="fr-FR" sz="2000" b="0" i="1" smtClean="0">
-                                  <a:solidFill>
-                                    <a:schemeClr val="bg2">
-                                      <a:lumMod val="50000"/>
-                                    </a:schemeClr>
-                                  </a:solidFill>
-                                  <a:latin typeface="Cambria Math" panose="02040503050406030204" pitchFamily="18" charset="0"/>
-                                </a:rPr>
-                                <m:t> −</m:t>
-                              </m:r>
-                              <m:acc>
-                                <m:accPr>
-                                  <m:chr m:val="̂"/>
-                                  <m:ctrlPr>
-                                    <a:rPr lang="fr-FR" sz="2000" b="0" i="1" smtClean="0">
-                                      <a:solidFill>
-                                        <a:schemeClr val="bg2">
-                                          <a:lumMod val="50000"/>
-                                        </a:schemeClr>
-                                      </a:solidFill>
-                                      <a:latin typeface="Cambria Math" panose="02040503050406030204" pitchFamily="18" charset="0"/>
-                                    </a:rPr>
-                                  </m:ctrlPr>
-                                </m:accPr>
-                                <m:e>
-                                  <m:r>
-                                    <a:rPr lang="fr-FR" sz="2000" b="0" i="1" smtClean="0">
-                                      <a:solidFill>
-                                        <a:schemeClr val="bg2">
-                                          <a:lumMod val="50000"/>
-                                        </a:schemeClr>
-                                      </a:solidFill>
-                                      <a:latin typeface="Cambria Math" panose="02040503050406030204" pitchFamily="18" charset="0"/>
-                                    </a:rPr>
-                                    <m:t>𝑡</m:t>
-                                  </m:r>
-                                </m:e>
-                              </m:acc>
-                            </m:e>
-                          </m:d>
-                        </m:e>
-                        <m:sup>
-                          <m:r>
-                            <a:rPr lang="fr-FR" sz="2000" b="0" i="1" smtClean="0">
-                              <a:solidFill>
-                                <a:schemeClr val="bg2">
-                                  <a:lumMod val="50000"/>
-                                </a:schemeClr>
-                              </a:solidFill>
-                              <a:latin typeface="Cambria Math" panose="02040503050406030204" pitchFamily="18" charset="0"/>
-                            </a:rPr>
-                            <m:t>2</m:t>
-                          </m:r>
-                        </m:sup>
-                      </m:sSup>
-                    </m:oMath>
-                  </m:oMathPara>
+                  <m:oMath xmlns:m="http://schemas.openxmlformats.org/officeDocument/2006/math">
+                    <m:r>
+                      <a:rPr lang="fr-FR" sz="2000" b="0" i="1" smtClean="0">
+                        <a:solidFill>
+                          <a:schemeClr val="bg2">
+                            <a:lumMod val="50000"/>
+                          </a:schemeClr>
+                        </a:solidFill>
+                        <a:latin typeface="Cambria Math" panose="02040503050406030204" pitchFamily="18" charset="0"/>
+                      </a:rPr>
+                      <m:t>𝐿</m:t>
+                    </m:r>
+                    <m:r>
+                      <a:rPr lang="fr-FR" sz="2000" b="0" i="1" smtClean="0">
+                        <a:solidFill>
+                          <a:schemeClr val="bg2">
+                            <a:lumMod val="50000"/>
+                          </a:schemeClr>
+                        </a:solidFill>
+                        <a:latin typeface="Cambria Math" panose="02040503050406030204" pitchFamily="18" charset="0"/>
+                      </a:rPr>
+                      <m:t>=</m:t>
+                    </m:r>
+                    <m:f>
+                      <m:fPr>
+                        <m:ctrlPr>
+                          <a:rPr lang="fr-FR" sz="2000" b="0" i="1" smtClean="0">
+                            <a:solidFill>
+                              <a:schemeClr val="bg2">
+                                <a:lumMod val="50000"/>
+                              </a:schemeClr>
+                            </a:solidFill>
+                            <a:latin typeface="Cambria Math" panose="02040503050406030204" pitchFamily="18" charset="0"/>
+                          </a:rPr>
+                        </m:ctrlPr>
+                      </m:fPr>
+                      <m:num>
+                        <m:r>
+                          <a:rPr lang="fr-FR" sz="2000" b="0" i="1" smtClean="0">
+                            <a:solidFill>
+                              <a:schemeClr val="bg2">
+                                <a:lumMod val="50000"/>
+                              </a:schemeClr>
+                            </a:solidFill>
+                            <a:latin typeface="Cambria Math" panose="02040503050406030204" pitchFamily="18" charset="0"/>
+                          </a:rPr>
+                          <m:t>1</m:t>
+                        </m:r>
+                      </m:num>
+                      <m:den>
+                        <m:r>
+                          <a:rPr lang="fr-FR" sz="2000" b="0" i="1" smtClean="0">
+                            <a:solidFill>
+                              <a:schemeClr val="bg2">
+                                <a:lumMod val="50000"/>
+                              </a:schemeClr>
+                            </a:solidFill>
+                            <a:latin typeface="Cambria Math" panose="02040503050406030204" pitchFamily="18" charset="0"/>
+                          </a:rPr>
+                          <m:t>𝑁</m:t>
+                        </m:r>
+                      </m:den>
+                    </m:f>
+                    <m:nary>
+                      <m:naryPr>
+                        <m:chr m:val="∑"/>
+                        <m:ctrlPr>
+                          <a:rPr lang="fr-FR" sz="2000" b="0" i="1" smtClean="0">
+                            <a:solidFill>
+                              <a:schemeClr val="bg2">
+                                <a:lumMod val="50000"/>
+                              </a:schemeClr>
+                            </a:solidFill>
+                            <a:latin typeface="Cambria Math" panose="02040503050406030204" pitchFamily="18" charset="0"/>
+                          </a:rPr>
+                        </m:ctrlPr>
+                      </m:naryPr>
+                      <m:sub>
+                        <m:r>
+                          <m:rPr>
+                            <m:brk m:alnAt="23"/>
+                          </m:rPr>
+                          <a:rPr lang="fr-FR" sz="2000" b="0" i="1" smtClean="0">
+                            <a:solidFill>
+                              <a:schemeClr val="bg2">
+                                <a:lumMod val="50000"/>
+                              </a:schemeClr>
+                            </a:solidFill>
+                            <a:latin typeface="Cambria Math" panose="02040503050406030204" pitchFamily="18" charset="0"/>
+                          </a:rPr>
+                          <m:t>𝑖</m:t>
+                        </m:r>
+                        <m:r>
+                          <a:rPr lang="fr-FR" sz="2000" b="0" i="1" smtClean="0">
+                            <a:solidFill>
+                              <a:schemeClr val="bg2">
+                                <a:lumMod val="50000"/>
+                              </a:schemeClr>
+                            </a:solidFill>
+                            <a:latin typeface="Cambria Math" panose="02040503050406030204" pitchFamily="18" charset="0"/>
+                          </a:rPr>
+                          <m:t>=1</m:t>
+                        </m:r>
+                      </m:sub>
+                      <m:sup>
+                        <m:r>
+                          <a:rPr lang="fr-FR" sz="2000" b="0" i="1" smtClean="0">
+                            <a:solidFill>
+                              <a:schemeClr val="bg2">
+                                <a:lumMod val="50000"/>
+                              </a:schemeClr>
+                            </a:solidFill>
+                            <a:latin typeface="Cambria Math" panose="02040503050406030204" pitchFamily="18" charset="0"/>
+                          </a:rPr>
+                          <m:t>𝑁</m:t>
+                        </m:r>
+                      </m:sup>
+                      <m:e>
+                        <m:sSup>
+                          <m:sSupPr>
+                            <m:ctrlPr>
+                              <a:rPr lang="fr-FR" sz="2000" i="1">
+                                <a:solidFill>
+                                  <a:schemeClr val="bg2">
+                                    <a:lumMod val="50000"/>
+                                  </a:schemeClr>
+                                </a:solidFill>
+                                <a:latin typeface="Cambria Math" panose="02040503050406030204" pitchFamily="18" charset="0"/>
+                              </a:rPr>
+                            </m:ctrlPr>
+                          </m:sSupPr>
+                          <m:e>
+                            <m:d>
+                              <m:dPr>
+                                <m:ctrlPr>
+                                  <a:rPr lang="fr-FR" sz="2000" i="1">
+                                    <a:solidFill>
+                                      <a:schemeClr val="bg2">
+                                        <a:lumMod val="50000"/>
+                                      </a:schemeClr>
+                                    </a:solidFill>
+                                    <a:latin typeface="Cambria Math" panose="02040503050406030204" pitchFamily="18" charset="0"/>
+                                  </a:rPr>
+                                </m:ctrlPr>
+                              </m:dPr>
+                              <m:e>
+                                <m:sSub>
+                                  <m:sSubPr>
+                                    <m:ctrlPr>
+                                      <a:rPr lang="fr-FR" sz="2000" b="0" i="1" smtClean="0">
+                                        <a:solidFill>
+                                          <a:schemeClr val="bg2">
+                                            <a:lumMod val="50000"/>
+                                          </a:schemeClr>
+                                        </a:solidFill>
+                                        <a:latin typeface="Cambria Math" panose="02040503050406030204" pitchFamily="18" charset="0"/>
+                                      </a:rPr>
+                                    </m:ctrlPr>
+                                  </m:sSubPr>
+                                  <m:e>
+                                    <m:r>
+                                      <a:rPr lang="fr-FR" sz="2000" i="1">
+                                        <a:solidFill>
+                                          <a:schemeClr val="bg2">
+                                            <a:lumMod val="50000"/>
+                                          </a:schemeClr>
+                                        </a:solidFill>
+                                        <a:latin typeface="Cambria Math" panose="02040503050406030204" pitchFamily="18" charset="0"/>
+                                      </a:rPr>
+                                      <m:t>𝑡</m:t>
+                                    </m:r>
+                                  </m:e>
+                                  <m:sub>
+                                    <m:r>
+                                      <a:rPr lang="fr-FR" sz="2000" b="0" i="1" smtClean="0">
+                                        <a:solidFill>
+                                          <a:schemeClr val="bg2">
+                                            <a:lumMod val="50000"/>
+                                          </a:schemeClr>
+                                        </a:solidFill>
+                                        <a:latin typeface="Cambria Math" panose="02040503050406030204" pitchFamily="18" charset="0"/>
+                                      </a:rPr>
+                                      <m:t>𝑖</m:t>
+                                    </m:r>
+                                  </m:sub>
+                                </m:sSub>
+                                <m:r>
+                                  <a:rPr lang="fr-FR" sz="2000" i="1">
+                                    <a:solidFill>
+                                      <a:schemeClr val="bg2">
+                                        <a:lumMod val="50000"/>
+                                      </a:schemeClr>
+                                    </a:solidFill>
+                                    <a:latin typeface="Cambria Math" panose="02040503050406030204" pitchFamily="18" charset="0"/>
+                                  </a:rPr>
+                                  <m:t> −</m:t>
+                                </m:r>
+                                <m:sSub>
+                                  <m:sSubPr>
+                                    <m:ctrlPr>
+                                      <a:rPr lang="fr-FR" sz="2000" b="0" i="1" smtClean="0">
+                                        <a:solidFill>
+                                          <a:schemeClr val="bg2">
+                                            <a:lumMod val="50000"/>
+                                          </a:schemeClr>
+                                        </a:solidFill>
+                                        <a:latin typeface="Cambria Math" panose="02040503050406030204" pitchFamily="18" charset="0"/>
+                                      </a:rPr>
+                                    </m:ctrlPr>
+                                  </m:sSubPr>
+                                  <m:e>
+                                    <m:acc>
+                                      <m:accPr>
+                                        <m:chr m:val="̂"/>
+                                        <m:ctrlPr>
+                                          <a:rPr lang="fr-FR" sz="2000" i="1">
+                                            <a:solidFill>
+                                              <a:schemeClr val="bg2">
+                                                <a:lumMod val="50000"/>
+                                              </a:schemeClr>
+                                            </a:solidFill>
+                                            <a:latin typeface="Cambria Math" panose="02040503050406030204" pitchFamily="18" charset="0"/>
+                                          </a:rPr>
+                                        </m:ctrlPr>
+                                      </m:accPr>
+                                      <m:e>
+                                        <m:r>
+                                          <a:rPr lang="fr-FR" sz="2000" i="1">
+                                            <a:solidFill>
+                                              <a:schemeClr val="bg2">
+                                                <a:lumMod val="50000"/>
+                                              </a:schemeClr>
+                                            </a:solidFill>
+                                            <a:latin typeface="Cambria Math" panose="02040503050406030204" pitchFamily="18" charset="0"/>
+                                          </a:rPr>
+                                          <m:t>𝑡</m:t>
+                                        </m:r>
+                                      </m:e>
+                                    </m:acc>
+                                  </m:e>
+                                  <m:sub>
+                                    <m:r>
+                                      <a:rPr lang="fr-FR" sz="2000" b="0" i="1" smtClean="0">
+                                        <a:solidFill>
+                                          <a:schemeClr val="bg2">
+                                            <a:lumMod val="50000"/>
+                                          </a:schemeClr>
+                                        </a:solidFill>
+                                        <a:latin typeface="Cambria Math" panose="02040503050406030204" pitchFamily="18" charset="0"/>
+                                      </a:rPr>
+                                      <m:t>𝑖</m:t>
+                                    </m:r>
+                                  </m:sub>
+                                </m:sSub>
+                              </m:e>
+                            </m:d>
+                          </m:e>
+                          <m:sup>
+                            <m:r>
+                              <a:rPr lang="fr-FR" sz="2000" i="1">
+                                <a:solidFill>
+                                  <a:schemeClr val="bg2">
+                                    <a:lumMod val="50000"/>
+                                  </a:schemeClr>
+                                </a:solidFill>
+                                <a:latin typeface="Cambria Math" panose="02040503050406030204" pitchFamily="18" charset="0"/>
+                              </a:rPr>
+                              <m:t>2</m:t>
+                            </m:r>
+                          </m:sup>
+                        </m:sSup>
+                      </m:e>
+                    </m:nary>
+                  </m:oMath>
                 </a14:m>
-                <a:endParaRPr lang="fr-FR" sz="2000" dirty="0">
-                  <a:solidFill>
-                    <a:schemeClr val="bg2">
-                      <a:lumMod val="50000"/>
-                    </a:schemeClr>
-                  </a:solidFill>
-                </a:endParaRPr>
+                <a:r>
+                  <a:rPr lang="fr-FR" sz="2000" dirty="0">
+                    <a:solidFill>
+                      <a:schemeClr val="bg2">
+                        <a:lumMod val="50000"/>
+                      </a:schemeClr>
+                    </a:solidFill>
+                  </a:rPr>
+                  <a:t>, avec </a:t>
+                </a:r>
+                <a14:m>
+                  <m:oMath xmlns:m="http://schemas.openxmlformats.org/officeDocument/2006/math">
+                    <m:r>
+                      <a:rPr lang="fr-FR" sz="2000" b="0" i="1" smtClean="0">
+                        <a:solidFill>
+                          <a:schemeClr val="bg2">
+                            <a:lumMod val="50000"/>
+                          </a:schemeClr>
+                        </a:solidFill>
+                        <a:latin typeface="Cambria Math" panose="02040503050406030204" pitchFamily="18" charset="0"/>
+                      </a:rPr>
+                      <m:t>𝑁</m:t>
+                    </m:r>
+                  </m:oMath>
+                </a14:m>
+                <a:r>
+                  <a:rPr lang="fr-FR" sz="2000" dirty="0">
+                    <a:solidFill>
+                      <a:schemeClr val="bg2">
+                        <a:lumMod val="50000"/>
+                      </a:schemeClr>
+                    </a:solidFill>
+                  </a:rPr>
+                  <a:t> le nombre de données.</a:t>
+                </a:r>
               </a:p>
             </p:txBody>
           </p:sp>
         </mc:Choice>
-        <mc:Fallback xmlns="">
+        <mc:Fallback>
           <p:sp>
             <p:nvSpPr>
               <p:cNvPr id="3" name="Espace réservé du contenu 2">

--- a/Intelligence Artificielle et Analyse de donnees.pptx
+++ b/Intelligence Artificielle et Analyse de donnees.pptx
@@ -28,6 +28,10 @@
     <p:sldId id="282" r:id="rId22"/>
     <p:sldId id="283" r:id="rId23"/>
     <p:sldId id="281" r:id="rId24"/>
+    <p:sldId id="284" r:id="rId25"/>
+    <p:sldId id="285" r:id="rId26"/>
+    <p:sldId id="287" r:id="rId27"/>
+    <p:sldId id="286" r:id="rId28"/>
   </p:sldIdLst>
   <p:sldSz cx="12192000" cy="6858000"/>
   <p:notesSz cx="6858000" cy="9144000"/>
@@ -292,7 +296,7 @@
           <a:p>
             <a:fld id="{6744C8BF-8EDA-4728-ABB9-9DEA91F7FC64}" type="datetimeFigureOut">
               <a:rPr lang="fr-FR" smtClean="0"/>
-              <a:t>22/01/2025</a:t>
+              <a:t>23/01/2025</a:t>
             </a:fld>
             <a:endParaRPr lang="fr-FR"/>
           </a:p>
@@ -490,7 +494,7 @@
           <a:p>
             <a:fld id="{6744C8BF-8EDA-4728-ABB9-9DEA91F7FC64}" type="datetimeFigureOut">
               <a:rPr lang="fr-FR" smtClean="0"/>
-              <a:t>22/01/2025</a:t>
+              <a:t>23/01/2025</a:t>
             </a:fld>
             <a:endParaRPr lang="fr-FR"/>
           </a:p>
@@ -698,7 +702,7 @@
           <a:p>
             <a:fld id="{6744C8BF-8EDA-4728-ABB9-9DEA91F7FC64}" type="datetimeFigureOut">
               <a:rPr lang="fr-FR" smtClean="0"/>
-              <a:t>22/01/2025</a:t>
+              <a:t>23/01/2025</a:t>
             </a:fld>
             <a:endParaRPr lang="fr-FR"/>
           </a:p>
@@ -896,7 +900,7 @@
           <a:p>
             <a:fld id="{6744C8BF-8EDA-4728-ABB9-9DEA91F7FC64}" type="datetimeFigureOut">
               <a:rPr lang="fr-FR" smtClean="0"/>
-              <a:t>22/01/2025</a:t>
+              <a:t>23/01/2025</a:t>
             </a:fld>
             <a:endParaRPr lang="fr-FR"/>
           </a:p>
@@ -1171,7 +1175,7 @@
           <a:p>
             <a:fld id="{6744C8BF-8EDA-4728-ABB9-9DEA91F7FC64}" type="datetimeFigureOut">
               <a:rPr lang="fr-FR" smtClean="0"/>
-              <a:t>22/01/2025</a:t>
+              <a:t>23/01/2025</a:t>
             </a:fld>
             <a:endParaRPr lang="fr-FR"/>
           </a:p>
@@ -1436,7 +1440,7 @@
           <a:p>
             <a:fld id="{6744C8BF-8EDA-4728-ABB9-9DEA91F7FC64}" type="datetimeFigureOut">
               <a:rPr lang="fr-FR" smtClean="0"/>
-              <a:t>22/01/2025</a:t>
+              <a:t>23/01/2025</a:t>
             </a:fld>
             <a:endParaRPr lang="fr-FR"/>
           </a:p>
@@ -1848,7 +1852,7 @@
           <a:p>
             <a:fld id="{6744C8BF-8EDA-4728-ABB9-9DEA91F7FC64}" type="datetimeFigureOut">
               <a:rPr lang="fr-FR" smtClean="0"/>
-              <a:t>22/01/2025</a:t>
+              <a:t>23/01/2025</a:t>
             </a:fld>
             <a:endParaRPr lang="fr-FR"/>
           </a:p>
@@ -1989,7 +1993,7 @@
           <a:p>
             <a:fld id="{6744C8BF-8EDA-4728-ABB9-9DEA91F7FC64}" type="datetimeFigureOut">
               <a:rPr lang="fr-FR" smtClean="0"/>
-              <a:t>22/01/2025</a:t>
+              <a:t>23/01/2025</a:t>
             </a:fld>
             <a:endParaRPr lang="fr-FR"/>
           </a:p>
@@ -2102,7 +2106,7 @@
           <a:p>
             <a:fld id="{6744C8BF-8EDA-4728-ABB9-9DEA91F7FC64}" type="datetimeFigureOut">
               <a:rPr lang="fr-FR" smtClean="0"/>
-              <a:t>22/01/2025</a:t>
+              <a:t>23/01/2025</a:t>
             </a:fld>
             <a:endParaRPr lang="fr-FR"/>
           </a:p>
@@ -2413,7 +2417,7 @@
           <a:p>
             <a:fld id="{6744C8BF-8EDA-4728-ABB9-9DEA91F7FC64}" type="datetimeFigureOut">
               <a:rPr lang="fr-FR" smtClean="0"/>
-              <a:t>22/01/2025</a:t>
+              <a:t>23/01/2025</a:t>
             </a:fld>
             <a:endParaRPr lang="fr-FR"/>
           </a:p>
@@ -2701,7 +2705,7 @@
           <a:p>
             <a:fld id="{6744C8BF-8EDA-4728-ABB9-9DEA91F7FC64}" type="datetimeFigureOut">
               <a:rPr lang="fr-FR" smtClean="0"/>
-              <a:t>22/01/2025</a:t>
+              <a:t>23/01/2025</a:t>
             </a:fld>
             <a:endParaRPr lang="fr-FR"/>
           </a:p>
@@ -2942,7 +2946,7 @@
           <a:p>
             <a:fld id="{6744C8BF-8EDA-4728-ABB9-9DEA91F7FC64}" type="datetimeFigureOut">
               <a:rPr lang="fr-FR" smtClean="0"/>
-              <a:t>22/01/2025</a:t>
+              <a:t>23/01/2025</a:t>
             </a:fld>
             <a:endParaRPr lang="fr-FR"/>
           </a:p>
@@ -3593,8 +3597,8 @@
           <a:chExt cx="0" cy="0"/>
         </a:xfrm>
       </p:grpSpPr>
-      <mc:AlternateContent xmlns:mc="http://schemas.openxmlformats.org/markup-compatibility/2006">
-        <mc:Choice xmlns:a14="http://schemas.microsoft.com/office/drawing/2010/main" Requires="a14">
+      <mc:AlternateContent xmlns:mc="http://schemas.openxmlformats.org/markup-compatibility/2006" xmlns:a14="http://schemas.microsoft.com/office/drawing/2010/main">
+        <mc:Choice Requires="a14">
           <p:sp>
             <p:nvSpPr>
               <p:cNvPr id="3" name="Espace réservé du contenu 2">
@@ -4518,7 +4522,7 @@
             </p:txBody>
           </p:sp>
         </mc:Choice>
-        <mc:Fallback>
+        <mc:Fallback xmlns="">
           <p:sp>
             <p:nvSpPr>
               <p:cNvPr id="3" name="Espace réservé du contenu 2">
@@ -14460,7 +14464,7 @@
             </a:r>
             <a:r>
               <a:rPr lang="fr-FR" sz="1800" dirty="0"/>
-              <a:t>4.1. Prédiction de trajectoire</a:t>
+              <a:t>4.1. Données séquentielles</a:t>
             </a:r>
           </a:p>
           <a:p>
@@ -17492,6 +17496,5486 @@
     <p:extLst>
       <p:ext uri="{BB962C8B-B14F-4D97-AF65-F5344CB8AC3E}">
         <p14:creationId xmlns:p14="http://schemas.microsoft.com/office/powerpoint/2010/main" val="3740764185"/>
+      </p:ext>
+    </p:extLst>
+  </p:cSld>
+  <p:clrMapOvr>
+    <a:masterClrMapping/>
+  </p:clrMapOvr>
+</p:sld>
+</file>
+
+<file path=ppt/slides/slide24.xml><?xml version="1.0" encoding="utf-8"?>
+<p:sld xmlns:a="http://schemas.openxmlformats.org/drawingml/2006/main" xmlns:r="http://schemas.openxmlformats.org/officeDocument/2006/relationships" xmlns:p="http://schemas.openxmlformats.org/presentationml/2006/main">
+  <p:cSld>
+    <p:spTree>
+      <p:nvGrpSpPr>
+        <p:cNvPr id="1" name=""/>
+        <p:cNvGrpSpPr/>
+        <p:nvPr/>
+      </p:nvGrpSpPr>
+      <p:grpSpPr>
+        <a:xfrm>
+          <a:off x="0" y="0"/>
+          <a:ext cx="0" cy="0"/>
+          <a:chOff x="0" y="0"/>
+          <a:chExt cx="0" cy="0"/>
+        </a:xfrm>
+      </p:grpSpPr>
+      <p:sp>
+        <p:nvSpPr>
+          <p:cNvPr id="7" name="Titre 6">
+            <a:extLst>
+              <a:ext uri="{FF2B5EF4-FFF2-40B4-BE49-F238E27FC236}">
+                <a16:creationId xmlns:a16="http://schemas.microsoft.com/office/drawing/2014/main" id="{74661C02-29AB-46A2-A889-BEEEBBF4BB83}"/>
+              </a:ext>
+            </a:extLst>
+          </p:cNvPr>
+          <p:cNvSpPr>
+            <a:spLocks noGrp="1"/>
+          </p:cNvSpPr>
+          <p:nvPr>
+            <p:ph type="title"/>
+          </p:nvPr>
+        </p:nvSpPr>
+        <p:spPr>
+          <a:xfrm>
+            <a:off x="838200" y="365125"/>
+            <a:ext cx="10515600" cy="2639332"/>
+          </a:xfrm>
+        </p:spPr>
+        <p:txBody>
+          <a:bodyPr/>
+          <a:lstStyle/>
+          <a:p>
+            <a:r>
+              <a:rPr lang="fr-FR" dirty="0"/>
+              <a:t>4. Les réseaux de neurones récurrents (</a:t>
+            </a:r>
+            <a:r>
+              <a:rPr lang="fr-FR" dirty="0" err="1"/>
+              <a:t>RNNs</a:t>
+            </a:r>
+            <a:r>
+              <a:rPr lang="fr-FR" dirty="0"/>
+              <a:t>)</a:t>
+            </a:r>
+            <a:br>
+              <a:rPr lang="fr-FR" dirty="0"/>
+            </a:br>
+            <a:r>
+              <a:rPr lang="fr-FR" sz="3200" dirty="0"/>
+              <a:t>	4.1. Données séquentielles</a:t>
+            </a:r>
+            <a:br>
+              <a:rPr lang="fr-FR" sz="3200" dirty="0"/>
+            </a:br>
+            <a:r>
+              <a:rPr lang="fr-FR" sz="3200" dirty="0"/>
+              <a:t>	4.2. </a:t>
+            </a:r>
+            <a:br>
+              <a:rPr lang="fr-FR" sz="3200" dirty="0"/>
+            </a:br>
+            <a:r>
+              <a:rPr lang="fr-FR" sz="3200" dirty="0"/>
+              <a:t>	4.3. </a:t>
+            </a:r>
+            <a:endParaRPr lang="fr-FR" dirty="0"/>
+          </a:p>
+        </p:txBody>
+      </p:sp>
+    </p:spTree>
+    <p:extLst>
+      <p:ext uri="{BB962C8B-B14F-4D97-AF65-F5344CB8AC3E}">
+        <p14:creationId xmlns:p14="http://schemas.microsoft.com/office/powerpoint/2010/main" val="2260860434"/>
+      </p:ext>
+    </p:extLst>
+  </p:cSld>
+  <p:clrMapOvr>
+    <a:masterClrMapping/>
+  </p:clrMapOvr>
+</p:sld>
+</file>
+
+<file path=ppt/slides/slide25.xml><?xml version="1.0" encoding="utf-8"?>
+<p:sld xmlns:a="http://schemas.openxmlformats.org/drawingml/2006/main" xmlns:r="http://schemas.openxmlformats.org/officeDocument/2006/relationships" xmlns:p="http://schemas.openxmlformats.org/presentationml/2006/main">
+  <p:cSld>
+    <p:spTree>
+      <p:nvGrpSpPr>
+        <p:cNvPr id="1" name=""/>
+        <p:cNvGrpSpPr/>
+        <p:nvPr/>
+      </p:nvGrpSpPr>
+      <p:grpSpPr>
+        <a:xfrm>
+          <a:off x="0" y="0"/>
+          <a:ext cx="0" cy="0"/>
+          <a:chOff x="0" y="0"/>
+          <a:chExt cx="0" cy="0"/>
+        </a:xfrm>
+      </p:grpSpPr>
+      <p:sp>
+        <p:nvSpPr>
+          <p:cNvPr id="3" name="Espace réservé du contenu 2">
+            <a:extLst>
+              <a:ext uri="{FF2B5EF4-FFF2-40B4-BE49-F238E27FC236}">
+                <a16:creationId xmlns:a16="http://schemas.microsoft.com/office/drawing/2014/main" id="{B59E77B8-2D75-472C-B76C-ABDDE0CAFCD5}"/>
+              </a:ext>
+            </a:extLst>
+          </p:cNvPr>
+          <p:cNvSpPr>
+            <a:spLocks noGrp="1"/>
+          </p:cNvSpPr>
+          <p:nvPr>
+            <p:ph idx="1"/>
+          </p:nvPr>
+        </p:nvSpPr>
+        <p:spPr>
+          <a:xfrm>
+            <a:off x="537750" y="429086"/>
+            <a:ext cx="10839994" cy="6021978"/>
+          </a:xfrm>
+        </p:spPr>
+        <p:txBody>
+          <a:bodyPr>
+            <a:normAutofit/>
+          </a:bodyPr>
+          <a:lstStyle/>
+          <a:p>
+            <a:pPr marL="0" indent="0">
+              <a:buNone/>
+            </a:pPr>
+            <a:r>
+              <a:rPr lang="fr-FR" sz="2400" dirty="0"/>
+              <a:t>4.1 Données séquentielles</a:t>
+            </a:r>
+            <a:endParaRPr lang="fr-FR" sz="2400" u="sng" dirty="0"/>
+          </a:p>
+          <a:p>
+            <a:pPr marL="0" indent="0">
+              <a:buNone/>
+            </a:pPr>
+            <a:endParaRPr lang="fr-FR" sz="2000" u="sng" dirty="0"/>
+          </a:p>
+          <a:p>
+            <a:pPr marL="0" indent="0">
+              <a:buNone/>
+            </a:pPr>
+            <a:endParaRPr lang="fr-FR" sz="2000" dirty="0"/>
+          </a:p>
+        </p:txBody>
+      </p:sp>
+      <mc:AlternateContent xmlns:mc="http://schemas.openxmlformats.org/markup-compatibility/2006">
+        <mc:Choice xmlns:a14="http://schemas.microsoft.com/office/drawing/2010/main" Requires="a14">
+          <p:sp>
+            <p:nvSpPr>
+              <p:cNvPr id="38" name="ZoneTexte 37">
+                <a:extLst>
+                  <a:ext uri="{FF2B5EF4-FFF2-40B4-BE49-F238E27FC236}">
+                    <a16:creationId xmlns:a16="http://schemas.microsoft.com/office/drawing/2014/main" id="{BADB5EDD-9168-46C4-84EE-7E8BAAB2A259}"/>
+                  </a:ext>
+                </a:extLst>
+              </p:cNvPr>
+              <p:cNvSpPr txBox="1"/>
+              <p:nvPr/>
+            </p:nvSpPr>
+            <p:spPr>
+              <a:xfrm flipH="1">
+                <a:off x="1343360" y="3792073"/>
+                <a:ext cx="350969" cy="369332"/>
+              </a:xfrm>
+              <a:prstGeom prst="rect">
+                <a:avLst/>
+              </a:prstGeom>
+              <a:noFill/>
+            </p:spPr>
+            <p:txBody>
+              <a:bodyPr wrap="square" rtlCol="0">
+                <a:spAutoFit/>
+              </a:bodyPr>
+              <a:lstStyle/>
+              <a:p>
+                <a14:m>
+                  <m:oMathPara xmlns:m="http://schemas.openxmlformats.org/officeDocument/2006/math">
+                    <m:oMathParaPr>
+                      <m:jc m:val="centerGroup"/>
+                    </m:oMathParaPr>
+                    <m:oMath xmlns:m="http://schemas.openxmlformats.org/officeDocument/2006/math">
+                      <m:r>
+                        <a:rPr lang="fr-FR" b="0" i="1" smtClean="0">
+                          <a:latin typeface="Cambria Math" panose="02040503050406030204" pitchFamily="18" charset="0"/>
+                        </a:rPr>
+                        <m:t>𝑥</m:t>
+                      </m:r>
+                    </m:oMath>
+                  </m:oMathPara>
+                </a14:m>
+                <a:endParaRPr lang="fr-FR" dirty="0"/>
+              </a:p>
+            </p:txBody>
+          </p:sp>
+        </mc:Choice>
+        <mc:Fallback>
+          <p:sp>
+            <p:nvSpPr>
+              <p:cNvPr id="38" name="ZoneTexte 37">
+                <a:extLst>
+                  <a:ext uri="{FF2B5EF4-FFF2-40B4-BE49-F238E27FC236}">
+                    <a16:creationId xmlns:a16="http://schemas.microsoft.com/office/drawing/2014/main" id="{BADB5EDD-9168-46C4-84EE-7E8BAAB2A259}"/>
+                  </a:ext>
+                </a:extLst>
+              </p:cNvPr>
+              <p:cNvSpPr txBox="1">
+                <a:spLocks noRot="1" noChangeAspect="1" noMove="1" noResize="1" noEditPoints="1" noAdjustHandles="1" noChangeArrowheads="1" noChangeShapeType="1" noTextEdit="1"/>
+              </p:cNvSpPr>
+              <p:nvPr/>
+            </p:nvSpPr>
+            <p:spPr>
+              <a:xfrm flipH="1">
+                <a:off x="1343360" y="3792073"/>
+                <a:ext cx="350969" cy="369332"/>
+              </a:xfrm>
+              <a:prstGeom prst="rect">
+                <a:avLst/>
+              </a:prstGeom>
+              <a:blipFill>
+                <a:blip r:embed="rId2"/>
+                <a:stretch>
+                  <a:fillRect/>
+                </a:stretch>
+              </a:blipFill>
+            </p:spPr>
+            <p:txBody>
+              <a:bodyPr/>
+              <a:lstStyle/>
+              <a:p>
+                <a:r>
+                  <a:rPr lang="fr-FR">
+                    <a:noFill/>
+                  </a:rPr>
+                  <a:t> </a:t>
+                </a:r>
+              </a:p>
+            </p:txBody>
+          </p:sp>
+        </mc:Fallback>
+      </mc:AlternateContent>
+      <p:sp>
+        <p:nvSpPr>
+          <p:cNvPr id="39" name="Rectangle 38">
+            <a:extLst>
+              <a:ext uri="{FF2B5EF4-FFF2-40B4-BE49-F238E27FC236}">
+                <a16:creationId xmlns:a16="http://schemas.microsoft.com/office/drawing/2014/main" id="{21644DBF-B60E-4089-ABEF-2B7FB6947D6C}"/>
+              </a:ext>
+            </a:extLst>
+          </p:cNvPr>
+          <p:cNvSpPr/>
+          <p:nvPr/>
+        </p:nvSpPr>
+        <p:spPr>
+          <a:xfrm>
+            <a:off x="1390424" y="2736479"/>
+            <a:ext cx="263561" cy="759759"/>
+          </a:xfrm>
+          <a:prstGeom prst="rect">
+            <a:avLst/>
+          </a:prstGeom>
+          <a:solidFill>
+            <a:schemeClr val="bg1"/>
+          </a:solidFill>
+        </p:spPr>
+        <p:style>
+          <a:lnRef idx="2">
+            <a:schemeClr val="accent1">
+              <a:shade val="50000"/>
+            </a:schemeClr>
+          </a:lnRef>
+          <a:fillRef idx="1">
+            <a:schemeClr val="accent1"/>
+          </a:fillRef>
+          <a:effectRef idx="0">
+            <a:schemeClr val="accent1"/>
+          </a:effectRef>
+          <a:fontRef idx="minor">
+            <a:schemeClr val="lt1"/>
+          </a:fontRef>
+        </p:style>
+        <p:txBody>
+          <a:bodyPr rtlCol="0" anchor="ctr"/>
+          <a:lstStyle/>
+          <a:p>
+            <a:pPr algn="ctr"/>
+            <a:endParaRPr lang="fr-FR" dirty="0"/>
+          </a:p>
+        </p:txBody>
+      </p:sp>
+      <mc:AlternateContent xmlns:mc="http://schemas.openxmlformats.org/markup-compatibility/2006">
+        <mc:Choice xmlns:a14="http://schemas.microsoft.com/office/drawing/2010/main" Requires="a14">
+          <p:sp>
+            <p:nvSpPr>
+              <p:cNvPr id="40" name="ZoneTexte 39">
+                <a:extLst>
+                  <a:ext uri="{FF2B5EF4-FFF2-40B4-BE49-F238E27FC236}">
+                    <a16:creationId xmlns:a16="http://schemas.microsoft.com/office/drawing/2014/main" id="{B13D626D-B7FC-4716-A6F3-DCBD0A5F969A}"/>
+                  </a:ext>
+                </a:extLst>
+              </p:cNvPr>
+              <p:cNvSpPr txBox="1"/>
+              <p:nvPr/>
+            </p:nvSpPr>
+            <p:spPr>
+              <a:xfrm flipH="1">
+                <a:off x="1354577" y="2055184"/>
+                <a:ext cx="350969" cy="369332"/>
+              </a:xfrm>
+              <a:prstGeom prst="rect">
+                <a:avLst/>
+              </a:prstGeom>
+              <a:noFill/>
+            </p:spPr>
+            <p:txBody>
+              <a:bodyPr wrap="square" rtlCol="0">
+                <a:spAutoFit/>
+              </a:bodyPr>
+              <a:lstStyle/>
+              <a:p>
+                <a14:m>
+                  <m:oMathPara xmlns:m="http://schemas.openxmlformats.org/officeDocument/2006/math">
+                    <m:oMathParaPr>
+                      <m:jc m:val="centerGroup"/>
+                    </m:oMathParaPr>
+                    <m:oMath xmlns:m="http://schemas.openxmlformats.org/officeDocument/2006/math">
+                      <m:r>
+                        <a:rPr lang="fr-FR" b="0" i="1" smtClean="0">
+                          <a:latin typeface="Cambria Math" panose="02040503050406030204" pitchFamily="18" charset="0"/>
+                        </a:rPr>
+                        <m:t>𝑦</m:t>
+                      </m:r>
+                    </m:oMath>
+                  </m:oMathPara>
+                </a14:m>
+                <a:endParaRPr lang="fr-FR" dirty="0"/>
+              </a:p>
+            </p:txBody>
+          </p:sp>
+        </mc:Choice>
+        <mc:Fallback>
+          <p:sp>
+            <p:nvSpPr>
+              <p:cNvPr id="40" name="ZoneTexte 39">
+                <a:extLst>
+                  <a:ext uri="{FF2B5EF4-FFF2-40B4-BE49-F238E27FC236}">
+                    <a16:creationId xmlns:a16="http://schemas.microsoft.com/office/drawing/2014/main" id="{B13D626D-B7FC-4716-A6F3-DCBD0A5F969A}"/>
+                  </a:ext>
+                </a:extLst>
+              </p:cNvPr>
+              <p:cNvSpPr txBox="1">
+                <a:spLocks noRot="1" noChangeAspect="1" noMove="1" noResize="1" noEditPoints="1" noAdjustHandles="1" noChangeArrowheads="1" noChangeShapeType="1" noTextEdit="1"/>
+              </p:cNvSpPr>
+              <p:nvPr/>
+            </p:nvSpPr>
+            <p:spPr>
+              <a:xfrm flipH="1">
+                <a:off x="1354577" y="2055184"/>
+                <a:ext cx="350969" cy="369332"/>
+              </a:xfrm>
+              <a:prstGeom prst="rect">
+                <a:avLst/>
+              </a:prstGeom>
+              <a:blipFill>
+                <a:blip r:embed="rId3"/>
+                <a:stretch>
+                  <a:fillRect b="-6557"/>
+                </a:stretch>
+              </a:blipFill>
+            </p:spPr>
+            <p:txBody>
+              <a:bodyPr/>
+              <a:lstStyle/>
+              <a:p>
+                <a:r>
+                  <a:rPr lang="fr-FR">
+                    <a:noFill/>
+                  </a:rPr>
+                  <a:t> </a:t>
+                </a:r>
+              </a:p>
+            </p:txBody>
+          </p:sp>
+        </mc:Fallback>
+      </mc:AlternateContent>
+      <p:cxnSp>
+        <p:nvCxnSpPr>
+          <p:cNvPr id="41" name="Connecteur droit avec flèche 40">
+            <a:extLst>
+              <a:ext uri="{FF2B5EF4-FFF2-40B4-BE49-F238E27FC236}">
+                <a16:creationId xmlns:a16="http://schemas.microsoft.com/office/drawing/2014/main" id="{57373374-AF5A-4A21-B973-2B7ED68BA0B2}"/>
+              </a:ext>
+            </a:extLst>
+          </p:cNvPr>
+          <p:cNvCxnSpPr>
+            <a:cxnSpLocks/>
+            <a:endCxn id="39" idx="2"/>
+          </p:cNvCxnSpPr>
+          <p:nvPr/>
+        </p:nvCxnSpPr>
+        <p:spPr>
+          <a:xfrm flipH="1" flipV="1">
+            <a:off x="1522205" y="3496238"/>
+            <a:ext cx="0" cy="360000"/>
+          </a:xfrm>
+          <a:prstGeom prst="straightConnector1">
+            <a:avLst/>
+          </a:prstGeom>
+          <a:ln w="12700">
+            <a:solidFill>
+              <a:schemeClr val="tx1"/>
+            </a:solidFill>
+            <a:tailEnd type="triangle"/>
+          </a:ln>
+        </p:spPr>
+        <p:style>
+          <a:lnRef idx="1">
+            <a:schemeClr val="accent1"/>
+          </a:lnRef>
+          <a:fillRef idx="0">
+            <a:schemeClr val="accent1"/>
+          </a:fillRef>
+          <a:effectRef idx="0">
+            <a:schemeClr val="accent1"/>
+          </a:effectRef>
+          <a:fontRef idx="minor">
+            <a:schemeClr val="tx1"/>
+          </a:fontRef>
+        </p:style>
+      </p:cxnSp>
+      <p:cxnSp>
+        <p:nvCxnSpPr>
+          <p:cNvPr id="42" name="Connecteur droit avec flèche 41">
+            <a:extLst>
+              <a:ext uri="{FF2B5EF4-FFF2-40B4-BE49-F238E27FC236}">
+                <a16:creationId xmlns:a16="http://schemas.microsoft.com/office/drawing/2014/main" id="{279DFF37-E7A1-4BA3-BC43-CA65D8887CB2}"/>
+              </a:ext>
+            </a:extLst>
+          </p:cNvPr>
+          <p:cNvCxnSpPr>
+            <a:cxnSpLocks/>
+          </p:cNvCxnSpPr>
+          <p:nvPr/>
+        </p:nvCxnSpPr>
+        <p:spPr>
+          <a:xfrm flipH="1" flipV="1">
+            <a:off x="1517495" y="2376479"/>
+            <a:ext cx="0" cy="360000"/>
+          </a:xfrm>
+          <a:prstGeom prst="straightConnector1">
+            <a:avLst/>
+          </a:prstGeom>
+          <a:ln w="12700">
+            <a:solidFill>
+              <a:schemeClr val="tx1"/>
+            </a:solidFill>
+            <a:tailEnd type="triangle"/>
+          </a:ln>
+        </p:spPr>
+        <p:style>
+          <a:lnRef idx="1">
+            <a:schemeClr val="accent1"/>
+          </a:lnRef>
+          <a:fillRef idx="0">
+            <a:schemeClr val="accent1"/>
+          </a:fillRef>
+          <a:effectRef idx="0">
+            <a:schemeClr val="accent1"/>
+          </a:effectRef>
+          <a:fontRef idx="minor">
+            <a:schemeClr val="tx1"/>
+          </a:fontRef>
+        </p:style>
+      </p:cxnSp>
+      <p:grpSp>
+        <p:nvGrpSpPr>
+          <p:cNvPr id="43" name="Groupe 42">
+            <a:extLst>
+              <a:ext uri="{FF2B5EF4-FFF2-40B4-BE49-F238E27FC236}">
+                <a16:creationId xmlns:a16="http://schemas.microsoft.com/office/drawing/2014/main" id="{03883737-09ED-4E9A-898F-2F7AFEAFC851}"/>
+              </a:ext>
+            </a:extLst>
+          </p:cNvPr>
+          <p:cNvGrpSpPr/>
+          <p:nvPr/>
+        </p:nvGrpSpPr>
+        <p:grpSpPr>
+          <a:xfrm>
+            <a:off x="3835562" y="882915"/>
+            <a:ext cx="1804371" cy="3269516"/>
+            <a:chOff x="3533002" y="1575436"/>
+            <a:chExt cx="1804371" cy="3269516"/>
+          </a:xfrm>
+        </p:grpSpPr>
+        <mc:AlternateContent xmlns:mc="http://schemas.openxmlformats.org/markup-compatibility/2006">
+          <mc:Choice xmlns:a14="http://schemas.microsoft.com/office/drawing/2010/main" Requires="a14">
+            <p:sp>
+              <p:nvSpPr>
+                <p:cNvPr id="53" name="ZoneTexte 52">
+                  <a:extLst>
+                    <a:ext uri="{FF2B5EF4-FFF2-40B4-BE49-F238E27FC236}">
+                      <a16:creationId xmlns:a16="http://schemas.microsoft.com/office/drawing/2014/main" id="{D85E53F0-5C07-44B4-98C1-F914871BD5E1}"/>
+                    </a:ext>
+                  </a:extLst>
+                </p:cNvPr>
+                <p:cNvSpPr txBox="1"/>
+                <p:nvPr/>
+              </p:nvSpPr>
+              <p:spPr>
+                <a:xfrm flipH="1">
+                  <a:off x="4510163" y="3435696"/>
+                  <a:ext cx="350969" cy="369332"/>
+                </a:xfrm>
+                <a:prstGeom prst="rect">
+                  <a:avLst/>
+                </a:prstGeom>
+                <a:noFill/>
+              </p:spPr>
+              <p:txBody>
+                <a:bodyPr wrap="square" rtlCol="0">
+                  <a:spAutoFit/>
+                </a:bodyPr>
+                <a:lstStyle/>
+                <a:p>
+                  <a14:m>
+                    <m:oMathPara xmlns:m="http://schemas.openxmlformats.org/officeDocument/2006/math">
+                      <m:oMathParaPr>
+                        <m:jc m:val="centerGroup"/>
+                      </m:oMathParaPr>
+                      <m:oMath xmlns:m="http://schemas.openxmlformats.org/officeDocument/2006/math">
+                        <m:sSub>
+                          <m:sSubPr>
+                            <m:ctrlPr>
+                              <a:rPr lang="fr-FR" b="0" i="1" smtClean="0">
+                                <a:latin typeface="Cambria Math" panose="02040503050406030204" pitchFamily="18" charset="0"/>
+                              </a:rPr>
+                            </m:ctrlPr>
+                          </m:sSubPr>
+                          <m:e>
+                            <m:r>
+                              <a:rPr lang="fr-FR" b="0" i="1" smtClean="0">
+                                <a:latin typeface="Cambria Math" panose="02040503050406030204" pitchFamily="18" charset="0"/>
+                              </a:rPr>
+                              <m:t>h</m:t>
+                            </m:r>
+                          </m:e>
+                          <m:sub>
+                            <m:r>
+                              <a:rPr lang="fr-FR" b="0" i="1" smtClean="0">
+                                <a:latin typeface="Cambria Math" panose="02040503050406030204" pitchFamily="18" charset="0"/>
+                              </a:rPr>
+                              <m:t>𝑡</m:t>
+                            </m:r>
+                            <m:r>
+                              <a:rPr lang="fr-FR" b="0" i="1" smtClean="0">
+                                <a:latin typeface="Cambria Math" panose="02040503050406030204" pitchFamily="18" charset="0"/>
+                              </a:rPr>
+                              <m:t>+1</m:t>
+                            </m:r>
+                          </m:sub>
+                        </m:sSub>
+                      </m:oMath>
+                    </m:oMathPara>
+                  </a14:m>
+                  <a:endParaRPr lang="fr-FR" dirty="0"/>
+                </a:p>
+              </p:txBody>
+            </p:sp>
+          </mc:Choice>
+          <mc:Fallback>
+            <p:sp>
+              <p:nvSpPr>
+                <p:cNvPr id="53" name="ZoneTexte 52">
+                  <a:extLst>
+                    <a:ext uri="{FF2B5EF4-FFF2-40B4-BE49-F238E27FC236}">
+                      <a16:creationId xmlns:a16="http://schemas.microsoft.com/office/drawing/2014/main" id="{D85E53F0-5C07-44B4-98C1-F914871BD5E1}"/>
+                    </a:ext>
+                  </a:extLst>
+                </p:cNvPr>
+                <p:cNvSpPr txBox="1">
+                  <a:spLocks noRot="1" noChangeAspect="1" noMove="1" noResize="1" noEditPoints="1" noAdjustHandles="1" noChangeArrowheads="1" noChangeShapeType="1" noTextEdit="1"/>
+                </p:cNvSpPr>
+                <p:nvPr/>
+              </p:nvSpPr>
+              <p:spPr>
+                <a:xfrm flipH="1">
+                  <a:off x="4510163" y="3435696"/>
+                  <a:ext cx="350969" cy="369332"/>
+                </a:xfrm>
+                <a:prstGeom prst="rect">
+                  <a:avLst/>
+                </a:prstGeom>
+                <a:blipFill>
+                  <a:blip r:embed="rId4"/>
+                  <a:stretch>
+                    <a:fillRect r="-63793"/>
+                  </a:stretch>
+                </a:blipFill>
+              </p:spPr>
+              <p:txBody>
+                <a:bodyPr/>
+                <a:lstStyle/>
+                <a:p>
+                  <a:r>
+                    <a:rPr lang="fr-FR">
+                      <a:noFill/>
+                    </a:rPr>
+                    <a:t> </a:t>
+                  </a:r>
+                </a:p>
+              </p:txBody>
+            </p:sp>
+          </mc:Fallback>
+        </mc:AlternateContent>
+        <mc:AlternateContent xmlns:mc="http://schemas.openxmlformats.org/markup-compatibility/2006">
+          <mc:Choice xmlns:a14="http://schemas.microsoft.com/office/drawing/2010/main" Requires="a14">
+            <p:sp>
+              <p:nvSpPr>
+                <p:cNvPr id="44" name="ZoneTexte 43">
+                  <a:extLst>
+                    <a:ext uri="{FF2B5EF4-FFF2-40B4-BE49-F238E27FC236}">
+                      <a16:creationId xmlns:a16="http://schemas.microsoft.com/office/drawing/2014/main" id="{9B270ECE-FD5D-4730-9249-7038BB3DAA09}"/>
+                    </a:ext>
+                  </a:extLst>
+                </p:cNvPr>
+                <p:cNvSpPr txBox="1"/>
+                <p:nvPr/>
+              </p:nvSpPr>
+              <p:spPr>
+                <a:xfrm flipH="1">
+                  <a:off x="3533002" y="4464420"/>
+                  <a:ext cx="350969" cy="369332"/>
+                </a:xfrm>
+                <a:prstGeom prst="rect">
+                  <a:avLst/>
+                </a:prstGeom>
+                <a:noFill/>
+              </p:spPr>
+              <p:txBody>
+                <a:bodyPr wrap="square" rtlCol="0">
+                  <a:spAutoFit/>
+                </a:bodyPr>
+                <a:lstStyle/>
+                <a:p>
+                  <a14:m>
+                    <m:oMathPara xmlns:m="http://schemas.openxmlformats.org/officeDocument/2006/math">
+                      <m:oMathParaPr>
+                        <m:jc m:val="centerGroup"/>
+                      </m:oMathParaPr>
+                      <m:oMath xmlns:m="http://schemas.openxmlformats.org/officeDocument/2006/math">
+                        <m:sSub>
+                          <m:sSubPr>
+                            <m:ctrlPr>
+                              <a:rPr lang="fr-FR" b="0" i="1" smtClean="0">
+                                <a:latin typeface="Cambria Math" panose="02040503050406030204" pitchFamily="18" charset="0"/>
+                              </a:rPr>
+                            </m:ctrlPr>
+                          </m:sSubPr>
+                          <m:e>
+                            <m:r>
+                              <a:rPr lang="fr-FR" b="0" i="1" smtClean="0">
+                                <a:latin typeface="Cambria Math" panose="02040503050406030204" pitchFamily="18" charset="0"/>
+                              </a:rPr>
+                              <m:t>𝑥</m:t>
+                            </m:r>
+                          </m:e>
+                          <m:sub>
+                            <m:r>
+                              <a:rPr lang="fr-FR" b="0" i="1" smtClean="0">
+                                <a:latin typeface="Cambria Math" panose="02040503050406030204" pitchFamily="18" charset="0"/>
+                              </a:rPr>
+                              <m:t>𝑡</m:t>
+                            </m:r>
+                            <m:r>
+                              <a:rPr lang="fr-FR" b="0" i="1" smtClean="0">
+                                <a:latin typeface="Cambria Math" panose="02040503050406030204" pitchFamily="18" charset="0"/>
+                              </a:rPr>
+                              <m:t>−1</m:t>
+                            </m:r>
+                          </m:sub>
+                        </m:sSub>
+                      </m:oMath>
+                    </m:oMathPara>
+                  </a14:m>
+                  <a:endParaRPr lang="fr-FR" dirty="0"/>
+                </a:p>
+              </p:txBody>
+            </p:sp>
+          </mc:Choice>
+          <mc:Fallback>
+            <p:sp>
+              <p:nvSpPr>
+                <p:cNvPr id="44" name="ZoneTexte 43">
+                  <a:extLst>
+                    <a:ext uri="{FF2B5EF4-FFF2-40B4-BE49-F238E27FC236}">
+                      <a16:creationId xmlns:a16="http://schemas.microsoft.com/office/drawing/2014/main" id="{9B270ECE-FD5D-4730-9249-7038BB3DAA09}"/>
+                    </a:ext>
+                  </a:extLst>
+                </p:cNvPr>
+                <p:cNvSpPr txBox="1">
+                  <a:spLocks noRot="1" noChangeAspect="1" noMove="1" noResize="1" noEditPoints="1" noAdjustHandles="1" noChangeArrowheads="1" noChangeShapeType="1" noTextEdit="1"/>
+                </p:cNvSpPr>
+                <p:nvPr/>
+              </p:nvSpPr>
+              <p:spPr>
+                <a:xfrm flipH="1">
+                  <a:off x="3533002" y="4464420"/>
+                  <a:ext cx="350969" cy="369332"/>
+                </a:xfrm>
+                <a:prstGeom prst="rect">
+                  <a:avLst/>
+                </a:prstGeom>
+                <a:blipFill>
+                  <a:blip r:embed="rId5"/>
+                  <a:stretch>
+                    <a:fillRect r="-60345"/>
+                  </a:stretch>
+                </a:blipFill>
+              </p:spPr>
+              <p:txBody>
+                <a:bodyPr/>
+                <a:lstStyle/>
+                <a:p>
+                  <a:r>
+                    <a:rPr lang="fr-FR">
+                      <a:noFill/>
+                    </a:rPr>
+                    <a:t> </a:t>
+                  </a:r>
+                </a:p>
+              </p:txBody>
+            </p:sp>
+          </mc:Fallback>
+        </mc:AlternateContent>
+        <p:sp>
+          <p:nvSpPr>
+            <p:cNvPr id="45" name="Rectangle 44">
+              <a:extLst>
+                <a:ext uri="{FF2B5EF4-FFF2-40B4-BE49-F238E27FC236}">
+                  <a16:creationId xmlns:a16="http://schemas.microsoft.com/office/drawing/2014/main" id="{E70B9006-55D5-4B56-9A15-0A5653FFC48A}"/>
+                </a:ext>
+              </a:extLst>
+            </p:cNvPr>
+            <p:cNvSpPr/>
+            <p:nvPr/>
+          </p:nvSpPr>
+          <p:spPr>
+            <a:xfrm>
+              <a:off x="3559895" y="3440203"/>
+              <a:ext cx="263561" cy="759759"/>
+            </a:xfrm>
+            <a:prstGeom prst="rect">
+              <a:avLst/>
+            </a:prstGeom>
+          </p:spPr>
+          <p:style>
+            <a:lnRef idx="2">
+              <a:schemeClr val="accent1">
+                <a:shade val="50000"/>
+              </a:schemeClr>
+            </a:lnRef>
+            <a:fillRef idx="1">
+              <a:schemeClr val="accent1"/>
+            </a:fillRef>
+            <a:effectRef idx="0">
+              <a:schemeClr val="accent1"/>
+            </a:effectRef>
+            <a:fontRef idx="minor">
+              <a:schemeClr val="lt1"/>
+            </a:fontRef>
+          </p:style>
+          <p:txBody>
+            <a:bodyPr rtlCol="0" anchor="ctr"/>
+            <a:lstStyle/>
+            <a:p>
+              <a:pPr algn="ctr"/>
+              <a:endParaRPr lang="fr-FR" dirty="0"/>
+            </a:p>
+          </p:txBody>
+        </p:sp>
+        <p:cxnSp>
+          <p:nvCxnSpPr>
+            <p:cNvPr id="46" name="Connecteur droit avec flèche 45">
+              <a:extLst>
+                <a:ext uri="{FF2B5EF4-FFF2-40B4-BE49-F238E27FC236}">
+                  <a16:creationId xmlns:a16="http://schemas.microsoft.com/office/drawing/2014/main" id="{CAE72BEC-B2E9-4F3C-AA51-1B8FA494CD45}"/>
+                </a:ext>
+              </a:extLst>
+            </p:cNvPr>
+            <p:cNvCxnSpPr>
+              <a:cxnSpLocks/>
+              <a:endCxn id="45" idx="2"/>
+            </p:cNvCxnSpPr>
+            <p:nvPr/>
+          </p:nvCxnSpPr>
+          <p:spPr>
+            <a:xfrm flipH="1" flipV="1">
+              <a:off x="3691676" y="4199962"/>
+              <a:ext cx="0" cy="360000"/>
+            </a:xfrm>
+            <a:prstGeom prst="straightConnector1">
+              <a:avLst/>
+            </a:prstGeom>
+            <a:ln w="12700">
+              <a:solidFill>
+                <a:schemeClr val="tx1"/>
+              </a:solidFill>
+              <a:tailEnd type="triangle"/>
+            </a:ln>
+          </p:spPr>
+          <p:style>
+            <a:lnRef idx="1">
+              <a:schemeClr val="accent1"/>
+            </a:lnRef>
+            <a:fillRef idx="0">
+              <a:schemeClr val="accent1"/>
+            </a:fillRef>
+            <a:effectRef idx="0">
+              <a:schemeClr val="accent1"/>
+            </a:effectRef>
+            <a:fontRef idx="minor">
+              <a:schemeClr val="tx1"/>
+            </a:fontRef>
+          </p:style>
+        </p:cxnSp>
+        <p:cxnSp>
+          <p:nvCxnSpPr>
+            <p:cNvPr id="47" name="Connecteur droit avec flèche 46">
+              <a:extLst>
+                <a:ext uri="{FF2B5EF4-FFF2-40B4-BE49-F238E27FC236}">
+                  <a16:creationId xmlns:a16="http://schemas.microsoft.com/office/drawing/2014/main" id="{0C1A1F81-3093-4DF3-867F-C2A62D352A0D}"/>
+                </a:ext>
+              </a:extLst>
+            </p:cNvPr>
+            <p:cNvCxnSpPr>
+              <a:cxnSpLocks/>
+              <a:stCxn id="45" idx="3"/>
+            </p:cNvCxnSpPr>
+            <p:nvPr/>
+          </p:nvCxnSpPr>
+          <p:spPr>
+            <a:xfrm flipV="1">
+              <a:off x="3823456" y="3817839"/>
+              <a:ext cx="432000" cy="0"/>
+            </a:xfrm>
+            <a:prstGeom prst="straightConnector1">
+              <a:avLst/>
+            </a:prstGeom>
+            <a:ln w="12700">
+              <a:tailEnd type="triangle"/>
+            </a:ln>
+          </p:spPr>
+          <p:style>
+            <a:lnRef idx="1">
+              <a:schemeClr val="accent1"/>
+            </a:lnRef>
+            <a:fillRef idx="0">
+              <a:schemeClr val="accent1"/>
+            </a:fillRef>
+            <a:effectRef idx="0">
+              <a:schemeClr val="accent1"/>
+            </a:effectRef>
+            <a:fontRef idx="minor">
+              <a:schemeClr val="tx1"/>
+            </a:fontRef>
+          </p:style>
+        </p:cxnSp>
+        <mc:AlternateContent xmlns:mc="http://schemas.openxmlformats.org/markup-compatibility/2006">
+          <mc:Choice xmlns:a14="http://schemas.microsoft.com/office/drawing/2010/main" Requires="a14">
+            <p:sp>
+              <p:nvSpPr>
+                <p:cNvPr id="48" name="ZoneTexte 47">
+                  <a:extLst>
+                    <a:ext uri="{FF2B5EF4-FFF2-40B4-BE49-F238E27FC236}">
+                      <a16:creationId xmlns:a16="http://schemas.microsoft.com/office/drawing/2014/main" id="{91294CC6-5DD6-415B-B84E-61BFC7997417}"/>
+                    </a:ext>
+                  </a:extLst>
+                </p:cNvPr>
+                <p:cNvSpPr txBox="1"/>
+                <p:nvPr/>
+              </p:nvSpPr>
+              <p:spPr>
+                <a:xfrm flipH="1">
+                  <a:off x="3786254" y="3424498"/>
+                  <a:ext cx="350969" cy="369332"/>
+                </a:xfrm>
+                <a:prstGeom prst="rect">
+                  <a:avLst/>
+                </a:prstGeom>
+                <a:noFill/>
+              </p:spPr>
+              <p:txBody>
+                <a:bodyPr wrap="square" rtlCol="0">
+                  <a:spAutoFit/>
+                </a:bodyPr>
+                <a:lstStyle/>
+                <a:p>
+                  <a14:m>
+                    <m:oMathPara xmlns:m="http://schemas.openxmlformats.org/officeDocument/2006/math">
+                      <m:oMathParaPr>
+                        <m:jc m:val="centerGroup"/>
+                      </m:oMathParaPr>
+                      <m:oMath xmlns:m="http://schemas.openxmlformats.org/officeDocument/2006/math">
+                        <m:sSub>
+                          <m:sSubPr>
+                            <m:ctrlPr>
+                              <a:rPr lang="fr-FR" b="0" i="1" smtClean="0">
+                                <a:latin typeface="Cambria Math" panose="02040503050406030204" pitchFamily="18" charset="0"/>
+                              </a:rPr>
+                            </m:ctrlPr>
+                          </m:sSubPr>
+                          <m:e>
+                            <m:r>
+                              <a:rPr lang="fr-FR" b="0" i="1" smtClean="0">
+                                <a:latin typeface="Cambria Math" panose="02040503050406030204" pitchFamily="18" charset="0"/>
+                              </a:rPr>
+                              <m:t>h</m:t>
+                            </m:r>
+                          </m:e>
+                          <m:sub>
+                            <m:r>
+                              <a:rPr lang="fr-FR" b="0" i="1" smtClean="0">
+                                <a:latin typeface="Cambria Math" panose="02040503050406030204" pitchFamily="18" charset="0"/>
+                              </a:rPr>
+                              <m:t>𝑡</m:t>
+                            </m:r>
+                          </m:sub>
+                        </m:sSub>
+                      </m:oMath>
+                    </m:oMathPara>
+                  </a14:m>
+                  <a:endParaRPr lang="fr-FR" dirty="0"/>
+                </a:p>
+              </p:txBody>
+            </p:sp>
+          </mc:Choice>
+          <mc:Fallback>
+            <p:sp>
+              <p:nvSpPr>
+                <p:cNvPr id="48" name="ZoneTexte 47">
+                  <a:extLst>
+                    <a:ext uri="{FF2B5EF4-FFF2-40B4-BE49-F238E27FC236}">
+                      <a16:creationId xmlns:a16="http://schemas.microsoft.com/office/drawing/2014/main" id="{91294CC6-5DD6-415B-B84E-61BFC7997417}"/>
+                    </a:ext>
+                  </a:extLst>
+                </p:cNvPr>
+                <p:cNvSpPr txBox="1">
+                  <a:spLocks noRot="1" noChangeAspect="1" noMove="1" noResize="1" noEditPoints="1" noAdjustHandles="1" noChangeArrowheads="1" noChangeShapeType="1" noTextEdit="1"/>
+                </p:cNvSpPr>
+                <p:nvPr/>
+              </p:nvSpPr>
+              <p:spPr>
+                <a:xfrm flipH="1">
+                  <a:off x="3786254" y="3424498"/>
+                  <a:ext cx="350969" cy="369332"/>
+                </a:xfrm>
+                <a:prstGeom prst="rect">
+                  <a:avLst/>
+                </a:prstGeom>
+                <a:blipFill>
+                  <a:blip r:embed="rId6"/>
+                  <a:stretch>
+                    <a:fillRect/>
+                  </a:stretch>
+                </a:blipFill>
+              </p:spPr>
+              <p:txBody>
+                <a:bodyPr/>
+                <a:lstStyle/>
+                <a:p>
+                  <a:r>
+                    <a:rPr lang="fr-FR">
+                      <a:noFill/>
+                    </a:rPr>
+                    <a:t> </a:t>
+                  </a:r>
+                </a:p>
+              </p:txBody>
+            </p:sp>
+          </mc:Fallback>
+        </mc:AlternateContent>
+        <mc:AlternateContent xmlns:mc="http://schemas.openxmlformats.org/markup-compatibility/2006">
+          <mc:Choice xmlns:a14="http://schemas.microsoft.com/office/drawing/2010/main" Requires="a14">
+            <p:sp>
+              <p:nvSpPr>
+                <p:cNvPr id="49" name="ZoneTexte 48">
+                  <a:extLst>
+                    <a:ext uri="{FF2B5EF4-FFF2-40B4-BE49-F238E27FC236}">
+                      <a16:creationId xmlns:a16="http://schemas.microsoft.com/office/drawing/2014/main" id="{7B9EF017-14BD-444F-B8F6-BECA079C96A5}"/>
+                    </a:ext>
+                  </a:extLst>
+                </p:cNvPr>
+                <p:cNvSpPr txBox="1"/>
+                <p:nvPr/>
+              </p:nvSpPr>
+              <p:spPr>
+                <a:xfrm flipH="1">
+                  <a:off x="4256911" y="4475618"/>
+                  <a:ext cx="350969" cy="369332"/>
+                </a:xfrm>
+                <a:prstGeom prst="rect">
+                  <a:avLst/>
+                </a:prstGeom>
+                <a:noFill/>
+              </p:spPr>
+              <p:txBody>
+                <a:bodyPr wrap="square" rtlCol="0">
+                  <a:spAutoFit/>
+                </a:bodyPr>
+                <a:lstStyle/>
+                <a:p>
+                  <a14:m>
+                    <m:oMathPara xmlns:m="http://schemas.openxmlformats.org/officeDocument/2006/math">
+                      <m:oMathParaPr>
+                        <m:jc m:val="centerGroup"/>
+                      </m:oMathParaPr>
+                      <m:oMath xmlns:m="http://schemas.openxmlformats.org/officeDocument/2006/math">
+                        <m:sSub>
+                          <m:sSubPr>
+                            <m:ctrlPr>
+                              <a:rPr lang="fr-FR" b="0" i="1" smtClean="0">
+                                <a:latin typeface="Cambria Math" panose="02040503050406030204" pitchFamily="18" charset="0"/>
+                              </a:rPr>
+                            </m:ctrlPr>
+                          </m:sSubPr>
+                          <m:e>
+                            <m:r>
+                              <a:rPr lang="fr-FR" b="0" i="1" smtClean="0">
+                                <a:latin typeface="Cambria Math" panose="02040503050406030204" pitchFamily="18" charset="0"/>
+                              </a:rPr>
+                              <m:t>𝑥</m:t>
+                            </m:r>
+                          </m:e>
+                          <m:sub>
+                            <m:r>
+                              <a:rPr lang="fr-FR" b="0" i="1" smtClean="0">
+                                <a:latin typeface="Cambria Math" panose="02040503050406030204" pitchFamily="18" charset="0"/>
+                              </a:rPr>
+                              <m:t>𝑡</m:t>
+                            </m:r>
+                          </m:sub>
+                        </m:sSub>
+                      </m:oMath>
+                    </m:oMathPara>
+                  </a14:m>
+                  <a:endParaRPr lang="fr-FR" dirty="0"/>
+                </a:p>
+              </p:txBody>
+            </p:sp>
+          </mc:Choice>
+          <mc:Fallback>
+            <p:sp>
+              <p:nvSpPr>
+                <p:cNvPr id="49" name="ZoneTexte 48">
+                  <a:extLst>
+                    <a:ext uri="{FF2B5EF4-FFF2-40B4-BE49-F238E27FC236}">
+                      <a16:creationId xmlns:a16="http://schemas.microsoft.com/office/drawing/2014/main" id="{7B9EF017-14BD-444F-B8F6-BECA079C96A5}"/>
+                    </a:ext>
+                  </a:extLst>
+                </p:cNvPr>
+                <p:cNvSpPr txBox="1">
+                  <a:spLocks noRot="1" noChangeAspect="1" noMove="1" noResize="1" noEditPoints="1" noAdjustHandles="1" noChangeArrowheads="1" noChangeShapeType="1" noTextEdit="1"/>
+                </p:cNvSpPr>
+                <p:nvPr/>
+              </p:nvSpPr>
+              <p:spPr>
+                <a:xfrm flipH="1">
+                  <a:off x="4256911" y="4475618"/>
+                  <a:ext cx="350969" cy="369332"/>
+                </a:xfrm>
+                <a:prstGeom prst="rect">
+                  <a:avLst/>
+                </a:prstGeom>
+                <a:blipFill>
+                  <a:blip r:embed="rId7"/>
+                  <a:stretch>
+                    <a:fillRect/>
+                  </a:stretch>
+                </a:blipFill>
+              </p:spPr>
+              <p:txBody>
+                <a:bodyPr/>
+                <a:lstStyle/>
+                <a:p>
+                  <a:r>
+                    <a:rPr lang="fr-FR">
+                      <a:noFill/>
+                    </a:rPr>
+                    <a:t> </a:t>
+                  </a:r>
+                </a:p>
+              </p:txBody>
+            </p:sp>
+          </mc:Fallback>
+        </mc:AlternateContent>
+        <p:sp>
+          <p:nvSpPr>
+            <p:cNvPr id="50" name="Rectangle 49">
+              <a:extLst>
+                <a:ext uri="{FF2B5EF4-FFF2-40B4-BE49-F238E27FC236}">
+                  <a16:creationId xmlns:a16="http://schemas.microsoft.com/office/drawing/2014/main" id="{B3EA36B5-B57C-41DA-A8E6-754AD08B1F04}"/>
+                </a:ext>
+              </a:extLst>
+            </p:cNvPr>
+            <p:cNvSpPr/>
+            <p:nvPr/>
+          </p:nvSpPr>
+          <p:spPr>
+            <a:xfrm>
+              <a:off x="4283804" y="3451401"/>
+              <a:ext cx="263561" cy="759759"/>
+            </a:xfrm>
+            <a:prstGeom prst="rect">
+              <a:avLst/>
+            </a:prstGeom>
+          </p:spPr>
+          <p:style>
+            <a:lnRef idx="2">
+              <a:schemeClr val="accent1">
+                <a:shade val="50000"/>
+              </a:schemeClr>
+            </a:lnRef>
+            <a:fillRef idx="1">
+              <a:schemeClr val="accent1"/>
+            </a:fillRef>
+            <a:effectRef idx="0">
+              <a:schemeClr val="accent1"/>
+            </a:effectRef>
+            <a:fontRef idx="minor">
+              <a:schemeClr val="lt1"/>
+            </a:fontRef>
+          </p:style>
+          <p:txBody>
+            <a:bodyPr rtlCol="0" anchor="ctr"/>
+            <a:lstStyle/>
+            <a:p>
+              <a:pPr algn="ctr"/>
+              <a:endParaRPr lang="fr-FR" dirty="0"/>
+            </a:p>
+          </p:txBody>
+        </p:sp>
+        <p:cxnSp>
+          <p:nvCxnSpPr>
+            <p:cNvPr id="51" name="Connecteur droit avec flèche 50">
+              <a:extLst>
+                <a:ext uri="{FF2B5EF4-FFF2-40B4-BE49-F238E27FC236}">
+                  <a16:creationId xmlns:a16="http://schemas.microsoft.com/office/drawing/2014/main" id="{EB825CC8-9CC0-4F62-A5B3-262AAFBF92A9}"/>
+                </a:ext>
+              </a:extLst>
+            </p:cNvPr>
+            <p:cNvCxnSpPr>
+              <a:cxnSpLocks/>
+              <a:endCxn id="50" idx="2"/>
+            </p:cNvCxnSpPr>
+            <p:nvPr/>
+          </p:nvCxnSpPr>
+          <p:spPr>
+            <a:xfrm flipH="1" flipV="1">
+              <a:off x="4415585" y="4211160"/>
+              <a:ext cx="0" cy="360000"/>
+            </a:xfrm>
+            <a:prstGeom prst="straightConnector1">
+              <a:avLst/>
+            </a:prstGeom>
+            <a:ln w="12700">
+              <a:solidFill>
+                <a:schemeClr val="tx1"/>
+              </a:solidFill>
+              <a:tailEnd type="triangle"/>
+            </a:ln>
+          </p:spPr>
+          <p:style>
+            <a:lnRef idx="1">
+              <a:schemeClr val="accent1"/>
+            </a:lnRef>
+            <a:fillRef idx="0">
+              <a:schemeClr val="accent1"/>
+            </a:fillRef>
+            <a:effectRef idx="0">
+              <a:schemeClr val="accent1"/>
+            </a:effectRef>
+            <a:fontRef idx="minor">
+              <a:schemeClr val="tx1"/>
+            </a:fontRef>
+          </p:style>
+        </p:cxnSp>
+        <p:cxnSp>
+          <p:nvCxnSpPr>
+            <p:cNvPr id="52" name="Connecteur droit avec flèche 51">
+              <a:extLst>
+                <a:ext uri="{FF2B5EF4-FFF2-40B4-BE49-F238E27FC236}">
+                  <a16:creationId xmlns:a16="http://schemas.microsoft.com/office/drawing/2014/main" id="{3FE49FFC-E598-41A2-9AE0-711F375A5701}"/>
+                </a:ext>
+              </a:extLst>
+            </p:cNvPr>
+            <p:cNvCxnSpPr>
+              <a:cxnSpLocks/>
+              <a:stCxn id="50" idx="3"/>
+            </p:cNvCxnSpPr>
+            <p:nvPr/>
+          </p:nvCxnSpPr>
+          <p:spPr>
+            <a:xfrm flipV="1">
+              <a:off x="4547365" y="3829037"/>
+              <a:ext cx="432000" cy="0"/>
+            </a:xfrm>
+            <a:prstGeom prst="straightConnector1">
+              <a:avLst/>
+            </a:prstGeom>
+            <a:ln w="12700">
+              <a:tailEnd type="triangle"/>
+            </a:ln>
+          </p:spPr>
+          <p:style>
+            <a:lnRef idx="1">
+              <a:schemeClr val="accent1"/>
+            </a:lnRef>
+            <a:fillRef idx="0">
+              <a:schemeClr val="accent1"/>
+            </a:fillRef>
+            <a:effectRef idx="0">
+              <a:schemeClr val="accent1"/>
+            </a:effectRef>
+            <a:fontRef idx="minor">
+              <a:schemeClr val="tx1"/>
+            </a:fontRef>
+          </p:style>
+        </p:cxnSp>
+        <mc:AlternateContent xmlns:mc="http://schemas.openxmlformats.org/markup-compatibility/2006">
+          <mc:Choice xmlns:a14="http://schemas.microsoft.com/office/drawing/2010/main" Requires="a14">
+            <p:sp>
+              <p:nvSpPr>
+                <p:cNvPr id="54" name="ZoneTexte 53">
+                  <a:extLst>
+                    <a:ext uri="{FF2B5EF4-FFF2-40B4-BE49-F238E27FC236}">
+                      <a16:creationId xmlns:a16="http://schemas.microsoft.com/office/drawing/2014/main" id="{697F8342-BBA3-4621-8BE5-FBF933521F93}"/>
+                    </a:ext>
+                  </a:extLst>
+                </p:cNvPr>
+                <p:cNvSpPr txBox="1"/>
+                <p:nvPr/>
+              </p:nvSpPr>
+              <p:spPr>
+                <a:xfrm flipH="1">
+                  <a:off x="4976319" y="4475620"/>
+                  <a:ext cx="350969" cy="369332"/>
+                </a:xfrm>
+                <a:prstGeom prst="rect">
+                  <a:avLst/>
+                </a:prstGeom>
+                <a:noFill/>
+              </p:spPr>
+              <p:txBody>
+                <a:bodyPr wrap="square" rtlCol="0">
+                  <a:spAutoFit/>
+                </a:bodyPr>
+                <a:lstStyle/>
+                <a:p>
+                  <a14:m>
+                    <m:oMathPara xmlns:m="http://schemas.openxmlformats.org/officeDocument/2006/math">
+                      <m:oMathParaPr>
+                        <m:jc m:val="centerGroup"/>
+                      </m:oMathParaPr>
+                      <m:oMath xmlns:m="http://schemas.openxmlformats.org/officeDocument/2006/math">
+                        <m:sSub>
+                          <m:sSubPr>
+                            <m:ctrlPr>
+                              <a:rPr lang="fr-FR" b="0" i="1" smtClean="0">
+                                <a:latin typeface="Cambria Math" panose="02040503050406030204" pitchFamily="18" charset="0"/>
+                              </a:rPr>
+                            </m:ctrlPr>
+                          </m:sSubPr>
+                          <m:e>
+                            <m:r>
+                              <a:rPr lang="fr-FR" b="0" i="1" smtClean="0">
+                                <a:latin typeface="Cambria Math" panose="02040503050406030204" pitchFamily="18" charset="0"/>
+                              </a:rPr>
+                              <m:t>𝑥</m:t>
+                            </m:r>
+                          </m:e>
+                          <m:sub>
+                            <m:r>
+                              <a:rPr lang="fr-FR" b="0" i="1" smtClean="0">
+                                <a:latin typeface="Cambria Math" panose="02040503050406030204" pitchFamily="18" charset="0"/>
+                              </a:rPr>
+                              <m:t>𝑡</m:t>
+                            </m:r>
+                            <m:r>
+                              <a:rPr lang="fr-FR" b="0" i="1" smtClean="0">
+                                <a:latin typeface="Cambria Math" panose="02040503050406030204" pitchFamily="18" charset="0"/>
+                              </a:rPr>
+                              <m:t>+1</m:t>
+                            </m:r>
+                          </m:sub>
+                        </m:sSub>
+                      </m:oMath>
+                    </m:oMathPara>
+                  </a14:m>
+                  <a:endParaRPr lang="fr-FR" dirty="0"/>
+                </a:p>
+              </p:txBody>
+            </p:sp>
+          </mc:Choice>
+          <mc:Fallback>
+            <p:sp>
+              <p:nvSpPr>
+                <p:cNvPr id="54" name="ZoneTexte 53">
+                  <a:extLst>
+                    <a:ext uri="{FF2B5EF4-FFF2-40B4-BE49-F238E27FC236}">
+                      <a16:creationId xmlns:a16="http://schemas.microsoft.com/office/drawing/2014/main" id="{697F8342-BBA3-4621-8BE5-FBF933521F93}"/>
+                    </a:ext>
+                  </a:extLst>
+                </p:cNvPr>
+                <p:cNvSpPr txBox="1">
+                  <a:spLocks noRot="1" noChangeAspect="1" noMove="1" noResize="1" noEditPoints="1" noAdjustHandles="1" noChangeArrowheads="1" noChangeShapeType="1" noTextEdit="1"/>
+                </p:cNvSpPr>
+                <p:nvPr/>
+              </p:nvSpPr>
+              <p:spPr>
+                <a:xfrm flipH="1">
+                  <a:off x="4976319" y="4475620"/>
+                  <a:ext cx="350969" cy="369332"/>
+                </a:xfrm>
+                <a:prstGeom prst="rect">
+                  <a:avLst/>
+                </a:prstGeom>
+                <a:blipFill>
+                  <a:blip r:embed="rId8"/>
+                  <a:stretch>
+                    <a:fillRect r="-58621"/>
+                  </a:stretch>
+                </a:blipFill>
+              </p:spPr>
+              <p:txBody>
+                <a:bodyPr/>
+                <a:lstStyle/>
+                <a:p>
+                  <a:r>
+                    <a:rPr lang="fr-FR">
+                      <a:noFill/>
+                    </a:rPr>
+                    <a:t> </a:t>
+                  </a:r>
+                </a:p>
+              </p:txBody>
+            </p:sp>
+          </mc:Fallback>
+        </mc:AlternateContent>
+        <p:sp>
+          <p:nvSpPr>
+            <p:cNvPr id="55" name="Rectangle 54">
+              <a:extLst>
+                <a:ext uri="{FF2B5EF4-FFF2-40B4-BE49-F238E27FC236}">
+                  <a16:creationId xmlns:a16="http://schemas.microsoft.com/office/drawing/2014/main" id="{B173FC7F-7A2E-41E9-9CFB-052EB04B76B9}"/>
+                </a:ext>
+              </a:extLst>
+            </p:cNvPr>
+            <p:cNvSpPr/>
+            <p:nvPr/>
+          </p:nvSpPr>
+          <p:spPr>
+            <a:xfrm>
+              <a:off x="5030108" y="3451403"/>
+              <a:ext cx="263561" cy="759759"/>
+            </a:xfrm>
+            <a:prstGeom prst="rect">
+              <a:avLst/>
+            </a:prstGeom>
+          </p:spPr>
+          <p:style>
+            <a:lnRef idx="2">
+              <a:schemeClr val="accent1">
+                <a:shade val="50000"/>
+              </a:schemeClr>
+            </a:lnRef>
+            <a:fillRef idx="1">
+              <a:schemeClr val="accent1"/>
+            </a:fillRef>
+            <a:effectRef idx="0">
+              <a:schemeClr val="accent1"/>
+            </a:effectRef>
+            <a:fontRef idx="minor">
+              <a:schemeClr val="lt1"/>
+            </a:fontRef>
+          </p:style>
+          <p:txBody>
+            <a:bodyPr rtlCol="0" anchor="ctr"/>
+            <a:lstStyle/>
+            <a:p>
+              <a:pPr algn="ctr"/>
+              <a:endParaRPr lang="fr-FR" dirty="0"/>
+            </a:p>
+          </p:txBody>
+        </p:sp>
+        <p:cxnSp>
+          <p:nvCxnSpPr>
+            <p:cNvPr id="56" name="Connecteur droit avec flèche 55">
+              <a:extLst>
+                <a:ext uri="{FF2B5EF4-FFF2-40B4-BE49-F238E27FC236}">
+                  <a16:creationId xmlns:a16="http://schemas.microsoft.com/office/drawing/2014/main" id="{76557A10-3086-4D44-A4C3-5E951763EC34}"/>
+                </a:ext>
+              </a:extLst>
+            </p:cNvPr>
+            <p:cNvCxnSpPr>
+              <a:cxnSpLocks/>
+              <a:endCxn id="55" idx="2"/>
+            </p:cNvCxnSpPr>
+            <p:nvPr/>
+          </p:nvCxnSpPr>
+          <p:spPr>
+            <a:xfrm flipH="1" flipV="1">
+              <a:off x="5161889" y="4211162"/>
+              <a:ext cx="0" cy="360000"/>
+            </a:xfrm>
+            <a:prstGeom prst="straightConnector1">
+              <a:avLst/>
+            </a:prstGeom>
+            <a:ln w="12700">
+              <a:solidFill>
+                <a:schemeClr val="tx1"/>
+              </a:solidFill>
+              <a:tailEnd type="triangle"/>
+            </a:ln>
+          </p:spPr>
+          <p:style>
+            <a:lnRef idx="1">
+              <a:schemeClr val="accent1"/>
+            </a:lnRef>
+            <a:fillRef idx="0">
+              <a:schemeClr val="accent1"/>
+            </a:fillRef>
+            <a:effectRef idx="0">
+              <a:schemeClr val="accent1"/>
+            </a:effectRef>
+            <a:fontRef idx="minor">
+              <a:schemeClr val="tx1"/>
+            </a:fontRef>
+          </p:style>
+        </p:cxnSp>
+        <mc:AlternateContent xmlns:mc="http://schemas.openxmlformats.org/markup-compatibility/2006">
+          <mc:Choice xmlns:a14="http://schemas.microsoft.com/office/drawing/2010/main" Requires="a14">
+            <p:sp>
+              <p:nvSpPr>
+                <p:cNvPr id="57" name="ZoneTexte 56">
+                  <a:extLst>
+                    <a:ext uri="{FF2B5EF4-FFF2-40B4-BE49-F238E27FC236}">
+                      <a16:creationId xmlns:a16="http://schemas.microsoft.com/office/drawing/2014/main" id="{E13E0B4D-F7D3-47B6-970E-15B64D015998}"/>
+                    </a:ext>
+                  </a:extLst>
+                </p:cNvPr>
+                <p:cNvSpPr txBox="1"/>
+                <p:nvPr/>
+              </p:nvSpPr>
+              <p:spPr>
+                <a:xfrm flipH="1">
+                  <a:off x="4986404" y="1575436"/>
+                  <a:ext cx="350969" cy="369332"/>
+                </a:xfrm>
+                <a:prstGeom prst="rect">
+                  <a:avLst/>
+                </a:prstGeom>
+                <a:noFill/>
+              </p:spPr>
+              <p:txBody>
+                <a:bodyPr wrap="square" rtlCol="0">
+                  <a:spAutoFit/>
+                </a:bodyPr>
+                <a:lstStyle/>
+                <a:p>
+                  <a14:m>
+                    <m:oMathPara xmlns:m="http://schemas.openxmlformats.org/officeDocument/2006/math">
+                      <m:oMathParaPr>
+                        <m:jc m:val="centerGroup"/>
+                      </m:oMathParaPr>
+                      <m:oMath xmlns:m="http://schemas.openxmlformats.org/officeDocument/2006/math">
+                        <m:r>
+                          <a:rPr lang="fr-FR" b="0" i="1" smtClean="0">
+                            <a:latin typeface="Cambria Math" panose="02040503050406030204" pitchFamily="18" charset="0"/>
+                          </a:rPr>
+                          <m:t>𝑦</m:t>
+                        </m:r>
+                      </m:oMath>
+                    </m:oMathPara>
+                  </a14:m>
+                  <a:endParaRPr lang="fr-FR" dirty="0"/>
+                </a:p>
+              </p:txBody>
+            </p:sp>
+          </mc:Choice>
+          <mc:Fallback>
+            <p:sp>
+              <p:nvSpPr>
+                <p:cNvPr id="57" name="ZoneTexte 56">
+                  <a:extLst>
+                    <a:ext uri="{FF2B5EF4-FFF2-40B4-BE49-F238E27FC236}">
+                      <a16:creationId xmlns:a16="http://schemas.microsoft.com/office/drawing/2014/main" id="{E13E0B4D-F7D3-47B6-970E-15B64D015998}"/>
+                    </a:ext>
+                  </a:extLst>
+                </p:cNvPr>
+                <p:cNvSpPr txBox="1">
+                  <a:spLocks noRot="1" noChangeAspect="1" noMove="1" noResize="1" noEditPoints="1" noAdjustHandles="1" noChangeArrowheads="1" noChangeShapeType="1" noTextEdit="1"/>
+                </p:cNvSpPr>
+                <p:nvPr/>
+              </p:nvSpPr>
+              <p:spPr>
+                <a:xfrm flipH="1">
+                  <a:off x="4986404" y="1575436"/>
+                  <a:ext cx="350969" cy="369332"/>
+                </a:xfrm>
+                <a:prstGeom prst="rect">
+                  <a:avLst/>
+                </a:prstGeom>
+                <a:blipFill>
+                  <a:blip r:embed="rId9"/>
+                  <a:stretch>
+                    <a:fillRect b="-6667"/>
+                  </a:stretch>
+                </a:blipFill>
+              </p:spPr>
+              <p:txBody>
+                <a:bodyPr/>
+                <a:lstStyle/>
+                <a:p>
+                  <a:r>
+                    <a:rPr lang="fr-FR">
+                      <a:noFill/>
+                    </a:rPr>
+                    <a:t> </a:t>
+                  </a:r>
+                </a:p>
+              </p:txBody>
+            </p:sp>
+          </mc:Fallback>
+        </mc:AlternateContent>
+        <p:cxnSp>
+          <p:nvCxnSpPr>
+            <p:cNvPr id="58" name="Connecteur droit avec flèche 57">
+              <a:extLst>
+                <a:ext uri="{FF2B5EF4-FFF2-40B4-BE49-F238E27FC236}">
+                  <a16:creationId xmlns:a16="http://schemas.microsoft.com/office/drawing/2014/main" id="{66A3B5A5-F357-4069-8724-6A9479AF1507}"/>
+                </a:ext>
+              </a:extLst>
+            </p:cNvPr>
+            <p:cNvCxnSpPr>
+              <a:cxnSpLocks/>
+            </p:cNvCxnSpPr>
+            <p:nvPr/>
+          </p:nvCxnSpPr>
+          <p:spPr>
+            <a:xfrm flipH="1" flipV="1">
+              <a:off x="5149322" y="3080075"/>
+              <a:ext cx="0" cy="360000"/>
+            </a:xfrm>
+            <a:prstGeom prst="straightConnector1">
+              <a:avLst/>
+            </a:prstGeom>
+            <a:ln w="12700">
+              <a:tailEnd type="triangle"/>
+            </a:ln>
+          </p:spPr>
+          <p:style>
+            <a:lnRef idx="1">
+              <a:schemeClr val="accent1"/>
+            </a:lnRef>
+            <a:fillRef idx="0">
+              <a:schemeClr val="accent1"/>
+            </a:fillRef>
+            <a:effectRef idx="0">
+              <a:schemeClr val="accent1"/>
+            </a:effectRef>
+            <a:fontRef idx="minor">
+              <a:schemeClr val="tx1"/>
+            </a:fontRef>
+          </p:style>
+        </p:cxnSp>
+        <p:sp>
+          <p:nvSpPr>
+            <p:cNvPr id="59" name="Rectangle 58">
+              <a:extLst>
+                <a:ext uri="{FF2B5EF4-FFF2-40B4-BE49-F238E27FC236}">
+                  <a16:creationId xmlns:a16="http://schemas.microsoft.com/office/drawing/2014/main" id="{F389A307-42BB-4AB2-A3DC-44D455293FED}"/>
+                </a:ext>
+              </a:extLst>
+            </p:cNvPr>
+            <p:cNvSpPr/>
+            <p:nvPr/>
+          </p:nvSpPr>
+          <p:spPr>
+            <a:xfrm>
+              <a:off x="5048033" y="2299436"/>
+              <a:ext cx="263561" cy="759759"/>
+            </a:xfrm>
+            <a:prstGeom prst="rect">
+              <a:avLst/>
+            </a:prstGeom>
+            <a:solidFill>
+              <a:schemeClr val="accent6"/>
+            </a:solidFill>
+            <a:ln>
+              <a:solidFill>
+                <a:schemeClr val="accent6"/>
+              </a:solidFill>
+            </a:ln>
+          </p:spPr>
+          <p:style>
+            <a:lnRef idx="2">
+              <a:schemeClr val="accent1">
+                <a:shade val="50000"/>
+              </a:schemeClr>
+            </a:lnRef>
+            <a:fillRef idx="1">
+              <a:schemeClr val="accent1"/>
+            </a:fillRef>
+            <a:effectRef idx="0">
+              <a:schemeClr val="accent1"/>
+            </a:effectRef>
+            <a:fontRef idx="minor">
+              <a:schemeClr val="lt1"/>
+            </a:fontRef>
+          </p:style>
+          <p:txBody>
+            <a:bodyPr rtlCol="0" anchor="ctr"/>
+            <a:lstStyle/>
+            <a:p>
+              <a:pPr algn="ctr"/>
+              <a:endParaRPr lang="fr-FR" dirty="0"/>
+            </a:p>
+          </p:txBody>
+        </p:sp>
+        <p:cxnSp>
+          <p:nvCxnSpPr>
+            <p:cNvPr id="60" name="Connecteur droit avec flèche 59">
+              <a:extLst>
+                <a:ext uri="{FF2B5EF4-FFF2-40B4-BE49-F238E27FC236}">
+                  <a16:creationId xmlns:a16="http://schemas.microsoft.com/office/drawing/2014/main" id="{F37F03DC-898C-41EE-BB21-32DE3A372741}"/>
+                </a:ext>
+              </a:extLst>
+            </p:cNvPr>
+            <p:cNvCxnSpPr>
+              <a:cxnSpLocks/>
+            </p:cNvCxnSpPr>
+            <p:nvPr/>
+          </p:nvCxnSpPr>
+          <p:spPr>
+            <a:xfrm flipH="1" flipV="1">
+              <a:off x="5153800" y="1928108"/>
+              <a:ext cx="0" cy="360000"/>
+            </a:xfrm>
+            <a:prstGeom prst="straightConnector1">
+              <a:avLst/>
+            </a:prstGeom>
+            <a:ln w="12700">
+              <a:solidFill>
+                <a:schemeClr val="accent6"/>
+              </a:solidFill>
+              <a:tailEnd type="triangle"/>
+            </a:ln>
+          </p:spPr>
+          <p:style>
+            <a:lnRef idx="1">
+              <a:schemeClr val="accent1"/>
+            </a:lnRef>
+            <a:fillRef idx="0">
+              <a:schemeClr val="accent1"/>
+            </a:fillRef>
+            <a:effectRef idx="0">
+              <a:schemeClr val="accent1"/>
+            </a:effectRef>
+            <a:fontRef idx="minor">
+              <a:schemeClr val="tx1"/>
+            </a:fontRef>
+          </p:style>
+        </p:cxnSp>
+      </p:grpSp>
+      <mc:AlternateContent xmlns:mc="http://schemas.openxmlformats.org/markup-compatibility/2006">
+        <mc:Choice xmlns:a14="http://schemas.microsoft.com/office/drawing/2010/main" Requires="a14">
+          <p:sp>
+            <p:nvSpPr>
+              <p:cNvPr id="97" name="ZoneTexte 96">
+                <a:extLst>
+                  <a:ext uri="{FF2B5EF4-FFF2-40B4-BE49-F238E27FC236}">
+                    <a16:creationId xmlns:a16="http://schemas.microsoft.com/office/drawing/2014/main" id="{748DCF6B-8B58-454D-AA70-CDDB88923B6D}"/>
+                  </a:ext>
+                </a:extLst>
+              </p:cNvPr>
+              <p:cNvSpPr txBox="1"/>
+              <p:nvPr/>
+            </p:nvSpPr>
+            <p:spPr>
+              <a:xfrm>
+                <a:off x="7565128" y="4445360"/>
+                <a:ext cx="3488356" cy="1015663"/>
+              </a:xfrm>
+              <a:prstGeom prst="rect">
+                <a:avLst/>
+              </a:prstGeom>
+              <a:noFill/>
+            </p:spPr>
+            <p:txBody>
+              <a:bodyPr wrap="square" rtlCol="0">
+                <a:spAutoFit/>
+              </a:bodyPr>
+              <a:lstStyle/>
+              <a:p>
+                <a:r>
+                  <a:rPr lang="fr-FR" sz="2000" dirty="0"/>
+                  <a:t>Entrées et sorties séquentielles</a:t>
+                </a:r>
+              </a:p>
+              <a:p>
+                <a:pPr/>
+                <a14:m>
+                  <m:oMathPara xmlns:m="http://schemas.openxmlformats.org/officeDocument/2006/math">
+                    <m:oMathParaPr>
+                      <m:jc m:val="centerGroup"/>
+                    </m:oMathParaPr>
+                    <m:oMath xmlns:m="http://schemas.openxmlformats.org/officeDocument/2006/math">
+                      <m:sSub>
+                        <m:sSubPr>
+                          <m:ctrlPr>
+                            <a:rPr lang="fr-FR" sz="2000" b="0" i="1" smtClean="0">
+                              <a:latin typeface="Cambria Math" panose="02040503050406030204" pitchFamily="18" charset="0"/>
+                            </a:rPr>
+                          </m:ctrlPr>
+                        </m:sSubPr>
+                        <m:e>
+                          <m:r>
+                            <a:rPr lang="fr-FR" sz="2000" b="0" i="1" smtClean="0">
+                              <a:latin typeface="Cambria Math" panose="02040503050406030204" pitchFamily="18" charset="0"/>
+                            </a:rPr>
+                            <m:t>𝑦</m:t>
+                          </m:r>
+                        </m:e>
+                        <m:sub>
+                          <m:r>
+                            <a:rPr lang="fr-FR" sz="2000" b="0" i="1" smtClean="0">
+                              <a:latin typeface="Cambria Math" panose="02040503050406030204" pitchFamily="18" charset="0"/>
+                            </a:rPr>
+                            <m:t>𝑡</m:t>
+                          </m:r>
+                          <m:r>
+                            <a:rPr lang="fr-FR" sz="2000" b="0" i="1" smtClean="0">
+                              <a:latin typeface="Cambria Math" panose="02040503050406030204" pitchFamily="18" charset="0"/>
+                            </a:rPr>
+                            <m:t>+1</m:t>
+                          </m:r>
+                        </m:sub>
+                      </m:sSub>
+                      <m:r>
+                        <a:rPr lang="fr-FR" sz="2000" b="0" i="1" smtClean="0">
+                          <a:latin typeface="Cambria Math" panose="02040503050406030204" pitchFamily="18" charset="0"/>
+                        </a:rPr>
+                        <m:t>=</m:t>
+                      </m:r>
+                      <m:sSub>
+                        <m:sSubPr>
+                          <m:ctrlPr>
+                            <a:rPr lang="fr-FR" sz="2000" b="0" i="1" smtClean="0">
+                              <a:latin typeface="Cambria Math" panose="02040503050406030204" pitchFamily="18" charset="0"/>
+                            </a:rPr>
+                          </m:ctrlPr>
+                        </m:sSubPr>
+                        <m:e>
+                          <m:r>
+                            <a:rPr lang="fr-FR" sz="2000" b="0" i="1" smtClean="0">
+                              <a:latin typeface="Cambria Math" panose="02040503050406030204" pitchFamily="18" charset="0"/>
+                            </a:rPr>
+                            <m:t>𝑓</m:t>
+                          </m:r>
+                        </m:e>
+                        <m:sub>
+                          <m:r>
+                            <a:rPr lang="fr-FR" sz="2000" b="0" i="1" smtClean="0">
+                              <a:latin typeface="Cambria Math" panose="02040503050406030204" pitchFamily="18" charset="0"/>
+                            </a:rPr>
+                            <m:t>2</m:t>
+                          </m:r>
+                        </m:sub>
+                      </m:sSub>
+                      <m:d>
+                        <m:dPr>
+                          <m:ctrlPr>
+                            <a:rPr lang="fr-FR" sz="2000" b="0" i="1" smtClean="0">
+                              <a:latin typeface="Cambria Math" panose="02040503050406030204" pitchFamily="18" charset="0"/>
+                            </a:rPr>
+                          </m:ctrlPr>
+                        </m:dPr>
+                        <m:e>
+                          <m:sSub>
+                            <m:sSubPr>
+                              <m:ctrlPr>
+                                <a:rPr lang="fr-FR" sz="2000" b="0" i="1" smtClean="0">
+                                  <a:latin typeface="Cambria Math" panose="02040503050406030204" pitchFamily="18" charset="0"/>
+                                </a:rPr>
+                              </m:ctrlPr>
+                            </m:sSubPr>
+                            <m:e>
+                              <m:r>
+                                <a:rPr lang="fr-FR" sz="2000" b="0" i="1" smtClean="0">
+                                  <a:latin typeface="Cambria Math" panose="02040503050406030204" pitchFamily="18" charset="0"/>
+                                </a:rPr>
+                                <m:t>h</m:t>
+                              </m:r>
+                            </m:e>
+                            <m:sub>
+                              <m:r>
+                                <a:rPr lang="fr-FR" sz="2000" b="0" i="1" smtClean="0">
+                                  <a:latin typeface="Cambria Math" panose="02040503050406030204" pitchFamily="18" charset="0"/>
+                                </a:rPr>
+                                <m:t>𝑡</m:t>
+                              </m:r>
+                            </m:sub>
+                          </m:sSub>
+                          <m:r>
+                            <a:rPr lang="fr-FR" sz="2000" b="0" i="1" smtClean="0">
+                              <a:latin typeface="Cambria Math" panose="02040503050406030204" pitchFamily="18" charset="0"/>
+                            </a:rPr>
+                            <m:t>,</m:t>
+                          </m:r>
+                          <m:sSub>
+                            <m:sSubPr>
+                              <m:ctrlPr>
+                                <a:rPr lang="fr-FR" sz="2000" b="0" i="1" smtClean="0">
+                                  <a:latin typeface="Cambria Math" panose="02040503050406030204" pitchFamily="18" charset="0"/>
+                                </a:rPr>
+                              </m:ctrlPr>
+                            </m:sSubPr>
+                            <m:e>
+                              <m:r>
+                                <a:rPr lang="fr-FR" sz="2000" b="0" i="1" smtClean="0">
+                                  <a:latin typeface="Cambria Math" panose="02040503050406030204" pitchFamily="18" charset="0"/>
+                                </a:rPr>
+                                <m:t>𝑥</m:t>
+                              </m:r>
+                            </m:e>
+                            <m:sub>
+                              <m:r>
+                                <a:rPr lang="fr-FR" sz="2000" b="0" i="1" smtClean="0">
+                                  <a:latin typeface="Cambria Math" panose="02040503050406030204" pitchFamily="18" charset="0"/>
+                                </a:rPr>
+                                <m:t>𝑡</m:t>
+                              </m:r>
+                            </m:sub>
+                          </m:sSub>
+                        </m:e>
+                      </m:d>
+                    </m:oMath>
+                  </m:oMathPara>
+                </a14:m>
+                <a:endParaRPr lang="fr-FR" sz="2000" b="0" i="1" dirty="0">
+                  <a:latin typeface="Cambria Math" panose="02040503050406030204" pitchFamily="18" charset="0"/>
+                </a:endParaRPr>
+              </a:p>
+              <a:p>
+                <a:pPr/>
+                <a14:m>
+                  <m:oMathPara xmlns:m="http://schemas.openxmlformats.org/officeDocument/2006/math">
+                    <m:oMathParaPr>
+                      <m:jc m:val="centerGroup"/>
+                    </m:oMathParaPr>
+                    <m:oMath xmlns:m="http://schemas.openxmlformats.org/officeDocument/2006/math">
+                      <m:sSub>
+                        <m:sSubPr>
+                          <m:ctrlPr>
+                            <a:rPr lang="fr-FR" sz="2000" b="0" i="1" smtClean="0">
+                              <a:latin typeface="Cambria Math" panose="02040503050406030204" pitchFamily="18" charset="0"/>
+                            </a:rPr>
+                          </m:ctrlPr>
+                        </m:sSubPr>
+                        <m:e>
+                          <m:r>
+                            <a:rPr lang="fr-FR" sz="2000" b="0" i="1" smtClean="0">
+                              <a:latin typeface="Cambria Math" panose="02040503050406030204" pitchFamily="18" charset="0"/>
+                            </a:rPr>
+                            <m:t>h</m:t>
+                          </m:r>
+                        </m:e>
+                        <m:sub>
+                          <m:r>
+                            <a:rPr lang="fr-FR" sz="2000" b="0" i="1" smtClean="0">
+                              <a:latin typeface="Cambria Math" panose="02040503050406030204" pitchFamily="18" charset="0"/>
+                            </a:rPr>
+                            <m:t>𝑡</m:t>
+                          </m:r>
+                          <m:r>
+                            <a:rPr lang="fr-FR" sz="2000" b="0" i="1" smtClean="0">
+                              <a:latin typeface="Cambria Math" panose="02040503050406030204" pitchFamily="18" charset="0"/>
+                            </a:rPr>
+                            <m:t>+1</m:t>
+                          </m:r>
+                        </m:sub>
+                      </m:sSub>
+                      <m:r>
+                        <a:rPr lang="fr-FR" sz="2000" b="0" i="1" smtClean="0">
+                          <a:latin typeface="Cambria Math" panose="02040503050406030204" pitchFamily="18" charset="0"/>
+                        </a:rPr>
+                        <m:t>=</m:t>
+                      </m:r>
+                      <m:sSub>
+                        <m:sSubPr>
+                          <m:ctrlPr>
+                            <a:rPr lang="fr-FR" sz="2000" b="0" i="1" smtClean="0">
+                              <a:latin typeface="Cambria Math" panose="02040503050406030204" pitchFamily="18" charset="0"/>
+                            </a:rPr>
+                          </m:ctrlPr>
+                        </m:sSubPr>
+                        <m:e>
+                          <m:r>
+                            <a:rPr lang="fr-FR" sz="2000" b="0" i="1" smtClean="0">
+                              <a:latin typeface="Cambria Math" panose="02040503050406030204" pitchFamily="18" charset="0"/>
+                            </a:rPr>
+                            <m:t>𝑓</m:t>
+                          </m:r>
+                        </m:e>
+                        <m:sub>
+                          <m:r>
+                            <a:rPr lang="fr-FR" sz="2000" b="0" i="1" smtClean="0">
+                              <a:latin typeface="Cambria Math" panose="02040503050406030204" pitchFamily="18" charset="0"/>
+                            </a:rPr>
+                            <m:t>1</m:t>
+                          </m:r>
+                        </m:sub>
+                      </m:sSub>
+                      <m:r>
+                        <a:rPr lang="fr-FR" sz="2000" b="0" i="1" smtClean="0">
+                          <a:latin typeface="Cambria Math" panose="02040503050406030204" pitchFamily="18" charset="0"/>
+                        </a:rPr>
+                        <m:t>(</m:t>
+                      </m:r>
+                      <m:sSub>
+                        <m:sSubPr>
+                          <m:ctrlPr>
+                            <a:rPr lang="fr-FR" sz="2000" b="0" i="1" smtClean="0">
+                              <a:latin typeface="Cambria Math" panose="02040503050406030204" pitchFamily="18" charset="0"/>
+                            </a:rPr>
+                          </m:ctrlPr>
+                        </m:sSubPr>
+                        <m:e>
+                          <m:r>
+                            <a:rPr lang="fr-FR" sz="2000" b="0" i="1" smtClean="0">
+                              <a:latin typeface="Cambria Math" panose="02040503050406030204" pitchFamily="18" charset="0"/>
+                            </a:rPr>
+                            <m:t>h</m:t>
+                          </m:r>
+                        </m:e>
+                        <m:sub>
+                          <m:r>
+                            <a:rPr lang="fr-FR" sz="2000" b="0" i="1" smtClean="0">
+                              <a:latin typeface="Cambria Math" panose="02040503050406030204" pitchFamily="18" charset="0"/>
+                            </a:rPr>
+                            <m:t>𝑡</m:t>
+                          </m:r>
+                        </m:sub>
+                      </m:sSub>
+                      <m:r>
+                        <a:rPr lang="fr-FR" sz="2000" b="0" i="1" smtClean="0">
+                          <a:latin typeface="Cambria Math" panose="02040503050406030204" pitchFamily="18" charset="0"/>
+                        </a:rPr>
+                        <m:t>, </m:t>
+                      </m:r>
+                      <m:sSub>
+                        <m:sSubPr>
+                          <m:ctrlPr>
+                            <a:rPr lang="fr-FR" sz="2000" b="0" i="1" smtClean="0">
+                              <a:latin typeface="Cambria Math" panose="02040503050406030204" pitchFamily="18" charset="0"/>
+                            </a:rPr>
+                          </m:ctrlPr>
+                        </m:sSubPr>
+                        <m:e>
+                          <m:r>
+                            <a:rPr lang="fr-FR" sz="2000" b="0" i="1" smtClean="0">
+                              <a:latin typeface="Cambria Math" panose="02040503050406030204" pitchFamily="18" charset="0"/>
+                            </a:rPr>
+                            <m:t>𝑥</m:t>
+                          </m:r>
+                        </m:e>
+                        <m:sub>
+                          <m:r>
+                            <a:rPr lang="fr-FR" sz="2000" b="0" i="1" smtClean="0">
+                              <a:latin typeface="Cambria Math" panose="02040503050406030204" pitchFamily="18" charset="0"/>
+                            </a:rPr>
+                            <m:t>𝑡</m:t>
+                          </m:r>
+                        </m:sub>
+                      </m:sSub>
+                      <m:r>
+                        <a:rPr lang="fr-FR" sz="2000" b="0" i="1" smtClean="0">
+                          <a:latin typeface="Cambria Math" panose="02040503050406030204" pitchFamily="18" charset="0"/>
+                        </a:rPr>
+                        <m:t>)</m:t>
+                      </m:r>
+                    </m:oMath>
+                  </m:oMathPara>
+                </a14:m>
+                <a:endParaRPr lang="fr-FR" sz="2000" dirty="0"/>
+              </a:p>
+            </p:txBody>
+          </p:sp>
+        </mc:Choice>
+        <mc:Fallback>
+          <p:sp>
+            <p:nvSpPr>
+              <p:cNvPr id="97" name="ZoneTexte 96">
+                <a:extLst>
+                  <a:ext uri="{FF2B5EF4-FFF2-40B4-BE49-F238E27FC236}">
+                    <a16:creationId xmlns:a16="http://schemas.microsoft.com/office/drawing/2014/main" id="{748DCF6B-8B58-454D-AA70-CDDB88923B6D}"/>
+                  </a:ext>
+                </a:extLst>
+              </p:cNvPr>
+              <p:cNvSpPr txBox="1">
+                <a:spLocks noRot="1" noChangeAspect="1" noMove="1" noResize="1" noEditPoints="1" noAdjustHandles="1" noChangeArrowheads="1" noChangeShapeType="1" noTextEdit="1"/>
+              </p:cNvSpPr>
+              <p:nvPr/>
+            </p:nvSpPr>
+            <p:spPr>
+              <a:xfrm>
+                <a:off x="7565128" y="4445360"/>
+                <a:ext cx="3488356" cy="1015663"/>
+              </a:xfrm>
+              <a:prstGeom prst="rect">
+                <a:avLst/>
+              </a:prstGeom>
+              <a:blipFill>
+                <a:blip r:embed="rId10"/>
+                <a:stretch>
+                  <a:fillRect l="-1923" t="-2994" b="-5389"/>
+                </a:stretch>
+              </a:blipFill>
+            </p:spPr>
+            <p:txBody>
+              <a:bodyPr/>
+              <a:lstStyle/>
+              <a:p>
+                <a:r>
+                  <a:rPr lang="fr-FR">
+                    <a:noFill/>
+                  </a:rPr>
+                  <a:t> </a:t>
+                </a:r>
+              </a:p>
+            </p:txBody>
+          </p:sp>
+        </mc:Fallback>
+      </mc:AlternateContent>
+      <mc:AlternateContent xmlns:mc="http://schemas.openxmlformats.org/markup-compatibility/2006">
+        <mc:Choice xmlns:a14="http://schemas.microsoft.com/office/drawing/2010/main" Requires="a14">
+          <p:sp>
+            <p:nvSpPr>
+              <p:cNvPr id="98" name="ZoneTexte 97">
+                <a:extLst>
+                  <a:ext uri="{FF2B5EF4-FFF2-40B4-BE49-F238E27FC236}">
+                    <a16:creationId xmlns:a16="http://schemas.microsoft.com/office/drawing/2014/main" id="{91DE4AC6-885E-4E5F-9D7C-BEF27FFDFBE3}"/>
+                  </a:ext>
+                </a:extLst>
+              </p:cNvPr>
+              <p:cNvSpPr txBox="1"/>
+              <p:nvPr/>
+            </p:nvSpPr>
+            <p:spPr>
+              <a:xfrm>
+                <a:off x="3935033" y="4430798"/>
+                <a:ext cx="2566584" cy="1015663"/>
+              </a:xfrm>
+              <a:prstGeom prst="rect">
+                <a:avLst/>
+              </a:prstGeom>
+              <a:noFill/>
+            </p:spPr>
+            <p:txBody>
+              <a:bodyPr wrap="square" rtlCol="0">
+                <a:spAutoFit/>
+              </a:bodyPr>
+              <a:lstStyle/>
+              <a:p>
+                <a:r>
+                  <a:rPr lang="fr-FR" sz="2000" dirty="0"/>
+                  <a:t>Entrées séquentielles</a:t>
+                </a:r>
+              </a:p>
+              <a:p>
+                <a14:m>
+                  <m:oMathPara xmlns:m="http://schemas.openxmlformats.org/officeDocument/2006/math">
+                    <m:oMathParaPr>
+                      <m:jc m:val="centerGroup"/>
+                    </m:oMathParaPr>
+                    <m:oMath xmlns:m="http://schemas.openxmlformats.org/officeDocument/2006/math">
+                      <m:r>
+                        <a:rPr lang="fr-FR" sz="2000" b="0" i="1" smtClean="0">
+                          <a:latin typeface="Cambria Math" panose="02040503050406030204" pitchFamily="18" charset="0"/>
+                        </a:rPr>
+                        <m:t>𝑦</m:t>
+                      </m:r>
+                      <m:r>
+                        <a:rPr lang="fr-FR" sz="2000" b="0" i="1" smtClean="0">
+                          <a:latin typeface="Cambria Math" panose="02040503050406030204" pitchFamily="18" charset="0"/>
+                        </a:rPr>
+                        <m:t>=</m:t>
+                      </m:r>
+                      <m:sSub>
+                        <m:sSubPr>
+                          <m:ctrlPr>
+                            <a:rPr lang="fr-FR" sz="2000" b="0" i="1" smtClean="0">
+                              <a:latin typeface="Cambria Math" panose="02040503050406030204" pitchFamily="18" charset="0"/>
+                            </a:rPr>
+                          </m:ctrlPr>
+                        </m:sSubPr>
+                        <m:e>
+                          <m:r>
+                            <a:rPr lang="fr-FR" sz="2000" b="0" i="1" smtClean="0">
+                              <a:latin typeface="Cambria Math" panose="02040503050406030204" pitchFamily="18" charset="0"/>
+                            </a:rPr>
+                            <m:t>𝑓</m:t>
+                          </m:r>
+                        </m:e>
+                        <m:sub>
+                          <m:r>
+                            <a:rPr lang="fr-FR" sz="2000" b="0" i="1" smtClean="0">
+                              <a:latin typeface="Cambria Math" panose="02040503050406030204" pitchFamily="18" charset="0"/>
+                            </a:rPr>
+                            <m:t>2</m:t>
+                          </m:r>
+                        </m:sub>
+                      </m:sSub>
+                      <m:d>
+                        <m:dPr>
+                          <m:ctrlPr>
+                            <a:rPr lang="fr-FR" sz="2000" b="0" i="1" smtClean="0">
+                              <a:latin typeface="Cambria Math" panose="02040503050406030204" pitchFamily="18" charset="0"/>
+                            </a:rPr>
+                          </m:ctrlPr>
+                        </m:dPr>
+                        <m:e>
+                          <m:sSub>
+                            <m:sSubPr>
+                              <m:ctrlPr>
+                                <a:rPr lang="fr-FR" sz="2000" b="0" i="1" smtClean="0">
+                                  <a:latin typeface="Cambria Math" panose="02040503050406030204" pitchFamily="18" charset="0"/>
+                                </a:rPr>
+                              </m:ctrlPr>
+                            </m:sSubPr>
+                            <m:e>
+                              <m:r>
+                                <a:rPr lang="fr-FR" sz="2000" b="0" i="1" smtClean="0">
+                                  <a:latin typeface="Cambria Math" panose="02040503050406030204" pitchFamily="18" charset="0"/>
+                                </a:rPr>
+                                <m:t>h</m:t>
+                              </m:r>
+                            </m:e>
+                            <m:sub>
+                              <m:r>
+                                <a:rPr lang="fr-FR" sz="2000" b="0" i="1" smtClean="0">
+                                  <a:latin typeface="Cambria Math" panose="02040503050406030204" pitchFamily="18" charset="0"/>
+                                </a:rPr>
+                                <m:t>𝑡</m:t>
+                              </m:r>
+                              <m:r>
+                                <a:rPr lang="fr-FR" sz="2000" b="0" i="1" smtClean="0">
+                                  <a:latin typeface="Cambria Math" panose="02040503050406030204" pitchFamily="18" charset="0"/>
+                                </a:rPr>
+                                <m:t>+1</m:t>
+                              </m:r>
+                            </m:sub>
+                          </m:sSub>
+                          <m:r>
+                            <a:rPr lang="fr-FR" sz="2000" b="0" i="1" smtClean="0">
+                              <a:latin typeface="Cambria Math" panose="02040503050406030204" pitchFamily="18" charset="0"/>
+                            </a:rPr>
+                            <m:t>,</m:t>
+                          </m:r>
+                          <m:sSub>
+                            <m:sSubPr>
+                              <m:ctrlPr>
+                                <a:rPr lang="fr-FR" sz="2000" b="0" i="1" smtClean="0">
+                                  <a:latin typeface="Cambria Math" panose="02040503050406030204" pitchFamily="18" charset="0"/>
+                                </a:rPr>
+                              </m:ctrlPr>
+                            </m:sSubPr>
+                            <m:e>
+                              <m:r>
+                                <a:rPr lang="fr-FR" sz="2000" b="0" i="1" smtClean="0">
+                                  <a:latin typeface="Cambria Math" panose="02040503050406030204" pitchFamily="18" charset="0"/>
+                                </a:rPr>
+                                <m:t>𝑥</m:t>
+                              </m:r>
+                            </m:e>
+                            <m:sub>
+                              <m:r>
+                                <a:rPr lang="fr-FR" sz="2000" b="0" i="1" smtClean="0">
+                                  <a:latin typeface="Cambria Math" panose="02040503050406030204" pitchFamily="18" charset="0"/>
+                                </a:rPr>
+                                <m:t>𝑡</m:t>
+                              </m:r>
+                              <m:r>
+                                <a:rPr lang="fr-FR" sz="2000" b="0" i="1" smtClean="0">
+                                  <a:latin typeface="Cambria Math" panose="02040503050406030204" pitchFamily="18" charset="0"/>
+                                </a:rPr>
+                                <m:t>+1</m:t>
+                              </m:r>
+                            </m:sub>
+                          </m:sSub>
+                        </m:e>
+                      </m:d>
+                    </m:oMath>
+                  </m:oMathPara>
+                </a14:m>
+                <a:endParaRPr lang="fr-FR" sz="2000" b="0" i="1" dirty="0">
+                  <a:latin typeface="Cambria Math" panose="02040503050406030204" pitchFamily="18" charset="0"/>
+                </a:endParaRPr>
+              </a:p>
+              <a:p>
+                <a14:m>
+                  <m:oMathPara xmlns:m="http://schemas.openxmlformats.org/officeDocument/2006/math">
+                    <m:oMathParaPr>
+                      <m:jc m:val="centerGroup"/>
+                    </m:oMathParaPr>
+                    <m:oMath xmlns:m="http://schemas.openxmlformats.org/officeDocument/2006/math">
+                      <m:sSub>
+                        <m:sSubPr>
+                          <m:ctrlPr>
+                            <a:rPr lang="fr-FR" sz="2000" b="0" i="1" smtClean="0">
+                              <a:latin typeface="Cambria Math" panose="02040503050406030204" pitchFamily="18" charset="0"/>
+                            </a:rPr>
+                          </m:ctrlPr>
+                        </m:sSubPr>
+                        <m:e>
+                          <m:r>
+                            <a:rPr lang="fr-FR" sz="2000" b="0" i="1" smtClean="0">
+                              <a:latin typeface="Cambria Math" panose="02040503050406030204" pitchFamily="18" charset="0"/>
+                            </a:rPr>
+                            <m:t>h</m:t>
+                          </m:r>
+                        </m:e>
+                        <m:sub>
+                          <m:r>
+                            <a:rPr lang="fr-FR" sz="2000" b="0" i="1" smtClean="0">
+                              <a:latin typeface="Cambria Math" panose="02040503050406030204" pitchFamily="18" charset="0"/>
+                            </a:rPr>
+                            <m:t>𝑡</m:t>
+                          </m:r>
+                          <m:r>
+                            <a:rPr lang="fr-FR" sz="2000" b="0" i="1" smtClean="0">
+                              <a:latin typeface="Cambria Math" panose="02040503050406030204" pitchFamily="18" charset="0"/>
+                            </a:rPr>
+                            <m:t>+1</m:t>
+                          </m:r>
+                        </m:sub>
+                      </m:sSub>
+                      <m:r>
+                        <a:rPr lang="fr-FR" sz="2000" b="0" i="1" smtClean="0">
+                          <a:latin typeface="Cambria Math" panose="02040503050406030204" pitchFamily="18" charset="0"/>
+                        </a:rPr>
+                        <m:t>=</m:t>
+                      </m:r>
+                      <m:sSub>
+                        <m:sSubPr>
+                          <m:ctrlPr>
+                            <a:rPr lang="fr-FR" sz="2000" b="0" i="1" smtClean="0">
+                              <a:latin typeface="Cambria Math" panose="02040503050406030204" pitchFamily="18" charset="0"/>
+                            </a:rPr>
+                          </m:ctrlPr>
+                        </m:sSubPr>
+                        <m:e>
+                          <m:r>
+                            <a:rPr lang="fr-FR" sz="2000" b="0" i="1" smtClean="0">
+                              <a:latin typeface="Cambria Math" panose="02040503050406030204" pitchFamily="18" charset="0"/>
+                            </a:rPr>
+                            <m:t>𝑓</m:t>
+                          </m:r>
+                        </m:e>
+                        <m:sub>
+                          <m:r>
+                            <a:rPr lang="fr-FR" sz="2000" b="0" i="1" smtClean="0">
+                              <a:latin typeface="Cambria Math" panose="02040503050406030204" pitchFamily="18" charset="0"/>
+                            </a:rPr>
+                            <m:t>1</m:t>
+                          </m:r>
+                        </m:sub>
+                      </m:sSub>
+                      <m:r>
+                        <a:rPr lang="fr-FR" sz="2000" b="0" i="1" smtClean="0">
+                          <a:latin typeface="Cambria Math" panose="02040503050406030204" pitchFamily="18" charset="0"/>
+                        </a:rPr>
+                        <m:t>(</m:t>
+                      </m:r>
+                      <m:sSub>
+                        <m:sSubPr>
+                          <m:ctrlPr>
+                            <a:rPr lang="fr-FR" sz="2000" b="0" i="1" smtClean="0">
+                              <a:latin typeface="Cambria Math" panose="02040503050406030204" pitchFamily="18" charset="0"/>
+                            </a:rPr>
+                          </m:ctrlPr>
+                        </m:sSubPr>
+                        <m:e>
+                          <m:r>
+                            <a:rPr lang="fr-FR" sz="2000" b="0" i="1" smtClean="0">
+                              <a:latin typeface="Cambria Math" panose="02040503050406030204" pitchFamily="18" charset="0"/>
+                            </a:rPr>
+                            <m:t>h</m:t>
+                          </m:r>
+                        </m:e>
+                        <m:sub>
+                          <m:r>
+                            <a:rPr lang="fr-FR" sz="2000" b="0" i="1" smtClean="0">
+                              <a:latin typeface="Cambria Math" panose="02040503050406030204" pitchFamily="18" charset="0"/>
+                            </a:rPr>
+                            <m:t>𝑡</m:t>
+                          </m:r>
+                        </m:sub>
+                      </m:sSub>
+                      <m:r>
+                        <a:rPr lang="fr-FR" sz="2000" b="0" i="1" smtClean="0">
+                          <a:latin typeface="Cambria Math" panose="02040503050406030204" pitchFamily="18" charset="0"/>
+                        </a:rPr>
+                        <m:t>, </m:t>
+                      </m:r>
+                      <m:sSub>
+                        <m:sSubPr>
+                          <m:ctrlPr>
+                            <a:rPr lang="fr-FR" sz="2000" b="0" i="1" smtClean="0">
+                              <a:latin typeface="Cambria Math" panose="02040503050406030204" pitchFamily="18" charset="0"/>
+                            </a:rPr>
+                          </m:ctrlPr>
+                        </m:sSubPr>
+                        <m:e>
+                          <m:r>
+                            <a:rPr lang="fr-FR" sz="2000" b="0" i="1" smtClean="0">
+                              <a:latin typeface="Cambria Math" panose="02040503050406030204" pitchFamily="18" charset="0"/>
+                            </a:rPr>
+                            <m:t>𝑥</m:t>
+                          </m:r>
+                        </m:e>
+                        <m:sub>
+                          <m:r>
+                            <a:rPr lang="fr-FR" sz="2000" b="0" i="1" smtClean="0">
+                              <a:latin typeface="Cambria Math" panose="02040503050406030204" pitchFamily="18" charset="0"/>
+                            </a:rPr>
+                            <m:t>𝑡</m:t>
+                          </m:r>
+                        </m:sub>
+                      </m:sSub>
+                      <m:r>
+                        <a:rPr lang="fr-FR" sz="2000" b="0" i="1" smtClean="0">
+                          <a:latin typeface="Cambria Math" panose="02040503050406030204" pitchFamily="18" charset="0"/>
+                        </a:rPr>
+                        <m:t>) </m:t>
+                      </m:r>
+                    </m:oMath>
+                  </m:oMathPara>
+                </a14:m>
+                <a:endParaRPr lang="fr-FR" sz="2000" dirty="0"/>
+              </a:p>
+            </p:txBody>
+          </p:sp>
+        </mc:Choice>
+        <mc:Fallback>
+          <p:sp>
+            <p:nvSpPr>
+              <p:cNvPr id="98" name="ZoneTexte 97">
+                <a:extLst>
+                  <a:ext uri="{FF2B5EF4-FFF2-40B4-BE49-F238E27FC236}">
+                    <a16:creationId xmlns:a16="http://schemas.microsoft.com/office/drawing/2014/main" id="{91DE4AC6-885E-4E5F-9D7C-BEF27FFDFBE3}"/>
+                  </a:ext>
+                </a:extLst>
+              </p:cNvPr>
+              <p:cNvSpPr txBox="1">
+                <a:spLocks noRot="1" noChangeAspect="1" noMove="1" noResize="1" noEditPoints="1" noAdjustHandles="1" noChangeArrowheads="1" noChangeShapeType="1" noTextEdit="1"/>
+              </p:cNvSpPr>
+              <p:nvPr/>
+            </p:nvSpPr>
+            <p:spPr>
+              <a:xfrm>
+                <a:off x="3935033" y="4430798"/>
+                <a:ext cx="2566584" cy="1015663"/>
+              </a:xfrm>
+              <a:prstGeom prst="rect">
+                <a:avLst/>
+              </a:prstGeom>
+              <a:blipFill>
+                <a:blip r:embed="rId11"/>
+                <a:stretch>
+                  <a:fillRect l="-2613" t="-3614" b="-5422"/>
+                </a:stretch>
+              </a:blipFill>
+            </p:spPr>
+            <p:txBody>
+              <a:bodyPr/>
+              <a:lstStyle/>
+              <a:p>
+                <a:r>
+                  <a:rPr lang="fr-FR">
+                    <a:noFill/>
+                  </a:rPr>
+                  <a:t> </a:t>
+                </a:r>
+              </a:p>
+            </p:txBody>
+          </p:sp>
+        </mc:Fallback>
+      </mc:AlternateContent>
+      <mc:AlternateContent xmlns:mc="http://schemas.openxmlformats.org/markup-compatibility/2006">
+        <mc:Choice xmlns:a14="http://schemas.microsoft.com/office/drawing/2010/main" Requires="a14">
+          <p:sp>
+            <p:nvSpPr>
+              <p:cNvPr id="99" name="ZoneTexte 98">
+                <a:extLst>
+                  <a:ext uri="{FF2B5EF4-FFF2-40B4-BE49-F238E27FC236}">
+                    <a16:creationId xmlns:a16="http://schemas.microsoft.com/office/drawing/2014/main" id="{7058812B-9CDB-4764-BAFA-89309E462929}"/>
+                  </a:ext>
+                </a:extLst>
+              </p:cNvPr>
+              <p:cNvSpPr txBox="1"/>
+              <p:nvPr/>
+            </p:nvSpPr>
+            <p:spPr>
+              <a:xfrm>
+                <a:off x="685334" y="4442000"/>
+                <a:ext cx="2566584" cy="707886"/>
+              </a:xfrm>
+              <a:prstGeom prst="rect">
+                <a:avLst/>
+              </a:prstGeom>
+              <a:noFill/>
+            </p:spPr>
+            <p:txBody>
+              <a:bodyPr wrap="square" rtlCol="0">
+                <a:spAutoFit/>
+              </a:bodyPr>
+              <a:lstStyle/>
+              <a:p>
+                <a:pPr algn="ctr"/>
+                <a:r>
+                  <a:rPr lang="fr-FR" sz="2000" dirty="0"/>
+                  <a:t>Données simples</a:t>
+                </a:r>
+              </a:p>
+              <a:p>
+                <a:pPr algn="ctr"/>
+                <a14:m>
+                  <m:oMathPara xmlns:m="http://schemas.openxmlformats.org/officeDocument/2006/math">
+                    <m:oMathParaPr>
+                      <m:jc m:val="centerGroup"/>
+                    </m:oMathParaPr>
+                    <m:oMath xmlns:m="http://schemas.openxmlformats.org/officeDocument/2006/math">
+                      <m:r>
+                        <a:rPr lang="fr-FR" sz="2000" b="0" i="1" smtClean="0">
+                          <a:latin typeface="Cambria Math" panose="02040503050406030204" pitchFamily="18" charset="0"/>
+                        </a:rPr>
+                        <m:t>𝑦</m:t>
+                      </m:r>
+                      <m:r>
+                        <a:rPr lang="fr-FR" sz="2000" b="0" i="1" smtClean="0">
+                          <a:latin typeface="Cambria Math" panose="02040503050406030204" pitchFamily="18" charset="0"/>
+                        </a:rPr>
+                        <m:t>=</m:t>
+                      </m:r>
+                      <m:r>
+                        <a:rPr lang="fr-FR" sz="2000" b="0" i="1" smtClean="0">
+                          <a:latin typeface="Cambria Math" panose="02040503050406030204" pitchFamily="18" charset="0"/>
+                        </a:rPr>
+                        <m:t>𝑓</m:t>
+                      </m:r>
+                      <m:r>
+                        <a:rPr lang="fr-FR" sz="2000" b="0" i="1" smtClean="0">
+                          <a:latin typeface="Cambria Math" panose="02040503050406030204" pitchFamily="18" charset="0"/>
+                        </a:rPr>
+                        <m:t>(</m:t>
+                      </m:r>
+                      <m:r>
+                        <a:rPr lang="fr-FR" sz="2000" b="0" i="1" smtClean="0">
+                          <a:latin typeface="Cambria Math" panose="02040503050406030204" pitchFamily="18" charset="0"/>
+                        </a:rPr>
+                        <m:t>𝑥</m:t>
+                      </m:r>
+                      <m:r>
+                        <a:rPr lang="fr-FR" sz="2000" b="0" i="1" smtClean="0">
+                          <a:latin typeface="Cambria Math" panose="02040503050406030204" pitchFamily="18" charset="0"/>
+                        </a:rPr>
+                        <m:t>)</m:t>
+                      </m:r>
+                    </m:oMath>
+                  </m:oMathPara>
+                </a14:m>
+                <a:endParaRPr lang="fr-FR" sz="2000" dirty="0"/>
+              </a:p>
+            </p:txBody>
+          </p:sp>
+        </mc:Choice>
+        <mc:Fallback>
+          <p:sp>
+            <p:nvSpPr>
+              <p:cNvPr id="99" name="ZoneTexte 98">
+                <a:extLst>
+                  <a:ext uri="{FF2B5EF4-FFF2-40B4-BE49-F238E27FC236}">
+                    <a16:creationId xmlns:a16="http://schemas.microsoft.com/office/drawing/2014/main" id="{7058812B-9CDB-4764-BAFA-89309E462929}"/>
+                  </a:ext>
+                </a:extLst>
+              </p:cNvPr>
+              <p:cNvSpPr txBox="1">
+                <a:spLocks noRot="1" noChangeAspect="1" noMove="1" noResize="1" noEditPoints="1" noAdjustHandles="1" noChangeArrowheads="1" noChangeShapeType="1" noTextEdit="1"/>
+              </p:cNvSpPr>
+              <p:nvPr/>
+            </p:nvSpPr>
+            <p:spPr>
+              <a:xfrm>
+                <a:off x="685334" y="4442000"/>
+                <a:ext cx="2566584" cy="707886"/>
+              </a:xfrm>
+              <a:prstGeom prst="rect">
+                <a:avLst/>
+              </a:prstGeom>
+              <a:blipFill>
+                <a:blip r:embed="rId12"/>
+                <a:stretch>
+                  <a:fillRect t="-5172" b="-7759"/>
+                </a:stretch>
+              </a:blipFill>
+            </p:spPr>
+            <p:txBody>
+              <a:bodyPr/>
+              <a:lstStyle/>
+              <a:p>
+                <a:r>
+                  <a:rPr lang="fr-FR">
+                    <a:noFill/>
+                  </a:rPr>
+                  <a:t> </a:t>
+                </a:r>
+              </a:p>
+            </p:txBody>
+          </p:sp>
+        </mc:Fallback>
+      </mc:AlternateContent>
+      <mc:AlternateContent xmlns:mc="http://schemas.openxmlformats.org/markup-compatibility/2006">
+        <mc:Choice xmlns:a14="http://schemas.microsoft.com/office/drawing/2010/main" Requires="a14">
+          <p:sp>
+            <p:nvSpPr>
+              <p:cNvPr id="100" name="ZoneTexte 99">
+                <a:extLst>
+                  <a:ext uri="{FF2B5EF4-FFF2-40B4-BE49-F238E27FC236}">
+                    <a16:creationId xmlns:a16="http://schemas.microsoft.com/office/drawing/2014/main" id="{5D173932-A41F-479E-85F1-D58E7B663636}"/>
+                  </a:ext>
+                </a:extLst>
+              </p:cNvPr>
+              <p:cNvSpPr txBox="1"/>
+              <p:nvPr/>
+            </p:nvSpPr>
+            <p:spPr>
+              <a:xfrm flipH="1">
+                <a:off x="3340262" y="2729733"/>
+                <a:ext cx="350969" cy="369332"/>
+              </a:xfrm>
+              <a:prstGeom prst="rect">
+                <a:avLst/>
+              </a:prstGeom>
+              <a:noFill/>
+            </p:spPr>
+            <p:txBody>
+              <a:bodyPr wrap="square" rtlCol="0">
+                <a:spAutoFit/>
+              </a:bodyPr>
+              <a:lstStyle/>
+              <a:p>
+                <a14:m>
+                  <m:oMathPara xmlns:m="http://schemas.openxmlformats.org/officeDocument/2006/math">
+                    <m:oMathParaPr>
+                      <m:jc m:val="centerGroup"/>
+                    </m:oMathParaPr>
+                    <m:oMath xmlns:m="http://schemas.openxmlformats.org/officeDocument/2006/math">
+                      <m:sSub>
+                        <m:sSubPr>
+                          <m:ctrlPr>
+                            <a:rPr lang="fr-FR" b="0" i="1" smtClean="0">
+                              <a:latin typeface="Cambria Math" panose="02040503050406030204" pitchFamily="18" charset="0"/>
+                            </a:rPr>
+                          </m:ctrlPr>
+                        </m:sSubPr>
+                        <m:e>
+                          <m:r>
+                            <a:rPr lang="fr-FR" b="0" i="1" smtClean="0">
+                              <a:latin typeface="Cambria Math" panose="02040503050406030204" pitchFamily="18" charset="0"/>
+                            </a:rPr>
+                            <m:t>h</m:t>
+                          </m:r>
+                        </m:e>
+                        <m:sub>
+                          <m:r>
+                            <a:rPr lang="fr-FR" b="0" i="1" smtClean="0">
+                              <a:latin typeface="Cambria Math" panose="02040503050406030204" pitchFamily="18" charset="0"/>
+                            </a:rPr>
+                            <m:t>𝑡</m:t>
+                          </m:r>
+                          <m:r>
+                            <a:rPr lang="fr-FR" b="0" i="1" smtClean="0">
+                              <a:latin typeface="Cambria Math" panose="02040503050406030204" pitchFamily="18" charset="0"/>
+                            </a:rPr>
+                            <m:t>−1</m:t>
+                          </m:r>
+                        </m:sub>
+                      </m:sSub>
+                    </m:oMath>
+                  </m:oMathPara>
+                </a14:m>
+                <a:endParaRPr lang="fr-FR" dirty="0"/>
+              </a:p>
+            </p:txBody>
+          </p:sp>
+        </mc:Choice>
+        <mc:Fallback>
+          <p:sp>
+            <p:nvSpPr>
+              <p:cNvPr id="100" name="ZoneTexte 99">
+                <a:extLst>
+                  <a:ext uri="{FF2B5EF4-FFF2-40B4-BE49-F238E27FC236}">
+                    <a16:creationId xmlns:a16="http://schemas.microsoft.com/office/drawing/2014/main" id="{5D173932-A41F-479E-85F1-D58E7B663636}"/>
+                  </a:ext>
+                </a:extLst>
+              </p:cNvPr>
+              <p:cNvSpPr txBox="1">
+                <a:spLocks noRot="1" noChangeAspect="1" noMove="1" noResize="1" noEditPoints="1" noAdjustHandles="1" noChangeArrowheads="1" noChangeShapeType="1" noTextEdit="1"/>
+              </p:cNvSpPr>
+              <p:nvPr/>
+            </p:nvSpPr>
+            <p:spPr>
+              <a:xfrm flipH="1">
+                <a:off x="3340262" y="2729733"/>
+                <a:ext cx="350969" cy="369332"/>
+              </a:xfrm>
+              <a:prstGeom prst="rect">
+                <a:avLst/>
+              </a:prstGeom>
+              <a:blipFill>
+                <a:blip r:embed="rId13"/>
+                <a:stretch>
+                  <a:fillRect r="-62069"/>
+                </a:stretch>
+              </a:blipFill>
+            </p:spPr>
+            <p:txBody>
+              <a:bodyPr/>
+              <a:lstStyle/>
+              <a:p>
+                <a:r>
+                  <a:rPr lang="fr-FR">
+                    <a:noFill/>
+                  </a:rPr>
+                  <a:t> </a:t>
+                </a:r>
+              </a:p>
+            </p:txBody>
+          </p:sp>
+        </mc:Fallback>
+      </mc:AlternateContent>
+      <p:cxnSp>
+        <p:nvCxnSpPr>
+          <p:cNvPr id="101" name="Connecteur droit avec flèche 100">
+            <a:extLst>
+              <a:ext uri="{FF2B5EF4-FFF2-40B4-BE49-F238E27FC236}">
+                <a16:creationId xmlns:a16="http://schemas.microsoft.com/office/drawing/2014/main" id="{AC6E3210-2325-41EE-BCE5-982BD867C551}"/>
+              </a:ext>
+            </a:extLst>
+          </p:cNvPr>
+          <p:cNvCxnSpPr>
+            <a:cxnSpLocks/>
+          </p:cNvCxnSpPr>
+          <p:nvPr/>
+        </p:nvCxnSpPr>
+        <p:spPr>
+          <a:xfrm flipV="1">
+            <a:off x="3388682" y="3134267"/>
+            <a:ext cx="432000" cy="0"/>
+          </a:xfrm>
+          <a:prstGeom prst="straightConnector1">
+            <a:avLst/>
+          </a:prstGeom>
+          <a:ln w="12700">
+            <a:tailEnd type="triangle"/>
+          </a:ln>
+        </p:spPr>
+        <p:style>
+          <a:lnRef idx="1">
+            <a:schemeClr val="accent1"/>
+          </a:lnRef>
+          <a:fillRef idx="0">
+            <a:schemeClr val="accent1"/>
+          </a:fillRef>
+          <a:effectRef idx="0">
+            <a:schemeClr val="accent1"/>
+          </a:effectRef>
+          <a:fontRef idx="minor">
+            <a:schemeClr val="tx1"/>
+          </a:fontRef>
+        </p:style>
+      </p:cxnSp>
+      <p:grpSp>
+        <p:nvGrpSpPr>
+          <p:cNvPr id="2" name="Groupe 1">
+            <a:extLst>
+              <a:ext uri="{FF2B5EF4-FFF2-40B4-BE49-F238E27FC236}">
+                <a16:creationId xmlns:a16="http://schemas.microsoft.com/office/drawing/2014/main" id="{CC4E007C-EABE-47B5-89AF-C1937BE605C3}"/>
+              </a:ext>
+            </a:extLst>
+          </p:cNvPr>
+          <p:cNvGrpSpPr/>
+          <p:nvPr/>
+        </p:nvGrpSpPr>
+        <p:grpSpPr>
+          <a:xfrm>
+            <a:off x="7694867" y="873945"/>
+            <a:ext cx="3023575" cy="3294165"/>
+            <a:chOff x="7392307" y="1566466"/>
+            <a:chExt cx="3023575" cy="3294165"/>
+          </a:xfrm>
+        </p:grpSpPr>
+        <mc:AlternateContent xmlns:mc="http://schemas.openxmlformats.org/markup-compatibility/2006">
+          <mc:Choice xmlns:a14="http://schemas.microsoft.com/office/drawing/2010/main" Requires="a14">
+            <p:sp>
+              <p:nvSpPr>
+                <p:cNvPr id="62" name="ZoneTexte 61">
+                  <a:extLst>
+                    <a:ext uri="{FF2B5EF4-FFF2-40B4-BE49-F238E27FC236}">
+                      <a16:creationId xmlns:a16="http://schemas.microsoft.com/office/drawing/2014/main" id="{A252E8B0-9A94-4423-B77D-DA9516AE9270}"/>
+                    </a:ext>
+                  </a:extLst>
+                </p:cNvPr>
+                <p:cNvSpPr txBox="1"/>
+                <p:nvPr/>
+              </p:nvSpPr>
+              <p:spPr>
+                <a:xfrm flipH="1">
+                  <a:off x="7880889" y="4455450"/>
+                  <a:ext cx="350969" cy="369332"/>
+                </a:xfrm>
+                <a:prstGeom prst="rect">
+                  <a:avLst/>
+                </a:prstGeom>
+                <a:noFill/>
+              </p:spPr>
+              <p:txBody>
+                <a:bodyPr wrap="square" rtlCol="0">
+                  <a:spAutoFit/>
+                </a:bodyPr>
+                <a:lstStyle/>
+                <a:p>
+                  <a14:m>
+                    <m:oMathPara xmlns:m="http://schemas.openxmlformats.org/officeDocument/2006/math">
+                      <m:oMathParaPr>
+                        <m:jc m:val="centerGroup"/>
+                      </m:oMathParaPr>
+                      <m:oMath xmlns:m="http://schemas.openxmlformats.org/officeDocument/2006/math">
+                        <m:sSub>
+                          <m:sSubPr>
+                            <m:ctrlPr>
+                              <a:rPr lang="fr-FR" b="0" i="1" smtClean="0">
+                                <a:latin typeface="Cambria Math" panose="02040503050406030204" pitchFamily="18" charset="0"/>
+                              </a:rPr>
+                            </m:ctrlPr>
+                          </m:sSubPr>
+                          <m:e>
+                            <m:r>
+                              <a:rPr lang="fr-FR" b="0" i="1" smtClean="0">
+                                <a:latin typeface="Cambria Math" panose="02040503050406030204" pitchFamily="18" charset="0"/>
+                              </a:rPr>
+                              <m:t>𝑥</m:t>
+                            </m:r>
+                          </m:e>
+                          <m:sub>
+                            <m:r>
+                              <a:rPr lang="fr-FR" b="0" i="1" smtClean="0">
+                                <a:latin typeface="Cambria Math" panose="02040503050406030204" pitchFamily="18" charset="0"/>
+                              </a:rPr>
+                              <m:t>𝑡</m:t>
+                            </m:r>
+                            <m:r>
+                              <a:rPr lang="fr-FR" b="0" i="1" smtClean="0">
+                                <a:latin typeface="Cambria Math" panose="02040503050406030204" pitchFamily="18" charset="0"/>
+                              </a:rPr>
+                              <m:t>−1</m:t>
+                            </m:r>
+                          </m:sub>
+                        </m:sSub>
+                      </m:oMath>
+                    </m:oMathPara>
+                  </a14:m>
+                  <a:endParaRPr lang="fr-FR" dirty="0"/>
+                </a:p>
+              </p:txBody>
+            </p:sp>
+          </mc:Choice>
+          <mc:Fallback>
+            <p:sp>
+              <p:nvSpPr>
+                <p:cNvPr id="62" name="ZoneTexte 61">
+                  <a:extLst>
+                    <a:ext uri="{FF2B5EF4-FFF2-40B4-BE49-F238E27FC236}">
+                      <a16:creationId xmlns:a16="http://schemas.microsoft.com/office/drawing/2014/main" id="{A252E8B0-9A94-4423-B77D-DA9516AE9270}"/>
+                    </a:ext>
+                  </a:extLst>
+                </p:cNvPr>
+                <p:cNvSpPr txBox="1">
+                  <a:spLocks noRot="1" noChangeAspect="1" noMove="1" noResize="1" noEditPoints="1" noAdjustHandles="1" noChangeArrowheads="1" noChangeShapeType="1" noTextEdit="1"/>
+                </p:cNvSpPr>
+                <p:nvPr/>
+              </p:nvSpPr>
+              <p:spPr>
+                <a:xfrm flipH="1">
+                  <a:off x="7880889" y="4455450"/>
+                  <a:ext cx="350969" cy="369332"/>
+                </a:xfrm>
+                <a:prstGeom prst="rect">
+                  <a:avLst/>
+                </a:prstGeom>
+                <a:blipFill>
+                  <a:blip r:embed="rId14"/>
+                  <a:stretch>
+                    <a:fillRect r="-60345"/>
+                  </a:stretch>
+                </a:blipFill>
+              </p:spPr>
+              <p:txBody>
+                <a:bodyPr/>
+                <a:lstStyle/>
+                <a:p>
+                  <a:r>
+                    <a:rPr lang="fr-FR">
+                      <a:noFill/>
+                    </a:rPr>
+                    <a:t> </a:t>
+                  </a:r>
+                </a:p>
+              </p:txBody>
+            </p:sp>
+          </mc:Fallback>
+        </mc:AlternateContent>
+        <p:sp>
+          <p:nvSpPr>
+            <p:cNvPr id="63" name="Rectangle 62">
+              <a:extLst>
+                <a:ext uri="{FF2B5EF4-FFF2-40B4-BE49-F238E27FC236}">
+                  <a16:creationId xmlns:a16="http://schemas.microsoft.com/office/drawing/2014/main" id="{CD97A050-C1CC-4773-9895-ED6DBB8965E9}"/>
+                </a:ext>
+              </a:extLst>
+            </p:cNvPr>
+            <p:cNvSpPr/>
+            <p:nvPr/>
+          </p:nvSpPr>
+          <p:spPr>
+            <a:xfrm>
+              <a:off x="7907782" y="3431233"/>
+              <a:ext cx="263561" cy="759759"/>
+            </a:xfrm>
+            <a:prstGeom prst="rect">
+              <a:avLst/>
+            </a:prstGeom>
+          </p:spPr>
+          <p:style>
+            <a:lnRef idx="2">
+              <a:schemeClr val="accent1">
+                <a:shade val="50000"/>
+              </a:schemeClr>
+            </a:lnRef>
+            <a:fillRef idx="1">
+              <a:schemeClr val="accent1"/>
+            </a:fillRef>
+            <a:effectRef idx="0">
+              <a:schemeClr val="accent1"/>
+            </a:effectRef>
+            <a:fontRef idx="minor">
+              <a:schemeClr val="lt1"/>
+            </a:fontRef>
+          </p:style>
+          <p:txBody>
+            <a:bodyPr rtlCol="0" anchor="ctr"/>
+            <a:lstStyle/>
+            <a:p>
+              <a:pPr algn="ctr"/>
+              <a:endParaRPr lang="fr-FR" dirty="0"/>
+            </a:p>
+          </p:txBody>
+        </p:sp>
+        <p:cxnSp>
+          <p:nvCxnSpPr>
+            <p:cNvPr id="64" name="Connecteur droit avec flèche 63">
+              <a:extLst>
+                <a:ext uri="{FF2B5EF4-FFF2-40B4-BE49-F238E27FC236}">
+                  <a16:creationId xmlns:a16="http://schemas.microsoft.com/office/drawing/2014/main" id="{EBBEFF6D-DE2D-4440-9E6C-4ECFD34E9785}"/>
+                </a:ext>
+              </a:extLst>
+            </p:cNvPr>
+            <p:cNvCxnSpPr>
+              <a:cxnSpLocks/>
+              <a:endCxn id="63" idx="2"/>
+            </p:cNvCxnSpPr>
+            <p:nvPr/>
+          </p:nvCxnSpPr>
+          <p:spPr>
+            <a:xfrm flipH="1" flipV="1">
+              <a:off x="8039563" y="4190992"/>
+              <a:ext cx="0" cy="360000"/>
+            </a:xfrm>
+            <a:prstGeom prst="straightConnector1">
+              <a:avLst/>
+            </a:prstGeom>
+            <a:ln w="12700">
+              <a:solidFill>
+                <a:schemeClr val="tx1"/>
+              </a:solidFill>
+              <a:tailEnd type="triangle"/>
+            </a:ln>
+          </p:spPr>
+          <p:style>
+            <a:lnRef idx="1">
+              <a:schemeClr val="accent1"/>
+            </a:lnRef>
+            <a:fillRef idx="0">
+              <a:schemeClr val="accent1"/>
+            </a:fillRef>
+            <a:effectRef idx="0">
+              <a:schemeClr val="accent1"/>
+            </a:effectRef>
+            <a:fontRef idx="minor">
+              <a:schemeClr val="tx1"/>
+            </a:fontRef>
+          </p:style>
+        </p:cxnSp>
+        <p:cxnSp>
+          <p:nvCxnSpPr>
+            <p:cNvPr id="65" name="Connecteur droit avec flèche 64">
+              <a:extLst>
+                <a:ext uri="{FF2B5EF4-FFF2-40B4-BE49-F238E27FC236}">
+                  <a16:creationId xmlns:a16="http://schemas.microsoft.com/office/drawing/2014/main" id="{5ED3F126-A39F-472E-B8FE-5EDDF0FBC01F}"/>
+                </a:ext>
+              </a:extLst>
+            </p:cNvPr>
+            <p:cNvCxnSpPr>
+              <a:cxnSpLocks/>
+              <a:stCxn id="63" idx="3"/>
+            </p:cNvCxnSpPr>
+            <p:nvPr/>
+          </p:nvCxnSpPr>
+          <p:spPr>
+            <a:xfrm flipV="1">
+              <a:off x="8171343" y="3808869"/>
+              <a:ext cx="432000" cy="0"/>
+            </a:xfrm>
+            <a:prstGeom prst="straightConnector1">
+              <a:avLst/>
+            </a:prstGeom>
+            <a:ln w="12700">
+              <a:tailEnd type="triangle"/>
+            </a:ln>
+          </p:spPr>
+          <p:style>
+            <a:lnRef idx="1">
+              <a:schemeClr val="accent1"/>
+            </a:lnRef>
+            <a:fillRef idx="0">
+              <a:schemeClr val="accent1"/>
+            </a:fillRef>
+            <a:effectRef idx="0">
+              <a:schemeClr val="accent1"/>
+            </a:effectRef>
+            <a:fontRef idx="minor">
+              <a:schemeClr val="tx1"/>
+            </a:fontRef>
+          </p:style>
+        </p:cxnSp>
+        <mc:AlternateContent xmlns:mc="http://schemas.openxmlformats.org/markup-compatibility/2006">
+          <mc:Choice xmlns:a14="http://schemas.microsoft.com/office/drawing/2010/main" Requires="a14">
+            <p:sp>
+              <p:nvSpPr>
+                <p:cNvPr id="66" name="ZoneTexte 65">
+                  <a:extLst>
+                    <a:ext uri="{FF2B5EF4-FFF2-40B4-BE49-F238E27FC236}">
+                      <a16:creationId xmlns:a16="http://schemas.microsoft.com/office/drawing/2014/main" id="{A8FD9A92-D01C-459E-AF35-3938CB78284C}"/>
+                    </a:ext>
+                  </a:extLst>
+                </p:cNvPr>
+                <p:cNvSpPr txBox="1"/>
+                <p:nvPr/>
+              </p:nvSpPr>
+              <p:spPr>
+                <a:xfrm flipH="1">
+                  <a:off x="8134141" y="3415528"/>
+                  <a:ext cx="350969" cy="369332"/>
+                </a:xfrm>
+                <a:prstGeom prst="rect">
+                  <a:avLst/>
+                </a:prstGeom>
+                <a:noFill/>
+              </p:spPr>
+              <p:txBody>
+                <a:bodyPr wrap="square" rtlCol="0">
+                  <a:spAutoFit/>
+                </a:bodyPr>
+                <a:lstStyle/>
+                <a:p>
+                  <a14:m>
+                    <m:oMathPara xmlns:m="http://schemas.openxmlformats.org/officeDocument/2006/math">
+                      <m:oMathParaPr>
+                        <m:jc m:val="centerGroup"/>
+                      </m:oMathParaPr>
+                      <m:oMath xmlns:m="http://schemas.openxmlformats.org/officeDocument/2006/math">
+                        <m:sSub>
+                          <m:sSubPr>
+                            <m:ctrlPr>
+                              <a:rPr lang="fr-FR" b="0" i="1" smtClean="0">
+                                <a:latin typeface="Cambria Math" panose="02040503050406030204" pitchFamily="18" charset="0"/>
+                              </a:rPr>
+                            </m:ctrlPr>
+                          </m:sSubPr>
+                          <m:e>
+                            <m:r>
+                              <a:rPr lang="fr-FR" b="0" i="1" smtClean="0">
+                                <a:latin typeface="Cambria Math" panose="02040503050406030204" pitchFamily="18" charset="0"/>
+                              </a:rPr>
+                              <m:t>h</m:t>
+                            </m:r>
+                          </m:e>
+                          <m:sub>
+                            <m:r>
+                              <a:rPr lang="fr-FR" b="0" i="1" smtClean="0">
+                                <a:latin typeface="Cambria Math" panose="02040503050406030204" pitchFamily="18" charset="0"/>
+                              </a:rPr>
+                              <m:t>𝑡</m:t>
+                            </m:r>
+                          </m:sub>
+                        </m:sSub>
+                      </m:oMath>
+                    </m:oMathPara>
+                  </a14:m>
+                  <a:endParaRPr lang="fr-FR" dirty="0"/>
+                </a:p>
+              </p:txBody>
+            </p:sp>
+          </mc:Choice>
+          <mc:Fallback>
+            <p:sp>
+              <p:nvSpPr>
+                <p:cNvPr id="66" name="ZoneTexte 65">
+                  <a:extLst>
+                    <a:ext uri="{FF2B5EF4-FFF2-40B4-BE49-F238E27FC236}">
+                      <a16:creationId xmlns:a16="http://schemas.microsoft.com/office/drawing/2014/main" id="{A8FD9A92-D01C-459E-AF35-3938CB78284C}"/>
+                    </a:ext>
+                  </a:extLst>
+                </p:cNvPr>
+                <p:cNvSpPr txBox="1">
+                  <a:spLocks noRot="1" noChangeAspect="1" noMove="1" noResize="1" noEditPoints="1" noAdjustHandles="1" noChangeArrowheads="1" noChangeShapeType="1" noTextEdit="1"/>
+                </p:cNvSpPr>
+                <p:nvPr/>
+              </p:nvSpPr>
+              <p:spPr>
+                <a:xfrm flipH="1">
+                  <a:off x="8134141" y="3415528"/>
+                  <a:ext cx="350969" cy="369332"/>
+                </a:xfrm>
+                <a:prstGeom prst="rect">
+                  <a:avLst/>
+                </a:prstGeom>
+                <a:blipFill>
+                  <a:blip r:embed="rId15"/>
+                  <a:stretch>
+                    <a:fillRect/>
+                  </a:stretch>
+                </a:blipFill>
+              </p:spPr>
+              <p:txBody>
+                <a:bodyPr/>
+                <a:lstStyle/>
+                <a:p>
+                  <a:r>
+                    <a:rPr lang="fr-FR">
+                      <a:noFill/>
+                    </a:rPr>
+                    <a:t> </a:t>
+                  </a:r>
+                </a:p>
+              </p:txBody>
+            </p:sp>
+          </mc:Fallback>
+        </mc:AlternateContent>
+        <mc:AlternateContent xmlns:mc="http://schemas.openxmlformats.org/markup-compatibility/2006">
+          <mc:Choice xmlns:a14="http://schemas.microsoft.com/office/drawing/2010/main" Requires="a14">
+            <p:sp>
+              <p:nvSpPr>
+                <p:cNvPr id="67" name="ZoneTexte 66">
+                  <a:extLst>
+                    <a:ext uri="{FF2B5EF4-FFF2-40B4-BE49-F238E27FC236}">
+                      <a16:creationId xmlns:a16="http://schemas.microsoft.com/office/drawing/2014/main" id="{50E8F06C-3A33-47AB-87F0-E9C211189541}"/>
+                    </a:ext>
+                  </a:extLst>
+                </p:cNvPr>
+                <p:cNvSpPr txBox="1"/>
+                <p:nvPr/>
+              </p:nvSpPr>
+              <p:spPr>
+                <a:xfrm flipH="1">
+                  <a:off x="8604798" y="4466648"/>
+                  <a:ext cx="350969" cy="369332"/>
+                </a:xfrm>
+                <a:prstGeom prst="rect">
+                  <a:avLst/>
+                </a:prstGeom>
+                <a:noFill/>
+              </p:spPr>
+              <p:txBody>
+                <a:bodyPr wrap="square" rtlCol="0">
+                  <a:spAutoFit/>
+                </a:bodyPr>
+                <a:lstStyle/>
+                <a:p>
+                  <a14:m>
+                    <m:oMathPara xmlns:m="http://schemas.openxmlformats.org/officeDocument/2006/math">
+                      <m:oMathParaPr>
+                        <m:jc m:val="centerGroup"/>
+                      </m:oMathParaPr>
+                      <m:oMath xmlns:m="http://schemas.openxmlformats.org/officeDocument/2006/math">
+                        <m:sSub>
+                          <m:sSubPr>
+                            <m:ctrlPr>
+                              <a:rPr lang="fr-FR" b="0" i="1" smtClean="0">
+                                <a:latin typeface="Cambria Math" panose="02040503050406030204" pitchFamily="18" charset="0"/>
+                              </a:rPr>
+                            </m:ctrlPr>
+                          </m:sSubPr>
+                          <m:e>
+                            <m:r>
+                              <a:rPr lang="fr-FR" b="0" i="1" smtClean="0">
+                                <a:latin typeface="Cambria Math" panose="02040503050406030204" pitchFamily="18" charset="0"/>
+                              </a:rPr>
+                              <m:t>𝑥</m:t>
+                            </m:r>
+                          </m:e>
+                          <m:sub>
+                            <m:r>
+                              <a:rPr lang="fr-FR" b="0" i="1" smtClean="0">
+                                <a:latin typeface="Cambria Math" panose="02040503050406030204" pitchFamily="18" charset="0"/>
+                              </a:rPr>
+                              <m:t>𝑡</m:t>
+                            </m:r>
+                          </m:sub>
+                        </m:sSub>
+                      </m:oMath>
+                    </m:oMathPara>
+                  </a14:m>
+                  <a:endParaRPr lang="fr-FR" dirty="0"/>
+                </a:p>
+              </p:txBody>
+            </p:sp>
+          </mc:Choice>
+          <mc:Fallback>
+            <p:sp>
+              <p:nvSpPr>
+                <p:cNvPr id="67" name="ZoneTexte 66">
+                  <a:extLst>
+                    <a:ext uri="{FF2B5EF4-FFF2-40B4-BE49-F238E27FC236}">
+                      <a16:creationId xmlns:a16="http://schemas.microsoft.com/office/drawing/2014/main" id="{50E8F06C-3A33-47AB-87F0-E9C211189541}"/>
+                    </a:ext>
+                  </a:extLst>
+                </p:cNvPr>
+                <p:cNvSpPr txBox="1">
+                  <a:spLocks noRot="1" noChangeAspect="1" noMove="1" noResize="1" noEditPoints="1" noAdjustHandles="1" noChangeArrowheads="1" noChangeShapeType="1" noTextEdit="1"/>
+                </p:cNvSpPr>
+                <p:nvPr/>
+              </p:nvSpPr>
+              <p:spPr>
+                <a:xfrm flipH="1">
+                  <a:off x="8604798" y="4466648"/>
+                  <a:ext cx="350969" cy="369332"/>
+                </a:xfrm>
+                <a:prstGeom prst="rect">
+                  <a:avLst/>
+                </a:prstGeom>
+                <a:blipFill>
+                  <a:blip r:embed="rId16"/>
+                  <a:stretch>
+                    <a:fillRect/>
+                  </a:stretch>
+                </a:blipFill>
+              </p:spPr>
+              <p:txBody>
+                <a:bodyPr/>
+                <a:lstStyle/>
+                <a:p>
+                  <a:r>
+                    <a:rPr lang="fr-FR">
+                      <a:noFill/>
+                    </a:rPr>
+                    <a:t> </a:t>
+                  </a:r>
+                </a:p>
+              </p:txBody>
+            </p:sp>
+          </mc:Fallback>
+        </mc:AlternateContent>
+        <p:sp>
+          <p:nvSpPr>
+            <p:cNvPr id="68" name="Rectangle 67">
+              <a:extLst>
+                <a:ext uri="{FF2B5EF4-FFF2-40B4-BE49-F238E27FC236}">
+                  <a16:creationId xmlns:a16="http://schemas.microsoft.com/office/drawing/2014/main" id="{A5FD36CC-5681-4DC0-B49A-10223CB97C11}"/>
+                </a:ext>
+              </a:extLst>
+            </p:cNvPr>
+            <p:cNvSpPr/>
+            <p:nvPr/>
+          </p:nvSpPr>
+          <p:spPr>
+            <a:xfrm>
+              <a:off x="8631691" y="3442431"/>
+              <a:ext cx="263561" cy="759759"/>
+            </a:xfrm>
+            <a:prstGeom prst="rect">
+              <a:avLst/>
+            </a:prstGeom>
+          </p:spPr>
+          <p:style>
+            <a:lnRef idx="2">
+              <a:schemeClr val="accent1">
+                <a:shade val="50000"/>
+              </a:schemeClr>
+            </a:lnRef>
+            <a:fillRef idx="1">
+              <a:schemeClr val="accent1"/>
+            </a:fillRef>
+            <a:effectRef idx="0">
+              <a:schemeClr val="accent1"/>
+            </a:effectRef>
+            <a:fontRef idx="minor">
+              <a:schemeClr val="lt1"/>
+            </a:fontRef>
+          </p:style>
+          <p:txBody>
+            <a:bodyPr rtlCol="0" anchor="ctr"/>
+            <a:lstStyle/>
+            <a:p>
+              <a:pPr algn="ctr"/>
+              <a:endParaRPr lang="fr-FR" dirty="0"/>
+            </a:p>
+          </p:txBody>
+        </p:sp>
+        <p:cxnSp>
+          <p:nvCxnSpPr>
+            <p:cNvPr id="69" name="Connecteur droit avec flèche 68">
+              <a:extLst>
+                <a:ext uri="{FF2B5EF4-FFF2-40B4-BE49-F238E27FC236}">
+                  <a16:creationId xmlns:a16="http://schemas.microsoft.com/office/drawing/2014/main" id="{31CFFEDA-5B5F-42E8-9802-A49905E55C72}"/>
+                </a:ext>
+              </a:extLst>
+            </p:cNvPr>
+            <p:cNvCxnSpPr>
+              <a:cxnSpLocks/>
+              <a:endCxn id="68" idx="2"/>
+            </p:cNvCxnSpPr>
+            <p:nvPr/>
+          </p:nvCxnSpPr>
+          <p:spPr>
+            <a:xfrm flipH="1" flipV="1">
+              <a:off x="8763472" y="4202190"/>
+              <a:ext cx="0" cy="360000"/>
+            </a:xfrm>
+            <a:prstGeom prst="straightConnector1">
+              <a:avLst/>
+            </a:prstGeom>
+            <a:ln w="12700">
+              <a:solidFill>
+                <a:schemeClr val="tx1"/>
+              </a:solidFill>
+              <a:tailEnd type="triangle"/>
+            </a:ln>
+          </p:spPr>
+          <p:style>
+            <a:lnRef idx="1">
+              <a:schemeClr val="accent1"/>
+            </a:lnRef>
+            <a:fillRef idx="0">
+              <a:schemeClr val="accent1"/>
+            </a:fillRef>
+            <a:effectRef idx="0">
+              <a:schemeClr val="accent1"/>
+            </a:effectRef>
+            <a:fontRef idx="minor">
+              <a:schemeClr val="tx1"/>
+            </a:fontRef>
+          </p:style>
+        </p:cxnSp>
+        <p:cxnSp>
+          <p:nvCxnSpPr>
+            <p:cNvPr id="70" name="Connecteur droit avec flèche 69">
+              <a:extLst>
+                <a:ext uri="{FF2B5EF4-FFF2-40B4-BE49-F238E27FC236}">
+                  <a16:creationId xmlns:a16="http://schemas.microsoft.com/office/drawing/2014/main" id="{9112F68D-AFA1-4EC4-AA02-8C24CE5620B7}"/>
+                </a:ext>
+              </a:extLst>
+            </p:cNvPr>
+            <p:cNvCxnSpPr>
+              <a:cxnSpLocks/>
+              <a:stCxn id="68" idx="3"/>
+            </p:cNvCxnSpPr>
+            <p:nvPr/>
+          </p:nvCxnSpPr>
+          <p:spPr>
+            <a:xfrm flipV="1">
+              <a:off x="8895252" y="3820067"/>
+              <a:ext cx="432000" cy="0"/>
+            </a:xfrm>
+            <a:prstGeom prst="straightConnector1">
+              <a:avLst/>
+            </a:prstGeom>
+            <a:ln w="12700">
+              <a:tailEnd type="triangle"/>
+            </a:ln>
+          </p:spPr>
+          <p:style>
+            <a:lnRef idx="1">
+              <a:schemeClr val="accent1"/>
+            </a:lnRef>
+            <a:fillRef idx="0">
+              <a:schemeClr val="accent1"/>
+            </a:fillRef>
+            <a:effectRef idx="0">
+              <a:schemeClr val="accent1"/>
+            </a:effectRef>
+            <a:fontRef idx="minor">
+              <a:schemeClr val="tx1"/>
+            </a:fontRef>
+          </p:style>
+        </p:cxnSp>
+        <mc:AlternateContent xmlns:mc="http://schemas.openxmlformats.org/markup-compatibility/2006">
+          <mc:Choice xmlns:a14="http://schemas.microsoft.com/office/drawing/2010/main" Requires="a14">
+            <p:sp>
+              <p:nvSpPr>
+                <p:cNvPr id="71" name="ZoneTexte 70">
+                  <a:extLst>
+                    <a:ext uri="{FF2B5EF4-FFF2-40B4-BE49-F238E27FC236}">
+                      <a16:creationId xmlns:a16="http://schemas.microsoft.com/office/drawing/2014/main" id="{2B7DBE26-D08D-4C27-AB79-9B5541321B79}"/>
+                    </a:ext>
+                  </a:extLst>
+                </p:cNvPr>
+                <p:cNvSpPr txBox="1"/>
+                <p:nvPr/>
+              </p:nvSpPr>
+              <p:spPr>
+                <a:xfrm flipH="1">
+                  <a:off x="8858050" y="3426726"/>
+                  <a:ext cx="350969" cy="369332"/>
+                </a:xfrm>
+                <a:prstGeom prst="rect">
+                  <a:avLst/>
+                </a:prstGeom>
+                <a:noFill/>
+              </p:spPr>
+              <p:txBody>
+                <a:bodyPr wrap="square" rtlCol="0">
+                  <a:spAutoFit/>
+                </a:bodyPr>
+                <a:lstStyle/>
+                <a:p>
+                  <a14:m>
+                    <m:oMathPara xmlns:m="http://schemas.openxmlformats.org/officeDocument/2006/math">
+                      <m:oMathParaPr>
+                        <m:jc m:val="centerGroup"/>
+                      </m:oMathParaPr>
+                      <m:oMath xmlns:m="http://schemas.openxmlformats.org/officeDocument/2006/math">
+                        <m:sSub>
+                          <m:sSubPr>
+                            <m:ctrlPr>
+                              <a:rPr lang="fr-FR" b="0" i="1" smtClean="0">
+                                <a:latin typeface="Cambria Math" panose="02040503050406030204" pitchFamily="18" charset="0"/>
+                              </a:rPr>
+                            </m:ctrlPr>
+                          </m:sSubPr>
+                          <m:e>
+                            <m:r>
+                              <a:rPr lang="fr-FR" b="0" i="1" smtClean="0">
+                                <a:latin typeface="Cambria Math" panose="02040503050406030204" pitchFamily="18" charset="0"/>
+                              </a:rPr>
+                              <m:t>h</m:t>
+                            </m:r>
+                          </m:e>
+                          <m:sub>
+                            <m:r>
+                              <a:rPr lang="fr-FR" b="0" i="1" smtClean="0">
+                                <a:latin typeface="Cambria Math" panose="02040503050406030204" pitchFamily="18" charset="0"/>
+                              </a:rPr>
+                              <m:t>𝑡</m:t>
+                            </m:r>
+                            <m:r>
+                              <a:rPr lang="fr-FR" b="0" i="1" smtClean="0">
+                                <a:latin typeface="Cambria Math" panose="02040503050406030204" pitchFamily="18" charset="0"/>
+                              </a:rPr>
+                              <m:t>+1</m:t>
+                            </m:r>
+                          </m:sub>
+                        </m:sSub>
+                      </m:oMath>
+                    </m:oMathPara>
+                  </a14:m>
+                  <a:endParaRPr lang="fr-FR" dirty="0"/>
+                </a:p>
+              </p:txBody>
+            </p:sp>
+          </mc:Choice>
+          <mc:Fallback>
+            <p:sp>
+              <p:nvSpPr>
+                <p:cNvPr id="71" name="ZoneTexte 70">
+                  <a:extLst>
+                    <a:ext uri="{FF2B5EF4-FFF2-40B4-BE49-F238E27FC236}">
+                      <a16:creationId xmlns:a16="http://schemas.microsoft.com/office/drawing/2014/main" id="{2B7DBE26-D08D-4C27-AB79-9B5541321B79}"/>
+                    </a:ext>
+                  </a:extLst>
+                </p:cNvPr>
+                <p:cNvSpPr txBox="1">
+                  <a:spLocks noRot="1" noChangeAspect="1" noMove="1" noResize="1" noEditPoints="1" noAdjustHandles="1" noChangeArrowheads="1" noChangeShapeType="1" noTextEdit="1"/>
+                </p:cNvSpPr>
+                <p:nvPr/>
+              </p:nvSpPr>
+              <p:spPr>
+                <a:xfrm flipH="1">
+                  <a:off x="8858050" y="3426726"/>
+                  <a:ext cx="350969" cy="369332"/>
+                </a:xfrm>
+                <a:prstGeom prst="rect">
+                  <a:avLst/>
+                </a:prstGeom>
+                <a:blipFill>
+                  <a:blip r:embed="rId17"/>
+                  <a:stretch>
+                    <a:fillRect r="-64912"/>
+                  </a:stretch>
+                </a:blipFill>
+              </p:spPr>
+              <p:txBody>
+                <a:bodyPr/>
+                <a:lstStyle/>
+                <a:p>
+                  <a:r>
+                    <a:rPr lang="fr-FR">
+                      <a:noFill/>
+                    </a:rPr>
+                    <a:t> </a:t>
+                  </a:r>
+                </a:p>
+              </p:txBody>
+            </p:sp>
+          </mc:Fallback>
+        </mc:AlternateContent>
+        <mc:AlternateContent xmlns:mc="http://schemas.openxmlformats.org/markup-compatibility/2006">
+          <mc:Choice xmlns:a14="http://schemas.microsoft.com/office/drawing/2010/main" Requires="a14">
+            <p:sp>
+              <p:nvSpPr>
+                <p:cNvPr id="72" name="ZoneTexte 71">
+                  <a:extLst>
+                    <a:ext uri="{FF2B5EF4-FFF2-40B4-BE49-F238E27FC236}">
+                      <a16:creationId xmlns:a16="http://schemas.microsoft.com/office/drawing/2014/main" id="{019C9B6E-D377-40DD-AE39-C9CA1C7683B2}"/>
+                    </a:ext>
+                  </a:extLst>
+                </p:cNvPr>
+                <p:cNvSpPr txBox="1"/>
+                <p:nvPr/>
+              </p:nvSpPr>
+              <p:spPr>
+                <a:xfrm flipH="1">
+                  <a:off x="9324206" y="4466650"/>
+                  <a:ext cx="350969" cy="369332"/>
+                </a:xfrm>
+                <a:prstGeom prst="rect">
+                  <a:avLst/>
+                </a:prstGeom>
+                <a:noFill/>
+              </p:spPr>
+              <p:txBody>
+                <a:bodyPr wrap="square" rtlCol="0">
+                  <a:spAutoFit/>
+                </a:bodyPr>
+                <a:lstStyle/>
+                <a:p>
+                  <a14:m>
+                    <m:oMathPara xmlns:m="http://schemas.openxmlformats.org/officeDocument/2006/math">
+                      <m:oMathParaPr>
+                        <m:jc m:val="centerGroup"/>
+                      </m:oMathParaPr>
+                      <m:oMath xmlns:m="http://schemas.openxmlformats.org/officeDocument/2006/math">
+                        <m:sSub>
+                          <m:sSubPr>
+                            <m:ctrlPr>
+                              <a:rPr lang="fr-FR" b="0" i="1" smtClean="0">
+                                <a:latin typeface="Cambria Math" panose="02040503050406030204" pitchFamily="18" charset="0"/>
+                              </a:rPr>
+                            </m:ctrlPr>
+                          </m:sSubPr>
+                          <m:e>
+                            <m:r>
+                              <a:rPr lang="fr-FR" b="0" i="1" smtClean="0">
+                                <a:latin typeface="Cambria Math" panose="02040503050406030204" pitchFamily="18" charset="0"/>
+                              </a:rPr>
+                              <m:t>𝑥</m:t>
+                            </m:r>
+                          </m:e>
+                          <m:sub>
+                            <m:r>
+                              <a:rPr lang="fr-FR" b="0" i="1" smtClean="0">
+                                <a:latin typeface="Cambria Math" panose="02040503050406030204" pitchFamily="18" charset="0"/>
+                              </a:rPr>
+                              <m:t>𝑡</m:t>
+                            </m:r>
+                            <m:r>
+                              <a:rPr lang="fr-FR" b="0" i="1" smtClean="0">
+                                <a:latin typeface="Cambria Math" panose="02040503050406030204" pitchFamily="18" charset="0"/>
+                              </a:rPr>
+                              <m:t>+1</m:t>
+                            </m:r>
+                          </m:sub>
+                        </m:sSub>
+                      </m:oMath>
+                    </m:oMathPara>
+                  </a14:m>
+                  <a:endParaRPr lang="fr-FR" dirty="0"/>
+                </a:p>
+              </p:txBody>
+            </p:sp>
+          </mc:Choice>
+          <mc:Fallback>
+            <p:sp>
+              <p:nvSpPr>
+                <p:cNvPr id="72" name="ZoneTexte 71">
+                  <a:extLst>
+                    <a:ext uri="{FF2B5EF4-FFF2-40B4-BE49-F238E27FC236}">
+                      <a16:creationId xmlns:a16="http://schemas.microsoft.com/office/drawing/2014/main" id="{019C9B6E-D377-40DD-AE39-C9CA1C7683B2}"/>
+                    </a:ext>
+                  </a:extLst>
+                </p:cNvPr>
+                <p:cNvSpPr txBox="1">
+                  <a:spLocks noRot="1" noChangeAspect="1" noMove="1" noResize="1" noEditPoints="1" noAdjustHandles="1" noChangeArrowheads="1" noChangeShapeType="1" noTextEdit="1"/>
+                </p:cNvSpPr>
+                <p:nvPr/>
+              </p:nvSpPr>
+              <p:spPr>
+                <a:xfrm flipH="1">
+                  <a:off x="9324206" y="4466650"/>
+                  <a:ext cx="350969" cy="369332"/>
+                </a:xfrm>
+                <a:prstGeom prst="rect">
+                  <a:avLst/>
+                </a:prstGeom>
+                <a:blipFill>
+                  <a:blip r:embed="rId18"/>
+                  <a:stretch>
+                    <a:fillRect r="-60345"/>
+                  </a:stretch>
+                </a:blipFill>
+              </p:spPr>
+              <p:txBody>
+                <a:bodyPr/>
+                <a:lstStyle/>
+                <a:p>
+                  <a:r>
+                    <a:rPr lang="fr-FR">
+                      <a:noFill/>
+                    </a:rPr>
+                    <a:t> </a:t>
+                  </a:r>
+                </a:p>
+              </p:txBody>
+            </p:sp>
+          </mc:Fallback>
+        </mc:AlternateContent>
+        <p:sp>
+          <p:nvSpPr>
+            <p:cNvPr id="73" name="Rectangle 72">
+              <a:extLst>
+                <a:ext uri="{FF2B5EF4-FFF2-40B4-BE49-F238E27FC236}">
+                  <a16:creationId xmlns:a16="http://schemas.microsoft.com/office/drawing/2014/main" id="{D9EDF75E-6295-44BF-B06E-F83E2C09AAE6}"/>
+                </a:ext>
+              </a:extLst>
+            </p:cNvPr>
+            <p:cNvSpPr/>
+            <p:nvPr/>
+          </p:nvSpPr>
+          <p:spPr>
+            <a:xfrm>
+              <a:off x="9377995" y="3442433"/>
+              <a:ext cx="263561" cy="759759"/>
+            </a:xfrm>
+            <a:prstGeom prst="rect">
+              <a:avLst/>
+            </a:prstGeom>
+          </p:spPr>
+          <p:style>
+            <a:lnRef idx="2">
+              <a:schemeClr val="accent1">
+                <a:shade val="50000"/>
+              </a:schemeClr>
+            </a:lnRef>
+            <a:fillRef idx="1">
+              <a:schemeClr val="accent1"/>
+            </a:fillRef>
+            <a:effectRef idx="0">
+              <a:schemeClr val="accent1"/>
+            </a:effectRef>
+            <a:fontRef idx="minor">
+              <a:schemeClr val="lt1"/>
+            </a:fontRef>
+          </p:style>
+          <p:txBody>
+            <a:bodyPr rtlCol="0" anchor="ctr"/>
+            <a:lstStyle/>
+            <a:p>
+              <a:pPr algn="ctr"/>
+              <a:endParaRPr lang="fr-FR" dirty="0"/>
+            </a:p>
+          </p:txBody>
+        </p:sp>
+        <p:cxnSp>
+          <p:nvCxnSpPr>
+            <p:cNvPr id="74" name="Connecteur droit avec flèche 73">
+              <a:extLst>
+                <a:ext uri="{FF2B5EF4-FFF2-40B4-BE49-F238E27FC236}">
+                  <a16:creationId xmlns:a16="http://schemas.microsoft.com/office/drawing/2014/main" id="{D523AC20-E4CC-49B9-93CC-2EBA09614E3E}"/>
+                </a:ext>
+              </a:extLst>
+            </p:cNvPr>
+            <p:cNvCxnSpPr>
+              <a:cxnSpLocks/>
+              <a:endCxn id="73" idx="2"/>
+            </p:cNvCxnSpPr>
+            <p:nvPr/>
+          </p:nvCxnSpPr>
+          <p:spPr>
+            <a:xfrm flipH="1" flipV="1">
+              <a:off x="9509776" y="4202192"/>
+              <a:ext cx="0" cy="360000"/>
+            </a:xfrm>
+            <a:prstGeom prst="straightConnector1">
+              <a:avLst/>
+            </a:prstGeom>
+            <a:ln w="12700">
+              <a:solidFill>
+                <a:schemeClr val="tx1"/>
+              </a:solidFill>
+              <a:tailEnd type="triangle"/>
+            </a:ln>
+          </p:spPr>
+          <p:style>
+            <a:lnRef idx="1">
+              <a:schemeClr val="accent1"/>
+            </a:lnRef>
+            <a:fillRef idx="0">
+              <a:schemeClr val="accent1"/>
+            </a:fillRef>
+            <a:effectRef idx="0">
+              <a:schemeClr val="accent1"/>
+            </a:effectRef>
+            <a:fontRef idx="minor">
+              <a:schemeClr val="tx1"/>
+            </a:fontRef>
+          </p:style>
+        </p:cxnSp>
+        <mc:AlternateContent xmlns:mc="http://schemas.openxmlformats.org/markup-compatibility/2006">
+          <mc:Choice xmlns:a14="http://schemas.microsoft.com/office/drawing/2010/main" Requires="a14">
+            <p:sp>
+              <p:nvSpPr>
+                <p:cNvPr id="75" name="ZoneTexte 74">
+                  <a:extLst>
+                    <a:ext uri="{FF2B5EF4-FFF2-40B4-BE49-F238E27FC236}">
+                      <a16:creationId xmlns:a16="http://schemas.microsoft.com/office/drawing/2014/main" id="{67C941FC-82DA-4D96-9E14-5022B928AB03}"/>
+                    </a:ext>
+                  </a:extLst>
+                </p:cNvPr>
+                <p:cNvSpPr txBox="1"/>
+                <p:nvPr/>
+              </p:nvSpPr>
+              <p:spPr>
+                <a:xfrm flipH="1">
+                  <a:off x="9334291" y="1566466"/>
+                  <a:ext cx="350969" cy="369332"/>
+                </a:xfrm>
+                <a:prstGeom prst="rect">
+                  <a:avLst/>
+                </a:prstGeom>
+                <a:noFill/>
+              </p:spPr>
+              <p:txBody>
+                <a:bodyPr wrap="square" rtlCol="0">
+                  <a:spAutoFit/>
+                </a:bodyPr>
+                <a:lstStyle/>
+                <a:p>
+                  <a14:m>
+                    <m:oMathPara xmlns:m="http://schemas.openxmlformats.org/officeDocument/2006/math">
+                      <m:oMathParaPr>
+                        <m:jc m:val="centerGroup"/>
+                      </m:oMathParaPr>
+                      <m:oMath xmlns:m="http://schemas.openxmlformats.org/officeDocument/2006/math">
+                        <m:sSub>
+                          <m:sSubPr>
+                            <m:ctrlPr>
+                              <a:rPr lang="fr-FR" b="0" i="1" smtClean="0">
+                                <a:latin typeface="Cambria Math" panose="02040503050406030204" pitchFamily="18" charset="0"/>
+                              </a:rPr>
+                            </m:ctrlPr>
+                          </m:sSubPr>
+                          <m:e>
+                            <m:r>
+                              <a:rPr lang="fr-FR" b="0" i="1" smtClean="0">
+                                <a:latin typeface="Cambria Math" panose="02040503050406030204" pitchFamily="18" charset="0"/>
+                              </a:rPr>
+                              <m:t>𝑦</m:t>
+                            </m:r>
+                          </m:e>
+                          <m:sub>
+                            <m:r>
+                              <a:rPr lang="fr-FR" b="0" i="1" smtClean="0">
+                                <a:latin typeface="Cambria Math" panose="02040503050406030204" pitchFamily="18" charset="0"/>
+                              </a:rPr>
+                              <m:t>𝑡</m:t>
+                            </m:r>
+                            <m:r>
+                              <a:rPr lang="fr-FR" b="0" i="1" smtClean="0">
+                                <a:latin typeface="Cambria Math" panose="02040503050406030204" pitchFamily="18" charset="0"/>
+                              </a:rPr>
+                              <m:t>+2</m:t>
+                            </m:r>
+                          </m:sub>
+                        </m:sSub>
+                      </m:oMath>
+                    </m:oMathPara>
+                  </a14:m>
+                  <a:endParaRPr lang="fr-FR" dirty="0"/>
+                </a:p>
+              </p:txBody>
+            </p:sp>
+          </mc:Choice>
+          <mc:Fallback>
+            <p:sp>
+              <p:nvSpPr>
+                <p:cNvPr id="75" name="ZoneTexte 74">
+                  <a:extLst>
+                    <a:ext uri="{FF2B5EF4-FFF2-40B4-BE49-F238E27FC236}">
+                      <a16:creationId xmlns:a16="http://schemas.microsoft.com/office/drawing/2014/main" id="{67C941FC-82DA-4D96-9E14-5022B928AB03}"/>
+                    </a:ext>
+                  </a:extLst>
+                </p:cNvPr>
+                <p:cNvSpPr txBox="1">
+                  <a:spLocks noRot="1" noChangeAspect="1" noMove="1" noResize="1" noEditPoints="1" noAdjustHandles="1" noChangeArrowheads="1" noChangeShapeType="1" noTextEdit="1"/>
+                </p:cNvSpPr>
+                <p:nvPr/>
+              </p:nvSpPr>
+              <p:spPr>
+                <a:xfrm flipH="1">
+                  <a:off x="9334291" y="1566466"/>
+                  <a:ext cx="350969" cy="369332"/>
+                </a:xfrm>
+                <a:prstGeom prst="rect">
+                  <a:avLst/>
+                </a:prstGeom>
+                <a:blipFill>
+                  <a:blip r:embed="rId19"/>
+                  <a:stretch>
+                    <a:fillRect r="-63158" b="-6557"/>
+                  </a:stretch>
+                </a:blipFill>
+              </p:spPr>
+              <p:txBody>
+                <a:bodyPr/>
+                <a:lstStyle/>
+                <a:p>
+                  <a:r>
+                    <a:rPr lang="fr-FR">
+                      <a:noFill/>
+                    </a:rPr>
+                    <a:t> </a:t>
+                  </a:r>
+                </a:p>
+              </p:txBody>
+            </p:sp>
+          </mc:Fallback>
+        </mc:AlternateContent>
+        <p:cxnSp>
+          <p:nvCxnSpPr>
+            <p:cNvPr id="76" name="Connecteur droit avec flèche 75">
+              <a:extLst>
+                <a:ext uri="{FF2B5EF4-FFF2-40B4-BE49-F238E27FC236}">
+                  <a16:creationId xmlns:a16="http://schemas.microsoft.com/office/drawing/2014/main" id="{FEDD15AF-9C77-408E-8DBE-0CF11E8CC38D}"/>
+                </a:ext>
+              </a:extLst>
+            </p:cNvPr>
+            <p:cNvCxnSpPr>
+              <a:cxnSpLocks/>
+            </p:cNvCxnSpPr>
+            <p:nvPr/>
+          </p:nvCxnSpPr>
+          <p:spPr>
+            <a:xfrm flipH="1" flipV="1">
+              <a:off x="9497209" y="3071105"/>
+              <a:ext cx="0" cy="360000"/>
+            </a:xfrm>
+            <a:prstGeom prst="straightConnector1">
+              <a:avLst/>
+            </a:prstGeom>
+            <a:ln w="12700">
+              <a:tailEnd type="triangle"/>
+            </a:ln>
+          </p:spPr>
+          <p:style>
+            <a:lnRef idx="1">
+              <a:schemeClr val="accent1"/>
+            </a:lnRef>
+            <a:fillRef idx="0">
+              <a:schemeClr val="accent1"/>
+            </a:fillRef>
+            <a:effectRef idx="0">
+              <a:schemeClr val="accent1"/>
+            </a:effectRef>
+            <a:fontRef idx="minor">
+              <a:schemeClr val="tx1"/>
+            </a:fontRef>
+          </p:style>
+        </p:cxnSp>
+        <p:sp>
+          <p:nvSpPr>
+            <p:cNvPr id="77" name="Rectangle 76">
+              <a:extLst>
+                <a:ext uri="{FF2B5EF4-FFF2-40B4-BE49-F238E27FC236}">
+                  <a16:creationId xmlns:a16="http://schemas.microsoft.com/office/drawing/2014/main" id="{9E60D184-0717-4C03-9A10-230F706CE2C3}"/>
+                </a:ext>
+              </a:extLst>
+            </p:cNvPr>
+            <p:cNvSpPr/>
+            <p:nvPr/>
+          </p:nvSpPr>
+          <p:spPr>
+            <a:xfrm>
+              <a:off x="9395920" y="2290466"/>
+              <a:ext cx="263561" cy="759759"/>
+            </a:xfrm>
+            <a:prstGeom prst="rect">
+              <a:avLst/>
+            </a:prstGeom>
+            <a:solidFill>
+              <a:schemeClr val="accent6"/>
+            </a:solidFill>
+            <a:ln>
+              <a:solidFill>
+                <a:schemeClr val="accent6"/>
+              </a:solidFill>
+            </a:ln>
+          </p:spPr>
+          <p:style>
+            <a:lnRef idx="2">
+              <a:schemeClr val="accent1">
+                <a:shade val="50000"/>
+              </a:schemeClr>
+            </a:lnRef>
+            <a:fillRef idx="1">
+              <a:schemeClr val="accent1"/>
+            </a:fillRef>
+            <a:effectRef idx="0">
+              <a:schemeClr val="accent1"/>
+            </a:effectRef>
+            <a:fontRef idx="minor">
+              <a:schemeClr val="lt1"/>
+            </a:fontRef>
+          </p:style>
+          <p:txBody>
+            <a:bodyPr rtlCol="0" anchor="ctr"/>
+            <a:lstStyle/>
+            <a:p>
+              <a:pPr algn="ctr"/>
+              <a:endParaRPr lang="fr-FR" dirty="0"/>
+            </a:p>
+          </p:txBody>
+        </p:sp>
+        <p:cxnSp>
+          <p:nvCxnSpPr>
+            <p:cNvPr id="78" name="Connecteur droit avec flèche 77">
+              <a:extLst>
+                <a:ext uri="{FF2B5EF4-FFF2-40B4-BE49-F238E27FC236}">
+                  <a16:creationId xmlns:a16="http://schemas.microsoft.com/office/drawing/2014/main" id="{C15FE9ED-C036-4BC6-B487-914659AFC926}"/>
+                </a:ext>
+              </a:extLst>
+            </p:cNvPr>
+            <p:cNvCxnSpPr>
+              <a:cxnSpLocks/>
+            </p:cNvCxnSpPr>
+            <p:nvPr/>
+          </p:nvCxnSpPr>
+          <p:spPr>
+            <a:xfrm flipH="1" flipV="1">
+              <a:off x="9501687" y="1919138"/>
+              <a:ext cx="0" cy="360000"/>
+            </a:xfrm>
+            <a:prstGeom prst="straightConnector1">
+              <a:avLst/>
+            </a:prstGeom>
+            <a:ln w="12700">
+              <a:solidFill>
+                <a:schemeClr val="accent6"/>
+              </a:solidFill>
+              <a:tailEnd type="triangle"/>
+            </a:ln>
+          </p:spPr>
+          <p:style>
+            <a:lnRef idx="1">
+              <a:schemeClr val="accent1"/>
+            </a:lnRef>
+            <a:fillRef idx="0">
+              <a:schemeClr val="accent1"/>
+            </a:fillRef>
+            <a:effectRef idx="0">
+              <a:schemeClr val="accent1"/>
+            </a:effectRef>
+            <a:fontRef idx="minor">
+              <a:schemeClr val="tx1"/>
+            </a:fontRef>
+          </p:style>
+        </p:cxnSp>
+        <p:cxnSp>
+          <p:nvCxnSpPr>
+            <p:cNvPr id="79" name="Connecteur droit avec flèche 78">
+              <a:extLst>
+                <a:ext uri="{FF2B5EF4-FFF2-40B4-BE49-F238E27FC236}">
+                  <a16:creationId xmlns:a16="http://schemas.microsoft.com/office/drawing/2014/main" id="{5279E5F3-9760-40BD-ACD8-BF65C8D33072}"/>
+                </a:ext>
+              </a:extLst>
+            </p:cNvPr>
+            <p:cNvCxnSpPr>
+              <a:cxnSpLocks/>
+            </p:cNvCxnSpPr>
+            <p:nvPr/>
+          </p:nvCxnSpPr>
+          <p:spPr>
+            <a:xfrm flipV="1">
+              <a:off x="9625874" y="3844716"/>
+              <a:ext cx="432000" cy="0"/>
+            </a:xfrm>
+            <a:prstGeom prst="straightConnector1">
+              <a:avLst/>
+            </a:prstGeom>
+            <a:ln w="12700">
+              <a:tailEnd type="triangle"/>
+            </a:ln>
+          </p:spPr>
+          <p:style>
+            <a:lnRef idx="1">
+              <a:schemeClr val="accent1"/>
+            </a:lnRef>
+            <a:fillRef idx="0">
+              <a:schemeClr val="accent1"/>
+            </a:fillRef>
+            <a:effectRef idx="0">
+              <a:schemeClr val="accent1"/>
+            </a:effectRef>
+            <a:fontRef idx="minor">
+              <a:schemeClr val="tx1"/>
+            </a:fontRef>
+          </p:style>
+        </p:cxnSp>
+        <mc:AlternateContent xmlns:mc="http://schemas.openxmlformats.org/markup-compatibility/2006">
+          <mc:Choice xmlns:a14="http://schemas.microsoft.com/office/drawing/2010/main" Requires="a14">
+            <p:sp>
+              <p:nvSpPr>
+                <p:cNvPr id="80" name="ZoneTexte 79">
+                  <a:extLst>
+                    <a:ext uri="{FF2B5EF4-FFF2-40B4-BE49-F238E27FC236}">
+                      <a16:creationId xmlns:a16="http://schemas.microsoft.com/office/drawing/2014/main" id="{28067CAF-36CA-474D-A981-58892068A97C}"/>
+                    </a:ext>
+                  </a:extLst>
+                </p:cNvPr>
+                <p:cNvSpPr txBox="1"/>
+                <p:nvPr/>
+              </p:nvSpPr>
+              <p:spPr>
+                <a:xfrm flipH="1">
+                  <a:off x="9588672" y="3451375"/>
+                  <a:ext cx="350969" cy="369332"/>
+                </a:xfrm>
+                <a:prstGeom prst="rect">
+                  <a:avLst/>
+                </a:prstGeom>
+                <a:noFill/>
+              </p:spPr>
+              <p:txBody>
+                <a:bodyPr wrap="square" rtlCol="0">
+                  <a:spAutoFit/>
+                </a:bodyPr>
+                <a:lstStyle/>
+                <a:p>
+                  <a14:m>
+                    <m:oMathPara xmlns:m="http://schemas.openxmlformats.org/officeDocument/2006/math">
+                      <m:oMathParaPr>
+                        <m:jc m:val="centerGroup"/>
+                      </m:oMathParaPr>
+                      <m:oMath xmlns:m="http://schemas.openxmlformats.org/officeDocument/2006/math">
+                        <m:sSub>
+                          <m:sSubPr>
+                            <m:ctrlPr>
+                              <a:rPr lang="fr-FR" b="0" i="1" smtClean="0">
+                                <a:latin typeface="Cambria Math" panose="02040503050406030204" pitchFamily="18" charset="0"/>
+                              </a:rPr>
+                            </m:ctrlPr>
+                          </m:sSubPr>
+                          <m:e>
+                            <m:r>
+                              <a:rPr lang="fr-FR" b="0" i="1" smtClean="0">
+                                <a:latin typeface="Cambria Math" panose="02040503050406030204" pitchFamily="18" charset="0"/>
+                              </a:rPr>
+                              <m:t>h</m:t>
+                            </m:r>
+                          </m:e>
+                          <m:sub>
+                            <m:r>
+                              <a:rPr lang="fr-FR" b="0" i="1" smtClean="0">
+                                <a:latin typeface="Cambria Math" panose="02040503050406030204" pitchFamily="18" charset="0"/>
+                              </a:rPr>
+                              <m:t>𝑡</m:t>
+                            </m:r>
+                            <m:r>
+                              <a:rPr lang="fr-FR" b="0" i="1" smtClean="0">
+                                <a:latin typeface="Cambria Math" panose="02040503050406030204" pitchFamily="18" charset="0"/>
+                              </a:rPr>
+                              <m:t>+2</m:t>
+                            </m:r>
+                          </m:sub>
+                        </m:sSub>
+                      </m:oMath>
+                    </m:oMathPara>
+                  </a14:m>
+                  <a:endParaRPr lang="fr-FR" dirty="0"/>
+                </a:p>
+              </p:txBody>
+            </p:sp>
+          </mc:Choice>
+          <mc:Fallback>
+            <p:sp>
+              <p:nvSpPr>
+                <p:cNvPr id="80" name="ZoneTexte 79">
+                  <a:extLst>
+                    <a:ext uri="{FF2B5EF4-FFF2-40B4-BE49-F238E27FC236}">
+                      <a16:creationId xmlns:a16="http://schemas.microsoft.com/office/drawing/2014/main" id="{28067CAF-36CA-474D-A981-58892068A97C}"/>
+                    </a:ext>
+                  </a:extLst>
+                </p:cNvPr>
+                <p:cNvSpPr txBox="1">
+                  <a:spLocks noRot="1" noChangeAspect="1" noMove="1" noResize="1" noEditPoints="1" noAdjustHandles="1" noChangeArrowheads="1" noChangeShapeType="1" noTextEdit="1"/>
+                </p:cNvSpPr>
+                <p:nvPr/>
+              </p:nvSpPr>
+              <p:spPr>
+                <a:xfrm flipH="1">
+                  <a:off x="9588672" y="3451375"/>
+                  <a:ext cx="350969" cy="369332"/>
+                </a:xfrm>
+                <a:prstGeom prst="rect">
+                  <a:avLst/>
+                </a:prstGeom>
+                <a:blipFill>
+                  <a:blip r:embed="rId20"/>
+                  <a:stretch>
+                    <a:fillRect r="-64912"/>
+                  </a:stretch>
+                </a:blipFill>
+              </p:spPr>
+              <p:txBody>
+                <a:bodyPr/>
+                <a:lstStyle/>
+                <a:p>
+                  <a:r>
+                    <a:rPr lang="fr-FR">
+                      <a:noFill/>
+                    </a:rPr>
+                    <a:t> </a:t>
+                  </a:r>
+                </a:p>
+              </p:txBody>
+            </p:sp>
+          </mc:Fallback>
+        </mc:AlternateContent>
+        <mc:AlternateContent xmlns:mc="http://schemas.openxmlformats.org/markup-compatibility/2006">
+          <mc:Choice xmlns:a14="http://schemas.microsoft.com/office/drawing/2010/main" Requires="a14">
+            <p:sp>
+              <p:nvSpPr>
+                <p:cNvPr id="81" name="ZoneTexte 80">
+                  <a:extLst>
+                    <a:ext uri="{FF2B5EF4-FFF2-40B4-BE49-F238E27FC236}">
+                      <a16:creationId xmlns:a16="http://schemas.microsoft.com/office/drawing/2014/main" id="{888338EE-2E6D-441C-B3EC-5EAD18DBC9DF}"/>
+                    </a:ext>
+                  </a:extLst>
+                </p:cNvPr>
+                <p:cNvSpPr txBox="1"/>
+                <p:nvPr/>
+              </p:nvSpPr>
+              <p:spPr>
+                <a:xfrm flipH="1">
+                  <a:off x="10054828" y="4491299"/>
+                  <a:ext cx="350969" cy="369332"/>
+                </a:xfrm>
+                <a:prstGeom prst="rect">
+                  <a:avLst/>
+                </a:prstGeom>
+                <a:noFill/>
+              </p:spPr>
+              <p:txBody>
+                <a:bodyPr wrap="square" rtlCol="0">
+                  <a:spAutoFit/>
+                </a:bodyPr>
+                <a:lstStyle/>
+                <a:p>
+                  <a14:m>
+                    <m:oMathPara xmlns:m="http://schemas.openxmlformats.org/officeDocument/2006/math">
+                      <m:oMathParaPr>
+                        <m:jc m:val="centerGroup"/>
+                      </m:oMathParaPr>
+                      <m:oMath xmlns:m="http://schemas.openxmlformats.org/officeDocument/2006/math">
+                        <m:sSub>
+                          <m:sSubPr>
+                            <m:ctrlPr>
+                              <a:rPr lang="fr-FR" b="0" i="1" smtClean="0">
+                                <a:latin typeface="Cambria Math" panose="02040503050406030204" pitchFamily="18" charset="0"/>
+                              </a:rPr>
+                            </m:ctrlPr>
+                          </m:sSubPr>
+                          <m:e>
+                            <m:r>
+                              <a:rPr lang="fr-FR" b="0" i="1" smtClean="0">
+                                <a:latin typeface="Cambria Math" panose="02040503050406030204" pitchFamily="18" charset="0"/>
+                              </a:rPr>
+                              <m:t>𝑥</m:t>
+                            </m:r>
+                          </m:e>
+                          <m:sub>
+                            <m:r>
+                              <a:rPr lang="fr-FR" b="0" i="1" smtClean="0">
+                                <a:latin typeface="Cambria Math" panose="02040503050406030204" pitchFamily="18" charset="0"/>
+                              </a:rPr>
+                              <m:t>𝑡</m:t>
+                            </m:r>
+                            <m:r>
+                              <a:rPr lang="fr-FR" b="0" i="1" smtClean="0">
+                                <a:latin typeface="Cambria Math" panose="02040503050406030204" pitchFamily="18" charset="0"/>
+                              </a:rPr>
+                              <m:t>+2</m:t>
+                            </m:r>
+                          </m:sub>
+                        </m:sSub>
+                      </m:oMath>
+                    </m:oMathPara>
+                  </a14:m>
+                  <a:endParaRPr lang="fr-FR" dirty="0"/>
+                </a:p>
+              </p:txBody>
+            </p:sp>
+          </mc:Choice>
+          <mc:Fallback>
+            <p:sp>
+              <p:nvSpPr>
+                <p:cNvPr id="81" name="ZoneTexte 80">
+                  <a:extLst>
+                    <a:ext uri="{FF2B5EF4-FFF2-40B4-BE49-F238E27FC236}">
+                      <a16:creationId xmlns:a16="http://schemas.microsoft.com/office/drawing/2014/main" id="{888338EE-2E6D-441C-B3EC-5EAD18DBC9DF}"/>
+                    </a:ext>
+                  </a:extLst>
+                </p:cNvPr>
+                <p:cNvSpPr txBox="1">
+                  <a:spLocks noRot="1" noChangeAspect="1" noMove="1" noResize="1" noEditPoints="1" noAdjustHandles="1" noChangeArrowheads="1" noChangeShapeType="1" noTextEdit="1"/>
+                </p:cNvSpPr>
+                <p:nvPr/>
+              </p:nvSpPr>
+              <p:spPr>
+                <a:xfrm flipH="1">
+                  <a:off x="10054828" y="4491299"/>
+                  <a:ext cx="350969" cy="369332"/>
+                </a:xfrm>
+                <a:prstGeom prst="rect">
+                  <a:avLst/>
+                </a:prstGeom>
+                <a:blipFill>
+                  <a:blip r:embed="rId21"/>
+                  <a:stretch>
+                    <a:fillRect r="-60345"/>
+                  </a:stretch>
+                </a:blipFill>
+              </p:spPr>
+              <p:txBody>
+                <a:bodyPr/>
+                <a:lstStyle/>
+                <a:p>
+                  <a:r>
+                    <a:rPr lang="fr-FR">
+                      <a:noFill/>
+                    </a:rPr>
+                    <a:t> </a:t>
+                  </a:r>
+                </a:p>
+              </p:txBody>
+            </p:sp>
+          </mc:Fallback>
+        </mc:AlternateContent>
+        <p:sp>
+          <p:nvSpPr>
+            <p:cNvPr id="82" name="Rectangle 81">
+              <a:extLst>
+                <a:ext uri="{FF2B5EF4-FFF2-40B4-BE49-F238E27FC236}">
+                  <a16:creationId xmlns:a16="http://schemas.microsoft.com/office/drawing/2014/main" id="{5544E119-F973-4F77-88DC-DEAC83C087F1}"/>
+                </a:ext>
+              </a:extLst>
+            </p:cNvPr>
+            <p:cNvSpPr/>
+            <p:nvPr/>
+          </p:nvSpPr>
+          <p:spPr>
+            <a:xfrm>
+              <a:off x="10108617" y="3467082"/>
+              <a:ext cx="263561" cy="759759"/>
+            </a:xfrm>
+            <a:prstGeom prst="rect">
+              <a:avLst/>
+            </a:prstGeom>
+          </p:spPr>
+          <p:style>
+            <a:lnRef idx="2">
+              <a:schemeClr val="accent1">
+                <a:shade val="50000"/>
+              </a:schemeClr>
+            </a:lnRef>
+            <a:fillRef idx="1">
+              <a:schemeClr val="accent1"/>
+            </a:fillRef>
+            <a:effectRef idx="0">
+              <a:schemeClr val="accent1"/>
+            </a:effectRef>
+            <a:fontRef idx="minor">
+              <a:schemeClr val="lt1"/>
+            </a:fontRef>
+          </p:style>
+          <p:txBody>
+            <a:bodyPr rtlCol="0" anchor="ctr"/>
+            <a:lstStyle/>
+            <a:p>
+              <a:pPr algn="ctr"/>
+              <a:endParaRPr lang="fr-FR" dirty="0"/>
+            </a:p>
+          </p:txBody>
+        </p:sp>
+        <p:cxnSp>
+          <p:nvCxnSpPr>
+            <p:cNvPr id="83" name="Connecteur droit avec flèche 82">
+              <a:extLst>
+                <a:ext uri="{FF2B5EF4-FFF2-40B4-BE49-F238E27FC236}">
+                  <a16:creationId xmlns:a16="http://schemas.microsoft.com/office/drawing/2014/main" id="{37DAE548-5E49-40F5-B450-5E6315470423}"/>
+                </a:ext>
+              </a:extLst>
+            </p:cNvPr>
+            <p:cNvCxnSpPr>
+              <a:cxnSpLocks/>
+              <a:endCxn id="82" idx="2"/>
+            </p:cNvCxnSpPr>
+            <p:nvPr/>
+          </p:nvCxnSpPr>
+          <p:spPr>
+            <a:xfrm flipH="1" flipV="1">
+              <a:off x="10240398" y="4226841"/>
+              <a:ext cx="0" cy="360000"/>
+            </a:xfrm>
+            <a:prstGeom prst="straightConnector1">
+              <a:avLst/>
+            </a:prstGeom>
+            <a:ln w="12700">
+              <a:solidFill>
+                <a:schemeClr val="tx1"/>
+              </a:solidFill>
+              <a:tailEnd type="triangle"/>
+            </a:ln>
+          </p:spPr>
+          <p:style>
+            <a:lnRef idx="1">
+              <a:schemeClr val="accent1"/>
+            </a:lnRef>
+            <a:fillRef idx="0">
+              <a:schemeClr val="accent1"/>
+            </a:fillRef>
+            <a:effectRef idx="0">
+              <a:schemeClr val="accent1"/>
+            </a:effectRef>
+            <a:fontRef idx="minor">
+              <a:schemeClr val="tx1"/>
+            </a:fontRef>
+          </p:style>
+        </p:cxnSp>
+        <mc:AlternateContent xmlns:mc="http://schemas.openxmlformats.org/markup-compatibility/2006">
+          <mc:Choice xmlns:a14="http://schemas.microsoft.com/office/drawing/2010/main" Requires="a14">
+            <p:sp>
+              <p:nvSpPr>
+                <p:cNvPr id="84" name="ZoneTexte 83">
+                  <a:extLst>
+                    <a:ext uri="{FF2B5EF4-FFF2-40B4-BE49-F238E27FC236}">
+                      <a16:creationId xmlns:a16="http://schemas.microsoft.com/office/drawing/2014/main" id="{81BB8565-1172-4AE9-A645-11279AD8744F}"/>
+                    </a:ext>
+                  </a:extLst>
+                </p:cNvPr>
+                <p:cNvSpPr txBox="1"/>
+                <p:nvPr/>
+              </p:nvSpPr>
+              <p:spPr>
+                <a:xfrm flipH="1">
+                  <a:off x="10064913" y="1591115"/>
+                  <a:ext cx="350969" cy="369332"/>
+                </a:xfrm>
+                <a:prstGeom prst="rect">
+                  <a:avLst/>
+                </a:prstGeom>
+                <a:noFill/>
+              </p:spPr>
+              <p:txBody>
+                <a:bodyPr wrap="square" rtlCol="0">
+                  <a:spAutoFit/>
+                </a:bodyPr>
+                <a:lstStyle/>
+                <a:p>
+                  <a14:m>
+                    <m:oMathPara xmlns:m="http://schemas.openxmlformats.org/officeDocument/2006/math">
+                      <m:oMathParaPr>
+                        <m:jc m:val="centerGroup"/>
+                      </m:oMathParaPr>
+                      <m:oMath xmlns:m="http://schemas.openxmlformats.org/officeDocument/2006/math">
+                        <m:sSub>
+                          <m:sSubPr>
+                            <m:ctrlPr>
+                              <a:rPr lang="fr-FR" b="0" i="1" smtClean="0">
+                                <a:latin typeface="Cambria Math" panose="02040503050406030204" pitchFamily="18" charset="0"/>
+                              </a:rPr>
+                            </m:ctrlPr>
+                          </m:sSubPr>
+                          <m:e>
+                            <m:r>
+                              <a:rPr lang="fr-FR" b="0" i="1" smtClean="0">
+                                <a:latin typeface="Cambria Math" panose="02040503050406030204" pitchFamily="18" charset="0"/>
+                              </a:rPr>
+                              <m:t>𝑦</m:t>
+                            </m:r>
+                          </m:e>
+                          <m:sub>
+                            <m:r>
+                              <a:rPr lang="fr-FR" b="0" i="1" smtClean="0">
+                                <a:latin typeface="Cambria Math" panose="02040503050406030204" pitchFamily="18" charset="0"/>
+                              </a:rPr>
+                              <m:t>𝑡</m:t>
+                            </m:r>
+                            <m:r>
+                              <a:rPr lang="fr-FR" b="0" i="1" smtClean="0">
+                                <a:latin typeface="Cambria Math" panose="02040503050406030204" pitchFamily="18" charset="0"/>
+                              </a:rPr>
+                              <m:t>+3</m:t>
+                            </m:r>
+                          </m:sub>
+                        </m:sSub>
+                      </m:oMath>
+                    </m:oMathPara>
+                  </a14:m>
+                  <a:endParaRPr lang="fr-FR" dirty="0"/>
+                </a:p>
+              </p:txBody>
+            </p:sp>
+          </mc:Choice>
+          <mc:Fallback>
+            <p:sp>
+              <p:nvSpPr>
+                <p:cNvPr id="84" name="ZoneTexte 83">
+                  <a:extLst>
+                    <a:ext uri="{FF2B5EF4-FFF2-40B4-BE49-F238E27FC236}">
+                      <a16:creationId xmlns:a16="http://schemas.microsoft.com/office/drawing/2014/main" id="{81BB8565-1172-4AE9-A645-11279AD8744F}"/>
+                    </a:ext>
+                  </a:extLst>
+                </p:cNvPr>
+                <p:cNvSpPr txBox="1">
+                  <a:spLocks noRot="1" noChangeAspect="1" noMove="1" noResize="1" noEditPoints="1" noAdjustHandles="1" noChangeArrowheads="1" noChangeShapeType="1" noTextEdit="1"/>
+                </p:cNvSpPr>
+                <p:nvPr/>
+              </p:nvSpPr>
+              <p:spPr>
+                <a:xfrm flipH="1">
+                  <a:off x="10064913" y="1591115"/>
+                  <a:ext cx="350969" cy="369332"/>
+                </a:xfrm>
+                <a:prstGeom prst="rect">
+                  <a:avLst/>
+                </a:prstGeom>
+                <a:blipFill>
+                  <a:blip r:embed="rId22"/>
+                  <a:stretch>
+                    <a:fillRect r="-63158" b="-6557"/>
+                  </a:stretch>
+                </a:blipFill>
+              </p:spPr>
+              <p:txBody>
+                <a:bodyPr/>
+                <a:lstStyle/>
+                <a:p>
+                  <a:r>
+                    <a:rPr lang="fr-FR">
+                      <a:noFill/>
+                    </a:rPr>
+                    <a:t> </a:t>
+                  </a:r>
+                </a:p>
+              </p:txBody>
+            </p:sp>
+          </mc:Fallback>
+        </mc:AlternateContent>
+        <p:cxnSp>
+          <p:nvCxnSpPr>
+            <p:cNvPr id="85" name="Connecteur droit avec flèche 84">
+              <a:extLst>
+                <a:ext uri="{FF2B5EF4-FFF2-40B4-BE49-F238E27FC236}">
+                  <a16:creationId xmlns:a16="http://schemas.microsoft.com/office/drawing/2014/main" id="{BFB5FACC-447C-4A11-AB95-82B984CF88DE}"/>
+                </a:ext>
+              </a:extLst>
+            </p:cNvPr>
+            <p:cNvCxnSpPr>
+              <a:cxnSpLocks/>
+            </p:cNvCxnSpPr>
+            <p:nvPr/>
+          </p:nvCxnSpPr>
+          <p:spPr>
+            <a:xfrm flipH="1" flipV="1">
+              <a:off x="10227831" y="3095754"/>
+              <a:ext cx="0" cy="360000"/>
+            </a:xfrm>
+            <a:prstGeom prst="straightConnector1">
+              <a:avLst/>
+            </a:prstGeom>
+            <a:ln w="12700">
+              <a:tailEnd type="triangle"/>
+            </a:ln>
+          </p:spPr>
+          <p:style>
+            <a:lnRef idx="1">
+              <a:schemeClr val="accent1"/>
+            </a:lnRef>
+            <a:fillRef idx="0">
+              <a:schemeClr val="accent1"/>
+            </a:fillRef>
+            <a:effectRef idx="0">
+              <a:schemeClr val="accent1"/>
+            </a:effectRef>
+            <a:fontRef idx="minor">
+              <a:schemeClr val="tx1"/>
+            </a:fontRef>
+          </p:style>
+        </p:cxnSp>
+        <p:sp>
+          <p:nvSpPr>
+            <p:cNvPr id="86" name="Rectangle 85">
+              <a:extLst>
+                <a:ext uri="{FF2B5EF4-FFF2-40B4-BE49-F238E27FC236}">
+                  <a16:creationId xmlns:a16="http://schemas.microsoft.com/office/drawing/2014/main" id="{E10FB372-B3C6-4894-A6E8-94006D5230BB}"/>
+                </a:ext>
+              </a:extLst>
+            </p:cNvPr>
+            <p:cNvSpPr/>
+            <p:nvPr/>
+          </p:nvSpPr>
+          <p:spPr>
+            <a:xfrm>
+              <a:off x="10126542" y="2315115"/>
+              <a:ext cx="263561" cy="759759"/>
+            </a:xfrm>
+            <a:prstGeom prst="rect">
+              <a:avLst/>
+            </a:prstGeom>
+            <a:solidFill>
+              <a:schemeClr val="accent6"/>
+            </a:solidFill>
+            <a:ln>
+              <a:solidFill>
+                <a:schemeClr val="accent6"/>
+              </a:solidFill>
+            </a:ln>
+          </p:spPr>
+          <p:style>
+            <a:lnRef idx="2">
+              <a:schemeClr val="accent1">
+                <a:shade val="50000"/>
+              </a:schemeClr>
+            </a:lnRef>
+            <a:fillRef idx="1">
+              <a:schemeClr val="accent1"/>
+            </a:fillRef>
+            <a:effectRef idx="0">
+              <a:schemeClr val="accent1"/>
+            </a:effectRef>
+            <a:fontRef idx="minor">
+              <a:schemeClr val="lt1"/>
+            </a:fontRef>
+          </p:style>
+          <p:txBody>
+            <a:bodyPr rtlCol="0" anchor="ctr"/>
+            <a:lstStyle/>
+            <a:p>
+              <a:pPr algn="ctr"/>
+              <a:endParaRPr lang="fr-FR" dirty="0"/>
+            </a:p>
+          </p:txBody>
+        </p:sp>
+        <p:cxnSp>
+          <p:nvCxnSpPr>
+            <p:cNvPr id="87" name="Connecteur droit avec flèche 86">
+              <a:extLst>
+                <a:ext uri="{FF2B5EF4-FFF2-40B4-BE49-F238E27FC236}">
+                  <a16:creationId xmlns:a16="http://schemas.microsoft.com/office/drawing/2014/main" id="{88EF5811-E07B-4DA7-BB3D-20EFCD678962}"/>
+                </a:ext>
+              </a:extLst>
+            </p:cNvPr>
+            <p:cNvCxnSpPr>
+              <a:cxnSpLocks/>
+            </p:cNvCxnSpPr>
+            <p:nvPr/>
+          </p:nvCxnSpPr>
+          <p:spPr>
+            <a:xfrm flipH="1" flipV="1">
+              <a:off x="10232309" y="1943787"/>
+              <a:ext cx="0" cy="360000"/>
+            </a:xfrm>
+            <a:prstGeom prst="straightConnector1">
+              <a:avLst/>
+            </a:prstGeom>
+            <a:ln w="12700">
+              <a:solidFill>
+                <a:schemeClr val="accent6"/>
+              </a:solidFill>
+              <a:tailEnd type="triangle"/>
+            </a:ln>
+          </p:spPr>
+          <p:style>
+            <a:lnRef idx="1">
+              <a:schemeClr val="accent1"/>
+            </a:lnRef>
+            <a:fillRef idx="0">
+              <a:schemeClr val="accent1"/>
+            </a:fillRef>
+            <a:effectRef idx="0">
+              <a:schemeClr val="accent1"/>
+            </a:effectRef>
+            <a:fontRef idx="minor">
+              <a:schemeClr val="tx1"/>
+            </a:fontRef>
+          </p:style>
+        </p:cxnSp>
+        <mc:AlternateContent xmlns:mc="http://schemas.openxmlformats.org/markup-compatibility/2006">
+          <mc:Choice xmlns:a14="http://schemas.microsoft.com/office/drawing/2010/main" Requires="a14">
+            <p:sp>
+              <p:nvSpPr>
+                <p:cNvPr id="102" name="ZoneTexte 101">
+                  <a:extLst>
+                    <a:ext uri="{FF2B5EF4-FFF2-40B4-BE49-F238E27FC236}">
+                      <a16:creationId xmlns:a16="http://schemas.microsoft.com/office/drawing/2014/main" id="{F3748BD6-CFF8-4DAF-9C4E-74A03CB30A16}"/>
+                    </a:ext>
+                  </a:extLst>
+                </p:cNvPr>
+                <p:cNvSpPr txBox="1"/>
+                <p:nvPr/>
+              </p:nvSpPr>
+              <p:spPr>
+                <a:xfrm flipH="1">
+                  <a:off x="7392307" y="3413282"/>
+                  <a:ext cx="350969" cy="369332"/>
+                </a:xfrm>
+                <a:prstGeom prst="rect">
+                  <a:avLst/>
+                </a:prstGeom>
+                <a:noFill/>
+              </p:spPr>
+              <p:txBody>
+                <a:bodyPr wrap="square" rtlCol="0">
+                  <a:spAutoFit/>
+                </a:bodyPr>
+                <a:lstStyle/>
+                <a:p>
+                  <a14:m>
+                    <m:oMathPara xmlns:m="http://schemas.openxmlformats.org/officeDocument/2006/math">
+                      <m:oMathParaPr>
+                        <m:jc m:val="centerGroup"/>
+                      </m:oMathParaPr>
+                      <m:oMath xmlns:m="http://schemas.openxmlformats.org/officeDocument/2006/math">
+                        <m:sSub>
+                          <m:sSubPr>
+                            <m:ctrlPr>
+                              <a:rPr lang="fr-FR" b="0" i="1" smtClean="0">
+                                <a:latin typeface="Cambria Math" panose="02040503050406030204" pitchFamily="18" charset="0"/>
+                              </a:rPr>
+                            </m:ctrlPr>
+                          </m:sSubPr>
+                          <m:e>
+                            <m:r>
+                              <a:rPr lang="fr-FR" b="0" i="1" smtClean="0">
+                                <a:latin typeface="Cambria Math" panose="02040503050406030204" pitchFamily="18" charset="0"/>
+                              </a:rPr>
+                              <m:t>h</m:t>
+                            </m:r>
+                          </m:e>
+                          <m:sub>
+                            <m:r>
+                              <a:rPr lang="fr-FR" b="0" i="1" smtClean="0">
+                                <a:latin typeface="Cambria Math" panose="02040503050406030204" pitchFamily="18" charset="0"/>
+                              </a:rPr>
+                              <m:t>𝑡</m:t>
+                            </m:r>
+                            <m:r>
+                              <a:rPr lang="fr-FR" b="0" i="1" smtClean="0">
+                                <a:latin typeface="Cambria Math" panose="02040503050406030204" pitchFamily="18" charset="0"/>
+                              </a:rPr>
+                              <m:t>−1</m:t>
+                            </m:r>
+                          </m:sub>
+                        </m:sSub>
+                      </m:oMath>
+                    </m:oMathPara>
+                  </a14:m>
+                  <a:endParaRPr lang="fr-FR" dirty="0"/>
+                </a:p>
+              </p:txBody>
+            </p:sp>
+          </mc:Choice>
+          <mc:Fallback>
+            <p:sp>
+              <p:nvSpPr>
+                <p:cNvPr id="102" name="ZoneTexte 101">
+                  <a:extLst>
+                    <a:ext uri="{FF2B5EF4-FFF2-40B4-BE49-F238E27FC236}">
+                      <a16:creationId xmlns:a16="http://schemas.microsoft.com/office/drawing/2014/main" id="{F3748BD6-CFF8-4DAF-9C4E-74A03CB30A16}"/>
+                    </a:ext>
+                  </a:extLst>
+                </p:cNvPr>
+                <p:cNvSpPr txBox="1">
+                  <a:spLocks noRot="1" noChangeAspect="1" noMove="1" noResize="1" noEditPoints="1" noAdjustHandles="1" noChangeArrowheads="1" noChangeShapeType="1" noTextEdit="1"/>
+                </p:cNvSpPr>
+                <p:nvPr/>
+              </p:nvSpPr>
+              <p:spPr>
+                <a:xfrm flipH="1">
+                  <a:off x="7392307" y="3413282"/>
+                  <a:ext cx="350969" cy="369332"/>
+                </a:xfrm>
+                <a:prstGeom prst="rect">
+                  <a:avLst/>
+                </a:prstGeom>
+                <a:blipFill>
+                  <a:blip r:embed="rId23"/>
+                  <a:stretch>
+                    <a:fillRect r="-63793"/>
+                  </a:stretch>
+                </a:blipFill>
+              </p:spPr>
+              <p:txBody>
+                <a:bodyPr/>
+                <a:lstStyle/>
+                <a:p>
+                  <a:r>
+                    <a:rPr lang="fr-FR">
+                      <a:noFill/>
+                    </a:rPr>
+                    <a:t> </a:t>
+                  </a:r>
+                </a:p>
+              </p:txBody>
+            </p:sp>
+          </mc:Fallback>
+        </mc:AlternateContent>
+        <p:cxnSp>
+          <p:nvCxnSpPr>
+            <p:cNvPr id="103" name="Connecteur droit avec flèche 102">
+              <a:extLst>
+                <a:ext uri="{FF2B5EF4-FFF2-40B4-BE49-F238E27FC236}">
+                  <a16:creationId xmlns:a16="http://schemas.microsoft.com/office/drawing/2014/main" id="{E9CE0BC0-1D0B-45FE-9071-F629E0244501}"/>
+                </a:ext>
+              </a:extLst>
+            </p:cNvPr>
+            <p:cNvCxnSpPr>
+              <a:cxnSpLocks/>
+            </p:cNvCxnSpPr>
+            <p:nvPr/>
+          </p:nvCxnSpPr>
+          <p:spPr>
+            <a:xfrm flipV="1">
+              <a:off x="7440727" y="3817816"/>
+              <a:ext cx="432000" cy="0"/>
+            </a:xfrm>
+            <a:prstGeom prst="straightConnector1">
+              <a:avLst/>
+            </a:prstGeom>
+            <a:ln w="12700">
+              <a:tailEnd type="triangle"/>
+            </a:ln>
+          </p:spPr>
+          <p:style>
+            <a:lnRef idx="1">
+              <a:schemeClr val="accent1"/>
+            </a:lnRef>
+            <a:fillRef idx="0">
+              <a:schemeClr val="accent1"/>
+            </a:fillRef>
+            <a:effectRef idx="0">
+              <a:schemeClr val="accent1"/>
+            </a:effectRef>
+            <a:fontRef idx="minor">
+              <a:schemeClr val="tx1"/>
+            </a:fontRef>
+          </p:style>
+        </p:cxnSp>
+        <mc:AlternateContent xmlns:mc="http://schemas.openxmlformats.org/markup-compatibility/2006">
+          <mc:Choice xmlns:a14="http://schemas.microsoft.com/office/drawing/2010/main" Requires="a14">
+            <p:sp>
+              <p:nvSpPr>
+                <p:cNvPr id="104" name="ZoneTexte 103">
+                  <a:extLst>
+                    <a:ext uri="{FF2B5EF4-FFF2-40B4-BE49-F238E27FC236}">
+                      <a16:creationId xmlns:a16="http://schemas.microsoft.com/office/drawing/2014/main" id="{16D1A4CC-1A82-40BE-9912-B14AA2E9DE0C}"/>
+                    </a:ext>
+                  </a:extLst>
+                </p:cNvPr>
+                <p:cNvSpPr txBox="1"/>
+                <p:nvPr/>
+              </p:nvSpPr>
+              <p:spPr>
+                <a:xfrm flipH="1">
+                  <a:off x="8599182" y="1570950"/>
+                  <a:ext cx="350969" cy="369332"/>
+                </a:xfrm>
+                <a:prstGeom prst="rect">
+                  <a:avLst/>
+                </a:prstGeom>
+                <a:noFill/>
+              </p:spPr>
+              <p:txBody>
+                <a:bodyPr wrap="square" rtlCol="0">
+                  <a:spAutoFit/>
+                </a:bodyPr>
+                <a:lstStyle/>
+                <a:p>
+                  <a14:m>
+                    <m:oMathPara xmlns:m="http://schemas.openxmlformats.org/officeDocument/2006/math">
+                      <m:oMathParaPr>
+                        <m:jc m:val="centerGroup"/>
+                      </m:oMathParaPr>
+                      <m:oMath xmlns:m="http://schemas.openxmlformats.org/officeDocument/2006/math">
+                        <m:sSub>
+                          <m:sSubPr>
+                            <m:ctrlPr>
+                              <a:rPr lang="fr-FR" b="0" i="1" smtClean="0">
+                                <a:latin typeface="Cambria Math" panose="02040503050406030204" pitchFamily="18" charset="0"/>
+                              </a:rPr>
+                            </m:ctrlPr>
+                          </m:sSubPr>
+                          <m:e>
+                            <m:r>
+                              <a:rPr lang="fr-FR" b="0" i="1" smtClean="0">
+                                <a:latin typeface="Cambria Math" panose="02040503050406030204" pitchFamily="18" charset="0"/>
+                              </a:rPr>
+                              <m:t>𝑦</m:t>
+                            </m:r>
+                          </m:e>
+                          <m:sub>
+                            <m:r>
+                              <a:rPr lang="fr-FR" b="0" i="1" smtClean="0">
+                                <a:latin typeface="Cambria Math" panose="02040503050406030204" pitchFamily="18" charset="0"/>
+                              </a:rPr>
+                              <m:t>𝑡</m:t>
+                            </m:r>
+                            <m:r>
+                              <a:rPr lang="fr-FR" b="0" i="1" smtClean="0">
+                                <a:latin typeface="Cambria Math" panose="02040503050406030204" pitchFamily="18" charset="0"/>
+                              </a:rPr>
+                              <m:t>+1</m:t>
+                            </m:r>
+                          </m:sub>
+                        </m:sSub>
+                      </m:oMath>
+                    </m:oMathPara>
+                  </a14:m>
+                  <a:endParaRPr lang="fr-FR" dirty="0"/>
+                </a:p>
+              </p:txBody>
+            </p:sp>
+          </mc:Choice>
+          <mc:Fallback>
+            <p:sp>
+              <p:nvSpPr>
+                <p:cNvPr id="104" name="ZoneTexte 103">
+                  <a:extLst>
+                    <a:ext uri="{FF2B5EF4-FFF2-40B4-BE49-F238E27FC236}">
+                      <a16:creationId xmlns:a16="http://schemas.microsoft.com/office/drawing/2014/main" id="{16D1A4CC-1A82-40BE-9912-B14AA2E9DE0C}"/>
+                    </a:ext>
+                  </a:extLst>
+                </p:cNvPr>
+                <p:cNvSpPr txBox="1">
+                  <a:spLocks noRot="1" noChangeAspect="1" noMove="1" noResize="1" noEditPoints="1" noAdjustHandles="1" noChangeArrowheads="1" noChangeShapeType="1" noTextEdit="1"/>
+                </p:cNvSpPr>
+                <p:nvPr/>
+              </p:nvSpPr>
+              <p:spPr>
+                <a:xfrm flipH="1">
+                  <a:off x="8599182" y="1570950"/>
+                  <a:ext cx="350969" cy="369332"/>
+                </a:xfrm>
+                <a:prstGeom prst="rect">
+                  <a:avLst/>
+                </a:prstGeom>
+                <a:blipFill>
+                  <a:blip r:embed="rId24"/>
+                  <a:stretch>
+                    <a:fillRect r="-62069" b="-6557"/>
+                  </a:stretch>
+                </a:blipFill>
+              </p:spPr>
+              <p:txBody>
+                <a:bodyPr/>
+                <a:lstStyle/>
+                <a:p>
+                  <a:r>
+                    <a:rPr lang="fr-FR">
+                      <a:noFill/>
+                    </a:rPr>
+                    <a:t> </a:t>
+                  </a:r>
+                </a:p>
+              </p:txBody>
+            </p:sp>
+          </mc:Fallback>
+        </mc:AlternateContent>
+        <p:cxnSp>
+          <p:nvCxnSpPr>
+            <p:cNvPr id="105" name="Connecteur droit avec flèche 104">
+              <a:extLst>
+                <a:ext uri="{FF2B5EF4-FFF2-40B4-BE49-F238E27FC236}">
+                  <a16:creationId xmlns:a16="http://schemas.microsoft.com/office/drawing/2014/main" id="{EE2402AF-387E-4302-BC30-9683E8A01C1F}"/>
+                </a:ext>
+              </a:extLst>
+            </p:cNvPr>
+            <p:cNvCxnSpPr>
+              <a:cxnSpLocks/>
+            </p:cNvCxnSpPr>
+            <p:nvPr/>
+          </p:nvCxnSpPr>
+          <p:spPr>
+            <a:xfrm flipH="1" flipV="1">
+              <a:off x="8762100" y="3075589"/>
+              <a:ext cx="0" cy="360000"/>
+            </a:xfrm>
+            <a:prstGeom prst="straightConnector1">
+              <a:avLst/>
+            </a:prstGeom>
+            <a:ln w="12700">
+              <a:tailEnd type="triangle"/>
+            </a:ln>
+          </p:spPr>
+          <p:style>
+            <a:lnRef idx="1">
+              <a:schemeClr val="accent1"/>
+            </a:lnRef>
+            <a:fillRef idx="0">
+              <a:schemeClr val="accent1"/>
+            </a:fillRef>
+            <a:effectRef idx="0">
+              <a:schemeClr val="accent1"/>
+            </a:effectRef>
+            <a:fontRef idx="minor">
+              <a:schemeClr val="tx1"/>
+            </a:fontRef>
+          </p:style>
+        </p:cxnSp>
+        <p:sp>
+          <p:nvSpPr>
+            <p:cNvPr id="106" name="Rectangle 105">
+              <a:extLst>
+                <a:ext uri="{FF2B5EF4-FFF2-40B4-BE49-F238E27FC236}">
+                  <a16:creationId xmlns:a16="http://schemas.microsoft.com/office/drawing/2014/main" id="{DFE741A4-077F-4262-80E3-58F7D781E618}"/>
+                </a:ext>
+              </a:extLst>
+            </p:cNvPr>
+            <p:cNvSpPr/>
+            <p:nvPr/>
+          </p:nvSpPr>
+          <p:spPr>
+            <a:xfrm>
+              <a:off x="8660811" y="2294950"/>
+              <a:ext cx="263561" cy="759759"/>
+            </a:xfrm>
+            <a:prstGeom prst="rect">
+              <a:avLst/>
+            </a:prstGeom>
+            <a:solidFill>
+              <a:schemeClr val="accent6"/>
+            </a:solidFill>
+            <a:ln>
+              <a:solidFill>
+                <a:schemeClr val="accent6"/>
+              </a:solidFill>
+            </a:ln>
+          </p:spPr>
+          <p:style>
+            <a:lnRef idx="2">
+              <a:schemeClr val="accent1">
+                <a:shade val="50000"/>
+              </a:schemeClr>
+            </a:lnRef>
+            <a:fillRef idx="1">
+              <a:schemeClr val="accent1"/>
+            </a:fillRef>
+            <a:effectRef idx="0">
+              <a:schemeClr val="accent1"/>
+            </a:effectRef>
+            <a:fontRef idx="minor">
+              <a:schemeClr val="lt1"/>
+            </a:fontRef>
+          </p:style>
+          <p:txBody>
+            <a:bodyPr rtlCol="0" anchor="ctr"/>
+            <a:lstStyle/>
+            <a:p>
+              <a:pPr algn="ctr"/>
+              <a:endParaRPr lang="fr-FR" dirty="0"/>
+            </a:p>
+          </p:txBody>
+        </p:sp>
+        <p:cxnSp>
+          <p:nvCxnSpPr>
+            <p:cNvPr id="107" name="Connecteur droit avec flèche 106">
+              <a:extLst>
+                <a:ext uri="{FF2B5EF4-FFF2-40B4-BE49-F238E27FC236}">
+                  <a16:creationId xmlns:a16="http://schemas.microsoft.com/office/drawing/2014/main" id="{AB726D71-0664-4112-BF6A-5BC376D686A6}"/>
+                </a:ext>
+              </a:extLst>
+            </p:cNvPr>
+            <p:cNvCxnSpPr>
+              <a:cxnSpLocks/>
+            </p:cNvCxnSpPr>
+            <p:nvPr/>
+          </p:nvCxnSpPr>
+          <p:spPr>
+            <a:xfrm flipH="1" flipV="1">
+              <a:off x="8766578" y="1923622"/>
+              <a:ext cx="0" cy="360000"/>
+            </a:xfrm>
+            <a:prstGeom prst="straightConnector1">
+              <a:avLst/>
+            </a:prstGeom>
+            <a:ln w="12700">
+              <a:solidFill>
+                <a:schemeClr val="accent6"/>
+              </a:solidFill>
+              <a:tailEnd type="triangle"/>
+            </a:ln>
+          </p:spPr>
+          <p:style>
+            <a:lnRef idx="1">
+              <a:schemeClr val="accent1"/>
+            </a:lnRef>
+            <a:fillRef idx="0">
+              <a:schemeClr val="accent1"/>
+            </a:fillRef>
+            <a:effectRef idx="0">
+              <a:schemeClr val="accent1"/>
+            </a:effectRef>
+            <a:fontRef idx="minor">
+              <a:schemeClr val="tx1"/>
+            </a:fontRef>
+          </p:style>
+        </p:cxnSp>
+      </p:grpSp>
+      <p:sp>
+        <p:nvSpPr>
+          <p:cNvPr id="108" name="Accolade fermante 107">
+            <a:extLst>
+              <a:ext uri="{FF2B5EF4-FFF2-40B4-BE49-F238E27FC236}">
+                <a16:creationId xmlns:a16="http://schemas.microsoft.com/office/drawing/2014/main" id="{8704BD44-AA19-4412-8F4E-49922773452D}"/>
+              </a:ext>
+            </a:extLst>
+          </p:cNvPr>
+          <p:cNvSpPr/>
+          <p:nvPr/>
+        </p:nvSpPr>
+        <p:spPr>
+          <a:xfrm rot="5400000">
+            <a:off x="7012292" y="1702581"/>
+            <a:ext cx="773206" cy="7957697"/>
+          </a:xfrm>
+          <a:prstGeom prst="rightBrace">
+            <a:avLst/>
+          </a:prstGeom>
+          <a:ln w="19050"/>
+        </p:spPr>
+        <p:style>
+          <a:lnRef idx="1">
+            <a:schemeClr val="accent1"/>
+          </a:lnRef>
+          <a:fillRef idx="0">
+            <a:schemeClr val="accent1"/>
+          </a:fillRef>
+          <a:effectRef idx="0">
+            <a:schemeClr val="accent1"/>
+          </a:effectRef>
+          <a:fontRef idx="minor">
+            <a:schemeClr val="tx1"/>
+          </a:fontRef>
+        </p:style>
+        <p:txBody>
+          <a:bodyPr rtlCol="0" anchor="ctr"/>
+          <a:lstStyle/>
+          <a:p>
+            <a:pPr algn="ctr"/>
+            <a:endParaRPr lang="fr-FR" dirty="0"/>
+          </a:p>
+        </p:txBody>
+      </p:sp>
+      <p:sp>
+        <p:nvSpPr>
+          <p:cNvPr id="4" name="ZoneTexte 3">
+            <a:extLst>
+              <a:ext uri="{FF2B5EF4-FFF2-40B4-BE49-F238E27FC236}">
+                <a16:creationId xmlns:a16="http://schemas.microsoft.com/office/drawing/2014/main" id="{8DB7AB1F-ADAB-44AF-BAB3-08443EC74E1F}"/>
+              </a:ext>
+            </a:extLst>
+          </p:cNvPr>
+          <p:cNvSpPr txBox="1"/>
+          <p:nvPr/>
+        </p:nvSpPr>
+        <p:spPr>
+          <a:xfrm>
+            <a:off x="6864719" y="6131841"/>
+            <a:ext cx="1385059" cy="400110"/>
+          </a:xfrm>
+          <a:prstGeom prst="rect">
+            <a:avLst/>
+          </a:prstGeom>
+          <a:noFill/>
+        </p:spPr>
+        <p:txBody>
+          <a:bodyPr wrap="none" rtlCol="0">
+            <a:spAutoFit/>
+          </a:bodyPr>
+          <a:lstStyle/>
+          <a:p>
+            <a:r>
+              <a:rPr lang="fr-FR" sz="2000" b="1" dirty="0"/>
+              <a:t>Récurrence</a:t>
+            </a:r>
+          </a:p>
+        </p:txBody>
+      </p:sp>
+    </p:spTree>
+    <p:extLst>
+      <p:ext uri="{BB962C8B-B14F-4D97-AF65-F5344CB8AC3E}">
+        <p14:creationId xmlns:p14="http://schemas.microsoft.com/office/powerpoint/2010/main" val="2539916335"/>
+      </p:ext>
+    </p:extLst>
+  </p:cSld>
+  <p:clrMapOvr>
+    <a:masterClrMapping/>
+  </p:clrMapOvr>
+</p:sld>
+</file>
+
+<file path=ppt/slides/slide26.xml><?xml version="1.0" encoding="utf-8"?>
+<p:sld xmlns:a="http://schemas.openxmlformats.org/drawingml/2006/main" xmlns:r="http://schemas.openxmlformats.org/officeDocument/2006/relationships" xmlns:p="http://schemas.openxmlformats.org/presentationml/2006/main">
+  <p:cSld>
+    <p:spTree>
+      <p:nvGrpSpPr>
+        <p:cNvPr id="1" name=""/>
+        <p:cNvGrpSpPr/>
+        <p:nvPr/>
+      </p:nvGrpSpPr>
+      <p:grpSpPr>
+        <a:xfrm>
+          <a:off x="0" y="0"/>
+          <a:ext cx="0" cy="0"/>
+          <a:chOff x="0" y="0"/>
+          <a:chExt cx="0" cy="0"/>
+        </a:xfrm>
+      </p:grpSpPr>
+      <mc:AlternateContent xmlns:mc="http://schemas.openxmlformats.org/markup-compatibility/2006">
+        <mc:Choice xmlns:a14="http://schemas.microsoft.com/office/drawing/2010/main" Requires="a14">
+          <p:sp>
+            <p:nvSpPr>
+              <p:cNvPr id="3" name="Espace réservé du contenu 2">
+                <a:extLst>
+                  <a:ext uri="{FF2B5EF4-FFF2-40B4-BE49-F238E27FC236}">
+                    <a16:creationId xmlns:a16="http://schemas.microsoft.com/office/drawing/2014/main" id="{B59E77B8-2D75-472C-B76C-ABDDE0CAFCD5}"/>
+                  </a:ext>
+                </a:extLst>
+              </p:cNvPr>
+              <p:cNvSpPr>
+                <a:spLocks noGrp="1"/>
+              </p:cNvSpPr>
+              <p:nvPr>
+                <p:ph idx="1"/>
+              </p:nvPr>
+            </p:nvSpPr>
+            <p:spPr>
+              <a:xfrm>
+                <a:off x="537750" y="442534"/>
+                <a:ext cx="10839994" cy="6021978"/>
+              </a:xfrm>
+            </p:spPr>
+            <p:txBody>
+              <a:bodyPr>
+                <a:normAutofit/>
+              </a:bodyPr>
+              <a:lstStyle/>
+              <a:p>
+                <a:pPr marL="0" indent="0">
+                  <a:buNone/>
+                </a:pPr>
+                <a:r>
+                  <a:rPr lang="fr-FR" sz="2200" u="sng" dirty="0"/>
+                  <a:t>Exemple</a:t>
+                </a:r>
+                <a:r>
+                  <a:rPr lang="fr-FR" sz="2200" dirty="0"/>
+                  <a:t> (pendule) :</a:t>
+                </a:r>
+              </a:p>
+              <a:p>
+                <a:pPr marL="0" indent="0">
+                  <a:buNone/>
+                </a:pPr>
+                <a:endParaRPr lang="fr-FR" sz="2200" dirty="0"/>
+              </a:p>
+              <a:p>
+                <a:pPr marL="0" indent="0">
+                  <a:buNone/>
+                </a:pPr>
+                <a:endParaRPr lang="fr-FR" sz="2200" dirty="0"/>
+              </a:p>
+              <a:p>
+                <a:pPr marL="0" indent="0">
+                  <a:buNone/>
+                </a:pPr>
+                <a:endParaRPr lang="fr-FR" sz="2200" dirty="0"/>
+              </a:p>
+              <a:p>
+                <a:pPr marL="0" indent="0">
+                  <a:buNone/>
+                </a:pPr>
+                <a:endParaRPr lang="fr-FR" sz="2200" dirty="0"/>
+              </a:p>
+              <a:p>
+                <a:pPr marL="0" indent="0">
+                  <a:buNone/>
+                </a:pPr>
+                <a:endParaRPr lang="fr-FR" sz="2200" dirty="0"/>
+              </a:p>
+              <a:p>
+                <a:pPr marL="0" indent="0">
+                  <a:buNone/>
+                </a:pPr>
+                <a:endParaRPr lang="fr-FR" sz="2200" dirty="0"/>
+              </a:p>
+              <a:p>
+                <a:pPr marL="0" indent="0">
+                  <a:buNone/>
+                </a:pPr>
+                <a:r>
+                  <a:rPr lang="fr-FR" sz="2200" b="1" dirty="0"/>
+                  <a:t>Problème 1 </a:t>
+                </a:r>
+                <a:r>
+                  <a:rPr lang="fr-FR" sz="2200" dirty="0"/>
+                  <a:t>:</a:t>
+                </a:r>
+              </a:p>
+              <a:p>
+                <a:pPr marL="0" indent="0">
+                  <a:buNone/>
+                </a:pPr>
+                <a:r>
+                  <a:rPr lang="fr-FR" sz="2200" dirty="0"/>
+                  <a:t>On enregistre la position angulaire </a:t>
+                </a:r>
+                <a14:m>
+                  <m:oMath xmlns:m="http://schemas.openxmlformats.org/officeDocument/2006/math">
+                    <m:r>
+                      <a:rPr lang="fr-FR" sz="2200" b="0" i="1" smtClean="0">
+                        <a:latin typeface="Cambria Math" panose="02040503050406030204" pitchFamily="18" charset="0"/>
+                      </a:rPr>
+                      <m:t>𝜃</m:t>
+                    </m:r>
+                  </m:oMath>
+                </a14:m>
+                <a:r>
+                  <a:rPr lang="fr-FR" sz="2200" dirty="0"/>
+                  <a:t> au cours du temps (données d’entrées) pour différentes longueurs </a:t>
+                </a:r>
+                <a14:m>
+                  <m:oMath xmlns:m="http://schemas.openxmlformats.org/officeDocument/2006/math">
+                    <m:r>
+                      <a:rPr lang="fr-FR" sz="2200" b="0" i="1" smtClean="0">
+                        <a:latin typeface="Cambria Math" panose="02040503050406030204" pitchFamily="18" charset="0"/>
+                      </a:rPr>
+                      <m:t>𝑙</m:t>
+                    </m:r>
+                  </m:oMath>
+                </a14:m>
+                <a:r>
+                  <a:rPr lang="fr-FR" sz="2200" dirty="0"/>
+                  <a:t> et masse </a:t>
+                </a:r>
+                <a14:m>
+                  <m:oMath xmlns:m="http://schemas.openxmlformats.org/officeDocument/2006/math">
+                    <m:r>
+                      <a:rPr lang="fr-FR" sz="2200" b="0" i="1" smtClean="0">
+                        <a:latin typeface="Cambria Math" panose="02040503050406030204" pitchFamily="18" charset="0"/>
+                      </a:rPr>
+                      <m:t>𝑚</m:t>
+                    </m:r>
+                  </m:oMath>
+                </a14:m>
+                <a:r>
+                  <a:rPr lang="fr-FR" sz="2200" dirty="0"/>
+                  <a:t> du pendule (données de sortie) </a:t>
+                </a:r>
+                <a14:m>
+                  <m:oMath xmlns:m="http://schemas.openxmlformats.org/officeDocument/2006/math">
+                    <m:r>
+                      <a:rPr lang="fr-FR" sz="2200" b="0" i="1" smtClean="0">
+                        <a:latin typeface="Cambria Math" panose="02040503050406030204" pitchFamily="18" charset="0"/>
+                      </a:rPr>
+                      <m:t>⇒ </m:t>
+                    </m:r>
+                  </m:oMath>
+                </a14:m>
+                <a:r>
+                  <a:rPr lang="fr-FR" sz="2200" dirty="0"/>
+                  <a:t>apprendre un modèle pour estimer les valeurs de </a:t>
+                </a:r>
+                <a14:m>
+                  <m:oMath xmlns:m="http://schemas.openxmlformats.org/officeDocument/2006/math">
+                    <m:r>
+                      <a:rPr lang="fr-FR" sz="2200" b="0" i="1" smtClean="0">
+                        <a:latin typeface="Cambria Math" panose="02040503050406030204" pitchFamily="18" charset="0"/>
+                      </a:rPr>
+                      <m:t>𝑙</m:t>
+                    </m:r>
+                  </m:oMath>
+                </a14:m>
+                <a:r>
+                  <a:rPr lang="fr-FR" sz="2200" dirty="0"/>
+                  <a:t> et </a:t>
+                </a:r>
+                <a14:m>
+                  <m:oMath xmlns:m="http://schemas.openxmlformats.org/officeDocument/2006/math">
+                    <m:r>
+                      <a:rPr lang="fr-FR" sz="2200" b="0" i="1" smtClean="0">
+                        <a:latin typeface="Cambria Math" panose="02040503050406030204" pitchFamily="18" charset="0"/>
+                      </a:rPr>
+                      <m:t>𝑚</m:t>
+                    </m:r>
+                  </m:oMath>
+                </a14:m>
+                <a:r>
+                  <a:rPr lang="fr-FR" sz="2200" dirty="0"/>
+                  <a:t>.</a:t>
+                </a:r>
+              </a:p>
+              <a:p>
+                <a:pPr marL="0" indent="0">
+                  <a:buNone/>
+                </a:pPr>
+                <a:r>
+                  <a:rPr lang="fr-FR" sz="2200" b="1" dirty="0"/>
+                  <a:t>Problème 2</a:t>
+                </a:r>
+                <a:r>
+                  <a:rPr lang="fr-FR" sz="2200" dirty="0"/>
+                  <a:t> :</a:t>
+                </a:r>
+              </a:p>
+              <a:p>
+                <a:pPr marL="0" indent="0">
+                  <a:buNone/>
+                </a:pPr>
+                <a:r>
+                  <a:rPr lang="fr-FR" sz="2200" dirty="0"/>
+                  <a:t>On enregistre la position angulaire </a:t>
+                </a:r>
+                <a14:m>
+                  <m:oMath xmlns:m="http://schemas.openxmlformats.org/officeDocument/2006/math">
+                    <m:r>
+                      <a:rPr lang="fr-FR" sz="2200" i="1">
+                        <a:latin typeface="Cambria Math" panose="02040503050406030204" pitchFamily="18" charset="0"/>
+                      </a:rPr>
+                      <m:t>𝜃</m:t>
+                    </m:r>
+                  </m:oMath>
+                </a14:m>
+                <a:r>
+                  <a:rPr lang="fr-FR" sz="2200" dirty="0"/>
+                  <a:t> au cours du temps (données d’entrées </a:t>
+                </a:r>
+                <a14:m>
+                  <m:oMath xmlns:m="http://schemas.openxmlformats.org/officeDocument/2006/math">
+                    <m:r>
+                      <a:rPr lang="fr-FR" sz="2200" b="0" i="1" smtClean="0">
+                        <a:latin typeface="Cambria Math" panose="02040503050406030204" pitchFamily="18" charset="0"/>
+                      </a:rPr>
+                      <m:t>𝑥</m:t>
+                    </m:r>
+                  </m:oMath>
+                </a14:m>
+                <a:r>
+                  <a:rPr lang="fr-FR" sz="2200" dirty="0"/>
+                  <a:t>) et on cherche à prédire les futures valeurs de </a:t>
+                </a:r>
+                <a14:m>
+                  <m:oMath xmlns:m="http://schemas.openxmlformats.org/officeDocument/2006/math">
+                    <m:r>
+                      <a:rPr lang="fr-FR" sz="2200" i="1">
+                        <a:latin typeface="Cambria Math" panose="02040503050406030204" pitchFamily="18" charset="0"/>
+                      </a:rPr>
+                      <m:t>𝜃</m:t>
+                    </m:r>
+                  </m:oMath>
+                </a14:m>
+                <a:r>
+                  <a:rPr lang="fr-FR" sz="2200" dirty="0"/>
+                  <a:t>. </a:t>
+                </a:r>
+              </a:p>
+              <a:p>
+                <a:pPr marL="0" indent="0">
+                  <a:buNone/>
+                </a:pPr>
+                <a:endParaRPr lang="fr-FR" sz="2200" u="sng" dirty="0"/>
+              </a:p>
+              <a:p>
+                <a:pPr marL="0" indent="0">
+                  <a:buNone/>
+                </a:pPr>
+                <a:endParaRPr lang="fr-FR" sz="2000" u="sng" dirty="0"/>
+              </a:p>
+              <a:p>
+                <a:pPr marL="0" indent="0">
+                  <a:buNone/>
+                </a:pPr>
+                <a:endParaRPr lang="fr-FR" sz="2000" dirty="0"/>
+              </a:p>
+            </p:txBody>
+          </p:sp>
+        </mc:Choice>
+        <mc:Fallback>
+          <p:sp>
+            <p:nvSpPr>
+              <p:cNvPr id="3" name="Espace réservé du contenu 2">
+                <a:extLst>
+                  <a:ext uri="{FF2B5EF4-FFF2-40B4-BE49-F238E27FC236}">
+                    <a16:creationId xmlns:a16="http://schemas.microsoft.com/office/drawing/2014/main" id="{B59E77B8-2D75-472C-B76C-ABDDE0CAFCD5}"/>
+                  </a:ext>
+                </a:extLst>
+              </p:cNvPr>
+              <p:cNvSpPr>
+                <a:spLocks noGrp="1" noRot="1" noChangeAspect="1" noMove="1" noResize="1" noEditPoints="1" noAdjustHandles="1" noChangeArrowheads="1" noChangeShapeType="1" noTextEdit="1"/>
+              </p:cNvSpPr>
+              <p:nvPr>
+                <p:ph idx="1"/>
+              </p:nvPr>
+            </p:nvSpPr>
+            <p:spPr>
+              <a:xfrm>
+                <a:off x="537750" y="442534"/>
+                <a:ext cx="10839994" cy="6021978"/>
+              </a:xfrm>
+              <a:blipFill>
+                <a:blip r:embed="rId2"/>
+                <a:stretch>
+                  <a:fillRect l="-731" t="-1317" r="-1125"/>
+                </a:stretch>
+              </a:blipFill>
+            </p:spPr>
+            <p:txBody>
+              <a:bodyPr/>
+              <a:lstStyle/>
+              <a:p>
+                <a:r>
+                  <a:rPr lang="fr-FR">
+                    <a:noFill/>
+                  </a:rPr>
+                  <a:t> </a:t>
+                </a:r>
+              </a:p>
+            </p:txBody>
+          </p:sp>
+        </mc:Fallback>
+      </mc:AlternateContent>
+      <p:pic>
+        <p:nvPicPr>
+          <p:cNvPr id="6" name="Image 5">
+            <a:extLst>
+              <a:ext uri="{FF2B5EF4-FFF2-40B4-BE49-F238E27FC236}">
+                <a16:creationId xmlns:a16="http://schemas.microsoft.com/office/drawing/2014/main" id="{508DAB66-FCBD-4D27-8685-25665105E9AB}"/>
+              </a:ext>
+            </a:extLst>
+          </p:cNvPr>
+          <p:cNvPicPr>
+            <a:picLocks noChangeAspect="1"/>
+          </p:cNvPicPr>
+          <p:nvPr/>
+        </p:nvPicPr>
+        <p:blipFill>
+          <a:blip r:embed="rId3"/>
+          <a:stretch>
+            <a:fillRect/>
+          </a:stretch>
+        </p:blipFill>
+        <p:spPr>
+          <a:xfrm>
+            <a:off x="4598136" y="406936"/>
+            <a:ext cx="2719221" cy="2697921"/>
+          </a:xfrm>
+          <a:prstGeom prst="rect">
+            <a:avLst/>
+          </a:prstGeom>
+        </p:spPr>
+      </p:pic>
+    </p:spTree>
+    <p:extLst>
+      <p:ext uri="{BB962C8B-B14F-4D97-AF65-F5344CB8AC3E}">
+        <p14:creationId xmlns:p14="http://schemas.microsoft.com/office/powerpoint/2010/main" val="708479726"/>
+      </p:ext>
+    </p:extLst>
+  </p:cSld>
+  <p:clrMapOvr>
+    <a:masterClrMapping/>
+  </p:clrMapOvr>
+</p:sld>
+</file>
+
+<file path=ppt/slides/slide27.xml><?xml version="1.0" encoding="utf-8"?>
+<p:sld xmlns:a="http://schemas.openxmlformats.org/drawingml/2006/main" xmlns:r="http://schemas.openxmlformats.org/officeDocument/2006/relationships" xmlns:p="http://schemas.openxmlformats.org/presentationml/2006/main">
+  <p:cSld>
+    <p:spTree>
+      <p:nvGrpSpPr>
+        <p:cNvPr id="1" name=""/>
+        <p:cNvGrpSpPr/>
+        <p:nvPr/>
+      </p:nvGrpSpPr>
+      <p:grpSpPr>
+        <a:xfrm>
+          <a:off x="0" y="0"/>
+          <a:ext cx="0" cy="0"/>
+          <a:chOff x="0" y="0"/>
+          <a:chExt cx="0" cy="0"/>
+        </a:xfrm>
+      </p:grpSpPr>
+    </p:spTree>
+    <p:extLst>
+      <p:ext uri="{BB962C8B-B14F-4D97-AF65-F5344CB8AC3E}">
+        <p14:creationId xmlns:p14="http://schemas.microsoft.com/office/powerpoint/2010/main" val="3724498538"/>
       </p:ext>
     </p:extLst>
   </p:cSld>

--- a/Intelligence Artificielle et Analyse de donnees.pptx
+++ b/Intelligence Artificielle et Analyse de donnees.pptx
@@ -28,10 +28,15 @@
     <p:sldId id="282" r:id="rId22"/>
     <p:sldId id="283" r:id="rId23"/>
     <p:sldId id="281" r:id="rId24"/>
-    <p:sldId id="284" r:id="rId25"/>
-    <p:sldId id="285" r:id="rId26"/>
-    <p:sldId id="287" r:id="rId27"/>
-    <p:sldId id="286" r:id="rId28"/>
+    <p:sldId id="292" r:id="rId25"/>
+    <p:sldId id="290" r:id="rId26"/>
+    <p:sldId id="293" r:id="rId27"/>
+    <p:sldId id="291" r:id="rId28"/>
+    <p:sldId id="284" r:id="rId29"/>
+    <p:sldId id="285" r:id="rId30"/>
+    <p:sldId id="287" r:id="rId31"/>
+    <p:sldId id="288" r:id="rId32"/>
+    <p:sldId id="289" r:id="rId33"/>
   </p:sldIdLst>
   <p:sldSz cx="12192000" cy="6858000"/>
   <p:notesSz cx="6858000" cy="9144000"/>
@@ -296,7 +301,7 @@
           <a:p>
             <a:fld id="{6744C8BF-8EDA-4728-ABB9-9DEA91F7FC64}" type="datetimeFigureOut">
               <a:rPr lang="fr-FR" smtClean="0"/>
-              <a:t>23/01/2025</a:t>
+              <a:t>28/01/2025</a:t>
             </a:fld>
             <a:endParaRPr lang="fr-FR"/>
           </a:p>
@@ -494,7 +499,7 @@
           <a:p>
             <a:fld id="{6744C8BF-8EDA-4728-ABB9-9DEA91F7FC64}" type="datetimeFigureOut">
               <a:rPr lang="fr-FR" smtClean="0"/>
-              <a:t>23/01/2025</a:t>
+              <a:t>28/01/2025</a:t>
             </a:fld>
             <a:endParaRPr lang="fr-FR"/>
           </a:p>
@@ -702,7 +707,7 @@
           <a:p>
             <a:fld id="{6744C8BF-8EDA-4728-ABB9-9DEA91F7FC64}" type="datetimeFigureOut">
               <a:rPr lang="fr-FR" smtClean="0"/>
-              <a:t>23/01/2025</a:t>
+              <a:t>28/01/2025</a:t>
             </a:fld>
             <a:endParaRPr lang="fr-FR"/>
           </a:p>
@@ -900,7 +905,7 @@
           <a:p>
             <a:fld id="{6744C8BF-8EDA-4728-ABB9-9DEA91F7FC64}" type="datetimeFigureOut">
               <a:rPr lang="fr-FR" smtClean="0"/>
-              <a:t>23/01/2025</a:t>
+              <a:t>28/01/2025</a:t>
             </a:fld>
             <a:endParaRPr lang="fr-FR"/>
           </a:p>
@@ -1175,7 +1180,7 @@
           <a:p>
             <a:fld id="{6744C8BF-8EDA-4728-ABB9-9DEA91F7FC64}" type="datetimeFigureOut">
               <a:rPr lang="fr-FR" smtClean="0"/>
-              <a:t>23/01/2025</a:t>
+              <a:t>28/01/2025</a:t>
             </a:fld>
             <a:endParaRPr lang="fr-FR"/>
           </a:p>
@@ -1440,7 +1445,7 @@
           <a:p>
             <a:fld id="{6744C8BF-8EDA-4728-ABB9-9DEA91F7FC64}" type="datetimeFigureOut">
               <a:rPr lang="fr-FR" smtClean="0"/>
-              <a:t>23/01/2025</a:t>
+              <a:t>28/01/2025</a:t>
             </a:fld>
             <a:endParaRPr lang="fr-FR"/>
           </a:p>
@@ -1852,7 +1857,7 @@
           <a:p>
             <a:fld id="{6744C8BF-8EDA-4728-ABB9-9DEA91F7FC64}" type="datetimeFigureOut">
               <a:rPr lang="fr-FR" smtClean="0"/>
-              <a:t>23/01/2025</a:t>
+              <a:t>28/01/2025</a:t>
             </a:fld>
             <a:endParaRPr lang="fr-FR"/>
           </a:p>
@@ -1993,7 +1998,7 @@
           <a:p>
             <a:fld id="{6744C8BF-8EDA-4728-ABB9-9DEA91F7FC64}" type="datetimeFigureOut">
               <a:rPr lang="fr-FR" smtClean="0"/>
-              <a:t>23/01/2025</a:t>
+              <a:t>28/01/2025</a:t>
             </a:fld>
             <a:endParaRPr lang="fr-FR"/>
           </a:p>
@@ -2106,7 +2111,7 @@
           <a:p>
             <a:fld id="{6744C8BF-8EDA-4728-ABB9-9DEA91F7FC64}" type="datetimeFigureOut">
               <a:rPr lang="fr-FR" smtClean="0"/>
-              <a:t>23/01/2025</a:t>
+              <a:t>28/01/2025</a:t>
             </a:fld>
             <a:endParaRPr lang="fr-FR"/>
           </a:p>
@@ -2417,7 +2422,7 @@
           <a:p>
             <a:fld id="{6744C8BF-8EDA-4728-ABB9-9DEA91F7FC64}" type="datetimeFigureOut">
               <a:rPr lang="fr-FR" smtClean="0"/>
-              <a:t>23/01/2025</a:t>
+              <a:t>28/01/2025</a:t>
             </a:fld>
             <a:endParaRPr lang="fr-FR"/>
           </a:p>
@@ -2705,7 +2710,7 @@
           <a:p>
             <a:fld id="{6744C8BF-8EDA-4728-ABB9-9DEA91F7FC64}" type="datetimeFigureOut">
               <a:rPr lang="fr-FR" smtClean="0"/>
-              <a:t>23/01/2025</a:t>
+              <a:t>28/01/2025</a:t>
             </a:fld>
             <a:endParaRPr lang="fr-FR"/>
           </a:p>
@@ -2946,7 +2951,7 @@
           <a:p>
             <a:fld id="{6744C8BF-8EDA-4728-ABB9-9DEA91F7FC64}" type="datetimeFigureOut">
               <a:rPr lang="fr-FR" smtClean="0"/>
-              <a:t>23/01/2025</a:t>
+              <a:t>28/01/2025</a:t>
             </a:fld>
             <a:endParaRPr lang="fr-FR"/>
           </a:p>
@@ -3385,6 +3390,20 @@
             <a:ext cx="9144000" cy="3144837"/>
           </a:xfrm>
         </p:spPr>
+        <p:style>
+          <a:lnRef idx="2">
+            <a:schemeClr val="dk1"/>
+          </a:lnRef>
+          <a:fillRef idx="1">
+            <a:schemeClr val="lt1"/>
+          </a:fillRef>
+          <a:effectRef idx="0">
+            <a:schemeClr val="dk1"/>
+          </a:effectRef>
+          <a:fontRef idx="minor">
+            <a:schemeClr val="dk1"/>
+          </a:fontRef>
+        </p:style>
         <p:txBody>
           <a:bodyPr>
             <a:normAutofit/>
@@ -3529,7 +3548,7 @@
         </p:blipFill>
         <p:spPr>
           <a:xfrm>
-            <a:off x="2661946" y="3378696"/>
+            <a:off x="1897542" y="2984716"/>
             <a:ext cx="1058245" cy="1282483"/>
           </a:xfrm>
           <a:prstGeom prst="rect">
@@ -3559,7 +3578,7 @@
         </p:blipFill>
         <p:spPr>
           <a:xfrm>
-            <a:off x="8653031" y="3254405"/>
+            <a:off x="9190913" y="2688233"/>
             <a:ext cx="1103545" cy="1331704"/>
           </a:xfrm>
           <a:prstGeom prst="rect">
@@ -6183,8 +6202,8 @@
           <a:chExt cx="0" cy="0"/>
         </a:xfrm>
       </p:grpSpPr>
-      <mc:AlternateContent xmlns:mc="http://schemas.openxmlformats.org/markup-compatibility/2006" xmlns:a14="http://schemas.microsoft.com/office/drawing/2010/main">
-        <mc:Choice Requires="a14">
+      <mc:AlternateContent xmlns:mc="http://schemas.openxmlformats.org/markup-compatibility/2006">
+        <mc:Choice xmlns:a14="http://schemas.microsoft.com/office/drawing/2010/main" Requires="a14">
           <p:sp>
             <p:nvSpPr>
               <p:cNvPr id="3" name="Espace réservé du contenu 2">
@@ -6218,7 +6237,7 @@
                 </a:pPr>
                 <a:r>
                   <a:rPr lang="fr-FR" sz="2200" dirty="0"/>
-                  <a:t>3 grandes difficultés des problèmes d’apprentissage :</a:t>
+                  <a:t>Trois grandes difficultés des problèmes d’apprentissage :</a:t>
                 </a:r>
               </a:p>
               <a:p>
@@ -6343,7 +6362,7 @@
             </p:txBody>
           </p:sp>
         </mc:Choice>
-        <mc:Fallback xmlns="">
+        <mc:Fallback>
           <p:sp>
             <p:nvSpPr>
               <p:cNvPr id="3" name="Espace réservé du contenu 2">
@@ -6377,7 +6396,7 @@
               <a:lstStyle/>
               <a:p>
                 <a:r>
-                  <a:rPr lang="fr-FR">
+                  <a:rPr lang="en-US">
                     <a:noFill/>
                   </a:rPr>
                   <a:t> </a:t>
@@ -6417,8 +6436,8 @@
           <a:chExt cx="0" cy="0"/>
         </a:xfrm>
       </p:grpSpPr>
-      <mc:AlternateContent xmlns:mc="http://schemas.openxmlformats.org/markup-compatibility/2006" xmlns:a14="http://schemas.microsoft.com/office/drawing/2010/main">
-        <mc:Choice Requires="a14">
+      <mc:AlternateContent xmlns:mc="http://schemas.openxmlformats.org/markup-compatibility/2006">
+        <mc:Choice xmlns:a14="http://schemas.microsoft.com/office/drawing/2010/main" Requires="a14">
           <p:sp>
             <p:nvSpPr>
               <p:cNvPr id="3" name="Espace réservé du contenu 2">
@@ -6452,7 +6471,7 @@
                 </a:pPr>
                 <a:r>
                   <a:rPr lang="fr-FR" sz="2200" u="sng" dirty="0"/>
-                  <a:t>Exercice 1</a:t>
+                  <a:t>Exercice 3.a</a:t>
                 </a:r>
                 <a:r>
                   <a:rPr lang="fr-FR" sz="2200" dirty="0"/>
@@ -7454,7 +7473,7 @@
             </p:txBody>
           </p:sp>
         </mc:Choice>
-        <mc:Fallback xmlns="">
+        <mc:Fallback>
           <p:sp>
             <p:nvSpPr>
               <p:cNvPr id="3" name="Espace réservé du contenu 2">
@@ -7488,7 +7507,7 @@
               <a:lstStyle/>
               <a:p>
                 <a:r>
-                  <a:rPr lang="fr-FR">
+                  <a:rPr lang="en-US">
                     <a:noFill/>
                   </a:rPr>
                   <a:t> </a:t>
@@ -7558,8 +7577,8 @@
           <a:chExt cx="0" cy="0"/>
         </a:xfrm>
       </p:grpSpPr>
-      <mc:AlternateContent xmlns:mc="http://schemas.openxmlformats.org/markup-compatibility/2006" xmlns:a14="http://schemas.microsoft.com/office/drawing/2010/main">
-        <mc:Choice Requires="a14">
+      <mc:AlternateContent xmlns:mc="http://schemas.openxmlformats.org/markup-compatibility/2006">
+        <mc:Choice xmlns:a14="http://schemas.microsoft.com/office/drawing/2010/main" Requires="a14">
           <p:sp>
             <p:nvSpPr>
               <p:cNvPr id="3" name="Espace réservé du contenu 2">
@@ -7593,7 +7612,7 @@
                 </a:pPr>
                 <a:r>
                   <a:rPr lang="fr-FR" sz="2400" dirty="0"/>
-                  <a:t>3.3 Descente de gradient, dérivation automatique</a:t>
+                  <a:t>3.2 Descente de gradient, dérivation automatique</a:t>
                 </a:r>
               </a:p>
               <a:p>
@@ -7804,7 +7823,7 @@
             </p:txBody>
           </p:sp>
         </mc:Choice>
-        <mc:Fallback xmlns="">
+        <mc:Fallback>
           <p:sp>
             <p:nvSpPr>
               <p:cNvPr id="3" name="Espace réservé du contenu 2">
@@ -7838,7 +7857,7 @@
               <a:lstStyle/>
               <a:p>
                 <a:r>
-                  <a:rPr lang="fr-FR">
+                  <a:rPr lang="en-US">
                     <a:noFill/>
                   </a:rPr>
                   <a:t> </a:t>
@@ -12095,8 +12114,8 @@
           </p:sp>
         </mc:Fallback>
       </mc:AlternateContent>
-      <mc:AlternateContent xmlns:mc="http://schemas.openxmlformats.org/markup-compatibility/2006" xmlns:a14="http://schemas.microsoft.com/office/drawing/2010/main">
-        <mc:Choice Requires="a14">
+      <mc:AlternateContent xmlns:mc="http://schemas.openxmlformats.org/markup-compatibility/2006">
+        <mc:Choice xmlns:a14="http://schemas.microsoft.com/office/drawing/2010/main" Requires="a14">
           <p:sp>
             <p:nvSpPr>
               <p:cNvPr id="3" name="Espace réservé du contenu 2">
@@ -12130,7 +12149,7 @@
                 </a:pPr>
                 <a:r>
                   <a:rPr lang="fr-FR" sz="2200" u="sng" dirty="0"/>
-                  <a:t>Exercice 1.suite</a:t>
+                  <a:t>Exercice 3.a.suite</a:t>
                 </a:r>
                 <a:r>
                   <a:rPr lang="fr-FR" sz="2200" dirty="0"/>
@@ -12244,7 +12263,7 @@
             </p:txBody>
           </p:sp>
         </mc:Choice>
-        <mc:Fallback xmlns="">
+        <mc:Fallback>
           <p:sp>
             <p:nvSpPr>
               <p:cNvPr id="3" name="Espace réservé du contenu 2">
@@ -12278,7 +12297,7 @@
               <a:lstStyle/>
               <a:p>
                 <a:r>
-                  <a:rPr lang="fr-FR">
+                  <a:rPr lang="en-US">
                     <a:noFill/>
                   </a:rPr>
                   <a:t> </a:t>
@@ -12354,8 +12373,8 @@
           <a:chExt cx="0" cy="0"/>
         </a:xfrm>
       </p:grpSpPr>
-      <mc:AlternateContent xmlns:mc="http://schemas.openxmlformats.org/markup-compatibility/2006" xmlns:a14="http://schemas.microsoft.com/office/drawing/2010/main">
-        <mc:Choice Requires="a14">
+      <mc:AlternateContent xmlns:mc="http://schemas.openxmlformats.org/markup-compatibility/2006">
+        <mc:Choice xmlns:a14="http://schemas.microsoft.com/office/drawing/2010/main" Requires="a14">
           <p:sp>
             <p:nvSpPr>
               <p:cNvPr id="3" name="Espace réservé du contenu 2">
@@ -12389,7 +12408,7 @@
                 </a:pPr>
                 <a:r>
                   <a:rPr lang="fr-FR" sz="2400" dirty="0"/>
-                  <a:t>3.2 Un réseau de neurones simple : le </a:t>
+                  <a:t>3.3 Un réseau de neurones simple : le </a:t>
                 </a:r>
                 <a:r>
                   <a:rPr lang="fr-FR" sz="2400" b="1" dirty="0"/>
@@ -13300,7 +13319,7 @@
             </p:txBody>
           </p:sp>
         </mc:Choice>
-        <mc:Fallback xmlns="">
+        <mc:Fallback>
           <p:sp>
             <p:nvSpPr>
               <p:cNvPr id="3" name="Espace réservé du contenu 2">
@@ -13334,7 +13353,7 @@
               <a:lstStyle/>
               <a:p>
                 <a:r>
-                  <a:rPr lang="fr-FR">
+                  <a:rPr lang="en-US">
                     <a:noFill/>
                   </a:rPr>
                   <a:t> </a:t>
@@ -14415,7 +14434,7 @@
             </a:r>
             <a:r>
               <a:rPr lang="fr-FR" sz="1800" dirty="0"/>
-              <a:t>4.1. Problèmes de régression</a:t>
+              <a:t>3.1. Problèmes de régression</a:t>
             </a:r>
           </a:p>
           <a:p>
@@ -14424,7 +14443,7 @@
             </a:pPr>
             <a:r>
               <a:rPr lang="fr-FR" sz="1800" dirty="0"/>
-              <a:t>	4.2. Descente de gradient, dérivation automatique</a:t>
+              <a:t>	3.2. Descente de gradient, dérivation automatique</a:t>
             </a:r>
           </a:p>
           <a:p>
@@ -14433,7 +14452,16 @@
             </a:pPr>
             <a:r>
               <a:rPr lang="fr-FR" sz="1800" dirty="0"/>
-              <a:t>	4.3. Un NN simple (MLP)</a:t>
+              <a:t>	3.3. Un NN simple (MLP)</a:t>
+            </a:r>
+          </a:p>
+          <a:p>
+            <a:pPr marL="457200" lvl="1" indent="0">
+              <a:buNone/>
+            </a:pPr>
+            <a:r>
+              <a:rPr lang="fr-FR" sz="1800" dirty="0"/>
+              <a:t>	3.4. Problèmes de classification</a:t>
             </a:r>
           </a:p>
           <a:p>
@@ -14473,7 +14501,7 @@
             </a:pPr>
             <a:r>
               <a:rPr lang="fr-FR" sz="1800" dirty="0"/>
-              <a:t>	4.2. Principe des </a:t>
+              <a:t>	4.2. Principaux </a:t>
             </a:r>
             <a:r>
               <a:rPr lang="fr-FR" sz="1800" dirty="0" err="1"/>
@@ -14487,7 +14515,7 @@
             </a:pPr>
             <a:r>
               <a:rPr lang="fr-FR" sz="1800" dirty="0"/>
-              <a:t>	4.3. Implémentation des </a:t>
+              <a:t>	4.3. Implémentation de </a:t>
             </a:r>
             <a:r>
               <a:rPr lang="fr-FR" sz="1800" dirty="0" err="1"/>
@@ -17120,8 +17148,8 @@
           <a:chExt cx="0" cy="0"/>
         </a:xfrm>
       </p:grpSpPr>
-      <mc:AlternateContent xmlns:mc="http://schemas.openxmlformats.org/markup-compatibility/2006" xmlns:a14="http://schemas.microsoft.com/office/drawing/2010/main">
-        <mc:Choice Requires="a14">
+      <mc:AlternateContent xmlns:mc="http://schemas.openxmlformats.org/markup-compatibility/2006">
+        <mc:Choice xmlns:a14="http://schemas.microsoft.com/office/drawing/2010/main" Requires="a14">
           <p:sp>
             <p:nvSpPr>
               <p:cNvPr id="3" name="Espace réservé du contenu 2">
@@ -17353,12 +17381,39 @@
                 </a:r>
               </a:p>
               <a:p>
+                <a:pPr marL="0" indent="0">
+                  <a:spcBef>
+                    <a:spcPts val="500"/>
+                  </a:spcBef>
+                  <a:buNone/>
+                </a:pPr>
+                <a:endParaRPr lang="fr-FR" sz="2000" dirty="0"/>
+              </a:p>
+              <a:p>
+                <a:endParaRPr lang="fr-FR" sz="2000" dirty="0"/>
+              </a:p>
+              <a:p>
+                <a:endParaRPr lang="fr-FR" sz="2000" dirty="0"/>
+              </a:p>
+              <a:p>
+                <a:endParaRPr lang="fr-FR" sz="2000" dirty="0"/>
+              </a:p>
+              <a:p>
+                <a:endParaRPr lang="fr-FR" sz="2000" dirty="0"/>
+              </a:p>
+              <a:p>
+                <a:endParaRPr lang="fr-FR" sz="2000" dirty="0"/>
+              </a:p>
+              <a:p>
+                <a:endParaRPr lang="fr-FR" sz="2000" dirty="0"/>
+              </a:p>
+              <a:p>
                 <a:endParaRPr lang="fr-FR" sz="2000" dirty="0"/>
               </a:p>
             </p:txBody>
           </p:sp>
         </mc:Choice>
-        <mc:Fallback xmlns="">
+        <mc:Fallback>
           <p:sp>
             <p:nvSpPr>
               <p:cNvPr id="3" name="Espace réservé du contenu 2">
@@ -17392,7 +17447,7 @@
               <a:lstStyle/>
               <a:p>
                 <a:r>
-                  <a:rPr lang="fr-FR">
+                  <a:rPr lang="en-US">
                     <a:noFill/>
                   </a:rPr>
                   <a:t> </a:t>
@@ -17522,6 +17577,2854 @@
           <a:chExt cx="0" cy="0"/>
         </a:xfrm>
       </p:grpSpPr>
+      <mc:AlternateContent xmlns:mc="http://schemas.openxmlformats.org/markup-compatibility/2006">
+        <mc:Choice xmlns:a14="http://schemas.microsoft.com/office/drawing/2010/main" Requires="a14">
+          <p:sp>
+            <p:nvSpPr>
+              <p:cNvPr id="3" name="Espace réservé du contenu 2">
+                <a:extLst>
+                  <a:ext uri="{FF2B5EF4-FFF2-40B4-BE49-F238E27FC236}">
+                    <a16:creationId xmlns:a16="http://schemas.microsoft.com/office/drawing/2014/main" id="{B59E77B8-2D75-472C-B76C-ABDDE0CAFCD5}"/>
+                  </a:ext>
+                </a:extLst>
+              </p:cNvPr>
+              <p:cNvSpPr>
+                <a:spLocks noGrp="1"/>
+              </p:cNvSpPr>
+              <p:nvPr>
+                <p:ph idx="1"/>
+              </p:nvPr>
+            </p:nvSpPr>
+            <p:spPr>
+              <a:xfrm>
+                <a:off x="531530" y="418633"/>
+                <a:ext cx="10839994" cy="6021978"/>
+              </a:xfrm>
+            </p:spPr>
+            <p:txBody>
+              <a:bodyPr>
+                <a:normAutofit/>
+              </a:bodyPr>
+              <a:lstStyle/>
+              <a:p>
+                <a:pPr marL="0" indent="0">
+                  <a:buNone/>
+                </a:pPr>
+                <a:r>
+                  <a:rPr lang="fr-FR" sz="2000" u="sng" dirty="0"/>
+                  <a:t>Exercice 3.b</a:t>
+                </a:r>
+                <a:r>
+                  <a:rPr lang="fr-FR" sz="2000" dirty="0"/>
+                  <a:t> : Résoudre le problème de régression avec les données (vectorielle) générées ainsi:</a:t>
+                </a:r>
+              </a:p>
+              <a:p>
+                <a:pPr lvl="1"/>
+                <a14:m>
+                  <m:oMath xmlns:m="http://schemas.openxmlformats.org/officeDocument/2006/math">
+                    <m:r>
+                      <a:rPr lang="fr-FR" sz="2000" b="0" i="1" smtClean="0">
+                        <a:latin typeface="Cambria Math" panose="02040503050406030204" pitchFamily="18" charset="0"/>
+                      </a:rPr>
+                      <m:t>𝑥</m:t>
+                    </m:r>
+                    <m:r>
+                      <a:rPr lang="fr-FR" sz="2000" b="0" i="1" smtClean="0">
+                        <a:latin typeface="Cambria Math" panose="02040503050406030204" pitchFamily="18" charset="0"/>
+                      </a:rPr>
+                      <m:t>∈</m:t>
+                    </m:r>
+                    <m:sSup>
+                      <m:sSupPr>
+                        <m:ctrlPr>
+                          <a:rPr lang="fr-FR" sz="2000" b="0" i="1" smtClean="0">
+                            <a:latin typeface="Cambria Math" panose="02040503050406030204" pitchFamily="18" charset="0"/>
+                          </a:rPr>
+                        </m:ctrlPr>
+                      </m:sSupPr>
+                      <m:e>
+                        <m:r>
+                          <a:rPr lang="fr-FR" sz="2000" b="0" i="1" smtClean="0">
+                            <a:latin typeface="Cambria Math" panose="02040503050406030204" pitchFamily="18" charset="0"/>
+                          </a:rPr>
+                          <m:t>ℝ</m:t>
+                        </m:r>
+                      </m:e>
+                      <m:sup>
+                        <m:r>
+                          <a:rPr lang="fr-FR" sz="2000" b="0" i="1" smtClean="0">
+                            <a:latin typeface="Cambria Math" panose="02040503050406030204" pitchFamily="18" charset="0"/>
+                          </a:rPr>
+                          <m:t>2</m:t>
+                        </m:r>
+                      </m:sup>
+                    </m:sSup>
+                    <m:r>
+                      <a:rPr lang="fr-FR" sz="2000" b="0" i="1" smtClean="0">
+                        <a:latin typeface="Cambria Math" panose="02040503050406030204" pitchFamily="18" charset="0"/>
+                      </a:rPr>
+                      <m:t>,</m:t>
+                    </m:r>
+                    <m:sSub>
+                      <m:sSubPr>
+                        <m:ctrlPr>
+                          <a:rPr lang="fr-FR" sz="2000" b="0" i="1" smtClean="0">
+                            <a:latin typeface="Cambria Math" panose="02040503050406030204" pitchFamily="18" charset="0"/>
+                          </a:rPr>
+                        </m:ctrlPr>
+                      </m:sSubPr>
+                      <m:e>
+                        <m:r>
+                          <a:rPr lang="fr-FR" sz="2000" b="0" i="1" smtClean="0">
+                            <a:latin typeface="Cambria Math" panose="02040503050406030204" pitchFamily="18" charset="0"/>
+                          </a:rPr>
+                          <m:t>𝑥</m:t>
+                        </m:r>
+                      </m:e>
+                      <m:sub>
+                        <m:r>
+                          <a:rPr lang="fr-FR" sz="2000" b="0" i="1" smtClean="0">
+                            <a:latin typeface="Cambria Math" panose="02040503050406030204" pitchFamily="18" charset="0"/>
+                          </a:rPr>
+                          <m:t>1</m:t>
+                        </m:r>
+                      </m:sub>
+                    </m:sSub>
+                    <m:r>
+                      <a:rPr lang="fr-FR" sz="2000" b="0" i="1" smtClean="0">
+                        <a:latin typeface="Cambria Math" panose="02040503050406030204" pitchFamily="18" charset="0"/>
+                      </a:rPr>
+                      <m:t>∈</m:t>
+                    </m:r>
+                    <m:d>
+                      <m:dPr>
+                        <m:begChr m:val="["/>
+                        <m:endChr m:val="]"/>
+                        <m:ctrlPr>
+                          <a:rPr lang="fr-FR" sz="2000" b="0" i="1" smtClean="0">
+                            <a:latin typeface="Cambria Math" panose="02040503050406030204" pitchFamily="18" charset="0"/>
+                          </a:rPr>
+                        </m:ctrlPr>
+                      </m:dPr>
+                      <m:e>
+                        <m:r>
+                          <a:rPr lang="fr-FR" sz="2000" b="0" i="1" smtClean="0">
+                            <a:latin typeface="Cambria Math" panose="02040503050406030204" pitchFamily="18" charset="0"/>
+                          </a:rPr>
+                          <m:t>−1;1</m:t>
+                        </m:r>
+                      </m:e>
+                    </m:d>
+                    <m:r>
+                      <a:rPr lang="fr-FR" sz="2000" b="0" i="1" smtClean="0">
+                        <a:latin typeface="Cambria Math" panose="02040503050406030204" pitchFamily="18" charset="0"/>
+                      </a:rPr>
+                      <m:t>, </m:t>
+                    </m:r>
+                    <m:sSub>
+                      <m:sSubPr>
+                        <m:ctrlPr>
+                          <a:rPr lang="fr-FR" sz="2000" b="0" i="1" smtClean="0">
+                            <a:latin typeface="Cambria Math" panose="02040503050406030204" pitchFamily="18" charset="0"/>
+                          </a:rPr>
+                        </m:ctrlPr>
+                      </m:sSubPr>
+                      <m:e>
+                        <m:r>
+                          <a:rPr lang="fr-FR" sz="2000" b="0" i="1" smtClean="0">
+                            <a:latin typeface="Cambria Math" panose="02040503050406030204" pitchFamily="18" charset="0"/>
+                          </a:rPr>
+                          <m:t>𝑥</m:t>
+                        </m:r>
+                      </m:e>
+                      <m:sub>
+                        <m:r>
+                          <a:rPr lang="fr-FR" sz="2000" b="0" i="1" smtClean="0">
+                            <a:latin typeface="Cambria Math" panose="02040503050406030204" pitchFamily="18" charset="0"/>
+                          </a:rPr>
+                          <m:t>2</m:t>
+                        </m:r>
+                      </m:sub>
+                    </m:sSub>
+                    <m:r>
+                      <a:rPr lang="fr-FR" sz="2000" b="0" i="1" smtClean="0">
+                        <a:latin typeface="Cambria Math" panose="02040503050406030204" pitchFamily="18" charset="0"/>
+                      </a:rPr>
+                      <m:t>∈[1;4</m:t>
+                    </m:r>
+                  </m:oMath>
+                </a14:m>
+                <a:r>
+                  <a:rPr lang="fr-FR" sz="2000" b="0" dirty="0"/>
+                  <a:t>] (aléatoire uniforme)</a:t>
+                </a:r>
+              </a:p>
+              <a:p>
+                <a:pPr lvl="1"/>
+                <a14:m>
+                  <m:oMath xmlns:m="http://schemas.openxmlformats.org/officeDocument/2006/math">
+                    <m:r>
+                      <a:rPr lang="fr-FR" sz="2000" b="0" i="1" smtClean="0">
+                        <a:latin typeface="Cambria Math" panose="02040503050406030204" pitchFamily="18" charset="0"/>
+                      </a:rPr>
+                      <m:t>𝑦</m:t>
+                    </m:r>
+                    <m:r>
+                      <a:rPr lang="fr-FR" sz="2000" b="0" i="1" smtClean="0">
+                        <a:latin typeface="Cambria Math" panose="02040503050406030204" pitchFamily="18" charset="0"/>
+                      </a:rPr>
+                      <m:t>=</m:t>
+                    </m:r>
+                    <m:d>
+                      <m:dPr>
+                        <m:begChr m:val="["/>
+                        <m:endChr m:val="]"/>
+                        <m:ctrlPr>
+                          <a:rPr lang="fr-FR" sz="2000" b="0" i="1" smtClean="0">
+                            <a:latin typeface="Cambria Math" panose="02040503050406030204" pitchFamily="18" charset="0"/>
+                          </a:rPr>
+                        </m:ctrlPr>
+                      </m:dPr>
+                      <m:e>
+                        <m:rad>
+                          <m:radPr>
+                            <m:degHide m:val="on"/>
+                            <m:ctrlPr>
+                              <a:rPr lang="fr-FR" sz="2000" b="0" i="1" smtClean="0">
+                                <a:latin typeface="Cambria Math" panose="02040503050406030204" pitchFamily="18" charset="0"/>
+                              </a:rPr>
+                            </m:ctrlPr>
+                          </m:radPr>
+                          <m:deg/>
+                          <m:e>
+                            <m:sSub>
+                              <m:sSubPr>
+                                <m:ctrlPr>
+                                  <a:rPr lang="fr-FR" sz="2000" b="0" i="1" smtClean="0">
+                                    <a:latin typeface="Cambria Math" panose="02040503050406030204" pitchFamily="18" charset="0"/>
+                                  </a:rPr>
+                                </m:ctrlPr>
+                              </m:sSubPr>
+                              <m:e>
+                                <m:r>
+                                  <a:rPr lang="fr-FR" sz="2000" b="0" i="1" smtClean="0">
+                                    <a:latin typeface="Cambria Math" panose="02040503050406030204" pitchFamily="18" charset="0"/>
+                                  </a:rPr>
+                                  <m:t>𝑥</m:t>
+                                </m:r>
+                              </m:e>
+                              <m:sub>
+                                <m:r>
+                                  <a:rPr lang="fr-FR" sz="2000" b="0" i="1" smtClean="0">
+                                    <a:latin typeface="Cambria Math" panose="02040503050406030204" pitchFamily="18" charset="0"/>
+                                  </a:rPr>
+                                  <m:t>1</m:t>
+                                </m:r>
+                              </m:sub>
+                            </m:sSub>
+                            <m:r>
+                              <a:rPr lang="fr-FR" sz="2000" i="1">
+                                <a:latin typeface="Cambria Math" panose="02040503050406030204" pitchFamily="18" charset="0"/>
+                              </a:rPr>
+                              <m:t>+</m:t>
+                            </m:r>
+                            <m:sSub>
+                              <m:sSubPr>
+                                <m:ctrlPr>
+                                  <a:rPr lang="fr-FR" sz="2000" i="1">
+                                    <a:latin typeface="Cambria Math" panose="02040503050406030204" pitchFamily="18" charset="0"/>
+                                  </a:rPr>
+                                </m:ctrlPr>
+                              </m:sSubPr>
+                              <m:e>
+                                <m:r>
+                                  <a:rPr lang="fr-FR" sz="2000" i="1">
+                                    <a:latin typeface="Cambria Math" panose="02040503050406030204" pitchFamily="18" charset="0"/>
+                                  </a:rPr>
+                                  <m:t>𝑥</m:t>
+                                </m:r>
+                              </m:e>
+                              <m:sub>
+                                <m:r>
+                                  <a:rPr lang="fr-FR" sz="2000" b="0" i="1" smtClean="0">
+                                    <a:latin typeface="Cambria Math" panose="02040503050406030204" pitchFamily="18" charset="0"/>
+                                  </a:rPr>
+                                  <m:t>2</m:t>
+                                </m:r>
+                              </m:sub>
+                            </m:sSub>
+                          </m:e>
+                        </m:rad>
+                        <m:r>
+                          <a:rPr lang="fr-FR" sz="2000" b="0" i="1" smtClean="0">
+                            <a:latin typeface="Cambria Math" panose="02040503050406030204" pitchFamily="18" charset="0"/>
+                          </a:rPr>
+                          <m:t>;</m:t>
+                        </m:r>
+                        <m:sSubSup>
+                          <m:sSubSupPr>
+                            <m:ctrlPr>
+                              <a:rPr lang="fr-FR" sz="2000" b="0" i="1" smtClean="0">
+                                <a:latin typeface="Cambria Math" panose="02040503050406030204" pitchFamily="18" charset="0"/>
+                              </a:rPr>
+                            </m:ctrlPr>
+                          </m:sSubSupPr>
+                          <m:e>
+                            <m:r>
+                              <a:rPr lang="fr-FR" sz="2000" b="0" i="1" smtClean="0">
+                                <a:latin typeface="Cambria Math" panose="02040503050406030204" pitchFamily="18" charset="0"/>
+                              </a:rPr>
+                              <m:t>𝑥</m:t>
+                            </m:r>
+                          </m:e>
+                          <m:sub>
+                            <m:r>
+                              <a:rPr lang="fr-FR" sz="2000" b="0" i="1" smtClean="0">
+                                <a:latin typeface="Cambria Math" panose="02040503050406030204" pitchFamily="18" charset="0"/>
+                              </a:rPr>
+                              <m:t>2</m:t>
+                            </m:r>
+                          </m:sub>
+                          <m:sup>
+                            <m:r>
+                              <a:rPr lang="fr-FR" sz="2000" b="0" i="1" smtClean="0">
+                                <a:latin typeface="Cambria Math" panose="02040503050406030204" pitchFamily="18" charset="0"/>
+                              </a:rPr>
+                              <m:t>3</m:t>
+                            </m:r>
+                          </m:sup>
+                        </m:sSubSup>
+                      </m:e>
+                    </m:d>
+                    <m:r>
+                      <a:rPr lang="fr-FR" sz="2000" b="0" i="1" smtClean="0">
+                        <a:latin typeface="Cambria Math" panose="02040503050406030204" pitchFamily="18" charset="0"/>
+                      </a:rPr>
+                      <m:t>+</m:t>
+                    </m:r>
+                    <m:r>
+                      <a:rPr lang="fr-FR" sz="2000" b="0" i="1" smtClean="0">
+                        <a:latin typeface="Cambria Math" panose="02040503050406030204" pitchFamily="18" charset="0"/>
+                      </a:rPr>
+                      <m:t>𝑁</m:t>
+                    </m:r>
+                    <m:d>
+                      <m:dPr>
+                        <m:ctrlPr>
+                          <a:rPr lang="fr-FR" sz="2000" b="0" i="1" smtClean="0">
+                            <a:latin typeface="Cambria Math" panose="02040503050406030204" pitchFamily="18" charset="0"/>
+                          </a:rPr>
+                        </m:ctrlPr>
+                      </m:dPr>
+                      <m:e>
+                        <m:r>
+                          <a:rPr lang="fr-FR" sz="2000" b="0" i="1" smtClean="0">
+                            <a:latin typeface="Cambria Math" panose="02040503050406030204" pitchFamily="18" charset="0"/>
+                          </a:rPr>
+                          <m:t>0, .1</m:t>
+                        </m:r>
+                      </m:e>
+                    </m:d>
+                  </m:oMath>
+                </a14:m>
+                <a:r>
+                  <a:rPr lang="fr-FR" sz="2000" dirty="0"/>
+                  <a:t> (bruit gaussien)</a:t>
+                </a:r>
+              </a:p>
+              <a:p>
+                <a:pPr marL="0" indent="0">
+                  <a:spcBef>
+                    <a:spcPts val="500"/>
+                  </a:spcBef>
+                  <a:buNone/>
+                </a:pPr>
+                <a:endParaRPr lang="fr-FR" sz="2000" dirty="0"/>
+              </a:p>
+              <a:p>
+                <a:pPr marL="0" indent="0">
+                  <a:spcBef>
+                    <a:spcPts val="500"/>
+                  </a:spcBef>
+                  <a:buNone/>
+                </a:pPr>
+                <a:r>
+                  <a:rPr lang="fr-FR" sz="2000" dirty="0">
+                    <a:solidFill>
+                      <a:schemeClr val="tx1">
+                        <a:lumMod val="50000"/>
+                        <a:lumOff val="50000"/>
+                      </a:schemeClr>
+                    </a:solidFill>
+                  </a:rPr>
+                  <a:t>Résultats pour </a:t>
+                </a:r>
+              </a:p>
+              <a:p>
+                <a:pPr lvl="1"/>
+                <a:r>
+                  <a:rPr lang="fr-FR" sz="1600" dirty="0">
+                    <a:solidFill>
+                      <a:schemeClr val="tx1">
+                        <a:lumMod val="50000"/>
+                        <a:lumOff val="50000"/>
+                      </a:schemeClr>
+                    </a:solidFill>
+                  </a:rPr>
+                  <a:t>Nombre de données : 2000 (entraînement) et 500 (validation)</a:t>
+                </a:r>
+              </a:p>
+              <a:p>
+                <a:pPr lvl="1"/>
+                <a:r>
+                  <a:rPr lang="fr-FR" sz="1600" dirty="0">
+                    <a:solidFill>
+                      <a:schemeClr val="tx1">
+                        <a:lumMod val="50000"/>
+                        <a:lumOff val="50000"/>
+                      </a:schemeClr>
+                    </a:solidFill>
+                  </a:rPr>
+                  <a:t>Nombre d’itérations (</a:t>
+                </a:r>
+                <a:r>
+                  <a:rPr lang="fr-FR" sz="1600" i="1" dirty="0" err="1">
+                    <a:solidFill>
+                      <a:schemeClr val="tx1">
+                        <a:lumMod val="50000"/>
+                        <a:lumOff val="50000"/>
+                      </a:schemeClr>
+                    </a:solidFill>
+                  </a:rPr>
+                  <a:t>epochs</a:t>
+                </a:r>
+                <a:r>
+                  <a:rPr lang="fr-FR" sz="1600" dirty="0">
+                    <a:solidFill>
+                      <a:schemeClr val="tx1">
+                        <a:lumMod val="50000"/>
+                        <a:lumOff val="50000"/>
+                      </a:schemeClr>
+                    </a:solidFill>
+                  </a:rPr>
+                  <a:t>): 500</a:t>
+                </a:r>
+              </a:p>
+              <a:p>
+                <a:pPr lvl="1"/>
+                <a:r>
+                  <a:rPr lang="fr-FR" sz="1600" dirty="0">
+                    <a:solidFill>
+                      <a:schemeClr val="tx1">
+                        <a:lumMod val="50000"/>
+                        <a:lumOff val="50000"/>
+                      </a:schemeClr>
+                    </a:solidFill>
+                  </a:rPr>
+                  <a:t>Learning rate : </a:t>
+                </a:r>
+                <a14:m>
+                  <m:oMath xmlns:m="http://schemas.openxmlformats.org/officeDocument/2006/math">
+                    <m:r>
+                      <a:rPr lang="fr-FR" sz="1600" b="0" i="1" smtClean="0">
+                        <a:solidFill>
+                          <a:schemeClr val="tx1">
+                            <a:lumMod val="50000"/>
+                            <a:lumOff val="50000"/>
+                          </a:schemeClr>
+                        </a:solidFill>
+                        <a:latin typeface="Cambria Math" panose="02040503050406030204" pitchFamily="18" charset="0"/>
+                      </a:rPr>
+                      <m:t>1</m:t>
+                    </m:r>
+                    <m:sSup>
+                      <m:sSupPr>
+                        <m:ctrlPr>
+                          <a:rPr lang="fr-FR" sz="1600" b="0" i="1" smtClean="0">
+                            <a:solidFill>
+                              <a:schemeClr val="tx1">
+                                <a:lumMod val="50000"/>
+                                <a:lumOff val="50000"/>
+                              </a:schemeClr>
+                            </a:solidFill>
+                            <a:latin typeface="Cambria Math" panose="02040503050406030204" pitchFamily="18" charset="0"/>
+                          </a:rPr>
+                        </m:ctrlPr>
+                      </m:sSupPr>
+                      <m:e>
+                        <m:r>
+                          <a:rPr lang="fr-FR" sz="1600" b="0" i="1" smtClean="0">
+                            <a:solidFill>
+                              <a:schemeClr val="tx1">
+                                <a:lumMod val="50000"/>
+                                <a:lumOff val="50000"/>
+                              </a:schemeClr>
+                            </a:solidFill>
+                            <a:latin typeface="Cambria Math" panose="02040503050406030204" pitchFamily="18" charset="0"/>
+                          </a:rPr>
+                          <m:t>𝑒</m:t>
+                        </m:r>
+                      </m:e>
+                      <m:sup>
+                        <m:r>
+                          <a:rPr lang="fr-FR" sz="1600" b="0" i="1" smtClean="0">
+                            <a:solidFill>
+                              <a:schemeClr val="tx1">
+                                <a:lumMod val="50000"/>
+                                <a:lumOff val="50000"/>
+                              </a:schemeClr>
+                            </a:solidFill>
+                            <a:latin typeface="Cambria Math" panose="02040503050406030204" pitchFamily="18" charset="0"/>
+                          </a:rPr>
+                          <m:t>−3</m:t>
+                        </m:r>
+                      </m:sup>
+                    </m:sSup>
+                  </m:oMath>
+                </a14:m>
+                <a:r>
+                  <a:rPr lang="fr-FR" sz="1600" dirty="0">
+                    <a:solidFill>
+                      <a:schemeClr val="tx1">
+                        <a:lumMod val="50000"/>
+                        <a:lumOff val="50000"/>
+                      </a:schemeClr>
+                    </a:solidFill>
+                  </a:rPr>
+                  <a:t> puis </a:t>
+                </a:r>
+                <a14:m>
+                  <m:oMath xmlns:m="http://schemas.openxmlformats.org/officeDocument/2006/math">
+                    <m:r>
+                      <a:rPr lang="fr-FR" sz="1600" b="0" i="1" smtClean="0">
+                        <a:solidFill>
+                          <a:schemeClr val="tx1">
+                            <a:lumMod val="50000"/>
+                            <a:lumOff val="50000"/>
+                          </a:schemeClr>
+                        </a:solidFill>
+                        <a:latin typeface="Cambria Math" panose="02040503050406030204" pitchFamily="18" charset="0"/>
+                      </a:rPr>
+                      <m:t>2</m:t>
+                    </m:r>
+                    <m:sSup>
+                      <m:sSupPr>
+                        <m:ctrlPr>
+                          <a:rPr lang="fr-FR" sz="1600" b="0" i="1" smtClean="0">
+                            <a:solidFill>
+                              <a:schemeClr val="tx1">
+                                <a:lumMod val="50000"/>
+                                <a:lumOff val="50000"/>
+                              </a:schemeClr>
+                            </a:solidFill>
+                            <a:latin typeface="Cambria Math" panose="02040503050406030204" pitchFamily="18" charset="0"/>
+                          </a:rPr>
+                        </m:ctrlPr>
+                      </m:sSupPr>
+                      <m:e>
+                        <m:r>
+                          <a:rPr lang="fr-FR" sz="1600" b="0" i="1" smtClean="0">
+                            <a:solidFill>
+                              <a:schemeClr val="tx1">
+                                <a:lumMod val="50000"/>
+                                <a:lumOff val="50000"/>
+                              </a:schemeClr>
+                            </a:solidFill>
+                            <a:latin typeface="Cambria Math" panose="02040503050406030204" pitchFamily="18" charset="0"/>
+                          </a:rPr>
+                          <m:t>𝑒</m:t>
+                        </m:r>
+                      </m:e>
+                      <m:sup>
+                        <m:r>
+                          <a:rPr lang="fr-FR" sz="1600" b="0" i="1" smtClean="0">
+                            <a:solidFill>
+                              <a:schemeClr val="tx1">
+                                <a:lumMod val="50000"/>
+                                <a:lumOff val="50000"/>
+                              </a:schemeClr>
+                            </a:solidFill>
+                            <a:latin typeface="Cambria Math" panose="02040503050406030204" pitchFamily="18" charset="0"/>
+                          </a:rPr>
+                          <m:t>−4</m:t>
+                        </m:r>
+                      </m:sup>
+                    </m:sSup>
+                  </m:oMath>
+                </a14:m>
+                <a:endParaRPr lang="fr-FR" sz="1600" dirty="0">
+                  <a:solidFill>
+                    <a:schemeClr val="tx1">
+                      <a:lumMod val="50000"/>
+                      <a:lumOff val="50000"/>
+                    </a:schemeClr>
+                  </a:solidFill>
+                </a:endParaRPr>
+              </a:p>
+              <a:p>
+                <a:endParaRPr lang="fr-FR" sz="2000" dirty="0"/>
+              </a:p>
+              <a:p>
+                <a:endParaRPr lang="fr-FR" sz="2000" dirty="0"/>
+              </a:p>
+              <a:p>
+                <a:endParaRPr lang="fr-FR" sz="2000" dirty="0"/>
+              </a:p>
+              <a:p>
+                <a:endParaRPr lang="fr-FR" sz="2000" dirty="0"/>
+              </a:p>
+              <a:p>
+                <a:endParaRPr lang="fr-FR" sz="2000" dirty="0"/>
+              </a:p>
+              <a:p>
+                <a:endParaRPr lang="fr-FR" sz="2000" dirty="0"/>
+              </a:p>
+              <a:p>
+                <a:endParaRPr lang="fr-FR" sz="2000" dirty="0"/>
+              </a:p>
+            </p:txBody>
+          </p:sp>
+        </mc:Choice>
+        <mc:Fallback>
+          <p:sp>
+            <p:nvSpPr>
+              <p:cNvPr id="3" name="Espace réservé du contenu 2">
+                <a:extLst>
+                  <a:ext uri="{FF2B5EF4-FFF2-40B4-BE49-F238E27FC236}">
+                    <a16:creationId xmlns:a16="http://schemas.microsoft.com/office/drawing/2014/main" id="{B59E77B8-2D75-472C-B76C-ABDDE0CAFCD5}"/>
+                  </a:ext>
+                </a:extLst>
+              </p:cNvPr>
+              <p:cNvSpPr>
+                <a:spLocks noGrp="1" noRot="1" noChangeAspect="1" noMove="1" noResize="1" noEditPoints="1" noAdjustHandles="1" noChangeArrowheads="1" noChangeShapeType="1" noTextEdit="1"/>
+              </p:cNvSpPr>
+              <p:nvPr>
+                <p:ph idx="1"/>
+              </p:nvPr>
+            </p:nvSpPr>
+            <p:spPr>
+              <a:xfrm>
+                <a:off x="531530" y="418633"/>
+                <a:ext cx="10839994" cy="6021978"/>
+              </a:xfrm>
+              <a:blipFill>
+                <a:blip r:embed="rId2"/>
+                <a:stretch>
+                  <a:fillRect l="-562" t="-1113"/>
+                </a:stretch>
+              </a:blipFill>
+            </p:spPr>
+            <p:txBody>
+              <a:bodyPr/>
+              <a:lstStyle/>
+              <a:p>
+                <a:r>
+                  <a:rPr lang="en-US">
+                    <a:noFill/>
+                  </a:rPr>
+                  <a:t> </a:t>
+                </a:r>
+              </a:p>
+            </p:txBody>
+          </p:sp>
+        </mc:Fallback>
+      </mc:AlternateContent>
+      <p:pic>
+        <p:nvPicPr>
+          <p:cNvPr id="11" name="Image 10">
+            <a:extLst>
+              <a:ext uri="{FF2B5EF4-FFF2-40B4-BE49-F238E27FC236}">
+                <a16:creationId xmlns:a16="http://schemas.microsoft.com/office/drawing/2014/main" id="{3A741FBD-C7F2-468A-8485-85C10F0710D1}"/>
+              </a:ext>
+            </a:extLst>
+          </p:cNvPr>
+          <p:cNvPicPr>
+            <a:picLocks noChangeAspect="1"/>
+          </p:cNvPicPr>
+          <p:nvPr/>
+        </p:nvPicPr>
+        <p:blipFill>
+          <a:blip r:embed="rId3"/>
+          <a:stretch>
+            <a:fillRect/>
+          </a:stretch>
+        </p:blipFill>
+        <p:spPr>
+          <a:xfrm>
+            <a:off x="1525648" y="3220821"/>
+            <a:ext cx="3606864" cy="2520000"/>
+          </a:xfrm>
+          <a:prstGeom prst="rect">
+            <a:avLst/>
+          </a:prstGeom>
+        </p:spPr>
+      </p:pic>
+      <p:pic>
+        <p:nvPicPr>
+          <p:cNvPr id="13" name="Image 12">
+            <a:extLst>
+              <a:ext uri="{FF2B5EF4-FFF2-40B4-BE49-F238E27FC236}">
+                <a16:creationId xmlns:a16="http://schemas.microsoft.com/office/drawing/2014/main" id="{BCAECCA6-2BA0-447E-A03E-24C183E28EE1}"/>
+              </a:ext>
+            </a:extLst>
+          </p:cNvPr>
+          <p:cNvPicPr>
+            <a:picLocks noChangeAspect="1"/>
+          </p:cNvPicPr>
+          <p:nvPr/>
+        </p:nvPicPr>
+        <p:blipFill>
+          <a:blip r:embed="rId4"/>
+          <a:stretch>
+            <a:fillRect/>
+          </a:stretch>
+        </p:blipFill>
+        <p:spPr>
+          <a:xfrm>
+            <a:off x="6581047" y="3220821"/>
+            <a:ext cx="3654962" cy="2520000"/>
+          </a:xfrm>
+          <a:prstGeom prst="rect">
+            <a:avLst/>
+          </a:prstGeom>
+        </p:spPr>
+      </p:pic>
+      <p:cxnSp>
+        <p:nvCxnSpPr>
+          <p:cNvPr id="15" name="Connecteur droit avec flèche 14">
+            <a:extLst>
+              <a:ext uri="{FF2B5EF4-FFF2-40B4-BE49-F238E27FC236}">
+                <a16:creationId xmlns:a16="http://schemas.microsoft.com/office/drawing/2014/main" id="{D3F0FE42-7484-43BA-A60D-D24804230DC2}"/>
+              </a:ext>
+            </a:extLst>
+          </p:cNvPr>
+          <p:cNvCxnSpPr/>
+          <p:nvPr/>
+        </p:nvCxnSpPr>
+        <p:spPr>
+          <a:xfrm flipV="1">
+            <a:off x="6458755" y="5164428"/>
+            <a:ext cx="238259" cy="576393"/>
+          </a:xfrm>
+          <a:prstGeom prst="straightConnector1">
+            <a:avLst/>
+          </a:prstGeom>
+          <a:ln>
+            <a:tailEnd type="triangle"/>
+          </a:ln>
+        </p:spPr>
+        <p:style>
+          <a:lnRef idx="1">
+            <a:schemeClr val="accent1"/>
+          </a:lnRef>
+          <a:fillRef idx="0">
+            <a:schemeClr val="accent1"/>
+          </a:fillRef>
+          <a:effectRef idx="0">
+            <a:schemeClr val="accent1"/>
+          </a:effectRef>
+          <a:fontRef idx="minor">
+            <a:schemeClr val="tx1"/>
+          </a:fontRef>
+        </p:style>
+      </p:cxnSp>
+      <p:cxnSp>
+        <p:nvCxnSpPr>
+          <p:cNvPr id="16" name="Connecteur droit avec flèche 15">
+            <a:extLst>
+              <a:ext uri="{FF2B5EF4-FFF2-40B4-BE49-F238E27FC236}">
+                <a16:creationId xmlns:a16="http://schemas.microsoft.com/office/drawing/2014/main" id="{DEF4FFDA-BA95-4EAA-9276-8371729B7985}"/>
+              </a:ext>
+            </a:extLst>
+          </p:cNvPr>
+          <p:cNvCxnSpPr>
+            <a:cxnSpLocks/>
+          </p:cNvCxnSpPr>
+          <p:nvPr/>
+        </p:nvCxnSpPr>
+        <p:spPr>
+          <a:xfrm flipH="1" flipV="1">
+            <a:off x="7873281" y="5164429"/>
+            <a:ext cx="330220" cy="689019"/>
+          </a:xfrm>
+          <a:prstGeom prst="straightConnector1">
+            <a:avLst/>
+          </a:prstGeom>
+          <a:ln>
+            <a:tailEnd type="triangle"/>
+          </a:ln>
+        </p:spPr>
+        <p:style>
+          <a:lnRef idx="1">
+            <a:schemeClr val="accent1"/>
+          </a:lnRef>
+          <a:fillRef idx="0">
+            <a:schemeClr val="accent1"/>
+          </a:fillRef>
+          <a:effectRef idx="0">
+            <a:schemeClr val="accent1"/>
+          </a:effectRef>
+          <a:fontRef idx="minor">
+            <a:schemeClr val="tx1"/>
+          </a:fontRef>
+        </p:style>
+      </p:cxnSp>
+      <p:sp>
+        <p:nvSpPr>
+          <p:cNvPr id="18" name="ZoneTexte 17">
+            <a:extLst>
+              <a:ext uri="{FF2B5EF4-FFF2-40B4-BE49-F238E27FC236}">
+                <a16:creationId xmlns:a16="http://schemas.microsoft.com/office/drawing/2014/main" id="{7F88FC04-EF48-4194-8F40-2643BA18C193}"/>
+              </a:ext>
+            </a:extLst>
+          </p:cNvPr>
+          <p:cNvSpPr txBox="1"/>
+          <p:nvPr/>
+        </p:nvSpPr>
+        <p:spPr>
+          <a:xfrm>
+            <a:off x="5479085" y="5853448"/>
+            <a:ext cx="1629036" cy="369332"/>
+          </a:xfrm>
+          <a:prstGeom prst="rect">
+            <a:avLst/>
+          </a:prstGeom>
+          <a:noFill/>
+        </p:spPr>
+        <p:txBody>
+          <a:bodyPr wrap="none" rtlCol="0">
+            <a:spAutoFit/>
+          </a:bodyPr>
+          <a:lstStyle/>
+          <a:p>
+            <a:r>
+              <a:rPr lang="en-US" dirty="0"/>
+              <a:t>Echelle </a:t>
+            </a:r>
+            <a:r>
+              <a:rPr lang="en-US" dirty="0" err="1"/>
+              <a:t>semilog</a:t>
+            </a:r>
+            <a:endParaRPr lang="en-US" dirty="0"/>
+          </a:p>
+        </p:txBody>
+      </p:sp>
+      <p:sp>
+        <p:nvSpPr>
+          <p:cNvPr id="19" name="ZoneTexte 18">
+            <a:extLst>
+              <a:ext uri="{FF2B5EF4-FFF2-40B4-BE49-F238E27FC236}">
+                <a16:creationId xmlns:a16="http://schemas.microsoft.com/office/drawing/2014/main" id="{1ECFF708-B5FC-4DAC-90DD-CD324DB7A162}"/>
+              </a:ext>
+            </a:extLst>
+          </p:cNvPr>
+          <p:cNvSpPr txBox="1"/>
+          <p:nvPr/>
+        </p:nvSpPr>
+        <p:spPr>
+          <a:xfrm>
+            <a:off x="7610786" y="5878215"/>
+            <a:ext cx="2690032" cy="369332"/>
+          </a:xfrm>
+          <a:prstGeom prst="rect">
+            <a:avLst/>
+          </a:prstGeom>
+          <a:noFill/>
+        </p:spPr>
+        <p:txBody>
+          <a:bodyPr wrap="none" rtlCol="0">
+            <a:spAutoFit/>
+          </a:bodyPr>
+          <a:lstStyle/>
+          <a:p>
+            <a:r>
+              <a:rPr lang="en-US" dirty="0" err="1"/>
+              <a:t>Réduction</a:t>
+            </a:r>
+            <a:r>
+              <a:rPr lang="en-US" dirty="0"/>
+              <a:t> du </a:t>
+            </a:r>
+            <a:r>
+              <a:rPr lang="en-US" i="1" dirty="0"/>
+              <a:t>learning rate</a:t>
+            </a:r>
+            <a:endParaRPr lang="en-US" dirty="0"/>
+          </a:p>
+        </p:txBody>
+      </p:sp>
+    </p:spTree>
+    <p:extLst>
+      <p:ext uri="{BB962C8B-B14F-4D97-AF65-F5344CB8AC3E}">
+        <p14:creationId xmlns:p14="http://schemas.microsoft.com/office/powerpoint/2010/main" val="4278043584"/>
+      </p:ext>
+    </p:extLst>
+  </p:cSld>
+  <p:clrMapOvr>
+    <a:masterClrMapping/>
+  </p:clrMapOvr>
+</p:sld>
+</file>
+
+<file path=ppt/slides/slide25.xml><?xml version="1.0" encoding="utf-8"?>
+<p:sld xmlns:a="http://schemas.openxmlformats.org/drawingml/2006/main" xmlns:r="http://schemas.openxmlformats.org/officeDocument/2006/relationships" xmlns:p="http://schemas.openxmlformats.org/presentationml/2006/main">
+  <p:cSld>
+    <p:spTree>
+      <p:nvGrpSpPr>
+        <p:cNvPr id="1" name=""/>
+        <p:cNvGrpSpPr/>
+        <p:nvPr/>
+      </p:nvGrpSpPr>
+      <p:grpSpPr>
+        <a:xfrm>
+          <a:off x="0" y="0"/>
+          <a:ext cx="0" cy="0"/>
+          <a:chOff x="0" y="0"/>
+          <a:chExt cx="0" cy="0"/>
+        </a:xfrm>
+      </p:grpSpPr>
+      <mc:AlternateContent xmlns:mc="http://schemas.openxmlformats.org/markup-compatibility/2006">
+        <mc:Choice xmlns:a14="http://schemas.microsoft.com/office/drawing/2010/main" Requires="a14">
+          <p:sp>
+            <p:nvSpPr>
+              <p:cNvPr id="3" name="Espace réservé du contenu 2">
+                <a:extLst>
+                  <a:ext uri="{FF2B5EF4-FFF2-40B4-BE49-F238E27FC236}">
+                    <a16:creationId xmlns:a16="http://schemas.microsoft.com/office/drawing/2014/main" id="{B59E77B8-2D75-472C-B76C-ABDDE0CAFCD5}"/>
+                  </a:ext>
+                </a:extLst>
+              </p:cNvPr>
+              <p:cNvSpPr>
+                <a:spLocks noGrp="1"/>
+              </p:cNvSpPr>
+              <p:nvPr>
+                <p:ph idx="1"/>
+              </p:nvPr>
+            </p:nvSpPr>
+            <p:spPr>
+              <a:xfrm>
+                <a:off x="537750" y="424853"/>
+                <a:ext cx="10839994" cy="6021978"/>
+              </a:xfrm>
+            </p:spPr>
+            <p:txBody>
+              <a:bodyPr>
+                <a:normAutofit/>
+              </a:bodyPr>
+              <a:lstStyle/>
+              <a:p>
+                <a:pPr marL="0" indent="0">
+                  <a:buNone/>
+                </a:pPr>
+                <a:r>
+                  <a:rPr lang="fr-FR" sz="2400" dirty="0"/>
+                  <a:t>3.4 Problèmes de classification</a:t>
+                </a:r>
+              </a:p>
+              <a:p>
+                <a:pPr marL="0" indent="0">
+                  <a:buNone/>
+                </a:pPr>
+                <a:r>
+                  <a:rPr lang="fr-FR" sz="2000" dirty="0"/>
+                  <a:t>Les données de sortie (qu’on cherche à prédire) sont des valeurs discrètes,</a:t>
+                </a:r>
+              </a:p>
+              <a:p>
+                <a:pPr marL="0" indent="0">
+                  <a:buNone/>
+                </a:pPr>
+                <a:r>
+                  <a:rPr lang="fr-FR" sz="2000" dirty="0"/>
+                  <a:t>i.e. un échantillon </a:t>
+                </a:r>
+                <a14:m>
+                  <m:oMath xmlns:m="http://schemas.openxmlformats.org/officeDocument/2006/math">
+                    <m:r>
+                      <a:rPr lang="fr-FR" sz="2000" b="0" i="1" smtClean="0">
+                        <a:latin typeface="Cambria Math" panose="02040503050406030204" pitchFamily="18" charset="0"/>
+                      </a:rPr>
+                      <m:t>𝑦</m:t>
+                    </m:r>
+                  </m:oMath>
+                </a14:m>
+                <a:r>
+                  <a:rPr lang="fr-FR" sz="2000" dirty="0"/>
+                  <a:t> appartient à un ensemble finis de classes </a:t>
+                </a:r>
+                <a14:m>
+                  <m:oMath xmlns:m="http://schemas.openxmlformats.org/officeDocument/2006/math">
+                    <m:r>
+                      <a:rPr lang="fr-FR" sz="2000" b="0" i="1" smtClean="0">
+                        <a:latin typeface="Cambria Math" panose="02040503050406030204" pitchFamily="18" charset="0"/>
+                      </a:rPr>
+                      <m:t>𝐶</m:t>
+                    </m:r>
+                    <m:r>
+                      <a:rPr lang="fr-FR" sz="2000" b="0" i="1" smtClean="0">
+                        <a:latin typeface="Cambria Math" panose="02040503050406030204" pitchFamily="18" charset="0"/>
+                      </a:rPr>
+                      <m:t>={1, …, </m:t>
+                    </m:r>
+                    <m:r>
+                      <a:rPr lang="fr-FR" sz="2000" b="0" i="1" smtClean="0">
+                        <a:latin typeface="Cambria Math" panose="02040503050406030204" pitchFamily="18" charset="0"/>
+                      </a:rPr>
+                      <m:t>𝐾</m:t>
+                    </m:r>
+                    <m:r>
+                      <a:rPr lang="fr-FR" sz="2000" b="0" i="1" smtClean="0">
+                        <a:latin typeface="Cambria Math" panose="02040503050406030204" pitchFamily="18" charset="0"/>
+                      </a:rPr>
+                      <m:t>}</m:t>
+                    </m:r>
+                  </m:oMath>
+                </a14:m>
+                <a:r>
+                  <a:rPr lang="fr-FR" sz="2000" dirty="0"/>
+                  <a:t>.</a:t>
+                </a:r>
+              </a:p>
+              <a:p>
+                <a:pPr marL="0" indent="0">
+                  <a:buNone/>
+                </a:pPr>
+                <a:r>
+                  <a:rPr lang="fr-FR" sz="2000" dirty="0">
+                    <a:solidFill>
+                      <a:schemeClr val="tx1">
+                        <a:lumMod val="50000"/>
+                        <a:lumOff val="50000"/>
+                      </a:schemeClr>
+                    </a:solidFill>
+                  </a:rPr>
+                  <a:t>Ex: à partir d’une image d’un animal, prédire s’il s’agit d’un chat, d’un chien, etc.</a:t>
+                </a:r>
+              </a:p>
+              <a:p>
+                <a:pPr marL="0" indent="0">
+                  <a:buNone/>
+                </a:pPr>
+                <a:endParaRPr lang="fr-FR" sz="2000" u="sng" dirty="0"/>
+              </a:p>
+              <a:p>
+                <a:pPr marL="0" indent="0">
+                  <a:buNone/>
+                </a:pPr>
+                <a:r>
+                  <a:rPr lang="fr-FR" sz="2000" u="sng" dirty="0"/>
+                  <a:t>Structure du modèle</a:t>
+                </a:r>
+                <a:r>
+                  <a:rPr lang="fr-FR" sz="2000" dirty="0"/>
+                  <a:t> :</a:t>
+                </a:r>
+              </a:p>
+              <a:p>
+                <a:pPr marL="0" indent="0">
+                  <a:buNone/>
+                </a:pPr>
+                <a:r>
+                  <a:rPr lang="fr-FR" sz="2000" dirty="0"/>
+                  <a:t>La sortie du modèle est un vecteur de taille </a:t>
+                </a:r>
+                <a14:m>
+                  <m:oMath xmlns:m="http://schemas.openxmlformats.org/officeDocument/2006/math">
+                    <m:r>
+                      <a:rPr lang="fr-FR" sz="2000" b="0" i="1" smtClean="0">
+                        <a:latin typeface="Cambria Math" panose="02040503050406030204" pitchFamily="18" charset="0"/>
+                      </a:rPr>
+                      <m:t>𝐾</m:t>
+                    </m:r>
+                  </m:oMath>
+                </a14:m>
+                <a:r>
+                  <a:rPr lang="fr-FR" sz="2000" dirty="0"/>
+                  <a:t>.</a:t>
+                </a:r>
+              </a:p>
+              <a:p>
+                <a:pPr marL="0" indent="0">
+                  <a:buNone/>
+                </a:pPr>
+                <a:r>
+                  <a:rPr lang="fr-FR" sz="2000" dirty="0"/>
+                  <a:t>A chaque </a:t>
+                </a:r>
+                <a14:m>
+                  <m:oMath xmlns:m="http://schemas.openxmlformats.org/officeDocument/2006/math">
+                    <m:sSub>
+                      <m:sSubPr>
+                        <m:ctrlPr>
+                          <a:rPr lang="fr-FR" sz="2000" b="0" i="1" smtClean="0">
+                            <a:latin typeface="Cambria Math" panose="02040503050406030204" pitchFamily="18" charset="0"/>
+                          </a:rPr>
+                        </m:ctrlPr>
+                      </m:sSubPr>
+                      <m:e>
+                        <m:r>
+                          <a:rPr lang="fr-FR" sz="2000" b="0" i="1" smtClean="0">
+                            <a:latin typeface="Cambria Math" panose="02040503050406030204" pitchFamily="18" charset="0"/>
+                          </a:rPr>
+                          <m:t>𝑦</m:t>
+                        </m:r>
+                      </m:e>
+                      <m:sub>
+                        <m:r>
+                          <a:rPr lang="fr-FR" sz="2000" b="0" i="1" smtClean="0">
+                            <a:latin typeface="Cambria Math" panose="02040503050406030204" pitchFamily="18" charset="0"/>
+                          </a:rPr>
+                          <m:t>𝑖</m:t>
+                        </m:r>
+                      </m:sub>
+                    </m:sSub>
+                  </m:oMath>
+                </a14:m>
+                <a:r>
+                  <a:rPr lang="fr-FR" sz="2000" dirty="0"/>
+                  <a:t> on associe la probabilité </a:t>
+                </a:r>
+                <a14:m>
+                  <m:oMath xmlns:m="http://schemas.openxmlformats.org/officeDocument/2006/math">
+                    <m:r>
+                      <a:rPr lang="fr-FR" sz="2000" b="0" i="1" smtClean="0">
+                        <a:latin typeface="Cambria Math" panose="02040503050406030204" pitchFamily="18" charset="0"/>
+                      </a:rPr>
+                      <m:t>𝑃</m:t>
+                    </m:r>
+                    <m:d>
+                      <m:dPr>
+                        <m:ctrlPr>
+                          <a:rPr lang="fr-FR" sz="2000" b="0" i="1" smtClean="0">
+                            <a:latin typeface="Cambria Math" panose="02040503050406030204" pitchFamily="18" charset="0"/>
+                          </a:rPr>
+                        </m:ctrlPr>
+                      </m:dPr>
+                      <m:e>
+                        <m:r>
+                          <a:rPr lang="fr-FR" sz="2000" b="0" i="1" smtClean="0">
+                            <a:latin typeface="Cambria Math" panose="02040503050406030204" pitchFamily="18" charset="0"/>
+                          </a:rPr>
+                          <m:t>𝑦</m:t>
+                        </m:r>
+                        <m:r>
+                          <a:rPr lang="fr-FR" sz="2000" b="0" i="1" smtClean="0">
+                            <a:latin typeface="Cambria Math" panose="02040503050406030204" pitchFamily="18" charset="0"/>
+                          </a:rPr>
+                          <m:t>=</m:t>
+                        </m:r>
+                        <m:r>
+                          <a:rPr lang="fr-FR" sz="2000" b="0" i="1" smtClean="0">
+                            <a:latin typeface="Cambria Math" panose="02040503050406030204" pitchFamily="18" charset="0"/>
+                          </a:rPr>
+                          <m:t>𝑖</m:t>
+                        </m:r>
+                      </m:e>
+                      <m:e>
+                        <m:r>
+                          <a:rPr lang="fr-FR" sz="2000" b="0" i="1" smtClean="0">
+                            <a:latin typeface="Cambria Math" panose="02040503050406030204" pitchFamily="18" charset="0"/>
+                          </a:rPr>
+                          <m:t>𝑥</m:t>
+                        </m:r>
+                      </m:e>
+                    </m:d>
+                    <m:r>
+                      <a:rPr lang="fr-FR" sz="2000" b="0" i="1" smtClean="0">
+                        <a:latin typeface="Cambria Math" panose="02040503050406030204" pitchFamily="18" charset="0"/>
+                      </a:rPr>
+                      <m:t>=</m:t>
+                    </m:r>
+                    <m:f>
+                      <m:fPr>
+                        <m:ctrlPr>
+                          <a:rPr lang="fr-FR" sz="2000" b="0" i="1" smtClean="0">
+                            <a:latin typeface="Cambria Math" panose="02040503050406030204" pitchFamily="18" charset="0"/>
+                          </a:rPr>
+                        </m:ctrlPr>
+                      </m:fPr>
+                      <m:num>
+                        <m:func>
+                          <m:funcPr>
+                            <m:ctrlPr>
+                              <a:rPr lang="fr-FR" sz="2000" b="0" i="1" smtClean="0">
+                                <a:latin typeface="Cambria Math" panose="02040503050406030204" pitchFamily="18" charset="0"/>
+                              </a:rPr>
+                            </m:ctrlPr>
+                          </m:funcPr>
+                          <m:fName>
+                            <m:r>
+                              <m:rPr>
+                                <m:sty m:val="p"/>
+                              </m:rPr>
+                              <a:rPr lang="fr-FR" sz="2000" b="0" i="0" smtClean="0">
+                                <a:latin typeface="Cambria Math" panose="02040503050406030204" pitchFamily="18" charset="0"/>
+                              </a:rPr>
+                              <m:t>exp</m:t>
+                            </m:r>
+                          </m:fName>
+                          <m:e>
+                            <m:d>
+                              <m:dPr>
+                                <m:ctrlPr>
+                                  <a:rPr lang="fr-FR" sz="2000" b="0" i="1" smtClean="0">
+                                    <a:latin typeface="Cambria Math" panose="02040503050406030204" pitchFamily="18" charset="0"/>
+                                  </a:rPr>
+                                </m:ctrlPr>
+                              </m:dPr>
+                              <m:e>
+                                <m:sSub>
+                                  <m:sSubPr>
+                                    <m:ctrlPr>
+                                      <a:rPr lang="fr-FR" sz="2000" b="0" i="1" smtClean="0">
+                                        <a:latin typeface="Cambria Math" panose="02040503050406030204" pitchFamily="18" charset="0"/>
+                                      </a:rPr>
+                                    </m:ctrlPr>
+                                  </m:sSubPr>
+                                  <m:e>
+                                    <m:r>
+                                      <a:rPr lang="fr-FR" sz="2000" b="0" i="1" smtClean="0">
+                                        <a:latin typeface="Cambria Math" panose="02040503050406030204" pitchFamily="18" charset="0"/>
+                                      </a:rPr>
+                                      <m:t>𝑦</m:t>
+                                    </m:r>
+                                  </m:e>
+                                  <m:sub>
+                                    <m:r>
+                                      <a:rPr lang="fr-FR" sz="2000" b="0" i="1" smtClean="0">
+                                        <a:latin typeface="Cambria Math" panose="02040503050406030204" pitchFamily="18" charset="0"/>
+                                      </a:rPr>
+                                      <m:t>𝑖</m:t>
+                                    </m:r>
+                                  </m:sub>
+                                </m:sSub>
+                              </m:e>
+                            </m:d>
+                          </m:e>
+                        </m:func>
+                      </m:num>
+                      <m:den>
+                        <m:nary>
+                          <m:naryPr>
+                            <m:chr m:val="∑"/>
+                            <m:ctrlPr>
+                              <a:rPr lang="fr-FR" sz="2000" i="1">
+                                <a:latin typeface="Cambria Math" panose="02040503050406030204" pitchFamily="18" charset="0"/>
+                              </a:rPr>
+                            </m:ctrlPr>
+                          </m:naryPr>
+                          <m:sub>
+                            <m:r>
+                              <m:rPr>
+                                <m:brk m:alnAt="23"/>
+                              </m:rPr>
+                              <a:rPr lang="fr-FR" sz="2000" i="1">
+                                <a:latin typeface="Cambria Math" panose="02040503050406030204" pitchFamily="18" charset="0"/>
+                              </a:rPr>
+                              <m:t>𝑘</m:t>
+                            </m:r>
+                            <m:r>
+                              <a:rPr lang="fr-FR" sz="2000" i="1">
+                                <a:latin typeface="Cambria Math" panose="02040503050406030204" pitchFamily="18" charset="0"/>
+                              </a:rPr>
+                              <m:t>=1</m:t>
+                            </m:r>
+                          </m:sub>
+                          <m:sup>
+                            <m:r>
+                              <a:rPr lang="fr-FR" sz="2000" i="1">
+                                <a:latin typeface="Cambria Math" panose="02040503050406030204" pitchFamily="18" charset="0"/>
+                              </a:rPr>
+                              <m:t>𝐾</m:t>
+                            </m:r>
+                          </m:sup>
+                          <m:e>
+                            <m:r>
+                              <m:rPr>
+                                <m:sty m:val="p"/>
+                              </m:rPr>
+                              <a:rPr lang="fr-FR" sz="2000" b="0" i="0" smtClean="0">
+                                <a:latin typeface="Cambria Math" panose="02040503050406030204" pitchFamily="18" charset="0"/>
+                              </a:rPr>
+                              <m:t>exp</m:t>
+                            </m:r>
+                            <m:r>
+                              <a:rPr lang="fr-FR" sz="2000" b="0" i="1" smtClean="0">
+                                <a:latin typeface="Cambria Math" panose="02040503050406030204" pitchFamily="18" charset="0"/>
+                              </a:rPr>
+                              <m:t>⁡(</m:t>
+                            </m:r>
+                            <m:sSub>
+                              <m:sSubPr>
+                                <m:ctrlPr>
+                                  <a:rPr lang="fr-FR" sz="2000" b="0" i="1" smtClean="0">
+                                    <a:latin typeface="Cambria Math" panose="02040503050406030204" pitchFamily="18" charset="0"/>
+                                  </a:rPr>
+                                </m:ctrlPr>
+                              </m:sSubPr>
+                              <m:e>
+                                <m:r>
+                                  <a:rPr lang="fr-FR" sz="2000" b="0" i="1" smtClean="0">
+                                    <a:latin typeface="Cambria Math" panose="02040503050406030204" pitchFamily="18" charset="0"/>
+                                  </a:rPr>
+                                  <m:t>𝑦</m:t>
+                                </m:r>
+                              </m:e>
+                              <m:sub>
+                                <m:r>
+                                  <a:rPr lang="fr-FR" sz="2000" b="0" i="1" smtClean="0">
+                                    <a:latin typeface="Cambria Math" panose="02040503050406030204" pitchFamily="18" charset="0"/>
+                                  </a:rPr>
+                                  <m:t>𝑘</m:t>
+                                </m:r>
+                              </m:sub>
+                            </m:sSub>
+                            <m:r>
+                              <a:rPr lang="fr-FR" sz="2000" b="0" i="1" smtClean="0">
+                                <a:latin typeface="Cambria Math" panose="02040503050406030204" pitchFamily="18" charset="0"/>
+                              </a:rPr>
+                              <m:t>)</m:t>
+                            </m:r>
+                          </m:e>
+                        </m:nary>
+                      </m:den>
+                    </m:f>
+                  </m:oMath>
+                </a14:m>
+                <a:endParaRPr lang="fr-FR" sz="2000" dirty="0"/>
+              </a:p>
+              <a:p>
+                <a:pPr marL="0" indent="0">
+                  <a:buNone/>
+                </a:pPr>
+                <a:r>
+                  <a:rPr lang="fr-FR" sz="2000" dirty="0"/>
+                  <a:t>La prédiction du modèle est la classe avec la plus grande probabilité.</a:t>
+                </a:r>
+              </a:p>
+              <a:p>
+                <a:pPr marL="0" indent="0">
+                  <a:buNone/>
+                </a:pPr>
+                <a:r>
+                  <a:rPr lang="fr-FR" sz="2000" b="1" dirty="0"/>
+                  <a:t>Remarque</a:t>
+                </a:r>
+                <a:r>
+                  <a:rPr lang="fr-FR" sz="2000" dirty="0"/>
+                  <a:t> : on peut vérifier qu’il s’agit d’une loi de proba: </a:t>
+                </a:r>
+                <a14:m>
+                  <m:oMath xmlns:m="http://schemas.openxmlformats.org/officeDocument/2006/math">
+                    <m:r>
+                      <a:rPr lang="fr-FR" sz="2000" b="0" i="1" smtClean="0">
+                        <a:latin typeface="Cambria Math" panose="02040503050406030204" pitchFamily="18" charset="0"/>
+                      </a:rPr>
+                      <m:t>𝑃</m:t>
+                    </m:r>
+                    <m:d>
+                      <m:dPr>
+                        <m:ctrlPr>
+                          <a:rPr lang="fr-FR" sz="2000" b="0" i="1" smtClean="0">
+                            <a:latin typeface="Cambria Math" panose="02040503050406030204" pitchFamily="18" charset="0"/>
+                          </a:rPr>
+                        </m:ctrlPr>
+                      </m:dPr>
+                      <m:e>
+                        <m:r>
+                          <a:rPr lang="fr-FR" sz="2000" b="0" i="1" smtClean="0">
+                            <a:latin typeface="Cambria Math" panose="02040503050406030204" pitchFamily="18" charset="0"/>
+                          </a:rPr>
+                          <m:t>𝑦</m:t>
+                        </m:r>
+                        <m:r>
+                          <a:rPr lang="fr-FR" sz="2000" b="0" i="1" smtClean="0">
+                            <a:latin typeface="Cambria Math" panose="02040503050406030204" pitchFamily="18" charset="0"/>
+                          </a:rPr>
+                          <m:t>=</m:t>
+                        </m:r>
+                        <m:r>
+                          <a:rPr lang="fr-FR" sz="2000" b="0" i="1" smtClean="0">
+                            <a:latin typeface="Cambria Math" panose="02040503050406030204" pitchFamily="18" charset="0"/>
+                          </a:rPr>
+                          <m:t>𝑖</m:t>
+                        </m:r>
+                      </m:e>
+                      <m:e>
+                        <m:r>
+                          <a:rPr lang="fr-FR" sz="2000" b="0" i="1" smtClean="0">
+                            <a:latin typeface="Cambria Math" panose="02040503050406030204" pitchFamily="18" charset="0"/>
+                          </a:rPr>
+                          <m:t>𝑥</m:t>
+                        </m:r>
+                      </m:e>
+                    </m:d>
+                    <m:r>
+                      <a:rPr lang="fr-FR" sz="2000" b="0" i="1" smtClean="0">
+                        <a:latin typeface="Cambria Math" panose="02040503050406030204" pitchFamily="18" charset="0"/>
+                      </a:rPr>
+                      <m:t>&gt;0</m:t>
+                    </m:r>
+                  </m:oMath>
+                </a14:m>
+                <a:r>
+                  <a:rPr lang="fr-FR" sz="2000" b="1" dirty="0"/>
+                  <a:t> </a:t>
+                </a:r>
+                <a:r>
+                  <a:rPr lang="fr-FR" sz="2000" dirty="0"/>
+                  <a:t>et </a:t>
+                </a:r>
+                <a14:m>
+                  <m:oMath xmlns:m="http://schemas.openxmlformats.org/officeDocument/2006/math">
+                    <m:nary>
+                      <m:naryPr>
+                        <m:chr m:val="∑"/>
+                        <m:ctrlPr>
+                          <a:rPr lang="fr-FR" sz="2000" i="1" smtClean="0">
+                            <a:latin typeface="Cambria Math" panose="02040503050406030204" pitchFamily="18" charset="0"/>
+                          </a:rPr>
+                        </m:ctrlPr>
+                      </m:naryPr>
+                      <m:sub>
+                        <m:r>
+                          <m:rPr>
+                            <m:brk m:alnAt="23"/>
+                          </m:rPr>
+                          <a:rPr lang="fr-FR" sz="2000" b="0" i="1" smtClean="0">
+                            <a:latin typeface="Cambria Math" panose="02040503050406030204" pitchFamily="18" charset="0"/>
+                          </a:rPr>
+                          <m:t>𝑖</m:t>
+                        </m:r>
+                        <m:r>
+                          <a:rPr lang="fr-FR" sz="2000" b="0" i="1" smtClean="0">
+                            <a:latin typeface="Cambria Math" panose="02040503050406030204" pitchFamily="18" charset="0"/>
+                          </a:rPr>
+                          <m:t>=1</m:t>
+                        </m:r>
+                      </m:sub>
+                      <m:sup>
+                        <m:r>
+                          <a:rPr lang="fr-FR" sz="2000" b="0" i="1" smtClean="0">
+                            <a:latin typeface="Cambria Math" panose="02040503050406030204" pitchFamily="18" charset="0"/>
+                          </a:rPr>
+                          <m:t>𝐾</m:t>
+                        </m:r>
+                      </m:sup>
+                      <m:e>
+                        <m:r>
+                          <a:rPr lang="fr-FR" sz="2000" i="1">
+                            <a:latin typeface="Cambria Math" panose="02040503050406030204" pitchFamily="18" charset="0"/>
+                          </a:rPr>
+                          <m:t>𝑃</m:t>
+                        </m:r>
+                        <m:d>
+                          <m:dPr>
+                            <m:ctrlPr>
+                              <a:rPr lang="fr-FR" sz="2000" i="1">
+                                <a:latin typeface="Cambria Math" panose="02040503050406030204" pitchFamily="18" charset="0"/>
+                              </a:rPr>
+                            </m:ctrlPr>
+                          </m:dPr>
+                          <m:e>
+                            <m:r>
+                              <a:rPr lang="fr-FR" sz="2000" i="1">
+                                <a:latin typeface="Cambria Math" panose="02040503050406030204" pitchFamily="18" charset="0"/>
+                              </a:rPr>
+                              <m:t>𝑦</m:t>
+                            </m:r>
+                            <m:r>
+                              <a:rPr lang="fr-FR" sz="2000" i="1">
+                                <a:latin typeface="Cambria Math" panose="02040503050406030204" pitchFamily="18" charset="0"/>
+                              </a:rPr>
+                              <m:t>=</m:t>
+                            </m:r>
+                            <m:r>
+                              <a:rPr lang="fr-FR" sz="2000" i="1">
+                                <a:latin typeface="Cambria Math" panose="02040503050406030204" pitchFamily="18" charset="0"/>
+                              </a:rPr>
+                              <m:t>𝑖</m:t>
+                            </m:r>
+                          </m:e>
+                          <m:e>
+                            <m:r>
+                              <a:rPr lang="fr-FR" sz="2000" i="1">
+                                <a:latin typeface="Cambria Math" panose="02040503050406030204" pitchFamily="18" charset="0"/>
+                              </a:rPr>
+                              <m:t>𝑥</m:t>
+                            </m:r>
+                          </m:e>
+                        </m:d>
+                      </m:e>
+                    </m:nary>
+                    <m:r>
+                      <a:rPr lang="fr-FR" sz="2000" b="0" i="1" smtClean="0">
+                        <a:latin typeface="Cambria Math" panose="02040503050406030204" pitchFamily="18" charset="0"/>
+                      </a:rPr>
+                      <m:t>=1</m:t>
+                    </m:r>
+                  </m:oMath>
+                </a14:m>
+                <a:r>
+                  <a:rPr lang="fr-FR" sz="2000" dirty="0"/>
+                  <a:t>.</a:t>
+                </a:r>
+              </a:p>
+              <a:p>
+                <a:pPr marL="0" indent="0">
+                  <a:buNone/>
+                </a:pPr>
+                <a:endParaRPr lang="fr-FR" sz="2000" dirty="0"/>
+              </a:p>
+              <a:p>
+                <a:pPr marL="0" indent="0">
+                  <a:buNone/>
+                </a:pPr>
+                <a:r>
+                  <a:rPr lang="fr-FR" sz="2000" u="sng" dirty="0"/>
+                  <a:t>Fonction coût</a:t>
+                </a:r>
+                <a:r>
+                  <a:rPr lang="fr-FR" sz="2000" dirty="0"/>
+                  <a:t> :</a:t>
+                </a:r>
+              </a:p>
+              <a:p>
+                <a:pPr marL="0" indent="0">
+                  <a:buNone/>
+                </a:pPr>
+                <a:endParaRPr lang="fr-FR" sz="2000" u="sng" dirty="0">
+                  <a:solidFill>
+                    <a:schemeClr val="tx1">
+                      <a:lumMod val="50000"/>
+                      <a:lumOff val="50000"/>
+                    </a:schemeClr>
+                  </a:solidFill>
+                </a:endParaRPr>
+              </a:p>
+              <a:p>
+                <a:pPr marL="0" indent="0">
+                  <a:buNone/>
+                </a:pPr>
+                <a:endParaRPr lang="fr-FR" sz="2000" dirty="0"/>
+              </a:p>
+              <a:p>
+                <a:pPr marL="0" indent="0">
+                  <a:buNone/>
+                </a:pPr>
+                <a:endParaRPr lang="fr-FR" sz="1600" dirty="0"/>
+              </a:p>
+              <a:p>
+                <a:pPr marL="457200" lvl="1" indent="0">
+                  <a:buNone/>
+                </a:pPr>
+                <a:endParaRPr lang="fr-FR" sz="1600" dirty="0"/>
+              </a:p>
+            </p:txBody>
+          </p:sp>
+        </mc:Choice>
+        <mc:Fallback>
+          <p:sp>
+            <p:nvSpPr>
+              <p:cNvPr id="3" name="Espace réservé du contenu 2">
+                <a:extLst>
+                  <a:ext uri="{FF2B5EF4-FFF2-40B4-BE49-F238E27FC236}">
+                    <a16:creationId xmlns:a16="http://schemas.microsoft.com/office/drawing/2014/main" id="{B59E77B8-2D75-472C-B76C-ABDDE0CAFCD5}"/>
+                  </a:ext>
+                </a:extLst>
+              </p:cNvPr>
+              <p:cNvSpPr>
+                <a:spLocks noGrp="1" noRot="1" noChangeAspect="1" noMove="1" noResize="1" noEditPoints="1" noAdjustHandles="1" noChangeArrowheads="1" noChangeShapeType="1" noTextEdit="1"/>
+              </p:cNvSpPr>
+              <p:nvPr>
+                <p:ph idx="1"/>
+              </p:nvPr>
+            </p:nvSpPr>
+            <p:spPr>
+              <a:xfrm>
+                <a:off x="537750" y="424853"/>
+                <a:ext cx="10839994" cy="6021978"/>
+              </a:xfrm>
+              <a:blipFill>
+                <a:blip r:embed="rId2"/>
+                <a:stretch>
+                  <a:fillRect l="-844" t="-1417"/>
+                </a:stretch>
+              </a:blipFill>
+            </p:spPr>
+            <p:txBody>
+              <a:bodyPr/>
+              <a:lstStyle/>
+              <a:p>
+                <a:r>
+                  <a:rPr lang="en-US">
+                    <a:noFill/>
+                  </a:rPr>
+                  <a:t> </a:t>
+                </a:r>
+              </a:p>
+            </p:txBody>
+          </p:sp>
+        </mc:Fallback>
+      </mc:AlternateContent>
+      <p:grpSp>
+        <p:nvGrpSpPr>
+          <p:cNvPr id="13" name="Groupe 12">
+            <a:extLst>
+              <a:ext uri="{FF2B5EF4-FFF2-40B4-BE49-F238E27FC236}">
+                <a16:creationId xmlns:a16="http://schemas.microsoft.com/office/drawing/2014/main" id="{DF70D310-5731-4AAE-A26A-DBADB504DEEC}"/>
+              </a:ext>
+            </a:extLst>
+          </p:cNvPr>
+          <p:cNvGrpSpPr/>
+          <p:nvPr/>
+        </p:nvGrpSpPr>
+        <p:grpSpPr>
+          <a:xfrm>
+            <a:off x="8059265" y="2356835"/>
+            <a:ext cx="1892187" cy="1646886"/>
+            <a:chOff x="3545222" y="2195849"/>
+            <a:chExt cx="1892187" cy="1646886"/>
+          </a:xfrm>
+        </p:grpSpPr>
+        <mc:AlternateContent xmlns:mc="http://schemas.openxmlformats.org/markup-compatibility/2006">
+          <mc:Choice xmlns:a14="http://schemas.microsoft.com/office/drawing/2010/main" Requires="a14">
+            <p:sp>
+              <p:nvSpPr>
+                <p:cNvPr id="39" name="ZoneTexte 38">
+                  <a:extLst>
+                    <a:ext uri="{FF2B5EF4-FFF2-40B4-BE49-F238E27FC236}">
+                      <a16:creationId xmlns:a16="http://schemas.microsoft.com/office/drawing/2014/main" id="{0ECEA6C9-3006-41D3-A811-6E4FB7D364CE}"/>
+                    </a:ext>
+                  </a:extLst>
+                </p:cNvPr>
+                <p:cNvSpPr txBox="1"/>
+                <p:nvPr/>
+              </p:nvSpPr>
+              <p:spPr>
+                <a:xfrm>
+                  <a:off x="4871088" y="2289428"/>
+                  <a:ext cx="492571" cy="400110"/>
+                </a:xfrm>
+                <a:prstGeom prst="rect">
+                  <a:avLst/>
+                </a:prstGeom>
+                <a:noFill/>
+              </p:spPr>
+              <p:txBody>
+                <a:bodyPr wrap="none" rtlCol="0">
+                  <a:spAutoFit/>
+                </a:bodyPr>
+                <a:lstStyle/>
+                <a:p>
+                  <a14:m>
+                    <m:oMathPara xmlns:m="http://schemas.openxmlformats.org/officeDocument/2006/math">
+                      <m:oMathParaPr>
+                        <m:jc m:val="centerGroup"/>
+                      </m:oMathParaPr>
+                      <m:oMath xmlns:m="http://schemas.openxmlformats.org/officeDocument/2006/math">
+                        <m:sSub>
+                          <m:sSubPr>
+                            <m:ctrlPr>
+                              <a:rPr lang="fr-FR" sz="2000" b="0" i="1" smtClean="0">
+                                <a:latin typeface="Cambria Math" panose="02040503050406030204" pitchFamily="18" charset="0"/>
+                              </a:rPr>
+                            </m:ctrlPr>
+                          </m:sSubPr>
+                          <m:e>
+                            <m:r>
+                              <a:rPr lang="fr-FR" sz="2000" b="0" i="1" smtClean="0">
+                                <a:latin typeface="Cambria Math" panose="02040503050406030204" pitchFamily="18" charset="0"/>
+                              </a:rPr>
+                              <m:t>𝑦</m:t>
+                            </m:r>
+                          </m:e>
+                          <m:sub>
+                            <m:r>
+                              <a:rPr lang="fr-FR" sz="2000" b="0" i="1" smtClean="0">
+                                <a:latin typeface="Cambria Math" panose="02040503050406030204" pitchFamily="18" charset="0"/>
+                              </a:rPr>
+                              <m:t>1</m:t>
+                            </m:r>
+                          </m:sub>
+                        </m:sSub>
+                      </m:oMath>
+                    </m:oMathPara>
+                  </a14:m>
+                  <a:endParaRPr lang="en-US" sz="2000" dirty="0"/>
+                </a:p>
+              </p:txBody>
+            </p:sp>
+          </mc:Choice>
+          <mc:Fallback>
+            <p:sp>
+              <p:nvSpPr>
+                <p:cNvPr id="39" name="ZoneTexte 38">
+                  <a:extLst>
+                    <a:ext uri="{FF2B5EF4-FFF2-40B4-BE49-F238E27FC236}">
+                      <a16:creationId xmlns:a16="http://schemas.microsoft.com/office/drawing/2014/main" id="{0ECEA6C9-3006-41D3-A811-6E4FB7D364CE}"/>
+                    </a:ext>
+                  </a:extLst>
+                </p:cNvPr>
+                <p:cNvSpPr txBox="1">
+                  <a:spLocks noRot="1" noChangeAspect="1" noMove="1" noResize="1" noEditPoints="1" noAdjustHandles="1" noChangeArrowheads="1" noChangeShapeType="1" noTextEdit="1"/>
+                </p:cNvSpPr>
+                <p:nvPr/>
+              </p:nvSpPr>
+              <p:spPr>
+                <a:xfrm>
+                  <a:off x="4871088" y="2289428"/>
+                  <a:ext cx="492571" cy="400110"/>
+                </a:xfrm>
+                <a:prstGeom prst="rect">
+                  <a:avLst/>
+                </a:prstGeom>
+                <a:blipFill>
+                  <a:blip r:embed="rId3"/>
+                  <a:stretch>
+                    <a:fillRect b="-6061"/>
+                  </a:stretch>
+                </a:blipFill>
+              </p:spPr>
+              <p:txBody>
+                <a:bodyPr/>
+                <a:lstStyle/>
+                <a:p>
+                  <a:r>
+                    <a:rPr lang="en-US">
+                      <a:noFill/>
+                    </a:rPr>
+                    <a:t> </a:t>
+                  </a:r>
+                </a:p>
+              </p:txBody>
+            </p:sp>
+          </mc:Fallback>
+        </mc:AlternateContent>
+        <p:sp>
+          <p:nvSpPr>
+            <p:cNvPr id="9" name="Trapèze 8">
+              <a:extLst>
+                <a:ext uri="{FF2B5EF4-FFF2-40B4-BE49-F238E27FC236}">
+                  <a16:creationId xmlns:a16="http://schemas.microsoft.com/office/drawing/2014/main" id="{392D9F08-5F41-40E4-90BD-7D3142D14106}"/>
+                </a:ext>
+              </a:extLst>
+            </p:cNvPr>
+            <p:cNvSpPr/>
+            <p:nvPr/>
+          </p:nvSpPr>
+          <p:spPr>
+            <a:xfrm rot="5400000">
+              <a:off x="3674503" y="2669953"/>
+              <a:ext cx="1646886" cy="698678"/>
+            </a:xfrm>
+            <a:prstGeom prst="trapezoid">
+              <a:avLst>
+                <a:gd name="adj" fmla="val 48963"/>
+              </a:avLst>
+            </a:prstGeom>
+          </p:spPr>
+          <p:style>
+            <a:lnRef idx="2">
+              <a:schemeClr val="accent1">
+                <a:shade val="50000"/>
+              </a:schemeClr>
+            </a:lnRef>
+            <a:fillRef idx="1">
+              <a:schemeClr val="accent1"/>
+            </a:fillRef>
+            <a:effectRef idx="0">
+              <a:schemeClr val="accent1"/>
+            </a:effectRef>
+            <a:fontRef idx="minor">
+              <a:schemeClr val="lt1"/>
+            </a:fontRef>
+          </p:style>
+          <p:txBody>
+            <a:bodyPr rtlCol="0" anchor="ctr"/>
+            <a:lstStyle/>
+            <a:p>
+              <a:pPr algn="ctr"/>
+              <a:r>
+                <a:rPr lang="en-US" dirty="0"/>
+                <a:t>MLP</a:t>
+              </a:r>
+            </a:p>
+          </p:txBody>
+        </p:sp>
+        <p:cxnSp>
+          <p:nvCxnSpPr>
+            <p:cNvPr id="11" name="Connecteur droit avec flèche 10">
+              <a:extLst>
+                <a:ext uri="{FF2B5EF4-FFF2-40B4-BE49-F238E27FC236}">
+                  <a16:creationId xmlns:a16="http://schemas.microsoft.com/office/drawing/2014/main" id="{949A382C-C79C-47A8-B649-274A47094C3E}"/>
+                </a:ext>
+              </a:extLst>
+            </p:cNvPr>
+            <p:cNvCxnSpPr/>
+            <p:nvPr/>
+          </p:nvCxnSpPr>
+          <p:spPr>
+            <a:xfrm>
+              <a:off x="3561001" y="3013653"/>
+              <a:ext cx="540000" cy="0"/>
+            </a:xfrm>
+            <a:prstGeom prst="straightConnector1">
+              <a:avLst/>
+            </a:prstGeom>
+            <a:ln w="12700">
+              <a:tailEnd type="triangle"/>
+            </a:ln>
+          </p:spPr>
+          <p:style>
+            <a:lnRef idx="1">
+              <a:schemeClr val="accent1"/>
+            </a:lnRef>
+            <a:fillRef idx="0">
+              <a:schemeClr val="accent1"/>
+            </a:fillRef>
+            <a:effectRef idx="0">
+              <a:schemeClr val="accent1"/>
+            </a:effectRef>
+            <a:fontRef idx="minor">
+              <a:schemeClr val="tx1"/>
+            </a:fontRef>
+          </p:style>
+        </p:cxnSp>
+        <p:cxnSp>
+          <p:nvCxnSpPr>
+            <p:cNvPr id="38" name="Connecteur droit avec flèche 37">
+              <a:extLst>
+                <a:ext uri="{FF2B5EF4-FFF2-40B4-BE49-F238E27FC236}">
+                  <a16:creationId xmlns:a16="http://schemas.microsoft.com/office/drawing/2014/main" id="{0BD4805A-A68C-479E-9F8D-F6C92646895C}"/>
+                </a:ext>
+              </a:extLst>
+            </p:cNvPr>
+            <p:cNvCxnSpPr/>
+            <p:nvPr/>
+          </p:nvCxnSpPr>
+          <p:spPr>
+            <a:xfrm>
+              <a:off x="4847285" y="2689538"/>
+              <a:ext cx="540000" cy="0"/>
+            </a:xfrm>
+            <a:prstGeom prst="straightConnector1">
+              <a:avLst/>
+            </a:prstGeom>
+            <a:ln w="12700">
+              <a:tailEnd type="triangle"/>
+            </a:ln>
+          </p:spPr>
+          <p:style>
+            <a:lnRef idx="1">
+              <a:schemeClr val="accent1"/>
+            </a:lnRef>
+            <a:fillRef idx="0">
+              <a:schemeClr val="accent1"/>
+            </a:fillRef>
+            <a:effectRef idx="0">
+              <a:schemeClr val="accent1"/>
+            </a:effectRef>
+            <a:fontRef idx="minor">
+              <a:schemeClr val="tx1"/>
+            </a:fontRef>
+          </p:style>
+        </p:cxnSp>
+        <mc:AlternateContent xmlns:mc="http://schemas.openxmlformats.org/markup-compatibility/2006">
+          <mc:Choice xmlns:a14="http://schemas.microsoft.com/office/drawing/2010/main" Requires="a14">
+            <p:sp>
+              <p:nvSpPr>
+                <p:cNvPr id="12" name="ZoneTexte 11">
+                  <a:extLst>
+                    <a:ext uri="{FF2B5EF4-FFF2-40B4-BE49-F238E27FC236}">
+                      <a16:creationId xmlns:a16="http://schemas.microsoft.com/office/drawing/2014/main" id="{39C60361-643A-4A62-878C-B6F36112B0AE}"/>
+                    </a:ext>
+                  </a:extLst>
+                </p:cNvPr>
+                <p:cNvSpPr txBox="1"/>
+                <p:nvPr/>
+              </p:nvSpPr>
+              <p:spPr>
+                <a:xfrm>
+                  <a:off x="3545222" y="2613543"/>
+                  <a:ext cx="386388" cy="400110"/>
+                </a:xfrm>
+                <a:prstGeom prst="rect">
+                  <a:avLst/>
+                </a:prstGeom>
+                <a:noFill/>
+              </p:spPr>
+              <p:txBody>
+                <a:bodyPr wrap="none" rtlCol="0">
+                  <a:spAutoFit/>
+                </a:bodyPr>
+                <a:lstStyle/>
+                <a:p>
+                  <a14:m>
+                    <m:oMathPara xmlns:m="http://schemas.openxmlformats.org/officeDocument/2006/math">
+                      <m:oMathParaPr>
+                        <m:jc m:val="centerGroup"/>
+                      </m:oMathParaPr>
+                      <m:oMath xmlns:m="http://schemas.openxmlformats.org/officeDocument/2006/math">
+                        <m:r>
+                          <a:rPr lang="fr-FR" sz="2000" b="0" i="1" smtClean="0">
+                            <a:latin typeface="Cambria Math" panose="02040503050406030204" pitchFamily="18" charset="0"/>
+                          </a:rPr>
+                          <m:t>𝑥</m:t>
+                        </m:r>
+                      </m:oMath>
+                    </m:oMathPara>
+                  </a14:m>
+                  <a:endParaRPr lang="en-US" sz="2000" dirty="0"/>
+                </a:p>
+              </p:txBody>
+            </p:sp>
+          </mc:Choice>
+          <mc:Fallback>
+            <p:sp>
+              <p:nvSpPr>
+                <p:cNvPr id="12" name="ZoneTexte 11">
+                  <a:extLst>
+                    <a:ext uri="{FF2B5EF4-FFF2-40B4-BE49-F238E27FC236}">
+                      <a16:creationId xmlns:a16="http://schemas.microsoft.com/office/drawing/2014/main" id="{39C60361-643A-4A62-878C-B6F36112B0AE}"/>
+                    </a:ext>
+                  </a:extLst>
+                </p:cNvPr>
+                <p:cNvSpPr txBox="1">
+                  <a:spLocks noRot="1" noChangeAspect="1" noMove="1" noResize="1" noEditPoints="1" noAdjustHandles="1" noChangeArrowheads="1" noChangeShapeType="1" noTextEdit="1"/>
+                </p:cNvSpPr>
+                <p:nvPr/>
+              </p:nvSpPr>
+              <p:spPr>
+                <a:xfrm>
+                  <a:off x="3545222" y="2613543"/>
+                  <a:ext cx="386388" cy="400110"/>
+                </a:xfrm>
+                <a:prstGeom prst="rect">
+                  <a:avLst/>
+                </a:prstGeom>
+                <a:blipFill>
+                  <a:blip r:embed="rId4"/>
+                  <a:stretch>
+                    <a:fillRect/>
+                  </a:stretch>
+                </a:blipFill>
+              </p:spPr>
+              <p:txBody>
+                <a:bodyPr/>
+                <a:lstStyle/>
+                <a:p>
+                  <a:r>
+                    <a:rPr lang="en-US">
+                      <a:noFill/>
+                    </a:rPr>
+                    <a:t> </a:t>
+                  </a:r>
+                </a:p>
+              </p:txBody>
+            </p:sp>
+          </mc:Fallback>
+        </mc:AlternateContent>
+        <mc:AlternateContent xmlns:mc="http://schemas.openxmlformats.org/markup-compatibility/2006">
+          <mc:Choice xmlns:a14="http://schemas.microsoft.com/office/drawing/2010/main" Requires="a14">
+            <p:sp>
+              <p:nvSpPr>
+                <p:cNvPr id="40" name="ZoneTexte 39">
+                  <a:extLst>
+                    <a:ext uri="{FF2B5EF4-FFF2-40B4-BE49-F238E27FC236}">
+                      <a16:creationId xmlns:a16="http://schemas.microsoft.com/office/drawing/2014/main" id="{9565642C-A1B4-4381-971E-650012207AEB}"/>
+                    </a:ext>
+                  </a:extLst>
+                </p:cNvPr>
+                <p:cNvSpPr txBox="1"/>
+                <p:nvPr/>
+              </p:nvSpPr>
+              <p:spPr>
+                <a:xfrm>
+                  <a:off x="4907584" y="3021378"/>
+                  <a:ext cx="529825" cy="400110"/>
+                </a:xfrm>
+                <a:prstGeom prst="rect">
+                  <a:avLst/>
+                </a:prstGeom>
+                <a:noFill/>
+              </p:spPr>
+              <p:txBody>
+                <a:bodyPr wrap="none" rtlCol="0">
+                  <a:spAutoFit/>
+                </a:bodyPr>
+                <a:lstStyle/>
+                <a:p>
+                  <a14:m>
+                    <m:oMathPara xmlns:m="http://schemas.openxmlformats.org/officeDocument/2006/math">
+                      <m:oMathParaPr>
+                        <m:jc m:val="centerGroup"/>
+                      </m:oMathParaPr>
+                      <m:oMath xmlns:m="http://schemas.openxmlformats.org/officeDocument/2006/math">
+                        <m:sSub>
+                          <m:sSubPr>
+                            <m:ctrlPr>
+                              <a:rPr lang="fr-FR" sz="2000" b="0" i="1" smtClean="0">
+                                <a:latin typeface="Cambria Math" panose="02040503050406030204" pitchFamily="18" charset="0"/>
+                              </a:rPr>
+                            </m:ctrlPr>
+                          </m:sSubPr>
+                          <m:e>
+                            <m:r>
+                              <a:rPr lang="fr-FR" sz="2000" b="0" i="1" smtClean="0">
+                                <a:latin typeface="Cambria Math" panose="02040503050406030204" pitchFamily="18" charset="0"/>
+                              </a:rPr>
+                              <m:t>𝑦</m:t>
+                            </m:r>
+                          </m:e>
+                          <m:sub>
+                            <m:r>
+                              <a:rPr lang="fr-FR" sz="2000" b="0" i="1" smtClean="0">
+                                <a:latin typeface="Cambria Math" panose="02040503050406030204" pitchFamily="18" charset="0"/>
+                              </a:rPr>
+                              <m:t>𝐾</m:t>
+                            </m:r>
+                          </m:sub>
+                        </m:sSub>
+                      </m:oMath>
+                    </m:oMathPara>
+                  </a14:m>
+                  <a:endParaRPr lang="en-US" sz="2000" dirty="0"/>
+                </a:p>
+              </p:txBody>
+            </p:sp>
+          </mc:Choice>
+          <mc:Fallback>
+            <p:sp>
+              <p:nvSpPr>
+                <p:cNvPr id="40" name="ZoneTexte 39">
+                  <a:extLst>
+                    <a:ext uri="{FF2B5EF4-FFF2-40B4-BE49-F238E27FC236}">
+                      <a16:creationId xmlns:a16="http://schemas.microsoft.com/office/drawing/2014/main" id="{9565642C-A1B4-4381-971E-650012207AEB}"/>
+                    </a:ext>
+                  </a:extLst>
+                </p:cNvPr>
+                <p:cNvSpPr txBox="1">
+                  <a:spLocks noRot="1" noChangeAspect="1" noMove="1" noResize="1" noEditPoints="1" noAdjustHandles="1" noChangeArrowheads="1" noChangeShapeType="1" noTextEdit="1"/>
+                </p:cNvSpPr>
+                <p:nvPr/>
+              </p:nvSpPr>
+              <p:spPr>
+                <a:xfrm>
+                  <a:off x="4907584" y="3021378"/>
+                  <a:ext cx="529825" cy="400110"/>
+                </a:xfrm>
+                <a:prstGeom prst="rect">
+                  <a:avLst/>
+                </a:prstGeom>
+                <a:blipFill>
+                  <a:blip r:embed="rId5"/>
+                  <a:stretch>
+                    <a:fillRect b="-7576"/>
+                  </a:stretch>
+                </a:blipFill>
+              </p:spPr>
+              <p:txBody>
+                <a:bodyPr/>
+                <a:lstStyle/>
+                <a:p>
+                  <a:r>
+                    <a:rPr lang="en-US">
+                      <a:noFill/>
+                    </a:rPr>
+                    <a:t> </a:t>
+                  </a:r>
+                </a:p>
+              </p:txBody>
+            </p:sp>
+          </mc:Fallback>
+        </mc:AlternateContent>
+        <p:cxnSp>
+          <p:nvCxnSpPr>
+            <p:cNvPr id="41" name="Connecteur droit avec flèche 40">
+              <a:extLst>
+                <a:ext uri="{FF2B5EF4-FFF2-40B4-BE49-F238E27FC236}">
+                  <a16:creationId xmlns:a16="http://schemas.microsoft.com/office/drawing/2014/main" id="{08DEC521-A746-47CD-A3AC-FFA2ABE56AC9}"/>
+                </a:ext>
+              </a:extLst>
+            </p:cNvPr>
+            <p:cNvCxnSpPr/>
+            <p:nvPr/>
+          </p:nvCxnSpPr>
+          <p:spPr>
+            <a:xfrm>
+              <a:off x="4851580" y="3440804"/>
+              <a:ext cx="540000" cy="0"/>
+            </a:xfrm>
+            <a:prstGeom prst="straightConnector1">
+              <a:avLst/>
+            </a:prstGeom>
+            <a:ln w="12700">
+              <a:tailEnd type="triangle"/>
+            </a:ln>
+          </p:spPr>
+          <p:style>
+            <a:lnRef idx="1">
+              <a:schemeClr val="accent1"/>
+            </a:lnRef>
+            <a:fillRef idx="0">
+              <a:schemeClr val="accent1"/>
+            </a:fillRef>
+            <a:effectRef idx="0">
+              <a:schemeClr val="accent1"/>
+            </a:effectRef>
+            <a:fontRef idx="minor">
+              <a:schemeClr val="tx1"/>
+            </a:fontRef>
+          </p:style>
+        </p:cxnSp>
+        <mc:AlternateContent xmlns:mc="http://schemas.openxmlformats.org/markup-compatibility/2006">
+          <mc:Choice xmlns:a14="http://schemas.microsoft.com/office/drawing/2010/main" Requires="a14">
+            <p:sp>
+              <p:nvSpPr>
+                <p:cNvPr id="42" name="ZoneTexte 41">
+                  <a:extLst>
+                    <a:ext uri="{FF2B5EF4-FFF2-40B4-BE49-F238E27FC236}">
+                      <a16:creationId xmlns:a16="http://schemas.microsoft.com/office/drawing/2014/main" id="{63573E1D-05F2-41FC-B8B1-8FD89B3DAD8F}"/>
+                    </a:ext>
+                  </a:extLst>
+                </p:cNvPr>
+                <p:cNvSpPr txBox="1"/>
+                <p:nvPr/>
+              </p:nvSpPr>
+              <p:spPr>
+                <a:xfrm>
+                  <a:off x="4892564" y="2697268"/>
+                  <a:ext cx="434734" cy="400110"/>
+                </a:xfrm>
+                <a:prstGeom prst="rect">
+                  <a:avLst/>
+                </a:prstGeom>
+                <a:noFill/>
+              </p:spPr>
+              <p:txBody>
+                <a:bodyPr wrap="none" rtlCol="0">
+                  <a:spAutoFit/>
+                </a:bodyPr>
+                <a:lstStyle/>
+                <a:p>
+                  <a14:m>
+                    <m:oMathPara xmlns:m="http://schemas.openxmlformats.org/officeDocument/2006/math">
+                      <m:oMathParaPr>
+                        <m:jc m:val="centerGroup"/>
+                      </m:oMathParaPr>
+                      <m:oMath xmlns:m="http://schemas.openxmlformats.org/officeDocument/2006/math">
+                        <m:r>
+                          <a:rPr lang="fr-FR" sz="2000" b="0" i="1" smtClean="0">
+                            <a:latin typeface="Cambria Math" panose="02040503050406030204" pitchFamily="18" charset="0"/>
+                          </a:rPr>
+                          <m:t>…</m:t>
+                        </m:r>
+                      </m:oMath>
+                    </m:oMathPara>
+                  </a14:m>
+                  <a:endParaRPr lang="fr-FR" sz="2000" b="0" dirty="0"/>
+                </a:p>
+              </p:txBody>
+            </p:sp>
+          </mc:Choice>
+          <mc:Fallback>
+            <p:sp>
+              <p:nvSpPr>
+                <p:cNvPr id="42" name="ZoneTexte 41">
+                  <a:extLst>
+                    <a:ext uri="{FF2B5EF4-FFF2-40B4-BE49-F238E27FC236}">
+                      <a16:creationId xmlns:a16="http://schemas.microsoft.com/office/drawing/2014/main" id="{63573E1D-05F2-41FC-B8B1-8FD89B3DAD8F}"/>
+                    </a:ext>
+                  </a:extLst>
+                </p:cNvPr>
+                <p:cNvSpPr txBox="1">
+                  <a:spLocks noRot="1" noChangeAspect="1" noMove="1" noResize="1" noEditPoints="1" noAdjustHandles="1" noChangeArrowheads="1" noChangeShapeType="1" noTextEdit="1"/>
+                </p:cNvSpPr>
+                <p:nvPr/>
+              </p:nvSpPr>
+              <p:spPr>
+                <a:xfrm>
+                  <a:off x="4892564" y="2697268"/>
+                  <a:ext cx="434734" cy="400110"/>
+                </a:xfrm>
+                <a:prstGeom prst="rect">
+                  <a:avLst/>
+                </a:prstGeom>
+                <a:blipFill>
+                  <a:blip r:embed="rId6"/>
+                  <a:stretch>
+                    <a:fillRect/>
+                  </a:stretch>
+                </a:blipFill>
+              </p:spPr>
+              <p:txBody>
+                <a:bodyPr/>
+                <a:lstStyle/>
+                <a:p>
+                  <a:r>
+                    <a:rPr lang="en-US">
+                      <a:noFill/>
+                    </a:rPr>
+                    <a:t> </a:t>
+                  </a:r>
+                </a:p>
+              </p:txBody>
+            </p:sp>
+          </mc:Fallback>
+        </mc:AlternateContent>
+      </p:grpSp>
+    </p:spTree>
+    <p:extLst>
+      <p:ext uri="{BB962C8B-B14F-4D97-AF65-F5344CB8AC3E}">
+        <p14:creationId xmlns:p14="http://schemas.microsoft.com/office/powerpoint/2010/main" val="3790503697"/>
+      </p:ext>
+    </p:extLst>
+  </p:cSld>
+  <p:clrMapOvr>
+    <a:masterClrMapping/>
+  </p:clrMapOvr>
+</p:sld>
+</file>
+
+<file path=ppt/slides/slide26.xml><?xml version="1.0" encoding="utf-8"?>
+<p:sld xmlns:a="http://schemas.openxmlformats.org/drawingml/2006/main" xmlns:r="http://schemas.openxmlformats.org/officeDocument/2006/relationships" xmlns:p="http://schemas.openxmlformats.org/presentationml/2006/main">
+  <p:cSld>
+    <p:spTree>
+      <p:nvGrpSpPr>
+        <p:cNvPr id="1" name=""/>
+        <p:cNvGrpSpPr/>
+        <p:nvPr/>
+      </p:nvGrpSpPr>
+      <p:grpSpPr>
+        <a:xfrm>
+          <a:off x="0" y="0"/>
+          <a:ext cx="0" cy="0"/>
+          <a:chOff x="0" y="0"/>
+          <a:chExt cx="0" cy="0"/>
+        </a:xfrm>
+      </p:grpSpPr>
+      <p:sp>
+        <p:nvSpPr>
+          <p:cNvPr id="3" name="Espace réservé du contenu 2">
+            <a:extLst>
+              <a:ext uri="{FF2B5EF4-FFF2-40B4-BE49-F238E27FC236}">
+                <a16:creationId xmlns:a16="http://schemas.microsoft.com/office/drawing/2014/main" id="{B59E77B8-2D75-472C-B76C-ABDDE0CAFCD5}"/>
+              </a:ext>
+            </a:extLst>
+          </p:cNvPr>
+          <p:cNvSpPr>
+            <a:spLocks noGrp="1"/>
+          </p:cNvSpPr>
+          <p:nvPr>
+            <p:ph idx="1"/>
+          </p:nvPr>
+        </p:nvSpPr>
+        <p:spPr>
+          <a:xfrm>
+            <a:off x="537750" y="424853"/>
+            <a:ext cx="10839994" cy="6021978"/>
+          </a:xfrm>
+        </p:spPr>
+        <p:txBody>
+          <a:bodyPr>
+            <a:normAutofit/>
+          </a:bodyPr>
+          <a:lstStyle/>
+          <a:p>
+            <a:pPr marL="0" indent="0">
+              <a:buNone/>
+            </a:pPr>
+            <a:r>
+              <a:rPr lang="fr-FR" sz="2400" u="sng" dirty="0"/>
+              <a:t>Exemple: Titanic</a:t>
+            </a:r>
+          </a:p>
+          <a:p>
+            <a:pPr marL="0" indent="0">
+              <a:buNone/>
+            </a:pPr>
+            <a:r>
+              <a:rPr lang="fr-FR" sz="2000" u="sng" dirty="0">
+                <a:solidFill>
+                  <a:schemeClr val="tx1">
+                    <a:lumMod val="50000"/>
+                    <a:lumOff val="50000"/>
+                  </a:schemeClr>
+                </a:solidFill>
+              </a:rPr>
+              <a:t>Données</a:t>
+            </a:r>
+            <a:r>
+              <a:rPr lang="fr-FR" sz="2000" dirty="0">
+                <a:solidFill>
+                  <a:schemeClr val="tx1">
+                    <a:lumMod val="50000"/>
+                    <a:lumOff val="50000"/>
+                  </a:schemeClr>
+                </a:solidFill>
+              </a:rPr>
+              <a:t> : pour 891 passagers, le prix de leur billet, leur genre</a:t>
+            </a:r>
+          </a:p>
+          <a:p>
+            <a:pPr marL="0" indent="0">
+              <a:buNone/>
+            </a:pPr>
+            <a:r>
+              <a:rPr lang="fr-FR" sz="2000" dirty="0">
+                <a:solidFill>
+                  <a:schemeClr val="tx1">
+                    <a:lumMod val="50000"/>
+                    <a:lumOff val="50000"/>
+                  </a:schemeClr>
+                </a:solidFill>
+              </a:rPr>
+              <a:t>(H/F), tarif de leur billet, classe de leur cabine, un identifiant et</a:t>
+            </a:r>
+          </a:p>
+          <a:p>
+            <a:pPr marL="0" indent="0">
+              <a:buNone/>
+            </a:pPr>
+            <a:r>
+              <a:rPr lang="fr-FR" sz="2000" dirty="0">
+                <a:solidFill>
+                  <a:schemeClr val="tx1">
+                    <a:lumMod val="50000"/>
+                    <a:lumOff val="50000"/>
+                  </a:schemeClr>
+                </a:solidFill>
+              </a:rPr>
+              <a:t>si ils ont survécu</a:t>
+            </a:r>
+            <a:r>
+              <a:rPr lang="fr-FR" sz="2000" i="1" dirty="0">
+                <a:solidFill>
+                  <a:schemeClr val="tx1">
+                    <a:lumMod val="50000"/>
+                    <a:lumOff val="50000"/>
+                  </a:schemeClr>
+                </a:solidFill>
+              </a:rPr>
+              <a:t>.</a:t>
+            </a:r>
+          </a:p>
+          <a:p>
+            <a:pPr marL="0" indent="0">
+              <a:buNone/>
+            </a:pPr>
+            <a:r>
+              <a:rPr lang="fr-FR" sz="2000" u="sng" dirty="0">
+                <a:solidFill>
+                  <a:schemeClr val="tx1">
+                    <a:lumMod val="50000"/>
+                    <a:lumOff val="50000"/>
+                  </a:schemeClr>
+                </a:solidFill>
+              </a:rPr>
+              <a:t>Problème</a:t>
+            </a:r>
+            <a:r>
+              <a:rPr lang="fr-FR" sz="2000" dirty="0">
+                <a:solidFill>
+                  <a:schemeClr val="tx1">
+                    <a:lumMod val="50000"/>
+                    <a:lumOff val="50000"/>
+                  </a:schemeClr>
+                </a:solidFill>
+              </a:rPr>
+              <a:t> : entraîner un modèle qui prédise si un passager </a:t>
+            </a:r>
+          </a:p>
+          <a:p>
+            <a:pPr marL="0" indent="0">
+              <a:buNone/>
+            </a:pPr>
+            <a:r>
+              <a:rPr lang="fr-FR" sz="2000" dirty="0">
+                <a:solidFill>
+                  <a:schemeClr val="tx1">
+                    <a:lumMod val="50000"/>
+                    <a:lumOff val="50000"/>
+                  </a:schemeClr>
+                </a:solidFill>
+              </a:rPr>
+              <a:t>a survécu.</a:t>
+            </a:r>
+            <a:endParaRPr lang="fr-FR" sz="2000" u="sng" dirty="0">
+              <a:solidFill>
+                <a:schemeClr val="tx1">
+                  <a:lumMod val="50000"/>
+                  <a:lumOff val="50000"/>
+                </a:schemeClr>
+              </a:solidFill>
+            </a:endParaRPr>
+          </a:p>
+          <a:p>
+            <a:pPr marL="0" indent="0">
+              <a:buNone/>
+            </a:pPr>
+            <a:endParaRPr lang="fr-FR" sz="2000" dirty="0"/>
+          </a:p>
+          <a:p>
+            <a:pPr marL="0" indent="0">
+              <a:buNone/>
+            </a:pPr>
+            <a:endParaRPr lang="fr-FR" sz="1600" dirty="0"/>
+          </a:p>
+          <a:p>
+            <a:pPr marL="457200" lvl="1" indent="0">
+              <a:buNone/>
+            </a:pPr>
+            <a:endParaRPr lang="fr-FR" sz="1600" dirty="0"/>
+          </a:p>
+        </p:txBody>
+      </p:sp>
+      <p:pic>
+        <p:nvPicPr>
+          <p:cNvPr id="8" name="Image 7">
+            <a:extLst>
+              <a:ext uri="{FF2B5EF4-FFF2-40B4-BE49-F238E27FC236}">
+                <a16:creationId xmlns:a16="http://schemas.microsoft.com/office/drawing/2014/main" id="{2669EE31-9E46-4CC4-9EAF-95714FEE27CE}"/>
+              </a:ext>
+            </a:extLst>
+          </p:cNvPr>
+          <p:cNvPicPr>
+            <a:picLocks noChangeAspect="1"/>
+          </p:cNvPicPr>
+          <p:nvPr/>
+        </p:nvPicPr>
+        <p:blipFill>
+          <a:blip r:embed="rId2">
+            <a:extLst>
+              <a:ext uri="{28A0092B-C50C-407E-A947-70E740481C1C}">
+                <a14:useLocalDpi xmlns:a14="http://schemas.microsoft.com/office/drawing/2010/main" val="0"/>
+              </a:ext>
+            </a:extLst>
+          </a:blip>
+          <a:stretch>
+            <a:fillRect/>
+          </a:stretch>
+        </p:blipFill>
+        <p:spPr>
+          <a:xfrm>
+            <a:off x="7264092" y="424853"/>
+            <a:ext cx="4701510" cy="2407172"/>
+          </a:xfrm>
+          <a:prstGeom prst="rect">
+            <a:avLst/>
+          </a:prstGeom>
+        </p:spPr>
+      </p:pic>
+    </p:spTree>
+    <p:extLst>
+      <p:ext uri="{BB962C8B-B14F-4D97-AF65-F5344CB8AC3E}">
+        <p14:creationId xmlns:p14="http://schemas.microsoft.com/office/powerpoint/2010/main" val="256727329"/>
+      </p:ext>
+    </p:extLst>
+  </p:cSld>
+  <p:clrMapOvr>
+    <a:masterClrMapping/>
+  </p:clrMapOvr>
+</p:sld>
+</file>
+
+<file path=ppt/slides/slide27.xml><?xml version="1.0" encoding="utf-8"?>
+<p:sld xmlns:a="http://schemas.openxmlformats.org/drawingml/2006/main" xmlns:r="http://schemas.openxmlformats.org/officeDocument/2006/relationships" xmlns:p="http://schemas.openxmlformats.org/presentationml/2006/main">
+  <p:cSld>
+    <p:spTree>
+      <p:nvGrpSpPr>
+        <p:cNvPr id="1" name=""/>
+        <p:cNvGrpSpPr/>
+        <p:nvPr/>
+      </p:nvGrpSpPr>
+      <p:grpSpPr>
+        <a:xfrm>
+          <a:off x="0" y="0"/>
+          <a:ext cx="0" cy="0"/>
+          <a:chOff x="0" y="0"/>
+          <a:chExt cx="0" cy="0"/>
+        </a:xfrm>
+      </p:grpSpPr>
+      <mc:AlternateContent xmlns:mc="http://schemas.openxmlformats.org/markup-compatibility/2006">
+        <mc:Choice xmlns:a14="http://schemas.microsoft.com/office/drawing/2010/main" Requires="a14">
+          <p:sp>
+            <p:nvSpPr>
+              <p:cNvPr id="3" name="Espace réservé du contenu 2">
+                <a:extLst>
+                  <a:ext uri="{FF2B5EF4-FFF2-40B4-BE49-F238E27FC236}">
+                    <a16:creationId xmlns:a16="http://schemas.microsoft.com/office/drawing/2014/main" id="{B59E77B8-2D75-472C-B76C-ABDDE0CAFCD5}"/>
+                  </a:ext>
+                </a:extLst>
+              </p:cNvPr>
+              <p:cNvSpPr>
+                <a:spLocks noGrp="1"/>
+              </p:cNvSpPr>
+              <p:nvPr>
+                <p:ph idx="1"/>
+              </p:nvPr>
+            </p:nvSpPr>
+            <p:spPr>
+              <a:xfrm>
+                <a:off x="537750" y="424853"/>
+                <a:ext cx="10839994" cy="6021978"/>
+              </a:xfrm>
+            </p:spPr>
+            <p:txBody>
+              <a:bodyPr>
+                <a:normAutofit/>
+              </a:bodyPr>
+              <a:lstStyle/>
+              <a:p>
+                <a:pPr marL="0" indent="0">
+                  <a:buNone/>
+                </a:pPr>
+                <a:r>
+                  <a:rPr lang="fr-FR" sz="2000" u="sng" dirty="0"/>
+                  <a:t>Analyse des données</a:t>
+                </a:r>
+                <a:r>
+                  <a:rPr lang="fr-FR" sz="2000" dirty="0"/>
+                  <a:t> :</a:t>
+                </a:r>
+              </a:p>
+              <a:p>
+                <a:r>
+                  <a:rPr lang="fr-FR" sz="2000" dirty="0"/>
+                  <a:t>Type de données : numérique, catégorie (binaire, multiple).</a:t>
+                </a:r>
+              </a:p>
+              <a:p>
+                <a:pPr marL="457200" lvl="1" indent="0">
+                  <a:buNone/>
+                </a:pPr>
+                <a:r>
+                  <a:rPr lang="fr-FR" sz="1600" dirty="0"/>
+                  <a:t>Les entrées de type multi-catégories sont mal adaptées aux MLP </a:t>
+                </a:r>
+                <a14:m>
+                  <m:oMath xmlns:m="http://schemas.openxmlformats.org/officeDocument/2006/math">
+                    <m:r>
+                      <a:rPr lang="fr-FR" sz="1600" b="0" i="1" smtClean="0">
+                        <a:latin typeface="Cambria Math" panose="02040503050406030204" pitchFamily="18" charset="0"/>
+                      </a:rPr>
+                      <m:t>⇒</m:t>
+                    </m:r>
+                  </m:oMath>
+                </a14:m>
+                <a:r>
+                  <a:rPr lang="fr-FR" sz="1600" dirty="0"/>
+                  <a:t> changement de représentation (</a:t>
+                </a:r>
+                <a:r>
+                  <a:rPr lang="fr-FR" sz="1600" i="1" dirty="0"/>
+                  <a:t>one hot </a:t>
+                </a:r>
+                <a:r>
+                  <a:rPr lang="fr-FR" sz="1600" i="1" dirty="0" err="1"/>
+                  <a:t>encoding</a:t>
+                </a:r>
+                <a:r>
+                  <a:rPr lang="fr-FR" sz="1600" i="1" dirty="0"/>
+                  <a:t>),</a:t>
+                </a:r>
+              </a:p>
+              <a:p>
+                <a:pPr marL="457200" lvl="1" indent="0">
+                  <a:buNone/>
+                </a:pPr>
+                <a:r>
+                  <a:rPr lang="fr-FR" sz="1600" dirty="0"/>
+                  <a:t>e.g. les catégories {0, 1, 2, 3} seront représentées par {[0,0], [0, 1], [1, 0], [1, 1]}.</a:t>
+                </a:r>
+              </a:p>
+              <a:p>
+                <a:r>
+                  <a:rPr lang="fr-FR" sz="2000" dirty="0"/>
+                  <a:t>Statistique simple : moyennes, écart-types, min, max.</a:t>
+                </a:r>
+              </a:p>
+              <a:p>
+                <a:r>
+                  <a:rPr lang="fr-FR" sz="2000" dirty="0"/>
+                  <a:t>Corrélations : </a:t>
+                </a:r>
+              </a:p>
+              <a:p>
+                <a:pPr marL="457200" lvl="1" indent="0">
+                  <a:buNone/>
+                </a:pPr>
+                <a:r>
+                  <a:rPr lang="fr-FR" sz="1600" dirty="0"/>
+                  <a:t>Coefficient de Pearson (</a:t>
+                </a:r>
+                <a14:m>
+                  <m:oMath xmlns:m="http://schemas.openxmlformats.org/officeDocument/2006/math">
+                    <m:r>
+                      <a:rPr lang="fr-FR" sz="1600" b="0" i="1" smtClean="0">
+                        <a:latin typeface="Cambria Math" panose="02040503050406030204" pitchFamily="18" charset="0"/>
+                      </a:rPr>
+                      <m:t>𝑟</m:t>
+                    </m:r>
+                  </m:oMath>
+                </a14:m>
+                <a:r>
+                  <a:rPr lang="fr-FR" sz="1600" dirty="0"/>
+                  <a:t> ou </a:t>
+                </a:r>
+                <a14:m>
+                  <m:oMath xmlns:m="http://schemas.openxmlformats.org/officeDocument/2006/math">
+                    <m:r>
+                      <a:rPr lang="fr-FR" sz="1600" b="0" i="1" smtClean="0">
+                        <a:latin typeface="Cambria Math" panose="02040503050406030204" pitchFamily="18" charset="0"/>
+                      </a:rPr>
+                      <m:t>𝑅</m:t>
+                    </m:r>
+                  </m:oMath>
+                </a14:m>
+                <a:r>
+                  <a:rPr lang="fr-FR" sz="1600" dirty="0"/>
+                  <a:t>) : mesure de la force et de la direction de la relation </a:t>
+                </a:r>
+                <a:r>
+                  <a:rPr lang="fr-FR" sz="1600" i="1" dirty="0"/>
+                  <a:t>linéaire</a:t>
+                </a:r>
+                <a:r>
+                  <a:rPr lang="fr-FR" sz="1600" dirty="0"/>
+                  <a:t> entre deux variables.</a:t>
+                </a:r>
+              </a:p>
+              <a:p>
+                <a:pPr marL="457200" lvl="1" indent="0">
+                  <a:buNone/>
+                </a:pPr>
+                <a14:m>
+                  <m:oMath xmlns:m="http://schemas.openxmlformats.org/officeDocument/2006/math">
+                    <m:r>
+                      <a:rPr lang="fr-FR" sz="1600" b="0" i="1" smtClean="0">
+                        <a:latin typeface="Cambria Math" panose="02040503050406030204" pitchFamily="18" charset="0"/>
+                      </a:rPr>
+                      <m:t>−1≤</m:t>
+                    </m:r>
+                    <m:r>
+                      <a:rPr lang="fr-FR" sz="1600" b="0" i="1" smtClean="0">
+                        <a:latin typeface="Cambria Math" panose="02040503050406030204" pitchFamily="18" charset="0"/>
+                      </a:rPr>
+                      <m:t>𝑟</m:t>
+                    </m:r>
+                    <m:r>
+                      <a:rPr lang="fr-FR" sz="1600" b="0" i="1" smtClean="0">
+                        <a:latin typeface="Cambria Math" panose="02040503050406030204" pitchFamily="18" charset="0"/>
+                      </a:rPr>
+                      <m:t>≤1</m:t>
+                    </m:r>
+                  </m:oMath>
+                </a14:m>
+                <a:r>
+                  <a:rPr lang="fr-FR" sz="1600" dirty="0"/>
+                  <a:t> avec </a:t>
+                </a:r>
+                <a:r>
+                  <a:rPr lang="en-US" sz="1600" dirty="0"/>
+                  <a:t>relation </a:t>
+                </a:r>
+                <a:r>
+                  <a:rPr lang="en-US" sz="1600" dirty="0" err="1"/>
+                  <a:t>linéaire</a:t>
+                </a:r>
+                <a:r>
+                  <a:rPr lang="en-US" sz="1600" dirty="0"/>
+                  <a:t> positive parfait pour </a:t>
+                </a:r>
+                <a14:m>
+                  <m:oMath xmlns:m="http://schemas.openxmlformats.org/officeDocument/2006/math">
+                    <m:r>
+                      <a:rPr lang="fr-FR" sz="1600" b="0" i="1" smtClean="0">
+                        <a:latin typeface="Cambria Math" panose="02040503050406030204" pitchFamily="18" charset="0"/>
+                      </a:rPr>
+                      <m:t>𝑟</m:t>
+                    </m:r>
+                    <m:r>
+                      <a:rPr lang="fr-FR" sz="1600" b="0" i="1" smtClean="0">
+                        <a:latin typeface="Cambria Math" panose="02040503050406030204" pitchFamily="18" charset="0"/>
+                      </a:rPr>
+                      <m:t>=1</m:t>
+                    </m:r>
+                  </m:oMath>
+                </a14:m>
+                <a:r>
+                  <a:rPr lang="fr-FR" sz="1600" dirty="0"/>
+                  <a:t>, aucune relation pour </a:t>
+                </a:r>
+                <a14:m>
+                  <m:oMath xmlns:m="http://schemas.openxmlformats.org/officeDocument/2006/math">
+                    <m:r>
+                      <a:rPr lang="fr-FR" sz="1600" b="0" i="1" smtClean="0">
+                        <a:latin typeface="Cambria Math" panose="02040503050406030204" pitchFamily="18" charset="0"/>
+                      </a:rPr>
+                      <m:t>𝑟</m:t>
+                    </m:r>
+                    <m:r>
+                      <a:rPr lang="fr-FR" sz="1600" b="0" i="1" smtClean="0">
+                        <a:latin typeface="Cambria Math" panose="02040503050406030204" pitchFamily="18" charset="0"/>
+                      </a:rPr>
+                      <m:t>=0</m:t>
+                    </m:r>
+                  </m:oMath>
+                </a14:m>
+                <a:r>
+                  <a:rPr lang="fr-FR" sz="1600" dirty="0"/>
+                  <a:t>.</a:t>
+                </a:r>
+                <a:endParaRPr lang="fr-FR" sz="2000" u="sng" dirty="0"/>
+              </a:p>
+              <a:p>
+                <a:pPr marL="0" indent="0">
+                  <a:buNone/>
+                </a:pPr>
+                <a:endParaRPr lang="fr-FR" sz="2000" u="sng" dirty="0"/>
+              </a:p>
+              <a:p>
+                <a:pPr marL="0" indent="0">
+                  <a:buNone/>
+                </a:pPr>
+                <a:r>
+                  <a:rPr lang="fr-FR" sz="2000" u="sng" dirty="0"/>
+                  <a:t>Corrélation (Titanic)</a:t>
+                </a:r>
+                <a:r>
+                  <a:rPr lang="fr-FR" sz="2000" dirty="0"/>
+                  <a:t> :</a:t>
+                </a:r>
+              </a:p>
+              <a:p>
+                <a:pPr marL="0" indent="0">
+                  <a:buNone/>
+                </a:pPr>
+                <a:endParaRPr lang="fr-FR" sz="2000" dirty="0"/>
+              </a:p>
+              <a:p>
+                <a:pPr marL="0" indent="0">
+                  <a:buNone/>
+                </a:pPr>
+                <a:endParaRPr lang="fr-FR" sz="1600" dirty="0"/>
+              </a:p>
+              <a:p>
+                <a:pPr marL="457200" lvl="1" indent="0">
+                  <a:buNone/>
+                </a:pPr>
+                <a:endParaRPr lang="fr-FR" sz="1600" dirty="0"/>
+              </a:p>
+            </p:txBody>
+          </p:sp>
+        </mc:Choice>
+        <mc:Fallback>
+          <p:sp>
+            <p:nvSpPr>
+              <p:cNvPr id="3" name="Espace réservé du contenu 2">
+                <a:extLst>
+                  <a:ext uri="{FF2B5EF4-FFF2-40B4-BE49-F238E27FC236}">
+                    <a16:creationId xmlns:a16="http://schemas.microsoft.com/office/drawing/2014/main" id="{B59E77B8-2D75-472C-B76C-ABDDE0CAFCD5}"/>
+                  </a:ext>
+                </a:extLst>
+              </p:cNvPr>
+              <p:cNvSpPr>
+                <a:spLocks noGrp="1" noRot="1" noChangeAspect="1" noMove="1" noResize="1" noEditPoints="1" noAdjustHandles="1" noChangeArrowheads="1" noChangeShapeType="1" noTextEdit="1"/>
+              </p:cNvSpPr>
+              <p:nvPr>
+                <p:ph idx="1"/>
+              </p:nvPr>
+            </p:nvSpPr>
+            <p:spPr>
+              <a:xfrm>
+                <a:off x="537750" y="424853"/>
+                <a:ext cx="10839994" cy="6021978"/>
+              </a:xfrm>
+              <a:blipFill>
+                <a:blip r:embed="rId2"/>
+                <a:stretch>
+                  <a:fillRect l="-562" t="-1113"/>
+                </a:stretch>
+              </a:blipFill>
+            </p:spPr>
+            <p:txBody>
+              <a:bodyPr/>
+              <a:lstStyle/>
+              <a:p>
+                <a:r>
+                  <a:rPr lang="en-US">
+                    <a:noFill/>
+                  </a:rPr>
+                  <a:t> </a:t>
+                </a:r>
+              </a:p>
+            </p:txBody>
+          </p:sp>
+        </mc:Fallback>
+      </mc:AlternateContent>
+      <p:pic>
+        <p:nvPicPr>
+          <p:cNvPr id="4" name="Image 3">
+            <a:extLst>
+              <a:ext uri="{FF2B5EF4-FFF2-40B4-BE49-F238E27FC236}">
+                <a16:creationId xmlns:a16="http://schemas.microsoft.com/office/drawing/2014/main" id="{F826F0BA-804C-474F-BE6B-C3418FAB6A78}"/>
+              </a:ext>
+            </a:extLst>
+          </p:cNvPr>
+          <p:cNvPicPr>
+            <a:picLocks noChangeAspect="1"/>
+          </p:cNvPicPr>
+          <p:nvPr/>
+        </p:nvPicPr>
+        <p:blipFill>
+          <a:blip r:embed="rId3"/>
+          <a:stretch>
+            <a:fillRect/>
+          </a:stretch>
+        </p:blipFill>
+        <p:spPr>
+          <a:xfrm>
+            <a:off x="6424411" y="3514977"/>
+            <a:ext cx="4342857" cy="3200000"/>
+          </a:xfrm>
+          <a:prstGeom prst="rect">
+            <a:avLst/>
+          </a:prstGeom>
+        </p:spPr>
+      </p:pic>
+    </p:spTree>
+    <p:extLst>
+      <p:ext uri="{BB962C8B-B14F-4D97-AF65-F5344CB8AC3E}">
+        <p14:creationId xmlns:p14="http://schemas.microsoft.com/office/powerpoint/2010/main" val="2363380781"/>
+      </p:ext>
+    </p:extLst>
+  </p:cSld>
+  <p:clrMapOvr>
+    <a:masterClrMapping/>
+  </p:clrMapOvr>
+</p:sld>
+</file>
+
+<file path=ppt/slides/slide28.xml><?xml version="1.0" encoding="utf-8"?>
+<p:sld xmlns:a="http://schemas.openxmlformats.org/drawingml/2006/main" xmlns:r="http://schemas.openxmlformats.org/officeDocument/2006/relationships" xmlns:p="http://schemas.openxmlformats.org/presentationml/2006/main">
+  <p:cSld>
+    <p:spTree>
+      <p:nvGrpSpPr>
+        <p:cNvPr id="1" name=""/>
+        <p:cNvGrpSpPr/>
+        <p:nvPr/>
+      </p:nvGrpSpPr>
+      <p:grpSpPr>
+        <a:xfrm>
+          <a:off x="0" y="0"/>
+          <a:ext cx="0" cy="0"/>
+          <a:chOff x="0" y="0"/>
+          <a:chExt cx="0" cy="0"/>
+        </a:xfrm>
+      </p:grpSpPr>
       <p:sp>
         <p:nvSpPr>
           <p:cNvPr id="7" name="Titre 6">
@@ -17572,7 +20475,11 @@
             </a:br>
             <a:r>
               <a:rPr lang="fr-FR" sz="3200" dirty="0"/>
-              <a:t>	4.2. </a:t>
+              <a:t>	4.2. Principaux </a:t>
+            </a:r>
+            <a:r>
+              <a:rPr lang="fr-FR" sz="3200" dirty="0" err="1"/>
+              <a:t>RNNs</a:t>
             </a:r>
             <a:br>
               <a:rPr lang="fr-FR" sz="3200" dirty="0"/>
@@ -17585,6 +20492,36 @@
           </a:p>
         </p:txBody>
       </p:sp>
+      <p:pic>
+        <p:nvPicPr>
+          <p:cNvPr id="39" name="Image 38">
+            <a:extLst>
+              <a:ext uri="{FF2B5EF4-FFF2-40B4-BE49-F238E27FC236}">
+                <a16:creationId xmlns:a16="http://schemas.microsoft.com/office/drawing/2014/main" id="{6FA68394-515F-48D9-951E-E1BDBD759F65}"/>
+              </a:ext>
+            </a:extLst>
+          </p:cNvPr>
+          <p:cNvPicPr>
+            <a:picLocks noChangeAspect="1"/>
+          </p:cNvPicPr>
+          <p:nvPr/>
+        </p:nvPicPr>
+        <p:blipFill>
+          <a:blip r:embed="rId2"/>
+          <a:stretch>
+            <a:fillRect/>
+          </a:stretch>
+        </p:blipFill>
+        <p:spPr>
+          <a:xfrm>
+            <a:off x="4281266" y="3063396"/>
+            <a:ext cx="3172268" cy="3429479"/>
+          </a:xfrm>
+          <a:prstGeom prst="rect">
+            <a:avLst/>
+          </a:prstGeom>
+        </p:spPr>
+      </p:pic>
     </p:spTree>
     <p:extLst>
       <p:ext uri="{BB962C8B-B14F-4D97-AF65-F5344CB8AC3E}">
@@ -17598,7 +20535,7 @@
 </p:sld>
 </file>
 
-<file path=ppt/slides/slide25.xml><?xml version="1.0" encoding="utf-8"?>
+<file path=ppt/slides/slide29.xml><?xml version="1.0" encoding="utf-8"?>
 <p:sld xmlns:a="http://schemas.openxmlformats.org/drawingml/2006/main" xmlns:r="http://schemas.openxmlformats.org/officeDocument/2006/relationships" xmlns:p="http://schemas.openxmlformats.org/presentationml/2006/main">
   <p:cSld>
     <p:spTree>
@@ -17666,8 +20603,8 @@
           </a:p>
         </p:txBody>
       </p:sp>
-      <mc:AlternateContent xmlns:mc="http://schemas.openxmlformats.org/markup-compatibility/2006">
-        <mc:Choice xmlns:a14="http://schemas.microsoft.com/office/drawing/2010/main" Requires="a14">
+      <mc:AlternateContent xmlns:mc="http://schemas.openxmlformats.org/markup-compatibility/2006" xmlns:a14="http://schemas.microsoft.com/office/drawing/2010/main">
+        <mc:Choice Requires="a14">
           <p:sp>
             <p:nvSpPr>
               <p:cNvPr id="38" name="ZoneTexte 37">
@@ -17696,6 +20633,7 @@
               </a:bodyPr>
               <a:lstStyle/>
               <a:p>
+                <a:pPr/>
                 <a14:m>
                   <m:oMathPara xmlns:m="http://schemas.openxmlformats.org/officeDocument/2006/math">
                     <m:oMathParaPr>
@@ -17716,7 +20654,7 @@
             </p:txBody>
           </p:sp>
         </mc:Choice>
-        <mc:Fallback>
+        <mc:Fallback xmlns="">
           <p:sp>
             <p:nvSpPr>
               <p:cNvPr id="38" name="ZoneTexte 37">
@@ -17810,8 +20748,8 @@
           </a:p>
         </p:txBody>
       </p:sp>
-      <mc:AlternateContent xmlns:mc="http://schemas.openxmlformats.org/markup-compatibility/2006">
-        <mc:Choice xmlns:a14="http://schemas.microsoft.com/office/drawing/2010/main" Requires="a14">
+      <mc:AlternateContent xmlns:mc="http://schemas.openxmlformats.org/markup-compatibility/2006" xmlns:a14="http://schemas.microsoft.com/office/drawing/2010/main">
+        <mc:Choice Requires="a14">
           <p:sp>
             <p:nvSpPr>
               <p:cNvPr id="40" name="ZoneTexte 39">
@@ -17840,6 +20778,7 @@
               </a:bodyPr>
               <a:lstStyle/>
               <a:p>
+                <a:pPr/>
                 <a14:m>
                   <m:oMathPara xmlns:m="http://schemas.openxmlformats.org/officeDocument/2006/math">
                     <m:oMathParaPr>
@@ -17860,7 +20799,7 @@
             </p:txBody>
           </p:sp>
         </mc:Choice>
-        <mc:Fallback>
+        <mc:Fallback xmlns="">
           <p:sp>
             <p:nvSpPr>
               <p:cNvPr id="40" name="ZoneTexte 39">
@@ -18014,8 +20953,8 @@
             <a:chExt cx="1804371" cy="3269516"/>
           </a:xfrm>
         </p:grpSpPr>
-        <mc:AlternateContent xmlns:mc="http://schemas.openxmlformats.org/markup-compatibility/2006">
-          <mc:Choice xmlns:a14="http://schemas.microsoft.com/office/drawing/2010/main" Requires="a14">
+        <mc:AlternateContent xmlns:mc="http://schemas.openxmlformats.org/markup-compatibility/2006" xmlns:a14="http://schemas.microsoft.com/office/drawing/2010/main">
+          <mc:Choice Requires="a14">
             <p:sp>
               <p:nvSpPr>
                 <p:cNvPr id="53" name="ZoneTexte 52">
@@ -18044,6 +20983,7 @@
                 </a:bodyPr>
                 <a:lstStyle/>
                 <a:p>
+                  <a:pPr/>
                   <a14:m>
                     <m:oMathPara xmlns:m="http://schemas.openxmlformats.org/officeDocument/2006/math">
                       <m:oMathParaPr>
@@ -18089,7 +21029,7 @@
               </p:txBody>
             </p:sp>
           </mc:Choice>
-          <mc:Fallback>
+          <mc:Fallback xmlns="">
             <p:sp>
               <p:nvSpPr>
                 <p:cNvPr id="53" name="ZoneTexte 52">
@@ -18134,8 +21074,8 @@
             </p:sp>
           </mc:Fallback>
         </mc:AlternateContent>
-        <mc:AlternateContent xmlns:mc="http://schemas.openxmlformats.org/markup-compatibility/2006">
-          <mc:Choice xmlns:a14="http://schemas.microsoft.com/office/drawing/2010/main" Requires="a14">
+        <mc:AlternateContent xmlns:mc="http://schemas.openxmlformats.org/markup-compatibility/2006" xmlns:a14="http://schemas.microsoft.com/office/drawing/2010/main">
+          <mc:Choice Requires="a14">
             <p:sp>
               <p:nvSpPr>
                 <p:cNvPr id="44" name="ZoneTexte 43">
@@ -18164,6 +21104,7 @@
                 </a:bodyPr>
                 <a:lstStyle/>
                 <a:p>
+                  <a:pPr/>
                   <a14:m>
                     <m:oMathPara xmlns:m="http://schemas.openxmlformats.org/officeDocument/2006/math">
                       <m:oMathParaPr>
@@ -18209,7 +21150,7 @@
               </p:txBody>
             </p:sp>
           </mc:Choice>
-          <mc:Fallback>
+          <mc:Fallback xmlns="">
             <p:sp>
               <p:nvSpPr>
                 <p:cNvPr id="44" name="ZoneTexte 43">
@@ -18387,8 +21328,8 @@
             </a:fontRef>
           </p:style>
         </p:cxnSp>
-        <mc:AlternateContent xmlns:mc="http://schemas.openxmlformats.org/markup-compatibility/2006">
-          <mc:Choice xmlns:a14="http://schemas.microsoft.com/office/drawing/2010/main" Requires="a14">
+        <mc:AlternateContent xmlns:mc="http://schemas.openxmlformats.org/markup-compatibility/2006" xmlns:a14="http://schemas.microsoft.com/office/drawing/2010/main">
+          <mc:Choice Requires="a14">
             <p:sp>
               <p:nvSpPr>
                 <p:cNvPr id="48" name="ZoneTexte 47">
@@ -18417,6 +21358,7 @@
                 </a:bodyPr>
                 <a:lstStyle/>
                 <a:p>
+                  <a:pPr/>
                   <a14:m>
                     <m:oMathPara xmlns:m="http://schemas.openxmlformats.org/officeDocument/2006/math">
                       <m:oMathParaPr>
@@ -18456,7 +21398,7 @@
               </p:txBody>
             </p:sp>
           </mc:Choice>
-          <mc:Fallback>
+          <mc:Fallback xmlns="">
             <p:sp>
               <p:nvSpPr>
                 <p:cNvPr id="48" name="ZoneTexte 47">
@@ -18501,8 +21443,8 @@
             </p:sp>
           </mc:Fallback>
         </mc:AlternateContent>
-        <mc:AlternateContent xmlns:mc="http://schemas.openxmlformats.org/markup-compatibility/2006">
-          <mc:Choice xmlns:a14="http://schemas.microsoft.com/office/drawing/2010/main" Requires="a14">
+        <mc:AlternateContent xmlns:mc="http://schemas.openxmlformats.org/markup-compatibility/2006" xmlns:a14="http://schemas.microsoft.com/office/drawing/2010/main">
+          <mc:Choice Requires="a14">
             <p:sp>
               <p:nvSpPr>
                 <p:cNvPr id="49" name="ZoneTexte 48">
@@ -18531,6 +21473,7 @@
                 </a:bodyPr>
                 <a:lstStyle/>
                 <a:p>
+                  <a:pPr/>
                   <a14:m>
                     <m:oMathPara xmlns:m="http://schemas.openxmlformats.org/officeDocument/2006/math">
                       <m:oMathParaPr>
@@ -18570,7 +21513,7 @@
               </p:txBody>
             </p:sp>
           </mc:Choice>
-          <mc:Fallback>
+          <mc:Fallback xmlns="">
             <p:sp>
               <p:nvSpPr>
                 <p:cNvPr id="49" name="ZoneTexte 48">
@@ -18748,8 +21691,8 @@
             </a:fontRef>
           </p:style>
         </p:cxnSp>
-        <mc:AlternateContent xmlns:mc="http://schemas.openxmlformats.org/markup-compatibility/2006">
-          <mc:Choice xmlns:a14="http://schemas.microsoft.com/office/drawing/2010/main" Requires="a14">
+        <mc:AlternateContent xmlns:mc="http://schemas.openxmlformats.org/markup-compatibility/2006" xmlns:a14="http://schemas.microsoft.com/office/drawing/2010/main">
+          <mc:Choice Requires="a14">
             <p:sp>
               <p:nvSpPr>
                 <p:cNvPr id="54" name="ZoneTexte 53">
@@ -18778,6 +21721,7 @@
                 </a:bodyPr>
                 <a:lstStyle/>
                 <a:p>
+                  <a:pPr/>
                   <a14:m>
                     <m:oMathPara xmlns:m="http://schemas.openxmlformats.org/officeDocument/2006/math">
                       <m:oMathParaPr>
@@ -18823,7 +21767,7 @@
               </p:txBody>
             </p:sp>
           </mc:Choice>
-          <mc:Fallback>
+          <mc:Fallback xmlns="">
             <p:sp>
               <p:nvSpPr>
                 <p:cNvPr id="54" name="ZoneTexte 53">
@@ -18959,8 +21903,8 @@
             </a:fontRef>
           </p:style>
         </p:cxnSp>
-        <mc:AlternateContent xmlns:mc="http://schemas.openxmlformats.org/markup-compatibility/2006">
-          <mc:Choice xmlns:a14="http://schemas.microsoft.com/office/drawing/2010/main" Requires="a14">
+        <mc:AlternateContent xmlns:mc="http://schemas.openxmlformats.org/markup-compatibility/2006" xmlns:a14="http://schemas.microsoft.com/office/drawing/2010/main">
+          <mc:Choice Requires="a14">
             <p:sp>
               <p:nvSpPr>
                 <p:cNvPr id="57" name="ZoneTexte 56">
@@ -18989,6 +21933,7 @@
                 </a:bodyPr>
                 <a:lstStyle/>
                 <a:p>
+                  <a:pPr/>
                   <a14:m>
                     <m:oMathPara xmlns:m="http://schemas.openxmlformats.org/officeDocument/2006/math">
                       <m:oMathParaPr>
@@ -19009,7 +21954,7 @@
               </p:txBody>
             </p:sp>
           </mc:Choice>
-          <mc:Fallback>
+          <mc:Fallback xmlns="">
             <p:sp>
               <p:nvSpPr>
                 <p:cNvPr id="57" name="ZoneTexte 56">
@@ -19194,8 +22139,8 @@
           </p:style>
         </p:cxnSp>
       </p:grpSp>
-      <mc:AlternateContent xmlns:mc="http://schemas.openxmlformats.org/markup-compatibility/2006">
-        <mc:Choice xmlns:a14="http://schemas.microsoft.com/office/drawing/2010/main" Requires="a14">
+      <mc:AlternateContent xmlns:mc="http://schemas.openxmlformats.org/markup-compatibility/2006" xmlns:a14="http://schemas.microsoft.com/office/drawing/2010/main">
+        <mc:Choice Requires="a14">
           <p:sp>
             <p:nvSpPr>
               <p:cNvPr id="97" name="ZoneTexte 96">
@@ -19519,7 +22464,7 @@
             </p:txBody>
           </p:sp>
         </mc:Choice>
-        <mc:Fallback>
+        <mc:Fallback xmlns="">
           <p:sp>
             <p:nvSpPr>
               <p:cNvPr id="97" name="ZoneTexte 96">
@@ -19564,8 +22509,8 @@
           </p:sp>
         </mc:Fallback>
       </mc:AlternateContent>
-      <mc:AlternateContent xmlns:mc="http://schemas.openxmlformats.org/markup-compatibility/2006">
-        <mc:Choice xmlns:a14="http://schemas.microsoft.com/office/drawing/2010/main" Requires="a14">
+      <mc:AlternateContent xmlns:mc="http://schemas.openxmlformats.org/markup-compatibility/2006" xmlns:a14="http://schemas.microsoft.com/office/drawing/2010/main">
+        <mc:Choice Requires="a14">
           <p:sp>
             <p:nvSpPr>
               <p:cNvPr id="98" name="ZoneTexte 97">
@@ -19600,6 +22545,7 @@
                 </a:r>
               </a:p>
               <a:p>
+                <a:pPr/>
                 <a14:m>
                   <m:oMathPara xmlns:m="http://schemas.openxmlformats.org/officeDocument/2006/math">
                     <m:oMathParaPr>
@@ -19730,6 +22676,7 @@
                 </a:endParaRPr>
               </a:p>
               <a:p>
+                <a:pPr/>
                 <a14:m>
                   <m:oMathPara xmlns:m="http://schemas.openxmlformats.org/officeDocument/2006/math">
                     <m:oMathParaPr>
@@ -19874,7 +22821,7 @@
             </p:txBody>
           </p:sp>
         </mc:Choice>
-        <mc:Fallback>
+        <mc:Fallback xmlns="">
           <p:sp>
             <p:nvSpPr>
               <p:cNvPr id="98" name="ZoneTexte 97">
@@ -19919,8 +22866,8 @@
           </p:sp>
         </mc:Fallback>
       </mc:AlternateContent>
-      <mc:AlternateContent xmlns:mc="http://schemas.openxmlformats.org/markup-compatibility/2006">
-        <mc:Choice xmlns:a14="http://schemas.microsoft.com/office/drawing/2010/main" Requires="a14">
+      <mc:AlternateContent xmlns:mc="http://schemas.openxmlformats.org/markup-compatibility/2006" xmlns:a14="http://schemas.microsoft.com/office/drawing/2010/main">
+        <mc:Choice Requires="a14">
           <p:sp>
             <p:nvSpPr>
               <p:cNvPr id="99" name="ZoneTexte 98">
@@ -20007,7 +22954,7 @@
             </p:txBody>
           </p:sp>
         </mc:Choice>
-        <mc:Fallback>
+        <mc:Fallback xmlns="">
           <p:sp>
             <p:nvSpPr>
               <p:cNvPr id="99" name="ZoneTexte 98">
@@ -20052,8 +22999,8 @@
           </p:sp>
         </mc:Fallback>
       </mc:AlternateContent>
-      <mc:AlternateContent xmlns:mc="http://schemas.openxmlformats.org/markup-compatibility/2006">
-        <mc:Choice xmlns:a14="http://schemas.microsoft.com/office/drawing/2010/main" Requires="a14">
+      <mc:AlternateContent xmlns:mc="http://schemas.openxmlformats.org/markup-compatibility/2006" xmlns:a14="http://schemas.microsoft.com/office/drawing/2010/main">
+        <mc:Choice Requires="a14">
           <p:sp>
             <p:nvSpPr>
               <p:cNvPr id="100" name="ZoneTexte 99">
@@ -20082,6 +23029,7 @@
               </a:bodyPr>
               <a:lstStyle/>
               <a:p>
+                <a:pPr/>
                 <a14:m>
                   <m:oMathPara xmlns:m="http://schemas.openxmlformats.org/officeDocument/2006/math">
                     <m:oMathParaPr>
@@ -20127,7 +23075,7 @@
             </p:txBody>
           </p:sp>
         </mc:Choice>
-        <mc:Fallback>
+        <mc:Fallback xmlns="">
           <p:sp>
             <p:nvSpPr>
               <p:cNvPr id="100" name="ZoneTexte 99">
@@ -20233,8 +23181,8 @@
             <a:chExt cx="3023575" cy="3294165"/>
           </a:xfrm>
         </p:grpSpPr>
-        <mc:AlternateContent xmlns:mc="http://schemas.openxmlformats.org/markup-compatibility/2006">
-          <mc:Choice xmlns:a14="http://schemas.microsoft.com/office/drawing/2010/main" Requires="a14">
+        <mc:AlternateContent xmlns:mc="http://schemas.openxmlformats.org/markup-compatibility/2006" xmlns:a14="http://schemas.microsoft.com/office/drawing/2010/main">
+          <mc:Choice Requires="a14">
             <p:sp>
               <p:nvSpPr>
                 <p:cNvPr id="62" name="ZoneTexte 61">
@@ -20263,6 +23211,7 @@
                 </a:bodyPr>
                 <a:lstStyle/>
                 <a:p>
+                  <a:pPr/>
                   <a14:m>
                     <m:oMathPara xmlns:m="http://schemas.openxmlformats.org/officeDocument/2006/math">
                       <m:oMathParaPr>
@@ -20308,7 +23257,7 @@
               </p:txBody>
             </p:sp>
           </mc:Choice>
-          <mc:Fallback>
+          <mc:Fallback xmlns="">
             <p:sp>
               <p:nvSpPr>
                 <p:cNvPr id="62" name="ZoneTexte 61">
@@ -20486,8 +23435,8 @@
             </a:fontRef>
           </p:style>
         </p:cxnSp>
-        <mc:AlternateContent xmlns:mc="http://schemas.openxmlformats.org/markup-compatibility/2006">
-          <mc:Choice xmlns:a14="http://schemas.microsoft.com/office/drawing/2010/main" Requires="a14">
+        <mc:AlternateContent xmlns:mc="http://schemas.openxmlformats.org/markup-compatibility/2006" xmlns:a14="http://schemas.microsoft.com/office/drawing/2010/main">
+          <mc:Choice Requires="a14">
             <p:sp>
               <p:nvSpPr>
                 <p:cNvPr id="66" name="ZoneTexte 65">
@@ -20516,6 +23465,7 @@
                 </a:bodyPr>
                 <a:lstStyle/>
                 <a:p>
+                  <a:pPr/>
                   <a14:m>
                     <m:oMathPara xmlns:m="http://schemas.openxmlformats.org/officeDocument/2006/math">
                       <m:oMathParaPr>
@@ -20555,7 +23505,7 @@
               </p:txBody>
             </p:sp>
           </mc:Choice>
-          <mc:Fallback>
+          <mc:Fallback xmlns="">
             <p:sp>
               <p:nvSpPr>
                 <p:cNvPr id="66" name="ZoneTexte 65">
@@ -20600,8 +23550,8 @@
             </p:sp>
           </mc:Fallback>
         </mc:AlternateContent>
-        <mc:AlternateContent xmlns:mc="http://schemas.openxmlformats.org/markup-compatibility/2006">
-          <mc:Choice xmlns:a14="http://schemas.microsoft.com/office/drawing/2010/main" Requires="a14">
+        <mc:AlternateContent xmlns:mc="http://schemas.openxmlformats.org/markup-compatibility/2006" xmlns:a14="http://schemas.microsoft.com/office/drawing/2010/main">
+          <mc:Choice Requires="a14">
             <p:sp>
               <p:nvSpPr>
                 <p:cNvPr id="67" name="ZoneTexte 66">
@@ -20630,6 +23580,7 @@
                 </a:bodyPr>
                 <a:lstStyle/>
                 <a:p>
+                  <a:pPr/>
                   <a14:m>
                     <m:oMathPara xmlns:m="http://schemas.openxmlformats.org/officeDocument/2006/math">
                       <m:oMathParaPr>
@@ -20669,7 +23620,7 @@
               </p:txBody>
             </p:sp>
           </mc:Choice>
-          <mc:Fallback>
+          <mc:Fallback xmlns="">
             <p:sp>
               <p:nvSpPr>
                 <p:cNvPr id="67" name="ZoneTexte 66">
@@ -20847,8 +23798,8 @@
             </a:fontRef>
           </p:style>
         </p:cxnSp>
-        <mc:AlternateContent xmlns:mc="http://schemas.openxmlformats.org/markup-compatibility/2006">
-          <mc:Choice xmlns:a14="http://schemas.microsoft.com/office/drawing/2010/main" Requires="a14">
+        <mc:AlternateContent xmlns:mc="http://schemas.openxmlformats.org/markup-compatibility/2006" xmlns:a14="http://schemas.microsoft.com/office/drawing/2010/main">
+          <mc:Choice Requires="a14">
             <p:sp>
               <p:nvSpPr>
                 <p:cNvPr id="71" name="ZoneTexte 70">
@@ -20877,6 +23828,7 @@
                 </a:bodyPr>
                 <a:lstStyle/>
                 <a:p>
+                  <a:pPr/>
                   <a14:m>
                     <m:oMathPara xmlns:m="http://schemas.openxmlformats.org/officeDocument/2006/math">
                       <m:oMathParaPr>
@@ -20922,7 +23874,7 @@
               </p:txBody>
             </p:sp>
           </mc:Choice>
-          <mc:Fallback>
+          <mc:Fallback xmlns="">
             <p:sp>
               <p:nvSpPr>
                 <p:cNvPr id="71" name="ZoneTexte 70">
@@ -20967,8 +23919,8 @@
             </p:sp>
           </mc:Fallback>
         </mc:AlternateContent>
-        <mc:AlternateContent xmlns:mc="http://schemas.openxmlformats.org/markup-compatibility/2006">
-          <mc:Choice xmlns:a14="http://schemas.microsoft.com/office/drawing/2010/main" Requires="a14">
+        <mc:AlternateContent xmlns:mc="http://schemas.openxmlformats.org/markup-compatibility/2006" xmlns:a14="http://schemas.microsoft.com/office/drawing/2010/main">
+          <mc:Choice Requires="a14">
             <p:sp>
               <p:nvSpPr>
                 <p:cNvPr id="72" name="ZoneTexte 71">
@@ -20997,6 +23949,7 @@
                 </a:bodyPr>
                 <a:lstStyle/>
                 <a:p>
+                  <a:pPr/>
                   <a14:m>
                     <m:oMathPara xmlns:m="http://schemas.openxmlformats.org/officeDocument/2006/math">
                       <m:oMathParaPr>
@@ -21042,7 +23995,7 @@
               </p:txBody>
             </p:sp>
           </mc:Choice>
-          <mc:Fallback>
+          <mc:Fallback xmlns="">
             <p:sp>
               <p:nvSpPr>
                 <p:cNvPr id="72" name="ZoneTexte 71">
@@ -21178,8 +24131,8 @@
             </a:fontRef>
           </p:style>
         </p:cxnSp>
-        <mc:AlternateContent xmlns:mc="http://schemas.openxmlformats.org/markup-compatibility/2006">
-          <mc:Choice xmlns:a14="http://schemas.microsoft.com/office/drawing/2010/main" Requires="a14">
+        <mc:AlternateContent xmlns:mc="http://schemas.openxmlformats.org/markup-compatibility/2006" xmlns:a14="http://schemas.microsoft.com/office/drawing/2010/main">
+          <mc:Choice Requires="a14">
             <p:sp>
               <p:nvSpPr>
                 <p:cNvPr id="75" name="ZoneTexte 74">
@@ -21208,6 +24161,7 @@
                 </a:bodyPr>
                 <a:lstStyle/>
                 <a:p>
+                  <a:pPr/>
                   <a14:m>
                     <m:oMathPara xmlns:m="http://schemas.openxmlformats.org/officeDocument/2006/math">
                       <m:oMathParaPr>
@@ -21253,7 +24207,7 @@
               </p:txBody>
             </p:sp>
           </mc:Choice>
-          <mc:Fallback>
+          <mc:Fallback xmlns="">
             <p:sp>
               <p:nvSpPr>
                 <p:cNvPr id="75" name="ZoneTexte 74">
@@ -21478,8 +24432,8 @@
             </a:fontRef>
           </p:style>
         </p:cxnSp>
-        <mc:AlternateContent xmlns:mc="http://schemas.openxmlformats.org/markup-compatibility/2006">
-          <mc:Choice xmlns:a14="http://schemas.microsoft.com/office/drawing/2010/main" Requires="a14">
+        <mc:AlternateContent xmlns:mc="http://schemas.openxmlformats.org/markup-compatibility/2006" xmlns:a14="http://schemas.microsoft.com/office/drawing/2010/main">
+          <mc:Choice Requires="a14">
             <p:sp>
               <p:nvSpPr>
                 <p:cNvPr id="80" name="ZoneTexte 79">
@@ -21508,6 +24462,7 @@
                 </a:bodyPr>
                 <a:lstStyle/>
                 <a:p>
+                  <a:pPr/>
                   <a14:m>
                     <m:oMathPara xmlns:m="http://schemas.openxmlformats.org/officeDocument/2006/math">
                       <m:oMathParaPr>
@@ -21553,7 +24508,7 @@
               </p:txBody>
             </p:sp>
           </mc:Choice>
-          <mc:Fallback>
+          <mc:Fallback xmlns="">
             <p:sp>
               <p:nvSpPr>
                 <p:cNvPr id="80" name="ZoneTexte 79">
@@ -21598,8 +24553,8 @@
             </p:sp>
           </mc:Fallback>
         </mc:AlternateContent>
-        <mc:AlternateContent xmlns:mc="http://schemas.openxmlformats.org/markup-compatibility/2006">
-          <mc:Choice xmlns:a14="http://schemas.microsoft.com/office/drawing/2010/main" Requires="a14">
+        <mc:AlternateContent xmlns:mc="http://schemas.openxmlformats.org/markup-compatibility/2006" xmlns:a14="http://schemas.microsoft.com/office/drawing/2010/main">
+          <mc:Choice Requires="a14">
             <p:sp>
               <p:nvSpPr>
                 <p:cNvPr id="81" name="ZoneTexte 80">
@@ -21628,6 +24583,7 @@
                 </a:bodyPr>
                 <a:lstStyle/>
                 <a:p>
+                  <a:pPr/>
                   <a14:m>
                     <m:oMathPara xmlns:m="http://schemas.openxmlformats.org/officeDocument/2006/math">
                       <m:oMathParaPr>
@@ -21673,7 +24629,7 @@
               </p:txBody>
             </p:sp>
           </mc:Choice>
-          <mc:Fallback>
+          <mc:Fallback xmlns="">
             <p:sp>
               <p:nvSpPr>
                 <p:cNvPr id="81" name="ZoneTexte 80">
@@ -21809,8 +24765,8 @@
             </a:fontRef>
           </p:style>
         </p:cxnSp>
-        <mc:AlternateContent xmlns:mc="http://schemas.openxmlformats.org/markup-compatibility/2006">
-          <mc:Choice xmlns:a14="http://schemas.microsoft.com/office/drawing/2010/main" Requires="a14">
+        <mc:AlternateContent xmlns:mc="http://schemas.openxmlformats.org/markup-compatibility/2006" xmlns:a14="http://schemas.microsoft.com/office/drawing/2010/main">
+          <mc:Choice Requires="a14">
             <p:sp>
               <p:nvSpPr>
                 <p:cNvPr id="84" name="ZoneTexte 83">
@@ -21839,6 +24795,7 @@
                 </a:bodyPr>
                 <a:lstStyle/>
                 <a:p>
+                  <a:pPr/>
                   <a14:m>
                     <m:oMathPara xmlns:m="http://schemas.openxmlformats.org/officeDocument/2006/math">
                       <m:oMathParaPr>
@@ -21884,7 +24841,7 @@
               </p:txBody>
             </p:sp>
           </mc:Choice>
-          <mc:Fallback>
+          <mc:Fallback xmlns="">
             <p:sp>
               <p:nvSpPr>
                 <p:cNvPr id="84" name="ZoneTexte 83">
@@ -22068,8 +25025,8 @@
             </a:fontRef>
           </p:style>
         </p:cxnSp>
-        <mc:AlternateContent xmlns:mc="http://schemas.openxmlformats.org/markup-compatibility/2006">
-          <mc:Choice xmlns:a14="http://schemas.microsoft.com/office/drawing/2010/main" Requires="a14">
+        <mc:AlternateContent xmlns:mc="http://schemas.openxmlformats.org/markup-compatibility/2006" xmlns:a14="http://schemas.microsoft.com/office/drawing/2010/main">
+          <mc:Choice Requires="a14">
             <p:sp>
               <p:nvSpPr>
                 <p:cNvPr id="102" name="ZoneTexte 101">
@@ -22098,6 +25055,7 @@
                 </a:bodyPr>
                 <a:lstStyle/>
                 <a:p>
+                  <a:pPr/>
                   <a14:m>
                     <m:oMathPara xmlns:m="http://schemas.openxmlformats.org/officeDocument/2006/math">
                       <m:oMathParaPr>
@@ -22143,7 +25101,7 @@
               </p:txBody>
             </p:sp>
           </mc:Choice>
-          <mc:Fallback>
+          <mc:Fallback xmlns="">
             <p:sp>
               <p:nvSpPr>
                 <p:cNvPr id="102" name="ZoneTexte 101">
@@ -22229,8 +25187,8 @@
             </a:fontRef>
           </p:style>
         </p:cxnSp>
-        <mc:AlternateContent xmlns:mc="http://schemas.openxmlformats.org/markup-compatibility/2006">
-          <mc:Choice xmlns:a14="http://schemas.microsoft.com/office/drawing/2010/main" Requires="a14">
+        <mc:AlternateContent xmlns:mc="http://schemas.openxmlformats.org/markup-compatibility/2006" xmlns:a14="http://schemas.microsoft.com/office/drawing/2010/main">
+          <mc:Choice Requires="a14">
             <p:sp>
               <p:nvSpPr>
                 <p:cNvPr id="104" name="ZoneTexte 103">
@@ -22259,6 +25217,7 @@
                 </a:bodyPr>
                 <a:lstStyle/>
                 <a:p>
+                  <a:pPr/>
                   <a14:m>
                     <m:oMathPara xmlns:m="http://schemas.openxmlformats.org/officeDocument/2006/math">
                       <m:oMathParaPr>
@@ -22304,7 +25263,7 @@
               </p:txBody>
             </p:sp>
           </mc:Choice>
-          <mc:Fallback>
+          <mc:Fallback xmlns="">
             <p:sp>
               <p:nvSpPr>
                 <p:cNvPr id="104" name="ZoneTexte 103">
@@ -22582,409 +25541,6 @@
 </p:sld>
 </file>
 
-<file path=ppt/slides/slide26.xml><?xml version="1.0" encoding="utf-8"?>
-<p:sld xmlns:a="http://schemas.openxmlformats.org/drawingml/2006/main" xmlns:r="http://schemas.openxmlformats.org/officeDocument/2006/relationships" xmlns:p="http://schemas.openxmlformats.org/presentationml/2006/main">
-  <p:cSld>
-    <p:spTree>
-      <p:nvGrpSpPr>
-        <p:cNvPr id="1" name=""/>
-        <p:cNvGrpSpPr/>
-        <p:nvPr/>
-      </p:nvGrpSpPr>
-      <p:grpSpPr>
-        <a:xfrm>
-          <a:off x="0" y="0"/>
-          <a:ext cx="0" cy="0"/>
-          <a:chOff x="0" y="0"/>
-          <a:chExt cx="0" cy="0"/>
-        </a:xfrm>
-      </p:grpSpPr>
-      <mc:AlternateContent xmlns:mc="http://schemas.openxmlformats.org/markup-compatibility/2006">
-        <mc:Choice xmlns:a14="http://schemas.microsoft.com/office/drawing/2010/main" Requires="a14">
-          <p:sp>
-            <p:nvSpPr>
-              <p:cNvPr id="3" name="Espace réservé du contenu 2">
-                <a:extLst>
-                  <a:ext uri="{FF2B5EF4-FFF2-40B4-BE49-F238E27FC236}">
-                    <a16:creationId xmlns:a16="http://schemas.microsoft.com/office/drawing/2014/main" id="{B59E77B8-2D75-472C-B76C-ABDDE0CAFCD5}"/>
-                  </a:ext>
-                </a:extLst>
-              </p:cNvPr>
-              <p:cNvSpPr>
-                <a:spLocks noGrp="1"/>
-              </p:cNvSpPr>
-              <p:nvPr>
-                <p:ph idx="1"/>
-              </p:nvPr>
-            </p:nvSpPr>
-            <p:spPr>
-              <a:xfrm>
-                <a:off x="537750" y="442534"/>
-                <a:ext cx="10839994" cy="6021978"/>
-              </a:xfrm>
-            </p:spPr>
-            <p:txBody>
-              <a:bodyPr>
-                <a:normAutofit/>
-              </a:bodyPr>
-              <a:lstStyle/>
-              <a:p>
-                <a:pPr marL="0" indent="0">
-                  <a:buNone/>
-                </a:pPr>
-                <a:r>
-                  <a:rPr lang="fr-FR" sz="2200" u="sng" dirty="0"/>
-                  <a:t>Exemple</a:t>
-                </a:r>
-                <a:r>
-                  <a:rPr lang="fr-FR" sz="2200" dirty="0"/>
-                  <a:t> (pendule) :</a:t>
-                </a:r>
-              </a:p>
-              <a:p>
-                <a:pPr marL="0" indent="0">
-                  <a:buNone/>
-                </a:pPr>
-                <a:endParaRPr lang="fr-FR" sz="2200" dirty="0"/>
-              </a:p>
-              <a:p>
-                <a:pPr marL="0" indent="0">
-                  <a:buNone/>
-                </a:pPr>
-                <a:endParaRPr lang="fr-FR" sz="2200" dirty="0"/>
-              </a:p>
-              <a:p>
-                <a:pPr marL="0" indent="0">
-                  <a:buNone/>
-                </a:pPr>
-                <a:endParaRPr lang="fr-FR" sz="2200" dirty="0"/>
-              </a:p>
-              <a:p>
-                <a:pPr marL="0" indent="0">
-                  <a:buNone/>
-                </a:pPr>
-                <a:endParaRPr lang="fr-FR" sz="2200" dirty="0"/>
-              </a:p>
-              <a:p>
-                <a:pPr marL="0" indent="0">
-                  <a:buNone/>
-                </a:pPr>
-                <a:endParaRPr lang="fr-FR" sz="2200" dirty="0"/>
-              </a:p>
-              <a:p>
-                <a:pPr marL="0" indent="0">
-                  <a:buNone/>
-                </a:pPr>
-                <a:endParaRPr lang="fr-FR" sz="2200" dirty="0"/>
-              </a:p>
-              <a:p>
-                <a:pPr marL="0" indent="0">
-                  <a:buNone/>
-                </a:pPr>
-                <a:r>
-                  <a:rPr lang="fr-FR" sz="2200" b="1" dirty="0"/>
-                  <a:t>Problème 1 </a:t>
-                </a:r>
-                <a:r>
-                  <a:rPr lang="fr-FR" sz="2200" dirty="0"/>
-                  <a:t>:</a:t>
-                </a:r>
-              </a:p>
-              <a:p>
-                <a:pPr marL="0" indent="0">
-                  <a:buNone/>
-                </a:pPr>
-                <a:r>
-                  <a:rPr lang="fr-FR" sz="2200" dirty="0"/>
-                  <a:t>On enregistre la position angulaire </a:t>
-                </a:r>
-                <a14:m>
-                  <m:oMath xmlns:m="http://schemas.openxmlformats.org/officeDocument/2006/math">
-                    <m:r>
-                      <a:rPr lang="fr-FR" sz="2200" b="0" i="1" smtClean="0">
-                        <a:latin typeface="Cambria Math" panose="02040503050406030204" pitchFamily="18" charset="0"/>
-                      </a:rPr>
-                      <m:t>𝜃</m:t>
-                    </m:r>
-                  </m:oMath>
-                </a14:m>
-                <a:r>
-                  <a:rPr lang="fr-FR" sz="2200" dirty="0"/>
-                  <a:t> au cours du temps (données d’entrées) pour différentes longueurs </a:t>
-                </a:r>
-                <a14:m>
-                  <m:oMath xmlns:m="http://schemas.openxmlformats.org/officeDocument/2006/math">
-                    <m:r>
-                      <a:rPr lang="fr-FR" sz="2200" b="0" i="1" smtClean="0">
-                        <a:latin typeface="Cambria Math" panose="02040503050406030204" pitchFamily="18" charset="0"/>
-                      </a:rPr>
-                      <m:t>𝑙</m:t>
-                    </m:r>
-                  </m:oMath>
-                </a14:m>
-                <a:r>
-                  <a:rPr lang="fr-FR" sz="2200" dirty="0"/>
-                  <a:t> et masse </a:t>
-                </a:r>
-                <a14:m>
-                  <m:oMath xmlns:m="http://schemas.openxmlformats.org/officeDocument/2006/math">
-                    <m:r>
-                      <a:rPr lang="fr-FR" sz="2200" b="0" i="1" smtClean="0">
-                        <a:latin typeface="Cambria Math" panose="02040503050406030204" pitchFamily="18" charset="0"/>
-                      </a:rPr>
-                      <m:t>𝑚</m:t>
-                    </m:r>
-                  </m:oMath>
-                </a14:m>
-                <a:r>
-                  <a:rPr lang="fr-FR" sz="2200" dirty="0"/>
-                  <a:t> du pendule (données de sortie) </a:t>
-                </a:r>
-                <a14:m>
-                  <m:oMath xmlns:m="http://schemas.openxmlformats.org/officeDocument/2006/math">
-                    <m:r>
-                      <a:rPr lang="fr-FR" sz="2200" b="0" i="1" smtClean="0">
-                        <a:latin typeface="Cambria Math" panose="02040503050406030204" pitchFamily="18" charset="0"/>
-                      </a:rPr>
-                      <m:t>⇒ </m:t>
-                    </m:r>
-                  </m:oMath>
-                </a14:m>
-                <a:r>
-                  <a:rPr lang="fr-FR" sz="2200" dirty="0"/>
-                  <a:t>apprendre un modèle pour estimer les valeurs de </a:t>
-                </a:r>
-                <a14:m>
-                  <m:oMath xmlns:m="http://schemas.openxmlformats.org/officeDocument/2006/math">
-                    <m:r>
-                      <a:rPr lang="fr-FR" sz="2200" b="0" i="1" smtClean="0">
-                        <a:latin typeface="Cambria Math" panose="02040503050406030204" pitchFamily="18" charset="0"/>
-                      </a:rPr>
-                      <m:t>𝑙</m:t>
-                    </m:r>
-                  </m:oMath>
-                </a14:m>
-                <a:r>
-                  <a:rPr lang="fr-FR" sz="2200" dirty="0"/>
-                  <a:t> et </a:t>
-                </a:r>
-                <a14:m>
-                  <m:oMath xmlns:m="http://schemas.openxmlformats.org/officeDocument/2006/math">
-                    <m:r>
-                      <a:rPr lang="fr-FR" sz="2200" b="0" i="1" smtClean="0">
-                        <a:latin typeface="Cambria Math" panose="02040503050406030204" pitchFamily="18" charset="0"/>
-                      </a:rPr>
-                      <m:t>𝑚</m:t>
-                    </m:r>
-                  </m:oMath>
-                </a14:m>
-                <a:r>
-                  <a:rPr lang="fr-FR" sz="2200" dirty="0"/>
-                  <a:t>.</a:t>
-                </a:r>
-              </a:p>
-              <a:p>
-                <a:pPr marL="0" indent="0">
-                  <a:buNone/>
-                </a:pPr>
-                <a:r>
-                  <a:rPr lang="fr-FR" sz="2200" b="1" dirty="0"/>
-                  <a:t>Problème 2</a:t>
-                </a:r>
-                <a:r>
-                  <a:rPr lang="fr-FR" sz="2200" dirty="0"/>
-                  <a:t> :</a:t>
-                </a:r>
-              </a:p>
-              <a:p>
-                <a:pPr marL="0" indent="0">
-                  <a:buNone/>
-                </a:pPr>
-                <a:r>
-                  <a:rPr lang="fr-FR" sz="2200" dirty="0"/>
-                  <a:t>On enregistre la position angulaire </a:t>
-                </a:r>
-                <a14:m>
-                  <m:oMath xmlns:m="http://schemas.openxmlformats.org/officeDocument/2006/math">
-                    <m:r>
-                      <a:rPr lang="fr-FR" sz="2200" i="1">
-                        <a:latin typeface="Cambria Math" panose="02040503050406030204" pitchFamily="18" charset="0"/>
-                      </a:rPr>
-                      <m:t>𝜃</m:t>
-                    </m:r>
-                  </m:oMath>
-                </a14:m>
-                <a:r>
-                  <a:rPr lang="fr-FR" sz="2200" dirty="0"/>
-                  <a:t> au cours du temps (données d’entrées </a:t>
-                </a:r>
-                <a14:m>
-                  <m:oMath xmlns:m="http://schemas.openxmlformats.org/officeDocument/2006/math">
-                    <m:r>
-                      <a:rPr lang="fr-FR" sz="2200" b="0" i="1" smtClean="0">
-                        <a:latin typeface="Cambria Math" panose="02040503050406030204" pitchFamily="18" charset="0"/>
-                      </a:rPr>
-                      <m:t>𝑥</m:t>
-                    </m:r>
-                  </m:oMath>
-                </a14:m>
-                <a:r>
-                  <a:rPr lang="fr-FR" sz="2200" dirty="0"/>
-                  <a:t>) et on cherche à prédire les futures valeurs de </a:t>
-                </a:r>
-                <a14:m>
-                  <m:oMath xmlns:m="http://schemas.openxmlformats.org/officeDocument/2006/math">
-                    <m:r>
-                      <a:rPr lang="fr-FR" sz="2200" i="1">
-                        <a:latin typeface="Cambria Math" panose="02040503050406030204" pitchFamily="18" charset="0"/>
-                      </a:rPr>
-                      <m:t>𝜃</m:t>
-                    </m:r>
-                  </m:oMath>
-                </a14:m>
-                <a:r>
-                  <a:rPr lang="fr-FR" sz="2200" dirty="0"/>
-                  <a:t>. </a:t>
-                </a:r>
-              </a:p>
-              <a:p>
-                <a:pPr marL="0" indent="0">
-                  <a:buNone/>
-                </a:pPr>
-                <a:endParaRPr lang="fr-FR" sz="2200" u="sng" dirty="0"/>
-              </a:p>
-              <a:p>
-                <a:pPr marL="0" indent="0">
-                  <a:buNone/>
-                </a:pPr>
-                <a:endParaRPr lang="fr-FR" sz="2000" u="sng" dirty="0"/>
-              </a:p>
-              <a:p>
-                <a:pPr marL="0" indent="0">
-                  <a:buNone/>
-                </a:pPr>
-                <a:endParaRPr lang="fr-FR" sz="2000" dirty="0"/>
-              </a:p>
-            </p:txBody>
-          </p:sp>
-        </mc:Choice>
-        <mc:Fallback>
-          <p:sp>
-            <p:nvSpPr>
-              <p:cNvPr id="3" name="Espace réservé du contenu 2">
-                <a:extLst>
-                  <a:ext uri="{FF2B5EF4-FFF2-40B4-BE49-F238E27FC236}">
-                    <a16:creationId xmlns:a16="http://schemas.microsoft.com/office/drawing/2014/main" id="{B59E77B8-2D75-472C-B76C-ABDDE0CAFCD5}"/>
-                  </a:ext>
-                </a:extLst>
-              </p:cNvPr>
-              <p:cNvSpPr>
-                <a:spLocks noGrp="1" noRot="1" noChangeAspect="1" noMove="1" noResize="1" noEditPoints="1" noAdjustHandles="1" noChangeArrowheads="1" noChangeShapeType="1" noTextEdit="1"/>
-              </p:cNvSpPr>
-              <p:nvPr>
-                <p:ph idx="1"/>
-              </p:nvPr>
-            </p:nvSpPr>
-            <p:spPr>
-              <a:xfrm>
-                <a:off x="537750" y="442534"/>
-                <a:ext cx="10839994" cy="6021978"/>
-              </a:xfrm>
-              <a:blipFill>
-                <a:blip r:embed="rId2"/>
-                <a:stretch>
-                  <a:fillRect l="-731" t="-1317" r="-1125"/>
-                </a:stretch>
-              </a:blipFill>
-            </p:spPr>
-            <p:txBody>
-              <a:bodyPr/>
-              <a:lstStyle/>
-              <a:p>
-                <a:r>
-                  <a:rPr lang="fr-FR">
-                    <a:noFill/>
-                  </a:rPr>
-                  <a:t> </a:t>
-                </a:r>
-              </a:p>
-            </p:txBody>
-          </p:sp>
-        </mc:Fallback>
-      </mc:AlternateContent>
-      <p:pic>
-        <p:nvPicPr>
-          <p:cNvPr id="6" name="Image 5">
-            <a:extLst>
-              <a:ext uri="{FF2B5EF4-FFF2-40B4-BE49-F238E27FC236}">
-                <a16:creationId xmlns:a16="http://schemas.microsoft.com/office/drawing/2014/main" id="{508DAB66-FCBD-4D27-8685-25665105E9AB}"/>
-              </a:ext>
-            </a:extLst>
-          </p:cNvPr>
-          <p:cNvPicPr>
-            <a:picLocks noChangeAspect="1"/>
-          </p:cNvPicPr>
-          <p:nvPr/>
-        </p:nvPicPr>
-        <p:blipFill>
-          <a:blip r:embed="rId3"/>
-          <a:stretch>
-            <a:fillRect/>
-          </a:stretch>
-        </p:blipFill>
-        <p:spPr>
-          <a:xfrm>
-            <a:off x="4598136" y="406936"/>
-            <a:ext cx="2719221" cy="2697921"/>
-          </a:xfrm>
-          <a:prstGeom prst="rect">
-            <a:avLst/>
-          </a:prstGeom>
-        </p:spPr>
-      </p:pic>
-    </p:spTree>
-    <p:extLst>
-      <p:ext uri="{BB962C8B-B14F-4D97-AF65-F5344CB8AC3E}">
-        <p14:creationId xmlns:p14="http://schemas.microsoft.com/office/powerpoint/2010/main" val="708479726"/>
-      </p:ext>
-    </p:extLst>
-  </p:cSld>
-  <p:clrMapOvr>
-    <a:masterClrMapping/>
-  </p:clrMapOvr>
-</p:sld>
-</file>
-
-<file path=ppt/slides/slide27.xml><?xml version="1.0" encoding="utf-8"?>
-<p:sld xmlns:a="http://schemas.openxmlformats.org/drawingml/2006/main" xmlns:r="http://schemas.openxmlformats.org/officeDocument/2006/relationships" xmlns:p="http://schemas.openxmlformats.org/presentationml/2006/main">
-  <p:cSld>
-    <p:spTree>
-      <p:nvGrpSpPr>
-        <p:cNvPr id="1" name=""/>
-        <p:cNvGrpSpPr/>
-        <p:nvPr/>
-      </p:nvGrpSpPr>
-      <p:grpSpPr>
-        <a:xfrm>
-          <a:off x="0" y="0"/>
-          <a:ext cx="0" cy="0"/>
-          <a:chOff x="0" y="0"/>
-          <a:chExt cx="0" cy="0"/>
-        </a:xfrm>
-      </p:grpSpPr>
-    </p:spTree>
-    <p:extLst>
-      <p:ext uri="{BB962C8B-B14F-4D97-AF65-F5344CB8AC3E}">
-        <p14:creationId xmlns:p14="http://schemas.microsoft.com/office/powerpoint/2010/main" val="3724498538"/>
-      </p:ext>
-    </p:extLst>
-  </p:cSld>
-  <p:clrMapOvr>
-    <a:masterClrMapping/>
-  </p:clrMapOvr>
-</p:sld>
-</file>
-
 <file path=ppt/slides/slide3.xml><?xml version="1.0" encoding="utf-8"?>
 <p:sld xmlns:a="http://schemas.openxmlformats.org/drawingml/2006/main" xmlns:r="http://schemas.openxmlformats.org/officeDocument/2006/relationships" xmlns:p="http://schemas.openxmlformats.org/presentationml/2006/main">
   <p:cSld>
@@ -23070,6 +25626,1974 @@
     <p:extLst>
       <p:ext uri="{BB962C8B-B14F-4D97-AF65-F5344CB8AC3E}">
         <p14:creationId xmlns:p14="http://schemas.microsoft.com/office/powerpoint/2010/main" val="1318835050"/>
+      </p:ext>
+    </p:extLst>
+  </p:cSld>
+  <p:clrMapOvr>
+    <a:masterClrMapping/>
+  </p:clrMapOvr>
+</p:sld>
+</file>
+
+<file path=ppt/slides/slide30.xml><?xml version="1.0" encoding="utf-8"?>
+<p:sld xmlns:a="http://schemas.openxmlformats.org/drawingml/2006/main" xmlns:r="http://schemas.openxmlformats.org/officeDocument/2006/relationships" xmlns:p="http://schemas.openxmlformats.org/presentationml/2006/main">
+  <p:cSld>
+    <p:spTree>
+      <p:nvGrpSpPr>
+        <p:cNvPr id="1" name=""/>
+        <p:cNvGrpSpPr/>
+        <p:nvPr/>
+      </p:nvGrpSpPr>
+      <p:grpSpPr>
+        <a:xfrm>
+          <a:off x="0" y="0"/>
+          <a:ext cx="0" cy="0"/>
+          <a:chOff x="0" y="0"/>
+          <a:chExt cx="0" cy="0"/>
+        </a:xfrm>
+      </p:grpSpPr>
+      <mc:AlternateContent xmlns:mc="http://schemas.openxmlformats.org/markup-compatibility/2006" xmlns:a14="http://schemas.microsoft.com/office/drawing/2010/main">
+        <mc:Choice Requires="a14">
+          <p:sp>
+            <p:nvSpPr>
+              <p:cNvPr id="3" name="Espace réservé du contenu 2">
+                <a:extLst>
+                  <a:ext uri="{FF2B5EF4-FFF2-40B4-BE49-F238E27FC236}">
+                    <a16:creationId xmlns:a16="http://schemas.microsoft.com/office/drawing/2014/main" id="{B59E77B8-2D75-472C-B76C-ABDDE0CAFCD5}"/>
+                  </a:ext>
+                </a:extLst>
+              </p:cNvPr>
+              <p:cNvSpPr>
+                <a:spLocks noGrp="1"/>
+              </p:cNvSpPr>
+              <p:nvPr>
+                <p:ph idx="1"/>
+              </p:nvPr>
+            </p:nvSpPr>
+            <p:spPr>
+              <a:xfrm>
+                <a:off x="537750" y="442534"/>
+                <a:ext cx="10839994" cy="6021978"/>
+              </a:xfrm>
+            </p:spPr>
+            <p:txBody>
+              <a:bodyPr>
+                <a:normAutofit/>
+              </a:bodyPr>
+              <a:lstStyle/>
+              <a:p>
+                <a:pPr marL="0" indent="0">
+                  <a:buNone/>
+                </a:pPr>
+                <a:r>
+                  <a:rPr lang="fr-FR" sz="2200" u="sng" dirty="0"/>
+                  <a:t>Exemple</a:t>
+                </a:r>
+                <a:r>
+                  <a:rPr lang="fr-FR" sz="2200" dirty="0"/>
+                  <a:t> (pendule) :</a:t>
+                </a:r>
+              </a:p>
+              <a:p>
+                <a:pPr marL="0" indent="0">
+                  <a:buNone/>
+                </a:pPr>
+                <a:endParaRPr lang="fr-FR" sz="2200" dirty="0"/>
+              </a:p>
+              <a:p>
+                <a:pPr marL="0" indent="0">
+                  <a:buNone/>
+                </a:pPr>
+                <a:endParaRPr lang="fr-FR" sz="2200" dirty="0"/>
+              </a:p>
+              <a:p>
+                <a:pPr marL="0" indent="0">
+                  <a:buNone/>
+                </a:pPr>
+                <a:endParaRPr lang="fr-FR" sz="2200" dirty="0"/>
+              </a:p>
+              <a:p>
+                <a:pPr marL="0" indent="0">
+                  <a:buNone/>
+                </a:pPr>
+                <a:endParaRPr lang="fr-FR" sz="2200" dirty="0"/>
+              </a:p>
+              <a:p>
+                <a:pPr marL="0" indent="0">
+                  <a:buNone/>
+                </a:pPr>
+                <a:endParaRPr lang="fr-FR" sz="2200" dirty="0"/>
+              </a:p>
+              <a:p>
+                <a:pPr marL="0" indent="0">
+                  <a:buNone/>
+                </a:pPr>
+                <a:endParaRPr lang="fr-FR" sz="2200" dirty="0"/>
+              </a:p>
+              <a:p>
+                <a:pPr marL="0" indent="0">
+                  <a:buNone/>
+                </a:pPr>
+                <a:r>
+                  <a:rPr lang="fr-FR" sz="2200" b="1" dirty="0"/>
+                  <a:t>Problème 1 </a:t>
+                </a:r>
+                <a:r>
+                  <a:rPr lang="fr-FR" sz="2200" dirty="0"/>
+                  <a:t>:</a:t>
+                </a:r>
+              </a:p>
+              <a:p>
+                <a:pPr marL="0" indent="0">
+                  <a:buNone/>
+                </a:pPr>
+                <a:r>
+                  <a:rPr lang="fr-FR" sz="2200" dirty="0"/>
+                  <a:t>On enregistre la position angulaire </a:t>
+                </a:r>
+                <a14:m>
+                  <m:oMath xmlns:m="http://schemas.openxmlformats.org/officeDocument/2006/math">
+                    <m:r>
+                      <a:rPr lang="fr-FR" sz="2200" b="0" i="1" smtClean="0">
+                        <a:latin typeface="Cambria Math" panose="02040503050406030204" pitchFamily="18" charset="0"/>
+                      </a:rPr>
+                      <m:t>𝜃</m:t>
+                    </m:r>
+                  </m:oMath>
+                </a14:m>
+                <a:r>
+                  <a:rPr lang="fr-FR" sz="2200" dirty="0"/>
+                  <a:t> au cours du temps (données d’entrées) pour différentes longueurs </a:t>
+                </a:r>
+                <a14:m>
+                  <m:oMath xmlns:m="http://schemas.openxmlformats.org/officeDocument/2006/math">
+                    <m:r>
+                      <a:rPr lang="fr-FR" sz="2200" b="0" i="1" smtClean="0">
+                        <a:latin typeface="Cambria Math" panose="02040503050406030204" pitchFamily="18" charset="0"/>
+                      </a:rPr>
+                      <m:t>𝑙</m:t>
+                    </m:r>
+                  </m:oMath>
+                </a14:m>
+                <a:r>
+                  <a:rPr lang="fr-FR" sz="2200" dirty="0"/>
+                  <a:t> et masse </a:t>
+                </a:r>
+                <a14:m>
+                  <m:oMath xmlns:m="http://schemas.openxmlformats.org/officeDocument/2006/math">
+                    <m:r>
+                      <a:rPr lang="fr-FR" sz="2200" b="0" i="1" smtClean="0">
+                        <a:latin typeface="Cambria Math" panose="02040503050406030204" pitchFamily="18" charset="0"/>
+                      </a:rPr>
+                      <m:t>𝑚</m:t>
+                    </m:r>
+                  </m:oMath>
+                </a14:m>
+                <a:r>
+                  <a:rPr lang="fr-FR" sz="2200" dirty="0"/>
+                  <a:t> du pendule (données de sortie) </a:t>
+                </a:r>
+                <a14:m>
+                  <m:oMath xmlns:m="http://schemas.openxmlformats.org/officeDocument/2006/math">
+                    <m:r>
+                      <a:rPr lang="fr-FR" sz="2200" b="0" i="1" smtClean="0">
+                        <a:latin typeface="Cambria Math" panose="02040503050406030204" pitchFamily="18" charset="0"/>
+                      </a:rPr>
+                      <m:t>⇒ </m:t>
+                    </m:r>
+                  </m:oMath>
+                </a14:m>
+                <a:r>
+                  <a:rPr lang="fr-FR" sz="2200" dirty="0"/>
+                  <a:t>apprendre un modèle pour estimer les valeurs de </a:t>
+                </a:r>
+                <a14:m>
+                  <m:oMath xmlns:m="http://schemas.openxmlformats.org/officeDocument/2006/math">
+                    <m:r>
+                      <a:rPr lang="fr-FR" sz="2200" b="0" i="1" smtClean="0">
+                        <a:latin typeface="Cambria Math" panose="02040503050406030204" pitchFamily="18" charset="0"/>
+                      </a:rPr>
+                      <m:t>𝑙</m:t>
+                    </m:r>
+                  </m:oMath>
+                </a14:m>
+                <a:r>
+                  <a:rPr lang="fr-FR" sz="2200" dirty="0"/>
+                  <a:t> et </a:t>
+                </a:r>
+                <a14:m>
+                  <m:oMath xmlns:m="http://schemas.openxmlformats.org/officeDocument/2006/math">
+                    <m:r>
+                      <a:rPr lang="fr-FR" sz="2200" b="0" i="1" smtClean="0">
+                        <a:latin typeface="Cambria Math" panose="02040503050406030204" pitchFamily="18" charset="0"/>
+                      </a:rPr>
+                      <m:t>𝑚</m:t>
+                    </m:r>
+                  </m:oMath>
+                </a14:m>
+                <a:r>
+                  <a:rPr lang="fr-FR" sz="2200" dirty="0"/>
+                  <a:t>.</a:t>
+                </a:r>
+              </a:p>
+              <a:p>
+                <a:pPr marL="0" indent="0">
+                  <a:buNone/>
+                </a:pPr>
+                <a:r>
+                  <a:rPr lang="fr-FR" sz="2200" b="1" dirty="0"/>
+                  <a:t>Problème 2</a:t>
+                </a:r>
+                <a:r>
+                  <a:rPr lang="fr-FR" sz="2200" dirty="0"/>
+                  <a:t> :</a:t>
+                </a:r>
+              </a:p>
+              <a:p>
+                <a:pPr marL="0" indent="0">
+                  <a:buNone/>
+                </a:pPr>
+                <a:r>
+                  <a:rPr lang="fr-FR" sz="2200" dirty="0"/>
+                  <a:t>On enregistre la position angulaire </a:t>
+                </a:r>
+                <a14:m>
+                  <m:oMath xmlns:m="http://schemas.openxmlformats.org/officeDocument/2006/math">
+                    <m:r>
+                      <a:rPr lang="fr-FR" sz="2200" i="1">
+                        <a:latin typeface="Cambria Math" panose="02040503050406030204" pitchFamily="18" charset="0"/>
+                      </a:rPr>
+                      <m:t>𝜃</m:t>
+                    </m:r>
+                  </m:oMath>
+                </a14:m>
+                <a:r>
+                  <a:rPr lang="fr-FR" sz="2200" dirty="0"/>
+                  <a:t> au cours du temps (données d’entrées </a:t>
+                </a:r>
+                <a14:m>
+                  <m:oMath xmlns:m="http://schemas.openxmlformats.org/officeDocument/2006/math">
+                    <m:r>
+                      <a:rPr lang="fr-FR" sz="2200" b="0" i="1" smtClean="0">
+                        <a:latin typeface="Cambria Math" panose="02040503050406030204" pitchFamily="18" charset="0"/>
+                      </a:rPr>
+                      <m:t>𝑥</m:t>
+                    </m:r>
+                  </m:oMath>
+                </a14:m>
+                <a:r>
+                  <a:rPr lang="fr-FR" sz="2200" dirty="0"/>
+                  <a:t>) et on cherche à prédire les futures valeurs de </a:t>
+                </a:r>
+                <a14:m>
+                  <m:oMath xmlns:m="http://schemas.openxmlformats.org/officeDocument/2006/math">
+                    <m:r>
+                      <a:rPr lang="fr-FR" sz="2200" i="1">
+                        <a:latin typeface="Cambria Math" panose="02040503050406030204" pitchFamily="18" charset="0"/>
+                      </a:rPr>
+                      <m:t>𝜃</m:t>
+                    </m:r>
+                  </m:oMath>
+                </a14:m>
+                <a:r>
+                  <a:rPr lang="fr-FR" sz="2200" dirty="0"/>
+                  <a:t>. </a:t>
+                </a:r>
+              </a:p>
+              <a:p>
+                <a:pPr marL="0" indent="0">
+                  <a:buNone/>
+                </a:pPr>
+                <a:endParaRPr lang="fr-FR" sz="2200" u="sng" dirty="0"/>
+              </a:p>
+              <a:p>
+                <a:pPr marL="0" indent="0">
+                  <a:buNone/>
+                </a:pPr>
+                <a:endParaRPr lang="fr-FR" sz="2000" u="sng" dirty="0"/>
+              </a:p>
+              <a:p>
+                <a:pPr marL="0" indent="0">
+                  <a:buNone/>
+                </a:pPr>
+                <a:endParaRPr lang="fr-FR" sz="2000" dirty="0"/>
+              </a:p>
+            </p:txBody>
+          </p:sp>
+        </mc:Choice>
+        <mc:Fallback xmlns="">
+          <p:sp>
+            <p:nvSpPr>
+              <p:cNvPr id="3" name="Espace réservé du contenu 2">
+                <a:extLst>
+                  <a:ext uri="{FF2B5EF4-FFF2-40B4-BE49-F238E27FC236}">
+                    <a16:creationId xmlns:a16="http://schemas.microsoft.com/office/drawing/2014/main" id="{B59E77B8-2D75-472C-B76C-ABDDE0CAFCD5}"/>
+                  </a:ext>
+                </a:extLst>
+              </p:cNvPr>
+              <p:cNvSpPr>
+                <a:spLocks noGrp="1" noRot="1" noChangeAspect="1" noMove="1" noResize="1" noEditPoints="1" noAdjustHandles="1" noChangeArrowheads="1" noChangeShapeType="1" noTextEdit="1"/>
+              </p:cNvSpPr>
+              <p:nvPr>
+                <p:ph idx="1"/>
+              </p:nvPr>
+            </p:nvSpPr>
+            <p:spPr>
+              <a:xfrm>
+                <a:off x="537750" y="442534"/>
+                <a:ext cx="10839994" cy="6021978"/>
+              </a:xfrm>
+              <a:blipFill>
+                <a:blip r:embed="rId2"/>
+                <a:stretch>
+                  <a:fillRect l="-731" t="-1317" r="-1125"/>
+                </a:stretch>
+              </a:blipFill>
+            </p:spPr>
+            <p:txBody>
+              <a:bodyPr/>
+              <a:lstStyle/>
+              <a:p>
+                <a:r>
+                  <a:rPr lang="fr-FR">
+                    <a:noFill/>
+                  </a:rPr>
+                  <a:t> </a:t>
+                </a:r>
+              </a:p>
+            </p:txBody>
+          </p:sp>
+        </mc:Fallback>
+      </mc:AlternateContent>
+      <p:pic>
+        <p:nvPicPr>
+          <p:cNvPr id="6" name="Image 5">
+            <a:extLst>
+              <a:ext uri="{FF2B5EF4-FFF2-40B4-BE49-F238E27FC236}">
+                <a16:creationId xmlns:a16="http://schemas.microsoft.com/office/drawing/2014/main" id="{508DAB66-FCBD-4D27-8685-25665105E9AB}"/>
+              </a:ext>
+            </a:extLst>
+          </p:cNvPr>
+          <p:cNvPicPr>
+            <a:picLocks noChangeAspect="1"/>
+          </p:cNvPicPr>
+          <p:nvPr/>
+        </p:nvPicPr>
+        <p:blipFill>
+          <a:blip r:embed="rId3"/>
+          <a:stretch>
+            <a:fillRect/>
+          </a:stretch>
+        </p:blipFill>
+        <p:spPr>
+          <a:xfrm>
+            <a:off x="4598136" y="406936"/>
+            <a:ext cx="2719221" cy="2697921"/>
+          </a:xfrm>
+          <a:prstGeom prst="rect">
+            <a:avLst/>
+          </a:prstGeom>
+        </p:spPr>
+      </p:pic>
+    </p:spTree>
+    <p:extLst>
+      <p:ext uri="{BB962C8B-B14F-4D97-AF65-F5344CB8AC3E}">
+        <p14:creationId xmlns:p14="http://schemas.microsoft.com/office/powerpoint/2010/main" val="708479726"/>
+      </p:ext>
+    </p:extLst>
+  </p:cSld>
+  <p:clrMapOvr>
+    <a:masterClrMapping/>
+  </p:clrMapOvr>
+</p:sld>
+</file>
+
+<file path=ppt/slides/slide31.xml><?xml version="1.0" encoding="utf-8"?>
+<p:sld xmlns:a="http://schemas.openxmlformats.org/drawingml/2006/main" xmlns:r="http://schemas.openxmlformats.org/officeDocument/2006/relationships" xmlns:p="http://schemas.openxmlformats.org/presentationml/2006/main">
+  <p:cSld>
+    <p:spTree>
+      <p:nvGrpSpPr>
+        <p:cNvPr id="1" name=""/>
+        <p:cNvGrpSpPr/>
+        <p:nvPr/>
+      </p:nvGrpSpPr>
+      <p:grpSpPr>
+        <a:xfrm>
+          <a:off x="0" y="0"/>
+          <a:ext cx="0" cy="0"/>
+          <a:chOff x="0" y="0"/>
+          <a:chExt cx="0" cy="0"/>
+        </a:xfrm>
+      </p:grpSpPr>
+      <mc:AlternateContent xmlns:mc="http://schemas.openxmlformats.org/markup-compatibility/2006" xmlns:a14="http://schemas.microsoft.com/office/drawing/2010/main">
+        <mc:Choice Requires="a14">
+          <p:sp>
+            <p:nvSpPr>
+              <p:cNvPr id="3" name="Espace réservé du contenu 2">
+                <a:extLst>
+                  <a:ext uri="{FF2B5EF4-FFF2-40B4-BE49-F238E27FC236}">
+                    <a16:creationId xmlns:a16="http://schemas.microsoft.com/office/drawing/2014/main" id="{B59E77B8-2D75-472C-B76C-ABDDE0CAFCD5}"/>
+                  </a:ext>
+                </a:extLst>
+              </p:cNvPr>
+              <p:cNvSpPr>
+                <a:spLocks noGrp="1"/>
+              </p:cNvSpPr>
+              <p:nvPr>
+                <p:ph idx="1"/>
+              </p:nvPr>
+            </p:nvSpPr>
+            <p:spPr>
+              <a:xfrm>
+                <a:off x="537750" y="442534"/>
+                <a:ext cx="10839994" cy="6021978"/>
+              </a:xfrm>
+            </p:spPr>
+            <p:txBody>
+              <a:bodyPr>
+                <a:normAutofit/>
+              </a:bodyPr>
+              <a:lstStyle/>
+              <a:p>
+                <a:pPr marL="0" indent="0">
+                  <a:buNone/>
+                </a:pPr>
+                <a:r>
+                  <a:rPr lang="fr-FR" sz="2200" u="sng" dirty="0"/>
+                  <a:t>Approche simple</a:t>
+                </a:r>
+                <a:r>
+                  <a:rPr lang="fr-FR" sz="2200" dirty="0"/>
+                  <a:t> :</a:t>
+                </a:r>
+              </a:p>
+              <a:p>
+                <a:pPr marL="0" indent="0">
+                  <a:buNone/>
+                </a:pPr>
+                <a:endParaRPr lang="fr-FR" sz="2200" dirty="0"/>
+              </a:p>
+              <a:p>
+                <a:r>
+                  <a:rPr lang="fr-FR" sz="2000" dirty="0"/>
+                  <a:t>Représentation de la séquence en simple vecteur (</a:t>
+                </a:r>
+                <a:r>
+                  <a:rPr lang="fr-FR" sz="2000" i="1" dirty="0"/>
+                  <a:t>flat</a:t>
+                </a:r>
+                <a:r>
+                  <a:rPr lang="fr-FR" sz="2000" dirty="0"/>
+                  <a:t>).</a:t>
+                </a:r>
+              </a:p>
+              <a:p>
+                <a:r>
+                  <a:rPr lang="fr-FR" sz="2000" dirty="0"/>
+                  <a:t>Utilisation d’un MLP.</a:t>
+                </a:r>
+              </a:p>
+              <a:p>
+                <a:pPr marL="0" indent="0">
+                  <a:buNone/>
+                </a:pPr>
+                <a:endParaRPr lang="fr-FR" sz="2200" dirty="0"/>
+              </a:p>
+              <a:p>
+                <a:pPr marL="0" indent="0">
+                  <a:buNone/>
+                </a:pPr>
+                <a:r>
+                  <a:rPr lang="fr-FR" sz="2000" b="1" dirty="0"/>
+                  <a:t>Pas adapté</a:t>
+                </a:r>
+                <a:r>
+                  <a:rPr lang="fr-FR" sz="2000" dirty="0"/>
+                  <a:t> :</a:t>
+                </a:r>
+              </a:p>
+              <a:p>
+                <a:r>
+                  <a:rPr lang="fr-FR" sz="2000" dirty="0"/>
+                  <a:t>La structure du MLP est mal adaptée à la </a:t>
+                </a:r>
+                <a:r>
+                  <a:rPr lang="fr-FR" sz="2000" u="sng" dirty="0"/>
+                  <a:t>structure des données</a:t>
+                </a:r>
+              </a:p>
+              <a:p>
+                <a:pPr marL="0" indent="0">
+                  <a:buNone/>
+                </a:pPr>
+                <a:r>
+                  <a:rPr lang="fr-FR" sz="2000" dirty="0"/>
+                  <a:t>    (e.g. la similitude entre un vecteur </a:t>
+                </a:r>
+                <a14:m>
+                  <m:oMath xmlns:m="http://schemas.openxmlformats.org/officeDocument/2006/math">
+                    <m:sSub>
+                      <m:sSubPr>
+                        <m:ctrlPr>
+                          <a:rPr lang="fr-FR" sz="2000" b="0" i="1" smtClean="0">
+                            <a:latin typeface="Cambria Math" panose="02040503050406030204" pitchFamily="18" charset="0"/>
+                          </a:rPr>
+                        </m:ctrlPr>
+                      </m:sSubPr>
+                      <m:e>
+                        <m:r>
+                          <a:rPr lang="fr-FR" sz="2000" b="0" i="1" smtClean="0">
+                            <a:latin typeface="Cambria Math" panose="02040503050406030204" pitchFamily="18" charset="0"/>
+                          </a:rPr>
+                          <m:t>𝑥</m:t>
+                        </m:r>
+                      </m:e>
+                      <m:sub>
+                        <m:r>
+                          <a:rPr lang="fr-FR" sz="2000" b="0" i="1" smtClean="0">
+                            <a:latin typeface="Cambria Math" panose="02040503050406030204" pitchFamily="18" charset="0"/>
+                          </a:rPr>
+                          <m:t>𝑡</m:t>
+                        </m:r>
+                      </m:sub>
+                    </m:sSub>
+                  </m:oMath>
+                </a14:m>
+                <a:r>
+                  <a:rPr lang="fr-FR" sz="2000" dirty="0"/>
+                  <a:t> et </a:t>
+                </a:r>
+                <a14:m>
+                  <m:oMath xmlns:m="http://schemas.openxmlformats.org/officeDocument/2006/math">
+                    <m:sSub>
+                      <m:sSubPr>
+                        <m:ctrlPr>
+                          <a:rPr lang="fr-FR" sz="2000" b="0" i="1" smtClean="0">
+                            <a:latin typeface="Cambria Math" panose="02040503050406030204" pitchFamily="18" charset="0"/>
+                          </a:rPr>
+                        </m:ctrlPr>
+                      </m:sSubPr>
+                      <m:e>
+                        <m:r>
+                          <a:rPr lang="fr-FR" sz="2000" b="0" i="1" smtClean="0">
+                            <a:latin typeface="Cambria Math" panose="02040503050406030204" pitchFamily="18" charset="0"/>
+                          </a:rPr>
+                          <m:t>𝑥</m:t>
+                        </m:r>
+                      </m:e>
+                      <m:sub>
+                        <m:r>
+                          <a:rPr lang="fr-FR" sz="2000" b="0" i="1" smtClean="0">
+                            <a:latin typeface="Cambria Math" panose="02040503050406030204" pitchFamily="18" charset="0"/>
+                          </a:rPr>
+                          <m:t>𝑡</m:t>
+                        </m:r>
+                        <m:r>
+                          <a:rPr lang="fr-FR" sz="2000" b="0" i="1" smtClean="0">
+                            <a:latin typeface="Cambria Math" panose="02040503050406030204" pitchFamily="18" charset="0"/>
+                          </a:rPr>
+                          <m:t>+1</m:t>
+                        </m:r>
+                      </m:sub>
+                    </m:sSub>
+                  </m:oMath>
+                </a14:m>
+                <a:r>
+                  <a:rPr lang="fr-FR" sz="2000" dirty="0"/>
+                  <a:t>n’est pas exploitée).</a:t>
+                </a:r>
+              </a:p>
+              <a:p>
+                <a:r>
+                  <a:rPr lang="fr-FR" sz="2000" dirty="0"/>
+                  <a:t>Mal adapté à des séquences de longueurs variables.</a:t>
+                </a:r>
+              </a:p>
+              <a:p>
+                <a:pPr marL="0" indent="0">
+                  <a:buNone/>
+                </a:pPr>
+                <a14:m>
+                  <m:oMath xmlns:m="http://schemas.openxmlformats.org/officeDocument/2006/math">
+                    <m:r>
+                      <a:rPr lang="fr-FR" sz="2000" b="0" i="1" smtClean="0">
+                        <a:latin typeface="Cambria Math" panose="02040503050406030204" pitchFamily="18" charset="0"/>
+                      </a:rPr>
+                      <m:t>⇒</m:t>
+                    </m:r>
+                  </m:oMath>
+                </a14:m>
+                <a:r>
+                  <a:rPr lang="fr-FR" sz="2000" dirty="0"/>
+                  <a:t> expressivité limitée </a:t>
+                </a:r>
+                <a14:m>
+                  <m:oMath xmlns:m="http://schemas.openxmlformats.org/officeDocument/2006/math">
+                    <m:r>
+                      <a:rPr lang="fr-FR" sz="2000" b="0" i="1" smtClean="0">
+                        <a:latin typeface="Cambria Math" panose="02040503050406030204" pitchFamily="18" charset="0"/>
+                      </a:rPr>
+                      <m:t>⇒</m:t>
+                    </m:r>
+                  </m:oMath>
+                </a14:m>
+                <a:r>
+                  <a:rPr lang="fr-FR" sz="2000" dirty="0"/>
+                  <a:t> prédictions peu précises et/ou nécessite </a:t>
+                </a:r>
+              </a:p>
+              <a:p>
+                <a:pPr marL="0" indent="0">
+                  <a:buNone/>
+                </a:pPr>
+                <a:r>
+                  <a:rPr lang="fr-FR" sz="2000" dirty="0"/>
+                  <a:t>de nombreux paramètres (beaucoup de neurones) </a:t>
+                </a:r>
+                <a14:m>
+                  <m:oMath xmlns:m="http://schemas.openxmlformats.org/officeDocument/2006/math">
+                    <m:r>
+                      <a:rPr lang="fr-FR" sz="2000" b="0" i="1" smtClean="0">
+                        <a:latin typeface="Cambria Math" panose="02040503050406030204" pitchFamily="18" charset="0"/>
+                      </a:rPr>
+                      <m:t>⇒</m:t>
+                    </m:r>
+                  </m:oMath>
+                </a14:m>
+                <a:r>
+                  <a:rPr lang="fr-FR" sz="2000" dirty="0"/>
+                  <a:t> risque de </a:t>
+                </a:r>
+              </a:p>
+              <a:p>
+                <a:pPr marL="0" indent="0">
+                  <a:buNone/>
+                </a:pPr>
+                <a:r>
+                  <a:rPr lang="fr-FR" sz="2000" dirty="0"/>
+                  <a:t>surapprentissage.</a:t>
+                </a:r>
+              </a:p>
+              <a:p>
+                <a:pPr marL="0" indent="0">
+                  <a:buNone/>
+                </a:pPr>
+                <a:endParaRPr lang="fr-FR" sz="2000" dirty="0"/>
+              </a:p>
+            </p:txBody>
+          </p:sp>
+        </mc:Choice>
+        <mc:Fallback xmlns="">
+          <p:sp>
+            <p:nvSpPr>
+              <p:cNvPr id="3" name="Espace réservé du contenu 2">
+                <a:extLst>
+                  <a:ext uri="{FF2B5EF4-FFF2-40B4-BE49-F238E27FC236}">
+                    <a16:creationId xmlns:a16="http://schemas.microsoft.com/office/drawing/2014/main" id="{B59E77B8-2D75-472C-B76C-ABDDE0CAFCD5}"/>
+                  </a:ext>
+                </a:extLst>
+              </p:cNvPr>
+              <p:cNvSpPr>
+                <a:spLocks noGrp="1" noRot="1" noChangeAspect="1" noMove="1" noResize="1" noEditPoints="1" noAdjustHandles="1" noChangeArrowheads="1" noChangeShapeType="1" noTextEdit="1"/>
+              </p:cNvSpPr>
+              <p:nvPr>
+                <p:ph idx="1"/>
+              </p:nvPr>
+            </p:nvSpPr>
+            <p:spPr>
+              <a:xfrm>
+                <a:off x="537750" y="442534"/>
+                <a:ext cx="10839994" cy="6021978"/>
+              </a:xfrm>
+              <a:blipFill>
+                <a:blip r:embed="rId2"/>
+                <a:stretch>
+                  <a:fillRect l="-731" t="-1317"/>
+                </a:stretch>
+              </a:blipFill>
+            </p:spPr>
+            <p:txBody>
+              <a:bodyPr/>
+              <a:lstStyle/>
+              <a:p>
+                <a:r>
+                  <a:rPr lang="fr-FR">
+                    <a:noFill/>
+                  </a:rPr>
+                  <a:t> </a:t>
+                </a:r>
+              </a:p>
+            </p:txBody>
+          </p:sp>
+        </mc:Fallback>
+      </mc:AlternateContent>
+      <p:grpSp>
+        <p:nvGrpSpPr>
+          <p:cNvPr id="22" name="Groupe 21">
+            <a:extLst>
+              <a:ext uri="{FF2B5EF4-FFF2-40B4-BE49-F238E27FC236}">
+                <a16:creationId xmlns:a16="http://schemas.microsoft.com/office/drawing/2014/main" id="{6BB0E4DA-9783-49DB-824B-47D226DAB75D}"/>
+              </a:ext>
+            </a:extLst>
+          </p:cNvPr>
+          <p:cNvGrpSpPr/>
+          <p:nvPr/>
+        </p:nvGrpSpPr>
+        <p:grpSpPr>
+          <a:xfrm>
+            <a:off x="8517587" y="692526"/>
+            <a:ext cx="2117269" cy="4155138"/>
+            <a:chOff x="1309964" y="1472456"/>
+            <a:chExt cx="2117269" cy="4155138"/>
+          </a:xfrm>
+        </p:grpSpPr>
+        <p:cxnSp>
+          <p:nvCxnSpPr>
+            <p:cNvPr id="23" name="Connecteur droit avec flèche 22">
+              <a:extLst>
+                <a:ext uri="{FF2B5EF4-FFF2-40B4-BE49-F238E27FC236}">
+                  <a16:creationId xmlns:a16="http://schemas.microsoft.com/office/drawing/2014/main" id="{42807F9F-124F-431C-B68A-890C50147817}"/>
+                </a:ext>
+              </a:extLst>
+            </p:cNvPr>
+            <p:cNvCxnSpPr>
+              <a:cxnSpLocks/>
+            </p:cNvCxnSpPr>
+            <p:nvPr/>
+          </p:nvCxnSpPr>
+          <p:spPr>
+            <a:xfrm>
+              <a:off x="1614475" y="2023782"/>
+              <a:ext cx="360000" cy="0"/>
+            </a:xfrm>
+            <a:prstGeom prst="straightConnector1">
+              <a:avLst/>
+            </a:prstGeom>
+            <a:ln w="12700">
+              <a:tailEnd type="triangle"/>
+            </a:ln>
+          </p:spPr>
+          <p:style>
+            <a:lnRef idx="1">
+              <a:schemeClr val="accent1"/>
+            </a:lnRef>
+            <a:fillRef idx="0">
+              <a:schemeClr val="accent1"/>
+            </a:fillRef>
+            <a:effectRef idx="0">
+              <a:schemeClr val="accent1"/>
+            </a:effectRef>
+            <a:fontRef idx="minor">
+              <a:schemeClr val="tx1"/>
+            </a:fontRef>
+          </p:style>
+        </p:cxnSp>
+        <p:sp>
+          <p:nvSpPr>
+            <p:cNvPr id="24" name="Trapèze 23">
+              <a:extLst>
+                <a:ext uri="{FF2B5EF4-FFF2-40B4-BE49-F238E27FC236}">
+                  <a16:creationId xmlns:a16="http://schemas.microsoft.com/office/drawing/2014/main" id="{4FC99D35-5B71-457F-A3C8-B493B7E8354F}"/>
+                </a:ext>
+              </a:extLst>
+            </p:cNvPr>
+            <p:cNvSpPr/>
+            <p:nvPr/>
+          </p:nvSpPr>
+          <p:spPr>
+            <a:xfrm rot="5400000">
+              <a:off x="443754" y="3008783"/>
+              <a:ext cx="4155138" cy="1082484"/>
+            </a:xfrm>
+            <a:prstGeom prst="trapezoid">
+              <a:avLst>
+                <a:gd name="adj" fmla="val 84006"/>
+              </a:avLst>
+            </a:prstGeom>
+          </p:spPr>
+          <p:style>
+            <a:lnRef idx="2">
+              <a:schemeClr val="accent1">
+                <a:shade val="50000"/>
+              </a:schemeClr>
+            </a:lnRef>
+            <a:fillRef idx="1">
+              <a:schemeClr val="accent1"/>
+            </a:fillRef>
+            <a:effectRef idx="0">
+              <a:schemeClr val="accent1"/>
+            </a:effectRef>
+            <a:fontRef idx="minor">
+              <a:schemeClr val="lt1"/>
+            </a:fontRef>
+          </p:style>
+          <p:txBody>
+            <a:bodyPr rtlCol="0" anchor="ctr"/>
+            <a:lstStyle/>
+            <a:p>
+              <a:pPr algn="ctr"/>
+              <a:r>
+                <a:rPr lang="fr-FR" dirty="0"/>
+                <a:t>MLP</a:t>
+              </a:r>
+            </a:p>
+          </p:txBody>
+        </p:sp>
+        <mc:AlternateContent xmlns:mc="http://schemas.openxmlformats.org/markup-compatibility/2006" xmlns:a14="http://schemas.microsoft.com/office/drawing/2010/main">
+          <mc:Choice Requires="a14">
+            <p:sp>
+              <p:nvSpPr>
+                <p:cNvPr id="25" name="ZoneTexte 24">
+                  <a:extLst>
+                    <a:ext uri="{FF2B5EF4-FFF2-40B4-BE49-F238E27FC236}">
+                      <a16:creationId xmlns:a16="http://schemas.microsoft.com/office/drawing/2014/main" id="{1C1D9EEF-3769-4882-B30B-E5ACC034E724}"/>
+                    </a:ext>
+                  </a:extLst>
+                </p:cNvPr>
+                <p:cNvSpPr txBox="1"/>
+                <p:nvPr/>
+              </p:nvSpPr>
+              <p:spPr>
+                <a:xfrm>
+                  <a:off x="1309964" y="1653987"/>
+                  <a:ext cx="579582" cy="381515"/>
+                </a:xfrm>
+                <a:prstGeom prst="rect">
+                  <a:avLst/>
+                </a:prstGeom>
+                <a:noFill/>
+              </p:spPr>
+              <p:txBody>
+                <a:bodyPr wrap="none" rtlCol="0">
+                  <a:spAutoFit/>
+                </a:bodyPr>
+                <a:lstStyle/>
+                <a:p>
+                  <a:pPr/>
+                  <a14:m>
+                    <m:oMathPara xmlns:m="http://schemas.openxmlformats.org/officeDocument/2006/math">
+                      <m:oMathParaPr>
+                        <m:jc m:val="centerGroup"/>
+                      </m:oMathParaPr>
+                      <m:oMath xmlns:m="http://schemas.openxmlformats.org/officeDocument/2006/math">
+                        <m:sSub>
+                          <m:sSubPr>
+                            <m:ctrlPr>
+                              <a:rPr lang="fr-FR" b="0" i="1" smtClean="0">
+                                <a:latin typeface="Cambria Math" panose="02040503050406030204" pitchFamily="18" charset="0"/>
+                              </a:rPr>
+                            </m:ctrlPr>
+                          </m:sSubPr>
+                          <m:e>
+                            <m:r>
+                              <a:rPr lang="fr-FR" b="0" i="1" smtClean="0">
+                                <a:latin typeface="Cambria Math" panose="02040503050406030204" pitchFamily="18" charset="0"/>
+                              </a:rPr>
+                              <m:t>𝑥</m:t>
+                            </m:r>
+                          </m:e>
+                          <m:sub>
+                            <m:r>
+                              <a:rPr lang="fr-FR" b="0" i="1" smtClean="0">
+                                <a:latin typeface="Cambria Math" panose="02040503050406030204" pitchFamily="18" charset="0"/>
+                              </a:rPr>
+                              <m:t>𝑡</m:t>
+                            </m:r>
+                            <m:r>
+                              <a:rPr lang="fr-FR" b="0" i="1" smtClean="0">
+                                <a:latin typeface="Cambria Math" panose="02040503050406030204" pitchFamily="18" charset="0"/>
+                              </a:rPr>
+                              <m:t>,1</m:t>
+                            </m:r>
+                          </m:sub>
+                        </m:sSub>
+                      </m:oMath>
+                    </m:oMathPara>
+                  </a14:m>
+                  <a:endParaRPr lang="fr-FR" dirty="0"/>
+                </a:p>
+              </p:txBody>
+            </p:sp>
+          </mc:Choice>
+          <mc:Fallback xmlns="">
+            <p:sp>
+              <p:nvSpPr>
+                <p:cNvPr id="25" name="ZoneTexte 24">
+                  <a:extLst>
+                    <a:ext uri="{FF2B5EF4-FFF2-40B4-BE49-F238E27FC236}">
+                      <a16:creationId xmlns:a16="http://schemas.microsoft.com/office/drawing/2014/main" id="{1C1D9EEF-3769-4882-B30B-E5ACC034E724}"/>
+                    </a:ext>
+                  </a:extLst>
+                </p:cNvPr>
+                <p:cNvSpPr txBox="1">
+                  <a:spLocks noRot="1" noChangeAspect="1" noMove="1" noResize="1" noEditPoints="1" noAdjustHandles="1" noChangeArrowheads="1" noChangeShapeType="1" noTextEdit="1"/>
+                </p:cNvSpPr>
+                <p:nvPr/>
+              </p:nvSpPr>
+              <p:spPr>
+                <a:xfrm>
+                  <a:off x="1309964" y="1653987"/>
+                  <a:ext cx="579582" cy="381515"/>
+                </a:xfrm>
+                <a:prstGeom prst="rect">
+                  <a:avLst/>
+                </a:prstGeom>
+                <a:blipFill>
+                  <a:blip r:embed="rId3"/>
+                  <a:stretch>
+                    <a:fillRect/>
+                  </a:stretch>
+                </a:blipFill>
+              </p:spPr>
+              <p:txBody>
+                <a:bodyPr/>
+                <a:lstStyle/>
+                <a:p>
+                  <a:r>
+                    <a:rPr lang="fr-FR">
+                      <a:noFill/>
+                    </a:rPr>
+                    <a:t> </a:t>
+                  </a:r>
+                </a:p>
+              </p:txBody>
+            </p:sp>
+          </mc:Fallback>
+        </mc:AlternateContent>
+        <p:cxnSp>
+          <p:nvCxnSpPr>
+            <p:cNvPr id="26" name="Connecteur droit avec flèche 25">
+              <a:extLst>
+                <a:ext uri="{FF2B5EF4-FFF2-40B4-BE49-F238E27FC236}">
+                  <a16:creationId xmlns:a16="http://schemas.microsoft.com/office/drawing/2014/main" id="{C7629BC9-289C-4FDF-84F1-F1D3DE4DE7D5}"/>
+                </a:ext>
+              </a:extLst>
+            </p:cNvPr>
+            <p:cNvCxnSpPr>
+              <a:cxnSpLocks/>
+            </p:cNvCxnSpPr>
+            <p:nvPr/>
+          </p:nvCxnSpPr>
+          <p:spPr>
+            <a:xfrm>
+              <a:off x="1614475" y="2321859"/>
+              <a:ext cx="360000" cy="0"/>
+            </a:xfrm>
+            <a:prstGeom prst="straightConnector1">
+              <a:avLst/>
+            </a:prstGeom>
+            <a:ln w="12700">
+              <a:tailEnd type="triangle"/>
+            </a:ln>
+          </p:spPr>
+          <p:style>
+            <a:lnRef idx="1">
+              <a:schemeClr val="accent1"/>
+            </a:lnRef>
+            <a:fillRef idx="0">
+              <a:schemeClr val="accent1"/>
+            </a:fillRef>
+            <a:effectRef idx="0">
+              <a:schemeClr val="accent1"/>
+            </a:effectRef>
+            <a:fontRef idx="minor">
+              <a:schemeClr val="tx1"/>
+            </a:fontRef>
+          </p:style>
+        </p:cxnSp>
+        <mc:AlternateContent xmlns:mc="http://schemas.openxmlformats.org/markup-compatibility/2006" xmlns:a14="http://schemas.microsoft.com/office/drawing/2010/main">
+          <mc:Choice Requires="a14">
+            <p:sp>
+              <p:nvSpPr>
+                <p:cNvPr id="27" name="ZoneTexte 26">
+                  <a:extLst>
+                    <a:ext uri="{FF2B5EF4-FFF2-40B4-BE49-F238E27FC236}">
+                      <a16:creationId xmlns:a16="http://schemas.microsoft.com/office/drawing/2014/main" id="{71D5DEEE-76B8-4B50-B76C-4AFABC8C522E}"/>
+                    </a:ext>
+                  </a:extLst>
+                </p:cNvPr>
+                <p:cNvSpPr txBox="1"/>
+                <p:nvPr/>
+              </p:nvSpPr>
+              <p:spPr>
+                <a:xfrm>
+                  <a:off x="1309964" y="1952064"/>
+                  <a:ext cx="579582" cy="381515"/>
+                </a:xfrm>
+                <a:prstGeom prst="rect">
+                  <a:avLst/>
+                </a:prstGeom>
+                <a:noFill/>
+              </p:spPr>
+              <p:txBody>
+                <a:bodyPr wrap="none" rtlCol="0">
+                  <a:spAutoFit/>
+                </a:bodyPr>
+                <a:lstStyle/>
+                <a:p>
+                  <a:pPr/>
+                  <a14:m>
+                    <m:oMathPara xmlns:m="http://schemas.openxmlformats.org/officeDocument/2006/math">
+                      <m:oMathParaPr>
+                        <m:jc m:val="centerGroup"/>
+                      </m:oMathParaPr>
+                      <m:oMath xmlns:m="http://schemas.openxmlformats.org/officeDocument/2006/math">
+                        <m:sSub>
+                          <m:sSubPr>
+                            <m:ctrlPr>
+                              <a:rPr lang="fr-FR" b="0" i="1" smtClean="0">
+                                <a:latin typeface="Cambria Math" panose="02040503050406030204" pitchFamily="18" charset="0"/>
+                              </a:rPr>
+                            </m:ctrlPr>
+                          </m:sSubPr>
+                          <m:e>
+                            <m:r>
+                              <a:rPr lang="fr-FR" b="0" i="1" smtClean="0">
+                                <a:latin typeface="Cambria Math" panose="02040503050406030204" pitchFamily="18" charset="0"/>
+                              </a:rPr>
+                              <m:t>𝑥</m:t>
+                            </m:r>
+                          </m:e>
+                          <m:sub>
+                            <m:r>
+                              <a:rPr lang="fr-FR" b="0" i="1" smtClean="0">
+                                <a:latin typeface="Cambria Math" panose="02040503050406030204" pitchFamily="18" charset="0"/>
+                              </a:rPr>
+                              <m:t>𝑡</m:t>
+                            </m:r>
+                            <m:r>
+                              <a:rPr lang="fr-FR" b="0" i="1" smtClean="0">
+                                <a:latin typeface="Cambria Math" panose="02040503050406030204" pitchFamily="18" charset="0"/>
+                              </a:rPr>
+                              <m:t>,2</m:t>
+                            </m:r>
+                          </m:sub>
+                        </m:sSub>
+                      </m:oMath>
+                    </m:oMathPara>
+                  </a14:m>
+                  <a:endParaRPr lang="fr-FR" dirty="0"/>
+                </a:p>
+              </p:txBody>
+            </p:sp>
+          </mc:Choice>
+          <mc:Fallback xmlns="">
+            <p:sp>
+              <p:nvSpPr>
+                <p:cNvPr id="27" name="ZoneTexte 26">
+                  <a:extLst>
+                    <a:ext uri="{FF2B5EF4-FFF2-40B4-BE49-F238E27FC236}">
+                      <a16:creationId xmlns:a16="http://schemas.microsoft.com/office/drawing/2014/main" id="{71D5DEEE-76B8-4B50-B76C-4AFABC8C522E}"/>
+                    </a:ext>
+                  </a:extLst>
+                </p:cNvPr>
+                <p:cNvSpPr txBox="1">
+                  <a:spLocks noRot="1" noChangeAspect="1" noMove="1" noResize="1" noEditPoints="1" noAdjustHandles="1" noChangeArrowheads="1" noChangeShapeType="1" noTextEdit="1"/>
+                </p:cNvSpPr>
+                <p:nvPr/>
+              </p:nvSpPr>
+              <p:spPr>
+                <a:xfrm>
+                  <a:off x="1309964" y="1952064"/>
+                  <a:ext cx="579582" cy="381515"/>
+                </a:xfrm>
+                <a:prstGeom prst="rect">
+                  <a:avLst/>
+                </a:prstGeom>
+                <a:blipFill>
+                  <a:blip r:embed="rId4"/>
+                  <a:stretch>
+                    <a:fillRect/>
+                  </a:stretch>
+                </a:blipFill>
+              </p:spPr>
+              <p:txBody>
+                <a:bodyPr/>
+                <a:lstStyle/>
+                <a:p>
+                  <a:r>
+                    <a:rPr lang="fr-FR">
+                      <a:noFill/>
+                    </a:rPr>
+                    <a:t> </a:t>
+                  </a:r>
+                </a:p>
+              </p:txBody>
+            </p:sp>
+          </mc:Fallback>
+        </mc:AlternateContent>
+        <p:cxnSp>
+          <p:nvCxnSpPr>
+            <p:cNvPr id="28" name="Connecteur droit avec flèche 27">
+              <a:extLst>
+                <a:ext uri="{FF2B5EF4-FFF2-40B4-BE49-F238E27FC236}">
+                  <a16:creationId xmlns:a16="http://schemas.microsoft.com/office/drawing/2014/main" id="{54989025-D58D-4CA6-8366-A4BE39763EA7}"/>
+                </a:ext>
+              </a:extLst>
+            </p:cNvPr>
+            <p:cNvCxnSpPr>
+              <a:cxnSpLocks/>
+            </p:cNvCxnSpPr>
+            <p:nvPr/>
+          </p:nvCxnSpPr>
+          <p:spPr>
+            <a:xfrm>
+              <a:off x="1614475" y="2619936"/>
+              <a:ext cx="360000" cy="0"/>
+            </a:xfrm>
+            <a:prstGeom prst="straightConnector1">
+              <a:avLst/>
+            </a:prstGeom>
+            <a:ln w="12700">
+              <a:tailEnd type="triangle"/>
+            </a:ln>
+          </p:spPr>
+          <p:style>
+            <a:lnRef idx="1">
+              <a:schemeClr val="accent1"/>
+            </a:lnRef>
+            <a:fillRef idx="0">
+              <a:schemeClr val="accent1"/>
+            </a:fillRef>
+            <a:effectRef idx="0">
+              <a:schemeClr val="accent1"/>
+            </a:effectRef>
+            <a:fontRef idx="minor">
+              <a:schemeClr val="tx1"/>
+            </a:fontRef>
+          </p:style>
+        </p:cxnSp>
+        <mc:AlternateContent xmlns:mc="http://schemas.openxmlformats.org/markup-compatibility/2006" xmlns:a14="http://schemas.microsoft.com/office/drawing/2010/main">
+          <mc:Choice Requires="a14">
+            <p:sp>
+              <p:nvSpPr>
+                <p:cNvPr id="29" name="ZoneTexte 28">
+                  <a:extLst>
+                    <a:ext uri="{FF2B5EF4-FFF2-40B4-BE49-F238E27FC236}">
+                      <a16:creationId xmlns:a16="http://schemas.microsoft.com/office/drawing/2014/main" id="{30AA84E5-2554-46F2-9111-1CC2336890F6}"/>
+                    </a:ext>
+                  </a:extLst>
+                </p:cNvPr>
+                <p:cNvSpPr txBox="1"/>
+                <p:nvPr/>
+              </p:nvSpPr>
+              <p:spPr>
+                <a:xfrm>
+                  <a:off x="1394411" y="2250141"/>
+                  <a:ext cx="410689" cy="369332"/>
+                </a:xfrm>
+                <a:prstGeom prst="rect">
+                  <a:avLst/>
+                </a:prstGeom>
+                <a:noFill/>
+              </p:spPr>
+              <p:txBody>
+                <a:bodyPr wrap="none" rtlCol="0">
+                  <a:spAutoFit/>
+                </a:bodyPr>
+                <a:lstStyle/>
+                <a:p>
+                  <a:pPr/>
+                  <a14:m>
+                    <m:oMathPara xmlns:m="http://schemas.openxmlformats.org/officeDocument/2006/math">
+                      <m:oMathParaPr>
+                        <m:jc m:val="centerGroup"/>
+                      </m:oMathParaPr>
+                      <m:oMath xmlns:m="http://schemas.openxmlformats.org/officeDocument/2006/math">
+                        <m:r>
+                          <a:rPr lang="fr-FR" b="0" i="1" smtClean="0">
+                            <a:latin typeface="Cambria Math" panose="02040503050406030204" pitchFamily="18" charset="0"/>
+                          </a:rPr>
+                          <m:t>…</m:t>
+                        </m:r>
+                      </m:oMath>
+                    </m:oMathPara>
+                  </a14:m>
+                  <a:endParaRPr lang="fr-FR" dirty="0"/>
+                </a:p>
+              </p:txBody>
+            </p:sp>
+          </mc:Choice>
+          <mc:Fallback xmlns="">
+            <p:sp>
+              <p:nvSpPr>
+                <p:cNvPr id="29" name="ZoneTexte 28">
+                  <a:extLst>
+                    <a:ext uri="{FF2B5EF4-FFF2-40B4-BE49-F238E27FC236}">
+                      <a16:creationId xmlns:a16="http://schemas.microsoft.com/office/drawing/2014/main" id="{30AA84E5-2554-46F2-9111-1CC2336890F6}"/>
+                    </a:ext>
+                  </a:extLst>
+                </p:cNvPr>
+                <p:cNvSpPr txBox="1">
+                  <a:spLocks noRot="1" noChangeAspect="1" noMove="1" noResize="1" noEditPoints="1" noAdjustHandles="1" noChangeArrowheads="1" noChangeShapeType="1" noTextEdit="1"/>
+                </p:cNvSpPr>
+                <p:nvPr/>
+              </p:nvSpPr>
+              <p:spPr>
+                <a:xfrm>
+                  <a:off x="1394411" y="2250141"/>
+                  <a:ext cx="410689" cy="369332"/>
+                </a:xfrm>
+                <a:prstGeom prst="rect">
+                  <a:avLst/>
+                </a:prstGeom>
+                <a:blipFill>
+                  <a:blip r:embed="rId5"/>
+                  <a:stretch>
+                    <a:fillRect/>
+                  </a:stretch>
+                </a:blipFill>
+              </p:spPr>
+              <p:txBody>
+                <a:bodyPr/>
+                <a:lstStyle/>
+                <a:p>
+                  <a:r>
+                    <a:rPr lang="fr-FR">
+                      <a:noFill/>
+                    </a:rPr>
+                    <a:t> </a:t>
+                  </a:r>
+                </a:p>
+              </p:txBody>
+            </p:sp>
+          </mc:Fallback>
+        </mc:AlternateContent>
+        <p:cxnSp>
+          <p:nvCxnSpPr>
+            <p:cNvPr id="30" name="Connecteur droit avec flèche 29">
+              <a:extLst>
+                <a:ext uri="{FF2B5EF4-FFF2-40B4-BE49-F238E27FC236}">
+                  <a16:creationId xmlns:a16="http://schemas.microsoft.com/office/drawing/2014/main" id="{2CD9D635-2E91-4802-B896-27285853C5AB}"/>
+                </a:ext>
+              </a:extLst>
+            </p:cNvPr>
+            <p:cNvCxnSpPr>
+              <a:cxnSpLocks/>
+            </p:cNvCxnSpPr>
+            <p:nvPr/>
+          </p:nvCxnSpPr>
+          <p:spPr>
+            <a:xfrm>
+              <a:off x="1612231" y="3164546"/>
+              <a:ext cx="360000" cy="0"/>
+            </a:xfrm>
+            <a:prstGeom prst="straightConnector1">
+              <a:avLst/>
+            </a:prstGeom>
+            <a:ln w="12700">
+              <a:tailEnd type="triangle"/>
+            </a:ln>
+          </p:spPr>
+          <p:style>
+            <a:lnRef idx="1">
+              <a:schemeClr val="accent1"/>
+            </a:lnRef>
+            <a:fillRef idx="0">
+              <a:schemeClr val="accent1"/>
+            </a:fillRef>
+            <a:effectRef idx="0">
+              <a:schemeClr val="accent1"/>
+            </a:effectRef>
+            <a:fontRef idx="minor">
+              <a:schemeClr val="tx1"/>
+            </a:fontRef>
+          </p:style>
+        </p:cxnSp>
+        <mc:AlternateContent xmlns:mc="http://schemas.openxmlformats.org/markup-compatibility/2006" xmlns:a14="http://schemas.microsoft.com/office/drawing/2010/main">
+          <mc:Choice Requires="a14">
+            <p:sp>
+              <p:nvSpPr>
+                <p:cNvPr id="31" name="ZoneTexte 30">
+                  <a:extLst>
+                    <a:ext uri="{FF2B5EF4-FFF2-40B4-BE49-F238E27FC236}">
+                      <a16:creationId xmlns:a16="http://schemas.microsoft.com/office/drawing/2014/main" id="{0B93BEE7-7786-48E7-9CBC-C28F164F91A6}"/>
+                    </a:ext>
+                  </a:extLst>
+                </p:cNvPr>
+                <p:cNvSpPr txBox="1"/>
+                <p:nvPr/>
+              </p:nvSpPr>
+              <p:spPr>
+                <a:xfrm>
+                  <a:off x="1314444" y="2794751"/>
+                  <a:ext cx="799193" cy="381515"/>
+                </a:xfrm>
+                <a:prstGeom prst="rect">
+                  <a:avLst/>
+                </a:prstGeom>
+                <a:noFill/>
+              </p:spPr>
+              <p:txBody>
+                <a:bodyPr wrap="none" rtlCol="0">
+                  <a:spAutoFit/>
+                </a:bodyPr>
+                <a:lstStyle/>
+                <a:p>
+                  <a:pPr/>
+                  <a14:m>
+                    <m:oMathPara xmlns:m="http://schemas.openxmlformats.org/officeDocument/2006/math">
+                      <m:oMathParaPr>
+                        <m:jc m:val="centerGroup"/>
+                      </m:oMathParaPr>
+                      <m:oMath xmlns:m="http://schemas.openxmlformats.org/officeDocument/2006/math">
+                        <m:sSub>
+                          <m:sSubPr>
+                            <m:ctrlPr>
+                              <a:rPr lang="fr-FR" b="0" i="1" smtClean="0">
+                                <a:latin typeface="Cambria Math" panose="02040503050406030204" pitchFamily="18" charset="0"/>
+                              </a:rPr>
+                            </m:ctrlPr>
+                          </m:sSubPr>
+                          <m:e>
+                            <m:r>
+                              <a:rPr lang="fr-FR" b="0" i="1" smtClean="0">
+                                <a:latin typeface="Cambria Math" panose="02040503050406030204" pitchFamily="18" charset="0"/>
+                              </a:rPr>
+                              <m:t>𝑥</m:t>
+                            </m:r>
+                          </m:e>
+                          <m:sub>
+                            <m:r>
+                              <a:rPr lang="fr-FR" b="0" i="1" smtClean="0">
+                                <a:latin typeface="Cambria Math" panose="02040503050406030204" pitchFamily="18" charset="0"/>
+                              </a:rPr>
+                              <m:t>𝑡</m:t>
+                            </m:r>
+                            <m:r>
+                              <a:rPr lang="fr-FR" b="0" i="1" smtClean="0">
+                                <a:latin typeface="Cambria Math" panose="02040503050406030204" pitchFamily="18" charset="0"/>
+                              </a:rPr>
+                              <m:t>+1,1</m:t>
+                            </m:r>
+                          </m:sub>
+                        </m:sSub>
+                      </m:oMath>
+                    </m:oMathPara>
+                  </a14:m>
+                  <a:endParaRPr lang="fr-FR" dirty="0"/>
+                </a:p>
+              </p:txBody>
+            </p:sp>
+          </mc:Choice>
+          <mc:Fallback xmlns="">
+            <p:sp>
+              <p:nvSpPr>
+                <p:cNvPr id="31" name="ZoneTexte 30">
+                  <a:extLst>
+                    <a:ext uri="{FF2B5EF4-FFF2-40B4-BE49-F238E27FC236}">
+                      <a16:creationId xmlns:a16="http://schemas.microsoft.com/office/drawing/2014/main" id="{0B93BEE7-7786-48E7-9CBC-C28F164F91A6}"/>
+                    </a:ext>
+                  </a:extLst>
+                </p:cNvPr>
+                <p:cNvSpPr txBox="1">
+                  <a:spLocks noRot="1" noChangeAspect="1" noMove="1" noResize="1" noEditPoints="1" noAdjustHandles="1" noChangeArrowheads="1" noChangeShapeType="1" noTextEdit="1"/>
+                </p:cNvSpPr>
+                <p:nvPr/>
+              </p:nvSpPr>
+              <p:spPr>
+                <a:xfrm>
+                  <a:off x="1314444" y="2794751"/>
+                  <a:ext cx="799193" cy="381515"/>
+                </a:xfrm>
+                <a:prstGeom prst="rect">
+                  <a:avLst/>
+                </a:prstGeom>
+                <a:blipFill>
+                  <a:blip r:embed="rId6"/>
+                  <a:stretch>
+                    <a:fillRect/>
+                  </a:stretch>
+                </a:blipFill>
+              </p:spPr>
+              <p:txBody>
+                <a:bodyPr/>
+                <a:lstStyle/>
+                <a:p>
+                  <a:r>
+                    <a:rPr lang="fr-FR">
+                      <a:noFill/>
+                    </a:rPr>
+                    <a:t> </a:t>
+                  </a:r>
+                </a:p>
+              </p:txBody>
+            </p:sp>
+          </mc:Fallback>
+        </mc:AlternateContent>
+        <p:cxnSp>
+          <p:nvCxnSpPr>
+            <p:cNvPr id="32" name="Connecteur droit avec flèche 31">
+              <a:extLst>
+                <a:ext uri="{FF2B5EF4-FFF2-40B4-BE49-F238E27FC236}">
+                  <a16:creationId xmlns:a16="http://schemas.microsoft.com/office/drawing/2014/main" id="{12D3175C-F0F2-4D60-A591-0A0FAA5DC077}"/>
+                </a:ext>
+              </a:extLst>
+            </p:cNvPr>
+            <p:cNvCxnSpPr>
+              <a:cxnSpLocks/>
+            </p:cNvCxnSpPr>
+            <p:nvPr/>
+          </p:nvCxnSpPr>
+          <p:spPr>
+            <a:xfrm>
+              <a:off x="1612231" y="3462623"/>
+              <a:ext cx="360000" cy="0"/>
+            </a:xfrm>
+            <a:prstGeom prst="straightConnector1">
+              <a:avLst/>
+            </a:prstGeom>
+            <a:ln w="12700">
+              <a:tailEnd type="triangle"/>
+            </a:ln>
+          </p:spPr>
+          <p:style>
+            <a:lnRef idx="1">
+              <a:schemeClr val="accent1"/>
+            </a:lnRef>
+            <a:fillRef idx="0">
+              <a:schemeClr val="accent1"/>
+            </a:fillRef>
+            <a:effectRef idx="0">
+              <a:schemeClr val="accent1"/>
+            </a:effectRef>
+            <a:fontRef idx="minor">
+              <a:schemeClr val="tx1"/>
+            </a:fontRef>
+          </p:style>
+        </p:cxnSp>
+        <mc:AlternateContent xmlns:mc="http://schemas.openxmlformats.org/markup-compatibility/2006" xmlns:a14="http://schemas.microsoft.com/office/drawing/2010/main">
+          <mc:Choice Requires="a14">
+            <p:sp>
+              <p:nvSpPr>
+                <p:cNvPr id="33" name="ZoneTexte 32">
+                  <a:extLst>
+                    <a:ext uri="{FF2B5EF4-FFF2-40B4-BE49-F238E27FC236}">
+                      <a16:creationId xmlns:a16="http://schemas.microsoft.com/office/drawing/2014/main" id="{39B11E0E-967A-44B0-BED2-976D2994CC23}"/>
+                    </a:ext>
+                  </a:extLst>
+                </p:cNvPr>
+                <p:cNvSpPr txBox="1"/>
+                <p:nvPr/>
+              </p:nvSpPr>
+              <p:spPr>
+                <a:xfrm>
+                  <a:off x="1314444" y="3092828"/>
+                  <a:ext cx="799193" cy="381515"/>
+                </a:xfrm>
+                <a:prstGeom prst="rect">
+                  <a:avLst/>
+                </a:prstGeom>
+                <a:noFill/>
+              </p:spPr>
+              <p:txBody>
+                <a:bodyPr wrap="none" rtlCol="0">
+                  <a:spAutoFit/>
+                </a:bodyPr>
+                <a:lstStyle/>
+                <a:p>
+                  <a:pPr/>
+                  <a14:m>
+                    <m:oMathPara xmlns:m="http://schemas.openxmlformats.org/officeDocument/2006/math">
+                      <m:oMathParaPr>
+                        <m:jc m:val="centerGroup"/>
+                      </m:oMathParaPr>
+                      <m:oMath xmlns:m="http://schemas.openxmlformats.org/officeDocument/2006/math">
+                        <m:sSub>
+                          <m:sSubPr>
+                            <m:ctrlPr>
+                              <a:rPr lang="fr-FR" b="0" i="1" smtClean="0">
+                                <a:latin typeface="Cambria Math" panose="02040503050406030204" pitchFamily="18" charset="0"/>
+                              </a:rPr>
+                            </m:ctrlPr>
+                          </m:sSubPr>
+                          <m:e>
+                            <m:r>
+                              <a:rPr lang="fr-FR" b="0" i="1" smtClean="0">
+                                <a:latin typeface="Cambria Math" panose="02040503050406030204" pitchFamily="18" charset="0"/>
+                              </a:rPr>
+                              <m:t>𝑥</m:t>
+                            </m:r>
+                          </m:e>
+                          <m:sub>
+                            <m:r>
+                              <a:rPr lang="fr-FR" b="0" i="1" smtClean="0">
+                                <a:latin typeface="Cambria Math" panose="02040503050406030204" pitchFamily="18" charset="0"/>
+                              </a:rPr>
+                              <m:t>𝑡</m:t>
+                            </m:r>
+                            <m:r>
+                              <a:rPr lang="fr-FR" b="0" i="1" smtClean="0">
+                                <a:latin typeface="Cambria Math" panose="02040503050406030204" pitchFamily="18" charset="0"/>
+                              </a:rPr>
+                              <m:t>+1,2</m:t>
+                            </m:r>
+                          </m:sub>
+                        </m:sSub>
+                      </m:oMath>
+                    </m:oMathPara>
+                  </a14:m>
+                  <a:endParaRPr lang="fr-FR" dirty="0"/>
+                </a:p>
+              </p:txBody>
+            </p:sp>
+          </mc:Choice>
+          <mc:Fallback xmlns="">
+            <p:sp>
+              <p:nvSpPr>
+                <p:cNvPr id="33" name="ZoneTexte 32">
+                  <a:extLst>
+                    <a:ext uri="{FF2B5EF4-FFF2-40B4-BE49-F238E27FC236}">
+                      <a16:creationId xmlns:a16="http://schemas.microsoft.com/office/drawing/2014/main" id="{39B11E0E-967A-44B0-BED2-976D2994CC23}"/>
+                    </a:ext>
+                  </a:extLst>
+                </p:cNvPr>
+                <p:cNvSpPr txBox="1">
+                  <a:spLocks noRot="1" noChangeAspect="1" noMove="1" noResize="1" noEditPoints="1" noAdjustHandles="1" noChangeArrowheads="1" noChangeShapeType="1" noTextEdit="1"/>
+                </p:cNvSpPr>
+                <p:nvPr/>
+              </p:nvSpPr>
+              <p:spPr>
+                <a:xfrm>
+                  <a:off x="1314444" y="3092828"/>
+                  <a:ext cx="799193" cy="381515"/>
+                </a:xfrm>
+                <a:prstGeom prst="rect">
+                  <a:avLst/>
+                </a:prstGeom>
+                <a:blipFill>
+                  <a:blip r:embed="rId7"/>
+                  <a:stretch>
+                    <a:fillRect/>
+                  </a:stretch>
+                </a:blipFill>
+              </p:spPr>
+              <p:txBody>
+                <a:bodyPr/>
+                <a:lstStyle/>
+                <a:p>
+                  <a:r>
+                    <a:rPr lang="fr-FR">
+                      <a:noFill/>
+                    </a:rPr>
+                    <a:t> </a:t>
+                  </a:r>
+                </a:p>
+              </p:txBody>
+            </p:sp>
+          </mc:Fallback>
+        </mc:AlternateContent>
+        <p:cxnSp>
+          <p:nvCxnSpPr>
+            <p:cNvPr id="34" name="Connecteur droit avec flèche 33">
+              <a:extLst>
+                <a:ext uri="{FF2B5EF4-FFF2-40B4-BE49-F238E27FC236}">
+                  <a16:creationId xmlns:a16="http://schemas.microsoft.com/office/drawing/2014/main" id="{EA60D7C2-A4EF-4FA5-BEFF-A9D59977B59B}"/>
+                </a:ext>
+              </a:extLst>
+            </p:cNvPr>
+            <p:cNvCxnSpPr>
+              <a:cxnSpLocks/>
+            </p:cNvCxnSpPr>
+            <p:nvPr/>
+          </p:nvCxnSpPr>
+          <p:spPr>
+            <a:xfrm>
+              <a:off x="1612231" y="3760700"/>
+              <a:ext cx="360000" cy="0"/>
+            </a:xfrm>
+            <a:prstGeom prst="straightConnector1">
+              <a:avLst/>
+            </a:prstGeom>
+            <a:ln w="12700">
+              <a:tailEnd type="triangle"/>
+            </a:ln>
+          </p:spPr>
+          <p:style>
+            <a:lnRef idx="1">
+              <a:schemeClr val="accent1"/>
+            </a:lnRef>
+            <a:fillRef idx="0">
+              <a:schemeClr val="accent1"/>
+            </a:fillRef>
+            <a:effectRef idx="0">
+              <a:schemeClr val="accent1"/>
+            </a:effectRef>
+            <a:fontRef idx="minor">
+              <a:schemeClr val="tx1"/>
+            </a:fontRef>
+          </p:style>
+        </p:cxnSp>
+        <mc:AlternateContent xmlns:mc="http://schemas.openxmlformats.org/markup-compatibility/2006" xmlns:a14="http://schemas.microsoft.com/office/drawing/2010/main">
+          <mc:Choice Requires="a14">
+            <p:sp>
+              <p:nvSpPr>
+                <p:cNvPr id="35" name="ZoneTexte 34">
+                  <a:extLst>
+                    <a:ext uri="{FF2B5EF4-FFF2-40B4-BE49-F238E27FC236}">
+                      <a16:creationId xmlns:a16="http://schemas.microsoft.com/office/drawing/2014/main" id="{B28A12BC-305B-49D1-BDC1-4B9504ED7CE2}"/>
+                    </a:ext>
+                  </a:extLst>
+                </p:cNvPr>
+                <p:cNvSpPr txBox="1"/>
+                <p:nvPr/>
+              </p:nvSpPr>
+              <p:spPr>
+                <a:xfrm>
+                  <a:off x="1392167" y="3390905"/>
+                  <a:ext cx="410689" cy="369332"/>
+                </a:xfrm>
+                <a:prstGeom prst="rect">
+                  <a:avLst/>
+                </a:prstGeom>
+                <a:noFill/>
+              </p:spPr>
+              <p:txBody>
+                <a:bodyPr wrap="none" rtlCol="0">
+                  <a:spAutoFit/>
+                </a:bodyPr>
+                <a:lstStyle/>
+                <a:p>
+                  <a:pPr/>
+                  <a14:m>
+                    <m:oMathPara xmlns:m="http://schemas.openxmlformats.org/officeDocument/2006/math">
+                      <m:oMathParaPr>
+                        <m:jc m:val="centerGroup"/>
+                      </m:oMathParaPr>
+                      <m:oMath xmlns:m="http://schemas.openxmlformats.org/officeDocument/2006/math">
+                        <m:r>
+                          <a:rPr lang="fr-FR" b="0" i="1" smtClean="0">
+                            <a:latin typeface="Cambria Math" panose="02040503050406030204" pitchFamily="18" charset="0"/>
+                          </a:rPr>
+                          <m:t>…</m:t>
+                        </m:r>
+                      </m:oMath>
+                    </m:oMathPara>
+                  </a14:m>
+                  <a:endParaRPr lang="fr-FR" dirty="0"/>
+                </a:p>
+              </p:txBody>
+            </p:sp>
+          </mc:Choice>
+          <mc:Fallback xmlns="">
+            <p:sp>
+              <p:nvSpPr>
+                <p:cNvPr id="35" name="ZoneTexte 34">
+                  <a:extLst>
+                    <a:ext uri="{FF2B5EF4-FFF2-40B4-BE49-F238E27FC236}">
+                      <a16:creationId xmlns:a16="http://schemas.microsoft.com/office/drawing/2014/main" id="{B28A12BC-305B-49D1-BDC1-4B9504ED7CE2}"/>
+                    </a:ext>
+                  </a:extLst>
+                </p:cNvPr>
+                <p:cNvSpPr txBox="1">
+                  <a:spLocks noRot="1" noChangeAspect="1" noMove="1" noResize="1" noEditPoints="1" noAdjustHandles="1" noChangeArrowheads="1" noChangeShapeType="1" noTextEdit="1"/>
+                </p:cNvSpPr>
+                <p:nvPr/>
+              </p:nvSpPr>
+              <p:spPr>
+                <a:xfrm>
+                  <a:off x="1392167" y="3390905"/>
+                  <a:ext cx="410689" cy="369332"/>
+                </a:xfrm>
+                <a:prstGeom prst="rect">
+                  <a:avLst/>
+                </a:prstGeom>
+                <a:blipFill>
+                  <a:blip r:embed="rId8"/>
+                  <a:stretch>
+                    <a:fillRect/>
+                  </a:stretch>
+                </a:blipFill>
+              </p:spPr>
+              <p:txBody>
+                <a:bodyPr/>
+                <a:lstStyle/>
+                <a:p>
+                  <a:r>
+                    <a:rPr lang="fr-FR">
+                      <a:noFill/>
+                    </a:rPr>
+                    <a:t> </a:t>
+                  </a:r>
+                </a:p>
+              </p:txBody>
+            </p:sp>
+          </mc:Fallback>
+        </mc:AlternateContent>
+        <p:sp>
+          <p:nvSpPr>
+            <p:cNvPr id="36" name="ZoneTexte 35">
+              <a:extLst>
+                <a:ext uri="{FF2B5EF4-FFF2-40B4-BE49-F238E27FC236}">
+                  <a16:creationId xmlns:a16="http://schemas.microsoft.com/office/drawing/2014/main" id="{C8A96374-89FA-4988-B23B-92B223450F40}"/>
+                </a:ext>
+              </a:extLst>
+            </p:cNvPr>
+            <p:cNvSpPr txBox="1"/>
+            <p:nvPr/>
+          </p:nvSpPr>
+          <p:spPr>
+            <a:xfrm>
+              <a:off x="1591632" y="3973620"/>
+              <a:ext cx="242374" cy="923330"/>
+            </a:xfrm>
+            <a:prstGeom prst="rect">
+              <a:avLst/>
+            </a:prstGeom>
+            <a:noFill/>
+          </p:spPr>
+          <p:txBody>
+            <a:bodyPr wrap="none" rtlCol="0">
+              <a:spAutoFit/>
+            </a:bodyPr>
+            <a:lstStyle/>
+            <a:p>
+              <a:r>
+                <a:rPr lang="fr-FR" dirty="0"/>
+                <a:t>.</a:t>
+              </a:r>
+            </a:p>
+            <a:p>
+              <a:r>
+                <a:rPr lang="fr-FR" dirty="0"/>
+                <a:t>.</a:t>
+              </a:r>
+            </a:p>
+            <a:p>
+              <a:r>
+                <a:rPr lang="fr-FR" dirty="0"/>
+                <a:t>.</a:t>
+              </a:r>
+            </a:p>
+          </p:txBody>
+        </p:sp>
+        <p:cxnSp>
+          <p:nvCxnSpPr>
+            <p:cNvPr id="37" name="Connecteur droit avec flèche 36">
+              <a:extLst>
+                <a:ext uri="{FF2B5EF4-FFF2-40B4-BE49-F238E27FC236}">
+                  <a16:creationId xmlns:a16="http://schemas.microsoft.com/office/drawing/2014/main" id="{631B52E3-F33D-4EDF-93AD-8BAE4A6469C3}"/>
+                </a:ext>
+              </a:extLst>
+            </p:cNvPr>
+            <p:cNvCxnSpPr>
+              <a:cxnSpLocks/>
+            </p:cNvCxnSpPr>
+            <p:nvPr/>
+          </p:nvCxnSpPr>
+          <p:spPr>
+            <a:xfrm>
+              <a:off x="3057798" y="3364003"/>
+              <a:ext cx="360000" cy="0"/>
+            </a:xfrm>
+            <a:prstGeom prst="straightConnector1">
+              <a:avLst/>
+            </a:prstGeom>
+            <a:ln w="12700">
+              <a:tailEnd type="triangle"/>
+            </a:ln>
+          </p:spPr>
+          <p:style>
+            <a:lnRef idx="1">
+              <a:schemeClr val="accent1"/>
+            </a:lnRef>
+            <a:fillRef idx="0">
+              <a:schemeClr val="accent1"/>
+            </a:fillRef>
+            <a:effectRef idx="0">
+              <a:schemeClr val="accent1"/>
+            </a:effectRef>
+            <a:fontRef idx="minor">
+              <a:schemeClr val="tx1"/>
+            </a:fontRef>
+          </p:style>
+        </p:cxnSp>
+        <mc:AlternateContent xmlns:mc="http://schemas.openxmlformats.org/markup-compatibility/2006" xmlns:a14="http://schemas.microsoft.com/office/drawing/2010/main">
+          <mc:Choice Requires="a14">
+            <p:sp>
+              <p:nvSpPr>
+                <p:cNvPr id="38" name="ZoneTexte 37">
+                  <a:extLst>
+                    <a:ext uri="{FF2B5EF4-FFF2-40B4-BE49-F238E27FC236}">
+                      <a16:creationId xmlns:a16="http://schemas.microsoft.com/office/drawing/2014/main" id="{9AF0A716-EC05-4F90-9829-B969FAF85933}"/>
+                    </a:ext>
+                  </a:extLst>
+                </p:cNvPr>
+                <p:cNvSpPr txBox="1"/>
+                <p:nvPr/>
+              </p:nvSpPr>
+              <p:spPr>
+                <a:xfrm>
+                  <a:off x="3055849" y="2942676"/>
+                  <a:ext cx="371384" cy="369332"/>
+                </a:xfrm>
+                <a:prstGeom prst="rect">
+                  <a:avLst/>
+                </a:prstGeom>
+                <a:noFill/>
+              </p:spPr>
+              <p:txBody>
+                <a:bodyPr wrap="none" rtlCol="0">
+                  <a:spAutoFit/>
+                </a:bodyPr>
+                <a:lstStyle/>
+                <a:p>
+                  <a:pPr/>
+                  <a14:m>
+                    <m:oMathPara xmlns:m="http://schemas.openxmlformats.org/officeDocument/2006/math">
+                      <m:oMathParaPr>
+                        <m:jc m:val="centerGroup"/>
+                      </m:oMathParaPr>
+                      <m:oMath xmlns:m="http://schemas.openxmlformats.org/officeDocument/2006/math">
+                        <m:r>
+                          <a:rPr lang="fr-FR" b="0" i="1" smtClean="0">
+                            <a:latin typeface="Cambria Math" panose="02040503050406030204" pitchFamily="18" charset="0"/>
+                          </a:rPr>
+                          <m:t>𝑦</m:t>
+                        </m:r>
+                      </m:oMath>
+                    </m:oMathPara>
+                  </a14:m>
+                  <a:endParaRPr lang="fr-FR" dirty="0"/>
+                </a:p>
+              </p:txBody>
+            </p:sp>
+          </mc:Choice>
+          <mc:Fallback xmlns="">
+            <p:sp>
+              <p:nvSpPr>
+                <p:cNvPr id="38" name="ZoneTexte 37">
+                  <a:extLst>
+                    <a:ext uri="{FF2B5EF4-FFF2-40B4-BE49-F238E27FC236}">
+                      <a16:creationId xmlns:a16="http://schemas.microsoft.com/office/drawing/2014/main" id="{9AF0A716-EC05-4F90-9829-B969FAF85933}"/>
+                    </a:ext>
+                  </a:extLst>
+                </p:cNvPr>
+                <p:cNvSpPr txBox="1">
+                  <a:spLocks noRot="1" noChangeAspect="1" noMove="1" noResize="1" noEditPoints="1" noAdjustHandles="1" noChangeArrowheads="1" noChangeShapeType="1" noTextEdit="1"/>
+                </p:cNvSpPr>
+                <p:nvPr/>
+              </p:nvSpPr>
+              <p:spPr>
+                <a:xfrm>
+                  <a:off x="3055849" y="2942676"/>
+                  <a:ext cx="371384" cy="369332"/>
+                </a:xfrm>
+                <a:prstGeom prst="rect">
+                  <a:avLst/>
+                </a:prstGeom>
+                <a:blipFill>
+                  <a:blip r:embed="rId9"/>
+                  <a:stretch>
+                    <a:fillRect b="-6667"/>
+                  </a:stretch>
+                </a:blipFill>
+              </p:spPr>
+              <p:txBody>
+                <a:bodyPr/>
+                <a:lstStyle/>
+                <a:p>
+                  <a:r>
+                    <a:rPr lang="fr-FR">
+                      <a:noFill/>
+                    </a:rPr>
+                    <a:t> </a:t>
+                  </a:r>
+                </a:p>
+              </p:txBody>
+            </p:sp>
+          </mc:Fallback>
+        </mc:AlternateContent>
+      </p:grpSp>
+    </p:spTree>
+    <p:extLst>
+      <p:ext uri="{BB962C8B-B14F-4D97-AF65-F5344CB8AC3E}">
+        <p14:creationId xmlns:p14="http://schemas.microsoft.com/office/powerpoint/2010/main" val="528782709"/>
+      </p:ext>
+    </p:extLst>
+  </p:cSld>
+  <p:clrMapOvr>
+    <a:masterClrMapping/>
+  </p:clrMapOvr>
+</p:sld>
+</file>
+
+<file path=ppt/slides/slide32.xml><?xml version="1.0" encoding="utf-8"?>
+<p:sld xmlns:a="http://schemas.openxmlformats.org/drawingml/2006/main" xmlns:r="http://schemas.openxmlformats.org/officeDocument/2006/relationships" xmlns:p="http://schemas.openxmlformats.org/presentationml/2006/main">
+  <p:cSld>
+    <p:spTree>
+      <p:nvGrpSpPr>
+        <p:cNvPr id="1" name=""/>
+        <p:cNvGrpSpPr/>
+        <p:nvPr/>
+      </p:nvGrpSpPr>
+      <p:grpSpPr>
+        <a:xfrm>
+          <a:off x="0" y="0"/>
+          <a:ext cx="0" cy="0"/>
+          <a:chOff x="0" y="0"/>
+          <a:chExt cx="0" cy="0"/>
+        </a:xfrm>
+      </p:grpSpPr>
+      <p:sp>
+        <p:nvSpPr>
+          <p:cNvPr id="3" name="Espace réservé du contenu 2">
+            <a:extLst>
+              <a:ext uri="{FF2B5EF4-FFF2-40B4-BE49-F238E27FC236}">
+                <a16:creationId xmlns:a16="http://schemas.microsoft.com/office/drawing/2014/main" id="{B59E77B8-2D75-472C-B76C-ABDDE0CAFCD5}"/>
+              </a:ext>
+            </a:extLst>
+          </p:cNvPr>
+          <p:cNvSpPr>
+            <a:spLocks noGrp="1"/>
+          </p:cNvSpPr>
+          <p:nvPr>
+            <p:ph idx="1"/>
+          </p:nvPr>
+        </p:nvSpPr>
+        <p:spPr>
+          <a:xfrm>
+            <a:off x="537750" y="429086"/>
+            <a:ext cx="10839994" cy="6021978"/>
+          </a:xfrm>
+        </p:spPr>
+        <p:txBody>
+          <a:bodyPr>
+            <a:normAutofit/>
+          </a:bodyPr>
+          <a:lstStyle/>
+          <a:p>
+            <a:pPr marL="0" indent="0">
+              <a:buNone/>
+            </a:pPr>
+            <a:r>
+              <a:rPr lang="fr-FR" sz="2400" dirty="0"/>
+              <a:t>4.1 Principaux </a:t>
+            </a:r>
+            <a:r>
+              <a:rPr lang="fr-FR" sz="2400" dirty="0" err="1"/>
+              <a:t>RNNs</a:t>
+            </a:r>
+            <a:endParaRPr lang="fr-FR" sz="2400" u="sng" dirty="0"/>
+          </a:p>
+          <a:p>
+            <a:pPr marL="0" indent="0">
+              <a:buNone/>
+            </a:pPr>
+            <a:endParaRPr lang="fr-FR" sz="2000" u="sng" dirty="0"/>
+          </a:p>
+          <a:p>
+            <a:pPr marL="0" indent="0">
+              <a:buNone/>
+            </a:pPr>
+            <a:endParaRPr lang="fr-FR" sz="2000" dirty="0"/>
+          </a:p>
+        </p:txBody>
+      </p:sp>
+    </p:spTree>
+    <p:extLst>
+      <p:ext uri="{BB962C8B-B14F-4D97-AF65-F5344CB8AC3E}">
+        <p14:creationId xmlns:p14="http://schemas.microsoft.com/office/powerpoint/2010/main" val="1331093647"/>
       </p:ext>
     </p:extLst>
   </p:cSld>
@@ -24129,6 +28653,13 @@
             <a:r>
               <a:rPr lang="fr-FR" sz="3200" dirty="0"/>
               <a:t>	3.3. Un réseau de neurones simple (MLP)</a:t>
+            </a:r>
+            <a:br>
+              <a:rPr lang="fr-FR" sz="3200" dirty="0"/>
+            </a:br>
+            <a:r>
+              <a:rPr lang="fr-FR" sz="3200" dirty="0"/>
+              <a:t>	3.4. Titanic</a:t>
             </a:r>
             <a:endParaRPr lang="fr-FR" dirty="0"/>
           </a:p>

--- a/Intelligence Artificielle et Analyse de donnees.pptx
+++ b/Intelligence Artificielle et Analyse de donnees.pptx
@@ -29,14 +29,18 @@
     <p:sldId id="283" r:id="rId23"/>
     <p:sldId id="281" r:id="rId24"/>
     <p:sldId id="292" r:id="rId25"/>
-    <p:sldId id="290" r:id="rId26"/>
-    <p:sldId id="293" r:id="rId27"/>
-    <p:sldId id="291" r:id="rId28"/>
-    <p:sldId id="284" r:id="rId29"/>
-    <p:sldId id="285" r:id="rId30"/>
-    <p:sldId id="287" r:id="rId31"/>
-    <p:sldId id="288" r:id="rId32"/>
-    <p:sldId id="289" r:id="rId33"/>
+    <p:sldId id="294" r:id="rId26"/>
+    <p:sldId id="291" r:id="rId27"/>
+    <p:sldId id="297" r:id="rId28"/>
+    <p:sldId id="298" r:id="rId29"/>
+    <p:sldId id="293" r:id="rId30"/>
+    <p:sldId id="295" r:id="rId31"/>
+    <p:sldId id="296" r:id="rId32"/>
+    <p:sldId id="284" r:id="rId33"/>
+    <p:sldId id="285" r:id="rId34"/>
+    <p:sldId id="287" r:id="rId35"/>
+    <p:sldId id="288" r:id="rId36"/>
+    <p:sldId id="289" r:id="rId37"/>
   </p:sldIdLst>
   <p:sldSz cx="12192000" cy="6858000"/>
   <p:notesSz cx="6858000" cy="9144000"/>
@@ -301,7 +305,7 @@
           <a:p>
             <a:fld id="{6744C8BF-8EDA-4728-ABB9-9DEA91F7FC64}" type="datetimeFigureOut">
               <a:rPr lang="fr-FR" smtClean="0"/>
-              <a:t>28/01/2025</a:t>
+              <a:t>31/01/2025</a:t>
             </a:fld>
             <a:endParaRPr lang="fr-FR"/>
           </a:p>
@@ -499,7 +503,7 @@
           <a:p>
             <a:fld id="{6744C8BF-8EDA-4728-ABB9-9DEA91F7FC64}" type="datetimeFigureOut">
               <a:rPr lang="fr-FR" smtClean="0"/>
-              <a:t>28/01/2025</a:t>
+              <a:t>31/01/2025</a:t>
             </a:fld>
             <a:endParaRPr lang="fr-FR"/>
           </a:p>
@@ -707,7 +711,7 @@
           <a:p>
             <a:fld id="{6744C8BF-8EDA-4728-ABB9-9DEA91F7FC64}" type="datetimeFigureOut">
               <a:rPr lang="fr-FR" smtClean="0"/>
-              <a:t>28/01/2025</a:t>
+              <a:t>31/01/2025</a:t>
             </a:fld>
             <a:endParaRPr lang="fr-FR"/>
           </a:p>
@@ -905,7 +909,7 @@
           <a:p>
             <a:fld id="{6744C8BF-8EDA-4728-ABB9-9DEA91F7FC64}" type="datetimeFigureOut">
               <a:rPr lang="fr-FR" smtClean="0"/>
-              <a:t>28/01/2025</a:t>
+              <a:t>31/01/2025</a:t>
             </a:fld>
             <a:endParaRPr lang="fr-FR"/>
           </a:p>
@@ -1180,7 +1184,7 @@
           <a:p>
             <a:fld id="{6744C8BF-8EDA-4728-ABB9-9DEA91F7FC64}" type="datetimeFigureOut">
               <a:rPr lang="fr-FR" smtClean="0"/>
-              <a:t>28/01/2025</a:t>
+              <a:t>31/01/2025</a:t>
             </a:fld>
             <a:endParaRPr lang="fr-FR"/>
           </a:p>
@@ -1445,7 +1449,7 @@
           <a:p>
             <a:fld id="{6744C8BF-8EDA-4728-ABB9-9DEA91F7FC64}" type="datetimeFigureOut">
               <a:rPr lang="fr-FR" smtClean="0"/>
-              <a:t>28/01/2025</a:t>
+              <a:t>31/01/2025</a:t>
             </a:fld>
             <a:endParaRPr lang="fr-FR"/>
           </a:p>
@@ -1857,7 +1861,7 @@
           <a:p>
             <a:fld id="{6744C8BF-8EDA-4728-ABB9-9DEA91F7FC64}" type="datetimeFigureOut">
               <a:rPr lang="fr-FR" smtClean="0"/>
-              <a:t>28/01/2025</a:t>
+              <a:t>31/01/2025</a:t>
             </a:fld>
             <a:endParaRPr lang="fr-FR"/>
           </a:p>
@@ -1998,7 +2002,7 @@
           <a:p>
             <a:fld id="{6744C8BF-8EDA-4728-ABB9-9DEA91F7FC64}" type="datetimeFigureOut">
               <a:rPr lang="fr-FR" smtClean="0"/>
-              <a:t>28/01/2025</a:t>
+              <a:t>31/01/2025</a:t>
             </a:fld>
             <a:endParaRPr lang="fr-FR"/>
           </a:p>
@@ -2111,7 +2115,7 @@
           <a:p>
             <a:fld id="{6744C8BF-8EDA-4728-ABB9-9DEA91F7FC64}" type="datetimeFigureOut">
               <a:rPr lang="fr-FR" smtClean="0"/>
-              <a:t>28/01/2025</a:t>
+              <a:t>31/01/2025</a:t>
             </a:fld>
             <a:endParaRPr lang="fr-FR"/>
           </a:p>
@@ -2422,7 +2426,7 @@
           <a:p>
             <a:fld id="{6744C8BF-8EDA-4728-ABB9-9DEA91F7FC64}" type="datetimeFigureOut">
               <a:rPr lang="fr-FR" smtClean="0"/>
-              <a:t>28/01/2025</a:t>
+              <a:t>31/01/2025</a:t>
             </a:fld>
             <a:endParaRPr lang="fr-FR"/>
           </a:p>
@@ -2710,7 +2714,7 @@
           <a:p>
             <a:fld id="{6744C8BF-8EDA-4728-ABB9-9DEA91F7FC64}" type="datetimeFigureOut">
               <a:rPr lang="fr-FR" smtClean="0"/>
-              <a:t>28/01/2025</a:t>
+              <a:t>31/01/2025</a:t>
             </a:fld>
             <a:endParaRPr lang="fr-FR"/>
           </a:p>
@@ -2951,7 +2955,7 @@
           <a:p>
             <a:fld id="{6744C8BF-8EDA-4728-ABB9-9DEA91F7FC64}" type="datetimeFigureOut">
               <a:rPr lang="fr-FR" smtClean="0"/>
-              <a:t>28/01/2025</a:t>
+              <a:t>31/01/2025</a:t>
             </a:fld>
             <a:endParaRPr lang="fr-FR"/>
           </a:p>
@@ -3436,7 +3440,7 @@
             </a:br>
             <a:r>
               <a:rPr lang="fr-FR" sz="2800" dirty="0"/>
-              <a:t>Applications Python-</a:t>
+              <a:t>Applications : Python-</a:t>
             </a:r>
             <a:r>
               <a:rPr lang="fr-FR" sz="2800" dirty="0" err="1"/>
@@ -6202,8 +6206,8 @@
           <a:chExt cx="0" cy="0"/>
         </a:xfrm>
       </p:grpSpPr>
-      <mc:AlternateContent xmlns:mc="http://schemas.openxmlformats.org/markup-compatibility/2006">
-        <mc:Choice xmlns:a14="http://schemas.microsoft.com/office/drawing/2010/main" Requires="a14">
+      <mc:AlternateContent xmlns:mc="http://schemas.openxmlformats.org/markup-compatibility/2006" xmlns:a14="http://schemas.microsoft.com/office/drawing/2010/main">
+        <mc:Choice Requires="a14">
           <p:sp>
             <p:nvSpPr>
               <p:cNvPr id="3" name="Espace réservé du contenu 2">
@@ -6362,7 +6366,7 @@
             </p:txBody>
           </p:sp>
         </mc:Choice>
-        <mc:Fallback>
+        <mc:Fallback xmlns="">
           <p:sp>
             <p:nvSpPr>
               <p:cNvPr id="3" name="Espace réservé du contenu 2">
@@ -6436,8 +6440,8 @@
           <a:chExt cx="0" cy="0"/>
         </a:xfrm>
       </p:grpSpPr>
-      <mc:AlternateContent xmlns:mc="http://schemas.openxmlformats.org/markup-compatibility/2006">
-        <mc:Choice xmlns:a14="http://schemas.microsoft.com/office/drawing/2010/main" Requires="a14">
+      <mc:AlternateContent xmlns:mc="http://schemas.openxmlformats.org/markup-compatibility/2006" xmlns:a14="http://schemas.microsoft.com/office/drawing/2010/main">
+        <mc:Choice Requires="a14">
           <p:sp>
             <p:nvSpPr>
               <p:cNvPr id="3" name="Espace réservé du contenu 2">
@@ -7473,7 +7477,7 @@
             </p:txBody>
           </p:sp>
         </mc:Choice>
-        <mc:Fallback>
+        <mc:Fallback xmlns="">
           <p:sp>
             <p:nvSpPr>
               <p:cNvPr id="3" name="Espace réservé du contenu 2">
@@ -7577,8 +7581,8 @@
           <a:chExt cx="0" cy="0"/>
         </a:xfrm>
       </p:grpSpPr>
-      <mc:AlternateContent xmlns:mc="http://schemas.openxmlformats.org/markup-compatibility/2006">
-        <mc:Choice xmlns:a14="http://schemas.microsoft.com/office/drawing/2010/main" Requires="a14">
+      <mc:AlternateContent xmlns:mc="http://schemas.openxmlformats.org/markup-compatibility/2006" xmlns:a14="http://schemas.microsoft.com/office/drawing/2010/main">
+        <mc:Choice Requires="a14">
           <p:sp>
             <p:nvSpPr>
               <p:cNvPr id="3" name="Espace réservé du contenu 2">
@@ -7823,7 +7827,7 @@
             </p:txBody>
           </p:sp>
         </mc:Choice>
-        <mc:Fallback>
+        <mc:Fallback xmlns="">
           <p:sp>
             <p:nvSpPr>
               <p:cNvPr id="3" name="Espace réservé du contenu 2">
@@ -12114,8 +12118,8 @@
           </p:sp>
         </mc:Fallback>
       </mc:AlternateContent>
-      <mc:AlternateContent xmlns:mc="http://schemas.openxmlformats.org/markup-compatibility/2006">
-        <mc:Choice xmlns:a14="http://schemas.microsoft.com/office/drawing/2010/main" Requires="a14">
+      <mc:AlternateContent xmlns:mc="http://schemas.openxmlformats.org/markup-compatibility/2006" xmlns:a14="http://schemas.microsoft.com/office/drawing/2010/main">
+        <mc:Choice Requires="a14">
           <p:sp>
             <p:nvSpPr>
               <p:cNvPr id="3" name="Espace réservé du contenu 2">
@@ -12263,7 +12267,7 @@
             </p:txBody>
           </p:sp>
         </mc:Choice>
-        <mc:Fallback>
+        <mc:Fallback xmlns="">
           <p:sp>
             <p:nvSpPr>
               <p:cNvPr id="3" name="Espace réservé du contenu 2">
@@ -12373,8 +12377,8 @@
           <a:chExt cx="0" cy="0"/>
         </a:xfrm>
       </p:grpSpPr>
-      <mc:AlternateContent xmlns:mc="http://schemas.openxmlformats.org/markup-compatibility/2006">
-        <mc:Choice xmlns:a14="http://schemas.microsoft.com/office/drawing/2010/main" Requires="a14">
+      <mc:AlternateContent xmlns:mc="http://schemas.openxmlformats.org/markup-compatibility/2006" xmlns:a14="http://schemas.microsoft.com/office/drawing/2010/main">
+        <mc:Choice Requires="a14">
           <p:sp>
             <p:nvSpPr>
               <p:cNvPr id="3" name="Espace réservé du contenu 2">
@@ -13319,7 +13323,7 @@
             </p:txBody>
           </p:sp>
         </mc:Choice>
-        <mc:Fallback>
+        <mc:Fallback xmlns="">
           <p:sp>
             <p:nvSpPr>
               <p:cNvPr id="3" name="Espace réservé du contenu 2">
@@ -17148,8 +17152,8 @@
           <a:chExt cx="0" cy="0"/>
         </a:xfrm>
       </p:grpSpPr>
-      <mc:AlternateContent xmlns:mc="http://schemas.openxmlformats.org/markup-compatibility/2006">
-        <mc:Choice xmlns:a14="http://schemas.microsoft.com/office/drawing/2010/main" Requires="a14">
+      <mc:AlternateContent xmlns:mc="http://schemas.openxmlformats.org/markup-compatibility/2006" xmlns:a14="http://schemas.microsoft.com/office/drawing/2010/main">
+        <mc:Choice Requires="a14">
           <p:sp>
             <p:nvSpPr>
               <p:cNvPr id="3" name="Espace réservé du contenu 2">
@@ -17199,13 +17203,26 @@
                   <a:buNone/>
                 </a:pPr>
                 <a:r>
-                  <a:rPr lang="fr-FR" sz="2000" dirty="0"/>
+                  <a:rPr lang="fr-FR" sz="2000" dirty="0">
+                    <a:solidFill>
+                      <a:schemeClr val="tx1">
+                        <a:lumMod val="50000"/>
+                        <a:lumOff val="50000"/>
+                      </a:schemeClr>
+                    </a:solidFill>
+                  </a:rPr>
                   <a:t>Soit </a:t>
                 </a:r>
                 <a14:m>
                   <m:oMath xmlns:m="http://schemas.openxmlformats.org/officeDocument/2006/math">
                     <m:r>
                       <a:rPr lang="fr-FR" sz="2000" i="1" dirty="0" smtClean="0">
+                        <a:solidFill>
+                          <a:schemeClr val="tx1">
+                            <a:lumMod val="50000"/>
+                            <a:lumOff val="50000"/>
+                          </a:schemeClr>
+                        </a:solidFill>
                         <a:latin typeface="Cambria Math" panose="02040503050406030204" pitchFamily="18" charset="0"/>
                       </a:rPr>
                       <m:t>𝑁</m:t>
@@ -17213,19 +17230,38 @@
                   </m:oMath>
                 </a14:m>
                 <a:r>
-                  <a:rPr lang="fr-FR" sz="2000" dirty="0"/>
+                  <a:rPr lang="fr-FR" sz="2000" dirty="0">
+                    <a:solidFill>
+                      <a:schemeClr val="tx1">
+                        <a:lumMod val="50000"/>
+                        <a:lumOff val="50000"/>
+                      </a:schemeClr>
+                    </a:solidFill>
+                  </a:rPr>
                   <a:t> le nombre de données d’entraînement. Nous fixerons </a:t>
                 </a:r>
                 <a14:m>
                   <m:oMath xmlns:m="http://schemas.openxmlformats.org/officeDocument/2006/math">
                     <m:r>
                       <a:rPr lang="fr-FR" sz="2000" b="0" i="1" smtClean="0">
+                        <a:solidFill>
+                          <a:schemeClr val="tx1">
+                            <a:lumMod val="50000"/>
+                            <a:lumOff val="50000"/>
+                          </a:schemeClr>
+                        </a:solidFill>
                         <a:latin typeface="Cambria Math" panose="02040503050406030204" pitchFamily="18" charset="0"/>
                       </a:rPr>
                       <m:t>𝑁</m:t>
                     </m:r>
                     <m:r>
                       <a:rPr lang="fr-FR" sz="2000" b="0" i="1" smtClean="0">
+                        <a:solidFill>
+                          <a:schemeClr val="tx1">
+                            <a:lumMod val="50000"/>
+                            <a:lumOff val="50000"/>
+                          </a:schemeClr>
+                        </a:solidFill>
                         <a:latin typeface="Cambria Math" panose="02040503050406030204" pitchFamily="18" charset="0"/>
                       </a:rPr>
                       <m:t>=200</m:t>
@@ -17233,7 +17269,14 @@
                   </m:oMath>
                 </a14:m>
                 <a:r>
-                  <a:rPr lang="fr-FR" sz="2000" dirty="0"/>
+                  <a:rPr lang="fr-FR" sz="2000" dirty="0">
+                    <a:solidFill>
+                      <a:schemeClr val="tx1">
+                        <a:lumMod val="50000"/>
+                        <a:lumOff val="50000"/>
+                      </a:schemeClr>
+                    </a:solidFill>
+                  </a:rPr>
                   <a:t> (ce sont des données du problème).</a:t>
                 </a:r>
               </a:p>
@@ -17245,13 +17288,26 @@
                   <a:buNone/>
                 </a:pPr>
                 <a:r>
-                  <a:rPr lang="fr-FR" sz="2000" dirty="0"/>
+                  <a:rPr lang="fr-FR" sz="2000" dirty="0">
+                    <a:solidFill>
+                      <a:schemeClr val="tx1">
+                        <a:lumMod val="50000"/>
+                        <a:lumOff val="50000"/>
+                      </a:schemeClr>
+                    </a:solidFill>
+                  </a:rPr>
                   <a:t>Soit </a:t>
                 </a:r>
                 <a14:m>
                   <m:oMath xmlns:m="http://schemas.openxmlformats.org/officeDocument/2006/math">
                     <m:r>
                       <a:rPr lang="fr-FR" sz="2000" i="1" dirty="0" smtClean="0">
+                        <a:solidFill>
+                          <a:schemeClr val="tx1">
+                            <a:lumMod val="50000"/>
+                            <a:lumOff val="50000"/>
+                          </a:schemeClr>
+                        </a:solidFill>
                         <a:latin typeface="Cambria Math" panose="02040503050406030204" pitchFamily="18" charset="0"/>
                       </a:rPr>
                       <m:t>𝑀</m:t>
@@ -17259,7 +17315,14 @@
                   </m:oMath>
                 </a14:m>
                 <a:r>
-                  <a:rPr lang="fr-FR" sz="2000" dirty="0"/>
+                  <a:rPr lang="fr-FR" sz="2000" dirty="0">
+                    <a:solidFill>
+                      <a:schemeClr val="tx1">
+                        <a:lumMod val="50000"/>
+                        <a:lumOff val="50000"/>
+                      </a:schemeClr>
+                    </a:solidFill>
+                  </a:rPr>
                   <a:t> le nombre de colonnes de </a:t>
                 </a:r>
                 <a14:m>
@@ -17268,6 +17331,12 @@
                       <m:sSupPr>
                         <m:ctrlPr>
                           <a:rPr lang="fr-FR" sz="2000" b="0" i="1" smtClean="0">
+                            <a:solidFill>
+                              <a:schemeClr val="tx1">
+                                <a:lumMod val="50000"/>
+                                <a:lumOff val="50000"/>
+                              </a:schemeClr>
+                            </a:solidFill>
                             <a:latin typeface="Cambria Math" panose="02040503050406030204" pitchFamily="18" charset="0"/>
                           </a:rPr>
                         </m:ctrlPr>
@@ -17275,6 +17344,12 @@
                       <m:e>
                         <m:r>
                           <a:rPr lang="fr-FR" sz="2000" b="0" i="1" smtClean="0">
+                            <a:solidFill>
+                              <a:schemeClr val="tx1">
+                                <a:lumMod val="50000"/>
+                                <a:lumOff val="50000"/>
+                              </a:schemeClr>
+                            </a:solidFill>
                             <a:latin typeface="Cambria Math" panose="02040503050406030204" pitchFamily="18" charset="0"/>
                           </a:rPr>
                           <m:t>𝑊</m:t>
@@ -17283,6 +17358,12 @@
                       <m:sup>
                         <m:r>
                           <a:rPr lang="fr-FR" sz="2000" b="0" i="1" smtClean="0">
+                            <a:solidFill>
+                              <a:schemeClr val="tx1">
+                                <a:lumMod val="50000"/>
+                                <a:lumOff val="50000"/>
+                              </a:schemeClr>
+                            </a:solidFill>
                             <a:latin typeface="Cambria Math" panose="02040503050406030204" pitchFamily="18" charset="0"/>
                           </a:rPr>
                           <m:t>(1)</m:t>
@@ -17292,25 +17373,59 @@
                   </m:oMath>
                 </a14:m>
                 <a:r>
-                  <a:rPr lang="fr-FR" sz="2000" dirty="0"/>
+                  <a:rPr lang="fr-FR" sz="2000" dirty="0">
+                    <a:solidFill>
+                      <a:schemeClr val="tx1">
+                        <a:lumMod val="50000"/>
+                        <a:lumOff val="50000"/>
+                      </a:schemeClr>
+                    </a:solidFill>
+                  </a:rPr>
                   <a:t>, </a:t>
                 </a:r>
                 <a:r>
-                  <a:rPr lang="fr-FR" sz="2000" i="1" dirty="0" err="1"/>
+                  <a:rPr lang="fr-FR" sz="2000" i="1" dirty="0" err="1">
+                    <a:solidFill>
+                      <a:schemeClr val="tx1">
+                        <a:lumMod val="50000"/>
+                        <a:lumOff val="50000"/>
+                      </a:schemeClr>
+                    </a:solidFill>
+                  </a:rPr>
                   <a:t>epochs</a:t>
                 </a:r>
                 <a:r>
-                  <a:rPr lang="fr-FR" sz="2000" i="1" dirty="0"/>
+                  <a:rPr lang="fr-FR" sz="2000" i="1" dirty="0">
+                    <a:solidFill>
+                      <a:schemeClr val="tx1">
+                        <a:lumMod val="50000"/>
+                        <a:lumOff val="50000"/>
+                      </a:schemeClr>
+                    </a:solidFill>
+                  </a:rPr>
                   <a:t> </a:t>
                 </a:r>
                 <a:r>
-                  <a:rPr lang="fr-FR" sz="2000" dirty="0"/>
+                  <a:rPr lang="fr-FR" sz="2000" dirty="0">
+                    <a:solidFill>
+                      <a:schemeClr val="tx1">
+                        <a:lumMod val="50000"/>
+                        <a:lumOff val="50000"/>
+                      </a:schemeClr>
+                    </a:solidFill>
+                  </a:rPr>
                   <a:t>le nombre d’itérations, </a:t>
                 </a:r>
                 <a14:m>
                   <m:oMath xmlns:m="http://schemas.openxmlformats.org/officeDocument/2006/math">
                     <m:r>
                       <a:rPr lang="fr-FR" sz="2000" b="0" i="1" smtClean="0">
+                        <a:solidFill>
+                          <a:schemeClr val="tx1">
+                            <a:lumMod val="50000"/>
+                            <a:lumOff val="50000"/>
+                          </a:schemeClr>
+                        </a:solidFill>
                         <a:latin typeface="Cambria Math" panose="02040503050406030204" pitchFamily="18" charset="0"/>
                       </a:rPr>
                       <m:t>𝐿𝑅</m:t>
@@ -17318,49 +17433,107 @@
                   </m:oMath>
                 </a14:m>
                 <a:r>
-                  <a:rPr lang="fr-FR" sz="2000" dirty="0"/>
+                  <a:rPr lang="fr-FR" sz="2000" dirty="0">
+                    <a:solidFill>
+                      <a:schemeClr val="tx1">
+                        <a:lumMod val="50000"/>
+                        <a:lumOff val="50000"/>
+                      </a:schemeClr>
+                    </a:solidFill>
+                  </a:rPr>
                   <a:t> le </a:t>
                 </a:r>
                 <a:r>
-                  <a:rPr lang="fr-FR" sz="2000" i="1" dirty="0" err="1"/>
+                  <a:rPr lang="fr-FR" sz="2000" i="1" dirty="0" err="1">
+                    <a:solidFill>
+                      <a:schemeClr val="tx1">
+                        <a:lumMod val="50000"/>
+                        <a:lumOff val="50000"/>
+                      </a:schemeClr>
+                    </a:solidFill>
+                  </a:rPr>
                   <a:t>learning</a:t>
                 </a:r>
                 <a:r>
-                  <a:rPr lang="fr-FR" sz="2000" i="1" dirty="0"/>
+                  <a:rPr lang="fr-FR" sz="2000" i="1" dirty="0">
+                    <a:solidFill>
+                      <a:schemeClr val="tx1">
+                        <a:lumMod val="50000"/>
+                        <a:lumOff val="50000"/>
+                      </a:schemeClr>
+                    </a:solidFill>
+                  </a:rPr>
                   <a:t> rate</a:t>
                 </a:r>
                 <a:r>
-                  <a:rPr lang="fr-FR" sz="2000" dirty="0"/>
+                  <a:rPr lang="fr-FR" sz="2000" dirty="0">
+                    <a:solidFill>
+                      <a:schemeClr val="tx1">
+                        <a:lumMod val="50000"/>
+                        <a:lumOff val="50000"/>
+                      </a:schemeClr>
+                    </a:solidFill>
+                  </a:rPr>
                   <a:t>. </a:t>
                 </a:r>
                 <a14:m>
                   <m:oMath xmlns:m="http://schemas.openxmlformats.org/officeDocument/2006/math">
                     <m:r>
                       <a:rPr lang="fr-FR" sz="2000" b="0" i="1" smtClean="0">
+                        <a:solidFill>
+                          <a:schemeClr val="tx1">
+                            <a:lumMod val="50000"/>
+                            <a:lumOff val="50000"/>
+                          </a:schemeClr>
+                        </a:solidFill>
                         <a:latin typeface="Cambria Math" panose="02040503050406030204" pitchFamily="18" charset="0"/>
                       </a:rPr>
                       <m:t>𝑀</m:t>
                     </m:r>
                     <m:r>
                       <a:rPr lang="fr-FR" sz="2000" b="0" i="1" smtClean="0">
+                        <a:solidFill>
+                          <a:schemeClr val="tx1">
+                            <a:lumMod val="50000"/>
+                            <a:lumOff val="50000"/>
+                          </a:schemeClr>
+                        </a:solidFill>
                         <a:latin typeface="Cambria Math" panose="02040503050406030204" pitchFamily="18" charset="0"/>
                       </a:rPr>
                       <m:t>, </m:t>
                     </m:r>
                     <m:r>
                       <a:rPr lang="fr-FR" sz="2000" b="0" i="1" smtClean="0">
+                        <a:solidFill>
+                          <a:schemeClr val="tx1">
+                            <a:lumMod val="50000"/>
+                            <a:lumOff val="50000"/>
+                          </a:schemeClr>
+                        </a:solidFill>
                         <a:latin typeface="Cambria Math" panose="02040503050406030204" pitchFamily="18" charset="0"/>
                       </a:rPr>
                       <m:t>𝑒𝑝𝑜𝑐h𝑠</m:t>
                     </m:r>
                     <m:r>
                       <a:rPr lang="fr-FR" sz="2000" b="0" i="1" smtClean="0">
+                        <a:solidFill>
+                          <a:schemeClr val="tx1">
+                            <a:lumMod val="50000"/>
+                            <a:lumOff val="50000"/>
+                          </a:schemeClr>
+                        </a:solidFill>
                         <a:latin typeface="Cambria Math" panose="02040503050406030204" pitchFamily="18" charset="0"/>
                       </a:rPr>
                       <m:t>, </m:t>
                     </m:r>
                     <m:r>
                       <a:rPr lang="fr-FR" sz="2000" b="0" i="1" smtClean="0">
+                        <a:solidFill>
+                          <a:schemeClr val="tx1">
+                            <a:lumMod val="50000"/>
+                            <a:lumOff val="50000"/>
+                          </a:schemeClr>
+                        </a:solidFill>
                         <a:latin typeface="Cambria Math" panose="02040503050406030204" pitchFamily="18" charset="0"/>
                       </a:rPr>
                       <m:t>𝐿𝑅</m:t>
@@ -17368,17 +17541,39 @@
                   </m:oMath>
                 </a14:m>
                 <a:r>
-                  <a:rPr lang="fr-FR" sz="2000" dirty="0"/>
+                  <a:rPr lang="fr-FR" sz="2000" dirty="0">
+                    <a:solidFill>
+                      <a:schemeClr val="tx1">
+                        <a:lumMod val="50000"/>
+                        <a:lumOff val="50000"/>
+                      </a:schemeClr>
+                    </a:solidFill>
+                  </a:rPr>
                   <a:t> sont des réglages (</a:t>
                 </a:r>
                 <a:r>
-                  <a:rPr lang="fr-FR" sz="2000" b="1" dirty="0"/>
+                  <a:rPr lang="fr-FR" sz="2000" b="1" dirty="0">
+                    <a:solidFill>
+                      <a:schemeClr val="tx1">
+                        <a:lumMod val="50000"/>
+                        <a:lumOff val="50000"/>
+                      </a:schemeClr>
+                    </a:solidFill>
+                  </a:rPr>
                   <a:t>hyperparamètres</a:t>
                 </a:r>
                 <a:r>
-                  <a:rPr lang="fr-FR" sz="2000" dirty="0"/>
+                  <a:rPr lang="fr-FR" sz="2000" dirty="0">
+                    <a:solidFill>
+                      <a:schemeClr val="tx1">
+                        <a:lumMod val="50000"/>
+                        <a:lumOff val="50000"/>
+                      </a:schemeClr>
+                    </a:solidFill>
+                  </a:rPr>
                   <a:t>) de l’entraînement.</a:t>
                 </a:r>
+                <a:endParaRPr lang="fr-FR" sz="2000" dirty="0"/>
               </a:p>
               <a:p>
                 <a:pPr marL="0" indent="0">
@@ -17413,7 +17608,7 @@
             </p:txBody>
           </p:sp>
         </mc:Choice>
-        <mc:Fallback>
+        <mc:Fallback xmlns="">
           <p:sp>
             <p:nvSpPr>
               <p:cNvPr id="3" name="Espace réservé du contenu 2">
@@ -17577,8 +17772,8 @@
           <a:chExt cx="0" cy="0"/>
         </a:xfrm>
       </p:grpSpPr>
-      <mc:AlternateContent xmlns:mc="http://schemas.openxmlformats.org/markup-compatibility/2006">
-        <mc:Choice xmlns:a14="http://schemas.microsoft.com/office/drawing/2010/main" Requires="a14">
+      <mc:AlternateContent xmlns:mc="http://schemas.openxmlformats.org/markup-compatibility/2006" xmlns:a14="http://schemas.microsoft.com/office/drawing/2010/main">
+        <mc:Choice Requires="a14">
           <p:sp>
             <p:nvSpPr>
               <p:cNvPr id="3" name="Espace réservé du contenu 2">
@@ -18186,7 +18381,7 @@
             </p:txBody>
           </p:sp>
         </mc:Choice>
-        <mc:Fallback>
+        <mc:Fallback xmlns="">
           <p:sp>
             <p:nvSpPr>
               <p:cNvPr id="3" name="Espace réservé du contenu 2">
@@ -18559,19 +18754,13 @@
                       <a:rPr lang="fr-FR" sz="2000" b="0" i="1" smtClean="0">
                         <a:latin typeface="Cambria Math" panose="02040503050406030204" pitchFamily="18" charset="0"/>
                       </a:rPr>
-                      <m:t>𝐶</m:t>
+                      <m:t>{1, …, </m:t>
                     </m:r>
                     <m:r>
                       <a:rPr lang="fr-FR" sz="2000" b="0" i="1" smtClean="0">
                         <a:latin typeface="Cambria Math" panose="02040503050406030204" pitchFamily="18" charset="0"/>
                       </a:rPr>
-                      <m:t>={1, …, </m:t>
-                    </m:r>
-                    <m:r>
-                      <a:rPr lang="fr-FR" sz="2000" b="0" i="1" smtClean="0">
-                        <a:latin typeface="Cambria Math" panose="02040503050406030204" pitchFamily="18" charset="0"/>
-                      </a:rPr>
-                      <m:t>𝐾</m:t>
+                      <m:t>𝐶</m:t>
                     </m:r>
                     <m:r>
                       <a:rPr lang="fr-FR" sz="2000" b="0" i="1" smtClean="0">
@@ -18614,7 +18803,7 @@
                 </a:pPr>
                 <a:r>
                   <a:rPr lang="fr-FR" sz="2000" u="sng" dirty="0"/>
-                  <a:t>Structure du modèle</a:t>
+                  <a:t>Sorties du modèle</a:t>
                 </a:r>
                 <a:r>
                   <a:rPr lang="fr-FR" sz="2000" dirty="0"/>
@@ -18635,7 +18824,7 @@
                       <a:rPr lang="fr-FR" sz="2000" b="0" i="1" smtClean="0">
                         <a:latin typeface="Cambria Math" panose="02040503050406030204" pitchFamily="18" charset="0"/>
                       </a:rPr>
-                      <m:t>𝐾</m:t>
+                      <m:t>𝐶</m:t>
                     </m:r>
                   </m:oMath>
                 </a14:m>
@@ -18816,13 +19005,10 @@
                           </m:naryPr>
                           <m:sub>
                             <m:r>
-                              <m:rPr>
-                                <m:brk m:alnAt="23"/>
-                              </m:rPr>
-                              <a:rPr lang="fr-FR" sz="2000" i="1">
+                              <a:rPr lang="fr-FR" sz="2000" b="0" i="1" smtClean="0">
                                 <a:latin typeface="Cambria Math" panose="02040503050406030204" pitchFamily="18" charset="0"/>
                               </a:rPr>
-                              <m:t>𝑘</m:t>
+                              <m:t>𝑐</m:t>
                             </m:r>
                             <m:r>
                               <a:rPr lang="fr-FR" sz="2000" i="1">
@@ -18833,10 +19019,10 @@
                           </m:sub>
                           <m:sup>
                             <m:r>
-                              <a:rPr lang="fr-FR" sz="2000" i="1">
+                              <a:rPr lang="fr-FR" sz="2000" b="0" i="1" smtClean="0">
                                 <a:latin typeface="Cambria Math" panose="02040503050406030204" pitchFamily="18" charset="0"/>
                               </a:rPr>
-                              <m:t>𝐾</m:t>
+                              <m:t>𝐶</m:t>
                             </m:r>
                           </m:sup>
                           <m:e>
@@ -18876,7 +19062,7 @@
                                   <a:rPr lang="fr-FR" sz="2000" b="0" i="1" smtClean="0">
                                     <a:latin typeface="Cambria Math" panose="02040503050406030204" pitchFamily="18" charset="0"/>
                                   </a:rPr>
-                                  <m:t>𝑘</m:t>
+                                  <m:t>𝑐</m:t>
                                 </m:r>
                               </m:sub>
                             </m:sSub>
@@ -19009,7 +19195,7 @@
                           <a:rPr lang="fr-FR" sz="2000" b="0" i="1" smtClean="0">
                             <a:latin typeface="Cambria Math" panose="02040503050406030204" pitchFamily="18" charset="0"/>
                           </a:rPr>
-                          <m:t>𝐾</m:t>
+                          <m:t>𝐶</m:t>
                         </m:r>
                       </m:sup>
                       <m:e>
@@ -19082,13 +19268,31 @@
                   <a:buNone/>
                 </a:pPr>
                 <a:r>
-                  <a:rPr lang="fr-FR" sz="2000" u="sng" dirty="0"/>
+                  <a:rPr lang="fr-FR" sz="2000" u="sng" dirty="0">
+                    <a:solidFill>
+                      <a:srgbClr val="FF0000"/>
+                    </a:solidFill>
+                  </a:rPr>
                   <a:t>Fonction coût</a:t>
                 </a:r>
                 <a:r>
-                  <a:rPr lang="fr-FR" sz="2000" dirty="0"/>
+                  <a:rPr lang="fr-FR" sz="2000" dirty="0">
+                    <a:solidFill>
+                      <a:srgbClr val="FF0000"/>
+                    </a:solidFill>
+                  </a:rPr>
                   <a:t> :</a:t>
                 </a:r>
+              </a:p>
+              <a:p>
+                <a:pPr marL="0" indent="0">
+                  <a:buNone/>
+                </a:pPr>
+                <a:endParaRPr lang="fr-FR" sz="2000" dirty="0">
+                  <a:solidFill>
+                    <a:srgbClr val="FF0000"/>
+                  </a:solidFill>
+                </a:endParaRPr>
               </a:p>
               <a:p>
                 <a:pPr marL="0" indent="0">
@@ -19183,9 +19387,9 @@
         <p:grpSpPr>
           <a:xfrm>
             <a:off x="8059265" y="2356835"/>
-            <a:ext cx="1892187" cy="1646886"/>
+            <a:ext cx="1873912" cy="1646886"/>
             <a:chOff x="3545222" y="2195849"/>
-            <a:chExt cx="1892187" cy="1646886"/>
+            <a:chExt cx="1873912" cy="1646886"/>
           </a:xfrm>
         </p:grpSpPr>
         <mc:AlternateContent xmlns:mc="http://schemas.openxmlformats.org/markup-compatibility/2006">
@@ -19218,6 +19422,7 @@
                 </a:bodyPr>
                 <a:lstStyle/>
                 <a:p>
+                  <a:pPr/>
                   <a14:m>
                     <m:oMathPara xmlns:m="http://schemas.openxmlformats.org/officeDocument/2006/math">
                       <m:oMathParaPr>
@@ -19461,6 +19666,7 @@
                 </a:bodyPr>
                 <a:lstStyle/>
                 <a:p>
+                  <a:pPr/>
                   <a14:m>
                     <m:oMathPara xmlns:m="http://schemas.openxmlformats.org/officeDocument/2006/math">
                       <m:oMathParaPr>
@@ -19543,7 +19749,7 @@
               <p:spPr>
                 <a:xfrm>
                   <a:off x="4907584" y="3021378"/>
-                  <a:ext cx="529825" cy="400110"/>
+                  <a:ext cx="511550" cy="400110"/>
                 </a:xfrm>
                 <a:prstGeom prst="rect">
                   <a:avLst/>
@@ -19556,6 +19762,7 @@
                 </a:bodyPr>
                 <a:lstStyle/>
                 <a:p>
+                  <a:pPr/>
                   <a14:m>
                     <m:oMathPara xmlns:m="http://schemas.openxmlformats.org/officeDocument/2006/math">
                       <m:oMathParaPr>
@@ -19583,7 +19790,7 @@
                               <a:rPr lang="fr-FR" sz="2000" b="0" i="1" smtClean="0">
                                 <a:latin typeface="Cambria Math" panose="02040503050406030204" pitchFamily="18" charset="0"/>
                               </a:rPr>
-                              <m:t>𝐾</m:t>
+                              <m:t>𝐶</m:t>
                             </m:r>
                           </m:sub>
                         </m:sSub>
@@ -19613,7 +19820,7 @@
               <p:spPr>
                 <a:xfrm>
                   <a:off x="4907584" y="3021378"/>
-                  <a:ext cx="529825" cy="400110"/>
+                  <a:ext cx="511550" cy="400110"/>
                 </a:xfrm>
                 <a:prstGeom prst="rect">
                   <a:avLst/>
@@ -19709,6 +19916,7 @@
                 </a:bodyPr>
                 <a:lstStyle/>
                 <a:p>
+                  <a:pPr/>
                   <a14:m>
                     <m:oMathPara xmlns:m="http://schemas.openxmlformats.org/officeDocument/2006/math">
                       <m:oMathParaPr>
@@ -19778,7 +19986,7 @@
     </p:spTree>
     <p:extLst>
       <p:ext uri="{BB962C8B-B14F-4D97-AF65-F5344CB8AC3E}">
-        <p14:creationId xmlns:p14="http://schemas.microsoft.com/office/powerpoint/2010/main" val="3790503697"/>
+        <p14:creationId xmlns:p14="http://schemas.microsoft.com/office/powerpoint/2010/main" val="2170224244"/>
       </p:ext>
     </p:extLst>
   </p:cSld>
@@ -19805,223 +20013,1155 @@
           <a:chExt cx="0" cy="0"/>
         </a:xfrm>
       </p:grpSpPr>
-      <p:sp>
-        <p:nvSpPr>
-          <p:cNvPr id="3" name="Espace réservé du contenu 2">
+      <mc:AlternateContent xmlns:mc="http://schemas.openxmlformats.org/markup-compatibility/2006">
+        <mc:Choice xmlns:a14="http://schemas.microsoft.com/office/drawing/2010/main" Requires="a14">
+          <p:sp>
+            <p:nvSpPr>
+              <p:cNvPr id="3" name="Espace réservé du contenu 2">
+                <a:extLst>
+                  <a:ext uri="{FF2B5EF4-FFF2-40B4-BE49-F238E27FC236}">
+                    <a16:creationId xmlns:a16="http://schemas.microsoft.com/office/drawing/2014/main" id="{B59E77B8-2D75-472C-B76C-ABDDE0CAFCD5}"/>
+                  </a:ext>
+                </a:extLst>
+              </p:cNvPr>
+              <p:cNvSpPr>
+                <a:spLocks noGrp="1"/>
+              </p:cNvSpPr>
+              <p:nvPr>
+                <p:ph idx="1"/>
+              </p:nvPr>
+            </p:nvSpPr>
+            <p:spPr>
+              <a:xfrm>
+                <a:off x="537750" y="424853"/>
+                <a:ext cx="10839994" cy="6021978"/>
+              </a:xfrm>
+            </p:spPr>
+            <p:txBody>
+              <a:bodyPr>
+                <a:normAutofit/>
+              </a:bodyPr>
+              <a:lstStyle/>
+              <a:p>
+                <a:pPr marL="0" indent="0">
+                  <a:buNone/>
+                </a:pPr>
+                <a:r>
+                  <a:rPr lang="fr-FR" sz="2000" u="sng" dirty="0"/>
+                  <a:t>Analyse des données</a:t>
+                </a:r>
+                <a:r>
+                  <a:rPr lang="fr-FR" sz="2000" dirty="0"/>
+                  <a:t> :</a:t>
+                </a:r>
+              </a:p>
+              <a:p>
+                <a:r>
+                  <a:rPr lang="fr-FR" sz="2000" dirty="0"/>
+                  <a:t>Type d’entrées : numérique, catégorie (binaire, multiple).</a:t>
+                </a:r>
+              </a:p>
+              <a:p>
+                <a:r>
+                  <a:rPr lang="fr-FR" sz="2000" dirty="0"/>
+                  <a:t>Statistique simple : moyennes, écart-types, min, max.</a:t>
+                </a:r>
+                <a:endParaRPr lang="fr-FR" sz="1600" dirty="0"/>
+              </a:p>
+              <a:p>
+                <a:r>
+                  <a:rPr lang="fr-FR" sz="2000" dirty="0"/>
+                  <a:t>Corrélations : </a:t>
+                </a:r>
+              </a:p>
+              <a:p>
+                <a:pPr marL="457200" lvl="1" indent="0">
+                  <a:buNone/>
+                </a:pPr>
+                <a:r>
+                  <a:rPr lang="fr-FR" sz="1800" b="1" dirty="0"/>
+                  <a:t>Coefficient de Pearson</a:t>
+                </a:r>
+                <a:r>
+                  <a:rPr lang="fr-FR" sz="1800" dirty="0"/>
+                  <a:t> (</a:t>
+                </a:r>
+                <a14:m>
+                  <m:oMath xmlns:m="http://schemas.openxmlformats.org/officeDocument/2006/math">
+                    <m:r>
+                      <a:rPr lang="fr-FR" sz="1800" b="0" i="1" smtClean="0">
+                        <a:latin typeface="Cambria Math" panose="02040503050406030204" pitchFamily="18" charset="0"/>
+                      </a:rPr>
+                      <m:t>𝑟</m:t>
+                    </m:r>
+                  </m:oMath>
+                </a14:m>
+                <a:r>
+                  <a:rPr lang="fr-FR" sz="1800" dirty="0"/>
+                  <a:t> ou </a:t>
+                </a:r>
+                <a14:m>
+                  <m:oMath xmlns:m="http://schemas.openxmlformats.org/officeDocument/2006/math">
+                    <m:r>
+                      <a:rPr lang="fr-FR" sz="1800" b="0" i="1" smtClean="0">
+                        <a:latin typeface="Cambria Math" panose="02040503050406030204" pitchFamily="18" charset="0"/>
+                      </a:rPr>
+                      <m:t>𝑅</m:t>
+                    </m:r>
+                  </m:oMath>
+                </a14:m>
+                <a:r>
+                  <a:rPr lang="fr-FR" sz="1800" dirty="0"/>
+                  <a:t>) : mesure de la force et de la direction de la relation entre deux variables.</a:t>
+                </a:r>
+              </a:p>
+              <a:p>
+                <a:pPr marL="457200" lvl="1" indent="0">
+                  <a:buNone/>
+                </a:pPr>
+                <a14:m>
+                  <m:oMathPara xmlns:m="http://schemas.openxmlformats.org/officeDocument/2006/math">
+                    <m:oMathParaPr>
+                      <m:jc m:val="centerGroup"/>
+                    </m:oMathParaPr>
+                    <m:oMath xmlns:m="http://schemas.openxmlformats.org/officeDocument/2006/math">
+                      <m:r>
+                        <a:rPr lang="fr-FR" sz="1800" b="0" i="1" dirty="0" smtClean="0">
+                          <a:latin typeface="Cambria Math" panose="02040503050406030204" pitchFamily="18" charset="0"/>
+                        </a:rPr>
+                        <m:t>𝑅</m:t>
+                      </m:r>
+                      <m:d>
+                        <m:dPr>
+                          <m:ctrlPr>
+                            <a:rPr lang="fr-FR" sz="1800" i="1" dirty="0" smtClean="0">
+                              <a:latin typeface="Cambria Math" panose="02040503050406030204" pitchFamily="18" charset="0"/>
+                            </a:rPr>
+                          </m:ctrlPr>
+                        </m:dPr>
+                        <m:e>
+                          <m:r>
+                            <a:rPr lang="fr-FR" sz="1800" i="1" dirty="0" smtClean="0">
+                              <a:latin typeface="Cambria Math" panose="02040503050406030204" pitchFamily="18" charset="0"/>
+                            </a:rPr>
+                            <m:t>𝑥</m:t>
+                          </m:r>
+                          <m:r>
+                            <a:rPr lang="fr-FR" sz="1800" i="1" dirty="0" smtClean="0">
+                              <a:latin typeface="Cambria Math" panose="02040503050406030204" pitchFamily="18" charset="0"/>
+                            </a:rPr>
+                            <m:t>, </m:t>
+                          </m:r>
+                          <m:r>
+                            <a:rPr lang="fr-FR" sz="1800" i="1" dirty="0" smtClean="0">
+                              <a:latin typeface="Cambria Math" panose="02040503050406030204" pitchFamily="18" charset="0"/>
+                            </a:rPr>
+                            <m:t>𝑦</m:t>
+                          </m:r>
+                        </m:e>
+                      </m:d>
+                      <m:r>
+                        <a:rPr lang="fr-FR" sz="1800" i="1" dirty="0" smtClean="0">
+                          <a:latin typeface="Cambria Math" panose="02040503050406030204" pitchFamily="18" charset="0"/>
+                        </a:rPr>
+                        <m:t>=</m:t>
+                      </m:r>
+                      <m:f>
+                        <m:fPr>
+                          <m:ctrlPr>
+                            <a:rPr lang="fr-FR" sz="1800" b="0" i="1" dirty="0" smtClean="0">
+                              <a:latin typeface="Cambria Math" panose="02040503050406030204" pitchFamily="18" charset="0"/>
+                            </a:rPr>
+                          </m:ctrlPr>
+                        </m:fPr>
+                        <m:num>
+                          <m:nary>
+                            <m:naryPr>
+                              <m:chr m:val="∑"/>
+                              <m:subHide m:val="on"/>
+                              <m:supHide m:val="on"/>
+                              <m:ctrlPr>
+                                <a:rPr lang="fr-FR" sz="1800" b="0" i="1" dirty="0" smtClean="0">
+                                  <a:latin typeface="Cambria Math" panose="02040503050406030204" pitchFamily="18" charset="0"/>
+                                </a:rPr>
+                              </m:ctrlPr>
+                            </m:naryPr>
+                            <m:sub/>
+                            <m:sup/>
+                            <m:e>
+                              <m:d>
+                                <m:dPr>
+                                  <m:ctrlPr>
+                                    <a:rPr lang="fr-FR" sz="1800" b="0" i="1" dirty="0" smtClean="0">
+                                      <a:latin typeface="Cambria Math" panose="02040503050406030204" pitchFamily="18" charset="0"/>
+                                    </a:rPr>
+                                  </m:ctrlPr>
+                                </m:dPr>
+                                <m:e>
+                                  <m:r>
+                                    <a:rPr lang="fr-FR" sz="1800" b="0" i="1" dirty="0" smtClean="0">
+                                      <a:latin typeface="Cambria Math" panose="02040503050406030204" pitchFamily="18" charset="0"/>
+                                    </a:rPr>
+                                    <m:t>𝑥</m:t>
+                                  </m:r>
+                                  <m:r>
+                                    <a:rPr lang="fr-FR" sz="1800" i="1" dirty="0">
+                                      <a:latin typeface="Cambria Math" panose="02040503050406030204" pitchFamily="18" charset="0"/>
+                                    </a:rPr>
+                                    <m:t>−</m:t>
+                                  </m:r>
+                                  <m:acc>
+                                    <m:accPr>
+                                      <m:chr m:val="̅"/>
+                                      <m:ctrlPr>
+                                        <a:rPr lang="fr-FR" sz="1800" i="1" dirty="0">
+                                          <a:latin typeface="Cambria Math" panose="02040503050406030204" pitchFamily="18" charset="0"/>
+                                        </a:rPr>
+                                      </m:ctrlPr>
+                                    </m:accPr>
+                                    <m:e>
+                                      <m:r>
+                                        <a:rPr lang="fr-FR" sz="1800" i="1" dirty="0">
+                                          <a:latin typeface="Cambria Math" panose="02040503050406030204" pitchFamily="18" charset="0"/>
+                                        </a:rPr>
+                                        <m:t>𝑥</m:t>
+                                      </m:r>
+                                    </m:e>
+                                  </m:acc>
+                                </m:e>
+                              </m:d>
+                              <m:r>
+                                <a:rPr lang="fr-FR" sz="1800" b="0" i="1" dirty="0" smtClean="0">
+                                  <a:latin typeface="Cambria Math" panose="02040503050406030204" pitchFamily="18" charset="0"/>
+                                </a:rPr>
+                                <m:t>(</m:t>
+                              </m:r>
+                              <m:r>
+                                <a:rPr lang="fr-FR" sz="1800" b="0" i="1" dirty="0" smtClean="0">
+                                  <a:latin typeface="Cambria Math" panose="02040503050406030204" pitchFamily="18" charset="0"/>
+                                </a:rPr>
+                                <m:t>𝑦</m:t>
+                              </m:r>
+                              <m:r>
+                                <a:rPr lang="fr-FR" sz="1800" i="1" dirty="0">
+                                  <a:latin typeface="Cambria Math" panose="02040503050406030204" pitchFamily="18" charset="0"/>
+                                </a:rPr>
+                                <m:t>−</m:t>
+                              </m:r>
+                              <m:acc>
+                                <m:accPr>
+                                  <m:chr m:val="̅"/>
+                                  <m:ctrlPr>
+                                    <a:rPr lang="fr-FR" sz="1800" i="1" dirty="0">
+                                      <a:latin typeface="Cambria Math" panose="02040503050406030204" pitchFamily="18" charset="0"/>
+                                    </a:rPr>
+                                  </m:ctrlPr>
+                                </m:accPr>
+                                <m:e>
+                                  <m:r>
+                                    <a:rPr lang="fr-FR" sz="1800" b="0" i="1" dirty="0" smtClean="0">
+                                      <a:latin typeface="Cambria Math" panose="02040503050406030204" pitchFamily="18" charset="0"/>
+                                    </a:rPr>
+                                    <m:t>𝑦</m:t>
+                                  </m:r>
+                                </m:e>
+                              </m:acc>
+                              <m:r>
+                                <a:rPr lang="fr-FR" sz="1800" b="0" i="1" dirty="0" smtClean="0">
+                                  <a:latin typeface="Cambria Math" panose="02040503050406030204" pitchFamily="18" charset="0"/>
+                                </a:rPr>
+                                <m:t>)</m:t>
+                              </m:r>
+                            </m:e>
+                          </m:nary>
+                        </m:num>
+                        <m:den>
+                          <m:rad>
+                            <m:radPr>
+                              <m:degHide m:val="on"/>
+                              <m:ctrlPr>
+                                <a:rPr lang="fr-FR" sz="1800" b="0" i="1" dirty="0" smtClean="0">
+                                  <a:latin typeface="Cambria Math" panose="02040503050406030204" pitchFamily="18" charset="0"/>
+                                </a:rPr>
+                              </m:ctrlPr>
+                            </m:radPr>
+                            <m:deg/>
+                            <m:e>
+                              <m:nary>
+                                <m:naryPr>
+                                  <m:chr m:val="∑"/>
+                                  <m:subHide m:val="on"/>
+                                  <m:supHide m:val="on"/>
+                                  <m:ctrlPr>
+                                    <a:rPr lang="fr-FR" sz="1800" i="1" dirty="0">
+                                      <a:latin typeface="Cambria Math" panose="02040503050406030204" pitchFamily="18" charset="0"/>
+                                    </a:rPr>
+                                  </m:ctrlPr>
+                                </m:naryPr>
+                                <m:sub/>
+                                <m:sup/>
+                                <m:e>
+                                  <m:r>
+                                    <a:rPr lang="fr-FR" sz="1800" i="1" dirty="0">
+                                      <a:latin typeface="Cambria Math" panose="02040503050406030204" pitchFamily="18" charset="0"/>
+                                    </a:rPr>
+                                    <m:t>(</m:t>
+                                  </m:r>
+                                </m:e>
+                              </m:nary>
+                              <m:r>
+                                <a:rPr lang="fr-FR" sz="1800" b="0" i="1" dirty="0" smtClean="0">
+                                  <a:latin typeface="Cambria Math" panose="02040503050406030204" pitchFamily="18" charset="0"/>
+                                </a:rPr>
+                                <m:t>𝑥</m:t>
+                              </m:r>
+                              <m:r>
+                                <a:rPr lang="fr-FR" sz="1800" b="0" i="1" dirty="0" smtClean="0">
+                                  <a:latin typeface="Cambria Math" panose="02040503050406030204" pitchFamily="18" charset="0"/>
+                                </a:rPr>
+                                <m:t>−</m:t>
+                              </m:r>
+                              <m:acc>
+                                <m:accPr>
+                                  <m:chr m:val="̅"/>
+                                  <m:ctrlPr>
+                                    <a:rPr lang="fr-FR" sz="1800" i="1" dirty="0">
+                                      <a:latin typeface="Cambria Math" panose="02040503050406030204" pitchFamily="18" charset="0"/>
+                                    </a:rPr>
+                                  </m:ctrlPr>
+                                </m:accPr>
+                                <m:e>
+                                  <m:r>
+                                    <a:rPr lang="fr-FR" sz="1800" i="1" dirty="0">
+                                      <a:latin typeface="Cambria Math" panose="02040503050406030204" pitchFamily="18" charset="0"/>
+                                    </a:rPr>
+                                    <m:t>𝑥</m:t>
+                                  </m:r>
+                                </m:e>
+                              </m:acc>
+                              <m:r>
+                                <a:rPr lang="fr-FR" sz="1800" b="0" i="1" dirty="0" smtClean="0">
+                                  <a:latin typeface="Cambria Math" panose="02040503050406030204" pitchFamily="18" charset="0"/>
+                                </a:rPr>
+                                <m:t>)² </m:t>
+                              </m:r>
+                            </m:e>
+                          </m:rad>
+                          <m:rad>
+                            <m:radPr>
+                              <m:degHide m:val="on"/>
+                              <m:ctrlPr>
+                                <a:rPr lang="fr-FR" sz="1800" i="1" dirty="0">
+                                  <a:latin typeface="Cambria Math" panose="02040503050406030204" pitchFamily="18" charset="0"/>
+                                </a:rPr>
+                              </m:ctrlPr>
+                            </m:radPr>
+                            <m:deg/>
+                            <m:e>
+                              <m:nary>
+                                <m:naryPr>
+                                  <m:chr m:val="∑"/>
+                                  <m:subHide m:val="on"/>
+                                  <m:supHide m:val="on"/>
+                                  <m:ctrlPr>
+                                    <a:rPr lang="fr-FR" sz="1800" i="1" dirty="0">
+                                      <a:latin typeface="Cambria Math" panose="02040503050406030204" pitchFamily="18" charset="0"/>
+                                    </a:rPr>
+                                  </m:ctrlPr>
+                                </m:naryPr>
+                                <m:sub/>
+                                <m:sup/>
+                                <m:e>
+                                  <m:r>
+                                    <a:rPr lang="fr-FR" sz="1800" i="1" dirty="0">
+                                      <a:latin typeface="Cambria Math" panose="02040503050406030204" pitchFamily="18" charset="0"/>
+                                    </a:rPr>
+                                    <m:t>(</m:t>
+                                  </m:r>
+                                </m:e>
+                              </m:nary>
+                              <m:r>
+                                <a:rPr lang="fr-FR" sz="1800" b="0" i="1" dirty="0" smtClean="0">
+                                  <a:latin typeface="Cambria Math" panose="02040503050406030204" pitchFamily="18" charset="0"/>
+                                </a:rPr>
+                                <m:t>𝑦</m:t>
+                              </m:r>
+                              <m:r>
+                                <a:rPr lang="fr-FR" sz="1800" i="1" dirty="0">
+                                  <a:latin typeface="Cambria Math" panose="02040503050406030204" pitchFamily="18" charset="0"/>
+                                </a:rPr>
+                                <m:t>−</m:t>
+                              </m:r>
+                              <m:acc>
+                                <m:accPr>
+                                  <m:chr m:val="̅"/>
+                                  <m:ctrlPr>
+                                    <a:rPr lang="fr-FR" sz="1800" i="1" dirty="0">
+                                      <a:latin typeface="Cambria Math" panose="02040503050406030204" pitchFamily="18" charset="0"/>
+                                    </a:rPr>
+                                  </m:ctrlPr>
+                                </m:accPr>
+                                <m:e>
+                                  <m:r>
+                                    <a:rPr lang="fr-FR" sz="1800" b="0" i="1" dirty="0" smtClean="0">
+                                      <a:latin typeface="Cambria Math" panose="02040503050406030204" pitchFamily="18" charset="0"/>
+                                    </a:rPr>
+                                    <m:t>𝑦</m:t>
+                                  </m:r>
+                                </m:e>
+                              </m:acc>
+                              <m:r>
+                                <a:rPr lang="fr-FR" sz="1800" i="1" dirty="0">
+                                  <a:latin typeface="Cambria Math" panose="02040503050406030204" pitchFamily="18" charset="0"/>
+                                </a:rPr>
+                                <m:t>)² </m:t>
+                              </m:r>
+                            </m:e>
+                          </m:rad>
+                        </m:den>
+                      </m:f>
+                    </m:oMath>
+                  </m:oMathPara>
+                </a14:m>
+                <a:endParaRPr lang="fr-FR" sz="1800" dirty="0"/>
+              </a:p>
+              <a:p>
+                <a:pPr marL="457200" lvl="1" indent="0">
+                  <a:buNone/>
+                </a:pPr>
+                <a:r>
+                  <a:rPr lang="fr-FR" sz="1800" b="0" dirty="0">
+                    <a:latin typeface="Cambria Math" panose="02040503050406030204" pitchFamily="18" charset="0"/>
+                  </a:rPr>
+                  <a:t>Propriétés :</a:t>
+                </a:r>
+              </a:p>
+              <a:p>
+                <a:pPr marL="800100" lvl="1" indent="-342900">
+                  <a:buFont typeface="+mj-lt"/>
+                  <a:buAutoNum type="arabicPeriod"/>
+                </a:pPr>
+                <a14:m>
+                  <m:oMath xmlns:m="http://schemas.openxmlformats.org/officeDocument/2006/math">
+                    <m:r>
+                      <a:rPr lang="fr-FR" sz="1800" b="0" i="1" smtClean="0">
+                        <a:latin typeface="Cambria Math" panose="02040503050406030204" pitchFamily="18" charset="0"/>
+                      </a:rPr>
+                      <m:t>−1≤</m:t>
+                    </m:r>
+                    <m:r>
+                      <a:rPr lang="fr-FR" sz="1800" b="0" i="1" smtClean="0">
+                        <a:latin typeface="Cambria Math" panose="02040503050406030204" pitchFamily="18" charset="0"/>
+                      </a:rPr>
+                      <m:t>𝑅</m:t>
+                    </m:r>
+                    <m:r>
+                      <a:rPr lang="fr-FR" sz="1800" b="0" i="1" smtClean="0">
+                        <a:latin typeface="Cambria Math" panose="02040503050406030204" pitchFamily="18" charset="0"/>
+                      </a:rPr>
+                      <m:t>≤1</m:t>
+                    </m:r>
+                  </m:oMath>
+                </a14:m>
+                <a:r>
+                  <a:rPr lang="fr-FR" sz="1800" dirty="0"/>
+                  <a:t> (avec, e.g., </a:t>
+                </a:r>
+                <a:r>
+                  <a:rPr lang="en-US" sz="1800" dirty="0"/>
+                  <a:t>relation </a:t>
+                </a:r>
+                <a:r>
+                  <a:rPr lang="en-US" sz="1800" dirty="0" err="1"/>
+                  <a:t>linéaire</a:t>
+                </a:r>
+                <a:r>
+                  <a:rPr lang="en-US" sz="1800" dirty="0"/>
+                  <a:t> positive </a:t>
+                </a:r>
+                <a:r>
+                  <a:rPr lang="en-US" sz="1800" dirty="0" err="1"/>
+                  <a:t>parfaite</a:t>
+                </a:r>
+                <a:r>
+                  <a:rPr lang="en-US" sz="1800" dirty="0"/>
+                  <a:t> pour </a:t>
+                </a:r>
+                <a14:m>
+                  <m:oMath xmlns:m="http://schemas.openxmlformats.org/officeDocument/2006/math">
+                    <m:r>
+                      <a:rPr lang="fr-FR" sz="1800" b="0" i="1" smtClean="0">
+                        <a:latin typeface="Cambria Math" panose="02040503050406030204" pitchFamily="18" charset="0"/>
+                      </a:rPr>
+                      <m:t>𝑟</m:t>
+                    </m:r>
+                    <m:r>
+                      <a:rPr lang="fr-FR" sz="1800" b="0" i="1" smtClean="0">
+                        <a:latin typeface="Cambria Math" panose="02040503050406030204" pitchFamily="18" charset="0"/>
+                      </a:rPr>
+                      <m:t>=1</m:t>
+                    </m:r>
+                  </m:oMath>
+                </a14:m>
+                <a:r>
+                  <a:rPr lang="fr-FR" sz="1800" dirty="0"/>
+                  <a:t>, aucune relation pour </a:t>
+                </a:r>
+                <a14:m>
+                  <m:oMath xmlns:m="http://schemas.openxmlformats.org/officeDocument/2006/math">
+                    <m:r>
+                      <a:rPr lang="fr-FR" sz="1800" b="0" i="1" smtClean="0">
+                        <a:latin typeface="Cambria Math" panose="02040503050406030204" pitchFamily="18" charset="0"/>
+                      </a:rPr>
+                      <m:t>𝑅</m:t>
+                    </m:r>
+                    <m:r>
+                      <a:rPr lang="fr-FR" sz="1800" b="0" i="1" smtClean="0">
+                        <a:latin typeface="Cambria Math" panose="02040503050406030204" pitchFamily="18" charset="0"/>
+                      </a:rPr>
+                      <m:t>=0</m:t>
+                    </m:r>
+                  </m:oMath>
+                </a14:m>
+                <a:r>
+                  <a:rPr lang="fr-FR" sz="1800" dirty="0"/>
+                  <a:t>).</a:t>
+                </a:r>
+              </a:p>
+              <a:p>
+                <a:pPr marL="800100" lvl="1" indent="-342900">
+                  <a:buFont typeface="+mj-lt"/>
+                  <a:buAutoNum type="arabicPeriod"/>
+                </a:pPr>
+                <a14:m>
+                  <m:oMath xmlns:m="http://schemas.openxmlformats.org/officeDocument/2006/math">
+                    <m:r>
+                      <a:rPr lang="fr-FR" sz="1800" b="0" i="1" smtClean="0">
+                        <a:latin typeface="Cambria Math" panose="02040503050406030204" pitchFamily="18" charset="0"/>
+                      </a:rPr>
+                      <m:t>𝑅</m:t>
+                    </m:r>
+                    <m:d>
+                      <m:dPr>
+                        <m:ctrlPr>
+                          <a:rPr lang="fr-FR" sz="1800" b="0" i="1" smtClean="0">
+                            <a:latin typeface="Cambria Math" panose="02040503050406030204" pitchFamily="18" charset="0"/>
+                          </a:rPr>
+                        </m:ctrlPr>
+                      </m:dPr>
+                      <m:e>
+                        <m:r>
+                          <a:rPr lang="fr-FR" sz="1800" b="0" i="1" smtClean="0">
+                            <a:latin typeface="Cambria Math" panose="02040503050406030204" pitchFamily="18" charset="0"/>
+                          </a:rPr>
+                          <m:t>𝑥</m:t>
+                        </m:r>
+                        <m:r>
+                          <a:rPr lang="fr-FR" sz="1800" b="0" i="1" smtClean="0">
+                            <a:latin typeface="Cambria Math" panose="02040503050406030204" pitchFamily="18" charset="0"/>
+                          </a:rPr>
+                          <m:t>,</m:t>
+                        </m:r>
+                        <m:r>
+                          <a:rPr lang="fr-FR" sz="1800" b="0" i="1" smtClean="0">
+                            <a:latin typeface="Cambria Math" panose="02040503050406030204" pitchFamily="18" charset="0"/>
+                          </a:rPr>
+                          <m:t>𝑦</m:t>
+                        </m:r>
+                      </m:e>
+                    </m:d>
+                    <m:r>
+                      <a:rPr lang="fr-FR" sz="1800" b="0" i="1" smtClean="0">
+                        <a:latin typeface="Cambria Math" panose="02040503050406030204" pitchFamily="18" charset="0"/>
+                      </a:rPr>
+                      <m:t>=</m:t>
+                    </m:r>
+                    <m:r>
+                      <a:rPr lang="fr-FR" sz="1800" b="0" i="1" smtClean="0">
+                        <a:latin typeface="Cambria Math" panose="02040503050406030204" pitchFamily="18" charset="0"/>
+                      </a:rPr>
+                      <m:t>𝑅</m:t>
+                    </m:r>
+                    <m:r>
+                      <a:rPr lang="fr-FR" sz="1800" b="0" i="1" smtClean="0">
+                        <a:latin typeface="Cambria Math" panose="02040503050406030204" pitchFamily="18" charset="0"/>
+                      </a:rPr>
+                      <m:t>(</m:t>
+                    </m:r>
+                    <m:r>
+                      <a:rPr lang="fr-FR" sz="1800" b="0" i="1" smtClean="0">
+                        <a:latin typeface="Cambria Math" panose="02040503050406030204" pitchFamily="18" charset="0"/>
+                      </a:rPr>
+                      <m:t>𝑦</m:t>
+                    </m:r>
+                    <m:r>
+                      <a:rPr lang="fr-FR" sz="1800" b="0" i="1" smtClean="0">
+                        <a:latin typeface="Cambria Math" panose="02040503050406030204" pitchFamily="18" charset="0"/>
+                      </a:rPr>
+                      <m:t>,</m:t>
+                    </m:r>
+                    <m:r>
+                      <a:rPr lang="fr-FR" sz="1800" b="0" i="1" smtClean="0">
+                        <a:latin typeface="Cambria Math" panose="02040503050406030204" pitchFamily="18" charset="0"/>
+                      </a:rPr>
+                      <m:t>𝑥</m:t>
+                    </m:r>
+                    <m:r>
+                      <a:rPr lang="fr-FR" sz="1800" b="0" i="1" smtClean="0">
+                        <a:latin typeface="Cambria Math" panose="02040503050406030204" pitchFamily="18" charset="0"/>
+                      </a:rPr>
+                      <m:t>)</m:t>
+                    </m:r>
+                  </m:oMath>
+                </a14:m>
+                <a:endParaRPr lang="fr-FR" sz="1800" dirty="0"/>
+              </a:p>
+              <a:p>
+                <a:pPr marL="800100" lvl="1" indent="-342900">
+                  <a:buFont typeface="+mj-lt"/>
+                  <a:buAutoNum type="arabicPeriod"/>
+                </a:pPr>
+                <a14:m>
+                  <m:oMath xmlns:m="http://schemas.openxmlformats.org/officeDocument/2006/math">
+                    <m:r>
+                      <a:rPr lang="fr-FR" sz="1800" b="0" i="1" dirty="0" smtClean="0">
+                        <a:latin typeface="Cambria Math" panose="02040503050406030204" pitchFamily="18" charset="0"/>
+                      </a:rPr>
+                      <m:t>𝑅</m:t>
+                    </m:r>
+                    <m:r>
+                      <a:rPr lang="fr-FR" sz="1800" i="1" dirty="0" smtClean="0">
+                        <a:latin typeface="Cambria Math" panose="02040503050406030204" pitchFamily="18" charset="0"/>
+                      </a:rPr>
+                      <m:t>(</m:t>
+                    </m:r>
+                    <m:r>
+                      <a:rPr lang="fr-FR" sz="1800" i="1" dirty="0" err="1" smtClean="0">
+                        <a:latin typeface="Cambria Math" panose="02040503050406030204" pitchFamily="18" charset="0"/>
+                      </a:rPr>
+                      <m:t>𝑥</m:t>
+                    </m:r>
+                    <m:r>
+                      <a:rPr lang="fr-FR" sz="1800" i="1" dirty="0" err="1" smtClean="0">
+                        <a:latin typeface="Cambria Math" panose="02040503050406030204" pitchFamily="18" charset="0"/>
+                      </a:rPr>
+                      <m:t>,</m:t>
+                    </m:r>
+                    <m:r>
+                      <a:rPr lang="fr-FR" sz="1800" i="1" dirty="0" err="1" smtClean="0">
+                        <a:latin typeface="Cambria Math" panose="02040503050406030204" pitchFamily="18" charset="0"/>
+                      </a:rPr>
+                      <m:t>𝑥</m:t>
+                    </m:r>
+                    <m:r>
+                      <a:rPr lang="fr-FR" sz="1800" i="1" dirty="0" smtClean="0">
+                        <a:latin typeface="Cambria Math" panose="02040503050406030204" pitchFamily="18" charset="0"/>
+                      </a:rPr>
+                      <m:t>) = 1</m:t>
+                    </m:r>
+                  </m:oMath>
+                </a14:m>
+                <a:endParaRPr lang="fr-FR" sz="1800" dirty="0"/>
+              </a:p>
+              <a:p>
+                <a:pPr marL="457200" lvl="1" indent="0">
+                  <a:buNone/>
+                </a:pPr>
+                <a:endParaRPr lang="fr-FR" sz="1800" dirty="0"/>
+              </a:p>
+              <a:p>
+                <a:pPr marL="457200" lvl="1" indent="0">
+                  <a:buNone/>
+                </a:pPr>
+                <a:r>
+                  <a:rPr lang="fr-FR" sz="1800" b="1" dirty="0"/>
+                  <a:t>Matrice de corrélation</a:t>
+                </a:r>
+                <a:r>
+                  <a:rPr lang="fr-FR" sz="1800" dirty="0"/>
+                  <a:t> : pour des variables {x, y, z, …} </a:t>
+                </a:r>
+              </a:p>
+              <a:p>
+                <a:pPr marL="457200" lvl="1" indent="0">
+                  <a:buNone/>
+                </a:pPr>
+                <a:r>
+                  <a:rPr lang="fr-FR" sz="1800" dirty="0"/>
+                  <a:t>matrice carrée représentant les </a:t>
+                </a:r>
+                <a:r>
+                  <a:rPr lang="fr-FR" sz="1800" dirty="0" err="1"/>
+                  <a:t>coeffs</a:t>
+                </a:r>
+                <a:r>
+                  <a:rPr lang="fr-FR" sz="1800" dirty="0"/>
+                  <a:t> de Pearson.</a:t>
+                </a:r>
+              </a:p>
+              <a:p>
+                <a:pPr marL="457200" lvl="1" indent="0">
+                  <a:buNone/>
+                </a:pPr>
+                <a:r>
+                  <a:rPr lang="fr-FR" sz="1800" dirty="0"/>
+                  <a:t>Remarques : </a:t>
+                </a:r>
+              </a:p>
+              <a:p>
+                <a:pPr marL="457200" lvl="1" indent="0">
+                  <a:buNone/>
+                </a:pPr>
+                <a:r>
+                  <a:rPr lang="fr-FR" sz="1800" dirty="0"/>
+                  <a:t>	propriété 2 </a:t>
+                </a:r>
+                <a14:m>
+                  <m:oMath xmlns:m="http://schemas.openxmlformats.org/officeDocument/2006/math">
+                    <m:r>
+                      <a:rPr lang="fr-FR" sz="1800" b="0" i="1" dirty="0" smtClean="0">
+                        <a:latin typeface="Cambria Math" panose="02040503050406030204" pitchFamily="18" charset="0"/>
+                      </a:rPr>
+                      <m:t>⇒ </m:t>
+                    </m:r>
+                  </m:oMath>
+                </a14:m>
+                <a:r>
+                  <a:rPr lang="fr-FR" sz="1800" dirty="0"/>
+                  <a:t>la matrice est symétrique</a:t>
+                </a:r>
+              </a:p>
+              <a:p>
+                <a:pPr marL="457200" lvl="1" indent="0">
+                  <a:buNone/>
+                </a:pPr>
+                <a:r>
+                  <a:rPr lang="fr-FR" sz="1800" dirty="0"/>
+                  <a:t>	propriété 3 </a:t>
+                </a:r>
+                <a14:m>
+                  <m:oMath xmlns:m="http://schemas.openxmlformats.org/officeDocument/2006/math">
+                    <m:r>
+                      <a:rPr lang="fr-FR" sz="1800" b="0" i="1" smtClean="0">
+                        <a:latin typeface="Cambria Math" panose="02040503050406030204" pitchFamily="18" charset="0"/>
+                      </a:rPr>
+                      <m:t>⇒</m:t>
+                    </m:r>
+                  </m:oMath>
+                </a14:m>
+                <a:r>
+                  <a:rPr lang="fr-FR" sz="1800" dirty="0"/>
+                  <a:t> diagonale remplies de 1.</a:t>
+                </a:r>
+              </a:p>
+              <a:p>
+                <a:pPr marL="0" indent="0">
+                  <a:buNone/>
+                </a:pPr>
+                <a:endParaRPr lang="fr-FR" sz="1800" u="sng" dirty="0"/>
+              </a:p>
+              <a:p>
+                <a:pPr marL="0" indent="0">
+                  <a:buNone/>
+                </a:pPr>
+                <a:endParaRPr lang="fr-FR" sz="2400" dirty="0">
+                  <a:solidFill>
+                    <a:schemeClr val="tx1">
+                      <a:lumMod val="50000"/>
+                      <a:lumOff val="50000"/>
+                    </a:schemeClr>
+                  </a:solidFill>
+                </a:endParaRPr>
+              </a:p>
+              <a:p>
+                <a:pPr marL="0" indent="0">
+                  <a:buNone/>
+                </a:pPr>
+                <a:endParaRPr lang="fr-FR" sz="2000" dirty="0"/>
+              </a:p>
+              <a:p>
+                <a:pPr marL="0" indent="0">
+                  <a:buNone/>
+                </a:pPr>
+                <a:endParaRPr lang="fr-FR" sz="1600" dirty="0"/>
+              </a:p>
+              <a:p>
+                <a:pPr marL="457200" lvl="1" indent="0">
+                  <a:buNone/>
+                </a:pPr>
+                <a:endParaRPr lang="fr-FR" sz="1600" dirty="0"/>
+              </a:p>
+            </p:txBody>
+          </p:sp>
+        </mc:Choice>
+        <mc:Fallback>
+          <p:sp>
+            <p:nvSpPr>
+              <p:cNvPr id="3" name="Espace réservé du contenu 2">
+                <a:extLst>
+                  <a:ext uri="{FF2B5EF4-FFF2-40B4-BE49-F238E27FC236}">
+                    <a16:creationId xmlns:a16="http://schemas.microsoft.com/office/drawing/2014/main" id="{B59E77B8-2D75-472C-B76C-ABDDE0CAFCD5}"/>
+                  </a:ext>
+                </a:extLst>
+              </p:cNvPr>
+              <p:cNvSpPr>
+                <a:spLocks noGrp="1" noRot="1" noChangeAspect="1" noMove="1" noResize="1" noEditPoints="1" noAdjustHandles="1" noChangeArrowheads="1" noChangeShapeType="1" noTextEdit="1"/>
+              </p:cNvSpPr>
+              <p:nvPr>
+                <p:ph idx="1"/>
+              </p:nvPr>
+            </p:nvSpPr>
+            <p:spPr>
+              <a:xfrm>
+                <a:off x="537750" y="424853"/>
+                <a:ext cx="10839994" cy="6021978"/>
+              </a:xfrm>
+              <a:blipFill>
+                <a:blip r:embed="rId2"/>
+                <a:stretch>
+                  <a:fillRect l="-562" t="-1113"/>
+                </a:stretch>
+              </a:blipFill>
+            </p:spPr>
+            <p:txBody>
+              <a:bodyPr/>
+              <a:lstStyle/>
+              <a:p>
+                <a:r>
+                  <a:rPr lang="en-US">
+                    <a:noFill/>
+                  </a:rPr>
+                  <a:t> </a:t>
+                </a:r>
+              </a:p>
+            </p:txBody>
+          </p:sp>
+        </mc:Fallback>
+      </mc:AlternateContent>
+      <p:graphicFrame>
+        <p:nvGraphicFramePr>
+          <p:cNvPr id="2" name="Tableau 4">
             <a:extLst>
               <a:ext uri="{FF2B5EF4-FFF2-40B4-BE49-F238E27FC236}">
-                <a16:creationId xmlns:a16="http://schemas.microsoft.com/office/drawing/2014/main" id="{B59E77B8-2D75-472C-B76C-ABDDE0CAFCD5}"/>
+                <a16:creationId xmlns:a16="http://schemas.microsoft.com/office/drawing/2014/main" id="{2FD3A5A9-CA29-4932-A53D-E3D6AEF4C750}"/>
               </a:ext>
             </a:extLst>
           </p:cNvPr>
-          <p:cNvSpPr>
-            <a:spLocks noGrp="1"/>
-          </p:cNvSpPr>
+          <p:cNvGraphicFramePr>
+            <a:graphicFrameLocks noGrp="1"/>
+          </p:cNvGraphicFramePr>
           <p:nvPr>
-            <p:ph idx="1"/>
+            <p:extLst>
+              <p:ext uri="{D42A27DB-BD31-4B8C-83A1-F6EECF244321}">
+                <p14:modId xmlns:p14="http://schemas.microsoft.com/office/powerpoint/2010/main" val="2683324495"/>
+              </p:ext>
+            </p:extLst>
           </p:nvPr>
-        </p:nvSpPr>
-        <p:spPr>
-          <a:xfrm>
-            <a:off x="537750" y="424853"/>
-            <a:ext cx="10839994" cy="6021978"/>
-          </a:xfrm>
-        </p:spPr>
-        <p:txBody>
-          <a:bodyPr>
-            <a:normAutofit/>
-          </a:bodyPr>
-          <a:lstStyle/>
-          <a:p>
-            <a:pPr marL="0" indent="0">
-              <a:buNone/>
-            </a:pPr>
-            <a:r>
-              <a:rPr lang="fr-FR" sz="2400" u="sng" dirty="0"/>
-              <a:t>Exemple: Titanic</a:t>
-            </a:r>
-          </a:p>
-          <a:p>
-            <a:pPr marL="0" indent="0">
-              <a:buNone/>
-            </a:pPr>
-            <a:r>
-              <a:rPr lang="fr-FR" sz="2000" u="sng" dirty="0">
-                <a:solidFill>
-                  <a:schemeClr val="tx1">
-                    <a:lumMod val="50000"/>
-                    <a:lumOff val="50000"/>
-                  </a:schemeClr>
-                </a:solidFill>
-              </a:rPr>
-              <a:t>Données</a:t>
-            </a:r>
-            <a:r>
-              <a:rPr lang="fr-FR" sz="2000" dirty="0">
-                <a:solidFill>
-                  <a:schemeClr val="tx1">
-                    <a:lumMod val="50000"/>
-                    <a:lumOff val="50000"/>
-                  </a:schemeClr>
-                </a:solidFill>
-              </a:rPr>
-              <a:t> : pour 891 passagers, le prix de leur billet, leur genre</a:t>
-            </a:r>
-          </a:p>
-          <a:p>
-            <a:pPr marL="0" indent="0">
-              <a:buNone/>
-            </a:pPr>
-            <a:r>
-              <a:rPr lang="fr-FR" sz="2000" dirty="0">
-                <a:solidFill>
-                  <a:schemeClr val="tx1">
-                    <a:lumMod val="50000"/>
-                    <a:lumOff val="50000"/>
-                  </a:schemeClr>
-                </a:solidFill>
-              </a:rPr>
-              <a:t>(H/F), tarif de leur billet, classe de leur cabine, un identifiant et</a:t>
-            </a:r>
-          </a:p>
-          <a:p>
-            <a:pPr marL="0" indent="0">
-              <a:buNone/>
-            </a:pPr>
-            <a:r>
-              <a:rPr lang="fr-FR" sz="2000" dirty="0">
-                <a:solidFill>
-                  <a:schemeClr val="tx1">
-                    <a:lumMod val="50000"/>
-                    <a:lumOff val="50000"/>
-                  </a:schemeClr>
-                </a:solidFill>
-              </a:rPr>
-              <a:t>si ils ont survécu</a:t>
-            </a:r>
-            <a:r>
-              <a:rPr lang="fr-FR" sz="2000" i="1" dirty="0">
-                <a:solidFill>
-                  <a:schemeClr val="tx1">
-                    <a:lumMod val="50000"/>
-                    <a:lumOff val="50000"/>
-                  </a:schemeClr>
-                </a:solidFill>
-              </a:rPr>
-              <a:t>.</a:t>
-            </a:r>
-          </a:p>
-          <a:p>
-            <a:pPr marL="0" indent="0">
-              <a:buNone/>
-            </a:pPr>
-            <a:r>
-              <a:rPr lang="fr-FR" sz="2000" u="sng" dirty="0">
-                <a:solidFill>
-                  <a:schemeClr val="tx1">
-                    <a:lumMod val="50000"/>
-                    <a:lumOff val="50000"/>
-                  </a:schemeClr>
-                </a:solidFill>
-              </a:rPr>
-              <a:t>Problème</a:t>
-            </a:r>
-            <a:r>
-              <a:rPr lang="fr-FR" sz="2000" dirty="0">
-                <a:solidFill>
-                  <a:schemeClr val="tx1">
-                    <a:lumMod val="50000"/>
-                    <a:lumOff val="50000"/>
-                  </a:schemeClr>
-                </a:solidFill>
-              </a:rPr>
-              <a:t> : entraîner un modèle qui prédise si un passager </a:t>
-            </a:r>
-          </a:p>
-          <a:p>
-            <a:pPr marL="0" indent="0">
-              <a:buNone/>
-            </a:pPr>
-            <a:r>
-              <a:rPr lang="fr-FR" sz="2000" dirty="0">
-                <a:solidFill>
-                  <a:schemeClr val="tx1">
-                    <a:lumMod val="50000"/>
-                    <a:lumOff val="50000"/>
-                  </a:schemeClr>
-                </a:solidFill>
-              </a:rPr>
-              <a:t>a survécu.</a:t>
-            </a:r>
-            <a:endParaRPr lang="fr-FR" sz="2000" u="sng" dirty="0">
-              <a:solidFill>
-                <a:schemeClr val="tx1">
-                  <a:lumMod val="50000"/>
-                  <a:lumOff val="50000"/>
-                </a:schemeClr>
-              </a:solidFill>
-            </a:endParaRPr>
-          </a:p>
-          <a:p>
-            <a:pPr marL="0" indent="0">
-              <a:buNone/>
-            </a:pPr>
-            <a:endParaRPr lang="fr-FR" sz="2000" dirty="0"/>
-          </a:p>
-          <a:p>
-            <a:pPr marL="0" indent="0">
-              <a:buNone/>
-            </a:pPr>
-            <a:endParaRPr lang="fr-FR" sz="1600" dirty="0"/>
-          </a:p>
-          <a:p>
-            <a:pPr marL="457200" lvl="1" indent="0">
-              <a:buNone/>
-            </a:pPr>
-            <a:endParaRPr lang="fr-FR" sz="1600" dirty="0"/>
-          </a:p>
-        </p:txBody>
-      </p:sp>
-      <p:pic>
-        <p:nvPicPr>
-          <p:cNvPr id="8" name="Image 7">
-            <a:extLst>
-              <a:ext uri="{FF2B5EF4-FFF2-40B4-BE49-F238E27FC236}">
-                <a16:creationId xmlns:a16="http://schemas.microsoft.com/office/drawing/2014/main" id="{2669EE31-9E46-4CC4-9EAF-95714FEE27CE}"/>
-              </a:ext>
-            </a:extLst>
-          </p:cNvPr>
-          <p:cNvPicPr>
-            <a:picLocks noChangeAspect="1"/>
-          </p:cNvPicPr>
-          <p:nvPr/>
-        </p:nvPicPr>
-        <p:blipFill>
-          <a:blip r:embed="rId2">
-            <a:extLst>
-              <a:ext uri="{28A0092B-C50C-407E-A947-70E740481C1C}">
-                <a14:useLocalDpi xmlns:a14="http://schemas.microsoft.com/office/drawing/2010/main" val="0"/>
-              </a:ext>
-            </a:extLst>
-          </a:blip>
-          <a:stretch>
-            <a:fillRect/>
-          </a:stretch>
-        </p:blipFill>
-        <p:spPr>
-          <a:xfrm>
-            <a:off x="7264092" y="424853"/>
-            <a:ext cx="4701510" cy="2407172"/>
-          </a:xfrm>
-          <a:prstGeom prst="rect">
-            <a:avLst/>
-          </a:prstGeom>
-        </p:spPr>
-      </p:pic>
+        </p:nvGraphicFramePr>
+        <p:xfrm>
+          <a:off x="7960049" y="4601200"/>
+          <a:ext cx="2950548" cy="1483360"/>
+        </p:xfrm>
+        <a:graphic>
+          <a:graphicData uri="http://schemas.openxmlformats.org/drawingml/2006/table">
+            <a:tbl>
+              <a:tblPr firstRow="1" firstCol="1" bandRow="1">
+                <a:tableStyleId>{5C22544A-7EE6-4342-B048-85BDC9FD1C3A}</a:tableStyleId>
+              </a:tblPr>
+              <a:tblGrid>
+                <a:gridCol w="737637">
+                  <a:extLst>
+                    <a:ext uri="{9D8B030D-6E8A-4147-A177-3AD203B41FA5}">
+                      <a16:colId xmlns:a16="http://schemas.microsoft.com/office/drawing/2014/main" val="3933453493"/>
+                    </a:ext>
+                  </a:extLst>
+                </a:gridCol>
+                <a:gridCol w="737637">
+                  <a:extLst>
+                    <a:ext uri="{9D8B030D-6E8A-4147-A177-3AD203B41FA5}">
+                      <a16:colId xmlns:a16="http://schemas.microsoft.com/office/drawing/2014/main" val="1158497706"/>
+                    </a:ext>
+                  </a:extLst>
+                </a:gridCol>
+                <a:gridCol w="737637">
+                  <a:extLst>
+                    <a:ext uri="{9D8B030D-6E8A-4147-A177-3AD203B41FA5}">
+                      <a16:colId xmlns:a16="http://schemas.microsoft.com/office/drawing/2014/main" val="1555147697"/>
+                    </a:ext>
+                  </a:extLst>
+                </a:gridCol>
+                <a:gridCol w="737637">
+                  <a:extLst>
+                    <a:ext uri="{9D8B030D-6E8A-4147-A177-3AD203B41FA5}">
+                      <a16:colId xmlns:a16="http://schemas.microsoft.com/office/drawing/2014/main" val="3133547979"/>
+                    </a:ext>
+                  </a:extLst>
+                </a:gridCol>
+              </a:tblGrid>
+              <a:tr h="370840">
+                <a:tc>
+                  <a:txBody>
+                    <a:bodyPr/>
+                    <a:lstStyle/>
+                    <a:p>
+                      <a:endParaRPr lang="en-US" dirty="0"/>
+                    </a:p>
+                  </a:txBody>
+                  <a:tcPr/>
+                </a:tc>
+                <a:tc>
+                  <a:txBody>
+                    <a:bodyPr/>
+                    <a:lstStyle/>
+                    <a:p>
+                      <a:r>
+                        <a:rPr lang="en-US" dirty="0"/>
+                        <a:t>x</a:t>
+                      </a:r>
+                    </a:p>
+                  </a:txBody>
+                  <a:tcPr/>
+                </a:tc>
+                <a:tc>
+                  <a:txBody>
+                    <a:bodyPr/>
+                    <a:lstStyle/>
+                    <a:p>
+                      <a:r>
+                        <a:rPr lang="en-US" dirty="0"/>
+                        <a:t>y</a:t>
+                      </a:r>
+                    </a:p>
+                  </a:txBody>
+                  <a:tcPr/>
+                </a:tc>
+                <a:tc>
+                  <a:txBody>
+                    <a:bodyPr/>
+                    <a:lstStyle/>
+                    <a:p>
+                      <a:r>
+                        <a:rPr lang="en-US" dirty="0"/>
+                        <a:t>z</a:t>
+                      </a:r>
+                    </a:p>
+                  </a:txBody>
+                  <a:tcPr/>
+                </a:tc>
+                <a:extLst>
+                  <a:ext uri="{0D108BD9-81ED-4DB2-BD59-A6C34878D82A}">
+                    <a16:rowId xmlns:a16="http://schemas.microsoft.com/office/drawing/2014/main" val="1572946671"/>
+                  </a:ext>
+                </a:extLst>
+              </a:tr>
+              <a:tr h="370840">
+                <a:tc>
+                  <a:txBody>
+                    <a:bodyPr/>
+                    <a:lstStyle/>
+                    <a:p>
+                      <a:r>
+                        <a:rPr lang="en-US" dirty="0"/>
+                        <a:t>x</a:t>
+                      </a:r>
+                    </a:p>
+                  </a:txBody>
+                  <a:tcPr/>
+                </a:tc>
+                <a:tc>
+                  <a:txBody>
+                    <a:bodyPr/>
+                    <a:lstStyle/>
+                    <a:p>
+                      <a:r>
+                        <a:rPr lang="en-US" dirty="0"/>
+                        <a:t>R(</a:t>
+                      </a:r>
+                      <a:r>
+                        <a:rPr lang="en-US" dirty="0" err="1"/>
+                        <a:t>x,x</a:t>
+                      </a:r>
+                      <a:r>
+                        <a:rPr lang="en-US" dirty="0"/>
+                        <a:t>)</a:t>
+                      </a:r>
+                    </a:p>
+                  </a:txBody>
+                  <a:tcPr/>
+                </a:tc>
+                <a:tc>
+                  <a:txBody>
+                    <a:bodyPr/>
+                    <a:lstStyle/>
+                    <a:p>
+                      <a:r>
+                        <a:rPr lang="en-US" dirty="0"/>
+                        <a:t>R(</a:t>
+                      </a:r>
+                      <a:r>
+                        <a:rPr lang="en-US" dirty="0" err="1"/>
+                        <a:t>x,y</a:t>
+                      </a:r>
+                      <a:r>
+                        <a:rPr lang="en-US" dirty="0"/>
+                        <a:t>)</a:t>
+                      </a:r>
+                    </a:p>
+                  </a:txBody>
+                  <a:tcPr/>
+                </a:tc>
+                <a:tc>
+                  <a:txBody>
+                    <a:bodyPr/>
+                    <a:lstStyle/>
+                    <a:p>
+                      <a:r>
+                        <a:rPr lang="en-US" dirty="0"/>
+                        <a:t>R(</a:t>
+                      </a:r>
+                      <a:r>
+                        <a:rPr lang="en-US" dirty="0" err="1"/>
+                        <a:t>x,z</a:t>
+                      </a:r>
+                      <a:r>
+                        <a:rPr lang="en-US" dirty="0"/>
+                        <a:t>)</a:t>
+                      </a:r>
+                    </a:p>
+                  </a:txBody>
+                  <a:tcPr/>
+                </a:tc>
+                <a:extLst>
+                  <a:ext uri="{0D108BD9-81ED-4DB2-BD59-A6C34878D82A}">
+                    <a16:rowId xmlns:a16="http://schemas.microsoft.com/office/drawing/2014/main" val="353965049"/>
+                  </a:ext>
+                </a:extLst>
+              </a:tr>
+              <a:tr h="370840">
+                <a:tc>
+                  <a:txBody>
+                    <a:bodyPr/>
+                    <a:lstStyle/>
+                    <a:p>
+                      <a:r>
+                        <a:rPr lang="en-US" dirty="0"/>
+                        <a:t>y</a:t>
+                      </a:r>
+                    </a:p>
+                  </a:txBody>
+                  <a:tcPr/>
+                </a:tc>
+                <a:tc>
+                  <a:txBody>
+                    <a:bodyPr/>
+                    <a:lstStyle/>
+                    <a:p>
+                      <a:r>
+                        <a:rPr lang="en-US" dirty="0"/>
+                        <a:t>R(</a:t>
+                      </a:r>
+                      <a:r>
+                        <a:rPr lang="en-US" dirty="0" err="1"/>
+                        <a:t>y,x</a:t>
+                      </a:r>
+                      <a:r>
+                        <a:rPr lang="en-US" dirty="0"/>
+                        <a:t>)</a:t>
+                      </a:r>
+                    </a:p>
+                  </a:txBody>
+                  <a:tcPr/>
+                </a:tc>
+                <a:tc>
+                  <a:txBody>
+                    <a:bodyPr/>
+                    <a:lstStyle/>
+                    <a:p>
+                      <a:r>
+                        <a:rPr lang="en-US" dirty="0"/>
+                        <a:t>…</a:t>
+                      </a:r>
+                    </a:p>
+                  </a:txBody>
+                  <a:tcPr/>
+                </a:tc>
+                <a:tc>
+                  <a:txBody>
+                    <a:bodyPr/>
+                    <a:lstStyle/>
+                    <a:p>
+                      <a:endParaRPr lang="en-US" dirty="0"/>
+                    </a:p>
+                  </a:txBody>
+                  <a:tcPr/>
+                </a:tc>
+                <a:extLst>
+                  <a:ext uri="{0D108BD9-81ED-4DB2-BD59-A6C34878D82A}">
+                    <a16:rowId xmlns:a16="http://schemas.microsoft.com/office/drawing/2014/main" val="177030061"/>
+                  </a:ext>
+                </a:extLst>
+              </a:tr>
+              <a:tr h="370840">
+                <a:tc>
+                  <a:txBody>
+                    <a:bodyPr/>
+                    <a:lstStyle/>
+                    <a:p>
+                      <a:r>
+                        <a:rPr lang="en-US" dirty="0"/>
+                        <a:t>z</a:t>
+                      </a:r>
+                    </a:p>
+                  </a:txBody>
+                  <a:tcPr/>
+                </a:tc>
+                <a:tc>
+                  <a:txBody>
+                    <a:bodyPr/>
+                    <a:lstStyle/>
+                    <a:p>
+                      <a:r>
+                        <a:rPr lang="en-US" dirty="0"/>
+                        <a:t>…</a:t>
+                      </a:r>
+                    </a:p>
+                  </a:txBody>
+                  <a:tcPr/>
+                </a:tc>
+                <a:tc>
+                  <a:txBody>
+                    <a:bodyPr/>
+                    <a:lstStyle/>
+                    <a:p>
+                      <a:endParaRPr lang="en-US" dirty="0"/>
+                    </a:p>
+                  </a:txBody>
+                  <a:tcPr/>
+                </a:tc>
+                <a:tc>
+                  <a:txBody>
+                    <a:bodyPr/>
+                    <a:lstStyle/>
+                    <a:p>
+                      <a:endParaRPr lang="en-US" dirty="0"/>
+                    </a:p>
+                  </a:txBody>
+                  <a:tcPr/>
+                </a:tc>
+                <a:extLst>
+                  <a:ext uri="{0D108BD9-81ED-4DB2-BD59-A6C34878D82A}">
+                    <a16:rowId xmlns:a16="http://schemas.microsoft.com/office/drawing/2014/main" val="2913810041"/>
+                  </a:ext>
+                </a:extLst>
+              </a:tr>
+            </a:tbl>
+          </a:graphicData>
+        </a:graphic>
+      </p:graphicFrame>
     </p:spTree>
     <p:extLst>
       <p:ext uri="{BB962C8B-B14F-4D97-AF65-F5344CB8AC3E}">
-        <p14:creationId xmlns:p14="http://schemas.microsoft.com/office/powerpoint/2010/main" val="256727329"/>
+        <p14:creationId xmlns:p14="http://schemas.microsoft.com/office/powerpoint/2010/main" val="2363380781"/>
       </p:ext>
     </p:extLst>
   </p:cSld>
@@ -20083,221 +21223,854 @@
                 </a:pPr>
                 <a:r>
                   <a:rPr lang="fr-FR" sz="2000" u="sng" dirty="0"/>
-                  <a:t>Analyse des données</a:t>
+                  <a:t>Pré-traitement des données</a:t>
                 </a:r>
                 <a:r>
                   <a:rPr lang="fr-FR" sz="2000" dirty="0"/>
                   <a:t> :</a:t>
                 </a:r>
-              </a:p>
-              <a:p>
-                <a:r>
-                  <a:rPr lang="fr-FR" sz="2000" dirty="0"/>
-                  <a:t>Type de données : numérique, catégorie (binaire, multiple).</a:t>
-                </a:r>
-              </a:p>
-              <a:p>
-                <a:pPr marL="457200" lvl="1" indent="0">
-                  <a:buNone/>
-                </a:pPr>
-                <a:r>
-                  <a:rPr lang="fr-FR" sz="1600" dirty="0"/>
-                  <a:t>Les entrées de type multi-catégories sont mal adaptées aux MLP </a:t>
-                </a:r>
-                <a14:m>
-                  <m:oMath xmlns:m="http://schemas.openxmlformats.org/officeDocument/2006/math">
-                    <m:r>
-                      <a:rPr lang="fr-FR" sz="1600" b="0" i="1" smtClean="0">
-                        <a:latin typeface="Cambria Math" panose="02040503050406030204" pitchFamily="18" charset="0"/>
-                      </a:rPr>
-                      <m:t>⇒</m:t>
-                    </m:r>
-                  </m:oMath>
-                </a14:m>
-                <a:r>
-                  <a:rPr lang="fr-FR" sz="1600" dirty="0"/>
-                  <a:t> changement de représentation (</a:t>
-                </a:r>
-                <a:r>
-                  <a:rPr lang="fr-FR" sz="1600" i="1" dirty="0"/>
-                  <a:t>one hot </a:t>
-                </a:r>
-                <a:r>
-                  <a:rPr lang="fr-FR" sz="1600" i="1" dirty="0" err="1"/>
-                  <a:t>encoding</a:t>
-                </a:r>
-                <a:r>
-                  <a:rPr lang="fr-FR" sz="1600" i="1" dirty="0"/>
-                  <a:t>),</a:t>
-                </a:r>
-              </a:p>
-              <a:p>
-                <a:pPr marL="457200" lvl="1" indent="0">
-                  <a:buNone/>
-                </a:pPr>
-                <a:r>
-                  <a:rPr lang="fr-FR" sz="1600" dirty="0"/>
-                  <a:t>e.g. les catégories {0, 1, 2, 3} seront représentées par {[0,0], [0, 1], [1, 0], [1, 1]}.</a:t>
-                </a:r>
-              </a:p>
-              <a:p>
-                <a:r>
-                  <a:rPr lang="fr-FR" sz="2000" dirty="0"/>
-                  <a:t>Statistique simple : moyennes, écart-types, min, max.</a:t>
-                </a:r>
-              </a:p>
-              <a:p>
-                <a:r>
-                  <a:rPr lang="fr-FR" sz="2000" dirty="0"/>
-                  <a:t>Corrélations : </a:t>
-                </a:r>
-              </a:p>
-              <a:p>
-                <a:pPr marL="457200" lvl="1" indent="0">
-                  <a:buNone/>
-                </a:pPr>
-                <a:r>
-                  <a:rPr lang="fr-FR" sz="1600" dirty="0"/>
-                  <a:t>Coefficient de Pearson (</a:t>
-                </a:r>
-                <a14:m>
-                  <m:oMath xmlns:m="http://schemas.openxmlformats.org/officeDocument/2006/math">
-                    <m:r>
-                      <a:rPr lang="fr-FR" sz="1600" b="0" i="1" smtClean="0">
-                        <a:latin typeface="Cambria Math" panose="02040503050406030204" pitchFamily="18" charset="0"/>
-                      </a:rPr>
-                      <m:t>𝑟</m:t>
-                    </m:r>
-                  </m:oMath>
-                </a14:m>
-                <a:r>
-                  <a:rPr lang="fr-FR" sz="1600" dirty="0"/>
-                  <a:t> ou </a:t>
-                </a:r>
-                <a14:m>
-                  <m:oMath xmlns:m="http://schemas.openxmlformats.org/officeDocument/2006/math">
-                    <m:r>
-                      <a:rPr lang="fr-FR" sz="1600" b="0" i="1" smtClean="0">
-                        <a:latin typeface="Cambria Math" panose="02040503050406030204" pitchFamily="18" charset="0"/>
-                      </a:rPr>
-                      <m:t>𝑅</m:t>
-                    </m:r>
-                  </m:oMath>
-                </a14:m>
-                <a:r>
-                  <a:rPr lang="fr-FR" sz="1600" dirty="0"/>
-                  <a:t>) : mesure de la force et de la direction de la relation </a:t>
-                </a:r>
-                <a:r>
-                  <a:rPr lang="fr-FR" sz="1600" i="1" dirty="0"/>
-                  <a:t>linéaire</a:t>
-                </a:r>
-                <a:r>
-                  <a:rPr lang="fr-FR" sz="1600" dirty="0"/>
-                  <a:t> entre deux variables.</a:t>
-                </a:r>
-              </a:p>
-              <a:p>
-                <a:pPr marL="457200" lvl="1" indent="0">
-                  <a:buNone/>
-                </a:pPr>
-                <a14:m>
-                  <m:oMath xmlns:m="http://schemas.openxmlformats.org/officeDocument/2006/math">
-                    <m:r>
-                      <a:rPr lang="fr-FR" sz="1600" b="0" i="1" smtClean="0">
-                        <a:latin typeface="Cambria Math" panose="02040503050406030204" pitchFamily="18" charset="0"/>
-                      </a:rPr>
-                      <m:t>−1≤</m:t>
-                    </m:r>
-                    <m:r>
-                      <a:rPr lang="fr-FR" sz="1600" b="0" i="1" smtClean="0">
-                        <a:latin typeface="Cambria Math" panose="02040503050406030204" pitchFamily="18" charset="0"/>
-                      </a:rPr>
-                      <m:t>𝑟</m:t>
-                    </m:r>
-                    <m:r>
-                      <a:rPr lang="fr-FR" sz="1600" b="0" i="1" smtClean="0">
-                        <a:latin typeface="Cambria Math" panose="02040503050406030204" pitchFamily="18" charset="0"/>
-                      </a:rPr>
-                      <m:t>≤1</m:t>
-                    </m:r>
-                  </m:oMath>
-                </a14:m>
-                <a:r>
-                  <a:rPr lang="fr-FR" sz="1600" dirty="0"/>
-                  <a:t> avec </a:t>
-                </a:r>
-                <a:r>
-                  <a:rPr lang="en-US" sz="1600" dirty="0"/>
-                  <a:t>relation </a:t>
-                </a:r>
-                <a:r>
-                  <a:rPr lang="en-US" sz="1600" dirty="0" err="1"/>
-                  <a:t>linéaire</a:t>
-                </a:r>
-                <a:r>
-                  <a:rPr lang="en-US" sz="1600" dirty="0"/>
-                  <a:t> positive parfait pour </a:t>
-                </a:r>
-                <a14:m>
-                  <m:oMath xmlns:m="http://schemas.openxmlformats.org/officeDocument/2006/math">
-                    <m:r>
-                      <a:rPr lang="fr-FR" sz="1600" b="0" i="1" smtClean="0">
-                        <a:latin typeface="Cambria Math" panose="02040503050406030204" pitchFamily="18" charset="0"/>
-                      </a:rPr>
-                      <m:t>𝑟</m:t>
-                    </m:r>
-                    <m:r>
-                      <a:rPr lang="fr-FR" sz="1600" b="0" i="1" smtClean="0">
-                        <a:latin typeface="Cambria Math" panose="02040503050406030204" pitchFamily="18" charset="0"/>
-                      </a:rPr>
-                      <m:t>=1</m:t>
-                    </m:r>
-                  </m:oMath>
-                </a14:m>
-                <a:r>
-                  <a:rPr lang="fr-FR" sz="1600" dirty="0"/>
-                  <a:t>, aucune relation pour </a:t>
-                </a:r>
-                <a14:m>
-                  <m:oMath xmlns:m="http://schemas.openxmlformats.org/officeDocument/2006/math">
-                    <m:r>
-                      <a:rPr lang="fr-FR" sz="1600" b="0" i="1" smtClean="0">
-                        <a:latin typeface="Cambria Math" panose="02040503050406030204" pitchFamily="18" charset="0"/>
-                      </a:rPr>
-                      <m:t>𝑟</m:t>
-                    </m:r>
-                    <m:r>
-                      <a:rPr lang="fr-FR" sz="1600" b="0" i="1" smtClean="0">
-                        <a:latin typeface="Cambria Math" panose="02040503050406030204" pitchFamily="18" charset="0"/>
-                      </a:rPr>
-                      <m:t>=0</m:t>
-                    </m:r>
-                  </m:oMath>
-                </a14:m>
-                <a:r>
-                  <a:rPr lang="fr-FR" sz="1600" dirty="0"/>
-                  <a:t>.</a:t>
-                </a:r>
-                <a:endParaRPr lang="fr-FR" sz="2000" u="sng" dirty="0"/>
               </a:p>
               <a:p>
                 <a:pPr marL="0" indent="0">
                   <a:buNone/>
                 </a:pPr>
-                <a:endParaRPr lang="fr-FR" sz="2000" u="sng" dirty="0"/>
+                <a:r>
+                  <a:rPr lang="fr-FR" sz="2000" dirty="0"/>
+                  <a:t>Certaines données brutes sont mal adaptées aux NN. </a:t>
+                </a:r>
               </a:p>
               <a:p>
                 <a:pPr marL="0" indent="0">
                   <a:buNone/>
                 </a:pPr>
                 <a:r>
+                  <a:rPr lang="fr-FR" sz="2000" dirty="0"/>
+                  <a:t>Pour faciliter leur entrainement, i.e. rendre la descente de gradient plus simple, il faut :</a:t>
+                </a:r>
+              </a:p>
+              <a:p>
+                <a:r>
+                  <a:rPr lang="fr-FR" sz="2000" dirty="0"/>
+                  <a:t> Eviter des valeurs numériques extrêmes (problèmes de conditionnement, explosion ou </a:t>
+                </a:r>
+                <a:r>
+                  <a:rPr lang="fr-FR" sz="2000" dirty="0" err="1"/>
+                  <a:t>anulation</a:t>
+                </a:r>
+                <a:r>
+                  <a:rPr lang="fr-FR" sz="2000" dirty="0"/>
+                  <a:t> du gradient). </a:t>
+                </a:r>
+              </a:p>
+              <a:p>
+                <a:pPr marL="0" indent="0">
+                  <a:buNone/>
+                </a:pPr>
+                <a:r>
+                  <a:rPr lang="fr-FR" sz="1800" dirty="0">
+                    <a:solidFill>
+                      <a:schemeClr val="tx1">
+                        <a:lumMod val="50000"/>
+                        <a:lumOff val="50000"/>
+                      </a:schemeClr>
+                    </a:solidFill>
+                  </a:rPr>
+                  <a:t>     Ex : représentation d’une pression en </a:t>
+                </a:r>
+                <a:r>
+                  <a:rPr lang="fr-FR" sz="1800" i="1" dirty="0">
+                    <a:solidFill>
+                      <a:schemeClr val="tx1">
+                        <a:lumMod val="50000"/>
+                        <a:lumOff val="50000"/>
+                      </a:schemeClr>
+                    </a:solidFill>
+                  </a:rPr>
+                  <a:t>hPa</a:t>
+                </a:r>
+                <a:r>
+                  <a:rPr lang="fr-FR" sz="1800" dirty="0">
+                    <a:solidFill>
+                      <a:schemeClr val="tx1">
+                        <a:lumMod val="50000"/>
+                        <a:lumOff val="50000"/>
+                      </a:schemeClr>
+                    </a:solidFill>
+                  </a:rPr>
+                  <a:t> plutôt qu’en Pascal (pression atmosphérique &gt; </a:t>
+                </a:r>
+                <a14:m>
+                  <m:oMath xmlns:m="http://schemas.openxmlformats.org/officeDocument/2006/math">
+                    <m:r>
+                      <a:rPr lang="fr-FR" sz="1800" i="1" dirty="0" smtClean="0">
+                        <a:solidFill>
+                          <a:schemeClr val="tx1">
+                            <a:lumMod val="50000"/>
+                            <a:lumOff val="50000"/>
+                          </a:schemeClr>
+                        </a:solidFill>
+                        <a:latin typeface="Cambria Math" panose="02040503050406030204" pitchFamily="18" charset="0"/>
+                      </a:rPr>
+                      <m:t>1</m:t>
+                    </m:r>
+                    <m:r>
+                      <a:rPr lang="fr-FR" sz="1800" i="1" baseline="30000" dirty="0" smtClean="0">
+                        <a:solidFill>
+                          <a:schemeClr val="tx1">
+                            <a:lumMod val="50000"/>
+                            <a:lumOff val="50000"/>
+                          </a:schemeClr>
+                        </a:solidFill>
+                        <a:latin typeface="Cambria Math" panose="02040503050406030204" pitchFamily="18" charset="0"/>
+                      </a:rPr>
+                      <m:t>𝑒</m:t>
+                    </m:r>
+                    <m:r>
+                      <a:rPr lang="fr-FR" sz="1800" i="1" dirty="0" smtClean="0">
+                        <a:solidFill>
+                          <a:schemeClr val="tx1">
+                            <a:lumMod val="50000"/>
+                            <a:lumOff val="50000"/>
+                          </a:schemeClr>
+                        </a:solidFill>
+                        <a:latin typeface="Cambria Math" panose="02040503050406030204" pitchFamily="18" charset="0"/>
+                      </a:rPr>
+                      <m:t>5</m:t>
+                    </m:r>
+                  </m:oMath>
+                </a14:m>
+                <a:r>
+                  <a:rPr lang="fr-FR" sz="1800" dirty="0"/>
+                  <a:t> </a:t>
+                </a:r>
+                <a:r>
+                  <a:rPr lang="fr-FR" sz="1800" dirty="0">
+                    <a:solidFill>
+                      <a:schemeClr val="tx1">
+                        <a:lumMod val="50000"/>
+                        <a:lumOff val="50000"/>
+                      </a:schemeClr>
+                    </a:solidFill>
+                  </a:rPr>
+                  <a:t>Pa)</a:t>
+                </a:r>
+              </a:p>
+              <a:p>
+                <a:r>
+                  <a:rPr lang="fr-FR" sz="2000" dirty="0"/>
+                  <a:t>Favoriser une représentation informative des entrées.</a:t>
+                </a:r>
+              </a:p>
+              <a:p>
+                <a:pPr marL="0" indent="0">
+                  <a:buNone/>
+                </a:pPr>
+                <a:r>
+                  <a:rPr lang="fr-FR" sz="1800" dirty="0"/>
+                  <a:t>     </a:t>
+                </a:r>
+                <a:r>
+                  <a:rPr lang="fr-FR" sz="1800" dirty="0">
+                    <a:solidFill>
+                      <a:schemeClr val="tx1">
+                        <a:lumMod val="50000"/>
+                        <a:lumOff val="50000"/>
+                      </a:schemeClr>
+                    </a:solidFill>
+                  </a:rPr>
+                  <a:t>Ex : la représentation d’une image est sous forme de 3 matrices RGB (</a:t>
+                </a:r>
+                <a:r>
+                  <a:rPr lang="fr-FR" sz="1800" i="1" dirty="0" err="1">
+                    <a:solidFill>
+                      <a:schemeClr val="tx1">
+                        <a:lumMod val="50000"/>
+                        <a:lumOff val="50000"/>
+                      </a:schemeClr>
+                    </a:solidFill>
+                  </a:rPr>
+                  <a:t>red</a:t>
+                </a:r>
+                <a:r>
+                  <a:rPr lang="fr-FR" sz="1800" i="1" dirty="0">
+                    <a:solidFill>
+                      <a:schemeClr val="tx1">
+                        <a:lumMod val="50000"/>
+                        <a:lumOff val="50000"/>
+                      </a:schemeClr>
+                    </a:solidFill>
+                  </a:rPr>
+                  <a:t>, green, </a:t>
+                </a:r>
+                <a:r>
+                  <a:rPr lang="fr-FR" sz="1800" i="1" dirty="0" err="1">
+                    <a:solidFill>
+                      <a:schemeClr val="tx1">
+                        <a:lumMod val="50000"/>
+                        <a:lumOff val="50000"/>
+                      </a:schemeClr>
+                    </a:solidFill>
+                  </a:rPr>
+                  <a:t>blue</a:t>
+                </a:r>
+                <a:r>
+                  <a:rPr lang="fr-FR" sz="1800" dirty="0">
+                    <a:solidFill>
+                      <a:schemeClr val="tx1">
+                        <a:lumMod val="50000"/>
+                        <a:lumOff val="50000"/>
+                      </a:schemeClr>
+                    </a:solidFill>
+                  </a:rPr>
+                  <a:t>) est plus informative que sous la forme d’un vecteur (notions de voisinage, couleur).</a:t>
+                </a:r>
+              </a:p>
+              <a:p>
+                <a:endParaRPr lang="fr-FR" sz="1800" dirty="0"/>
+              </a:p>
+              <a:p>
+                <a:pPr marL="0" indent="0">
+                  <a:buNone/>
+                </a:pPr>
+                <a:r>
+                  <a:rPr lang="fr-FR" sz="2000" b="1" dirty="0"/>
+                  <a:t>Normalisation</a:t>
+                </a:r>
+                <a:r>
+                  <a:rPr lang="fr-FR" sz="2000" dirty="0"/>
+                  <a:t> (valeurs numériques) : Afin de s’assurer que les données respectent des valeurs centrées autour de zéro, et un écart-type de 1,</a:t>
+                </a:r>
+                <a:r>
+                  <a:rPr kumimoji="0" lang="fr-FR" sz="2000" b="0" i="0" u="none" strike="noStrike" kern="1200" cap="none" spc="0" normalizeH="0" baseline="0" noProof="0" dirty="0">
+                    <a:ln>
+                      <a:noFill/>
+                    </a:ln>
+                    <a:solidFill>
+                      <a:prstClr val="black"/>
+                    </a:solidFill>
+                    <a:effectLst/>
+                    <a:uLnTx/>
+                    <a:uFillTx/>
+                    <a:latin typeface="Calibri" panose="020F0502020204030204"/>
+                    <a:ea typeface="+mn-ea"/>
+                    <a:cs typeface="+mn-cs"/>
+                  </a:rPr>
+                  <a:t> on peut normaliser les données ainsi:</a:t>
+                </a:r>
+              </a:p>
+              <a:p>
+                <a:pPr marL="0" indent="0" algn="ctr">
+                  <a:buNone/>
+                </a:pPr>
+                <a:r>
+                  <a:rPr kumimoji="0" lang="fr-FR" sz="2000" b="0" i="0" u="none" strike="noStrike" kern="1200" cap="none" spc="0" normalizeH="0" baseline="0" noProof="0" dirty="0">
+                    <a:ln>
+                      <a:noFill/>
+                    </a:ln>
+                    <a:solidFill>
+                      <a:prstClr val="black"/>
+                    </a:solidFill>
+                    <a:effectLst/>
+                    <a:uLnTx/>
+                    <a:uFillTx/>
+                    <a:latin typeface="Calibri" panose="020F0502020204030204"/>
+                    <a:ea typeface="+mn-ea"/>
+                    <a:cs typeface="+mn-cs"/>
+                  </a:rPr>
+                  <a:t> </a:t>
+                </a:r>
+                <a14:m>
+                  <m:oMath xmlns:m="http://schemas.openxmlformats.org/officeDocument/2006/math">
+                    <m:sSup>
+                      <m:sSupPr>
+                        <m:ctrlPr>
+                          <a:rPr kumimoji="0" lang="fr-FR" sz="2000" b="0" i="1" u="none" strike="noStrike" kern="1200" cap="none" spc="0" normalizeH="0" baseline="0" noProof="0" dirty="0" smtClean="0">
+                            <a:ln>
+                              <a:noFill/>
+                            </a:ln>
+                            <a:solidFill>
+                              <a:prstClr val="black"/>
+                            </a:solidFill>
+                            <a:effectLst/>
+                            <a:uLnTx/>
+                            <a:uFillTx/>
+                            <a:latin typeface="Cambria Math" panose="02040503050406030204" pitchFamily="18" charset="0"/>
+                            <a:ea typeface="+mn-ea"/>
+                            <a:cs typeface="+mn-cs"/>
+                          </a:rPr>
+                        </m:ctrlPr>
+                      </m:sSupPr>
+                      <m:e>
+                        <m:r>
+                          <a:rPr kumimoji="0" lang="fr-FR" sz="2000" b="0" i="1" u="none" strike="noStrike" kern="1200" cap="none" spc="0" normalizeH="0" baseline="0" noProof="0" dirty="0" smtClean="0">
+                            <a:ln>
+                              <a:noFill/>
+                            </a:ln>
+                            <a:solidFill>
+                              <a:prstClr val="black"/>
+                            </a:solidFill>
+                            <a:effectLst/>
+                            <a:uLnTx/>
+                            <a:uFillTx/>
+                            <a:latin typeface="Cambria Math" panose="02040503050406030204" pitchFamily="18" charset="0"/>
+                            <a:ea typeface="+mn-ea"/>
+                            <a:cs typeface="+mn-cs"/>
+                          </a:rPr>
+                          <m:t>𝑥</m:t>
+                        </m:r>
+                      </m:e>
+                      <m:sup>
+                        <m:r>
+                          <a:rPr kumimoji="0" lang="fr-FR" sz="2000" b="0" i="1" u="none" strike="noStrike" kern="1200" cap="none" spc="0" normalizeH="0" baseline="0" noProof="0" dirty="0" smtClean="0">
+                            <a:ln>
+                              <a:noFill/>
+                            </a:ln>
+                            <a:solidFill>
+                              <a:prstClr val="black"/>
+                            </a:solidFill>
+                            <a:effectLst/>
+                            <a:uLnTx/>
+                            <a:uFillTx/>
+                            <a:latin typeface="Cambria Math" panose="02040503050406030204" pitchFamily="18" charset="0"/>
+                            <a:ea typeface="+mn-ea"/>
+                            <a:cs typeface="+mn-cs"/>
+                          </a:rPr>
+                          <m:t>𝑛𝑜𝑟𝑚</m:t>
+                        </m:r>
+                      </m:sup>
+                    </m:sSup>
+                    <m:r>
+                      <a:rPr kumimoji="0" lang="fr-FR" sz="2000" b="0" i="1" u="none" strike="noStrike" kern="1200" cap="none" spc="0" normalizeH="0" baseline="0" noProof="0" dirty="0" smtClean="0">
+                        <a:ln>
+                          <a:noFill/>
+                        </a:ln>
+                        <a:solidFill>
+                          <a:prstClr val="black"/>
+                        </a:solidFill>
+                        <a:effectLst/>
+                        <a:uLnTx/>
+                        <a:uFillTx/>
+                        <a:latin typeface="Cambria Math" panose="02040503050406030204" pitchFamily="18" charset="0"/>
+                        <a:ea typeface="+mn-ea"/>
+                        <a:cs typeface="+mn-cs"/>
+                      </a:rPr>
+                      <m:t>≔</m:t>
+                    </m:r>
+                    <m:f>
+                      <m:fPr>
+                        <m:ctrlPr>
+                          <a:rPr kumimoji="0" lang="fr-FR" sz="2000" b="0" i="1" u="none" strike="noStrike" kern="1200" cap="none" spc="0" normalizeH="0" baseline="0" noProof="0" dirty="0" smtClean="0">
+                            <a:ln>
+                              <a:noFill/>
+                            </a:ln>
+                            <a:solidFill>
+                              <a:prstClr val="black"/>
+                            </a:solidFill>
+                            <a:effectLst/>
+                            <a:uLnTx/>
+                            <a:uFillTx/>
+                            <a:latin typeface="Cambria Math" panose="02040503050406030204" pitchFamily="18" charset="0"/>
+                            <a:ea typeface="+mn-ea"/>
+                            <a:cs typeface="+mn-cs"/>
+                          </a:rPr>
+                        </m:ctrlPr>
+                      </m:fPr>
+                      <m:num>
+                        <m:r>
+                          <a:rPr kumimoji="0" lang="fr-FR" sz="2000" b="0" i="1" u="none" strike="noStrike" kern="1200" cap="none" spc="0" normalizeH="0" baseline="0" noProof="0" dirty="0">
+                            <a:ln>
+                              <a:noFill/>
+                            </a:ln>
+                            <a:solidFill>
+                              <a:prstClr val="black"/>
+                            </a:solidFill>
+                            <a:effectLst/>
+                            <a:uLnTx/>
+                            <a:uFillTx/>
+                            <a:latin typeface="Cambria Math" panose="02040503050406030204" pitchFamily="18" charset="0"/>
+                            <a:ea typeface="+mn-ea"/>
+                            <a:cs typeface="+mn-cs"/>
+                          </a:rPr>
+                          <m:t>𝑥</m:t>
+                        </m:r>
+                        <m:r>
+                          <a:rPr kumimoji="0" lang="fr-FR" sz="2000" b="0" i="1" u="none" strike="noStrike" kern="1200" cap="none" spc="0" normalizeH="0" baseline="0" noProof="0" dirty="0">
+                            <a:ln>
+                              <a:noFill/>
+                            </a:ln>
+                            <a:solidFill>
+                              <a:prstClr val="black"/>
+                            </a:solidFill>
+                            <a:effectLst/>
+                            <a:uLnTx/>
+                            <a:uFillTx/>
+                            <a:latin typeface="Cambria Math" panose="02040503050406030204" pitchFamily="18" charset="0"/>
+                            <a:ea typeface="+mn-ea"/>
+                            <a:cs typeface="+mn-cs"/>
+                          </a:rPr>
+                          <m:t> −</m:t>
+                        </m:r>
+                        <m:acc>
+                          <m:accPr>
+                            <m:chr m:val="̅"/>
+                            <m:ctrlPr>
+                              <a:rPr kumimoji="0" lang="fr-FR" sz="2000" b="0" i="1" u="none" strike="noStrike" kern="1200" cap="none" spc="0" normalizeH="0" baseline="0" noProof="0" dirty="0">
+                                <a:ln>
+                                  <a:noFill/>
+                                </a:ln>
+                                <a:solidFill>
+                                  <a:prstClr val="black"/>
+                                </a:solidFill>
+                                <a:effectLst/>
+                                <a:uLnTx/>
+                                <a:uFillTx/>
+                                <a:latin typeface="Cambria Math" panose="02040503050406030204" pitchFamily="18" charset="0"/>
+                                <a:ea typeface="+mn-ea"/>
+                                <a:cs typeface="+mn-cs"/>
+                              </a:rPr>
+                            </m:ctrlPr>
+                          </m:accPr>
+                          <m:e>
+                            <m:r>
+                              <a:rPr kumimoji="0" lang="fr-FR" sz="2000" b="0" i="1" u="none" strike="noStrike" kern="1200" cap="none" spc="0" normalizeH="0" baseline="0" noProof="0" dirty="0">
+                                <a:ln>
+                                  <a:noFill/>
+                                </a:ln>
+                                <a:solidFill>
+                                  <a:prstClr val="black"/>
+                                </a:solidFill>
+                                <a:effectLst/>
+                                <a:uLnTx/>
+                                <a:uFillTx/>
+                                <a:latin typeface="Cambria Math" panose="02040503050406030204" pitchFamily="18" charset="0"/>
+                                <a:ea typeface="+mn-ea"/>
+                                <a:cs typeface="+mn-cs"/>
+                              </a:rPr>
+                              <m:t>𝑥</m:t>
+                            </m:r>
+                          </m:e>
+                        </m:acc>
+                      </m:num>
+                      <m:den>
+                        <m:sSub>
+                          <m:sSubPr>
+                            <m:ctrlPr>
+                              <a:rPr kumimoji="0" lang="fr-FR" sz="2000" b="0" i="1" u="none" strike="noStrike" kern="1200" cap="none" spc="0" normalizeH="0" baseline="0" noProof="0" dirty="0" smtClean="0">
+                                <a:ln>
+                                  <a:noFill/>
+                                </a:ln>
+                                <a:solidFill>
+                                  <a:prstClr val="black"/>
+                                </a:solidFill>
+                                <a:effectLst/>
+                                <a:uLnTx/>
+                                <a:uFillTx/>
+                                <a:latin typeface="Cambria Math" panose="02040503050406030204" pitchFamily="18" charset="0"/>
+                                <a:ea typeface="+mn-ea"/>
+                                <a:cs typeface="+mn-cs"/>
+                              </a:rPr>
+                            </m:ctrlPr>
+                          </m:sSubPr>
+                          <m:e>
+                            <m:r>
+                              <a:rPr kumimoji="0" lang="fr-FR" sz="2000" b="0" i="1" u="none" strike="noStrike" kern="1200" cap="none" spc="0" normalizeH="0" baseline="0" noProof="0" dirty="0" smtClean="0">
+                                <a:ln>
+                                  <a:noFill/>
+                                </a:ln>
+                                <a:solidFill>
+                                  <a:prstClr val="black"/>
+                                </a:solidFill>
+                                <a:effectLst/>
+                                <a:uLnTx/>
+                                <a:uFillTx/>
+                                <a:latin typeface="Cambria Math" panose="02040503050406030204" pitchFamily="18" charset="0"/>
+                                <a:ea typeface="+mn-ea"/>
+                                <a:cs typeface="+mn-cs"/>
+                              </a:rPr>
+                              <m:t>𝜎</m:t>
+                            </m:r>
+                          </m:e>
+                          <m:sub>
+                            <m:r>
+                              <a:rPr kumimoji="0" lang="fr-FR" sz="2000" b="0" i="1" u="none" strike="noStrike" kern="1200" cap="none" spc="0" normalizeH="0" baseline="0" noProof="0" dirty="0" smtClean="0">
+                                <a:ln>
+                                  <a:noFill/>
+                                </a:ln>
+                                <a:solidFill>
+                                  <a:prstClr val="black"/>
+                                </a:solidFill>
+                                <a:effectLst/>
+                                <a:uLnTx/>
+                                <a:uFillTx/>
+                                <a:latin typeface="Cambria Math" panose="02040503050406030204" pitchFamily="18" charset="0"/>
+                                <a:ea typeface="+mn-ea"/>
+                                <a:cs typeface="+mn-cs"/>
+                              </a:rPr>
+                              <m:t>𝑥</m:t>
+                            </m:r>
+                          </m:sub>
+                        </m:sSub>
+                      </m:den>
+                    </m:f>
+                  </m:oMath>
+                </a14:m>
+                <a:r>
+                  <a:rPr kumimoji="0" lang="fr-FR" sz="2000" b="0" i="0" u="none" strike="noStrike" kern="1200" cap="none" spc="0" normalizeH="0" baseline="0" noProof="0" dirty="0">
+                    <a:ln>
+                      <a:noFill/>
+                    </a:ln>
+                    <a:solidFill>
+                      <a:prstClr val="black"/>
+                    </a:solidFill>
+                    <a:effectLst/>
+                    <a:uLnTx/>
+                    <a:uFillTx/>
+                    <a:latin typeface="Calibri" panose="020F0502020204030204"/>
+                    <a:ea typeface="+mn-ea"/>
+                    <a:cs typeface="+mn-cs"/>
+                  </a:rPr>
+                  <a:t>  où </a:t>
+                </a:r>
+                <a14:m>
+                  <m:oMath xmlns:m="http://schemas.openxmlformats.org/officeDocument/2006/math">
+                    <m:acc>
+                      <m:accPr>
+                        <m:chr m:val="̅"/>
+                        <m:ctrlPr>
+                          <a:rPr kumimoji="0" lang="fr-FR" sz="2000" b="0" i="1" u="none" strike="noStrike" kern="1200" cap="none" spc="0" normalizeH="0" baseline="0" noProof="0" dirty="0">
+                            <a:ln>
+                              <a:noFill/>
+                            </a:ln>
+                            <a:solidFill>
+                              <a:prstClr val="black"/>
+                            </a:solidFill>
+                            <a:effectLst/>
+                            <a:uLnTx/>
+                            <a:uFillTx/>
+                            <a:latin typeface="Cambria Math" panose="02040503050406030204" pitchFamily="18" charset="0"/>
+                            <a:ea typeface="+mn-ea"/>
+                            <a:cs typeface="+mn-cs"/>
+                          </a:rPr>
+                        </m:ctrlPr>
+                      </m:accPr>
+                      <m:e>
+                        <m:r>
+                          <a:rPr kumimoji="0" lang="fr-FR" sz="2000" b="0" i="1" u="none" strike="noStrike" kern="1200" cap="none" spc="0" normalizeH="0" baseline="0" noProof="0" dirty="0">
+                            <a:ln>
+                              <a:noFill/>
+                            </a:ln>
+                            <a:solidFill>
+                              <a:prstClr val="black"/>
+                            </a:solidFill>
+                            <a:effectLst/>
+                            <a:uLnTx/>
+                            <a:uFillTx/>
+                            <a:latin typeface="Cambria Math" panose="02040503050406030204" pitchFamily="18" charset="0"/>
+                            <a:ea typeface="+mn-ea"/>
+                            <a:cs typeface="+mn-cs"/>
+                          </a:rPr>
+                          <m:t>𝑥</m:t>
+                        </m:r>
+                      </m:e>
+                    </m:acc>
+                    <m:r>
+                      <a:rPr kumimoji="0" lang="fr-FR" sz="2000" b="0" i="1" u="none" strike="noStrike" kern="1200" cap="none" spc="0" normalizeH="0" baseline="0" noProof="0" dirty="0" smtClean="0">
+                        <a:ln>
+                          <a:noFill/>
+                        </a:ln>
+                        <a:solidFill>
+                          <a:prstClr val="black"/>
+                        </a:solidFill>
+                        <a:effectLst/>
+                        <a:uLnTx/>
+                        <a:uFillTx/>
+                        <a:latin typeface="Cambria Math" panose="02040503050406030204" pitchFamily="18" charset="0"/>
+                        <a:ea typeface="+mn-ea"/>
+                        <a:cs typeface="+mn-cs"/>
+                      </a:rPr>
+                      <m:t> </m:t>
+                    </m:r>
+                  </m:oMath>
+                </a14:m>
+                <a:r>
+                  <a:rPr kumimoji="0" lang="fr-FR" sz="2000" b="0" i="0" u="none" strike="noStrike" kern="1200" cap="none" spc="0" normalizeH="0" baseline="0" noProof="0" dirty="0">
+                    <a:ln>
+                      <a:noFill/>
+                    </a:ln>
+                    <a:solidFill>
+                      <a:prstClr val="black"/>
+                    </a:solidFill>
+                    <a:effectLst/>
+                    <a:uLnTx/>
+                    <a:uFillTx/>
+                    <a:latin typeface="Calibri" panose="020F0502020204030204"/>
+                    <a:ea typeface="+mn-ea"/>
+                    <a:cs typeface="+mn-cs"/>
+                  </a:rPr>
+                  <a:t>représente la moyenne et </a:t>
+                </a:r>
+                <a14:m>
+                  <m:oMath xmlns:m="http://schemas.openxmlformats.org/officeDocument/2006/math">
+                    <m:sSub>
+                      <m:sSubPr>
+                        <m:ctrlPr>
+                          <a:rPr kumimoji="0" lang="fr-FR" sz="2000" b="0" i="1" u="none" strike="noStrike" kern="1200" cap="none" spc="0" normalizeH="0" baseline="0" noProof="0" smtClean="0">
+                            <a:ln>
+                              <a:noFill/>
+                            </a:ln>
+                            <a:solidFill>
+                              <a:prstClr val="black"/>
+                            </a:solidFill>
+                            <a:effectLst/>
+                            <a:uLnTx/>
+                            <a:uFillTx/>
+                            <a:latin typeface="Cambria Math" panose="02040503050406030204" pitchFamily="18" charset="0"/>
+                            <a:ea typeface="+mn-ea"/>
+                            <a:cs typeface="+mn-cs"/>
+                          </a:rPr>
+                        </m:ctrlPr>
+                      </m:sSubPr>
+                      <m:e>
+                        <m:r>
+                          <a:rPr kumimoji="0" lang="fr-FR" sz="2000" b="0" i="1" u="none" strike="noStrike" kern="1200" cap="none" spc="0" normalizeH="0" baseline="0" noProof="0" smtClean="0">
+                            <a:ln>
+                              <a:noFill/>
+                            </a:ln>
+                            <a:solidFill>
+                              <a:prstClr val="black"/>
+                            </a:solidFill>
+                            <a:effectLst/>
+                            <a:uLnTx/>
+                            <a:uFillTx/>
+                            <a:latin typeface="Cambria Math" panose="02040503050406030204" pitchFamily="18" charset="0"/>
+                            <a:ea typeface="+mn-ea"/>
+                            <a:cs typeface="+mn-cs"/>
+                          </a:rPr>
+                          <m:t>𝜎</m:t>
+                        </m:r>
+                      </m:e>
+                      <m:sub>
+                        <m:r>
+                          <a:rPr kumimoji="0" lang="fr-FR" sz="2000" b="0" i="1" u="none" strike="noStrike" kern="1200" cap="none" spc="0" normalizeH="0" baseline="0" noProof="0" smtClean="0">
+                            <a:ln>
+                              <a:noFill/>
+                            </a:ln>
+                            <a:solidFill>
+                              <a:prstClr val="black"/>
+                            </a:solidFill>
+                            <a:effectLst/>
+                            <a:uLnTx/>
+                            <a:uFillTx/>
+                            <a:latin typeface="Cambria Math" panose="02040503050406030204" pitchFamily="18" charset="0"/>
+                            <a:ea typeface="+mn-ea"/>
+                            <a:cs typeface="+mn-cs"/>
+                          </a:rPr>
+                          <m:t>𝑥</m:t>
+                        </m:r>
+                      </m:sub>
+                    </m:sSub>
+                  </m:oMath>
+                </a14:m>
+                <a:r>
+                  <a:rPr kumimoji="0" lang="fr-FR" sz="2000" b="0" i="0" u="none" strike="noStrike" kern="1200" cap="none" spc="0" normalizeH="0" baseline="0" noProof="0" dirty="0">
+                    <a:ln>
+                      <a:noFill/>
+                    </a:ln>
+                    <a:solidFill>
+                      <a:prstClr val="black"/>
+                    </a:solidFill>
+                    <a:effectLst/>
+                    <a:uLnTx/>
+                    <a:uFillTx/>
+                    <a:latin typeface="Calibri" panose="020F0502020204030204"/>
+                    <a:ea typeface="+mn-ea"/>
+                    <a:cs typeface="+mn-cs"/>
+                  </a:rPr>
+                  <a:t> l’écart-type.</a:t>
+                </a:r>
+                <a:endParaRPr lang="fr-FR" sz="2000" dirty="0"/>
+              </a:p>
+              <a:p>
+                <a:pPr marL="0" indent="0">
+                  <a:buNone/>
+                </a:pPr>
+                <a:r>
+                  <a:rPr lang="fr-FR" sz="1800" b="1" dirty="0" err="1"/>
+                  <a:t>One-hot</a:t>
+                </a:r>
+                <a:r>
+                  <a:rPr lang="fr-FR" sz="1800" b="1" dirty="0"/>
+                  <a:t> </a:t>
+                </a:r>
+                <a:r>
+                  <a:rPr lang="fr-FR" sz="1800" b="1" dirty="0" err="1"/>
+                  <a:t>encoding</a:t>
+                </a:r>
+                <a:r>
+                  <a:rPr lang="fr-FR" sz="1800" dirty="0"/>
+                  <a:t> (classes) : plutôt que de représenter la classe par un seul nombre entier, on représente par un vecteur de longueur le nombre de classe; le vecteur est alors formés de zéros et d’un seul 1.</a:t>
+                </a:r>
+              </a:p>
+              <a:p>
+                <a:pPr marL="0" indent="0">
+                  <a:buNone/>
+                </a:pPr>
+                <a:r>
+                  <a:rPr lang="fr-FR" sz="1800" dirty="0">
+                    <a:solidFill>
+                      <a:schemeClr val="tx1">
+                        <a:lumMod val="50000"/>
+                        <a:lumOff val="50000"/>
+                      </a:schemeClr>
+                    </a:solidFill>
+                  </a:rPr>
+                  <a:t>Ex: soit une donnée appartenant à </a:t>
+                </a:r>
+                <a14:m>
+                  <m:oMath xmlns:m="http://schemas.openxmlformats.org/officeDocument/2006/math">
+                    <m:r>
+                      <a:rPr lang="fr-FR" sz="1800" b="0" i="1" smtClean="0">
+                        <a:solidFill>
+                          <a:schemeClr val="tx1">
+                            <a:lumMod val="50000"/>
+                            <a:lumOff val="50000"/>
+                          </a:schemeClr>
+                        </a:solidFill>
+                        <a:latin typeface="Cambria Math" panose="02040503050406030204" pitchFamily="18" charset="0"/>
+                      </a:rPr>
+                      <m:t>{1,2,3,4,5}</m:t>
+                    </m:r>
+                  </m:oMath>
+                </a14:m>
+                <a:r>
+                  <a:rPr lang="fr-FR" sz="1800" dirty="0">
+                    <a:solidFill>
+                      <a:schemeClr val="tx1">
+                        <a:lumMod val="50000"/>
+                        <a:lumOff val="50000"/>
+                      </a:schemeClr>
+                    </a:solidFill>
+                  </a:rPr>
+                  <a:t>. L’appartenance à la classe 1 est codée [1,0,0,0,0], à la 3 [0,0,1,0,0].</a:t>
+                </a:r>
+              </a:p>
+            </p:txBody>
+          </p:sp>
+        </mc:Choice>
+        <mc:Fallback>
+          <p:sp>
+            <p:nvSpPr>
+              <p:cNvPr id="3" name="Espace réservé du contenu 2">
+                <a:extLst>
+                  <a:ext uri="{FF2B5EF4-FFF2-40B4-BE49-F238E27FC236}">
+                    <a16:creationId xmlns:a16="http://schemas.microsoft.com/office/drawing/2014/main" id="{B59E77B8-2D75-472C-B76C-ABDDE0CAFCD5}"/>
+                  </a:ext>
+                </a:extLst>
+              </p:cNvPr>
+              <p:cNvSpPr>
+                <a:spLocks noGrp="1" noRot="1" noChangeAspect="1" noMove="1" noResize="1" noEditPoints="1" noAdjustHandles="1" noChangeArrowheads="1" noChangeShapeType="1" noTextEdit="1"/>
+              </p:cNvSpPr>
+              <p:nvPr>
+                <p:ph idx="1"/>
+              </p:nvPr>
+            </p:nvSpPr>
+            <p:spPr>
+              <a:xfrm>
+                <a:off x="537750" y="424853"/>
+                <a:ext cx="10839994" cy="6021978"/>
+              </a:xfrm>
+              <a:blipFill>
+                <a:blip r:embed="rId2"/>
+                <a:stretch>
+                  <a:fillRect l="-562" t="-1113" r="-506"/>
+                </a:stretch>
+              </a:blipFill>
+            </p:spPr>
+            <p:txBody>
+              <a:bodyPr/>
+              <a:lstStyle/>
+              <a:p>
+                <a:r>
+                  <a:rPr lang="en-US">
+                    <a:noFill/>
+                  </a:rPr>
+                  <a:t> </a:t>
+                </a:r>
+              </a:p>
+            </p:txBody>
+          </p:sp>
+        </mc:Fallback>
+      </mc:AlternateContent>
+    </p:spTree>
+    <p:extLst>
+      <p:ext uri="{BB962C8B-B14F-4D97-AF65-F5344CB8AC3E}">
+        <p14:creationId xmlns:p14="http://schemas.microsoft.com/office/powerpoint/2010/main" val="2446982886"/>
+      </p:ext>
+    </p:extLst>
+  </p:cSld>
+  <p:clrMapOvr>
+    <a:masterClrMapping/>
+  </p:clrMapOvr>
+</p:sld>
+</file>
+
+<file path=ppt/slides/slide28.xml><?xml version="1.0" encoding="utf-8"?>
+<p:sld xmlns:a="http://schemas.openxmlformats.org/drawingml/2006/main" xmlns:r="http://schemas.openxmlformats.org/officeDocument/2006/relationships" xmlns:p="http://schemas.openxmlformats.org/presentationml/2006/main">
+  <p:cSld>
+    <p:spTree>
+      <p:nvGrpSpPr>
+        <p:cNvPr id="1" name=""/>
+        <p:cNvGrpSpPr/>
+        <p:nvPr/>
+      </p:nvGrpSpPr>
+      <p:grpSpPr>
+        <a:xfrm>
+          <a:off x="0" y="0"/>
+          <a:ext cx="0" cy="0"/>
+          <a:chOff x="0" y="0"/>
+          <a:chExt cx="0" cy="0"/>
+        </a:xfrm>
+      </p:grpSpPr>
+      <mc:AlternateContent xmlns:mc="http://schemas.openxmlformats.org/markup-compatibility/2006">
+        <mc:Choice xmlns:a14="http://schemas.microsoft.com/office/drawing/2010/main" Requires="a14">
+          <p:sp>
+            <p:nvSpPr>
+              <p:cNvPr id="3" name="Espace réservé du contenu 2">
+                <a:extLst>
+                  <a:ext uri="{FF2B5EF4-FFF2-40B4-BE49-F238E27FC236}">
+                    <a16:creationId xmlns:a16="http://schemas.microsoft.com/office/drawing/2014/main" id="{B59E77B8-2D75-472C-B76C-ABDDE0CAFCD5}"/>
+                  </a:ext>
+                </a:extLst>
+              </p:cNvPr>
+              <p:cNvSpPr>
+                <a:spLocks noGrp="1"/>
+              </p:cNvSpPr>
+              <p:nvPr>
+                <p:ph idx="1"/>
+              </p:nvPr>
+            </p:nvSpPr>
+            <p:spPr>
+              <a:xfrm>
+                <a:off x="537750" y="424853"/>
+                <a:ext cx="10839994" cy="6021978"/>
+              </a:xfrm>
+            </p:spPr>
+            <p:txBody>
+              <a:bodyPr>
+                <a:normAutofit/>
+              </a:bodyPr>
+              <a:lstStyle/>
+              <a:p>
+                <a:pPr marL="0" indent="0">
+                  <a:buNone/>
+                </a:pPr>
+                <a:r>
                   <a:rPr lang="fr-FR" sz="2000" u="sng" dirty="0"/>
-                  <a:t>Corrélation (Titanic)</a:t>
+                  <a:t>Interprétation des résultats / utilisation du modèle</a:t>
                 </a:r>
                 <a:r>
                   <a:rPr lang="fr-FR" sz="2000" dirty="0"/>
-                  <a:t> :</a:t>
+                  <a:t>:</a:t>
                 </a:r>
               </a:p>
               <a:p>
@@ -20310,13 +22083,444 @@
                 <a:pPr marL="0" indent="0">
                   <a:buNone/>
                 </a:pPr>
-                <a:endParaRPr lang="fr-FR" sz="1600" dirty="0"/>
+                <a:r>
+                  <a:rPr lang="fr-FR" sz="2000" dirty="0"/>
+                  <a:t>Une fois entraîné, le modèle nous intéresse pour :</a:t>
+                </a:r>
+              </a:p>
+              <a:p>
+                <a:pPr lvl="1"/>
+                <a:r>
+                  <a:rPr lang="fr-FR" sz="2000" dirty="0"/>
+                  <a:t>La </a:t>
+                </a:r>
+                <a:r>
+                  <a:rPr lang="fr-FR" sz="2000" b="1" dirty="0"/>
+                  <a:t>prédiction d’une classe</a:t>
+                </a:r>
+                <a:r>
+                  <a:rPr lang="fr-FR" sz="2000" dirty="0"/>
+                  <a:t> = index de la sortie avec la plus grande valeur, i.e.</a:t>
+                </a:r>
               </a:p>
               <a:p>
                 <a:pPr marL="457200" lvl="1" indent="0">
                   <a:buNone/>
                 </a:pPr>
-                <a:endParaRPr lang="fr-FR" sz="1600" dirty="0"/>
+                <a14:m>
+                  <m:oMathPara xmlns:m="http://schemas.openxmlformats.org/officeDocument/2006/math">
+                    <m:oMathParaPr>
+                      <m:jc m:val="centerGroup"/>
+                    </m:oMathParaPr>
+                    <m:oMath xmlns:m="http://schemas.openxmlformats.org/officeDocument/2006/math">
+                      <m:r>
+                        <a:rPr lang="fr-FR" sz="2000" b="0" i="1" smtClean="0">
+                          <a:latin typeface="Cambria Math" panose="02040503050406030204" pitchFamily="18" charset="0"/>
+                        </a:rPr>
+                        <m:t>𝑐𝑙𝑎𝑠𝑠𝑒</m:t>
+                      </m:r>
+                      <m:r>
+                        <a:rPr lang="fr-FR" sz="2000" b="0" i="1" smtClean="0">
+                          <a:latin typeface="Cambria Math" panose="02040503050406030204" pitchFamily="18" charset="0"/>
+                        </a:rPr>
+                        <m:t> </m:t>
+                      </m:r>
+                      <m:r>
+                        <a:rPr lang="fr-FR" sz="2000" b="0" i="1" smtClean="0">
+                          <a:latin typeface="Cambria Math" panose="02040503050406030204" pitchFamily="18" charset="0"/>
+                        </a:rPr>
+                        <m:t>𝑝𝑟</m:t>
+                      </m:r>
+                      <m:r>
+                        <a:rPr lang="fr-FR" sz="2000" b="0" i="1" smtClean="0">
+                          <a:latin typeface="Cambria Math" panose="02040503050406030204" pitchFamily="18" charset="0"/>
+                        </a:rPr>
+                        <m:t>é</m:t>
+                      </m:r>
+                      <m:r>
+                        <a:rPr lang="fr-FR" sz="2000" b="0" i="1" smtClean="0">
+                          <a:latin typeface="Cambria Math" panose="02040503050406030204" pitchFamily="18" charset="0"/>
+                        </a:rPr>
+                        <m:t>𝑑𝑖𝑡𝑒</m:t>
+                      </m:r>
+                      <m:r>
+                        <a:rPr lang="fr-FR" sz="2000" b="0" i="1" smtClean="0">
+                          <a:latin typeface="Cambria Math" panose="02040503050406030204" pitchFamily="18" charset="0"/>
+                        </a:rPr>
+                        <m:t>=</m:t>
+                      </m:r>
+                      <m:func>
+                        <m:funcPr>
+                          <m:ctrlPr>
+                            <a:rPr lang="fr-FR" sz="2000" b="0" i="1" smtClean="0">
+                              <a:latin typeface="Cambria Math" panose="02040503050406030204" pitchFamily="18" charset="0"/>
+                            </a:rPr>
+                          </m:ctrlPr>
+                        </m:funcPr>
+                        <m:fName>
+                          <m:r>
+                            <a:rPr lang="fr-FR" sz="2000" b="0" i="1" smtClean="0">
+                              <a:latin typeface="Cambria Math" panose="02040503050406030204" pitchFamily="18" charset="0"/>
+                            </a:rPr>
+                            <m:t>𝑎𝑟𝑔</m:t>
+                          </m:r>
+                          <m:r>
+                            <a:rPr lang="fr-FR" sz="2000" b="0" i="1" smtClean="0">
+                              <a:latin typeface="Cambria Math" panose="02040503050406030204" pitchFamily="18" charset="0"/>
+                            </a:rPr>
+                            <m:t> </m:t>
+                          </m:r>
+                          <m:limLow>
+                            <m:limLowPr>
+                              <m:ctrlPr>
+                                <a:rPr lang="fr-FR" sz="2000" b="0" i="1" smtClean="0">
+                                  <a:latin typeface="Cambria Math" panose="02040503050406030204" pitchFamily="18" charset="0"/>
+                                </a:rPr>
+                              </m:ctrlPr>
+                            </m:limLowPr>
+                            <m:e>
+                              <m:r>
+                                <m:rPr>
+                                  <m:sty m:val="p"/>
+                                </m:rPr>
+                                <a:rPr lang="fr-FR" sz="2000" b="0" i="0" smtClean="0">
+                                  <a:latin typeface="Cambria Math" panose="02040503050406030204" pitchFamily="18" charset="0"/>
+                                </a:rPr>
+                                <m:t>max</m:t>
+                              </m:r>
+                            </m:e>
+                            <m:lim>
+                              <m:r>
+                                <a:rPr lang="fr-FR" sz="2000" b="0" i="1" smtClean="0">
+                                  <a:latin typeface="Cambria Math" panose="02040503050406030204" pitchFamily="18" charset="0"/>
+                                </a:rPr>
+                                <m:t>𝑖</m:t>
+                              </m:r>
+                              <m:r>
+                                <a:rPr lang="fr-FR" sz="2000" b="0" i="1" smtClean="0">
+                                  <a:latin typeface="Cambria Math" panose="02040503050406030204" pitchFamily="18" charset="0"/>
+                                </a:rPr>
+                                <m:t>∈{1, …</m:t>
+                              </m:r>
+                              <m:r>
+                                <a:rPr lang="fr-FR" sz="2000" b="0" i="1" smtClean="0">
+                                  <a:latin typeface="Cambria Math" panose="02040503050406030204" pitchFamily="18" charset="0"/>
+                                </a:rPr>
+                                <m:t>𝐶</m:t>
+                              </m:r>
+                              <m:r>
+                                <a:rPr lang="fr-FR" sz="2000" b="0" i="1" smtClean="0">
+                                  <a:latin typeface="Cambria Math" panose="02040503050406030204" pitchFamily="18" charset="0"/>
+                                </a:rPr>
+                                <m:t>}</m:t>
+                              </m:r>
+                            </m:lim>
+                          </m:limLow>
+                        </m:fName>
+                        <m:e>
+                          <m:sSub>
+                            <m:sSubPr>
+                              <m:ctrlPr>
+                                <a:rPr lang="fr-FR" sz="2000" b="0" i="1" smtClean="0">
+                                  <a:latin typeface="Cambria Math" panose="02040503050406030204" pitchFamily="18" charset="0"/>
+                                </a:rPr>
+                              </m:ctrlPr>
+                            </m:sSubPr>
+                            <m:e>
+                              <m:r>
+                                <a:rPr lang="fr-FR" sz="2000" b="0" i="1" smtClean="0">
+                                  <a:latin typeface="Cambria Math" panose="02040503050406030204" pitchFamily="18" charset="0"/>
+                                </a:rPr>
+                                <m:t>𝑦</m:t>
+                              </m:r>
+                            </m:e>
+                            <m:sub>
+                              <m:r>
+                                <a:rPr lang="fr-FR" sz="2000" b="0" i="1" smtClean="0">
+                                  <a:latin typeface="Cambria Math" panose="02040503050406030204" pitchFamily="18" charset="0"/>
+                                </a:rPr>
+                                <m:t>𝑖</m:t>
+                              </m:r>
+                            </m:sub>
+                          </m:sSub>
+                        </m:e>
+                      </m:func>
+                    </m:oMath>
+                  </m:oMathPara>
+                </a14:m>
+                <a:endParaRPr lang="fr-FR" sz="2000" dirty="0"/>
+              </a:p>
+              <a:p>
+                <a:pPr lvl="1"/>
+                <a:r>
+                  <a:rPr lang="fr-FR" sz="2000" dirty="0"/>
+                  <a:t>La </a:t>
+                </a:r>
+                <a:r>
+                  <a:rPr lang="fr-FR" sz="2000" b="1" dirty="0"/>
+                  <a:t>confiance</a:t>
+                </a:r>
+                <a:r>
+                  <a:rPr lang="fr-FR" sz="2000" dirty="0"/>
+                  <a:t> du modèle en sa prédiction = </a:t>
+                </a:r>
+                <a14:m>
+                  <m:oMath xmlns:m="http://schemas.openxmlformats.org/officeDocument/2006/math">
+                    <m:r>
+                      <a:rPr lang="fr-FR" sz="2000" b="0" i="1" smtClean="0">
+                        <a:latin typeface="Cambria Math" panose="02040503050406030204" pitchFamily="18" charset="0"/>
+                      </a:rPr>
+                      <m:t>𝑃</m:t>
+                    </m:r>
+                    <m:d>
+                      <m:dPr>
+                        <m:ctrlPr>
+                          <a:rPr lang="fr-FR" sz="2000" b="0" i="1" smtClean="0">
+                            <a:latin typeface="Cambria Math" panose="02040503050406030204" pitchFamily="18" charset="0"/>
+                          </a:rPr>
+                        </m:ctrlPr>
+                      </m:dPr>
+                      <m:e>
+                        <m:r>
+                          <a:rPr lang="fr-FR" sz="2000" b="0" i="1" smtClean="0">
+                            <a:latin typeface="Cambria Math" panose="02040503050406030204" pitchFamily="18" charset="0"/>
+                          </a:rPr>
+                          <m:t>𝑦</m:t>
+                        </m:r>
+                        <m:r>
+                          <a:rPr lang="fr-FR" sz="2000" b="0" i="1" smtClean="0">
+                            <a:latin typeface="Cambria Math" panose="02040503050406030204" pitchFamily="18" charset="0"/>
+                          </a:rPr>
+                          <m:t>=</m:t>
+                        </m:r>
+                        <m:r>
+                          <a:rPr lang="fr-FR" sz="2000" b="0" i="1" smtClean="0">
+                            <a:latin typeface="Cambria Math" panose="02040503050406030204" pitchFamily="18" charset="0"/>
+                          </a:rPr>
+                          <m:t>𝑖</m:t>
+                        </m:r>
+                      </m:e>
+                      <m:e>
+                        <m:r>
+                          <a:rPr lang="fr-FR" sz="2000" b="0" i="1" smtClean="0">
+                            <a:latin typeface="Cambria Math" panose="02040503050406030204" pitchFamily="18" charset="0"/>
+                          </a:rPr>
+                          <m:t>𝑥</m:t>
+                        </m:r>
+                      </m:e>
+                    </m:d>
+                    <m:r>
+                      <a:rPr lang="fr-FR" sz="2000" b="0" i="1" smtClean="0">
+                        <a:latin typeface="Cambria Math" panose="02040503050406030204" pitchFamily="18" charset="0"/>
+                      </a:rPr>
+                      <m:t>=</m:t>
+                    </m:r>
+                    <m:f>
+                      <m:fPr>
+                        <m:ctrlPr>
+                          <a:rPr lang="fr-FR" sz="2000" b="0" i="1" smtClean="0">
+                            <a:latin typeface="Cambria Math" panose="02040503050406030204" pitchFamily="18" charset="0"/>
+                          </a:rPr>
+                        </m:ctrlPr>
+                      </m:fPr>
+                      <m:num>
+                        <m:func>
+                          <m:funcPr>
+                            <m:ctrlPr>
+                              <a:rPr lang="fr-FR" sz="2000" b="0" i="1" smtClean="0">
+                                <a:latin typeface="Cambria Math" panose="02040503050406030204" pitchFamily="18" charset="0"/>
+                              </a:rPr>
+                            </m:ctrlPr>
+                          </m:funcPr>
+                          <m:fName>
+                            <m:r>
+                              <m:rPr>
+                                <m:sty m:val="p"/>
+                              </m:rPr>
+                              <a:rPr lang="fr-FR" sz="2000" b="0" i="0" smtClean="0">
+                                <a:latin typeface="Cambria Math" panose="02040503050406030204" pitchFamily="18" charset="0"/>
+                              </a:rPr>
+                              <m:t>exp</m:t>
+                            </m:r>
+                          </m:fName>
+                          <m:e>
+                            <m:d>
+                              <m:dPr>
+                                <m:ctrlPr>
+                                  <a:rPr lang="fr-FR" sz="2000" b="0" i="1" smtClean="0">
+                                    <a:latin typeface="Cambria Math" panose="02040503050406030204" pitchFamily="18" charset="0"/>
+                                  </a:rPr>
+                                </m:ctrlPr>
+                              </m:dPr>
+                              <m:e>
+                                <m:sSub>
+                                  <m:sSubPr>
+                                    <m:ctrlPr>
+                                      <a:rPr lang="fr-FR" sz="2000" b="0" i="1" smtClean="0">
+                                        <a:latin typeface="Cambria Math" panose="02040503050406030204" pitchFamily="18" charset="0"/>
+                                      </a:rPr>
+                                    </m:ctrlPr>
+                                  </m:sSubPr>
+                                  <m:e>
+                                    <m:r>
+                                      <a:rPr lang="fr-FR" sz="2000" b="0" i="1" smtClean="0">
+                                        <a:latin typeface="Cambria Math" panose="02040503050406030204" pitchFamily="18" charset="0"/>
+                                      </a:rPr>
+                                      <m:t>𝑦</m:t>
+                                    </m:r>
+                                  </m:e>
+                                  <m:sub>
+                                    <m:r>
+                                      <a:rPr lang="fr-FR" sz="2000" b="0" i="1" smtClean="0">
+                                        <a:latin typeface="Cambria Math" panose="02040503050406030204" pitchFamily="18" charset="0"/>
+                                      </a:rPr>
+                                      <m:t>𝑖</m:t>
+                                    </m:r>
+                                  </m:sub>
+                                </m:sSub>
+                              </m:e>
+                            </m:d>
+                          </m:e>
+                        </m:func>
+                      </m:num>
+                      <m:den>
+                        <m:nary>
+                          <m:naryPr>
+                            <m:chr m:val="∑"/>
+                            <m:ctrlPr>
+                              <a:rPr lang="fr-FR" sz="2000" i="1">
+                                <a:latin typeface="Cambria Math" panose="02040503050406030204" pitchFamily="18" charset="0"/>
+                              </a:rPr>
+                            </m:ctrlPr>
+                          </m:naryPr>
+                          <m:sub>
+                            <m:r>
+                              <a:rPr lang="fr-FR" sz="2000" b="0" i="1" smtClean="0">
+                                <a:latin typeface="Cambria Math" panose="02040503050406030204" pitchFamily="18" charset="0"/>
+                              </a:rPr>
+                              <m:t>𝑐</m:t>
+                            </m:r>
+                            <m:r>
+                              <a:rPr lang="fr-FR" sz="2000" i="1">
+                                <a:latin typeface="Cambria Math" panose="02040503050406030204" pitchFamily="18" charset="0"/>
+                              </a:rPr>
+                              <m:t>=1</m:t>
+                            </m:r>
+                          </m:sub>
+                          <m:sup>
+                            <m:r>
+                              <a:rPr lang="fr-FR" sz="2000" b="0" i="1" smtClean="0">
+                                <a:latin typeface="Cambria Math" panose="02040503050406030204" pitchFamily="18" charset="0"/>
+                              </a:rPr>
+                              <m:t>𝐶</m:t>
+                            </m:r>
+                          </m:sup>
+                          <m:e>
+                            <m:r>
+                              <m:rPr>
+                                <m:sty m:val="p"/>
+                              </m:rPr>
+                              <a:rPr lang="fr-FR" sz="2000" b="0" i="0" smtClean="0">
+                                <a:latin typeface="Cambria Math" panose="02040503050406030204" pitchFamily="18" charset="0"/>
+                              </a:rPr>
+                              <m:t>exp</m:t>
+                            </m:r>
+                            <m:r>
+                              <a:rPr lang="fr-FR" sz="2000" b="0" i="1" smtClean="0">
+                                <a:latin typeface="Cambria Math" panose="02040503050406030204" pitchFamily="18" charset="0"/>
+                              </a:rPr>
+                              <m:t>⁡(</m:t>
+                            </m:r>
+                            <m:sSub>
+                              <m:sSubPr>
+                                <m:ctrlPr>
+                                  <a:rPr lang="fr-FR" sz="2000" b="0" i="1" smtClean="0">
+                                    <a:latin typeface="Cambria Math" panose="02040503050406030204" pitchFamily="18" charset="0"/>
+                                  </a:rPr>
+                                </m:ctrlPr>
+                              </m:sSubPr>
+                              <m:e>
+                                <m:r>
+                                  <a:rPr lang="fr-FR" sz="2000" b="0" i="1" smtClean="0">
+                                    <a:latin typeface="Cambria Math" panose="02040503050406030204" pitchFamily="18" charset="0"/>
+                                  </a:rPr>
+                                  <m:t>𝑦</m:t>
+                                </m:r>
+                              </m:e>
+                              <m:sub>
+                                <m:r>
+                                  <a:rPr lang="fr-FR" sz="2000" b="0" i="1" smtClean="0">
+                                    <a:latin typeface="Cambria Math" panose="02040503050406030204" pitchFamily="18" charset="0"/>
+                                  </a:rPr>
+                                  <m:t>𝑐</m:t>
+                                </m:r>
+                              </m:sub>
+                            </m:sSub>
+                            <m:r>
+                              <a:rPr lang="fr-FR" sz="2000" b="0" i="1" smtClean="0">
+                                <a:latin typeface="Cambria Math" panose="02040503050406030204" pitchFamily="18" charset="0"/>
+                              </a:rPr>
+                              <m:t>)</m:t>
+                            </m:r>
+                          </m:e>
+                        </m:nary>
+                      </m:den>
+                    </m:f>
+                  </m:oMath>
+                </a14:m>
+                <a:endParaRPr lang="fr-FR" sz="2000" dirty="0"/>
+              </a:p>
+              <a:p>
+                <a:pPr marL="0" indent="0">
+                  <a:buNone/>
+                </a:pPr>
+                <a:endParaRPr lang="fr-FR" sz="2000" dirty="0"/>
+              </a:p>
+              <a:p>
+                <a:pPr marL="0" indent="0">
+                  <a:buNone/>
+                </a:pPr>
+                <a:r>
+                  <a:rPr lang="fr-FR" sz="2000" dirty="0"/>
+                  <a:t>Les fonctions de coût utilisé en classification (e.g. </a:t>
+                </a:r>
+                <a:r>
+                  <a:rPr lang="fr-FR" sz="2000" i="1" dirty="0"/>
+                  <a:t>cross </a:t>
+                </a:r>
+                <a:r>
+                  <a:rPr lang="fr-FR" sz="2000" i="1" dirty="0" err="1"/>
+                  <a:t>entropy</a:t>
+                </a:r>
+                <a:r>
+                  <a:rPr lang="fr-FR" sz="2000" dirty="0"/>
+                  <a:t>) sont des </a:t>
+                </a:r>
+                <a:r>
+                  <a:rPr lang="fr-FR" sz="2000" b="1" dirty="0"/>
+                  <a:t>métriques indirectes</a:t>
+                </a:r>
+                <a:r>
+                  <a:rPr lang="fr-FR" sz="2000" dirty="0"/>
+                  <a:t> de la qualité du modèle.</a:t>
+                </a:r>
+              </a:p>
+              <a:p>
+                <a:pPr marL="0" indent="0">
+                  <a:buNone/>
+                </a:pPr>
+                <a:r>
+                  <a:rPr lang="fr-FR" sz="2000" dirty="0"/>
+                  <a:t>La métrique (quantité qui évalue notre modèle) qui nous intéresse vraiment est le </a:t>
+                </a:r>
+                <a:r>
+                  <a:rPr lang="fr-FR" sz="2000" b="1" dirty="0"/>
+                  <a:t>pourcentage d’erreur dans la prédiction des classes</a:t>
+                </a:r>
+                <a:r>
+                  <a:rPr lang="fr-FR" sz="2000" dirty="0"/>
+                  <a:t>. C’est une métrique dont l’évolution est à regarder pendant l’entraînement et pour interpréter la qualité du modèle. Mais cette métrique ne peut pas être utilisé pour l’entrainement par descente de gradient car pas dérivable.</a:t>
+                </a:r>
               </a:p>
             </p:txBody>
           </p:sp>
@@ -20365,12 +22569,597 @@
           </p:sp>
         </mc:Fallback>
       </mc:AlternateContent>
+    </p:spTree>
+    <p:extLst>
+      <p:ext uri="{BB962C8B-B14F-4D97-AF65-F5344CB8AC3E}">
+        <p14:creationId xmlns:p14="http://schemas.microsoft.com/office/powerpoint/2010/main" val="3427542239"/>
+      </p:ext>
+    </p:extLst>
+  </p:cSld>
+  <p:clrMapOvr>
+    <a:masterClrMapping/>
+  </p:clrMapOvr>
+</p:sld>
+</file>
+
+<file path=ppt/slides/slide29.xml><?xml version="1.0" encoding="utf-8"?>
+<p:sld xmlns:a="http://schemas.openxmlformats.org/drawingml/2006/main" xmlns:r="http://schemas.openxmlformats.org/officeDocument/2006/relationships" xmlns:p="http://schemas.openxmlformats.org/presentationml/2006/main">
+  <p:cSld>
+    <p:spTree>
+      <p:nvGrpSpPr>
+        <p:cNvPr id="1" name=""/>
+        <p:cNvGrpSpPr/>
+        <p:nvPr/>
+      </p:nvGrpSpPr>
+      <p:grpSpPr>
+        <a:xfrm>
+          <a:off x="0" y="0"/>
+          <a:ext cx="0" cy="0"/>
+          <a:chOff x="0" y="0"/>
+          <a:chExt cx="0" cy="0"/>
+        </a:xfrm>
+      </p:grpSpPr>
+      <p:sp>
+        <p:nvSpPr>
+          <p:cNvPr id="3" name="Espace réservé du contenu 2">
+            <a:extLst>
+              <a:ext uri="{FF2B5EF4-FFF2-40B4-BE49-F238E27FC236}">
+                <a16:creationId xmlns:a16="http://schemas.microsoft.com/office/drawing/2014/main" id="{B59E77B8-2D75-472C-B76C-ABDDE0CAFCD5}"/>
+              </a:ext>
+            </a:extLst>
+          </p:cNvPr>
+          <p:cNvSpPr>
+            <a:spLocks noGrp="1"/>
+          </p:cNvSpPr>
+          <p:nvPr>
+            <p:ph idx="1"/>
+          </p:nvPr>
+        </p:nvSpPr>
+        <p:spPr>
+          <a:xfrm>
+            <a:off x="537750" y="424853"/>
+            <a:ext cx="10839994" cy="6021978"/>
+          </a:xfrm>
+        </p:spPr>
+        <p:txBody>
+          <a:bodyPr>
+            <a:normAutofit lnSpcReduction="10000"/>
+          </a:bodyPr>
+          <a:lstStyle/>
+          <a:p>
+            <a:pPr marL="0" indent="0">
+              <a:buNone/>
+            </a:pPr>
+            <a:r>
+              <a:rPr lang="fr-FR" sz="2400" u="sng" dirty="0"/>
+              <a:t>Exemple: Titanic</a:t>
+            </a:r>
+          </a:p>
+          <a:p>
+            <a:pPr marL="0" indent="0">
+              <a:buNone/>
+            </a:pPr>
+            <a:r>
+              <a:rPr lang="fr-FR" sz="2000" u="sng" dirty="0">
+                <a:solidFill>
+                  <a:schemeClr val="tx1">
+                    <a:lumMod val="50000"/>
+                    <a:lumOff val="50000"/>
+                  </a:schemeClr>
+                </a:solidFill>
+              </a:rPr>
+              <a:t>Données</a:t>
+            </a:r>
+            <a:r>
+              <a:rPr lang="fr-FR" sz="2000" dirty="0">
+                <a:solidFill>
+                  <a:schemeClr val="tx1">
+                    <a:lumMod val="50000"/>
+                    <a:lumOff val="50000"/>
+                  </a:schemeClr>
+                </a:solidFill>
+              </a:rPr>
+              <a:t> : pour 891 passagers, le prix de leur billet, leur genre</a:t>
+            </a:r>
+          </a:p>
+          <a:p>
+            <a:pPr marL="0" indent="0">
+              <a:buNone/>
+            </a:pPr>
+            <a:r>
+              <a:rPr lang="fr-FR" sz="2000" dirty="0">
+                <a:solidFill>
+                  <a:schemeClr val="tx1">
+                    <a:lumMod val="50000"/>
+                    <a:lumOff val="50000"/>
+                  </a:schemeClr>
+                </a:solidFill>
+              </a:rPr>
+              <a:t>(H/F), tarif de leur billet, classe de leur cabine, un identifiant et</a:t>
+            </a:r>
+          </a:p>
+          <a:p>
+            <a:pPr marL="0" indent="0">
+              <a:buNone/>
+            </a:pPr>
+            <a:r>
+              <a:rPr lang="fr-FR" sz="2000" dirty="0">
+                <a:solidFill>
+                  <a:schemeClr val="tx1">
+                    <a:lumMod val="50000"/>
+                    <a:lumOff val="50000"/>
+                  </a:schemeClr>
+                </a:solidFill>
+              </a:rPr>
+              <a:t>si ils ont survécu</a:t>
+            </a:r>
+            <a:r>
+              <a:rPr lang="fr-FR" sz="2000" i="1" dirty="0">
+                <a:solidFill>
+                  <a:schemeClr val="tx1">
+                    <a:lumMod val="50000"/>
+                    <a:lumOff val="50000"/>
+                  </a:schemeClr>
+                </a:solidFill>
+              </a:rPr>
+              <a:t>.</a:t>
+            </a:r>
+          </a:p>
+          <a:p>
+            <a:pPr marL="0" indent="0">
+              <a:buNone/>
+            </a:pPr>
+            <a:r>
+              <a:rPr lang="fr-FR" sz="2000" u="sng" dirty="0">
+                <a:solidFill>
+                  <a:schemeClr val="tx1">
+                    <a:lumMod val="50000"/>
+                    <a:lumOff val="50000"/>
+                  </a:schemeClr>
+                </a:solidFill>
+              </a:rPr>
+              <a:t>Problème</a:t>
+            </a:r>
+            <a:r>
+              <a:rPr lang="fr-FR" sz="2000" dirty="0">
+                <a:solidFill>
+                  <a:schemeClr val="tx1">
+                    <a:lumMod val="50000"/>
+                    <a:lumOff val="50000"/>
+                  </a:schemeClr>
+                </a:solidFill>
+              </a:rPr>
+              <a:t> : entraîner un modèle qui prédise si un passager </a:t>
+            </a:r>
+          </a:p>
+          <a:p>
+            <a:pPr marL="0" indent="0">
+              <a:buNone/>
+            </a:pPr>
+            <a:r>
+              <a:rPr lang="fr-FR" sz="2000" dirty="0">
+                <a:solidFill>
+                  <a:schemeClr val="tx1">
+                    <a:lumMod val="50000"/>
+                    <a:lumOff val="50000"/>
+                  </a:schemeClr>
+                </a:solidFill>
+              </a:rPr>
+              <a:t>a survécu.</a:t>
+            </a:r>
+            <a:endParaRPr lang="fr-FR" sz="2000" u="sng" dirty="0">
+              <a:solidFill>
+                <a:schemeClr val="tx1">
+                  <a:lumMod val="50000"/>
+                  <a:lumOff val="50000"/>
+                </a:schemeClr>
+              </a:solidFill>
+            </a:endParaRPr>
+          </a:p>
+          <a:p>
+            <a:pPr marL="0" indent="0">
+              <a:buNone/>
+            </a:pPr>
+            <a:endParaRPr lang="fr-FR" sz="2000" dirty="0"/>
+          </a:p>
+          <a:p>
+            <a:pPr marL="0" indent="0">
+              <a:buNone/>
+            </a:pPr>
+            <a:r>
+              <a:rPr lang="fr-FR" sz="2000" u="sng" dirty="0">
+                <a:solidFill>
+                  <a:schemeClr val="tx1">
+                    <a:lumMod val="50000"/>
+                    <a:lumOff val="50000"/>
+                  </a:schemeClr>
+                </a:solidFill>
+              </a:rPr>
+              <a:t>Type de données</a:t>
+            </a:r>
+            <a:r>
+              <a:rPr lang="fr-FR" sz="2000" dirty="0">
+                <a:solidFill>
+                  <a:schemeClr val="tx1">
+                    <a:lumMod val="50000"/>
+                    <a:lumOff val="50000"/>
+                  </a:schemeClr>
+                </a:solidFill>
+              </a:rPr>
+              <a:t> :</a:t>
+            </a:r>
+          </a:p>
+          <a:p>
+            <a:pPr marL="0" indent="0">
+              <a:buNone/>
+            </a:pPr>
+            <a:r>
+              <a:rPr lang="fr-FR" sz="1800" dirty="0">
+                <a:solidFill>
+                  <a:schemeClr val="tx1">
+                    <a:lumMod val="50000"/>
+                    <a:lumOff val="50000"/>
+                  </a:schemeClr>
+                </a:solidFill>
+              </a:rPr>
+              <a:t>Affichons les premières lignes du fichier de données  (</a:t>
+            </a:r>
+            <a:r>
+              <a:rPr lang="fr-FR" sz="1800" i="1" dirty="0">
+                <a:solidFill>
+                  <a:schemeClr val="tx1">
+                    <a:lumMod val="50000"/>
+                    <a:lumOff val="50000"/>
+                  </a:schemeClr>
+                </a:solidFill>
+              </a:rPr>
+              <a:t>titanic.csv).</a:t>
+            </a:r>
+          </a:p>
+          <a:p>
+            <a:pPr marL="0" indent="0">
+              <a:buNone/>
+            </a:pPr>
+            <a:r>
+              <a:rPr lang="fr-FR" sz="1800" dirty="0">
+                <a:solidFill>
+                  <a:schemeClr val="tx1">
+                    <a:lumMod val="50000"/>
+                    <a:lumOff val="50000"/>
+                  </a:schemeClr>
+                </a:solidFill>
+              </a:rPr>
+              <a:t>Chaque ligne correspond à un passager.</a:t>
+            </a:r>
+          </a:p>
+          <a:p>
+            <a:pPr lvl="1"/>
+            <a:r>
+              <a:rPr lang="fr-FR" sz="1800" dirty="0">
+                <a:solidFill>
+                  <a:schemeClr val="tx1">
+                    <a:lumMod val="50000"/>
+                    <a:lumOff val="50000"/>
+                  </a:schemeClr>
+                </a:solidFill>
+              </a:rPr>
+              <a:t>Sortie : </a:t>
+            </a:r>
+          </a:p>
+          <a:p>
+            <a:pPr marL="914400" lvl="2" indent="0">
+              <a:buNone/>
+            </a:pPr>
+            <a:r>
+              <a:rPr lang="fr-FR" sz="1800" i="1" dirty="0">
+                <a:solidFill>
+                  <a:schemeClr val="tx1">
+                    <a:lumMod val="50000"/>
+                    <a:lumOff val="50000"/>
+                  </a:schemeClr>
+                </a:solidFill>
+              </a:rPr>
+              <a:t>« </a:t>
+            </a:r>
+            <a:r>
+              <a:rPr lang="fr-FR" sz="1800" i="1" dirty="0" err="1">
+                <a:solidFill>
+                  <a:schemeClr val="tx1">
+                    <a:lumMod val="50000"/>
+                    <a:lumOff val="50000"/>
+                  </a:schemeClr>
+                </a:solidFill>
+              </a:rPr>
+              <a:t>Survived</a:t>
+            </a:r>
+            <a:r>
+              <a:rPr lang="fr-FR" sz="1800" i="1" dirty="0">
+                <a:solidFill>
+                  <a:schemeClr val="tx1">
+                    <a:lumMod val="50000"/>
+                    <a:lumOff val="50000"/>
+                  </a:schemeClr>
+                </a:solidFill>
+              </a:rPr>
+              <a:t> » </a:t>
+            </a:r>
+            <a:r>
+              <a:rPr lang="fr-FR" sz="1800" dirty="0">
+                <a:solidFill>
+                  <a:schemeClr val="tx1">
+                    <a:lumMod val="50000"/>
+                    <a:lumOff val="50000"/>
+                  </a:schemeClr>
+                </a:solidFill>
+              </a:rPr>
+              <a:t>(survécu vs pas survécu) = classe binaire</a:t>
+            </a:r>
+          </a:p>
+          <a:p>
+            <a:pPr lvl="1"/>
+            <a:r>
+              <a:rPr lang="fr-FR" sz="1800" dirty="0">
+                <a:solidFill>
+                  <a:schemeClr val="tx1">
+                    <a:lumMod val="50000"/>
+                    <a:lumOff val="50000"/>
+                  </a:schemeClr>
+                </a:solidFill>
+              </a:rPr>
+              <a:t>Entrées :</a:t>
+            </a:r>
+            <a:r>
+              <a:rPr lang="fr-FR" sz="1800" i="1" dirty="0">
+                <a:solidFill>
+                  <a:schemeClr val="tx1">
+                    <a:lumMod val="50000"/>
+                    <a:lumOff val="50000"/>
+                  </a:schemeClr>
+                </a:solidFill>
+              </a:rPr>
+              <a:t> </a:t>
+            </a:r>
+          </a:p>
+          <a:p>
+            <a:pPr marL="914400" lvl="2" indent="0">
+              <a:buNone/>
+            </a:pPr>
+            <a:r>
+              <a:rPr lang="fr-FR" sz="1800" i="1" dirty="0">
+                <a:solidFill>
+                  <a:schemeClr val="tx1">
+                    <a:lumMod val="50000"/>
+                    <a:lumOff val="50000"/>
+                  </a:schemeClr>
+                </a:solidFill>
+              </a:rPr>
+              <a:t>« </a:t>
+            </a:r>
+            <a:r>
+              <a:rPr lang="fr-FR" sz="1800" i="1" dirty="0" err="1">
+                <a:solidFill>
+                  <a:schemeClr val="tx1">
+                    <a:lumMod val="50000"/>
+                    <a:lumOff val="50000"/>
+                  </a:schemeClr>
+                </a:solidFill>
+              </a:rPr>
+              <a:t>p_id</a:t>
+            </a:r>
+            <a:r>
+              <a:rPr lang="fr-FR" sz="1800" i="1" dirty="0">
+                <a:solidFill>
+                  <a:schemeClr val="tx1">
+                    <a:lumMod val="50000"/>
+                    <a:lumOff val="50000"/>
+                  </a:schemeClr>
+                </a:solidFill>
+              </a:rPr>
+              <a:t> »  </a:t>
+            </a:r>
+            <a:r>
+              <a:rPr lang="fr-FR" sz="1800" dirty="0">
+                <a:solidFill>
+                  <a:schemeClr val="tx1">
+                    <a:lumMod val="50000"/>
+                    <a:lumOff val="50000"/>
+                  </a:schemeClr>
+                </a:solidFill>
+              </a:rPr>
+              <a:t>(identifiant) = classe multiples, </a:t>
+            </a:r>
+            <a:endParaRPr lang="fr-FR" sz="1800" i="1" dirty="0">
+              <a:solidFill>
+                <a:schemeClr val="tx1">
+                  <a:lumMod val="50000"/>
+                  <a:lumOff val="50000"/>
+                </a:schemeClr>
+              </a:solidFill>
+            </a:endParaRPr>
+          </a:p>
+          <a:p>
+            <a:pPr marL="914400" lvl="2" indent="0">
+              <a:buNone/>
+            </a:pPr>
+            <a:r>
+              <a:rPr lang="fr-FR" sz="1800" i="1" dirty="0">
+                <a:solidFill>
+                  <a:schemeClr val="tx1">
+                    <a:lumMod val="50000"/>
+                    <a:lumOff val="50000"/>
+                  </a:schemeClr>
+                </a:solidFill>
+              </a:rPr>
+              <a:t>« </a:t>
+            </a:r>
+            <a:r>
+              <a:rPr lang="fr-FR" sz="1800" i="1" dirty="0" err="1">
+                <a:solidFill>
+                  <a:schemeClr val="tx1">
+                    <a:lumMod val="50000"/>
+                    <a:lumOff val="50000"/>
+                  </a:schemeClr>
+                </a:solidFill>
+              </a:rPr>
+              <a:t>cabin_class</a:t>
+            </a:r>
+            <a:r>
+              <a:rPr lang="fr-FR" sz="1800" i="1" dirty="0">
+                <a:solidFill>
+                  <a:schemeClr val="tx1">
+                    <a:lumMod val="50000"/>
+                    <a:lumOff val="50000"/>
+                  </a:schemeClr>
+                </a:solidFill>
+              </a:rPr>
+              <a:t> »</a:t>
+            </a:r>
+            <a:r>
+              <a:rPr lang="fr-FR" sz="1800" dirty="0">
+                <a:solidFill>
+                  <a:schemeClr val="tx1">
+                    <a:lumMod val="50000"/>
+                    <a:lumOff val="50000"/>
+                  </a:schemeClr>
+                </a:solidFill>
+              </a:rPr>
+              <a:t> = classe multiples, </a:t>
+            </a:r>
+          </a:p>
+          <a:p>
+            <a:pPr marL="914400" lvl="2" indent="0">
+              <a:buNone/>
+            </a:pPr>
+            <a:r>
+              <a:rPr lang="fr-FR" sz="1800" dirty="0">
+                <a:solidFill>
+                  <a:schemeClr val="tx1">
+                    <a:lumMod val="50000"/>
+                    <a:lumOff val="50000"/>
+                  </a:schemeClr>
+                </a:solidFill>
+              </a:rPr>
+              <a:t>« </a:t>
+            </a:r>
+            <a:r>
+              <a:rPr lang="fr-FR" sz="1800" dirty="0" err="1">
+                <a:solidFill>
+                  <a:schemeClr val="tx1">
+                    <a:lumMod val="50000"/>
+                    <a:lumOff val="50000"/>
+                  </a:schemeClr>
+                </a:solidFill>
+              </a:rPr>
+              <a:t>female</a:t>
+            </a:r>
+            <a:r>
+              <a:rPr lang="fr-FR" sz="1800" dirty="0">
+                <a:solidFill>
+                  <a:schemeClr val="tx1">
+                    <a:lumMod val="50000"/>
+                    <a:lumOff val="50000"/>
+                  </a:schemeClr>
+                </a:solidFill>
+              </a:rPr>
+              <a:t> » (femme vs homme) = classe binaire,</a:t>
+            </a:r>
+          </a:p>
+          <a:p>
+            <a:pPr marL="914400" lvl="2" indent="0">
+              <a:buNone/>
+            </a:pPr>
+            <a:r>
+              <a:rPr lang="fr-FR" sz="1800" dirty="0">
+                <a:solidFill>
+                  <a:schemeClr val="tx1">
+                    <a:lumMod val="50000"/>
+                    <a:lumOff val="50000"/>
+                  </a:schemeClr>
+                </a:solidFill>
+              </a:rPr>
+              <a:t>« </a:t>
+            </a:r>
+            <a:r>
+              <a:rPr lang="fr-FR" sz="1800" dirty="0" err="1">
+                <a:solidFill>
+                  <a:schemeClr val="tx1">
+                    <a:lumMod val="50000"/>
+                    <a:lumOff val="50000"/>
+                  </a:schemeClr>
+                </a:solidFill>
+              </a:rPr>
+              <a:t>fare</a:t>
+            </a:r>
+            <a:r>
+              <a:rPr lang="fr-FR" sz="1800" dirty="0">
+                <a:solidFill>
+                  <a:schemeClr val="tx1">
+                    <a:lumMod val="50000"/>
+                    <a:lumOff val="50000"/>
+                  </a:schemeClr>
+                </a:solidFill>
+              </a:rPr>
+              <a:t> » (tarif du billet) = numérique.</a:t>
+            </a:r>
+            <a:endParaRPr lang="fr-FR" sz="1800" i="1" dirty="0">
+              <a:solidFill>
+                <a:schemeClr val="tx1">
+                  <a:lumMod val="50000"/>
+                  <a:lumOff val="50000"/>
+                </a:schemeClr>
+              </a:solidFill>
+            </a:endParaRPr>
+          </a:p>
+          <a:p>
+            <a:pPr marL="457200" lvl="1" indent="0">
+              <a:buNone/>
+            </a:pPr>
+            <a:endParaRPr lang="fr-FR" sz="1600" dirty="0"/>
+          </a:p>
+        </p:txBody>
+      </p:sp>
       <p:pic>
         <p:nvPicPr>
-          <p:cNvPr id="4" name="Image 3">
+          <p:cNvPr id="8" name="Image 7">
             <a:extLst>
               <a:ext uri="{FF2B5EF4-FFF2-40B4-BE49-F238E27FC236}">
-                <a16:creationId xmlns:a16="http://schemas.microsoft.com/office/drawing/2014/main" id="{F826F0BA-804C-474F-BE6B-C3418FAB6A78}"/>
+                <a16:creationId xmlns:a16="http://schemas.microsoft.com/office/drawing/2014/main" id="{2669EE31-9E46-4CC4-9EAF-95714FEE27CE}"/>
+              </a:ext>
+            </a:extLst>
+          </p:cNvPr>
+          <p:cNvPicPr>
+            <a:picLocks noChangeAspect="1"/>
+          </p:cNvPicPr>
+          <p:nvPr/>
+        </p:nvPicPr>
+        <p:blipFill>
+          <a:blip r:embed="rId2">
+            <a:extLst>
+              <a:ext uri="{28A0092B-C50C-407E-A947-70E740481C1C}">
+                <a14:useLocalDpi xmlns:a14="http://schemas.microsoft.com/office/drawing/2010/main" val="0"/>
+              </a:ext>
+            </a:extLst>
+          </a:blip>
+          <a:stretch>
+            <a:fillRect/>
+          </a:stretch>
+        </p:blipFill>
+        <p:spPr>
+          <a:xfrm>
+            <a:off x="7264092" y="424853"/>
+            <a:ext cx="4701510" cy="2407172"/>
+          </a:xfrm>
+          <a:prstGeom prst="rect">
+            <a:avLst/>
+          </a:prstGeom>
+        </p:spPr>
+      </p:pic>
+      <p:pic>
+        <p:nvPicPr>
+          <p:cNvPr id="5" name="Image 4">
+            <a:extLst>
+              <a:ext uri="{FF2B5EF4-FFF2-40B4-BE49-F238E27FC236}">
+                <a16:creationId xmlns:a16="http://schemas.microsoft.com/office/drawing/2014/main" id="{F95021BC-AB38-4D65-AB02-65B4E2AA67A7}"/>
               </a:ext>
             </a:extLst>
           </p:cNvPr>
@@ -20387,8 +23176,8 @@
         </p:blipFill>
         <p:spPr>
           <a:xfrm>
-            <a:off x="6424411" y="3514977"/>
-            <a:ext cx="4342857" cy="3200000"/>
+            <a:off x="6970061" y="3310812"/>
+            <a:ext cx="4995541" cy="2107494"/>
           </a:xfrm>
           <a:prstGeom prst="rect">
             <a:avLst/>
@@ -20398,7 +23187,7 @@
     </p:spTree>
     <p:extLst>
       <p:ext uri="{BB962C8B-B14F-4D97-AF65-F5344CB8AC3E}">
-        <p14:creationId xmlns:p14="http://schemas.microsoft.com/office/powerpoint/2010/main" val="2363380781"/>
+        <p14:creationId xmlns:p14="http://schemas.microsoft.com/office/powerpoint/2010/main" val="256727329"/>
       </p:ext>
     </p:extLst>
   </p:cSld>
@@ -20408,7 +23197,1396 @@
 </p:sld>
 </file>
 
-<file path=ppt/slides/slide28.xml><?xml version="1.0" encoding="utf-8"?>
+<file path=ppt/slides/slide3.xml><?xml version="1.0" encoding="utf-8"?>
+<p:sld xmlns:a="http://schemas.openxmlformats.org/drawingml/2006/main" xmlns:r="http://schemas.openxmlformats.org/officeDocument/2006/relationships" xmlns:p="http://schemas.openxmlformats.org/presentationml/2006/main">
+  <p:cSld>
+    <p:spTree>
+      <p:nvGrpSpPr>
+        <p:cNvPr id="1" name=""/>
+        <p:cNvGrpSpPr/>
+        <p:nvPr/>
+      </p:nvGrpSpPr>
+      <p:grpSpPr>
+        <a:xfrm>
+          <a:off x="0" y="0"/>
+          <a:ext cx="0" cy="0"/>
+          <a:chOff x="0" y="0"/>
+          <a:chExt cx="0" cy="0"/>
+        </a:xfrm>
+      </p:grpSpPr>
+      <p:sp>
+        <p:nvSpPr>
+          <p:cNvPr id="7" name="Titre 6">
+            <a:extLst>
+              <a:ext uri="{FF2B5EF4-FFF2-40B4-BE49-F238E27FC236}">
+                <a16:creationId xmlns:a16="http://schemas.microsoft.com/office/drawing/2014/main" id="{74661C02-29AB-46A2-A889-BEEEBBF4BB83}"/>
+              </a:ext>
+            </a:extLst>
+          </p:cNvPr>
+          <p:cNvSpPr>
+            <a:spLocks noGrp="1"/>
+          </p:cNvSpPr>
+          <p:nvPr>
+            <p:ph type="title"/>
+          </p:nvPr>
+        </p:nvSpPr>
+        <p:spPr/>
+        <p:txBody>
+          <a:bodyPr/>
+          <a:lstStyle/>
+          <a:p>
+            <a:r>
+              <a:rPr lang="fr-FR" dirty="0"/>
+              <a:t>1. Définir l’Intelligence Artificielle (IA)</a:t>
+            </a:r>
+          </a:p>
+        </p:txBody>
+      </p:sp>
+      <p:pic>
+        <p:nvPicPr>
+          <p:cNvPr id="12" name="Image 11">
+            <a:extLst>
+              <a:ext uri="{FF2B5EF4-FFF2-40B4-BE49-F238E27FC236}">
+                <a16:creationId xmlns:a16="http://schemas.microsoft.com/office/drawing/2014/main" id="{B09046FD-F459-41A7-8E9B-CD4E924CDA25}"/>
+              </a:ext>
+            </a:extLst>
+          </p:cNvPr>
+          <p:cNvPicPr>
+            <a:picLocks noChangeAspect="1"/>
+          </p:cNvPicPr>
+          <p:nvPr/>
+        </p:nvPicPr>
+        <p:blipFill>
+          <a:blip r:embed="rId2">
+            <a:extLst>
+              <a:ext uri="{28A0092B-C50C-407E-A947-70E740481C1C}">
+                <a14:useLocalDpi xmlns:a14="http://schemas.microsoft.com/office/drawing/2010/main" val="0"/>
+              </a:ext>
+            </a:extLst>
+          </a:blip>
+          <a:stretch>
+            <a:fillRect/>
+          </a:stretch>
+        </p:blipFill>
+        <p:spPr>
+          <a:xfrm>
+            <a:off x="3725092" y="2011680"/>
+            <a:ext cx="3657600" cy="3657600"/>
+          </a:xfrm>
+          <a:prstGeom prst="rect">
+            <a:avLst/>
+          </a:prstGeom>
+        </p:spPr>
+      </p:pic>
+    </p:spTree>
+    <p:extLst>
+      <p:ext uri="{BB962C8B-B14F-4D97-AF65-F5344CB8AC3E}">
+        <p14:creationId xmlns:p14="http://schemas.microsoft.com/office/powerpoint/2010/main" val="1318835050"/>
+      </p:ext>
+    </p:extLst>
+  </p:cSld>
+  <p:clrMapOvr>
+    <a:masterClrMapping/>
+  </p:clrMapOvr>
+</p:sld>
+</file>
+
+<file path=ppt/slides/slide30.xml><?xml version="1.0" encoding="utf-8"?>
+<p:sld xmlns:a="http://schemas.openxmlformats.org/drawingml/2006/main" xmlns:r="http://schemas.openxmlformats.org/officeDocument/2006/relationships" xmlns:p="http://schemas.openxmlformats.org/presentationml/2006/main">
+  <p:cSld>
+    <p:spTree>
+      <p:nvGrpSpPr>
+        <p:cNvPr id="1" name=""/>
+        <p:cNvGrpSpPr/>
+        <p:nvPr/>
+      </p:nvGrpSpPr>
+      <p:grpSpPr>
+        <a:xfrm>
+          <a:off x="0" y="0"/>
+          <a:ext cx="0" cy="0"/>
+          <a:chOff x="0" y="0"/>
+          <a:chExt cx="0" cy="0"/>
+        </a:xfrm>
+      </p:grpSpPr>
+      <p:sp>
+        <p:nvSpPr>
+          <p:cNvPr id="3" name="Espace réservé du contenu 2">
+            <a:extLst>
+              <a:ext uri="{FF2B5EF4-FFF2-40B4-BE49-F238E27FC236}">
+                <a16:creationId xmlns:a16="http://schemas.microsoft.com/office/drawing/2014/main" id="{B59E77B8-2D75-472C-B76C-ABDDE0CAFCD5}"/>
+              </a:ext>
+            </a:extLst>
+          </p:cNvPr>
+          <p:cNvSpPr>
+            <a:spLocks noGrp="1"/>
+          </p:cNvSpPr>
+          <p:nvPr>
+            <p:ph idx="1"/>
+          </p:nvPr>
+        </p:nvSpPr>
+        <p:spPr>
+          <a:xfrm>
+            <a:off x="537750" y="424853"/>
+            <a:ext cx="10839994" cy="6021978"/>
+          </a:xfrm>
+        </p:spPr>
+        <p:txBody>
+          <a:bodyPr>
+            <a:normAutofit/>
+          </a:bodyPr>
+          <a:lstStyle/>
+          <a:p>
+            <a:pPr marL="0" indent="0">
+              <a:buNone/>
+            </a:pPr>
+            <a:r>
+              <a:rPr lang="fr-FR" sz="1800" dirty="0">
+                <a:solidFill>
+                  <a:schemeClr val="tx1">
+                    <a:lumMod val="50000"/>
+                    <a:lumOff val="50000"/>
+                  </a:schemeClr>
+                </a:solidFill>
+              </a:rPr>
+              <a:t>Traçons les valeurs des champs « </a:t>
+            </a:r>
+            <a:r>
+              <a:rPr lang="fr-FR" sz="1800" dirty="0" err="1">
+                <a:solidFill>
+                  <a:schemeClr val="tx1">
+                    <a:lumMod val="50000"/>
+                    <a:lumOff val="50000"/>
+                  </a:schemeClr>
+                </a:solidFill>
+              </a:rPr>
+              <a:t>p_id</a:t>
+            </a:r>
+            <a:r>
+              <a:rPr lang="fr-FR" sz="1800" dirty="0">
+                <a:solidFill>
+                  <a:schemeClr val="tx1">
+                    <a:lumMod val="50000"/>
+                    <a:lumOff val="50000"/>
+                  </a:schemeClr>
+                </a:solidFill>
+              </a:rPr>
+              <a:t> » et « </a:t>
+            </a:r>
+            <a:r>
+              <a:rPr lang="fr-FR" sz="1800" dirty="0" err="1">
+                <a:solidFill>
+                  <a:schemeClr val="tx1">
+                    <a:lumMod val="50000"/>
+                    <a:lumOff val="50000"/>
+                  </a:schemeClr>
+                </a:solidFill>
+              </a:rPr>
+              <a:t>cabin_class</a:t>
+            </a:r>
+            <a:r>
+              <a:rPr lang="fr-FR" sz="1800" dirty="0">
+                <a:solidFill>
+                  <a:schemeClr val="tx1">
+                    <a:lumMod val="50000"/>
+                    <a:lumOff val="50000"/>
+                  </a:schemeClr>
+                </a:solidFill>
+              </a:rPr>
+              <a:t> ».</a:t>
+            </a:r>
+          </a:p>
+          <a:p>
+            <a:pPr marL="0" indent="0">
+              <a:buNone/>
+            </a:pPr>
+            <a:r>
+              <a:rPr lang="fr-FR" sz="1800" i="1" dirty="0" err="1">
+                <a:solidFill>
+                  <a:schemeClr val="tx1">
+                    <a:lumMod val="50000"/>
+                    <a:lumOff val="50000"/>
+                  </a:schemeClr>
+                </a:solidFill>
+              </a:rPr>
+              <a:t>p_id</a:t>
+            </a:r>
+            <a:r>
+              <a:rPr lang="fr-FR" sz="1800" i="1" dirty="0">
+                <a:solidFill>
+                  <a:schemeClr val="tx1">
+                    <a:lumMod val="50000"/>
+                    <a:lumOff val="50000"/>
+                  </a:schemeClr>
+                </a:solidFill>
+              </a:rPr>
+              <a:t> </a:t>
+            </a:r>
+            <a:r>
+              <a:rPr lang="fr-FR" sz="1800" dirty="0">
+                <a:solidFill>
+                  <a:schemeClr val="tx1">
+                    <a:lumMod val="50000"/>
+                    <a:lumOff val="50000"/>
+                  </a:schemeClr>
+                </a:solidFill>
+              </a:rPr>
+              <a:t>attribue une valeur unique à chaque passager.</a:t>
+            </a:r>
+          </a:p>
+          <a:p>
+            <a:pPr marL="0" indent="0">
+              <a:buNone/>
+            </a:pPr>
+            <a:r>
+              <a:rPr lang="fr-FR" sz="1800" i="1" dirty="0" err="1">
+                <a:solidFill>
+                  <a:schemeClr val="tx1">
+                    <a:lumMod val="50000"/>
+                    <a:lumOff val="50000"/>
+                  </a:schemeClr>
+                </a:solidFill>
+              </a:rPr>
+              <a:t>Cabin_class</a:t>
+            </a:r>
+            <a:r>
+              <a:rPr lang="fr-FR" sz="1800" dirty="0">
+                <a:solidFill>
+                  <a:schemeClr val="tx1">
+                    <a:lumMod val="50000"/>
+                    <a:lumOff val="50000"/>
+                  </a:schemeClr>
+                </a:solidFill>
+              </a:rPr>
+              <a:t> est une classe multiple; ses éléments sont {1,2,3}:</a:t>
+            </a:r>
+            <a:endParaRPr lang="fr-FR" sz="1800" i="1" dirty="0">
+              <a:solidFill>
+                <a:schemeClr val="tx1">
+                  <a:lumMod val="50000"/>
+                  <a:lumOff val="50000"/>
+                </a:schemeClr>
+              </a:solidFill>
+            </a:endParaRPr>
+          </a:p>
+          <a:p>
+            <a:pPr marL="0" indent="0">
+              <a:buNone/>
+            </a:pPr>
+            <a:r>
+              <a:rPr lang="en-US" sz="1800" b="1" dirty="0">
+                <a:solidFill>
+                  <a:srgbClr val="880088"/>
+                </a:solidFill>
+                <a:highlight>
+                  <a:srgbClr val="FFFFFF"/>
+                </a:highlight>
+              </a:rPr>
+              <a:t>print</a:t>
+            </a:r>
+            <a:r>
+              <a:rPr lang="en-US" sz="1800" b="1" dirty="0">
+                <a:solidFill>
+                  <a:srgbClr val="000080"/>
+                </a:solidFill>
+                <a:highlight>
+                  <a:srgbClr val="FFFFFF"/>
+                </a:highlight>
+              </a:rPr>
+              <a:t>(</a:t>
+            </a:r>
+            <a:r>
+              <a:rPr lang="en-US" sz="1800" b="0" dirty="0" err="1">
+                <a:solidFill>
+                  <a:srgbClr val="000000"/>
+                </a:solidFill>
+                <a:highlight>
+                  <a:srgbClr val="FFFFFF"/>
+                </a:highlight>
+              </a:rPr>
+              <a:t>np</a:t>
+            </a:r>
+            <a:r>
+              <a:rPr lang="en-US" sz="1800" b="1" dirty="0" err="1">
+                <a:solidFill>
+                  <a:srgbClr val="000080"/>
+                </a:solidFill>
+                <a:highlight>
+                  <a:srgbClr val="FFFFFF"/>
+                </a:highlight>
+              </a:rPr>
+              <a:t>.</a:t>
+            </a:r>
+            <a:r>
+              <a:rPr lang="en-US" sz="1800" b="0" i="0" dirty="0" err="1">
+                <a:solidFill>
+                  <a:srgbClr val="FF8000"/>
+                </a:solidFill>
+                <a:highlight>
+                  <a:srgbClr val="FFFFFF"/>
+                </a:highlight>
+              </a:rPr>
+              <a:t>unique</a:t>
+            </a:r>
+            <a:r>
+              <a:rPr lang="en-US" sz="1800" b="1" i="0" dirty="0">
+                <a:solidFill>
+                  <a:srgbClr val="000080"/>
+                </a:solidFill>
+                <a:highlight>
+                  <a:srgbClr val="FFFFFF"/>
+                </a:highlight>
+              </a:rPr>
+              <a:t>(</a:t>
+            </a:r>
+            <a:r>
+              <a:rPr lang="en-US" sz="1800" b="0" i="0" dirty="0" err="1">
+                <a:solidFill>
+                  <a:srgbClr val="000000"/>
+                </a:solidFill>
+                <a:highlight>
+                  <a:srgbClr val="FFFFFF"/>
+                </a:highlight>
+              </a:rPr>
+              <a:t>cabin_class</a:t>
+            </a:r>
+            <a:r>
+              <a:rPr lang="en-US" sz="1800" b="1" i="0" dirty="0">
+                <a:solidFill>
+                  <a:srgbClr val="000080"/>
+                </a:solidFill>
+                <a:highlight>
+                  <a:srgbClr val="FFFFFF"/>
+                </a:highlight>
+              </a:rPr>
+              <a:t>))</a:t>
+            </a:r>
+          </a:p>
+          <a:p>
+            <a:pPr marL="0" indent="0">
+              <a:buNone/>
+            </a:pPr>
+            <a:endParaRPr lang="fr-FR" sz="2000" u="sng" dirty="0">
+              <a:solidFill>
+                <a:schemeClr val="tx1">
+                  <a:lumMod val="50000"/>
+                  <a:lumOff val="50000"/>
+                </a:schemeClr>
+              </a:solidFill>
+            </a:endParaRPr>
+          </a:p>
+          <a:p>
+            <a:pPr marL="0" indent="0">
+              <a:buNone/>
+            </a:pPr>
+            <a:r>
+              <a:rPr lang="fr-FR" sz="2000" u="sng" dirty="0">
+                <a:solidFill>
+                  <a:schemeClr val="tx1">
+                    <a:lumMod val="50000"/>
+                    <a:lumOff val="50000"/>
+                  </a:schemeClr>
+                </a:solidFill>
+              </a:rPr>
+              <a:t>Statistiques simples</a:t>
+            </a:r>
+            <a:r>
+              <a:rPr lang="fr-FR" sz="2000" dirty="0">
+                <a:solidFill>
+                  <a:schemeClr val="tx1">
+                    <a:lumMod val="50000"/>
+                    <a:lumOff val="50000"/>
+                  </a:schemeClr>
+                </a:solidFill>
+              </a:rPr>
+              <a:t> :</a:t>
+            </a:r>
+          </a:p>
+          <a:p>
+            <a:pPr marL="0" indent="0">
+              <a:buNone/>
+            </a:pPr>
+            <a:r>
+              <a:rPr lang="en-US" sz="1800" b="1" dirty="0">
+                <a:solidFill>
+                  <a:srgbClr val="880088"/>
+                </a:solidFill>
+                <a:highlight>
+                  <a:srgbClr val="FFFFFF"/>
+                </a:highlight>
+              </a:rPr>
+              <a:t>print</a:t>
+            </a:r>
+            <a:r>
+              <a:rPr lang="en-US" sz="1800" b="1" dirty="0">
+                <a:solidFill>
+                  <a:srgbClr val="000080"/>
+                </a:solidFill>
+                <a:highlight>
+                  <a:srgbClr val="FFFFFF"/>
+                </a:highlight>
+              </a:rPr>
+              <a:t>(</a:t>
+            </a:r>
+            <a:r>
+              <a:rPr lang="en-US" sz="1800" b="0" dirty="0">
+                <a:solidFill>
+                  <a:srgbClr val="808080"/>
+                </a:solidFill>
+                <a:highlight>
+                  <a:srgbClr val="FFFFFF"/>
+                </a:highlight>
+              </a:rPr>
+              <a:t>"fare: min %.3f  max % .3f </a:t>
+            </a:r>
+            <a:r>
+              <a:rPr lang="en-US" sz="1800" b="0" dirty="0" err="1">
+                <a:solidFill>
+                  <a:srgbClr val="808080"/>
+                </a:solidFill>
+                <a:highlight>
+                  <a:srgbClr val="FFFFFF"/>
+                </a:highlight>
+              </a:rPr>
+              <a:t>écart</a:t>
+            </a:r>
+            <a:r>
+              <a:rPr lang="en-US" sz="1800" b="0" dirty="0">
+                <a:solidFill>
+                  <a:srgbClr val="808080"/>
+                </a:solidFill>
+                <a:highlight>
+                  <a:srgbClr val="FFFFFF"/>
+                </a:highlight>
+              </a:rPr>
+              <a:t>-type  %.3f"</a:t>
+            </a:r>
+            <a:r>
+              <a:rPr lang="en-US" sz="1800" b="0" dirty="0">
+                <a:solidFill>
+                  <a:srgbClr val="000000"/>
+                </a:solidFill>
+                <a:highlight>
+                  <a:srgbClr val="FFFFFF"/>
+                </a:highlight>
+              </a:rPr>
+              <a:t> </a:t>
+            </a:r>
+            <a:r>
+              <a:rPr lang="en-US" sz="1800" b="1" dirty="0">
+                <a:solidFill>
+                  <a:srgbClr val="000080"/>
+                </a:solidFill>
+                <a:highlight>
+                  <a:srgbClr val="FFFFFF"/>
+                </a:highlight>
+              </a:rPr>
+              <a:t>%</a:t>
+            </a:r>
+            <a:endParaRPr lang="en-US" sz="1800" b="0" dirty="0">
+              <a:solidFill>
+                <a:srgbClr val="000000"/>
+              </a:solidFill>
+              <a:highlight>
+                <a:srgbClr val="FFFFFF"/>
+              </a:highlight>
+            </a:endParaRPr>
+          </a:p>
+          <a:p>
+            <a:pPr marL="0" indent="0">
+              <a:buNone/>
+            </a:pPr>
+            <a:r>
+              <a:rPr lang="en-US" sz="1800" b="0" dirty="0">
+                <a:solidFill>
+                  <a:srgbClr val="000000"/>
+                </a:solidFill>
+                <a:highlight>
+                  <a:srgbClr val="FFFFFF"/>
+                </a:highlight>
+              </a:rPr>
+              <a:t>      </a:t>
+            </a:r>
+            <a:r>
+              <a:rPr lang="en-US" sz="1800" b="1" dirty="0">
+                <a:solidFill>
+                  <a:srgbClr val="000080"/>
+                </a:solidFill>
+                <a:highlight>
+                  <a:srgbClr val="FFFFFF"/>
+                </a:highlight>
+              </a:rPr>
+              <a:t>(</a:t>
+            </a:r>
+            <a:r>
+              <a:rPr lang="en-US" sz="1800" b="0" dirty="0" err="1">
+                <a:solidFill>
+                  <a:srgbClr val="000000"/>
+                </a:solidFill>
+                <a:highlight>
+                  <a:srgbClr val="FFFFFF"/>
+                </a:highlight>
+              </a:rPr>
+              <a:t>fare</a:t>
+            </a:r>
+            <a:r>
+              <a:rPr lang="en-US" sz="1800" b="1" dirty="0" err="1">
+                <a:solidFill>
+                  <a:srgbClr val="000080"/>
+                </a:solidFill>
+                <a:highlight>
+                  <a:srgbClr val="FFFFFF"/>
+                </a:highlight>
+              </a:rPr>
+              <a:t>.</a:t>
+            </a:r>
+            <a:r>
+              <a:rPr lang="en-US" sz="1800" b="1" dirty="0" err="1">
+                <a:solidFill>
+                  <a:srgbClr val="880088"/>
+                </a:solidFill>
+                <a:highlight>
+                  <a:srgbClr val="FFFFFF"/>
+                </a:highlight>
+              </a:rPr>
+              <a:t>min</a:t>
+            </a:r>
+            <a:r>
+              <a:rPr lang="en-US" sz="1800" b="1" dirty="0">
+                <a:solidFill>
+                  <a:srgbClr val="000080"/>
+                </a:solidFill>
+                <a:highlight>
+                  <a:srgbClr val="FFFFFF"/>
+                </a:highlight>
+              </a:rPr>
+              <a:t>(),</a:t>
+            </a:r>
+            <a:r>
+              <a:rPr lang="en-US" sz="1800" b="0" dirty="0">
+                <a:solidFill>
+                  <a:srgbClr val="000000"/>
+                </a:solidFill>
+                <a:highlight>
+                  <a:srgbClr val="FFFFFF"/>
+                </a:highlight>
+              </a:rPr>
+              <a:t> </a:t>
+            </a:r>
+            <a:r>
+              <a:rPr lang="en-US" sz="1800" b="0" dirty="0" err="1">
+                <a:solidFill>
+                  <a:srgbClr val="000000"/>
+                </a:solidFill>
+                <a:highlight>
+                  <a:srgbClr val="FFFFFF"/>
+                </a:highlight>
+              </a:rPr>
+              <a:t>fare</a:t>
+            </a:r>
+            <a:r>
+              <a:rPr lang="en-US" sz="1800" b="1" dirty="0" err="1">
+                <a:solidFill>
+                  <a:srgbClr val="000080"/>
+                </a:solidFill>
+                <a:highlight>
+                  <a:srgbClr val="FFFFFF"/>
+                </a:highlight>
+              </a:rPr>
+              <a:t>.</a:t>
+            </a:r>
+            <a:r>
+              <a:rPr lang="en-US" sz="1800" b="1" dirty="0" err="1">
+                <a:solidFill>
+                  <a:srgbClr val="880088"/>
+                </a:solidFill>
+                <a:highlight>
+                  <a:srgbClr val="FFFFFF"/>
+                </a:highlight>
+              </a:rPr>
+              <a:t>max</a:t>
+            </a:r>
+            <a:r>
+              <a:rPr lang="en-US" sz="1800" b="1" dirty="0">
+                <a:solidFill>
+                  <a:srgbClr val="000080"/>
+                </a:solidFill>
+                <a:highlight>
+                  <a:srgbClr val="FFFFFF"/>
+                </a:highlight>
+              </a:rPr>
+              <a:t>(),</a:t>
+            </a:r>
+            <a:r>
+              <a:rPr lang="en-US" sz="1800" b="0" dirty="0">
+                <a:solidFill>
+                  <a:srgbClr val="000000"/>
+                </a:solidFill>
+                <a:highlight>
+                  <a:srgbClr val="FFFFFF"/>
+                </a:highlight>
+              </a:rPr>
+              <a:t> </a:t>
+            </a:r>
+            <a:r>
+              <a:rPr lang="en-US" sz="1800" b="0" dirty="0" err="1">
+                <a:solidFill>
+                  <a:srgbClr val="000000"/>
+                </a:solidFill>
+                <a:highlight>
+                  <a:srgbClr val="FFFFFF"/>
+                </a:highlight>
+              </a:rPr>
+              <a:t>fare</a:t>
+            </a:r>
+            <a:r>
+              <a:rPr lang="en-US" sz="1800" b="1" dirty="0" err="1">
+                <a:solidFill>
+                  <a:srgbClr val="000080"/>
+                </a:solidFill>
+                <a:highlight>
+                  <a:srgbClr val="FFFFFF"/>
+                </a:highlight>
+              </a:rPr>
+              <a:t>.</a:t>
+            </a:r>
+            <a:r>
+              <a:rPr lang="en-US" sz="1800" b="0" i="0" dirty="0" err="1">
+                <a:solidFill>
+                  <a:srgbClr val="FF8000"/>
+                </a:solidFill>
+                <a:highlight>
+                  <a:srgbClr val="FFFFFF"/>
+                </a:highlight>
+              </a:rPr>
+              <a:t>std</a:t>
+            </a:r>
+            <a:r>
+              <a:rPr lang="en-US" sz="1800" b="1" i="0" dirty="0">
+                <a:solidFill>
+                  <a:srgbClr val="000080"/>
+                </a:solidFill>
+                <a:highlight>
+                  <a:srgbClr val="FFFFFF"/>
+                </a:highlight>
+              </a:rPr>
+              <a:t>()))</a:t>
+            </a:r>
+          </a:p>
+          <a:p>
+            <a:pPr marL="0" indent="0">
+              <a:buNone/>
+            </a:pPr>
+            <a:r>
+              <a:rPr lang="en-US" sz="1800" b="1" dirty="0">
+                <a:solidFill>
+                  <a:schemeClr val="tx1">
+                    <a:lumMod val="50000"/>
+                    <a:lumOff val="50000"/>
+                  </a:schemeClr>
+                </a:solidFill>
+                <a:highlight>
+                  <a:srgbClr val="FFFFFF"/>
+                </a:highlight>
+              </a:rPr>
+              <a:t>&gt;&gt; fare: min 0.000  max  512.329 </a:t>
+            </a:r>
+            <a:r>
+              <a:rPr lang="en-US" sz="1800" b="1" dirty="0" err="1">
+                <a:solidFill>
+                  <a:schemeClr val="tx1">
+                    <a:lumMod val="50000"/>
+                    <a:lumOff val="50000"/>
+                  </a:schemeClr>
+                </a:solidFill>
+                <a:highlight>
+                  <a:srgbClr val="FFFFFF"/>
+                </a:highlight>
+              </a:rPr>
+              <a:t>écart</a:t>
+            </a:r>
+            <a:r>
+              <a:rPr lang="en-US" sz="1800" b="1" dirty="0">
+                <a:solidFill>
+                  <a:schemeClr val="tx1">
+                    <a:lumMod val="50000"/>
+                    <a:lumOff val="50000"/>
+                  </a:schemeClr>
+                </a:solidFill>
+                <a:highlight>
+                  <a:srgbClr val="FFFFFF"/>
+                </a:highlight>
+              </a:rPr>
+              <a:t>-type  49.666</a:t>
+            </a:r>
+            <a:endParaRPr lang="fr-FR" sz="1800" dirty="0">
+              <a:solidFill>
+                <a:schemeClr val="tx1">
+                  <a:lumMod val="50000"/>
+                  <a:lumOff val="50000"/>
+                </a:schemeClr>
+              </a:solidFill>
+            </a:endParaRPr>
+          </a:p>
+          <a:p>
+            <a:pPr marL="0" indent="0">
+              <a:buNone/>
+            </a:pPr>
+            <a:endParaRPr lang="fr-FR" sz="1800" i="1" dirty="0">
+              <a:solidFill>
+                <a:schemeClr val="tx1">
+                  <a:lumMod val="50000"/>
+                  <a:lumOff val="50000"/>
+                </a:schemeClr>
+              </a:solidFill>
+            </a:endParaRPr>
+          </a:p>
+          <a:p>
+            <a:pPr marL="0" indent="0">
+              <a:buNone/>
+            </a:pPr>
+            <a:r>
+              <a:rPr lang="fr-FR" sz="1800" u="sng" dirty="0">
+                <a:solidFill>
+                  <a:schemeClr val="tx1">
+                    <a:lumMod val="50000"/>
+                    <a:lumOff val="50000"/>
+                  </a:schemeClr>
+                </a:solidFill>
+              </a:rPr>
+              <a:t>Corrélation</a:t>
+            </a:r>
+            <a:r>
+              <a:rPr lang="fr-FR" sz="1800" dirty="0">
+                <a:solidFill>
+                  <a:schemeClr val="tx1">
+                    <a:lumMod val="50000"/>
+                    <a:lumOff val="50000"/>
+                  </a:schemeClr>
+                </a:solidFill>
+              </a:rPr>
+              <a:t> :</a:t>
+            </a:r>
+          </a:p>
+          <a:p>
+            <a:pPr marL="0" indent="0">
+              <a:buNone/>
+            </a:pPr>
+            <a:r>
+              <a:rPr lang="fr-FR" sz="1800" dirty="0">
+                <a:solidFill>
+                  <a:schemeClr val="tx1">
+                    <a:lumMod val="50000"/>
+                    <a:lumOff val="50000"/>
+                  </a:schemeClr>
+                </a:solidFill>
+              </a:rPr>
+              <a:t>Forte corrélation négative entre « </a:t>
+            </a:r>
+            <a:r>
+              <a:rPr lang="fr-FR" sz="1800" dirty="0" err="1">
+                <a:solidFill>
+                  <a:schemeClr val="tx1">
+                    <a:lumMod val="50000"/>
+                    <a:lumOff val="50000"/>
+                  </a:schemeClr>
+                </a:solidFill>
+              </a:rPr>
+              <a:t>cabin_class</a:t>
+            </a:r>
+            <a:r>
+              <a:rPr lang="fr-FR" sz="1800" dirty="0">
+                <a:solidFill>
+                  <a:schemeClr val="tx1">
+                    <a:lumMod val="50000"/>
+                    <a:lumOff val="50000"/>
+                  </a:schemeClr>
+                </a:solidFill>
+              </a:rPr>
+              <a:t> » et « </a:t>
+            </a:r>
+            <a:r>
+              <a:rPr lang="fr-FR" sz="1800" dirty="0" err="1">
+                <a:solidFill>
+                  <a:schemeClr val="tx1">
+                    <a:lumMod val="50000"/>
+                    <a:lumOff val="50000"/>
+                  </a:schemeClr>
+                </a:solidFill>
+              </a:rPr>
+              <a:t>survived</a:t>
+            </a:r>
+            <a:r>
+              <a:rPr lang="fr-FR" sz="1800" dirty="0">
+                <a:solidFill>
+                  <a:schemeClr val="tx1">
+                    <a:lumMod val="50000"/>
+                    <a:lumOff val="50000"/>
+                  </a:schemeClr>
+                </a:solidFill>
+              </a:rPr>
+              <a:t> »,</a:t>
+            </a:r>
+          </a:p>
+          <a:p>
+            <a:pPr marL="0" indent="0">
+              <a:buNone/>
+            </a:pPr>
+            <a:r>
+              <a:rPr lang="fr-FR" sz="1800" dirty="0">
+                <a:solidFill>
+                  <a:schemeClr val="tx1">
+                    <a:lumMod val="50000"/>
+                    <a:lumOff val="50000"/>
+                  </a:schemeClr>
+                </a:solidFill>
+              </a:rPr>
+              <a:t>i.e. les passagers de 1</a:t>
+            </a:r>
+            <a:r>
+              <a:rPr lang="fr-FR" sz="1800" baseline="30000" dirty="0">
+                <a:solidFill>
+                  <a:schemeClr val="tx1">
+                    <a:lumMod val="50000"/>
+                    <a:lumOff val="50000"/>
+                  </a:schemeClr>
+                </a:solidFill>
+              </a:rPr>
+              <a:t>ère</a:t>
+            </a:r>
+            <a:r>
+              <a:rPr lang="fr-FR" sz="1800" dirty="0">
+                <a:solidFill>
+                  <a:schemeClr val="tx1">
+                    <a:lumMod val="50000"/>
+                    <a:lumOff val="50000"/>
+                  </a:schemeClr>
+                </a:solidFill>
+              </a:rPr>
+              <a:t> classe ont plus de chance de survie que</a:t>
+            </a:r>
+          </a:p>
+          <a:p>
+            <a:pPr marL="0" indent="0">
+              <a:buNone/>
+            </a:pPr>
+            <a:r>
+              <a:rPr lang="fr-FR" sz="1800" dirty="0">
+                <a:solidFill>
+                  <a:schemeClr val="tx1">
+                    <a:lumMod val="50000"/>
+                    <a:lumOff val="50000"/>
+                  </a:schemeClr>
+                </a:solidFill>
+              </a:rPr>
+              <a:t>ceux en 3</a:t>
+            </a:r>
+            <a:r>
+              <a:rPr lang="fr-FR" sz="1800" baseline="30000" dirty="0">
+                <a:solidFill>
+                  <a:schemeClr val="tx1">
+                    <a:lumMod val="50000"/>
+                    <a:lumOff val="50000"/>
+                  </a:schemeClr>
+                </a:solidFill>
+              </a:rPr>
+              <a:t>ème</a:t>
+            </a:r>
+            <a:r>
+              <a:rPr lang="fr-FR" sz="1800" dirty="0">
+                <a:solidFill>
+                  <a:schemeClr val="tx1">
+                    <a:lumMod val="50000"/>
+                    <a:lumOff val="50000"/>
+                  </a:schemeClr>
+                </a:solidFill>
+              </a:rPr>
+              <a:t> classe.</a:t>
+            </a:r>
+          </a:p>
+          <a:p>
+            <a:pPr marL="457200" lvl="1" indent="0">
+              <a:buNone/>
+            </a:pPr>
+            <a:endParaRPr lang="fr-FR" sz="1400" dirty="0"/>
+          </a:p>
+        </p:txBody>
+      </p:sp>
+      <p:pic>
+        <p:nvPicPr>
+          <p:cNvPr id="6" name="Image 5">
+            <a:extLst>
+              <a:ext uri="{FF2B5EF4-FFF2-40B4-BE49-F238E27FC236}">
+                <a16:creationId xmlns:a16="http://schemas.microsoft.com/office/drawing/2014/main" id="{7F036493-50F8-4E9C-A172-9AAC990D534B}"/>
+              </a:ext>
+            </a:extLst>
+          </p:cNvPr>
+          <p:cNvPicPr>
+            <a:picLocks noChangeAspect="1"/>
+          </p:cNvPicPr>
+          <p:nvPr/>
+        </p:nvPicPr>
+        <p:blipFill>
+          <a:blip r:embed="rId2"/>
+          <a:stretch>
+            <a:fillRect/>
+          </a:stretch>
+        </p:blipFill>
+        <p:spPr>
+          <a:xfrm>
+            <a:off x="6814987" y="364227"/>
+            <a:ext cx="4369924" cy="3064773"/>
+          </a:xfrm>
+          <a:prstGeom prst="rect">
+            <a:avLst/>
+          </a:prstGeom>
+        </p:spPr>
+      </p:pic>
+      <p:pic>
+        <p:nvPicPr>
+          <p:cNvPr id="9" name="Image 8">
+            <a:extLst>
+              <a:ext uri="{FF2B5EF4-FFF2-40B4-BE49-F238E27FC236}">
+                <a16:creationId xmlns:a16="http://schemas.microsoft.com/office/drawing/2014/main" id="{8C1EEA9A-474B-4D55-91E1-A7B976AD587A}"/>
+              </a:ext>
+            </a:extLst>
+          </p:cNvPr>
+          <p:cNvPicPr>
+            <a:picLocks noChangeAspect="1"/>
+          </p:cNvPicPr>
+          <p:nvPr/>
+        </p:nvPicPr>
+        <p:blipFill>
+          <a:blip r:embed="rId3"/>
+          <a:stretch>
+            <a:fillRect/>
+          </a:stretch>
+        </p:blipFill>
+        <p:spPr>
+          <a:xfrm>
+            <a:off x="7246997" y="3794448"/>
+            <a:ext cx="3937914" cy="2901621"/>
+          </a:xfrm>
+          <a:prstGeom prst="rect">
+            <a:avLst/>
+          </a:prstGeom>
+        </p:spPr>
+      </p:pic>
+    </p:spTree>
+    <p:extLst>
+      <p:ext uri="{BB962C8B-B14F-4D97-AF65-F5344CB8AC3E}">
+        <p14:creationId xmlns:p14="http://schemas.microsoft.com/office/powerpoint/2010/main" val="2110040714"/>
+      </p:ext>
+    </p:extLst>
+  </p:cSld>
+  <p:clrMapOvr>
+    <a:masterClrMapping/>
+  </p:clrMapOvr>
+</p:sld>
+</file>
+
+<file path=ppt/slides/slide31.xml><?xml version="1.0" encoding="utf-8"?>
+<p:sld xmlns:a="http://schemas.openxmlformats.org/drawingml/2006/main" xmlns:r="http://schemas.openxmlformats.org/officeDocument/2006/relationships" xmlns:p="http://schemas.openxmlformats.org/presentationml/2006/main">
+  <p:cSld>
+    <p:spTree>
+      <p:nvGrpSpPr>
+        <p:cNvPr id="1" name=""/>
+        <p:cNvGrpSpPr/>
+        <p:nvPr/>
+      </p:nvGrpSpPr>
+      <p:grpSpPr>
+        <a:xfrm>
+          <a:off x="0" y="0"/>
+          <a:ext cx="0" cy="0"/>
+          <a:chOff x="0" y="0"/>
+          <a:chExt cx="0" cy="0"/>
+        </a:xfrm>
+      </p:grpSpPr>
+      <p:sp>
+        <p:nvSpPr>
+          <p:cNvPr id="3" name="Espace réservé du contenu 2">
+            <a:extLst>
+              <a:ext uri="{FF2B5EF4-FFF2-40B4-BE49-F238E27FC236}">
+                <a16:creationId xmlns:a16="http://schemas.microsoft.com/office/drawing/2014/main" id="{B59E77B8-2D75-472C-B76C-ABDDE0CAFCD5}"/>
+              </a:ext>
+            </a:extLst>
+          </p:cNvPr>
+          <p:cNvSpPr>
+            <a:spLocks noGrp="1"/>
+          </p:cNvSpPr>
+          <p:nvPr>
+            <p:ph idx="1"/>
+          </p:nvPr>
+        </p:nvSpPr>
+        <p:spPr>
+          <a:xfrm>
+            <a:off x="537750" y="424853"/>
+            <a:ext cx="10839994" cy="6021978"/>
+          </a:xfrm>
+        </p:spPr>
+        <p:txBody>
+          <a:bodyPr>
+            <a:normAutofit/>
+          </a:bodyPr>
+          <a:lstStyle/>
+          <a:p>
+            <a:pPr marL="0" indent="0">
+              <a:buNone/>
+            </a:pPr>
+            <a:endParaRPr lang="fr-FR" sz="2000" u="sng" dirty="0">
+              <a:solidFill>
+                <a:schemeClr val="tx1">
+                  <a:lumMod val="50000"/>
+                  <a:lumOff val="50000"/>
+                </a:schemeClr>
+              </a:solidFill>
+            </a:endParaRPr>
+          </a:p>
+          <a:p>
+            <a:pPr marL="0" indent="0">
+              <a:buNone/>
+            </a:pPr>
+            <a:r>
+              <a:rPr lang="fr-FR" sz="1800" u="sng" dirty="0">
+                <a:solidFill>
+                  <a:schemeClr val="tx1">
+                    <a:lumMod val="50000"/>
+                    <a:lumOff val="50000"/>
+                  </a:schemeClr>
+                </a:solidFill>
+              </a:rPr>
+              <a:t>Pré-traitement des données:</a:t>
+            </a:r>
+          </a:p>
+          <a:p>
+            <a:pPr marL="0" indent="0">
+              <a:buNone/>
+            </a:pPr>
+            <a:r>
+              <a:rPr lang="fr-FR" sz="1800" b="1" dirty="0">
+                <a:solidFill>
+                  <a:schemeClr val="tx1">
+                    <a:lumMod val="50000"/>
+                    <a:lumOff val="50000"/>
+                  </a:schemeClr>
+                </a:solidFill>
+              </a:rPr>
+              <a:t>Normalisation</a:t>
+            </a:r>
+            <a:r>
+              <a:rPr lang="fr-FR" sz="1800" dirty="0">
+                <a:solidFill>
+                  <a:schemeClr val="tx1">
+                    <a:lumMod val="50000"/>
+                    <a:lumOff val="50000"/>
+                  </a:schemeClr>
+                </a:solidFill>
+              </a:rPr>
+              <a:t> de « </a:t>
+            </a:r>
+            <a:r>
+              <a:rPr lang="fr-FR" sz="1800" dirty="0" err="1">
+                <a:solidFill>
+                  <a:schemeClr val="tx1">
+                    <a:lumMod val="50000"/>
+                    <a:lumOff val="50000"/>
+                  </a:schemeClr>
+                </a:solidFill>
+              </a:rPr>
+              <a:t>fare</a:t>
+            </a:r>
+            <a:r>
+              <a:rPr lang="fr-FR" sz="1800" dirty="0">
+                <a:solidFill>
+                  <a:schemeClr val="tx1">
+                    <a:lumMod val="50000"/>
+                    <a:lumOff val="50000"/>
+                  </a:schemeClr>
+                </a:solidFill>
+              </a:rPr>
+              <a:t> » (valeur numérique). </a:t>
+            </a:r>
+          </a:p>
+          <a:p>
+            <a:pPr marL="0" indent="0">
+              <a:buNone/>
+            </a:pPr>
+            <a:r>
+              <a:rPr lang="fr-FR" sz="1800" b="1" dirty="0">
+                <a:solidFill>
+                  <a:schemeClr val="tx1">
+                    <a:lumMod val="50000"/>
+                    <a:lumOff val="50000"/>
+                  </a:schemeClr>
+                </a:solidFill>
+              </a:rPr>
+              <a:t>Encodage </a:t>
+            </a:r>
+            <a:r>
+              <a:rPr lang="fr-FR" sz="1800" b="1" i="1" dirty="0" err="1">
+                <a:solidFill>
+                  <a:schemeClr val="tx1">
+                    <a:lumMod val="50000"/>
+                    <a:lumOff val="50000"/>
+                  </a:schemeClr>
+                </a:solidFill>
+              </a:rPr>
+              <a:t>one-hot</a:t>
+            </a:r>
+            <a:r>
+              <a:rPr lang="fr-FR" sz="1800" i="1" dirty="0">
+                <a:solidFill>
+                  <a:schemeClr val="tx1">
+                    <a:lumMod val="50000"/>
+                    <a:lumOff val="50000"/>
+                  </a:schemeClr>
+                </a:solidFill>
+              </a:rPr>
+              <a:t> </a:t>
+            </a:r>
+            <a:r>
+              <a:rPr lang="fr-FR" sz="1800" dirty="0">
+                <a:solidFill>
+                  <a:schemeClr val="tx1">
+                    <a:lumMod val="50000"/>
+                    <a:lumOff val="50000"/>
+                  </a:schemeClr>
+                </a:solidFill>
+              </a:rPr>
+              <a:t>de « </a:t>
+            </a:r>
+            <a:r>
+              <a:rPr lang="fr-FR" sz="1800" dirty="0" err="1">
+                <a:solidFill>
+                  <a:schemeClr val="tx1">
+                    <a:lumMod val="50000"/>
+                    <a:lumOff val="50000"/>
+                  </a:schemeClr>
+                </a:solidFill>
+              </a:rPr>
+              <a:t>p_id</a:t>
+            </a:r>
+            <a:r>
+              <a:rPr lang="fr-FR" sz="1800" dirty="0">
+                <a:solidFill>
+                  <a:schemeClr val="tx1">
+                    <a:lumMod val="50000"/>
+                    <a:lumOff val="50000"/>
+                  </a:schemeClr>
+                </a:solidFill>
+              </a:rPr>
+              <a:t> », « </a:t>
+            </a:r>
+            <a:r>
+              <a:rPr lang="fr-FR" sz="1800" dirty="0" err="1">
+                <a:solidFill>
+                  <a:schemeClr val="tx1">
+                    <a:lumMod val="50000"/>
+                    <a:lumOff val="50000"/>
+                  </a:schemeClr>
+                </a:solidFill>
+              </a:rPr>
+              <a:t>cabin_class</a:t>
+            </a:r>
+            <a:r>
+              <a:rPr lang="fr-FR" sz="1800" dirty="0">
+                <a:solidFill>
+                  <a:schemeClr val="tx1">
+                    <a:lumMod val="50000"/>
+                    <a:lumOff val="50000"/>
+                  </a:schemeClr>
+                </a:solidFill>
+              </a:rPr>
+              <a:t> » et « </a:t>
+            </a:r>
+            <a:r>
+              <a:rPr lang="fr-FR" sz="1800" dirty="0" err="1">
+                <a:solidFill>
+                  <a:schemeClr val="tx1">
+                    <a:lumMod val="50000"/>
+                    <a:lumOff val="50000"/>
+                  </a:schemeClr>
+                </a:solidFill>
+              </a:rPr>
+              <a:t>female</a:t>
+            </a:r>
+            <a:r>
+              <a:rPr lang="fr-FR" sz="1800" dirty="0">
+                <a:solidFill>
+                  <a:schemeClr val="tx1">
+                    <a:lumMod val="50000"/>
+                    <a:lumOff val="50000"/>
+                  </a:schemeClr>
+                </a:solidFill>
+              </a:rPr>
+              <a:t> » (classes).</a:t>
+            </a:r>
+          </a:p>
+          <a:p>
+            <a:pPr marL="0" indent="0">
+              <a:buNone/>
+            </a:pPr>
+            <a:r>
+              <a:rPr lang="fr-FR" sz="1800" dirty="0">
+                <a:solidFill>
+                  <a:schemeClr val="tx1">
+                    <a:lumMod val="50000"/>
+                    <a:lumOff val="50000"/>
+                  </a:schemeClr>
+                </a:solidFill>
+              </a:rPr>
+              <a:t>Il est préférable d’</a:t>
+            </a:r>
+            <a:r>
+              <a:rPr lang="fr-FR" sz="1800" b="1" dirty="0">
+                <a:solidFill>
+                  <a:schemeClr val="tx1">
+                    <a:lumMod val="50000"/>
+                    <a:lumOff val="50000"/>
+                  </a:schemeClr>
+                </a:solidFill>
+              </a:rPr>
+              <a:t>éliminer l’entrée non pertinente</a:t>
+            </a:r>
+            <a:r>
+              <a:rPr lang="fr-FR" sz="1800" dirty="0">
+                <a:solidFill>
+                  <a:schemeClr val="tx1">
+                    <a:lumMod val="50000"/>
+                    <a:lumOff val="50000"/>
+                  </a:schemeClr>
+                </a:solidFill>
+              </a:rPr>
+              <a:t> « </a:t>
+            </a:r>
+            <a:r>
+              <a:rPr lang="fr-FR" sz="1800" dirty="0" err="1">
+                <a:solidFill>
+                  <a:schemeClr val="tx1">
+                    <a:lumMod val="50000"/>
+                    <a:lumOff val="50000"/>
+                  </a:schemeClr>
+                </a:solidFill>
+              </a:rPr>
+              <a:t>p_id</a:t>
+            </a:r>
+            <a:r>
+              <a:rPr lang="fr-FR" sz="1800" dirty="0">
+                <a:solidFill>
+                  <a:schemeClr val="tx1">
+                    <a:lumMod val="50000"/>
+                    <a:lumOff val="50000"/>
+                  </a:schemeClr>
+                </a:solidFill>
+              </a:rPr>
+              <a:t> » : n’a pas de lien avec ce qu’on cherche à prédire (ce que confirme l’analyse de corrélation). Au contraire cette entrée peut : </a:t>
+            </a:r>
+          </a:p>
+          <a:p>
+            <a:pPr lvl="1"/>
+            <a:r>
+              <a:rPr lang="fr-FR" sz="1800" dirty="0">
+                <a:solidFill>
+                  <a:schemeClr val="tx1">
+                    <a:lumMod val="50000"/>
+                    <a:lumOff val="50000"/>
+                  </a:schemeClr>
+                </a:solidFill>
+              </a:rPr>
+              <a:t>Complexifier le modèle (plus d’entrées impliquent plus de paramètres).</a:t>
+            </a:r>
+          </a:p>
+          <a:p>
+            <a:pPr lvl="1"/>
+            <a:r>
+              <a:rPr lang="fr-FR" sz="1800" dirty="0">
+                <a:solidFill>
+                  <a:schemeClr val="tx1">
+                    <a:lumMod val="50000"/>
+                    <a:lumOff val="50000"/>
+                  </a:schemeClr>
+                </a:solidFill>
+              </a:rPr>
+              <a:t>Favoriser le sur-apprentissage (en apprenant une relation causale qui n’existe pas).</a:t>
+            </a:r>
+          </a:p>
+          <a:p>
+            <a:pPr marL="0" indent="0">
+              <a:buNone/>
+            </a:pPr>
+            <a:r>
+              <a:rPr lang="fr-FR" sz="1800" b="1" dirty="0">
+                <a:solidFill>
+                  <a:schemeClr val="tx1">
+                    <a:lumMod val="50000"/>
+                    <a:lumOff val="50000"/>
+                  </a:schemeClr>
+                </a:solidFill>
+              </a:rPr>
+              <a:t>Remarque</a:t>
+            </a:r>
+            <a:r>
+              <a:rPr lang="fr-FR" sz="1800" dirty="0">
+                <a:solidFill>
+                  <a:schemeClr val="tx1">
+                    <a:lumMod val="50000"/>
+                    <a:lumOff val="50000"/>
+                  </a:schemeClr>
+                </a:solidFill>
+              </a:rPr>
+              <a:t> : puisque les passagers sont identifiés par un nombre unique, « </a:t>
+            </a:r>
+            <a:r>
+              <a:rPr lang="fr-FR" sz="1800" dirty="0" err="1">
+                <a:solidFill>
+                  <a:schemeClr val="tx1">
+                    <a:lumMod val="50000"/>
+                    <a:lumOff val="50000"/>
+                  </a:schemeClr>
+                </a:solidFill>
+              </a:rPr>
+              <a:t>p_id</a:t>
+            </a:r>
+            <a:r>
+              <a:rPr lang="fr-FR" sz="1800" dirty="0">
+                <a:solidFill>
+                  <a:schemeClr val="tx1">
+                    <a:lumMod val="50000"/>
+                    <a:lumOff val="50000"/>
+                  </a:schemeClr>
+                </a:solidFill>
+              </a:rPr>
+              <a:t> » il est possible d’apprendre à prédire de façon parfaite, sur les données d’entraînement, si un passager à survécu seulement avec cette entrée. Mais sur de nouvelles données, la prédiction sera totalement aléatoire (cas extrême de surapprentissage).</a:t>
+            </a:r>
+          </a:p>
+          <a:p>
+            <a:pPr marL="0" indent="0">
+              <a:buNone/>
+            </a:pPr>
+            <a:endParaRPr lang="fr-FR" sz="1800" u="sng" dirty="0">
+              <a:solidFill>
+                <a:schemeClr val="tx1">
+                  <a:lumMod val="50000"/>
+                  <a:lumOff val="50000"/>
+                </a:schemeClr>
+              </a:solidFill>
+            </a:endParaRPr>
+          </a:p>
+        </p:txBody>
+      </p:sp>
+    </p:spTree>
+    <p:extLst>
+      <p:ext uri="{BB962C8B-B14F-4D97-AF65-F5344CB8AC3E}">
+        <p14:creationId xmlns:p14="http://schemas.microsoft.com/office/powerpoint/2010/main" val="1424037570"/>
+      </p:ext>
+    </p:extLst>
+  </p:cSld>
+  <p:clrMapOvr>
+    <a:masterClrMapping/>
+  </p:clrMapOvr>
+</p:sld>
+</file>
+
+<file path=ppt/slides/slide32.xml><?xml version="1.0" encoding="utf-8"?>
 <p:sld xmlns:a="http://schemas.openxmlformats.org/drawingml/2006/main" xmlns:r="http://schemas.openxmlformats.org/officeDocument/2006/relationships" xmlns:p="http://schemas.openxmlformats.org/presentationml/2006/main">
   <p:cSld>
     <p:spTree>
@@ -20535,7 +24713,7 @@
 </p:sld>
 </file>
 
-<file path=ppt/slides/slide29.xml><?xml version="1.0" encoding="utf-8"?>
+<file path=ppt/slides/slide33.xml><?xml version="1.0" encoding="utf-8"?>
 <p:sld xmlns:a="http://schemas.openxmlformats.org/drawingml/2006/main" xmlns:r="http://schemas.openxmlformats.org/officeDocument/2006/relationships" xmlns:p="http://schemas.openxmlformats.org/presentationml/2006/main">
   <p:cSld>
     <p:spTree>
@@ -25541,101 +29719,7 @@
 </p:sld>
 </file>
 
-<file path=ppt/slides/slide3.xml><?xml version="1.0" encoding="utf-8"?>
-<p:sld xmlns:a="http://schemas.openxmlformats.org/drawingml/2006/main" xmlns:r="http://schemas.openxmlformats.org/officeDocument/2006/relationships" xmlns:p="http://schemas.openxmlformats.org/presentationml/2006/main">
-  <p:cSld>
-    <p:spTree>
-      <p:nvGrpSpPr>
-        <p:cNvPr id="1" name=""/>
-        <p:cNvGrpSpPr/>
-        <p:nvPr/>
-      </p:nvGrpSpPr>
-      <p:grpSpPr>
-        <a:xfrm>
-          <a:off x="0" y="0"/>
-          <a:ext cx="0" cy="0"/>
-          <a:chOff x="0" y="0"/>
-          <a:chExt cx="0" cy="0"/>
-        </a:xfrm>
-      </p:grpSpPr>
-      <p:sp>
-        <p:nvSpPr>
-          <p:cNvPr id="7" name="Titre 6">
-            <a:extLst>
-              <a:ext uri="{FF2B5EF4-FFF2-40B4-BE49-F238E27FC236}">
-                <a16:creationId xmlns:a16="http://schemas.microsoft.com/office/drawing/2014/main" id="{74661C02-29AB-46A2-A889-BEEEBBF4BB83}"/>
-              </a:ext>
-            </a:extLst>
-          </p:cNvPr>
-          <p:cNvSpPr>
-            <a:spLocks noGrp="1"/>
-          </p:cNvSpPr>
-          <p:nvPr>
-            <p:ph type="title"/>
-          </p:nvPr>
-        </p:nvSpPr>
-        <p:spPr/>
-        <p:txBody>
-          <a:bodyPr/>
-          <a:lstStyle/>
-          <a:p>
-            <a:r>
-              <a:rPr lang="fr-FR" dirty="0"/>
-              <a:t>1. Définir l’Intelligence Artificielle (IA)</a:t>
-            </a:r>
-          </a:p>
-        </p:txBody>
-      </p:sp>
-      <p:pic>
-        <p:nvPicPr>
-          <p:cNvPr id="12" name="Image 11">
-            <a:extLst>
-              <a:ext uri="{FF2B5EF4-FFF2-40B4-BE49-F238E27FC236}">
-                <a16:creationId xmlns:a16="http://schemas.microsoft.com/office/drawing/2014/main" id="{B09046FD-F459-41A7-8E9B-CD4E924CDA25}"/>
-              </a:ext>
-            </a:extLst>
-          </p:cNvPr>
-          <p:cNvPicPr>
-            <a:picLocks noChangeAspect="1"/>
-          </p:cNvPicPr>
-          <p:nvPr/>
-        </p:nvPicPr>
-        <p:blipFill>
-          <a:blip r:embed="rId2">
-            <a:extLst>
-              <a:ext uri="{28A0092B-C50C-407E-A947-70E740481C1C}">
-                <a14:useLocalDpi xmlns:a14="http://schemas.microsoft.com/office/drawing/2010/main" val="0"/>
-              </a:ext>
-            </a:extLst>
-          </a:blip>
-          <a:stretch>
-            <a:fillRect/>
-          </a:stretch>
-        </p:blipFill>
-        <p:spPr>
-          <a:xfrm>
-            <a:off x="3725092" y="2011680"/>
-            <a:ext cx="3657600" cy="3657600"/>
-          </a:xfrm>
-          <a:prstGeom prst="rect">
-            <a:avLst/>
-          </a:prstGeom>
-        </p:spPr>
-      </p:pic>
-    </p:spTree>
-    <p:extLst>
-      <p:ext uri="{BB962C8B-B14F-4D97-AF65-F5344CB8AC3E}">
-        <p14:creationId xmlns:p14="http://schemas.microsoft.com/office/powerpoint/2010/main" val="1318835050"/>
-      </p:ext>
-    </p:extLst>
-  </p:cSld>
-  <p:clrMapOvr>
-    <a:masterClrMapping/>
-  </p:clrMapOvr>
-</p:sld>
-</file>
-
-<file path=ppt/slides/slide30.xml><?xml version="1.0" encoding="utf-8"?>
+<file path=ppt/slides/slide34.xml><?xml version="1.0" encoding="utf-8"?>
 <p:sld xmlns:a="http://schemas.openxmlformats.org/drawingml/2006/main" xmlns:r="http://schemas.openxmlformats.org/officeDocument/2006/relationships" xmlns:p="http://schemas.openxmlformats.org/presentationml/2006/main">
   <p:cSld>
     <p:spTree>
@@ -26008,7 +30092,7 @@
 </p:sld>
 </file>
 
-<file path=ppt/slides/slide31.xml><?xml version="1.0" encoding="utf-8"?>
+<file path=ppt/slides/slide35.xml><?xml version="1.0" encoding="utf-8"?>
 <p:sld xmlns:a="http://schemas.openxmlformats.org/drawingml/2006/main" xmlns:r="http://schemas.openxmlformats.org/officeDocument/2006/relationships" xmlns:p="http://schemas.openxmlformats.org/presentationml/2006/main">
   <p:cSld>
     <p:spTree>
@@ -27518,7 +31602,7 @@
 </p:sld>
 </file>
 
-<file path=ppt/slides/slide32.xml><?xml version="1.0" encoding="utf-8"?>
+<file path=ppt/slides/slide36.xml><?xml version="1.0" encoding="utf-8"?>
 <p:sld xmlns:a="http://schemas.openxmlformats.org/drawingml/2006/main" xmlns:r="http://schemas.openxmlformats.org/officeDocument/2006/relationships" xmlns:p="http://schemas.openxmlformats.org/presentationml/2006/main">
   <p:cSld>
     <p:spTree>

--- a/Intelligence Artificielle et Analyse de donnees.pptx
+++ b/Intelligence Artificielle et Analyse de donnees.pptx
@@ -36,11 +36,12 @@
     <p:sldId id="293" r:id="rId30"/>
     <p:sldId id="295" r:id="rId31"/>
     <p:sldId id="296" r:id="rId32"/>
-    <p:sldId id="284" r:id="rId33"/>
-    <p:sldId id="285" r:id="rId34"/>
-    <p:sldId id="287" r:id="rId35"/>
-    <p:sldId id="288" r:id="rId36"/>
-    <p:sldId id="289" r:id="rId37"/>
+    <p:sldId id="299" r:id="rId33"/>
+    <p:sldId id="284" r:id="rId34"/>
+    <p:sldId id="285" r:id="rId35"/>
+    <p:sldId id="287" r:id="rId36"/>
+    <p:sldId id="288" r:id="rId37"/>
+    <p:sldId id="289" r:id="rId38"/>
   </p:sldIdLst>
   <p:sldSz cx="12192000" cy="6858000"/>
   <p:notesSz cx="6858000" cy="9144000"/>
@@ -305,7 +306,7 @@
           <a:p>
             <a:fld id="{6744C8BF-8EDA-4728-ABB9-9DEA91F7FC64}" type="datetimeFigureOut">
               <a:rPr lang="fr-FR" smtClean="0"/>
-              <a:t>31/01/2025</a:t>
+              <a:t>04/02/2025</a:t>
             </a:fld>
             <a:endParaRPr lang="fr-FR"/>
           </a:p>
@@ -503,7 +504,7 @@
           <a:p>
             <a:fld id="{6744C8BF-8EDA-4728-ABB9-9DEA91F7FC64}" type="datetimeFigureOut">
               <a:rPr lang="fr-FR" smtClean="0"/>
-              <a:t>31/01/2025</a:t>
+              <a:t>04/02/2025</a:t>
             </a:fld>
             <a:endParaRPr lang="fr-FR"/>
           </a:p>
@@ -711,7 +712,7 @@
           <a:p>
             <a:fld id="{6744C8BF-8EDA-4728-ABB9-9DEA91F7FC64}" type="datetimeFigureOut">
               <a:rPr lang="fr-FR" smtClean="0"/>
-              <a:t>31/01/2025</a:t>
+              <a:t>04/02/2025</a:t>
             </a:fld>
             <a:endParaRPr lang="fr-FR"/>
           </a:p>
@@ -909,7 +910,7 @@
           <a:p>
             <a:fld id="{6744C8BF-8EDA-4728-ABB9-9DEA91F7FC64}" type="datetimeFigureOut">
               <a:rPr lang="fr-FR" smtClean="0"/>
-              <a:t>31/01/2025</a:t>
+              <a:t>04/02/2025</a:t>
             </a:fld>
             <a:endParaRPr lang="fr-FR"/>
           </a:p>
@@ -1184,7 +1185,7 @@
           <a:p>
             <a:fld id="{6744C8BF-8EDA-4728-ABB9-9DEA91F7FC64}" type="datetimeFigureOut">
               <a:rPr lang="fr-FR" smtClean="0"/>
-              <a:t>31/01/2025</a:t>
+              <a:t>04/02/2025</a:t>
             </a:fld>
             <a:endParaRPr lang="fr-FR"/>
           </a:p>
@@ -1449,7 +1450,7 @@
           <a:p>
             <a:fld id="{6744C8BF-8EDA-4728-ABB9-9DEA91F7FC64}" type="datetimeFigureOut">
               <a:rPr lang="fr-FR" smtClean="0"/>
-              <a:t>31/01/2025</a:t>
+              <a:t>04/02/2025</a:t>
             </a:fld>
             <a:endParaRPr lang="fr-FR"/>
           </a:p>
@@ -1861,7 +1862,7 @@
           <a:p>
             <a:fld id="{6744C8BF-8EDA-4728-ABB9-9DEA91F7FC64}" type="datetimeFigureOut">
               <a:rPr lang="fr-FR" smtClean="0"/>
-              <a:t>31/01/2025</a:t>
+              <a:t>04/02/2025</a:t>
             </a:fld>
             <a:endParaRPr lang="fr-FR"/>
           </a:p>
@@ -2002,7 +2003,7 @@
           <a:p>
             <a:fld id="{6744C8BF-8EDA-4728-ABB9-9DEA91F7FC64}" type="datetimeFigureOut">
               <a:rPr lang="fr-FR" smtClean="0"/>
-              <a:t>31/01/2025</a:t>
+              <a:t>04/02/2025</a:t>
             </a:fld>
             <a:endParaRPr lang="fr-FR"/>
           </a:p>
@@ -2115,7 +2116,7 @@
           <a:p>
             <a:fld id="{6744C8BF-8EDA-4728-ABB9-9DEA91F7FC64}" type="datetimeFigureOut">
               <a:rPr lang="fr-FR" smtClean="0"/>
-              <a:t>31/01/2025</a:t>
+              <a:t>04/02/2025</a:t>
             </a:fld>
             <a:endParaRPr lang="fr-FR"/>
           </a:p>
@@ -2426,7 +2427,7 @@
           <a:p>
             <a:fld id="{6744C8BF-8EDA-4728-ABB9-9DEA91F7FC64}" type="datetimeFigureOut">
               <a:rPr lang="fr-FR" smtClean="0"/>
-              <a:t>31/01/2025</a:t>
+              <a:t>04/02/2025</a:t>
             </a:fld>
             <a:endParaRPr lang="fr-FR"/>
           </a:p>
@@ -2714,7 +2715,7 @@
           <a:p>
             <a:fld id="{6744C8BF-8EDA-4728-ABB9-9DEA91F7FC64}" type="datetimeFigureOut">
               <a:rPr lang="fr-FR" smtClean="0"/>
-              <a:t>31/01/2025</a:t>
+              <a:t>04/02/2025</a:t>
             </a:fld>
             <a:endParaRPr lang="fr-FR"/>
           </a:p>
@@ -2955,7 +2956,7 @@
           <a:p>
             <a:fld id="{6744C8BF-8EDA-4728-ABB9-9DEA91F7FC64}" type="datetimeFigureOut">
               <a:rPr lang="fr-FR" smtClean="0"/>
-              <a:t>31/01/2025</a:t>
+              <a:t>04/02/2025</a:t>
             </a:fld>
             <a:endParaRPr lang="fr-FR"/>
           </a:p>
@@ -18699,7 +18700,7 @@
             </p:nvSpPr>
             <p:spPr>
               <a:xfrm>
-                <a:off x="537750" y="424853"/>
+                <a:off x="528785" y="424853"/>
                 <a:ext cx="10839994" cy="6021978"/>
               </a:xfrm>
             </p:spPr>
@@ -18816,16 +18817,59 @@
                 </a:pPr>
                 <a:r>
                   <a:rPr lang="fr-FR" sz="2000" dirty="0"/>
-                  <a:t>La sortie du modèle est un vecteur de taille </a:t>
+                  <a:t>La sortie du modèle est un vecteur </a:t>
                 </a:r>
                 <a14:m>
                   <m:oMath xmlns:m="http://schemas.openxmlformats.org/officeDocument/2006/math">
+                    <m:acc>
+                      <m:accPr>
+                        <m:chr m:val="̂"/>
+                        <m:ctrlPr>
+                          <a:rPr lang="fr-FR" sz="2000" b="0" i="1" smtClean="0">
+                            <a:latin typeface="Cambria Math" panose="02040503050406030204" pitchFamily="18" charset="0"/>
+                          </a:rPr>
+                        </m:ctrlPr>
+                      </m:accPr>
+                      <m:e>
+                        <m:r>
+                          <a:rPr lang="fr-FR" sz="2000" b="0" i="1" smtClean="0">
+                            <a:latin typeface="Cambria Math" panose="02040503050406030204" pitchFamily="18" charset="0"/>
+                          </a:rPr>
+                          <m:t>𝑦</m:t>
+                        </m:r>
+                      </m:e>
+                    </m:acc>
                     <m:r>
-                      <a:rPr lang="fr-FR" sz="2000" b="0" i="1" smtClean="0">
+                      <a:rPr lang="fr-FR" sz="2400" b="0" i="1" dirty="0" smtClean="0">
                         <a:latin typeface="Cambria Math" panose="02040503050406030204" pitchFamily="18" charset="0"/>
                       </a:rPr>
-                      <m:t>𝐶</m:t>
+                      <m:t>∈</m:t>
                     </m:r>
+                    <m:sSup>
+                      <m:sSupPr>
+                        <m:ctrlPr>
+                          <a:rPr lang="fr-FR" sz="2400" b="0" i="1" dirty="0" smtClean="0">
+                            <a:latin typeface="Cambria Math" panose="02040503050406030204" pitchFamily="18" charset="0"/>
+                          </a:rPr>
+                        </m:ctrlPr>
+                      </m:sSupPr>
+                      <m:e>
+                        <m:r>
+                          <a:rPr lang="fr-FR" sz="2400" b="0" i="1" dirty="0" smtClean="0">
+                            <a:latin typeface="Cambria Math" panose="02040503050406030204" pitchFamily="18" charset="0"/>
+                          </a:rPr>
+                          <m:t>ℝ</m:t>
+                        </m:r>
+                      </m:e>
+                      <m:sup>
+                        <m:r>
+                          <a:rPr lang="fr-FR" sz="2400" b="0" i="1" dirty="0" smtClean="0">
+                            <a:latin typeface="Cambria Math" panose="02040503050406030204" pitchFamily="18" charset="0"/>
+                          </a:rPr>
+                          <m:t>𝐶</m:t>
+                        </m:r>
+                      </m:sup>
+                    </m:sSup>
                   </m:oMath>
                 </a14:m>
                 <a:r>
@@ -18852,12 +18896,24 @@
                         </m:ctrlPr>
                       </m:sSubPr>
                       <m:e>
-                        <m:r>
-                          <a:rPr lang="fr-FR" sz="2000" b="0" i="1" smtClean="0">
-                            <a:latin typeface="Cambria Math" panose="02040503050406030204" pitchFamily="18" charset="0"/>
-                          </a:rPr>
-                          <m:t>𝑦</m:t>
-                        </m:r>
+                        <m:acc>
+                          <m:accPr>
+                            <m:chr m:val="̂"/>
+                            <m:ctrlPr>
+                              <a:rPr lang="fr-FR" sz="2000" b="0" i="1" smtClean="0">
+                                <a:latin typeface="Cambria Math" panose="02040503050406030204" pitchFamily="18" charset="0"/>
+                              </a:rPr>
+                            </m:ctrlPr>
+                          </m:accPr>
+                          <m:e>
+                            <m:r>
+                              <a:rPr lang="fr-FR" sz="2000" b="0" i="1" smtClean="0">
+                                <a:latin typeface="Cambria Math" panose="02040503050406030204" pitchFamily="18" charset="0"/>
+                              </a:rPr>
+                              <m:t>𝑦</m:t>
+                            </m:r>
+                          </m:e>
+                        </m:acc>
                       </m:e>
                       <m:sub>
                         <m:r>
@@ -18876,49 +18932,54 @@
                 </a:r>
                 <a14:m>
                   <m:oMath xmlns:m="http://schemas.openxmlformats.org/officeDocument/2006/math">
-                    <m:r>
-                      <a:rPr lang="fr-FR" sz="2000" b="0" i="1" smtClean="0">
-                        <a:latin typeface="Cambria Math" panose="02040503050406030204" pitchFamily="18" charset="0"/>
-                      </a:rPr>
-                      <m:t>𝑃</m:t>
-                    </m:r>
-                    <m:d>
-                      <m:dPr>
+                    <m:acc>
+                      <m:accPr>
+                        <m:chr m:val="̂"/>
                         <m:ctrlPr>
                           <a:rPr lang="fr-FR" sz="2000" b="0" i="1" smtClean="0">
                             <a:latin typeface="Cambria Math" panose="02040503050406030204" pitchFamily="18" charset="0"/>
                           </a:rPr>
                         </m:ctrlPr>
-                      </m:dPr>
+                      </m:accPr>
                       <m:e>
                         <m:r>
                           <a:rPr lang="fr-FR" sz="2000" b="0" i="1" smtClean="0">
                             <a:latin typeface="Cambria Math" panose="02040503050406030204" pitchFamily="18" charset="0"/>
                           </a:rPr>
-                          <m:t>𝑦</m:t>
-                        </m:r>
-                        <m:r>
-                          <a:rPr lang="fr-FR" sz="2000" b="0" i="1" smtClean="0">
-                            <a:latin typeface="Cambria Math" panose="02040503050406030204" pitchFamily="18" charset="0"/>
-                          </a:rPr>
-                          <m:t>=</m:t>
-                        </m:r>
-                        <m:r>
-                          <a:rPr lang="fr-FR" sz="2000" b="0" i="1" smtClean="0">
-                            <a:latin typeface="Cambria Math" panose="02040503050406030204" pitchFamily="18" charset="0"/>
-                          </a:rPr>
-                          <m:t>𝑖</m:t>
+                          <m:t>𝑃</m:t>
                         </m:r>
                       </m:e>
-                      <m:e>
-                        <m:r>
-                          <a:rPr lang="fr-FR" sz="2000" b="0" i="1" smtClean="0">
-                            <a:latin typeface="Cambria Math" panose="02040503050406030204" pitchFamily="18" charset="0"/>
-                          </a:rPr>
-                          <m:t>𝑥</m:t>
-                        </m:r>
-                      </m:e>
-                    </m:d>
+                    </m:acc>
+                    <m:r>
+                      <a:rPr lang="fr-FR" sz="2400" b="0" i="1" dirty="0" smtClean="0">
+                        <a:latin typeface="Cambria Math" panose="02040503050406030204" pitchFamily="18" charset="0"/>
+                      </a:rPr>
+                      <m:t>(</m:t>
+                    </m:r>
+                    <m:r>
+                      <a:rPr lang="fr-FR" sz="2400" b="0" i="1" dirty="0" smtClean="0">
+                        <a:latin typeface="Cambria Math" panose="02040503050406030204" pitchFamily="18" charset="0"/>
+                      </a:rPr>
+                      <m:t>𝑖</m:t>
+                    </m:r>
+                    <m:r>
+                      <a:rPr lang="fr-FR" sz="2400" b="0" i="1" dirty="0" smtClean="0">
+                        <a:latin typeface="Cambria Math" panose="02040503050406030204" pitchFamily="18" charset="0"/>
+                      </a:rPr>
+                      <m:t>|</m:t>
+                    </m:r>
+                    <m:r>
+                      <a:rPr lang="fr-FR" sz="2400" b="0" i="1" dirty="0" smtClean="0">
+                        <a:latin typeface="Cambria Math" panose="02040503050406030204" pitchFamily="18" charset="0"/>
+                      </a:rPr>
+                      <m:t>𝑥</m:t>
+                    </m:r>
+                    <m:r>
+                      <a:rPr lang="fr-FR" sz="2400" b="0" i="1" dirty="0" smtClean="0">
+                        <a:latin typeface="Cambria Math" panose="02040503050406030204" pitchFamily="18" charset="0"/>
+                      </a:rPr>
+                      <m:t>)</m:t>
+                    </m:r>
                     <m:r>
                       <a:rPr lang="fr-FR" sz="2000" b="0" i="1" smtClean="0">
                         <a:latin typeface="Cambria Math" panose="02040503050406030204" pitchFamily="18" charset="0"/>
@@ -18947,7 +19008,7 @@
                               <m:rPr>
                                 <m:sty m:val="p"/>
                               </m:rPr>
-                              <a:rPr lang="fr-FR" sz="2000" b="0" i="0" smtClean="0">
+                              <a:rPr lang="fr-FR" sz="2000" b="0" smtClean="0">
                                 <a:latin typeface="Cambria Math" panose="02040503050406030204" pitchFamily="18" charset="0"/>
                               </a:rPr>
                               <m:t>exp</m:t>
@@ -18972,12 +19033,24 @@
                                     </m:ctrlPr>
                                   </m:sSubPr>
                                   <m:e>
-                                    <m:r>
-                                      <a:rPr lang="fr-FR" sz="2000" b="0" i="1" smtClean="0">
-                                        <a:latin typeface="Cambria Math" panose="02040503050406030204" pitchFamily="18" charset="0"/>
-                                      </a:rPr>
-                                      <m:t>𝑦</m:t>
-                                    </m:r>
+                                    <m:acc>
+                                      <m:accPr>
+                                        <m:chr m:val="̂"/>
+                                        <m:ctrlPr>
+                                          <a:rPr lang="fr-FR" sz="2000" b="0" i="1" smtClean="0">
+                                            <a:latin typeface="Cambria Math" panose="02040503050406030204" pitchFamily="18" charset="0"/>
+                                          </a:rPr>
+                                        </m:ctrlPr>
+                                      </m:accPr>
+                                      <m:e>
+                                        <m:r>
+                                          <a:rPr lang="fr-FR" sz="2000" b="0" i="1" smtClean="0">
+                                            <a:latin typeface="Cambria Math" panose="02040503050406030204" pitchFamily="18" charset="0"/>
+                                          </a:rPr>
+                                          <m:t>𝑦</m:t>
+                                        </m:r>
+                                      </m:e>
+                                    </m:acc>
                                   </m:e>
                                   <m:sub>
                                     <m:r>
@@ -19011,7 +19084,7 @@
                               <m:t>𝑐</m:t>
                             </m:r>
                             <m:r>
-                              <a:rPr lang="fr-FR" sz="2000" i="1">
+                              <a:rPr lang="fr-FR" sz="2000" i="1" smtClean="0">
                                 <a:latin typeface="Cambria Math" panose="02040503050406030204" pitchFamily="18" charset="0"/>
                               </a:rPr>
                               <m:t>=1</m:t>
@@ -19030,7 +19103,7 @@
                               <m:rPr>
                                 <m:sty m:val="p"/>
                               </m:rPr>
-                              <a:rPr lang="fr-FR" sz="2000" b="0" i="0" smtClean="0">
+                              <a:rPr lang="fr-FR" sz="2000" b="0" smtClean="0">
                                 <a:latin typeface="Cambria Math" panose="02040503050406030204" pitchFamily="18" charset="0"/>
                               </a:rPr>
                               <m:t>exp</m:t>
@@ -19050,12 +19123,24 @@
                                 </m:ctrlPr>
                               </m:sSubPr>
                               <m:e>
-                                <m:r>
-                                  <a:rPr lang="fr-FR" sz="2000" b="0" i="1" smtClean="0">
-                                    <a:latin typeface="Cambria Math" panose="02040503050406030204" pitchFamily="18" charset="0"/>
-                                  </a:rPr>
-                                  <m:t>𝑦</m:t>
-                                </m:r>
+                                <m:acc>
+                                  <m:accPr>
+                                    <m:chr m:val="̂"/>
+                                    <m:ctrlPr>
+                                      <a:rPr lang="fr-FR" sz="2000" b="0" i="1" smtClean="0">
+                                        <a:latin typeface="Cambria Math" panose="02040503050406030204" pitchFamily="18" charset="0"/>
+                                      </a:rPr>
+                                    </m:ctrlPr>
+                                  </m:accPr>
+                                  <m:e>
+                                    <m:r>
+                                      <a:rPr lang="fr-FR" sz="2000" b="0" i="1" smtClean="0">
+                                        <a:latin typeface="Cambria Math" panose="02040503050406030204" pitchFamily="18" charset="0"/>
+                                      </a:rPr>
+                                      <m:t>𝑦</m:t>
+                                    </m:r>
+                                  </m:e>
+                                </m:acc>
                               </m:e>
                               <m:sub>
                                 <m:r>
@@ -19099,58 +19184,57 @@
                 </a:r>
                 <a:r>
                   <a:rPr lang="fr-FR" sz="2000" dirty="0"/>
-                  <a:t> : on peut vérifier qu’il s’agit d’une loi de proba: </a:t>
+                  <a:t> : on vérifie qu’il s’agit d’une loi de proba : </a:t>
                 </a:r>
                 <a14:m>
                   <m:oMath xmlns:m="http://schemas.openxmlformats.org/officeDocument/2006/math">
-                    <m:r>
-                      <a:rPr lang="fr-FR" sz="2000" b="0" i="1" smtClean="0">
-                        <a:latin typeface="Cambria Math" panose="02040503050406030204" pitchFamily="18" charset="0"/>
-                      </a:rPr>
-                      <m:t>𝑃</m:t>
-                    </m:r>
-                    <m:d>
-                      <m:dPr>
+                    <m:acc>
+                      <m:accPr>
+                        <m:chr m:val="̂"/>
                         <m:ctrlPr>
-                          <a:rPr lang="fr-FR" sz="2000" b="0" i="1" smtClean="0">
+                          <a:rPr lang="fr-FR" sz="1800" i="1">
                             <a:latin typeface="Cambria Math" panose="02040503050406030204" pitchFamily="18" charset="0"/>
                           </a:rPr>
                         </m:ctrlPr>
-                      </m:dPr>
+                      </m:accPr>
                       <m:e>
                         <m:r>
-                          <a:rPr lang="fr-FR" sz="2000" b="0" i="1" smtClean="0">
+                          <a:rPr lang="fr-FR" sz="1800" i="1" smtClean="0">
                             <a:latin typeface="Cambria Math" panose="02040503050406030204" pitchFamily="18" charset="0"/>
                           </a:rPr>
-                          <m:t>𝑦</m:t>
-                        </m:r>
-                        <m:r>
-                          <a:rPr lang="fr-FR" sz="2000" b="0" i="1" smtClean="0">
-                            <a:latin typeface="Cambria Math" panose="02040503050406030204" pitchFamily="18" charset="0"/>
-                          </a:rPr>
-                          <m:t>=</m:t>
-                        </m:r>
-                        <m:r>
-                          <a:rPr lang="fr-FR" sz="2000" b="0" i="1" smtClean="0">
-                            <a:latin typeface="Cambria Math" panose="02040503050406030204" pitchFamily="18" charset="0"/>
-                          </a:rPr>
-                          <m:t>𝑖</m:t>
+                          <m:t>𝑃</m:t>
                         </m:r>
                       </m:e>
-                      <m:e>
-                        <m:r>
-                          <a:rPr lang="fr-FR" sz="2000" b="0" i="1" smtClean="0">
-                            <a:latin typeface="Cambria Math" panose="02040503050406030204" pitchFamily="18" charset="0"/>
-                          </a:rPr>
-                          <m:t>𝑥</m:t>
-                        </m:r>
-                      </m:e>
-                    </m:d>
+                    </m:acc>
                     <m:r>
-                      <a:rPr lang="fr-FR" sz="2000" b="0" i="1" smtClean="0">
+                      <a:rPr lang="fr-FR" sz="2000" i="1" dirty="0" smtClean="0">
                         <a:latin typeface="Cambria Math" panose="02040503050406030204" pitchFamily="18" charset="0"/>
                       </a:rPr>
-                      <m:t>&gt;0</m:t>
+                      <m:t>(</m:t>
+                    </m:r>
+                    <m:r>
+                      <a:rPr lang="fr-FR" sz="2000" i="1" dirty="0" smtClean="0">
+                        <a:latin typeface="Cambria Math" panose="02040503050406030204" pitchFamily="18" charset="0"/>
+                      </a:rPr>
+                      <m:t>𝑖</m:t>
+                    </m:r>
+                    <m:r>
+                      <a:rPr lang="fr-FR" sz="2000" i="1" dirty="0" smtClean="0">
+                        <a:latin typeface="Cambria Math" panose="02040503050406030204" pitchFamily="18" charset="0"/>
+                      </a:rPr>
+                      <m:t>|</m:t>
+                    </m:r>
+                    <m:r>
+                      <a:rPr lang="fr-FR" sz="2000" i="1" dirty="0" smtClean="0">
+                        <a:latin typeface="Cambria Math" panose="02040503050406030204" pitchFamily="18" charset="0"/>
+                      </a:rPr>
+                      <m:t>𝑥</m:t>
+                    </m:r>
+                    <m:r>
+                      <a:rPr lang="fr-FR" sz="2000" i="1" dirty="0" smtClean="0">
+                        <a:latin typeface="Cambria Math" panose="02040503050406030204" pitchFamily="18" charset="0"/>
+                      </a:rPr>
+                      <m:t>)&gt;0</m:t>
                     </m:r>
                   </m:oMath>
                 </a14:m>
@@ -19199,49 +19283,54 @@
                         </m:r>
                       </m:sup>
                       <m:e>
-                        <m:r>
-                          <a:rPr lang="fr-FR" sz="2000" i="1">
-                            <a:latin typeface="Cambria Math" panose="02040503050406030204" pitchFamily="18" charset="0"/>
-                          </a:rPr>
-                          <m:t>𝑃</m:t>
-                        </m:r>
-                        <m:d>
-                          <m:dPr>
+                        <m:acc>
+                          <m:accPr>
+                            <m:chr m:val="̂"/>
                             <m:ctrlPr>
-                              <a:rPr lang="fr-FR" sz="2000" i="1">
+                              <a:rPr lang="fr-FR" sz="1800" i="1">
                                 <a:latin typeface="Cambria Math" panose="02040503050406030204" pitchFamily="18" charset="0"/>
                               </a:rPr>
                             </m:ctrlPr>
-                          </m:dPr>
+                          </m:accPr>
                           <m:e>
                             <m:r>
-                              <a:rPr lang="fr-FR" sz="2000" i="1">
+                              <a:rPr lang="fr-FR" sz="1800" i="1" smtClean="0">
                                 <a:latin typeface="Cambria Math" panose="02040503050406030204" pitchFamily="18" charset="0"/>
                               </a:rPr>
-                              <m:t>𝑦</m:t>
-                            </m:r>
-                            <m:r>
-                              <a:rPr lang="fr-FR" sz="2000" i="1">
-                                <a:latin typeface="Cambria Math" panose="02040503050406030204" pitchFamily="18" charset="0"/>
-                              </a:rPr>
-                              <m:t>=</m:t>
-                            </m:r>
-                            <m:r>
-                              <a:rPr lang="fr-FR" sz="2000" i="1">
-                                <a:latin typeface="Cambria Math" panose="02040503050406030204" pitchFamily="18" charset="0"/>
-                              </a:rPr>
-                              <m:t>𝑖</m:t>
+                              <m:t>𝑃</m:t>
                             </m:r>
                           </m:e>
-                          <m:e>
-                            <m:r>
-                              <a:rPr lang="fr-FR" sz="2000" i="1">
-                                <a:latin typeface="Cambria Math" panose="02040503050406030204" pitchFamily="18" charset="0"/>
-                              </a:rPr>
-                              <m:t>𝑥</m:t>
-                            </m:r>
-                          </m:e>
-                        </m:d>
+                        </m:acc>
+                        <m:r>
+                          <a:rPr lang="fr-FR" sz="2000" i="1" dirty="0" smtClean="0">
+                            <a:latin typeface="Cambria Math" panose="02040503050406030204" pitchFamily="18" charset="0"/>
+                          </a:rPr>
+                          <m:t>(</m:t>
+                        </m:r>
+                        <m:r>
+                          <a:rPr lang="fr-FR" sz="2000" i="1" dirty="0" smtClean="0">
+                            <a:latin typeface="Cambria Math" panose="02040503050406030204" pitchFamily="18" charset="0"/>
+                          </a:rPr>
+                          <m:t>𝑖</m:t>
+                        </m:r>
+                        <m:r>
+                          <a:rPr lang="fr-FR" sz="2000" i="1" dirty="0" smtClean="0">
+                            <a:latin typeface="Cambria Math" panose="02040503050406030204" pitchFamily="18" charset="0"/>
+                          </a:rPr>
+                          <m:t>|</m:t>
+                        </m:r>
+                        <m:r>
+                          <a:rPr lang="fr-FR" sz="2000" i="1" dirty="0" smtClean="0">
+                            <a:latin typeface="Cambria Math" panose="02040503050406030204" pitchFamily="18" charset="0"/>
+                          </a:rPr>
+                          <m:t>𝑥</m:t>
+                        </m:r>
+                        <m:r>
+                          <a:rPr lang="fr-FR" sz="2000" i="1" dirty="0" smtClean="0">
+                            <a:latin typeface="Cambria Math" panose="02040503050406030204" pitchFamily="18" charset="0"/>
+                          </a:rPr>
+                          <m:t>) </m:t>
+                        </m:r>
                       </m:e>
                     </m:nary>
                     <m:r>
@@ -19268,26 +19357,185 @@
                   <a:buNone/>
                 </a:pPr>
                 <a:r>
-                  <a:rPr lang="fr-FR" sz="2000" u="sng" dirty="0">
-                    <a:solidFill>
-                      <a:srgbClr val="FF0000"/>
-                    </a:solidFill>
-                  </a:rPr>
-                  <a:t>Fonction coût</a:t>
-                </a:r>
-                <a:r>
-                  <a:rPr lang="fr-FR" sz="2000" dirty="0">
-                    <a:solidFill>
-                      <a:srgbClr val="FF0000"/>
-                    </a:solidFill>
-                  </a:rPr>
-                  <a:t> :</a:t>
+                  <a:rPr lang="fr-FR" sz="2000" u="sng" dirty="0"/>
+                  <a:t>Fonction coût (</a:t>
+                </a:r>
+                <a:r>
+                  <a:rPr lang="fr-FR" sz="2000" b="1" i="1" u="sng" dirty="0"/>
+                  <a:t>cross </a:t>
+                </a:r>
+                <a:r>
+                  <a:rPr lang="fr-FR" sz="2000" b="1" i="1" u="sng" dirty="0" err="1"/>
+                  <a:t>entropy</a:t>
+                </a:r>
+                <a:r>
+                  <a:rPr lang="fr-FR" sz="2000" u="sng" dirty="0"/>
+                  <a:t>)</a:t>
+                </a:r>
+                <a:r>
+                  <a:rPr lang="fr-FR" sz="2000" dirty="0"/>
+                  <a:t> : Soit </a:t>
+                </a:r>
+                <a14:m>
+                  <m:oMath xmlns:m="http://schemas.openxmlformats.org/officeDocument/2006/math">
+                    <m:r>
+                      <m:rPr>
+                        <m:sty m:val="p"/>
+                      </m:rPr>
+                      <a:rPr lang="fr-FR" sz="2000" b="0" smtClean="0">
+                        <a:latin typeface="Cambria Math" panose="02040503050406030204" pitchFamily="18" charset="0"/>
+                      </a:rPr>
+                      <m:t>y</m:t>
+                    </m:r>
+                    <m:r>
+                      <a:rPr lang="fr-FR" sz="2000" b="0" smtClean="0">
+                        <a:latin typeface="Cambria Math" panose="02040503050406030204" pitchFamily="18" charset="0"/>
+                      </a:rPr>
+                      <m:t>=</m:t>
+                    </m:r>
+                    <m:r>
+                      <a:rPr lang="fr-FR" sz="2000" b="0" i="1" smtClean="0">
+                        <a:latin typeface="Cambria Math" panose="02040503050406030204" pitchFamily="18" charset="0"/>
+                      </a:rPr>
+                      <m:t>𝑐</m:t>
+                    </m:r>
+                  </m:oMath>
+                </a14:m>
+                <a:r>
+                  <a:rPr lang="fr-FR" sz="2000" dirty="0"/>
+                  <a:t> pour l’entrée </a:t>
+                </a:r>
+                <a14:m>
+                  <m:oMath xmlns:m="http://schemas.openxmlformats.org/officeDocument/2006/math">
+                    <m:r>
+                      <a:rPr lang="fr-FR" sz="2000" i="1" dirty="0" smtClean="0">
+                        <a:latin typeface="Cambria Math" panose="02040503050406030204" pitchFamily="18" charset="0"/>
+                      </a:rPr>
+                      <m:t>𝑥</m:t>
+                    </m:r>
+                  </m:oMath>
+                </a14:m>
+                <a:r>
+                  <a:rPr lang="fr-FR" sz="2000" dirty="0"/>
+                  <a:t> (i.e. la </a:t>
+                </a:r>
+                <a:r>
+                  <a:rPr lang="fr-FR" sz="2000" i="1" dirty="0"/>
+                  <a:t>vraie</a:t>
+                </a:r>
+                <a:r>
+                  <a:rPr lang="fr-FR" sz="2000" dirty="0"/>
+                  <a:t> classe est </a:t>
+                </a:r>
+                <a14:m>
+                  <m:oMath xmlns:m="http://schemas.openxmlformats.org/officeDocument/2006/math">
+                    <m:r>
+                      <a:rPr lang="fr-FR" sz="2000" b="0" i="1" smtClean="0">
+                        <a:latin typeface="Cambria Math" panose="02040503050406030204" pitchFamily="18" charset="0"/>
+                      </a:rPr>
+                      <m:t>𝑐</m:t>
+                    </m:r>
+                  </m:oMath>
+                </a14:m>
+                <a:r>
+                  <a:rPr lang="fr-FR" sz="2000" dirty="0"/>
+                  <a:t>), alors </a:t>
                 </a:r>
               </a:p>
               <a:p>
                 <a:pPr marL="0" indent="0">
                   <a:buNone/>
                 </a:pPr>
+                <a14:m>
+                  <m:oMathPara xmlns:m="http://schemas.openxmlformats.org/officeDocument/2006/math">
+                    <m:oMathParaPr>
+                      <m:jc m:val="centerGroup"/>
+                    </m:oMathParaPr>
+                    <m:oMath xmlns:m="http://schemas.openxmlformats.org/officeDocument/2006/math">
+                      <m:r>
+                        <a:rPr lang="fr-FR" sz="2000" b="0" i="1" smtClean="0">
+                          <a:latin typeface="Cambria Math" panose="02040503050406030204" pitchFamily="18" charset="0"/>
+                        </a:rPr>
+                        <m:t>𝐿</m:t>
+                      </m:r>
+                      <m:r>
+                        <a:rPr lang="fr-FR" sz="2000" b="0" i="1" smtClean="0">
+                          <a:latin typeface="Cambria Math" panose="02040503050406030204" pitchFamily="18" charset="0"/>
+                        </a:rPr>
+                        <m:t>=−</m:t>
+                      </m:r>
+                      <m:func>
+                        <m:funcPr>
+                          <m:ctrlPr>
+                            <a:rPr lang="fr-FR" sz="2000" b="0" i="1" smtClean="0">
+                              <a:latin typeface="Cambria Math" panose="02040503050406030204" pitchFamily="18" charset="0"/>
+                            </a:rPr>
+                          </m:ctrlPr>
+                        </m:funcPr>
+                        <m:fName>
+                          <m:r>
+                            <m:rPr>
+                              <m:sty m:val="p"/>
+                            </m:rPr>
+                            <a:rPr lang="fr-FR" sz="2000" b="0" smtClean="0">
+                              <a:latin typeface="Cambria Math" panose="02040503050406030204" pitchFamily="18" charset="0"/>
+                            </a:rPr>
+                            <m:t>log</m:t>
+                          </m:r>
+                        </m:fName>
+                        <m:e>
+                          <m:acc>
+                            <m:accPr>
+                              <m:chr m:val="̂"/>
+                              <m:ctrlPr>
+                                <a:rPr lang="fr-FR" sz="2000" i="1">
+                                  <a:latin typeface="Cambria Math" panose="02040503050406030204" pitchFamily="18" charset="0"/>
+                                </a:rPr>
+                              </m:ctrlPr>
+                            </m:accPr>
+                            <m:e>
+                              <m:r>
+                                <a:rPr lang="fr-FR" sz="2000" i="1" smtClean="0">
+                                  <a:latin typeface="Cambria Math" panose="02040503050406030204" pitchFamily="18" charset="0"/>
+                                </a:rPr>
+                                <m:t>𝑃</m:t>
+                              </m:r>
+                            </m:e>
+                          </m:acc>
+                          <m:d>
+                            <m:dPr>
+                              <m:ctrlPr>
+                                <a:rPr lang="fr-FR" sz="2400" i="1" dirty="0">
+                                  <a:latin typeface="Cambria Math" panose="02040503050406030204" pitchFamily="18" charset="0"/>
+                                </a:rPr>
+                              </m:ctrlPr>
+                            </m:dPr>
+                            <m:e>
+                              <m:r>
+                                <a:rPr lang="fr-FR" sz="2400" b="0" i="1" dirty="0" smtClean="0">
+                                  <a:latin typeface="Cambria Math" panose="02040503050406030204" pitchFamily="18" charset="0"/>
+                                </a:rPr>
+                                <m:t>𝑐</m:t>
+                              </m:r>
+                              <m:r>
+                                <a:rPr lang="fr-FR" sz="2400" b="0" i="1" dirty="0" smtClean="0">
+                                  <a:latin typeface="Cambria Math" panose="02040503050406030204" pitchFamily="18" charset="0"/>
+                                </a:rPr>
+                                <m:t>|</m:t>
+                              </m:r>
+                              <m:r>
+                                <a:rPr lang="fr-FR" sz="2400" b="0" i="1" dirty="0" smtClean="0">
+                                  <a:latin typeface="Cambria Math" panose="02040503050406030204" pitchFamily="18" charset="0"/>
+                                </a:rPr>
+                                <m:t>𝑥</m:t>
+                              </m:r>
+                            </m:e>
+                          </m:d>
+                        </m:e>
+                      </m:func>
+                    </m:oMath>
+                  </m:oMathPara>
+                </a14:m>
                 <a:endParaRPr lang="fr-FR" sz="2000" dirty="0">
                   <a:solidFill>
                     <a:srgbClr val="FF0000"/>
@@ -19347,13 +19595,13 @@
             </p:nvSpPr>
             <p:spPr>
               <a:xfrm>
-                <a:off x="537750" y="424853"/>
+                <a:off x="528785" y="424853"/>
                 <a:ext cx="10839994" cy="6021978"/>
               </a:xfrm>
               <a:blipFill>
                 <a:blip r:embed="rId2"/>
                 <a:stretch>
-                  <a:fillRect l="-844" t="-1417"/>
+                  <a:fillRect l="-900" t="-1417"/>
                 </a:stretch>
               </a:blipFill>
             </p:spPr>
@@ -19408,8 +19656,8 @@
               </p:nvSpPr>
               <p:spPr>
                 <a:xfrm>
-                  <a:off x="4871088" y="2289428"/>
-                  <a:ext cx="492571" cy="400110"/>
+                  <a:off x="4893477" y="2289428"/>
+                  <a:ext cx="447792" cy="400110"/>
                 </a:xfrm>
                 <a:prstGeom prst="rect">
                   <a:avLst/>
@@ -19438,12 +19686,24 @@
                             </m:ctrlPr>
                           </m:sSubPr>
                           <m:e>
-                            <m:r>
-                              <a:rPr lang="fr-FR" sz="2000" b="0" i="1" smtClean="0">
-                                <a:latin typeface="Cambria Math" panose="02040503050406030204" pitchFamily="18" charset="0"/>
-                              </a:rPr>
-                              <m:t>𝑦</m:t>
-                            </m:r>
+                            <m:acc>
+                              <m:accPr>
+                                <m:chr m:val="̂"/>
+                                <m:ctrlPr>
+                                  <a:rPr lang="fr-FR" sz="2000" b="0" i="1" smtClean="0">
+                                    <a:latin typeface="Cambria Math" panose="02040503050406030204" pitchFamily="18" charset="0"/>
+                                  </a:rPr>
+                                </m:ctrlPr>
+                              </m:accPr>
+                              <m:e>
+                                <m:r>
+                                  <a:rPr lang="fr-FR" sz="2000" i="1">
+                                    <a:latin typeface="Cambria Math" panose="02040503050406030204" pitchFamily="18" charset="0"/>
+                                  </a:rPr>
+                                  <m:t>𝑦</m:t>
+                                </m:r>
+                              </m:e>
+                            </m:acc>
                           </m:e>
                           <m:sub>
                             <m:r>
@@ -19479,8 +19739,8 @@
               </p:nvSpPr>
               <p:spPr>
                 <a:xfrm>
-                  <a:off x="4871088" y="2289428"/>
-                  <a:ext cx="492571" cy="400110"/>
+                  <a:off x="4893477" y="2289428"/>
+                  <a:ext cx="447792" cy="400110"/>
                 </a:xfrm>
                 <a:prstGeom prst="rect">
                   <a:avLst/>
@@ -19488,7 +19748,7 @@
                 <a:blipFill>
                   <a:blip r:embed="rId3"/>
                   <a:stretch>
-                    <a:fillRect b="-6061"/>
+                    <a:fillRect t="-6061" r="-10811" b="-6061"/>
                   </a:stretch>
                 </a:blipFill>
               </p:spPr>
@@ -19636,8 +19896,8 @@
             </a:fontRef>
           </p:style>
         </p:cxnSp>
-        <mc:AlternateContent xmlns:mc="http://schemas.openxmlformats.org/markup-compatibility/2006">
-          <mc:Choice xmlns:a14="http://schemas.microsoft.com/office/drawing/2010/main" Requires="a14">
+        <mc:AlternateContent xmlns:mc="http://schemas.openxmlformats.org/markup-compatibility/2006" xmlns:a14="http://schemas.microsoft.com/office/drawing/2010/main">
+          <mc:Choice Requires="a14">
             <p:sp>
               <p:nvSpPr>
                 <p:cNvPr id="12" name="ZoneTexte 11">
@@ -19687,7 +19947,7 @@
               </p:txBody>
             </p:sp>
           </mc:Choice>
-          <mc:Fallback>
+          <mc:Fallback xmlns="">
             <p:sp>
               <p:nvSpPr>
                 <p:cNvPr id="12" name="ZoneTexte 11">
@@ -19778,12 +20038,24 @@
                             </m:ctrlPr>
                           </m:sSubPr>
                           <m:e>
-                            <m:r>
-                              <a:rPr lang="fr-FR" sz="2000" b="0" i="1" smtClean="0">
-                                <a:latin typeface="Cambria Math" panose="02040503050406030204" pitchFamily="18" charset="0"/>
-                              </a:rPr>
-                              <m:t>𝑦</m:t>
-                            </m:r>
+                            <m:acc>
+                              <m:accPr>
+                                <m:chr m:val="̂"/>
+                                <m:ctrlPr>
+                                  <a:rPr lang="fr-FR" sz="2000" b="0" i="1" smtClean="0">
+                                    <a:latin typeface="Cambria Math" panose="02040503050406030204" pitchFamily="18" charset="0"/>
+                                  </a:rPr>
+                                </m:ctrlPr>
+                              </m:accPr>
+                              <m:e>
+                                <m:r>
+                                  <a:rPr lang="fr-FR" sz="2000" b="0" i="1" smtClean="0">
+                                    <a:latin typeface="Cambria Math" panose="02040503050406030204" pitchFamily="18" charset="0"/>
+                                  </a:rPr>
+                                  <m:t>𝑦</m:t>
+                                </m:r>
+                              </m:e>
+                            </m:acc>
                           </m:e>
                           <m:sub>
                             <m:r>
@@ -19828,7 +20100,7 @@
                 <a:blipFill>
                   <a:blip r:embed="rId5"/>
                   <a:stretch>
-                    <a:fillRect b="-7576"/>
+                    <a:fillRect t="-6061" r="-15663" b="-7576"/>
                   </a:stretch>
                 </a:blipFill>
               </p:spPr>
@@ -19886,8 +20158,8 @@
             </a:fontRef>
           </p:style>
         </p:cxnSp>
-        <mc:AlternateContent xmlns:mc="http://schemas.openxmlformats.org/markup-compatibility/2006">
-          <mc:Choice xmlns:a14="http://schemas.microsoft.com/office/drawing/2010/main" Requires="a14">
+        <mc:AlternateContent xmlns:mc="http://schemas.openxmlformats.org/markup-compatibility/2006" xmlns:a14="http://schemas.microsoft.com/office/drawing/2010/main">
+          <mc:Choice Requires="a14">
             <p:sp>
               <p:nvSpPr>
                 <p:cNvPr id="42" name="ZoneTexte 41">
@@ -19937,7 +20209,7 @@
               </p:txBody>
             </p:sp>
           </mc:Choice>
-          <mc:Fallback>
+          <mc:Fallback xmlns="">
             <p:sp>
               <p:nvSpPr>
                 <p:cNvPr id="42" name="ZoneTexte 41">
@@ -20728,7 +21000,7 @@
                 </a14:m>
                 <a:r>
                   <a:rPr lang="fr-FR" sz="1800" dirty="0"/>
-                  <a:t>la matrice est symétrique</a:t>
+                  <a:t>la matrice est symétrique.</a:t>
                 </a:r>
               </a:p>
               <a:p>
@@ -21214,7 +21486,7 @@
             </p:spPr>
             <p:txBody>
               <a:bodyPr>
-                <a:normAutofit/>
+                <a:normAutofit lnSpcReduction="10000"/>
               </a:bodyPr>
               <a:lstStyle/>
               <a:p>
@@ -21895,19 +22167,19 @@
                   <a:buNone/>
                 </a:pPr>
                 <a:r>
-                  <a:rPr lang="fr-FR" sz="1800" b="1" dirty="0" err="1"/>
+                  <a:rPr lang="fr-FR" sz="2000" b="1" dirty="0" err="1"/>
                   <a:t>One-hot</a:t>
                 </a:r>
                 <a:r>
-                  <a:rPr lang="fr-FR" sz="1800" b="1" dirty="0"/>
+                  <a:rPr lang="fr-FR" sz="2000" b="1" dirty="0"/>
                   <a:t> </a:t>
                 </a:r>
                 <a:r>
-                  <a:rPr lang="fr-FR" sz="1800" b="1" dirty="0" err="1"/>
+                  <a:rPr lang="fr-FR" sz="2000" b="1" dirty="0" err="1"/>
                   <a:t>encoding</a:t>
                 </a:r>
                 <a:r>
-                  <a:rPr lang="fr-FR" sz="1800" dirty="0"/>
+                  <a:rPr lang="fr-FR" sz="2000" dirty="0"/>
                   <a:t> (classes) : plutôt que de représenter la classe par un seul nombre entier, on représente par un vecteur de longueur le nombre de classe; le vecteur est alors formés de zéros et d’un seul 1.</a:t>
                 </a:r>
               </a:p>
@@ -21982,7 +22254,7 @@
               <a:blipFill>
                 <a:blip r:embed="rId2"/>
                 <a:stretch>
-                  <a:fillRect l="-562" t="-1113" r="-506"/>
+                  <a:fillRect l="-562" t="-1518" r="-1069"/>
                 </a:stretch>
               </a:blipFill>
             </p:spPr>
@@ -22031,8 +22303,8 @@
           <a:chExt cx="0" cy="0"/>
         </a:xfrm>
       </p:grpSpPr>
-      <mc:AlternateContent xmlns:mc="http://schemas.openxmlformats.org/markup-compatibility/2006">
-        <mc:Choice xmlns:a14="http://schemas.microsoft.com/office/drawing/2010/main" Requires="a14">
+      <mc:AlternateContent xmlns:mc="http://schemas.openxmlformats.org/markup-compatibility/2006" xmlns:a14="http://schemas.microsoft.com/office/drawing/2010/main">
+        <mc:Choice Requires="a14">
           <p:sp>
             <p:nvSpPr>
               <p:cNvPr id="3" name="Espace réservé du contenu 2">
@@ -22525,7 +22797,7 @@
             </p:txBody>
           </p:sp>
         </mc:Choice>
-        <mc:Fallback>
+        <mc:Fallback xmlns="">
           <p:sp>
             <p:nvSpPr>
               <p:cNvPr id="3" name="Espace réservé du contenu 2">
@@ -22659,7 +22931,7 @@
                   </a:schemeClr>
                 </a:solidFill>
               </a:rPr>
-              <a:t> : pour 891 passagers, le prix de leur billet, leur genre</a:t>
+              <a:t> : pour 891 passagers, prix de leur billet, genre (H/F), </a:t>
             </a:r>
           </a:p>
           <a:p>
@@ -22675,7 +22947,7 @@
                   </a:schemeClr>
                 </a:solidFill>
               </a:rPr>
-              <a:t>(H/F), tarif de leur billet, classe de leur cabine, un identifiant et</a:t>
+              <a:t>tarif de leur billet, classe de leur cabine, un identifiant et</a:t>
             </a:r>
           </a:p>
           <a:p>
@@ -23340,6 +23612,17 @@
               <a:buNone/>
             </a:pPr>
             <a:r>
+              <a:rPr lang="fr-FR" sz="1800" u="sng" dirty="0">
+                <a:solidFill>
+                  <a:schemeClr val="tx1">
+                    <a:lumMod val="50000"/>
+                    <a:lumOff val="50000"/>
+                  </a:schemeClr>
+                </a:solidFill>
+              </a:rPr>
+              <a:t>Traçons</a:t>
+            </a:r>
+            <a:r>
               <a:rPr lang="fr-FR" sz="1800" dirty="0">
                 <a:solidFill>
                   <a:schemeClr val="tx1">
@@ -23348,7 +23631,7 @@
                   </a:schemeClr>
                 </a:solidFill>
               </a:rPr>
-              <a:t>Traçons les valeurs des champs « </a:t>
+              <a:t> les valeurs des champs « </a:t>
             </a:r>
             <a:r>
               <a:rPr lang="fr-FR" sz="1800" dirty="0" err="1">
@@ -23560,6 +23843,107 @@
               </a:rPr>
               <a:t>))</a:t>
             </a:r>
+          </a:p>
+          <a:p>
+            <a:pPr marL="0" indent="0">
+              <a:buNone/>
+            </a:pPr>
+            <a:r>
+              <a:rPr lang="fr-FR" sz="1800" u="sng" dirty="0">
+                <a:solidFill>
+                  <a:schemeClr val="tx1">
+                    <a:lumMod val="50000"/>
+                    <a:lumOff val="50000"/>
+                  </a:schemeClr>
+                </a:solidFill>
+              </a:rPr>
+              <a:t>Combien</a:t>
+            </a:r>
+            <a:r>
+              <a:rPr lang="fr-FR" sz="1800" dirty="0">
+                <a:solidFill>
+                  <a:schemeClr val="tx1">
+                    <a:lumMod val="50000"/>
+                    <a:lumOff val="50000"/>
+                  </a:schemeClr>
+                </a:solidFill>
+              </a:rPr>
+              <a:t> de passagers ont survécu ? </a:t>
+            </a:r>
+            <a:r>
+              <a:rPr lang="en-US" sz="1800" b="1" dirty="0">
+                <a:solidFill>
+                  <a:srgbClr val="880088"/>
+                </a:solidFill>
+                <a:highlight>
+                  <a:srgbClr val="FFFFFF"/>
+                </a:highlight>
+              </a:rPr>
+              <a:t>print</a:t>
+            </a:r>
+            <a:r>
+              <a:rPr lang="en-US" sz="1800" b="1" dirty="0">
+                <a:solidFill>
+                  <a:srgbClr val="000080"/>
+                </a:solidFill>
+                <a:highlight>
+                  <a:srgbClr val="FFFFFF"/>
+                </a:highlight>
+              </a:rPr>
+              <a:t>(</a:t>
+            </a:r>
+            <a:r>
+              <a:rPr lang="en-US" sz="1800" b="1" dirty="0">
+                <a:solidFill>
+                  <a:srgbClr val="880088"/>
+                </a:solidFill>
+                <a:highlight>
+                  <a:srgbClr val="FFFFFF"/>
+                </a:highlight>
+              </a:rPr>
+              <a:t>sum</a:t>
+            </a:r>
+            <a:r>
+              <a:rPr lang="en-US" sz="1800" b="1" dirty="0">
+                <a:solidFill>
+                  <a:srgbClr val="000080"/>
+                </a:solidFill>
+                <a:highlight>
+                  <a:srgbClr val="FFFFFF"/>
+                </a:highlight>
+              </a:rPr>
+              <a:t>(</a:t>
+            </a:r>
+            <a:r>
+              <a:rPr lang="en-US" sz="1800" b="0" dirty="0">
+                <a:solidFill>
+                  <a:srgbClr val="000000"/>
+                </a:solidFill>
+                <a:highlight>
+                  <a:srgbClr val="FFFFFF"/>
+                </a:highlight>
+              </a:rPr>
+              <a:t>survived</a:t>
+            </a:r>
+            <a:r>
+              <a:rPr lang="en-US" sz="1800" b="1" dirty="0">
+                <a:solidFill>
+                  <a:srgbClr val="000080"/>
+                </a:solidFill>
+                <a:highlight>
+                  <a:srgbClr val="FFFFFF"/>
+                </a:highlight>
+              </a:rPr>
+              <a:t>))</a:t>
+            </a:r>
+            <a:endParaRPr lang="fr-FR" sz="1800" u="sng" dirty="0">
+              <a:solidFill>
+                <a:schemeClr val="tx1">
+                  <a:lumMod val="50000"/>
+                  <a:lumOff val="50000"/>
+                </a:schemeClr>
+              </a:solidFill>
+            </a:endParaRPr>
           </a:p>
           <a:p>
             <a:pPr marL="0" indent="0">
@@ -24232,7 +24616,23 @@
             <a:pPr marL="0" indent="0">
               <a:buNone/>
             </a:pPr>
-            <a:endParaRPr lang="fr-FR" sz="2000" u="sng" dirty="0">
+            <a:r>
+              <a:rPr lang="fr-FR" sz="2000" u="sng" dirty="0">
+                <a:solidFill>
+                  <a:schemeClr val="tx1">
+                    <a:lumMod val="50000"/>
+                    <a:lumOff val="50000"/>
+                  </a:schemeClr>
+                </a:solidFill>
+              </a:rPr>
+              <a:t>Pré-traitement des données:</a:t>
+            </a:r>
+          </a:p>
+          <a:p>
+            <a:pPr marL="0" indent="0">
+              <a:buNone/>
+            </a:pPr>
+            <a:endParaRPr lang="fr-FR" sz="1800" b="1" dirty="0">
               <a:solidFill>
                 <a:schemeClr val="tx1">
                   <a:lumMod val="50000"/>
@@ -24246,22 +24646,6 @@
               <a:buNone/>
             </a:pPr>
             <a:r>
-              <a:rPr lang="fr-FR" sz="1800" u="sng" dirty="0">
-                <a:solidFill>
-                  <a:schemeClr val="tx1">
-                    <a:lumMod val="50000"/>
-                    <a:lumOff val="50000"/>
-                  </a:schemeClr>
-                </a:solidFill>
-              </a:rPr>
-              <a:t>Pré-traitement des données:</a:t>
-            </a:r>
-          </a:p>
-          <a:p>
-            <a:pPr marL="0" indent="0">
-              <a:buNone/>
-            </a:pPr>
-            <a:r>
               <a:rPr lang="fr-FR" sz="1800" b="1" dirty="0">
                 <a:solidFill>
                   <a:schemeClr val="tx1">
@@ -24310,6 +24694,19 @@
             <a:pPr marL="0" indent="0">
               <a:buNone/>
             </a:pPr>
+            <a:endParaRPr lang="fr-FR" sz="1800" b="1" dirty="0">
+              <a:solidFill>
+                <a:schemeClr val="tx1">
+                  <a:lumMod val="50000"/>
+                  <a:lumOff val="50000"/>
+                </a:schemeClr>
+              </a:solidFill>
+            </a:endParaRPr>
+          </a:p>
+          <a:p>
+            <a:pPr marL="0" indent="0">
+              <a:buNone/>
+            </a:pPr>
             <a:r>
               <a:rPr lang="fr-FR" sz="1800" b="1" dirty="0">
                 <a:solidFill>
@@ -24420,6 +24817,19 @@
               </a:rPr>
               <a:t> » (classes).</a:t>
             </a:r>
+          </a:p>
+          <a:p>
+            <a:pPr marL="0" indent="0">
+              <a:buNone/>
+            </a:pPr>
+            <a:endParaRPr lang="fr-FR" sz="1800" dirty="0">
+              <a:solidFill>
+                <a:schemeClr val="tx1">
+                  <a:lumMod val="50000"/>
+                  <a:lumOff val="50000"/>
+                </a:schemeClr>
+              </a:solidFill>
+            </a:endParaRPr>
           </a:p>
           <a:p>
             <a:pPr marL="0" indent="0">
@@ -24587,6 +24997,480 @@
 </file>
 
 <file path=ppt/slides/slide32.xml><?xml version="1.0" encoding="utf-8"?>
+<p:sld xmlns:a="http://schemas.openxmlformats.org/drawingml/2006/main" xmlns:r="http://schemas.openxmlformats.org/officeDocument/2006/relationships" xmlns:p="http://schemas.openxmlformats.org/presentationml/2006/main">
+  <p:cSld>
+    <p:spTree>
+      <p:nvGrpSpPr>
+        <p:cNvPr id="1" name=""/>
+        <p:cNvGrpSpPr/>
+        <p:nvPr/>
+      </p:nvGrpSpPr>
+      <p:grpSpPr>
+        <a:xfrm>
+          <a:off x="0" y="0"/>
+          <a:ext cx="0" cy="0"/>
+          <a:chOff x="0" y="0"/>
+          <a:chExt cx="0" cy="0"/>
+        </a:xfrm>
+      </p:grpSpPr>
+      <mc:AlternateContent xmlns:mc="http://schemas.openxmlformats.org/markup-compatibility/2006" xmlns:a14="http://schemas.microsoft.com/office/drawing/2010/main">
+        <mc:Choice Requires="a14">
+          <p:sp>
+            <p:nvSpPr>
+              <p:cNvPr id="3" name="Espace réservé du contenu 2">
+                <a:extLst>
+                  <a:ext uri="{FF2B5EF4-FFF2-40B4-BE49-F238E27FC236}">
+                    <a16:creationId xmlns:a16="http://schemas.microsoft.com/office/drawing/2014/main" id="{B59E77B8-2D75-472C-B76C-ABDDE0CAFCD5}"/>
+                  </a:ext>
+                </a:extLst>
+              </p:cNvPr>
+              <p:cNvSpPr>
+                <a:spLocks noGrp="1"/>
+              </p:cNvSpPr>
+              <p:nvPr>
+                <p:ph idx="1"/>
+              </p:nvPr>
+            </p:nvSpPr>
+            <p:spPr>
+              <a:xfrm>
+                <a:off x="537750" y="424853"/>
+                <a:ext cx="10839994" cy="6021978"/>
+              </a:xfrm>
+            </p:spPr>
+            <p:txBody>
+              <a:bodyPr>
+                <a:normAutofit/>
+              </a:bodyPr>
+              <a:lstStyle/>
+              <a:p>
+                <a:pPr marL="0" indent="0">
+                  <a:buNone/>
+                </a:pPr>
+                <a:r>
+                  <a:rPr lang="fr-FR" sz="2000" u="sng" dirty="0">
+                    <a:solidFill>
+                      <a:schemeClr val="tx1">
+                        <a:lumMod val="50000"/>
+                        <a:lumOff val="50000"/>
+                      </a:schemeClr>
+                    </a:solidFill>
+                  </a:rPr>
+                  <a:t>Résultats</a:t>
+                </a:r>
+                <a:r>
+                  <a:rPr lang="fr-FR" sz="2000" dirty="0">
+                    <a:solidFill>
+                      <a:schemeClr val="tx1">
+                        <a:lumMod val="50000"/>
+                        <a:lumOff val="50000"/>
+                      </a:schemeClr>
+                    </a:solidFill>
+                  </a:rPr>
+                  <a:t> :</a:t>
+                </a:r>
+              </a:p>
+              <a:p>
+                <a:pPr marL="0" indent="0">
+                  <a:buNone/>
+                </a:pPr>
+                <a:r>
+                  <a:rPr lang="fr-FR" sz="1800" dirty="0">
+                    <a:solidFill>
+                      <a:schemeClr val="tx1">
+                        <a:lumMod val="50000"/>
+                        <a:lumOff val="50000"/>
+                      </a:schemeClr>
+                    </a:solidFill>
+                  </a:rPr>
+                  <a:t>Pour un NN avec 1 couche caché de taille 32, </a:t>
+                </a:r>
+                <a:r>
+                  <a:rPr lang="fr-FR" sz="1800" dirty="0" err="1">
+                    <a:solidFill>
+                      <a:schemeClr val="tx1">
+                        <a:lumMod val="50000"/>
+                        <a:lumOff val="50000"/>
+                      </a:schemeClr>
+                    </a:solidFill>
+                  </a:rPr>
+                  <a:t>learning</a:t>
+                </a:r>
+                <a:r>
+                  <a:rPr lang="fr-FR" sz="1800" dirty="0">
+                    <a:solidFill>
+                      <a:schemeClr val="tx1">
+                        <a:lumMod val="50000"/>
+                        <a:lumOff val="50000"/>
+                      </a:schemeClr>
+                    </a:solidFill>
+                  </a:rPr>
+                  <a:t> rate à </a:t>
+                </a:r>
+                <a14:m>
+                  <m:oMath xmlns:m="http://schemas.openxmlformats.org/officeDocument/2006/math">
+                    <m:r>
+                      <a:rPr lang="fr-FR" sz="1800" b="0" i="1" smtClean="0">
+                        <a:solidFill>
+                          <a:schemeClr val="tx1">
+                            <a:lumMod val="50000"/>
+                            <a:lumOff val="50000"/>
+                          </a:schemeClr>
+                        </a:solidFill>
+                        <a:latin typeface="Cambria Math" panose="02040503050406030204" pitchFamily="18" charset="0"/>
+                      </a:rPr>
+                      <m:t>1</m:t>
+                    </m:r>
+                    <m:sSup>
+                      <m:sSupPr>
+                        <m:ctrlPr>
+                          <a:rPr lang="fr-FR" sz="1800" b="0" i="1" smtClean="0">
+                            <a:solidFill>
+                              <a:schemeClr val="tx1">
+                                <a:lumMod val="50000"/>
+                                <a:lumOff val="50000"/>
+                              </a:schemeClr>
+                            </a:solidFill>
+                            <a:latin typeface="Cambria Math" panose="02040503050406030204" pitchFamily="18" charset="0"/>
+                          </a:rPr>
+                        </m:ctrlPr>
+                      </m:sSupPr>
+                      <m:e>
+                        <m:r>
+                          <a:rPr lang="fr-FR" sz="1800" b="0" i="1" smtClean="0">
+                            <a:solidFill>
+                              <a:schemeClr val="tx1">
+                                <a:lumMod val="50000"/>
+                                <a:lumOff val="50000"/>
+                              </a:schemeClr>
+                            </a:solidFill>
+                            <a:latin typeface="Cambria Math" panose="02040503050406030204" pitchFamily="18" charset="0"/>
+                          </a:rPr>
+                          <m:t>𝑒</m:t>
+                        </m:r>
+                      </m:e>
+                      <m:sup>
+                        <m:r>
+                          <a:rPr lang="fr-FR" sz="1800" b="0" i="1" smtClean="0">
+                            <a:solidFill>
+                              <a:schemeClr val="tx1">
+                                <a:lumMod val="50000"/>
+                                <a:lumOff val="50000"/>
+                              </a:schemeClr>
+                            </a:solidFill>
+                            <a:latin typeface="Cambria Math" panose="02040503050406030204" pitchFamily="18" charset="0"/>
+                          </a:rPr>
+                          <m:t>−3</m:t>
+                        </m:r>
+                      </m:sup>
+                    </m:sSup>
+                  </m:oMath>
+                </a14:m>
+                <a:r>
+                  <a:rPr lang="fr-FR" sz="1800" dirty="0">
+                    <a:solidFill>
+                      <a:schemeClr val="tx1">
+                        <a:lumMod val="50000"/>
+                        <a:lumOff val="50000"/>
+                      </a:schemeClr>
+                    </a:solidFill>
+                  </a:rPr>
+                  <a:t>, des mini-batch de taille 32 :</a:t>
+                </a:r>
+              </a:p>
+              <a:p>
+                <a:pPr marL="0" indent="0">
+                  <a:buNone/>
+                </a:pPr>
+                <a:endParaRPr lang="fr-FR" sz="1800" dirty="0">
+                  <a:solidFill>
+                    <a:schemeClr val="tx1">
+                      <a:lumMod val="50000"/>
+                      <a:lumOff val="50000"/>
+                    </a:schemeClr>
+                  </a:solidFill>
+                </a:endParaRPr>
+              </a:p>
+              <a:p>
+                <a:pPr marL="0" indent="0">
+                  <a:buNone/>
+                </a:pPr>
+                <a:endParaRPr lang="fr-FR" sz="1800" dirty="0">
+                  <a:solidFill>
+                    <a:schemeClr val="tx1">
+                      <a:lumMod val="50000"/>
+                      <a:lumOff val="50000"/>
+                    </a:schemeClr>
+                  </a:solidFill>
+                </a:endParaRPr>
+              </a:p>
+              <a:p>
+                <a:pPr marL="0" indent="0">
+                  <a:buNone/>
+                </a:pPr>
+                <a:endParaRPr lang="fr-FR" sz="1800" dirty="0">
+                  <a:solidFill>
+                    <a:schemeClr val="tx1">
+                      <a:lumMod val="50000"/>
+                      <a:lumOff val="50000"/>
+                    </a:schemeClr>
+                  </a:solidFill>
+                </a:endParaRPr>
+              </a:p>
+              <a:p>
+                <a:pPr marL="0" indent="0">
+                  <a:buNone/>
+                </a:pPr>
+                <a:endParaRPr lang="fr-FR" sz="1800" dirty="0">
+                  <a:solidFill>
+                    <a:schemeClr val="tx1">
+                      <a:lumMod val="50000"/>
+                      <a:lumOff val="50000"/>
+                    </a:schemeClr>
+                  </a:solidFill>
+                </a:endParaRPr>
+              </a:p>
+              <a:p>
+                <a:pPr marL="0" indent="0">
+                  <a:buNone/>
+                </a:pPr>
+                <a:endParaRPr lang="fr-FR" sz="1800" dirty="0">
+                  <a:solidFill>
+                    <a:schemeClr val="tx1">
+                      <a:lumMod val="50000"/>
+                      <a:lumOff val="50000"/>
+                    </a:schemeClr>
+                  </a:solidFill>
+                </a:endParaRPr>
+              </a:p>
+              <a:p>
+                <a:pPr marL="0" indent="0">
+                  <a:buNone/>
+                </a:pPr>
+                <a:endParaRPr lang="fr-FR" sz="1800" dirty="0">
+                  <a:solidFill>
+                    <a:schemeClr val="tx1">
+                      <a:lumMod val="50000"/>
+                      <a:lumOff val="50000"/>
+                    </a:schemeClr>
+                  </a:solidFill>
+                </a:endParaRPr>
+              </a:p>
+              <a:p>
+                <a:pPr marL="0" indent="0">
+                  <a:buNone/>
+                </a:pPr>
+                <a:endParaRPr lang="fr-FR" sz="1800" dirty="0">
+                  <a:solidFill>
+                    <a:schemeClr val="tx1">
+                      <a:lumMod val="50000"/>
+                      <a:lumOff val="50000"/>
+                    </a:schemeClr>
+                  </a:solidFill>
+                </a:endParaRPr>
+              </a:p>
+              <a:p>
+                <a:pPr marL="0" indent="0">
+                  <a:buNone/>
+                </a:pPr>
+                <a:endParaRPr lang="fr-FR" sz="1800" dirty="0">
+                  <a:solidFill>
+                    <a:schemeClr val="tx1">
+                      <a:lumMod val="50000"/>
+                      <a:lumOff val="50000"/>
+                    </a:schemeClr>
+                  </a:solidFill>
+                </a:endParaRPr>
+              </a:p>
+              <a:p>
+                <a:pPr marL="0" indent="0">
+                  <a:buNone/>
+                </a:pPr>
+                <a:endParaRPr lang="fr-FR" sz="1800" dirty="0">
+                  <a:solidFill>
+                    <a:schemeClr val="tx1">
+                      <a:lumMod val="50000"/>
+                      <a:lumOff val="50000"/>
+                    </a:schemeClr>
+                  </a:solidFill>
+                </a:endParaRPr>
+              </a:p>
+              <a:p>
+                <a:pPr marL="0" indent="0">
+                  <a:buNone/>
+                </a:pPr>
+                <a:r>
+                  <a:rPr lang="fr-FR" sz="1800" dirty="0">
+                    <a:solidFill>
+                      <a:schemeClr val="tx1">
+                        <a:lumMod val="50000"/>
+                        <a:lumOff val="50000"/>
+                      </a:schemeClr>
+                    </a:solidFill>
+                  </a:rPr>
+                  <a:t>La courbe de droite correspond au % de réussite dans la prédiction de la classe de sortie.</a:t>
+                </a:r>
+              </a:p>
+              <a:p>
+                <a:pPr marL="0" indent="0">
+                  <a:buNone/>
+                </a:pPr>
+                <a:r>
+                  <a:rPr lang="fr-FR" sz="1800" b="1" dirty="0">
+                    <a:solidFill>
+                      <a:schemeClr val="tx1">
+                        <a:lumMod val="50000"/>
+                        <a:lumOff val="50000"/>
+                      </a:schemeClr>
+                    </a:solidFill>
+                  </a:rPr>
+                  <a:t>Remarque</a:t>
+                </a:r>
+                <a:r>
+                  <a:rPr lang="fr-FR" sz="1800" dirty="0">
+                    <a:solidFill>
+                      <a:schemeClr val="tx1">
+                        <a:lumMod val="50000"/>
+                        <a:lumOff val="50000"/>
+                      </a:schemeClr>
+                    </a:solidFill>
+                  </a:rPr>
+                  <a:t> : dans cette exemple (Titanic) le nombre de classe en sortie est de 2 (survécu / pas survécu). Il est donc logique qu’un modèle non entraîné ait un score proche de 50% (réponse « au hasard » en début d’entrainement).</a:t>
+                </a:r>
+              </a:p>
+              <a:p>
+                <a:pPr marL="0" indent="0">
+                  <a:buNone/>
+                </a:pPr>
+                <a:endParaRPr lang="fr-FR" sz="1800" dirty="0">
+                  <a:solidFill>
+                    <a:schemeClr val="tx1">
+                      <a:lumMod val="50000"/>
+                      <a:lumOff val="50000"/>
+                    </a:schemeClr>
+                  </a:solidFill>
+                </a:endParaRPr>
+              </a:p>
+            </p:txBody>
+          </p:sp>
+        </mc:Choice>
+        <mc:Fallback xmlns="">
+          <p:sp>
+            <p:nvSpPr>
+              <p:cNvPr id="3" name="Espace réservé du contenu 2">
+                <a:extLst>
+                  <a:ext uri="{FF2B5EF4-FFF2-40B4-BE49-F238E27FC236}">
+                    <a16:creationId xmlns:a16="http://schemas.microsoft.com/office/drawing/2014/main" id="{B59E77B8-2D75-472C-B76C-ABDDE0CAFCD5}"/>
+                  </a:ext>
+                </a:extLst>
+              </p:cNvPr>
+              <p:cNvSpPr>
+                <a:spLocks noGrp="1" noRot="1" noChangeAspect="1" noMove="1" noResize="1" noEditPoints="1" noAdjustHandles="1" noChangeArrowheads="1" noChangeShapeType="1" noTextEdit="1"/>
+              </p:cNvSpPr>
+              <p:nvPr>
+                <p:ph idx="1"/>
+              </p:nvPr>
+            </p:nvSpPr>
+            <p:spPr>
+              <a:xfrm>
+                <a:off x="537750" y="424853"/>
+                <a:ext cx="10839994" cy="6021978"/>
+              </a:xfrm>
+              <a:blipFill>
+                <a:blip r:embed="rId2"/>
+                <a:stretch>
+                  <a:fillRect l="-562" t="-1113" r="-225"/>
+                </a:stretch>
+              </a:blipFill>
+            </p:spPr>
+            <p:txBody>
+              <a:bodyPr/>
+              <a:lstStyle/>
+              <a:p>
+                <a:r>
+                  <a:rPr lang="en-US">
+                    <a:noFill/>
+                  </a:rPr>
+                  <a:t> </a:t>
+                </a:r>
+              </a:p>
+            </p:txBody>
+          </p:sp>
+        </mc:Fallback>
+      </mc:AlternateContent>
+      <p:pic>
+        <p:nvPicPr>
+          <p:cNvPr id="4" name="Image 3">
+            <a:extLst>
+              <a:ext uri="{FF2B5EF4-FFF2-40B4-BE49-F238E27FC236}">
+                <a16:creationId xmlns:a16="http://schemas.microsoft.com/office/drawing/2014/main" id="{0522407F-470C-427F-9CCB-37CB13CB57F0}"/>
+              </a:ext>
+            </a:extLst>
+          </p:cNvPr>
+          <p:cNvPicPr>
+            <a:picLocks noChangeAspect="1"/>
+          </p:cNvPicPr>
+          <p:nvPr/>
+        </p:nvPicPr>
+        <p:blipFill>
+          <a:blip r:embed="rId3"/>
+          <a:stretch>
+            <a:fillRect/>
+          </a:stretch>
+        </p:blipFill>
+        <p:spPr>
+          <a:xfrm>
+            <a:off x="6021353" y="1409398"/>
+            <a:ext cx="4045191" cy="2880000"/>
+          </a:xfrm>
+          <a:prstGeom prst="rect">
+            <a:avLst/>
+          </a:prstGeom>
+        </p:spPr>
+      </p:pic>
+      <p:pic>
+        <p:nvPicPr>
+          <p:cNvPr id="6" name="Image 5">
+            <a:extLst>
+              <a:ext uri="{FF2B5EF4-FFF2-40B4-BE49-F238E27FC236}">
+                <a16:creationId xmlns:a16="http://schemas.microsoft.com/office/drawing/2014/main" id="{33F7C61C-9EEB-437B-8F66-7D57A0DF0F33}"/>
+              </a:ext>
+            </a:extLst>
+          </p:cNvPr>
+          <p:cNvPicPr>
+            <a:picLocks noChangeAspect="1"/>
+          </p:cNvPicPr>
+          <p:nvPr/>
+        </p:nvPicPr>
+        <p:blipFill>
+          <a:blip r:embed="rId4"/>
+          <a:stretch>
+            <a:fillRect/>
+          </a:stretch>
+        </p:blipFill>
+        <p:spPr>
+          <a:xfrm>
+            <a:off x="1174253" y="1440500"/>
+            <a:ext cx="4314566" cy="2880000"/>
+          </a:xfrm>
+          <a:prstGeom prst="rect">
+            <a:avLst/>
+          </a:prstGeom>
+        </p:spPr>
+      </p:pic>
+    </p:spTree>
+    <p:extLst>
+      <p:ext uri="{BB962C8B-B14F-4D97-AF65-F5344CB8AC3E}">
+        <p14:creationId xmlns:p14="http://schemas.microsoft.com/office/powerpoint/2010/main" val="2910995900"/>
+      </p:ext>
+    </p:extLst>
+  </p:cSld>
+  <p:clrMapOvr>
+    <a:masterClrMapping/>
+  </p:clrMapOvr>
+</p:sld>
+</file>
+
+<file path=ppt/slides/slide33.xml><?xml version="1.0" encoding="utf-8"?>
 <p:sld xmlns:a="http://schemas.openxmlformats.org/drawingml/2006/main" xmlns:r="http://schemas.openxmlformats.org/officeDocument/2006/relationships" xmlns:p="http://schemas.openxmlformats.org/presentationml/2006/main">
   <p:cSld>
     <p:spTree>
@@ -24713,7 +25597,7 @@
 </p:sld>
 </file>
 
-<file path=ppt/slides/slide33.xml><?xml version="1.0" encoding="utf-8"?>
+<file path=ppt/slides/slide34.xml><?xml version="1.0" encoding="utf-8"?>
 <p:sld xmlns:a="http://schemas.openxmlformats.org/drawingml/2006/main" xmlns:r="http://schemas.openxmlformats.org/officeDocument/2006/relationships" xmlns:p="http://schemas.openxmlformats.org/presentationml/2006/main">
   <p:cSld>
     <p:spTree>
@@ -29719,7 +30603,7 @@
 </p:sld>
 </file>
 
-<file path=ppt/slides/slide34.xml><?xml version="1.0" encoding="utf-8"?>
+<file path=ppt/slides/slide35.xml><?xml version="1.0" encoding="utf-8"?>
 <p:sld xmlns:a="http://schemas.openxmlformats.org/drawingml/2006/main" xmlns:r="http://schemas.openxmlformats.org/officeDocument/2006/relationships" xmlns:p="http://schemas.openxmlformats.org/presentationml/2006/main">
   <p:cSld>
     <p:spTree>
@@ -29736,8 +30620,8 @@
           <a:chExt cx="0" cy="0"/>
         </a:xfrm>
       </p:grpSpPr>
-      <mc:AlternateContent xmlns:mc="http://schemas.openxmlformats.org/markup-compatibility/2006" xmlns:a14="http://schemas.microsoft.com/office/drawing/2010/main">
-        <mc:Choice Requires="a14">
+      <mc:AlternateContent xmlns:mc="http://schemas.openxmlformats.org/markup-compatibility/2006">
+        <mc:Choice xmlns:a14="http://schemas.microsoft.com/office/drawing/2010/main" Requires="a14">
           <p:sp>
             <p:nvSpPr>
               <p:cNvPr id="3" name="Espace réservé du contenu 2">
@@ -29819,11 +30703,25 @@
                   <a:buNone/>
                 </a:pPr>
                 <a:r>
-                  <a:rPr lang="fr-FR" sz="2200" b="1" dirty="0"/>
+                  <a:rPr lang="fr-FR" sz="2200" b="1" dirty="0">
+                    <a:solidFill>
+                      <a:schemeClr val="tx1">
+                        <a:lumMod val="50000"/>
+                        <a:lumOff val="50000"/>
+                      </a:schemeClr>
+                    </a:solidFill>
+                  </a:rPr>
                   <a:t>Problème 1 </a:t>
                 </a:r>
                 <a:r>
-                  <a:rPr lang="fr-FR" sz="2200" dirty="0"/>
+                  <a:rPr lang="fr-FR" sz="2200" dirty="0">
+                    <a:solidFill>
+                      <a:schemeClr val="tx1">
+                        <a:lumMod val="50000"/>
+                        <a:lumOff val="50000"/>
+                      </a:schemeClr>
+                    </a:solidFill>
+                  </a:rPr>
                   <a:t>:</a:t>
                 </a:r>
               </a:p>
@@ -29832,13 +30730,26 @@
                   <a:buNone/>
                 </a:pPr>
                 <a:r>
-                  <a:rPr lang="fr-FR" sz="2200" dirty="0"/>
+                  <a:rPr lang="fr-FR" sz="2200" dirty="0">
+                    <a:solidFill>
+                      <a:schemeClr val="tx1">
+                        <a:lumMod val="50000"/>
+                        <a:lumOff val="50000"/>
+                      </a:schemeClr>
+                    </a:solidFill>
+                  </a:rPr>
                   <a:t>On enregistre la position angulaire </a:t>
                 </a:r>
                 <a14:m>
                   <m:oMath xmlns:m="http://schemas.openxmlformats.org/officeDocument/2006/math">
                     <m:r>
                       <a:rPr lang="fr-FR" sz="2200" b="0" i="1" smtClean="0">
+                        <a:solidFill>
+                          <a:schemeClr val="tx1">
+                            <a:lumMod val="50000"/>
+                            <a:lumOff val="50000"/>
+                          </a:schemeClr>
+                        </a:solidFill>
                         <a:latin typeface="Cambria Math" panose="02040503050406030204" pitchFamily="18" charset="0"/>
                       </a:rPr>
                       <m:t>𝜃</m:t>
@@ -29846,13 +30757,26 @@
                   </m:oMath>
                 </a14:m>
                 <a:r>
-                  <a:rPr lang="fr-FR" sz="2200" dirty="0"/>
+                  <a:rPr lang="fr-FR" sz="2200" dirty="0">
+                    <a:solidFill>
+                      <a:schemeClr val="tx1">
+                        <a:lumMod val="50000"/>
+                        <a:lumOff val="50000"/>
+                      </a:schemeClr>
+                    </a:solidFill>
+                  </a:rPr>
                   <a:t> au cours du temps (données d’entrées) pour différentes longueurs </a:t>
                 </a:r>
                 <a14:m>
                   <m:oMath xmlns:m="http://schemas.openxmlformats.org/officeDocument/2006/math">
                     <m:r>
                       <a:rPr lang="fr-FR" sz="2200" b="0" i="1" smtClean="0">
+                        <a:solidFill>
+                          <a:schemeClr val="tx1">
+                            <a:lumMod val="50000"/>
+                            <a:lumOff val="50000"/>
+                          </a:schemeClr>
+                        </a:solidFill>
                         <a:latin typeface="Cambria Math" panose="02040503050406030204" pitchFamily="18" charset="0"/>
                       </a:rPr>
                       <m:t>𝑙</m:t>
@@ -29860,13 +30784,26 @@
                   </m:oMath>
                 </a14:m>
                 <a:r>
-                  <a:rPr lang="fr-FR" sz="2200" dirty="0"/>
+                  <a:rPr lang="fr-FR" sz="2200" dirty="0">
+                    <a:solidFill>
+                      <a:schemeClr val="tx1">
+                        <a:lumMod val="50000"/>
+                        <a:lumOff val="50000"/>
+                      </a:schemeClr>
+                    </a:solidFill>
+                  </a:rPr>
                   <a:t> et masse </a:t>
                 </a:r>
                 <a14:m>
                   <m:oMath xmlns:m="http://schemas.openxmlformats.org/officeDocument/2006/math">
                     <m:r>
                       <a:rPr lang="fr-FR" sz="2200" b="0" i="1" smtClean="0">
+                        <a:solidFill>
+                          <a:schemeClr val="tx1">
+                            <a:lumMod val="50000"/>
+                            <a:lumOff val="50000"/>
+                          </a:schemeClr>
+                        </a:solidFill>
                         <a:latin typeface="Cambria Math" panose="02040503050406030204" pitchFamily="18" charset="0"/>
                       </a:rPr>
                       <m:t>𝑚</m:t>
@@ -29874,13 +30811,26 @@
                   </m:oMath>
                 </a14:m>
                 <a:r>
-                  <a:rPr lang="fr-FR" sz="2200" dirty="0"/>
+                  <a:rPr lang="fr-FR" sz="2200" dirty="0">
+                    <a:solidFill>
+                      <a:schemeClr val="tx1">
+                        <a:lumMod val="50000"/>
+                        <a:lumOff val="50000"/>
+                      </a:schemeClr>
+                    </a:solidFill>
+                  </a:rPr>
                   <a:t> du pendule (données de sortie) </a:t>
                 </a:r>
                 <a14:m>
                   <m:oMath xmlns:m="http://schemas.openxmlformats.org/officeDocument/2006/math">
                     <m:r>
                       <a:rPr lang="fr-FR" sz="2200" b="0" i="1" smtClean="0">
+                        <a:solidFill>
+                          <a:schemeClr val="tx1">
+                            <a:lumMod val="50000"/>
+                            <a:lumOff val="50000"/>
+                          </a:schemeClr>
+                        </a:solidFill>
                         <a:latin typeface="Cambria Math" panose="02040503050406030204" pitchFamily="18" charset="0"/>
                       </a:rPr>
                       <m:t>⇒ </m:t>
@@ -29888,13 +30838,26 @@
                   </m:oMath>
                 </a14:m>
                 <a:r>
-                  <a:rPr lang="fr-FR" sz="2200" dirty="0"/>
+                  <a:rPr lang="fr-FR" sz="2200" dirty="0">
+                    <a:solidFill>
+                      <a:schemeClr val="tx1">
+                        <a:lumMod val="50000"/>
+                        <a:lumOff val="50000"/>
+                      </a:schemeClr>
+                    </a:solidFill>
+                  </a:rPr>
                   <a:t>apprendre un modèle pour estimer les valeurs de </a:t>
                 </a:r>
                 <a14:m>
                   <m:oMath xmlns:m="http://schemas.openxmlformats.org/officeDocument/2006/math">
                     <m:r>
                       <a:rPr lang="fr-FR" sz="2200" b="0" i="1" smtClean="0">
+                        <a:solidFill>
+                          <a:schemeClr val="tx1">
+                            <a:lumMod val="50000"/>
+                            <a:lumOff val="50000"/>
+                          </a:schemeClr>
+                        </a:solidFill>
                         <a:latin typeface="Cambria Math" panose="02040503050406030204" pitchFamily="18" charset="0"/>
                       </a:rPr>
                       <m:t>𝑙</m:t>
@@ -29902,13 +30865,26 @@
                   </m:oMath>
                 </a14:m>
                 <a:r>
-                  <a:rPr lang="fr-FR" sz="2200" dirty="0"/>
+                  <a:rPr lang="fr-FR" sz="2200" dirty="0">
+                    <a:solidFill>
+                      <a:schemeClr val="tx1">
+                        <a:lumMod val="50000"/>
+                        <a:lumOff val="50000"/>
+                      </a:schemeClr>
+                    </a:solidFill>
+                  </a:rPr>
                   <a:t> et </a:t>
                 </a:r>
                 <a14:m>
                   <m:oMath xmlns:m="http://schemas.openxmlformats.org/officeDocument/2006/math">
                     <m:r>
                       <a:rPr lang="fr-FR" sz="2200" b="0" i="1" smtClean="0">
+                        <a:solidFill>
+                          <a:schemeClr val="tx1">
+                            <a:lumMod val="50000"/>
+                            <a:lumOff val="50000"/>
+                          </a:schemeClr>
+                        </a:solidFill>
                         <a:latin typeface="Cambria Math" panose="02040503050406030204" pitchFamily="18" charset="0"/>
                       </a:rPr>
                       <m:t>𝑚</m:t>
@@ -29916,7 +30892,14 @@
                   </m:oMath>
                 </a14:m>
                 <a:r>
-                  <a:rPr lang="fr-FR" sz="2200" dirty="0"/>
+                  <a:rPr lang="fr-FR" sz="2200" dirty="0">
+                    <a:solidFill>
+                      <a:schemeClr val="tx1">
+                        <a:lumMod val="50000"/>
+                        <a:lumOff val="50000"/>
+                      </a:schemeClr>
+                    </a:solidFill>
+                  </a:rPr>
                   <a:t>.</a:t>
                 </a:r>
               </a:p>
@@ -29925,11 +30908,25 @@
                   <a:buNone/>
                 </a:pPr>
                 <a:r>
-                  <a:rPr lang="fr-FR" sz="2200" b="1" dirty="0"/>
+                  <a:rPr lang="fr-FR" sz="2200" b="1" dirty="0">
+                    <a:solidFill>
+                      <a:schemeClr val="tx1">
+                        <a:lumMod val="50000"/>
+                        <a:lumOff val="50000"/>
+                      </a:schemeClr>
+                    </a:solidFill>
+                  </a:rPr>
                   <a:t>Problème 2</a:t>
                 </a:r>
                 <a:r>
-                  <a:rPr lang="fr-FR" sz="2200" dirty="0"/>
+                  <a:rPr lang="fr-FR" sz="2200" dirty="0">
+                    <a:solidFill>
+                      <a:schemeClr val="tx1">
+                        <a:lumMod val="50000"/>
+                        <a:lumOff val="50000"/>
+                      </a:schemeClr>
+                    </a:solidFill>
+                  </a:rPr>
                   <a:t> :</a:t>
                 </a:r>
               </a:p>
@@ -29938,13 +30935,26 @@
                   <a:buNone/>
                 </a:pPr>
                 <a:r>
-                  <a:rPr lang="fr-FR" sz="2200" dirty="0"/>
+                  <a:rPr lang="fr-FR" sz="2200" dirty="0">
+                    <a:solidFill>
+                      <a:schemeClr val="tx1">
+                        <a:lumMod val="50000"/>
+                        <a:lumOff val="50000"/>
+                      </a:schemeClr>
+                    </a:solidFill>
+                  </a:rPr>
                   <a:t>On enregistre la position angulaire </a:t>
                 </a:r>
                 <a14:m>
                   <m:oMath xmlns:m="http://schemas.openxmlformats.org/officeDocument/2006/math">
                     <m:r>
                       <a:rPr lang="fr-FR" sz="2200" i="1">
+                        <a:solidFill>
+                          <a:schemeClr val="tx1">
+                            <a:lumMod val="50000"/>
+                            <a:lumOff val="50000"/>
+                          </a:schemeClr>
+                        </a:solidFill>
                         <a:latin typeface="Cambria Math" panose="02040503050406030204" pitchFamily="18" charset="0"/>
                       </a:rPr>
                       <m:t>𝜃</m:t>
@@ -29952,13 +30962,26 @@
                   </m:oMath>
                 </a14:m>
                 <a:r>
-                  <a:rPr lang="fr-FR" sz="2200" dirty="0"/>
+                  <a:rPr lang="fr-FR" sz="2200" dirty="0">
+                    <a:solidFill>
+                      <a:schemeClr val="tx1">
+                        <a:lumMod val="50000"/>
+                        <a:lumOff val="50000"/>
+                      </a:schemeClr>
+                    </a:solidFill>
+                  </a:rPr>
                   <a:t> au cours du temps (données d’entrées </a:t>
                 </a:r>
                 <a14:m>
                   <m:oMath xmlns:m="http://schemas.openxmlformats.org/officeDocument/2006/math">
                     <m:r>
                       <a:rPr lang="fr-FR" sz="2200" b="0" i="1" smtClean="0">
+                        <a:solidFill>
+                          <a:schemeClr val="tx1">
+                            <a:lumMod val="50000"/>
+                            <a:lumOff val="50000"/>
+                          </a:schemeClr>
+                        </a:solidFill>
                         <a:latin typeface="Cambria Math" panose="02040503050406030204" pitchFamily="18" charset="0"/>
                       </a:rPr>
                       <m:t>𝑥</m:t>
@@ -29966,13 +30989,26 @@
                   </m:oMath>
                 </a14:m>
                 <a:r>
-                  <a:rPr lang="fr-FR" sz="2200" dirty="0"/>
+                  <a:rPr lang="fr-FR" sz="2200" dirty="0">
+                    <a:solidFill>
+                      <a:schemeClr val="tx1">
+                        <a:lumMod val="50000"/>
+                        <a:lumOff val="50000"/>
+                      </a:schemeClr>
+                    </a:solidFill>
+                  </a:rPr>
                   <a:t>) et on cherche à prédire les futures valeurs de </a:t>
                 </a:r>
                 <a14:m>
                   <m:oMath xmlns:m="http://schemas.openxmlformats.org/officeDocument/2006/math">
                     <m:r>
                       <a:rPr lang="fr-FR" sz="2200" i="1">
+                        <a:solidFill>
+                          <a:schemeClr val="tx1">
+                            <a:lumMod val="50000"/>
+                            <a:lumOff val="50000"/>
+                          </a:schemeClr>
+                        </a:solidFill>
                         <a:latin typeface="Cambria Math" panose="02040503050406030204" pitchFamily="18" charset="0"/>
                       </a:rPr>
                       <m:t>𝜃</m:t>
@@ -29980,9 +31016,17 @@
                   </m:oMath>
                 </a14:m>
                 <a:r>
-                  <a:rPr lang="fr-FR" sz="2200" dirty="0"/>
+                  <a:rPr lang="fr-FR" sz="2200" dirty="0">
+                    <a:solidFill>
+                      <a:schemeClr val="tx1">
+                        <a:lumMod val="50000"/>
+                        <a:lumOff val="50000"/>
+                      </a:schemeClr>
+                    </a:solidFill>
+                  </a:rPr>
                   <a:t>. </a:t>
                 </a:r>
+                <a:endParaRPr lang="fr-FR" sz="2200" dirty="0"/>
               </a:p>
               <a:p>
                 <a:pPr marL="0" indent="0">
@@ -30005,7 +31049,7 @@
             </p:txBody>
           </p:sp>
         </mc:Choice>
-        <mc:Fallback xmlns="">
+        <mc:Fallback>
           <p:sp>
             <p:nvSpPr>
               <p:cNvPr id="3" name="Espace réservé du contenu 2">
@@ -30039,7 +31083,7 @@
               <a:lstStyle/>
               <a:p>
                 <a:r>
-                  <a:rPr lang="fr-FR">
+                  <a:rPr lang="en-US">
                     <a:noFill/>
                   </a:rPr>
                   <a:t> </a:t>
@@ -30092,7 +31136,7 @@
 </p:sld>
 </file>
 
-<file path=ppt/slides/slide35.xml><?xml version="1.0" encoding="utf-8"?>
+<file path=ppt/slides/slide36.xml><?xml version="1.0" encoding="utf-8"?>
 <p:sld xmlns:a="http://schemas.openxmlformats.org/drawingml/2006/main" xmlns:r="http://schemas.openxmlformats.org/officeDocument/2006/relationships" xmlns:p="http://schemas.openxmlformats.org/presentationml/2006/main">
   <p:cSld>
     <p:spTree>
@@ -31602,7 +32646,7 @@
 </p:sld>
 </file>
 
-<file path=ppt/slides/slide36.xml><?xml version="1.0" encoding="utf-8"?>
+<file path=ppt/slides/slide37.xml><?xml version="1.0" encoding="utf-8"?>
 <p:sld xmlns:a="http://schemas.openxmlformats.org/drawingml/2006/main" xmlns:r="http://schemas.openxmlformats.org/officeDocument/2006/relationships" xmlns:p="http://schemas.openxmlformats.org/presentationml/2006/main">
   <p:cSld>
     <p:spTree>

--- a/Intelligence Artificielle et Analyse de donnees.pptx
+++ b/Intelligence Artificielle et Analyse de donnees.pptx
@@ -42,6 +42,9 @@
     <p:sldId id="287" r:id="rId36"/>
     <p:sldId id="288" r:id="rId37"/>
     <p:sldId id="289" r:id="rId38"/>
+    <p:sldId id="300" r:id="rId39"/>
+    <p:sldId id="301" r:id="rId40"/>
+    <p:sldId id="302" r:id="rId41"/>
   </p:sldIdLst>
   <p:sldSz cx="12192000" cy="6858000"/>
   <p:notesSz cx="6858000" cy="9144000"/>
@@ -306,7 +309,7 @@
           <a:p>
             <a:fld id="{6744C8BF-8EDA-4728-ABB9-9DEA91F7FC64}" type="datetimeFigureOut">
               <a:rPr lang="fr-FR" smtClean="0"/>
-              <a:t>04/02/2025</a:t>
+              <a:t>10/02/2025</a:t>
             </a:fld>
             <a:endParaRPr lang="fr-FR"/>
           </a:p>
@@ -504,7 +507,7 @@
           <a:p>
             <a:fld id="{6744C8BF-8EDA-4728-ABB9-9DEA91F7FC64}" type="datetimeFigureOut">
               <a:rPr lang="fr-FR" smtClean="0"/>
-              <a:t>04/02/2025</a:t>
+              <a:t>10/02/2025</a:t>
             </a:fld>
             <a:endParaRPr lang="fr-FR"/>
           </a:p>
@@ -712,7 +715,7 @@
           <a:p>
             <a:fld id="{6744C8BF-8EDA-4728-ABB9-9DEA91F7FC64}" type="datetimeFigureOut">
               <a:rPr lang="fr-FR" smtClean="0"/>
-              <a:t>04/02/2025</a:t>
+              <a:t>10/02/2025</a:t>
             </a:fld>
             <a:endParaRPr lang="fr-FR"/>
           </a:p>
@@ -910,7 +913,7 @@
           <a:p>
             <a:fld id="{6744C8BF-8EDA-4728-ABB9-9DEA91F7FC64}" type="datetimeFigureOut">
               <a:rPr lang="fr-FR" smtClean="0"/>
-              <a:t>04/02/2025</a:t>
+              <a:t>10/02/2025</a:t>
             </a:fld>
             <a:endParaRPr lang="fr-FR"/>
           </a:p>
@@ -1185,7 +1188,7 @@
           <a:p>
             <a:fld id="{6744C8BF-8EDA-4728-ABB9-9DEA91F7FC64}" type="datetimeFigureOut">
               <a:rPr lang="fr-FR" smtClean="0"/>
-              <a:t>04/02/2025</a:t>
+              <a:t>10/02/2025</a:t>
             </a:fld>
             <a:endParaRPr lang="fr-FR"/>
           </a:p>
@@ -1450,7 +1453,7 @@
           <a:p>
             <a:fld id="{6744C8BF-8EDA-4728-ABB9-9DEA91F7FC64}" type="datetimeFigureOut">
               <a:rPr lang="fr-FR" smtClean="0"/>
-              <a:t>04/02/2025</a:t>
+              <a:t>10/02/2025</a:t>
             </a:fld>
             <a:endParaRPr lang="fr-FR"/>
           </a:p>
@@ -1862,7 +1865,7 @@
           <a:p>
             <a:fld id="{6744C8BF-8EDA-4728-ABB9-9DEA91F7FC64}" type="datetimeFigureOut">
               <a:rPr lang="fr-FR" smtClean="0"/>
-              <a:t>04/02/2025</a:t>
+              <a:t>10/02/2025</a:t>
             </a:fld>
             <a:endParaRPr lang="fr-FR"/>
           </a:p>
@@ -2003,7 +2006,7 @@
           <a:p>
             <a:fld id="{6744C8BF-8EDA-4728-ABB9-9DEA91F7FC64}" type="datetimeFigureOut">
               <a:rPr lang="fr-FR" smtClean="0"/>
-              <a:t>04/02/2025</a:t>
+              <a:t>10/02/2025</a:t>
             </a:fld>
             <a:endParaRPr lang="fr-FR"/>
           </a:p>
@@ -2116,7 +2119,7 @@
           <a:p>
             <a:fld id="{6744C8BF-8EDA-4728-ABB9-9DEA91F7FC64}" type="datetimeFigureOut">
               <a:rPr lang="fr-FR" smtClean="0"/>
-              <a:t>04/02/2025</a:t>
+              <a:t>10/02/2025</a:t>
             </a:fld>
             <a:endParaRPr lang="fr-FR"/>
           </a:p>
@@ -2427,7 +2430,7 @@
           <a:p>
             <a:fld id="{6744C8BF-8EDA-4728-ABB9-9DEA91F7FC64}" type="datetimeFigureOut">
               <a:rPr lang="fr-FR" smtClean="0"/>
-              <a:t>04/02/2025</a:t>
+              <a:t>10/02/2025</a:t>
             </a:fld>
             <a:endParaRPr lang="fr-FR"/>
           </a:p>
@@ -2715,7 +2718,7 @@
           <a:p>
             <a:fld id="{6744C8BF-8EDA-4728-ABB9-9DEA91F7FC64}" type="datetimeFigureOut">
               <a:rPr lang="fr-FR" smtClean="0"/>
-              <a:t>04/02/2025</a:t>
+              <a:t>10/02/2025</a:t>
             </a:fld>
             <a:endParaRPr lang="fr-FR"/>
           </a:p>
@@ -2956,7 +2959,7 @@
           <a:p>
             <a:fld id="{6744C8BF-8EDA-4728-ABB9-9DEA91F7FC64}" type="datetimeFigureOut">
               <a:rPr lang="fr-FR" smtClean="0"/>
-              <a:t>04/02/2025</a:t>
+              <a:t>10/02/2025</a:t>
             </a:fld>
             <a:endParaRPr lang="fr-FR"/>
           </a:p>
@@ -14520,11 +14523,7 @@
             </a:pPr>
             <a:r>
               <a:rPr lang="fr-FR" sz="1800" dirty="0"/>
-              <a:t>	4.3. Implémentation de </a:t>
-            </a:r>
-            <a:r>
-              <a:rPr lang="fr-FR" sz="1800" dirty="0" err="1"/>
-              <a:t>RNNs</a:t>
+              <a:t>	4.3. Implémentation</a:t>
             </a:r>
             <a:endParaRPr lang="fr-FR" sz="2000" dirty="0"/>
           </a:p>
@@ -18680,8 +18679,8 @@
           <a:chExt cx="0" cy="0"/>
         </a:xfrm>
       </p:grpSpPr>
-      <mc:AlternateContent xmlns:mc="http://schemas.openxmlformats.org/markup-compatibility/2006">
-        <mc:Choice xmlns:a14="http://schemas.microsoft.com/office/drawing/2010/main" Requires="a14">
+      <mc:AlternateContent xmlns:mc="http://schemas.openxmlformats.org/markup-compatibility/2006" xmlns:a14="http://schemas.microsoft.com/office/drawing/2010/main">
+        <mc:Choice Requires="a14">
           <p:sp>
             <p:nvSpPr>
               <p:cNvPr id="3" name="Espace réservé du contenu 2">
@@ -19576,7 +19575,7 @@
             </p:txBody>
           </p:sp>
         </mc:Choice>
-        <mc:Fallback>
+        <mc:Fallback xmlns="">
           <p:sp>
             <p:nvSpPr>
               <p:cNvPr id="3" name="Espace réservé du contenu 2">
@@ -19640,8 +19639,8 @@
             <a:chExt cx="1873912" cy="1646886"/>
           </a:xfrm>
         </p:grpSpPr>
-        <mc:AlternateContent xmlns:mc="http://schemas.openxmlformats.org/markup-compatibility/2006">
-          <mc:Choice xmlns:a14="http://schemas.microsoft.com/office/drawing/2010/main" Requires="a14">
+        <mc:AlternateContent xmlns:mc="http://schemas.openxmlformats.org/markup-compatibility/2006" xmlns:a14="http://schemas.microsoft.com/office/drawing/2010/main">
+          <mc:Choice Requires="a14">
             <p:sp>
               <p:nvSpPr>
                 <p:cNvPr id="39" name="ZoneTexte 38">
@@ -19722,7 +19721,7 @@
               </p:txBody>
             </p:sp>
           </mc:Choice>
-          <mc:Fallback>
+          <mc:Fallback xmlns="">
             <p:sp>
               <p:nvSpPr>
                 <p:cNvPr id="39" name="ZoneTexte 38">
@@ -19992,8 +19991,8 @@
             </p:sp>
           </mc:Fallback>
         </mc:AlternateContent>
-        <mc:AlternateContent xmlns:mc="http://schemas.openxmlformats.org/markup-compatibility/2006">
-          <mc:Choice xmlns:a14="http://schemas.microsoft.com/office/drawing/2010/main" Requires="a14">
+        <mc:AlternateContent xmlns:mc="http://schemas.openxmlformats.org/markup-compatibility/2006" xmlns:a14="http://schemas.microsoft.com/office/drawing/2010/main">
+          <mc:Choice Requires="a14">
             <p:sp>
               <p:nvSpPr>
                 <p:cNvPr id="40" name="ZoneTexte 39">
@@ -20074,7 +20073,7 @@
               </p:txBody>
             </p:sp>
           </mc:Choice>
-          <mc:Fallback>
+          <mc:Fallback xmlns="">
             <p:sp>
               <p:nvSpPr>
                 <p:cNvPr id="40" name="ZoneTexte 39">
@@ -20285,8 +20284,8 @@
           <a:chExt cx="0" cy="0"/>
         </a:xfrm>
       </p:grpSpPr>
-      <mc:AlternateContent xmlns:mc="http://schemas.openxmlformats.org/markup-compatibility/2006">
-        <mc:Choice xmlns:a14="http://schemas.microsoft.com/office/drawing/2010/main" Requires="a14">
+      <mc:AlternateContent xmlns:mc="http://schemas.openxmlformats.org/markup-compatibility/2006" xmlns:a14="http://schemas.microsoft.com/office/drawing/2010/main">
+        <mc:Choice Requires="a14">
           <p:sp>
             <p:nvSpPr>
               <p:cNvPr id="3" name="Espace réservé du contenu 2">
@@ -21066,7 +21065,7 @@
             </p:txBody>
           </p:sp>
         </mc:Choice>
-        <mc:Fallback>
+        <mc:Fallback xmlns="">
           <p:sp>
             <p:nvSpPr>
               <p:cNvPr id="3" name="Espace réservé du contenu 2">
@@ -21460,8 +21459,8 @@
           <a:chExt cx="0" cy="0"/>
         </a:xfrm>
       </p:grpSpPr>
-      <mc:AlternateContent xmlns:mc="http://schemas.openxmlformats.org/markup-compatibility/2006">
-        <mc:Choice xmlns:a14="http://schemas.microsoft.com/office/drawing/2010/main" Requires="a14">
+      <mc:AlternateContent xmlns:mc="http://schemas.openxmlformats.org/markup-compatibility/2006" xmlns:a14="http://schemas.microsoft.com/office/drawing/2010/main">
+        <mc:Choice Requires="a14">
           <p:sp>
             <p:nvSpPr>
               <p:cNvPr id="3" name="Espace réservé du contenu 2">
@@ -21585,30 +21584,49 @@
                       </a:rPr>
                       <m:t>1</m:t>
                     </m:r>
-                    <m:r>
-                      <a:rPr lang="fr-FR" sz="1800" i="1" baseline="30000" dirty="0" smtClean="0">
-                        <a:solidFill>
-                          <a:schemeClr val="tx1">
-                            <a:lumMod val="50000"/>
-                            <a:lumOff val="50000"/>
-                          </a:schemeClr>
-                        </a:solidFill>
-                        <a:latin typeface="Cambria Math" panose="02040503050406030204" pitchFamily="18" charset="0"/>
-                      </a:rPr>
-                      <m:t>𝑒</m:t>
-                    </m:r>
-                    <m:r>
-                      <a:rPr lang="fr-FR" sz="1800" i="1" dirty="0" smtClean="0">
-                        <a:solidFill>
-                          <a:schemeClr val="tx1">
-                            <a:lumMod val="50000"/>
-                            <a:lumOff val="50000"/>
-                          </a:schemeClr>
-                        </a:solidFill>
-                        <a:latin typeface="Cambria Math" panose="02040503050406030204" pitchFamily="18" charset="0"/>
-                      </a:rPr>
-                      <m:t>5</m:t>
-                    </m:r>
+                    <m:sSup>
+                      <m:sSupPr>
+                        <m:ctrlPr>
+                          <a:rPr lang="fr-FR" sz="1800" b="0" i="1" dirty="0" smtClean="0">
+                            <a:solidFill>
+                              <a:schemeClr val="tx1">
+                                <a:lumMod val="50000"/>
+                                <a:lumOff val="50000"/>
+                              </a:schemeClr>
+                            </a:solidFill>
+                            <a:latin typeface="Cambria Math" panose="02040503050406030204" pitchFamily="18" charset="0"/>
+                          </a:rPr>
+                        </m:ctrlPr>
+                      </m:sSupPr>
+                      <m:e>
+                        <m:r>
+                          <a:rPr lang="fr-FR" sz="1800" b="0" i="1" dirty="0" smtClean="0">
+                            <a:solidFill>
+                              <a:schemeClr val="tx1">
+                                <a:lumMod val="50000"/>
+                                <a:lumOff val="50000"/>
+                              </a:schemeClr>
+                            </a:solidFill>
+                            <a:latin typeface="Cambria Math" panose="02040503050406030204" pitchFamily="18" charset="0"/>
+                          </a:rPr>
+                          <m:t>𝑒</m:t>
+                        </m:r>
+                      </m:e>
+                      <m:sup>
+                        <m:r>
+                          <a:rPr lang="fr-FR" sz="1800" b="0" i="1" dirty="0" smtClean="0">
+                            <a:solidFill>
+                              <a:schemeClr val="tx1">
+                                <a:lumMod val="50000"/>
+                                <a:lumOff val="50000"/>
+                              </a:schemeClr>
+                            </a:solidFill>
+                            <a:latin typeface="Cambria Math" panose="02040503050406030204" pitchFamily="18" charset="0"/>
+                          </a:rPr>
+                          <m:t>5</m:t>
+                        </m:r>
+                      </m:sup>
+                    </m:sSup>
                   </m:oMath>
                 </a14:m>
                 <a:r>
@@ -22229,7 +22247,7 @@
             </p:txBody>
           </p:sp>
         </mc:Choice>
-        <mc:Fallback>
+        <mc:Fallback xmlns="">
           <p:sp>
             <p:nvSpPr>
               <p:cNvPr id="3" name="Espace réservé du contenu 2">
@@ -25548,7 +25566,7 @@
             </a:br>
             <a:r>
               <a:rPr lang="fr-FR" sz="3200" dirty="0"/>
-              <a:t>	4.3. </a:t>
+              <a:t>	4.3. Implémentation</a:t>
             </a:r>
             <a:endParaRPr lang="fr-FR" dirty="0"/>
           </a:p>
@@ -30620,8 +30638,8 @@
           <a:chExt cx="0" cy="0"/>
         </a:xfrm>
       </p:grpSpPr>
-      <mc:AlternateContent xmlns:mc="http://schemas.openxmlformats.org/markup-compatibility/2006">
-        <mc:Choice xmlns:a14="http://schemas.microsoft.com/office/drawing/2010/main" Requires="a14">
+      <mc:AlternateContent xmlns:mc="http://schemas.openxmlformats.org/markup-compatibility/2006" xmlns:a14="http://schemas.microsoft.com/office/drawing/2010/main">
+        <mc:Choice Requires="a14">
           <p:sp>
             <p:nvSpPr>
               <p:cNvPr id="3" name="Espace réservé du contenu 2">
@@ -31049,7 +31067,7 @@
             </p:txBody>
           </p:sp>
         </mc:Choice>
-        <mc:Fallback>
+        <mc:Fallback xmlns="">
           <p:sp>
             <p:nvSpPr>
               <p:cNvPr id="3" name="Espace réservé du contenu 2">
@@ -32663,6 +32681,1146 @@
           <a:chExt cx="0" cy="0"/>
         </a:xfrm>
       </p:grpSpPr>
+      <mc:AlternateContent xmlns:mc="http://schemas.openxmlformats.org/markup-compatibility/2006">
+        <mc:Choice xmlns:a14="http://schemas.microsoft.com/office/drawing/2010/main" Requires="a14">
+          <p:sp>
+            <p:nvSpPr>
+              <p:cNvPr id="3" name="Espace réservé du contenu 2">
+                <a:extLst>
+                  <a:ext uri="{FF2B5EF4-FFF2-40B4-BE49-F238E27FC236}">
+                    <a16:creationId xmlns:a16="http://schemas.microsoft.com/office/drawing/2014/main" id="{B59E77B8-2D75-472C-B76C-ABDDE0CAFCD5}"/>
+                  </a:ext>
+                </a:extLst>
+              </p:cNvPr>
+              <p:cNvSpPr>
+                <a:spLocks noGrp="1"/>
+              </p:cNvSpPr>
+              <p:nvPr>
+                <p:ph idx="1"/>
+              </p:nvPr>
+            </p:nvSpPr>
+            <p:spPr>
+              <a:xfrm>
+                <a:off x="537750" y="429086"/>
+                <a:ext cx="10839994" cy="6021978"/>
+              </a:xfrm>
+            </p:spPr>
+            <p:txBody>
+              <a:bodyPr>
+                <a:normAutofit lnSpcReduction="10000"/>
+              </a:bodyPr>
+              <a:lstStyle/>
+              <a:p>
+                <a:pPr marL="0" indent="0">
+                  <a:buNone/>
+                </a:pPr>
+                <a:r>
+                  <a:rPr lang="fr-FR" sz="2400" dirty="0"/>
+                  <a:t>4.2 Principaux </a:t>
+                </a:r>
+                <a:r>
+                  <a:rPr lang="fr-FR" sz="2400" dirty="0" err="1"/>
+                  <a:t>RNNs</a:t>
+                </a:r>
+                <a:endParaRPr lang="fr-FR" sz="2400" dirty="0"/>
+              </a:p>
+              <a:p>
+                <a:pPr marL="0" indent="0">
+                  <a:buNone/>
+                </a:pPr>
+                <a:endParaRPr lang="fr-FR" sz="2000" u="sng" dirty="0"/>
+              </a:p>
+              <a:p>
+                <a:pPr marL="0" indent="0">
+                  <a:buNone/>
+                </a:pPr>
+                <a:r>
+                  <a:rPr lang="fr-FR" sz="2000" u="sng" dirty="0"/>
+                  <a:t>Réseau </a:t>
+                </a:r>
+                <a:r>
+                  <a:rPr lang="fr-FR" sz="2000" u="sng" dirty="0" err="1"/>
+                  <a:t>Elman</a:t>
+                </a:r>
+                <a:r>
+                  <a:rPr lang="fr-FR" sz="2000" u="sng" dirty="0"/>
+                  <a:t> (= </a:t>
+                </a:r>
+                <a:r>
+                  <a:rPr lang="fr-FR" sz="2000" i="1" u="sng" dirty="0" err="1"/>
+                  <a:t>vanilla</a:t>
+                </a:r>
+                <a:r>
+                  <a:rPr lang="fr-FR" sz="2000" u="sng" dirty="0"/>
+                  <a:t>):</a:t>
+                </a:r>
+              </a:p>
+              <a:p>
+                <a:pPr marL="0" indent="0">
+                  <a:buNone/>
+                </a:pPr>
+                <a:endParaRPr lang="fr-FR" sz="2000" u="sng" dirty="0"/>
+              </a:p>
+              <a:p>
+                <a:pPr marL="0" indent="0">
+                  <a:buNone/>
+                </a:pPr>
+                <a14:m>
+                  <m:oMath xmlns:m="http://schemas.openxmlformats.org/officeDocument/2006/math">
+                    <m:sSub>
+                      <m:sSubPr>
+                        <m:ctrlPr>
+                          <a:rPr lang="fr-FR" sz="2000" b="0" i="1" smtClean="0">
+                            <a:latin typeface="Cambria Math" panose="02040503050406030204" pitchFamily="18" charset="0"/>
+                          </a:rPr>
+                        </m:ctrlPr>
+                      </m:sSubPr>
+                      <m:e>
+                        <m:r>
+                          <a:rPr lang="fr-FR" sz="2000" b="0" i="1" smtClean="0">
+                            <a:latin typeface="Cambria Math" panose="02040503050406030204" pitchFamily="18" charset="0"/>
+                          </a:rPr>
+                          <m:t>h</m:t>
+                        </m:r>
+                      </m:e>
+                      <m:sub>
+                        <m:r>
+                          <a:rPr lang="fr-FR" sz="2000" b="0" i="1" smtClean="0">
+                            <a:latin typeface="Cambria Math" panose="02040503050406030204" pitchFamily="18" charset="0"/>
+                          </a:rPr>
+                          <m:t>𝑡</m:t>
+                        </m:r>
+                      </m:sub>
+                    </m:sSub>
+                    <m:r>
+                      <a:rPr lang="fr-FR" sz="2000" b="0" i="1" smtClean="0">
+                        <a:latin typeface="Cambria Math" panose="02040503050406030204" pitchFamily="18" charset="0"/>
+                      </a:rPr>
+                      <m:t>=</m:t>
+                    </m:r>
+                    <m:r>
+                      <a:rPr lang="fr-FR" sz="2000" b="0" i="1" smtClean="0">
+                        <a:latin typeface="Cambria Math" panose="02040503050406030204" pitchFamily="18" charset="0"/>
+                      </a:rPr>
+                      <m:t>𝑡𝑎𝑛h</m:t>
+                    </m:r>
+                    <m:r>
+                      <a:rPr lang="fr-FR" sz="2000" b="0" i="1" smtClean="0">
+                        <a:latin typeface="Cambria Math" panose="02040503050406030204" pitchFamily="18" charset="0"/>
+                      </a:rPr>
+                      <m:t>(</m:t>
+                    </m:r>
+                    <m:sSub>
+                      <m:sSubPr>
+                        <m:ctrlPr>
+                          <a:rPr lang="fr-FR" sz="2000" b="0" i="1" smtClean="0">
+                            <a:latin typeface="Cambria Math" panose="02040503050406030204" pitchFamily="18" charset="0"/>
+                          </a:rPr>
+                        </m:ctrlPr>
+                      </m:sSubPr>
+                      <m:e>
+                        <m:r>
+                          <a:rPr lang="fr-FR" sz="2000" b="0" i="1" smtClean="0">
+                            <a:latin typeface="Cambria Math" panose="02040503050406030204" pitchFamily="18" charset="0"/>
+                          </a:rPr>
+                          <m:t>𝑊</m:t>
+                        </m:r>
+                      </m:e>
+                      <m:sub>
+                        <m:r>
+                          <a:rPr lang="fr-FR" sz="2000" b="0" i="1" smtClean="0">
+                            <a:latin typeface="Cambria Math" panose="02040503050406030204" pitchFamily="18" charset="0"/>
+                          </a:rPr>
+                          <m:t>𝑥</m:t>
+                        </m:r>
+                      </m:sub>
+                    </m:sSub>
+                    <m:sSub>
+                      <m:sSubPr>
+                        <m:ctrlPr>
+                          <a:rPr lang="fr-FR" sz="2000" b="0" i="1" smtClean="0">
+                            <a:latin typeface="Cambria Math" panose="02040503050406030204" pitchFamily="18" charset="0"/>
+                          </a:rPr>
+                        </m:ctrlPr>
+                      </m:sSubPr>
+                      <m:e>
+                        <m:r>
+                          <a:rPr lang="fr-FR" sz="2000" b="0" i="1" smtClean="0">
+                            <a:latin typeface="Cambria Math" panose="02040503050406030204" pitchFamily="18" charset="0"/>
+                          </a:rPr>
+                          <m:t>𝑥</m:t>
+                        </m:r>
+                      </m:e>
+                      <m:sub>
+                        <m:r>
+                          <a:rPr lang="fr-FR" sz="2000" b="0" i="1" smtClean="0">
+                            <a:latin typeface="Cambria Math" panose="02040503050406030204" pitchFamily="18" charset="0"/>
+                          </a:rPr>
+                          <m:t>𝑡</m:t>
+                        </m:r>
+                      </m:sub>
+                    </m:sSub>
+                    <m:r>
+                      <a:rPr lang="fr-FR" sz="2000" b="0" i="1" smtClean="0">
+                        <a:latin typeface="Cambria Math" panose="02040503050406030204" pitchFamily="18" charset="0"/>
+                      </a:rPr>
+                      <m:t>+</m:t>
+                    </m:r>
+                    <m:sSub>
+                      <m:sSubPr>
+                        <m:ctrlPr>
+                          <a:rPr lang="fr-FR" sz="2000" b="0" i="1" smtClean="0">
+                            <a:latin typeface="Cambria Math" panose="02040503050406030204" pitchFamily="18" charset="0"/>
+                          </a:rPr>
+                        </m:ctrlPr>
+                      </m:sSubPr>
+                      <m:e>
+                        <m:r>
+                          <a:rPr lang="fr-FR" sz="2000" b="0" i="1" smtClean="0">
+                            <a:latin typeface="Cambria Math" panose="02040503050406030204" pitchFamily="18" charset="0"/>
+                          </a:rPr>
+                          <m:t>𝑊</m:t>
+                        </m:r>
+                      </m:e>
+                      <m:sub>
+                        <m:r>
+                          <a:rPr lang="fr-FR" sz="2000" b="0" i="1" smtClean="0">
+                            <a:latin typeface="Cambria Math" panose="02040503050406030204" pitchFamily="18" charset="0"/>
+                          </a:rPr>
+                          <m:t>h</m:t>
+                        </m:r>
+                      </m:sub>
+                    </m:sSub>
+                    <m:sSub>
+                      <m:sSubPr>
+                        <m:ctrlPr>
+                          <a:rPr lang="fr-FR" sz="2000" b="0" i="1" smtClean="0">
+                            <a:latin typeface="Cambria Math" panose="02040503050406030204" pitchFamily="18" charset="0"/>
+                          </a:rPr>
+                        </m:ctrlPr>
+                      </m:sSubPr>
+                      <m:e>
+                        <m:r>
+                          <a:rPr lang="fr-FR" sz="2000" b="0" i="1" smtClean="0">
+                            <a:latin typeface="Cambria Math" panose="02040503050406030204" pitchFamily="18" charset="0"/>
+                          </a:rPr>
+                          <m:t>h</m:t>
+                        </m:r>
+                      </m:e>
+                      <m:sub>
+                        <m:r>
+                          <a:rPr lang="fr-FR" sz="2000" b="0" i="1" smtClean="0">
+                            <a:latin typeface="Cambria Math" panose="02040503050406030204" pitchFamily="18" charset="0"/>
+                          </a:rPr>
+                          <m:t>𝑡</m:t>
+                        </m:r>
+                        <m:r>
+                          <a:rPr lang="fr-FR" sz="2000" b="0" i="1" smtClean="0">
+                            <a:latin typeface="Cambria Math" panose="02040503050406030204" pitchFamily="18" charset="0"/>
+                          </a:rPr>
+                          <m:t>−1</m:t>
+                        </m:r>
+                      </m:sub>
+                    </m:sSub>
+                    <m:r>
+                      <a:rPr lang="fr-FR" sz="2000" b="0" i="1" smtClean="0">
+                        <a:latin typeface="Cambria Math" panose="02040503050406030204" pitchFamily="18" charset="0"/>
+                      </a:rPr>
+                      <m:t>+</m:t>
+                    </m:r>
+                    <m:sSub>
+                      <m:sSubPr>
+                        <m:ctrlPr>
+                          <a:rPr lang="fr-FR" sz="2000" b="0" i="1" smtClean="0">
+                            <a:latin typeface="Cambria Math" panose="02040503050406030204" pitchFamily="18" charset="0"/>
+                          </a:rPr>
+                        </m:ctrlPr>
+                      </m:sSubPr>
+                      <m:e>
+                        <m:r>
+                          <a:rPr lang="fr-FR" sz="2000" b="0" i="1" smtClean="0">
+                            <a:latin typeface="Cambria Math" panose="02040503050406030204" pitchFamily="18" charset="0"/>
+                          </a:rPr>
+                          <m:t>𝑏</m:t>
+                        </m:r>
+                      </m:e>
+                      <m:sub>
+                        <m:r>
+                          <a:rPr lang="fr-FR" sz="2000" b="0" i="1" smtClean="0">
+                            <a:latin typeface="Cambria Math" panose="02040503050406030204" pitchFamily="18" charset="0"/>
+                          </a:rPr>
+                          <m:t>h</m:t>
+                        </m:r>
+                      </m:sub>
+                    </m:sSub>
+                    <m:r>
+                      <a:rPr lang="fr-FR" sz="2000" b="0" i="1" smtClean="0">
+                        <a:latin typeface="Cambria Math" panose="02040503050406030204" pitchFamily="18" charset="0"/>
+                      </a:rPr>
+                      <m:t>)</m:t>
+                    </m:r>
+                  </m:oMath>
+                </a14:m>
+                <a:r>
+                  <a:rPr lang="fr-FR" sz="2000" dirty="0"/>
+                  <a:t> </a:t>
+                </a:r>
+              </a:p>
+              <a:p>
+                <a:pPr marL="0" indent="0">
+                  <a:buNone/>
+                </a:pPr>
+                <a:endParaRPr lang="fr-FR" sz="2000" dirty="0"/>
+              </a:p>
+              <a:p>
+                <a:pPr marL="0" indent="0">
+                  <a:buNone/>
+                </a:pPr>
+                <a:endParaRPr lang="fr-FR" sz="2000" dirty="0"/>
+              </a:p>
+              <a:p>
+                <a:pPr marL="0" indent="0">
+                  <a:buNone/>
+                </a:pPr>
+                <a:endParaRPr lang="fr-FR" sz="2000" dirty="0"/>
+              </a:p>
+              <a:p>
+                <a:pPr marL="0" indent="0">
+                  <a:buNone/>
+                </a:pPr>
+                <a:endParaRPr lang="fr-FR" sz="2000" dirty="0"/>
+              </a:p>
+              <a:p>
+                <a:pPr marL="0" indent="0">
+                  <a:buNone/>
+                </a:pPr>
+                <a:endParaRPr lang="fr-FR" sz="2000" dirty="0"/>
+              </a:p>
+              <a:p>
+                <a:pPr marL="0" indent="0">
+                  <a:buNone/>
+                </a:pPr>
+                <a:endParaRPr lang="fr-FR" sz="2000" dirty="0"/>
+              </a:p>
+              <a:p>
+                <a:pPr marL="0" indent="0">
+                  <a:buNone/>
+                </a:pPr>
+                <a14:m>
+                  <m:oMath xmlns:m="http://schemas.openxmlformats.org/officeDocument/2006/math">
+                    <m:sSub>
+                      <m:sSubPr>
+                        <m:ctrlPr>
+                          <a:rPr lang="fr-FR" sz="2000" b="0" i="1" smtClean="0">
+                            <a:latin typeface="Cambria Math" panose="02040503050406030204" pitchFamily="18" charset="0"/>
+                          </a:rPr>
+                        </m:ctrlPr>
+                      </m:sSubPr>
+                      <m:e>
+                        <m:r>
+                          <a:rPr lang="fr-FR" sz="2000" b="0" i="1" smtClean="0">
+                            <a:latin typeface="Cambria Math" panose="02040503050406030204" pitchFamily="18" charset="0"/>
+                          </a:rPr>
+                          <m:t>𝑦</m:t>
+                        </m:r>
+                      </m:e>
+                      <m:sub>
+                        <m:r>
+                          <a:rPr lang="fr-FR" sz="2000" b="0" i="1" smtClean="0">
+                            <a:latin typeface="Cambria Math" panose="02040503050406030204" pitchFamily="18" charset="0"/>
+                          </a:rPr>
+                          <m:t>𝑡</m:t>
+                        </m:r>
+                      </m:sub>
+                    </m:sSub>
+                  </m:oMath>
+                </a14:m>
+                <a:r>
+                  <a:rPr lang="fr-FR" sz="2000" dirty="0"/>
+                  <a:t> est une fonction de </a:t>
+                </a:r>
+                <a14:m>
+                  <m:oMath xmlns:m="http://schemas.openxmlformats.org/officeDocument/2006/math">
+                    <m:sSub>
+                      <m:sSubPr>
+                        <m:ctrlPr>
+                          <a:rPr lang="fr-FR" sz="2000" b="0" i="1" smtClean="0">
+                            <a:latin typeface="Cambria Math" panose="02040503050406030204" pitchFamily="18" charset="0"/>
+                          </a:rPr>
+                        </m:ctrlPr>
+                      </m:sSubPr>
+                      <m:e>
+                        <m:r>
+                          <a:rPr lang="fr-FR" sz="2000" b="0" i="1" smtClean="0">
+                            <a:latin typeface="Cambria Math" panose="02040503050406030204" pitchFamily="18" charset="0"/>
+                          </a:rPr>
+                          <m:t>h</m:t>
+                        </m:r>
+                      </m:e>
+                      <m:sub>
+                        <m:r>
+                          <a:rPr lang="fr-FR" sz="2000" b="0" i="1" smtClean="0">
+                            <a:latin typeface="Cambria Math" panose="02040503050406030204" pitchFamily="18" charset="0"/>
+                          </a:rPr>
+                          <m:t>𝑡</m:t>
+                        </m:r>
+                      </m:sub>
+                    </m:sSub>
+                  </m:oMath>
+                </a14:m>
+                <a:r>
+                  <a:rPr lang="fr-FR" sz="2000" dirty="0"/>
+                  <a:t>, par exemple </a:t>
+                </a:r>
+                <a14:m>
+                  <m:oMath xmlns:m="http://schemas.openxmlformats.org/officeDocument/2006/math">
+                    <m:sSub>
+                      <m:sSubPr>
+                        <m:ctrlPr>
+                          <a:rPr lang="fr-FR" sz="2000" b="0" i="1" smtClean="0">
+                            <a:latin typeface="Cambria Math" panose="02040503050406030204" pitchFamily="18" charset="0"/>
+                          </a:rPr>
+                        </m:ctrlPr>
+                      </m:sSubPr>
+                      <m:e>
+                        <m:r>
+                          <a:rPr lang="fr-FR" sz="2000" b="0" i="1" smtClean="0">
+                            <a:latin typeface="Cambria Math" panose="02040503050406030204" pitchFamily="18" charset="0"/>
+                          </a:rPr>
+                          <m:t>𝑦</m:t>
+                        </m:r>
+                      </m:e>
+                      <m:sub>
+                        <m:r>
+                          <a:rPr lang="fr-FR" sz="2000" b="0" i="1" smtClean="0">
+                            <a:latin typeface="Cambria Math" panose="02040503050406030204" pitchFamily="18" charset="0"/>
+                          </a:rPr>
+                          <m:t>𝑡</m:t>
+                        </m:r>
+                      </m:sub>
+                    </m:sSub>
+                    <m:r>
+                      <a:rPr lang="fr-FR" sz="2000" b="0" i="1" smtClean="0">
+                        <a:latin typeface="Cambria Math" panose="02040503050406030204" pitchFamily="18" charset="0"/>
+                      </a:rPr>
+                      <m:t>=</m:t>
+                    </m:r>
+                    <m:r>
+                      <a:rPr lang="fr-FR" sz="2000" b="0" i="1" smtClean="0">
+                        <a:latin typeface="Cambria Math" panose="02040503050406030204" pitchFamily="18" charset="0"/>
+                      </a:rPr>
+                      <m:t>𝑊</m:t>
+                    </m:r>
+                    <m:sSub>
+                      <m:sSubPr>
+                        <m:ctrlPr>
+                          <a:rPr lang="fr-FR" sz="2000" b="0" i="1" smtClean="0">
+                            <a:latin typeface="Cambria Math" panose="02040503050406030204" pitchFamily="18" charset="0"/>
+                          </a:rPr>
+                        </m:ctrlPr>
+                      </m:sSubPr>
+                      <m:e>
+                        <m:r>
+                          <a:rPr lang="fr-FR" sz="2000" b="0" i="1" smtClean="0">
+                            <a:latin typeface="Cambria Math" panose="02040503050406030204" pitchFamily="18" charset="0"/>
+                          </a:rPr>
+                          <m:t>h</m:t>
+                        </m:r>
+                      </m:e>
+                      <m:sub>
+                        <m:r>
+                          <a:rPr lang="fr-FR" sz="2000" b="0" i="1" smtClean="0">
+                            <a:latin typeface="Cambria Math" panose="02040503050406030204" pitchFamily="18" charset="0"/>
+                          </a:rPr>
+                          <m:t>𝑡</m:t>
+                        </m:r>
+                      </m:sub>
+                    </m:sSub>
+                    <m:r>
+                      <a:rPr lang="fr-FR" sz="2000" b="0" i="1" smtClean="0">
+                        <a:latin typeface="Cambria Math" panose="02040503050406030204" pitchFamily="18" charset="0"/>
+                      </a:rPr>
+                      <m:t>+</m:t>
+                    </m:r>
+                    <m:sSub>
+                      <m:sSubPr>
+                        <m:ctrlPr>
+                          <a:rPr lang="fr-FR" sz="2000" b="0" i="1" smtClean="0">
+                            <a:latin typeface="Cambria Math" panose="02040503050406030204" pitchFamily="18" charset="0"/>
+                          </a:rPr>
+                        </m:ctrlPr>
+                      </m:sSubPr>
+                      <m:e>
+                        <m:r>
+                          <a:rPr lang="fr-FR" sz="2000" b="0" i="1" smtClean="0">
+                            <a:latin typeface="Cambria Math" panose="02040503050406030204" pitchFamily="18" charset="0"/>
+                          </a:rPr>
+                          <m:t>𝑏</m:t>
+                        </m:r>
+                      </m:e>
+                      <m:sub>
+                        <m:r>
+                          <a:rPr lang="fr-FR" sz="2000" b="0" i="1" smtClean="0">
+                            <a:latin typeface="Cambria Math" panose="02040503050406030204" pitchFamily="18" charset="0"/>
+                          </a:rPr>
+                          <m:t>𝑦</m:t>
+                        </m:r>
+                      </m:sub>
+                    </m:sSub>
+                  </m:oMath>
+                </a14:m>
+                <a:r>
+                  <a:rPr lang="fr-FR" sz="2000" dirty="0"/>
+                  <a:t> (relation linéaire).</a:t>
+                </a:r>
+              </a:p>
+              <a:p>
+                <a:pPr marL="0" indent="0">
+                  <a:buNone/>
+                </a:pPr>
+                <a:r>
+                  <a:rPr lang="fr-FR" sz="2000" b="1" dirty="0"/>
+                  <a:t>Amélioration</a:t>
+                </a:r>
+                <a:r>
+                  <a:rPr lang="fr-FR" sz="2000" dirty="0"/>
+                  <a:t> par rapport au MLP : ajout d’une mémoire </a:t>
+                </a:r>
+                <a14:m>
+                  <m:oMath xmlns:m="http://schemas.openxmlformats.org/officeDocument/2006/math">
+                    <m:r>
+                      <a:rPr lang="fr-FR" sz="2000" b="0" i="1" smtClean="0">
+                        <a:latin typeface="Cambria Math" panose="02040503050406030204" pitchFamily="18" charset="0"/>
+                      </a:rPr>
+                      <m:t>⇒</m:t>
+                    </m:r>
+                  </m:oMath>
+                </a14:m>
+                <a:r>
+                  <a:rPr lang="fr-FR" sz="2000" dirty="0"/>
+                  <a:t> partage des paramètres entre les pas de temps </a:t>
+                </a:r>
+                <a14:m>
+                  <m:oMath xmlns:m="http://schemas.openxmlformats.org/officeDocument/2006/math">
+                    <m:r>
+                      <a:rPr lang="fr-FR" sz="2000" b="0" i="1" smtClean="0">
+                        <a:latin typeface="Cambria Math" panose="02040503050406030204" pitchFamily="18" charset="0"/>
+                      </a:rPr>
+                      <m:t>𝑡</m:t>
+                    </m:r>
+                  </m:oMath>
+                </a14:m>
+                <a:r>
+                  <a:rPr lang="fr-FR" sz="2000" dirty="0"/>
+                  <a:t> </a:t>
+                </a:r>
+                <a14:m>
+                  <m:oMath xmlns:m="http://schemas.openxmlformats.org/officeDocument/2006/math">
+                    <m:r>
+                      <a:rPr lang="fr-FR" sz="2000" b="0" i="1" dirty="0" smtClean="0">
+                        <a:latin typeface="Cambria Math" panose="02040503050406030204" pitchFamily="18" charset="0"/>
+                      </a:rPr>
+                      <m:t>⇒</m:t>
+                    </m:r>
+                  </m:oMath>
+                </a14:m>
+                <a:r>
+                  <a:rPr lang="fr-FR" sz="2000" dirty="0"/>
+                  <a:t> plus facile à entraîner (nécessite moins de paramètres).</a:t>
+                </a:r>
+              </a:p>
+              <a:p>
+                <a:pPr marL="0" indent="0">
+                  <a:buNone/>
+                </a:pPr>
+                <a:r>
+                  <a:rPr lang="fr-FR" sz="2000" b="1" dirty="0"/>
+                  <a:t>Limitations</a:t>
+                </a:r>
+                <a:r>
+                  <a:rPr lang="fr-FR" sz="2000" dirty="0"/>
+                  <a:t> : temps-invariant, difficile à entrainer sur de longues séquences (perte de sensibilité = </a:t>
+                </a:r>
+                <a:r>
+                  <a:rPr lang="fr-FR" sz="2000" i="1" dirty="0" err="1"/>
+                  <a:t>vanishing</a:t>
+                </a:r>
+                <a:r>
+                  <a:rPr lang="fr-FR" sz="2000" i="1" dirty="0"/>
+                  <a:t> gradient</a:t>
+                </a:r>
+                <a:r>
+                  <a:rPr lang="fr-FR" sz="2000" dirty="0"/>
+                  <a:t>) .</a:t>
+                </a:r>
+              </a:p>
+            </p:txBody>
+          </p:sp>
+        </mc:Choice>
+        <mc:Fallback>
+          <p:sp>
+            <p:nvSpPr>
+              <p:cNvPr id="3" name="Espace réservé du contenu 2">
+                <a:extLst>
+                  <a:ext uri="{FF2B5EF4-FFF2-40B4-BE49-F238E27FC236}">
+                    <a16:creationId xmlns:a16="http://schemas.microsoft.com/office/drawing/2014/main" id="{B59E77B8-2D75-472C-B76C-ABDDE0CAFCD5}"/>
+                  </a:ext>
+                </a:extLst>
+              </p:cNvPr>
+              <p:cNvSpPr>
+                <a:spLocks noGrp="1" noRot="1" noChangeAspect="1" noMove="1" noResize="1" noEditPoints="1" noAdjustHandles="1" noChangeArrowheads="1" noChangeShapeType="1" noTextEdit="1"/>
+              </p:cNvSpPr>
+              <p:nvPr>
+                <p:ph idx="1"/>
+              </p:nvPr>
+            </p:nvSpPr>
+            <p:spPr>
+              <a:xfrm>
+                <a:off x="537750" y="429086"/>
+                <a:ext cx="10839994" cy="6021978"/>
+              </a:xfrm>
+              <a:blipFill>
+                <a:blip r:embed="rId2"/>
+                <a:stretch>
+                  <a:fillRect l="-844" t="-1923"/>
+                </a:stretch>
+              </a:blipFill>
+            </p:spPr>
+            <p:txBody>
+              <a:bodyPr/>
+              <a:lstStyle/>
+              <a:p>
+                <a:r>
+                  <a:rPr lang="en-US">
+                    <a:noFill/>
+                  </a:rPr>
+                  <a:t> </a:t>
+                </a:r>
+              </a:p>
+            </p:txBody>
+          </p:sp>
+        </mc:Fallback>
+      </mc:AlternateContent>
+      <p:pic>
+        <p:nvPicPr>
+          <p:cNvPr id="8" name="Image 7">
+            <a:extLst>
+              <a:ext uri="{FF2B5EF4-FFF2-40B4-BE49-F238E27FC236}">
+                <a16:creationId xmlns:a16="http://schemas.microsoft.com/office/drawing/2014/main" id="{E3B5A421-142D-4693-9A84-74E8DB4AE9E2}"/>
+              </a:ext>
+            </a:extLst>
+          </p:cNvPr>
+          <p:cNvPicPr>
+            <a:picLocks noChangeAspect="1"/>
+          </p:cNvPicPr>
+          <p:nvPr/>
+        </p:nvPicPr>
+        <p:blipFill>
+          <a:blip r:embed="rId3">
+            <a:extLst>
+              <a:ext uri="{28A0092B-C50C-407E-A947-70E740481C1C}">
+                <a14:useLocalDpi xmlns:a14="http://schemas.microsoft.com/office/drawing/2010/main" val="0"/>
+              </a:ext>
+            </a:extLst>
+          </a:blip>
+          <a:stretch>
+            <a:fillRect/>
+          </a:stretch>
+        </p:blipFill>
+        <p:spPr>
+          <a:xfrm>
+            <a:off x="4782115" y="813378"/>
+            <a:ext cx="7226866" cy="2700000"/>
+          </a:xfrm>
+          <a:prstGeom prst="rect">
+            <a:avLst/>
+          </a:prstGeom>
+        </p:spPr>
+      </p:pic>
+      <p:pic>
+        <p:nvPicPr>
+          <p:cNvPr id="12" name="Image 11">
+            <a:extLst>
+              <a:ext uri="{FF2B5EF4-FFF2-40B4-BE49-F238E27FC236}">
+                <a16:creationId xmlns:a16="http://schemas.microsoft.com/office/drawing/2014/main" id="{95D99982-E0B7-453D-AC6D-BBD470BF3346}"/>
+              </a:ext>
+            </a:extLst>
+          </p:cNvPr>
+          <p:cNvPicPr>
+            <a:picLocks noChangeAspect="1"/>
+          </p:cNvPicPr>
+          <p:nvPr/>
+        </p:nvPicPr>
+        <p:blipFill>
+          <a:blip r:embed="rId4">
+            <a:extLst>
+              <a:ext uri="{28A0092B-C50C-407E-A947-70E740481C1C}">
+                <a14:useLocalDpi xmlns:a14="http://schemas.microsoft.com/office/drawing/2010/main" val="0"/>
+              </a:ext>
+            </a:extLst>
+          </a:blip>
+          <a:stretch>
+            <a:fillRect/>
+          </a:stretch>
+        </p:blipFill>
+        <p:spPr>
+          <a:xfrm>
+            <a:off x="6218424" y="3669719"/>
+            <a:ext cx="4524375" cy="842963"/>
+          </a:xfrm>
+          <a:prstGeom prst="rect">
+            <a:avLst/>
+          </a:prstGeom>
+        </p:spPr>
+      </p:pic>
+      <p:sp>
+        <p:nvSpPr>
+          <p:cNvPr id="14" name="ZoneTexte 13">
+            <a:extLst>
+              <a:ext uri="{FF2B5EF4-FFF2-40B4-BE49-F238E27FC236}">
+                <a16:creationId xmlns:a16="http://schemas.microsoft.com/office/drawing/2014/main" id="{C9178262-78BC-4F75-9CB3-9C57352A73E2}"/>
+              </a:ext>
+            </a:extLst>
+          </p:cNvPr>
+          <p:cNvSpPr txBox="1"/>
+          <p:nvPr/>
+        </p:nvSpPr>
+        <p:spPr>
+          <a:xfrm>
+            <a:off x="122424" y="6417139"/>
+            <a:ext cx="6096000" cy="369332"/>
+          </a:xfrm>
+          <a:prstGeom prst="rect">
+            <a:avLst/>
+          </a:prstGeom>
+          <a:noFill/>
+        </p:spPr>
+        <p:txBody>
+          <a:bodyPr wrap="square">
+            <a:spAutoFit/>
+          </a:bodyPr>
+          <a:lstStyle/>
+          <a:p>
+            <a:r>
+              <a:rPr lang="en-US" dirty="0"/>
+              <a:t>https://colah.github.io/posts/2015-08-Understanding-LSTMs/</a:t>
+            </a:r>
+          </a:p>
+        </p:txBody>
+      </p:sp>
+    </p:spTree>
+    <p:extLst>
+      <p:ext uri="{BB962C8B-B14F-4D97-AF65-F5344CB8AC3E}">
+        <p14:creationId xmlns:p14="http://schemas.microsoft.com/office/powerpoint/2010/main" val="1331093647"/>
+      </p:ext>
+    </p:extLst>
+  </p:cSld>
+  <p:clrMapOvr>
+    <a:masterClrMapping/>
+  </p:clrMapOvr>
+</p:sld>
+</file>
+
+<file path=ppt/slides/slide38.xml><?xml version="1.0" encoding="utf-8"?>
+<p:sld xmlns:a="http://schemas.openxmlformats.org/drawingml/2006/main" xmlns:r="http://schemas.openxmlformats.org/officeDocument/2006/relationships" xmlns:p="http://schemas.openxmlformats.org/presentationml/2006/main">
+  <p:cSld>
+    <p:spTree>
+      <p:nvGrpSpPr>
+        <p:cNvPr id="1" name=""/>
+        <p:cNvGrpSpPr/>
+        <p:nvPr/>
+      </p:nvGrpSpPr>
+      <p:grpSpPr>
+        <a:xfrm>
+          <a:off x="0" y="0"/>
+          <a:ext cx="0" cy="0"/>
+          <a:chOff x="0" y="0"/>
+          <a:chExt cx="0" cy="0"/>
+        </a:xfrm>
+      </p:grpSpPr>
+      <mc:AlternateContent xmlns:mc="http://schemas.openxmlformats.org/markup-compatibility/2006">
+        <mc:Choice xmlns:a14="http://schemas.microsoft.com/office/drawing/2010/main" Requires="a14">
+          <p:sp>
+            <p:nvSpPr>
+              <p:cNvPr id="3" name="Espace réservé du contenu 2">
+                <a:extLst>
+                  <a:ext uri="{FF2B5EF4-FFF2-40B4-BE49-F238E27FC236}">
+                    <a16:creationId xmlns:a16="http://schemas.microsoft.com/office/drawing/2014/main" id="{B59E77B8-2D75-472C-B76C-ABDDE0CAFCD5}"/>
+                  </a:ext>
+                </a:extLst>
+              </p:cNvPr>
+              <p:cNvSpPr>
+                <a:spLocks noGrp="1"/>
+              </p:cNvSpPr>
+              <p:nvPr>
+                <p:ph idx="1"/>
+              </p:nvPr>
+            </p:nvSpPr>
+            <p:spPr>
+              <a:xfrm>
+                <a:off x="537750" y="429086"/>
+                <a:ext cx="10839994" cy="6021978"/>
+              </a:xfrm>
+            </p:spPr>
+            <p:txBody>
+              <a:bodyPr>
+                <a:normAutofit/>
+              </a:bodyPr>
+              <a:lstStyle/>
+              <a:p>
+                <a:pPr marL="0" indent="0">
+                  <a:buNone/>
+                </a:pPr>
+                <a:endParaRPr lang="fr-FR" sz="2400" dirty="0"/>
+              </a:p>
+              <a:p>
+                <a:pPr marL="0" indent="0">
+                  <a:buNone/>
+                </a:pPr>
+                <a:endParaRPr lang="fr-FR" sz="2000" u="sng" dirty="0"/>
+              </a:p>
+              <a:p>
+                <a:pPr marL="0" indent="0">
+                  <a:buNone/>
+                </a:pPr>
+                <a:r>
+                  <a:rPr lang="fr-FR" sz="2000" u="sng" dirty="0"/>
+                  <a:t>LSTM :</a:t>
+                </a:r>
+              </a:p>
+              <a:p>
+                <a:pPr marL="0" indent="0">
+                  <a:buNone/>
+                </a:pPr>
+                <a:endParaRPr lang="fr-FR" sz="2000" u="sng" dirty="0"/>
+              </a:p>
+              <a:p>
+                <a:pPr marL="0" indent="0">
+                  <a:buNone/>
+                </a:pPr>
+                <a:endParaRPr lang="fr-FR" sz="2000" dirty="0"/>
+              </a:p>
+              <a:p>
+                <a:pPr marL="0" indent="0">
+                  <a:buNone/>
+                </a:pPr>
+                <a:endParaRPr lang="fr-FR" sz="1800" u="sng" dirty="0"/>
+              </a:p>
+              <a:p>
+                <a:pPr marL="0" indent="0">
+                  <a:buNone/>
+                </a:pPr>
+                <a:endParaRPr lang="fr-FR" sz="1800" dirty="0"/>
+              </a:p>
+              <a:p>
+                <a:pPr marL="0" indent="0">
+                  <a:buNone/>
+                </a:pPr>
+                <a:endParaRPr lang="fr-FR" sz="1800" dirty="0"/>
+              </a:p>
+              <a:p>
+                <a:pPr marL="0" indent="0">
+                  <a:buNone/>
+                </a:pPr>
+                <a:endParaRPr lang="fr-FR" sz="1800" dirty="0"/>
+              </a:p>
+              <a:p>
+                <a:pPr marL="0" indent="0">
+                  <a:buNone/>
+                </a:pPr>
+                <a:endParaRPr lang="fr-FR" sz="1800" dirty="0"/>
+              </a:p>
+              <a:p>
+                <a:pPr marL="0" indent="0">
+                  <a:buNone/>
+                </a:pPr>
+                <a:r>
+                  <a:rPr lang="fr-FR" sz="1800" dirty="0"/>
+                  <a:t>Mécanisme de porte (</a:t>
+                </a:r>
+                <a:r>
+                  <a:rPr lang="fr-FR" sz="1800" b="1" i="1" dirty="0" err="1"/>
+                  <a:t>gate</a:t>
+                </a:r>
+                <a:r>
+                  <a:rPr lang="fr-FR" sz="1800" dirty="0"/>
+                  <a:t>) pour décider si</a:t>
+                </a:r>
+              </a:p>
+              <a:p>
+                <a:pPr marL="0" indent="0">
+                  <a:buNone/>
+                </a:pPr>
+                <a:r>
+                  <a:rPr lang="fr-FR" sz="1800" dirty="0"/>
+                  <a:t>on laisse passer une information :</a:t>
+                </a:r>
+              </a:p>
+              <a:p>
+                <a:pPr marL="0" indent="0">
+                  <a:buNone/>
+                </a:pPr>
+                <a14:m>
+                  <m:oMath xmlns:m="http://schemas.openxmlformats.org/officeDocument/2006/math">
+                    <m:r>
+                      <a:rPr lang="fr-FR" sz="1800" b="0" i="1" smtClean="0">
+                        <a:latin typeface="Cambria Math" panose="02040503050406030204" pitchFamily="18" charset="0"/>
+                      </a:rPr>
+                      <m:t>𝜎</m:t>
+                    </m:r>
+                  </m:oMath>
+                </a14:m>
+                <a:r>
+                  <a:rPr lang="fr-FR" sz="1800" dirty="0"/>
+                  <a:t> représente la fonction </a:t>
+                </a:r>
+                <a:r>
+                  <a:rPr lang="fr-FR" sz="1800" dirty="0" err="1"/>
+                  <a:t>sigmoide</a:t>
+                </a:r>
+                <a:r>
+                  <a:rPr lang="fr-FR" sz="1800" dirty="0"/>
+                  <a:t>, avec</a:t>
+                </a:r>
+              </a:p>
+              <a:p>
+                <a:pPr marL="0" indent="0">
+                  <a:buNone/>
+                </a:pPr>
+                <a:r>
+                  <a:rPr lang="fr-FR" sz="1800" dirty="0"/>
+                  <a:t>en sortie un signal entre 0 (ne laisse rien passer)</a:t>
+                </a:r>
+              </a:p>
+              <a:p>
+                <a:pPr marL="0" indent="0">
+                  <a:buNone/>
+                </a:pPr>
+                <a:r>
+                  <a:rPr lang="fr-FR" sz="1800" dirty="0"/>
+                  <a:t>et 1 (laisse tout passer).</a:t>
+                </a:r>
+              </a:p>
+            </p:txBody>
+          </p:sp>
+        </mc:Choice>
+        <mc:Fallback>
+          <p:sp>
+            <p:nvSpPr>
+              <p:cNvPr id="3" name="Espace réservé du contenu 2">
+                <a:extLst>
+                  <a:ext uri="{FF2B5EF4-FFF2-40B4-BE49-F238E27FC236}">
+                    <a16:creationId xmlns:a16="http://schemas.microsoft.com/office/drawing/2014/main" id="{B59E77B8-2D75-472C-B76C-ABDDE0CAFCD5}"/>
+                  </a:ext>
+                </a:extLst>
+              </p:cNvPr>
+              <p:cNvSpPr>
+                <a:spLocks noGrp="1" noRot="1" noChangeAspect="1" noMove="1" noResize="1" noEditPoints="1" noAdjustHandles="1" noChangeArrowheads="1" noChangeShapeType="1" noTextEdit="1"/>
+              </p:cNvSpPr>
+              <p:nvPr>
+                <p:ph idx="1"/>
+              </p:nvPr>
+            </p:nvSpPr>
+            <p:spPr>
+              <a:xfrm>
+                <a:off x="537750" y="429086"/>
+                <a:ext cx="10839994" cy="6021978"/>
+              </a:xfrm>
+              <a:blipFill>
+                <a:blip r:embed="rId2"/>
+                <a:stretch>
+                  <a:fillRect l="-562"/>
+                </a:stretch>
+              </a:blipFill>
+            </p:spPr>
+            <p:txBody>
+              <a:bodyPr/>
+              <a:lstStyle/>
+              <a:p>
+                <a:r>
+                  <a:rPr lang="en-US">
+                    <a:noFill/>
+                  </a:rPr>
+                  <a:t> </a:t>
+                </a:r>
+              </a:p>
+            </p:txBody>
+          </p:sp>
+        </mc:Fallback>
+      </mc:AlternateContent>
+      <p:pic>
+        <p:nvPicPr>
+          <p:cNvPr id="12" name="Image 11">
+            <a:extLst>
+              <a:ext uri="{FF2B5EF4-FFF2-40B4-BE49-F238E27FC236}">
+                <a16:creationId xmlns:a16="http://schemas.microsoft.com/office/drawing/2014/main" id="{95D99982-E0B7-453D-AC6D-BBD470BF3346}"/>
+              </a:ext>
+            </a:extLst>
+          </p:cNvPr>
+          <p:cNvPicPr>
+            <a:picLocks noChangeAspect="1"/>
+          </p:cNvPicPr>
+          <p:nvPr/>
+        </p:nvPicPr>
+        <p:blipFill>
+          <a:blip r:embed="rId3">
+            <a:extLst>
+              <a:ext uri="{28A0092B-C50C-407E-A947-70E740481C1C}">
+                <a14:useLocalDpi xmlns:a14="http://schemas.microsoft.com/office/drawing/2010/main" val="0"/>
+              </a:ext>
+            </a:extLst>
+          </a:blip>
+          <a:stretch>
+            <a:fillRect/>
+          </a:stretch>
+        </p:blipFill>
+        <p:spPr>
+          <a:xfrm>
+            <a:off x="6218424" y="3676976"/>
+            <a:ext cx="4524375" cy="842963"/>
+          </a:xfrm>
+          <a:prstGeom prst="rect">
+            <a:avLst/>
+          </a:prstGeom>
+        </p:spPr>
+      </p:pic>
+      <p:pic>
+        <p:nvPicPr>
+          <p:cNvPr id="9" name="Image 8">
+            <a:extLst>
+              <a:ext uri="{FF2B5EF4-FFF2-40B4-BE49-F238E27FC236}">
+                <a16:creationId xmlns:a16="http://schemas.microsoft.com/office/drawing/2014/main" id="{F89E3A92-4771-45B0-81CE-63C20D8AD224}"/>
+              </a:ext>
+            </a:extLst>
+          </p:cNvPr>
+          <p:cNvPicPr>
+            <a:picLocks noChangeAspect="1"/>
+          </p:cNvPicPr>
+          <p:nvPr/>
+        </p:nvPicPr>
+        <p:blipFill>
+          <a:blip r:embed="rId4">
+            <a:extLst>
+              <a:ext uri="{28A0092B-C50C-407E-A947-70E740481C1C}">
+                <a14:useLocalDpi xmlns:a14="http://schemas.microsoft.com/office/drawing/2010/main" val="0"/>
+              </a:ext>
+            </a:extLst>
+          </a:blip>
+          <a:stretch>
+            <a:fillRect/>
+          </a:stretch>
+        </p:blipFill>
+        <p:spPr>
+          <a:xfrm>
+            <a:off x="4802022" y="740075"/>
+            <a:ext cx="7193284" cy="2700000"/>
+          </a:xfrm>
+          <a:prstGeom prst="rect">
+            <a:avLst/>
+          </a:prstGeom>
+        </p:spPr>
+      </p:pic>
+      <p:pic>
+        <p:nvPicPr>
+          <p:cNvPr id="11" name="Image 10">
+            <a:extLst>
+              <a:ext uri="{FF2B5EF4-FFF2-40B4-BE49-F238E27FC236}">
+                <a16:creationId xmlns:a16="http://schemas.microsoft.com/office/drawing/2014/main" id="{1422DF00-E49F-4430-9996-837AFD0D5FA8}"/>
+              </a:ext>
+            </a:extLst>
+          </p:cNvPr>
+          <p:cNvPicPr>
+            <a:picLocks noChangeAspect="1"/>
+          </p:cNvPicPr>
+          <p:nvPr/>
+        </p:nvPicPr>
+        <p:blipFill>
+          <a:blip r:embed="rId5">
+            <a:extLst>
+              <a:ext uri="{28A0092B-C50C-407E-A947-70E740481C1C}">
+                <a14:useLocalDpi xmlns:a14="http://schemas.microsoft.com/office/drawing/2010/main" val="0"/>
+              </a:ext>
+            </a:extLst>
+          </a:blip>
+          <a:stretch>
+            <a:fillRect/>
+          </a:stretch>
+        </p:blipFill>
+        <p:spPr>
+          <a:xfrm>
+            <a:off x="5197248" y="4789238"/>
+            <a:ext cx="1138238" cy="1392526"/>
+          </a:xfrm>
+          <a:prstGeom prst="rect">
+            <a:avLst/>
+          </a:prstGeom>
+        </p:spPr>
+      </p:pic>
+      <p:sp>
+        <p:nvSpPr>
+          <p:cNvPr id="14" name="ZoneTexte 13">
+            <a:extLst>
+              <a:ext uri="{FF2B5EF4-FFF2-40B4-BE49-F238E27FC236}">
+                <a16:creationId xmlns:a16="http://schemas.microsoft.com/office/drawing/2014/main" id="{04AEDC4E-B42D-4FA5-862A-C113D989EBEA}"/>
+              </a:ext>
+            </a:extLst>
+          </p:cNvPr>
+          <p:cNvSpPr txBox="1"/>
+          <p:nvPr/>
+        </p:nvSpPr>
+        <p:spPr>
+          <a:xfrm>
+            <a:off x="122424" y="6417139"/>
+            <a:ext cx="6096000" cy="369332"/>
+          </a:xfrm>
+          <a:prstGeom prst="rect">
+            <a:avLst/>
+          </a:prstGeom>
+          <a:noFill/>
+        </p:spPr>
+        <p:txBody>
+          <a:bodyPr wrap="square">
+            <a:spAutoFit/>
+          </a:bodyPr>
+          <a:lstStyle/>
+          <a:p>
+            <a:r>
+              <a:rPr lang="en-US" dirty="0"/>
+              <a:t>https://colah.github.io/posts/2015-08-Understanding-LSTMs/</a:t>
+            </a:r>
+          </a:p>
+        </p:txBody>
+      </p:sp>
+    </p:spTree>
+    <p:extLst>
+      <p:ext uri="{BB962C8B-B14F-4D97-AF65-F5344CB8AC3E}">
+        <p14:creationId xmlns:p14="http://schemas.microsoft.com/office/powerpoint/2010/main" val="229611731"/>
+      </p:ext>
+    </p:extLst>
+  </p:cSld>
+  <p:clrMapOvr>
+    <a:masterClrMapping/>
+  </p:clrMapOvr>
+</p:sld>
+</file>
+
+<file path=ppt/slides/slide39.xml><?xml version="1.0" encoding="utf-8"?>
+<p:sld xmlns:a="http://schemas.openxmlformats.org/drawingml/2006/main" xmlns:r="http://schemas.openxmlformats.org/officeDocument/2006/relationships" xmlns:p="http://schemas.openxmlformats.org/presentationml/2006/main">
+  <p:cSld>
+    <p:spTree>
+      <p:nvGrpSpPr>
+        <p:cNvPr id="1" name=""/>
+        <p:cNvGrpSpPr/>
+        <p:nvPr/>
+      </p:nvGrpSpPr>
+      <p:grpSpPr>
+        <a:xfrm>
+          <a:off x="0" y="0"/>
+          <a:ext cx="0" cy="0"/>
+          <a:chOff x="0" y="0"/>
+          <a:chExt cx="0" cy="0"/>
+        </a:xfrm>
+      </p:grpSpPr>
       <p:sp>
         <p:nvSpPr>
           <p:cNvPr id="3" name="Espace réservé du contenu 2">
@@ -32694,15 +33852,118 @@
             <a:pPr marL="0" indent="0">
               <a:buNone/>
             </a:pPr>
-            <a:r>
-              <a:rPr lang="fr-FR" sz="2400" dirty="0"/>
-              <a:t>4.1 Principaux </a:t>
-            </a:r>
-            <a:r>
-              <a:rPr lang="fr-FR" sz="2400" dirty="0" err="1"/>
-              <a:t>RNNs</a:t>
-            </a:r>
-            <a:endParaRPr lang="fr-FR" sz="2400" u="sng" dirty="0"/>
+            <a:endParaRPr lang="fr-FR" sz="2400" dirty="0"/>
+          </a:p>
+          <a:p>
+            <a:pPr marL="0" indent="0">
+              <a:buNone/>
+            </a:pPr>
+            <a:endParaRPr lang="fr-FR" sz="2000" u="sng" dirty="0"/>
+          </a:p>
+          <a:p>
+            <a:pPr marL="0" indent="0">
+              <a:buNone/>
+            </a:pPr>
+            <a:r>
+              <a:rPr lang="fr-FR" sz="2000" u="sng" dirty="0"/>
+              <a:t>LSTM :</a:t>
+            </a:r>
+          </a:p>
+          <a:p>
+            <a:pPr marL="0" indent="0">
+              <a:buNone/>
+            </a:pPr>
+            <a:endParaRPr lang="fr-FR" sz="2000" u="sng" dirty="0"/>
+          </a:p>
+          <a:p>
+            <a:pPr marL="0" indent="0">
+              <a:buNone/>
+            </a:pPr>
+            <a:endParaRPr lang="fr-FR" sz="2000" u="sng" dirty="0"/>
+          </a:p>
+          <a:p>
+            <a:pPr marL="0" indent="0">
+              <a:buNone/>
+            </a:pPr>
+            <a:endParaRPr lang="fr-FR" sz="2000" u="sng" dirty="0"/>
+          </a:p>
+          <a:p>
+            <a:pPr marL="0" indent="0">
+              <a:buNone/>
+            </a:pPr>
+            <a:endParaRPr lang="fr-FR" sz="2000" u="sng" dirty="0"/>
+          </a:p>
+          <a:p>
+            <a:pPr marL="0" indent="0">
+              <a:buNone/>
+            </a:pPr>
+            <a:endParaRPr lang="fr-FR" sz="2000" u="sng" dirty="0"/>
+          </a:p>
+          <a:p>
+            <a:pPr marL="0" indent="0">
+              <a:buNone/>
+            </a:pPr>
+            <a:endParaRPr lang="fr-FR" sz="2000" u="sng" dirty="0"/>
+          </a:p>
+          <a:p>
+            <a:pPr marL="0" indent="0">
+              <a:buNone/>
+            </a:pPr>
+            <a:endParaRPr lang="fr-FR" sz="2000" u="sng" dirty="0"/>
+          </a:p>
+          <a:p>
+            <a:pPr marL="0" indent="0">
+              <a:buNone/>
+            </a:pPr>
+            <a:endParaRPr lang="fr-FR" sz="2000" u="sng" dirty="0"/>
+          </a:p>
+          <a:p>
+            <a:pPr marL="0" indent="0">
+              <a:buNone/>
+            </a:pPr>
+            <a:endParaRPr lang="fr-FR" sz="2000" u="sng" dirty="0"/>
+          </a:p>
+          <a:p>
+            <a:pPr marL="0" indent="0">
+              <a:buNone/>
+            </a:pPr>
+            <a:r>
+              <a:rPr lang="fr-FR" sz="2000" dirty="0"/>
+              <a:t>Expérimentalement, les LSTM ont montré leur efficacité pour modéliser des systèmes complexes.</a:t>
+            </a:r>
+          </a:p>
+          <a:p>
+            <a:pPr marL="0" indent="0">
+              <a:buNone/>
+            </a:pPr>
+            <a:r>
+              <a:rPr lang="fr-FR" sz="2000" dirty="0"/>
+              <a:t>En théorie, ils sont difficiles à analyser et restent encore mal compris.</a:t>
+            </a:r>
+          </a:p>
+          <a:p>
+            <a:pPr marL="0" indent="0">
+              <a:buNone/>
+            </a:pPr>
+            <a:endParaRPr lang="fr-FR" sz="2000" u="sng" dirty="0"/>
+          </a:p>
+          <a:p>
+            <a:pPr marL="0" indent="0">
+              <a:buNone/>
+            </a:pPr>
+            <a:endParaRPr lang="fr-FR" sz="2000" u="sng" dirty="0"/>
+          </a:p>
+          <a:p>
+            <a:pPr marL="0" indent="0">
+              <a:buNone/>
+            </a:pPr>
+            <a:endParaRPr lang="fr-FR" sz="2000" u="sng" dirty="0"/>
+          </a:p>
+          <a:p>
+            <a:pPr marL="0" indent="0">
+              <a:buNone/>
+            </a:pPr>
+            <a:endParaRPr lang="fr-FR" sz="2000" u="sng" dirty="0"/>
           </a:p>
           <a:p>
             <a:pPr marL="0" indent="0">
@@ -32716,12 +33977,560 @@
             </a:pPr>
             <a:endParaRPr lang="fr-FR" sz="2000" dirty="0"/>
           </a:p>
+          <a:p>
+            <a:pPr marL="0" indent="0">
+              <a:buNone/>
+            </a:pPr>
+            <a:endParaRPr lang="fr-FR" sz="1800" u="sng" dirty="0"/>
+          </a:p>
+          <a:p>
+            <a:pPr marL="0" indent="0">
+              <a:buNone/>
+            </a:pPr>
+            <a:endParaRPr lang="fr-FR" sz="1800" dirty="0"/>
+          </a:p>
+          <a:p>
+            <a:pPr marL="0" indent="0">
+              <a:buNone/>
+            </a:pPr>
+            <a:endParaRPr lang="fr-FR" sz="1800" dirty="0"/>
+          </a:p>
+          <a:p>
+            <a:pPr marL="0" indent="0">
+              <a:buNone/>
+            </a:pPr>
+            <a:endParaRPr lang="fr-FR" sz="1800" dirty="0"/>
+          </a:p>
+          <a:p>
+            <a:pPr marL="0" indent="0">
+              <a:buNone/>
+            </a:pPr>
+            <a:endParaRPr lang="fr-FR" sz="1800" dirty="0"/>
+          </a:p>
+        </p:txBody>
+      </p:sp>
+      <p:pic>
+        <p:nvPicPr>
+          <p:cNvPr id="20" name="Image 19">
+            <a:extLst>
+              <a:ext uri="{FF2B5EF4-FFF2-40B4-BE49-F238E27FC236}">
+                <a16:creationId xmlns:a16="http://schemas.microsoft.com/office/drawing/2014/main" id="{7CF5247B-E80C-4EC0-9B26-7829AB6741AF}"/>
+              </a:ext>
+            </a:extLst>
+          </p:cNvPr>
+          <p:cNvPicPr>
+            <a:picLocks noChangeAspect="1"/>
+          </p:cNvPicPr>
+          <p:nvPr/>
+        </p:nvPicPr>
+        <p:blipFill>
+          <a:blip r:embed="rId2">
+            <a:extLst>
+              <a:ext uri="{28A0092B-C50C-407E-A947-70E740481C1C}">
+                <a14:useLocalDpi xmlns:a14="http://schemas.microsoft.com/office/drawing/2010/main" val="0"/>
+              </a:ext>
+            </a:extLst>
+          </a:blip>
+          <a:stretch>
+            <a:fillRect/>
+          </a:stretch>
+        </p:blipFill>
+        <p:spPr>
+          <a:xfrm>
+            <a:off x="1373056" y="1647373"/>
+            <a:ext cx="9891273" cy="3048680"/>
+          </a:xfrm>
+          <a:prstGeom prst="rect">
+            <a:avLst/>
+          </a:prstGeom>
+        </p:spPr>
+      </p:pic>
+      <p:cxnSp>
+        <p:nvCxnSpPr>
+          <p:cNvPr id="22" name="Connecteur droit avec flèche 21">
+            <a:extLst>
+              <a:ext uri="{FF2B5EF4-FFF2-40B4-BE49-F238E27FC236}">
+                <a16:creationId xmlns:a16="http://schemas.microsoft.com/office/drawing/2014/main" id="{657836A6-6F88-497C-8909-A131BD310C79}"/>
+              </a:ext>
+            </a:extLst>
+          </p:cNvPr>
+          <p:cNvCxnSpPr>
+            <a:cxnSpLocks/>
+          </p:cNvCxnSpPr>
+          <p:nvPr/>
+        </p:nvCxnSpPr>
+        <p:spPr>
+          <a:xfrm>
+            <a:off x="4492171" y="1762878"/>
+            <a:ext cx="297543" cy="762000"/>
+          </a:xfrm>
+          <a:prstGeom prst="straightConnector1">
+            <a:avLst/>
+          </a:prstGeom>
+          <a:ln w="19050">
+            <a:solidFill>
+              <a:srgbClr val="FF0000"/>
+            </a:solidFill>
+            <a:tailEnd type="triangle"/>
+          </a:ln>
+        </p:spPr>
+        <p:style>
+          <a:lnRef idx="1">
+            <a:schemeClr val="accent1"/>
+          </a:lnRef>
+          <a:fillRef idx="0">
+            <a:schemeClr val="accent1"/>
+          </a:fillRef>
+          <a:effectRef idx="0">
+            <a:schemeClr val="accent1"/>
+          </a:effectRef>
+          <a:fontRef idx="minor">
+            <a:schemeClr val="tx1"/>
+          </a:fontRef>
+        </p:style>
+      </p:cxnSp>
+      <mc:AlternateContent xmlns:mc="http://schemas.openxmlformats.org/markup-compatibility/2006">
+        <mc:Choice xmlns:a14="http://schemas.microsoft.com/office/drawing/2010/main" Requires="a14">
+          <p:sp>
+            <p:nvSpPr>
+              <p:cNvPr id="23" name="ZoneTexte 22">
+                <a:extLst>
+                  <a:ext uri="{FF2B5EF4-FFF2-40B4-BE49-F238E27FC236}">
+                    <a16:creationId xmlns:a16="http://schemas.microsoft.com/office/drawing/2014/main" id="{1FEFD9C1-E0B3-4BA6-90D6-DEE7884AF016}"/>
+                  </a:ext>
+                </a:extLst>
+              </p:cNvPr>
+              <p:cNvSpPr txBox="1"/>
+              <p:nvPr/>
+            </p:nvSpPr>
+            <p:spPr>
+              <a:xfrm>
+                <a:off x="2997200" y="1001042"/>
+                <a:ext cx="3071097" cy="646331"/>
+              </a:xfrm>
+              <a:prstGeom prst="rect">
+                <a:avLst/>
+              </a:prstGeom>
+              <a:noFill/>
+            </p:spPr>
+            <p:txBody>
+              <a:bodyPr wrap="none" rtlCol="0">
+                <a:spAutoFit/>
+              </a:bodyPr>
+              <a:lstStyle/>
+              <a:p>
+                <a:r>
+                  <a:rPr lang="en-US" dirty="0">
+                    <a:solidFill>
+                      <a:srgbClr val="FF0000"/>
+                    </a:solidFill>
+                  </a:rPr>
+                  <a:t>Oublier (</a:t>
+                </a:r>
+                <a:r>
+                  <a:rPr lang="en-US" dirty="0" err="1">
+                    <a:solidFill>
+                      <a:srgbClr val="FF0000"/>
+                    </a:solidFill>
+                  </a:rPr>
+                  <a:t>ou</a:t>
+                </a:r>
+                <a:r>
+                  <a:rPr lang="en-US" dirty="0">
+                    <a:solidFill>
+                      <a:srgbClr val="FF0000"/>
+                    </a:solidFill>
+                  </a:rPr>
+                  <a:t> pas)  </a:t>
+                </a:r>
+                <a:r>
+                  <a:rPr lang="en-US" dirty="0" err="1">
+                    <a:solidFill>
+                      <a:srgbClr val="FF0000"/>
+                    </a:solidFill>
+                  </a:rPr>
+                  <a:t>une</a:t>
+                </a:r>
+                <a:r>
+                  <a:rPr lang="en-US" dirty="0">
+                    <a:solidFill>
+                      <a:srgbClr val="FF0000"/>
+                    </a:solidFill>
+                  </a:rPr>
+                  <a:t> </a:t>
+                </a:r>
+                <a:r>
+                  <a:rPr lang="en-US" dirty="0" err="1">
+                    <a:solidFill>
+                      <a:srgbClr val="FF0000"/>
+                    </a:solidFill>
+                  </a:rPr>
+                  <a:t>partie</a:t>
+                </a:r>
+                <a:endParaRPr lang="en-US" dirty="0">
+                  <a:solidFill>
+                    <a:srgbClr val="FF0000"/>
+                  </a:solidFill>
+                </a:endParaRPr>
+              </a:p>
+              <a:p>
+                <a:r>
+                  <a:rPr lang="en-US" dirty="0">
+                    <a:solidFill>
+                      <a:srgbClr val="FF0000"/>
+                    </a:solidFill>
+                  </a:rPr>
+                  <a:t>de </a:t>
+                </a:r>
+                <a:r>
+                  <a:rPr lang="en-US" dirty="0" err="1">
+                    <a:solidFill>
+                      <a:srgbClr val="FF0000"/>
+                    </a:solidFill>
+                  </a:rPr>
+                  <a:t>l’ancienne</a:t>
+                </a:r>
+                <a:r>
+                  <a:rPr lang="en-US" dirty="0">
+                    <a:solidFill>
+                      <a:srgbClr val="FF0000"/>
+                    </a:solidFill>
+                  </a:rPr>
+                  <a:t> information </a:t>
+                </a:r>
+                <a14:m>
+                  <m:oMath xmlns:m="http://schemas.openxmlformats.org/officeDocument/2006/math">
+                    <m:sSub>
+                      <m:sSubPr>
+                        <m:ctrlPr>
+                          <a:rPr lang="fr-FR" b="0" i="1" smtClean="0">
+                            <a:solidFill>
+                              <a:srgbClr val="FF0000"/>
+                            </a:solidFill>
+                            <a:latin typeface="Cambria Math" panose="02040503050406030204" pitchFamily="18" charset="0"/>
+                          </a:rPr>
+                        </m:ctrlPr>
+                      </m:sSubPr>
+                      <m:e>
+                        <m:r>
+                          <a:rPr lang="fr-FR" b="0" i="1" smtClean="0">
+                            <a:solidFill>
+                              <a:srgbClr val="FF0000"/>
+                            </a:solidFill>
+                            <a:latin typeface="Cambria Math" panose="02040503050406030204" pitchFamily="18" charset="0"/>
+                          </a:rPr>
+                          <m:t>𝐶</m:t>
+                        </m:r>
+                      </m:e>
+                      <m:sub>
+                        <m:r>
+                          <a:rPr lang="fr-FR" b="0" i="1" smtClean="0">
+                            <a:solidFill>
+                              <a:srgbClr val="FF0000"/>
+                            </a:solidFill>
+                            <a:latin typeface="Cambria Math" panose="02040503050406030204" pitchFamily="18" charset="0"/>
+                          </a:rPr>
+                          <m:t>𝑡</m:t>
+                        </m:r>
+                        <m:r>
+                          <a:rPr lang="fr-FR" b="0" i="1" smtClean="0">
+                            <a:solidFill>
+                              <a:srgbClr val="FF0000"/>
+                            </a:solidFill>
+                            <a:latin typeface="Cambria Math" panose="02040503050406030204" pitchFamily="18" charset="0"/>
+                          </a:rPr>
+                          <m:t>−1</m:t>
+                        </m:r>
+                      </m:sub>
+                    </m:sSub>
+                  </m:oMath>
+                </a14:m>
+                <a:endParaRPr lang="en-US" dirty="0">
+                  <a:solidFill>
+                    <a:srgbClr val="FF0000"/>
+                  </a:solidFill>
+                </a:endParaRPr>
+              </a:p>
+            </p:txBody>
+          </p:sp>
+        </mc:Choice>
+        <mc:Fallback>
+          <p:sp>
+            <p:nvSpPr>
+              <p:cNvPr id="23" name="ZoneTexte 22">
+                <a:extLst>
+                  <a:ext uri="{FF2B5EF4-FFF2-40B4-BE49-F238E27FC236}">
+                    <a16:creationId xmlns:a16="http://schemas.microsoft.com/office/drawing/2014/main" id="{1FEFD9C1-E0B3-4BA6-90D6-DEE7884AF016}"/>
+                  </a:ext>
+                </a:extLst>
+              </p:cNvPr>
+              <p:cNvSpPr txBox="1">
+                <a:spLocks noRot="1" noChangeAspect="1" noMove="1" noResize="1" noEditPoints="1" noAdjustHandles="1" noChangeArrowheads="1" noChangeShapeType="1" noTextEdit="1"/>
+              </p:cNvSpPr>
+              <p:nvPr/>
+            </p:nvSpPr>
+            <p:spPr>
+              <a:xfrm>
+                <a:off x="2997200" y="1001042"/>
+                <a:ext cx="3071097" cy="646331"/>
+              </a:xfrm>
+              <a:prstGeom prst="rect">
+                <a:avLst/>
+              </a:prstGeom>
+              <a:blipFill>
+                <a:blip r:embed="rId3"/>
+                <a:stretch>
+                  <a:fillRect l="-1789" t="-4717" b="-14151"/>
+                </a:stretch>
+              </a:blipFill>
+            </p:spPr>
+            <p:txBody>
+              <a:bodyPr/>
+              <a:lstStyle/>
+              <a:p>
+                <a:r>
+                  <a:rPr lang="en-US">
+                    <a:noFill/>
+                  </a:rPr>
+                  <a:t> </a:t>
+                </a:r>
+              </a:p>
+            </p:txBody>
+          </p:sp>
+        </mc:Fallback>
+      </mc:AlternateContent>
+      <p:cxnSp>
+        <p:nvCxnSpPr>
+          <p:cNvPr id="25" name="Connecteur droit avec flèche 24">
+            <a:extLst>
+              <a:ext uri="{FF2B5EF4-FFF2-40B4-BE49-F238E27FC236}">
+                <a16:creationId xmlns:a16="http://schemas.microsoft.com/office/drawing/2014/main" id="{4B7AF75D-734F-4CC4-926D-AEE6C238C054}"/>
+              </a:ext>
+            </a:extLst>
+          </p:cNvPr>
+          <p:cNvCxnSpPr>
+            <a:cxnSpLocks/>
+          </p:cNvCxnSpPr>
+          <p:nvPr/>
+        </p:nvCxnSpPr>
+        <p:spPr>
+          <a:xfrm flipH="1">
+            <a:off x="6157181" y="1509486"/>
+            <a:ext cx="504876" cy="899885"/>
+          </a:xfrm>
+          <a:prstGeom prst="straightConnector1">
+            <a:avLst/>
+          </a:prstGeom>
+          <a:ln w="19050">
+            <a:solidFill>
+              <a:srgbClr val="00B050"/>
+            </a:solidFill>
+            <a:tailEnd type="triangle"/>
+          </a:ln>
+        </p:spPr>
+        <p:style>
+          <a:lnRef idx="1">
+            <a:schemeClr val="accent1"/>
+          </a:lnRef>
+          <a:fillRef idx="0">
+            <a:schemeClr val="accent1"/>
+          </a:fillRef>
+          <a:effectRef idx="0">
+            <a:schemeClr val="accent1"/>
+          </a:effectRef>
+          <a:fontRef idx="minor">
+            <a:schemeClr val="tx1"/>
+          </a:fontRef>
+        </p:style>
+      </p:cxnSp>
+      <mc:AlternateContent xmlns:mc="http://schemas.openxmlformats.org/markup-compatibility/2006">
+        <mc:Choice xmlns:a14="http://schemas.microsoft.com/office/drawing/2010/main" Requires="a14">
+          <p:sp>
+            <p:nvSpPr>
+              <p:cNvPr id="28" name="ZoneTexte 27">
+                <a:extLst>
+                  <a:ext uri="{FF2B5EF4-FFF2-40B4-BE49-F238E27FC236}">
+                    <a16:creationId xmlns:a16="http://schemas.microsoft.com/office/drawing/2014/main" id="{F6983466-9B1E-4635-96D8-F5DC4A44E35B}"/>
+                  </a:ext>
+                </a:extLst>
+              </p:cNvPr>
+              <p:cNvSpPr txBox="1"/>
+              <p:nvPr/>
+            </p:nvSpPr>
+            <p:spPr>
+              <a:xfrm>
+                <a:off x="6720099" y="1001045"/>
+                <a:ext cx="3372783" cy="646331"/>
+              </a:xfrm>
+              <a:prstGeom prst="rect">
+                <a:avLst/>
+              </a:prstGeom>
+              <a:noFill/>
+            </p:spPr>
+            <p:txBody>
+              <a:bodyPr wrap="none" rtlCol="0">
+                <a:spAutoFit/>
+              </a:bodyPr>
+              <a:lstStyle/>
+              <a:p>
+                <a:r>
+                  <a:rPr lang="fr-FR" dirty="0">
+                    <a:solidFill>
+                      <a:srgbClr val="00B050"/>
+                    </a:solidFill>
+                  </a:rPr>
+                  <a:t>Ajouter de nouvelles informations</a:t>
+                </a:r>
+              </a:p>
+              <a:p>
+                <a:r>
+                  <a:rPr lang="fr-FR" dirty="0">
+                    <a:solidFill>
+                      <a:srgbClr val="00B050"/>
+                    </a:solidFill>
+                  </a:rPr>
+                  <a:t>à</a:t>
+                </a:r>
+                <a14:m>
+                  <m:oMath xmlns:m="http://schemas.openxmlformats.org/officeDocument/2006/math">
+                    <m:r>
+                      <a:rPr lang="fr-FR" b="0" i="0" smtClean="0">
+                        <a:solidFill>
+                          <a:srgbClr val="00B050"/>
+                        </a:solidFill>
+                        <a:latin typeface="Cambria Math" panose="02040503050406030204" pitchFamily="18" charset="0"/>
+                      </a:rPr>
+                      <m:t> </m:t>
+                    </m:r>
+                    <m:sSub>
+                      <m:sSubPr>
+                        <m:ctrlPr>
+                          <a:rPr lang="fr-FR" b="0" i="1" smtClean="0">
+                            <a:solidFill>
+                              <a:srgbClr val="00B050"/>
+                            </a:solidFill>
+                            <a:latin typeface="Cambria Math" panose="02040503050406030204" pitchFamily="18" charset="0"/>
+                          </a:rPr>
+                        </m:ctrlPr>
+                      </m:sSubPr>
+                      <m:e>
+                        <m:r>
+                          <a:rPr lang="fr-FR" b="0" i="1" smtClean="0">
+                            <a:solidFill>
+                              <a:srgbClr val="00B050"/>
+                            </a:solidFill>
+                            <a:latin typeface="Cambria Math" panose="02040503050406030204" pitchFamily="18" charset="0"/>
+                          </a:rPr>
+                          <m:t>𝐶</m:t>
+                        </m:r>
+                      </m:e>
+                      <m:sub>
+                        <m:r>
+                          <a:rPr lang="fr-FR" b="0" i="1" smtClean="0">
+                            <a:solidFill>
+                              <a:srgbClr val="00B050"/>
+                            </a:solidFill>
+                            <a:latin typeface="Cambria Math" panose="02040503050406030204" pitchFamily="18" charset="0"/>
+                          </a:rPr>
+                          <m:t>𝑡</m:t>
+                        </m:r>
+                      </m:sub>
+                    </m:sSub>
+                  </m:oMath>
+                </a14:m>
+                <a:endParaRPr lang="en-US" dirty="0">
+                  <a:solidFill>
+                    <a:srgbClr val="00B050"/>
+                  </a:solidFill>
+                </a:endParaRPr>
+              </a:p>
+            </p:txBody>
+          </p:sp>
+        </mc:Choice>
+        <mc:Fallback>
+          <p:sp>
+            <p:nvSpPr>
+              <p:cNvPr id="28" name="ZoneTexte 27">
+                <a:extLst>
+                  <a:ext uri="{FF2B5EF4-FFF2-40B4-BE49-F238E27FC236}">
+                    <a16:creationId xmlns:a16="http://schemas.microsoft.com/office/drawing/2014/main" id="{F6983466-9B1E-4635-96D8-F5DC4A44E35B}"/>
+                  </a:ext>
+                </a:extLst>
+              </p:cNvPr>
+              <p:cNvSpPr txBox="1">
+                <a:spLocks noRot="1" noChangeAspect="1" noMove="1" noResize="1" noEditPoints="1" noAdjustHandles="1" noChangeArrowheads="1" noChangeShapeType="1" noTextEdit="1"/>
+              </p:cNvSpPr>
+              <p:nvPr/>
+            </p:nvSpPr>
+            <p:spPr>
+              <a:xfrm>
+                <a:off x="6720099" y="1001045"/>
+                <a:ext cx="3372783" cy="646331"/>
+              </a:xfrm>
+              <a:prstGeom prst="rect">
+                <a:avLst/>
+              </a:prstGeom>
+              <a:blipFill>
+                <a:blip r:embed="rId4"/>
+                <a:stretch>
+                  <a:fillRect l="-1444" t="-4717" r="-1083" b="-14151"/>
+                </a:stretch>
+              </a:blipFill>
+            </p:spPr>
+            <p:txBody>
+              <a:bodyPr/>
+              <a:lstStyle/>
+              <a:p>
+                <a:r>
+                  <a:rPr lang="en-US">
+                    <a:noFill/>
+                  </a:rPr>
+                  <a:t> </a:t>
+                </a:r>
+              </a:p>
+            </p:txBody>
+          </p:sp>
+        </mc:Fallback>
+      </mc:AlternateContent>
+      <p:sp>
+        <p:nvSpPr>
+          <p:cNvPr id="29" name="ZoneTexte 28">
+            <a:extLst>
+              <a:ext uri="{FF2B5EF4-FFF2-40B4-BE49-F238E27FC236}">
+                <a16:creationId xmlns:a16="http://schemas.microsoft.com/office/drawing/2014/main" id="{80E1F3F8-37AC-4F0C-89AB-6BD762259A24}"/>
+              </a:ext>
+            </a:extLst>
+          </p:cNvPr>
+          <p:cNvSpPr txBox="1"/>
+          <p:nvPr/>
+        </p:nvSpPr>
+        <p:spPr>
+          <a:xfrm>
+            <a:off x="122424" y="6417139"/>
+            <a:ext cx="6096000" cy="369332"/>
+          </a:xfrm>
+          <a:prstGeom prst="rect">
+            <a:avLst/>
+          </a:prstGeom>
+          <a:noFill/>
+        </p:spPr>
+        <p:txBody>
+          <a:bodyPr wrap="square">
+            <a:spAutoFit/>
+          </a:bodyPr>
+          <a:lstStyle/>
+          <a:p>
+            <a:r>
+              <a:rPr lang="en-US" dirty="0"/>
+              <a:t>https://colah.github.io/posts/2015-08-Understanding-LSTMs/</a:t>
+            </a:r>
+          </a:p>
         </p:txBody>
       </p:sp>
     </p:spTree>
     <p:extLst>
       <p:ext uri="{BB962C8B-B14F-4D97-AF65-F5344CB8AC3E}">
-        <p14:creationId xmlns:p14="http://schemas.microsoft.com/office/powerpoint/2010/main" val="1331093647"/>
+        <p14:creationId xmlns:p14="http://schemas.microsoft.com/office/powerpoint/2010/main" val="2104485587"/>
       </p:ext>
     </p:extLst>
   </p:cSld>
@@ -33017,6 +34826,81 @@
     <p:extLst>
       <p:ext uri="{BB962C8B-B14F-4D97-AF65-F5344CB8AC3E}">
         <p14:creationId xmlns:p14="http://schemas.microsoft.com/office/powerpoint/2010/main" val="1589684358"/>
+      </p:ext>
+    </p:extLst>
+  </p:cSld>
+  <p:clrMapOvr>
+    <a:masterClrMapping/>
+  </p:clrMapOvr>
+</p:sld>
+</file>
+
+<file path=ppt/slides/slide40.xml><?xml version="1.0" encoding="utf-8"?>
+<p:sld xmlns:a="http://schemas.openxmlformats.org/drawingml/2006/main" xmlns:r="http://schemas.openxmlformats.org/officeDocument/2006/relationships" xmlns:p="http://schemas.openxmlformats.org/presentationml/2006/main">
+  <p:cSld>
+    <p:spTree>
+      <p:nvGrpSpPr>
+        <p:cNvPr id="1" name=""/>
+        <p:cNvGrpSpPr/>
+        <p:nvPr/>
+      </p:nvGrpSpPr>
+      <p:grpSpPr>
+        <a:xfrm>
+          <a:off x="0" y="0"/>
+          <a:ext cx="0" cy="0"/>
+          <a:chOff x="0" y="0"/>
+          <a:chExt cx="0" cy="0"/>
+        </a:xfrm>
+      </p:grpSpPr>
+      <p:sp>
+        <p:nvSpPr>
+          <p:cNvPr id="3" name="Espace réservé du contenu 2">
+            <a:extLst>
+              <a:ext uri="{FF2B5EF4-FFF2-40B4-BE49-F238E27FC236}">
+                <a16:creationId xmlns:a16="http://schemas.microsoft.com/office/drawing/2014/main" id="{B59E77B8-2D75-472C-B76C-ABDDE0CAFCD5}"/>
+              </a:ext>
+            </a:extLst>
+          </p:cNvPr>
+          <p:cNvSpPr>
+            <a:spLocks noGrp="1"/>
+          </p:cNvSpPr>
+          <p:nvPr>
+            <p:ph idx="1"/>
+          </p:nvPr>
+        </p:nvSpPr>
+        <p:spPr>
+          <a:xfrm>
+            <a:off x="537750" y="429086"/>
+            <a:ext cx="10839994" cy="6021978"/>
+          </a:xfrm>
+        </p:spPr>
+        <p:txBody>
+          <a:bodyPr>
+            <a:normAutofit/>
+          </a:bodyPr>
+          <a:lstStyle/>
+          <a:p>
+            <a:pPr marL="0" indent="0">
+              <a:buNone/>
+            </a:pPr>
+            <a:r>
+              <a:rPr lang="fr-FR" sz="2400" dirty="0"/>
+              <a:t>4.3. Implémentation</a:t>
+            </a:r>
+            <a:endParaRPr lang="fr-FR" sz="2000" u="sng" dirty="0"/>
+          </a:p>
+          <a:p>
+            <a:pPr marL="0" indent="0">
+              <a:buNone/>
+            </a:pPr>
+            <a:endParaRPr lang="fr-FR" sz="2000" dirty="0"/>
+          </a:p>
+        </p:txBody>
+      </p:sp>
+    </p:spTree>
+    <p:extLst>
+      <p:ext uri="{BB962C8B-B14F-4D97-AF65-F5344CB8AC3E}">
+        <p14:creationId xmlns:p14="http://schemas.microsoft.com/office/powerpoint/2010/main" val="3669491434"/>
       </p:ext>
     </p:extLst>
   </p:cSld>

--- a/Intelligence Artificielle et Analyse de donnees.pptx
+++ b/Intelligence Artificielle et Analyse de donnees.pptx
@@ -45,6 +45,12 @@
     <p:sldId id="300" r:id="rId39"/>
     <p:sldId id="301" r:id="rId40"/>
     <p:sldId id="302" r:id="rId41"/>
+    <p:sldId id="303" r:id="rId42"/>
+    <p:sldId id="304" r:id="rId43"/>
+    <p:sldId id="308" r:id="rId44"/>
+    <p:sldId id="305" r:id="rId45"/>
+    <p:sldId id="306" r:id="rId46"/>
+    <p:sldId id="307" r:id="rId47"/>
   </p:sldIdLst>
   <p:sldSz cx="12192000" cy="6858000"/>
   <p:notesSz cx="6858000" cy="9144000"/>
@@ -309,7 +315,7 @@
           <a:p>
             <a:fld id="{6744C8BF-8EDA-4728-ABB9-9DEA91F7FC64}" type="datetimeFigureOut">
               <a:rPr lang="fr-FR" smtClean="0"/>
-              <a:t>10/02/2025</a:t>
+              <a:t>10/03/2025</a:t>
             </a:fld>
             <a:endParaRPr lang="fr-FR"/>
           </a:p>
@@ -507,7 +513,7 @@
           <a:p>
             <a:fld id="{6744C8BF-8EDA-4728-ABB9-9DEA91F7FC64}" type="datetimeFigureOut">
               <a:rPr lang="fr-FR" smtClean="0"/>
-              <a:t>10/02/2025</a:t>
+              <a:t>10/03/2025</a:t>
             </a:fld>
             <a:endParaRPr lang="fr-FR"/>
           </a:p>
@@ -715,7 +721,7 @@
           <a:p>
             <a:fld id="{6744C8BF-8EDA-4728-ABB9-9DEA91F7FC64}" type="datetimeFigureOut">
               <a:rPr lang="fr-FR" smtClean="0"/>
-              <a:t>10/02/2025</a:t>
+              <a:t>10/03/2025</a:t>
             </a:fld>
             <a:endParaRPr lang="fr-FR"/>
           </a:p>
@@ -913,7 +919,7 @@
           <a:p>
             <a:fld id="{6744C8BF-8EDA-4728-ABB9-9DEA91F7FC64}" type="datetimeFigureOut">
               <a:rPr lang="fr-FR" smtClean="0"/>
-              <a:t>10/02/2025</a:t>
+              <a:t>10/03/2025</a:t>
             </a:fld>
             <a:endParaRPr lang="fr-FR"/>
           </a:p>
@@ -1188,7 +1194,7 @@
           <a:p>
             <a:fld id="{6744C8BF-8EDA-4728-ABB9-9DEA91F7FC64}" type="datetimeFigureOut">
               <a:rPr lang="fr-FR" smtClean="0"/>
-              <a:t>10/02/2025</a:t>
+              <a:t>10/03/2025</a:t>
             </a:fld>
             <a:endParaRPr lang="fr-FR"/>
           </a:p>
@@ -1453,7 +1459,7 @@
           <a:p>
             <a:fld id="{6744C8BF-8EDA-4728-ABB9-9DEA91F7FC64}" type="datetimeFigureOut">
               <a:rPr lang="fr-FR" smtClean="0"/>
-              <a:t>10/02/2025</a:t>
+              <a:t>10/03/2025</a:t>
             </a:fld>
             <a:endParaRPr lang="fr-FR"/>
           </a:p>
@@ -1865,7 +1871,7 @@
           <a:p>
             <a:fld id="{6744C8BF-8EDA-4728-ABB9-9DEA91F7FC64}" type="datetimeFigureOut">
               <a:rPr lang="fr-FR" smtClean="0"/>
-              <a:t>10/02/2025</a:t>
+              <a:t>10/03/2025</a:t>
             </a:fld>
             <a:endParaRPr lang="fr-FR"/>
           </a:p>
@@ -2006,7 +2012,7 @@
           <a:p>
             <a:fld id="{6744C8BF-8EDA-4728-ABB9-9DEA91F7FC64}" type="datetimeFigureOut">
               <a:rPr lang="fr-FR" smtClean="0"/>
-              <a:t>10/02/2025</a:t>
+              <a:t>10/03/2025</a:t>
             </a:fld>
             <a:endParaRPr lang="fr-FR"/>
           </a:p>
@@ -2119,7 +2125,7 @@
           <a:p>
             <a:fld id="{6744C8BF-8EDA-4728-ABB9-9DEA91F7FC64}" type="datetimeFigureOut">
               <a:rPr lang="fr-FR" smtClean="0"/>
-              <a:t>10/02/2025</a:t>
+              <a:t>10/03/2025</a:t>
             </a:fld>
             <a:endParaRPr lang="fr-FR"/>
           </a:p>
@@ -2430,7 +2436,7 @@
           <a:p>
             <a:fld id="{6744C8BF-8EDA-4728-ABB9-9DEA91F7FC64}" type="datetimeFigureOut">
               <a:rPr lang="fr-FR" smtClean="0"/>
-              <a:t>10/02/2025</a:t>
+              <a:t>10/03/2025</a:t>
             </a:fld>
             <a:endParaRPr lang="fr-FR"/>
           </a:p>
@@ -2718,7 +2724,7 @@
           <a:p>
             <a:fld id="{6744C8BF-8EDA-4728-ABB9-9DEA91F7FC64}" type="datetimeFigureOut">
               <a:rPr lang="fr-FR" smtClean="0"/>
-              <a:t>10/02/2025</a:t>
+              <a:t>10/03/2025</a:t>
             </a:fld>
             <a:endParaRPr lang="fr-FR"/>
           </a:p>
@@ -2959,7 +2965,7 @@
           <a:p>
             <a:fld id="{6744C8BF-8EDA-4728-ABB9-9DEA91F7FC64}" type="datetimeFigureOut">
               <a:rPr lang="fr-FR" smtClean="0"/>
-              <a:t>10/02/2025</a:t>
+              <a:t>10/03/2025</a:t>
             </a:fld>
             <a:endParaRPr lang="fr-FR"/>
           </a:p>
@@ -32681,8 +32687,8 @@
           <a:chExt cx="0" cy="0"/>
         </a:xfrm>
       </p:grpSpPr>
-      <mc:AlternateContent xmlns:mc="http://schemas.openxmlformats.org/markup-compatibility/2006">
-        <mc:Choice xmlns:a14="http://schemas.microsoft.com/office/drawing/2010/main" Requires="a14">
+      <mc:AlternateContent xmlns:mc="http://schemas.openxmlformats.org/markup-compatibility/2006" xmlns:a14="http://schemas.microsoft.com/office/drawing/2010/main">
+        <mc:Choice Requires="a14">
           <p:sp>
             <p:nvSpPr>
               <p:cNvPr id="3" name="Espace réservé du contenu 2">
@@ -33257,7 +33263,7 @@
             </p:txBody>
           </p:sp>
         </mc:Choice>
-        <mc:Fallback>
+        <mc:Fallback xmlns="">
           <p:sp>
             <p:nvSpPr>
               <p:cNvPr id="3" name="Espace réservé du contenu 2">
@@ -33438,8 +33444,8 @@
           <a:chExt cx="0" cy="0"/>
         </a:xfrm>
       </p:grpSpPr>
-      <mc:AlternateContent xmlns:mc="http://schemas.openxmlformats.org/markup-compatibility/2006">
-        <mc:Choice xmlns:a14="http://schemas.microsoft.com/office/drawing/2010/main" Requires="a14">
+      <mc:AlternateContent xmlns:mc="http://schemas.openxmlformats.org/markup-compatibility/2006" xmlns:a14="http://schemas.microsoft.com/office/drawing/2010/main">
+        <mc:Choice Requires="a14">
           <p:sp>
             <p:nvSpPr>
               <p:cNvPr id="3" name="Espace réservé du contenu 2">
@@ -33604,7 +33610,7 @@
             </p:txBody>
           </p:sp>
         </mc:Choice>
-        <mc:Fallback>
+        <mc:Fallback xmlns="">
           <p:sp>
             <p:nvSpPr>
               <p:cNvPr id="3" name="Espace réservé du contenu 2">
@@ -34089,8 +34095,8 @@
           </a:fontRef>
         </p:style>
       </p:cxnSp>
-      <mc:AlternateContent xmlns:mc="http://schemas.openxmlformats.org/markup-compatibility/2006">
-        <mc:Choice xmlns:a14="http://schemas.microsoft.com/office/drawing/2010/main" Requires="a14">
+      <mc:AlternateContent xmlns:mc="http://schemas.openxmlformats.org/markup-compatibility/2006" xmlns:a14="http://schemas.microsoft.com/office/drawing/2010/main">
+        <mc:Choice Requires="a14">
           <p:sp>
             <p:nvSpPr>
               <p:cNvPr id="23" name="ZoneTexte 22">
@@ -34254,7 +34260,7 @@
             </p:txBody>
           </p:sp>
         </mc:Choice>
-        <mc:Fallback>
+        <mc:Fallback xmlns="">
           <p:sp>
             <p:nvSpPr>
               <p:cNvPr id="23" name="ZoneTexte 22">
@@ -34343,8 +34349,8 @@
           </a:fontRef>
         </p:style>
       </p:cxnSp>
-      <mc:AlternateContent xmlns:mc="http://schemas.openxmlformats.org/markup-compatibility/2006">
-        <mc:Choice xmlns:a14="http://schemas.microsoft.com/office/drawing/2010/main" Requires="a14">
+      <mc:AlternateContent xmlns:mc="http://schemas.openxmlformats.org/markup-compatibility/2006" xmlns:a14="http://schemas.microsoft.com/office/drawing/2010/main">
+        <mc:Choice Requires="a14">
           <p:sp>
             <p:nvSpPr>
               <p:cNvPr id="28" name="ZoneTexte 27">
@@ -34447,7 +34453,7 @@
             </p:txBody>
           </p:sp>
         </mc:Choice>
-        <mc:Fallback>
+        <mc:Fallback xmlns="">
           <p:sp>
             <p:nvSpPr>
               <p:cNvPr id="28" name="ZoneTexte 27">
@@ -34854,6 +34860,2712 @@
       </p:grpSpPr>
       <p:sp>
         <p:nvSpPr>
+          <p:cNvPr id="7" name="Titre 6">
+            <a:extLst>
+              <a:ext uri="{FF2B5EF4-FFF2-40B4-BE49-F238E27FC236}">
+                <a16:creationId xmlns:a16="http://schemas.microsoft.com/office/drawing/2014/main" id="{74661C02-29AB-46A2-A889-BEEEBBF4BB83}"/>
+              </a:ext>
+            </a:extLst>
+          </p:cNvPr>
+          <p:cNvSpPr>
+            <a:spLocks noGrp="1"/>
+          </p:cNvSpPr>
+          <p:nvPr>
+            <p:ph type="title"/>
+          </p:nvPr>
+        </p:nvSpPr>
+        <p:spPr>
+          <a:xfrm>
+            <a:off x="838200" y="365125"/>
+            <a:ext cx="10515600" cy="2639332"/>
+          </a:xfrm>
+        </p:spPr>
+        <p:txBody>
+          <a:bodyPr/>
+          <a:lstStyle/>
+          <a:p>
+            <a:r>
+              <a:rPr lang="fr-FR" dirty="0"/>
+              <a:t>5. Apprentissage pas renforcement</a:t>
+            </a:r>
+            <a:br>
+              <a:rPr lang="fr-FR" dirty="0"/>
+            </a:br>
+            <a:r>
+              <a:rPr lang="fr-FR" sz="3200" dirty="0"/>
+              <a:t>	5.1. Principe et Définitions	</a:t>
+            </a:r>
+            <a:br>
+              <a:rPr lang="fr-FR" sz="3200" dirty="0"/>
+            </a:br>
+            <a:r>
+              <a:rPr lang="fr-FR" sz="3200" dirty="0"/>
+              <a:t>	5.2. Equations de Bellman</a:t>
+            </a:r>
+            <a:br>
+              <a:rPr lang="fr-FR" sz="3200" dirty="0"/>
+            </a:br>
+            <a:r>
+              <a:rPr lang="fr-FR" sz="3200" dirty="0"/>
+              <a:t>	5.3. Algorithmes tabulaires</a:t>
+            </a:r>
+            <a:br>
+              <a:rPr lang="fr-FR" sz="3200" dirty="0"/>
+            </a:br>
+            <a:r>
+              <a:rPr lang="fr-FR" sz="3200" dirty="0"/>
+              <a:t>	5.4. Réseau de neurones</a:t>
+            </a:r>
+            <a:endParaRPr lang="fr-FR" dirty="0"/>
+          </a:p>
+        </p:txBody>
+      </p:sp>
+      <p:pic>
+        <p:nvPicPr>
+          <p:cNvPr id="3" name="Image 2">
+            <a:extLst>
+              <a:ext uri="{FF2B5EF4-FFF2-40B4-BE49-F238E27FC236}">
+                <a16:creationId xmlns:a16="http://schemas.microsoft.com/office/drawing/2014/main" id="{9D111F30-6F1A-447F-8E3A-AFB8C6C01DEA}"/>
+              </a:ext>
+            </a:extLst>
+          </p:cNvPr>
+          <p:cNvPicPr>
+            <a:picLocks noChangeAspect="1"/>
+          </p:cNvPicPr>
+          <p:nvPr/>
+        </p:nvPicPr>
+        <p:blipFill>
+          <a:blip r:embed="rId2"/>
+          <a:stretch>
+            <a:fillRect/>
+          </a:stretch>
+        </p:blipFill>
+        <p:spPr>
+          <a:xfrm>
+            <a:off x="3532093" y="3713265"/>
+            <a:ext cx="4977237" cy="2516792"/>
+          </a:xfrm>
+          <a:prstGeom prst="rect">
+            <a:avLst/>
+          </a:prstGeom>
+        </p:spPr>
+      </p:pic>
+    </p:spTree>
+    <p:extLst>
+      <p:ext uri="{BB962C8B-B14F-4D97-AF65-F5344CB8AC3E}">
+        <p14:creationId xmlns:p14="http://schemas.microsoft.com/office/powerpoint/2010/main" val="4253113783"/>
+      </p:ext>
+    </p:extLst>
+  </p:cSld>
+  <p:clrMapOvr>
+    <a:masterClrMapping/>
+  </p:clrMapOvr>
+</p:sld>
+</file>
+
+<file path=ppt/slides/slide41.xml><?xml version="1.0" encoding="utf-8"?>
+<p:sld xmlns:a="http://schemas.openxmlformats.org/drawingml/2006/main" xmlns:r="http://schemas.openxmlformats.org/officeDocument/2006/relationships" xmlns:p="http://schemas.openxmlformats.org/presentationml/2006/main">
+  <p:cSld>
+    <p:spTree>
+      <p:nvGrpSpPr>
+        <p:cNvPr id="1" name=""/>
+        <p:cNvGrpSpPr/>
+        <p:nvPr/>
+      </p:nvGrpSpPr>
+      <p:grpSpPr>
+        <a:xfrm>
+          <a:off x="0" y="0"/>
+          <a:ext cx="0" cy="0"/>
+          <a:chOff x="0" y="0"/>
+          <a:chExt cx="0" cy="0"/>
+        </a:xfrm>
+      </p:grpSpPr>
+      <mc:AlternateContent xmlns:mc="http://schemas.openxmlformats.org/markup-compatibility/2006">
+        <mc:Choice xmlns:a14="http://schemas.microsoft.com/office/drawing/2010/main" Requires="a14">
+          <p:sp>
+            <p:nvSpPr>
+              <p:cNvPr id="3" name="Espace réservé du contenu 2">
+                <a:extLst>
+                  <a:ext uri="{FF2B5EF4-FFF2-40B4-BE49-F238E27FC236}">
+                    <a16:creationId xmlns:a16="http://schemas.microsoft.com/office/drawing/2014/main" id="{B59E77B8-2D75-472C-B76C-ABDDE0CAFCD5}"/>
+                  </a:ext>
+                </a:extLst>
+              </p:cNvPr>
+              <p:cNvSpPr>
+                <a:spLocks noGrp="1"/>
+              </p:cNvSpPr>
+              <p:nvPr>
+                <p:ph idx="1"/>
+              </p:nvPr>
+            </p:nvSpPr>
+            <p:spPr>
+              <a:xfrm>
+                <a:off x="537750" y="429086"/>
+                <a:ext cx="10839994" cy="6021978"/>
+              </a:xfrm>
+            </p:spPr>
+            <p:txBody>
+              <a:bodyPr>
+                <a:normAutofit lnSpcReduction="10000"/>
+              </a:bodyPr>
+              <a:lstStyle/>
+              <a:p>
+                <a:pPr marL="0" indent="0">
+                  <a:buNone/>
+                </a:pPr>
+                <a:r>
+                  <a:rPr lang="fr-FR" sz="2400" dirty="0"/>
+                  <a:t>5.1 Principe et Définitions</a:t>
+                </a:r>
+              </a:p>
+              <a:p>
+                <a:pPr marL="0" indent="0">
+                  <a:buNone/>
+                </a:pPr>
+                <a:endParaRPr lang="fr-FR" sz="2000" u="sng" dirty="0"/>
+              </a:p>
+              <a:p>
+                <a:pPr marL="0" indent="0">
+                  <a:buNone/>
+                </a:pPr>
+                <a:endParaRPr lang="fr-FR" sz="2000" dirty="0"/>
+              </a:p>
+              <a:p>
+                <a:pPr marL="0" indent="0">
+                  <a:buNone/>
+                </a:pPr>
+                <a:endParaRPr lang="fr-FR" sz="2000" dirty="0"/>
+              </a:p>
+              <a:p>
+                <a:pPr marL="0" indent="0">
+                  <a:buNone/>
+                </a:pPr>
+                <a:endParaRPr lang="fr-FR" sz="2000" dirty="0"/>
+              </a:p>
+              <a:p>
+                <a:pPr marL="0" indent="0">
+                  <a:buNone/>
+                </a:pPr>
+                <a:endParaRPr lang="fr-FR" sz="2000" dirty="0"/>
+              </a:p>
+              <a:p>
+                <a:pPr marL="0" indent="0">
+                  <a:buNone/>
+                </a:pPr>
+                <a:endParaRPr lang="fr-FR" sz="2000" dirty="0"/>
+              </a:p>
+              <a:p>
+                <a:pPr marL="0" indent="0">
+                  <a:buNone/>
+                </a:pPr>
+                <a:endParaRPr lang="fr-FR" sz="2000" dirty="0"/>
+              </a:p>
+              <a:p>
+                <a:pPr marL="0" indent="0">
+                  <a:buNone/>
+                </a:pPr>
+                <a:endParaRPr lang="fr-FR" sz="2000" dirty="0"/>
+              </a:p>
+              <a:p>
+                <a:pPr marL="0" indent="0">
+                  <a:buNone/>
+                </a:pPr>
+                <a:endParaRPr lang="fr-FR" sz="2000" dirty="0"/>
+              </a:p>
+              <a:p>
+                <a:pPr marL="0" indent="0">
+                  <a:buNone/>
+                </a:pPr>
+                <a:r>
+                  <a:rPr lang="fr-FR" sz="2000" dirty="0"/>
+                  <a:t>Un </a:t>
+                </a:r>
+                <a:r>
+                  <a:rPr lang="fr-FR" sz="2000" b="1" dirty="0"/>
+                  <a:t>agent autonome</a:t>
+                </a:r>
+                <a:r>
+                  <a:rPr lang="fr-FR" sz="2000" dirty="0"/>
+                  <a:t>, apprend à se comporter à partir d’expériences (</a:t>
+                </a:r>
+                <a:r>
+                  <a:rPr lang="fr-FR" sz="2000" b="1" dirty="0"/>
+                  <a:t>sans modèle</a:t>
+                </a:r>
+                <a:r>
+                  <a:rPr lang="fr-FR" sz="2000" dirty="0"/>
+                  <a:t> de l’environnement).</a:t>
+                </a:r>
+              </a:p>
+              <a:p>
+                <a:pPr marL="0" indent="0">
+                  <a:buNone/>
+                </a:pPr>
+                <a:r>
+                  <a:rPr lang="fr-FR" sz="2000" b="1" dirty="0"/>
+                  <a:t>Interactions</a:t>
+                </a:r>
+                <a:r>
+                  <a:rPr lang="fr-FR" sz="2000" dirty="0"/>
+                  <a:t> à un instant </a:t>
+                </a:r>
+                <a14:m>
+                  <m:oMath xmlns:m="http://schemas.openxmlformats.org/officeDocument/2006/math">
+                    <m:r>
+                      <a:rPr lang="fr-FR" sz="2000" b="0" i="1" smtClean="0">
+                        <a:latin typeface="Cambria Math" panose="02040503050406030204" pitchFamily="18" charset="0"/>
+                      </a:rPr>
+                      <m:t>𝑡</m:t>
+                    </m:r>
+                  </m:oMath>
+                </a14:m>
+                <a:r>
+                  <a:rPr lang="fr-FR" sz="2000" dirty="0"/>
+                  <a:t> :</a:t>
+                </a:r>
+              </a:p>
+              <a:p>
+                <a:r>
+                  <a:rPr lang="fr-FR" sz="2000" dirty="0"/>
+                  <a:t>Etat (</a:t>
+                </a:r>
+                <a:r>
+                  <a:rPr lang="fr-FR" sz="2000" i="1" dirty="0"/>
+                  <a:t>state</a:t>
+                </a:r>
+                <a:r>
+                  <a:rPr lang="fr-FR" sz="2000" dirty="0"/>
+                  <a:t>) </a:t>
+                </a:r>
+                <a14:m>
+                  <m:oMath xmlns:m="http://schemas.openxmlformats.org/officeDocument/2006/math">
+                    <m:sSub>
+                      <m:sSubPr>
+                        <m:ctrlPr>
+                          <a:rPr lang="fr-FR" sz="2000" b="0" i="1" smtClean="0">
+                            <a:latin typeface="Cambria Math" panose="02040503050406030204" pitchFamily="18" charset="0"/>
+                          </a:rPr>
+                        </m:ctrlPr>
+                      </m:sSubPr>
+                      <m:e>
+                        <m:r>
+                          <a:rPr lang="fr-FR" sz="2000" b="0" i="1" smtClean="0">
+                            <a:latin typeface="Cambria Math" panose="02040503050406030204" pitchFamily="18" charset="0"/>
+                          </a:rPr>
+                          <m:t>𝑠</m:t>
+                        </m:r>
+                      </m:e>
+                      <m:sub>
+                        <m:r>
+                          <a:rPr lang="fr-FR" sz="2000" b="0" i="1" smtClean="0">
+                            <a:latin typeface="Cambria Math" panose="02040503050406030204" pitchFamily="18" charset="0"/>
+                          </a:rPr>
+                          <m:t>𝑡</m:t>
+                        </m:r>
+                      </m:sub>
+                    </m:sSub>
+                    <m:r>
+                      <a:rPr lang="fr-FR" sz="2000" b="0" i="1" smtClean="0">
+                        <a:latin typeface="Cambria Math" panose="02040503050406030204" pitchFamily="18" charset="0"/>
+                      </a:rPr>
+                      <m:t>∈</m:t>
+                    </m:r>
+                    <m:sSup>
+                      <m:sSupPr>
+                        <m:ctrlPr>
+                          <a:rPr lang="fr-FR" sz="2000" b="0" i="1" smtClean="0">
+                            <a:latin typeface="Cambria Math" panose="02040503050406030204" pitchFamily="18" charset="0"/>
+                          </a:rPr>
+                        </m:ctrlPr>
+                      </m:sSupPr>
+                      <m:e>
+                        <m:r>
+                          <a:rPr lang="fr-FR" sz="2000" b="0" i="1" smtClean="0">
+                            <a:latin typeface="Cambria Math" panose="02040503050406030204" pitchFamily="18" charset="0"/>
+                          </a:rPr>
+                          <m:t>ℝ</m:t>
+                        </m:r>
+                      </m:e>
+                      <m:sup>
+                        <m:r>
+                          <a:rPr lang="fr-FR" sz="2000" b="0" i="1" smtClean="0">
+                            <a:latin typeface="Cambria Math" panose="02040503050406030204" pitchFamily="18" charset="0"/>
+                          </a:rPr>
+                          <m:t>𝑛</m:t>
+                        </m:r>
+                      </m:sup>
+                    </m:sSup>
+                  </m:oMath>
+                </a14:m>
+                <a:endParaRPr lang="fr-FR" sz="2000" dirty="0"/>
+              </a:p>
+              <a:p>
+                <a:r>
+                  <a:rPr lang="fr-FR" sz="2000" dirty="0"/>
+                  <a:t>Action </a:t>
+                </a:r>
+                <a14:m>
+                  <m:oMath xmlns:m="http://schemas.openxmlformats.org/officeDocument/2006/math">
+                    <m:sSub>
+                      <m:sSubPr>
+                        <m:ctrlPr>
+                          <a:rPr lang="fr-FR" sz="2000" b="0" i="1" smtClean="0">
+                            <a:latin typeface="Cambria Math" panose="02040503050406030204" pitchFamily="18" charset="0"/>
+                          </a:rPr>
+                        </m:ctrlPr>
+                      </m:sSubPr>
+                      <m:e>
+                        <m:r>
+                          <a:rPr lang="fr-FR" sz="2000" b="0" i="1" smtClean="0">
+                            <a:latin typeface="Cambria Math" panose="02040503050406030204" pitchFamily="18" charset="0"/>
+                          </a:rPr>
+                          <m:t>𝑎</m:t>
+                        </m:r>
+                      </m:e>
+                      <m:sub>
+                        <m:r>
+                          <a:rPr lang="fr-FR" sz="2000" b="0" i="1" smtClean="0">
+                            <a:latin typeface="Cambria Math" panose="02040503050406030204" pitchFamily="18" charset="0"/>
+                          </a:rPr>
+                          <m:t>𝑡</m:t>
+                        </m:r>
+                      </m:sub>
+                    </m:sSub>
+                    <m:r>
+                      <a:rPr lang="fr-FR" sz="2000" b="0" i="1" smtClean="0">
+                        <a:latin typeface="Cambria Math" panose="02040503050406030204" pitchFamily="18" charset="0"/>
+                      </a:rPr>
+                      <m:t>∈</m:t>
+                    </m:r>
+                    <m:sSup>
+                      <m:sSupPr>
+                        <m:ctrlPr>
+                          <a:rPr lang="fr-FR" sz="2000" b="0" i="1" smtClean="0">
+                            <a:latin typeface="Cambria Math" panose="02040503050406030204" pitchFamily="18" charset="0"/>
+                          </a:rPr>
+                        </m:ctrlPr>
+                      </m:sSupPr>
+                      <m:e>
+                        <m:r>
+                          <a:rPr lang="fr-FR" sz="2000" b="0" i="1" smtClean="0">
+                            <a:latin typeface="Cambria Math" panose="02040503050406030204" pitchFamily="18" charset="0"/>
+                          </a:rPr>
+                          <m:t>ℝ</m:t>
+                        </m:r>
+                      </m:e>
+                      <m:sup>
+                        <m:r>
+                          <a:rPr lang="fr-FR" sz="2000" b="0" i="1" smtClean="0">
+                            <a:latin typeface="Cambria Math" panose="02040503050406030204" pitchFamily="18" charset="0"/>
+                          </a:rPr>
+                          <m:t>𝑑</m:t>
+                        </m:r>
+                      </m:sup>
+                    </m:sSup>
+                    <m:r>
+                      <a:rPr lang="fr-FR" sz="2000" b="0" i="1" smtClean="0">
+                        <a:latin typeface="Cambria Math" panose="02040503050406030204" pitchFamily="18" charset="0"/>
+                      </a:rPr>
+                      <m:t> </m:t>
+                    </m:r>
+                  </m:oMath>
+                </a14:m>
+                <a:r>
+                  <a:rPr lang="fr-FR" sz="2000" dirty="0"/>
+                  <a:t> </a:t>
+                </a:r>
+              </a:p>
+              <a:p>
+                <a:r>
+                  <a:rPr lang="fr-FR" sz="2000" dirty="0"/>
+                  <a:t>Récompense (</a:t>
+                </a:r>
+                <a:r>
+                  <a:rPr lang="fr-FR" sz="2000" i="1" dirty="0" err="1"/>
+                  <a:t>reward</a:t>
+                </a:r>
+                <a:r>
+                  <a:rPr lang="fr-FR" sz="2000" dirty="0"/>
+                  <a:t>) </a:t>
+                </a:r>
+                <a14:m>
+                  <m:oMath xmlns:m="http://schemas.openxmlformats.org/officeDocument/2006/math">
+                    <m:sSub>
+                      <m:sSubPr>
+                        <m:ctrlPr>
+                          <a:rPr lang="fr-FR" sz="2000" b="0" i="1" smtClean="0">
+                            <a:latin typeface="Cambria Math" panose="02040503050406030204" pitchFamily="18" charset="0"/>
+                          </a:rPr>
+                        </m:ctrlPr>
+                      </m:sSubPr>
+                      <m:e>
+                        <m:r>
+                          <a:rPr lang="fr-FR" sz="2000" b="0" i="1" smtClean="0">
+                            <a:latin typeface="Cambria Math" panose="02040503050406030204" pitchFamily="18" charset="0"/>
+                          </a:rPr>
+                          <m:t>𝑟</m:t>
+                        </m:r>
+                      </m:e>
+                      <m:sub>
+                        <m:r>
+                          <a:rPr lang="fr-FR" sz="2000" b="0" i="1" smtClean="0">
+                            <a:latin typeface="Cambria Math" panose="02040503050406030204" pitchFamily="18" charset="0"/>
+                          </a:rPr>
+                          <m:t>𝑡</m:t>
+                        </m:r>
+                      </m:sub>
+                    </m:sSub>
+                    <m:r>
+                      <a:rPr lang="fr-FR" sz="2000" b="0" i="1" smtClean="0">
+                        <a:latin typeface="Cambria Math" panose="02040503050406030204" pitchFamily="18" charset="0"/>
+                      </a:rPr>
+                      <m:t>∈</m:t>
+                    </m:r>
+                    <m:r>
+                      <a:rPr lang="fr-FR" sz="2000" b="0" i="1" smtClean="0">
+                        <a:latin typeface="Cambria Math" panose="02040503050406030204" pitchFamily="18" charset="0"/>
+                      </a:rPr>
+                      <m:t>ℝ</m:t>
+                    </m:r>
+                  </m:oMath>
+                </a14:m>
+                <a:r>
+                  <a:rPr lang="fr-FR" sz="2000" dirty="0"/>
+                  <a:t>, fonction de l’état et de l’action.</a:t>
+                </a:r>
+              </a:p>
+              <a:p>
+                <a:endParaRPr lang="fr-FR" sz="2000" dirty="0"/>
+              </a:p>
+              <a:p>
+                <a:endParaRPr lang="fr-FR" sz="2000" dirty="0"/>
+              </a:p>
+              <a:p>
+                <a:pPr marL="0" indent="0">
+                  <a:buNone/>
+                </a:pPr>
+                <a:endParaRPr lang="fr-FR" sz="2000" dirty="0"/>
+              </a:p>
+              <a:p>
+                <a:pPr marL="0" indent="0">
+                  <a:buNone/>
+                </a:pPr>
+                <a:endParaRPr lang="fr-FR" sz="2000" dirty="0"/>
+              </a:p>
+              <a:p>
+                <a:pPr marL="0" indent="0">
+                  <a:buNone/>
+                </a:pPr>
+                <a:endParaRPr lang="fr-FR" sz="2000" dirty="0"/>
+              </a:p>
+              <a:p>
+                <a:pPr marL="0" indent="0">
+                  <a:buNone/>
+                </a:pPr>
+                <a:endParaRPr lang="fr-FR" sz="2000" dirty="0"/>
+              </a:p>
+              <a:p>
+                <a:pPr marL="0" indent="0">
+                  <a:buNone/>
+                </a:pPr>
+                <a:endParaRPr lang="fr-FR" sz="2000" dirty="0"/>
+              </a:p>
+              <a:p>
+                <a:pPr marL="0" indent="0">
+                  <a:buNone/>
+                </a:pPr>
+                <a:endParaRPr lang="fr-FR" sz="2000" dirty="0"/>
+              </a:p>
+            </p:txBody>
+          </p:sp>
+        </mc:Choice>
+        <mc:Fallback>
+          <p:sp>
+            <p:nvSpPr>
+              <p:cNvPr id="3" name="Espace réservé du contenu 2">
+                <a:extLst>
+                  <a:ext uri="{FF2B5EF4-FFF2-40B4-BE49-F238E27FC236}">
+                    <a16:creationId xmlns:a16="http://schemas.microsoft.com/office/drawing/2014/main" id="{B59E77B8-2D75-472C-B76C-ABDDE0CAFCD5}"/>
+                  </a:ext>
+                </a:extLst>
+              </p:cNvPr>
+              <p:cNvSpPr>
+                <a:spLocks noGrp="1" noRot="1" noChangeAspect="1" noMove="1" noResize="1" noEditPoints="1" noAdjustHandles="1" noChangeArrowheads="1" noChangeShapeType="1" noTextEdit="1"/>
+              </p:cNvSpPr>
+              <p:nvPr>
+                <p:ph idx="1"/>
+              </p:nvPr>
+            </p:nvSpPr>
+            <p:spPr>
+              <a:xfrm>
+                <a:off x="537750" y="429086"/>
+                <a:ext cx="10839994" cy="6021978"/>
+              </a:xfrm>
+              <a:blipFill>
+                <a:blip r:embed="rId2"/>
+                <a:stretch>
+                  <a:fillRect l="-844" t="-1923" r="-619"/>
+                </a:stretch>
+              </a:blipFill>
+            </p:spPr>
+            <p:txBody>
+              <a:bodyPr/>
+              <a:lstStyle/>
+              <a:p>
+                <a:r>
+                  <a:rPr lang="en-US">
+                    <a:noFill/>
+                  </a:rPr>
+                  <a:t> </a:t>
+                </a:r>
+              </a:p>
+            </p:txBody>
+          </p:sp>
+        </mc:Fallback>
+      </mc:AlternateContent>
+      <p:pic>
+        <p:nvPicPr>
+          <p:cNvPr id="4" name="Image 3">
+            <a:extLst>
+              <a:ext uri="{FF2B5EF4-FFF2-40B4-BE49-F238E27FC236}">
+                <a16:creationId xmlns:a16="http://schemas.microsoft.com/office/drawing/2014/main" id="{0E9FF85A-F7F5-43A3-AC5C-7B27017B3B9A}"/>
+              </a:ext>
+            </a:extLst>
+          </p:cNvPr>
+          <p:cNvPicPr>
+            <a:picLocks noChangeAspect="1"/>
+          </p:cNvPicPr>
+          <p:nvPr/>
+        </p:nvPicPr>
+        <p:blipFill>
+          <a:blip r:embed="rId3"/>
+          <a:stretch>
+            <a:fillRect/>
+          </a:stretch>
+        </p:blipFill>
+        <p:spPr>
+          <a:xfrm>
+            <a:off x="3295251" y="1105645"/>
+            <a:ext cx="5885934" cy="2976284"/>
+          </a:xfrm>
+          <a:prstGeom prst="rect">
+            <a:avLst/>
+          </a:prstGeom>
+        </p:spPr>
+      </p:pic>
+    </p:spTree>
+    <p:extLst>
+      <p:ext uri="{BB962C8B-B14F-4D97-AF65-F5344CB8AC3E}">
+        <p14:creationId xmlns:p14="http://schemas.microsoft.com/office/powerpoint/2010/main" val="2911204559"/>
+      </p:ext>
+    </p:extLst>
+  </p:cSld>
+  <p:clrMapOvr>
+    <a:masterClrMapping/>
+  </p:clrMapOvr>
+</p:sld>
+</file>
+
+<file path=ppt/slides/slide42.xml><?xml version="1.0" encoding="utf-8"?>
+<p:sld xmlns:a="http://schemas.openxmlformats.org/drawingml/2006/main" xmlns:r="http://schemas.openxmlformats.org/officeDocument/2006/relationships" xmlns:p="http://schemas.openxmlformats.org/presentationml/2006/main">
+  <p:cSld>
+    <p:spTree>
+      <p:nvGrpSpPr>
+        <p:cNvPr id="1" name=""/>
+        <p:cNvGrpSpPr/>
+        <p:nvPr/>
+      </p:nvGrpSpPr>
+      <p:grpSpPr>
+        <a:xfrm>
+          <a:off x="0" y="0"/>
+          <a:ext cx="0" cy="0"/>
+          <a:chOff x="0" y="0"/>
+          <a:chExt cx="0" cy="0"/>
+        </a:xfrm>
+      </p:grpSpPr>
+      <mc:AlternateContent xmlns:mc="http://schemas.openxmlformats.org/markup-compatibility/2006">
+        <mc:Choice xmlns:a14="http://schemas.microsoft.com/office/drawing/2010/main" Requires="a14">
+          <p:sp>
+            <p:nvSpPr>
+              <p:cNvPr id="3" name="Espace réservé du contenu 2">
+                <a:extLst>
+                  <a:ext uri="{FF2B5EF4-FFF2-40B4-BE49-F238E27FC236}">
+                    <a16:creationId xmlns:a16="http://schemas.microsoft.com/office/drawing/2014/main" id="{B59E77B8-2D75-472C-B76C-ABDDE0CAFCD5}"/>
+                  </a:ext>
+                </a:extLst>
+              </p:cNvPr>
+              <p:cNvSpPr>
+                <a:spLocks noGrp="1"/>
+              </p:cNvSpPr>
+              <p:nvPr>
+                <p:ph idx="1"/>
+              </p:nvPr>
+            </p:nvSpPr>
+            <p:spPr>
+              <a:xfrm>
+                <a:off x="537750" y="429086"/>
+                <a:ext cx="10839994" cy="6021978"/>
+              </a:xfrm>
+            </p:spPr>
+            <p:txBody>
+              <a:bodyPr>
+                <a:normAutofit/>
+              </a:bodyPr>
+              <a:lstStyle/>
+              <a:p>
+                <a:pPr marL="0" indent="0">
+                  <a:buNone/>
+                </a:pPr>
+                <a:r>
+                  <a:rPr lang="fr-FR" sz="2000" b="1" dirty="0"/>
+                  <a:t>Politique</a:t>
+                </a:r>
+                <a:r>
+                  <a:rPr lang="fr-FR" sz="2000" dirty="0"/>
+                  <a:t> (</a:t>
+                </a:r>
+                <a14:m>
+                  <m:oMath xmlns:m="http://schemas.openxmlformats.org/officeDocument/2006/math">
+                    <m:r>
+                      <a:rPr lang="fr-FR" sz="2000" b="0" i="1" smtClean="0">
+                        <a:latin typeface="Cambria Math" panose="02040503050406030204" pitchFamily="18" charset="0"/>
+                      </a:rPr>
+                      <m:t>𝜋</m:t>
+                    </m:r>
+                  </m:oMath>
+                </a14:m>
+                <a:r>
+                  <a:rPr lang="fr-FR" sz="2000" dirty="0"/>
+                  <a:t>) : règle de décision </a:t>
+                </a:r>
+                <a14:m>
+                  <m:oMath xmlns:m="http://schemas.openxmlformats.org/officeDocument/2006/math">
+                    <m:r>
+                      <a:rPr lang="fr-FR" sz="2000" b="0" i="1" smtClean="0">
+                        <a:latin typeface="Cambria Math" panose="02040503050406030204" pitchFamily="18" charset="0"/>
+                      </a:rPr>
+                      <m:t>𝑎</m:t>
+                    </m:r>
+                    <m:r>
+                      <a:rPr lang="fr-FR" sz="2000" b="0" i="1" smtClean="0">
+                        <a:latin typeface="Cambria Math" panose="02040503050406030204" pitchFamily="18" charset="0"/>
+                      </a:rPr>
+                      <m:t>=</m:t>
+                    </m:r>
+                    <m:r>
+                      <a:rPr lang="fr-FR" sz="2000" b="0" i="1" smtClean="0">
+                        <a:latin typeface="Cambria Math" panose="02040503050406030204" pitchFamily="18" charset="0"/>
+                      </a:rPr>
+                      <m:t>𝜋</m:t>
+                    </m:r>
+                    <m:r>
+                      <a:rPr lang="fr-FR" sz="2000" b="0" i="1" smtClean="0">
+                        <a:latin typeface="Cambria Math" panose="02040503050406030204" pitchFamily="18" charset="0"/>
+                      </a:rPr>
+                      <m:t>(</m:t>
+                    </m:r>
+                    <m:r>
+                      <a:rPr lang="fr-FR" sz="2000" b="0" i="1" smtClean="0">
+                        <a:latin typeface="Cambria Math" panose="02040503050406030204" pitchFamily="18" charset="0"/>
+                      </a:rPr>
+                      <m:t>𝑠</m:t>
+                    </m:r>
+                    <m:r>
+                      <a:rPr lang="fr-FR" sz="2000" b="0" i="1" smtClean="0">
+                        <a:latin typeface="Cambria Math" panose="02040503050406030204" pitchFamily="18" charset="0"/>
+                      </a:rPr>
+                      <m:t>)</m:t>
+                    </m:r>
+                  </m:oMath>
+                </a14:m>
+                <a:r>
+                  <a:rPr lang="fr-FR" sz="2000" dirty="0"/>
+                  <a:t>. </a:t>
+                </a:r>
+              </a:p>
+              <a:p>
+                <a:pPr marL="0" indent="0">
+                  <a:buNone/>
+                </a:pPr>
+                <a:r>
+                  <a:rPr lang="fr-FR" sz="2000" b="1" dirty="0"/>
+                  <a:t>Objectif</a:t>
+                </a:r>
+                <a:r>
+                  <a:rPr lang="fr-FR" sz="2000" dirty="0"/>
+                  <a:t> : apprendre une politique optimale </a:t>
+                </a:r>
+                <a14:m>
+                  <m:oMath xmlns:m="http://schemas.openxmlformats.org/officeDocument/2006/math">
+                    <m:sSup>
+                      <m:sSupPr>
+                        <m:ctrlPr>
+                          <a:rPr lang="fr-FR" sz="2000" b="0" i="0" smtClean="0">
+                            <a:latin typeface="Cambria Math" panose="02040503050406030204" pitchFamily="18" charset="0"/>
+                          </a:rPr>
+                        </m:ctrlPr>
+                      </m:sSupPr>
+                      <m:e>
+                        <m:r>
+                          <a:rPr lang="fr-FR" sz="2000" b="0" i="1" smtClean="0">
+                            <a:latin typeface="Cambria Math" panose="02040503050406030204" pitchFamily="18" charset="0"/>
+                          </a:rPr>
+                          <m:t>𝜋</m:t>
+                        </m:r>
+                      </m:e>
+                      <m:sup>
+                        <m:r>
+                          <a:rPr lang="fr-FR" sz="2000" b="0" i="0" smtClean="0">
+                            <a:latin typeface="Cambria Math" panose="02040503050406030204" pitchFamily="18" charset="0"/>
+                          </a:rPr>
+                          <m:t>∗</m:t>
+                        </m:r>
+                      </m:sup>
+                    </m:sSup>
+                  </m:oMath>
+                </a14:m>
+                <a:r>
+                  <a:rPr lang="fr-FR" sz="2000" dirty="0"/>
+                  <a:t> (maximiser les récompenses).</a:t>
+                </a:r>
+              </a:p>
+              <a:p>
+                <a:pPr marL="0" indent="0">
+                  <a:buNone/>
+                </a:pPr>
+                <a:endParaRPr lang="fr-FR" sz="2000" dirty="0"/>
+              </a:p>
+              <a:p>
+                <a:pPr marL="0" indent="0">
+                  <a:buNone/>
+                </a:pPr>
+                <a:r>
+                  <a:rPr lang="fr-FR" sz="2000" dirty="0"/>
+                  <a:t>Environnement </a:t>
+                </a:r>
+                <a:r>
+                  <a:rPr lang="fr-FR" sz="2000" b="1" dirty="0"/>
+                  <a:t>déterministe</a:t>
+                </a:r>
+                <a:r>
+                  <a:rPr lang="fr-FR" sz="2000" dirty="0"/>
+                  <a:t>: </a:t>
+                </a:r>
+              </a:p>
+              <a:p>
+                <a:r>
+                  <a:rPr lang="fr-FR" sz="2000" dirty="0"/>
+                  <a:t>la transition de </a:t>
+                </a:r>
+                <a14:m>
+                  <m:oMath xmlns:m="http://schemas.openxmlformats.org/officeDocument/2006/math">
+                    <m:sSub>
+                      <m:sSubPr>
+                        <m:ctrlPr>
+                          <a:rPr lang="fr-FR" sz="2000" i="1">
+                            <a:latin typeface="Cambria Math" panose="02040503050406030204" pitchFamily="18" charset="0"/>
+                          </a:rPr>
+                        </m:ctrlPr>
+                      </m:sSubPr>
+                      <m:e>
+                        <m:r>
+                          <a:rPr lang="fr-FR" sz="2000" i="1">
+                            <a:latin typeface="Cambria Math" panose="02040503050406030204" pitchFamily="18" charset="0"/>
+                          </a:rPr>
+                          <m:t>𝑠</m:t>
+                        </m:r>
+                      </m:e>
+                      <m:sub>
+                        <m:r>
+                          <a:rPr lang="fr-FR" sz="2000" i="1">
+                            <a:latin typeface="Cambria Math" panose="02040503050406030204" pitchFamily="18" charset="0"/>
+                          </a:rPr>
+                          <m:t>𝑡</m:t>
+                        </m:r>
+                        <m:r>
+                          <a:rPr lang="fr-FR" sz="2000" i="1">
+                            <a:latin typeface="Cambria Math" panose="02040503050406030204" pitchFamily="18" charset="0"/>
+                          </a:rPr>
+                          <m:t>+1</m:t>
+                        </m:r>
+                      </m:sub>
+                    </m:sSub>
+                  </m:oMath>
+                </a14:m>
+                <a:r>
+                  <a:rPr lang="fr-FR" sz="2000" dirty="0"/>
+                  <a:t>en fonction de </a:t>
+                </a:r>
+                <a14:m>
+                  <m:oMath xmlns:m="http://schemas.openxmlformats.org/officeDocument/2006/math">
+                    <m:sSub>
+                      <m:sSubPr>
+                        <m:ctrlPr>
+                          <a:rPr lang="fr-FR" sz="2000" i="1">
+                            <a:latin typeface="Cambria Math" panose="02040503050406030204" pitchFamily="18" charset="0"/>
+                          </a:rPr>
+                        </m:ctrlPr>
+                      </m:sSubPr>
+                      <m:e>
+                        <m:r>
+                          <a:rPr lang="fr-FR" sz="2000" i="1">
+                            <a:latin typeface="Cambria Math" panose="02040503050406030204" pitchFamily="18" charset="0"/>
+                          </a:rPr>
+                          <m:t>𝑠</m:t>
+                        </m:r>
+                      </m:e>
+                      <m:sub>
+                        <m:r>
+                          <a:rPr lang="fr-FR" sz="2000" i="1">
+                            <a:latin typeface="Cambria Math" panose="02040503050406030204" pitchFamily="18" charset="0"/>
+                          </a:rPr>
+                          <m:t>𝑡</m:t>
+                        </m:r>
+                      </m:sub>
+                    </m:sSub>
+                  </m:oMath>
+                </a14:m>
+                <a:r>
+                  <a:rPr lang="fr-FR" sz="2000" dirty="0"/>
+                  <a:t> et </a:t>
+                </a:r>
+                <a14:m>
+                  <m:oMath xmlns:m="http://schemas.openxmlformats.org/officeDocument/2006/math">
+                    <m:sSub>
+                      <m:sSubPr>
+                        <m:ctrlPr>
+                          <a:rPr lang="fr-FR" sz="2000" i="1">
+                            <a:latin typeface="Cambria Math" panose="02040503050406030204" pitchFamily="18" charset="0"/>
+                          </a:rPr>
+                        </m:ctrlPr>
+                      </m:sSubPr>
+                      <m:e>
+                        <m:r>
+                          <a:rPr lang="fr-FR" sz="2000" i="1">
+                            <a:latin typeface="Cambria Math" panose="02040503050406030204" pitchFamily="18" charset="0"/>
+                          </a:rPr>
+                          <m:t>𝑎</m:t>
+                        </m:r>
+                      </m:e>
+                      <m:sub>
+                        <m:r>
+                          <a:rPr lang="fr-FR" sz="2000" i="1">
+                            <a:latin typeface="Cambria Math" panose="02040503050406030204" pitchFamily="18" charset="0"/>
+                          </a:rPr>
+                          <m:t>𝑡</m:t>
+                        </m:r>
+                      </m:sub>
+                    </m:sSub>
+                    <m:r>
+                      <a:rPr lang="fr-FR" sz="2000" i="1">
+                        <a:latin typeface="Cambria Math" panose="02040503050406030204" pitchFamily="18" charset="0"/>
+                      </a:rPr>
+                      <m:t> </m:t>
+                    </m:r>
+                  </m:oMath>
+                </a14:m>
+                <a:r>
+                  <a:rPr lang="fr-FR" sz="2000" dirty="0"/>
+                  <a:t>est déterministe.</a:t>
+                </a:r>
+              </a:p>
+              <a:p>
+                <a:r>
+                  <a:rPr lang="fr-FR" sz="2000" dirty="0"/>
+                  <a:t>Objectif : </a:t>
+                </a:r>
+                <a:r>
+                  <a:rPr lang="fr-FR" sz="2000" u="sng" dirty="0"/>
+                  <a:t>optimiser la somme pondérée des récompenses </a:t>
+                </a:r>
+                <a14:m>
+                  <m:oMath xmlns:m="http://schemas.openxmlformats.org/officeDocument/2006/math">
+                    <m:sSub>
+                      <m:sSubPr>
+                        <m:ctrlPr>
+                          <a:rPr lang="fr-FR" sz="2000" b="0" i="1" u="sng" smtClean="0">
+                            <a:latin typeface="Cambria Math" panose="02040503050406030204" pitchFamily="18" charset="0"/>
+                          </a:rPr>
+                        </m:ctrlPr>
+                      </m:sSubPr>
+                      <m:e>
+                        <m:r>
+                          <a:rPr lang="fr-FR" sz="2000" b="0" i="1" u="sng" smtClean="0">
+                            <a:latin typeface="Cambria Math" panose="02040503050406030204" pitchFamily="18" charset="0"/>
+                          </a:rPr>
+                          <m:t>𝐺</m:t>
+                        </m:r>
+                      </m:e>
+                      <m:sub/>
+                    </m:sSub>
+                  </m:oMath>
+                </a14:m>
+                <a:endParaRPr lang="fr-FR" sz="2000" u="sng" dirty="0"/>
+              </a:p>
+              <a:p>
+                <a:pPr marL="0" indent="0">
+                  <a:buNone/>
+                </a:pPr>
+                <a14:m>
+                  <m:oMathPara xmlns:m="http://schemas.openxmlformats.org/officeDocument/2006/math">
+                    <m:oMathParaPr>
+                      <m:jc m:val="centerGroup"/>
+                    </m:oMathParaPr>
+                    <m:oMath xmlns:m="http://schemas.openxmlformats.org/officeDocument/2006/math">
+                      <m:sSub>
+                        <m:sSubPr>
+                          <m:ctrlPr>
+                            <a:rPr lang="fr-FR" sz="2000" b="0" i="1" smtClean="0">
+                              <a:latin typeface="Cambria Math" panose="02040503050406030204" pitchFamily="18" charset="0"/>
+                            </a:rPr>
+                          </m:ctrlPr>
+                        </m:sSubPr>
+                        <m:e>
+                          <m:r>
+                            <a:rPr lang="fr-FR" sz="2000" b="0" i="1" smtClean="0">
+                              <a:latin typeface="Cambria Math" panose="02040503050406030204" pitchFamily="18" charset="0"/>
+                            </a:rPr>
+                            <m:t>𝐺</m:t>
+                          </m:r>
+                        </m:e>
+                        <m:sub/>
+                      </m:sSub>
+                      <m:r>
+                        <a:rPr lang="fr-FR" sz="2000" b="0" i="1" smtClean="0">
+                          <a:latin typeface="Cambria Math" panose="02040503050406030204" pitchFamily="18" charset="0"/>
+                        </a:rPr>
+                        <m:t>=</m:t>
+                      </m:r>
+                      <m:sSub>
+                        <m:sSubPr>
+                          <m:ctrlPr>
+                            <a:rPr lang="fr-FR" sz="2000" b="0" i="1" smtClean="0">
+                              <a:latin typeface="Cambria Math" panose="02040503050406030204" pitchFamily="18" charset="0"/>
+                            </a:rPr>
+                          </m:ctrlPr>
+                        </m:sSubPr>
+                        <m:e>
+                          <m:r>
+                            <a:rPr lang="fr-FR" sz="2000" b="0" i="1" smtClean="0">
+                              <a:latin typeface="Cambria Math" panose="02040503050406030204" pitchFamily="18" charset="0"/>
+                            </a:rPr>
+                            <m:t>𝑟</m:t>
+                          </m:r>
+                        </m:e>
+                        <m:sub>
+                          <m:r>
+                            <a:rPr lang="fr-FR" sz="2000" b="0" i="1" smtClean="0">
+                              <a:latin typeface="Cambria Math" panose="02040503050406030204" pitchFamily="18" charset="0"/>
+                            </a:rPr>
+                            <m:t>1</m:t>
+                          </m:r>
+                        </m:sub>
+                      </m:sSub>
+                      <m:r>
+                        <a:rPr lang="fr-FR" sz="2000" b="0" i="1" smtClean="0">
+                          <a:latin typeface="Cambria Math" panose="02040503050406030204" pitchFamily="18" charset="0"/>
+                        </a:rPr>
+                        <m:t>+</m:t>
+                      </m:r>
+                      <m:r>
+                        <a:rPr lang="fr-FR" sz="2000" b="0" i="1" smtClean="0">
+                          <a:latin typeface="Cambria Math" panose="02040503050406030204" pitchFamily="18" charset="0"/>
+                        </a:rPr>
+                        <m:t>𝛾</m:t>
+                      </m:r>
+                      <m:r>
+                        <a:rPr lang="fr-FR" sz="2000" b="0" i="1" smtClean="0">
+                          <a:latin typeface="Cambria Math" panose="02040503050406030204" pitchFamily="18" charset="0"/>
+                        </a:rPr>
+                        <m:t> </m:t>
+                      </m:r>
+                      <m:sSub>
+                        <m:sSubPr>
+                          <m:ctrlPr>
+                            <a:rPr lang="fr-FR" sz="2000" b="0" i="1" smtClean="0">
+                              <a:latin typeface="Cambria Math" panose="02040503050406030204" pitchFamily="18" charset="0"/>
+                            </a:rPr>
+                          </m:ctrlPr>
+                        </m:sSubPr>
+                        <m:e>
+                          <m:r>
+                            <a:rPr lang="fr-FR" sz="2000" b="0" i="1" smtClean="0">
+                              <a:latin typeface="Cambria Math" panose="02040503050406030204" pitchFamily="18" charset="0"/>
+                            </a:rPr>
+                            <m:t>𝑟</m:t>
+                          </m:r>
+                        </m:e>
+                        <m:sub>
+                          <m:r>
+                            <a:rPr lang="fr-FR" sz="2000" b="0" i="1" smtClean="0">
+                              <a:latin typeface="Cambria Math" panose="02040503050406030204" pitchFamily="18" charset="0"/>
+                            </a:rPr>
+                            <m:t>2</m:t>
+                          </m:r>
+                        </m:sub>
+                      </m:sSub>
+                      <m:r>
+                        <a:rPr lang="fr-FR" sz="2000" b="0" i="1" smtClean="0">
+                          <a:latin typeface="Cambria Math" panose="02040503050406030204" pitchFamily="18" charset="0"/>
+                        </a:rPr>
+                        <m:t>+</m:t>
+                      </m:r>
+                      <m:sSup>
+                        <m:sSupPr>
+                          <m:ctrlPr>
+                            <a:rPr lang="fr-FR" sz="2000" b="0" i="1" smtClean="0">
+                              <a:latin typeface="Cambria Math" panose="02040503050406030204" pitchFamily="18" charset="0"/>
+                            </a:rPr>
+                          </m:ctrlPr>
+                        </m:sSupPr>
+                        <m:e>
+                          <m:r>
+                            <a:rPr lang="fr-FR" sz="2000" b="0" i="1" smtClean="0">
+                              <a:latin typeface="Cambria Math" panose="02040503050406030204" pitchFamily="18" charset="0"/>
+                            </a:rPr>
+                            <m:t>𝛾</m:t>
+                          </m:r>
+                        </m:e>
+                        <m:sup>
+                          <m:r>
+                            <a:rPr lang="fr-FR" sz="2000" b="0" i="1" smtClean="0">
+                              <a:latin typeface="Cambria Math" panose="02040503050406030204" pitchFamily="18" charset="0"/>
+                            </a:rPr>
+                            <m:t>2</m:t>
+                          </m:r>
+                        </m:sup>
+                      </m:sSup>
+                      <m:sSub>
+                        <m:sSubPr>
+                          <m:ctrlPr>
+                            <a:rPr lang="fr-FR" sz="2000" b="0" i="1" smtClean="0">
+                              <a:latin typeface="Cambria Math" panose="02040503050406030204" pitchFamily="18" charset="0"/>
+                            </a:rPr>
+                          </m:ctrlPr>
+                        </m:sSubPr>
+                        <m:e>
+                          <m:r>
+                            <a:rPr lang="fr-FR" sz="2000" b="0" i="1" smtClean="0">
+                              <a:latin typeface="Cambria Math" panose="02040503050406030204" pitchFamily="18" charset="0"/>
+                            </a:rPr>
+                            <m:t>𝑟</m:t>
+                          </m:r>
+                        </m:e>
+                        <m:sub>
+                          <m:r>
+                            <a:rPr lang="fr-FR" sz="2000" b="0" i="1" smtClean="0">
+                              <a:latin typeface="Cambria Math" panose="02040503050406030204" pitchFamily="18" charset="0"/>
+                            </a:rPr>
+                            <m:t>3</m:t>
+                          </m:r>
+                        </m:sub>
+                      </m:sSub>
+                      <m:r>
+                        <a:rPr lang="fr-FR" sz="2000" b="0" i="1" smtClean="0">
+                          <a:latin typeface="Cambria Math" panose="02040503050406030204" pitchFamily="18" charset="0"/>
+                        </a:rPr>
+                        <m:t>+ …=</m:t>
+                      </m:r>
+                      <m:nary>
+                        <m:naryPr>
+                          <m:chr m:val="∑"/>
+                          <m:ctrlPr>
+                            <a:rPr lang="fr-FR" sz="2000" b="0" i="1" smtClean="0">
+                              <a:latin typeface="Cambria Math" panose="02040503050406030204" pitchFamily="18" charset="0"/>
+                            </a:rPr>
+                          </m:ctrlPr>
+                        </m:naryPr>
+                        <m:sub>
+                          <m:r>
+                            <m:rPr>
+                              <m:brk m:alnAt="23"/>
+                            </m:rPr>
+                            <a:rPr lang="fr-FR" sz="2000" b="0" i="1" smtClean="0">
+                              <a:latin typeface="Cambria Math" panose="02040503050406030204" pitchFamily="18" charset="0"/>
+                            </a:rPr>
+                            <m:t>𝑡</m:t>
+                          </m:r>
+                          <m:r>
+                            <a:rPr lang="fr-FR" sz="2000" b="0" i="1" smtClean="0">
+                              <a:latin typeface="Cambria Math" panose="02040503050406030204" pitchFamily="18" charset="0"/>
+                            </a:rPr>
+                            <m:t>=0</m:t>
+                          </m:r>
+                        </m:sub>
+                        <m:sup>
+                          <m:r>
+                            <a:rPr lang="fr-FR" sz="2000" b="0" i="1" smtClean="0">
+                              <a:latin typeface="Cambria Math" panose="02040503050406030204" pitchFamily="18" charset="0"/>
+                            </a:rPr>
+                            <m:t>∞</m:t>
+                          </m:r>
+                        </m:sup>
+                        <m:e>
+                          <m:sSup>
+                            <m:sSupPr>
+                              <m:ctrlPr>
+                                <a:rPr lang="fr-FR" sz="2000" b="0" i="1" smtClean="0">
+                                  <a:latin typeface="Cambria Math" panose="02040503050406030204" pitchFamily="18" charset="0"/>
+                                </a:rPr>
+                              </m:ctrlPr>
+                            </m:sSupPr>
+                            <m:e>
+                              <m:r>
+                                <a:rPr lang="fr-FR" sz="2000" b="0" i="1" smtClean="0">
+                                  <a:latin typeface="Cambria Math" panose="02040503050406030204" pitchFamily="18" charset="0"/>
+                                </a:rPr>
+                                <m:t>𝛾</m:t>
+                              </m:r>
+                            </m:e>
+                            <m:sup>
+                              <m:r>
+                                <a:rPr lang="fr-FR" sz="2000" b="0" i="1" smtClean="0">
+                                  <a:latin typeface="Cambria Math" panose="02040503050406030204" pitchFamily="18" charset="0"/>
+                                </a:rPr>
+                                <m:t>𝑡</m:t>
+                              </m:r>
+                            </m:sup>
+                          </m:sSup>
+                          <m:sSub>
+                            <m:sSubPr>
+                              <m:ctrlPr>
+                                <a:rPr lang="fr-FR" sz="2000" b="0" i="1" smtClean="0">
+                                  <a:latin typeface="Cambria Math" panose="02040503050406030204" pitchFamily="18" charset="0"/>
+                                </a:rPr>
+                              </m:ctrlPr>
+                            </m:sSubPr>
+                            <m:e>
+                              <m:r>
+                                <a:rPr lang="fr-FR" sz="2000" b="0" i="1" smtClean="0">
+                                  <a:latin typeface="Cambria Math" panose="02040503050406030204" pitchFamily="18" charset="0"/>
+                                </a:rPr>
+                                <m:t>𝑟</m:t>
+                              </m:r>
+                            </m:e>
+                            <m:sub>
+                              <m:r>
+                                <a:rPr lang="fr-FR" sz="2000" b="0" i="1" smtClean="0">
+                                  <a:latin typeface="Cambria Math" panose="02040503050406030204" pitchFamily="18" charset="0"/>
+                                </a:rPr>
+                                <m:t>𝑡</m:t>
+                              </m:r>
+                              <m:r>
+                                <a:rPr lang="fr-FR" sz="2000" b="0" i="1" smtClean="0">
+                                  <a:latin typeface="Cambria Math" panose="02040503050406030204" pitchFamily="18" charset="0"/>
+                                </a:rPr>
+                                <m:t>+1</m:t>
+                              </m:r>
+                            </m:sub>
+                          </m:sSub>
+                        </m:e>
+                      </m:nary>
+                    </m:oMath>
+                  </m:oMathPara>
+                </a14:m>
+                <a:endParaRPr lang="fr-FR" sz="2000" dirty="0"/>
+              </a:p>
+              <a:p>
+                <a:pPr marL="0" indent="0" algn="ctr">
+                  <a:buNone/>
+                </a:pPr>
+                <a:r>
+                  <a:rPr lang="fr-FR" sz="2000" dirty="0"/>
+                  <a:t>avec </a:t>
+                </a:r>
+                <a14:m>
+                  <m:oMath xmlns:m="http://schemas.openxmlformats.org/officeDocument/2006/math">
+                    <m:r>
+                      <a:rPr lang="fr-FR" sz="2000" b="0" i="1" smtClean="0">
+                        <a:latin typeface="Cambria Math" panose="02040503050406030204" pitchFamily="18" charset="0"/>
+                      </a:rPr>
+                      <m:t>𝛾</m:t>
+                    </m:r>
+                    <m:r>
+                      <a:rPr lang="fr-FR" sz="2000" b="0" i="1" smtClean="0">
+                        <a:latin typeface="Cambria Math" panose="02040503050406030204" pitchFamily="18" charset="0"/>
+                      </a:rPr>
+                      <m:t>∈[0;1[</m:t>
+                    </m:r>
+                  </m:oMath>
+                </a14:m>
+                <a:r>
+                  <a:rPr lang="fr-FR" sz="2000" dirty="0"/>
+                  <a:t> qui favorise les récompenses rapides (</a:t>
+                </a:r>
+                <a:r>
+                  <a:rPr lang="fr-FR" sz="2000" i="1" dirty="0"/>
+                  <a:t>discount</a:t>
+                </a:r>
+                <a:r>
+                  <a:rPr lang="fr-FR" sz="2000" dirty="0"/>
+                  <a:t> </a:t>
+                </a:r>
+                <a:r>
+                  <a:rPr lang="fr-FR" sz="2000" i="1" dirty="0"/>
+                  <a:t>factor</a:t>
+                </a:r>
+                <a:r>
+                  <a:rPr lang="fr-FR" sz="2000" dirty="0"/>
+                  <a:t>).</a:t>
+                </a:r>
+              </a:p>
+              <a:p>
+                <a:endParaRPr lang="fr-FR" sz="2000" dirty="0"/>
+              </a:p>
+              <a:p>
+                <a:pPr marL="0" indent="0">
+                  <a:buNone/>
+                </a:pPr>
+                <a:r>
+                  <a:rPr lang="fr-FR" sz="2000" dirty="0"/>
+                  <a:t>Environnement </a:t>
+                </a:r>
+                <a:r>
+                  <a:rPr lang="fr-FR" sz="2000" b="1" dirty="0"/>
+                  <a:t>stochastique</a:t>
+                </a:r>
+                <a:r>
+                  <a:rPr lang="fr-FR" sz="2000" dirty="0"/>
+                  <a:t>: </a:t>
+                </a:r>
+              </a:p>
+              <a:p>
+                <a:r>
+                  <a:rPr lang="fr-FR" sz="2000" dirty="0"/>
+                  <a:t>la transition de </a:t>
+                </a:r>
+                <a14:m>
+                  <m:oMath xmlns:m="http://schemas.openxmlformats.org/officeDocument/2006/math">
+                    <m:sSub>
+                      <m:sSubPr>
+                        <m:ctrlPr>
+                          <a:rPr lang="fr-FR" sz="2000" b="0" i="1" smtClean="0">
+                            <a:latin typeface="Cambria Math" panose="02040503050406030204" pitchFamily="18" charset="0"/>
+                          </a:rPr>
+                        </m:ctrlPr>
+                      </m:sSubPr>
+                      <m:e>
+                        <m:r>
+                          <a:rPr lang="fr-FR" sz="2000" b="0" i="1" smtClean="0">
+                            <a:latin typeface="Cambria Math" panose="02040503050406030204" pitchFamily="18" charset="0"/>
+                          </a:rPr>
+                          <m:t>𝑠</m:t>
+                        </m:r>
+                      </m:e>
+                      <m:sub>
+                        <m:r>
+                          <a:rPr lang="fr-FR" sz="2000" b="0" i="1" smtClean="0">
+                            <a:latin typeface="Cambria Math" panose="02040503050406030204" pitchFamily="18" charset="0"/>
+                          </a:rPr>
+                          <m:t>𝑡</m:t>
+                        </m:r>
+                        <m:r>
+                          <a:rPr lang="fr-FR" sz="2000" b="0" i="1" smtClean="0">
+                            <a:latin typeface="Cambria Math" panose="02040503050406030204" pitchFamily="18" charset="0"/>
+                          </a:rPr>
+                          <m:t>+1</m:t>
+                        </m:r>
+                      </m:sub>
+                    </m:sSub>
+                  </m:oMath>
+                </a14:m>
+                <a:r>
+                  <a:rPr lang="fr-FR" sz="2000" dirty="0"/>
+                  <a:t>en fonction de </a:t>
+                </a:r>
+                <a14:m>
+                  <m:oMath xmlns:m="http://schemas.openxmlformats.org/officeDocument/2006/math">
+                    <m:sSub>
+                      <m:sSubPr>
+                        <m:ctrlPr>
+                          <a:rPr lang="fr-FR" sz="2000" i="1">
+                            <a:latin typeface="Cambria Math" panose="02040503050406030204" pitchFamily="18" charset="0"/>
+                          </a:rPr>
+                        </m:ctrlPr>
+                      </m:sSubPr>
+                      <m:e>
+                        <m:r>
+                          <a:rPr lang="fr-FR" sz="2000" i="1">
+                            <a:latin typeface="Cambria Math" panose="02040503050406030204" pitchFamily="18" charset="0"/>
+                          </a:rPr>
+                          <m:t>𝑠</m:t>
+                        </m:r>
+                      </m:e>
+                      <m:sub>
+                        <m:r>
+                          <a:rPr lang="fr-FR" sz="2000" i="1">
+                            <a:latin typeface="Cambria Math" panose="02040503050406030204" pitchFamily="18" charset="0"/>
+                          </a:rPr>
+                          <m:t>𝑡</m:t>
+                        </m:r>
+                      </m:sub>
+                    </m:sSub>
+                  </m:oMath>
+                </a14:m>
+                <a:r>
+                  <a:rPr lang="fr-FR" sz="2000" dirty="0"/>
+                  <a:t> et </a:t>
+                </a:r>
+                <a14:m>
+                  <m:oMath xmlns:m="http://schemas.openxmlformats.org/officeDocument/2006/math">
+                    <m:sSub>
+                      <m:sSubPr>
+                        <m:ctrlPr>
+                          <a:rPr lang="fr-FR" sz="2000" i="1">
+                            <a:latin typeface="Cambria Math" panose="02040503050406030204" pitchFamily="18" charset="0"/>
+                          </a:rPr>
+                        </m:ctrlPr>
+                      </m:sSubPr>
+                      <m:e>
+                        <m:r>
+                          <a:rPr lang="fr-FR" sz="2000" i="1">
+                            <a:latin typeface="Cambria Math" panose="02040503050406030204" pitchFamily="18" charset="0"/>
+                          </a:rPr>
+                          <m:t>𝑎</m:t>
+                        </m:r>
+                      </m:e>
+                      <m:sub>
+                        <m:r>
+                          <a:rPr lang="fr-FR" sz="2000" i="1">
+                            <a:latin typeface="Cambria Math" panose="02040503050406030204" pitchFamily="18" charset="0"/>
+                          </a:rPr>
+                          <m:t>𝑡</m:t>
+                        </m:r>
+                      </m:sub>
+                    </m:sSub>
+                    <m:r>
+                      <a:rPr lang="fr-FR" sz="2000" i="1">
+                        <a:latin typeface="Cambria Math" panose="02040503050406030204" pitchFamily="18" charset="0"/>
+                      </a:rPr>
+                      <m:t> </m:t>
+                    </m:r>
+                  </m:oMath>
+                </a14:m>
+                <a:r>
+                  <a:rPr lang="fr-FR" sz="2000" dirty="0"/>
+                  <a:t>est une densité de probabilité.</a:t>
+                </a:r>
+              </a:p>
+              <a:p>
+                <a:r>
+                  <a:rPr lang="fr-FR" sz="2000" dirty="0"/>
+                  <a:t>Objectif : </a:t>
+                </a:r>
+                <a:r>
+                  <a:rPr lang="fr-FR" sz="2000" u="sng" dirty="0"/>
+                  <a:t>optimiser l’espérance de </a:t>
+                </a:r>
+                <a14:m>
+                  <m:oMath xmlns:m="http://schemas.openxmlformats.org/officeDocument/2006/math">
+                    <m:sSub>
+                      <m:sSubPr>
+                        <m:ctrlPr>
+                          <a:rPr lang="fr-FR" sz="2000" b="0" i="1" u="sng" smtClean="0">
+                            <a:latin typeface="Cambria Math" panose="02040503050406030204" pitchFamily="18" charset="0"/>
+                          </a:rPr>
+                        </m:ctrlPr>
+                      </m:sSubPr>
+                      <m:e>
+                        <m:r>
+                          <a:rPr lang="fr-FR" sz="2000" b="0" i="1" u="sng" smtClean="0">
+                            <a:latin typeface="Cambria Math" panose="02040503050406030204" pitchFamily="18" charset="0"/>
+                          </a:rPr>
+                          <m:t>𝐺</m:t>
+                        </m:r>
+                      </m:e>
+                      <m:sub/>
+                    </m:sSub>
+                  </m:oMath>
+                </a14:m>
+                <a:endParaRPr lang="fr-FR" sz="2000" u="sng" dirty="0"/>
+              </a:p>
+              <a:p>
+                <a:pPr marL="0" indent="0">
+                  <a:buNone/>
+                </a:pPr>
+                <a:endParaRPr lang="fr-FR" sz="2000" dirty="0"/>
+              </a:p>
+              <a:p>
+                <a:pPr marL="0" indent="0">
+                  <a:buNone/>
+                </a:pPr>
+                <a:r>
+                  <a:rPr lang="fr-FR" sz="2000" dirty="0"/>
+                  <a:t>Remarque : Dans la suite de ce cours, nous considérons que l’environnement est déterministe.</a:t>
+                </a:r>
+              </a:p>
+              <a:p>
+                <a:pPr marL="0" indent="0">
+                  <a:buNone/>
+                </a:pPr>
+                <a:endParaRPr lang="fr-FR" sz="2000" dirty="0"/>
+              </a:p>
+              <a:p>
+                <a:pPr marL="0" indent="0">
+                  <a:buNone/>
+                </a:pPr>
+                <a:endParaRPr lang="fr-FR" sz="2000" dirty="0"/>
+              </a:p>
+              <a:p>
+                <a:pPr marL="0" indent="0">
+                  <a:buNone/>
+                </a:pPr>
+                <a:endParaRPr lang="fr-FR" sz="2000" dirty="0"/>
+              </a:p>
+              <a:p>
+                <a:pPr marL="0" indent="0">
+                  <a:buNone/>
+                </a:pPr>
+                <a:endParaRPr lang="fr-FR" sz="2000" dirty="0"/>
+              </a:p>
+              <a:p>
+                <a:pPr marL="0" indent="0">
+                  <a:buNone/>
+                </a:pPr>
+                <a:endParaRPr lang="fr-FR" sz="2000" dirty="0"/>
+              </a:p>
+              <a:p>
+                <a:pPr marL="0" indent="0">
+                  <a:buNone/>
+                </a:pPr>
+                <a:endParaRPr lang="fr-FR" sz="2000" dirty="0"/>
+              </a:p>
+            </p:txBody>
+          </p:sp>
+        </mc:Choice>
+        <mc:Fallback>
+          <p:sp>
+            <p:nvSpPr>
+              <p:cNvPr id="3" name="Espace réservé du contenu 2">
+                <a:extLst>
+                  <a:ext uri="{FF2B5EF4-FFF2-40B4-BE49-F238E27FC236}">
+                    <a16:creationId xmlns:a16="http://schemas.microsoft.com/office/drawing/2014/main" id="{B59E77B8-2D75-472C-B76C-ABDDE0CAFCD5}"/>
+                  </a:ext>
+                </a:extLst>
+              </p:cNvPr>
+              <p:cNvSpPr>
+                <a:spLocks noGrp="1" noRot="1" noChangeAspect="1" noMove="1" noResize="1" noEditPoints="1" noAdjustHandles="1" noChangeArrowheads="1" noChangeShapeType="1" noTextEdit="1"/>
+              </p:cNvSpPr>
+              <p:nvPr>
+                <p:ph idx="1"/>
+              </p:nvPr>
+            </p:nvSpPr>
+            <p:spPr>
+              <a:xfrm>
+                <a:off x="537750" y="429086"/>
+                <a:ext cx="10839994" cy="6021978"/>
+              </a:xfrm>
+              <a:blipFill>
+                <a:blip r:embed="rId2"/>
+                <a:stretch>
+                  <a:fillRect l="-562" t="-1012" b="-304"/>
+                </a:stretch>
+              </a:blipFill>
+            </p:spPr>
+            <p:txBody>
+              <a:bodyPr/>
+              <a:lstStyle/>
+              <a:p>
+                <a:r>
+                  <a:rPr lang="en-US">
+                    <a:noFill/>
+                  </a:rPr>
+                  <a:t> </a:t>
+                </a:r>
+              </a:p>
+            </p:txBody>
+          </p:sp>
+        </mc:Fallback>
+      </mc:AlternateContent>
+    </p:spTree>
+    <p:extLst>
+      <p:ext uri="{BB962C8B-B14F-4D97-AF65-F5344CB8AC3E}">
+        <p14:creationId xmlns:p14="http://schemas.microsoft.com/office/powerpoint/2010/main" val="3587284390"/>
+      </p:ext>
+    </p:extLst>
+  </p:cSld>
+  <p:clrMapOvr>
+    <a:masterClrMapping/>
+  </p:clrMapOvr>
+</p:sld>
+</file>
+
+<file path=ppt/slides/slide43.xml><?xml version="1.0" encoding="utf-8"?>
+<p:sld xmlns:a="http://schemas.openxmlformats.org/drawingml/2006/main" xmlns:r="http://schemas.openxmlformats.org/officeDocument/2006/relationships" xmlns:p="http://schemas.openxmlformats.org/presentationml/2006/main">
+  <p:cSld>
+    <p:spTree>
+      <p:nvGrpSpPr>
+        <p:cNvPr id="1" name=""/>
+        <p:cNvGrpSpPr/>
+        <p:nvPr/>
+      </p:nvGrpSpPr>
+      <p:grpSpPr>
+        <a:xfrm>
+          <a:off x="0" y="0"/>
+          <a:ext cx="0" cy="0"/>
+          <a:chOff x="0" y="0"/>
+          <a:chExt cx="0" cy="0"/>
+        </a:xfrm>
+      </p:grpSpPr>
+      <mc:AlternateContent xmlns:mc="http://schemas.openxmlformats.org/markup-compatibility/2006">
+        <mc:Choice xmlns:a14="http://schemas.microsoft.com/office/drawing/2010/main" Requires="a14">
+          <p:sp>
+            <p:nvSpPr>
+              <p:cNvPr id="3" name="Espace réservé du contenu 2">
+                <a:extLst>
+                  <a:ext uri="{FF2B5EF4-FFF2-40B4-BE49-F238E27FC236}">
+                    <a16:creationId xmlns:a16="http://schemas.microsoft.com/office/drawing/2014/main" id="{B59E77B8-2D75-472C-B76C-ABDDE0CAFCD5}"/>
+                  </a:ext>
+                </a:extLst>
+              </p:cNvPr>
+              <p:cNvSpPr>
+                <a:spLocks noGrp="1"/>
+              </p:cNvSpPr>
+              <p:nvPr>
+                <p:ph idx="1"/>
+              </p:nvPr>
+            </p:nvSpPr>
+            <p:spPr>
+              <a:xfrm>
+                <a:off x="537750" y="429086"/>
+                <a:ext cx="10839994" cy="6021978"/>
+              </a:xfrm>
+            </p:spPr>
+            <p:txBody>
+              <a:bodyPr>
+                <a:normAutofit/>
+              </a:bodyPr>
+              <a:lstStyle/>
+              <a:p>
+                <a:pPr marL="0" indent="0">
+                  <a:buNone/>
+                </a:pPr>
+                <a:r>
+                  <a:rPr lang="fr-FR" sz="2000" b="1" dirty="0"/>
+                  <a:t>Fonction de valeur des états,</a:t>
+                </a:r>
+                <a:r>
+                  <a:rPr lang="fr-FR" sz="2000" dirty="0"/>
+                  <a:t> </a:t>
+                </a:r>
+                <a14:m>
+                  <m:oMath xmlns:m="http://schemas.openxmlformats.org/officeDocument/2006/math">
+                    <m:r>
+                      <a:rPr lang="fr-FR" sz="2000" b="1" i="1" smtClean="0">
+                        <a:latin typeface="Cambria Math" panose="02040503050406030204" pitchFamily="18" charset="0"/>
+                      </a:rPr>
+                      <m:t>𝑽</m:t>
+                    </m:r>
+                  </m:oMath>
+                </a14:m>
+                <a:r>
+                  <a:rPr lang="fr-FR" sz="2000" b="1" dirty="0"/>
+                  <a:t> : </a:t>
+                </a:r>
+              </a:p>
+              <a:p>
+                <a14:m>
+                  <m:oMath xmlns:m="http://schemas.openxmlformats.org/officeDocument/2006/math">
+                    <m:r>
+                      <a:rPr lang="fr-FR" sz="2000" b="0" i="1" smtClean="0">
+                        <a:latin typeface="Cambria Math" panose="02040503050406030204" pitchFamily="18" charset="0"/>
+                      </a:rPr>
+                      <m:t>𝑉</m:t>
+                    </m:r>
+                  </m:oMath>
+                </a14:m>
+                <a:r>
+                  <a:rPr lang="fr-FR" sz="2000" dirty="0"/>
+                  <a:t> est la valeur de la somme (pondérée) des futures récompenses.</a:t>
+                </a:r>
+              </a:p>
+              <a:p>
+                <a:r>
+                  <a:rPr lang="fr-FR" sz="2000" dirty="0"/>
+                  <a:t>Utilisée pour évaluer la valeur d’un état.</a:t>
+                </a:r>
+              </a:p>
+              <a:p>
+                <a:r>
+                  <a:rPr lang="fr-FR" sz="2000" dirty="0"/>
+                  <a:t>Dépend de la politique utilisée</a:t>
+                </a:r>
+              </a:p>
+              <a:p>
+                <a:pPr marL="0" indent="0">
+                  <a:buNone/>
+                </a:pPr>
+                <a14:m>
+                  <m:oMathPara xmlns:m="http://schemas.openxmlformats.org/officeDocument/2006/math">
+                    <m:oMathParaPr>
+                      <m:jc m:val="centerGroup"/>
+                    </m:oMathParaPr>
+                    <m:oMath xmlns:m="http://schemas.openxmlformats.org/officeDocument/2006/math">
+                      <m:sSub>
+                        <m:sSubPr>
+                          <m:ctrlPr>
+                            <a:rPr lang="fr-FR" sz="2000" b="0" i="1" smtClean="0">
+                              <a:latin typeface="Cambria Math" panose="02040503050406030204" pitchFamily="18" charset="0"/>
+                            </a:rPr>
+                          </m:ctrlPr>
+                        </m:sSubPr>
+                        <m:e>
+                          <m:r>
+                            <a:rPr lang="fr-FR" sz="2000" b="0" i="1" smtClean="0">
+                              <a:latin typeface="Cambria Math" panose="02040503050406030204" pitchFamily="18" charset="0"/>
+                            </a:rPr>
+                            <m:t>𝑉</m:t>
+                          </m:r>
+                        </m:e>
+                        <m:sub>
+                          <m:r>
+                            <a:rPr lang="fr-FR" sz="2000" b="0" i="1" smtClean="0">
+                              <a:latin typeface="Cambria Math" panose="02040503050406030204" pitchFamily="18" charset="0"/>
+                            </a:rPr>
+                            <m:t>𝜋</m:t>
+                          </m:r>
+                        </m:sub>
+                      </m:sSub>
+                      <m:d>
+                        <m:dPr>
+                          <m:ctrlPr>
+                            <a:rPr lang="fr-FR" sz="2000" b="0" i="1" smtClean="0">
+                              <a:latin typeface="Cambria Math" panose="02040503050406030204" pitchFamily="18" charset="0"/>
+                            </a:rPr>
+                          </m:ctrlPr>
+                        </m:dPr>
+                        <m:e>
+                          <m:sSub>
+                            <m:sSubPr>
+                              <m:ctrlPr>
+                                <a:rPr lang="fr-FR" sz="2000" b="0" i="1" smtClean="0">
+                                  <a:latin typeface="Cambria Math" panose="02040503050406030204" pitchFamily="18" charset="0"/>
+                                </a:rPr>
+                              </m:ctrlPr>
+                            </m:sSubPr>
+                            <m:e>
+                              <m:r>
+                                <a:rPr lang="fr-FR" sz="2000" b="0" i="1" smtClean="0">
+                                  <a:latin typeface="Cambria Math" panose="02040503050406030204" pitchFamily="18" charset="0"/>
+                                </a:rPr>
+                                <m:t>𝑠</m:t>
+                              </m:r>
+                            </m:e>
+                            <m:sub>
+                              <m:r>
+                                <a:rPr lang="fr-FR" sz="2000" b="0" i="1" smtClean="0">
+                                  <a:latin typeface="Cambria Math" panose="02040503050406030204" pitchFamily="18" charset="0"/>
+                                </a:rPr>
+                                <m:t>𝑡</m:t>
+                              </m:r>
+                            </m:sub>
+                          </m:sSub>
+                        </m:e>
+                      </m:d>
+                      <m:r>
+                        <a:rPr lang="fr-FR" sz="2000" b="0" i="1" smtClean="0">
+                          <a:latin typeface="Cambria Math" panose="02040503050406030204" pitchFamily="18" charset="0"/>
+                        </a:rPr>
+                        <m:t>=</m:t>
+                      </m:r>
+                      <m:sSub>
+                        <m:sSubPr>
+                          <m:ctrlPr>
+                            <a:rPr lang="fr-FR" sz="2000" b="0" i="1" smtClean="0">
+                              <a:latin typeface="Cambria Math" panose="02040503050406030204" pitchFamily="18" charset="0"/>
+                            </a:rPr>
+                          </m:ctrlPr>
+                        </m:sSubPr>
+                        <m:e>
+                          <m:r>
+                            <a:rPr lang="fr-FR" sz="2000" b="0" i="1" smtClean="0">
+                              <a:latin typeface="Cambria Math" panose="02040503050406030204" pitchFamily="18" charset="0"/>
+                            </a:rPr>
+                            <m:t>𝑟</m:t>
+                          </m:r>
+                        </m:e>
+                        <m:sub>
+                          <m:r>
+                            <a:rPr lang="fr-FR" sz="2000" b="0" i="1" smtClean="0">
+                              <a:latin typeface="Cambria Math" panose="02040503050406030204" pitchFamily="18" charset="0"/>
+                            </a:rPr>
+                            <m:t>𝑡</m:t>
+                          </m:r>
+                          <m:r>
+                            <a:rPr lang="fr-FR" sz="2000" b="0" i="1" smtClean="0">
+                              <a:latin typeface="Cambria Math" panose="02040503050406030204" pitchFamily="18" charset="0"/>
+                            </a:rPr>
+                            <m:t>+1</m:t>
+                          </m:r>
+                        </m:sub>
+                      </m:sSub>
+                      <m:r>
+                        <a:rPr lang="fr-FR" sz="2000" b="0" i="1" smtClean="0">
+                          <a:latin typeface="Cambria Math" panose="02040503050406030204" pitchFamily="18" charset="0"/>
+                        </a:rPr>
+                        <m:t>+</m:t>
+                      </m:r>
+                      <m:r>
+                        <a:rPr lang="fr-FR" sz="2000" b="0" i="1" smtClean="0">
+                          <a:latin typeface="Cambria Math" panose="02040503050406030204" pitchFamily="18" charset="0"/>
+                        </a:rPr>
+                        <m:t>𝛾</m:t>
+                      </m:r>
+                      <m:r>
+                        <a:rPr lang="fr-FR" sz="2000" b="0" i="1" smtClean="0">
+                          <a:latin typeface="Cambria Math" panose="02040503050406030204" pitchFamily="18" charset="0"/>
+                        </a:rPr>
+                        <m:t> </m:t>
+                      </m:r>
+                      <m:sSub>
+                        <m:sSubPr>
+                          <m:ctrlPr>
+                            <a:rPr lang="fr-FR" sz="2000" b="0" i="1" smtClean="0">
+                              <a:latin typeface="Cambria Math" panose="02040503050406030204" pitchFamily="18" charset="0"/>
+                            </a:rPr>
+                          </m:ctrlPr>
+                        </m:sSubPr>
+                        <m:e>
+                          <m:r>
+                            <a:rPr lang="fr-FR" sz="2000" b="0" i="1" smtClean="0">
+                              <a:latin typeface="Cambria Math" panose="02040503050406030204" pitchFamily="18" charset="0"/>
+                            </a:rPr>
+                            <m:t>𝑟</m:t>
+                          </m:r>
+                        </m:e>
+                        <m:sub>
+                          <m:r>
+                            <a:rPr lang="fr-FR" sz="2000" b="0" i="1" smtClean="0">
+                              <a:latin typeface="Cambria Math" panose="02040503050406030204" pitchFamily="18" charset="0"/>
+                            </a:rPr>
+                            <m:t>𝑡</m:t>
+                          </m:r>
+                          <m:r>
+                            <a:rPr lang="fr-FR" sz="2000" b="0" i="1" smtClean="0">
+                              <a:latin typeface="Cambria Math" panose="02040503050406030204" pitchFamily="18" charset="0"/>
+                            </a:rPr>
+                            <m:t>+1</m:t>
+                          </m:r>
+                        </m:sub>
+                      </m:sSub>
+                      <m:r>
+                        <a:rPr lang="fr-FR" sz="2000" b="0" i="1" smtClean="0">
+                          <a:latin typeface="Cambria Math" panose="02040503050406030204" pitchFamily="18" charset="0"/>
+                        </a:rPr>
+                        <m:t>+</m:t>
+                      </m:r>
+                      <m:sSup>
+                        <m:sSupPr>
+                          <m:ctrlPr>
+                            <a:rPr lang="fr-FR" sz="2000" b="0" i="1" smtClean="0">
+                              <a:latin typeface="Cambria Math" panose="02040503050406030204" pitchFamily="18" charset="0"/>
+                            </a:rPr>
+                          </m:ctrlPr>
+                        </m:sSupPr>
+                        <m:e>
+                          <m:r>
+                            <a:rPr lang="fr-FR" sz="2000" b="0" i="1" smtClean="0">
+                              <a:latin typeface="Cambria Math" panose="02040503050406030204" pitchFamily="18" charset="0"/>
+                            </a:rPr>
+                            <m:t>𝛾</m:t>
+                          </m:r>
+                        </m:e>
+                        <m:sup>
+                          <m:r>
+                            <a:rPr lang="fr-FR" sz="2000" b="0" i="1" smtClean="0">
+                              <a:latin typeface="Cambria Math" panose="02040503050406030204" pitchFamily="18" charset="0"/>
+                            </a:rPr>
+                            <m:t>2</m:t>
+                          </m:r>
+                        </m:sup>
+                      </m:sSup>
+                      <m:sSub>
+                        <m:sSubPr>
+                          <m:ctrlPr>
+                            <a:rPr lang="fr-FR" sz="2000" b="0" i="1" smtClean="0">
+                              <a:latin typeface="Cambria Math" panose="02040503050406030204" pitchFamily="18" charset="0"/>
+                            </a:rPr>
+                          </m:ctrlPr>
+                        </m:sSubPr>
+                        <m:e>
+                          <m:r>
+                            <a:rPr lang="fr-FR" sz="2000" b="0" i="1" smtClean="0">
+                              <a:latin typeface="Cambria Math" panose="02040503050406030204" pitchFamily="18" charset="0"/>
+                            </a:rPr>
+                            <m:t>𝑟</m:t>
+                          </m:r>
+                        </m:e>
+                        <m:sub>
+                          <m:r>
+                            <a:rPr lang="fr-FR" sz="2000" b="0" i="1" smtClean="0">
+                              <a:latin typeface="Cambria Math" panose="02040503050406030204" pitchFamily="18" charset="0"/>
+                            </a:rPr>
+                            <m:t>𝑡</m:t>
+                          </m:r>
+                          <m:r>
+                            <a:rPr lang="fr-FR" sz="2000" b="0" i="1" smtClean="0">
+                              <a:latin typeface="Cambria Math" panose="02040503050406030204" pitchFamily="18" charset="0"/>
+                            </a:rPr>
+                            <m:t>+2</m:t>
+                          </m:r>
+                        </m:sub>
+                      </m:sSub>
+                      <m:r>
+                        <a:rPr lang="fr-FR" sz="2000" b="0" i="1" smtClean="0">
+                          <a:latin typeface="Cambria Math" panose="02040503050406030204" pitchFamily="18" charset="0"/>
+                        </a:rPr>
+                        <m:t> … </m:t>
+                      </m:r>
+                    </m:oMath>
+                  </m:oMathPara>
+                </a14:m>
+                <a:endParaRPr lang="fr-FR" sz="2000" dirty="0"/>
+              </a:p>
+              <a:p>
+                <a:r>
+                  <a:rPr lang="fr-FR" sz="2000" u="sng" dirty="0"/>
+                  <a:t>Si on connaît la fonction optimale </a:t>
+                </a:r>
+                <a14:m>
+                  <m:oMath xmlns:m="http://schemas.openxmlformats.org/officeDocument/2006/math">
+                    <m:sSub>
+                      <m:sSubPr>
+                        <m:ctrlPr>
+                          <a:rPr lang="fr-FR" sz="2000" b="0" i="1" smtClean="0">
+                            <a:latin typeface="Cambria Math" panose="02040503050406030204" pitchFamily="18" charset="0"/>
+                          </a:rPr>
+                        </m:ctrlPr>
+                      </m:sSubPr>
+                      <m:e>
+                        <m:r>
+                          <a:rPr lang="fr-FR" sz="2000" b="0" i="1" smtClean="0">
+                            <a:latin typeface="Cambria Math" panose="02040503050406030204" pitchFamily="18" charset="0"/>
+                          </a:rPr>
+                          <m:t>𝑉</m:t>
+                        </m:r>
+                      </m:e>
+                      <m:sub>
+                        <m:sSup>
+                          <m:sSupPr>
+                            <m:ctrlPr>
+                              <a:rPr lang="fr-FR" sz="2000" b="0" i="1" smtClean="0">
+                                <a:latin typeface="Cambria Math" panose="02040503050406030204" pitchFamily="18" charset="0"/>
+                              </a:rPr>
+                            </m:ctrlPr>
+                          </m:sSupPr>
+                          <m:e>
+                            <m:r>
+                              <a:rPr lang="fr-FR" sz="2000" b="0" i="1" smtClean="0">
+                                <a:latin typeface="Cambria Math" panose="02040503050406030204" pitchFamily="18" charset="0"/>
+                              </a:rPr>
+                              <m:t>𝜋</m:t>
+                            </m:r>
+                          </m:e>
+                          <m:sup>
+                            <m:r>
+                              <a:rPr lang="fr-FR" sz="2000" b="0" i="1" smtClean="0">
+                                <a:latin typeface="Cambria Math" panose="02040503050406030204" pitchFamily="18" charset="0"/>
+                              </a:rPr>
+                              <m:t>∗</m:t>
+                            </m:r>
+                          </m:sup>
+                        </m:sSup>
+                      </m:sub>
+                    </m:sSub>
+                  </m:oMath>
+                </a14:m>
+                <a:r>
+                  <a:rPr lang="fr-FR" sz="2000" u="sng" dirty="0"/>
+                  <a:t> et le modèle</a:t>
+                </a:r>
+                <a:r>
+                  <a:rPr lang="fr-FR" sz="2000" dirty="0"/>
+                  <a:t>, alors la meilleure action est</a:t>
+                </a:r>
+              </a:p>
+              <a:p>
+                <a:pPr marL="0" indent="0">
+                  <a:buNone/>
+                </a:pPr>
+                <a14:m>
+                  <m:oMathPara xmlns:m="http://schemas.openxmlformats.org/officeDocument/2006/math">
+                    <m:oMathParaPr>
+                      <m:jc m:val="centerGroup"/>
+                    </m:oMathParaPr>
+                    <m:oMath xmlns:m="http://schemas.openxmlformats.org/officeDocument/2006/math">
+                      <m:sSup>
+                        <m:sSupPr>
+                          <m:ctrlPr>
+                            <a:rPr lang="fr-FR" sz="2000" b="0" i="1" smtClean="0">
+                              <a:latin typeface="Cambria Math" panose="02040503050406030204" pitchFamily="18" charset="0"/>
+                            </a:rPr>
+                          </m:ctrlPr>
+                        </m:sSupPr>
+                        <m:e>
+                          <m:r>
+                            <a:rPr lang="fr-FR" sz="2000" b="0" i="1" smtClean="0">
+                              <a:latin typeface="Cambria Math" panose="02040503050406030204" pitchFamily="18" charset="0"/>
+                            </a:rPr>
+                            <m:t>𝑎</m:t>
+                          </m:r>
+                        </m:e>
+                        <m:sup>
+                          <m:r>
+                            <a:rPr lang="fr-FR" sz="2000" b="0" i="1" smtClean="0">
+                              <a:latin typeface="Cambria Math" panose="02040503050406030204" pitchFamily="18" charset="0"/>
+                            </a:rPr>
+                            <m:t>∗</m:t>
+                          </m:r>
+                        </m:sup>
+                      </m:sSup>
+                      <m:d>
+                        <m:dPr>
+                          <m:ctrlPr>
+                            <a:rPr lang="fr-FR" sz="2000" b="0" i="1" smtClean="0">
+                              <a:latin typeface="Cambria Math" panose="02040503050406030204" pitchFamily="18" charset="0"/>
+                            </a:rPr>
+                          </m:ctrlPr>
+                        </m:dPr>
+                        <m:e>
+                          <m:sSub>
+                            <m:sSubPr>
+                              <m:ctrlPr>
+                                <a:rPr lang="fr-FR" sz="2000" b="0" i="1" smtClean="0">
+                                  <a:latin typeface="Cambria Math" panose="02040503050406030204" pitchFamily="18" charset="0"/>
+                                </a:rPr>
+                              </m:ctrlPr>
+                            </m:sSubPr>
+                            <m:e>
+                              <m:r>
+                                <a:rPr lang="fr-FR" sz="2000" b="0" i="1" smtClean="0">
+                                  <a:latin typeface="Cambria Math" panose="02040503050406030204" pitchFamily="18" charset="0"/>
+                                </a:rPr>
+                                <m:t>𝑠</m:t>
+                              </m:r>
+                            </m:e>
+                            <m:sub>
+                              <m:r>
+                                <a:rPr lang="fr-FR" sz="2000" b="0" i="1" smtClean="0">
+                                  <a:latin typeface="Cambria Math" panose="02040503050406030204" pitchFamily="18" charset="0"/>
+                                </a:rPr>
+                                <m:t>𝑡</m:t>
+                              </m:r>
+                            </m:sub>
+                          </m:sSub>
+                        </m:e>
+                      </m:d>
+                      <m:r>
+                        <a:rPr lang="fr-FR" sz="2000" b="0" i="1" smtClean="0">
+                          <a:latin typeface="Cambria Math" panose="02040503050406030204" pitchFamily="18" charset="0"/>
+                        </a:rPr>
+                        <m:t>=</m:t>
+                      </m:r>
+                      <m:func>
+                        <m:funcPr>
+                          <m:ctrlPr>
+                            <a:rPr lang="fr-FR" sz="2000" b="0" i="1" smtClean="0">
+                              <a:latin typeface="Cambria Math" panose="02040503050406030204" pitchFamily="18" charset="0"/>
+                            </a:rPr>
+                          </m:ctrlPr>
+                        </m:funcPr>
+                        <m:fName>
+                          <m:r>
+                            <m:rPr>
+                              <m:sty m:val="p"/>
+                            </m:rPr>
+                            <a:rPr lang="fr-FR" sz="2000" b="0" i="0" smtClean="0">
+                              <a:latin typeface="Cambria Math" panose="02040503050406030204" pitchFamily="18" charset="0"/>
+                            </a:rPr>
+                            <m:t>arg</m:t>
+                          </m:r>
+                        </m:fName>
+                        <m:e>
+                          <m:func>
+                            <m:funcPr>
+                              <m:ctrlPr>
+                                <a:rPr lang="fr-FR" sz="2000" b="0" i="1" smtClean="0">
+                                  <a:latin typeface="Cambria Math" panose="02040503050406030204" pitchFamily="18" charset="0"/>
+                                </a:rPr>
+                              </m:ctrlPr>
+                            </m:funcPr>
+                            <m:fName>
+                              <m:limLow>
+                                <m:limLowPr>
+                                  <m:ctrlPr>
+                                    <a:rPr lang="fr-FR" sz="2000" b="0" i="1" smtClean="0">
+                                      <a:latin typeface="Cambria Math" panose="02040503050406030204" pitchFamily="18" charset="0"/>
+                                    </a:rPr>
+                                  </m:ctrlPr>
+                                </m:limLowPr>
+                                <m:e>
+                                  <m:r>
+                                    <m:rPr>
+                                      <m:sty m:val="p"/>
+                                    </m:rPr>
+                                    <a:rPr lang="fr-FR" sz="2000" b="0" i="0" smtClean="0">
+                                      <a:latin typeface="Cambria Math" panose="02040503050406030204" pitchFamily="18" charset="0"/>
+                                    </a:rPr>
+                                    <m:t>max</m:t>
+                                  </m:r>
+                                </m:e>
+                                <m:lim>
+                                  <m:r>
+                                    <a:rPr lang="fr-FR" sz="2000" b="0" i="1" smtClean="0">
+                                      <a:latin typeface="Cambria Math" panose="02040503050406030204" pitchFamily="18" charset="0"/>
+                                    </a:rPr>
+                                    <m:t>𝑎</m:t>
+                                  </m:r>
+                                </m:lim>
+                              </m:limLow>
+                            </m:fName>
+                            <m:e>
+                              <m:sSub>
+                                <m:sSubPr>
+                                  <m:ctrlPr>
+                                    <a:rPr lang="fr-FR" sz="2000" b="0" i="1" smtClean="0">
+                                      <a:latin typeface="Cambria Math" panose="02040503050406030204" pitchFamily="18" charset="0"/>
+                                    </a:rPr>
+                                  </m:ctrlPr>
+                                </m:sSubPr>
+                                <m:e>
+                                  <m:r>
+                                    <a:rPr lang="fr-FR" sz="2000" b="0" i="1" smtClean="0">
+                                      <a:latin typeface="Cambria Math" panose="02040503050406030204" pitchFamily="18" charset="0"/>
+                                    </a:rPr>
+                                    <m:t>𝑉</m:t>
+                                  </m:r>
+                                </m:e>
+                                <m:sub>
+                                  <m:sSup>
+                                    <m:sSupPr>
+                                      <m:ctrlPr>
+                                        <a:rPr lang="fr-FR" sz="2000" b="0" i="1" smtClean="0">
+                                          <a:latin typeface="Cambria Math" panose="02040503050406030204" pitchFamily="18" charset="0"/>
+                                        </a:rPr>
+                                      </m:ctrlPr>
+                                    </m:sSupPr>
+                                    <m:e>
+                                      <m:r>
+                                        <a:rPr lang="fr-FR" sz="2000" b="0" i="1" smtClean="0">
+                                          <a:latin typeface="Cambria Math" panose="02040503050406030204" pitchFamily="18" charset="0"/>
+                                        </a:rPr>
+                                        <m:t>𝜋</m:t>
+                                      </m:r>
+                                    </m:e>
+                                    <m:sup>
+                                      <m:r>
+                                        <a:rPr lang="fr-FR" sz="2000" b="0" i="1" smtClean="0">
+                                          <a:latin typeface="Cambria Math" panose="02040503050406030204" pitchFamily="18" charset="0"/>
+                                        </a:rPr>
+                                        <m:t>∗</m:t>
+                                      </m:r>
+                                    </m:sup>
+                                  </m:sSup>
+                                </m:sub>
+                              </m:sSub>
+                              <m:r>
+                                <a:rPr lang="fr-FR" sz="2000" b="0" i="1" smtClean="0">
+                                  <a:latin typeface="Cambria Math" panose="02040503050406030204" pitchFamily="18" charset="0"/>
+                                </a:rPr>
+                                <m:t>(</m:t>
+                              </m:r>
+                              <m:r>
+                                <a:rPr lang="fr-FR" sz="2000" b="0" i="1" smtClean="0">
+                                  <a:latin typeface="Cambria Math" panose="02040503050406030204" pitchFamily="18" charset="0"/>
+                                </a:rPr>
+                                <m:t>𝑠</m:t>
+                              </m:r>
+                            </m:e>
+                          </m:func>
+                          <m:r>
+                            <a:rPr lang="fr-FR" sz="2000" b="0" i="1" smtClean="0">
+                              <a:latin typeface="Cambria Math" panose="02040503050406030204" pitchFamily="18" charset="0"/>
+                            </a:rPr>
+                            <m:t>′)</m:t>
+                          </m:r>
+                        </m:e>
+                      </m:func>
+                    </m:oMath>
+                  </m:oMathPara>
+                </a14:m>
+                <a:endParaRPr lang="fr-FR" sz="2000" dirty="0"/>
+              </a:p>
+              <a:p>
+                <a:pPr marL="0" indent="0" algn="ctr">
+                  <a:buNone/>
+                </a:pPr>
+                <a:r>
+                  <a:rPr lang="fr-FR" sz="2000" dirty="0"/>
+                  <a:t>avec </a:t>
+                </a:r>
+                <a14:m>
+                  <m:oMath xmlns:m="http://schemas.openxmlformats.org/officeDocument/2006/math">
+                    <m:sSup>
+                      <m:sSupPr>
+                        <m:ctrlPr>
+                          <a:rPr lang="fr-FR" sz="2000" b="0" i="1" smtClean="0">
+                            <a:latin typeface="Cambria Math" panose="02040503050406030204" pitchFamily="18" charset="0"/>
+                          </a:rPr>
+                        </m:ctrlPr>
+                      </m:sSupPr>
+                      <m:e>
+                        <m:r>
+                          <a:rPr lang="fr-FR" sz="2000" b="0" i="1" smtClean="0">
+                            <a:latin typeface="Cambria Math" panose="02040503050406030204" pitchFamily="18" charset="0"/>
+                          </a:rPr>
+                          <m:t>𝑠</m:t>
+                        </m:r>
+                      </m:e>
+                      <m:sup>
+                        <m:r>
+                          <a:rPr lang="fr-FR" sz="2000" b="0" i="1" smtClean="0">
+                            <a:latin typeface="Cambria Math" panose="02040503050406030204" pitchFamily="18" charset="0"/>
+                          </a:rPr>
+                          <m:t>′</m:t>
+                        </m:r>
+                      </m:sup>
+                    </m:sSup>
+                  </m:oMath>
+                </a14:m>
+                <a:r>
+                  <a:rPr lang="fr-FR" sz="2000" dirty="0"/>
+                  <a:t> l’état qui succède à </a:t>
+                </a:r>
+                <a14:m>
+                  <m:oMath xmlns:m="http://schemas.openxmlformats.org/officeDocument/2006/math">
+                    <m:r>
+                      <a:rPr lang="fr-FR" sz="2000" b="0" i="1" smtClean="0">
+                        <a:latin typeface="Cambria Math" panose="02040503050406030204" pitchFamily="18" charset="0"/>
+                      </a:rPr>
+                      <m:t>𝑠</m:t>
+                    </m:r>
+                  </m:oMath>
+                </a14:m>
+                <a:r>
+                  <a:rPr lang="fr-FR" sz="2000" dirty="0"/>
+                  <a:t> quand l’action </a:t>
+                </a:r>
+                <a14:m>
+                  <m:oMath xmlns:m="http://schemas.openxmlformats.org/officeDocument/2006/math">
+                    <m:r>
+                      <a:rPr lang="fr-FR" sz="2000" b="0" i="1" smtClean="0">
+                        <a:latin typeface="Cambria Math" panose="02040503050406030204" pitchFamily="18" charset="0"/>
+                      </a:rPr>
+                      <m:t>𝑎</m:t>
+                    </m:r>
+                  </m:oMath>
+                </a14:m>
+                <a:r>
+                  <a:rPr lang="fr-FR" sz="2000" dirty="0"/>
+                  <a:t> est prise.</a:t>
+                </a:r>
+              </a:p>
+              <a:p>
+                <a:pPr marL="0" indent="0" algn="ctr">
+                  <a:buNone/>
+                </a:pPr>
+                <a:endParaRPr lang="fr-FR" sz="2000" dirty="0"/>
+              </a:p>
+              <a:p>
+                <a:pPr marL="0" indent="0">
+                  <a:buNone/>
+                </a:pPr>
+                <a:r>
+                  <a:rPr lang="fr-FR" sz="2000" b="1" dirty="0"/>
+                  <a:t>Fonction de valeur des couple (états-actions), </a:t>
+                </a:r>
+                <a14:m>
+                  <m:oMath xmlns:m="http://schemas.openxmlformats.org/officeDocument/2006/math">
+                    <m:r>
+                      <a:rPr lang="fr-FR" sz="2000" b="1" i="1" dirty="0" smtClean="0">
+                        <a:latin typeface="Cambria Math" panose="02040503050406030204" pitchFamily="18" charset="0"/>
+                      </a:rPr>
+                      <m:t>𝑸</m:t>
+                    </m:r>
+                  </m:oMath>
+                </a14:m>
+                <a:r>
+                  <a:rPr lang="fr-FR" sz="2000" b="1" dirty="0"/>
+                  <a:t> :</a:t>
+                </a:r>
+              </a:p>
+              <a:p>
+                <a14:m>
+                  <m:oMath xmlns:m="http://schemas.openxmlformats.org/officeDocument/2006/math">
+                    <m:sSub>
+                      <m:sSubPr>
+                        <m:ctrlPr>
+                          <a:rPr lang="fr-FR" sz="2000" b="0" i="1" dirty="0" smtClean="0">
+                            <a:latin typeface="Cambria Math" panose="02040503050406030204" pitchFamily="18" charset="0"/>
+                          </a:rPr>
+                        </m:ctrlPr>
+                      </m:sSubPr>
+                      <m:e>
+                        <m:r>
+                          <a:rPr lang="fr-FR" sz="2000" i="1" dirty="0" smtClean="0">
+                            <a:latin typeface="Cambria Math" panose="02040503050406030204" pitchFamily="18" charset="0"/>
+                          </a:rPr>
+                          <m:t>𝑄</m:t>
+                        </m:r>
+                      </m:e>
+                      <m:sub>
+                        <m:r>
+                          <a:rPr lang="fr-FR" sz="2000" b="0" i="1" dirty="0" smtClean="0">
+                            <a:latin typeface="Cambria Math" panose="02040503050406030204" pitchFamily="18" charset="0"/>
+                          </a:rPr>
+                          <m:t>𝜋</m:t>
+                        </m:r>
+                      </m:sub>
+                    </m:sSub>
+                    <m:r>
+                      <a:rPr lang="fr-FR" sz="2000" b="0" i="1" dirty="0" smtClean="0">
+                        <a:latin typeface="Cambria Math" panose="02040503050406030204" pitchFamily="18" charset="0"/>
+                      </a:rPr>
+                      <m:t>(</m:t>
+                    </m:r>
+                    <m:r>
+                      <a:rPr lang="fr-FR" sz="2000" b="0" i="1" dirty="0" smtClean="0">
+                        <a:latin typeface="Cambria Math" panose="02040503050406030204" pitchFamily="18" charset="0"/>
+                      </a:rPr>
+                      <m:t>𝑠</m:t>
+                    </m:r>
+                    <m:r>
+                      <a:rPr lang="fr-FR" sz="2000" b="0" i="1" dirty="0" smtClean="0">
+                        <a:latin typeface="Cambria Math" panose="02040503050406030204" pitchFamily="18" charset="0"/>
+                      </a:rPr>
+                      <m:t>, </m:t>
+                    </m:r>
+                    <m:r>
+                      <a:rPr lang="fr-FR" sz="2000" b="0" i="1" dirty="0" smtClean="0">
+                        <a:latin typeface="Cambria Math" panose="02040503050406030204" pitchFamily="18" charset="0"/>
+                      </a:rPr>
+                      <m:t>𝑎</m:t>
+                    </m:r>
+                    <m:r>
+                      <a:rPr lang="fr-FR" sz="2000" b="0" i="1" dirty="0" smtClean="0">
+                        <a:latin typeface="Cambria Math" panose="02040503050406030204" pitchFamily="18" charset="0"/>
+                      </a:rPr>
+                      <m:t>)</m:t>
+                    </m:r>
+                  </m:oMath>
+                </a14:m>
+                <a:r>
+                  <a:rPr lang="fr-FR" sz="2000" dirty="0"/>
+                  <a:t> est la valeur des futures récompenses, sachant qu’on choisit l’action </a:t>
+                </a:r>
+                <a14:m>
+                  <m:oMath xmlns:m="http://schemas.openxmlformats.org/officeDocument/2006/math">
+                    <m:r>
+                      <a:rPr lang="fr-FR" sz="2000" b="0" i="1" smtClean="0">
+                        <a:latin typeface="Cambria Math" panose="02040503050406030204" pitchFamily="18" charset="0"/>
+                      </a:rPr>
+                      <m:t>𝑎</m:t>
+                    </m:r>
+                  </m:oMath>
+                </a14:m>
+                <a:r>
+                  <a:rPr lang="fr-FR" sz="2000" dirty="0"/>
+                  <a:t>, puis qu’on utilise la politique </a:t>
+                </a:r>
+                <a14:m>
+                  <m:oMath xmlns:m="http://schemas.openxmlformats.org/officeDocument/2006/math">
+                    <m:r>
+                      <a:rPr lang="fr-FR" sz="2000" b="0" i="1" smtClean="0">
+                        <a:latin typeface="Cambria Math" panose="02040503050406030204" pitchFamily="18" charset="0"/>
+                      </a:rPr>
+                      <m:t>𝜋</m:t>
+                    </m:r>
+                  </m:oMath>
+                </a14:m>
+                <a:r>
+                  <a:rPr lang="fr-FR" sz="2000" dirty="0"/>
+                  <a:t>.</a:t>
+                </a:r>
+              </a:p>
+              <a:p>
+                <a:r>
+                  <a:rPr lang="fr-FR" sz="2000" u="sng" dirty="0"/>
+                  <a:t>Si on connaît la fonction optimale</a:t>
+                </a:r>
+                <a:r>
+                  <a:rPr lang="fr-FR" sz="2000" dirty="0"/>
+                  <a:t> </a:t>
+                </a:r>
+                <a14:m>
+                  <m:oMath xmlns:m="http://schemas.openxmlformats.org/officeDocument/2006/math">
+                    <m:sSub>
+                      <m:sSubPr>
+                        <m:ctrlPr>
+                          <a:rPr lang="fr-FR" sz="2000" b="0" i="1" smtClean="0">
+                            <a:latin typeface="Cambria Math" panose="02040503050406030204" pitchFamily="18" charset="0"/>
+                          </a:rPr>
+                        </m:ctrlPr>
+                      </m:sSubPr>
+                      <m:e>
+                        <m:r>
+                          <a:rPr lang="fr-FR" sz="2000" b="0" i="1" smtClean="0">
+                            <a:latin typeface="Cambria Math" panose="02040503050406030204" pitchFamily="18" charset="0"/>
+                          </a:rPr>
+                          <m:t>𝑄</m:t>
+                        </m:r>
+                      </m:e>
+                      <m:sub>
+                        <m:sSup>
+                          <m:sSupPr>
+                            <m:ctrlPr>
+                              <a:rPr lang="fr-FR" sz="2000" b="0" i="1" smtClean="0">
+                                <a:latin typeface="Cambria Math" panose="02040503050406030204" pitchFamily="18" charset="0"/>
+                              </a:rPr>
+                            </m:ctrlPr>
+                          </m:sSupPr>
+                          <m:e>
+                            <m:r>
+                              <a:rPr lang="fr-FR" sz="2000" b="0" i="1" smtClean="0">
+                                <a:latin typeface="Cambria Math" panose="02040503050406030204" pitchFamily="18" charset="0"/>
+                              </a:rPr>
+                              <m:t>𝜋</m:t>
+                            </m:r>
+                          </m:e>
+                          <m:sup>
+                            <m:r>
+                              <a:rPr lang="fr-FR" sz="2000" b="0" i="1" smtClean="0">
+                                <a:latin typeface="Cambria Math" panose="02040503050406030204" pitchFamily="18" charset="0"/>
+                              </a:rPr>
+                              <m:t>∗</m:t>
+                            </m:r>
+                          </m:sup>
+                        </m:sSup>
+                      </m:sub>
+                    </m:sSub>
+                  </m:oMath>
+                </a14:m>
+                <a:r>
+                  <a:rPr lang="fr-FR" sz="2000" dirty="0"/>
+                  <a:t>, alors la meilleure action est</a:t>
+                </a:r>
+              </a:p>
+              <a:p>
+                <a:pPr marL="0" indent="0">
+                  <a:buNone/>
+                </a:pPr>
+                <a14:m>
+                  <m:oMathPara xmlns:m="http://schemas.openxmlformats.org/officeDocument/2006/math">
+                    <m:oMathParaPr>
+                      <m:jc m:val="centerGroup"/>
+                    </m:oMathParaPr>
+                    <m:oMath xmlns:m="http://schemas.openxmlformats.org/officeDocument/2006/math">
+                      <m:sSup>
+                        <m:sSupPr>
+                          <m:ctrlPr>
+                            <a:rPr lang="fr-FR" sz="2000" b="0" i="1" smtClean="0">
+                              <a:latin typeface="Cambria Math" panose="02040503050406030204" pitchFamily="18" charset="0"/>
+                            </a:rPr>
+                          </m:ctrlPr>
+                        </m:sSupPr>
+                        <m:e>
+                          <m:r>
+                            <a:rPr lang="fr-FR" sz="2000" b="0" i="1" smtClean="0">
+                              <a:latin typeface="Cambria Math" panose="02040503050406030204" pitchFamily="18" charset="0"/>
+                            </a:rPr>
+                            <m:t>𝑎</m:t>
+                          </m:r>
+                        </m:e>
+                        <m:sup>
+                          <m:r>
+                            <a:rPr lang="fr-FR" sz="2000" b="0" i="1" smtClean="0">
+                              <a:latin typeface="Cambria Math" panose="02040503050406030204" pitchFamily="18" charset="0"/>
+                            </a:rPr>
+                            <m:t>∗</m:t>
+                          </m:r>
+                        </m:sup>
+                      </m:sSup>
+                      <m:d>
+                        <m:dPr>
+                          <m:ctrlPr>
+                            <a:rPr lang="fr-FR" sz="2000" b="0" i="1" smtClean="0">
+                              <a:latin typeface="Cambria Math" panose="02040503050406030204" pitchFamily="18" charset="0"/>
+                            </a:rPr>
+                          </m:ctrlPr>
+                        </m:dPr>
+                        <m:e>
+                          <m:sSub>
+                            <m:sSubPr>
+                              <m:ctrlPr>
+                                <a:rPr lang="fr-FR" sz="2000" b="0" i="1" smtClean="0">
+                                  <a:latin typeface="Cambria Math" panose="02040503050406030204" pitchFamily="18" charset="0"/>
+                                </a:rPr>
+                              </m:ctrlPr>
+                            </m:sSubPr>
+                            <m:e>
+                              <m:r>
+                                <a:rPr lang="fr-FR" sz="2000" b="0" i="1" smtClean="0">
+                                  <a:latin typeface="Cambria Math" panose="02040503050406030204" pitchFamily="18" charset="0"/>
+                                </a:rPr>
+                                <m:t>𝑠</m:t>
+                              </m:r>
+                            </m:e>
+                            <m:sub>
+                              <m:r>
+                                <a:rPr lang="fr-FR" sz="2000" b="0" i="1" smtClean="0">
+                                  <a:latin typeface="Cambria Math" panose="02040503050406030204" pitchFamily="18" charset="0"/>
+                                </a:rPr>
+                                <m:t>𝑡</m:t>
+                              </m:r>
+                            </m:sub>
+                          </m:sSub>
+                        </m:e>
+                      </m:d>
+                      <m:r>
+                        <a:rPr lang="fr-FR" sz="2000" b="0" i="1" smtClean="0">
+                          <a:latin typeface="Cambria Math" panose="02040503050406030204" pitchFamily="18" charset="0"/>
+                        </a:rPr>
+                        <m:t>=</m:t>
+                      </m:r>
+                      <m:func>
+                        <m:funcPr>
+                          <m:ctrlPr>
+                            <a:rPr lang="fr-FR" sz="2000" b="0" i="1" smtClean="0">
+                              <a:latin typeface="Cambria Math" panose="02040503050406030204" pitchFamily="18" charset="0"/>
+                            </a:rPr>
+                          </m:ctrlPr>
+                        </m:funcPr>
+                        <m:fName>
+                          <m:r>
+                            <m:rPr>
+                              <m:sty m:val="p"/>
+                            </m:rPr>
+                            <a:rPr lang="fr-FR" sz="2000" b="0" i="0" smtClean="0">
+                              <a:latin typeface="Cambria Math" panose="02040503050406030204" pitchFamily="18" charset="0"/>
+                            </a:rPr>
+                            <m:t>arg</m:t>
+                          </m:r>
+                        </m:fName>
+                        <m:e>
+                          <m:func>
+                            <m:funcPr>
+                              <m:ctrlPr>
+                                <a:rPr lang="fr-FR" sz="2000" b="0" i="1" smtClean="0">
+                                  <a:latin typeface="Cambria Math" panose="02040503050406030204" pitchFamily="18" charset="0"/>
+                                </a:rPr>
+                              </m:ctrlPr>
+                            </m:funcPr>
+                            <m:fName>
+                              <m:limLow>
+                                <m:limLowPr>
+                                  <m:ctrlPr>
+                                    <a:rPr lang="fr-FR" sz="2000" b="0" i="1" smtClean="0">
+                                      <a:latin typeface="Cambria Math" panose="02040503050406030204" pitchFamily="18" charset="0"/>
+                                    </a:rPr>
+                                  </m:ctrlPr>
+                                </m:limLowPr>
+                                <m:e>
+                                  <m:r>
+                                    <m:rPr>
+                                      <m:sty m:val="p"/>
+                                    </m:rPr>
+                                    <a:rPr lang="fr-FR" sz="2000" b="0" i="0" smtClean="0">
+                                      <a:latin typeface="Cambria Math" panose="02040503050406030204" pitchFamily="18" charset="0"/>
+                                    </a:rPr>
+                                    <m:t>max</m:t>
+                                  </m:r>
+                                </m:e>
+                                <m:lim>
+                                  <m:r>
+                                    <a:rPr lang="fr-FR" sz="2000" b="0" i="1" smtClean="0">
+                                      <a:latin typeface="Cambria Math" panose="02040503050406030204" pitchFamily="18" charset="0"/>
+                                    </a:rPr>
+                                    <m:t>𝑎</m:t>
+                                  </m:r>
+                                </m:lim>
+                              </m:limLow>
+                            </m:fName>
+                            <m:e>
+                              <m:sSub>
+                                <m:sSubPr>
+                                  <m:ctrlPr>
+                                    <a:rPr lang="fr-FR" sz="2000" b="0" i="1" smtClean="0">
+                                      <a:latin typeface="Cambria Math" panose="02040503050406030204" pitchFamily="18" charset="0"/>
+                                    </a:rPr>
+                                  </m:ctrlPr>
+                                </m:sSubPr>
+                                <m:e>
+                                  <m:r>
+                                    <a:rPr lang="fr-FR" sz="2000" b="0" i="1" smtClean="0">
+                                      <a:latin typeface="Cambria Math" panose="02040503050406030204" pitchFamily="18" charset="0"/>
+                                    </a:rPr>
+                                    <m:t>𝑄</m:t>
+                                  </m:r>
+                                </m:e>
+                                <m:sub>
+                                  <m:sSup>
+                                    <m:sSupPr>
+                                      <m:ctrlPr>
+                                        <a:rPr lang="fr-FR" sz="2000" b="0" i="1" smtClean="0">
+                                          <a:latin typeface="Cambria Math" panose="02040503050406030204" pitchFamily="18" charset="0"/>
+                                        </a:rPr>
+                                      </m:ctrlPr>
+                                    </m:sSupPr>
+                                    <m:e>
+                                      <m:r>
+                                        <a:rPr lang="fr-FR" sz="2000" b="0" i="1" smtClean="0">
+                                          <a:latin typeface="Cambria Math" panose="02040503050406030204" pitchFamily="18" charset="0"/>
+                                        </a:rPr>
+                                        <m:t>𝜋</m:t>
+                                      </m:r>
+                                    </m:e>
+                                    <m:sup>
+                                      <m:r>
+                                        <a:rPr lang="fr-FR" sz="2000" b="0" i="1" smtClean="0">
+                                          <a:latin typeface="Cambria Math" panose="02040503050406030204" pitchFamily="18" charset="0"/>
+                                        </a:rPr>
+                                        <m:t>∗</m:t>
+                                      </m:r>
+                                    </m:sup>
+                                  </m:sSup>
+                                </m:sub>
+                              </m:sSub>
+                              <m:r>
+                                <a:rPr lang="fr-FR" sz="2000" b="0" i="1" smtClean="0">
+                                  <a:latin typeface="Cambria Math" panose="02040503050406030204" pitchFamily="18" charset="0"/>
+                                </a:rPr>
+                                <m:t>(</m:t>
+                              </m:r>
+                              <m:r>
+                                <a:rPr lang="fr-FR" sz="2000" b="0" i="1" smtClean="0">
+                                  <a:latin typeface="Cambria Math" panose="02040503050406030204" pitchFamily="18" charset="0"/>
+                                </a:rPr>
+                                <m:t>𝑠</m:t>
+                              </m:r>
+                            </m:e>
+                          </m:func>
+                          <m:r>
+                            <a:rPr lang="fr-FR" sz="2000" b="0" i="1" smtClean="0">
+                              <a:latin typeface="Cambria Math" panose="02040503050406030204" pitchFamily="18" charset="0"/>
+                            </a:rPr>
+                            <m:t>,</m:t>
+                          </m:r>
+                          <m:r>
+                            <a:rPr lang="fr-FR" sz="2000" b="0" i="1" smtClean="0">
+                              <a:latin typeface="Cambria Math" panose="02040503050406030204" pitchFamily="18" charset="0"/>
+                            </a:rPr>
+                            <m:t>𝑎</m:t>
+                          </m:r>
+                          <m:r>
+                            <a:rPr lang="fr-FR" sz="2000" b="0" i="1" smtClean="0">
+                              <a:latin typeface="Cambria Math" panose="02040503050406030204" pitchFamily="18" charset="0"/>
+                            </a:rPr>
+                            <m:t>)</m:t>
+                          </m:r>
+                        </m:e>
+                      </m:func>
+                    </m:oMath>
+                  </m:oMathPara>
+                </a14:m>
+                <a:endParaRPr lang="fr-FR" sz="2000" dirty="0"/>
+              </a:p>
+              <a:p>
+                <a:pPr marL="0" indent="0">
+                  <a:buNone/>
+                </a:pPr>
+                <a:endParaRPr lang="fr-FR" sz="1600" dirty="0"/>
+              </a:p>
+              <a:p>
+                <a:pPr marL="0" indent="0">
+                  <a:buNone/>
+                </a:pPr>
+                <a:endParaRPr lang="fr-FR" sz="2000" dirty="0"/>
+              </a:p>
+              <a:p>
+                <a:pPr marL="0" indent="0">
+                  <a:buNone/>
+                </a:pPr>
+                <a:endParaRPr lang="fr-FR" sz="2000" dirty="0"/>
+              </a:p>
+              <a:p>
+                <a:pPr marL="0" indent="0">
+                  <a:buNone/>
+                </a:pPr>
+                <a:endParaRPr lang="fr-FR" sz="2000" dirty="0"/>
+              </a:p>
+            </p:txBody>
+          </p:sp>
+        </mc:Choice>
+        <mc:Fallback>
+          <p:sp>
+            <p:nvSpPr>
+              <p:cNvPr id="3" name="Espace réservé du contenu 2">
+                <a:extLst>
+                  <a:ext uri="{FF2B5EF4-FFF2-40B4-BE49-F238E27FC236}">
+                    <a16:creationId xmlns:a16="http://schemas.microsoft.com/office/drawing/2014/main" id="{B59E77B8-2D75-472C-B76C-ABDDE0CAFCD5}"/>
+                  </a:ext>
+                </a:extLst>
+              </p:cNvPr>
+              <p:cNvSpPr>
+                <a:spLocks noGrp="1" noRot="1" noChangeAspect="1" noMove="1" noResize="1" noEditPoints="1" noAdjustHandles="1" noChangeArrowheads="1" noChangeShapeType="1" noTextEdit="1"/>
+              </p:cNvSpPr>
+              <p:nvPr>
+                <p:ph idx="1"/>
+              </p:nvPr>
+            </p:nvSpPr>
+            <p:spPr>
+              <a:xfrm>
+                <a:off x="537750" y="429086"/>
+                <a:ext cx="10839994" cy="6021978"/>
+              </a:xfrm>
+              <a:blipFill>
+                <a:blip r:embed="rId2"/>
+                <a:stretch>
+                  <a:fillRect l="-562" t="-1012"/>
+                </a:stretch>
+              </a:blipFill>
+            </p:spPr>
+            <p:txBody>
+              <a:bodyPr/>
+              <a:lstStyle/>
+              <a:p>
+                <a:r>
+                  <a:rPr lang="en-US">
+                    <a:noFill/>
+                  </a:rPr>
+                  <a:t> </a:t>
+                </a:r>
+              </a:p>
+            </p:txBody>
+          </p:sp>
+        </mc:Fallback>
+      </mc:AlternateContent>
+    </p:spTree>
+    <p:extLst>
+      <p:ext uri="{BB962C8B-B14F-4D97-AF65-F5344CB8AC3E}">
+        <p14:creationId xmlns:p14="http://schemas.microsoft.com/office/powerpoint/2010/main" val="249723448"/>
+      </p:ext>
+    </p:extLst>
+  </p:cSld>
+  <p:clrMapOvr>
+    <a:masterClrMapping/>
+  </p:clrMapOvr>
+</p:sld>
+</file>
+
+<file path=ppt/slides/slide44.xml><?xml version="1.0" encoding="utf-8"?>
+<p:sld xmlns:a="http://schemas.openxmlformats.org/drawingml/2006/main" xmlns:r="http://schemas.openxmlformats.org/officeDocument/2006/relationships" xmlns:p="http://schemas.openxmlformats.org/presentationml/2006/main">
+  <p:cSld>
+    <p:spTree>
+      <p:nvGrpSpPr>
+        <p:cNvPr id="1" name=""/>
+        <p:cNvGrpSpPr/>
+        <p:nvPr/>
+      </p:nvGrpSpPr>
+      <p:grpSpPr>
+        <a:xfrm>
+          <a:off x="0" y="0"/>
+          <a:ext cx="0" cy="0"/>
+          <a:chOff x="0" y="0"/>
+          <a:chExt cx="0" cy="0"/>
+        </a:xfrm>
+      </p:grpSpPr>
+      <p:sp>
+        <p:nvSpPr>
           <p:cNvPr id="3" name="Espace réservé du contenu 2">
             <a:extLst>
               <a:ext uri="{FF2B5EF4-FFF2-40B4-BE49-F238E27FC236}">
@@ -34884,10 +37596,79 @@
               <a:buNone/>
             </a:pPr>
             <a:r>
-              <a:rPr lang="fr-FR" sz="2400" dirty="0"/>
-              <a:t>4.3. Implémentation</a:t>
+              <a:rPr lang="fr-FR" sz="2000" b="1" dirty="0"/>
+              <a:t>Exemple (labyrinthe) :</a:t>
             </a:r>
-            <a:endParaRPr lang="fr-FR" sz="2000" u="sng" dirty="0"/>
+            <a:endParaRPr lang="fr-FR" sz="2000" dirty="0"/>
+          </a:p>
+          <a:p>
+            <a:pPr marL="0" indent="0">
+              <a:buNone/>
+            </a:pPr>
+            <a:endParaRPr lang="fr-FR" sz="2000" dirty="0"/>
+          </a:p>
+          <a:p>
+            <a:pPr marL="0" indent="0">
+              <a:buNone/>
+            </a:pPr>
+            <a:endParaRPr lang="fr-FR" sz="2000" dirty="0"/>
+          </a:p>
+          <a:p>
+            <a:r>
+              <a:rPr lang="fr-FR" sz="2000" dirty="0"/>
+              <a:t>Récompenses : -1 à chaque pas de temps</a:t>
+            </a:r>
+          </a:p>
+          <a:p>
+            <a:r>
+              <a:rPr lang="fr-FR" sz="2000" dirty="0"/>
+              <a:t>Actions : Gauche, Droite, Bas, Haut</a:t>
+            </a:r>
+          </a:p>
+          <a:p>
+            <a:r>
+              <a:rPr lang="fr-FR" sz="2000" dirty="0"/>
+              <a:t>Etats : position de l’agent</a:t>
+            </a:r>
+          </a:p>
+          <a:p>
+            <a:endParaRPr lang="fr-FR" sz="2000" dirty="0"/>
+          </a:p>
+          <a:p>
+            <a:endParaRPr lang="fr-FR" sz="2000" dirty="0"/>
+          </a:p>
+          <a:p>
+            <a:endParaRPr lang="fr-FR" sz="2000" dirty="0"/>
+          </a:p>
+          <a:p>
+            <a:endParaRPr lang="fr-FR" sz="2000" dirty="0"/>
+          </a:p>
+          <a:p>
+            <a:endParaRPr lang="fr-FR" sz="2000" dirty="0"/>
+          </a:p>
+          <a:p>
+            <a:endParaRPr lang="fr-FR" sz="2000" dirty="0"/>
+          </a:p>
+          <a:p>
+            <a:endParaRPr lang="fr-FR" sz="2000" dirty="0"/>
+          </a:p>
+          <a:p>
+            <a:endParaRPr lang="fr-FR" sz="2000" dirty="0"/>
+          </a:p>
+          <a:p>
+            <a:pPr marL="0" indent="0" algn="r">
+              <a:buNone/>
+            </a:pPr>
+            <a:r>
+              <a:rPr lang="fr-FR" sz="1600" dirty="0"/>
+              <a:t>[https://www.davidsilver.uk/teaching/]</a:t>
+            </a:r>
+          </a:p>
+          <a:p>
+            <a:pPr marL="0" indent="0">
+              <a:buNone/>
+            </a:pPr>
+            <a:endParaRPr lang="fr-FR" sz="2000" dirty="0"/>
           </a:p>
           <a:p>
             <a:pPr marL="0" indent="0">
@@ -34897,10 +37678,700 @@
           </a:p>
         </p:txBody>
       </p:sp>
+      <p:pic>
+        <p:nvPicPr>
+          <p:cNvPr id="8" name="Image 7">
+            <a:extLst>
+              <a:ext uri="{FF2B5EF4-FFF2-40B4-BE49-F238E27FC236}">
+                <a16:creationId xmlns:a16="http://schemas.microsoft.com/office/drawing/2014/main" id="{441EC99F-723D-438D-B6D3-28469B502A6F}"/>
+              </a:ext>
+            </a:extLst>
+          </p:cNvPr>
+          <p:cNvPicPr>
+            <a:picLocks noChangeAspect="1"/>
+          </p:cNvPicPr>
+          <p:nvPr/>
+        </p:nvPicPr>
+        <p:blipFill>
+          <a:blip r:embed="rId2"/>
+          <a:stretch>
+            <a:fillRect/>
+          </a:stretch>
+        </p:blipFill>
+        <p:spPr>
+          <a:xfrm>
+            <a:off x="5683619" y="1532929"/>
+            <a:ext cx="4515345" cy="3600000"/>
+          </a:xfrm>
+          <a:prstGeom prst="rect">
+            <a:avLst/>
+          </a:prstGeom>
+        </p:spPr>
+      </p:pic>
     </p:spTree>
     <p:extLst>
       <p:ext uri="{BB962C8B-B14F-4D97-AF65-F5344CB8AC3E}">
-        <p14:creationId xmlns:p14="http://schemas.microsoft.com/office/powerpoint/2010/main" val="3669491434"/>
+        <p14:creationId xmlns:p14="http://schemas.microsoft.com/office/powerpoint/2010/main" val="3880516397"/>
+      </p:ext>
+    </p:extLst>
+  </p:cSld>
+  <p:clrMapOvr>
+    <a:masterClrMapping/>
+  </p:clrMapOvr>
+</p:sld>
+</file>
+
+<file path=ppt/slides/slide45.xml><?xml version="1.0" encoding="utf-8"?>
+<p:sld xmlns:a="http://schemas.openxmlformats.org/drawingml/2006/main" xmlns:r="http://schemas.openxmlformats.org/officeDocument/2006/relationships" xmlns:p="http://schemas.openxmlformats.org/presentationml/2006/main">
+  <p:cSld>
+    <p:spTree>
+      <p:nvGrpSpPr>
+        <p:cNvPr id="1" name=""/>
+        <p:cNvGrpSpPr/>
+        <p:nvPr/>
+      </p:nvGrpSpPr>
+      <p:grpSpPr>
+        <a:xfrm>
+          <a:off x="0" y="0"/>
+          <a:ext cx="0" cy="0"/>
+          <a:chOff x="0" y="0"/>
+          <a:chExt cx="0" cy="0"/>
+        </a:xfrm>
+      </p:grpSpPr>
+      <mc:AlternateContent xmlns:mc="http://schemas.openxmlformats.org/markup-compatibility/2006">
+        <mc:Choice xmlns:a14="http://schemas.microsoft.com/office/drawing/2010/main" Requires="a14">
+          <p:sp>
+            <p:nvSpPr>
+              <p:cNvPr id="3" name="Espace réservé du contenu 2">
+                <a:extLst>
+                  <a:ext uri="{FF2B5EF4-FFF2-40B4-BE49-F238E27FC236}">
+                    <a16:creationId xmlns:a16="http://schemas.microsoft.com/office/drawing/2014/main" id="{B59E77B8-2D75-472C-B76C-ABDDE0CAFCD5}"/>
+                  </a:ext>
+                </a:extLst>
+              </p:cNvPr>
+              <p:cNvSpPr>
+                <a:spLocks noGrp="1"/>
+              </p:cNvSpPr>
+              <p:nvPr>
+                <p:ph idx="1"/>
+              </p:nvPr>
+            </p:nvSpPr>
+            <p:spPr>
+              <a:xfrm>
+                <a:off x="537750" y="429086"/>
+                <a:ext cx="10839994" cy="6021978"/>
+              </a:xfrm>
+            </p:spPr>
+            <p:txBody>
+              <a:bodyPr>
+                <a:normAutofit/>
+              </a:bodyPr>
+              <a:lstStyle/>
+              <a:p>
+                <a:pPr marL="0" indent="0">
+                  <a:buNone/>
+                </a:pPr>
+                <a:r>
+                  <a:rPr lang="fr-FR" sz="2000" b="1" dirty="0"/>
+                  <a:t>Exemple (labyrinthe) :</a:t>
+                </a:r>
+                <a:endParaRPr lang="fr-FR" sz="2000" dirty="0"/>
+              </a:p>
+              <a:p>
+                <a:pPr marL="0" indent="0">
+                  <a:buNone/>
+                </a:pPr>
+                <a:endParaRPr lang="fr-FR" sz="2000" dirty="0"/>
+              </a:p>
+              <a:p>
+                <a:pPr marL="0" indent="0">
+                  <a:buNone/>
+                </a:pPr>
+                <a:endParaRPr lang="fr-FR" sz="2000" dirty="0"/>
+              </a:p>
+              <a:p>
+                <a:r>
+                  <a:rPr lang="fr-FR" sz="2000" dirty="0"/>
+                  <a:t>Politique optimale </a:t>
+                </a:r>
+                <a14:m>
+                  <m:oMath xmlns:m="http://schemas.openxmlformats.org/officeDocument/2006/math">
+                    <m:sSup>
+                      <m:sSupPr>
+                        <m:ctrlPr>
+                          <a:rPr lang="fr-FR" sz="2000" b="0" i="1" smtClean="0">
+                            <a:latin typeface="Cambria Math" panose="02040503050406030204" pitchFamily="18" charset="0"/>
+                          </a:rPr>
+                        </m:ctrlPr>
+                      </m:sSupPr>
+                      <m:e>
+                        <m:r>
+                          <a:rPr lang="fr-FR" sz="2000" b="0" i="1" smtClean="0">
+                            <a:latin typeface="Cambria Math" panose="02040503050406030204" pitchFamily="18" charset="0"/>
+                          </a:rPr>
+                          <m:t>𝜋</m:t>
+                        </m:r>
+                      </m:e>
+                      <m:sup>
+                        <m:r>
+                          <a:rPr lang="fr-FR" sz="2000" b="0" i="1" smtClean="0">
+                            <a:latin typeface="Cambria Math" panose="02040503050406030204" pitchFamily="18" charset="0"/>
+                          </a:rPr>
+                          <m:t>∗</m:t>
+                        </m:r>
+                      </m:sup>
+                    </m:sSup>
+                  </m:oMath>
+                </a14:m>
+                <a:endParaRPr lang="fr-FR" sz="2000" dirty="0"/>
+              </a:p>
+              <a:p>
+                <a:pPr marL="0" indent="0">
+                  <a:buNone/>
+                </a:pPr>
+                <a:endParaRPr lang="fr-FR" sz="2000" dirty="0"/>
+              </a:p>
+              <a:p>
+                <a:pPr marL="0" indent="0">
+                  <a:buNone/>
+                </a:pPr>
+                <a:endParaRPr lang="fr-FR" sz="2000" dirty="0"/>
+              </a:p>
+            </p:txBody>
+          </p:sp>
+        </mc:Choice>
+        <mc:Fallback>
+          <p:sp>
+            <p:nvSpPr>
+              <p:cNvPr id="3" name="Espace réservé du contenu 2">
+                <a:extLst>
+                  <a:ext uri="{FF2B5EF4-FFF2-40B4-BE49-F238E27FC236}">
+                    <a16:creationId xmlns:a16="http://schemas.microsoft.com/office/drawing/2014/main" id="{B59E77B8-2D75-472C-B76C-ABDDE0CAFCD5}"/>
+                  </a:ext>
+                </a:extLst>
+              </p:cNvPr>
+              <p:cNvSpPr>
+                <a:spLocks noGrp="1" noRot="1" noChangeAspect="1" noMove="1" noResize="1" noEditPoints="1" noAdjustHandles="1" noChangeArrowheads="1" noChangeShapeType="1" noTextEdit="1"/>
+              </p:cNvSpPr>
+              <p:nvPr>
+                <p:ph idx="1"/>
+              </p:nvPr>
+            </p:nvSpPr>
+            <p:spPr>
+              <a:xfrm>
+                <a:off x="537750" y="429086"/>
+                <a:ext cx="10839994" cy="6021978"/>
+              </a:xfrm>
+              <a:blipFill>
+                <a:blip r:embed="rId2"/>
+                <a:stretch>
+                  <a:fillRect l="-562" t="-1012"/>
+                </a:stretch>
+              </a:blipFill>
+            </p:spPr>
+            <p:txBody>
+              <a:bodyPr/>
+              <a:lstStyle/>
+              <a:p>
+                <a:r>
+                  <a:rPr lang="en-US">
+                    <a:noFill/>
+                  </a:rPr>
+                  <a:t> </a:t>
+                </a:r>
+              </a:p>
+            </p:txBody>
+          </p:sp>
+        </mc:Fallback>
+      </mc:AlternateContent>
+      <p:pic>
+        <p:nvPicPr>
+          <p:cNvPr id="6" name="Image 5">
+            <a:extLst>
+              <a:ext uri="{FF2B5EF4-FFF2-40B4-BE49-F238E27FC236}">
+                <a16:creationId xmlns:a16="http://schemas.microsoft.com/office/drawing/2014/main" id="{00CBA631-12A5-4783-B854-8FCA75BE86B3}"/>
+              </a:ext>
+            </a:extLst>
+          </p:cNvPr>
+          <p:cNvPicPr>
+            <a:picLocks noChangeAspect="1"/>
+          </p:cNvPicPr>
+          <p:nvPr/>
+        </p:nvPicPr>
+        <p:blipFill>
+          <a:blip r:embed="rId3"/>
+          <a:stretch>
+            <a:fillRect/>
+          </a:stretch>
+        </p:blipFill>
+        <p:spPr>
+          <a:xfrm>
+            <a:off x="5896373" y="1541929"/>
+            <a:ext cx="4633113" cy="3600000"/>
+          </a:xfrm>
+          <a:prstGeom prst="rect">
+            <a:avLst/>
+          </a:prstGeom>
+        </p:spPr>
+      </p:pic>
+    </p:spTree>
+    <p:extLst>
+      <p:ext uri="{BB962C8B-B14F-4D97-AF65-F5344CB8AC3E}">
+        <p14:creationId xmlns:p14="http://schemas.microsoft.com/office/powerpoint/2010/main" val="3489580852"/>
+      </p:ext>
+    </p:extLst>
+  </p:cSld>
+  <p:clrMapOvr>
+    <a:masterClrMapping/>
+  </p:clrMapOvr>
+</p:sld>
+</file>
+
+<file path=ppt/slides/slide46.xml><?xml version="1.0" encoding="utf-8"?>
+<p:sld xmlns:a="http://schemas.openxmlformats.org/drawingml/2006/main" xmlns:r="http://schemas.openxmlformats.org/officeDocument/2006/relationships" xmlns:p="http://schemas.openxmlformats.org/presentationml/2006/main">
+  <p:cSld>
+    <p:spTree>
+      <p:nvGrpSpPr>
+        <p:cNvPr id="1" name=""/>
+        <p:cNvGrpSpPr/>
+        <p:nvPr/>
+      </p:nvGrpSpPr>
+      <p:grpSpPr>
+        <a:xfrm>
+          <a:off x="0" y="0"/>
+          <a:ext cx="0" cy="0"/>
+          <a:chOff x="0" y="0"/>
+          <a:chExt cx="0" cy="0"/>
+        </a:xfrm>
+      </p:grpSpPr>
+      <mc:AlternateContent xmlns:mc="http://schemas.openxmlformats.org/markup-compatibility/2006">
+        <mc:Choice xmlns:a14="http://schemas.microsoft.com/office/drawing/2010/main" Requires="a14">
+          <p:sp>
+            <p:nvSpPr>
+              <p:cNvPr id="3" name="Espace réservé du contenu 2">
+                <a:extLst>
+                  <a:ext uri="{FF2B5EF4-FFF2-40B4-BE49-F238E27FC236}">
+                    <a16:creationId xmlns:a16="http://schemas.microsoft.com/office/drawing/2014/main" id="{B59E77B8-2D75-472C-B76C-ABDDE0CAFCD5}"/>
+                  </a:ext>
+                </a:extLst>
+              </p:cNvPr>
+              <p:cNvSpPr>
+                <a:spLocks noGrp="1"/>
+              </p:cNvSpPr>
+              <p:nvPr>
+                <p:ph idx="1"/>
+              </p:nvPr>
+            </p:nvSpPr>
+            <p:spPr>
+              <a:xfrm>
+                <a:off x="537750" y="429086"/>
+                <a:ext cx="10839994" cy="6021978"/>
+              </a:xfrm>
+            </p:spPr>
+            <p:txBody>
+              <a:bodyPr>
+                <a:normAutofit/>
+              </a:bodyPr>
+              <a:lstStyle/>
+              <a:p>
+                <a:pPr marL="0" indent="0">
+                  <a:buNone/>
+                </a:pPr>
+                <a:r>
+                  <a:rPr lang="fr-FR" sz="2000" b="1" dirty="0"/>
+                  <a:t>Exemple (labyrinthe) :</a:t>
+                </a:r>
+                <a:endParaRPr lang="fr-FR" sz="2000" dirty="0"/>
+              </a:p>
+              <a:p>
+                <a:pPr marL="0" indent="0">
+                  <a:buNone/>
+                </a:pPr>
+                <a:endParaRPr lang="fr-FR" sz="2000" dirty="0"/>
+              </a:p>
+              <a:p>
+                <a:pPr marL="0" indent="0">
+                  <a:buNone/>
+                </a:pPr>
+                <a:endParaRPr lang="fr-FR" sz="2000" dirty="0"/>
+              </a:p>
+              <a:p>
+                <a:r>
+                  <a:rPr lang="fr-FR" sz="2000" dirty="0"/>
+                  <a:t>Valeur des états </a:t>
+                </a:r>
+                <a14:m>
+                  <m:oMath xmlns:m="http://schemas.openxmlformats.org/officeDocument/2006/math">
+                    <m:sSub>
+                      <m:sSubPr>
+                        <m:ctrlPr>
+                          <a:rPr lang="fr-FR" sz="2000" b="0" i="1" smtClean="0">
+                            <a:latin typeface="Cambria Math" panose="02040503050406030204" pitchFamily="18" charset="0"/>
+                          </a:rPr>
+                        </m:ctrlPr>
+                      </m:sSubPr>
+                      <m:e>
+                        <m:r>
+                          <a:rPr lang="fr-FR" sz="2000" b="0" i="1" smtClean="0">
+                            <a:latin typeface="Cambria Math" panose="02040503050406030204" pitchFamily="18" charset="0"/>
+                          </a:rPr>
+                          <m:t>𝑉</m:t>
+                        </m:r>
+                      </m:e>
+                      <m:sub>
+                        <m:sSup>
+                          <m:sSupPr>
+                            <m:ctrlPr>
+                              <a:rPr lang="fr-FR" sz="2000" b="0" i="1" smtClean="0">
+                                <a:latin typeface="Cambria Math" panose="02040503050406030204" pitchFamily="18" charset="0"/>
+                              </a:rPr>
+                            </m:ctrlPr>
+                          </m:sSupPr>
+                          <m:e>
+                            <m:r>
+                              <a:rPr lang="fr-FR" sz="2000" b="0" i="1" smtClean="0">
+                                <a:latin typeface="Cambria Math" panose="02040503050406030204" pitchFamily="18" charset="0"/>
+                              </a:rPr>
+                              <m:t>𝜋</m:t>
+                            </m:r>
+                          </m:e>
+                          <m:sup>
+                            <m:r>
+                              <a:rPr lang="fr-FR" sz="2000" b="0" i="1" smtClean="0">
+                                <a:latin typeface="Cambria Math" panose="02040503050406030204" pitchFamily="18" charset="0"/>
+                              </a:rPr>
+                              <m:t>∗</m:t>
+                            </m:r>
+                          </m:sup>
+                        </m:sSup>
+                      </m:sub>
+                    </m:sSub>
+                  </m:oMath>
+                </a14:m>
+                <a:endParaRPr lang="fr-FR" sz="2000" dirty="0"/>
+              </a:p>
+              <a:p>
+                <a:endParaRPr lang="fr-FR" sz="2000" dirty="0"/>
+              </a:p>
+              <a:p>
+                <a:pPr marL="0" indent="0">
+                  <a:buNone/>
+                </a:pPr>
+                <a:endParaRPr lang="fr-FR" sz="2000" dirty="0"/>
+              </a:p>
+              <a:p>
+                <a:pPr marL="0" indent="0">
+                  <a:buNone/>
+                </a:pPr>
+                <a:endParaRPr lang="fr-FR" sz="2000" dirty="0"/>
+              </a:p>
+              <a:p>
+                <a:pPr marL="0" indent="0">
+                  <a:buNone/>
+                </a:pPr>
+                <a:endParaRPr lang="fr-FR" sz="2000" dirty="0"/>
+              </a:p>
+              <a:p>
+                <a:pPr marL="0" indent="0">
+                  <a:buNone/>
+                </a:pPr>
+                <a:endParaRPr lang="fr-FR" sz="2000" dirty="0"/>
+              </a:p>
+              <a:p>
+                <a:pPr marL="0" indent="0">
+                  <a:buNone/>
+                </a:pPr>
+                <a:endParaRPr lang="fr-FR" sz="2000" dirty="0"/>
+              </a:p>
+              <a:p>
+                <a:pPr marL="0" indent="0">
+                  <a:buNone/>
+                </a:pPr>
+                <a:endParaRPr lang="fr-FR" sz="2000" dirty="0"/>
+              </a:p>
+              <a:p>
+                <a:pPr marL="0" indent="0">
+                  <a:buNone/>
+                </a:pPr>
+                <a:endParaRPr lang="fr-FR" sz="2000" dirty="0"/>
+              </a:p>
+              <a:p>
+                <a:pPr marL="0" indent="0">
+                  <a:buNone/>
+                </a:pPr>
+                <a:r>
+                  <a:rPr lang="fr-FR" sz="2000" dirty="0"/>
+                  <a:t>On représente les lignes par des lettres et les colonnes par des chiffres, e.g. </a:t>
+                </a:r>
+                <a14:m>
+                  <m:oMath xmlns:m="http://schemas.openxmlformats.org/officeDocument/2006/math">
+                    <m:r>
+                      <a:rPr lang="fr-FR" sz="2000" b="0" i="1" smtClean="0">
+                        <a:latin typeface="Cambria Math" panose="02040503050406030204" pitchFamily="18" charset="0"/>
+                      </a:rPr>
+                      <m:t>𝑉</m:t>
+                    </m:r>
+                    <m:d>
+                      <m:dPr>
+                        <m:ctrlPr>
+                          <a:rPr lang="fr-FR" sz="2000" b="0" i="1" smtClean="0">
+                            <a:latin typeface="Cambria Math" panose="02040503050406030204" pitchFamily="18" charset="0"/>
+                          </a:rPr>
+                        </m:ctrlPr>
+                      </m:dPr>
+                      <m:e>
+                        <m:r>
+                          <a:rPr lang="fr-FR" sz="2000" b="0" i="1" smtClean="0">
+                            <a:latin typeface="Cambria Math" panose="02040503050406030204" pitchFamily="18" charset="0"/>
+                          </a:rPr>
+                          <m:t>𝑐</m:t>
+                        </m:r>
+                        <m:r>
+                          <a:rPr lang="fr-FR" sz="2000" b="0" i="1" smtClean="0">
+                            <a:latin typeface="Cambria Math" panose="02040503050406030204" pitchFamily="18" charset="0"/>
+                          </a:rPr>
+                          <m:t>3</m:t>
+                        </m:r>
+                      </m:e>
+                    </m:d>
+                    <m:r>
+                      <a:rPr lang="fr-FR" sz="2000" b="0" i="1" smtClean="0">
+                        <a:latin typeface="Cambria Math" panose="02040503050406030204" pitchFamily="18" charset="0"/>
+                      </a:rPr>
+                      <m:t>=−16</m:t>
+                    </m:r>
+                  </m:oMath>
+                </a14:m>
+                <a:r>
+                  <a:rPr lang="fr-FR" sz="2000" dirty="0"/>
+                  <a:t> et </a:t>
+                </a:r>
+                <a14:m>
+                  <m:oMath xmlns:m="http://schemas.openxmlformats.org/officeDocument/2006/math">
+                    <m:r>
+                      <a:rPr lang="fr-FR" sz="2000" b="0" i="1" smtClean="0">
+                        <a:latin typeface="Cambria Math" panose="02040503050406030204" pitchFamily="18" charset="0"/>
+                      </a:rPr>
+                      <m:t>𝑉</m:t>
+                    </m:r>
+                    <m:d>
+                      <m:dPr>
+                        <m:ctrlPr>
+                          <a:rPr lang="fr-FR" sz="2000" b="0" i="1" smtClean="0">
+                            <a:latin typeface="Cambria Math" panose="02040503050406030204" pitchFamily="18" charset="0"/>
+                          </a:rPr>
+                        </m:ctrlPr>
+                      </m:dPr>
+                      <m:e>
+                        <m:r>
+                          <a:rPr lang="fr-FR" sz="2000" b="0" i="1" smtClean="0">
+                            <a:latin typeface="Cambria Math" panose="02040503050406030204" pitchFamily="18" charset="0"/>
+                          </a:rPr>
+                          <m:t>𝑐</m:t>
+                        </m:r>
+                        <m:r>
+                          <a:rPr lang="fr-FR" sz="2000" b="0" i="1" smtClean="0">
+                            <a:latin typeface="Cambria Math" panose="02040503050406030204" pitchFamily="18" charset="0"/>
+                          </a:rPr>
+                          <m:t>4</m:t>
+                        </m:r>
+                      </m:e>
+                    </m:d>
+                    <m:r>
+                      <a:rPr lang="fr-FR" sz="2000" b="0" i="1" smtClean="0">
+                        <a:latin typeface="Cambria Math" panose="02040503050406030204" pitchFamily="18" charset="0"/>
+                      </a:rPr>
+                      <m:t>=−15</m:t>
+                    </m:r>
+                  </m:oMath>
+                </a14:m>
+                <a:r>
+                  <a:rPr lang="fr-FR" sz="2000" dirty="0"/>
+                  <a:t>.</a:t>
+                </a:r>
+              </a:p>
+              <a:p>
+                <a:pPr marL="0" indent="0">
+                  <a:buNone/>
+                </a:pPr>
+                <a:r>
+                  <a:rPr lang="fr-FR" sz="2000" u="sng" dirty="0"/>
+                  <a:t>Questions</a:t>
+                </a:r>
+                <a:r>
+                  <a:rPr lang="fr-FR" sz="2000" dirty="0"/>
+                  <a:t> : quelle vaut </a:t>
+                </a:r>
+                <a14:m>
+                  <m:oMath xmlns:m="http://schemas.openxmlformats.org/officeDocument/2006/math">
+                    <m:r>
+                      <a:rPr lang="fr-FR" sz="2000" b="0" i="1" smtClean="0">
+                        <a:latin typeface="Cambria Math" panose="02040503050406030204" pitchFamily="18" charset="0"/>
+                      </a:rPr>
+                      <m:t>𝑄</m:t>
+                    </m:r>
+                    <m:r>
+                      <a:rPr lang="fr-FR" sz="2000" b="0" i="1" smtClean="0">
+                        <a:latin typeface="Cambria Math" panose="02040503050406030204" pitchFamily="18" charset="0"/>
+                      </a:rPr>
+                      <m:t>(</m:t>
+                    </m:r>
+                    <m:r>
+                      <a:rPr lang="fr-FR" sz="2000" b="0" i="1" smtClean="0">
+                        <a:latin typeface="Cambria Math" panose="02040503050406030204" pitchFamily="18" charset="0"/>
+                      </a:rPr>
+                      <m:t>𝑐</m:t>
+                    </m:r>
+                    <m:r>
+                      <a:rPr lang="fr-FR" sz="2000" b="0" i="1" smtClean="0">
+                        <a:latin typeface="Cambria Math" panose="02040503050406030204" pitchFamily="18" charset="0"/>
+                      </a:rPr>
+                      <m:t>3, </m:t>
+                    </m:r>
+                    <m:r>
+                      <a:rPr lang="fr-FR" sz="2000" b="0" i="1" smtClean="0">
+                        <a:latin typeface="Cambria Math" panose="02040503050406030204" pitchFamily="18" charset="0"/>
+                      </a:rPr>
+                      <m:t>𝐷𝑟𝑜𝑖𝑡𝑒</m:t>
+                    </m:r>
+                    <m:r>
+                      <a:rPr lang="fr-FR" sz="2000" b="0" i="1" smtClean="0">
+                        <a:latin typeface="Cambria Math" panose="02040503050406030204" pitchFamily="18" charset="0"/>
+                      </a:rPr>
+                      <m:t>)</m:t>
+                    </m:r>
+                  </m:oMath>
+                </a14:m>
+                <a:r>
+                  <a:rPr lang="fr-FR" sz="2000" dirty="0"/>
+                  <a:t> ? </a:t>
+                </a:r>
+                <a14:m>
+                  <m:oMath xmlns:m="http://schemas.openxmlformats.org/officeDocument/2006/math">
+                    <m:r>
+                      <a:rPr lang="fr-FR" sz="2000" b="0" i="1" smtClean="0">
+                        <a:latin typeface="Cambria Math" panose="02040503050406030204" pitchFamily="18" charset="0"/>
+                      </a:rPr>
+                      <m:t>𝑄</m:t>
+                    </m:r>
+                    <m:r>
+                      <a:rPr lang="fr-FR" sz="2000" b="0" i="1" smtClean="0">
+                        <a:latin typeface="Cambria Math" panose="02040503050406030204" pitchFamily="18" charset="0"/>
+                      </a:rPr>
+                      <m:t>(</m:t>
+                    </m:r>
+                    <m:r>
+                      <a:rPr lang="fr-FR" sz="2000" b="0" i="1" smtClean="0">
+                        <a:latin typeface="Cambria Math" panose="02040503050406030204" pitchFamily="18" charset="0"/>
+                      </a:rPr>
+                      <m:t>𝑐</m:t>
+                    </m:r>
+                    <m:r>
+                      <a:rPr lang="fr-FR" sz="2000" b="0" i="1" smtClean="0">
+                        <a:latin typeface="Cambria Math" panose="02040503050406030204" pitchFamily="18" charset="0"/>
+                      </a:rPr>
+                      <m:t>4, </m:t>
+                    </m:r>
+                    <m:r>
+                      <a:rPr lang="fr-FR" sz="2000" b="0" i="1" smtClean="0">
+                        <a:latin typeface="Cambria Math" panose="02040503050406030204" pitchFamily="18" charset="0"/>
+                      </a:rPr>
+                      <m:t>𝐵𝑎𝑠</m:t>
+                    </m:r>
+                    <m:r>
+                      <a:rPr lang="fr-FR" sz="2000" b="0" i="1" smtClean="0">
+                        <a:latin typeface="Cambria Math" panose="02040503050406030204" pitchFamily="18" charset="0"/>
+                      </a:rPr>
+                      <m:t>)</m:t>
+                    </m:r>
+                  </m:oMath>
+                </a14:m>
+                <a:r>
+                  <a:rPr lang="fr-FR" sz="2000" dirty="0"/>
+                  <a:t> ?</a:t>
+                </a:r>
+              </a:p>
+            </p:txBody>
+          </p:sp>
+        </mc:Choice>
+        <mc:Fallback>
+          <p:sp>
+            <p:nvSpPr>
+              <p:cNvPr id="3" name="Espace réservé du contenu 2">
+                <a:extLst>
+                  <a:ext uri="{FF2B5EF4-FFF2-40B4-BE49-F238E27FC236}">
+                    <a16:creationId xmlns:a16="http://schemas.microsoft.com/office/drawing/2014/main" id="{B59E77B8-2D75-472C-B76C-ABDDE0CAFCD5}"/>
+                  </a:ext>
+                </a:extLst>
+              </p:cNvPr>
+              <p:cNvSpPr>
+                <a:spLocks noGrp="1" noRot="1" noChangeAspect="1" noMove="1" noResize="1" noEditPoints="1" noAdjustHandles="1" noChangeArrowheads="1" noChangeShapeType="1" noTextEdit="1"/>
+              </p:cNvSpPr>
+              <p:nvPr>
+                <p:ph idx="1"/>
+              </p:nvPr>
+            </p:nvSpPr>
+            <p:spPr>
+              <a:xfrm>
+                <a:off x="537750" y="429086"/>
+                <a:ext cx="10839994" cy="6021978"/>
+              </a:xfrm>
+              <a:blipFill>
+                <a:blip r:embed="rId2"/>
+                <a:stretch>
+                  <a:fillRect l="-562" t="-1012"/>
+                </a:stretch>
+              </a:blipFill>
+            </p:spPr>
+            <p:txBody>
+              <a:bodyPr/>
+              <a:lstStyle/>
+              <a:p>
+                <a:r>
+                  <a:rPr lang="en-US">
+                    <a:noFill/>
+                  </a:rPr>
+                  <a:t> </a:t>
+                </a:r>
+              </a:p>
+            </p:txBody>
+          </p:sp>
+        </mc:Fallback>
+      </mc:AlternateContent>
+      <p:pic>
+        <p:nvPicPr>
+          <p:cNvPr id="5" name="Image 4">
+            <a:extLst>
+              <a:ext uri="{FF2B5EF4-FFF2-40B4-BE49-F238E27FC236}">
+                <a16:creationId xmlns:a16="http://schemas.microsoft.com/office/drawing/2014/main" id="{663F2AF0-1E7A-4B57-B884-B7B17844CDE8}"/>
+              </a:ext>
+            </a:extLst>
+          </p:cNvPr>
+          <p:cNvPicPr>
+            <a:picLocks noChangeAspect="1"/>
+          </p:cNvPicPr>
+          <p:nvPr/>
+        </p:nvPicPr>
+        <p:blipFill>
+          <a:blip r:embed="rId3"/>
+          <a:stretch>
+            <a:fillRect/>
+          </a:stretch>
+        </p:blipFill>
+        <p:spPr>
+          <a:xfrm>
+            <a:off x="6161540" y="1452283"/>
+            <a:ext cx="4417467" cy="3600000"/>
+          </a:xfrm>
+          <a:prstGeom prst="rect">
+            <a:avLst/>
+          </a:prstGeom>
+        </p:spPr>
+      </p:pic>
+    </p:spTree>
+    <p:extLst>
+      <p:ext uri="{BB962C8B-B14F-4D97-AF65-F5344CB8AC3E}">
+        <p14:creationId xmlns:p14="http://schemas.microsoft.com/office/powerpoint/2010/main" val="1363697003"/>
       </p:ext>
     </p:extLst>
   </p:cSld>

--- a/Intelligence Artificielle et Analyse de donnees.pptx
+++ b/Intelligence Artificielle et Analyse de donnees.pptx
@@ -51,6 +51,8 @@
     <p:sldId id="305" r:id="rId45"/>
     <p:sldId id="306" r:id="rId46"/>
     <p:sldId id="307" r:id="rId47"/>
+    <p:sldId id="309" r:id="rId48"/>
+    <p:sldId id="310" r:id="rId49"/>
   </p:sldIdLst>
   <p:sldSz cx="12192000" cy="6858000"/>
   <p:notesSz cx="6858000" cy="9144000"/>
@@ -315,7 +317,7 @@
           <a:p>
             <a:fld id="{6744C8BF-8EDA-4728-ABB9-9DEA91F7FC64}" type="datetimeFigureOut">
               <a:rPr lang="fr-FR" smtClean="0"/>
-              <a:t>10/03/2025</a:t>
+              <a:t>11/03/2025</a:t>
             </a:fld>
             <a:endParaRPr lang="fr-FR"/>
           </a:p>
@@ -513,7 +515,7 @@
           <a:p>
             <a:fld id="{6744C8BF-8EDA-4728-ABB9-9DEA91F7FC64}" type="datetimeFigureOut">
               <a:rPr lang="fr-FR" smtClean="0"/>
-              <a:t>10/03/2025</a:t>
+              <a:t>11/03/2025</a:t>
             </a:fld>
             <a:endParaRPr lang="fr-FR"/>
           </a:p>
@@ -721,7 +723,7 @@
           <a:p>
             <a:fld id="{6744C8BF-8EDA-4728-ABB9-9DEA91F7FC64}" type="datetimeFigureOut">
               <a:rPr lang="fr-FR" smtClean="0"/>
-              <a:t>10/03/2025</a:t>
+              <a:t>11/03/2025</a:t>
             </a:fld>
             <a:endParaRPr lang="fr-FR"/>
           </a:p>
@@ -919,7 +921,7 @@
           <a:p>
             <a:fld id="{6744C8BF-8EDA-4728-ABB9-9DEA91F7FC64}" type="datetimeFigureOut">
               <a:rPr lang="fr-FR" smtClean="0"/>
-              <a:t>10/03/2025</a:t>
+              <a:t>11/03/2025</a:t>
             </a:fld>
             <a:endParaRPr lang="fr-FR"/>
           </a:p>
@@ -1194,7 +1196,7 @@
           <a:p>
             <a:fld id="{6744C8BF-8EDA-4728-ABB9-9DEA91F7FC64}" type="datetimeFigureOut">
               <a:rPr lang="fr-FR" smtClean="0"/>
-              <a:t>10/03/2025</a:t>
+              <a:t>11/03/2025</a:t>
             </a:fld>
             <a:endParaRPr lang="fr-FR"/>
           </a:p>
@@ -1459,7 +1461,7 @@
           <a:p>
             <a:fld id="{6744C8BF-8EDA-4728-ABB9-9DEA91F7FC64}" type="datetimeFigureOut">
               <a:rPr lang="fr-FR" smtClean="0"/>
-              <a:t>10/03/2025</a:t>
+              <a:t>11/03/2025</a:t>
             </a:fld>
             <a:endParaRPr lang="fr-FR"/>
           </a:p>
@@ -1871,7 +1873,7 @@
           <a:p>
             <a:fld id="{6744C8BF-8EDA-4728-ABB9-9DEA91F7FC64}" type="datetimeFigureOut">
               <a:rPr lang="fr-FR" smtClean="0"/>
-              <a:t>10/03/2025</a:t>
+              <a:t>11/03/2025</a:t>
             </a:fld>
             <a:endParaRPr lang="fr-FR"/>
           </a:p>
@@ -2012,7 +2014,7 @@
           <a:p>
             <a:fld id="{6744C8BF-8EDA-4728-ABB9-9DEA91F7FC64}" type="datetimeFigureOut">
               <a:rPr lang="fr-FR" smtClean="0"/>
-              <a:t>10/03/2025</a:t>
+              <a:t>11/03/2025</a:t>
             </a:fld>
             <a:endParaRPr lang="fr-FR"/>
           </a:p>
@@ -2125,7 +2127,7 @@
           <a:p>
             <a:fld id="{6744C8BF-8EDA-4728-ABB9-9DEA91F7FC64}" type="datetimeFigureOut">
               <a:rPr lang="fr-FR" smtClean="0"/>
-              <a:t>10/03/2025</a:t>
+              <a:t>11/03/2025</a:t>
             </a:fld>
             <a:endParaRPr lang="fr-FR"/>
           </a:p>
@@ -2436,7 +2438,7 @@
           <a:p>
             <a:fld id="{6744C8BF-8EDA-4728-ABB9-9DEA91F7FC64}" type="datetimeFigureOut">
               <a:rPr lang="fr-FR" smtClean="0"/>
-              <a:t>10/03/2025</a:t>
+              <a:t>11/03/2025</a:t>
             </a:fld>
             <a:endParaRPr lang="fr-FR"/>
           </a:p>
@@ -2724,7 +2726,7 @@
           <a:p>
             <a:fld id="{6744C8BF-8EDA-4728-ABB9-9DEA91F7FC64}" type="datetimeFigureOut">
               <a:rPr lang="fr-FR" smtClean="0"/>
-              <a:t>10/03/2025</a:t>
+              <a:t>11/03/2025</a:t>
             </a:fld>
             <a:endParaRPr lang="fr-FR"/>
           </a:p>
@@ -2965,7 +2967,7 @@
           <a:p>
             <a:fld id="{6744C8BF-8EDA-4728-ABB9-9DEA91F7FC64}" type="datetimeFigureOut">
               <a:rPr lang="fr-FR" smtClean="0"/>
-              <a:t>10/03/2025</a:t>
+              <a:t>11/03/2025</a:t>
             </a:fld>
             <a:endParaRPr lang="fr-FR"/>
           </a:p>
@@ -14300,6 +14302,50 @@
           </p:txBody>
         </p:sp>
       </p:grpSp>
+      <p:sp>
+        <p:nvSpPr>
+          <p:cNvPr id="38" name="ZoneTexte 37">
+            <a:extLst>
+              <a:ext uri="{FF2B5EF4-FFF2-40B4-BE49-F238E27FC236}">
+                <a16:creationId xmlns:a16="http://schemas.microsoft.com/office/drawing/2014/main" id="{EF82C045-D83A-423F-BFEC-40D45A09B9D9}"/>
+              </a:ext>
+            </a:extLst>
+          </p:cNvPr>
+          <p:cNvSpPr txBox="1"/>
+          <p:nvPr/>
+        </p:nvSpPr>
+        <p:spPr>
+          <a:xfrm>
+            <a:off x="6089009" y="6510403"/>
+            <a:ext cx="6094602" cy="338554"/>
+          </a:xfrm>
+          <a:prstGeom prst="rect">
+            <a:avLst/>
+          </a:prstGeom>
+          <a:noFill/>
+        </p:spPr>
+        <p:txBody>
+          <a:bodyPr wrap="square">
+            <a:spAutoFit/>
+          </a:bodyPr>
+          <a:lstStyle/>
+          <a:p>
+            <a:pPr marL="0" indent="0" algn="r">
+              <a:buNone/>
+            </a:pPr>
+            <a:r>
+              <a:rPr lang="fr-FR" sz="1600" dirty="0">
+                <a:solidFill>
+                  <a:schemeClr val="accent3">
+                    <a:lumMod val="75000"/>
+                  </a:schemeClr>
+                </a:solidFill>
+              </a:rPr>
+              <a:t>[illustration: https://chriswolfvision.github.io/www/teaching/</a:t>
+            </a:r>
+          </a:p>
+        </p:txBody>
+      </p:sp>
     </p:spTree>
     <p:extLst>
       <p:ext uri="{BB962C8B-B14F-4D97-AF65-F5344CB8AC3E}">
@@ -14332,41 +14378,6 @@
       </p:grpSpPr>
       <p:sp>
         <p:nvSpPr>
-          <p:cNvPr id="2" name="Titre 1">
-            <a:extLst>
-              <a:ext uri="{FF2B5EF4-FFF2-40B4-BE49-F238E27FC236}">
-                <a16:creationId xmlns:a16="http://schemas.microsoft.com/office/drawing/2014/main" id="{D9F9562B-2AF3-44DA-B722-412A0F9E5D27}"/>
-              </a:ext>
-            </a:extLst>
-          </p:cNvPr>
-          <p:cNvSpPr>
-            <a:spLocks noGrp="1"/>
-          </p:cNvSpPr>
-          <p:nvPr>
-            <p:ph type="title"/>
-          </p:nvPr>
-        </p:nvSpPr>
-        <p:spPr>
-          <a:xfrm>
-            <a:off x="838200" y="365126"/>
-            <a:ext cx="10515600" cy="586596"/>
-          </a:xfrm>
-        </p:spPr>
-        <p:txBody>
-          <a:bodyPr>
-            <a:normAutofit/>
-          </a:bodyPr>
-          <a:lstStyle/>
-          <a:p>
-            <a:r>
-              <a:rPr lang="fr-FR" sz="3600" dirty="0"/>
-              <a:t>Plan du cours :</a:t>
-            </a:r>
-          </a:p>
-        </p:txBody>
-      </p:sp>
-      <p:sp>
-        <p:nvSpPr>
           <p:cNvPr id="4" name="Titre 6">
             <a:extLst>
               <a:ext uri="{FF2B5EF4-FFF2-40B4-BE49-F238E27FC236}">
@@ -14389,7 +14400,7 @@
         </p:spPr>
         <p:txBody>
           <a:bodyPr>
-            <a:normAutofit fontScale="92500" lnSpcReduction="10000"/>
+            <a:normAutofit fontScale="92500" lnSpcReduction="20000"/>
           </a:bodyPr>
           <a:lstStyle/>
           <a:p>
@@ -14540,15 +14551,7 @@
             </a:pPr>
             <a:r>
               <a:rPr lang="fr-FR" sz="2000" dirty="0"/>
-              <a:t>Les réseaux de neurones convolutifs (</a:t>
-            </a:r>
-            <a:r>
-              <a:rPr lang="fr-FR" sz="2000" dirty="0" err="1"/>
-              <a:t>CNNs</a:t>
-            </a:r>
-            <a:r>
-              <a:rPr lang="fr-FR" sz="2000" dirty="0"/>
-              <a:t>)</a:t>
+              <a:t>Apprentissage pas renforcement (RL)</a:t>
             </a:r>
           </a:p>
           <a:p>
@@ -14561,7 +14564,7 @@
             </a:r>
             <a:r>
               <a:rPr lang="fr-FR" sz="1800" dirty="0"/>
-              <a:t>5.1. Problèmes de classification</a:t>
+              <a:t>5.1. Principe et définitions</a:t>
             </a:r>
           </a:p>
           <a:p>
@@ -14570,13 +14573,8 @@
             </a:pPr>
             <a:r>
               <a:rPr lang="fr-FR" sz="1800" dirty="0"/>
-              <a:t>	5.2. Principe des </a:t>
+              <a:t>	5.2. Equations de Bellman</a:t>
             </a:r>
-            <a:r>
-              <a:rPr lang="fr-FR" sz="1800" dirty="0" err="1"/>
-              <a:t>CNNs</a:t>
-            </a:r>
-            <a:endParaRPr lang="fr-FR" sz="1800" dirty="0"/>
           </a:p>
           <a:p>
             <a:pPr marL="457200" lvl="1" indent="0">
@@ -14584,11 +14582,24 @@
             </a:pPr>
             <a:r>
               <a:rPr lang="fr-FR" sz="1800" dirty="0"/>
-              <a:t>	5.3. Implémentation des </a:t>
+              <a:t>	5.3. Algorithmes avec fonctions de valeurs tabulaires</a:t>
+            </a:r>
+          </a:p>
+          <a:p>
+            <a:pPr marL="457200" lvl="1" indent="0">
+              <a:buNone/>
+            </a:pPr>
+            <a:r>
+              <a:rPr lang="fr-FR" sz="1800" dirty="0"/>
+              <a:t>	5.3. Algorithmes avec fonctions de valeurs approximées (</a:t>
             </a:r>
             <a:r>
               <a:rPr lang="fr-FR" sz="1800" dirty="0" err="1"/>
-              <a:t>CNNs</a:t>
+              <a:t>NNs</a:t>
+            </a:r>
+            <a:r>
+              <a:rPr lang="fr-FR" sz="1800" dirty="0"/>
+              <a:t>)</a:t>
             </a:r>
             <a:endParaRPr lang="fr-FR" sz="2000" dirty="0"/>
           </a:p>
@@ -14599,7 +14610,7 @@
             </a:pPr>
             <a:r>
               <a:rPr lang="fr-FR" sz="2000" dirty="0"/>
-              <a:t>Applications</a:t>
+              <a:t>Travaux Pratiques</a:t>
             </a:r>
           </a:p>
           <a:p>
@@ -14612,7 +14623,15 @@
             </a:r>
             <a:r>
               <a:rPr lang="fr-FR" sz="1800" dirty="0"/>
-              <a:t>6.1. Apprentissage par renforcement</a:t>
+              <a:t>6.1. Classification d’images : les réseaux de neurones convolutifs (</a:t>
+            </a:r>
+            <a:r>
+              <a:rPr lang="fr-FR" sz="1800" dirty="0" err="1"/>
+              <a:t>CNNs</a:t>
+            </a:r>
+            <a:r>
+              <a:rPr lang="fr-FR" sz="1800" dirty="0"/>
+              <a:t>)</a:t>
             </a:r>
           </a:p>
           <a:p>
@@ -21465,8 +21484,8 @@
           <a:chExt cx="0" cy="0"/>
         </a:xfrm>
       </p:grpSpPr>
-      <mc:AlternateContent xmlns:mc="http://schemas.openxmlformats.org/markup-compatibility/2006" xmlns:a14="http://schemas.microsoft.com/office/drawing/2010/main">
-        <mc:Choice Requires="a14">
+      <mc:AlternateContent xmlns:mc="http://schemas.openxmlformats.org/markup-compatibility/2006">
+        <mc:Choice xmlns:a14="http://schemas.microsoft.com/office/drawing/2010/main" Requires="a14">
           <p:sp>
             <p:nvSpPr>
               <p:cNvPr id="3" name="Espace réservé du contenu 2">
@@ -21674,7 +21693,7 @@
                       </a:schemeClr>
                     </a:solidFill>
                   </a:rPr>
-                  <a:t>Ex : la représentation d’une image est sous forme de 3 matrices RGB (</a:t>
+                  <a:t>Ex : la représentation d’une image sous forme de 3 matrices RGB (</a:t>
                 </a:r>
                 <a:r>
                   <a:rPr lang="fr-FR" sz="1800" i="1" dirty="0" err="1">
@@ -21718,7 +21737,7 @@
                       </a:schemeClr>
                     </a:solidFill>
                   </a:rPr>
-                  <a:t>) est plus informative que sous la forme d’un vecteur (notions de voisinage, couleur).</a:t>
+                  <a:t>) est plus informative que sous la forme d’un vecteur (notions de voisinage spatial, couleur).</a:t>
                 </a:r>
               </a:p>
               <a:p>
@@ -22253,7 +22272,7 @@
             </p:txBody>
           </p:sp>
         </mc:Choice>
-        <mc:Fallback xmlns="">
+        <mc:Fallback>
           <p:sp>
             <p:nvSpPr>
               <p:cNvPr id="3" name="Espace réservé du contenu 2">
@@ -33381,10 +33400,10 @@
       </p:pic>
       <p:sp>
         <p:nvSpPr>
-          <p:cNvPr id="14" name="ZoneTexte 13">
+          <p:cNvPr id="6" name="ZoneTexte 5">
             <a:extLst>
               <a:ext uri="{FF2B5EF4-FFF2-40B4-BE49-F238E27FC236}">
-                <a16:creationId xmlns:a16="http://schemas.microsoft.com/office/drawing/2014/main" id="{C9178262-78BC-4F75-9CB3-9C57352A73E2}"/>
+                <a16:creationId xmlns:a16="http://schemas.microsoft.com/office/drawing/2014/main" id="{1E50BF36-C279-43C7-9EE1-92AA93FC1BC8}"/>
               </a:ext>
             </a:extLst>
           </p:cNvPr>
@@ -33393,8 +33412,8 @@
         </p:nvSpPr>
         <p:spPr>
           <a:xfrm>
-            <a:off x="122424" y="6417139"/>
-            <a:ext cx="6096000" cy="369332"/>
+            <a:off x="5375943" y="6518792"/>
+            <a:ext cx="6633037" cy="584775"/>
           </a:xfrm>
           <a:prstGeom prst="rect">
             <a:avLst/>
@@ -33407,10 +33426,31 @@
           </a:bodyPr>
           <a:lstStyle/>
           <a:p>
+            <a:pPr marL="0" indent="0" algn="r">
+              <a:buNone/>
+            </a:pPr>
             <a:r>
-              <a:rPr lang="en-US" dirty="0"/>
-              <a:t>https://colah.github.io/posts/2015-08-Understanding-LSTMs/</a:t>
+              <a:rPr lang="fr-FR" sz="1600" dirty="0">
+                <a:solidFill>
+                  <a:schemeClr val="accent3">
+                    <a:lumMod val="75000"/>
+                  </a:schemeClr>
+                </a:solidFill>
+              </a:rPr>
+              <a:t>[illustration: https://colah.github.io/posts/2015-08-Understanding-LSTMs/</a:t>
             </a:r>
+          </a:p>
+          <a:p>
+            <a:pPr marL="0" indent="0" algn="r">
+              <a:buNone/>
+            </a:pPr>
+            <a:endParaRPr lang="fr-FR" sz="1600" dirty="0">
+              <a:solidFill>
+                <a:schemeClr val="accent3">
+                  <a:lumMod val="75000"/>
+                </a:schemeClr>
+              </a:solidFill>
+            </a:endParaRPr>
           </a:p>
         </p:txBody>
       </p:sp>
@@ -33764,10 +33804,10 @@
       </p:pic>
       <p:sp>
         <p:nvSpPr>
-          <p:cNvPr id="14" name="ZoneTexte 13">
+          <p:cNvPr id="8" name="ZoneTexte 7">
             <a:extLst>
               <a:ext uri="{FF2B5EF4-FFF2-40B4-BE49-F238E27FC236}">
-                <a16:creationId xmlns:a16="http://schemas.microsoft.com/office/drawing/2014/main" id="{04AEDC4E-B42D-4FA5-862A-C113D989EBEA}"/>
+                <a16:creationId xmlns:a16="http://schemas.microsoft.com/office/drawing/2014/main" id="{06BD219A-5252-40F6-8A4F-842FE9C74449}"/>
               </a:ext>
             </a:extLst>
           </p:cNvPr>
@@ -33776,8 +33816,8 @@
         </p:nvSpPr>
         <p:spPr>
           <a:xfrm>
-            <a:off x="122424" y="6417139"/>
-            <a:ext cx="6096000" cy="369332"/>
+            <a:off x="5375943" y="6518792"/>
+            <a:ext cx="6633037" cy="584775"/>
           </a:xfrm>
           <a:prstGeom prst="rect">
             <a:avLst/>
@@ -33790,10 +33830,31 @@
           </a:bodyPr>
           <a:lstStyle/>
           <a:p>
+            <a:pPr marL="0" indent="0" algn="r">
+              <a:buNone/>
+            </a:pPr>
             <a:r>
-              <a:rPr lang="en-US" dirty="0"/>
-              <a:t>https://colah.github.io/posts/2015-08-Understanding-LSTMs/</a:t>
+              <a:rPr lang="fr-FR" sz="1600" dirty="0">
+                <a:solidFill>
+                  <a:schemeClr val="accent3">
+                    <a:lumMod val="75000"/>
+                  </a:schemeClr>
+                </a:solidFill>
+              </a:rPr>
+              <a:t>[illustration: https://colah.github.io/posts/2015-08-Understanding-LSTMs/</a:t>
             </a:r>
+          </a:p>
+          <a:p>
+            <a:pPr marL="0" indent="0" algn="r">
+              <a:buNone/>
+            </a:pPr>
+            <a:endParaRPr lang="fr-FR" sz="1600" dirty="0">
+              <a:solidFill>
+                <a:schemeClr val="accent3">
+                  <a:lumMod val="75000"/>
+                </a:schemeClr>
+              </a:solidFill>
+            </a:endParaRPr>
           </a:p>
         </p:txBody>
       </p:sp>
@@ -34500,10 +34561,10 @@
       </mc:AlternateContent>
       <p:sp>
         <p:nvSpPr>
-          <p:cNvPr id="29" name="ZoneTexte 28">
+          <p:cNvPr id="10" name="ZoneTexte 9">
             <a:extLst>
               <a:ext uri="{FF2B5EF4-FFF2-40B4-BE49-F238E27FC236}">
-                <a16:creationId xmlns:a16="http://schemas.microsoft.com/office/drawing/2014/main" id="{80E1F3F8-37AC-4F0C-89AB-6BD762259A24}"/>
+                <a16:creationId xmlns:a16="http://schemas.microsoft.com/office/drawing/2014/main" id="{45688D81-48A0-4BEE-AF01-1445FFC20B3C}"/>
               </a:ext>
             </a:extLst>
           </p:cNvPr>
@@ -34512,8 +34573,8 @@
         </p:nvSpPr>
         <p:spPr>
           <a:xfrm>
-            <a:off x="122424" y="6417139"/>
-            <a:ext cx="6096000" cy="369332"/>
+            <a:off x="5375943" y="6518792"/>
+            <a:ext cx="6633037" cy="584775"/>
           </a:xfrm>
           <a:prstGeom prst="rect">
             <a:avLst/>
@@ -34526,10 +34587,31 @@
           </a:bodyPr>
           <a:lstStyle/>
           <a:p>
+            <a:pPr marL="0" indent="0" algn="r">
+              <a:buNone/>
+            </a:pPr>
             <a:r>
-              <a:rPr lang="en-US" dirty="0"/>
-              <a:t>https://colah.github.io/posts/2015-08-Understanding-LSTMs/</a:t>
+              <a:rPr lang="fr-FR" sz="1600" dirty="0">
+                <a:solidFill>
+                  <a:schemeClr val="accent3">
+                    <a:lumMod val="75000"/>
+                  </a:schemeClr>
+                </a:solidFill>
+              </a:rPr>
+              <a:t>[illustration: https://colah.github.io/posts/2015-08-Understanding-LSTMs/</a:t>
             </a:r>
+          </a:p>
+          <a:p>
+            <a:pPr marL="0" indent="0" algn="r">
+              <a:buNone/>
+            </a:pPr>
+            <a:endParaRPr lang="fr-FR" sz="1600" dirty="0">
+              <a:solidFill>
+                <a:schemeClr val="accent3">
+                  <a:lumMod val="75000"/>
+                </a:schemeClr>
+              </a:solidFill>
+            </a:endParaRPr>
           </a:p>
         </p:txBody>
       </p:sp>
@@ -34893,7 +34975,7 @@
             </a:br>
             <a:r>
               <a:rPr lang="fr-FR" sz="3200" dirty="0"/>
-              <a:t>	5.1. Principe et Définitions	</a:t>
+              <a:t>	5.1. Principe et définitions	</a:t>
             </a:r>
             <a:br>
               <a:rPr lang="fr-FR" sz="3200" dirty="0"/>
@@ -34980,8 +35062,8 @@
           <a:chExt cx="0" cy="0"/>
         </a:xfrm>
       </p:grpSpPr>
-      <mc:AlternateContent xmlns:mc="http://schemas.openxmlformats.org/markup-compatibility/2006">
-        <mc:Choice xmlns:a14="http://schemas.microsoft.com/office/drawing/2010/main" Requires="a14">
+      <mc:AlternateContent xmlns:mc="http://schemas.openxmlformats.org/markup-compatibility/2006" xmlns:a14="http://schemas.microsoft.com/office/drawing/2010/main">
+        <mc:Choice Requires="a14">
           <p:sp>
             <p:nvSpPr>
               <p:cNvPr id="3" name="Espace réservé du contenu 2">
@@ -35379,7 +35461,7 @@
             </p:txBody>
           </p:sp>
         </mc:Choice>
-        <mc:Fallback>
+        <mc:Fallback xmlns="">
           <p:sp>
             <p:nvSpPr>
               <p:cNvPr id="3" name="Espace réservé du contenu 2">
@@ -35453,6 +35535,50 @@
           </a:prstGeom>
         </p:spPr>
       </p:pic>
+      <p:sp>
+        <p:nvSpPr>
+          <p:cNvPr id="5" name="ZoneTexte 4">
+            <a:extLst>
+              <a:ext uri="{FF2B5EF4-FFF2-40B4-BE49-F238E27FC236}">
+                <a16:creationId xmlns:a16="http://schemas.microsoft.com/office/drawing/2014/main" id="{A397B9E3-B7DB-4837-8406-B4EFBC5BD27D}"/>
+              </a:ext>
+            </a:extLst>
+          </p:cNvPr>
+          <p:cNvSpPr txBox="1"/>
+          <p:nvPr/>
+        </p:nvSpPr>
+        <p:spPr>
+          <a:xfrm>
+            <a:off x="5375943" y="6518792"/>
+            <a:ext cx="6633037" cy="338554"/>
+          </a:xfrm>
+          <a:prstGeom prst="rect">
+            <a:avLst/>
+          </a:prstGeom>
+          <a:noFill/>
+        </p:spPr>
+        <p:txBody>
+          <a:bodyPr wrap="square">
+            <a:spAutoFit/>
+          </a:bodyPr>
+          <a:lstStyle/>
+          <a:p>
+            <a:pPr marL="0" indent="0" algn="r">
+              <a:buNone/>
+            </a:pPr>
+            <a:r>
+              <a:rPr lang="fr-FR" sz="1600" dirty="0">
+                <a:solidFill>
+                  <a:schemeClr val="accent3">
+                    <a:lumMod val="75000"/>
+                  </a:schemeClr>
+                </a:solidFill>
+              </a:rPr>
+              <a:t>[illustration: https://www.geeksforgeeks.org/what-is-reinforcement-learning/</a:t>
+            </a:r>
+          </a:p>
+        </p:txBody>
+      </p:sp>
     </p:spTree>
     <p:extLst>
       <p:ext uri="{BB962C8B-B14F-4D97-AF65-F5344CB8AC3E}">
@@ -35483,8 +35609,8 @@
           <a:chExt cx="0" cy="0"/>
         </a:xfrm>
       </p:grpSpPr>
-      <mc:AlternateContent xmlns:mc="http://schemas.openxmlformats.org/markup-compatibility/2006">
-        <mc:Choice xmlns:a14="http://schemas.microsoft.com/office/drawing/2010/main" Requires="a14">
+      <mc:AlternateContent xmlns:mc="http://schemas.openxmlformats.org/markup-compatibility/2006" xmlns:a14="http://schemas.microsoft.com/office/drawing/2010/main">
+        <mc:Choice Requires="a14">
           <p:sp>
             <p:nvSpPr>
               <p:cNvPr id="3" name="Espace réservé du contenu 2">
@@ -35600,7 +35726,7 @@
                     <m:sSup>
                       <m:sSupPr>
                         <m:ctrlPr>
-                          <a:rPr lang="fr-FR" sz="2000" b="0" i="0" smtClean="0">
+                          <a:rPr lang="fr-FR" sz="2000" b="0" i="1" smtClean="0">
                             <a:latin typeface="Cambria Math" panose="02040503050406030204" pitchFamily="18" charset="0"/>
                           </a:rPr>
                         </m:ctrlPr>
@@ -36333,7 +36459,7 @@
             </p:txBody>
           </p:sp>
         </mc:Choice>
-        <mc:Fallback>
+        <mc:Fallback xmlns="">
           <p:sp>
             <p:nvSpPr>
               <p:cNvPr id="3" name="Espace réservé du contenu 2">
@@ -36407,8 +36533,8 @@
           <a:chExt cx="0" cy="0"/>
         </a:xfrm>
       </p:grpSpPr>
-      <mc:AlternateContent xmlns:mc="http://schemas.openxmlformats.org/markup-compatibility/2006">
-        <mc:Choice xmlns:a14="http://schemas.microsoft.com/office/drawing/2010/main" Requires="a14">
+      <mc:AlternateContent xmlns:mc="http://schemas.openxmlformats.org/markup-compatibility/2006" xmlns:a14="http://schemas.microsoft.com/office/drawing/2010/main">
+        <mc:Choice Requires="a14">
           <p:sp>
             <p:nvSpPr>
               <p:cNvPr id="3" name="Espace réservé du contenu 2">
@@ -36714,7 +36840,7 @@
                         <a:rPr lang="fr-FR" sz="2000" b="0" i="1" smtClean="0">
                           <a:latin typeface="Cambria Math" panose="02040503050406030204" pitchFamily="18" charset="0"/>
                         </a:rPr>
-                        <m:t> … </m:t>
+                        <m:t>+ … </m:t>
                       </m:r>
                     </m:oMath>
                   </m:oMathPara>
@@ -37490,7 +37616,7 @@
             </p:txBody>
           </p:sp>
         </mc:Choice>
-        <mc:Fallback>
+        <mc:Fallback xmlns="">
           <p:sp>
             <p:nvSpPr>
               <p:cNvPr id="3" name="Espace réservé du contenu 2">
@@ -37583,12 +37709,12 @@
         <p:spPr>
           <a:xfrm>
             <a:off x="537750" y="429086"/>
-            <a:ext cx="10839994" cy="6021978"/>
+            <a:ext cx="10839994" cy="5921272"/>
           </a:xfrm>
         </p:spPr>
         <p:txBody>
           <a:bodyPr>
-            <a:normAutofit/>
+            <a:normAutofit lnSpcReduction="10000"/>
           </a:bodyPr>
           <a:lstStyle/>
           <a:p>
@@ -37615,21 +37741,160 @@
           </a:p>
           <a:p>
             <a:r>
-              <a:rPr lang="fr-FR" sz="2000" dirty="0"/>
+              <a:rPr lang="fr-FR" sz="2000" dirty="0">
+                <a:solidFill>
+                  <a:schemeClr val="accent3">
+                    <a:lumMod val="75000"/>
+                  </a:schemeClr>
+                </a:solidFill>
+              </a:rPr>
               <a:t>Récompenses : -1 à chaque pas de temps</a:t>
             </a:r>
           </a:p>
           <a:p>
             <a:r>
-              <a:rPr lang="fr-FR" sz="2000" dirty="0"/>
+              <a:rPr lang="fr-FR" sz="2000" dirty="0">
+                <a:solidFill>
+                  <a:schemeClr val="accent3">
+                    <a:lumMod val="75000"/>
+                  </a:schemeClr>
+                </a:solidFill>
+              </a:rPr>
               <a:t>Actions : Gauche, Droite, Bas, Haut</a:t>
             </a:r>
           </a:p>
           <a:p>
             <a:r>
-              <a:rPr lang="fr-FR" sz="2000" dirty="0"/>
+              <a:rPr lang="fr-FR" sz="2000" dirty="0">
+                <a:solidFill>
+                  <a:schemeClr val="accent3">
+                    <a:lumMod val="75000"/>
+                  </a:schemeClr>
+                </a:solidFill>
+              </a:rPr>
               <a:t>Etats : position de l’agent</a:t>
             </a:r>
+          </a:p>
+          <a:p>
+            <a:endParaRPr lang="fr-FR" sz="2000" dirty="0">
+              <a:solidFill>
+                <a:schemeClr val="accent3">
+                  <a:lumMod val="75000"/>
+                </a:schemeClr>
+              </a:solidFill>
+            </a:endParaRPr>
+          </a:p>
+          <a:p>
+            <a:endParaRPr lang="fr-FR" sz="2000" dirty="0">
+              <a:solidFill>
+                <a:schemeClr val="accent3">
+                  <a:lumMod val="75000"/>
+                </a:schemeClr>
+              </a:solidFill>
+            </a:endParaRPr>
+          </a:p>
+          <a:p>
+            <a:endParaRPr lang="fr-FR" sz="2000" dirty="0">
+              <a:solidFill>
+                <a:schemeClr val="accent3">
+                  <a:lumMod val="75000"/>
+                </a:schemeClr>
+              </a:solidFill>
+            </a:endParaRPr>
+          </a:p>
+          <a:p>
+            <a:endParaRPr lang="fr-FR" sz="2000" dirty="0">
+              <a:solidFill>
+                <a:schemeClr val="accent3">
+                  <a:lumMod val="75000"/>
+                </a:schemeClr>
+              </a:solidFill>
+            </a:endParaRPr>
+          </a:p>
+          <a:p>
+            <a:endParaRPr lang="fr-FR" sz="2000" dirty="0">
+              <a:solidFill>
+                <a:schemeClr val="accent3">
+                  <a:lumMod val="75000"/>
+                </a:schemeClr>
+              </a:solidFill>
+            </a:endParaRPr>
+          </a:p>
+          <a:p>
+            <a:endParaRPr lang="fr-FR" sz="2000" dirty="0">
+              <a:solidFill>
+                <a:schemeClr val="accent3">
+                  <a:lumMod val="75000"/>
+                </a:schemeClr>
+              </a:solidFill>
+            </a:endParaRPr>
+          </a:p>
+          <a:p>
+            <a:endParaRPr lang="fr-FR" sz="2000" dirty="0">
+              <a:solidFill>
+                <a:schemeClr val="accent3">
+                  <a:lumMod val="75000"/>
+                </a:schemeClr>
+              </a:solidFill>
+            </a:endParaRPr>
+          </a:p>
+          <a:p>
+            <a:endParaRPr lang="fr-FR" sz="1800" u="sng" dirty="0">
+              <a:solidFill>
+                <a:schemeClr val="accent3">
+                  <a:lumMod val="75000"/>
+                </a:schemeClr>
+              </a:solidFill>
+            </a:endParaRPr>
+          </a:p>
+          <a:p>
+            <a:r>
+              <a:rPr lang="fr-FR" sz="1800" u="sng" dirty="0">
+                <a:solidFill>
+                  <a:schemeClr val="accent3">
+                    <a:lumMod val="75000"/>
+                  </a:schemeClr>
+                </a:solidFill>
+              </a:rPr>
+              <a:t>Remarque</a:t>
+            </a:r>
+            <a:r>
+              <a:rPr lang="fr-FR" sz="1800" dirty="0">
+                <a:solidFill>
+                  <a:schemeClr val="accent3">
+                    <a:lumMod val="75000"/>
+                  </a:schemeClr>
+                </a:solidFill>
+              </a:rPr>
+              <a:t> : ici (</a:t>
+            </a:r>
+            <a:r>
+              <a:rPr lang="fr-FR" sz="1800" b="1" dirty="0">
+                <a:solidFill>
+                  <a:schemeClr val="accent3">
+                    <a:lumMod val="75000"/>
+                  </a:schemeClr>
+                </a:solidFill>
+              </a:rPr>
+              <a:t>environnement déterministe</a:t>
+            </a:r>
+            <a:r>
+              <a:rPr lang="fr-FR" sz="1800" dirty="0">
+                <a:solidFill>
+                  <a:schemeClr val="accent3">
+                    <a:lumMod val="75000"/>
+                  </a:schemeClr>
+                </a:solidFill>
+              </a:rPr>
+              <a:t>) l’agent est sûr de se déplacer dans la direction qui correspond à sa demande. En stochastique, par exemple, on considère une probabilité de « glisser » dans une mauvaise direction.</a:t>
+            </a:r>
+            <a:endParaRPr lang="fr-FR" sz="2000" dirty="0">
+              <a:solidFill>
+                <a:schemeClr val="accent3">
+                  <a:lumMod val="75000"/>
+                </a:schemeClr>
+              </a:solidFill>
+            </a:endParaRPr>
           </a:p>
           <a:p>
             <a:endParaRPr lang="fr-FR" sz="2000" dirty="0"/>
@@ -37645,24 +37910,6 @@
           </a:p>
           <a:p>
             <a:endParaRPr lang="fr-FR" sz="2000" dirty="0"/>
-          </a:p>
-          <a:p>
-            <a:endParaRPr lang="fr-FR" sz="2000" dirty="0"/>
-          </a:p>
-          <a:p>
-            <a:endParaRPr lang="fr-FR" sz="2000" dirty="0"/>
-          </a:p>
-          <a:p>
-            <a:endParaRPr lang="fr-FR" sz="2000" dirty="0"/>
-          </a:p>
-          <a:p>
-            <a:pPr marL="0" indent="0" algn="r">
-              <a:buNone/>
-            </a:pPr>
-            <a:r>
-              <a:rPr lang="fr-FR" sz="1600" dirty="0"/>
-              <a:t>[https://www.davidsilver.uk/teaching/]</a:t>
-            </a:r>
           </a:p>
           <a:p>
             <a:pPr marL="0" indent="0">
@@ -37708,6 +37955,50 @@
           </a:prstGeom>
         </p:spPr>
       </p:pic>
+      <p:sp>
+        <p:nvSpPr>
+          <p:cNvPr id="7" name="ZoneTexte 6">
+            <a:extLst>
+              <a:ext uri="{FF2B5EF4-FFF2-40B4-BE49-F238E27FC236}">
+                <a16:creationId xmlns:a16="http://schemas.microsoft.com/office/drawing/2014/main" id="{5594FB4A-1116-4347-943C-913AA97830F6}"/>
+              </a:ext>
+            </a:extLst>
+          </p:cNvPr>
+          <p:cNvSpPr txBox="1"/>
+          <p:nvPr/>
+        </p:nvSpPr>
+        <p:spPr>
+          <a:xfrm>
+            <a:off x="5375943" y="6518792"/>
+            <a:ext cx="6633037" cy="338554"/>
+          </a:xfrm>
+          <a:prstGeom prst="rect">
+            <a:avLst/>
+          </a:prstGeom>
+          <a:noFill/>
+        </p:spPr>
+        <p:txBody>
+          <a:bodyPr wrap="square">
+            <a:spAutoFit/>
+          </a:bodyPr>
+          <a:lstStyle/>
+          <a:p>
+            <a:pPr marL="0" indent="0" algn="r">
+              <a:buNone/>
+            </a:pPr>
+            <a:r>
+              <a:rPr lang="fr-FR" sz="1600" dirty="0">
+                <a:solidFill>
+                  <a:schemeClr val="accent3">
+                    <a:lumMod val="75000"/>
+                  </a:schemeClr>
+                </a:solidFill>
+              </a:rPr>
+              <a:t>[illustration: https://www.davidsilver.uk/teaching/]</a:t>
+            </a:r>
+          </a:p>
+        </p:txBody>
+      </p:sp>
     </p:spTree>
     <p:extLst>
       <p:ext uri="{BB962C8B-B14F-4D97-AF65-F5344CB8AC3E}">
@@ -37790,8 +38081,17 @@
                 <a:endParaRPr lang="fr-FR" sz="2000" dirty="0"/>
               </a:p>
               <a:p>
-                <a:r>
-                  <a:rPr lang="fr-FR" sz="2000" dirty="0"/>
+                <a:pPr marL="0" indent="0">
+                  <a:buNone/>
+                </a:pPr>
+                <a:r>
+                  <a:rPr lang="fr-FR" sz="2000" dirty="0">
+                    <a:solidFill>
+                      <a:schemeClr val="accent3">
+                        <a:lumMod val="75000"/>
+                      </a:schemeClr>
+                    </a:solidFill>
+                  </a:rPr>
                   <a:t>Politique optimale </a:t>
                 </a:r>
                 <a14:m>
@@ -37800,6 +38100,11 @@
                       <m:sSupPr>
                         <m:ctrlPr>
                           <a:rPr lang="fr-FR" sz="2000" b="0" i="1" smtClean="0">
+                            <a:solidFill>
+                              <a:schemeClr val="accent3">
+                                <a:lumMod val="75000"/>
+                              </a:schemeClr>
+                            </a:solidFill>
                             <a:latin typeface="Cambria Math" panose="02040503050406030204" pitchFamily="18" charset="0"/>
                           </a:rPr>
                         </m:ctrlPr>
@@ -37807,6 +38112,11 @@
                       <m:e>
                         <m:r>
                           <a:rPr lang="fr-FR" sz="2000" b="0" i="1" smtClean="0">
+                            <a:solidFill>
+                              <a:schemeClr val="accent3">
+                                <a:lumMod val="75000"/>
+                              </a:schemeClr>
+                            </a:solidFill>
                             <a:latin typeface="Cambria Math" panose="02040503050406030204" pitchFamily="18" charset="0"/>
                           </a:rPr>
                           <m:t>𝜋</m:t>
@@ -37815,6 +38125,11 @@
                       <m:sup>
                         <m:r>
                           <a:rPr lang="fr-FR" sz="2000" b="0" i="1" smtClean="0">
+                            <a:solidFill>
+                              <a:schemeClr val="accent3">
+                                <a:lumMod val="75000"/>
+                              </a:schemeClr>
+                            </a:solidFill>
                             <a:latin typeface="Cambria Math" panose="02040503050406030204" pitchFamily="18" charset="0"/>
                           </a:rPr>
                           <m:t>∗</m:t>
@@ -37823,7 +38138,165 @@
                     </m:sSup>
                   </m:oMath>
                 </a14:m>
-                <a:endParaRPr lang="fr-FR" sz="2000" dirty="0"/>
+                <a:r>
+                  <a:rPr lang="fr-FR" sz="2000" dirty="0">
+                    <a:solidFill>
+                      <a:schemeClr val="accent3">
+                        <a:lumMod val="75000"/>
+                      </a:schemeClr>
+                    </a:solidFill>
+                  </a:rPr>
+                  <a:t> :</a:t>
+                </a:r>
+              </a:p>
+              <a:p>
+                <a:r>
+                  <a:rPr lang="fr-FR" sz="2000" dirty="0">
+                    <a:solidFill>
+                      <a:schemeClr val="accent3">
+                        <a:lumMod val="75000"/>
+                      </a:schemeClr>
+                    </a:solidFill>
+                  </a:rPr>
+                  <a:t>sortir du labyrinthe le plus vite possible</a:t>
+                </a:r>
+              </a:p>
+              <a:p>
+                <a:r>
+                  <a:rPr lang="fr-FR" sz="2000" dirty="0">
+                    <a:solidFill>
+                      <a:schemeClr val="accent3">
+                        <a:lumMod val="75000"/>
+                      </a:schemeClr>
+                    </a:solidFill>
+                  </a:rPr>
+                  <a:t>e.g. </a:t>
+                </a:r>
+                <a14:m>
+                  <m:oMath xmlns:m="http://schemas.openxmlformats.org/officeDocument/2006/math">
+                    <m:sSup>
+                      <m:sSupPr>
+                        <m:ctrlPr>
+                          <a:rPr lang="fr-FR" sz="2000" b="0" i="1" smtClean="0">
+                            <a:solidFill>
+                              <a:schemeClr val="accent3">
+                                <a:lumMod val="75000"/>
+                              </a:schemeClr>
+                            </a:solidFill>
+                            <a:latin typeface="Cambria Math" panose="02040503050406030204" pitchFamily="18" charset="0"/>
+                          </a:rPr>
+                        </m:ctrlPr>
+                      </m:sSupPr>
+                      <m:e>
+                        <m:r>
+                          <a:rPr lang="fr-FR" sz="2000" b="0" i="1" smtClean="0">
+                            <a:solidFill>
+                              <a:schemeClr val="accent3">
+                                <a:lumMod val="75000"/>
+                              </a:schemeClr>
+                            </a:solidFill>
+                            <a:latin typeface="Cambria Math" panose="02040503050406030204" pitchFamily="18" charset="0"/>
+                          </a:rPr>
+                          <m:t>𝜋</m:t>
+                        </m:r>
+                      </m:e>
+                      <m:sup>
+                        <m:r>
+                          <a:rPr lang="fr-FR" sz="2000" b="0" i="1" smtClean="0">
+                            <a:solidFill>
+                              <a:schemeClr val="accent3">
+                                <a:lumMod val="75000"/>
+                              </a:schemeClr>
+                            </a:solidFill>
+                            <a:latin typeface="Cambria Math" panose="02040503050406030204" pitchFamily="18" charset="0"/>
+                          </a:rPr>
+                          <m:t>∗</m:t>
+                        </m:r>
+                      </m:sup>
+                    </m:sSup>
+                    <m:d>
+                      <m:dPr>
+                        <m:ctrlPr>
+                          <a:rPr lang="fr-FR" sz="2000" b="0" i="1" smtClean="0">
+                            <a:solidFill>
+                              <a:schemeClr val="accent3">
+                                <a:lumMod val="75000"/>
+                              </a:schemeClr>
+                            </a:solidFill>
+                            <a:latin typeface="Cambria Math" panose="02040503050406030204" pitchFamily="18" charset="0"/>
+                          </a:rPr>
+                        </m:ctrlPr>
+                      </m:dPr>
+                      <m:e>
+                        <m:r>
+                          <a:rPr lang="fr-FR" sz="2000" b="0" i="1" smtClean="0">
+                            <a:solidFill>
+                              <a:schemeClr val="accent3">
+                                <a:lumMod val="75000"/>
+                              </a:schemeClr>
+                            </a:solidFill>
+                            <a:latin typeface="Cambria Math" panose="02040503050406030204" pitchFamily="18" charset="0"/>
+                          </a:rPr>
+                          <m:t>𝑠</m:t>
+                        </m:r>
+                        <m:r>
+                          <a:rPr lang="fr-FR" sz="2000" b="0" i="1" smtClean="0">
+                            <a:solidFill>
+                              <a:schemeClr val="accent3">
+                                <a:lumMod val="75000"/>
+                              </a:schemeClr>
+                            </a:solidFill>
+                            <a:latin typeface="Cambria Math" panose="02040503050406030204" pitchFamily="18" charset="0"/>
+                          </a:rPr>
+                          <m:t>=</m:t>
+                        </m:r>
+                        <m:r>
+                          <a:rPr lang="fr-FR" sz="2000" b="0" i="1" smtClean="0">
+                            <a:solidFill>
+                              <a:schemeClr val="accent3">
+                                <a:lumMod val="75000"/>
+                              </a:schemeClr>
+                            </a:solidFill>
+                            <a:latin typeface="Cambria Math" panose="02040503050406030204" pitchFamily="18" charset="0"/>
+                          </a:rPr>
+                          <m:t>𝑆𝑡𝑎𝑟𝑡</m:t>
+                        </m:r>
+                      </m:e>
+                    </m:d>
+                    <m:r>
+                      <a:rPr lang="fr-FR" sz="2000" b="0" i="1" smtClean="0">
+                        <a:solidFill>
+                          <a:schemeClr val="accent3">
+                            <a:lumMod val="75000"/>
+                          </a:schemeClr>
+                        </a:solidFill>
+                        <a:latin typeface="Cambria Math" panose="02040503050406030204" pitchFamily="18" charset="0"/>
+                      </a:rPr>
+                      <m:t>=</m:t>
+                    </m:r>
+                    <m:r>
+                      <a:rPr lang="fr-FR" sz="2000" b="0" i="1" smtClean="0">
+                        <a:solidFill>
+                          <a:schemeClr val="accent3">
+                            <a:lumMod val="75000"/>
+                          </a:schemeClr>
+                        </a:solidFill>
+                        <a:latin typeface="Cambria Math" panose="02040503050406030204" pitchFamily="18" charset="0"/>
+                      </a:rPr>
+                      <m:t>𝐷𝑟𝑜𝑖𝑡𝑒</m:t>
+                    </m:r>
+                  </m:oMath>
+                </a14:m>
+                <a:r>
+                  <a:rPr lang="fr-FR" sz="2000" dirty="0">
+                    <a:solidFill>
+                      <a:schemeClr val="accent3">
+                        <a:lumMod val="75000"/>
+                      </a:schemeClr>
+                    </a:solidFill>
+                  </a:rPr>
+                  <a:t> </a:t>
+                </a:r>
               </a:p>
               <a:p>
                 <a:pPr marL="0" indent="0">
@@ -37914,6 +38387,50 @@
           </a:prstGeom>
         </p:spPr>
       </p:pic>
+      <p:sp>
+        <p:nvSpPr>
+          <p:cNvPr id="4" name="ZoneTexte 3">
+            <a:extLst>
+              <a:ext uri="{FF2B5EF4-FFF2-40B4-BE49-F238E27FC236}">
+                <a16:creationId xmlns:a16="http://schemas.microsoft.com/office/drawing/2014/main" id="{7F0609D7-2A26-4250-A3A2-7C0C03244B7A}"/>
+              </a:ext>
+            </a:extLst>
+          </p:cNvPr>
+          <p:cNvSpPr txBox="1"/>
+          <p:nvPr/>
+        </p:nvSpPr>
+        <p:spPr>
+          <a:xfrm>
+            <a:off x="5375943" y="6518792"/>
+            <a:ext cx="6633037" cy="338554"/>
+          </a:xfrm>
+          <a:prstGeom prst="rect">
+            <a:avLst/>
+          </a:prstGeom>
+          <a:noFill/>
+        </p:spPr>
+        <p:txBody>
+          <a:bodyPr wrap="square">
+            <a:spAutoFit/>
+          </a:bodyPr>
+          <a:lstStyle/>
+          <a:p>
+            <a:pPr marL="0" indent="0" algn="r">
+              <a:buNone/>
+            </a:pPr>
+            <a:r>
+              <a:rPr lang="fr-FR" sz="1600" dirty="0">
+                <a:solidFill>
+                  <a:schemeClr val="accent3">
+                    <a:lumMod val="75000"/>
+                  </a:schemeClr>
+                </a:solidFill>
+              </a:rPr>
+              <a:t>[illustration: https://www.davidsilver.uk/teaching/]</a:t>
+            </a:r>
+          </a:p>
+        </p:txBody>
+      </p:sp>
     </p:spTree>
     <p:extLst>
       <p:ext uri="{BB962C8B-B14F-4D97-AF65-F5344CB8AC3E}">
@@ -37964,7 +38481,7 @@
             </p:nvSpPr>
             <p:spPr>
               <a:xfrm>
-                <a:off x="537750" y="429086"/>
+                <a:off x="537750" y="412308"/>
                 <a:ext cx="10839994" cy="6021978"/>
               </a:xfrm>
             </p:spPr>
@@ -37996,8 +38513,17 @@
                 <a:endParaRPr lang="fr-FR" sz="2000" dirty="0"/>
               </a:p>
               <a:p>
-                <a:r>
-                  <a:rPr lang="fr-FR" sz="2000" dirty="0"/>
+                <a:pPr marL="0" indent="0">
+                  <a:buNone/>
+                </a:pPr>
+                <a:r>
+                  <a:rPr lang="fr-FR" sz="2000" dirty="0">
+                    <a:solidFill>
+                      <a:schemeClr val="accent3">
+                        <a:lumMod val="75000"/>
+                      </a:schemeClr>
+                    </a:solidFill>
+                  </a:rPr>
                   <a:t>Valeur des états </a:t>
                 </a:r>
                 <a14:m>
@@ -38006,6 +38532,11 @@
                       <m:sSubPr>
                         <m:ctrlPr>
                           <a:rPr lang="fr-FR" sz="2000" b="0" i="1" smtClean="0">
+                            <a:solidFill>
+                              <a:schemeClr val="accent3">
+                                <a:lumMod val="75000"/>
+                              </a:schemeClr>
+                            </a:solidFill>
                             <a:latin typeface="Cambria Math" panose="02040503050406030204" pitchFamily="18" charset="0"/>
                           </a:rPr>
                         </m:ctrlPr>
@@ -38013,6 +38544,11 @@
                       <m:e>
                         <m:r>
                           <a:rPr lang="fr-FR" sz="2000" b="0" i="1" smtClean="0">
+                            <a:solidFill>
+                              <a:schemeClr val="accent3">
+                                <a:lumMod val="75000"/>
+                              </a:schemeClr>
+                            </a:solidFill>
                             <a:latin typeface="Cambria Math" panose="02040503050406030204" pitchFamily="18" charset="0"/>
                           </a:rPr>
                           <m:t>𝑉</m:t>
@@ -38023,6 +38559,11 @@
                           <m:sSupPr>
                             <m:ctrlPr>
                               <a:rPr lang="fr-FR" sz="2000" b="0" i="1" smtClean="0">
+                                <a:solidFill>
+                                  <a:schemeClr val="accent3">
+                                    <a:lumMod val="75000"/>
+                                  </a:schemeClr>
+                                </a:solidFill>
                                 <a:latin typeface="Cambria Math" panose="02040503050406030204" pitchFamily="18" charset="0"/>
                               </a:rPr>
                             </m:ctrlPr>
@@ -38030,6 +38571,11 @@
                           <m:e>
                             <m:r>
                               <a:rPr lang="fr-FR" sz="2000" b="0" i="1" smtClean="0">
+                                <a:solidFill>
+                                  <a:schemeClr val="accent3">
+                                    <a:lumMod val="75000"/>
+                                  </a:schemeClr>
+                                </a:solidFill>
                                 <a:latin typeface="Cambria Math" panose="02040503050406030204" pitchFamily="18" charset="0"/>
                               </a:rPr>
                               <m:t>𝜋</m:t>
@@ -38038,6 +38584,11 @@
                           <m:sup>
                             <m:r>
                               <a:rPr lang="fr-FR" sz="2000" b="0" i="1" smtClean="0">
+                                <a:solidFill>
+                                  <a:schemeClr val="accent3">
+                                    <a:lumMod val="75000"/>
+                                  </a:schemeClr>
+                                </a:solidFill>
                                 <a:latin typeface="Cambria Math" panose="02040503050406030204" pitchFamily="18" charset="0"/>
                               </a:rPr>
                               <m:t>∗</m:t>
@@ -38048,65 +38599,143 @@
                     </m:sSub>
                   </m:oMath>
                 </a14:m>
-                <a:endParaRPr lang="fr-FR" sz="2000" dirty="0"/>
-              </a:p>
-              <a:p>
-                <a:endParaRPr lang="fr-FR" sz="2000" dirty="0"/>
+                <a:r>
+                  <a:rPr lang="fr-FR" sz="2000" dirty="0">
+                    <a:solidFill>
+                      <a:schemeClr val="accent3">
+                        <a:lumMod val="75000"/>
+                      </a:schemeClr>
+                    </a:solidFill>
+                  </a:rPr>
+                  <a:t> :</a:t>
+                </a:r>
+              </a:p>
+              <a:p>
+                <a:endParaRPr lang="fr-FR" sz="2000" dirty="0">
+                  <a:solidFill>
+                    <a:schemeClr val="accent3">
+                      <a:lumMod val="75000"/>
+                    </a:schemeClr>
+                  </a:solidFill>
+                </a:endParaRPr>
               </a:p>
               <a:p>
                 <a:pPr marL="0" indent="0">
                   <a:buNone/>
                 </a:pPr>
-                <a:endParaRPr lang="fr-FR" sz="2000" dirty="0"/>
+                <a:endParaRPr lang="fr-FR" sz="2000" dirty="0">
+                  <a:solidFill>
+                    <a:schemeClr val="accent3">
+                      <a:lumMod val="75000"/>
+                    </a:schemeClr>
+                  </a:solidFill>
+                </a:endParaRPr>
               </a:p>
               <a:p>
                 <a:pPr marL="0" indent="0">
                   <a:buNone/>
                 </a:pPr>
-                <a:endParaRPr lang="fr-FR" sz="2000" dirty="0"/>
+                <a:endParaRPr lang="fr-FR" sz="2000" dirty="0">
+                  <a:solidFill>
+                    <a:schemeClr val="accent3">
+                      <a:lumMod val="75000"/>
+                    </a:schemeClr>
+                  </a:solidFill>
+                </a:endParaRPr>
               </a:p>
               <a:p>
                 <a:pPr marL="0" indent="0">
                   <a:buNone/>
                 </a:pPr>
-                <a:endParaRPr lang="fr-FR" sz="2000" dirty="0"/>
+                <a:endParaRPr lang="fr-FR" sz="2000" dirty="0">
+                  <a:solidFill>
+                    <a:schemeClr val="accent3">
+                      <a:lumMod val="75000"/>
+                    </a:schemeClr>
+                  </a:solidFill>
+                </a:endParaRPr>
               </a:p>
               <a:p>
                 <a:pPr marL="0" indent="0">
                   <a:buNone/>
                 </a:pPr>
-                <a:endParaRPr lang="fr-FR" sz="2000" dirty="0"/>
+                <a:endParaRPr lang="fr-FR" sz="2000" dirty="0">
+                  <a:solidFill>
+                    <a:schemeClr val="accent3">
+                      <a:lumMod val="75000"/>
+                    </a:schemeClr>
+                  </a:solidFill>
+                </a:endParaRPr>
               </a:p>
               <a:p>
                 <a:pPr marL="0" indent="0">
                   <a:buNone/>
                 </a:pPr>
-                <a:endParaRPr lang="fr-FR" sz="2000" dirty="0"/>
+                <a:endParaRPr lang="fr-FR" sz="2000" dirty="0">
+                  <a:solidFill>
+                    <a:schemeClr val="accent3">
+                      <a:lumMod val="75000"/>
+                    </a:schemeClr>
+                  </a:solidFill>
+                </a:endParaRPr>
               </a:p>
               <a:p>
                 <a:pPr marL="0" indent="0">
                   <a:buNone/>
                 </a:pPr>
-                <a:endParaRPr lang="fr-FR" sz="2000" dirty="0"/>
+                <a:endParaRPr lang="fr-FR" sz="2000" dirty="0">
+                  <a:solidFill>
+                    <a:schemeClr val="accent3">
+                      <a:lumMod val="75000"/>
+                    </a:schemeClr>
+                  </a:solidFill>
+                </a:endParaRPr>
               </a:p>
               <a:p>
                 <a:pPr marL="0" indent="0">
                   <a:buNone/>
                 </a:pPr>
-                <a:endParaRPr lang="fr-FR" sz="2000" dirty="0"/>
+                <a:endParaRPr lang="fr-FR" sz="2000" dirty="0">
+                  <a:solidFill>
+                    <a:schemeClr val="accent3">
+                      <a:lumMod val="75000"/>
+                    </a:schemeClr>
+                  </a:solidFill>
+                </a:endParaRPr>
               </a:p>
               <a:p>
                 <a:pPr marL="0" indent="0">
                   <a:buNone/>
                 </a:pPr>
                 <a:r>
-                  <a:rPr lang="fr-FR" sz="2000" dirty="0"/>
-                  <a:t>On représente les lignes par des lettres et les colonnes par des chiffres, e.g. </a:t>
+                  <a:rPr lang="fr-FR" sz="2000" u="sng" dirty="0">
+                    <a:solidFill>
+                      <a:schemeClr val="accent3">
+                        <a:lumMod val="75000"/>
+                      </a:schemeClr>
+                    </a:solidFill>
+                  </a:rPr>
+                  <a:t>Questions</a:t>
+                </a:r>
+                <a:r>
+                  <a:rPr lang="fr-FR" sz="2000" dirty="0">
+                    <a:solidFill>
+                      <a:schemeClr val="accent3">
+                        <a:lumMod val="75000"/>
+                      </a:schemeClr>
+                    </a:solidFill>
+                  </a:rPr>
+                  <a:t> : On représente les lignes par des lettres et les colonnes par des chiffres, e.g. </a:t>
                 </a:r>
                 <a14:m>
                   <m:oMath xmlns:m="http://schemas.openxmlformats.org/officeDocument/2006/math">
                     <m:r>
-                      <a:rPr lang="fr-FR" sz="2000" b="0" i="1" smtClean="0">
+                      <a:rPr lang="fr-FR" sz="2000" i="1">
+                        <a:solidFill>
+                          <a:schemeClr val="accent3">
+                            <a:lumMod val="75000"/>
+                          </a:schemeClr>
+                        </a:solidFill>
                         <a:latin typeface="Cambria Math" panose="02040503050406030204" pitchFamily="18" charset="0"/>
                       </a:rPr>
                       <m:t>𝑉</m:t>
@@ -38114,20 +38743,35 @@
                     <m:d>
                       <m:dPr>
                         <m:ctrlPr>
-                          <a:rPr lang="fr-FR" sz="2000" b="0" i="1" smtClean="0">
+                          <a:rPr lang="fr-FR" sz="2000" i="1">
+                            <a:solidFill>
+                              <a:schemeClr val="accent3">
+                                <a:lumMod val="75000"/>
+                              </a:schemeClr>
+                            </a:solidFill>
                             <a:latin typeface="Cambria Math" panose="02040503050406030204" pitchFamily="18" charset="0"/>
                           </a:rPr>
                         </m:ctrlPr>
                       </m:dPr>
                       <m:e>
                         <m:r>
-                          <a:rPr lang="fr-FR" sz="2000" b="0" i="1" smtClean="0">
+                          <a:rPr lang="fr-FR" sz="2000" i="1">
+                            <a:solidFill>
+                              <a:schemeClr val="accent3">
+                                <a:lumMod val="75000"/>
+                              </a:schemeClr>
+                            </a:solidFill>
                             <a:latin typeface="Cambria Math" panose="02040503050406030204" pitchFamily="18" charset="0"/>
                           </a:rPr>
                           <m:t>𝑐</m:t>
                         </m:r>
                         <m:r>
-                          <a:rPr lang="fr-FR" sz="2000" b="0" i="1" smtClean="0">
+                          <a:rPr lang="fr-FR" sz="2000" i="1">
+                            <a:solidFill>
+                              <a:schemeClr val="accent3">
+                                <a:lumMod val="75000"/>
+                              </a:schemeClr>
+                            </a:solidFill>
                             <a:latin typeface="Cambria Math" panose="02040503050406030204" pitchFamily="18" charset="0"/>
                           </a:rPr>
                           <m:t>3</m:t>
@@ -38135,7 +38779,12 @@
                       </m:e>
                     </m:d>
                     <m:r>
-                      <a:rPr lang="fr-FR" sz="2000" b="0" i="1" smtClean="0">
+                      <a:rPr lang="fr-FR" sz="2000" i="1">
+                        <a:solidFill>
+                          <a:schemeClr val="accent3">
+                            <a:lumMod val="75000"/>
+                          </a:schemeClr>
+                        </a:solidFill>
                         <a:latin typeface="Cambria Math" panose="02040503050406030204" pitchFamily="18" charset="0"/>
                       </a:rPr>
                       <m:t>=−16</m:t>
@@ -38143,13 +38792,24 @@
                   </m:oMath>
                 </a14:m>
                 <a:r>
-                  <a:rPr lang="fr-FR" sz="2000" dirty="0"/>
+                  <a:rPr lang="fr-FR" sz="2000" dirty="0">
+                    <a:solidFill>
+                      <a:schemeClr val="accent3">
+                        <a:lumMod val="75000"/>
+                      </a:schemeClr>
+                    </a:solidFill>
+                  </a:rPr>
                   <a:t> et </a:t>
                 </a:r>
                 <a14:m>
                   <m:oMath xmlns:m="http://schemas.openxmlformats.org/officeDocument/2006/math">
                     <m:r>
-                      <a:rPr lang="fr-FR" sz="2000" b="0" i="1" smtClean="0">
+                      <a:rPr lang="fr-FR" sz="2000" i="1">
+                        <a:solidFill>
+                          <a:schemeClr val="accent3">
+                            <a:lumMod val="75000"/>
+                          </a:schemeClr>
+                        </a:solidFill>
                         <a:latin typeface="Cambria Math" panose="02040503050406030204" pitchFamily="18" charset="0"/>
                       </a:rPr>
                       <m:t>𝑉</m:t>
@@ -38157,20 +38817,35 @@
                     <m:d>
                       <m:dPr>
                         <m:ctrlPr>
-                          <a:rPr lang="fr-FR" sz="2000" b="0" i="1" smtClean="0">
+                          <a:rPr lang="fr-FR" sz="2000" i="1">
+                            <a:solidFill>
+                              <a:schemeClr val="accent3">
+                                <a:lumMod val="75000"/>
+                              </a:schemeClr>
+                            </a:solidFill>
                             <a:latin typeface="Cambria Math" panose="02040503050406030204" pitchFamily="18" charset="0"/>
                           </a:rPr>
                         </m:ctrlPr>
                       </m:dPr>
                       <m:e>
                         <m:r>
-                          <a:rPr lang="fr-FR" sz="2000" b="0" i="1" smtClean="0">
+                          <a:rPr lang="fr-FR" sz="2000" i="1">
+                            <a:solidFill>
+                              <a:schemeClr val="accent3">
+                                <a:lumMod val="75000"/>
+                              </a:schemeClr>
+                            </a:solidFill>
                             <a:latin typeface="Cambria Math" panose="02040503050406030204" pitchFamily="18" charset="0"/>
                           </a:rPr>
                           <m:t>𝑐</m:t>
                         </m:r>
                         <m:r>
-                          <a:rPr lang="fr-FR" sz="2000" b="0" i="1" smtClean="0">
+                          <a:rPr lang="fr-FR" sz="2000" i="1">
+                            <a:solidFill>
+                              <a:schemeClr val="accent3">
+                                <a:lumMod val="75000"/>
+                              </a:schemeClr>
+                            </a:solidFill>
                             <a:latin typeface="Cambria Math" panose="02040503050406030204" pitchFamily="18" charset="0"/>
                           </a:rPr>
                           <m:t>4</m:t>
@@ -38178,7 +38853,12 @@
                       </m:e>
                     </m:d>
                     <m:r>
-                      <a:rPr lang="fr-FR" sz="2000" b="0" i="1" smtClean="0">
+                      <a:rPr lang="fr-FR" sz="2000" i="1">
+                        <a:solidFill>
+                          <a:schemeClr val="accent3">
+                            <a:lumMod val="75000"/>
+                          </a:schemeClr>
+                        </a:solidFill>
                         <a:latin typeface="Cambria Math" panose="02040503050406030204" pitchFamily="18" charset="0"/>
                       </a:rPr>
                       <m:t>=−15</m:t>
@@ -38186,56 +38866,100 @@
                   </m:oMath>
                 </a14:m>
                 <a:r>
-                  <a:rPr lang="fr-FR" sz="2000" dirty="0"/>
-                  <a:t>.</a:t>
-                </a:r>
-              </a:p>
-              <a:p>
-                <a:pPr marL="0" indent="0">
-                  <a:buNone/>
-                </a:pPr>
-                <a:r>
-                  <a:rPr lang="fr-FR" sz="2000" u="sng" dirty="0"/>
-                  <a:t>Questions</a:t>
-                </a:r>
-                <a:r>
-                  <a:rPr lang="fr-FR" sz="2000" dirty="0"/>
-                  <a:t> : quelle vaut </a:t>
+                  <a:rPr lang="fr-FR" sz="2000" dirty="0">
+                    <a:solidFill>
+                      <a:schemeClr val="accent3">
+                        <a:lumMod val="75000"/>
+                      </a:schemeClr>
+                    </a:solidFill>
+                  </a:rPr>
+                  <a:t>. </a:t>
+                </a:r>
+                <a:r>
+                  <a:rPr lang="fr-FR" sz="2000" b="1" dirty="0">
+                    <a:solidFill>
+                      <a:schemeClr val="accent3">
+                        <a:lumMod val="75000"/>
+                      </a:schemeClr>
+                    </a:solidFill>
+                  </a:rPr>
+                  <a:t>Que vaut </a:t>
                 </a:r>
                 <a14:m>
                   <m:oMath xmlns:m="http://schemas.openxmlformats.org/officeDocument/2006/math">
                     <m:r>
-                      <a:rPr lang="fr-FR" sz="2000" b="0" i="1" smtClean="0">
+                      <a:rPr lang="fr-FR" sz="2000" b="1" i="1" smtClean="0">
+                        <a:solidFill>
+                          <a:schemeClr val="accent3">
+                            <a:lumMod val="75000"/>
+                          </a:schemeClr>
+                        </a:solidFill>
                         <a:latin typeface="Cambria Math" panose="02040503050406030204" pitchFamily="18" charset="0"/>
                       </a:rPr>
-                      <m:t>𝑄</m:t>
+                      <m:t>𝑸</m:t>
                     </m:r>
                     <m:r>
-                      <a:rPr lang="fr-FR" sz="2000" b="0" i="1" smtClean="0">
+                      <a:rPr lang="fr-FR" sz="2000" b="1" i="1" smtClean="0">
+                        <a:solidFill>
+                          <a:schemeClr val="accent3">
+                            <a:lumMod val="75000"/>
+                          </a:schemeClr>
+                        </a:solidFill>
                         <a:latin typeface="Cambria Math" panose="02040503050406030204" pitchFamily="18" charset="0"/>
                       </a:rPr>
                       <m:t>(</m:t>
                     </m:r>
                     <m:r>
-                      <a:rPr lang="fr-FR" sz="2000" b="0" i="1" smtClean="0">
+                      <a:rPr lang="fr-FR" sz="2000" b="1" i="1" smtClean="0">
+                        <a:solidFill>
+                          <a:schemeClr val="accent3">
+                            <a:lumMod val="75000"/>
+                          </a:schemeClr>
+                        </a:solidFill>
                         <a:latin typeface="Cambria Math" panose="02040503050406030204" pitchFamily="18" charset="0"/>
                       </a:rPr>
-                      <m:t>𝑐</m:t>
+                      <m:t>𝒄</m:t>
                     </m:r>
                     <m:r>
-                      <a:rPr lang="fr-FR" sz="2000" b="0" i="1" smtClean="0">
+                      <a:rPr lang="fr-FR" sz="2000" b="1" i="1" smtClean="0">
+                        <a:solidFill>
+                          <a:schemeClr val="accent3">
+                            <a:lumMod val="75000"/>
+                          </a:schemeClr>
+                        </a:solidFill>
                         <a:latin typeface="Cambria Math" panose="02040503050406030204" pitchFamily="18" charset="0"/>
                       </a:rPr>
-                      <m:t>3, </m:t>
+                      <m:t>𝟑</m:t>
                     </m:r>
                     <m:r>
-                      <a:rPr lang="fr-FR" sz="2000" b="0" i="1" smtClean="0">
+                      <a:rPr lang="fr-FR" sz="2000" b="1" i="1" smtClean="0">
+                        <a:solidFill>
+                          <a:schemeClr val="accent3">
+                            <a:lumMod val="75000"/>
+                          </a:schemeClr>
+                        </a:solidFill>
                         <a:latin typeface="Cambria Math" panose="02040503050406030204" pitchFamily="18" charset="0"/>
                       </a:rPr>
-                      <m:t>𝐷𝑟𝑜𝑖𝑡𝑒</m:t>
+                      <m:t>, </m:t>
                     </m:r>
                     <m:r>
-                      <a:rPr lang="fr-FR" sz="2000" b="0" i="1" smtClean="0">
+                      <a:rPr lang="fr-FR" sz="2000" b="1" i="1" smtClean="0">
+                        <a:solidFill>
+                          <a:schemeClr val="accent3">
+                            <a:lumMod val="75000"/>
+                          </a:schemeClr>
+                        </a:solidFill>
+                        <a:latin typeface="Cambria Math" panose="02040503050406030204" pitchFamily="18" charset="0"/>
+                      </a:rPr>
+                      <m:t>𝑫𝒓𝒐𝒊𝒕𝒆</m:t>
+                    </m:r>
+                    <m:r>
+                      <a:rPr lang="fr-FR" sz="2000" b="1" i="1" smtClean="0">
+                        <a:solidFill>
+                          <a:schemeClr val="accent3">
+                            <a:lumMod val="75000"/>
+                          </a:schemeClr>
+                        </a:solidFill>
                         <a:latin typeface="Cambria Math" panose="02040503050406030204" pitchFamily="18" charset="0"/>
                       </a:rPr>
                       <m:t>)</m:t>
@@ -38243,43 +38967,90 @@
                   </m:oMath>
                 </a14:m>
                 <a:r>
-                  <a:rPr lang="fr-FR" sz="2000" dirty="0"/>
+                  <a:rPr lang="fr-FR" sz="2000" b="1" dirty="0">
+                    <a:solidFill>
+                      <a:schemeClr val="accent3">
+                        <a:lumMod val="75000"/>
+                      </a:schemeClr>
+                    </a:solidFill>
+                  </a:rPr>
                   <a:t> ? </a:t>
                 </a:r>
                 <a14:m>
                   <m:oMath xmlns:m="http://schemas.openxmlformats.org/officeDocument/2006/math">
                     <m:r>
-                      <a:rPr lang="fr-FR" sz="2000" b="0" i="1" smtClean="0">
+                      <a:rPr lang="fr-FR" sz="2000" b="1" i="1" smtClean="0">
+                        <a:solidFill>
+                          <a:schemeClr val="accent3">
+                            <a:lumMod val="75000"/>
+                          </a:schemeClr>
+                        </a:solidFill>
                         <a:latin typeface="Cambria Math" panose="02040503050406030204" pitchFamily="18" charset="0"/>
                       </a:rPr>
-                      <m:t>𝑄</m:t>
+                      <m:t>𝑸</m:t>
                     </m:r>
                     <m:r>
-                      <a:rPr lang="fr-FR" sz="2000" b="0" i="1" smtClean="0">
+                      <a:rPr lang="fr-FR" sz="2000" b="1" i="1" smtClean="0">
+                        <a:solidFill>
+                          <a:schemeClr val="accent3">
+                            <a:lumMod val="75000"/>
+                          </a:schemeClr>
+                        </a:solidFill>
                         <a:latin typeface="Cambria Math" panose="02040503050406030204" pitchFamily="18" charset="0"/>
                       </a:rPr>
                       <m:t>(</m:t>
                     </m:r>
                     <m:r>
-                      <a:rPr lang="fr-FR" sz="2000" b="0" i="1" smtClean="0">
+                      <a:rPr lang="fr-FR" sz="2000" b="1" i="1" smtClean="0">
+                        <a:solidFill>
+                          <a:schemeClr val="accent3">
+                            <a:lumMod val="75000"/>
+                          </a:schemeClr>
+                        </a:solidFill>
                         <a:latin typeface="Cambria Math" panose="02040503050406030204" pitchFamily="18" charset="0"/>
                       </a:rPr>
-                      <m:t>𝑐</m:t>
+                      <m:t>𝒄</m:t>
                     </m:r>
                     <m:r>
-                      <a:rPr lang="fr-FR" sz="2000" b="0" i="1" smtClean="0">
+                      <a:rPr lang="fr-FR" sz="2000" b="1" i="1" smtClean="0">
+                        <a:solidFill>
+                          <a:schemeClr val="accent3">
+                            <a:lumMod val="75000"/>
+                          </a:schemeClr>
+                        </a:solidFill>
                         <a:latin typeface="Cambria Math" panose="02040503050406030204" pitchFamily="18" charset="0"/>
                       </a:rPr>
-                      <m:t>4, </m:t>
+                      <m:t>𝟒</m:t>
                     </m:r>
                     <m:r>
-                      <a:rPr lang="fr-FR" sz="2000" b="0" i="1" smtClean="0">
+                      <a:rPr lang="fr-FR" sz="2000" b="1" i="1" smtClean="0">
+                        <a:solidFill>
+                          <a:schemeClr val="accent3">
+                            <a:lumMod val="75000"/>
+                          </a:schemeClr>
+                        </a:solidFill>
                         <a:latin typeface="Cambria Math" panose="02040503050406030204" pitchFamily="18" charset="0"/>
                       </a:rPr>
-                      <m:t>𝐵𝑎𝑠</m:t>
+                      <m:t>, </m:t>
                     </m:r>
                     <m:r>
-                      <a:rPr lang="fr-FR" sz="2000" b="0" i="1" smtClean="0">
+                      <a:rPr lang="fr-FR" sz="2000" b="1" i="1" smtClean="0">
+                        <a:solidFill>
+                          <a:schemeClr val="accent3">
+                            <a:lumMod val="75000"/>
+                          </a:schemeClr>
+                        </a:solidFill>
+                        <a:latin typeface="Cambria Math" panose="02040503050406030204" pitchFamily="18" charset="0"/>
+                      </a:rPr>
+                      <m:t>𝑩𝒂𝒔</m:t>
+                    </m:r>
+                    <m:r>
+                      <a:rPr lang="fr-FR" sz="2000" b="1" i="1" smtClean="0">
+                        <a:solidFill>
+                          <a:schemeClr val="accent3">
+                            <a:lumMod val="75000"/>
+                          </a:schemeClr>
+                        </a:solidFill>
                         <a:latin typeface="Cambria Math" panose="02040503050406030204" pitchFamily="18" charset="0"/>
                       </a:rPr>
                       <m:t>)</m:t>
@@ -38287,7 +39058,13 @@
                   </m:oMath>
                 </a14:m>
                 <a:r>
-                  <a:rPr lang="fr-FR" sz="2000" dirty="0"/>
+                  <a:rPr lang="fr-FR" sz="2000" b="1" dirty="0">
+                    <a:solidFill>
+                      <a:schemeClr val="accent3">
+                        <a:lumMod val="75000"/>
+                      </a:schemeClr>
+                    </a:solidFill>
+                  </a:rPr>
                   <a:t> ?</a:t>
                 </a:r>
               </a:p>
@@ -38313,13 +39090,13 @@
             </p:nvSpPr>
             <p:spPr>
               <a:xfrm>
-                <a:off x="537750" y="429086"/>
+                <a:off x="537750" y="412308"/>
                 <a:ext cx="10839994" cy="6021978"/>
               </a:xfrm>
               <a:blipFill>
                 <a:blip r:embed="rId2"/>
                 <a:stretch>
-                  <a:fillRect l="-562" t="-1012"/>
+                  <a:fillRect l="-562" t="-1114"/>
                 </a:stretch>
               </a:blipFill>
             </p:spPr>
@@ -38360,7 +39137,7 @@
         </p:blipFill>
         <p:spPr>
           <a:xfrm>
-            <a:off x="6161540" y="1452283"/>
+            <a:off x="6094428" y="1452283"/>
             <a:ext cx="4417467" cy="3600000"/>
           </a:xfrm>
           <a:prstGeom prst="rect">
@@ -38368,10 +39145,2141 @@
           </a:prstGeom>
         </p:spPr>
       </p:pic>
+      <p:sp>
+        <p:nvSpPr>
+          <p:cNvPr id="4" name="ZoneTexte 3">
+            <a:extLst>
+              <a:ext uri="{FF2B5EF4-FFF2-40B4-BE49-F238E27FC236}">
+                <a16:creationId xmlns:a16="http://schemas.microsoft.com/office/drawing/2014/main" id="{B19ED4E4-3287-4BED-98E2-908FAE4BC2A4}"/>
+              </a:ext>
+            </a:extLst>
+          </p:cNvPr>
+          <p:cNvSpPr txBox="1"/>
+          <p:nvPr/>
+        </p:nvSpPr>
+        <p:spPr>
+          <a:xfrm>
+            <a:off x="5375943" y="6518792"/>
+            <a:ext cx="6633037" cy="338554"/>
+          </a:xfrm>
+          <a:prstGeom prst="rect">
+            <a:avLst/>
+          </a:prstGeom>
+          <a:noFill/>
+        </p:spPr>
+        <p:txBody>
+          <a:bodyPr wrap="square">
+            <a:spAutoFit/>
+          </a:bodyPr>
+          <a:lstStyle/>
+          <a:p>
+            <a:pPr marL="0" indent="0" algn="r">
+              <a:buNone/>
+            </a:pPr>
+            <a:r>
+              <a:rPr lang="fr-FR" sz="1600" dirty="0">
+                <a:solidFill>
+                  <a:schemeClr val="accent3">
+                    <a:lumMod val="75000"/>
+                  </a:schemeClr>
+                </a:solidFill>
+              </a:rPr>
+              <a:t>[illustration: https://www.davidsilver.uk/teaching/]</a:t>
+            </a:r>
+          </a:p>
+        </p:txBody>
+      </p:sp>
     </p:spTree>
     <p:extLst>
       <p:ext uri="{BB962C8B-B14F-4D97-AF65-F5344CB8AC3E}">
         <p14:creationId xmlns:p14="http://schemas.microsoft.com/office/powerpoint/2010/main" val="1363697003"/>
+      </p:ext>
+    </p:extLst>
+  </p:cSld>
+  <p:clrMapOvr>
+    <a:masterClrMapping/>
+  </p:clrMapOvr>
+</p:sld>
+</file>
+
+<file path=ppt/slides/slide47.xml><?xml version="1.0" encoding="utf-8"?>
+<p:sld xmlns:a="http://schemas.openxmlformats.org/drawingml/2006/main" xmlns:r="http://schemas.openxmlformats.org/officeDocument/2006/relationships" xmlns:p="http://schemas.openxmlformats.org/presentationml/2006/main">
+  <p:cSld>
+    <p:spTree>
+      <p:nvGrpSpPr>
+        <p:cNvPr id="1" name=""/>
+        <p:cNvGrpSpPr/>
+        <p:nvPr/>
+      </p:nvGrpSpPr>
+      <p:grpSpPr>
+        <a:xfrm>
+          <a:off x="0" y="0"/>
+          <a:ext cx="0" cy="0"/>
+          <a:chOff x="0" y="0"/>
+          <a:chExt cx="0" cy="0"/>
+        </a:xfrm>
+      </p:grpSpPr>
+      <mc:AlternateContent xmlns:mc="http://schemas.openxmlformats.org/markup-compatibility/2006" xmlns:a14="http://schemas.microsoft.com/office/drawing/2010/main">
+        <mc:Choice Requires="a14">
+          <p:sp>
+            <p:nvSpPr>
+              <p:cNvPr id="3" name="Espace réservé du contenu 2">
+                <a:extLst>
+                  <a:ext uri="{FF2B5EF4-FFF2-40B4-BE49-F238E27FC236}">
+                    <a16:creationId xmlns:a16="http://schemas.microsoft.com/office/drawing/2014/main" id="{B59E77B8-2D75-472C-B76C-ABDDE0CAFCD5}"/>
+                  </a:ext>
+                </a:extLst>
+              </p:cNvPr>
+              <p:cNvSpPr>
+                <a:spLocks noGrp="1"/>
+              </p:cNvSpPr>
+              <p:nvPr>
+                <p:ph idx="1"/>
+              </p:nvPr>
+            </p:nvSpPr>
+            <p:spPr>
+              <a:xfrm>
+                <a:off x="537750" y="429086"/>
+                <a:ext cx="10839994" cy="6021978"/>
+              </a:xfrm>
+            </p:spPr>
+            <p:txBody>
+              <a:bodyPr>
+                <a:normAutofit/>
+              </a:bodyPr>
+              <a:lstStyle/>
+              <a:p>
+                <a:pPr marL="0" indent="0">
+                  <a:buNone/>
+                </a:pPr>
+                <a:r>
+                  <a:rPr lang="fr-FR" sz="2400" dirty="0"/>
+                  <a:t>5.2 Equations de Bellman</a:t>
+                </a:r>
+              </a:p>
+              <a:p>
+                <a:pPr marL="0" indent="0">
+                  <a:buNone/>
+                </a:pPr>
+                <a:endParaRPr lang="fr-FR" sz="2000" dirty="0"/>
+              </a:p>
+              <a:p>
+                <a:pPr marL="0" indent="0">
+                  <a:buNone/>
+                </a:pPr>
+                <a:r>
+                  <a:rPr lang="fr-FR" sz="2000" dirty="0"/>
+                  <a:t>La fonction de valeur </a:t>
+                </a:r>
+                <a14:m>
+                  <m:oMath xmlns:m="http://schemas.openxmlformats.org/officeDocument/2006/math">
+                    <m:r>
+                      <a:rPr lang="fr-FR" sz="2000" b="0" i="1" smtClean="0">
+                        <a:latin typeface="Cambria Math" panose="02040503050406030204" pitchFamily="18" charset="0"/>
+                      </a:rPr>
+                      <m:t>𝑉</m:t>
+                    </m:r>
+                  </m:oMath>
+                </a14:m>
+                <a:r>
+                  <a:rPr lang="fr-FR" sz="2000" dirty="0"/>
+                  <a:t> peut être </a:t>
+                </a:r>
+                <a:r>
+                  <a:rPr lang="fr-FR" sz="2000" u="sng" dirty="0"/>
+                  <a:t>décomposée en 2 termes</a:t>
+                </a:r>
+                <a:r>
+                  <a:rPr lang="fr-FR" sz="2000" dirty="0"/>
+                  <a:t>:</a:t>
+                </a:r>
+              </a:p>
+              <a:p>
+                <a:r>
+                  <a:rPr lang="fr-FR" sz="2000" dirty="0"/>
+                  <a:t>Une </a:t>
+                </a:r>
+                <a:r>
+                  <a:rPr lang="fr-FR" sz="2000" b="1" dirty="0"/>
+                  <a:t>récompense immédiate</a:t>
+                </a:r>
+                <a:r>
+                  <a:rPr lang="fr-FR" sz="2000" dirty="0"/>
+                  <a:t> </a:t>
+                </a:r>
+                <a14:m>
+                  <m:oMath xmlns:m="http://schemas.openxmlformats.org/officeDocument/2006/math">
+                    <m:sSub>
+                      <m:sSubPr>
+                        <m:ctrlPr>
+                          <a:rPr lang="fr-FR" sz="2000" b="0" i="1" smtClean="0">
+                            <a:latin typeface="Cambria Math" panose="02040503050406030204" pitchFamily="18" charset="0"/>
+                          </a:rPr>
+                        </m:ctrlPr>
+                      </m:sSubPr>
+                      <m:e>
+                        <m:r>
+                          <a:rPr lang="fr-FR" sz="2000" b="0" i="1" smtClean="0">
+                            <a:latin typeface="Cambria Math" panose="02040503050406030204" pitchFamily="18" charset="0"/>
+                          </a:rPr>
+                          <m:t>𝑟</m:t>
+                        </m:r>
+                      </m:e>
+                      <m:sub>
+                        <m:r>
+                          <a:rPr lang="fr-FR" sz="2000" b="0" i="1" smtClean="0">
+                            <a:latin typeface="Cambria Math" panose="02040503050406030204" pitchFamily="18" charset="0"/>
+                          </a:rPr>
+                          <m:t>𝑡</m:t>
+                        </m:r>
+                        <m:r>
+                          <a:rPr lang="fr-FR" sz="2000" b="0" i="1" smtClean="0">
+                            <a:latin typeface="Cambria Math" panose="02040503050406030204" pitchFamily="18" charset="0"/>
+                          </a:rPr>
+                          <m:t>+1</m:t>
+                        </m:r>
+                      </m:sub>
+                    </m:sSub>
+                  </m:oMath>
+                </a14:m>
+                <a:endParaRPr lang="fr-FR" sz="2000" dirty="0"/>
+              </a:p>
+              <a:p>
+                <a:r>
+                  <a:rPr lang="fr-FR" sz="2000" dirty="0"/>
+                  <a:t>Une </a:t>
+                </a:r>
+                <a:r>
+                  <a:rPr lang="fr-FR" sz="2000" b="1" dirty="0"/>
+                  <a:t>valeur pour l’état suivant</a:t>
+                </a:r>
+                <a:r>
+                  <a:rPr lang="fr-FR" sz="2000" dirty="0"/>
+                  <a:t> </a:t>
+                </a:r>
+                <a14:m>
+                  <m:oMath xmlns:m="http://schemas.openxmlformats.org/officeDocument/2006/math">
+                    <m:r>
+                      <a:rPr lang="fr-FR" sz="2000" b="0" i="1" smtClean="0">
+                        <a:latin typeface="Cambria Math" panose="02040503050406030204" pitchFamily="18" charset="0"/>
+                      </a:rPr>
+                      <m:t>𝛾</m:t>
+                    </m:r>
+                    <m:r>
+                      <a:rPr lang="fr-FR" sz="2000" b="0" i="1" smtClean="0">
+                        <a:latin typeface="Cambria Math" panose="02040503050406030204" pitchFamily="18" charset="0"/>
+                      </a:rPr>
+                      <m:t> </m:t>
+                    </m:r>
+                    <m:r>
+                      <a:rPr lang="fr-FR" sz="2000" b="0" i="1" smtClean="0">
+                        <a:latin typeface="Cambria Math" panose="02040503050406030204" pitchFamily="18" charset="0"/>
+                      </a:rPr>
+                      <m:t>𝑉</m:t>
+                    </m:r>
+                    <m:r>
+                      <a:rPr lang="fr-FR" sz="2000" b="0" i="1" smtClean="0">
+                        <a:latin typeface="Cambria Math" panose="02040503050406030204" pitchFamily="18" charset="0"/>
+                      </a:rPr>
+                      <m:t>(</m:t>
+                    </m:r>
+                    <m:sSub>
+                      <m:sSubPr>
+                        <m:ctrlPr>
+                          <a:rPr lang="fr-FR" sz="2000" b="0" i="1" smtClean="0">
+                            <a:latin typeface="Cambria Math" panose="02040503050406030204" pitchFamily="18" charset="0"/>
+                          </a:rPr>
+                        </m:ctrlPr>
+                      </m:sSubPr>
+                      <m:e>
+                        <m:r>
+                          <a:rPr lang="fr-FR" sz="2000" b="0" i="1" smtClean="0">
+                            <a:latin typeface="Cambria Math" panose="02040503050406030204" pitchFamily="18" charset="0"/>
+                          </a:rPr>
+                          <m:t>𝑠</m:t>
+                        </m:r>
+                      </m:e>
+                      <m:sub>
+                        <m:r>
+                          <a:rPr lang="fr-FR" sz="2000" b="0" i="1" smtClean="0">
+                            <a:latin typeface="Cambria Math" panose="02040503050406030204" pitchFamily="18" charset="0"/>
+                          </a:rPr>
+                          <m:t>𝑡</m:t>
+                        </m:r>
+                        <m:r>
+                          <a:rPr lang="fr-FR" sz="2000" b="0" i="1" smtClean="0">
+                            <a:latin typeface="Cambria Math" panose="02040503050406030204" pitchFamily="18" charset="0"/>
+                          </a:rPr>
+                          <m:t>+1</m:t>
+                        </m:r>
+                      </m:sub>
+                    </m:sSub>
+                    <m:r>
+                      <a:rPr lang="fr-FR" sz="2000" b="0" i="1" smtClean="0">
+                        <a:latin typeface="Cambria Math" panose="02040503050406030204" pitchFamily="18" charset="0"/>
+                      </a:rPr>
+                      <m:t>)</m:t>
+                    </m:r>
+                  </m:oMath>
+                </a14:m>
+                <a:r>
+                  <a:rPr lang="fr-FR" sz="2000" i="1" dirty="0"/>
+                  <a:t> </a:t>
+                </a:r>
+              </a:p>
+              <a:p>
+                <a:endParaRPr lang="fr-FR" sz="2000" i="1" dirty="0"/>
+              </a:p>
+              <a:p>
+                <a:pPr marL="0" indent="0">
+                  <a:buNone/>
+                </a:pPr>
+                <a14:m>
+                  <m:oMathPara xmlns:m="http://schemas.openxmlformats.org/officeDocument/2006/math">
+                    <m:oMathParaPr>
+                      <m:jc m:val="centerGroup"/>
+                    </m:oMathParaPr>
+                    <m:oMath xmlns:m="http://schemas.openxmlformats.org/officeDocument/2006/math">
+                      <m:sSub>
+                        <m:sSubPr>
+                          <m:ctrlPr>
+                            <a:rPr lang="fr-FR" sz="2000" b="0" i="1" smtClean="0">
+                              <a:latin typeface="Cambria Math" panose="02040503050406030204" pitchFamily="18" charset="0"/>
+                            </a:rPr>
+                          </m:ctrlPr>
+                        </m:sSubPr>
+                        <m:e>
+                          <m:r>
+                            <a:rPr lang="fr-FR" sz="2000" b="0" i="1" smtClean="0">
+                              <a:latin typeface="Cambria Math" panose="02040503050406030204" pitchFamily="18" charset="0"/>
+                            </a:rPr>
+                            <m:t>𝑉</m:t>
+                          </m:r>
+                        </m:e>
+                        <m:sub>
+                          <m:r>
+                            <a:rPr lang="fr-FR" sz="2000" b="0" i="1" smtClean="0">
+                              <a:latin typeface="Cambria Math" panose="02040503050406030204" pitchFamily="18" charset="0"/>
+                            </a:rPr>
+                            <m:t>𝜋</m:t>
+                          </m:r>
+                        </m:sub>
+                      </m:sSub>
+                      <m:d>
+                        <m:dPr>
+                          <m:ctrlPr>
+                            <a:rPr lang="fr-FR" sz="2000" b="0" i="1" smtClean="0">
+                              <a:latin typeface="Cambria Math" panose="02040503050406030204" pitchFamily="18" charset="0"/>
+                            </a:rPr>
+                          </m:ctrlPr>
+                        </m:dPr>
+                        <m:e>
+                          <m:sSub>
+                            <m:sSubPr>
+                              <m:ctrlPr>
+                                <a:rPr lang="fr-FR" sz="2000" b="0" i="1" smtClean="0">
+                                  <a:latin typeface="Cambria Math" panose="02040503050406030204" pitchFamily="18" charset="0"/>
+                                </a:rPr>
+                              </m:ctrlPr>
+                            </m:sSubPr>
+                            <m:e>
+                              <m:r>
+                                <a:rPr lang="fr-FR" sz="2000" b="0" i="1" smtClean="0">
+                                  <a:latin typeface="Cambria Math" panose="02040503050406030204" pitchFamily="18" charset="0"/>
+                                </a:rPr>
+                                <m:t>𝑠</m:t>
+                              </m:r>
+                            </m:e>
+                            <m:sub>
+                              <m:r>
+                                <a:rPr lang="fr-FR" sz="2000" b="0" i="1" smtClean="0">
+                                  <a:latin typeface="Cambria Math" panose="02040503050406030204" pitchFamily="18" charset="0"/>
+                                </a:rPr>
+                                <m:t>𝑡</m:t>
+                              </m:r>
+                            </m:sub>
+                          </m:sSub>
+                        </m:e>
+                      </m:d>
+                      <m:r>
+                        <a:rPr lang="fr-FR" sz="2000" b="0" i="1" smtClean="0">
+                          <a:latin typeface="Cambria Math" panose="02040503050406030204" pitchFamily="18" charset="0"/>
+                        </a:rPr>
+                        <m:t>=</m:t>
+                      </m:r>
+                      <m:sSub>
+                        <m:sSubPr>
+                          <m:ctrlPr>
+                            <a:rPr lang="fr-FR" sz="2000" b="0" i="1" smtClean="0">
+                              <a:latin typeface="Cambria Math" panose="02040503050406030204" pitchFamily="18" charset="0"/>
+                            </a:rPr>
+                          </m:ctrlPr>
+                        </m:sSubPr>
+                        <m:e>
+                          <m:r>
+                            <a:rPr lang="fr-FR" sz="2000" b="0" i="1" smtClean="0">
+                              <a:latin typeface="Cambria Math" panose="02040503050406030204" pitchFamily="18" charset="0"/>
+                            </a:rPr>
+                            <m:t>𝑟</m:t>
+                          </m:r>
+                        </m:e>
+                        <m:sub>
+                          <m:r>
+                            <a:rPr lang="fr-FR" sz="2000" b="0" i="1" smtClean="0">
+                              <a:latin typeface="Cambria Math" panose="02040503050406030204" pitchFamily="18" charset="0"/>
+                            </a:rPr>
+                            <m:t>𝑡</m:t>
+                          </m:r>
+                          <m:r>
+                            <a:rPr lang="fr-FR" sz="2000" b="0" i="1" smtClean="0">
+                              <a:latin typeface="Cambria Math" panose="02040503050406030204" pitchFamily="18" charset="0"/>
+                            </a:rPr>
+                            <m:t>+1</m:t>
+                          </m:r>
+                        </m:sub>
+                      </m:sSub>
+                      <m:r>
+                        <a:rPr lang="fr-FR" sz="2000" b="0" i="1" smtClean="0">
+                          <a:latin typeface="Cambria Math" panose="02040503050406030204" pitchFamily="18" charset="0"/>
+                        </a:rPr>
+                        <m:t>+</m:t>
+                      </m:r>
+                      <m:r>
+                        <a:rPr lang="fr-FR" sz="2000" b="0" i="1" smtClean="0">
+                          <a:latin typeface="Cambria Math" panose="02040503050406030204" pitchFamily="18" charset="0"/>
+                        </a:rPr>
+                        <m:t>𝛾</m:t>
+                      </m:r>
+                      <m:r>
+                        <a:rPr lang="fr-FR" sz="2000" b="0" i="1" smtClean="0">
+                          <a:latin typeface="Cambria Math" panose="02040503050406030204" pitchFamily="18" charset="0"/>
+                        </a:rPr>
+                        <m:t> </m:t>
+                      </m:r>
+                      <m:sSub>
+                        <m:sSubPr>
+                          <m:ctrlPr>
+                            <a:rPr lang="fr-FR" sz="2000" b="0" i="1" smtClean="0">
+                              <a:latin typeface="Cambria Math" panose="02040503050406030204" pitchFamily="18" charset="0"/>
+                            </a:rPr>
+                          </m:ctrlPr>
+                        </m:sSubPr>
+                        <m:e>
+                          <m:r>
+                            <a:rPr lang="fr-FR" sz="2000" b="0" i="1" smtClean="0">
+                              <a:latin typeface="Cambria Math" panose="02040503050406030204" pitchFamily="18" charset="0"/>
+                            </a:rPr>
+                            <m:t>𝑟</m:t>
+                          </m:r>
+                        </m:e>
+                        <m:sub>
+                          <m:r>
+                            <a:rPr lang="fr-FR" sz="2000" b="0" i="1" smtClean="0">
+                              <a:latin typeface="Cambria Math" panose="02040503050406030204" pitchFamily="18" charset="0"/>
+                            </a:rPr>
+                            <m:t>𝑡</m:t>
+                          </m:r>
+                          <m:r>
+                            <a:rPr lang="fr-FR" sz="2000" b="0" i="1" smtClean="0">
+                              <a:latin typeface="Cambria Math" panose="02040503050406030204" pitchFamily="18" charset="0"/>
+                            </a:rPr>
+                            <m:t>+1</m:t>
+                          </m:r>
+                        </m:sub>
+                      </m:sSub>
+                      <m:r>
+                        <a:rPr lang="fr-FR" sz="2000" b="0" i="1" smtClean="0">
+                          <a:latin typeface="Cambria Math" panose="02040503050406030204" pitchFamily="18" charset="0"/>
+                        </a:rPr>
+                        <m:t>+</m:t>
+                      </m:r>
+                      <m:sSup>
+                        <m:sSupPr>
+                          <m:ctrlPr>
+                            <a:rPr lang="fr-FR" sz="2000" b="0" i="1" smtClean="0">
+                              <a:latin typeface="Cambria Math" panose="02040503050406030204" pitchFamily="18" charset="0"/>
+                            </a:rPr>
+                          </m:ctrlPr>
+                        </m:sSupPr>
+                        <m:e>
+                          <m:r>
+                            <a:rPr lang="fr-FR" sz="2000" b="0" i="1" smtClean="0">
+                              <a:latin typeface="Cambria Math" panose="02040503050406030204" pitchFamily="18" charset="0"/>
+                            </a:rPr>
+                            <m:t>𝛾</m:t>
+                          </m:r>
+                        </m:e>
+                        <m:sup>
+                          <m:r>
+                            <a:rPr lang="fr-FR" sz="2000" b="0" i="1" smtClean="0">
+                              <a:latin typeface="Cambria Math" panose="02040503050406030204" pitchFamily="18" charset="0"/>
+                            </a:rPr>
+                            <m:t>2</m:t>
+                          </m:r>
+                        </m:sup>
+                      </m:sSup>
+                      <m:sSub>
+                        <m:sSubPr>
+                          <m:ctrlPr>
+                            <a:rPr lang="fr-FR" sz="2000" b="0" i="1" smtClean="0">
+                              <a:latin typeface="Cambria Math" panose="02040503050406030204" pitchFamily="18" charset="0"/>
+                            </a:rPr>
+                          </m:ctrlPr>
+                        </m:sSubPr>
+                        <m:e>
+                          <m:r>
+                            <a:rPr lang="fr-FR" sz="2000" b="0" i="1" smtClean="0">
+                              <a:latin typeface="Cambria Math" panose="02040503050406030204" pitchFamily="18" charset="0"/>
+                            </a:rPr>
+                            <m:t>𝑟</m:t>
+                          </m:r>
+                        </m:e>
+                        <m:sub>
+                          <m:r>
+                            <a:rPr lang="fr-FR" sz="2000" b="0" i="1" smtClean="0">
+                              <a:latin typeface="Cambria Math" panose="02040503050406030204" pitchFamily="18" charset="0"/>
+                            </a:rPr>
+                            <m:t>𝑡</m:t>
+                          </m:r>
+                          <m:r>
+                            <a:rPr lang="fr-FR" sz="2000" b="0" i="1" smtClean="0">
+                              <a:latin typeface="Cambria Math" panose="02040503050406030204" pitchFamily="18" charset="0"/>
+                            </a:rPr>
+                            <m:t>+2</m:t>
+                          </m:r>
+                        </m:sub>
+                      </m:sSub>
+                      <m:r>
+                        <a:rPr lang="fr-FR" sz="2000" b="0" i="1" smtClean="0">
+                          <a:latin typeface="Cambria Math" panose="02040503050406030204" pitchFamily="18" charset="0"/>
+                        </a:rPr>
+                        <m:t>+ …</m:t>
+                      </m:r>
+                    </m:oMath>
+                  </m:oMathPara>
+                </a14:m>
+                <a:endParaRPr lang="fr-FR" sz="2000" dirty="0"/>
+              </a:p>
+              <a:p>
+                <a:pPr marL="0" indent="0">
+                  <a:buNone/>
+                </a:pPr>
+                <a14:m>
+                  <m:oMathPara xmlns:m="http://schemas.openxmlformats.org/officeDocument/2006/math">
+                    <m:oMathParaPr>
+                      <m:jc m:val="centerGroup"/>
+                    </m:oMathParaPr>
+                    <m:oMath xmlns:m="http://schemas.openxmlformats.org/officeDocument/2006/math">
+                      <m:r>
+                        <a:rPr lang="fr-FR" sz="2000" b="0" i="1" smtClean="0">
+                          <a:latin typeface="Cambria Math" panose="02040503050406030204" pitchFamily="18" charset="0"/>
+                        </a:rPr>
+                        <m:t>               =</m:t>
+                      </m:r>
+                      <m:sSub>
+                        <m:sSubPr>
+                          <m:ctrlPr>
+                            <a:rPr lang="fr-FR" sz="2000" b="0" i="1" smtClean="0">
+                              <a:latin typeface="Cambria Math" panose="02040503050406030204" pitchFamily="18" charset="0"/>
+                            </a:rPr>
+                          </m:ctrlPr>
+                        </m:sSubPr>
+                        <m:e>
+                          <m:r>
+                            <a:rPr lang="fr-FR" sz="2000" b="0" i="1" smtClean="0">
+                              <a:latin typeface="Cambria Math" panose="02040503050406030204" pitchFamily="18" charset="0"/>
+                            </a:rPr>
+                            <m:t>𝑟</m:t>
+                          </m:r>
+                        </m:e>
+                        <m:sub>
+                          <m:r>
+                            <a:rPr lang="fr-FR" sz="2000" b="0" i="1" smtClean="0">
+                              <a:latin typeface="Cambria Math" panose="02040503050406030204" pitchFamily="18" charset="0"/>
+                            </a:rPr>
+                            <m:t>𝑡</m:t>
+                          </m:r>
+                          <m:r>
+                            <a:rPr lang="fr-FR" sz="2000" b="0" i="1" smtClean="0">
+                              <a:latin typeface="Cambria Math" panose="02040503050406030204" pitchFamily="18" charset="0"/>
+                            </a:rPr>
+                            <m:t>+1</m:t>
+                          </m:r>
+                        </m:sub>
+                      </m:sSub>
+                      <m:r>
+                        <a:rPr lang="fr-FR" sz="2000" b="0" i="1" smtClean="0">
+                          <a:latin typeface="Cambria Math" panose="02040503050406030204" pitchFamily="18" charset="0"/>
+                        </a:rPr>
+                        <m:t>+</m:t>
+                      </m:r>
+                      <m:r>
+                        <a:rPr lang="fr-FR" sz="2000" b="0" i="1" smtClean="0">
+                          <a:latin typeface="Cambria Math" panose="02040503050406030204" pitchFamily="18" charset="0"/>
+                        </a:rPr>
+                        <m:t>𝛾</m:t>
+                      </m:r>
+                      <m:r>
+                        <a:rPr lang="fr-FR" sz="2000" b="0" i="1" smtClean="0">
+                          <a:latin typeface="Cambria Math" panose="02040503050406030204" pitchFamily="18" charset="0"/>
+                        </a:rPr>
+                        <m:t> (</m:t>
+                      </m:r>
+                      <m:sSub>
+                        <m:sSubPr>
+                          <m:ctrlPr>
+                            <a:rPr lang="fr-FR" sz="2000" b="0" i="1" smtClean="0">
+                              <a:latin typeface="Cambria Math" panose="02040503050406030204" pitchFamily="18" charset="0"/>
+                            </a:rPr>
+                          </m:ctrlPr>
+                        </m:sSubPr>
+                        <m:e>
+                          <m:r>
+                            <a:rPr lang="fr-FR" sz="2000" b="0" i="1" smtClean="0">
+                              <a:latin typeface="Cambria Math" panose="02040503050406030204" pitchFamily="18" charset="0"/>
+                            </a:rPr>
+                            <m:t>𝑟</m:t>
+                          </m:r>
+                        </m:e>
+                        <m:sub>
+                          <m:r>
+                            <a:rPr lang="fr-FR" sz="2000" b="0" i="1" smtClean="0">
+                              <a:latin typeface="Cambria Math" panose="02040503050406030204" pitchFamily="18" charset="0"/>
+                            </a:rPr>
+                            <m:t>𝑡</m:t>
+                          </m:r>
+                          <m:r>
+                            <a:rPr lang="fr-FR" sz="2000" b="0" i="1" smtClean="0">
+                              <a:latin typeface="Cambria Math" panose="02040503050406030204" pitchFamily="18" charset="0"/>
+                            </a:rPr>
+                            <m:t>+1</m:t>
+                          </m:r>
+                        </m:sub>
+                      </m:sSub>
+                      <m:r>
+                        <a:rPr lang="fr-FR" sz="2000" b="0" i="1" smtClean="0">
+                          <a:latin typeface="Cambria Math" panose="02040503050406030204" pitchFamily="18" charset="0"/>
+                        </a:rPr>
+                        <m:t>+</m:t>
+                      </m:r>
+                      <m:r>
+                        <a:rPr lang="fr-FR" sz="2000" b="0" i="1" smtClean="0">
+                          <a:latin typeface="Cambria Math" panose="02040503050406030204" pitchFamily="18" charset="0"/>
+                        </a:rPr>
+                        <m:t>𝛾</m:t>
+                      </m:r>
+                      <m:sSub>
+                        <m:sSubPr>
+                          <m:ctrlPr>
+                            <a:rPr lang="fr-FR" sz="2000" b="0" i="1" smtClean="0">
+                              <a:latin typeface="Cambria Math" panose="02040503050406030204" pitchFamily="18" charset="0"/>
+                            </a:rPr>
+                          </m:ctrlPr>
+                        </m:sSubPr>
+                        <m:e>
+                          <m:r>
+                            <a:rPr lang="fr-FR" sz="2000" b="0" i="1" smtClean="0">
+                              <a:latin typeface="Cambria Math" panose="02040503050406030204" pitchFamily="18" charset="0"/>
+                            </a:rPr>
+                            <m:t>𝑟</m:t>
+                          </m:r>
+                        </m:e>
+                        <m:sub>
+                          <m:r>
+                            <a:rPr lang="fr-FR" sz="2000" b="0" i="1" smtClean="0">
+                              <a:latin typeface="Cambria Math" panose="02040503050406030204" pitchFamily="18" charset="0"/>
+                            </a:rPr>
+                            <m:t>𝑡</m:t>
+                          </m:r>
+                          <m:r>
+                            <a:rPr lang="fr-FR" sz="2000" b="0" i="1" smtClean="0">
+                              <a:latin typeface="Cambria Math" panose="02040503050406030204" pitchFamily="18" charset="0"/>
+                            </a:rPr>
+                            <m:t>+2</m:t>
+                          </m:r>
+                        </m:sub>
+                      </m:sSub>
+                      <m:r>
+                        <a:rPr lang="fr-FR" sz="2000" b="0" i="1" smtClean="0">
+                          <a:latin typeface="Cambria Math" panose="02040503050406030204" pitchFamily="18" charset="0"/>
+                        </a:rPr>
+                        <m:t>+ …)</m:t>
+                      </m:r>
+                    </m:oMath>
+                  </m:oMathPara>
+                </a14:m>
+                <a:endParaRPr lang="fr-FR" sz="2000" dirty="0"/>
+              </a:p>
+              <a:p>
+                <a:pPr marL="0" indent="0">
+                  <a:buNone/>
+                </a:pPr>
+                <a14:m>
+                  <m:oMathPara xmlns:m="http://schemas.openxmlformats.org/officeDocument/2006/math">
+                    <m:oMathParaPr>
+                      <m:jc m:val="centerGroup"/>
+                    </m:oMathParaPr>
+                    <m:oMath xmlns:m="http://schemas.openxmlformats.org/officeDocument/2006/math">
+                      <m:r>
+                        <a:rPr lang="fr-FR" sz="2000" b="0" i="1" smtClean="0">
+                          <a:latin typeface="Cambria Math" panose="02040503050406030204" pitchFamily="18" charset="0"/>
+                        </a:rPr>
+                        <m:t>         =</m:t>
+                      </m:r>
+                      <m:sSub>
+                        <m:sSubPr>
+                          <m:ctrlPr>
+                            <a:rPr lang="fr-FR" sz="2000" b="0" i="1" smtClean="0">
+                              <a:latin typeface="Cambria Math" panose="02040503050406030204" pitchFamily="18" charset="0"/>
+                            </a:rPr>
+                          </m:ctrlPr>
+                        </m:sSubPr>
+                        <m:e>
+                          <m:r>
+                            <a:rPr lang="fr-FR" sz="2000" b="0" i="1" smtClean="0">
+                              <a:latin typeface="Cambria Math" panose="02040503050406030204" pitchFamily="18" charset="0"/>
+                            </a:rPr>
+                            <m:t>𝑟</m:t>
+                          </m:r>
+                        </m:e>
+                        <m:sub>
+                          <m:r>
+                            <a:rPr lang="fr-FR" sz="2000" b="0" i="1" smtClean="0">
+                              <a:latin typeface="Cambria Math" panose="02040503050406030204" pitchFamily="18" charset="0"/>
+                            </a:rPr>
+                            <m:t>𝑡</m:t>
+                          </m:r>
+                          <m:r>
+                            <a:rPr lang="fr-FR" sz="2000" b="0" i="1" smtClean="0">
+                              <a:latin typeface="Cambria Math" panose="02040503050406030204" pitchFamily="18" charset="0"/>
+                            </a:rPr>
+                            <m:t>+1</m:t>
+                          </m:r>
+                        </m:sub>
+                      </m:sSub>
+                      <m:r>
+                        <a:rPr lang="fr-FR" sz="2000" b="0" i="1" smtClean="0">
+                          <a:latin typeface="Cambria Math" panose="02040503050406030204" pitchFamily="18" charset="0"/>
+                        </a:rPr>
+                        <m:t>+</m:t>
+                      </m:r>
+                      <m:r>
+                        <a:rPr lang="fr-FR" sz="2000" b="0" i="1" smtClean="0">
+                          <a:latin typeface="Cambria Math" panose="02040503050406030204" pitchFamily="18" charset="0"/>
+                        </a:rPr>
+                        <m:t>𝛾</m:t>
+                      </m:r>
+                      <m:r>
+                        <a:rPr lang="fr-FR" sz="2000" b="0" i="1" smtClean="0">
+                          <a:latin typeface="Cambria Math" panose="02040503050406030204" pitchFamily="18" charset="0"/>
+                        </a:rPr>
+                        <m:t> </m:t>
+                      </m:r>
+                      <m:sSub>
+                        <m:sSubPr>
+                          <m:ctrlPr>
+                            <a:rPr lang="fr-FR" sz="2000" b="0" i="1" smtClean="0">
+                              <a:latin typeface="Cambria Math" panose="02040503050406030204" pitchFamily="18" charset="0"/>
+                            </a:rPr>
+                          </m:ctrlPr>
+                        </m:sSubPr>
+                        <m:e>
+                          <m:r>
+                            <a:rPr lang="fr-FR" sz="2000" b="0" i="1" smtClean="0">
+                              <a:latin typeface="Cambria Math" panose="02040503050406030204" pitchFamily="18" charset="0"/>
+                            </a:rPr>
+                            <m:t>𝑉</m:t>
+                          </m:r>
+                        </m:e>
+                        <m:sub>
+                          <m:r>
+                            <a:rPr lang="fr-FR" sz="2000" b="0" i="1" smtClean="0">
+                              <a:latin typeface="Cambria Math" panose="02040503050406030204" pitchFamily="18" charset="0"/>
+                            </a:rPr>
+                            <m:t>𝜋</m:t>
+                          </m:r>
+                        </m:sub>
+                      </m:sSub>
+                      <m:d>
+                        <m:dPr>
+                          <m:ctrlPr>
+                            <a:rPr lang="fr-FR" sz="2000" b="0" i="1" smtClean="0">
+                              <a:latin typeface="Cambria Math" panose="02040503050406030204" pitchFamily="18" charset="0"/>
+                            </a:rPr>
+                          </m:ctrlPr>
+                        </m:dPr>
+                        <m:e>
+                          <m:sSub>
+                            <m:sSubPr>
+                              <m:ctrlPr>
+                                <a:rPr lang="fr-FR" sz="2000" b="0" i="1" smtClean="0">
+                                  <a:latin typeface="Cambria Math" panose="02040503050406030204" pitchFamily="18" charset="0"/>
+                                </a:rPr>
+                              </m:ctrlPr>
+                            </m:sSubPr>
+                            <m:e>
+                              <m:r>
+                                <a:rPr lang="fr-FR" sz="2000" b="0" i="1" smtClean="0">
+                                  <a:latin typeface="Cambria Math" panose="02040503050406030204" pitchFamily="18" charset="0"/>
+                                </a:rPr>
+                                <m:t>𝑠</m:t>
+                              </m:r>
+                            </m:e>
+                            <m:sub>
+                              <m:r>
+                                <a:rPr lang="fr-FR" sz="2000" b="0" i="1" smtClean="0">
+                                  <a:latin typeface="Cambria Math" panose="02040503050406030204" pitchFamily="18" charset="0"/>
+                                </a:rPr>
+                                <m:t>𝑡</m:t>
+                              </m:r>
+                              <m:r>
+                                <a:rPr lang="fr-FR" sz="2000" b="0" i="1" smtClean="0">
+                                  <a:latin typeface="Cambria Math" panose="02040503050406030204" pitchFamily="18" charset="0"/>
+                                </a:rPr>
+                                <m:t>+1</m:t>
+                              </m:r>
+                            </m:sub>
+                          </m:sSub>
+                        </m:e>
+                      </m:d>
+                      <m:r>
+                        <a:rPr lang="fr-FR" sz="2000" b="0" i="1" smtClean="0">
+                          <a:latin typeface="Cambria Math" panose="02040503050406030204" pitchFamily="18" charset="0"/>
+                        </a:rPr>
+                        <m:t>                </m:t>
+                      </m:r>
+                    </m:oMath>
+                  </m:oMathPara>
+                </a14:m>
+                <a:endParaRPr lang="fr-FR" sz="2000" dirty="0"/>
+              </a:p>
+              <a:p>
+                <a:pPr marL="0" indent="0" algn="ctr">
+                  <a:buNone/>
+                </a:pPr>
+                <a:r>
+                  <a:rPr lang="fr-FR" sz="2000" dirty="0"/>
+                  <a:t>avec </a:t>
+                </a:r>
+                <a14:m>
+                  <m:oMath xmlns:m="http://schemas.openxmlformats.org/officeDocument/2006/math">
+                    <m:sSub>
+                      <m:sSubPr>
+                        <m:ctrlPr>
+                          <a:rPr lang="fr-FR" sz="2000" b="0" i="1" smtClean="0">
+                            <a:latin typeface="Cambria Math" panose="02040503050406030204" pitchFamily="18" charset="0"/>
+                          </a:rPr>
+                        </m:ctrlPr>
+                      </m:sSubPr>
+                      <m:e>
+                        <m:r>
+                          <a:rPr lang="fr-FR" sz="2000" b="0" i="1" smtClean="0">
+                            <a:latin typeface="Cambria Math" panose="02040503050406030204" pitchFamily="18" charset="0"/>
+                          </a:rPr>
+                          <m:t>𝑟</m:t>
+                        </m:r>
+                      </m:e>
+                      <m:sub>
+                        <m:r>
+                          <a:rPr lang="fr-FR" sz="2000" b="0" i="1" smtClean="0">
+                            <a:latin typeface="Cambria Math" panose="02040503050406030204" pitchFamily="18" charset="0"/>
+                          </a:rPr>
+                          <m:t>𝑡</m:t>
+                        </m:r>
+                      </m:sub>
+                    </m:sSub>
+                    <m:r>
+                      <a:rPr lang="fr-FR" sz="2000" b="0" i="1" smtClean="0">
+                        <a:latin typeface="Cambria Math" panose="02040503050406030204" pitchFamily="18" charset="0"/>
+                      </a:rPr>
+                      <m:t>, </m:t>
+                    </m:r>
+                    <m:sSub>
+                      <m:sSubPr>
+                        <m:ctrlPr>
+                          <a:rPr lang="fr-FR" sz="2000" b="0" i="1" smtClean="0">
+                            <a:latin typeface="Cambria Math" panose="02040503050406030204" pitchFamily="18" charset="0"/>
+                          </a:rPr>
+                        </m:ctrlPr>
+                      </m:sSubPr>
+                      <m:e>
+                        <m:r>
+                          <a:rPr lang="fr-FR" sz="2000" b="0" i="1" smtClean="0">
+                            <a:latin typeface="Cambria Math" panose="02040503050406030204" pitchFamily="18" charset="0"/>
+                          </a:rPr>
+                          <m:t>𝑟</m:t>
+                        </m:r>
+                      </m:e>
+                      <m:sub>
+                        <m:r>
+                          <a:rPr lang="fr-FR" sz="2000" b="0" i="1" smtClean="0">
+                            <a:latin typeface="Cambria Math" panose="02040503050406030204" pitchFamily="18" charset="0"/>
+                          </a:rPr>
+                          <m:t>𝑡</m:t>
+                        </m:r>
+                        <m:r>
+                          <a:rPr lang="fr-FR" sz="2000" b="0" i="1" smtClean="0">
+                            <a:latin typeface="Cambria Math" panose="02040503050406030204" pitchFamily="18" charset="0"/>
+                          </a:rPr>
+                          <m:t>+1</m:t>
+                        </m:r>
+                      </m:sub>
+                    </m:sSub>
+                    <m:r>
+                      <a:rPr lang="fr-FR" sz="2000" b="0" i="1" smtClean="0">
+                        <a:latin typeface="Cambria Math" panose="02040503050406030204" pitchFamily="18" charset="0"/>
+                      </a:rPr>
+                      <m:t>,…</m:t>
+                    </m:r>
+                  </m:oMath>
+                </a14:m>
+                <a:r>
+                  <a:rPr lang="fr-FR" sz="2000" dirty="0"/>
+                  <a:t> obtenus en suivant la politique </a:t>
+                </a:r>
+                <a14:m>
+                  <m:oMath xmlns:m="http://schemas.openxmlformats.org/officeDocument/2006/math">
+                    <m:r>
+                      <a:rPr lang="fr-FR" sz="2000" b="0" i="1" smtClean="0">
+                        <a:latin typeface="Cambria Math" panose="02040503050406030204" pitchFamily="18" charset="0"/>
+                      </a:rPr>
+                      <m:t>𝜋</m:t>
+                    </m:r>
+                  </m:oMath>
+                </a14:m>
+                <a:r>
+                  <a:rPr lang="fr-FR" sz="2000" dirty="0"/>
+                  <a:t>.</a:t>
+                </a:r>
+              </a:p>
+              <a:p>
+                <a:pPr marL="0" indent="0">
+                  <a:buNone/>
+                </a:pPr>
+                <a:endParaRPr lang="fr-FR" sz="2000" dirty="0"/>
+              </a:p>
+              <a:p>
+                <a:pPr marL="0" indent="0">
+                  <a:buNone/>
+                </a:pPr>
+                <a:r>
+                  <a:rPr lang="fr-FR" sz="2000" dirty="0"/>
+                  <a:t>Pour </a:t>
+                </a:r>
+                <a14:m>
+                  <m:oMath xmlns:m="http://schemas.openxmlformats.org/officeDocument/2006/math">
+                    <m:r>
+                      <a:rPr lang="fr-FR" sz="2000" b="0" i="1" smtClean="0">
+                        <a:latin typeface="Cambria Math" panose="02040503050406030204" pitchFamily="18" charset="0"/>
+                      </a:rPr>
+                      <m:t>𝑄</m:t>
+                    </m:r>
+                  </m:oMath>
+                </a14:m>
+                <a:r>
+                  <a:rPr lang="fr-FR" sz="2000" dirty="0"/>
+                  <a:t>:</a:t>
+                </a:r>
+              </a:p>
+              <a:p>
+                <a:pPr marL="0" indent="0">
+                  <a:buNone/>
+                </a:pPr>
+                <a14:m>
+                  <m:oMathPara xmlns:m="http://schemas.openxmlformats.org/officeDocument/2006/math">
+                    <m:oMathParaPr>
+                      <m:jc m:val="centerGroup"/>
+                    </m:oMathParaPr>
+                    <m:oMath xmlns:m="http://schemas.openxmlformats.org/officeDocument/2006/math">
+                      <m:sSub>
+                        <m:sSubPr>
+                          <m:ctrlPr>
+                            <a:rPr lang="fr-FR" sz="2000" b="0" i="1" smtClean="0">
+                              <a:latin typeface="Cambria Math" panose="02040503050406030204" pitchFamily="18" charset="0"/>
+                            </a:rPr>
+                          </m:ctrlPr>
+                        </m:sSubPr>
+                        <m:e>
+                          <m:r>
+                            <a:rPr lang="fr-FR" sz="2000" b="0" i="1" smtClean="0">
+                              <a:latin typeface="Cambria Math" panose="02040503050406030204" pitchFamily="18" charset="0"/>
+                            </a:rPr>
+                            <m:t>𝑄</m:t>
+                          </m:r>
+                        </m:e>
+                        <m:sub>
+                          <m:r>
+                            <a:rPr lang="fr-FR" sz="2000" b="0" i="1" smtClean="0">
+                              <a:latin typeface="Cambria Math" panose="02040503050406030204" pitchFamily="18" charset="0"/>
+                            </a:rPr>
+                            <m:t>𝜋</m:t>
+                          </m:r>
+                        </m:sub>
+                      </m:sSub>
+                      <m:d>
+                        <m:dPr>
+                          <m:ctrlPr>
+                            <a:rPr lang="fr-FR" sz="2000" b="0" i="1" smtClean="0">
+                              <a:latin typeface="Cambria Math" panose="02040503050406030204" pitchFamily="18" charset="0"/>
+                            </a:rPr>
+                          </m:ctrlPr>
+                        </m:dPr>
+                        <m:e>
+                          <m:sSub>
+                            <m:sSubPr>
+                              <m:ctrlPr>
+                                <a:rPr lang="fr-FR" sz="2000" b="0" i="1" smtClean="0">
+                                  <a:latin typeface="Cambria Math" panose="02040503050406030204" pitchFamily="18" charset="0"/>
+                                </a:rPr>
+                              </m:ctrlPr>
+                            </m:sSubPr>
+                            <m:e>
+                              <m:r>
+                                <a:rPr lang="fr-FR" sz="2000" b="0" i="1" smtClean="0">
+                                  <a:latin typeface="Cambria Math" panose="02040503050406030204" pitchFamily="18" charset="0"/>
+                                </a:rPr>
+                                <m:t>𝑠</m:t>
+                              </m:r>
+                            </m:e>
+                            <m:sub>
+                              <m:r>
+                                <a:rPr lang="fr-FR" sz="2000" b="0" i="1" smtClean="0">
+                                  <a:latin typeface="Cambria Math" panose="02040503050406030204" pitchFamily="18" charset="0"/>
+                                </a:rPr>
+                                <m:t>𝑡</m:t>
+                              </m:r>
+                            </m:sub>
+                          </m:sSub>
+                          <m:r>
+                            <a:rPr lang="fr-FR" sz="2000" b="0" i="1" smtClean="0">
+                              <a:latin typeface="Cambria Math" panose="02040503050406030204" pitchFamily="18" charset="0"/>
+                            </a:rPr>
+                            <m:t>, </m:t>
+                          </m:r>
+                          <m:sSub>
+                            <m:sSubPr>
+                              <m:ctrlPr>
+                                <a:rPr lang="fr-FR" sz="2000" b="0" i="1" smtClean="0">
+                                  <a:latin typeface="Cambria Math" panose="02040503050406030204" pitchFamily="18" charset="0"/>
+                                </a:rPr>
+                              </m:ctrlPr>
+                            </m:sSubPr>
+                            <m:e>
+                              <m:r>
+                                <a:rPr lang="fr-FR" sz="2000" b="0" i="1" smtClean="0">
+                                  <a:latin typeface="Cambria Math" panose="02040503050406030204" pitchFamily="18" charset="0"/>
+                                </a:rPr>
+                                <m:t>𝑎</m:t>
+                              </m:r>
+                            </m:e>
+                            <m:sub>
+                              <m:r>
+                                <a:rPr lang="fr-FR" sz="2000" b="0" i="1" smtClean="0">
+                                  <a:latin typeface="Cambria Math" panose="02040503050406030204" pitchFamily="18" charset="0"/>
+                                </a:rPr>
+                                <m:t>𝑡</m:t>
+                              </m:r>
+                            </m:sub>
+                          </m:sSub>
+                        </m:e>
+                      </m:d>
+                      <m:r>
+                        <a:rPr lang="fr-FR" sz="2000" b="0" i="1" smtClean="0">
+                          <a:latin typeface="Cambria Math" panose="02040503050406030204" pitchFamily="18" charset="0"/>
+                        </a:rPr>
+                        <m:t>=</m:t>
+                      </m:r>
+                      <m:sSub>
+                        <m:sSubPr>
+                          <m:ctrlPr>
+                            <a:rPr lang="fr-FR" sz="2000" b="0" i="1" smtClean="0">
+                              <a:latin typeface="Cambria Math" panose="02040503050406030204" pitchFamily="18" charset="0"/>
+                            </a:rPr>
+                          </m:ctrlPr>
+                        </m:sSubPr>
+                        <m:e>
+                          <m:r>
+                            <a:rPr lang="fr-FR" sz="2000" b="0" i="1" smtClean="0">
+                              <a:latin typeface="Cambria Math" panose="02040503050406030204" pitchFamily="18" charset="0"/>
+                            </a:rPr>
+                            <m:t>𝑟</m:t>
+                          </m:r>
+                        </m:e>
+                        <m:sub>
+                          <m:r>
+                            <a:rPr lang="fr-FR" sz="2000" b="0" i="1" smtClean="0">
+                              <a:latin typeface="Cambria Math" panose="02040503050406030204" pitchFamily="18" charset="0"/>
+                            </a:rPr>
+                            <m:t>𝑡</m:t>
+                          </m:r>
+                          <m:r>
+                            <a:rPr lang="fr-FR" sz="2000" b="0" i="1" smtClean="0">
+                              <a:latin typeface="Cambria Math" panose="02040503050406030204" pitchFamily="18" charset="0"/>
+                            </a:rPr>
+                            <m:t>+1</m:t>
+                          </m:r>
+                        </m:sub>
+                      </m:sSub>
+                      <m:r>
+                        <a:rPr lang="fr-FR" sz="2000" b="0" i="1" smtClean="0">
+                          <a:latin typeface="Cambria Math" panose="02040503050406030204" pitchFamily="18" charset="0"/>
+                        </a:rPr>
+                        <m:t>+</m:t>
+                      </m:r>
+                      <m:r>
+                        <a:rPr lang="fr-FR" sz="2000" b="0" i="1" smtClean="0">
+                          <a:latin typeface="Cambria Math" panose="02040503050406030204" pitchFamily="18" charset="0"/>
+                        </a:rPr>
+                        <m:t>𝛾</m:t>
+                      </m:r>
+                      <m:r>
+                        <a:rPr lang="fr-FR" sz="2000" b="0" i="1" smtClean="0">
+                          <a:latin typeface="Cambria Math" panose="02040503050406030204" pitchFamily="18" charset="0"/>
+                        </a:rPr>
+                        <m:t> </m:t>
+                      </m:r>
+                      <m:sSub>
+                        <m:sSubPr>
+                          <m:ctrlPr>
+                            <a:rPr lang="fr-FR" sz="2000" b="0" i="1" smtClean="0">
+                              <a:latin typeface="Cambria Math" panose="02040503050406030204" pitchFamily="18" charset="0"/>
+                            </a:rPr>
+                          </m:ctrlPr>
+                        </m:sSubPr>
+                        <m:e>
+                          <m:r>
+                            <a:rPr lang="fr-FR" sz="2000" b="0" i="1" smtClean="0">
+                              <a:latin typeface="Cambria Math" panose="02040503050406030204" pitchFamily="18" charset="0"/>
+                            </a:rPr>
+                            <m:t>𝑄</m:t>
+                          </m:r>
+                        </m:e>
+                        <m:sub>
+                          <m:r>
+                            <a:rPr lang="fr-FR" sz="2000" b="0" i="1" smtClean="0">
+                              <a:latin typeface="Cambria Math" panose="02040503050406030204" pitchFamily="18" charset="0"/>
+                            </a:rPr>
+                            <m:t>𝜋</m:t>
+                          </m:r>
+                        </m:sub>
+                      </m:sSub>
+                      <m:r>
+                        <a:rPr lang="fr-FR" sz="2000" b="0" i="1" smtClean="0">
+                          <a:latin typeface="Cambria Math" panose="02040503050406030204" pitchFamily="18" charset="0"/>
+                        </a:rPr>
+                        <m:t>(</m:t>
+                      </m:r>
+                      <m:sSub>
+                        <m:sSubPr>
+                          <m:ctrlPr>
+                            <a:rPr lang="fr-FR" sz="2000" b="0" i="1" smtClean="0">
+                              <a:latin typeface="Cambria Math" panose="02040503050406030204" pitchFamily="18" charset="0"/>
+                            </a:rPr>
+                          </m:ctrlPr>
+                        </m:sSubPr>
+                        <m:e>
+                          <m:r>
+                            <a:rPr lang="fr-FR" sz="2000" b="0" i="1" smtClean="0">
+                              <a:latin typeface="Cambria Math" panose="02040503050406030204" pitchFamily="18" charset="0"/>
+                            </a:rPr>
+                            <m:t>𝑠</m:t>
+                          </m:r>
+                        </m:e>
+                        <m:sub>
+                          <m:r>
+                            <a:rPr lang="fr-FR" sz="2000" b="0" i="1" smtClean="0">
+                              <a:latin typeface="Cambria Math" panose="02040503050406030204" pitchFamily="18" charset="0"/>
+                            </a:rPr>
+                            <m:t>𝑡</m:t>
+                          </m:r>
+                          <m:r>
+                            <a:rPr lang="fr-FR" sz="2000" b="0" i="1" smtClean="0">
+                              <a:latin typeface="Cambria Math" panose="02040503050406030204" pitchFamily="18" charset="0"/>
+                            </a:rPr>
+                            <m:t>+1</m:t>
+                          </m:r>
+                        </m:sub>
+                      </m:sSub>
+                      <m:r>
+                        <a:rPr lang="fr-FR" sz="2000" b="0" i="1" smtClean="0">
+                          <a:latin typeface="Cambria Math" panose="02040503050406030204" pitchFamily="18" charset="0"/>
+                        </a:rPr>
+                        <m:t>, </m:t>
+                      </m:r>
+                      <m:r>
+                        <a:rPr lang="fr-FR" sz="2000" b="0" i="1" smtClean="0">
+                          <a:latin typeface="Cambria Math" panose="02040503050406030204" pitchFamily="18" charset="0"/>
+                        </a:rPr>
+                        <m:t>𝜋</m:t>
+                      </m:r>
+                      <m:d>
+                        <m:dPr>
+                          <m:ctrlPr>
+                            <a:rPr lang="fr-FR" sz="2000" b="0" i="1" smtClean="0">
+                              <a:latin typeface="Cambria Math" panose="02040503050406030204" pitchFamily="18" charset="0"/>
+                            </a:rPr>
+                          </m:ctrlPr>
+                        </m:dPr>
+                        <m:e>
+                          <m:sSub>
+                            <m:sSubPr>
+                              <m:ctrlPr>
+                                <a:rPr lang="fr-FR" sz="2000" b="0" i="1" smtClean="0">
+                                  <a:latin typeface="Cambria Math" panose="02040503050406030204" pitchFamily="18" charset="0"/>
+                                </a:rPr>
+                              </m:ctrlPr>
+                            </m:sSubPr>
+                            <m:e>
+                              <m:r>
+                                <a:rPr lang="fr-FR" sz="2000" b="0" i="1" smtClean="0">
+                                  <a:latin typeface="Cambria Math" panose="02040503050406030204" pitchFamily="18" charset="0"/>
+                                </a:rPr>
+                                <m:t>𝑠</m:t>
+                              </m:r>
+                            </m:e>
+                            <m:sub>
+                              <m:r>
+                                <a:rPr lang="fr-FR" sz="2000" b="0" i="1" smtClean="0">
+                                  <a:latin typeface="Cambria Math" panose="02040503050406030204" pitchFamily="18" charset="0"/>
+                                </a:rPr>
+                                <m:t>𝑡</m:t>
+                              </m:r>
+                              <m:r>
+                                <a:rPr lang="fr-FR" sz="2000" b="0" i="1" smtClean="0">
+                                  <a:latin typeface="Cambria Math" panose="02040503050406030204" pitchFamily="18" charset="0"/>
+                                </a:rPr>
+                                <m:t>+1</m:t>
+                              </m:r>
+                            </m:sub>
+                          </m:sSub>
+                        </m:e>
+                      </m:d>
+                      <m:r>
+                        <a:rPr lang="fr-FR" sz="2000" b="0" i="1" smtClean="0">
+                          <a:latin typeface="Cambria Math" panose="02040503050406030204" pitchFamily="18" charset="0"/>
+                        </a:rPr>
+                        <m:t>)</m:t>
+                      </m:r>
+                    </m:oMath>
+                  </m:oMathPara>
+                </a14:m>
+                <a:endParaRPr lang="fr-FR" sz="2000" dirty="0"/>
+              </a:p>
+              <a:p>
+                <a:pPr marL="0" indent="0" algn="ctr">
+                  <a:buNone/>
+                </a:pPr>
+                <a:r>
+                  <a:rPr lang="fr-FR" sz="2000" dirty="0"/>
+                  <a:t>Avec </a:t>
+                </a:r>
+                <a14:m>
+                  <m:oMath xmlns:m="http://schemas.openxmlformats.org/officeDocument/2006/math">
+                    <m:sSub>
+                      <m:sSubPr>
+                        <m:ctrlPr>
+                          <a:rPr lang="fr-FR" sz="2000" i="1">
+                            <a:latin typeface="Cambria Math" panose="02040503050406030204" pitchFamily="18" charset="0"/>
+                          </a:rPr>
+                        </m:ctrlPr>
+                      </m:sSubPr>
+                      <m:e>
+                        <m:r>
+                          <a:rPr lang="fr-FR" sz="2000" i="1">
+                            <a:latin typeface="Cambria Math" panose="02040503050406030204" pitchFamily="18" charset="0"/>
+                          </a:rPr>
+                          <m:t>𝑟</m:t>
+                        </m:r>
+                      </m:e>
+                      <m:sub>
+                        <m:r>
+                          <a:rPr lang="fr-FR" sz="2000" i="1">
+                            <a:latin typeface="Cambria Math" panose="02040503050406030204" pitchFamily="18" charset="0"/>
+                          </a:rPr>
+                          <m:t>𝑡</m:t>
+                        </m:r>
+                      </m:sub>
+                    </m:sSub>
+                  </m:oMath>
+                </a14:m>
+                <a:r>
+                  <a:rPr lang="fr-FR" sz="2000" dirty="0"/>
+                  <a:t> obtenu avec </a:t>
+                </a:r>
+                <a14:m>
+                  <m:oMath xmlns:m="http://schemas.openxmlformats.org/officeDocument/2006/math">
+                    <m:sSub>
+                      <m:sSubPr>
+                        <m:ctrlPr>
+                          <a:rPr lang="fr-FR" sz="2000" b="0" i="1" smtClean="0">
+                            <a:latin typeface="Cambria Math" panose="02040503050406030204" pitchFamily="18" charset="0"/>
+                          </a:rPr>
+                        </m:ctrlPr>
+                      </m:sSubPr>
+                      <m:e>
+                        <m:r>
+                          <a:rPr lang="fr-FR" sz="2000" b="0" i="1" smtClean="0">
+                            <a:latin typeface="Cambria Math" panose="02040503050406030204" pitchFamily="18" charset="0"/>
+                          </a:rPr>
+                          <m:t>𝑎</m:t>
+                        </m:r>
+                      </m:e>
+                      <m:sub>
+                        <m:r>
+                          <a:rPr lang="fr-FR" sz="2000" b="0" i="1" smtClean="0">
+                            <a:latin typeface="Cambria Math" panose="02040503050406030204" pitchFamily="18" charset="0"/>
+                          </a:rPr>
+                          <m:t>𝑡</m:t>
+                        </m:r>
+                      </m:sub>
+                    </m:sSub>
+                  </m:oMath>
+                </a14:m>
+                <a:r>
+                  <a:rPr lang="fr-FR" sz="2000" dirty="0"/>
+                  <a:t> puis  </a:t>
+                </a:r>
+                <a14:m>
+                  <m:oMath xmlns:m="http://schemas.openxmlformats.org/officeDocument/2006/math">
+                    <m:sSub>
+                      <m:sSubPr>
+                        <m:ctrlPr>
+                          <a:rPr lang="fr-FR" sz="2000" b="0" i="1" smtClean="0">
+                            <a:latin typeface="Cambria Math" panose="02040503050406030204" pitchFamily="18" charset="0"/>
+                          </a:rPr>
+                        </m:ctrlPr>
+                      </m:sSubPr>
+                      <m:e>
+                        <m:r>
+                          <a:rPr lang="fr-FR" sz="2000" b="0" i="1" smtClean="0">
+                            <a:latin typeface="Cambria Math" panose="02040503050406030204" pitchFamily="18" charset="0"/>
+                          </a:rPr>
+                          <m:t>𝑟</m:t>
+                        </m:r>
+                      </m:e>
+                      <m:sub>
+                        <m:r>
+                          <a:rPr lang="fr-FR" sz="2000" b="0" i="1" smtClean="0">
+                            <a:latin typeface="Cambria Math" panose="02040503050406030204" pitchFamily="18" charset="0"/>
+                          </a:rPr>
+                          <m:t>𝑡</m:t>
+                        </m:r>
+                        <m:r>
+                          <a:rPr lang="fr-FR" sz="2000" b="0" i="1" smtClean="0">
+                            <a:latin typeface="Cambria Math" panose="02040503050406030204" pitchFamily="18" charset="0"/>
+                          </a:rPr>
+                          <m:t>+1</m:t>
+                        </m:r>
+                      </m:sub>
+                    </m:sSub>
+                    <m:r>
+                      <a:rPr lang="fr-FR" sz="2000" b="0" i="1" smtClean="0">
+                        <a:latin typeface="Cambria Math" panose="02040503050406030204" pitchFamily="18" charset="0"/>
+                      </a:rPr>
+                      <m:t>, </m:t>
+                    </m:r>
+                    <m:sSub>
+                      <m:sSubPr>
+                        <m:ctrlPr>
+                          <a:rPr lang="fr-FR" sz="2000" b="0" i="1" smtClean="0">
+                            <a:latin typeface="Cambria Math" panose="02040503050406030204" pitchFamily="18" charset="0"/>
+                          </a:rPr>
+                        </m:ctrlPr>
+                      </m:sSubPr>
+    